--- a/CPP-Summit.pptx
+++ b/CPP-Summit.pptx
@@ -14,6 +14,10 @@
     <p:sldId id="263" r:id="rId8"/>
     <p:sldId id="264" r:id="rId9"/>
     <p:sldId id="257" r:id="rId10"/>
+    <p:sldId id="265" r:id="rId11"/>
+    <p:sldId id="267" r:id="rId12"/>
+    <p:sldId id="266" r:id="rId13"/>
+    <p:sldId id="268" r:id="rId14"/>
   </p:sldIdLst>
   <p:sldSz cx="9144000" cy="6858000" type="screen4x3"/>
   <p:notesSz cx="6858000" cy="9144000"/>
@@ -114,7 +118,7 @@
   </p:defaultTextStyle>
   <p:extLst>
     <p:ext uri="{EFAFB233-063F-42B5-8137-9DF3F51BA10A}">
-      <p15:sldGuideLst xmlns:p15="http://schemas.microsoft.com/office/powerpoint/2012/main" xmlns=""/>
+      <p15:sldGuideLst xmlns="" xmlns:p15="http://schemas.microsoft.com/office/powerpoint/2012/main"/>
     </p:ext>
   </p:extLst>
 </p:presentation>
@@ -149,7 +153,7 @@
           <a:blip r:embed="rId2">
             <a:extLst>
               <a:ext uri="{28A0092B-C50C-407E-A947-70E740481C1C}">
-                <a14:useLocalDpi xmlns:a14="http://schemas.microsoft.com/office/drawing/2010/main" xmlns="" val="0"/>
+                <a14:useLocalDpi xmlns="" xmlns:a14="http://schemas.microsoft.com/office/drawing/2010/main" val="0"/>
               </a:ext>
             </a:extLst>
           </a:blip>
@@ -194,7 +198,7 @@
     </p:spTree>
     <p:extLst>
       <p:ext uri="{BB962C8B-B14F-4D97-AF65-F5344CB8AC3E}">
-        <p14:creationId xmlns:p14="http://schemas.microsoft.com/office/powerpoint/2010/main" xmlns="" val="1338936593"/>
+        <p14:creationId xmlns="" xmlns:p14="http://schemas.microsoft.com/office/powerpoint/2010/main" val="1338936593"/>
       </p:ext>
     </p:extLst>
   </p:cSld>
@@ -233,7 +237,7 @@
           <a:blip r:embed="rId2">
             <a:extLst>
               <a:ext uri="{28A0092B-C50C-407E-A947-70E740481C1C}">
-                <a14:useLocalDpi xmlns:a14="http://schemas.microsoft.com/office/drawing/2010/main" xmlns="" val="0"/>
+                <a14:useLocalDpi xmlns="" xmlns:a14="http://schemas.microsoft.com/office/drawing/2010/main" val="0"/>
               </a:ext>
             </a:extLst>
           </a:blip>
@@ -255,7 +259,7 @@
           <p:cNvPr id="9" name="文本占位符 10">
             <a:extLst>
               <a:ext uri="{FF2B5EF4-FFF2-40B4-BE49-F238E27FC236}">
-                <a16:creationId xmlns="" xmlns:a16="http://schemas.microsoft.com/office/drawing/2014/main" id="{01D010F3-905B-4D60-A57E-5C1F1E5D7F48}"/>
+                <a16:creationId xmlns:a16="http://schemas.microsoft.com/office/drawing/2014/main" xmlns="" id="{01D010F3-905B-4D60-A57E-5C1F1E5D7F48}"/>
               </a:ext>
             </a:extLst>
           </p:cNvPr>
@@ -421,7 +425,7 @@
     </p:spTree>
     <p:extLst>
       <p:ext uri="{BB962C8B-B14F-4D97-AF65-F5344CB8AC3E}">
-        <p14:creationId xmlns:p14="http://schemas.microsoft.com/office/powerpoint/2010/main" xmlns="" val="4137035524"/>
+        <p14:creationId xmlns="" xmlns:p14="http://schemas.microsoft.com/office/powerpoint/2010/main" val="4137035524"/>
       </p:ext>
     </p:extLst>
   </p:cSld>
@@ -518,7 +522,7 @@
     </p:spTree>
     <p:extLst>
       <p:ext uri="{BB962C8B-B14F-4D97-AF65-F5344CB8AC3E}">
-        <p14:creationId xmlns:p14="http://schemas.microsoft.com/office/powerpoint/2010/main" xmlns="" val="1759841624"/>
+        <p14:creationId xmlns="" xmlns:p14="http://schemas.microsoft.com/office/powerpoint/2010/main" val="1759841624"/>
       </p:ext>
     </p:extLst>
   </p:cSld>
@@ -769,7 +773,7 @@
     </p:spTree>
     <p:extLst>
       <p:ext uri="{BB962C8B-B14F-4D97-AF65-F5344CB8AC3E}">
-        <p14:creationId xmlns:p14="http://schemas.microsoft.com/office/powerpoint/2010/main" xmlns="" val="3267739063"/>
+        <p14:creationId xmlns="" xmlns:p14="http://schemas.microsoft.com/office/powerpoint/2010/main" val="3267739063"/>
       </p:ext>
     </p:extLst>
   </p:cSld>
@@ -1084,7 +1088,7 @@
           <p:cNvPr id="6" name="文本框 5">
             <a:extLst>
               <a:ext uri="{FF2B5EF4-FFF2-40B4-BE49-F238E27FC236}">
-                <a16:creationId xmlns="" xmlns:a16="http://schemas.microsoft.com/office/drawing/2014/main" id="{80BDF59C-8876-4C07-86D1-096C6CCDE453}"/>
+                <a16:creationId xmlns:a16="http://schemas.microsoft.com/office/drawing/2014/main" xmlns="" id="{80BDF59C-8876-4C07-86D1-096C6CCDE453}"/>
               </a:ext>
             </a:extLst>
           </p:cNvPr>
@@ -1167,7 +1171,7 @@
           <p:cNvPr id="7" name="文本框 6">
             <a:extLst>
               <a:ext uri="{FF2B5EF4-FFF2-40B4-BE49-F238E27FC236}">
-                <a16:creationId xmlns="" xmlns:a16="http://schemas.microsoft.com/office/drawing/2014/main" id="{9641ACBE-BC14-4FC9-81D3-2BCBC14FA20C}"/>
+                <a16:creationId xmlns:a16="http://schemas.microsoft.com/office/drawing/2014/main" xmlns="" id="{9641ACBE-BC14-4FC9-81D3-2BCBC14FA20C}"/>
               </a:ext>
             </a:extLst>
           </p:cNvPr>
@@ -1217,7 +1221,7 @@
           <p:cNvPr id="8" name="文本框 7">
             <a:extLst>
               <a:ext uri="{FF2B5EF4-FFF2-40B4-BE49-F238E27FC236}">
-                <a16:creationId xmlns="" xmlns:a16="http://schemas.microsoft.com/office/drawing/2014/main" id="{7B3317C5-8A3B-41BC-BEF9-80955951153B}"/>
+                <a16:creationId xmlns:a16="http://schemas.microsoft.com/office/drawing/2014/main" xmlns="" id="{7B3317C5-8A3B-41BC-BEF9-80955951153B}"/>
               </a:ext>
             </a:extLst>
           </p:cNvPr>
@@ -1266,20 +1270,7 @@
                 <a:ea typeface="微软雅黑" panose="020B0503020204020204" pitchFamily="34" charset="-122"/>
                 <a:cs typeface="Arial" panose="020B0604020202020204" pitchFamily="34" charset="0"/>
               </a:rPr>
-              <a:t>p</a:t>
-            </a:r>
-            <a:r>
-              <a:rPr lang="en-US" altLang="zh-CN" sz="1600" dirty="0" smtClean="0">
-                <a:solidFill>
-                  <a:schemeClr val="bg1">
-                    <a:alpha val="40000"/>
-                  </a:schemeClr>
-                </a:solidFill>
-                <a:latin typeface="Arial" panose="020B0604020202020204" pitchFamily="34" charset="0"/>
-                <a:ea typeface="微软雅黑" panose="020B0503020204020204" pitchFamily="34" charset="-122"/>
-                <a:cs typeface="Arial" panose="020B0604020202020204" pitchFamily="34" charset="0"/>
-              </a:rPr>
-              <a:t>urecpp.org</a:t>
+              <a:t>purecpp.org</a:t>
             </a:r>
             <a:endParaRPr lang="en-US" altLang="zh-CN" sz="1600" dirty="0">
               <a:solidFill>
@@ -1297,9 +1288,445 @@
     </p:spTree>
     <p:extLst>
       <p:ext uri="{BB962C8B-B14F-4D97-AF65-F5344CB8AC3E}">
-        <p14:creationId xmlns:p14="http://schemas.microsoft.com/office/powerpoint/2010/main" xmlns="" val="2080158732"/>
+        <p14:creationId xmlns="" xmlns:p14="http://schemas.microsoft.com/office/powerpoint/2010/main" val="2080158732"/>
       </p:ext>
     </p:extLst>
+  </p:cSld>
+  <p:clrMapOvr>
+    <a:masterClrMapping/>
+  </p:clrMapOvr>
+</p:sld>
+</file>
+
+<file path=ppt/slides/slide10.xml><?xml version="1.0" encoding="utf-8"?>
+<p:sld xmlns:a="http://schemas.openxmlformats.org/drawingml/2006/main" xmlns:r="http://schemas.openxmlformats.org/officeDocument/2006/relationships" xmlns:p="http://schemas.openxmlformats.org/presentationml/2006/main">
+  <p:cSld>
+    <p:spTree>
+      <p:nvGrpSpPr>
+        <p:cNvPr id="1" name=""/>
+        <p:cNvGrpSpPr/>
+        <p:nvPr/>
+      </p:nvGrpSpPr>
+      <p:grpSpPr>
+        <a:xfrm>
+          <a:off x="0" y="0"/>
+          <a:ext cx="0" cy="0"/>
+          <a:chOff x="0" y="0"/>
+          <a:chExt cx="0" cy="0"/>
+        </a:xfrm>
+      </p:grpSpPr>
+      <p:sp>
+        <p:nvSpPr>
+          <p:cNvPr id="2" name="文本占位符 1"/>
+          <p:cNvSpPr>
+            <a:spLocks noGrp="1"/>
+          </p:cNvSpPr>
+          <p:nvPr>
+            <p:ph type="body" sz="quarter" idx="10"/>
+          </p:nvPr>
+        </p:nvSpPr>
+        <p:spPr/>
+        <p:txBody>
+          <a:bodyPr>
+            <a:normAutofit lnSpcReduction="10000"/>
+          </a:bodyPr>
+          <a:lstStyle/>
+          <a:p>
+            <a:endParaRPr lang="zh-CN" altLang="en-US"/>
+          </a:p>
+        </p:txBody>
+      </p:sp>
+      <p:sp>
+        <p:nvSpPr>
+          <p:cNvPr id="3" name="内容占位符 2"/>
+          <p:cNvSpPr>
+            <a:spLocks noGrp="1"/>
+          </p:cNvSpPr>
+          <p:nvPr>
+            <p:ph sz="quarter" idx="11"/>
+          </p:nvPr>
+        </p:nvSpPr>
+        <p:spPr/>
+        <p:txBody>
+          <a:bodyPr/>
+          <a:lstStyle/>
+          <a:p>
+            <a:endParaRPr lang="zh-CN" altLang="en-US"/>
+          </a:p>
+        </p:txBody>
+      </p:sp>
+      <p:pic>
+        <p:nvPicPr>
+          <p:cNvPr id="1027" name="Picture 3"/>
+          <p:cNvPicPr>
+            <a:picLocks noChangeAspect="1" noChangeArrowheads="1"/>
+          </p:cNvPicPr>
+          <p:nvPr/>
+        </p:nvPicPr>
+        <p:blipFill>
+          <a:blip r:embed="rId2"/>
+          <a:srcRect/>
+          <a:stretch>
+            <a:fillRect/>
+          </a:stretch>
+        </p:blipFill>
+        <p:spPr bwMode="auto">
+          <a:xfrm>
+            <a:off x="2191963" y="2028046"/>
+            <a:ext cx="4743450" cy="3400425"/>
+          </a:xfrm>
+          <a:prstGeom prst="rect">
+            <a:avLst/>
+          </a:prstGeom>
+          <a:noFill/>
+          <a:ln w="9525">
+            <a:noFill/>
+            <a:miter lim="800000"/>
+            <a:headEnd/>
+            <a:tailEnd/>
+          </a:ln>
+          <a:effectLst/>
+        </p:spPr>
+      </p:pic>
+    </p:spTree>
+  </p:cSld>
+  <p:clrMapOvr>
+    <a:masterClrMapping/>
+  </p:clrMapOvr>
+  <p:timing>
+    <p:tnLst>
+      <p:par>
+        <p:cTn id="1" dur="indefinite" restart="never" nodeType="tmRoot"/>
+      </p:par>
+    </p:tnLst>
+  </p:timing>
+</p:sld>
+</file>
+
+<file path=ppt/slides/slide11.xml><?xml version="1.0" encoding="utf-8"?>
+<p:sld xmlns:a="http://schemas.openxmlformats.org/drawingml/2006/main" xmlns:r="http://schemas.openxmlformats.org/officeDocument/2006/relationships" xmlns:p="http://schemas.openxmlformats.org/presentationml/2006/main">
+  <p:cSld>
+    <p:spTree>
+      <p:nvGrpSpPr>
+        <p:cNvPr id="1" name=""/>
+        <p:cNvGrpSpPr/>
+        <p:nvPr/>
+      </p:nvGrpSpPr>
+      <p:grpSpPr>
+        <a:xfrm>
+          <a:off x="0" y="0"/>
+          <a:ext cx="0" cy="0"/>
+          <a:chOff x="0" y="0"/>
+          <a:chExt cx="0" cy="0"/>
+        </a:xfrm>
+      </p:grpSpPr>
+      <p:sp>
+        <p:nvSpPr>
+          <p:cNvPr id="2" name="文本占位符 1"/>
+          <p:cNvSpPr>
+            <a:spLocks noGrp="1"/>
+          </p:cNvSpPr>
+          <p:nvPr>
+            <p:ph type="body" sz="quarter" idx="10"/>
+          </p:nvPr>
+        </p:nvSpPr>
+        <p:spPr/>
+        <p:txBody>
+          <a:bodyPr>
+            <a:normAutofit lnSpcReduction="10000"/>
+          </a:bodyPr>
+          <a:lstStyle/>
+          <a:p>
+            <a:endParaRPr lang="zh-CN" altLang="en-US"/>
+          </a:p>
+        </p:txBody>
+      </p:sp>
+      <p:sp>
+        <p:nvSpPr>
+          <p:cNvPr id="3" name="内容占位符 2"/>
+          <p:cNvSpPr>
+            <a:spLocks noGrp="1"/>
+          </p:cNvSpPr>
+          <p:nvPr>
+            <p:ph sz="quarter" idx="11"/>
+          </p:nvPr>
+        </p:nvSpPr>
+        <p:spPr/>
+        <p:txBody>
+          <a:bodyPr/>
+          <a:lstStyle/>
+          <a:p>
+            <a:r>
+              <a:rPr lang="zh-CN" altLang="en-US" dirty="0" smtClean="0"/>
+              <a:t>统一语义的接口</a:t>
+            </a:r>
+            <a:endParaRPr lang="en-US" altLang="zh-CN" dirty="0" smtClean="0"/>
+          </a:p>
+          <a:p>
+            <a:r>
+              <a:rPr lang="zh-CN" altLang="en-US" dirty="0" smtClean="0"/>
+              <a:t>可</a:t>
+            </a:r>
+            <a:r>
+              <a:rPr lang="zh-CN" altLang="en-US" dirty="0" smtClean="0"/>
+              <a:t>扩展的接口</a:t>
+            </a:r>
+            <a:endParaRPr lang="en-US" altLang="zh-CN" dirty="0" smtClean="0"/>
+          </a:p>
+          <a:p>
+            <a:r>
+              <a:rPr lang="zh-CN" altLang="en-US" dirty="0" smtClean="0"/>
+              <a:t>灵活易用的接口</a:t>
+            </a:r>
+            <a:endParaRPr lang="en-US" altLang="zh-CN" dirty="0" smtClean="0"/>
+          </a:p>
+          <a:p>
+            <a:r>
+              <a:rPr lang="zh-CN" altLang="en-US" dirty="0" smtClean="0"/>
+              <a:t>类型映射</a:t>
+            </a:r>
+            <a:endParaRPr lang="en-US" altLang="zh-CN" dirty="0" smtClean="0"/>
+          </a:p>
+          <a:p>
+            <a:r>
+              <a:rPr lang="zh-CN" altLang="en-US" dirty="0" smtClean="0"/>
+              <a:t>编译</a:t>
+            </a:r>
+            <a:r>
+              <a:rPr lang="zh-CN" altLang="en-US" dirty="0" smtClean="0"/>
+              <a:t>期反射</a:t>
+            </a:r>
+            <a:endParaRPr lang="en-US" altLang="zh-CN" dirty="0" smtClean="0"/>
+          </a:p>
+          <a:p>
+            <a:r>
+              <a:rPr lang="zh-CN" altLang="en-US" dirty="0" smtClean="0"/>
+              <a:t>自动生成</a:t>
+            </a:r>
+            <a:r>
+              <a:rPr lang="en-US" altLang="zh-CN" dirty="0" err="1" smtClean="0"/>
+              <a:t>sql</a:t>
+            </a:r>
+            <a:r>
+              <a:rPr lang="zh-CN" altLang="en-US" dirty="0" smtClean="0"/>
+              <a:t>脚本</a:t>
+            </a:r>
+            <a:endParaRPr lang="en-US" altLang="zh-CN" dirty="0" smtClean="0"/>
+          </a:p>
+          <a:p>
+            <a:r>
+              <a:rPr lang="zh-CN" altLang="en-US" dirty="0" smtClean="0"/>
+              <a:t>自动化地实体映射</a:t>
+            </a:r>
+            <a:endParaRPr lang="en-US" altLang="zh-CN" dirty="0" smtClean="0"/>
+          </a:p>
+          <a:p>
+            <a:endParaRPr lang="zh-CN" altLang="en-US" dirty="0"/>
+          </a:p>
+        </p:txBody>
+      </p:sp>
+    </p:spTree>
+  </p:cSld>
+  <p:clrMapOvr>
+    <a:masterClrMapping/>
+  </p:clrMapOvr>
+</p:sld>
+</file>
+
+<file path=ppt/slides/slide12.xml><?xml version="1.0" encoding="utf-8"?>
+<p:sld xmlns:a="http://schemas.openxmlformats.org/drawingml/2006/main" xmlns:r="http://schemas.openxmlformats.org/officeDocument/2006/relationships" xmlns:p="http://schemas.openxmlformats.org/presentationml/2006/main">
+  <p:cSld>
+    <p:spTree>
+      <p:nvGrpSpPr>
+        <p:cNvPr id="1" name=""/>
+        <p:cNvGrpSpPr/>
+        <p:nvPr/>
+      </p:nvGrpSpPr>
+      <p:grpSpPr>
+        <a:xfrm>
+          <a:off x="0" y="0"/>
+          <a:ext cx="0" cy="0"/>
+          <a:chOff x="0" y="0"/>
+          <a:chExt cx="0" cy="0"/>
+        </a:xfrm>
+      </p:grpSpPr>
+      <p:sp>
+        <p:nvSpPr>
+          <p:cNvPr id="2" name="文本占位符 1"/>
+          <p:cNvSpPr>
+            <a:spLocks noGrp="1"/>
+          </p:cNvSpPr>
+          <p:nvPr>
+            <p:ph type="body" sz="quarter" idx="10"/>
+          </p:nvPr>
+        </p:nvSpPr>
+        <p:spPr/>
+        <p:txBody>
+          <a:bodyPr>
+            <a:normAutofit lnSpcReduction="10000"/>
+          </a:bodyPr>
+          <a:lstStyle/>
+          <a:p>
+            <a:endParaRPr lang="zh-CN" altLang="en-US"/>
+          </a:p>
+        </p:txBody>
+      </p:sp>
+      <p:sp>
+        <p:nvSpPr>
+          <p:cNvPr id="3" name="内容占位符 2"/>
+          <p:cNvSpPr>
+            <a:spLocks noGrp="1"/>
+          </p:cNvSpPr>
+          <p:nvPr>
+            <p:ph sz="quarter" idx="11"/>
+          </p:nvPr>
+        </p:nvSpPr>
+        <p:spPr/>
+        <p:txBody>
+          <a:bodyPr/>
+          <a:lstStyle/>
+          <a:p>
+            <a:endParaRPr lang="zh-CN" altLang="en-US"/>
+          </a:p>
+        </p:txBody>
+      </p:sp>
+      <p:pic>
+        <p:nvPicPr>
+          <p:cNvPr id="15362" name="Picture 2" descr="“西餐甜品”的图片搜索结果"/>
+          <p:cNvPicPr>
+            <a:picLocks noChangeAspect="1" noChangeArrowheads="1"/>
+          </p:cNvPicPr>
+          <p:nvPr/>
+        </p:nvPicPr>
+        <p:blipFill>
+          <a:blip r:embed="rId2"/>
+          <a:srcRect/>
+          <a:stretch>
+            <a:fillRect/>
+          </a:stretch>
+        </p:blipFill>
+        <p:spPr bwMode="auto">
+          <a:xfrm>
+            <a:off x="1822597" y="2061557"/>
+            <a:ext cx="5351459" cy="3674397"/>
+          </a:xfrm>
+          <a:prstGeom prst="rect">
+            <a:avLst/>
+          </a:prstGeom>
+          <a:noFill/>
+        </p:spPr>
+      </p:pic>
+    </p:spTree>
+  </p:cSld>
+  <p:clrMapOvr>
+    <a:masterClrMapping/>
+  </p:clrMapOvr>
+  <p:timing>
+    <p:tnLst>
+      <p:par>
+        <p:cTn id="1" dur="indefinite" restart="never" nodeType="tmRoot"/>
+      </p:par>
+    </p:tnLst>
+  </p:timing>
+</p:sld>
+</file>
+
+<file path=ppt/slides/slide13.xml><?xml version="1.0" encoding="utf-8"?>
+<p:sld xmlns:a="http://schemas.openxmlformats.org/drawingml/2006/main" xmlns:r="http://schemas.openxmlformats.org/officeDocument/2006/relationships" xmlns:p="http://schemas.openxmlformats.org/presentationml/2006/main">
+  <p:cSld>
+    <p:spTree>
+      <p:nvGrpSpPr>
+        <p:cNvPr id="1" name=""/>
+        <p:cNvGrpSpPr/>
+        <p:nvPr/>
+      </p:nvGrpSpPr>
+      <p:grpSpPr>
+        <a:xfrm>
+          <a:off x="0" y="0"/>
+          <a:ext cx="0" cy="0"/>
+          <a:chOff x="0" y="0"/>
+          <a:chExt cx="0" cy="0"/>
+        </a:xfrm>
+      </p:grpSpPr>
+      <p:sp>
+        <p:nvSpPr>
+          <p:cNvPr id="2" name="文本占位符 1"/>
+          <p:cNvSpPr>
+            <a:spLocks noGrp="1"/>
+          </p:cNvSpPr>
+          <p:nvPr>
+            <p:ph type="body" sz="quarter" idx="10"/>
+          </p:nvPr>
+        </p:nvSpPr>
+        <p:spPr/>
+        <p:txBody>
+          <a:bodyPr>
+            <a:normAutofit lnSpcReduction="10000"/>
+          </a:bodyPr>
+          <a:lstStyle/>
+          <a:p>
+            <a:r>
+              <a:rPr lang="en-US" altLang="zh-CN" dirty="0" smtClean="0"/>
+              <a:t>AOP</a:t>
+            </a:r>
+            <a:endParaRPr lang="zh-CN" altLang="en-US" dirty="0"/>
+          </a:p>
+        </p:txBody>
+      </p:sp>
+      <p:sp>
+        <p:nvSpPr>
+          <p:cNvPr id="3" name="内容占位符 2"/>
+          <p:cNvSpPr>
+            <a:spLocks noGrp="1"/>
+          </p:cNvSpPr>
+          <p:nvPr>
+            <p:ph sz="quarter" idx="11"/>
+          </p:nvPr>
+        </p:nvSpPr>
+        <p:spPr/>
+        <p:txBody>
+          <a:bodyPr/>
+          <a:lstStyle/>
+          <a:p>
+            <a:r>
+              <a:rPr lang="en-US" altLang="zh-CN" dirty="0" smtClean="0"/>
+              <a:t>Logging</a:t>
+            </a:r>
+          </a:p>
+          <a:p>
+            <a:r>
+              <a:rPr lang="en-US" altLang="zh-CN" dirty="0" smtClean="0"/>
+              <a:t>Validate</a:t>
+            </a:r>
+          </a:p>
+          <a:p>
+            <a:r>
+              <a:rPr lang="en-US" altLang="zh-CN" dirty="0" smtClean="0"/>
+              <a:t>Thread Strategy</a:t>
+            </a:r>
+          </a:p>
+          <a:p>
+            <a:r>
+              <a:rPr lang="en-US" altLang="zh-CN" dirty="0" smtClean="0"/>
+              <a:t>Caching</a:t>
+            </a:r>
+          </a:p>
+          <a:p>
+            <a:r>
+              <a:rPr lang="en-US" altLang="zh-CN" dirty="0" smtClean="0"/>
+              <a:t>Exception handling</a:t>
+            </a:r>
+          </a:p>
+          <a:p>
+            <a:r>
+              <a:rPr lang="en-US" altLang="zh-CN" dirty="0" smtClean="0"/>
+              <a:t>… and lot more</a:t>
+            </a:r>
+            <a:endParaRPr lang="zh-CN" altLang="en-US" dirty="0"/>
+          </a:p>
+        </p:txBody>
+      </p:sp>
+    </p:spTree>
   </p:cSld>
   <p:clrMapOvr>
     <a:masterClrMapping/>
@@ -1886,55 +2313,31 @@
           <a:p>
             <a:r>
               <a:rPr lang="en-US" altLang="zh-CN" dirty="0" smtClean="0"/>
-              <a:t>Type-and </a:t>
-            </a:r>
+              <a:t>Type-and resource-safe</a:t>
+            </a:r>
+          </a:p>
+          <a:p>
             <a:r>
               <a:rPr lang="en-US" altLang="zh-CN" dirty="0" smtClean="0"/>
-              <a:t>resource-safe</a:t>
+              <a:t>Significantly simpler and clearer code</a:t>
             </a:r>
           </a:p>
           <a:p>
             <a:r>
               <a:rPr lang="en-US" altLang="zh-CN" dirty="0" smtClean="0"/>
-              <a:t>Significantly simpler and clearer </a:t>
-            </a:r>
+              <a:t>As fast or faster than anything else</a:t>
+            </a:r>
+          </a:p>
+          <a:p>
             <a:r>
               <a:rPr lang="en-US" altLang="zh-CN" dirty="0" smtClean="0"/>
-              <a:t>code</a:t>
+              <a:t>Good at using “modern hardware”</a:t>
             </a:r>
           </a:p>
           <a:p>
             <a:r>
               <a:rPr lang="en-US" altLang="zh-CN" dirty="0" smtClean="0"/>
-              <a:t>As fast or faster than anything </a:t>
-            </a:r>
-            <a:r>
-              <a:rPr lang="en-US" altLang="zh-CN" dirty="0" smtClean="0"/>
-              <a:t>else</a:t>
-            </a:r>
-          </a:p>
-          <a:p>
-            <a:r>
-              <a:rPr lang="en-US" altLang="zh-CN" dirty="0" smtClean="0"/>
-              <a:t>Good at using “modern hardware</a:t>
-            </a:r>
-            <a:r>
-              <a:rPr lang="en-US" altLang="zh-CN" dirty="0" smtClean="0"/>
-              <a:t>”</a:t>
-            </a:r>
-          </a:p>
-          <a:p>
-            <a:r>
-              <a:rPr lang="en-US" altLang="zh-CN" dirty="0" smtClean="0"/>
-              <a:t>Significantly faster compilation catching </a:t>
-            </a:r>
-            <a:r>
-              <a:rPr lang="en-US" altLang="zh-CN" dirty="0" smtClean="0"/>
-              <a:t>many </a:t>
-            </a:r>
-            <a:r>
-              <a:rPr lang="en-US" altLang="zh-CN" dirty="0" smtClean="0"/>
-              <a:t>more errors</a:t>
+              <a:t>Significantly faster compilation catching many more errors</a:t>
             </a:r>
             <a:endParaRPr lang="zh-CN" altLang="en-US" dirty="0"/>
           </a:p>
@@ -1976,7 +2379,7 @@
     </p:spTree>
     <p:extLst>
       <p:ext uri="{BB962C8B-B14F-4D97-AF65-F5344CB8AC3E}">
-        <p14:creationId xmlns:p14="http://schemas.microsoft.com/office/powerpoint/2010/main" xmlns="" val="1047839009"/>
+        <p14:creationId xmlns="" xmlns:p14="http://schemas.microsoft.com/office/powerpoint/2010/main" val="1047839009"/>
       </p:ext>
     </p:extLst>
   </p:cSld>
@@ -2248,7 +2651,7 @@
   <a:extraClrSchemeLst/>
   <a:extLst>
     <a:ext uri="{05A4C25C-085E-4340-85A3-A5531E510DB2}">
-      <thm15:themeFamily xmlns:thm15="http://schemas.microsoft.com/office/thememl/2012/main" xmlns="" name="Office Theme" id="{62F939B6-93AF-4DB8-9C6B-D6C7DFDC589F}" vid="{4A3C46E8-61CC-4603-A589-7422A47A8E4A}"/>
+      <thm15:themeFamily xmlns="" xmlns:thm15="http://schemas.microsoft.com/office/thememl/2012/main" name="Office Theme" id="{62F939B6-93AF-4DB8-9C6B-D6C7DFDC589F}" vid="{4A3C46E8-61CC-4603-A589-7422A47A8E4A}"/>
     </a:ext>
   </a:extLst>
 </a:theme>

--- a/CPP-Summit.pptx
+++ b/CPP-Summit.pptx
@@ -8,16 +8,20 @@
     <p:sldId id="256" r:id="rId2"/>
     <p:sldId id="258" r:id="rId3"/>
     <p:sldId id="259" r:id="rId4"/>
-    <p:sldId id="260" r:id="rId5"/>
-    <p:sldId id="261" r:id="rId6"/>
-    <p:sldId id="262" r:id="rId7"/>
-    <p:sldId id="263" r:id="rId8"/>
-    <p:sldId id="264" r:id="rId9"/>
-    <p:sldId id="257" r:id="rId10"/>
-    <p:sldId id="265" r:id="rId11"/>
-    <p:sldId id="267" r:id="rId12"/>
-    <p:sldId id="266" r:id="rId13"/>
-    <p:sldId id="268" r:id="rId14"/>
+    <p:sldId id="269" r:id="rId5"/>
+    <p:sldId id="262" r:id="rId6"/>
+    <p:sldId id="270" r:id="rId7"/>
+    <p:sldId id="260" r:id="rId8"/>
+    <p:sldId id="271" r:id="rId9"/>
+    <p:sldId id="272" r:id="rId10"/>
+    <p:sldId id="261" r:id="rId11"/>
+    <p:sldId id="263" r:id="rId12"/>
+    <p:sldId id="264" r:id="rId13"/>
+    <p:sldId id="257" r:id="rId14"/>
+    <p:sldId id="265" r:id="rId15"/>
+    <p:sldId id="267" r:id="rId16"/>
+    <p:sldId id="266" r:id="rId17"/>
+    <p:sldId id="268" r:id="rId18"/>
   </p:sldIdLst>
   <p:sldSz cx="9144000" cy="6858000" type="screen4x3"/>
   <p:notesSz cx="6858000" cy="9144000"/>
@@ -118,7 +122,7 @@
   </p:defaultTextStyle>
   <p:extLst>
     <p:ext uri="{EFAFB233-063F-42B5-8137-9DF3F51BA10A}">
-      <p15:sldGuideLst xmlns="" xmlns:p15="http://schemas.microsoft.com/office/powerpoint/2012/main"/>
+      <p15:sldGuideLst xmlns:p15="http://schemas.microsoft.com/office/powerpoint/2012/main" xmlns=""/>
     </p:ext>
   </p:extLst>
 </p:presentation>
@@ -153,7 +157,7 @@
           <a:blip r:embed="rId2">
             <a:extLst>
               <a:ext uri="{28A0092B-C50C-407E-A947-70E740481C1C}">
-                <a14:useLocalDpi xmlns="" xmlns:a14="http://schemas.microsoft.com/office/drawing/2010/main" val="0"/>
+                <a14:useLocalDpi xmlns:a14="http://schemas.microsoft.com/office/drawing/2010/main" xmlns="" val="0"/>
               </a:ext>
             </a:extLst>
           </a:blip>
@@ -198,7 +202,7 @@
     </p:spTree>
     <p:extLst>
       <p:ext uri="{BB962C8B-B14F-4D97-AF65-F5344CB8AC3E}">
-        <p14:creationId xmlns="" xmlns:p14="http://schemas.microsoft.com/office/powerpoint/2010/main" val="1338936593"/>
+        <p14:creationId xmlns:p14="http://schemas.microsoft.com/office/powerpoint/2010/main" xmlns="" val="1338936593"/>
       </p:ext>
     </p:extLst>
   </p:cSld>
@@ -237,7 +241,7 @@
           <a:blip r:embed="rId2">
             <a:extLst>
               <a:ext uri="{28A0092B-C50C-407E-A947-70E740481C1C}">
-                <a14:useLocalDpi xmlns="" xmlns:a14="http://schemas.microsoft.com/office/drawing/2010/main" val="0"/>
+                <a14:useLocalDpi xmlns:a14="http://schemas.microsoft.com/office/drawing/2010/main" xmlns="" val="0"/>
               </a:ext>
             </a:extLst>
           </a:blip>
@@ -259,7 +263,7 @@
           <p:cNvPr id="9" name="文本占位符 10">
             <a:extLst>
               <a:ext uri="{FF2B5EF4-FFF2-40B4-BE49-F238E27FC236}">
-                <a16:creationId xmlns:a16="http://schemas.microsoft.com/office/drawing/2014/main" xmlns="" id="{01D010F3-905B-4D60-A57E-5C1F1E5D7F48}"/>
+                <a16:creationId xmlns="" xmlns:a16="http://schemas.microsoft.com/office/drawing/2014/main" id="{01D010F3-905B-4D60-A57E-5C1F1E5D7F48}"/>
               </a:ext>
             </a:extLst>
           </p:cNvPr>
@@ -425,7 +429,7 @@
     </p:spTree>
     <p:extLst>
       <p:ext uri="{BB962C8B-B14F-4D97-AF65-F5344CB8AC3E}">
-        <p14:creationId xmlns="" xmlns:p14="http://schemas.microsoft.com/office/powerpoint/2010/main" val="4137035524"/>
+        <p14:creationId xmlns:p14="http://schemas.microsoft.com/office/powerpoint/2010/main" xmlns="" val="4137035524"/>
       </p:ext>
     </p:extLst>
   </p:cSld>
@@ -522,7 +526,7 @@
     </p:spTree>
     <p:extLst>
       <p:ext uri="{BB962C8B-B14F-4D97-AF65-F5344CB8AC3E}">
-        <p14:creationId xmlns="" xmlns:p14="http://schemas.microsoft.com/office/powerpoint/2010/main" val="1759841624"/>
+        <p14:creationId xmlns:p14="http://schemas.microsoft.com/office/powerpoint/2010/main" xmlns="" val="1759841624"/>
       </p:ext>
     </p:extLst>
   </p:cSld>
@@ -773,7 +777,7 @@
     </p:spTree>
     <p:extLst>
       <p:ext uri="{BB962C8B-B14F-4D97-AF65-F5344CB8AC3E}">
-        <p14:creationId xmlns="" xmlns:p14="http://schemas.microsoft.com/office/powerpoint/2010/main" val="3267739063"/>
+        <p14:creationId xmlns:p14="http://schemas.microsoft.com/office/powerpoint/2010/main" xmlns="" val="3267739063"/>
       </p:ext>
     </p:extLst>
   </p:cSld>
@@ -1088,7 +1092,7 @@
           <p:cNvPr id="6" name="文本框 5">
             <a:extLst>
               <a:ext uri="{FF2B5EF4-FFF2-40B4-BE49-F238E27FC236}">
-                <a16:creationId xmlns:a16="http://schemas.microsoft.com/office/drawing/2014/main" xmlns="" id="{80BDF59C-8876-4C07-86D1-096C6CCDE453}"/>
+                <a16:creationId xmlns="" xmlns:a16="http://schemas.microsoft.com/office/drawing/2014/main" id="{80BDF59C-8876-4C07-86D1-096C6CCDE453}"/>
               </a:ext>
             </a:extLst>
           </p:cNvPr>
@@ -1171,7 +1175,7 @@
           <p:cNvPr id="7" name="文本框 6">
             <a:extLst>
               <a:ext uri="{FF2B5EF4-FFF2-40B4-BE49-F238E27FC236}">
-                <a16:creationId xmlns:a16="http://schemas.microsoft.com/office/drawing/2014/main" xmlns="" id="{9641ACBE-BC14-4FC9-81D3-2BCBC14FA20C}"/>
+                <a16:creationId xmlns="" xmlns:a16="http://schemas.microsoft.com/office/drawing/2014/main" id="{9641ACBE-BC14-4FC9-81D3-2BCBC14FA20C}"/>
               </a:ext>
             </a:extLst>
           </p:cNvPr>
@@ -1221,7 +1225,7 @@
           <p:cNvPr id="8" name="文本框 7">
             <a:extLst>
               <a:ext uri="{FF2B5EF4-FFF2-40B4-BE49-F238E27FC236}">
-                <a16:creationId xmlns:a16="http://schemas.microsoft.com/office/drawing/2014/main" xmlns="" id="{7B3317C5-8A3B-41BC-BEF9-80955951153B}"/>
+                <a16:creationId xmlns="" xmlns:a16="http://schemas.microsoft.com/office/drawing/2014/main" id="{7B3317C5-8A3B-41BC-BEF9-80955951153B}"/>
               </a:ext>
             </a:extLst>
           </p:cNvPr>
@@ -1288,7 +1292,7 @@
     </p:spTree>
     <p:extLst>
       <p:ext uri="{BB962C8B-B14F-4D97-AF65-F5344CB8AC3E}">
-        <p14:creationId xmlns="" xmlns:p14="http://schemas.microsoft.com/office/powerpoint/2010/main" val="2080158732"/>
+        <p14:creationId xmlns:p14="http://schemas.microsoft.com/office/powerpoint/2010/main" xmlns="" val="2080158732"/>
       </p:ext>
     </p:extLst>
   </p:cSld>
@@ -1299,6 +1303,362 @@
 </file>
 
 <file path=ppt/slides/slide10.xml><?xml version="1.0" encoding="utf-8"?>
+<p:sld xmlns:a="http://schemas.openxmlformats.org/drawingml/2006/main" xmlns:r="http://schemas.openxmlformats.org/officeDocument/2006/relationships" xmlns:p="http://schemas.openxmlformats.org/presentationml/2006/main">
+  <p:cSld>
+    <p:spTree>
+      <p:nvGrpSpPr>
+        <p:cNvPr id="1" name=""/>
+        <p:cNvGrpSpPr/>
+        <p:nvPr/>
+      </p:nvGrpSpPr>
+      <p:grpSpPr>
+        <a:xfrm>
+          <a:off x="0" y="0"/>
+          <a:ext cx="0" cy="0"/>
+          <a:chOff x="0" y="0"/>
+          <a:chExt cx="0" cy="0"/>
+        </a:xfrm>
+      </p:grpSpPr>
+      <p:sp>
+        <p:nvSpPr>
+          <p:cNvPr id="2" name="文本占位符 1"/>
+          <p:cNvSpPr>
+            <a:spLocks noGrp="1"/>
+          </p:cNvSpPr>
+          <p:nvPr>
+            <p:ph type="body" sz="quarter" idx="10"/>
+          </p:nvPr>
+        </p:nvSpPr>
+        <p:spPr/>
+        <p:txBody>
+          <a:bodyPr>
+            <a:normAutofit lnSpcReduction="10000"/>
+          </a:bodyPr>
+          <a:lstStyle/>
+          <a:p>
+            <a:r>
+              <a:rPr lang="en-US" altLang="zh-CN" dirty="0" err="1" smtClean="0"/>
+              <a:t>Enable_if</a:t>
+            </a:r>
+            <a:endParaRPr lang="zh-CN" altLang="en-US" dirty="0"/>
+          </a:p>
+        </p:txBody>
+      </p:sp>
+      <p:sp>
+        <p:nvSpPr>
+          <p:cNvPr id="3" name="内容占位符 2"/>
+          <p:cNvSpPr>
+            <a:spLocks noGrp="1"/>
+          </p:cNvSpPr>
+          <p:nvPr>
+            <p:ph sz="quarter" idx="11"/>
+          </p:nvPr>
+        </p:nvSpPr>
+        <p:spPr/>
+        <p:txBody>
+          <a:bodyPr/>
+          <a:lstStyle/>
+          <a:p>
+            <a:endParaRPr lang="zh-CN" altLang="en-US"/>
+          </a:p>
+        </p:txBody>
+      </p:sp>
+    </p:spTree>
+  </p:cSld>
+  <p:clrMapOvr>
+    <a:masterClrMapping/>
+  </p:clrMapOvr>
+  <p:timing>
+    <p:tnLst>
+      <p:par>
+        <p:cTn id="1" dur="indefinite" restart="never" nodeType="tmRoot"/>
+      </p:par>
+    </p:tnLst>
+  </p:timing>
+</p:sld>
+</file>
+
+<file path=ppt/slides/slide11.xml><?xml version="1.0" encoding="utf-8"?>
+<p:sld xmlns:a="http://schemas.openxmlformats.org/drawingml/2006/main" xmlns:r="http://schemas.openxmlformats.org/officeDocument/2006/relationships" xmlns:p="http://schemas.openxmlformats.org/presentationml/2006/main">
+  <p:cSld>
+    <p:spTree>
+      <p:nvGrpSpPr>
+        <p:cNvPr id="1" name=""/>
+        <p:cNvGrpSpPr/>
+        <p:nvPr/>
+      </p:nvGrpSpPr>
+      <p:grpSpPr>
+        <a:xfrm>
+          <a:off x="0" y="0"/>
+          <a:ext cx="0" cy="0"/>
+          <a:chOff x="0" y="0"/>
+          <a:chExt cx="0" cy="0"/>
+        </a:xfrm>
+      </p:grpSpPr>
+      <p:sp>
+        <p:nvSpPr>
+          <p:cNvPr id="2" name="文本占位符 1"/>
+          <p:cNvSpPr>
+            <a:spLocks noGrp="1"/>
+          </p:cNvSpPr>
+          <p:nvPr>
+            <p:ph type="body" sz="quarter" idx="10"/>
+          </p:nvPr>
+        </p:nvSpPr>
+        <p:spPr/>
+        <p:txBody>
+          <a:bodyPr>
+            <a:normAutofit lnSpcReduction="10000"/>
+          </a:bodyPr>
+          <a:lstStyle/>
+          <a:p>
+            <a:r>
+              <a:rPr lang="en-US" altLang="zh-CN" dirty="0" smtClean="0"/>
+              <a:t>Fold Expression</a:t>
+            </a:r>
+            <a:endParaRPr lang="zh-CN" altLang="en-US" dirty="0"/>
+          </a:p>
+        </p:txBody>
+      </p:sp>
+      <p:sp>
+        <p:nvSpPr>
+          <p:cNvPr id="3" name="内容占位符 2"/>
+          <p:cNvSpPr>
+            <a:spLocks noGrp="1"/>
+          </p:cNvSpPr>
+          <p:nvPr>
+            <p:ph sz="quarter" idx="11"/>
+          </p:nvPr>
+        </p:nvSpPr>
+        <p:spPr/>
+        <p:txBody>
+          <a:bodyPr/>
+          <a:lstStyle/>
+          <a:p>
+            <a:endParaRPr lang="zh-CN" altLang="en-US"/>
+          </a:p>
+        </p:txBody>
+      </p:sp>
+    </p:spTree>
+  </p:cSld>
+  <p:clrMapOvr>
+    <a:masterClrMapping/>
+  </p:clrMapOvr>
+</p:sld>
+</file>
+
+<file path=ppt/slides/slide12.xml><?xml version="1.0" encoding="utf-8"?>
+<p:sld xmlns:a="http://schemas.openxmlformats.org/drawingml/2006/main" xmlns:r="http://schemas.openxmlformats.org/officeDocument/2006/relationships" xmlns:p="http://schemas.openxmlformats.org/presentationml/2006/main">
+  <p:cSld>
+    <p:spTree>
+      <p:nvGrpSpPr>
+        <p:cNvPr id="1" name=""/>
+        <p:cNvGrpSpPr/>
+        <p:nvPr/>
+      </p:nvGrpSpPr>
+      <p:grpSpPr>
+        <a:xfrm>
+          <a:off x="0" y="0"/>
+          <a:ext cx="0" cy="0"/>
+          <a:chOff x="0" y="0"/>
+          <a:chExt cx="0" cy="0"/>
+        </a:xfrm>
+      </p:grpSpPr>
+      <p:sp>
+        <p:nvSpPr>
+          <p:cNvPr id="2" name="文本占位符 1"/>
+          <p:cNvSpPr>
+            <a:spLocks noGrp="1"/>
+          </p:cNvSpPr>
+          <p:nvPr>
+            <p:ph type="body" sz="quarter" idx="10"/>
+          </p:nvPr>
+        </p:nvSpPr>
+        <p:spPr/>
+        <p:txBody>
+          <a:bodyPr>
+            <a:normAutofit lnSpcReduction="10000"/>
+          </a:bodyPr>
+          <a:lstStyle/>
+          <a:p>
+            <a:r>
+              <a:rPr lang="en-US" altLang="zh-CN" dirty="0" err="1" smtClean="0"/>
+              <a:t>Static_assert</a:t>
+            </a:r>
+            <a:endParaRPr lang="zh-CN" altLang="en-US" dirty="0"/>
+          </a:p>
+        </p:txBody>
+      </p:sp>
+      <p:sp>
+        <p:nvSpPr>
+          <p:cNvPr id="3" name="内容占位符 2"/>
+          <p:cNvSpPr>
+            <a:spLocks noGrp="1"/>
+          </p:cNvSpPr>
+          <p:nvPr>
+            <p:ph sz="quarter" idx="11"/>
+          </p:nvPr>
+        </p:nvSpPr>
+        <p:spPr/>
+        <p:txBody>
+          <a:bodyPr/>
+          <a:lstStyle/>
+          <a:p>
+            <a:endParaRPr lang="zh-CN" altLang="en-US"/>
+          </a:p>
+        </p:txBody>
+      </p:sp>
+    </p:spTree>
+  </p:cSld>
+  <p:clrMapOvr>
+    <a:masterClrMapping/>
+  </p:clrMapOvr>
+</p:sld>
+</file>
+
+<file path=ppt/slides/slide13.xml><?xml version="1.0" encoding="utf-8"?>
+<p:sld xmlns:a="http://schemas.openxmlformats.org/drawingml/2006/main" xmlns:r="http://schemas.openxmlformats.org/officeDocument/2006/relationships" xmlns:p="http://schemas.openxmlformats.org/presentationml/2006/main">
+  <p:cSld>
+    <p:spTree>
+      <p:nvGrpSpPr>
+        <p:cNvPr id="1" name=""/>
+        <p:cNvGrpSpPr/>
+        <p:nvPr/>
+      </p:nvGrpSpPr>
+      <p:grpSpPr>
+        <a:xfrm>
+          <a:off x="0" y="0"/>
+          <a:ext cx="0" cy="0"/>
+          <a:chOff x="0" y="0"/>
+          <a:chExt cx="0" cy="0"/>
+        </a:xfrm>
+      </p:grpSpPr>
+      <p:sp>
+        <p:nvSpPr>
+          <p:cNvPr id="2" name="文本占位符 1"/>
+          <p:cNvSpPr>
+            <a:spLocks noGrp="1"/>
+          </p:cNvSpPr>
+          <p:nvPr>
+            <p:ph type="body" sz="quarter" idx="10"/>
+          </p:nvPr>
+        </p:nvSpPr>
+        <p:spPr/>
+        <p:txBody>
+          <a:bodyPr>
+            <a:normAutofit lnSpcReduction="10000"/>
+          </a:bodyPr>
+          <a:lstStyle/>
+          <a:p>
+            <a:r>
+              <a:rPr lang="en-US" altLang="zh-CN" dirty="0" smtClean="0"/>
+              <a:t>Future C++</a:t>
+            </a:r>
+            <a:endParaRPr lang="zh-CN" altLang="en-US" dirty="0"/>
+          </a:p>
+        </p:txBody>
+      </p:sp>
+      <p:sp>
+        <p:nvSpPr>
+          <p:cNvPr id="3" name="内容占位符 2"/>
+          <p:cNvSpPr>
+            <a:spLocks noGrp="1"/>
+          </p:cNvSpPr>
+          <p:nvPr>
+            <p:ph sz="quarter" idx="11"/>
+          </p:nvPr>
+        </p:nvSpPr>
+        <p:spPr/>
+        <p:txBody>
+          <a:bodyPr/>
+          <a:lstStyle/>
+          <a:p>
+            <a:r>
+              <a:rPr lang="en-US" altLang="zh-CN" dirty="0" smtClean="0"/>
+              <a:t>Type-and resource-safe</a:t>
+            </a:r>
+          </a:p>
+          <a:p>
+            <a:r>
+              <a:rPr lang="en-US" altLang="zh-CN" dirty="0" smtClean="0"/>
+              <a:t>Significantly simpler and clearer code</a:t>
+            </a:r>
+          </a:p>
+          <a:p>
+            <a:r>
+              <a:rPr lang="en-US" altLang="zh-CN" dirty="0" smtClean="0"/>
+              <a:t>As fast or faster than anything else</a:t>
+            </a:r>
+          </a:p>
+          <a:p>
+            <a:r>
+              <a:rPr lang="en-US" altLang="zh-CN" dirty="0" smtClean="0"/>
+              <a:t>Good at using “modern hardware”</a:t>
+            </a:r>
+          </a:p>
+          <a:p>
+            <a:r>
+              <a:rPr lang="en-US" altLang="zh-CN" dirty="0" smtClean="0"/>
+              <a:t>Significantly faster compilation catching many more errors</a:t>
+            </a:r>
+            <a:endParaRPr lang="zh-CN" altLang="en-US" dirty="0"/>
+          </a:p>
+        </p:txBody>
+      </p:sp>
+      <p:pic>
+        <p:nvPicPr>
+          <p:cNvPr id="4" name="Picture 2"/>
+          <p:cNvPicPr>
+            <a:picLocks noChangeAspect="1" noChangeArrowheads="1"/>
+          </p:cNvPicPr>
+          <p:nvPr/>
+        </p:nvPicPr>
+        <p:blipFill>
+          <a:blip r:embed="rId2"/>
+          <a:srcRect/>
+          <a:stretch>
+            <a:fillRect/>
+          </a:stretch>
+        </p:blipFill>
+        <p:spPr bwMode="auto">
+          <a:xfrm>
+            <a:off x="2651760" y="3386846"/>
+            <a:ext cx="3668278" cy="3031854"/>
+          </a:xfrm>
+          <a:prstGeom prst="rect">
+            <a:avLst/>
+          </a:prstGeom>
+          <a:noFill/>
+          <a:ln w="9525">
+            <a:noFill/>
+            <a:miter lim="800000"/>
+            <a:headEnd/>
+            <a:tailEnd/>
+          </a:ln>
+          <a:effectLst/>
+        </p:spPr>
+      </p:pic>
+    </p:spTree>
+    <p:extLst>
+      <p:ext uri="{BB962C8B-B14F-4D97-AF65-F5344CB8AC3E}">
+        <p14:creationId xmlns:p14="http://schemas.microsoft.com/office/powerpoint/2010/main" xmlns="" val="1047839009"/>
+      </p:ext>
+    </p:extLst>
+  </p:cSld>
+  <p:clrMapOvr>
+    <a:masterClrMapping/>
+  </p:clrMapOvr>
+  <p:timing>
+    <p:tnLst>
+      <p:par>
+        <p:cTn id="1" dur="indefinite" restart="never" nodeType="tmRoot"/>
+      </p:par>
+    </p:tnLst>
+  </p:timing>
+</p:sld>
+</file>
+
+<file path=ppt/slides/slide14.xml><?xml version="1.0" encoding="utf-8"?>
 <p:sld xmlns:a="http://schemas.openxmlformats.org/drawingml/2006/main" xmlns:r="http://schemas.openxmlformats.org/officeDocument/2006/relationships" xmlns:p="http://schemas.openxmlformats.org/presentationml/2006/main">
   <p:cSld>
     <p:spTree>
@@ -1403,7 +1763,7 @@
 </p:sld>
 </file>
 
-<file path=ppt/slides/slide11.xml><?xml version="1.0" encoding="utf-8"?>
+<file path=ppt/slides/slide15.xml><?xml version="1.0" encoding="utf-8"?>
 <p:sld xmlns:a="http://schemas.openxmlformats.org/drawingml/2006/main" xmlns:r="http://schemas.openxmlformats.org/officeDocument/2006/relationships" xmlns:p="http://schemas.openxmlformats.org/presentationml/2006/main">
   <p:cSld>
     <p:spTree>
@@ -1465,11 +1825,7 @@
           <a:p>
             <a:r>
               <a:rPr lang="zh-CN" altLang="en-US" dirty="0" smtClean="0"/>
-              <a:t>可</a:t>
-            </a:r>
-            <a:r>
-              <a:rPr lang="zh-CN" altLang="en-US" dirty="0" smtClean="0"/>
-              <a:t>扩展的接口</a:t>
+              <a:t>可扩展的接口</a:t>
             </a:r>
             <a:endParaRPr lang="en-US" altLang="zh-CN" dirty="0" smtClean="0"/>
           </a:p>
@@ -1490,11 +1846,7 @@
           <a:p>
             <a:r>
               <a:rPr lang="zh-CN" altLang="en-US" dirty="0" smtClean="0"/>
-              <a:t>编译</a:t>
-            </a:r>
-            <a:r>
-              <a:rPr lang="zh-CN" altLang="en-US" dirty="0" smtClean="0"/>
-              <a:t>期反射</a:t>
+              <a:t>编译期反射</a:t>
             </a:r>
             <a:endParaRPr lang="en-US" altLang="zh-CN" dirty="0" smtClean="0"/>
           </a:p>
@@ -1533,7 +1885,7 @@
 </p:sld>
 </file>
 
-<file path=ppt/slides/slide12.xml><?xml version="1.0" encoding="utf-8"?>
+<file path=ppt/slides/slide16.xml><?xml version="1.0" encoding="utf-8"?>
 <p:sld xmlns:a="http://schemas.openxmlformats.org/drawingml/2006/main" xmlns:r="http://schemas.openxmlformats.org/officeDocument/2006/relationships" xmlns:p="http://schemas.openxmlformats.org/presentationml/2006/main">
   <p:cSld>
     <p:spTree>
@@ -1631,7 +1983,7 @@
 </p:sld>
 </file>
 
-<file path=ppt/slides/slide13.xml><?xml version="1.0" encoding="utf-8"?>
+<file path=ppt/slides/slide17.xml><?xml version="1.0" encoding="utf-8"?>
 <p:sld xmlns:a="http://schemas.openxmlformats.org/drawingml/2006/main" xmlns:r="http://schemas.openxmlformats.org/officeDocument/2006/relationships" xmlns:p="http://schemas.openxmlformats.org/presentationml/2006/main">
   <p:cSld>
     <p:spTree>
@@ -1696,8 +2048,9 @@
           <a:p>
             <a:r>
               <a:rPr lang="en-US" altLang="zh-CN" dirty="0" smtClean="0"/>
-              <a:t>Validate</a:t>
-            </a:r>
+              <a:t>Validation</a:t>
+            </a:r>
+            <a:endParaRPr lang="en-US" altLang="zh-CN" dirty="0" smtClean="0"/>
           </a:p>
           <a:p>
             <a:r>
@@ -1714,13 +2067,26 @@
           <a:p>
             <a:r>
               <a:rPr lang="en-US" altLang="zh-CN" dirty="0" smtClean="0"/>
-              <a:t>Exception handling</a:t>
-            </a:r>
-          </a:p>
-          <a:p>
+              <a:t>Exception </a:t>
+            </a:r>
             <a:r>
               <a:rPr lang="en-US" altLang="zh-CN" dirty="0" smtClean="0"/>
-              <a:t>… and lot more</a:t>
+              <a:t>Handling</a:t>
+            </a:r>
+            <a:endParaRPr lang="en-US" altLang="zh-CN" dirty="0" smtClean="0"/>
+          </a:p>
+          <a:p>
+            <a:r>
+              <a:rPr lang="en-US" altLang="zh-CN" dirty="0" smtClean="0"/>
+              <a:t>… and </a:t>
+            </a:r>
+            <a:r>
+              <a:rPr lang="en-US" altLang="zh-CN" dirty="0" smtClean="0"/>
+              <a:t>a lot </a:t>
+            </a:r>
+            <a:r>
+              <a:rPr lang="en-US" altLang="zh-CN" dirty="0" smtClean="0"/>
+              <a:t>more</a:t>
             </a:r>
             <a:endParaRPr lang="zh-CN" altLang="en-US" dirty="0"/>
           </a:p>
@@ -1893,15 +2259,210 @@
           <a:bodyPr/>
           <a:lstStyle/>
           <a:p>
+            <a:r>
+              <a:rPr lang="zh-CN" altLang="en-US" dirty="0" smtClean="0"/>
+              <a:t>适</a:t>
+            </a:r>
+            <a:r>
+              <a:rPr lang="zh-CN" altLang="en-US" dirty="0" smtClean="0"/>
+              <a:t>配不同的接口</a:t>
+            </a:r>
             <a:endParaRPr lang="zh-CN" altLang="en-US" dirty="0"/>
           </a:p>
         </p:txBody>
       </p:sp>
+      <p:pic>
+        <p:nvPicPr>
+          <p:cNvPr id="1027" name="Picture 3"/>
+          <p:cNvPicPr>
+            <a:picLocks noChangeAspect="1" noChangeArrowheads="1"/>
+          </p:cNvPicPr>
+          <p:nvPr/>
+        </p:nvPicPr>
+        <p:blipFill>
+          <a:blip r:embed="rId2"/>
+          <a:srcRect/>
+          <a:stretch>
+            <a:fillRect/>
+          </a:stretch>
+        </p:blipFill>
+        <p:spPr bwMode="auto">
+          <a:xfrm>
+            <a:off x="2273184" y="1981980"/>
+            <a:ext cx="4381500" cy="466725"/>
+          </a:xfrm>
+          <a:prstGeom prst="rect">
+            <a:avLst/>
+          </a:prstGeom>
+          <a:noFill/>
+          <a:ln w="9525">
+            <a:noFill/>
+            <a:miter lim="800000"/>
+            <a:headEnd/>
+            <a:tailEnd/>
+          </a:ln>
+          <a:effectLst/>
+        </p:spPr>
+      </p:pic>
+      <p:pic>
+        <p:nvPicPr>
+          <p:cNvPr id="1029" name="Picture 5"/>
+          <p:cNvPicPr>
+            <a:picLocks noChangeAspect="1" noChangeArrowheads="1"/>
+          </p:cNvPicPr>
+          <p:nvPr/>
+        </p:nvPicPr>
+        <p:blipFill>
+          <a:blip r:embed="rId3"/>
+          <a:srcRect/>
+          <a:stretch>
+            <a:fillRect/>
+          </a:stretch>
+        </p:blipFill>
+        <p:spPr bwMode="auto">
+          <a:xfrm>
+            <a:off x="809798" y="2812645"/>
+            <a:ext cx="7389813" cy="2762250"/>
+          </a:xfrm>
+          <a:prstGeom prst="rect">
+            <a:avLst/>
+          </a:prstGeom>
+          <a:noFill/>
+          <a:ln w="9525">
+            <a:noFill/>
+            <a:miter lim="800000"/>
+            <a:headEnd/>
+            <a:tailEnd/>
+          </a:ln>
+          <a:effectLst/>
+        </p:spPr>
+      </p:pic>
     </p:spTree>
   </p:cSld>
   <p:clrMapOvr>
     <a:masterClrMapping/>
   </p:clrMapOvr>
+  <p:timing>
+    <p:tnLst>
+      <p:par>
+        <p:cTn id="1" dur="indefinite" restart="never" nodeType="tmRoot">
+          <p:childTnLst>
+            <p:seq concurrent="1" nextAc="seek">
+              <p:cTn id="2" dur="indefinite" nodeType="mainSeq">
+                <p:childTnLst>
+                  <p:par>
+                    <p:cTn id="3" fill="hold">
+                      <p:stCondLst>
+                        <p:cond delay="indefinite"/>
+                      </p:stCondLst>
+                      <p:childTnLst>
+                        <p:par>
+                          <p:cTn id="4" fill="hold">
+                            <p:stCondLst>
+                              <p:cond delay="0"/>
+                            </p:stCondLst>
+                            <p:childTnLst>
+                              <p:par>
+                                <p:cTn id="5" presetID="2" presetClass="entr" presetSubtype="4" fill="hold" nodeType="clickEffect">
+                                  <p:stCondLst>
+                                    <p:cond delay="0"/>
+                                  </p:stCondLst>
+                                  <p:childTnLst>
+                                    <p:set>
+                                      <p:cBhvr>
+                                        <p:cTn id="6" dur="1" fill="hold">
+                                          <p:stCondLst>
+                                            <p:cond delay="0"/>
+                                          </p:stCondLst>
+                                        </p:cTn>
+                                        <p:tgtEl>
+                                          <p:spTgt spid="1029"/>
+                                        </p:tgtEl>
+                                        <p:attrNameLst>
+                                          <p:attrName>style.visibility</p:attrName>
+                                        </p:attrNameLst>
+                                      </p:cBhvr>
+                                      <p:to>
+                                        <p:strVal val="visible"/>
+                                      </p:to>
+                                    </p:set>
+                                    <p:anim calcmode="lin" valueType="num">
+                                      <p:cBhvr additive="base">
+                                        <p:cTn id="7" dur="500" fill="hold"/>
+                                        <p:tgtEl>
+                                          <p:spTgt spid="1029"/>
+                                        </p:tgtEl>
+                                        <p:attrNameLst>
+                                          <p:attrName>ppt_x</p:attrName>
+                                        </p:attrNameLst>
+                                      </p:cBhvr>
+                                      <p:tavLst>
+                                        <p:tav tm="0">
+                                          <p:val>
+                                            <p:strVal val="#ppt_x"/>
+                                          </p:val>
+                                        </p:tav>
+                                        <p:tav tm="100000">
+                                          <p:val>
+                                            <p:strVal val="#ppt_x"/>
+                                          </p:val>
+                                        </p:tav>
+                                      </p:tavLst>
+                                    </p:anim>
+                                    <p:anim calcmode="lin" valueType="num">
+                                      <p:cBhvr additive="base">
+                                        <p:cTn id="8" dur="500" fill="hold"/>
+                                        <p:tgtEl>
+                                          <p:spTgt spid="1029"/>
+                                        </p:tgtEl>
+                                        <p:attrNameLst>
+                                          <p:attrName>ppt_y</p:attrName>
+                                        </p:attrNameLst>
+                                      </p:cBhvr>
+                                      <p:tavLst>
+                                        <p:tav tm="0">
+                                          <p:val>
+                                            <p:strVal val="1+#ppt_h/2"/>
+                                          </p:val>
+                                        </p:tav>
+                                        <p:tav tm="100000">
+                                          <p:val>
+                                            <p:strVal val="#ppt_y"/>
+                                          </p:val>
+                                        </p:tav>
+                                      </p:tavLst>
+                                    </p:anim>
+                                  </p:childTnLst>
+                                </p:cTn>
+                              </p:par>
+                            </p:childTnLst>
+                          </p:cTn>
+                        </p:par>
+                      </p:childTnLst>
+                    </p:cTn>
+                  </p:par>
+                </p:childTnLst>
+              </p:cTn>
+              <p:prevCondLst>
+                <p:cond evt="onPrev" delay="0">
+                  <p:tgtEl>
+                    <p:sldTgt/>
+                  </p:tgtEl>
+                </p:cond>
+              </p:prevCondLst>
+              <p:nextCondLst>
+                <p:cond evt="onNext" delay="0">
+                  <p:tgtEl>
+                    <p:sldTgt/>
+                  </p:tgtEl>
+                </p:cond>
+              </p:nextCondLst>
+            </p:seq>
+          </p:childTnLst>
+        </p:cTn>
+      </p:par>
+    </p:tnLst>
+  </p:timing>
 </p:sld>
 </file>
 
@@ -1941,13 +2502,17 @@
           <a:p>
             <a:r>
               <a:rPr lang="en-US" altLang="zh-CN" dirty="0" err="1" smtClean="0"/>
-              <a:t>Constexpr</a:t>
+              <a:t>Variadic</a:t>
             </a:r>
             <a:r>
               <a:rPr lang="en-US" altLang="zh-CN" dirty="0" smtClean="0"/>
-              <a:t> If</a:t>
-            </a:r>
-            <a:endParaRPr lang="zh-CN" altLang="en-US" dirty="0"/>
+              <a:t> </a:t>
+            </a:r>
+            <a:r>
+              <a:rPr lang="en-US" altLang="zh-CN" dirty="0" smtClean="0"/>
+              <a:t>Template</a:t>
+            </a:r>
+            <a:endParaRPr lang="zh-CN" altLang="en-US" dirty="0" smtClean="0"/>
           </a:p>
         </p:txBody>
       </p:sp>
@@ -1966,15 +2531,88 @@
           <a:bodyPr/>
           <a:lstStyle/>
           <a:p>
-            <a:endParaRPr lang="zh-CN" altLang="en-US" dirty="0"/>
+            <a:endParaRPr lang="zh-CN" altLang="en-US"/>
           </a:p>
         </p:txBody>
       </p:sp>
+      <p:pic>
+        <p:nvPicPr>
+          <p:cNvPr id="2051" name="Picture 3"/>
+          <p:cNvPicPr>
+            <a:picLocks noChangeAspect="1" noChangeArrowheads="1"/>
+          </p:cNvPicPr>
+          <p:nvPr/>
+        </p:nvPicPr>
+        <p:blipFill>
+          <a:blip r:embed="rId2"/>
+          <a:srcRect/>
+          <a:stretch>
+            <a:fillRect/>
+          </a:stretch>
+        </p:blipFill>
+        <p:spPr bwMode="auto">
+          <a:xfrm>
+            <a:off x="1624099" y="1368223"/>
+            <a:ext cx="5829300" cy="2143125"/>
+          </a:xfrm>
+          <a:prstGeom prst="rect">
+            <a:avLst/>
+          </a:prstGeom>
+          <a:noFill/>
+          <a:ln w="9525">
+            <a:noFill/>
+            <a:miter lim="800000"/>
+            <a:headEnd/>
+            <a:tailEnd/>
+          </a:ln>
+          <a:effectLst/>
+        </p:spPr>
+      </p:pic>
+      <p:pic>
+        <p:nvPicPr>
+          <p:cNvPr id="2052" name="Picture 4"/>
+          <p:cNvPicPr>
+            <a:picLocks noChangeAspect="1" noChangeArrowheads="1"/>
+          </p:cNvPicPr>
+          <p:nvPr/>
+        </p:nvPicPr>
+        <p:blipFill>
+          <a:blip r:embed="rId3"/>
+          <a:srcRect/>
+          <a:stretch>
+            <a:fillRect/>
+          </a:stretch>
+        </p:blipFill>
+        <p:spPr bwMode="auto">
+          <a:xfrm>
+            <a:off x="1584874" y="3765232"/>
+            <a:ext cx="5857875" cy="1704975"/>
+          </a:xfrm>
+          <a:prstGeom prst="rect">
+            <a:avLst/>
+          </a:prstGeom>
+          <a:noFill/>
+          <a:ln w="9525">
+            <a:noFill/>
+            <a:miter lim="800000"/>
+            <a:headEnd/>
+            <a:tailEnd/>
+          </a:ln>
+          <a:effectLst/>
+        </p:spPr>
+      </p:pic>
     </p:spTree>
   </p:cSld>
   <p:clrMapOvr>
     <a:masterClrMapping/>
   </p:clrMapOvr>
+  <p:timing>
+    <p:tnLst>
+      <p:par>
+        <p:cTn id="1" dur="indefinite" restart="never" nodeType="tmRoot"/>
+      </p:par>
+    </p:tnLst>
+  </p:timing>
 </p:sld>
 </file>
 
@@ -2013,8 +2651,8 @@
           <a:lstStyle/>
           <a:p>
             <a:r>
-              <a:rPr lang="en-US" altLang="zh-CN" dirty="0" err="1" smtClean="0"/>
-              <a:t>Enable_if</a:t>
+              <a:rPr lang="en-US" altLang="zh-CN" dirty="0" smtClean="0"/>
+              <a:t>Structured Binding</a:t>
             </a:r>
             <a:endParaRPr lang="zh-CN" altLang="en-US" dirty="0"/>
           </a:p>
@@ -2035,7 +2673,278 @@
           <a:bodyPr/>
           <a:lstStyle/>
           <a:p>
-            <a:endParaRPr lang="zh-CN" altLang="en-US"/>
+            <a:endParaRPr lang="zh-CN" altLang="en-US" dirty="0"/>
+          </a:p>
+        </p:txBody>
+      </p:sp>
+      <p:sp>
+        <p:nvSpPr>
+          <p:cNvPr id="4" name="矩形 3"/>
+          <p:cNvSpPr/>
+          <p:nvPr/>
+        </p:nvSpPr>
+        <p:spPr>
+          <a:xfrm>
+            <a:off x="457199" y="1432298"/>
+            <a:ext cx="7714212" cy="923330"/>
+          </a:xfrm>
+          <a:prstGeom prst="rect">
+            <a:avLst/>
+          </a:prstGeom>
+        </p:spPr>
+        <p:txBody>
+          <a:bodyPr wrap="square">
+            <a:spAutoFit/>
+          </a:bodyPr>
+          <a:lstStyle/>
+          <a:p>
+            <a:r>
+              <a:rPr lang="en-US" altLang="zh-CN" dirty="0" smtClean="0">
+                <a:latin typeface="DejaVu Sans Mono" pitchFamily="49" charset="0"/>
+                <a:ea typeface="DejaVu Sans Mono" pitchFamily="49" charset="0"/>
+                <a:cs typeface="DejaVu Sans Mono" pitchFamily="49" charset="0"/>
+              </a:rPr>
+              <a:t>std</a:t>
+            </a:r>
+            <a:r>
+              <a:rPr lang="en-US" altLang="zh-CN" dirty="0" smtClean="0">
+                <a:latin typeface="DejaVu Sans Mono" pitchFamily="49" charset="0"/>
+                <a:ea typeface="DejaVu Sans Mono" pitchFamily="49" charset="0"/>
+                <a:cs typeface="DejaVu Sans Mono" pitchFamily="49" charset="0"/>
+              </a:rPr>
+              <a:t>::map&lt;</a:t>
+            </a:r>
+            <a:r>
+              <a:rPr lang="en-US" altLang="zh-CN" dirty="0" err="1" smtClean="0">
+                <a:latin typeface="DejaVu Sans Mono" pitchFamily="49" charset="0"/>
+                <a:ea typeface="DejaVu Sans Mono" pitchFamily="49" charset="0"/>
+                <a:cs typeface="DejaVu Sans Mono" pitchFamily="49" charset="0"/>
+              </a:rPr>
+              <a:t>int</a:t>
+            </a:r>
+            <a:r>
+              <a:rPr lang="en-US" altLang="zh-CN" dirty="0" smtClean="0">
+                <a:latin typeface="DejaVu Sans Mono" pitchFamily="49" charset="0"/>
+                <a:ea typeface="DejaVu Sans Mono" pitchFamily="49" charset="0"/>
+                <a:cs typeface="DejaVu Sans Mono" pitchFamily="49" charset="0"/>
+              </a:rPr>
+              <a:t>, </a:t>
+            </a:r>
+            <a:r>
+              <a:rPr lang="en-US" altLang="zh-CN" dirty="0" err="1" smtClean="0">
+                <a:latin typeface="DejaVu Sans Mono" pitchFamily="49" charset="0"/>
+                <a:ea typeface="DejaVu Sans Mono" pitchFamily="49" charset="0"/>
+                <a:cs typeface="DejaVu Sans Mono" pitchFamily="49" charset="0"/>
+              </a:rPr>
+              <a:t>int</a:t>
+            </a:r>
+            <a:r>
+              <a:rPr lang="en-US" altLang="zh-CN" dirty="0" smtClean="0">
+                <a:latin typeface="DejaVu Sans Mono" pitchFamily="49" charset="0"/>
+                <a:ea typeface="DejaVu Sans Mono" pitchFamily="49" charset="0"/>
+                <a:cs typeface="DejaVu Sans Mono" pitchFamily="49" charset="0"/>
+              </a:rPr>
+              <a:t>&gt; mp = { {1, 2}, {3, 4} };</a:t>
+            </a:r>
+          </a:p>
+          <a:p>
+            <a:r>
+              <a:rPr lang="en-US" altLang="zh-CN" dirty="0" smtClean="0">
+                <a:latin typeface="DejaVu Sans Mono" pitchFamily="49" charset="0"/>
+                <a:ea typeface="DejaVu Sans Mono" pitchFamily="49" charset="0"/>
+                <a:cs typeface="DejaVu Sans Mono" pitchFamily="49" charset="0"/>
+              </a:rPr>
+              <a:t>for(auto</a:t>
+            </a:r>
+            <a:r>
+              <a:rPr lang="en-US" altLang="zh-CN" dirty="0" smtClean="0">
+                <a:latin typeface="DejaVu Sans Mono" pitchFamily="49" charset="0"/>
+                <a:ea typeface="DejaVu Sans Mono" pitchFamily="49" charset="0"/>
+                <a:cs typeface="DejaVu Sans Mono" pitchFamily="49" charset="0"/>
+              </a:rPr>
+              <a:t>&amp;&amp; [k, v] : mp)</a:t>
+            </a:r>
+          </a:p>
+          <a:p>
+            <a:r>
+              <a:rPr lang="en-US" altLang="zh-CN" dirty="0" smtClean="0">
+                <a:latin typeface="DejaVu Sans Mono" pitchFamily="49" charset="0"/>
+                <a:ea typeface="DejaVu Sans Mono" pitchFamily="49" charset="0"/>
+                <a:cs typeface="DejaVu Sans Mono" pitchFamily="49" charset="0"/>
+              </a:rPr>
+              <a:t> </a:t>
+            </a:r>
+            <a:r>
+              <a:rPr lang="en-US" altLang="zh-CN" dirty="0" smtClean="0">
+                <a:latin typeface="DejaVu Sans Mono" pitchFamily="49" charset="0"/>
+                <a:ea typeface="DejaVu Sans Mono" pitchFamily="49" charset="0"/>
+                <a:cs typeface="DejaVu Sans Mono" pitchFamily="49" charset="0"/>
+              </a:rPr>
+              <a:t>   std</a:t>
+            </a:r>
+            <a:r>
+              <a:rPr lang="en-US" altLang="zh-CN" dirty="0" smtClean="0">
+                <a:latin typeface="DejaVu Sans Mono" pitchFamily="49" charset="0"/>
+                <a:ea typeface="DejaVu Sans Mono" pitchFamily="49" charset="0"/>
+                <a:cs typeface="DejaVu Sans Mono" pitchFamily="49" charset="0"/>
+              </a:rPr>
+              <a:t>::</a:t>
+            </a:r>
+            <a:r>
+              <a:rPr lang="en-US" altLang="zh-CN" dirty="0" err="1" smtClean="0">
+                <a:latin typeface="DejaVu Sans Mono" pitchFamily="49" charset="0"/>
+                <a:ea typeface="DejaVu Sans Mono" pitchFamily="49" charset="0"/>
+                <a:cs typeface="DejaVu Sans Mono" pitchFamily="49" charset="0"/>
+              </a:rPr>
+              <a:t>cout</a:t>
+            </a:r>
+            <a:r>
+              <a:rPr lang="en-US" altLang="zh-CN" dirty="0" smtClean="0">
+                <a:latin typeface="DejaVu Sans Mono" pitchFamily="49" charset="0"/>
+                <a:ea typeface="DejaVu Sans Mono" pitchFamily="49" charset="0"/>
+                <a:cs typeface="DejaVu Sans Mono" pitchFamily="49" charset="0"/>
+              </a:rPr>
+              <a:t>&lt;&lt;k</a:t>
+            </a:r>
+            <a:r>
+              <a:rPr lang="en-US" altLang="zh-CN" dirty="0" smtClean="0">
+                <a:latin typeface="DejaVu Sans Mono" pitchFamily="49" charset="0"/>
+                <a:ea typeface="DejaVu Sans Mono" pitchFamily="49" charset="0"/>
+                <a:cs typeface="DejaVu Sans Mono" pitchFamily="49" charset="0"/>
+              </a:rPr>
+              <a:t>&lt;&lt;" </a:t>
+            </a:r>
+            <a:r>
+              <a:rPr lang="en-US" altLang="zh-CN" dirty="0" smtClean="0">
+                <a:latin typeface="DejaVu Sans Mono" pitchFamily="49" charset="0"/>
+                <a:ea typeface="DejaVu Sans Mono" pitchFamily="49" charset="0"/>
+                <a:cs typeface="DejaVu Sans Mono" pitchFamily="49" charset="0"/>
+              </a:rPr>
+              <a:t>"&lt;&lt;v</a:t>
+            </a:r>
+            <a:r>
+              <a:rPr lang="en-US" altLang="zh-CN" dirty="0" smtClean="0">
+                <a:latin typeface="DejaVu Sans Mono" pitchFamily="49" charset="0"/>
+                <a:ea typeface="DejaVu Sans Mono" pitchFamily="49" charset="0"/>
+                <a:cs typeface="DejaVu Sans Mono" pitchFamily="49" charset="0"/>
+              </a:rPr>
+              <a:t>&lt;&lt;'\n';</a:t>
+            </a:r>
+            <a:endParaRPr lang="zh-CN" altLang="en-US" dirty="0">
+              <a:latin typeface="DejaVu Sans Mono" pitchFamily="49" charset="0"/>
+              <a:cs typeface="DejaVu Sans Mono" pitchFamily="49" charset="0"/>
+            </a:endParaRPr>
+          </a:p>
+        </p:txBody>
+      </p:sp>
+      <p:sp>
+        <p:nvSpPr>
+          <p:cNvPr id="6" name="矩形 5"/>
+          <p:cNvSpPr/>
+          <p:nvPr/>
+        </p:nvSpPr>
+        <p:spPr>
+          <a:xfrm>
+            <a:off x="390698" y="2864766"/>
+            <a:ext cx="5602778" cy="646331"/>
+          </a:xfrm>
+          <a:prstGeom prst="rect">
+            <a:avLst/>
+          </a:prstGeom>
+        </p:spPr>
+        <p:txBody>
+          <a:bodyPr wrap="square">
+            <a:spAutoFit/>
+          </a:bodyPr>
+          <a:lstStyle/>
+          <a:p>
+            <a:r>
+              <a:rPr lang="en-US" altLang="zh-CN" dirty="0" smtClean="0">
+                <a:latin typeface="DejaVu Sans Mono" pitchFamily="49" charset="0"/>
+                <a:ea typeface="DejaVu Sans Mono" pitchFamily="49" charset="0"/>
+                <a:cs typeface="DejaVu Sans Mono" pitchFamily="49" charset="0"/>
+              </a:rPr>
+              <a:t> std::</a:t>
+            </a:r>
+            <a:r>
+              <a:rPr lang="en-US" altLang="zh-CN" dirty="0" err="1" smtClean="0">
+                <a:latin typeface="DejaVu Sans Mono" pitchFamily="49" charset="0"/>
+                <a:ea typeface="DejaVu Sans Mono" pitchFamily="49" charset="0"/>
+                <a:cs typeface="DejaVu Sans Mono" pitchFamily="49" charset="0"/>
+              </a:rPr>
+              <a:t>tuple</a:t>
+            </a:r>
+            <a:r>
+              <a:rPr lang="en-US" altLang="zh-CN" dirty="0" smtClean="0">
+                <a:latin typeface="DejaVu Sans Mono" pitchFamily="49" charset="0"/>
+                <a:ea typeface="DejaVu Sans Mono" pitchFamily="49" charset="0"/>
+                <a:cs typeface="DejaVu Sans Mono" pitchFamily="49" charset="0"/>
+              </a:rPr>
+              <a:t>&lt;</a:t>
+            </a:r>
+            <a:r>
+              <a:rPr lang="en-US" altLang="zh-CN" dirty="0" err="1" smtClean="0">
+                <a:latin typeface="DejaVu Sans Mono" pitchFamily="49" charset="0"/>
+                <a:ea typeface="DejaVu Sans Mono" pitchFamily="49" charset="0"/>
+                <a:cs typeface="DejaVu Sans Mono" pitchFamily="49" charset="0"/>
+              </a:rPr>
+              <a:t>int</a:t>
+            </a:r>
+            <a:r>
+              <a:rPr lang="en-US" altLang="zh-CN" dirty="0" smtClean="0">
+                <a:latin typeface="DejaVu Sans Mono" pitchFamily="49" charset="0"/>
+                <a:ea typeface="DejaVu Sans Mono" pitchFamily="49" charset="0"/>
+                <a:cs typeface="DejaVu Sans Mono" pitchFamily="49" charset="0"/>
+              </a:rPr>
+              <a:t>, double&gt; </a:t>
+            </a:r>
+            <a:r>
+              <a:rPr lang="en-US" altLang="zh-CN" dirty="0" err="1" smtClean="0">
+                <a:latin typeface="DejaVu Sans Mono" pitchFamily="49" charset="0"/>
+                <a:ea typeface="DejaVu Sans Mono" pitchFamily="49" charset="0"/>
+                <a:cs typeface="DejaVu Sans Mono" pitchFamily="49" charset="0"/>
+              </a:rPr>
+              <a:t>tp</a:t>
+            </a:r>
+            <a:r>
+              <a:rPr lang="en-US" altLang="zh-CN" dirty="0" smtClean="0">
+                <a:latin typeface="DejaVu Sans Mono" pitchFamily="49" charset="0"/>
+                <a:ea typeface="DejaVu Sans Mono" pitchFamily="49" charset="0"/>
+                <a:cs typeface="DejaVu Sans Mono" pitchFamily="49" charset="0"/>
+              </a:rPr>
+              <a:t>(1, 2.5);</a:t>
+            </a:r>
+          </a:p>
+          <a:p>
+            <a:r>
+              <a:rPr lang="en-US" altLang="zh-CN" dirty="0" smtClean="0">
+                <a:latin typeface="DejaVu Sans Mono" pitchFamily="49" charset="0"/>
+                <a:ea typeface="DejaVu Sans Mono" pitchFamily="49" charset="0"/>
+                <a:cs typeface="DejaVu Sans Mono" pitchFamily="49" charset="0"/>
+              </a:rPr>
+              <a:t> auto [a, b] = </a:t>
+            </a:r>
+            <a:r>
+              <a:rPr lang="en-US" altLang="zh-CN" dirty="0" err="1" smtClean="0">
+                <a:latin typeface="DejaVu Sans Mono" pitchFamily="49" charset="0"/>
+                <a:ea typeface="DejaVu Sans Mono" pitchFamily="49" charset="0"/>
+                <a:cs typeface="DejaVu Sans Mono" pitchFamily="49" charset="0"/>
+              </a:rPr>
+              <a:t>tp</a:t>
+            </a:r>
+            <a:r>
+              <a:rPr lang="en-US" altLang="zh-CN" dirty="0" smtClean="0">
+                <a:latin typeface="DejaVu Sans Mono" pitchFamily="49" charset="0"/>
+                <a:ea typeface="DejaVu Sans Mono" pitchFamily="49" charset="0"/>
+                <a:cs typeface="DejaVu Sans Mono" pitchFamily="49" charset="0"/>
+              </a:rPr>
+              <a:t>;</a:t>
+            </a:r>
+            <a:endParaRPr lang="zh-CN" altLang="en-US" dirty="0" smtClean="0">
+              <a:latin typeface="DejaVu Sans Mono" pitchFamily="49" charset="0"/>
+              <a:ea typeface="DejaVu Sans Mono" pitchFamily="49" charset="0"/>
+              <a:cs typeface="DejaVu Sans Mono" pitchFamily="49" charset="0"/>
+            </a:endParaRPr>
           </a:p>
         </p:txBody>
       </p:sp>
@@ -2044,6 +2953,13 @@
   <p:clrMapOvr>
     <a:masterClrMapping/>
   </p:clrMapOvr>
+  <p:timing>
+    <p:tnLst>
+      <p:par>
+        <p:cTn id="1" dur="indefinite" restart="never" nodeType="tmRoot"/>
+      </p:par>
+    </p:tnLst>
+  </p:timing>
 </p:sld>
 </file>
 
@@ -2082,10 +2998,34 @@
           <a:lstStyle/>
           <a:p>
             <a:r>
+              <a:rPr lang="en-US" altLang="zh-CN" dirty="0" err="1" smtClean="0"/>
+              <a:t>Variadic</a:t>
+            </a:r>
+            <a:r>
               <a:rPr lang="en-US" altLang="zh-CN" dirty="0" smtClean="0"/>
-              <a:t>Structured Binding</a:t>
-            </a:r>
-            <a:endParaRPr lang="zh-CN" altLang="en-US" dirty="0"/>
+              <a:t> </a:t>
+            </a:r>
+            <a:r>
+              <a:rPr lang="en-US" altLang="zh-CN" dirty="0" smtClean="0"/>
+              <a:t>Template</a:t>
+            </a:r>
+            <a:r>
+              <a:rPr lang="zh-CN" altLang="en-US" dirty="0" smtClean="0"/>
+              <a:t> </a:t>
+            </a:r>
+            <a:r>
+              <a:rPr lang="en-US" altLang="zh-CN" dirty="0" smtClean="0"/>
+              <a:t>+ </a:t>
+            </a:r>
+            <a:r>
+              <a:rPr lang="en-US" altLang="zh-CN" dirty="0" smtClean="0"/>
+              <a:t>Structured </a:t>
+            </a:r>
+            <a:r>
+              <a:rPr lang="en-US" altLang="zh-CN" dirty="0" smtClean="0"/>
+              <a:t>Binding</a:t>
+            </a:r>
+            <a:endParaRPr lang="zh-CN" altLang="en-US" dirty="0" smtClean="0"/>
           </a:p>
         </p:txBody>
       </p:sp>
@@ -2104,7 +3044,642 @@
           <a:bodyPr/>
           <a:lstStyle/>
           <a:p>
+            <a:r>
+              <a:rPr lang="zh-CN" altLang="en-US" dirty="0" smtClean="0"/>
+              <a:t>分割一个定长的</a:t>
+            </a:r>
+            <a:r>
+              <a:rPr lang="en-US" altLang="zh-CN" dirty="0" err="1" smtClean="0"/>
+              <a:t>variadic</a:t>
+            </a:r>
+            <a:r>
+              <a:rPr lang="en-US" altLang="zh-CN" dirty="0" smtClean="0"/>
+              <a:t> template</a:t>
+            </a:r>
             <a:endParaRPr lang="zh-CN" altLang="en-US" dirty="0"/>
+          </a:p>
+        </p:txBody>
+      </p:sp>
+      <p:sp>
+        <p:nvSpPr>
+          <p:cNvPr id="4" name="矩形 3"/>
+          <p:cNvSpPr/>
+          <p:nvPr/>
+        </p:nvSpPr>
+        <p:spPr>
+          <a:xfrm>
+            <a:off x="507077" y="1825950"/>
+            <a:ext cx="7830589" cy="1846659"/>
+          </a:xfrm>
+          <a:prstGeom prst="rect">
+            <a:avLst/>
+          </a:prstGeom>
+        </p:spPr>
+        <p:txBody>
+          <a:bodyPr wrap="square">
+            <a:spAutoFit/>
+          </a:bodyPr>
+          <a:lstStyle/>
+          <a:p>
+            <a:r>
+              <a:rPr lang="en-US" altLang="zh-CN" sz="1600" dirty="0" smtClean="0">
+                <a:latin typeface="DejaVu Sans Mono" pitchFamily="49" charset="0"/>
+                <a:ea typeface="DejaVu Sans Mono" pitchFamily="49" charset="0"/>
+                <a:cs typeface="DejaVu Sans Mono" pitchFamily="49" charset="0"/>
+              </a:rPr>
+              <a:t>template&lt;</a:t>
+            </a:r>
+            <a:r>
+              <a:rPr lang="en-US" altLang="zh-CN" sz="1600" dirty="0" err="1" smtClean="0">
+                <a:latin typeface="DejaVu Sans Mono" pitchFamily="49" charset="0"/>
+                <a:ea typeface="DejaVu Sans Mono" pitchFamily="49" charset="0"/>
+                <a:cs typeface="DejaVu Sans Mono" pitchFamily="49" charset="0"/>
+              </a:rPr>
+              <a:t>typename</a:t>
+            </a:r>
+            <a:r>
+              <a:rPr lang="en-US" altLang="zh-CN" sz="1600" dirty="0" smtClean="0">
+                <a:latin typeface="DejaVu Sans Mono" pitchFamily="49" charset="0"/>
+                <a:ea typeface="DejaVu Sans Mono" pitchFamily="49" charset="0"/>
+                <a:cs typeface="DejaVu Sans Mono" pitchFamily="49" charset="0"/>
+              </a:rPr>
+              <a:t>... </a:t>
+            </a:r>
+            <a:r>
+              <a:rPr lang="en-US" altLang="zh-CN" sz="1600" dirty="0" err="1" smtClean="0">
+                <a:latin typeface="DejaVu Sans Mono" pitchFamily="49" charset="0"/>
+                <a:ea typeface="DejaVu Sans Mono" pitchFamily="49" charset="0"/>
+                <a:cs typeface="DejaVu Sans Mono" pitchFamily="49" charset="0"/>
+              </a:rPr>
+              <a:t>Args</a:t>
+            </a:r>
+            <a:r>
+              <a:rPr lang="en-US" altLang="zh-CN" sz="1600" dirty="0" smtClean="0">
+                <a:latin typeface="DejaVu Sans Mono" pitchFamily="49" charset="0"/>
+                <a:ea typeface="DejaVu Sans Mono" pitchFamily="49" charset="0"/>
+                <a:cs typeface="DejaVu Sans Mono" pitchFamily="49" charset="0"/>
+              </a:rPr>
+              <a:t>&gt;</a:t>
+            </a:r>
+          </a:p>
+          <a:p>
+            <a:r>
+              <a:rPr lang="en-US" altLang="zh-CN" sz="1600" dirty="0" smtClean="0">
+                <a:latin typeface="DejaVu Sans Mono" pitchFamily="49" charset="0"/>
+                <a:ea typeface="DejaVu Sans Mono" pitchFamily="49" charset="0"/>
+                <a:cs typeface="DejaVu Sans Mono" pitchFamily="49" charset="0"/>
+              </a:rPr>
+              <a:t>auto </a:t>
+            </a:r>
+            <a:r>
+              <a:rPr lang="en-US" altLang="zh-CN" sz="1600" dirty="0" smtClean="0">
+                <a:latin typeface="DejaVu Sans Mono" pitchFamily="49" charset="0"/>
+                <a:ea typeface="DejaVu Sans Mono" pitchFamily="49" charset="0"/>
+                <a:cs typeface="DejaVu Sans Mono" pitchFamily="49" charset="0"/>
+              </a:rPr>
+              <a:t>split_3args(</a:t>
+            </a:r>
+            <a:r>
+              <a:rPr lang="en-US" altLang="zh-CN" sz="1600" dirty="0" err="1" smtClean="0">
+                <a:latin typeface="DejaVu Sans Mono" pitchFamily="49" charset="0"/>
+                <a:ea typeface="DejaVu Sans Mono" pitchFamily="49" charset="0"/>
+                <a:cs typeface="DejaVu Sans Mono" pitchFamily="49" charset="0"/>
+              </a:rPr>
+              <a:t>Args</a:t>
+            </a:r>
+            <a:r>
+              <a:rPr lang="en-US" altLang="zh-CN" sz="1600" dirty="0" smtClean="0">
+                <a:latin typeface="DejaVu Sans Mono" pitchFamily="49" charset="0"/>
+                <a:ea typeface="DejaVu Sans Mono" pitchFamily="49" charset="0"/>
+                <a:cs typeface="DejaVu Sans Mono" pitchFamily="49" charset="0"/>
+              </a:rPr>
+              <a:t>&amp;&amp;... </a:t>
+            </a:r>
+            <a:r>
+              <a:rPr lang="en-US" altLang="zh-CN" sz="1600" dirty="0" err="1" smtClean="0">
+                <a:latin typeface="DejaVu Sans Mono" pitchFamily="49" charset="0"/>
+                <a:ea typeface="DejaVu Sans Mono" pitchFamily="49" charset="0"/>
+                <a:cs typeface="DejaVu Sans Mono" pitchFamily="49" charset="0"/>
+              </a:rPr>
+              <a:t>args</a:t>
+            </a:r>
+            <a:r>
+              <a:rPr lang="en-US" altLang="zh-CN" sz="1600" dirty="0" smtClean="0">
+                <a:latin typeface="DejaVu Sans Mono" pitchFamily="49" charset="0"/>
+                <a:ea typeface="DejaVu Sans Mono" pitchFamily="49" charset="0"/>
+                <a:cs typeface="DejaVu Sans Mono" pitchFamily="49" charset="0"/>
+              </a:rPr>
+              <a:t>){</a:t>
+            </a:r>
+          </a:p>
+          <a:p>
+            <a:r>
+              <a:rPr lang="en-US" altLang="zh-CN" sz="1600" dirty="0" smtClean="0">
+                <a:latin typeface="DejaVu Sans Mono" pitchFamily="49" charset="0"/>
+                <a:ea typeface="DejaVu Sans Mono" pitchFamily="49" charset="0"/>
+                <a:cs typeface="DejaVu Sans Mono" pitchFamily="49" charset="0"/>
+              </a:rPr>
+              <a:t>    auto </a:t>
+            </a:r>
+            <a:r>
+              <a:rPr lang="en-US" altLang="zh-CN" sz="1600" dirty="0" err="1" smtClean="0">
+                <a:latin typeface="DejaVu Sans Mono" pitchFamily="49" charset="0"/>
+                <a:ea typeface="DejaVu Sans Mono" pitchFamily="49" charset="0"/>
+                <a:cs typeface="DejaVu Sans Mono" pitchFamily="49" charset="0"/>
+              </a:rPr>
+              <a:t>tp</a:t>
+            </a:r>
+            <a:r>
+              <a:rPr lang="en-US" altLang="zh-CN" sz="1600" dirty="0" smtClean="0">
+                <a:latin typeface="DejaVu Sans Mono" pitchFamily="49" charset="0"/>
+                <a:ea typeface="DejaVu Sans Mono" pitchFamily="49" charset="0"/>
+                <a:cs typeface="DejaVu Sans Mono" pitchFamily="49" charset="0"/>
+              </a:rPr>
+              <a:t> = std::</a:t>
+            </a:r>
+            <a:r>
+              <a:rPr lang="en-US" altLang="zh-CN" sz="1600" dirty="0" err="1" smtClean="0">
+                <a:latin typeface="DejaVu Sans Mono" pitchFamily="49" charset="0"/>
+                <a:ea typeface="DejaVu Sans Mono" pitchFamily="49" charset="0"/>
+                <a:cs typeface="DejaVu Sans Mono" pitchFamily="49" charset="0"/>
+              </a:rPr>
+              <a:t>make_tuple</a:t>
+            </a:r>
+            <a:r>
+              <a:rPr lang="en-US" altLang="zh-CN" sz="1600" dirty="0" smtClean="0">
+                <a:latin typeface="DejaVu Sans Mono" pitchFamily="49" charset="0"/>
+                <a:ea typeface="DejaVu Sans Mono" pitchFamily="49" charset="0"/>
+                <a:cs typeface="DejaVu Sans Mono" pitchFamily="49" charset="0"/>
+              </a:rPr>
+              <a:t>(std::forward&lt;</a:t>
+            </a:r>
+            <a:r>
+              <a:rPr lang="en-US" altLang="zh-CN" sz="1600" dirty="0" err="1" smtClean="0">
+                <a:latin typeface="DejaVu Sans Mono" pitchFamily="49" charset="0"/>
+                <a:ea typeface="DejaVu Sans Mono" pitchFamily="49" charset="0"/>
+                <a:cs typeface="DejaVu Sans Mono" pitchFamily="49" charset="0"/>
+              </a:rPr>
+              <a:t>Args</a:t>
+            </a:r>
+            <a:r>
+              <a:rPr lang="en-US" altLang="zh-CN" sz="1600" dirty="0" smtClean="0">
+                <a:latin typeface="DejaVu Sans Mono" pitchFamily="49" charset="0"/>
+                <a:ea typeface="DejaVu Sans Mono" pitchFamily="49" charset="0"/>
+                <a:cs typeface="DejaVu Sans Mono" pitchFamily="49" charset="0"/>
+              </a:rPr>
+              <a:t>&gt;(</a:t>
+            </a:r>
+            <a:r>
+              <a:rPr lang="en-US" altLang="zh-CN" sz="1600" dirty="0" err="1" smtClean="0">
+                <a:latin typeface="DejaVu Sans Mono" pitchFamily="49" charset="0"/>
+                <a:ea typeface="DejaVu Sans Mono" pitchFamily="49" charset="0"/>
+                <a:cs typeface="DejaVu Sans Mono" pitchFamily="49" charset="0"/>
+              </a:rPr>
+              <a:t>args</a:t>
+            </a:r>
+            <a:r>
+              <a:rPr lang="en-US" altLang="zh-CN" sz="1600" dirty="0" smtClean="0">
+                <a:latin typeface="DejaVu Sans Mono" pitchFamily="49" charset="0"/>
+                <a:ea typeface="DejaVu Sans Mono" pitchFamily="49" charset="0"/>
+                <a:cs typeface="DejaVu Sans Mono" pitchFamily="49" charset="0"/>
+              </a:rPr>
+              <a:t>)...);</a:t>
+            </a:r>
+          </a:p>
+          <a:p>
+            <a:endParaRPr lang="en-US" altLang="zh-CN" sz="1600" dirty="0" smtClean="0">
+              <a:latin typeface="DejaVu Sans Mono" pitchFamily="49" charset="0"/>
+              <a:ea typeface="DejaVu Sans Mono" pitchFamily="49" charset="0"/>
+              <a:cs typeface="DejaVu Sans Mono" pitchFamily="49" charset="0"/>
+            </a:endParaRPr>
+          </a:p>
+          <a:p>
+            <a:r>
+              <a:rPr lang="en-US" altLang="zh-CN" sz="1600" dirty="0" smtClean="0">
+                <a:latin typeface="DejaVu Sans Mono" pitchFamily="49" charset="0"/>
+                <a:ea typeface="DejaVu Sans Mono" pitchFamily="49" charset="0"/>
+                <a:cs typeface="DejaVu Sans Mono" pitchFamily="49" charset="0"/>
+              </a:rPr>
+              <a:t>    return std::</a:t>
+            </a:r>
+            <a:r>
+              <a:rPr lang="en-US" altLang="zh-CN" sz="1600" dirty="0" err="1" smtClean="0">
+                <a:latin typeface="DejaVu Sans Mono" pitchFamily="49" charset="0"/>
+                <a:ea typeface="DejaVu Sans Mono" pitchFamily="49" charset="0"/>
+                <a:cs typeface="DejaVu Sans Mono" pitchFamily="49" charset="0"/>
+              </a:rPr>
+              <a:t>make_tuple</a:t>
+            </a:r>
+            <a:r>
+              <a:rPr lang="en-US" altLang="zh-CN" sz="1600" dirty="0" smtClean="0">
+                <a:latin typeface="DejaVu Sans Mono" pitchFamily="49" charset="0"/>
+                <a:ea typeface="DejaVu Sans Mono" pitchFamily="49" charset="0"/>
+                <a:cs typeface="DejaVu Sans Mono" pitchFamily="49" charset="0"/>
+              </a:rPr>
+              <a:t>(std::get&lt;0&gt;(</a:t>
+            </a:r>
+            <a:r>
+              <a:rPr lang="en-US" altLang="zh-CN" sz="1600" dirty="0" err="1" smtClean="0">
+                <a:latin typeface="DejaVu Sans Mono" pitchFamily="49" charset="0"/>
+                <a:ea typeface="DejaVu Sans Mono" pitchFamily="49" charset="0"/>
+                <a:cs typeface="DejaVu Sans Mono" pitchFamily="49" charset="0"/>
+              </a:rPr>
+              <a:t>tp</a:t>
+            </a:r>
+            <a:r>
+              <a:rPr lang="en-US" altLang="zh-CN" sz="1600" dirty="0" smtClean="0">
+                <a:latin typeface="DejaVu Sans Mono" pitchFamily="49" charset="0"/>
+                <a:ea typeface="DejaVu Sans Mono" pitchFamily="49" charset="0"/>
+                <a:cs typeface="DejaVu Sans Mono" pitchFamily="49" charset="0"/>
+              </a:rPr>
+              <a:t>), std::get&lt;1&gt;(</a:t>
+            </a:r>
+            <a:r>
+              <a:rPr lang="en-US" altLang="zh-CN" sz="1600" dirty="0" err="1" smtClean="0">
+                <a:latin typeface="DejaVu Sans Mono" pitchFamily="49" charset="0"/>
+                <a:ea typeface="DejaVu Sans Mono" pitchFamily="49" charset="0"/>
+                <a:cs typeface="DejaVu Sans Mono" pitchFamily="49" charset="0"/>
+              </a:rPr>
+              <a:t>tp</a:t>
+            </a:r>
+            <a:r>
+              <a:rPr lang="en-US" altLang="zh-CN" sz="1600" dirty="0" smtClean="0">
+                <a:latin typeface="DejaVu Sans Mono" pitchFamily="49" charset="0"/>
+                <a:ea typeface="DejaVu Sans Mono" pitchFamily="49" charset="0"/>
+                <a:cs typeface="DejaVu Sans Mono" pitchFamily="49" charset="0"/>
+              </a:rPr>
+              <a:t>), std::get&lt;2&gt;(</a:t>
+            </a:r>
+            <a:r>
+              <a:rPr lang="en-US" altLang="zh-CN" sz="1600" dirty="0" err="1" smtClean="0">
+                <a:latin typeface="DejaVu Sans Mono" pitchFamily="49" charset="0"/>
+                <a:ea typeface="DejaVu Sans Mono" pitchFamily="49" charset="0"/>
+                <a:cs typeface="DejaVu Sans Mono" pitchFamily="49" charset="0"/>
+              </a:rPr>
+              <a:t>tp</a:t>
+            </a:r>
+            <a:r>
+              <a:rPr lang="en-US" altLang="zh-CN" sz="1600" dirty="0" smtClean="0">
+                <a:latin typeface="DejaVu Sans Mono" pitchFamily="49" charset="0"/>
+                <a:ea typeface="DejaVu Sans Mono" pitchFamily="49" charset="0"/>
+                <a:cs typeface="DejaVu Sans Mono" pitchFamily="49" charset="0"/>
+              </a:rPr>
+              <a:t>));</a:t>
+            </a:r>
+          </a:p>
+          <a:p>
+            <a:r>
+              <a:rPr lang="en-US" altLang="zh-CN" sz="1600" dirty="0" smtClean="0">
+                <a:latin typeface="DejaVu Sans Mono" pitchFamily="49" charset="0"/>
+                <a:ea typeface="DejaVu Sans Mono" pitchFamily="49" charset="0"/>
+                <a:cs typeface="DejaVu Sans Mono" pitchFamily="49" charset="0"/>
+              </a:rPr>
+              <a:t>}</a:t>
+            </a:r>
+            <a:endParaRPr lang="zh-CN" altLang="en-US" sz="1600" dirty="0">
+              <a:latin typeface="DejaVu Sans Mono" pitchFamily="49" charset="0"/>
+              <a:cs typeface="DejaVu Sans Mono" pitchFamily="49" charset="0"/>
+            </a:endParaRPr>
+          </a:p>
+        </p:txBody>
+      </p:sp>
+      <p:sp>
+        <p:nvSpPr>
+          <p:cNvPr id="5" name="矩形 4"/>
+          <p:cNvSpPr/>
+          <p:nvPr/>
+        </p:nvSpPr>
+        <p:spPr>
+          <a:xfrm>
+            <a:off x="523701" y="3804104"/>
+            <a:ext cx="7365077" cy="584775"/>
+          </a:xfrm>
+          <a:prstGeom prst="rect">
+            <a:avLst/>
+          </a:prstGeom>
+        </p:spPr>
+        <p:txBody>
+          <a:bodyPr wrap="square">
+            <a:spAutoFit/>
+          </a:bodyPr>
+          <a:lstStyle/>
+          <a:p>
+            <a:r>
+              <a:rPr lang="en-US" altLang="zh-CN" sz="1600" dirty="0" smtClean="0">
+                <a:latin typeface="DejaVu Sans Mono" pitchFamily="49" charset="0"/>
+                <a:ea typeface="DejaVu Sans Mono" pitchFamily="49" charset="0"/>
+                <a:cs typeface="DejaVu Sans Mono" pitchFamily="49" charset="0"/>
+              </a:rPr>
+              <a:t>auto t = split_3args(1, 2.5, "test", '1</a:t>
+            </a:r>
+            <a:r>
+              <a:rPr lang="en-US" altLang="zh-CN" sz="1600" dirty="0" smtClean="0">
+                <a:latin typeface="DejaVu Sans Mono" pitchFamily="49" charset="0"/>
+                <a:ea typeface="DejaVu Sans Mono" pitchFamily="49" charset="0"/>
+                <a:cs typeface="DejaVu Sans Mono" pitchFamily="49" charset="0"/>
+              </a:rPr>
+              <a:t>');</a:t>
+            </a:r>
+          </a:p>
+          <a:p>
+            <a:r>
+              <a:rPr lang="en-US" altLang="zh-CN" sz="1600" dirty="0" smtClean="0">
+                <a:latin typeface="DejaVu Sans Mono" pitchFamily="49" charset="0"/>
+                <a:ea typeface="DejaVu Sans Mono" pitchFamily="49" charset="0"/>
+                <a:cs typeface="DejaVu Sans Mono" pitchFamily="49" charset="0"/>
+              </a:rPr>
+              <a:t> </a:t>
+            </a:r>
+            <a:r>
+              <a:rPr lang="en-US" altLang="zh-CN" sz="1600" dirty="0" smtClean="0">
+                <a:latin typeface="DejaVu Sans Mono" pitchFamily="49" charset="0"/>
+                <a:ea typeface="DejaVu Sans Mono" pitchFamily="49" charset="0"/>
+                <a:cs typeface="DejaVu Sans Mono" pitchFamily="49" charset="0"/>
+              </a:rPr>
+              <a:t>//</a:t>
+            </a:r>
+            <a:r>
+              <a:rPr lang="en-US" altLang="zh-CN" sz="1600" dirty="0" err="1" smtClean="0">
+                <a:latin typeface="DejaVu Sans Mono" pitchFamily="49" charset="0"/>
+                <a:ea typeface="DejaVu Sans Mono" pitchFamily="49" charset="0"/>
+                <a:cs typeface="DejaVu Sans Mono" pitchFamily="49" charset="0"/>
+              </a:rPr>
+              <a:t>tuple</a:t>
+            </a:r>
+            <a:r>
+              <a:rPr lang="en-US" altLang="zh-CN" sz="1600" dirty="0" smtClean="0">
+                <a:latin typeface="DejaVu Sans Mono" pitchFamily="49" charset="0"/>
+                <a:ea typeface="DejaVu Sans Mono" pitchFamily="49" charset="0"/>
+                <a:cs typeface="DejaVu Sans Mono" pitchFamily="49" charset="0"/>
+              </a:rPr>
+              <a:t>(1, 2.5, "test")</a:t>
+            </a:r>
+            <a:endParaRPr lang="zh-CN" altLang="en-US" sz="1600" dirty="0">
+              <a:latin typeface="DejaVu Sans Mono" pitchFamily="49" charset="0"/>
+              <a:cs typeface="DejaVu Sans Mono" pitchFamily="49" charset="0"/>
+            </a:endParaRPr>
+          </a:p>
+        </p:txBody>
+      </p:sp>
+      <p:sp>
+        <p:nvSpPr>
+          <p:cNvPr id="6" name="矩形 5"/>
+          <p:cNvSpPr/>
+          <p:nvPr/>
+        </p:nvSpPr>
+        <p:spPr>
+          <a:xfrm>
+            <a:off x="548640" y="4591272"/>
+            <a:ext cx="7390015" cy="1569660"/>
+          </a:xfrm>
+          <a:prstGeom prst="rect">
+            <a:avLst/>
+          </a:prstGeom>
+        </p:spPr>
+        <p:txBody>
+          <a:bodyPr wrap="square">
+            <a:spAutoFit/>
+          </a:bodyPr>
+          <a:lstStyle/>
+          <a:p>
+            <a:r>
+              <a:rPr lang="en-US" altLang="zh-CN" sz="1600" dirty="0" smtClean="0">
+                <a:latin typeface="DejaVu Sans Mono" pitchFamily="49" charset="0"/>
+                <a:ea typeface="DejaVu Sans Mono" pitchFamily="49" charset="0"/>
+                <a:cs typeface="DejaVu Sans Mono" pitchFamily="49" charset="0"/>
+              </a:rPr>
+              <a:t>template&lt;</a:t>
+            </a:r>
+            <a:r>
+              <a:rPr lang="en-US" altLang="zh-CN" sz="1600" dirty="0" err="1" smtClean="0">
+                <a:latin typeface="DejaVu Sans Mono" pitchFamily="49" charset="0"/>
+                <a:ea typeface="DejaVu Sans Mono" pitchFamily="49" charset="0"/>
+                <a:cs typeface="DejaVu Sans Mono" pitchFamily="49" charset="0"/>
+              </a:rPr>
+              <a:t>typename</a:t>
+            </a:r>
+            <a:r>
+              <a:rPr lang="en-US" altLang="zh-CN" sz="1600" dirty="0" smtClean="0">
+                <a:latin typeface="DejaVu Sans Mono" pitchFamily="49" charset="0"/>
+                <a:ea typeface="DejaVu Sans Mono" pitchFamily="49" charset="0"/>
+                <a:cs typeface="DejaVu Sans Mono" pitchFamily="49" charset="0"/>
+              </a:rPr>
+              <a:t>... </a:t>
+            </a:r>
+            <a:r>
+              <a:rPr lang="en-US" altLang="zh-CN" sz="1600" dirty="0" err="1" smtClean="0">
+                <a:latin typeface="DejaVu Sans Mono" pitchFamily="49" charset="0"/>
+                <a:ea typeface="DejaVu Sans Mono" pitchFamily="49" charset="0"/>
+                <a:cs typeface="DejaVu Sans Mono" pitchFamily="49" charset="0"/>
+              </a:rPr>
+              <a:t>Args</a:t>
+            </a:r>
+            <a:r>
+              <a:rPr lang="en-US" altLang="zh-CN" sz="1600" dirty="0" smtClean="0">
+                <a:latin typeface="DejaVu Sans Mono" pitchFamily="49" charset="0"/>
+                <a:ea typeface="DejaVu Sans Mono" pitchFamily="49" charset="0"/>
+                <a:cs typeface="DejaVu Sans Mono" pitchFamily="49" charset="0"/>
+              </a:rPr>
+              <a:t>&gt;</a:t>
+            </a:r>
+          </a:p>
+          <a:p>
+            <a:r>
+              <a:rPr lang="en-US" altLang="zh-CN" sz="1600" dirty="0" smtClean="0">
+                <a:latin typeface="DejaVu Sans Mono" pitchFamily="49" charset="0"/>
+                <a:ea typeface="DejaVu Sans Mono" pitchFamily="49" charset="0"/>
+                <a:cs typeface="DejaVu Sans Mono" pitchFamily="49" charset="0"/>
+              </a:rPr>
+              <a:t>auto split_3args(</a:t>
+            </a:r>
+            <a:r>
+              <a:rPr lang="en-US" altLang="zh-CN" sz="1600" dirty="0" err="1" smtClean="0">
+                <a:latin typeface="DejaVu Sans Mono" pitchFamily="49" charset="0"/>
+                <a:ea typeface="DejaVu Sans Mono" pitchFamily="49" charset="0"/>
+                <a:cs typeface="DejaVu Sans Mono" pitchFamily="49" charset="0"/>
+              </a:rPr>
+              <a:t>Args</a:t>
+            </a:r>
+            <a:r>
+              <a:rPr lang="en-US" altLang="zh-CN" sz="1600" dirty="0" smtClean="0">
+                <a:latin typeface="DejaVu Sans Mono" pitchFamily="49" charset="0"/>
+                <a:ea typeface="DejaVu Sans Mono" pitchFamily="49" charset="0"/>
+                <a:cs typeface="DejaVu Sans Mono" pitchFamily="49" charset="0"/>
+              </a:rPr>
+              <a:t>&amp;&amp;... </a:t>
+            </a:r>
+            <a:r>
+              <a:rPr lang="en-US" altLang="zh-CN" sz="1600" dirty="0" err="1" smtClean="0">
+                <a:latin typeface="DejaVu Sans Mono" pitchFamily="49" charset="0"/>
+                <a:ea typeface="DejaVu Sans Mono" pitchFamily="49" charset="0"/>
+                <a:cs typeface="DejaVu Sans Mono" pitchFamily="49" charset="0"/>
+              </a:rPr>
+              <a:t>args</a:t>
+            </a:r>
+            <a:r>
+              <a:rPr lang="en-US" altLang="zh-CN" sz="1600" dirty="0" smtClean="0">
+                <a:latin typeface="DejaVu Sans Mono" pitchFamily="49" charset="0"/>
+                <a:ea typeface="DejaVu Sans Mono" pitchFamily="49" charset="0"/>
+                <a:cs typeface="DejaVu Sans Mono" pitchFamily="49" charset="0"/>
+              </a:rPr>
+              <a:t>){</a:t>
+            </a:r>
+          </a:p>
+          <a:p>
+            <a:r>
+              <a:rPr lang="en-US" altLang="zh-CN" sz="1600" dirty="0" smtClean="0">
+                <a:latin typeface="DejaVu Sans Mono" pitchFamily="49" charset="0"/>
+                <a:ea typeface="DejaVu Sans Mono" pitchFamily="49" charset="0"/>
+                <a:cs typeface="DejaVu Sans Mono" pitchFamily="49" charset="0"/>
+              </a:rPr>
+              <a:t>    auto </a:t>
+            </a:r>
+            <a:r>
+              <a:rPr lang="en-US" altLang="zh-CN" sz="1600" dirty="0" err="1" smtClean="0">
+                <a:latin typeface="DejaVu Sans Mono" pitchFamily="49" charset="0"/>
+                <a:ea typeface="DejaVu Sans Mono" pitchFamily="49" charset="0"/>
+                <a:cs typeface="DejaVu Sans Mono" pitchFamily="49" charset="0"/>
+              </a:rPr>
+              <a:t>tp</a:t>
+            </a:r>
+            <a:r>
+              <a:rPr lang="en-US" altLang="zh-CN" sz="1600" dirty="0" smtClean="0">
+                <a:latin typeface="DejaVu Sans Mono" pitchFamily="49" charset="0"/>
+                <a:ea typeface="DejaVu Sans Mono" pitchFamily="49" charset="0"/>
+                <a:cs typeface="DejaVu Sans Mono" pitchFamily="49" charset="0"/>
+              </a:rPr>
+              <a:t> = std::</a:t>
+            </a:r>
+            <a:r>
+              <a:rPr lang="en-US" altLang="zh-CN" sz="1600" dirty="0" err="1" smtClean="0">
+                <a:latin typeface="DejaVu Sans Mono" pitchFamily="49" charset="0"/>
+                <a:ea typeface="DejaVu Sans Mono" pitchFamily="49" charset="0"/>
+                <a:cs typeface="DejaVu Sans Mono" pitchFamily="49" charset="0"/>
+              </a:rPr>
+              <a:t>make_tuple</a:t>
+            </a:r>
+            <a:r>
+              <a:rPr lang="en-US" altLang="zh-CN" sz="1600" dirty="0" smtClean="0">
+                <a:latin typeface="DejaVu Sans Mono" pitchFamily="49" charset="0"/>
+                <a:ea typeface="DejaVu Sans Mono" pitchFamily="49" charset="0"/>
+                <a:cs typeface="DejaVu Sans Mono" pitchFamily="49" charset="0"/>
+              </a:rPr>
+              <a:t>(std::forward&lt;</a:t>
+            </a:r>
+            <a:r>
+              <a:rPr lang="en-US" altLang="zh-CN" sz="1600" dirty="0" err="1" smtClean="0">
+                <a:latin typeface="DejaVu Sans Mono" pitchFamily="49" charset="0"/>
+                <a:ea typeface="DejaVu Sans Mono" pitchFamily="49" charset="0"/>
+                <a:cs typeface="DejaVu Sans Mono" pitchFamily="49" charset="0"/>
+              </a:rPr>
+              <a:t>Args</a:t>
+            </a:r>
+            <a:r>
+              <a:rPr lang="en-US" altLang="zh-CN" sz="1600" dirty="0" smtClean="0">
+                <a:latin typeface="DejaVu Sans Mono" pitchFamily="49" charset="0"/>
+                <a:ea typeface="DejaVu Sans Mono" pitchFamily="49" charset="0"/>
+                <a:cs typeface="DejaVu Sans Mono" pitchFamily="49" charset="0"/>
+              </a:rPr>
+              <a:t>&gt;(</a:t>
+            </a:r>
+            <a:r>
+              <a:rPr lang="en-US" altLang="zh-CN" sz="1600" dirty="0" err="1" smtClean="0">
+                <a:latin typeface="DejaVu Sans Mono" pitchFamily="49" charset="0"/>
+                <a:ea typeface="DejaVu Sans Mono" pitchFamily="49" charset="0"/>
+                <a:cs typeface="DejaVu Sans Mono" pitchFamily="49" charset="0"/>
+              </a:rPr>
+              <a:t>args</a:t>
+            </a:r>
+            <a:r>
+              <a:rPr lang="en-US" altLang="zh-CN" sz="1600" dirty="0" smtClean="0">
+                <a:latin typeface="DejaVu Sans Mono" pitchFamily="49" charset="0"/>
+                <a:ea typeface="DejaVu Sans Mono" pitchFamily="49" charset="0"/>
+                <a:cs typeface="DejaVu Sans Mono" pitchFamily="49" charset="0"/>
+              </a:rPr>
+              <a:t>)...);</a:t>
+            </a:r>
+          </a:p>
+          <a:p>
+            <a:r>
+              <a:rPr lang="en-US" altLang="zh-CN" sz="1600" dirty="0" smtClean="0">
+                <a:latin typeface="DejaVu Sans Mono" pitchFamily="49" charset="0"/>
+                <a:ea typeface="DejaVu Sans Mono" pitchFamily="49" charset="0"/>
+                <a:cs typeface="DejaVu Sans Mono" pitchFamily="49" charset="0"/>
+              </a:rPr>
+              <a:t>    </a:t>
+            </a:r>
+            <a:r>
+              <a:rPr lang="en-US" altLang="zh-CN" sz="1600" i="1" dirty="0" smtClean="0">
+                <a:latin typeface="DejaVu Sans Mono" pitchFamily="49" charset="0"/>
+                <a:ea typeface="DejaVu Sans Mono" pitchFamily="49" charset="0"/>
+                <a:cs typeface="DejaVu Sans Mono" pitchFamily="49" charset="0"/>
+              </a:rPr>
+              <a:t>auto [a, b, c, d] = </a:t>
+            </a:r>
+            <a:r>
+              <a:rPr lang="en-US" altLang="zh-CN" sz="1600" i="1" dirty="0" err="1" smtClean="0">
+                <a:latin typeface="DejaVu Sans Mono" pitchFamily="49" charset="0"/>
+                <a:ea typeface="DejaVu Sans Mono" pitchFamily="49" charset="0"/>
+                <a:cs typeface="DejaVu Sans Mono" pitchFamily="49" charset="0"/>
+              </a:rPr>
+              <a:t>tp</a:t>
+            </a:r>
+            <a:r>
+              <a:rPr lang="en-US" altLang="zh-CN" sz="1600" i="1" dirty="0" smtClean="0">
+                <a:latin typeface="DejaVu Sans Mono" pitchFamily="49" charset="0"/>
+                <a:ea typeface="DejaVu Sans Mono" pitchFamily="49" charset="0"/>
+                <a:cs typeface="DejaVu Sans Mono" pitchFamily="49" charset="0"/>
+              </a:rPr>
+              <a:t>;</a:t>
+            </a:r>
+          </a:p>
+          <a:p>
+            <a:r>
+              <a:rPr lang="en-US" altLang="zh-CN" sz="1600" dirty="0" smtClean="0">
+                <a:latin typeface="DejaVu Sans Mono" pitchFamily="49" charset="0"/>
+                <a:ea typeface="DejaVu Sans Mono" pitchFamily="49" charset="0"/>
+                <a:cs typeface="DejaVu Sans Mono" pitchFamily="49" charset="0"/>
+              </a:rPr>
+              <a:t>    </a:t>
+            </a:r>
+            <a:r>
+              <a:rPr lang="en-US" altLang="zh-CN" sz="1600" i="1" dirty="0" smtClean="0">
+                <a:latin typeface="DejaVu Sans Mono" pitchFamily="49" charset="0"/>
+                <a:ea typeface="DejaVu Sans Mono" pitchFamily="49" charset="0"/>
+                <a:cs typeface="DejaVu Sans Mono" pitchFamily="49" charset="0"/>
+              </a:rPr>
+              <a:t>return std::</a:t>
+            </a:r>
+            <a:r>
+              <a:rPr lang="en-US" altLang="zh-CN" sz="1600" i="1" dirty="0" err="1" smtClean="0">
+                <a:latin typeface="DejaVu Sans Mono" pitchFamily="49" charset="0"/>
+                <a:ea typeface="DejaVu Sans Mono" pitchFamily="49" charset="0"/>
+                <a:cs typeface="DejaVu Sans Mono" pitchFamily="49" charset="0"/>
+              </a:rPr>
+              <a:t>make_tuple</a:t>
+            </a:r>
+            <a:r>
+              <a:rPr lang="en-US" altLang="zh-CN" sz="1600" i="1" dirty="0" smtClean="0">
+                <a:latin typeface="DejaVu Sans Mono" pitchFamily="49" charset="0"/>
+                <a:ea typeface="DejaVu Sans Mono" pitchFamily="49" charset="0"/>
+                <a:cs typeface="DejaVu Sans Mono" pitchFamily="49" charset="0"/>
+              </a:rPr>
+              <a:t>(a, b, c);</a:t>
+            </a:r>
+          </a:p>
+          <a:p>
+            <a:r>
+              <a:rPr lang="en-US" altLang="zh-CN" sz="1600" dirty="0" smtClean="0">
+                <a:latin typeface="DejaVu Sans Mono" pitchFamily="49" charset="0"/>
+                <a:ea typeface="DejaVu Sans Mono" pitchFamily="49" charset="0"/>
+                <a:cs typeface="DejaVu Sans Mono" pitchFamily="49" charset="0"/>
+              </a:rPr>
+              <a:t>}</a:t>
+            </a:r>
+            <a:endParaRPr lang="zh-CN" altLang="en-US" sz="1600" dirty="0">
+              <a:latin typeface="DejaVu Sans Mono" pitchFamily="49" charset="0"/>
+              <a:cs typeface="DejaVu Sans Mono" pitchFamily="49" charset="0"/>
+            </a:endParaRPr>
           </a:p>
         </p:txBody>
       </p:sp>
@@ -2113,6 +3688,130 @@
   <p:clrMapOvr>
     <a:masterClrMapping/>
   </p:clrMapOvr>
+  <p:timing>
+    <p:tnLst>
+      <p:par>
+        <p:cTn id="1" dur="indefinite" restart="never" nodeType="tmRoot">
+          <p:childTnLst>
+            <p:seq concurrent="1" nextAc="seek">
+              <p:cTn id="2" dur="indefinite" nodeType="mainSeq">
+                <p:childTnLst>
+                  <p:par>
+                    <p:cTn id="3" fill="hold">
+                      <p:stCondLst>
+                        <p:cond delay="indefinite"/>
+                      </p:stCondLst>
+                      <p:childTnLst>
+                        <p:par>
+                          <p:cTn id="4" fill="hold">
+                            <p:stCondLst>
+                              <p:cond delay="0"/>
+                            </p:stCondLst>
+                            <p:childTnLst>
+                              <p:par>
+                                <p:cTn id="5" presetID="2" presetClass="entr" presetSubtype="4" fill="hold" grpId="0" nodeType="clickEffect">
+                                  <p:stCondLst>
+                                    <p:cond delay="0"/>
+                                  </p:stCondLst>
+                                  <p:childTnLst>
+                                    <p:set>
+                                      <p:cBhvr>
+                                        <p:cTn id="6" dur="1" fill="hold">
+                                          <p:stCondLst>
+                                            <p:cond delay="0"/>
+                                          </p:stCondLst>
+                                        </p:cTn>
+                                        <p:tgtEl>
+                                          <p:spTgt spid="6"/>
+                                        </p:tgtEl>
+                                        <p:attrNameLst>
+                                          <p:attrName>style.visibility</p:attrName>
+                                        </p:attrNameLst>
+                                      </p:cBhvr>
+                                      <p:to>
+                                        <p:strVal val="visible"/>
+                                      </p:to>
+                                    </p:set>
+                                    <p:anim calcmode="lin" valueType="num">
+                                      <p:cBhvr additive="base">
+                                        <p:cTn id="7" dur="500" fill="hold"/>
+                                        <p:tgtEl>
+                                          <p:spTgt spid="6"/>
+                                        </p:tgtEl>
+                                        <p:attrNameLst>
+                                          <p:attrName>ppt_x</p:attrName>
+                                        </p:attrNameLst>
+                                      </p:cBhvr>
+                                      <p:tavLst>
+                                        <p:tav tm="0">
+                                          <p:val>
+                                            <p:strVal val="#ppt_x"/>
+                                          </p:val>
+                                        </p:tav>
+                                        <p:tav tm="100000">
+                                          <p:val>
+                                            <p:strVal val="#ppt_x"/>
+                                          </p:val>
+                                        </p:tav>
+                                      </p:tavLst>
+                                    </p:anim>
+                                    <p:anim calcmode="lin" valueType="num">
+                                      <p:cBhvr additive="base">
+                                        <p:cTn id="8" dur="500" fill="hold"/>
+                                        <p:tgtEl>
+                                          <p:spTgt spid="6"/>
+                                        </p:tgtEl>
+                                        <p:attrNameLst>
+                                          <p:attrName>ppt_y</p:attrName>
+                                        </p:attrNameLst>
+                                      </p:cBhvr>
+                                      <p:tavLst>
+                                        <p:tav tm="0">
+                                          <p:val>
+                                            <p:strVal val="1+#ppt_h/2"/>
+                                          </p:val>
+                                        </p:tav>
+                                        <p:tav tm="100000">
+                                          <p:val>
+                                            <p:strVal val="#ppt_y"/>
+                                          </p:val>
+                                        </p:tav>
+                                      </p:tavLst>
+                                    </p:anim>
+                                  </p:childTnLst>
+                                </p:cTn>
+                              </p:par>
+                            </p:childTnLst>
+                          </p:cTn>
+                        </p:par>
+                      </p:childTnLst>
+                    </p:cTn>
+                  </p:par>
+                </p:childTnLst>
+              </p:cTn>
+              <p:prevCondLst>
+                <p:cond evt="onPrev" delay="0">
+                  <p:tgtEl>
+                    <p:sldTgt/>
+                  </p:tgtEl>
+                </p:cond>
+              </p:prevCondLst>
+              <p:nextCondLst>
+                <p:cond evt="onNext" delay="0">
+                  <p:tgtEl>
+                    <p:sldTgt/>
+                  </p:tgtEl>
+                </p:cond>
+              </p:nextCondLst>
+            </p:seq>
+          </p:childTnLst>
+        </p:cTn>
+      </p:par>
+    </p:tnLst>
+    <p:bldLst>
+      <p:bldP spid="6" grpId="0"/>
+    </p:bldLst>
+  </p:timing>
 </p:sld>
 </file>
 
@@ -2151,8 +3850,12 @@
           <a:lstStyle/>
           <a:p>
             <a:r>
+              <a:rPr lang="en-US" altLang="zh-CN" dirty="0" err="1" smtClean="0"/>
+              <a:t>Constexpr</a:t>
+            </a:r>
+            <a:r>
               <a:rPr lang="en-US" altLang="zh-CN" dirty="0" smtClean="0"/>
-              <a:t>Fold Expression</a:t>
+              <a:t> If</a:t>
             </a:r>
             <a:endParaRPr lang="zh-CN" altLang="en-US" dirty="0"/>
           </a:p>
@@ -2173,7 +3876,465 @@
           <a:bodyPr/>
           <a:lstStyle/>
           <a:p>
-            <a:endParaRPr lang="zh-CN" altLang="en-US"/>
+            <a:endParaRPr lang="zh-CN" altLang="en-US" dirty="0"/>
+          </a:p>
+        </p:txBody>
+      </p:sp>
+      <p:sp>
+        <p:nvSpPr>
+          <p:cNvPr id="4" name="矩形 3"/>
+          <p:cNvSpPr/>
+          <p:nvPr/>
+        </p:nvSpPr>
+        <p:spPr>
+          <a:xfrm>
+            <a:off x="448886" y="1407773"/>
+            <a:ext cx="8129849" cy="3293209"/>
+          </a:xfrm>
+          <a:prstGeom prst="rect">
+            <a:avLst/>
+          </a:prstGeom>
+        </p:spPr>
+        <p:txBody>
+          <a:bodyPr wrap="square">
+            <a:spAutoFit/>
+          </a:bodyPr>
+          <a:lstStyle/>
+          <a:p>
+            <a:r>
+              <a:rPr lang="en-US" sz="1600" dirty="0" smtClean="0">
+                <a:latin typeface="DejaVu Sans Mono" pitchFamily="49" charset="0"/>
+                <a:ea typeface="DejaVu Sans Mono" pitchFamily="49" charset="0"/>
+                <a:cs typeface="DejaVu Sans Mono" pitchFamily="49" charset="0"/>
+              </a:rPr>
+              <a:t>template&lt;</a:t>
+            </a:r>
+            <a:r>
+              <a:rPr lang="en-US" sz="1600" dirty="0" err="1" smtClean="0">
+                <a:latin typeface="DejaVu Sans Mono" pitchFamily="49" charset="0"/>
+                <a:ea typeface="DejaVu Sans Mono" pitchFamily="49" charset="0"/>
+                <a:cs typeface="DejaVu Sans Mono" pitchFamily="49" charset="0"/>
+              </a:rPr>
+              <a:t>typename</a:t>
+            </a:r>
+            <a:r>
+              <a:rPr lang="en-US" sz="1600" dirty="0" smtClean="0">
+                <a:latin typeface="DejaVu Sans Mono" pitchFamily="49" charset="0"/>
+                <a:ea typeface="DejaVu Sans Mono" pitchFamily="49" charset="0"/>
+                <a:cs typeface="DejaVu Sans Mono" pitchFamily="49" charset="0"/>
+              </a:rPr>
+              <a:t> </a:t>
+            </a:r>
+            <a:r>
+              <a:rPr lang="en-US" sz="1600" dirty="0" smtClean="0">
+                <a:latin typeface="DejaVu Sans Mono" pitchFamily="49" charset="0"/>
+                <a:ea typeface="DejaVu Sans Mono" pitchFamily="49" charset="0"/>
+                <a:cs typeface="DejaVu Sans Mono" pitchFamily="49" charset="0"/>
+              </a:rPr>
+              <a:t>T&gt;</a:t>
+            </a:r>
+            <a:br>
+              <a:rPr lang="en-US" sz="1600" dirty="0" smtClean="0">
+                <a:latin typeface="DejaVu Sans Mono" pitchFamily="49" charset="0"/>
+                <a:ea typeface="DejaVu Sans Mono" pitchFamily="49" charset="0"/>
+                <a:cs typeface="DejaVu Sans Mono" pitchFamily="49" charset="0"/>
+              </a:rPr>
+            </a:br>
+            <a:r>
+              <a:rPr lang="en-US" sz="1600" dirty="0" smtClean="0">
+                <a:latin typeface="DejaVu Sans Mono" pitchFamily="49" charset="0"/>
+                <a:ea typeface="DejaVu Sans Mono" pitchFamily="49" charset="0"/>
+                <a:cs typeface="DejaVu Sans Mono" pitchFamily="49" charset="0"/>
+              </a:rPr>
+              <a:t>std</a:t>
+            </a:r>
+            <a:r>
+              <a:rPr lang="en-US" sz="1600" dirty="0" smtClean="0">
+                <a:latin typeface="DejaVu Sans Mono" pitchFamily="49" charset="0"/>
+                <a:ea typeface="DejaVu Sans Mono" pitchFamily="49" charset="0"/>
+                <a:cs typeface="DejaVu Sans Mono" pitchFamily="49" charset="0"/>
+              </a:rPr>
+              <a:t>::</a:t>
+            </a:r>
+            <a:r>
+              <a:rPr lang="en-US" sz="1600" dirty="0" err="1" smtClean="0">
+                <a:latin typeface="DejaVu Sans Mono" pitchFamily="49" charset="0"/>
+                <a:ea typeface="DejaVu Sans Mono" pitchFamily="49" charset="0"/>
+                <a:cs typeface="DejaVu Sans Mono" pitchFamily="49" charset="0"/>
+              </a:rPr>
+              <a:t>enable_if_t</a:t>
+            </a:r>
+            <a:r>
+              <a:rPr lang="en-US" sz="1600" dirty="0" smtClean="0">
+                <a:latin typeface="DejaVu Sans Mono" pitchFamily="49" charset="0"/>
+                <a:ea typeface="DejaVu Sans Mono" pitchFamily="49" charset="0"/>
+                <a:cs typeface="DejaVu Sans Mono" pitchFamily="49" charset="0"/>
+              </a:rPr>
+              <a:t>&lt;std::</a:t>
+            </a:r>
+            <a:r>
+              <a:rPr lang="en-US" sz="1600" dirty="0" err="1" smtClean="0">
+                <a:latin typeface="DejaVu Sans Mono" pitchFamily="49" charset="0"/>
+                <a:ea typeface="DejaVu Sans Mono" pitchFamily="49" charset="0"/>
+                <a:cs typeface="DejaVu Sans Mono" pitchFamily="49" charset="0"/>
+              </a:rPr>
+              <a:t>is_integral</a:t>
+            </a:r>
+            <a:r>
+              <a:rPr lang="en-US" sz="1600" dirty="0" smtClean="0">
+                <a:latin typeface="DejaVu Sans Mono" pitchFamily="49" charset="0"/>
+                <a:ea typeface="DejaVu Sans Mono" pitchFamily="49" charset="0"/>
+                <a:cs typeface="DejaVu Sans Mono" pitchFamily="49" charset="0"/>
+              </a:rPr>
+              <a:t>&lt;T&gt;::value, std::</a:t>
+            </a:r>
+            <a:r>
+              <a:rPr lang="en-US" sz="1600" dirty="0" smtClean="0">
+                <a:latin typeface="DejaVu Sans Mono" pitchFamily="49" charset="0"/>
+                <a:ea typeface="DejaVu Sans Mono" pitchFamily="49" charset="0"/>
+                <a:cs typeface="DejaVu Sans Mono" pitchFamily="49" charset="0"/>
+              </a:rPr>
+              <a:t>string&gt; </a:t>
+            </a:r>
+            <a:r>
+              <a:rPr lang="en-US" sz="1600" dirty="0" err="1" smtClean="0">
+                <a:latin typeface="DejaVu Sans Mono" pitchFamily="49" charset="0"/>
+                <a:ea typeface="DejaVu Sans Mono" pitchFamily="49" charset="0"/>
+                <a:cs typeface="DejaVu Sans Mono" pitchFamily="49" charset="0"/>
+              </a:rPr>
+              <a:t>to_str</a:t>
+            </a:r>
+            <a:r>
+              <a:rPr lang="en-US" sz="1600" dirty="0" smtClean="0">
+                <a:latin typeface="DejaVu Sans Mono" pitchFamily="49" charset="0"/>
+                <a:ea typeface="DejaVu Sans Mono" pitchFamily="49" charset="0"/>
+                <a:cs typeface="DejaVu Sans Mono" pitchFamily="49" charset="0"/>
+              </a:rPr>
+              <a:t>(T </a:t>
+            </a:r>
+            <a:r>
+              <a:rPr lang="en-US" sz="1600" dirty="0" err="1" smtClean="0">
+                <a:latin typeface="DejaVu Sans Mono" pitchFamily="49" charset="0"/>
+                <a:ea typeface="DejaVu Sans Mono" pitchFamily="49" charset="0"/>
+                <a:cs typeface="DejaVu Sans Mono" pitchFamily="49" charset="0"/>
+              </a:rPr>
+              <a:t>t</a:t>
+            </a:r>
+            <a:r>
+              <a:rPr lang="en-US" sz="1600" dirty="0" smtClean="0">
+                <a:latin typeface="DejaVu Sans Mono" pitchFamily="49" charset="0"/>
+                <a:ea typeface="DejaVu Sans Mono" pitchFamily="49" charset="0"/>
+                <a:cs typeface="DejaVu Sans Mono" pitchFamily="49" charset="0"/>
+              </a:rPr>
+              <a:t>)</a:t>
+            </a:r>
+            <a:br>
+              <a:rPr lang="en-US" sz="1600" dirty="0" smtClean="0">
+                <a:latin typeface="DejaVu Sans Mono" pitchFamily="49" charset="0"/>
+                <a:ea typeface="DejaVu Sans Mono" pitchFamily="49" charset="0"/>
+                <a:cs typeface="DejaVu Sans Mono" pitchFamily="49" charset="0"/>
+              </a:rPr>
+            </a:br>
+            <a:r>
+              <a:rPr lang="en-US" sz="1600" dirty="0" smtClean="0">
+                <a:latin typeface="DejaVu Sans Mono" pitchFamily="49" charset="0"/>
+                <a:ea typeface="DejaVu Sans Mono" pitchFamily="49" charset="0"/>
+                <a:cs typeface="DejaVu Sans Mono" pitchFamily="49" charset="0"/>
+              </a:rPr>
+              <a:t>{</a:t>
+            </a:r>
+            <a:r>
+              <a:rPr lang="en-US" sz="1600" dirty="0" smtClean="0">
+                <a:latin typeface="DejaVu Sans Mono" pitchFamily="49" charset="0"/>
+                <a:ea typeface="DejaVu Sans Mono" pitchFamily="49" charset="0"/>
+                <a:cs typeface="DejaVu Sans Mono" pitchFamily="49" charset="0"/>
+              </a:rPr>
+              <a:t/>
+            </a:r>
+            <a:br>
+              <a:rPr lang="en-US" sz="1600" dirty="0" smtClean="0">
+                <a:latin typeface="DejaVu Sans Mono" pitchFamily="49" charset="0"/>
+                <a:ea typeface="DejaVu Sans Mono" pitchFamily="49" charset="0"/>
+                <a:cs typeface="DejaVu Sans Mono" pitchFamily="49" charset="0"/>
+              </a:rPr>
+            </a:br>
+            <a:r>
+              <a:rPr lang="en-US" sz="1600" dirty="0" smtClean="0">
+                <a:latin typeface="DejaVu Sans Mono" pitchFamily="49" charset="0"/>
+                <a:ea typeface="DejaVu Sans Mono" pitchFamily="49" charset="0"/>
+                <a:cs typeface="DejaVu Sans Mono" pitchFamily="49" charset="0"/>
+              </a:rPr>
+              <a:t>    </a:t>
+            </a:r>
+            <a:r>
+              <a:rPr lang="en-US" sz="1600" dirty="0" smtClean="0">
+                <a:latin typeface="DejaVu Sans Mono" pitchFamily="49" charset="0"/>
+                <a:ea typeface="DejaVu Sans Mono" pitchFamily="49" charset="0"/>
+                <a:cs typeface="DejaVu Sans Mono" pitchFamily="49" charset="0"/>
+              </a:rPr>
+              <a:t>return </a:t>
+            </a:r>
+            <a:r>
+              <a:rPr lang="en-US" sz="1600" dirty="0" smtClean="0">
+                <a:latin typeface="DejaVu Sans Mono" pitchFamily="49" charset="0"/>
+                <a:ea typeface="DejaVu Sans Mono" pitchFamily="49" charset="0"/>
+                <a:cs typeface="DejaVu Sans Mono" pitchFamily="49" charset="0"/>
+              </a:rPr>
+              <a:t>std::</a:t>
+            </a:r>
+            <a:r>
+              <a:rPr lang="en-US" sz="1600" dirty="0" err="1" smtClean="0">
+                <a:latin typeface="DejaVu Sans Mono" pitchFamily="49" charset="0"/>
+                <a:ea typeface="DejaVu Sans Mono" pitchFamily="49" charset="0"/>
+                <a:cs typeface="DejaVu Sans Mono" pitchFamily="49" charset="0"/>
+              </a:rPr>
+              <a:t>to_string</a:t>
+            </a:r>
+            <a:r>
+              <a:rPr lang="en-US" sz="1600" dirty="0" smtClean="0">
+                <a:latin typeface="DejaVu Sans Mono" pitchFamily="49" charset="0"/>
+                <a:ea typeface="DejaVu Sans Mono" pitchFamily="49" charset="0"/>
+                <a:cs typeface="DejaVu Sans Mono" pitchFamily="49" charset="0"/>
+              </a:rPr>
+              <a:t>(t);</a:t>
+            </a:r>
+            <a:br>
+              <a:rPr lang="en-US" sz="1600" dirty="0" smtClean="0">
+                <a:latin typeface="DejaVu Sans Mono" pitchFamily="49" charset="0"/>
+                <a:ea typeface="DejaVu Sans Mono" pitchFamily="49" charset="0"/>
+                <a:cs typeface="DejaVu Sans Mono" pitchFamily="49" charset="0"/>
+              </a:rPr>
+            </a:br>
+            <a:r>
+              <a:rPr lang="en-US" sz="1600" dirty="0" smtClean="0">
+                <a:latin typeface="DejaVu Sans Mono" pitchFamily="49" charset="0"/>
+                <a:ea typeface="DejaVu Sans Mono" pitchFamily="49" charset="0"/>
+                <a:cs typeface="DejaVu Sans Mono" pitchFamily="49" charset="0"/>
+              </a:rPr>
+              <a:t>}</a:t>
+            </a:r>
+            <a:r>
+              <a:rPr lang="en-US" sz="1600" dirty="0" smtClean="0">
+                <a:latin typeface="DejaVu Sans Mono" pitchFamily="49" charset="0"/>
+                <a:ea typeface="DejaVu Sans Mono" pitchFamily="49" charset="0"/>
+                <a:cs typeface="DejaVu Sans Mono" pitchFamily="49" charset="0"/>
+              </a:rPr>
+              <a:t/>
+            </a:r>
+            <a:br>
+              <a:rPr lang="en-US" sz="1600" dirty="0" smtClean="0">
+                <a:latin typeface="DejaVu Sans Mono" pitchFamily="49" charset="0"/>
+                <a:ea typeface="DejaVu Sans Mono" pitchFamily="49" charset="0"/>
+                <a:cs typeface="DejaVu Sans Mono" pitchFamily="49" charset="0"/>
+              </a:rPr>
+            </a:br>
+            <a:r>
+              <a:rPr lang="en-US" sz="1600" dirty="0" smtClean="0">
+                <a:latin typeface="DejaVu Sans Mono" pitchFamily="49" charset="0"/>
+                <a:ea typeface="DejaVu Sans Mono" pitchFamily="49" charset="0"/>
+                <a:cs typeface="DejaVu Sans Mono" pitchFamily="49" charset="0"/>
+              </a:rPr>
+              <a:t>    </a:t>
+            </a:r>
+            <a:br>
+              <a:rPr lang="en-US" sz="1600" dirty="0" smtClean="0">
+                <a:latin typeface="DejaVu Sans Mono" pitchFamily="49" charset="0"/>
+                <a:ea typeface="DejaVu Sans Mono" pitchFamily="49" charset="0"/>
+                <a:cs typeface="DejaVu Sans Mono" pitchFamily="49" charset="0"/>
+              </a:rPr>
+            </a:br>
+            <a:r>
+              <a:rPr lang="en-US" sz="1600" dirty="0" smtClean="0">
+                <a:latin typeface="DejaVu Sans Mono" pitchFamily="49" charset="0"/>
+                <a:ea typeface="DejaVu Sans Mono" pitchFamily="49" charset="0"/>
+                <a:cs typeface="DejaVu Sans Mono" pitchFamily="49" charset="0"/>
+              </a:rPr>
+              <a:t>template&lt;</a:t>
+            </a:r>
+            <a:r>
+              <a:rPr lang="en-US" sz="1600" dirty="0" err="1" smtClean="0">
+                <a:latin typeface="DejaVu Sans Mono" pitchFamily="49" charset="0"/>
+                <a:ea typeface="DejaVu Sans Mono" pitchFamily="49" charset="0"/>
+                <a:cs typeface="DejaVu Sans Mono" pitchFamily="49" charset="0"/>
+              </a:rPr>
+              <a:t>typename</a:t>
+            </a:r>
+            <a:r>
+              <a:rPr lang="en-US" sz="1600" dirty="0" smtClean="0">
+                <a:latin typeface="DejaVu Sans Mono" pitchFamily="49" charset="0"/>
+                <a:ea typeface="DejaVu Sans Mono" pitchFamily="49" charset="0"/>
+                <a:cs typeface="DejaVu Sans Mono" pitchFamily="49" charset="0"/>
+              </a:rPr>
+              <a:t> </a:t>
+            </a:r>
+            <a:r>
+              <a:rPr lang="en-US" sz="1600" dirty="0" smtClean="0">
+                <a:latin typeface="DejaVu Sans Mono" pitchFamily="49" charset="0"/>
+                <a:ea typeface="DejaVu Sans Mono" pitchFamily="49" charset="0"/>
+                <a:cs typeface="DejaVu Sans Mono" pitchFamily="49" charset="0"/>
+              </a:rPr>
+              <a:t>T&gt;</a:t>
+            </a:r>
+            <a:br>
+              <a:rPr lang="en-US" sz="1600" dirty="0" smtClean="0">
+                <a:latin typeface="DejaVu Sans Mono" pitchFamily="49" charset="0"/>
+                <a:ea typeface="DejaVu Sans Mono" pitchFamily="49" charset="0"/>
+                <a:cs typeface="DejaVu Sans Mono" pitchFamily="49" charset="0"/>
+              </a:rPr>
+            </a:br>
+            <a:r>
+              <a:rPr lang="en-US" sz="1600" dirty="0" smtClean="0">
+                <a:latin typeface="DejaVu Sans Mono" pitchFamily="49" charset="0"/>
+                <a:ea typeface="DejaVu Sans Mono" pitchFamily="49" charset="0"/>
+                <a:cs typeface="DejaVu Sans Mono" pitchFamily="49" charset="0"/>
+              </a:rPr>
+              <a:t>std</a:t>
+            </a:r>
+            <a:r>
+              <a:rPr lang="en-US" sz="1600" dirty="0" smtClean="0">
+                <a:latin typeface="DejaVu Sans Mono" pitchFamily="49" charset="0"/>
+                <a:ea typeface="DejaVu Sans Mono" pitchFamily="49" charset="0"/>
+                <a:cs typeface="DejaVu Sans Mono" pitchFamily="49" charset="0"/>
+              </a:rPr>
+              <a:t>::</a:t>
+            </a:r>
+            <a:r>
+              <a:rPr lang="en-US" sz="1600" dirty="0" err="1" smtClean="0">
+                <a:latin typeface="DejaVu Sans Mono" pitchFamily="49" charset="0"/>
+                <a:ea typeface="DejaVu Sans Mono" pitchFamily="49" charset="0"/>
+                <a:cs typeface="DejaVu Sans Mono" pitchFamily="49" charset="0"/>
+              </a:rPr>
+              <a:t>enable_if_t</a:t>
+            </a:r>
+            <a:r>
+              <a:rPr lang="en-US" sz="1600" dirty="0" smtClean="0">
+                <a:latin typeface="DejaVu Sans Mono" pitchFamily="49" charset="0"/>
+                <a:ea typeface="DejaVu Sans Mono" pitchFamily="49" charset="0"/>
+                <a:cs typeface="DejaVu Sans Mono" pitchFamily="49" charset="0"/>
+              </a:rPr>
+              <a:t>&lt;!std::</a:t>
+            </a:r>
+            <a:r>
+              <a:rPr lang="en-US" sz="1600" dirty="0" err="1" smtClean="0">
+                <a:latin typeface="DejaVu Sans Mono" pitchFamily="49" charset="0"/>
+                <a:ea typeface="DejaVu Sans Mono" pitchFamily="49" charset="0"/>
+                <a:cs typeface="DejaVu Sans Mono" pitchFamily="49" charset="0"/>
+              </a:rPr>
+              <a:t>is_integral</a:t>
+            </a:r>
+            <a:r>
+              <a:rPr lang="en-US" sz="1600" dirty="0" smtClean="0">
+                <a:latin typeface="DejaVu Sans Mono" pitchFamily="49" charset="0"/>
+                <a:ea typeface="DejaVu Sans Mono" pitchFamily="49" charset="0"/>
+                <a:cs typeface="DejaVu Sans Mono" pitchFamily="49" charset="0"/>
+              </a:rPr>
+              <a:t>&lt;T&gt;::value, std::string&gt; </a:t>
+            </a:r>
+            <a:r>
+              <a:rPr lang="en-US" sz="1600" dirty="0" err="1" smtClean="0">
+                <a:latin typeface="DejaVu Sans Mono" pitchFamily="49" charset="0"/>
+                <a:ea typeface="DejaVu Sans Mono" pitchFamily="49" charset="0"/>
+                <a:cs typeface="DejaVu Sans Mono" pitchFamily="49" charset="0"/>
+              </a:rPr>
+              <a:t>to_str</a:t>
+            </a:r>
+            <a:r>
+              <a:rPr lang="en-US" sz="1600" dirty="0" smtClean="0">
+                <a:latin typeface="DejaVu Sans Mono" pitchFamily="49" charset="0"/>
+                <a:ea typeface="DejaVu Sans Mono" pitchFamily="49" charset="0"/>
+                <a:cs typeface="DejaVu Sans Mono" pitchFamily="49" charset="0"/>
+              </a:rPr>
+              <a:t>(T </a:t>
+            </a:r>
+            <a:r>
+              <a:rPr lang="en-US" sz="1600" dirty="0" err="1" smtClean="0">
+                <a:latin typeface="DejaVu Sans Mono" pitchFamily="49" charset="0"/>
+                <a:ea typeface="DejaVu Sans Mono" pitchFamily="49" charset="0"/>
+                <a:cs typeface="DejaVu Sans Mono" pitchFamily="49" charset="0"/>
+              </a:rPr>
+              <a:t>t</a:t>
+            </a:r>
+            <a:r>
+              <a:rPr lang="en-US" sz="1600" dirty="0" smtClean="0">
+                <a:latin typeface="DejaVu Sans Mono" pitchFamily="49" charset="0"/>
+                <a:ea typeface="DejaVu Sans Mono" pitchFamily="49" charset="0"/>
+                <a:cs typeface="DejaVu Sans Mono" pitchFamily="49" charset="0"/>
+              </a:rPr>
+              <a:t>)</a:t>
+            </a:r>
+            <a:br>
+              <a:rPr lang="en-US" sz="1600" dirty="0" smtClean="0">
+                <a:latin typeface="DejaVu Sans Mono" pitchFamily="49" charset="0"/>
+                <a:ea typeface="DejaVu Sans Mono" pitchFamily="49" charset="0"/>
+                <a:cs typeface="DejaVu Sans Mono" pitchFamily="49" charset="0"/>
+              </a:rPr>
+            </a:br>
+            <a:r>
+              <a:rPr lang="en-US" sz="1600" dirty="0" smtClean="0">
+                <a:latin typeface="DejaVu Sans Mono" pitchFamily="49" charset="0"/>
+                <a:ea typeface="DejaVu Sans Mono" pitchFamily="49" charset="0"/>
+                <a:cs typeface="DejaVu Sans Mono" pitchFamily="49" charset="0"/>
+              </a:rPr>
+              <a:t>{</a:t>
+            </a:r>
+            <a:r>
+              <a:rPr lang="en-US" sz="1600" dirty="0" smtClean="0">
+                <a:latin typeface="DejaVu Sans Mono" pitchFamily="49" charset="0"/>
+                <a:ea typeface="DejaVu Sans Mono" pitchFamily="49" charset="0"/>
+                <a:cs typeface="DejaVu Sans Mono" pitchFamily="49" charset="0"/>
+              </a:rPr>
+              <a:t/>
+            </a:r>
+            <a:br>
+              <a:rPr lang="en-US" sz="1600" dirty="0" smtClean="0">
+                <a:latin typeface="DejaVu Sans Mono" pitchFamily="49" charset="0"/>
+                <a:ea typeface="DejaVu Sans Mono" pitchFamily="49" charset="0"/>
+                <a:cs typeface="DejaVu Sans Mono" pitchFamily="49" charset="0"/>
+              </a:rPr>
+            </a:br>
+            <a:r>
+              <a:rPr lang="en-US" sz="1600" dirty="0" smtClean="0">
+                <a:latin typeface="DejaVu Sans Mono" pitchFamily="49" charset="0"/>
+                <a:ea typeface="DejaVu Sans Mono" pitchFamily="49" charset="0"/>
+                <a:cs typeface="DejaVu Sans Mono" pitchFamily="49" charset="0"/>
+              </a:rPr>
+              <a:t>     </a:t>
+            </a:r>
+            <a:r>
+              <a:rPr lang="en-US" sz="1600" dirty="0" smtClean="0">
+                <a:latin typeface="DejaVu Sans Mono" pitchFamily="49" charset="0"/>
+                <a:ea typeface="DejaVu Sans Mono" pitchFamily="49" charset="0"/>
+                <a:cs typeface="DejaVu Sans Mono" pitchFamily="49" charset="0"/>
+              </a:rPr>
+              <a:t>return </a:t>
+            </a:r>
+            <a:r>
+              <a:rPr lang="en-US" sz="1600" dirty="0" smtClean="0">
+                <a:latin typeface="DejaVu Sans Mono" pitchFamily="49" charset="0"/>
+                <a:ea typeface="DejaVu Sans Mono" pitchFamily="49" charset="0"/>
+                <a:cs typeface="DejaVu Sans Mono" pitchFamily="49" charset="0"/>
+              </a:rPr>
+              <a:t>t;</a:t>
+            </a:r>
+            <a:br>
+              <a:rPr lang="en-US" sz="1600" dirty="0" smtClean="0">
+                <a:latin typeface="DejaVu Sans Mono" pitchFamily="49" charset="0"/>
+                <a:ea typeface="DejaVu Sans Mono" pitchFamily="49" charset="0"/>
+                <a:cs typeface="DejaVu Sans Mono" pitchFamily="49" charset="0"/>
+              </a:rPr>
+            </a:br>
+            <a:r>
+              <a:rPr lang="en-US" sz="1600" dirty="0" smtClean="0">
+                <a:latin typeface="DejaVu Sans Mono" pitchFamily="49" charset="0"/>
+                <a:ea typeface="DejaVu Sans Mono" pitchFamily="49" charset="0"/>
+                <a:cs typeface="DejaVu Sans Mono" pitchFamily="49" charset="0"/>
+              </a:rPr>
+              <a:t>}</a:t>
+            </a:r>
+            <a:endParaRPr lang="zh-CN" altLang="en-US" sz="1600" dirty="0">
+              <a:latin typeface="DejaVu Sans Mono" pitchFamily="49" charset="0"/>
+              <a:cs typeface="DejaVu Sans Mono" pitchFamily="49" charset="0"/>
+            </a:endParaRPr>
           </a:p>
         </p:txBody>
       </p:sp>
@@ -2182,6 +4343,13 @@
   <p:clrMapOvr>
     <a:masterClrMapping/>
   </p:clrMapOvr>
+  <p:timing>
+    <p:tnLst>
+      <p:par>
+        <p:cTn id="1" dur="indefinite" restart="never" nodeType="tmRoot"/>
+      </p:par>
+    </p:tnLst>
+  </p:timing>
 </p:sld>
 </file>
 
@@ -2221,9 +4389,17 @@
           <a:p>
             <a:r>
               <a:rPr lang="en-US" altLang="zh-CN" dirty="0" err="1" smtClean="0"/>
-              <a:t>Static_assert</a:t>
-            </a:r>
-            <a:endParaRPr lang="zh-CN" altLang="en-US" dirty="0"/>
+              <a:t>Constexpr</a:t>
+            </a:r>
+            <a:r>
+              <a:rPr lang="en-US" altLang="zh-CN" dirty="0" smtClean="0"/>
+              <a:t> </a:t>
+            </a:r>
+            <a:r>
+              <a:rPr lang="en-US" altLang="zh-CN" dirty="0" smtClean="0"/>
+              <a:t>If</a:t>
+            </a:r>
+            <a:endParaRPr lang="zh-CN" altLang="en-US" dirty="0" smtClean="0"/>
           </a:p>
         </p:txBody>
       </p:sp>
@@ -2242,7 +4418,351 @@
           <a:bodyPr/>
           <a:lstStyle/>
           <a:p>
-            <a:endParaRPr lang="zh-CN" altLang="en-US"/>
+            <a:endParaRPr lang="en-US" altLang="zh-CN" dirty="0" smtClean="0"/>
+          </a:p>
+          <a:p>
+            <a:endParaRPr lang="en-US" altLang="zh-CN" dirty="0" smtClean="0"/>
+          </a:p>
+          <a:p>
+            <a:endParaRPr lang="en-US" altLang="zh-CN" dirty="0" smtClean="0"/>
+          </a:p>
+          <a:p>
+            <a:endParaRPr lang="en-US" altLang="zh-CN" dirty="0" smtClean="0"/>
+          </a:p>
+          <a:p>
+            <a:endParaRPr lang="en-US" altLang="zh-CN" dirty="0" smtClean="0"/>
+          </a:p>
+          <a:p>
+            <a:endParaRPr lang="en-US" altLang="zh-CN" dirty="0" smtClean="0"/>
+          </a:p>
+          <a:p>
+            <a:endParaRPr lang="en-US" altLang="zh-CN" dirty="0" smtClean="0"/>
+          </a:p>
+          <a:p>
+            <a:r>
+              <a:rPr lang="zh-CN" altLang="en-US" dirty="0" smtClean="0"/>
+              <a:t>消除</a:t>
+            </a:r>
+            <a:r>
+              <a:rPr lang="en-US" altLang="zh-CN" dirty="0" err="1" smtClean="0"/>
+              <a:t>enable_if</a:t>
+            </a:r>
+            <a:endParaRPr lang="en-US" altLang="zh-CN" dirty="0" smtClean="0"/>
+          </a:p>
+          <a:p>
+            <a:r>
+              <a:rPr lang="zh-CN" altLang="en-US" dirty="0" smtClean="0"/>
+              <a:t>让编译期选择变得简单</a:t>
+            </a:r>
+            <a:endParaRPr lang="en-US" altLang="zh-CN" dirty="0" smtClean="0"/>
+          </a:p>
+          <a:p>
+            <a:r>
+              <a:rPr lang="zh-CN" altLang="en-US" dirty="0" smtClean="0"/>
+              <a:t>更紧密、清晰的上下文</a:t>
+            </a:r>
+            <a:endParaRPr lang="zh-CN" altLang="en-US" dirty="0"/>
+          </a:p>
+        </p:txBody>
+      </p:sp>
+      <p:sp>
+        <p:nvSpPr>
+          <p:cNvPr id="4" name="矩形 3"/>
+          <p:cNvSpPr/>
+          <p:nvPr/>
+        </p:nvSpPr>
+        <p:spPr>
+          <a:xfrm>
+            <a:off x="490452" y="1426940"/>
+            <a:ext cx="6600304" cy="2308324"/>
+          </a:xfrm>
+          <a:prstGeom prst="rect">
+            <a:avLst/>
+          </a:prstGeom>
+        </p:spPr>
+        <p:txBody>
+          <a:bodyPr wrap="square">
+            <a:spAutoFit/>
+          </a:bodyPr>
+          <a:lstStyle/>
+          <a:p>
+            <a:r>
+              <a:rPr lang="en-US" dirty="0" smtClean="0">
+                <a:latin typeface="DejaVu Sans Mono" pitchFamily="49" charset="0"/>
+                <a:ea typeface="DejaVu Sans Mono" pitchFamily="49" charset="0"/>
+                <a:cs typeface="DejaVu Sans Mono" pitchFamily="49" charset="0"/>
+              </a:rPr>
+              <a:t>template&lt;</a:t>
+            </a:r>
+            <a:r>
+              <a:rPr lang="en-US" dirty="0" err="1" smtClean="0">
+                <a:latin typeface="DejaVu Sans Mono" pitchFamily="49" charset="0"/>
+                <a:ea typeface="DejaVu Sans Mono" pitchFamily="49" charset="0"/>
+                <a:cs typeface="DejaVu Sans Mono" pitchFamily="49" charset="0"/>
+              </a:rPr>
+              <a:t>typename</a:t>
+            </a:r>
+            <a:r>
+              <a:rPr lang="en-US" dirty="0" smtClean="0">
+                <a:latin typeface="DejaVu Sans Mono" pitchFamily="49" charset="0"/>
+                <a:ea typeface="DejaVu Sans Mono" pitchFamily="49" charset="0"/>
+                <a:cs typeface="DejaVu Sans Mono" pitchFamily="49" charset="0"/>
+              </a:rPr>
+              <a:t> </a:t>
+            </a:r>
+            <a:r>
+              <a:rPr lang="en-US" dirty="0" smtClean="0">
+                <a:latin typeface="DejaVu Sans Mono" pitchFamily="49" charset="0"/>
+                <a:ea typeface="DejaVu Sans Mono" pitchFamily="49" charset="0"/>
+                <a:cs typeface="DejaVu Sans Mono" pitchFamily="49" charset="0"/>
+              </a:rPr>
+              <a:t>T&gt;</a:t>
+            </a:r>
+            <a:br>
+              <a:rPr lang="en-US" dirty="0" smtClean="0">
+                <a:latin typeface="DejaVu Sans Mono" pitchFamily="49" charset="0"/>
+                <a:ea typeface="DejaVu Sans Mono" pitchFamily="49" charset="0"/>
+                <a:cs typeface="DejaVu Sans Mono" pitchFamily="49" charset="0"/>
+              </a:rPr>
+            </a:br>
+            <a:r>
+              <a:rPr lang="en-US" dirty="0" smtClean="0">
+                <a:latin typeface="DejaVu Sans Mono" pitchFamily="49" charset="0"/>
+                <a:ea typeface="DejaVu Sans Mono" pitchFamily="49" charset="0"/>
+                <a:cs typeface="DejaVu Sans Mono" pitchFamily="49" charset="0"/>
+              </a:rPr>
+              <a:t>auto </a:t>
+            </a:r>
+            <a:r>
+              <a:rPr lang="en-US" dirty="0" smtClean="0">
+                <a:latin typeface="DejaVu Sans Mono" pitchFamily="49" charset="0"/>
+                <a:ea typeface="DejaVu Sans Mono" pitchFamily="49" charset="0"/>
+                <a:cs typeface="DejaVu Sans Mono" pitchFamily="49" charset="0"/>
+              </a:rPr>
+              <a:t>to_str17(T </a:t>
+            </a:r>
+            <a:r>
+              <a:rPr lang="en-US" dirty="0" err="1" smtClean="0">
+                <a:latin typeface="DejaVu Sans Mono" pitchFamily="49" charset="0"/>
+                <a:ea typeface="DejaVu Sans Mono" pitchFamily="49" charset="0"/>
+                <a:cs typeface="DejaVu Sans Mono" pitchFamily="49" charset="0"/>
+              </a:rPr>
+              <a:t>t</a:t>
+            </a:r>
+            <a:r>
+              <a:rPr lang="en-US" dirty="0" smtClean="0">
+                <a:latin typeface="DejaVu Sans Mono" pitchFamily="49" charset="0"/>
+                <a:ea typeface="DejaVu Sans Mono" pitchFamily="49" charset="0"/>
+                <a:cs typeface="DejaVu Sans Mono" pitchFamily="49" charset="0"/>
+              </a:rPr>
+              <a:t>)</a:t>
+            </a:r>
+            <a:br>
+              <a:rPr lang="en-US" dirty="0" smtClean="0">
+                <a:latin typeface="DejaVu Sans Mono" pitchFamily="49" charset="0"/>
+                <a:ea typeface="DejaVu Sans Mono" pitchFamily="49" charset="0"/>
+                <a:cs typeface="DejaVu Sans Mono" pitchFamily="49" charset="0"/>
+              </a:rPr>
+            </a:br>
+            <a:r>
+              <a:rPr lang="en-US" dirty="0" smtClean="0">
+                <a:latin typeface="DejaVu Sans Mono" pitchFamily="49" charset="0"/>
+                <a:ea typeface="DejaVu Sans Mono" pitchFamily="49" charset="0"/>
+                <a:cs typeface="DejaVu Sans Mono" pitchFamily="49" charset="0"/>
+              </a:rPr>
+              <a:t>{</a:t>
+            </a:r>
+            <a:r>
+              <a:rPr lang="en-US" dirty="0" smtClean="0">
+                <a:latin typeface="DejaVu Sans Mono" pitchFamily="49" charset="0"/>
+                <a:ea typeface="DejaVu Sans Mono" pitchFamily="49" charset="0"/>
+                <a:cs typeface="DejaVu Sans Mono" pitchFamily="49" charset="0"/>
+              </a:rPr>
+              <a:t/>
+            </a:r>
+            <a:br>
+              <a:rPr lang="en-US" dirty="0" smtClean="0">
+                <a:latin typeface="DejaVu Sans Mono" pitchFamily="49" charset="0"/>
+                <a:ea typeface="DejaVu Sans Mono" pitchFamily="49" charset="0"/>
+                <a:cs typeface="DejaVu Sans Mono" pitchFamily="49" charset="0"/>
+              </a:rPr>
+            </a:br>
+            <a:r>
+              <a:rPr lang="en-US" dirty="0" smtClean="0">
+                <a:latin typeface="DejaVu Sans Mono" pitchFamily="49" charset="0"/>
+                <a:ea typeface="DejaVu Sans Mono" pitchFamily="49" charset="0"/>
+                <a:cs typeface="DejaVu Sans Mono" pitchFamily="49" charset="0"/>
+              </a:rPr>
+              <a:t>    </a:t>
+            </a:r>
+            <a:r>
+              <a:rPr lang="en-US" dirty="0" smtClean="0">
+                <a:latin typeface="DejaVu Sans Mono" pitchFamily="49" charset="0"/>
+                <a:ea typeface="DejaVu Sans Mono" pitchFamily="49" charset="0"/>
+                <a:cs typeface="DejaVu Sans Mono" pitchFamily="49" charset="0"/>
+              </a:rPr>
+              <a:t>if </a:t>
+            </a:r>
+            <a:r>
+              <a:rPr lang="en-US" dirty="0" err="1" smtClean="0">
+                <a:latin typeface="DejaVu Sans Mono" pitchFamily="49" charset="0"/>
+                <a:ea typeface="DejaVu Sans Mono" pitchFamily="49" charset="0"/>
+                <a:cs typeface="DejaVu Sans Mono" pitchFamily="49" charset="0"/>
+              </a:rPr>
+              <a:t>constexpr</a:t>
+            </a:r>
+            <a:r>
+              <a:rPr lang="en-US" dirty="0" smtClean="0">
+                <a:latin typeface="DejaVu Sans Mono" pitchFamily="49" charset="0"/>
+                <a:ea typeface="DejaVu Sans Mono" pitchFamily="49" charset="0"/>
+                <a:cs typeface="DejaVu Sans Mono" pitchFamily="49" charset="0"/>
+              </a:rPr>
+              <a:t>(std::</a:t>
+            </a:r>
+            <a:r>
+              <a:rPr lang="en-US" dirty="0" err="1" smtClean="0">
+                <a:latin typeface="DejaVu Sans Mono" pitchFamily="49" charset="0"/>
+                <a:ea typeface="DejaVu Sans Mono" pitchFamily="49" charset="0"/>
+                <a:cs typeface="DejaVu Sans Mono" pitchFamily="49" charset="0"/>
+              </a:rPr>
+              <a:t>is_integral</a:t>
+            </a:r>
+            <a:r>
+              <a:rPr lang="en-US" dirty="0" smtClean="0">
+                <a:latin typeface="DejaVu Sans Mono" pitchFamily="49" charset="0"/>
+                <a:ea typeface="DejaVu Sans Mono" pitchFamily="49" charset="0"/>
+                <a:cs typeface="DejaVu Sans Mono" pitchFamily="49" charset="0"/>
+              </a:rPr>
+              <a:t>&lt;T&gt;::value)</a:t>
+            </a:r>
+            <a:br>
+              <a:rPr lang="en-US" dirty="0" smtClean="0">
+                <a:latin typeface="DejaVu Sans Mono" pitchFamily="49" charset="0"/>
+                <a:ea typeface="DejaVu Sans Mono" pitchFamily="49" charset="0"/>
+                <a:cs typeface="DejaVu Sans Mono" pitchFamily="49" charset="0"/>
+              </a:rPr>
+            </a:br>
+            <a:r>
+              <a:rPr lang="en-US" dirty="0" smtClean="0">
+                <a:latin typeface="DejaVu Sans Mono" pitchFamily="49" charset="0"/>
+                <a:ea typeface="DejaVu Sans Mono" pitchFamily="49" charset="0"/>
+                <a:cs typeface="DejaVu Sans Mono" pitchFamily="49" charset="0"/>
+              </a:rPr>
+              <a:t>        </a:t>
+            </a:r>
+            <a:r>
+              <a:rPr lang="en-US" dirty="0" smtClean="0">
+                <a:latin typeface="DejaVu Sans Mono" pitchFamily="49" charset="0"/>
+                <a:ea typeface="DejaVu Sans Mono" pitchFamily="49" charset="0"/>
+                <a:cs typeface="DejaVu Sans Mono" pitchFamily="49" charset="0"/>
+              </a:rPr>
+              <a:t>return </a:t>
+            </a:r>
+            <a:r>
+              <a:rPr lang="en-US" dirty="0" smtClean="0">
+                <a:latin typeface="DejaVu Sans Mono" pitchFamily="49" charset="0"/>
+                <a:ea typeface="DejaVu Sans Mono" pitchFamily="49" charset="0"/>
+                <a:cs typeface="DejaVu Sans Mono" pitchFamily="49" charset="0"/>
+              </a:rPr>
+              <a:t>std::</a:t>
+            </a:r>
+            <a:r>
+              <a:rPr lang="en-US" dirty="0" err="1" smtClean="0">
+                <a:latin typeface="DejaVu Sans Mono" pitchFamily="49" charset="0"/>
+                <a:ea typeface="DejaVu Sans Mono" pitchFamily="49" charset="0"/>
+                <a:cs typeface="DejaVu Sans Mono" pitchFamily="49" charset="0"/>
+              </a:rPr>
+              <a:t>to_string</a:t>
+            </a:r>
+            <a:r>
+              <a:rPr lang="en-US" dirty="0" smtClean="0">
+                <a:latin typeface="DejaVu Sans Mono" pitchFamily="49" charset="0"/>
+                <a:ea typeface="DejaVu Sans Mono" pitchFamily="49" charset="0"/>
+                <a:cs typeface="DejaVu Sans Mono" pitchFamily="49" charset="0"/>
+              </a:rPr>
+              <a:t>(t);</a:t>
+            </a:r>
+            <a:br>
+              <a:rPr lang="en-US" dirty="0" smtClean="0">
+                <a:latin typeface="DejaVu Sans Mono" pitchFamily="49" charset="0"/>
+                <a:ea typeface="DejaVu Sans Mono" pitchFamily="49" charset="0"/>
+                <a:cs typeface="DejaVu Sans Mono" pitchFamily="49" charset="0"/>
+              </a:rPr>
+            </a:br>
+            <a:r>
+              <a:rPr lang="en-US" dirty="0" smtClean="0">
+                <a:latin typeface="DejaVu Sans Mono" pitchFamily="49" charset="0"/>
+                <a:ea typeface="DejaVu Sans Mono" pitchFamily="49" charset="0"/>
+                <a:cs typeface="DejaVu Sans Mono" pitchFamily="49" charset="0"/>
+              </a:rPr>
+              <a:t>    </a:t>
+            </a:r>
+            <a:r>
+              <a:rPr lang="en-US" dirty="0" smtClean="0">
+                <a:latin typeface="DejaVu Sans Mono" pitchFamily="49" charset="0"/>
+                <a:ea typeface="DejaVu Sans Mono" pitchFamily="49" charset="0"/>
+                <a:cs typeface="DejaVu Sans Mono" pitchFamily="49" charset="0"/>
+              </a:rPr>
+              <a:t>else</a:t>
+            </a:r>
+            <a:r>
+              <a:rPr lang="en-US" dirty="0" smtClean="0">
+                <a:latin typeface="DejaVu Sans Mono" pitchFamily="49" charset="0"/>
+                <a:ea typeface="DejaVu Sans Mono" pitchFamily="49" charset="0"/>
+                <a:cs typeface="DejaVu Sans Mono" pitchFamily="49" charset="0"/>
+              </a:rPr>
+              <a:t/>
+            </a:r>
+            <a:br>
+              <a:rPr lang="en-US" dirty="0" smtClean="0">
+                <a:latin typeface="DejaVu Sans Mono" pitchFamily="49" charset="0"/>
+                <a:ea typeface="DejaVu Sans Mono" pitchFamily="49" charset="0"/>
+                <a:cs typeface="DejaVu Sans Mono" pitchFamily="49" charset="0"/>
+              </a:rPr>
+            </a:br>
+            <a:r>
+              <a:rPr lang="en-US" dirty="0" smtClean="0">
+                <a:latin typeface="DejaVu Sans Mono" pitchFamily="49" charset="0"/>
+                <a:ea typeface="DejaVu Sans Mono" pitchFamily="49" charset="0"/>
+                <a:cs typeface="DejaVu Sans Mono" pitchFamily="49" charset="0"/>
+              </a:rPr>
+              <a:t>        </a:t>
+            </a:r>
+            <a:r>
+              <a:rPr lang="en-US" dirty="0" smtClean="0">
+                <a:latin typeface="DejaVu Sans Mono" pitchFamily="49" charset="0"/>
+                <a:ea typeface="DejaVu Sans Mono" pitchFamily="49" charset="0"/>
+                <a:cs typeface="DejaVu Sans Mono" pitchFamily="49" charset="0"/>
+              </a:rPr>
+              <a:t>return </a:t>
+            </a:r>
+            <a:r>
+              <a:rPr lang="en-US" dirty="0" smtClean="0">
+                <a:latin typeface="DejaVu Sans Mono" pitchFamily="49" charset="0"/>
+                <a:ea typeface="DejaVu Sans Mono" pitchFamily="49" charset="0"/>
+                <a:cs typeface="DejaVu Sans Mono" pitchFamily="49" charset="0"/>
+              </a:rPr>
+              <a:t>t;</a:t>
+            </a:r>
+            <a:br>
+              <a:rPr lang="en-US" dirty="0" smtClean="0">
+                <a:latin typeface="DejaVu Sans Mono" pitchFamily="49" charset="0"/>
+                <a:ea typeface="DejaVu Sans Mono" pitchFamily="49" charset="0"/>
+                <a:cs typeface="DejaVu Sans Mono" pitchFamily="49" charset="0"/>
+              </a:rPr>
+            </a:br>
+            <a:r>
+              <a:rPr lang="en-US" dirty="0" smtClean="0">
+                <a:latin typeface="DejaVu Sans Mono" pitchFamily="49" charset="0"/>
+                <a:ea typeface="DejaVu Sans Mono" pitchFamily="49" charset="0"/>
+                <a:cs typeface="DejaVu Sans Mono" pitchFamily="49" charset="0"/>
+              </a:rPr>
+              <a:t>}</a:t>
+            </a:r>
+            <a:endParaRPr lang="zh-CN" altLang="en-US" dirty="0">
+              <a:latin typeface="DejaVu Sans Mono" pitchFamily="49" charset="0"/>
+              <a:cs typeface="DejaVu Sans Mono" pitchFamily="49" charset="0"/>
+            </a:endParaRPr>
           </a:p>
         </p:txBody>
       </p:sp>
@@ -2251,6 +4771,309 @@
   <p:clrMapOvr>
     <a:masterClrMapping/>
   </p:clrMapOvr>
+  <p:timing>
+    <p:tnLst>
+      <p:par>
+        <p:cTn id="1" dur="indefinite" restart="never" nodeType="tmRoot">
+          <p:childTnLst>
+            <p:seq concurrent="1" nextAc="seek">
+              <p:cTn id="2" dur="indefinite" nodeType="mainSeq">
+                <p:childTnLst>
+                  <p:par>
+                    <p:cTn id="3" fill="hold">
+                      <p:stCondLst>
+                        <p:cond delay="indefinite"/>
+                      </p:stCondLst>
+                      <p:childTnLst>
+                        <p:par>
+                          <p:cTn id="4" fill="hold">
+                            <p:stCondLst>
+                              <p:cond delay="0"/>
+                            </p:stCondLst>
+                            <p:childTnLst>
+                              <p:par>
+                                <p:cTn id="5" presetID="2" presetClass="entr" presetSubtype="4" fill="hold" nodeType="clickEffect">
+                                  <p:stCondLst>
+                                    <p:cond delay="0"/>
+                                  </p:stCondLst>
+                                  <p:childTnLst>
+                                    <p:set>
+                                      <p:cBhvr>
+                                        <p:cTn id="6" dur="1" fill="hold">
+                                          <p:stCondLst>
+                                            <p:cond delay="0"/>
+                                          </p:stCondLst>
+                                        </p:cTn>
+                                        <p:tgtEl>
+                                          <p:spTgt spid="3">
+                                            <p:txEl>
+                                              <p:pRg st="7" end="7"/>
+                                            </p:txEl>
+                                          </p:spTgt>
+                                        </p:tgtEl>
+                                        <p:attrNameLst>
+                                          <p:attrName>style.visibility</p:attrName>
+                                        </p:attrNameLst>
+                                      </p:cBhvr>
+                                      <p:to>
+                                        <p:strVal val="visible"/>
+                                      </p:to>
+                                    </p:set>
+                                    <p:anim calcmode="lin" valueType="num">
+                                      <p:cBhvr additive="base">
+                                        <p:cTn id="7" dur="500" fill="hold"/>
+                                        <p:tgtEl>
+                                          <p:spTgt spid="3">
+                                            <p:txEl>
+                                              <p:pRg st="7" end="7"/>
+                                            </p:txEl>
+                                          </p:spTgt>
+                                        </p:tgtEl>
+                                        <p:attrNameLst>
+                                          <p:attrName>ppt_x</p:attrName>
+                                        </p:attrNameLst>
+                                      </p:cBhvr>
+                                      <p:tavLst>
+                                        <p:tav tm="0">
+                                          <p:val>
+                                            <p:strVal val="#ppt_x"/>
+                                          </p:val>
+                                        </p:tav>
+                                        <p:tav tm="100000">
+                                          <p:val>
+                                            <p:strVal val="#ppt_x"/>
+                                          </p:val>
+                                        </p:tav>
+                                      </p:tavLst>
+                                    </p:anim>
+                                    <p:anim calcmode="lin" valueType="num">
+                                      <p:cBhvr additive="base">
+                                        <p:cTn id="8" dur="500" fill="hold"/>
+                                        <p:tgtEl>
+                                          <p:spTgt spid="3">
+                                            <p:txEl>
+                                              <p:pRg st="7" end="7"/>
+                                            </p:txEl>
+                                          </p:spTgt>
+                                        </p:tgtEl>
+                                        <p:attrNameLst>
+                                          <p:attrName>ppt_y</p:attrName>
+                                        </p:attrNameLst>
+                                      </p:cBhvr>
+                                      <p:tavLst>
+                                        <p:tav tm="0">
+                                          <p:val>
+                                            <p:strVal val="1+#ppt_h/2"/>
+                                          </p:val>
+                                        </p:tav>
+                                        <p:tav tm="100000">
+                                          <p:val>
+                                            <p:strVal val="#ppt_y"/>
+                                          </p:val>
+                                        </p:tav>
+                                      </p:tavLst>
+                                    </p:anim>
+                                  </p:childTnLst>
+                                </p:cTn>
+                              </p:par>
+                              <p:par>
+                                <p:cTn id="9" presetID="2" presetClass="entr" presetSubtype="4" fill="hold" nodeType="withEffect">
+                                  <p:stCondLst>
+                                    <p:cond delay="0"/>
+                                  </p:stCondLst>
+                                  <p:childTnLst>
+                                    <p:set>
+                                      <p:cBhvr>
+                                        <p:cTn id="10" dur="1" fill="hold">
+                                          <p:stCondLst>
+                                            <p:cond delay="0"/>
+                                          </p:stCondLst>
+                                        </p:cTn>
+                                        <p:tgtEl>
+                                          <p:spTgt spid="3">
+                                            <p:txEl>
+                                              <p:pRg st="8" end="8"/>
+                                            </p:txEl>
+                                          </p:spTgt>
+                                        </p:tgtEl>
+                                        <p:attrNameLst>
+                                          <p:attrName>style.visibility</p:attrName>
+                                        </p:attrNameLst>
+                                      </p:cBhvr>
+                                      <p:to>
+                                        <p:strVal val="visible"/>
+                                      </p:to>
+                                    </p:set>
+                                    <p:anim calcmode="lin" valueType="num">
+                                      <p:cBhvr additive="base">
+                                        <p:cTn id="11" dur="500" fill="hold"/>
+                                        <p:tgtEl>
+                                          <p:spTgt spid="3">
+                                            <p:txEl>
+                                              <p:pRg st="8" end="8"/>
+                                            </p:txEl>
+                                          </p:spTgt>
+                                        </p:tgtEl>
+                                        <p:attrNameLst>
+                                          <p:attrName>ppt_x</p:attrName>
+                                        </p:attrNameLst>
+                                      </p:cBhvr>
+                                      <p:tavLst>
+                                        <p:tav tm="0">
+                                          <p:val>
+                                            <p:strVal val="#ppt_x"/>
+                                          </p:val>
+                                        </p:tav>
+                                        <p:tav tm="100000">
+                                          <p:val>
+                                            <p:strVal val="#ppt_x"/>
+                                          </p:val>
+                                        </p:tav>
+                                      </p:tavLst>
+                                    </p:anim>
+                                    <p:anim calcmode="lin" valueType="num">
+                                      <p:cBhvr additive="base">
+                                        <p:cTn id="12" dur="500" fill="hold"/>
+                                        <p:tgtEl>
+                                          <p:spTgt spid="3">
+                                            <p:txEl>
+                                              <p:pRg st="8" end="8"/>
+                                            </p:txEl>
+                                          </p:spTgt>
+                                        </p:tgtEl>
+                                        <p:attrNameLst>
+                                          <p:attrName>ppt_y</p:attrName>
+                                        </p:attrNameLst>
+                                      </p:cBhvr>
+                                      <p:tavLst>
+                                        <p:tav tm="0">
+                                          <p:val>
+                                            <p:strVal val="1+#ppt_h/2"/>
+                                          </p:val>
+                                        </p:tav>
+                                        <p:tav tm="100000">
+                                          <p:val>
+                                            <p:strVal val="#ppt_y"/>
+                                          </p:val>
+                                        </p:tav>
+                                      </p:tavLst>
+                                    </p:anim>
+                                  </p:childTnLst>
+                                </p:cTn>
+                              </p:par>
+                              <p:par>
+                                <p:cTn id="13" presetID="2" presetClass="entr" presetSubtype="4" fill="hold" nodeType="withEffect">
+                                  <p:stCondLst>
+                                    <p:cond delay="0"/>
+                                  </p:stCondLst>
+                                  <p:childTnLst>
+                                    <p:set>
+                                      <p:cBhvr>
+                                        <p:cTn id="14" dur="1" fill="hold">
+                                          <p:stCondLst>
+                                            <p:cond delay="0"/>
+                                          </p:stCondLst>
+                                        </p:cTn>
+                                        <p:tgtEl>
+                                          <p:spTgt spid="3">
+                                            <p:txEl>
+                                              <p:pRg st="9" end="9"/>
+                                            </p:txEl>
+                                          </p:spTgt>
+                                        </p:tgtEl>
+                                        <p:attrNameLst>
+                                          <p:attrName>style.visibility</p:attrName>
+                                        </p:attrNameLst>
+                                      </p:cBhvr>
+                                      <p:to>
+                                        <p:strVal val="visible"/>
+                                      </p:to>
+                                    </p:set>
+                                    <p:anim calcmode="lin" valueType="num">
+                                      <p:cBhvr additive="base">
+                                        <p:cTn id="15" dur="500" fill="hold"/>
+                                        <p:tgtEl>
+                                          <p:spTgt spid="3">
+                                            <p:txEl>
+                                              <p:pRg st="9" end="9"/>
+                                            </p:txEl>
+                                          </p:spTgt>
+                                        </p:tgtEl>
+                                        <p:attrNameLst>
+                                          <p:attrName>ppt_x</p:attrName>
+                                        </p:attrNameLst>
+                                      </p:cBhvr>
+                                      <p:tavLst>
+                                        <p:tav tm="0">
+                                          <p:val>
+                                            <p:strVal val="#ppt_x"/>
+                                          </p:val>
+                                        </p:tav>
+                                        <p:tav tm="100000">
+                                          <p:val>
+                                            <p:strVal val="#ppt_x"/>
+                                          </p:val>
+                                        </p:tav>
+                                      </p:tavLst>
+                                    </p:anim>
+                                    <p:anim calcmode="lin" valueType="num">
+                                      <p:cBhvr additive="base">
+                                        <p:cTn id="16" dur="500" fill="hold"/>
+                                        <p:tgtEl>
+                                          <p:spTgt spid="3">
+                                            <p:txEl>
+                                              <p:pRg st="9" end="9"/>
+                                            </p:txEl>
+                                          </p:spTgt>
+                                        </p:tgtEl>
+                                        <p:attrNameLst>
+                                          <p:attrName>ppt_y</p:attrName>
+                                        </p:attrNameLst>
+                                      </p:cBhvr>
+                                      <p:tavLst>
+                                        <p:tav tm="0">
+                                          <p:val>
+                                            <p:strVal val="1+#ppt_h/2"/>
+                                          </p:val>
+                                        </p:tav>
+                                        <p:tav tm="100000">
+                                          <p:val>
+                                            <p:strVal val="#ppt_y"/>
+                                          </p:val>
+                                        </p:tav>
+                                      </p:tavLst>
+                                    </p:anim>
+                                  </p:childTnLst>
+                                </p:cTn>
+                              </p:par>
+                            </p:childTnLst>
+                          </p:cTn>
+                        </p:par>
+                      </p:childTnLst>
+                    </p:cTn>
+                  </p:par>
+                </p:childTnLst>
+              </p:cTn>
+              <p:prevCondLst>
+                <p:cond evt="onPrev" delay="0">
+                  <p:tgtEl>
+                    <p:sldTgt/>
+                  </p:tgtEl>
+                </p:cond>
+              </p:prevCondLst>
+              <p:nextCondLst>
+                <p:cond evt="onNext" delay="0">
+                  <p:tgtEl>
+                    <p:sldTgt/>
+                  </p:tgtEl>
+                </p:cond>
+              </p:nextCondLst>
+            </p:seq>
+          </p:childTnLst>
+        </p:cTn>
+      </p:par>
+    </p:tnLst>
+  </p:timing>
 </p:sld>
 </file>
 
@@ -2289,10 +5112,37 @@
           <a:lstStyle/>
           <a:p>
             <a:r>
+              <a:rPr lang="en-US" altLang="zh-CN" dirty="0" err="1" smtClean="0"/>
+              <a:t>Constexpr</a:t>
+            </a:r>
+            <a:r>
               <a:rPr lang="en-US" altLang="zh-CN" dirty="0" smtClean="0"/>
-              <a:t>Future C++</a:t>
-            </a:r>
-            <a:endParaRPr lang="zh-CN" altLang="en-US" dirty="0"/>
+              <a:t> </a:t>
+            </a:r>
+            <a:r>
+              <a:rPr lang="en-US" altLang="zh-CN" dirty="0" smtClean="0"/>
+              <a:t>If</a:t>
+            </a:r>
+            <a:r>
+              <a:rPr lang="zh-CN" altLang="en-US" dirty="0" smtClean="0"/>
+              <a:t> </a:t>
+            </a:r>
+            <a:r>
+              <a:rPr lang="en-US" altLang="zh-CN" dirty="0" smtClean="0"/>
+              <a:t>+ </a:t>
+            </a:r>
+            <a:r>
+              <a:rPr lang="en-US" altLang="zh-CN" dirty="0" err="1" smtClean="0"/>
+              <a:t>Variadic</a:t>
+            </a:r>
+            <a:r>
+              <a:rPr lang="en-US" altLang="zh-CN" dirty="0" smtClean="0"/>
+              <a:t> Template</a:t>
+            </a:r>
+            <a:r>
+              <a:rPr lang="zh-CN" altLang="en-US" dirty="0" smtClean="0"/>
+              <a:t> </a:t>
+            </a:r>
           </a:p>
         </p:txBody>
       </p:sp>
@@ -2312,76 +5162,14 @@
           <a:lstStyle/>
           <a:p>
             <a:r>
-              <a:rPr lang="en-US" altLang="zh-CN" dirty="0" smtClean="0"/>
-              <a:t>Type-and resource-safe</a:t>
-            </a:r>
-          </a:p>
-          <a:p>
-            <a:r>
-              <a:rPr lang="en-US" altLang="zh-CN" dirty="0" smtClean="0"/>
-              <a:t>Significantly simpler and clearer code</a:t>
-            </a:r>
-          </a:p>
-          <a:p>
-            <a:r>
-              <a:rPr lang="en-US" altLang="zh-CN" dirty="0" smtClean="0"/>
-              <a:t>As fast or faster than anything else</a:t>
-            </a:r>
-          </a:p>
-          <a:p>
-            <a:r>
-              <a:rPr lang="en-US" altLang="zh-CN" dirty="0" smtClean="0"/>
-              <a:t>Good at using “modern hardware”</a:t>
-            </a:r>
-          </a:p>
-          <a:p>
-            <a:r>
-              <a:rPr lang="en-US" altLang="zh-CN" dirty="0" smtClean="0"/>
-              <a:t>Significantly faster compilation catching many more errors</a:t>
+              <a:rPr lang="zh-CN" altLang="en-US" dirty="0" smtClean="0"/>
+              <a:t>扩展接口</a:t>
             </a:r>
             <a:endParaRPr lang="zh-CN" altLang="en-US" dirty="0"/>
           </a:p>
         </p:txBody>
       </p:sp>
-      <p:pic>
-        <p:nvPicPr>
-          <p:cNvPr id="4" name="Picture 2"/>
-          <p:cNvPicPr>
-            <a:picLocks noChangeAspect="1" noChangeArrowheads="1"/>
-          </p:cNvPicPr>
-          <p:nvPr/>
-        </p:nvPicPr>
-        <p:blipFill>
-          <a:blip r:embed="rId2"/>
-          <a:srcRect/>
-          <a:stretch>
-            <a:fillRect/>
-          </a:stretch>
-        </p:blipFill>
-        <p:spPr bwMode="auto">
-          <a:xfrm>
-            <a:off x="2651760" y="3386846"/>
-            <a:ext cx="3668278" cy="3031854"/>
-          </a:xfrm>
-          <a:prstGeom prst="rect">
-            <a:avLst/>
-          </a:prstGeom>
-          <a:noFill/>
-          <a:ln w="9525">
-            <a:noFill/>
-            <a:miter lim="800000"/>
-            <a:headEnd/>
-            <a:tailEnd/>
-          </a:ln>
-          <a:effectLst/>
-        </p:spPr>
-      </p:pic>
     </p:spTree>
-    <p:extLst>
-      <p:ext uri="{BB962C8B-B14F-4D97-AF65-F5344CB8AC3E}">
-        <p14:creationId xmlns="" xmlns:p14="http://schemas.microsoft.com/office/powerpoint/2010/main" val="1047839009"/>
-      </p:ext>
-    </p:extLst>
   </p:cSld>
   <p:clrMapOvr>
     <a:masterClrMapping/>
@@ -2651,7 +5439,7 @@
   <a:extraClrSchemeLst/>
   <a:extLst>
     <a:ext uri="{05A4C25C-085E-4340-85A3-A5531E510DB2}">
-      <thm15:themeFamily xmlns="" xmlns:thm15="http://schemas.microsoft.com/office/thememl/2012/main" name="Office Theme" id="{62F939B6-93AF-4DB8-9C6B-D6C7DFDC589F}" vid="{4A3C46E8-61CC-4603-A589-7422A47A8E4A}"/>
+      <thm15:themeFamily xmlns:thm15="http://schemas.microsoft.com/office/thememl/2012/main" xmlns="" name="Office Theme" id="{62F939B6-93AF-4DB8-9C6B-D6C7DFDC589F}" vid="{4A3C46E8-61CC-4603-A589-7422A47A8E4A}"/>
     </a:ext>
   </a:extLst>
 </a:theme>

--- a/CPP-Summit.pptx
+++ b/CPP-Summit.pptx
@@ -19,12 +19,16 @@
     <p:sldId id="272" r:id="rId13"/>
     <p:sldId id="273" r:id="rId14"/>
     <p:sldId id="263" r:id="rId15"/>
-    <p:sldId id="264" r:id="rId16"/>
-    <p:sldId id="257" r:id="rId17"/>
-    <p:sldId id="265" r:id="rId18"/>
-    <p:sldId id="267" r:id="rId19"/>
-    <p:sldId id="266" r:id="rId20"/>
-    <p:sldId id="268" r:id="rId21"/>
+    <p:sldId id="277" r:id="rId16"/>
+    <p:sldId id="278" r:id="rId17"/>
+    <p:sldId id="276" r:id="rId18"/>
+    <p:sldId id="264" r:id="rId19"/>
+    <p:sldId id="257" r:id="rId20"/>
+    <p:sldId id="265" r:id="rId21"/>
+    <p:sldId id="267" r:id="rId22"/>
+    <p:sldId id="266" r:id="rId23"/>
+    <p:sldId id="268" r:id="rId24"/>
+    <p:sldId id="279" r:id="rId25"/>
   </p:sldIdLst>
   <p:sldSz cx="9144000" cy="6858000" type="screen4x3"/>
   <p:notesSz cx="6858000" cy="9144000"/>
@@ -125,7 +129,7 @@
   </p:defaultTextStyle>
   <p:extLst>
     <p:ext uri="{EFAFB233-063F-42B5-8137-9DF3F51BA10A}">
-      <p15:sldGuideLst xmlns="" xmlns:p15="http://schemas.microsoft.com/office/powerpoint/2012/main"/>
+      <p15:sldGuideLst xmlns:p15="http://schemas.microsoft.com/office/powerpoint/2012/main" xmlns=""/>
     </p:ext>
   </p:extLst>
 </p:presentation>
@@ -160,7 +164,7 @@
           <a:blip r:embed="rId2">
             <a:extLst>
               <a:ext uri="{28A0092B-C50C-407E-A947-70E740481C1C}">
-                <a14:useLocalDpi xmlns="" xmlns:a14="http://schemas.microsoft.com/office/drawing/2010/main" val="0"/>
+                <a14:useLocalDpi xmlns:a14="http://schemas.microsoft.com/office/drawing/2010/main" xmlns="" val="0"/>
               </a:ext>
             </a:extLst>
           </a:blip>
@@ -205,7 +209,7 @@
     </p:spTree>
     <p:extLst>
       <p:ext uri="{BB962C8B-B14F-4D97-AF65-F5344CB8AC3E}">
-        <p14:creationId xmlns="" xmlns:p14="http://schemas.microsoft.com/office/powerpoint/2010/main" val="1338936593"/>
+        <p14:creationId xmlns:p14="http://schemas.microsoft.com/office/powerpoint/2010/main" xmlns="" val="1338936593"/>
       </p:ext>
     </p:extLst>
   </p:cSld>
@@ -244,7 +248,7 @@
           <a:blip r:embed="rId2">
             <a:extLst>
               <a:ext uri="{28A0092B-C50C-407E-A947-70E740481C1C}">
-                <a14:useLocalDpi xmlns="" xmlns:a14="http://schemas.microsoft.com/office/drawing/2010/main" val="0"/>
+                <a14:useLocalDpi xmlns:a14="http://schemas.microsoft.com/office/drawing/2010/main" xmlns="" val="0"/>
               </a:ext>
             </a:extLst>
           </a:blip>
@@ -266,7 +270,7 @@
           <p:cNvPr id="9" name="文本占位符 10">
             <a:extLst>
               <a:ext uri="{FF2B5EF4-FFF2-40B4-BE49-F238E27FC236}">
-                <a16:creationId xmlns:a16="http://schemas.microsoft.com/office/drawing/2014/main" xmlns="" id="{01D010F3-905B-4D60-A57E-5C1F1E5D7F48}"/>
+                <a16:creationId xmlns="" xmlns:a16="http://schemas.microsoft.com/office/drawing/2014/main" id="{01D010F3-905B-4D60-A57E-5C1F1E5D7F48}"/>
               </a:ext>
             </a:extLst>
           </p:cNvPr>
@@ -432,7 +436,7 @@
     </p:spTree>
     <p:extLst>
       <p:ext uri="{BB962C8B-B14F-4D97-AF65-F5344CB8AC3E}">
-        <p14:creationId xmlns="" xmlns:p14="http://schemas.microsoft.com/office/powerpoint/2010/main" val="4137035524"/>
+        <p14:creationId xmlns:p14="http://schemas.microsoft.com/office/powerpoint/2010/main" xmlns="" val="4137035524"/>
       </p:ext>
     </p:extLst>
   </p:cSld>
@@ -529,7 +533,7 @@
     </p:spTree>
     <p:extLst>
       <p:ext uri="{BB962C8B-B14F-4D97-AF65-F5344CB8AC3E}">
-        <p14:creationId xmlns="" xmlns:p14="http://schemas.microsoft.com/office/powerpoint/2010/main" val="1759841624"/>
+        <p14:creationId xmlns:p14="http://schemas.microsoft.com/office/powerpoint/2010/main" xmlns="" val="1759841624"/>
       </p:ext>
     </p:extLst>
   </p:cSld>
@@ -780,7 +784,7 @@
     </p:spTree>
     <p:extLst>
       <p:ext uri="{BB962C8B-B14F-4D97-AF65-F5344CB8AC3E}">
-        <p14:creationId xmlns="" xmlns:p14="http://schemas.microsoft.com/office/powerpoint/2010/main" val="3267739063"/>
+        <p14:creationId xmlns:p14="http://schemas.microsoft.com/office/powerpoint/2010/main" xmlns="" val="3267739063"/>
       </p:ext>
     </p:extLst>
   </p:cSld>
@@ -1095,7 +1099,7 @@
           <p:cNvPr id="6" name="文本框 5">
             <a:extLst>
               <a:ext uri="{FF2B5EF4-FFF2-40B4-BE49-F238E27FC236}">
-                <a16:creationId xmlns:a16="http://schemas.microsoft.com/office/drawing/2014/main" xmlns="" id="{80BDF59C-8876-4C07-86D1-096C6CCDE453}"/>
+                <a16:creationId xmlns="" xmlns:a16="http://schemas.microsoft.com/office/drawing/2014/main" id="{80BDF59C-8876-4C07-86D1-096C6CCDE453}"/>
               </a:ext>
             </a:extLst>
           </p:cNvPr>
@@ -1178,7 +1182,7 @@
           <p:cNvPr id="7" name="文本框 6">
             <a:extLst>
               <a:ext uri="{FF2B5EF4-FFF2-40B4-BE49-F238E27FC236}">
-                <a16:creationId xmlns:a16="http://schemas.microsoft.com/office/drawing/2014/main" xmlns="" id="{9641ACBE-BC14-4FC9-81D3-2BCBC14FA20C}"/>
+                <a16:creationId xmlns="" xmlns:a16="http://schemas.microsoft.com/office/drawing/2014/main" id="{9641ACBE-BC14-4FC9-81D3-2BCBC14FA20C}"/>
               </a:ext>
             </a:extLst>
           </p:cNvPr>
@@ -1228,7 +1232,7 @@
           <p:cNvPr id="8" name="文本框 7">
             <a:extLst>
               <a:ext uri="{FF2B5EF4-FFF2-40B4-BE49-F238E27FC236}">
-                <a16:creationId xmlns:a16="http://schemas.microsoft.com/office/drawing/2014/main" xmlns="" id="{7B3317C5-8A3B-41BC-BEF9-80955951153B}"/>
+                <a16:creationId xmlns="" xmlns:a16="http://schemas.microsoft.com/office/drawing/2014/main" id="{7B3317C5-8A3B-41BC-BEF9-80955951153B}"/>
               </a:ext>
             </a:extLst>
           </p:cNvPr>
@@ -1295,7 +1299,7 @@
     </p:spTree>
     <p:extLst>
       <p:ext uri="{BB962C8B-B14F-4D97-AF65-F5344CB8AC3E}">
-        <p14:creationId xmlns="" xmlns:p14="http://schemas.microsoft.com/office/powerpoint/2010/main" val="2080158732"/>
+        <p14:creationId xmlns:p14="http://schemas.microsoft.com/office/powerpoint/2010/main" xmlns="" val="2080158732"/>
       </p:ext>
     </p:extLst>
   </p:cSld>
@@ -2470,15 +2474,7 @@
             </a:pPr>
             <a:r>
               <a:rPr lang="zh-CN" altLang="en-US" dirty="0" smtClean="0"/>
-              <a:t>扩展</a:t>
-            </a:r>
-            <a:r>
-              <a:rPr lang="zh-CN" altLang="en-US" dirty="0" smtClean="0"/>
-              <a:t>接口</a:t>
-            </a:r>
-            <a:r>
-              <a:rPr lang="zh-CN" altLang="en-US" dirty="0" smtClean="0"/>
-              <a:t>：</a:t>
+              <a:t>扩展接口：</a:t>
             </a:r>
             <a:endParaRPr lang="en-US" altLang="zh-CN" dirty="0" smtClean="0"/>
           </a:p>
@@ -2533,15 +2529,7 @@
                 <a:ea typeface="DejaVu Sans Mono" pitchFamily="49" charset="0"/>
                 <a:cs typeface="DejaVu Sans Mono" pitchFamily="49" charset="0"/>
               </a:rPr>
-              <a:t>extend</a:t>
-            </a:r>
-            <a:r>
-              <a:rPr lang="en-US" altLang="zh-CN" dirty="0" smtClean="0">
-                <a:latin typeface="DejaVu Sans Mono" pitchFamily="49" charset="0"/>
-                <a:ea typeface="DejaVu Sans Mono" pitchFamily="49" charset="0"/>
-                <a:cs typeface="DejaVu Sans Mono" pitchFamily="49" charset="0"/>
-              </a:rPr>
-              <a:t>();    //no </a:t>
+              <a:t>extend();    //no </a:t>
             </a:r>
             <a:r>
               <a:rPr lang="en-US" altLang="zh-CN" dirty="0" err="1" smtClean="0">
@@ -3589,32 +3577,678 @@
             <a:endParaRPr lang="en-US" altLang="zh-CN" dirty="0" smtClean="0"/>
           </a:p>
           <a:p>
-            <a:r>
-              <a:rPr lang="zh-CN" altLang="en-US" dirty="0" smtClean="0"/>
-              <a:t>遍历</a:t>
-            </a:r>
-            <a:r>
-              <a:rPr lang="en-US" altLang="zh-CN" dirty="0" err="1" smtClean="0"/>
-              <a:t>tuple</a:t>
-            </a:r>
-            <a:r>
-              <a:rPr lang="en-US" altLang="zh-CN" dirty="0" smtClean="0"/>
-              <a:t>/</a:t>
-            </a:r>
-            <a:r>
-              <a:rPr lang="en-US" altLang="zh-CN" dirty="0" err="1" smtClean="0"/>
-              <a:t>variadic</a:t>
-            </a:r>
-            <a:r>
-              <a:rPr lang="en-US" altLang="zh-CN" dirty="0" smtClean="0"/>
-              <a:t> template</a:t>
-            </a:r>
-          </a:p>
-          <a:p>
             <a:endParaRPr lang="en-US" altLang="zh-CN" dirty="0" smtClean="0"/>
           </a:p>
           <a:p>
             <a:endParaRPr lang="zh-CN" altLang="en-US" dirty="0"/>
+          </a:p>
+        </p:txBody>
+      </p:sp>
+      <p:sp>
+        <p:nvSpPr>
+          <p:cNvPr id="4" name="矩形 3"/>
+          <p:cNvSpPr/>
+          <p:nvPr/>
+        </p:nvSpPr>
+        <p:spPr>
+          <a:xfrm>
+            <a:off x="556954" y="1737328"/>
+            <a:ext cx="5943600" cy="3139321"/>
+          </a:xfrm>
+          <a:prstGeom prst="rect">
+            <a:avLst/>
+          </a:prstGeom>
+        </p:spPr>
+        <p:txBody>
+          <a:bodyPr wrap="square">
+            <a:spAutoFit/>
+          </a:bodyPr>
+          <a:lstStyle/>
+          <a:p>
+            <a:r>
+              <a:rPr lang="en-US" altLang="zh-CN" dirty="0" smtClean="0">
+                <a:latin typeface="DejaVu Sans Mono" pitchFamily="49" charset="0"/>
+                <a:ea typeface="DejaVu Sans Mono" pitchFamily="49" charset="0"/>
+                <a:cs typeface="DejaVu Sans Mono" pitchFamily="49" charset="0"/>
+              </a:rPr>
+              <a:t>template&lt;</a:t>
+            </a:r>
+            <a:r>
+              <a:rPr lang="en-US" altLang="zh-CN" dirty="0" err="1" smtClean="0">
+                <a:latin typeface="DejaVu Sans Mono" pitchFamily="49" charset="0"/>
+                <a:ea typeface="DejaVu Sans Mono" pitchFamily="49" charset="0"/>
+                <a:cs typeface="DejaVu Sans Mono" pitchFamily="49" charset="0"/>
+              </a:rPr>
+              <a:t>typename</a:t>
+            </a:r>
+            <a:r>
+              <a:rPr lang="en-US" altLang="zh-CN" dirty="0" smtClean="0">
+                <a:latin typeface="DejaVu Sans Mono" pitchFamily="49" charset="0"/>
+                <a:ea typeface="DejaVu Sans Mono" pitchFamily="49" charset="0"/>
+                <a:cs typeface="DejaVu Sans Mono" pitchFamily="49" charset="0"/>
+              </a:rPr>
+              <a:t> T&gt;</a:t>
+            </a:r>
+          </a:p>
+          <a:p>
+            <a:r>
+              <a:rPr lang="en-US" altLang="zh-CN" dirty="0" smtClean="0">
+                <a:latin typeface="DejaVu Sans Mono" pitchFamily="49" charset="0"/>
+                <a:ea typeface="DejaVu Sans Mono" pitchFamily="49" charset="0"/>
+                <a:cs typeface="DejaVu Sans Mono" pitchFamily="49" charset="0"/>
+              </a:rPr>
+              <a:t>auto add(T </a:t>
+            </a:r>
+            <a:r>
+              <a:rPr lang="en-US" altLang="zh-CN" dirty="0" err="1" smtClean="0">
+                <a:latin typeface="DejaVu Sans Mono" pitchFamily="49" charset="0"/>
+                <a:ea typeface="DejaVu Sans Mono" pitchFamily="49" charset="0"/>
+                <a:cs typeface="DejaVu Sans Mono" pitchFamily="49" charset="0"/>
+              </a:rPr>
+              <a:t>t</a:t>
+            </a:r>
+            <a:r>
+              <a:rPr lang="en-US" altLang="zh-CN" dirty="0" smtClean="0">
+                <a:latin typeface="DejaVu Sans Mono" pitchFamily="49" charset="0"/>
+                <a:ea typeface="DejaVu Sans Mono" pitchFamily="49" charset="0"/>
+                <a:cs typeface="DejaVu Sans Mono" pitchFamily="49" charset="0"/>
+              </a:rPr>
+              <a:t>){</a:t>
+            </a:r>
+          </a:p>
+          <a:p>
+            <a:r>
+              <a:rPr lang="en-US" altLang="zh-CN" dirty="0" smtClean="0">
+                <a:latin typeface="DejaVu Sans Mono" pitchFamily="49" charset="0"/>
+                <a:ea typeface="DejaVu Sans Mono" pitchFamily="49" charset="0"/>
+                <a:cs typeface="DejaVu Sans Mono" pitchFamily="49" charset="0"/>
+              </a:rPr>
+              <a:t>    return t;</a:t>
+            </a:r>
+          </a:p>
+          <a:p>
+            <a:r>
+              <a:rPr lang="en-US" altLang="zh-CN" dirty="0" smtClean="0">
+                <a:latin typeface="DejaVu Sans Mono" pitchFamily="49" charset="0"/>
+                <a:ea typeface="DejaVu Sans Mono" pitchFamily="49" charset="0"/>
+                <a:cs typeface="DejaVu Sans Mono" pitchFamily="49" charset="0"/>
+              </a:rPr>
+              <a:t>}</a:t>
+            </a:r>
+          </a:p>
+          <a:p>
+            <a:endParaRPr lang="en-US" altLang="zh-CN" dirty="0" smtClean="0">
+              <a:latin typeface="DejaVu Sans Mono" pitchFamily="49" charset="0"/>
+              <a:ea typeface="DejaVu Sans Mono" pitchFamily="49" charset="0"/>
+              <a:cs typeface="DejaVu Sans Mono" pitchFamily="49" charset="0"/>
+            </a:endParaRPr>
+          </a:p>
+          <a:p>
+            <a:r>
+              <a:rPr lang="en-US" altLang="zh-CN" dirty="0" smtClean="0">
+                <a:latin typeface="DejaVu Sans Mono" pitchFamily="49" charset="0"/>
+                <a:ea typeface="DejaVu Sans Mono" pitchFamily="49" charset="0"/>
+                <a:cs typeface="DejaVu Sans Mono" pitchFamily="49" charset="0"/>
+              </a:rPr>
+              <a:t>template&lt;</a:t>
+            </a:r>
+            <a:r>
+              <a:rPr lang="en-US" altLang="zh-CN" dirty="0" err="1" smtClean="0">
+                <a:latin typeface="DejaVu Sans Mono" pitchFamily="49" charset="0"/>
+                <a:ea typeface="DejaVu Sans Mono" pitchFamily="49" charset="0"/>
+                <a:cs typeface="DejaVu Sans Mono" pitchFamily="49" charset="0"/>
+              </a:rPr>
+              <a:t>typename</a:t>
+            </a:r>
+            <a:r>
+              <a:rPr lang="en-US" altLang="zh-CN" dirty="0" smtClean="0">
+                <a:latin typeface="DejaVu Sans Mono" pitchFamily="49" charset="0"/>
+                <a:ea typeface="DejaVu Sans Mono" pitchFamily="49" charset="0"/>
+                <a:cs typeface="DejaVu Sans Mono" pitchFamily="49" charset="0"/>
+              </a:rPr>
+              <a:t> </a:t>
+            </a:r>
+            <a:r>
+              <a:rPr lang="en-US" altLang="zh-CN" dirty="0" err="1" smtClean="0">
+                <a:latin typeface="DejaVu Sans Mono" pitchFamily="49" charset="0"/>
+                <a:ea typeface="DejaVu Sans Mono" pitchFamily="49" charset="0"/>
+                <a:cs typeface="DejaVu Sans Mono" pitchFamily="49" charset="0"/>
+              </a:rPr>
+              <a:t>Arg</a:t>
+            </a:r>
+            <a:r>
+              <a:rPr lang="en-US" altLang="zh-CN" dirty="0" smtClean="0">
+                <a:latin typeface="DejaVu Sans Mono" pitchFamily="49" charset="0"/>
+                <a:ea typeface="DejaVu Sans Mono" pitchFamily="49" charset="0"/>
+                <a:cs typeface="DejaVu Sans Mono" pitchFamily="49" charset="0"/>
+              </a:rPr>
+              <a:t>, </a:t>
+            </a:r>
+            <a:r>
+              <a:rPr lang="en-US" altLang="zh-CN" dirty="0" err="1" smtClean="0">
+                <a:latin typeface="DejaVu Sans Mono" pitchFamily="49" charset="0"/>
+                <a:ea typeface="DejaVu Sans Mono" pitchFamily="49" charset="0"/>
+                <a:cs typeface="DejaVu Sans Mono" pitchFamily="49" charset="0"/>
+              </a:rPr>
+              <a:t>typename</a:t>
+            </a:r>
+            <a:r>
+              <a:rPr lang="en-US" altLang="zh-CN" dirty="0" smtClean="0">
+                <a:latin typeface="DejaVu Sans Mono" pitchFamily="49" charset="0"/>
+                <a:ea typeface="DejaVu Sans Mono" pitchFamily="49" charset="0"/>
+                <a:cs typeface="DejaVu Sans Mono" pitchFamily="49" charset="0"/>
+              </a:rPr>
+              <a:t>... </a:t>
+            </a:r>
+            <a:r>
+              <a:rPr lang="en-US" altLang="zh-CN" dirty="0" err="1" smtClean="0">
+                <a:latin typeface="DejaVu Sans Mono" pitchFamily="49" charset="0"/>
+                <a:ea typeface="DejaVu Sans Mono" pitchFamily="49" charset="0"/>
+                <a:cs typeface="DejaVu Sans Mono" pitchFamily="49" charset="0"/>
+              </a:rPr>
+              <a:t>Args</a:t>
+            </a:r>
+            <a:r>
+              <a:rPr lang="en-US" altLang="zh-CN" dirty="0" smtClean="0">
+                <a:latin typeface="DejaVu Sans Mono" pitchFamily="49" charset="0"/>
+                <a:ea typeface="DejaVu Sans Mono" pitchFamily="49" charset="0"/>
+                <a:cs typeface="DejaVu Sans Mono" pitchFamily="49" charset="0"/>
+              </a:rPr>
+              <a:t>&gt;</a:t>
+            </a:r>
+          </a:p>
+          <a:p>
+            <a:r>
+              <a:rPr lang="en-US" altLang="zh-CN" dirty="0" smtClean="0">
+                <a:latin typeface="DejaVu Sans Mono" pitchFamily="49" charset="0"/>
+                <a:ea typeface="DejaVu Sans Mono" pitchFamily="49" charset="0"/>
+                <a:cs typeface="DejaVu Sans Mono" pitchFamily="49" charset="0"/>
+              </a:rPr>
+              <a:t>auto add(</a:t>
+            </a:r>
+            <a:r>
+              <a:rPr lang="en-US" altLang="zh-CN" dirty="0" err="1" smtClean="0">
+                <a:latin typeface="DejaVu Sans Mono" pitchFamily="49" charset="0"/>
+                <a:ea typeface="DejaVu Sans Mono" pitchFamily="49" charset="0"/>
+                <a:cs typeface="DejaVu Sans Mono" pitchFamily="49" charset="0"/>
+              </a:rPr>
+              <a:t>Arg</a:t>
+            </a:r>
+            <a:r>
+              <a:rPr lang="en-US" altLang="zh-CN" dirty="0" smtClean="0">
+                <a:latin typeface="DejaVu Sans Mono" pitchFamily="49" charset="0"/>
+                <a:ea typeface="DejaVu Sans Mono" pitchFamily="49" charset="0"/>
+                <a:cs typeface="DejaVu Sans Mono" pitchFamily="49" charset="0"/>
+              </a:rPr>
+              <a:t> </a:t>
+            </a:r>
+            <a:r>
+              <a:rPr lang="en-US" altLang="zh-CN" dirty="0" err="1" smtClean="0">
+                <a:latin typeface="DejaVu Sans Mono" pitchFamily="49" charset="0"/>
+                <a:ea typeface="DejaVu Sans Mono" pitchFamily="49" charset="0"/>
+                <a:cs typeface="DejaVu Sans Mono" pitchFamily="49" charset="0"/>
+              </a:rPr>
+              <a:t>arg</a:t>
+            </a:r>
+            <a:r>
+              <a:rPr lang="en-US" altLang="zh-CN" dirty="0" smtClean="0">
+                <a:latin typeface="DejaVu Sans Mono" pitchFamily="49" charset="0"/>
+                <a:ea typeface="DejaVu Sans Mono" pitchFamily="49" charset="0"/>
+                <a:cs typeface="DejaVu Sans Mono" pitchFamily="49" charset="0"/>
+              </a:rPr>
+              <a:t>, </a:t>
+            </a:r>
+            <a:r>
+              <a:rPr lang="en-US" altLang="zh-CN" dirty="0" err="1" smtClean="0">
+                <a:latin typeface="DejaVu Sans Mono" pitchFamily="49" charset="0"/>
+                <a:ea typeface="DejaVu Sans Mono" pitchFamily="49" charset="0"/>
+                <a:cs typeface="DejaVu Sans Mono" pitchFamily="49" charset="0"/>
+              </a:rPr>
+              <a:t>Args</a:t>
+            </a:r>
+            <a:r>
+              <a:rPr lang="en-US" altLang="zh-CN" dirty="0" smtClean="0">
+                <a:latin typeface="DejaVu Sans Mono" pitchFamily="49" charset="0"/>
+                <a:ea typeface="DejaVu Sans Mono" pitchFamily="49" charset="0"/>
+                <a:cs typeface="DejaVu Sans Mono" pitchFamily="49" charset="0"/>
+              </a:rPr>
+              <a:t>... </a:t>
+            </a:r>
+            <a:r>
+              <a:rPr lang="en-US" altLang="zh-CN" dirty="0" err="1" smtClean="0">
+                <a:latin typeface="DejaVu Sans Mono" pitchFamily="49" charset="0"/>
+                <a:ea typeface="DejaVu Sans Mono" pitchFamily="49" charset="0"/>
+                <a:cs typeface="DejaVu Sans Mono" pitchFamily="49" charset="0"/>
+              </a:rPr>
+              <a:t>args</a:t>
+            </a:r>
+            <a:r>
+              <a:rPr lang="en-US" altLang="zh-CN" dirty="0" smtClean="0">
+                <a:latin typeface="DejaVu Sans Mono" pitchFamily="49" charset="0"/>
+                <a:ea typeface="DejaVu Sans Mono" pitchFamily="49" charset="0"/>
+                <a:cs typeface="DejaVu Sans Mono" pitchFamily="49" charset="0"/>
+              </a:rPr>
+              <a:t>){</a:t>
+            </a:r>
+          </a:p>
+          <a:p>
+            <a:r>
+              <a:rPr lang="en-US" altLang="zh-CN" dirty="0" smtClean="0">
+                <a:latin typeface="DejaVu Sans Mono" pitchFamily="49" charset="0"/>
+                <a:ea typeface="DejaVu Sans Mono" pitchFamily="49" charset="0"/>
+                <a:cs typeface="DejaVu Sans Mono" pitchFamily="49" charset="0"/>
+              </a:rPr>
+              <a:t>    return </a:t>
+            </a:r>
+            <a:r>
+              <a:rPr lang="en-US" altLang="zh-CN" dirty="0" err="1" smtClean="0">
+                <a:latin typeface="DejaVu Sans Mono" pitchFamily="49" charset="0"/>
+                <a:ea typeface="DejaVu Sans Mono" pitchFamily="49" charset="0"/>
+                <a:cs typeface="DejaVu Sans Mono" pitchFamily="49" charset="0"/>
+              </a:rPr>
+              <a:t>arg+add</a:t>
+            </a:r>
+            <a:r>
+              <a:rPr lang="en-US" altLang="zh-CN" dirty="0" smtClean="0">
+                <a:latin typeface="DejaVu Sans Mono" pitchFamily="49" charset="0"/>
+                <a:ea typeface="DejaVu Sans Mono" pitchFamily="49" charset="0"/>
+                <a:cs typeface="DejaVu Sans Mono" pitchFamily="49" charset="0"/>
+              </a:rPr>
+              <a:t>(</a:t>
+            </a:r>
+            <a:r>
+              <a:rPr lang="en-US" altLang="zh-CN" dirty="0" err="1" smtClean="0">
+                <a:latin typeface="DejaVu Sans Mono" pitchFamily="49" charset="0"/>
+                <a:ea typeface="DejaVu Sans Mono" pitchFamily="49" charset="0"/>
+                <a:cs typeface="DejaVu Sans Mono" pitchFamily="49" charset="0"/>
+              </a:rPr>
+              <a:t>args</a:t>
+            </a:r>
+            <a:r>
+              <a:rPr lang="en-US" altLang="zh-CN" dirty="0" smtClean="0">
+                <a:latin typeface="DejaVu Sans Mono" pitchFamily="49" charset="0"/>
+                <a:ea typeface="DejaVu Sans Mono" pitchFamily="49" charset="0"/>
+                <a:cs typeface="DejaVu Sans Mono" pitchFamily="49" charset="0"/>
+              </a:rPr>
+              <a:t>...);</a:t>
+            </a:r>
+          </a:p>
+          <a:p>
+            <a:r>
+              <a:rPr lang="en-US" altLang="zh-CN" dirty="0" smtClean="0">
+                <a:latin typeface="DejaVu Sans Mono" pitchFamily="49" charset="0"/>
+                <a:ea typeface="DejaVu Sans Mono" pitchFamily="49" charset="0"/>
+                <a:cs typeface="DejaVu Sans Mono" pitchFamily="49" charset="0"/>
+              </a:rPr>
+              <a:t>}</a:t>
+            </a:r>
+          </a:p>
+          <a:p>
+            <a:endParaRPr lang="en-US" altLang="zh-CN" dirty="0" smtClean="0">
+              <a:latin typeface="DejaVu Sans Mono" pitchFamily="49" charset="0"/>
+              <a:ea typeface="DejaVu Sans Mono" pitchFamily="49" charset="0"/>
+              <a:cs typeface="DejaVu Sans Mono" pitchFamily="49" charset="0"/>
+            </a:endParaRPr>
+          </a:p>
+          <a:p>
+            <a:r>
+              <a:rPr lang="en-US" altLang="zh-CN" dirty="0" smtClean="0">
+                <a:latin typeface="DejaVu Sans Mono" pitchFamily="49" charset="0"/>
+                <a:ea typeface="DejaVu Sans Mono" pitchFamily="49" charset="0"/>
+                <a:cs typeface="DejaVu Sans Mono" pitchFamily="49" charset="0"/>
+              </a:rPr>
+              <a:t>add(1,2,3); //6</a:t>
+            </a:r>
+            <a:endParaRPr lang="zh-CN" altLang="en-US" dirty="0">
+              <a:latin typeface="DejaVu Sans Mono" pitchFamily="49" charset="0"/>
+              <a:cs typeface="DejaVu Sans Mono" pitchFamily="49" charset="0"/>
+            </a:endParaRPr>
+          </a:p>
+        </p:txBody>
+      </p:sp>
+      <p:sp>
+        <p:nvSpPr>
+          <p:cNvPr id="5" name="矩形 4"/>
+          <p:cNvSpPr/>
+          <p:nvPr/>
+        </p:nvSpPr>
+        <p:spPr>
+          <a:xfrm>
+            <a:off x="548639" y="5073274"/>
+            <a:ext cx="3865420" cy="1200329"/>
+          </a:xfrm>
+          <a:prstGeom prst="rect">
+            <a:avLst/>
+          </a:prstGeom>
+        </p:spPr>
+        <p:txBody>
+          <a:bodyPr wrap="square">
+            <a:spAutoFit/>
+          </a:bodyPr>
+          <a:lstStyle/>
+          <a:p>
+            <a:r>
+              <a:rPr lang="en-US" dirty="0" smtClean="0">
+                <a:latin typeface="DejaVu Sans Mono" pitchFamily="49" charset="0"/>
+                <a:ea typeface="DejaVu Sans Mono" pitchFamily="49" charset="0"/>
+                <a:cs typeface="DejaVu Sans Mono" pitchFamily="49" charset="0"/>
+              </a:rPr>
+              <a:t>template&lt;</a:t>
+            </a:r>
+            <a:r>
+              <a:rPr lang="en-US" dirty="0" err="1" smtClean="0">
+                <a:latin typeface="DejaVu Sans Mono" pitchFamily="49" charset="0"/>
+                <a:ea typeface="DejaVu Sans Mono" pitchFamily="49" charset="0"/>
+                <a:cs typeface="DejaVu Sans Mono" pitchFamily="49" charset="0"/>
+              </a:rPr>
+              <a:t>typename</a:t>
+            </a:r>
+            <a:r>
+              <a:rPr lang="en-US" dirty="0" smtClean="0">
+                <a:latin typeface="DejaVu Sans Mono" pitchFamily="49" charset="0"/>
+                <a:ea typeface="DejaVu Sans Mono" pitchFamily="49" charset="0"/>
+                <a:cs typeface="DejaVu Sans Mono" pitchFamily="49" charset="0"/>
+              </a:rPr>
+              <a:t>... </a:t>
+            </a:r>
+            <a:r>
+              <a:rPr lang="en-US" dirty="0" err="1" smtClean="0">
+                <a:latin typeface="DejaVu Sans Mono" pitchFamily="49" charset="0"/>
+                <a:ea typeface="DejaVu Sans Mono" pitchFamily="49" charset="0"/>
+                <a:cs typeface="DejaVu Sans Mono" pitchFamily="49" charset="0"/>
+              </a:rPr>
+              <a:t>Args</a:t>
+            </a:r>
+            <a:r>
+              <a:rPr lang="en-US" dirty="0" smtClean="0">
+                <a:latin typeface="DejaVu Sans Mono" pitchFamily="49" charset="0"/>
+                <a:ea typeface="DejaVu Sans Mono" pitchFamily="49" charset="0"/>
+                <a:cs typeface="DejaVu Sans Mono" pitchFamily="49" charset="0"/>
+              </a:rPr>
+              <a:t>&gt;</a:t>
+            </a:r>
+            <a:br>
+              <a:rPr lang="en-US" dirty="0" smtClean="0">
+                <a:latin typeface="DejaVu Sans Mono" pitchFamily="49" charset="0"/>
+                <a:ea typeface="DejaVu Sans Mono" pitchFamily="49" charset="0"/>
+                <a:cs typeface="DejaVu Sans Mono" pitchFamily="49" charset="0"/>
+              </a:rPr>
+            </a:br>
+            <a:r>
+              <a:rPr lang="en-US" dirty="0" smtClean="0">
+                <a:latin typeface="DejaVu Sans Mono" pitchFamily="49" charset="0"/>
+                <a:ea typeface="DejaVu Sans Mono" pitchFamily="49" charset="0"/>
+                <a:cs typeface="DejaVu Sans Mono" pitchFamily="49" charset="0"/>
+              </a:rPr>
+              <a:t>auto add(</a:t>
+            </a:r>
+            <a:r>
+              <a:rPr lang="en-US" dirty="0" err="1" smtClean="0">
+                <a:latin typeface="DejaVu Sans Mono" pitchFamily="49" charset="0"/>
+                <a:ea typeface="DejaVu Sans Mono" pitchFamily="49" charset="0"/>
+                <a:cs typeface="DejaVu Sans Mono" pitchFamily="49" charset="0"/>
+              </a:rPr>
+              <a:t>Args</a:t>
+            </a:r>
+            <a:r>
+              <a:rPr lang="en-US" dirty="0" smtClean="0">
+                <a:latin typeface="DejaVu Sans Mono" pitchFamily="49" charset="0"/>
+                <a:ea typeface="DejaVu Sans Mono" pitchFamily="49" charset="0"/>
+                <a:cs typeface="DejaVu Sans Mono" pitchFamily="49" charset="0"/>
+              </a:rPr>
+              <a:t>... </a:t>
+            </a:r>
+            <a:r>
+              <a:rPr lang="en-US" dirty="0" err="1" smtClean="0">
+                <a:latin typeface="DejaVu Sans Mono" pitchFamily="49" charset="0"/>
+                <a:ea typeface="DejaVu Sans Mono" pitchFamily="49" charset="0"/>
+                <a:cs typeface="DejaVu Sans Mono" pitchFamily="49" charset="0"/>
+              </a:rPr>
+              <a:t>args</a:t>
+            </a:r>
+            <a:r>
+              <a:rPr lang="en-US" dirty="0" smtClean="0">
+                <a:latin typeface="DejaVu Sans Mono" pitchFamily="49" charset="0"/>
+                <a:ea typeface="DejaVu Sans Mono" pitchFamily="49" charset="0"/>
+                <a:cs typeface="DejaVu Sans Mono" pitchFamily="49" charset="0"/>
+              </a:rPr>
+              <a:t>) {</a:t>
+            </a:r>
+            <a:br>
+              <a:rPr lang="en-US" dirty="0" smtClean="0">
+                <a:latin typeface="DejaVu Sans Mono" pitchFamily="49" charset="0"/>
+                <a:ea typeface="DejaVu Sans Mono" pitchFamily="49" charset="0"/>
+                <a:cs typeface="DejaVu Sans Mono" pitchFamily="49" charset="0"/>
+              </a:rPr>
+            </a:br>
+            <a:r>
+              <a:rPr lang="en-US" dirty="0" smtClean="0">
+                <a:latin typeface="DejaVu Sans Mono" pitchFamily="49" charset="0"/>
+                <a:ea typeface="DejaVu Sans Mono" pitchFamily="49" charset="0"/>
+                <a:cs typeface="DejaVu Sans Mono" pitchFamily="49" charset="0"/>
+              </a:rPr>
+              <a:t>    return </a:t>
+            </a:r>
+            <a:r>
+              <a:rPr lang="en-US" dirty="0" smtClean="0">
+                <a:latin typeface="DejaVu Sans Mono" pitchFamily="49" charset="0"/>
+                <a:ea typeface="DejaVu Sans Mono" pitchFamily="49" charset="0"/>
+                <a:cs typeface="DejaVu Sans Mono" pitchFamily="49" charset="0"/>
+              </a:rPr>
+              <a:t>(</a:t>
+            </a:r>
+            <a:r>
+              <a:rPr lang="en-US" dirty="0" err="1" smtClean="0">
+                <a:latin typeface="DejaVu Sans Mono" pitchFamily="49" charset="0"/>
+                <a:ea typeface="DejaVu Sans Mono" pitchFamily="49" charset="0"/>
+                <a:cs typeface="DejaVu Sans Mono" pitchFamily="49" charset="0"/>
+              </a:rPr>
+              <a:t>args</a:t>
+            </a:r>
+            <a:r>
+              <a:rPr lang="en-US" dirty="0" smtClean="0">
+                <a:latin typeface="DejaVu Sans Mono" pitchFamily="49" charset="0"/>
+                <a:ea typeface="DejaVu Sans Mono" pitchFamily="49" charset="0"/>
+                <a:cs typeface="DejaVu Sans Mono" pitchFamily="49" charset="0"/>
+              </a:rPr>
+              <a:t> +  ...);</a:t>
+            </a:r>
+            <a:br>
+              <a:rPr lang="en-US" dirty="0" smtClean="0">
+                <a:latin typeface="DejaVu Sans Mono" pitchFamily="49" charset="0"/>
+                <a:ea typeface="DejaVu Sans Mono" pitchFamily="49" charset="0"/>
+                <a:cs typeface="DejaVu Sans Mono" pitchFamily="49" charset="0"/>
+              </a:rPr>
+            </a:br>
+            <a:r>
+              <a:rPr lang="en-US" dirty="0" smtClean="0">
+                <a:latin typeface="DejaVu Sans Mono" pitchFamily="49" charset="0"/>
+                <a:ea typeface="DejaVu Sans Mono" pitchFamily="49" charset="0"/>
+                <a:cs typeface="DejaVu Sans Mono" pitchFamily="49" charset="0"/>
+              </a:rPr>
+              <a:t>}</a:t>
+            </a:r>
+            <a:endParaRPr lang="zh-CN" altLang="en-US" dirty="0">
+              <a:latin typeface="DejaVu Sans Mono" pitchFamily="49" charset="0"/>
+              <a:cs typeface="DejaVu Sans Mono" pitchFamily="49" charset="0"/>
+            </a:endParaRPr>
+          </a:p>
+        </p:txBody>
+      </p:sp>
+      <p:sp>
+        <p:nvSpPr>
+          <p:cNvPr id="6" name="矩形 5"/>
+          <p:cNvSpPr/>
+          <p:nvPr/>
+        </p:nvSpPr>
+        <p:spPr>
+          <a:xfrm>
+            <a:off x="4455621" y="5064961"/>
+            <a:ext cx="4281055" cy="1200329"/>
+          </a:xfrm>
+          <a:prstGeom prst="rect">
+            <a:avLst/>
+          </a:prstGeom>
+        </p:spPr>
+        <p:txBody>
+          <a:bodyPr wrap="square">
+            <a:spAutoFit/>
+          </a:bodyPr>
+          <a:lstStyle/>
+          <a:p>
+            <a:r>
+              <a:rPr lang="en-US" dirty="0" smtClean="0">
+                <a:latin typeface="DejaVu Sans Mono" pitchFamily="49" charset="0"/>
+                <a:ea typeface="DejaVu Sans Mono" pitchFamily="49" charset="0"/>
+                <a:cs typeface="DejaVu Sans Mono" pitchFamily="49" charset="0"/>
+              </a:rPr>
+              <a:t>template&lt;</a:t>
+            </a:r>
+            <a:r>
+              <a:rPr lang="en-US" dirty="0" err="1" smtClean="0">
+                <a:latin typeface="DejaVu Sans Mono" pitchFamily="49" charset="0"/>
+                <a:ea typeface="DejaVu Sans Mono" pitchFamily="49" charset="0"/>
+                <a:cs typeface="DejaVu Sans Mono" pitchFamily="49" charset="0"/>
+              </a:rPr>
+              <a:t>typename</a:t>
+            </a:r>
+            <a:r>
+              <a:rPr lang="en-US" dirty="0" smtClean="0">
+                <a:latin typeface="DejaVu Sans Mono" pitchFamily="49" charset="0"/>
+                <a:ea typeface="DejaVu Sans Mono" pitchFamily="49" charset="0"/>
+                <a:cs typeface="DejaVu Sans Mono" pitchFamily="49" charset="0"/>
+              </a:rPr>
+              <a:t>... </a:t>
+            </a:r>
+            <a:r>
+              <a:rPr lang="en-US" dirty="0" err="1" smtClean="0">
+                <a:latin typeface="DejaVu Sans Mono" pitchFamily="49" charset="0"/>
+                <a:ea typeface="DejaVu Sans Mono" pitchFamily="49" charset="0"/>
+                <a:cs typeface="DejaVu Sans Mono" pitchFamily="49" charset="0"/>
+              </a:rPr>
+              <a:t>Args</a:t>
+            </a:r>
+            <a:r>
+              <a:rPr lang="en-US" dirty="0" smtClean="0">
+                <a:latin typeface="DejaVu Sans Mono" pitchFamily="49" charset="0"/>
+                <a:ea typeface="DejaVu Sans Mono" pitchFamily="49" charset="0"/>
+                <a:cs typeface="DejaVu Sans Mono" pitchFamily="49" charset="0"/>
+              </a:rPr>
+              <a:t>&gt;</a:t>
+            </a:r>
+            <a:br>
+              <a:rPr lang="en-US" dirty="0" smtClean="0">
+                <a:latin typeface="DejaVu Sans Mono" pitchFamily="49" charset="0"/>
+                <a:ea typeface="DejaVu Sans Mono" pitchFamily="49" charset="0"/>
+                <a:cs typeface="DejaVu Sans Mono" pitchFamily="49" charset="0"/>
+              </a:rPr>
+            </a:br>
+            <a:r>
+              <a:rPr lang="en-US" dirty="0" smtClean="0">
+                <a:latin typeface="DejaVu Sans Mono" pitchFamily="49" charset="0"/>
+                <a:ea typeface="DejaVu Sans Mono" pitchFamily="49" charset="0"/>
+                <a:cs typeface="DejaVu Sans Mono" pitchFamily="49" charset="0"/>
+              </a:rPr>
+              <a:t>auto sub (</a:t>
+            </a:r>
+            <a:r>
+              <a:rPr lang="en-US" dirty="0" err="1" smtClean="0">
+                <a:latin typeface="DejaVu Sans Mono" pitchFamily="49" charset="0"/>
+                <a:ea typeface="DejaVu Sans Mono" pitchFamily="49" charset="0"/>
+                <a:cs typeface="DejaVu Sans Mono" pitchFamily="49" charset="0"/>
+              </a:rPr>
+              <a:t>Args</a:t>
+            </a:r>
+            <a:r>
+              <a:rPr lang="en-US" dirty="0" smtClean="0">
+                <a:latin typeface="DejaVu Sans Mono" pitchFamily="49" charset="0"/>
+                <a:ea typeface="DejaVu Sans Mono" pitchFamily="49" charset="0"/>
+                <a:cs typeface="DejaVu Sans Mono" pitchFamily="49" charset="0"/>
+              </a:rPr>
+              <a:t>... </a:t>
+            </a:r>
+            <a:r>
+              <a:rPr lang="en-US" dirty="0" err="1" smtClean="0">
+                <a:latin typeface="DejaVu Sans Mono" pitchFamily="49" charset="0"/>
+                <a:ea typeface="DejaVu Sans Mono" pitchFamily="49" charset="0"/>
+                <a:cs typeface="DejaVu Sans Mono" pitchFamily="49" charset="0"/>
+              </a:rPr>
+              <a:t>args</a:t>
+            </a:r>
+            <a:r>
+              <a:rPr lang="en-US" dirty="0" smtClean="0">
+                <a:latin typeface="DejaVu Sans Mono" pitchFamily="49" charset="0"/>
+                <a:ea typeface="DejaVu Sans Mono" pitchFamily="49" charset="0"/>
+                <a:cs typeface="DejaVu Sans Mono" pitchFamily="49" charset="0"/>
+              </a:rPr>
+              <a:t>) {</a:t>
+            </a:r>
+            <a:br>
+              <a:rPr lang="en-US" dirty="0" smtClean="0">
+                <a:latin typeface="DejaVu Sans Mono" pitchFamily="49" charset="0"/>
+                <a:ea typeface="DejaVu Sans Mono" pitchFamily="49" charset="0"/>
+                <a:cs typeface="DejaVu Sans Mono" pitchFamily="49" charset="0"/>
+              </a:rPr>
+            </a:br>
+            <a:r>
+              <a:rPr lang="en-US" dirty="0" smtClean="0">
+                <a:latin typeface="DejaVu Sans Mono" pitchFamily="49" charset="0"/>
+                <a:ea typeface="DejaVu Sans Mono" pitchFamily="49" charset="0"/>
+                <a:cs typeface="DejaVu Sans Mono" pitchFamily="49" charset="0"/>
+              </a:rPr>
+              <a:t> </a:t>
+            </a:r>
+            <a:r>
+              <a:rPr lang="en-US" dirty="0" smtClean="0">
+                <a:latin typeface="DejaVu Sans Mono" pitchFamily="49" charset="0"/>
+                <a:ea typeface="DejaVu Sans Mono" pitchFamily="49" charset="0"/>
+                <a:cs typeface="DejaVu Sans Mono" pitchFamily="49" charset="0"/>
+              </a:rPr>
+              <a:t>   return </a:t>
+            </a:r>
+            <a:r>
+              <a:rPr lang="en-US" dirty="0" smtClean="0">
+                <a:latin typeface="DejaVu Sans Mono" pitchFamily="49" charset="0"/>
+                <a:ea typeface="DejaVu Sans Mono" pitchFamily="49" charset="0"/>
+                <a:cs typeface="DejaVu Sans Mono" pitchFamily="49" charset="0"/>
+              </a:rPr>
+              <a:t>(</a:t>
+            </a:r>
+            <a:r>
+              <a:rPr lang="en-US" dirty="0" err="1" smtClean="0">
+                <a:latin typeface="DejaVu Sans Mono" pitchFamily="49" charset="0"/>
+                <a:ea typeface="DejaVu Sans Mono" pitchFamily="49" charset="0"/>
+                <a:cs typeface="DejaVu Sans Mono" pitchFamily="49" charset="0"/>
+              </a:rPr>
+              <a:t>args</a:t>
+            </a:r>
+            <a:r>
+              <a:rPr lang="en-US" dirty="0" smtClean="0">
+                <a:latin typeface="DejaVu Sans Mono" pitchFamily="49" charset="0"/>
+                <a:ea typeface="DejaVu Sans Mono" pitchFamily="49" charset="0"/>
+                <a:cs typeface="DejaVu Sans Mono" pitchFamily="49" charset="0"/>
+              </a:rPr>
+              <a:t> - ... - 1);</a:t>
+            </a:r>
+            <a:br>
+              <a:rPr lang="en-US" dirty="0" smtClean="0">
+                <a:latin typeface="DejaVu Sans Mono" pitchFamily="49" charset="0"/>
+                <a:ea typeface="DejaVu Sans Mono" pitchFamily="49" charset="0"/>
+                <a:cs typeface="DejaVu Sans Mono" pitchFamily="49" charset="0"/>
+              </a:rPr>
+            </a:br>
+            <a:r>
+              <a:rPr lang="en-US" dirty="0" smtClean="0">
+                <a:latin typeface="DejaVu Sans Mono" pitchFamily="49" charset="0"/>
+                <a:ea typeface="DejaVu Sans Mono" pitchFamily="49" charset="0"/>
+                <a:cs typeface="DejaVu Sans Mono" pitchFamily="49" charset="0"/>
+              </a:rPr>
+              <a:t>}</a:t>
+            </a:r>
+            <a:endParaRPr lang="zh-CN" altLang="en-US" dirty="0">
+              <a:latin typeface="DejaVu Sans Mono" pitchFamily="49" charset="0"/>
+              <a:cs typeface="DejaVu Sans Mono" pitchFamily="49" charset="0"/>
+            </a:endParaRPr>
           </a:p>
         </p:txBody>
       </p:sp>
@@ -3626,9 +4260,218 @@
   <p:timing>
     <p:tnLst>
       <p:par>
-        <p:cTn id="1" dur="indefinite" restart="never" nodeType="tmRoot"/>
+        <p:cTn id="1" dur="indefinite" restart="never" nodeType="tmRoot">
+          <p:childTnLst>
+            <p:seq concurrent="1" nextAc="seek">
+              <p:cTn id="2" dur="indefinite" nodeType="mainSeq">
+                <p:childTnLst>
+                  <p:par>
+                    <p:cTn id="3" fill="hold">
+                      <p:stCondLst>
+                        <p:cond delay="indefinite"/>
+                      </p:stCondLst>
+                      <p:childTnLst>
+                        <p:par>
+                          <p:cTn id="4" fill="hold">
+                            <p:stCondLst>
+                              <p:cond delay="0"/>
+                            </p:stCondLst>
+                            <p:childTnLst>
+                              <p:par>
+                                <p:cTn id="5" presetID="2" presetClass="entr" presetSubtype="4" fill="hold" grpId="0" nodeType="clickEffect">
+                                  <p:stCondLst>
+                                    <p:cond delay="0"/>
+                                  </p:stCondLst>
+                                  <p:childTnLst>
+                                    <p:set>
+                                      <p:cBhvr>
+                                        <p:cTn id="6" dur="1" fill="hold">
+                                          <p:stCondLst>
+                                            <p:cond delay="0"/>
+                                          </p:stCondLst>
+                                        </p:cTn>
+                                        <p:tgtEl>
+                                          <p:spTgt spid="5"/>
+                                        </p:tgtEl>
+                                        <p:attrNameLst>
+                                          <p:attrName>style.visibility</p:attrName>
+                                        </p:attrNameLst>
+                                      </p:cBhvr>
+                                      <p:to>
+                                        <p:strVal val="visible"/>
+                                      </p:to>
+                                    </p:set>
+                                    <p:anim calcmode="lin" valueType="num">
+                                      <p:cBhvr additive="base">
+                                        <p:cTn id="7" dur="500" fill="hold"/>
+                                        <p:tgtEl>
+                                          <p:spTgt spid="5"/>
+                                        </p:tgtEl>
+                                        <p:attrNameLst>
+                                          <p:attrName>ppt_x</p:attrName>
+                                        </p:attrNameLst>
+                                      </p:cBhvr>
+                                      <p:tavLst>
+                                        <p:tav tm="0">
+                                          <p:val>
+                                            <p:strVal val="#ppt_x"/>
+                                          </p:val>
+                                        </p:tav>
+                                        <p:tav tm="100000">
+                                          <p:val>
+                                            <p:strVal val="#ppt_x"/>
+                                          </p:val>
+                                        </p:tav>
+                                      </p:tavLst>
+                                    </p:anim>
+                                    <p:anim calcmode="lin" valueType="num">
+                                      <p:cBhvr additive="base">
+                                        <p:cTn id="8" dur="500" fill="hold"/>
+                                        <p:tgtEl>
+                                          <p:spTgt spid="5"/>
+                                        </p:tgtEl>
+                                        <p:attrNameLst>
+                                          <p:attrName>ppt_y</p:attrName>
+                                        </p:attrNameLst>
+                                      </p:cBhvr>
+                                      <p:tavLst>
+                                        <p:tav tm="0">
+                                          <p:val>
+                                            <p:strVal val="1+#ppt_h/2"/>
+                                          </p:val>
+                                        </p:tav>
+                                        <p:tav tm="100000">
+                                          <p:val>
+                                            <p:strVal val="#ppt_y"/>
+                                          </p:val>
+                                        </p:tav>
+                                      </p:tavLst>
+                                    </p:anim>
+                                  </p:childTnLst>
+                                </p:cTn>
+                              </p:par>
+                            </p:childTnLst>
+                          </p:cTn>
+                        </p:par>
+                      </p:childTnLst>
+                    </p:cTn>
+                  </p:par>
+                  <p:par>
+                    <p:cTn id="9" fill="hold">
+                      <p:stCondLst>
+                        <p:cond delay="indefinite"/>
+                      </p:stCondLst>
+                      <p:childTnLst>
+                        <p:par>
+                          <p:cTn id="10" fill="hold">
+                            <p:stCondLst>
+                              <p:cond delay="0"/>
+                            </p:stCondLst>
+                            <p:childTnLst>
+                              <p:par>
+                                <p:cTn id="11" presetID="2" presetClass="entr" presetSubtype="4" fill="hold" grpId="0" nodeType="clickEffect">
+                                  <p:stCondLst>
+                                    <p:cond delay="0"/>
+                                  </p:stCondLst>
+                                  <p:childTnLst>
+                                    <p:set>
+                                      <p:cBhvr>
+                                        <p:cTn id="12" dur="1" fill="hold">
+                                          <p:stCondLst>
+                                            <p:cond delay="0"/>
+                                          </p:stCondLst>
+                                        </p:cTn>
+                                        <p:tgtEl>
+                                          <p:spTgt spid="6"/>
+                                        </p:tgtEl>
+                                        <p:attrNameLst>
+                                          <p:attrName>style.visibility</p:attrName>
+                                        </p:attrNameLst>
+                                      </p:cBhvr>
+                                      <p:to>
+                                        <p:strVal val="visible"/>
+                                      </p:to>
+                                    </p:set>
+                                    <p:anim calcmode="lin" valueType="num">
+                                      <p:cBhvr additive="base">
+                                        <p:cTn id="13" dur="500" fill="hold"/>
+                                        <p:tgtEl>
+                                          <p:spTgt spid="6"/>
+                                        </p:tgtEl>
+                                        <p:attrNameLst>
+                                          <p:attrName>ppt_x</p:attrName>
+                                        </p:attrNameLst>
+                                      </p:cBhvr>
+                                      <p:tavLst>
+                                        <p:tav tm="0">
+                                          <p:val>
+                                            <p:strVal val="#ppt_x"/>
+                                          </p:val>
+                                        </p:tav>
+                                        <p:tav tm="100000">
+                                          <p:val>
+                                            <p:strVal val="#ppt_x"/>
+                                          </p:val>
+                                        </p:tav>
+                                      </p:tavLst>
+                                    </p:anim>
+                                    <p:anim calcmode="lin" valueType="num">
+                                      <p:cBhvr additive="base">
+                                        <p:cTn id="14" dur="500" fill="hold"/>
+                                        <p:tgtEl>
+                                          <p:spTgt spid="6"/>
+                                        </p:tgtEl>
+                                        <p:attrNameLst>
+                                          <p:attrName>ppt_y</p:attrName>
+                                        </p:attrNameLst>
+                                      </p:cBhvr>
+                                      <p:tavLst>
+                                        <p:tav tm="0">
+                                          <p:val>
+                                            <p:strVal val="1+#ppt_h/2"/>
+                                          </p:val>
+                                        </p:tav>
+                                        <p:tav tm="100000">
+                                          <p:val>
+                                            <p:strVal val="#ppt_y"/>
+                                          </p:val>
+                                        </p:tav>
+                                      </p:tavLst>
+                                    </p:anim>
+                                  </p:childTnLst>
+                                </p:cTn>
+                              </p:par>
+                            </p:childTnLst>
+                          </p:cTn>
+                        </p:par>
+                      </p:childTnLst>
+                    </p:cTn>
+                  </p:par>
+                </p:childTnLst>
+              </p:cTn>
+              <p:prevCondLst>
+                <p:cond evt="onPrev" delay="0">
+                  <p:tgtEl>
+                    <p:sldTgt/>
+                  </p:tgtEl>
+                </p:cond>
+              </p:prevCondLst>
+              <p:nextCondLst>
+                <p:cond evt="onNext" delay="0">
+                  <p:tgtEl>
+                    <p:sldTgt/>
+                  </p:tgtEl>
+                </p:cond>
+              </p:nextCondLst>
+            </p:seq>
+          </p:childTnLst>
+        </p:cTn>
       </p:par>
     </p:tnLst>
+    <p:bldLst>
+      <p:bldP spid="5" grpId="0"/>
+      <p:bldP spid="6" grpId="0"/>
+    </p:bldLst>
   </p:timing>
 </p:sld>
 </file>
@@ -3668,10 +4511,14 @@
           <a:lstStyle/>
           <a:p>
             <a:r>
-              <a:rPr lang="en-US" altLang="zh-CN" dirty="0" err="1" smtClean="0"/>
-              <a:t>Static_assert</a:t>
-            </a:r>
-            <a:endParaRPr lang="zh-CN" altLang="en-US" dirty="0"/>
+              <a:rPr lang="en-US" altLang="zh-CN" dirty="0" smtClean="0"/>
+              <a:t>Fold </a:t>
+            </a:r>
+            <a:r>
+              <a:rPr lang="en-US" altLang="zh-CN" dirty="0" smtClean="0"/>
+              <a:t>Expression</a:t>
+            </a:r>
+            <a:endParaRPr lang="zh-CN" altLang="en-US" dirty="0" smtClean="0"/>
           </a:p>
         </p:txBody>
       </p:sp>
@@ -3690,7 +4537,706 @@
           <a:bodyPr/>
           <a:lstStyle/>
           <a:p>
-            <a:endParaRPr lang="zh-CN" altLang="en-US"/>
+            <a:endParaRPr lang="zh-CN" altLang="en-US" dirty="0"/>
+          </a:p>
+        </p:txBody>
+      </p:sp>
+      <p:sp>
+        <p:nvSpPr>
+          <p:cNvPr id="7" name="矩形 6"/>
+          <p:cNvSpPr/>
+          <p:nvPr/>
+        </p:nvSpPr>
+        <p:spPr>
+          <a:xfrm>
+            <a:off x="332507" y="1277310"/>
+            <a:ext cx="7797340" cy="1754326"/>
+          </a:xfrm>
+          <a:prstGeom prst="rect">
+            <a:avLst/>
+          </a:prstGeom>
+        </p:spPr>
+        <p:txBody>
+          <a:bodyPr wrap="square">
+            <a:spAutoFit/>
+          </a:bodyPr>
+          <a:lstStyle/>
+          <a:p>
+            <a:r>
+              <a:rPr lang="en-US" altLang="zh-CN" dirty="0" smtClean="0">
+                <a:latin typeface="DejaVu Sans Mono" pitchFamily="49" charset="0"/>
+                <a:ea typeface="DejaVu Sans Mono" pitchFamily="49" charset="0"/>
+                <a:cs typeface="DejaVu Sans Mono" pitchFamily="49" charset="0"/>
+              </a:rPr>
+              <a:t>//</a:t>
+            </a:r>
+            <a:r>
+              <a:rPr lang="en-US" altLang="zh-CN" dirty="0" err="1" smtClean="0">
+                <a:latin typeface="DejaVu Sans Mono" pitchFamily="49" charset="0"/>
+                <a:ea typeface="DejaVu Sans Mono" pitchFamily="49" charset="0"/>
+                <a:cs typeface="DejaVu Sans Mono" pitchFamily="49" charset="0"/>
+              </a:rPr>
+              <a:t>c++</a:t>
+            </a:r>
+            <a:r>
+              <a:rPr lang="en-US" altLang="zh-CN" dirty="0" smtClean="0">
+                <a:latin typeface="DejaVu Sans Mono" pitchFamily="49" charset="0"/>
+                <a:ea typeface="DejaVu Sans Mono" pitchFamily="49" charset="0"/>
+                <a:cs typeface="DejaVu Sans Mono" pitchFamily="49" charset="0"/>
+              </a:rPr>
+              <a:t>11</a:t>
+            </a:r>
+          </a:p>
+          <a:p>
+            <a:r>
+              <a:rPr lang="en-US" altLang="zh-CN" dirty="0" smtClean="0">
+                <a:latin typeface="DejaVu Sans Mono" pitchFamily="49" charset="0"/>
+                <a:ea typeface="DejaVu Sans Mono" pitchFamily="49" charset="0"/>
+                <a:cs typeface="DejaVu Sans Mono" pitchFamily="49" charset="0"/>
+              </a:rPr>
+              <a:t>template&lt;</a:t>
+            </a:r>
+            <a:r>
+              <a:rPr lang="en-US" altLang="zh-CN" dirty="0" err="1" smtClean="0">
+                <a:latin typeface="DejaVu Sans Mono" pitchFamily="49" charset="0"/>
+                <a:ea typeface="DejaVu Sans Mono" pitchFamily="49" charset="0"/>
+                <a:cs typeface="DejaVu Sans Mono" pitchFamily="49" charset="0"/>
+              </a:rPr>
+              <a:t>typename</a:t>
+            </a:r>
+            <a:r>
+              <a:rPr lang="en-US" altLang="zh-CN" dirty="0" smtClean="0">
+                <a:latin typeface="DejaVu Sans Mono" pitchFamily="49" charset="0"/>
+                <a:ea typeface="DejaVu Sans Mono" pitchFamily="49" charset="0"/>
+                <a:cs typeface="DejaVu Sans Mono" pitchFamily="49" charset="0"/>
+              </a:rPr>
+              <a:t>... </a:t>
+            </a:r>
+            <a:r>
+              <a:rPr lang="en-US" altLang="zh-CN" dirty="0" err="1" smtClean="0">
+                <a:latin typeface="DejaVu Sans Mono" pitchFamily="49" charset="0"/>
+                <a:ea typeface="DejaVu Sans Mono" pitchFamily="49" charset="0"/>
+                <a:cs typeface="DejaVu Sans Mono" pitchFamily="49" charset="0"/>
+              </a:rPr>
+              <a:t>Args</a:t>
+            </a:r>
+            <a:r>
+              <a:rPr lang="en-US" altLang="zh-CN" dirty="0" smtClean="0">
+                <a:latin typeface="DejaVu Sans Mono" pitchFamily="49" charset="0"/>
+                <a:ea typeface="DejaVu Sans Mono" pitchFamily="49" charset="0"/>
+                <a:cs typeface="DejaVu Sans Mono" pitchFamily="49" charset="0"/>
+              </a:rPr>
+              <a:t>&gt;</a:t>
+            </a:r>
+          </a:p>
+          <a:p>
+            <a:r>
+              <a:rPr lang="en-US" altLang="zh-CN" dirty="0" smtClean="0">
+                <a:latin typeface="DejaVu Sans Mono" pitchFamily="49" charset="0"/>
+                <a:ea typeface="DejaVu Sans Mono" pitchFamily="49" charset="0"/>
+                <a:cs typeface="DejaVu Sans Mono" pitchFamily="49" charset="0"/>
+              </a:rPr>
+              <a:t>void </a:t>
+            </a:r>
+            <a:r>
+              <a:rPr lang="en-US" altLang="zh-CN" dirty="0" smtClean="0">
+                <a:latin typeface="DejaVu Sans Mono" pitchFamily="49" charset="0"/>
+                <a:ea typeface="DejaVu Sans Mono" pitchFamily="49" charset="0"/>
+                <a:cs typeface="DejaVu Sans Mono" pitchFamily="49" charset="0"/>
+              </a:rPr>
+              <a:t>print(</a:t>
+            </a:r>
+            <a:r>
+              <a:rPr lang="en-US" altLang="zh-CN" dirty="0" err="1" smtClean="0">
+                <a:latin typeface="DejaVu Sans Mono" pitchFamily="49" charset="0"/>
+                <a:ea typeface="DejaVu Sans Mono" pitchFamily="49" charset="0"/>
+                <a:cs typeface="DejaVu Sans Mono" pitchFamily="49" charset="0"/>
+              </a:rPr>
+              <a:t>Args</a:t>
+            </a:r>
+            <a:r>
+              <a:rPr lang="en-US" altLang="zh-CN" dirty="0" smtClean="0">
+                <a:latin typeface="DejaVu Sans Mono" pitchFamily="49" charset="0"/>
+                <a:ea typeface="DejaVu Sans Mono" pitchFamily="49" charset="0"/>
+                <a:cs typeface="DejaVu Sans Mono" pitchFamily="49" charset="0"/>
+              </a:rPr>
+              <a:t>... </a:t>
+            </a:r>
+            <a:r>
+              <a:rPr lang="en-US" altLang="zh-CN" dirty="0" err="1" smtClean="0">
+                <a:latin typeface="DejaVu Sans Mono" pitchFamily="49" charset="0"/>
+                <a:ea typeface="DejaVu Sans Mono" pitchFamily="49" charset="0"/>
+                <a:cs typeface="DejaVu Sans Mono" pitchFamily="49" charset="0"/>
+              </a:rPr>
+              <a:t>Args</a:t>
+            </a:r>
+            <a:r>
+              <a:rPr lang="en-US" altLang="zh-CN" dirty="0" smtClean="0">
+                <a:latin typeface="DejaVu Sans Mono" pitchFamily="49" charset="0"/>
+                <a:ea typeface="DejaVu Sans Mono" pitchFamily="49" charset="0"/>
+                <a:cs typeface="DejaVu Sans Mono" pitchFamily="49" charset="0"/>
+              </a:rPr>
+              <a:t>){</a:t>
+            </a:r>
+            <a:endParaRPr lang="en-US" altLang="zh-CN" dirty="0" smtClean="0">
+              <a:latin typeface="DejaVu Sans Mono" pitchFamily="49" charset="0"/>
+              <a:ea typeface="DejaVu Sans Mono" pitchFamily="49" charset="0"/>
+              <a:cs typeface="DejaVu Sans Mono" pitchFamily="49" charset="0"/>
+            </a:endParaRPr>
+          </a:p>
+          <a:p>
+            <a:r>
+              <a:rPr lang="en-US" altLang="zh-CN" dirty="0" smtClean="0">
+                <a:latin typeface="DejaVu Sans Mono" pitchFamily="49" charset="0"/>
+                <a:ea typeface="DejaVu Sans Mono" pitchFamily="49" charset="0"/>
+                <a:cs typeface="DejaVu Sans Mono" pitchFamily="49" charset="0"/>
+              </a:rPr>
+              <a:t> </a:t>
+            </a:r>
+            <a:r>
+              <a:rPr lang="en-US" altLang="zh-CN" dirty="0" smtClean="0">
+                <a:latin typeface="DejaVu Sans Mono" pitchFamily="49" charset="0"/>
+                <a:ea typeface="DejaVu Sans Mono" pitchFamily="49" charset="0"/>
+                <a:cs typeface="DejaVu Sans Mono" pitchFamily="49" charset="0"/>
+              </a:rPr>
+              <a:t>   std</a:t>
+            </a:r>
+            <a:r>
+              <a:rPr lang="en-US" altLang="zh-CN" dirty="0" smtClean="0">
+                <a:latin typeface="DejaVu Sans Mono" pitchFamily="49" charset="0"/>
+                <a:ea typeface="DejaVu Sans Mono" pitchFamily="49" charset="0"/>
+                <a:cs typeface="DejaVu Sans Mono" pitchFamily="49" charset="0"/>
+              </a:rPr>
+              <a:t>::</a:t>
+            </a:r>
+            <a:r>
+              <a:rPr lang="en-US" altLang="zh-CN" dirty="0" err="1" smtClean="0">
+                <a:latin typeface="DejaVu Sans Mono" pitchFamily="49" charset="0"/>
+                <a:ea typeface="DejaVu Sans Mono" pitchFamily="49" charset="0"/>
+                <a:cs typeface="DejaVu Sans Mono" pitchFamily="49" charset="0"/>
+              </a:rPr>
+              <a:t>initializer_list</a:t>
+            </a:r>
+            <a:r>
+              <a:rPr lang="en-US" altLang="zh-CN" dirty="0" smtClean="0">
+                <a:latin typeface="DejaVu Sans Mono" pitchFamily="49" charset="0"/>
+                <a:ea typeface="DejaVu Sans Mono" pitchFamily="49" charset="0"/>
+                <a:cs typeface="DejaVu Sans Mono" pitchFamily="49" charset="0"/>
+              </a:rPr>
+              <a:t>&lt;</a:t>
+            </a:r>
+            <a:r>
+              <a:rPr lang="en-US" altLang="zh-CN" dirty="0" err="1" smtClean="0">
+                <a:latin typeface="DejaVu Sans Mono" pitchFamily="49" charset="0"/>
+                <a:ea typeface="DejaVu Sans Mono" pitchFamily="49" charset="0"/>
+                <a:cs typeface="DejaVu Sans Mono" pitchFamily="49" charset="0"/>
+              </a:rPr>
+              <a:t>int</a:t>
+            </a:r>
+            <a:r>
+              <a:rPr lang="en-US" altLang="zh-CN" dirty="0" smtClean="0">
+                <a:latin typeface="DejaVu Sans Mono" pitchFamily="49" charset="0"/>
+                <a:ea typeface="DejaVu Sans Mono" pitchFamily="49" charset="0"/>
+                <a:cs typeface="DejaVu Sans Mono" pitchFamily="49" charset="0"/>
+              </a:rPr>
+              <a:t>&gt;{(std::</a:t>
+            </a:r>
+            <a:r>
+              <a:rPr lang="en-US" altLang="zh-CN" dirty="0" err="1" smtClean="0">
+                <a:latin typeface="DejaVu Sans Mono" pitchFamily="49" charset="0"/>
+                <a:ea typeface="DejaVu Sans Mono" pitchFamily="49" charset="0"/>
+                <a:cs typeface="DejaVu Sans Mono" pitchFamily="49" charset="0"/>
+              </a:rPr>
+              <a:t>cout</a:t>
+            </a:r>
+            <a:r>
+              <a:rPr lang="en-US" altLang="zh-CN" dirty="0" smtClean="0">
+                <a:latin typeface="DejaVu Sans Mono" pitchFamily="49" charset="0"/>
+                <a:ea typeface="DejaVu Sans Mono" pitchFamily="49" charset="0"/>
+                <a:cs typeface="DejaVu Sans Mono" pitchFamily="49" charset="0"/>
+              </a:rPr>
+              <a:t> &lt;&lt; </a:t>
+            </a:r>
+            <a:r>
+              <a:rPr lang="en-US" altLang="zh-CN" dirty="0" err="1" smtClean="0">
+                <a:latin typeface="DejaVu Sans Mono" pitchFamily="49" charset="0"/>
+                <a:ea typeface="DejaVu Sans Mono" pitchFamily="49" charset="0"/>
+                <a:cs typeface="DejaVu Sans Mono" pitchFamily="49" charset="0"/>
+              </a:rPr>
+              <a:t>args</a:t>
+            </a:r>
+            <a:r>
+              <a:rPr lang="en-US" altLang="zh-CN" dirty="0" smtClean="0">
+                <a:latin typeface="DejaVu Sans Mono" pitchFamily="49" charset="0"/>
+                <a:ea typeface="DejaVu Sans Mono" pitchFamily="49" charset="0"/>
+                <a:cs typeface="DejaVu Sans Mono" pitchFamily="49" charset="0"/>
+              </a:rPr>
+              <a:t>&lt;&lt;std::</a:t>
+            </a:r>
+            <a:r>
+              <a:rPr lang="en-US" altLang="zh-CN" dirty="0" err="1" smtClean="0">
+                <a:latin typeface="DejaVu Sans Mono" pitchFamily="49" charset="0"/>
+                <a:ea typeface="DejaVu Sans Mono" pitchFamily="49" charset="0"/>
+                <a:cs typeface="DejaVu Sans Mono" pitchFamily="49" charset="0"/>
+              </a:rPr>
+              <a:t>endl</a:t>
+            </a:r>
+            <a:r>
+              <a:rPr lang="en-US" altLang="zh-CN" dirty="0" smtClean="0">
+                <a:latin typeface="DejaVu Sans Mono" pitchFamily="49" charset="0"/>
+                <a:ea typeface="DejaVu Sans Mono" pitchFamily="49" charset="0"/>
+                <a:cs typeface="DejaVu Sans Mono" pitchFamily="49" charset="0"/>
+              </a:rPr>
+              <a:t>, 0)...};</a:t>
+            </a:r>
+          </a:p>
+          <a:p>
+            <a:r>
+              <a:rPr lang="en-US" altLang="zh-CN" dirty="0" smtClean="0">
+                <a:latin typeface="DejaVu Sans Mono" pitchFamily="49" charset="0"/>
+                <a:ea typeface="DejaVu Sans Mono" pitchFamily="49" charset="0"/>
+                <a:cs typeface="DejaVu Sans Mono" pitchFamily="49" charset="0"/>
+              </a:rPr>
+              <a:t>}</a:t>
+            </a:r>
+            <a:endParaRPr lang="zh-CN" altLang="en-US" dirty="0">
+              <a:latin typeface="DejaVu Sans Mono" pitchFamily="49" charset="0"/>
+              <a:cs typeface="DejaVu Sans Mono" pitchFamily="49" charset="0"/>
+            </a:endParaRPr>
+          </a:p>
+        </p:txBody>
+      </p:sp>
+      <p:sp>
+        <p:nvSpPr>
+          <p:cNvPr id="8" name="矩形 7"/>
+          <p:cNvSpPr/>
+          <p:nvPr/>
+        </p:nvSpPr>
+        <p:spPr>
+          <a:xfrm>
+            <a:off x="374074" y="3144719"/>
+            <a:ext cx="5611090" cy="1477328"/>
+          </a:xfrm>
+          <a:prstGeom prst="rect">
+            <a:avLst/>
+          </a:prstGeom>
+        </p:spPr>
+        <p:txBody>
+          <a:bodyPr wrap="square">
+            <a:spAutoFit/>
+          </a:bodyPr>
+          <a:lstStyle/>
+          <a:p>
+            <a:r>
+              <a:rPr lang="en-US" altLang="zh-CN" dirty="0" smtClean="0">
+                <a:latin typeface="DejaVu Sans Mono" pitchFamily="49" charset="0"/>
+                <a:ea typeface="DejaVu Sans Mono" pitchFamily="49" charset="0"/>
+                <a:cs typeface="DejaVu Sans Mono" pitchFamily="49" charset="0"/>
+              </a:rPr>
+              <a:t>//</a:t>
+            </a:r>
+            <a:r>
+              <a:rPr lang="en-US" altLang="zh-CN" dirty="0" err="1" smtClean="0">
+                <a:latin typeface="DejaVu Sans Mono" pitchFamily="49" charset="0"/>
+                <a:ea typeface="DejaVu Sans Mono" pitchFamily="49" charset="0"/>
+                <a:cs typeface="DejaVu Sans Mono" pitchFamily="49" charset="0"/>
+              </a:rPr>
+              <a:t>c++</a:t>
+            </a:r>
+            <a:r>
+              <a:rPr lang="en-US" altLang="zh-CN" dirty="0" smtClean="0">
+                <a:latin typeface="DejaVu Sans Mono" pitchFamily="49" charset="0"/>
+                <a:ea typeface="DejaVu Sans Mono" pitchFamily="49" charset="0"/>
+                <a:cs typeface="DejaVu Sans Mono" pitchFamily="49" charset="0"/>
+              </a:rPr>
+              <a:t>17 unary fold</a:t>
+            </a:r>
+          </a:p>
+          <a:p>
+            <a:r>
+              <a:rPr lang="en-US" altLang="zh-CN" dirty="0" smtClean="0">
+                <a:latin typeface="DejaVu Sans Mono" pitchFamily="49" charset="0"/>
+                <a:ea typeface="DejaVu Sans Mono" pitchFamily="49" charset="0"/>
+                <a:cs typeface="DejaVu Sans Mono" pitchFamily="49" charset="0"/>
+              </a:rPr>
+              <a:t>template&lt;</a:t>
+            </a:r>
+            <a:r>
+              <a:rPr lang="en-US" altLang="zh-CN" dirty="0" err="1" smtClean="0">
+                <a:latin typeface="DejaVu Sans Mono" pitchFamily="49" charset="0"/>
+                <a:ea typeface="DejaVu Sans Mono" pitchFamily="49" charset="0"/>
+                <a:cs typeface="DejaVu Sans Mono" pitchFamily="49" charset="0"/>
+              </a:rPr>
+              <a:t>typename</a:t>
+            </a:r>
+            <a:r>
+              <a:rPr lang="en-US" altLang="zh-CN" dirty="0" smtClean="0">
+                <a:latin typeface="DejaVu Sans Mono" pitchFamily="49" charset="0"/>
+                <a:ea typeface="DejaVu Sans Mono" pitchFamily="49" charset="0"/>
+                <a:cs typeface="DejaVu Sans Mono" pitchFamily="49" charset="0"/>
+              </a:rPr>
+              <a:t>... </a:t>
+            </a:r>
+            <a:r>
+              <a:rPr lang="en-US" altLang="zh-CN" dirty="0" err="1" smtClean="0">
+                <a:latin typeface="DejaVu Sans Mono" pitchFamily="49" charset="0"/>
+                <a:ea typeface="DejaVu Sans Mono" pitchFamily="49" charset="0"/>
+                <a:cs typeface="DejaVu Sans Mono" pitchFamily="49" charset="0"/>
+              </a:rPr>
+              <a:t>Args</a:t>
+            </a:r>
+            <a:r>
+              <a:rPr lang="en-US" altLang="zh-CN" dirty="0" smtClean="0">
+                <a:latin typeface="DejaVu Sans Mono" pitchFamily="49" charset="0"/>
+                <a:ea typeface="DejaVu Sans Mono" pitchFamily="49" charset="0"/>
+                <a:cs typeface="DejaVu Sans Mono" pitchFamily="49" charset="0"/>
+              </a:rPr>
+              <a:t>&gt;</a:t>
+            </a:r>
+          </a:p>
+          <a:p>
+            <a:r>
+              <a:rPr lang="en-US" altLang="zh-CN" dirty="0" smtClean="0">
+                <a:latin typeface="DejaVu Sans Mono" pitchFamily="49" charset="0"/>
+                <a:ea typeface="DejaVu Sans Mono" pitchFamily="49" charset="0"/>
+                <a:cs typeface="DejaVu Sans Mono" pitchFamily="49" charset="0"/>
+              </a:rPr>
+              <a:t>void </a:t>
+            </a:r>
+            <a:r>
+              <a:rPr lang="en-US" altLang="zh-CN" dirty="0" smtClean="0">
+                <a:latin typeface="DejaVu Sans Mono" pitchFamily="49" charset="0"/>
+                <a:ea typeface="DejaVu Sans Mono" pitchFamily="49" charset="0"/>
+                <a:cs typeface="DejaVu Sans Mono" pitchFamily="49" charset="0"/>
+              </a:rPr>
+              <a:t>print(</a:t>
+            </a:r>
+            <a:r>
+              <a:rPr lang="en-US" altLang="zh-CN" dirty="0" err="1" smtClean="0">
+                <a:latin typeface="DejaVu Sans Mono" pitchFamily="49" charset="0"/>
+                <a:ea typeface="DejaVu Sans Mono" pitchFamily="49" charset="0"/>
+                <a:cs typeface="DejaVu Sans Mono" pitchFamily="49" charset="0"/>
+              </a:rPr>
+              <a:t>Args</a:t>
+            </a:r>
+            <a:r>
+              <a:rPr lang="en-US" altLang="zh-CN" dirty="0" smtClean="0">
+                <a:latin typeface="DejaVu Sans Mono" pitchFamily="49" charset="0"/>
+                <a:ea typeface="DejaVu Sans Mono" pitchFamily="49" charset="0"/>
+                <a:cs typeface="DejaVu Sans Mono" pitchFamily="49" charset="0"/>
+              </a:rPr>
+              <a:t>... </a:t>
+            </a:r>
+            <a:r>
+              <a:rPr lang="en-US" altLang="zh-CN" dirty="0" err="1" smtClean="0">
+                <a:latin typeface="DejaVu Sans Mono" pitchFamily="49" charset="0"/>
+                <a:ea typeface="DejaVu Sans Mono" pitchFamily="49" charset="0"/>
+                <a:cs typeface="DejaVu Sans Mono" pitchFamily="49" charset="0"/>
+              </a:rPr>
+              <a:t>args</a:t>
+            </a:r>
+            <a:r>
+              <a:rPr lang="en-US" altLang="zh-CN" dirty="0" smtClean="0">
+                <a:latin typeface="DejaVu Sans Mono" pitchFamily="49" charset="0"/>
+                <a:ea typeface="DejaVu Sans Mono" pitchFamily="49" charset="0"/>
+                <a:cs typeface="DejaVu Sans Mono" pitchFamily="49" charset="0"/>
+              </a:rPr>
+              <a:t>) {</a:t>
+            </a:r>
+          </a:p>
+          <a:p>
+            <a:r>
+              <a:rPr lang="en-US" altLang="zh-CN" dirty="0" smtClean="0">
+                <a:latin typeface="DejaVu Sans Mono" pitchFamily="49" charset="0"/>
+                <a:ea typeface="DejaVu Sans Mono" pitchFamily="49" charset="0"/>
+                <a:cs typeface="DejaVu Sans Mono" pitchFamily="49" charset="0"/>
+              </a:rPr>
+              <a:t>    ((std::</a:t>
+            </a:r>
+            <a:r>
+              <a:rPr lang="en-US" altLang="zh-CN" dirty="0" err="1" smtClean="0">
+                <a:latin typeface="DejaVu Sans Mono" pitchFamily="49" charset="0"/>
+                <a:ea typeface="DejaVu Sans Mono" pitchFamily="49" charset="0"/>
+                <a:cs typeface="DejaVu Sans Mono" pitchFamily="49" charset="0"/>
+              </a:rPr>
+              <a:t>cout</a:t>
+            </a:r>
+            <a:r>
+              <a:rPr lang="en-US" altLang="zh-CN" dirty="0" smtClean="0">
+                <a:latin typeface="DejaVu Sans Mono" pitchFamily="49" charset="0"/>
+                <a:ea typeface="DejaVu Sans Mono" pitchFamily="49" charset="0"/>
+                <a:cs typeface="DejaVu Sans Mono" pitchFamily="49" charset="0"/>
+              </a:rPr>
+              <a:t>&lt;&lt;</a:t>
+            </a:r>
+            <a:r>
+              <a:rPr lang="en-US" altLang="zh-CN" dirty="0" err="1" smtClean="0">
+                <a:latin typeface="DejaVu Sans Mono" pitchFamily="49" charset="0"/>
+                <a:ea typeface="DejaVu Sans Mono" pitchFamily="49" charset="0"/>
+                <a:cs typeface="DejaVu Sans Mono" pitchFamily="49" charset="0"/>
+              </a:rPr>
+              <a:t>args</a:t>
+            </a:r>
+            <a:r>
+              <a:rPr lang="en-US" altLang="zh-CN" dirty="0" smtClean="0">
+                <a:latin typeface="DejaVu Sans Mono" pitchFamily="49" charset="0"/>
+                <a:ea typeface="DejaVu Sans Mono" pitchFamily="49" charset="0"/>
+                <a:cs typeface="DejaVu Sans Mono" pitchFamily="49" charset="0"/>
+              </a:rPr>
+              <a:t>&lt;&lt;std::</a:t>
+            </a:r>
+            <a:r>
+              <a:rPr lang="en-US" altLang="zh-CN" dirty="0" err="1" smtClean="0">
+                <a:latin typeface="DejaVu Sans Mono" pitchFamily="49" charset="0"/>
+                <a:ea typeface="DejaVu Sans Mono" pitchFamily="49" charset="0"/>
+                <a:cs typeface="DejaVu Sans Mono" pitchFamily="49" charset="0"/>
+              </a:rPr>
+              <a:t>endl</a:t>
+            </a:r>
+            <a:r>
+              <a:rPr lang="en-US" altLang="zh-CN" dirty="0" smtClean="0">
+                <a:latin typeface="DejaVu Sans Mono" pitchFamily="49" charset="0"/>
+                <a:ea typeface="DejaVu Sans Mono" pitchFamily="49" charset="0"/>
+                <a:cs typeface="DejaVu Sans Mono" pitchFamily="49" charset="0"/>
+              </a:rPr>
+              <a:t>), ...);</a:t>
+            </a:r>
+          </a:p>
+          <a:p>
+            <a:r>
+              <a:rPr lang="en-US" altLang="zh-CN" dirty="0" smtClean="0">
+                <a:latin typeface="DejaVu Sans Mono" pitchFamily="49" charset="0"/>
+                <a:ea typeface="DejaVu Sans Mono" pitchFamily="49" charset="0"/>
+                <a:cs typeface="DejaVu Sans Mono" pitchFamily="49" charset="0"/>
+              </a:rPr>
+              <a:t>}</a:t>
+            </a:r>
+            <a:endParaRPr lang="zh-CN" altLang="en-US" dirty="0">
+              <a:latin typeface="DejaVu Sans Mono" pitchFamily="49" charset="0"/>
+              <a:cs typeface="DejaVu Sans Mono" pitchFamily="49" charset="0"/>
+            </a:endParaRPr>
+          </a:p>
+        </p:txBody>
+      </p:sp>
+      <p:sp>
+        <p:nvSpPr>
+          <p:cNvPr id="9" name="矩形 8"/>
+          <p:cNvSpPr/>
+          <p:nvPr/>
+        </p:nvSpPr>
+        <p:spPr>
+          <a:xfrm>
+            <a:off x="423948" y="4782327"/>
+            <a:ext cx="6774873" cy="1477328"/>
+          </a:xfrm>
+          <a:prstGeom prst="rect">
+            <a:avLst/>
+          </a:prstGeom>
+        </p:spPr>
+        <p:txBody>
+          <a:bodyPr wrap="square">
+            <a:spAutoFit/>
+          </a:bodyPr>
+          <a:lstStyle/>
+          <a:p>
+            <a:r>
+              <a:rPr lang="en-US" dirty="0" smtClean="0">
+                <a:latin typeface="DejaVu Sans Mono" pitchFamily="49" charset="0"/>
+                <a:ea typeface="DejaVu Sans Mono" pitchFamily="49" charset="0"/>
+                <a:cs typeface="DejaVu Sans Mono" pitchFamily="49" charset="0"/>
+              </a:rPr>
+              <a:t>//</a:t>
+            </a:r>
+            <a:r>
+              <a:rPr lang="en-US" dirty="0" err="1" smtClean="0">
+                <a:latin typeface="DejaVu Sans Mono" pitchFamily="49" charset="0"/>
+                <a:ea typeface="DejaVu Sans Mono" pitchFamily="49" charset="0"/>
+                <a:cs typeface="DejaVu Sans Mono" pitchFamily="49" charset="0"/>
+              </a:rPr>
+              <a:t>c++</a:t>
+            </a:r>
+            <a:r>
+              <a:rPr lang="en-US" dirty="0" smtClean="0">
+                <a:latin typeface="DejaVu Sans Mono" pitchFamily="49" charset="0"/>
+                <a:ea typeface="DejaVu Sans Mono" pitchFamily="49" charset="0"/>
+                <a:cs typeface="DejaVu Sans Mono" pitchFamily="49" charset="0"/>
+              </a:rPr>
+              <a:t>17 binary fold</a:t>
+            </a:r>
+          </a:p>
+          <a:p>
+            <a:r>
+              <a:rPr lang="en-US" dirty="0" smtClean="0">
+                <a:latin typeface="DejaVu Sans Mono" pitchFamily="49" charset="0"/>
+                <a:ea typeface="DejaVu Sans Mono" pitchFamily="49" charset="0"/>
+                <a:cs typeface="DejaVu Sans Mono" pitchFamily="49" charset="0"/>
+              </a:rPr>
+              <a:t>template&lt;</a:t>
+            </a:r>
+            <a:r>
+              <a:rPr lang="en-US" dirty="0" err="1" smtClean="0">
+                <a:latin typeface="DejaVu Sans Mono" pitchFamily="49" charset="0"/>
+                <a:ea typeface="DejaVu Sans Mono" pitchFamily="49" charset="0"/>
+                <a:cs typeface="DejaVu Sans Mono" pitchFamily="49" charset="0"/>
+              </a:rPr>
+              <a:t>typename</a:t>
+            </a:r>
+            <a:r>
+              <a:rPr lang="en-US" dirty="0" smtClean="0">
+                <a:latin typeface="DejaVu Sans Mono" pitchFamily="49" charset="0"/>
+                <a:ea typeface="DejaVu Sans Mono" pitchFamily="49" charset="0"/>
+                <a:cs typeface="DejaVu Sans Mono" pitchFamily="49" charset="0"/>
+              </a:rPr>
+              <a:t> </a:t>
+            </a:r>
+            <a:r>
+              <a:rPr lang="en-US" dirty="0" smtClean="0">
+                <a:latin typeface="DejaVu Sans Mono" pitchFamily="49" charset="0"/>
+                <a:ea typeface="DejaVu Sans Mono" pitchFamily="49" charset="0"/>
+                <a:cs typeface="DejaVu Sans Mono" pitchFamily="49" charset="0"/>
+              </a:rPr>
+              <a:t>...</a:t>
+            </a:r>
+            <a:r>
+              <a:rPr lang="en-US" dirty="0" err="1" smtClean="0">
+                <a:latin typeface="DejaVu Sans Mono" pitchFamily="49" charset="0"/>
+                <a:ea typeface="DejaVu Sans Mono" pitchFamily="49" charset="0"/>
+                <a:cs typeface="DejaVu Sans Mono" pitchFamily="49" charset="0"/>
+              </a:rPr>
+              <a:t>Args</a:t>
+            </a:r>
+            <a:r>
+              <a:rPr lang="en-US" dirty="0" smtClean="0">
+                <a:latin typeface="DejaVu Sans Mono" pitchFamily="49" charset="0"/>
+                <a:ea typeface="DejaVu Sans Mono" pitchFamily="49" charset="0"/>
+                <a:cs typeface="DejaVu Sans Mono" pitchFamily="49" charset="0"/>
+              </a:rPr>
+              <a:t>&gt;</a:t>
+            </a:r>
+            <a:br>
+              <a:rPr lang="en-US" dirty="0" smtClean="0">
+                <a:latin typeface="DejaVu Sans Mono" pitchFamily="49" charset="0"/>
+                <a:ea typeface="DejaVu Sans Mono" pitchFamily="49" charset="0"/>
+                <a:cs typeface="DejaVu Sans Mono" pitchFamily="49" charset="0"/>
+              </a:rPr>
+            </a:br>
+            <a:r>
+              <a:rPr lang="en-US" dirty="0" smtClean="0">
+                <a:latin typeface="DejaVu Sans Mono" pitchFamily="49" charset="0"/>
+                <a:ea typeface="DejaVu Sans Mono" pitchFamily="49" charset="0"/>
+                <a:cs typeface="DejaVu Sans Mono" pitchFamily="49" charset="0"/>
+              </a:rPr>
+              <a:t>void print(</a:t>
+            </a:r>
+            <a:r>
+              <a:rPr lang="en-US" dirty="0" err="1" smtClean="0">
+                <a:latin typeface="DejaVu Sans Mono" pitchFamily="49" charset="0"/>
+                <a:ea typeface="DejaVu Sans Mono" pitchFamily="49" charset="0"/>
+                <a:cs typeface="DejaVu Sans Mono" pitchFamily="49" charset="0"/>
+              </a:rPr>
+              <a:t>Args</a:t>
+            </a:r>
+            <a:r>
+              <a:rPr lang="en-US" dirty="0" smtClean="0">
+                <a:latin typeface="DejaVu Sans Mono" pitchFamily="49" charset="0"/>
+                <a:ea typeface="DejaVu Sans Mono" pitchFamily="49" charset="0"/>
+                <a:cs typeface="DejaVu Sans Mono" pitchFamily="49" charset="0"/>
+              </a:rPr>
+              <a:t>&amp;&amp;... </a:t>
+            </a:r>
+            <a:r>
+              <a:rPr lang="en-US" dirty="0" err="1" smtClean="0">
+                <a:latin typeface="DejaVu Sans Mono" pitchFamily="49" charset="0"/>
+                <a:ea typeface="DejaVu Sans Mono" pitchFamily="49" charset="0"/>
+                <a:cs typeface="DejaVu Sans Mono" pitchFamily="49" charset="0"/>
+              </a:rPr>
+              <a:t>args</a:t>
+            </a:r>
+            <a:r>
+              <a:rPr lang="en-US" dirty="0" smtClean="0">
+                <a:latin typeface="DejaVu Sans Mono" pitchFamily="49" charset="0"/>
+                <a:ea typeface="DejaVu Sans Mono" pitchFamily="49" charset="0"/>
+                <a:cs typeface="DejaVu Sans Mono" pitchFamily="49" charset="0"/>
+              </a:rPr>
+              <a:t>) </a:t>
+            </a:r>
+            <a:r>
+              <a:rPr lang="en-US" dirty="0" smtClean="0">
+                <a:latin typeface="DejaVu Sans Mono" pitchFamily="49" charset="0"/>
+                <a:ea typeface="DejaVu Sans Mono" pitchFamily="49" charset="0"/>
+                <a:cs typeface="DejaVu Sans Mono" pitchFamily="49" charset="0"/>
+              </a:rPr>
+              <a:t>{</a:t>
+            </a:r>
+          </a:p>
+          <a:p>
+            <a:r>
+              <a:rPr lang="en-US" dirty="0" smtClean="0">
+                <a:latin typeface="DejaVu Sans Mono" pitchFamily="49" charset="0"/>
+                <a:ea typeface="DejaVu Sans Mono" pitchFamily="49" charset="0"/>
+                <a:cs typeface="DejaVu Sans Mono" pitchFamily="49" charset="0"/>
+              </a:rPr>
+              <a:t>    (</a:t>
+            </a:r>
+            <a:r>
+              <a:rPr lang="en-US" dirty="0" smtClean="0">
+                <a:latin typeface="DejaVu Sans Mono" pitchFamily="49" charset="0"/>
+                <a:ea typeface="DejaVu Sans Mono" pitchFamily="49" charset="0"/>
+                <a:cs typeface="DejaVu Sans Mono" pitchFamily="49" charset="0"/>
+              </a:rPr>
+              <a:t>std::</a:t>
+            </a:r>
+            <a:r>
+              <a:rPr lang="en-US" dirty="0" err="1" smtClean="0">
+                <a:latin typeface="DejaVu Sans Mono" pitchFamily="49" charset="0"/>
+                <a:ea typeface="DejaVu Sans Mono" pitchFamily="49" charset="0"/>
+                <a:cs typeface="DejaVu Sans Mono" pitchFamily="49" charset="0"/>
+              </a:rPr>
+              <a:t>cout</a:t>
+            </a:r>
+            <a:r>
+              <a:rPr lang="en-US" dirty="0" smtClean="0">
+                <a:latin typeface="DejaVu Sans Mono" pitchFamily="49" charset="0"/>
+                <a:ea typeface="DejaVu Sans Mono" pitchFamily="49" charset="0"/>
+                <a:cs typeface="DejaVu Sans Mono" pitchFamily="49" charset="0"/>
+              </a:rPr>
+              <a:t> &lt;&lt; ... &lt;&lt; </a:t>
+            </a:r>
+            <a:r>
+              <a:rPr lang="en-US" dirty="0" err="1" smtClean="0">
+                <a:latin typeface="DejaVu Sans Mono" pitchFamily="49" charset="0"/>
+                <a:ea typeface="DejaVu Sans Mono" pitchFamily="49" charset="0"/>
+                <a:cs typeface="DejaVu Sans Mono" pitchFamily="49" charset="0"/>
+              </a:rPr>
+              <a:t>args</a:t>
+            </a:r>
+            <a:r>
+              <a:rPr lang="en-US" dirty="0" smtClean="0">
+                <a:latin typeface="DejaVu Sans Mono" pitchFamily="49" charset="0"/>
+                <a:ea typeface="DejaVu Sans Mono" pitchFamily="49" charset="0"/>
+                <a:cs typeface="DejaVu Sans Mono" pitchFamily="49" charset="0"/>
+              </a:rPr>
+              <a:t>) &lt;&lt; '\n'; </a:t>
+            </a:r>
+            <a:br>
+              <a:rPr lang="en-US" dirty="0" smtClean="0">
+                <a:latin typeface="DejaVu Sans Mono" pitchFamily="49" charset="0"/>
+                <a:ea typeface="DejaVu Sans Mono" pitchFamily="49" charset="0"/>
+                <a:cs typeface="DejaVu Sans Mono" pitchFamily="49" charset="0"/>
+              </a:rPr>
+            </a:br>
+            <a:r>
+              <a:rPr lang="en-US" dirty="0" smtClean="0">
+                <a:latin typeface="DejaVu Sans Mono" pitchFamily="49" charset="0"/>
+                <a:ea typeface="DejaVu Sans Mono" pitchFamily="49" charset="0"/>
+                <a:cs typeface="DejaVu Sans Mono" pitchFamily="49" charset="0"/>
+              </a:rPr>
+              <a:t>}</a:t>
+            </a:r>
+            <a:endParaRPr lang="zh-CN" altLang="en-US" dirty="0">
+              <a:latin typeface="DejaVu Sans Mono" pitchFamily="49" charset="0"/>
+              <a:cs typeface="DejaVu Sans Mono" pitchFamily="49" charset="0"/>
+            </a:endParaRPr>
           </a:p>
         </p:txBody>
       </p:sp>
@@ -3743,11 +5289,7 @@
           </a:bodyPr>
           <a:lstStyle/>
           <a:p>
-            <a:r>
-              <a:rPr lang="en-US" altLang="zh-CN" dirty="0" smtClean="0"/>
-              <a:t>Future C++</a:t>
-            </a:r>
-            <a:endParaRPr lang="zh-CN" altLang="en-US" dirty="0"/>
+            <a:endParaRPr lang="zh-CN" altLang="en-US"/>
           </a:p>
         </p:txBody>
       </p:sp>
@@ -3767,76 +5309,238 @@
           <a:lstStyle/>
           <a:p>
             <a:r>
-              <a:rPr lang="en-US" altLang="zh-CN" dirty="0" smtClean="0"/>
-              <a:t>Type-and resource-safe</a:t>
-            </a:r>
-          </a:p>
-          <a:p>
-            <a:r>
-              <a:rPr lang="en-US" altLang="zh-CN" dirty="0" smtClean="0"/>
-              <a:t>Significantly simpler and clearer code</a:t>
-            </a:r>
-          </a:p>
-          <a:p>
-            <a:r>
-              <a:rPr lang="en-US" altLang="zh-CN" dirty="0" smtClean="0"/>
-              <a:t>As fast or faster than anything else</a:t>
-            </a:r>
-          </a:p>
-          <a:p>
-            <a:r>
-              <a:rPr lang="en-US" altLang="zh-CN" dirty="0" smtClean="0"/>
-              <a:t>Good at using “modern hardware”</a:t>
-            </a:r>
-          </a:p>
-          <a:p>
-            <a:r>
-              <a:rPr lang="en-US" altLang="zh-CN" dirty="0" smtClean="0"/>
-              <a:t>Significantly faster compilation catching many more errors</a:t>
+              <a:rPr lang="zh-CN" altLang="en-US" dirty="0" smtClean="0"/>
+              <a:t>连接任意个字符串</a:t>
             </a:r>
             <a:endParaRPr lang="zh-CN" altLang="en-US" dirty="0"/>
           </a:p>
         </p:txBody>
       </p:sp>
-      <p:pic>
-        <p:nvPicPr>
-          <p:cNvPr id="4" name="Picture 2"/>
-          <p:cNvPicPr>
-            <a:picLocks noChangeAspect="1" noChangeArrowheads="1"/>
-          </p:cNvPicPr>
+      <p:sp>
+        <p:nvSpPr>
+          <p:cNvPr id="4" name="矩形 3"/>
+          <p:cNvSpPr/>
           <p:nvPr/>
-        </p:nvPicPr>
-        <p:blipFill>
-          <a:blip r:embed="rId2"/>
-          <a:srcRect/>
-          <a:stretch>
-            <a:fillRect/>
-          </a:stretch>
-        </p:blipFill>
-        <p:spPr bwMode="auto">
+        </p:nvSpPr>
+        <p:spPr>
           <a:xfrm>
-            <a:off x="2651760" y="3386846"/>
-            <a:ext cx="3668278" cy="3031854"/>
+            <a:off x="332509" y="1368613"/>
+            <a:ext cx="7672647" cy="2585323"/>
           </a:xfrm>
           <a:prstGeom prst="rect">
             <a:avLst/>
           </a:prstGeom>
-          <a:noFill/>
-          <a:ln w="9525">
-            <a:noFill/>
-            <a:miter lim="800000"/>
-            <a:headEnd/>
-            <a:tailEnd/>
-          </a:ln>
-          <a:effectLst/>
         </p:spPr>
-      </p:pic>
+        <p:txBody>
+          <a:bodyPr wrap="square">
+            <a:spAutoFit/>
+          </a:bodyPr>
+          <a:lstStyle/>
+          <a:p>
+            <a:endParaRPr lang="en-US" altLang="zh-CN" dirty="0" smtClean="0">
+              <a:latin typeface="DejaVu Sans Mono" pitchFamily="49" charset="0"/>
+              <a:ea typeface="DejaVu Sans Mono" pitchFamily="49" charset="0"/>
+              <a:cs typeface="DejaVu Sans Mono" pitchFamily="49" charset="0"/>
+            </a:endParaRPr>
+          </a:p>
+          <a:p>
+            <a:endParaRPr lang="en-US" altLang="zh-CN" dirty="0" smtClean="0">
+              <a:latin typeface="DejaVu Sans Mono" pitchFamily="49" charset="0"/>
+              <a:ea typeface="DejaVu Sans Mono" pitchFamily="49" charset="0"/>
+              <a:cs typeface="DejaVu Sans Mono" pitchFamily="49" charset="0"/>
+            </a:endParaRPr>
+          </a:p>
+          <a:p>
+            <a:r>
+              <a:rPr lang="en-US" altLang="zh-CN" dirty="0" smtClean="0">
+                <a:latin typeface="DejaVu Sans Mono" pitchFamily="49" charset="0"/>
+                <a:ea typeface="DejaVu Sans Mono" pitchFamily="49" charset="0"/>
+                <a:cs typeface="DejaVu Sans Mono" pitchFamily="49" charset="0"/>
+              </a:rPr>
+              <a:t>template&lt;</a:t>
+            </a:r>
+            <a:r>
+              <a:rPr lang="en-US" altLang="zh-CN" dirty="0" err="1" smtClean="0">
+                <a:latin typeface="DejaVu Sans Mono" pitchFamily="49" charset="0"/>
+                <a:ea typeface="DejaVu Sans Mono" pitchFamily="49" charset="0"/>
+                <a:cs typeface="DejaVu Sans Mono" pitchFamily="49" charset="0"/>
+              </a:rPr>
+              <a:t>typename</a:t>
+            </a:r>
+            <a:r>
+              <a:rPr lang="en-US" altLang="zh-CN" dirty="0" smtClean="0">
+                <a:latin typeface="DejaVu Sans Mono" pitchFamily="49" charset="0"/>
+                <a:ea typeface="DejaVu Sans Mono" pitchFamily="49" charset="0"/>
+                <a:cs typeface="DejaVu Sans Mono" pitchFamily="49" charset="0"/>
+              </a:rPr>
+              <a:t>... </a:t>
+            </a:r>
+            <a:r>
+              <a:rPr lang="en-US" altLang="zh-CN" dirty="0" err="1" smtClean="0">
+                <a:latin typeface="DejaVu Sans Mono" pitchFamily="49" charset="0"/>
+                <a:ea typeface="DejaVu Sans Mono" pitchFamily="49" charset="0"/>
+                <a:cs typeface="DejaVu Sans Mono" pitchFamily="49" charset="0"/>
+              </a:rPr>
+              <a:t>Args</a:t>
+            </a:r>
+            <a:r>
+              <a:rPr lang="en-US" altLang="zh-CN" dirty="0" smtClean="0">
+                <a:latin typeface="DejaVu Sans Mono" pitchFamily="49" charset="0"/>
+                <a:ea typeface="DejaVu Sans Mono" pitchFamily="49" charset="0"/>
+                <a:cs typeface="DejaVu Sans Mono" pitchFamily="49" charset="0"/>
+              </a:rPr>
+              <a:t>&gt;</a:t>
+            </a:r>
+          </a:p>
+          <a:p>
+            <a:r>
+              <a:rPr lang="en-US" altLang="zh-CN" dirty="0" smtClean="0">
+                <a:latin typeface="DejaVu Sans Mono" pitchFamily="49" charset="0"/>
+                <a:ea typeface="DejaVu Sans Mono" pitchFamily="49" charset="0"/>
+                <a:cs typeface="DejaVu Sans Mono" pitchFamily="49" charset="0"/>
+              </a:rPr>
+              <a:t>inline void append(std::string&amp; s, </a:t>
+            </a:r>
+            <a:r>
+              <a:rPr lang="en-US" altLang="zh-CN" dirty="0" err="1" smtClean="0">
+                <a:latin typeface="DejaVu Sans Mono" pitchFamily="49" charset="0"/>
+                <a:ea typeface="DejaVu Sans Mono" pitchFamily="49" charset="0"/>
+                <a:cs typeface="DejaVu Sans Mono" pitchFamily="49" charset="0"/>
+              </a:rPr>
+              <a:t>Args</a:t>
+            </a:r>
+            <a:r>
+              <a:rPr lang="en-US" altLang="zh-CN" dirty="0" smtClean="0">
+                <a:latin typeface="DejaVu Sans Mono" pitchFamily="49" charset="0"/>
+                <a:ea typeface="DejaVu Sans Mono" pitchFamily="49" charset="0"/>
+                <a:cs typeface="DejaVu Sans Mono" pitchFamily="49" charset="0"/>
+              </a:rPr>
+              <a:t>&amp;&amp;... </a:t>
+            </a:r>
+            <a:r>
+              <a:rPr lang="en-US" altLang="zh-CN" dirty="0" err="1" smtClean="0">
+                <a:latin typeface="DejaVu Sans Mono" pitchFamily="49" charset="0"/>
+                <a:ea typeface="DejaVu Sans Mono" pitchFamily="49" charset="0"/>
+                <a:cs typeface="DejaVu Sans Mono" pitchFamily="49" charset="0"/>
+              </a:rPr>
+              <a:t>args</a:t>
+            </a:r>
+            <a:r>
+              <a:rPr lang="en-US" altLang="zh-CN" dirty="0" smtClean="0">
+                <a:latin typeface="DejaVu Sans Mono" pitchFamily="49" charset="0"/>
+                <a:ea typeface="DejaVu Sans Mono" pitchFamily="49" charset="0"/>
+                <a:cs typeface="DejaVu Sans Mono" pitchFamily="49" charset="0"/>
+              </a:rPr>
+              <a:t>) {</a:t>
+            </a:r>
+          </a:p>
+          <a:p>
+            <a:r>
+              <a:rPr lang="en-US" altLang="zh-CN" dirty="0" smtClean="0">
+                <a:latin typeface="DejaVu Sans Mono" pitchFamily="49" charset="0"/>
+                <a:ea typeface="DejaVu Sans Mono" pitchFamily="49" charset="0"/>
+                <a:cs typeface="DejaVu Sans Mono" pitchFamily="49" charset="0"/>
+              </a:rPr>
+              <a:t>    ((s+=std::forward&lt;</a:t>
+            </a:r>
+            <a:r>
+              <a:rPr lang="en-US" altLang="zh-CN" dirty="0" err="1" smtClean="0">
+                <a:latin typeface="DejaVu Sans Mono" pitchFamily="49" charset="0"/>
+                <a:ea typeface="DejaVu Sans Mono" pitchFamily="49" charset="0"/>
+                <a:cs typeface="DejaVu Sans Mono" pitchFamily="49" charset="0"/>
+              </a:rPr>
+              <a:t>Args</a:t>
+            </a:r>
+            <a:r>
+              <a:rPr lang="en-US" altLang="zh-CN" dirty="0" smtClean="0">
+                <a:latin typeface="DejaVu Sans Mono" pitchFamily="49" charset="0"/>
+                <a:ea typeface="DejaVu Sans Mono" pitchFamily="49" charset="0"/>
+                <a:cs typeface="DejaVu Sans Mono" pitchFamily="49" charset="0"/>
+              </a:rPr>
+              <a:t>&gt;(</a:t>
+            </a:r>
+            <a:r>
+              <a:rPr lang="en-US" altLang="zh-CN" dirty="0" err="1" smtClean="0">
+                <a:latin typeface="DejaVu Sans Mono" pitchFamily="49" charset="0"/>
+                <a:ea typeface="DejaVu Sans Mono" pitchFamily="49" charset="0"/>
+                <a:cs typeface="DejaVu Sans Mono" pitchFamily="49" charset="0"/>
+              </a:rPr>
+              <a:t>args</a:t>
+            </a:r>
+            <a:r>
+              <a:rPr lang="en-US" altLang="zh-CN" dirty="0" smtClean="0">
+                <a:latin typeface="DejaVu Sans Mono" pitchFamily="49" charset="0"/>
+                <a:ea typeface="DejaVu Sans Mono" pitchFamily="49" charset="0"/>
+                <a:cs typeface="DejaVu Sans Mono" pitchFamily="49" charset="0"/>
+              </a:rPr>
+              <a:t>), </a:t>
+            </a:r>
+            <a:r>
+              <a:rPr lang="en-US" altLang="zh-CN" dirty="0" smtClean="0">
+                <a:latin typeface="DejaVu Sans Mono" pitchFamily="49" charset="0"/>
+                <a:ea typeface="DejaVu Sans Mono" pitchFamily="49" charset="0"/>
+                <a:cs typeface="DejaVu Sans Mono" pitchFamily="49" charset="0"/>
+              </a:rPr>
+              <a:t>s += ", </a:t>
+            </a:r>
+            <a:r>
+              <a:rPr lang="en-US" altLang="zh-CN" dirty="0" smtClean="0">
+                <a:latin typeface="DejaVu Sans Mono" pitchFamily="49" charset="0"/>
+                <a:ea typeface="DejaVu Sans Mono" pitchFamily="49" charset="0"/>
+                <a:cs typeface="DejaVu Sans Mono" pitchFamily="49" charset="0"/>
+              </a:rPr>
+              <a:t>"),...);</a:t>
+            </a:r>
+          </a:p>
+          <a:p>
+            <a:r>
+              <a:rPr lang="en-US" altLang="zh-CN" dirty="0" smtClean="0">
+                <a:latin typeface="DejaVu Sans Mono" pitchFamily="49" charset="0"/>
+                <a:ea typeface="DejaVu Sans Mono" pitchFamily="49" charset="0"/>
+                <a:cs typeface="DejaVu Sans Mono" pitchFamily="49" charset="0"/>
+              </a:rPr>
+              <a:t>}</a:t>
+            </a:r>
+          </a:p>
+          <a:p>
+            <a:endParaRPr lang="en-US" altLang="zh-CN" dirty="0" smtClean="0">
+              <a:latin typeface="DejaVu Sans Mono" pitchFamily="49" charset="0"/>
+              <a:ea typeface="DejaVu Sans Mono" pitchFamily="49" charset="0"/>
+              <a:cs typeface="DejaVu Sans Mono" pitchFamily="49" charset="0"/>
+            </a:endParaRPr>
+          </a:p>
+          <a:p>
+            <a:r>
+              <a:rPr lang="en-US" altLang="zh-CN" dirty="0" smtClean="0">
+                <a:latin typeface="DejaVu Sans Mono" pitchFamily="49" charset="0"/>
+                <a:cs typeface="DejaVu Sans Mono" pitchFamily="49" charset="0"/>
+              </a:rPr>
+              <a:t>std::string s="";</a:t>
+            </a:r>
+          </a:p>
+          <a:p>
+            <a:r>
+              <a:rPr lang="en-US" altLang="zh-CN" dirty="0" smtClean="0">
+                <a:latin typeface="DejaVu Sans Mono" pitchFamily="49" charset="0"/>
+                <a:cs typeface="DejaVu Sans Mono" pitchFamily="49" charset="0"/>
+              </a:rPr>
+              <a:t>append(s</a:t>
+            </a:r>
+            <a:r>
+              <a:rPr lang="en-US" altLang="zh-CN" dirty="0" smtClean="0">
+                <a:latin typeface="DejaVu Sans Mono" pitchFamily="49" charset="0"/>
+                <a:cs typeface="DejaVu Sans Mono" pitchFamily="49" charset="0"/>
+              </a:rPr>
+              <a:t>, "a", "b", "c"); //a, b, c</a:t>
+            </a:r>
+            <a:endParaRPr lang="zh-CN" altLang="en-US" dirty="0">
+              <a:latin typeface="DejaVu Sans Mono" pitchFamily="49" charset="0"/>
+              <a:cs typeface="DejaVu Sans Mono" pitchFamily="49" charset="0"/>
+            </a:endParaRPr>
+          </a:p>
+        </p:txBody>
+      </p:sp>
     </p:spTree>
-    <p:extLst>
-      <p:ext uri="{BB962C8B-B14F-4D97-AF65-F5344CB8AC3E}">
-        <p14:creationId xmlns="" xmlns:p14="http://schemas.microsoft.com/office/powerpoint/2010/main" val="1047839009"/>
-      </p:ext>
-    </p:extLst>
   </p:cSld>
   <p:clrMapOvr>
     <a:masterClrMapping/>
@@ -3885,7 +5589,15 @@
           </a:bodyPr>
           <a:lstStyle/>
           <a:p>
-            <a:endParaRPr lang="zh-CN" altLang="en-US"/>
+            <a:r>
+              <a:rPr lang="en-US" altLang="zh-CN" dirty="0" smtClean="0"/>
+              <a:t>Fold </a:t>
+            </a:r>
+            <a:r>
+              <a:rPr lang="en-US" altLang="zh-CN" dirty="0" smtClean="0"/>
+              <a:t>Expression</a:t>
+            </a:r>
+            <a:endParaRPr lang="zh-CN" altLang="en-US" dirty="0" smtClean="0"/>
           </a:p>
         </p:txBody>
       </p:sp>
@@ -3904,13 +5616,35 @@
           <a:bodyPr/>
           <a:lstStyle/>
           <a:p>
-            <a:endParaRPr lang="zh-CN" altLang="en-US"/>
+            <a:r>
+              <a:rPr lang="zh-CN" altLang="en-US" dirty="0" smtClean="0"/>
+              <a:t>遍历</a:t>
+            </a:r>
+            <a:r>
+              <a:rPr lang="en-US" altLang="zh-CN" dirty="0" err="1" smtClean="0"/>
+              <a:t>tuple</a:t>
+            </a:r>
+            <a:r>
+              <a:rPr lang="en-US" altLang="zh-CN" dirty="0" smtClean="0"/>
+              <a:t>/</a:t>
+            </a:r>
+            <a:r>
+              <a:rPr lang="en-US" altLang="zh-CN" dirty="0" err="1" smtClean="0"/>
+              <a:t>variadic</a:t>
+            </a:r>
+            <a:r>
+              <a:rPr lang="en-US" altLang="zh-CN" dirty="0" smtClean="0"/>
+              <a:t> template</a:t>
+            </a:r>
+          </a:p>
+          <a:p>
+            <a:endParaRPr lang="zh-CN" altLang="en-US" dirty="0"/>
           </a:p>
         </p:txBody>
       </p:sp>
       <p:pic>
         <p:nvPicPr>
-          <p:cNvPr id="1027" name="Picture 3"/>
+          <p:cNvPr id="1026" name="Picture 2"/>
           <p:cNvPicPr>
             <a:picLocks noChangeAspect="1" noChangeArrowheads="1"/>
           </p:cNvPicPr>
@@ -3925,8 +5659,41 @@
         </p:blipFill>
         <p:spPr bwMode="auto">
           <a:xfrm>
-            <a:off x="2191963" y="2028046"/>
-            <a:ext cx="4743450" cy="3400425"/>
+            <a:off x="491923" y="1827934"/>
+            <a:ext cx="8008937" cy="1123950"/>
+          </a:xfrm>
+          <a:prstGeom prst="rect">
+            <a:avLst/>
+          </a:prstGeom>
+          <a:noFill/>
+          <a:ln w="9525">
+            <a:noFill/>
+            <a:miter lim="800000"/>
+            <a:headEnd/>
+            <a:tailEnd/>
+          </a:ln>
+          <a:effectLst/>
+        </p:spPr>
+      </p:pic>
+      <p:pic>
+        <p:nvPicPr>
+          <p:cNvPr id="1028" name="Picture 4"/>
+          <p:cNvPicPr>
+            <a:picLocks noChangeAspect="1" noChangeArrowheads="1"/>
+          </p:cNvPicPr>
+          <p:nvPr/>
+        </p:nvPicPr>
+        <p:blipFill>
+          <a:blip r:embed="rId3"/>
+          <a:srcRect/>
+          <a:stretch>
+            <a:fillRect/>
+          </a:stretch>
+        </p:blipFill>
+        <p:spPr bwMode="auto">
+          <a:xfrm>
+            <a:off x="258215" y="3236422"/>
+            <a:ext cx="8742363" cy="1066800"/>
           </a:xfrm>
           <a:prstGeom prst="rect">
             <a:avLst/>
@@ -3990,7 +5757,11 @@
           </a:bodyPr>
           <a:lstStyle/>
           <a:p>
-            <a:endParaRPr lang="zh-CN" altLang="en-US"/>
+            <a:r>
+              <a:rPr lang="en-US" altLang="zh-CN" dirty="0" err="1" smtClean="0"/>
+              <a:t>Static_assert</a:t>
+            </a:r>
+            <a:endParaRPr lang="zh-CN" altLang="en-US" dirty="0"/>
           </a:p>
         </p:txBody>
       </p:sp>
@@ -4009,63 +5780,6 @@
           <a:bodyPr/>
           <a:lstStyle/>
           <a:p>
-            <a:r>
-              <a:rPr lang="zh-CN" altLang="en-US" dirty="0" smtClean="0"/>
-              <a:t>统一语义的接口</a:t>
-            </a:r>
-            <a:endParaRPr lang="en-US" altLang="zh-CN" dirty="0" smtClean="0"/>
-          </a:p>
-          <a:p>
-            <a:r>
-              <a:rPr lang="zh-CN" altLang="en-US" dirty="0" smtClean="0"/>
-              <a:t>可扩展的接口</a:t>
-            </a:r>
-            <a:endParaRPr lang="en-US" altLang="zh-CN" dirty="0" smtClean="0"/>
-          </a:p>
-          <a:p>
-            <a:r>
-              <a:rPr lang="zh-CN" altLang="en-US" dirty="0" smtClean="0"/>
-              <a:t>灵活易用的接口</a:t>
-            </a:r>
-            <a:endParaRPr lang="en-US" altLang="zh-CN" dirty="0" smtClean="0"/>
-          </a:p>
-          <a:p>
-            <a:r>
-              <a:rPr lang="zh-CN" altLang="en-US" dirty="0" smtClean="0"/>
-              <a:t>类型映射</a:t>
-            </a:r>
-            <a:endParaRPr lang="en-US" altLang="zh-CN" dirty="0" smtClean="0"/>
-          </a:p>
-          <a:p>
-            <a:r>
-              <a:rPr lang="zh-CN" altLang="en-US" dirty="0" smtClean="0"/>
-              <a:t>编译期反射</a:t>
-            </a:r>
-            <a:endParaRPr lang="en-US" altLang="zh-CN" dirty="0" smtClean="0"/>
-          </a:p>
-          <a:p>
-            <a:r>
-              <a:rPr lang="zh-CN" altLang="en-US" dirty="0" smtClean="0"/>
-              <a:t>自动生成</a:t>
-            </a:r>
-            <a:r>
-              <a:rPr lang="en-US" altLang="zh-CN" dirty="0" err="1" smtClean="0"/>
-              <a:t>sql</a:t>
-            </a:r>
-            <a:r>
-              <a:rPr lang="zh-CN" altLang="en-US" dirty="0" smtClean="0"/>
-              <a:t>脚本</a:t>
-            </a:r>
-            <a:endParaRPr lang="en-US" altLang="zh-CN" dirty="0" smtClean="0"/>
-          </a:p>
-          <a:p>
-            <a:r>
-              <a:rPr lang="zh-CN" altLang="en-US" dirty="0" smtClean="0"/>
-              <a:t>自动化地实体映射</a:t>
-            </a:r>
-            <a:endParaRPr lang="en-US" altLang="zh-CN" dirty="0" smtClean="0"/>
-          </a:p>
-          <a:p>
             <a:endParaRPr lang="zh-CN" altLang="en-US" dirty="0"/>
           </a:p>
         </p:txBody>
@@ -4075,6 +5789,13 @@
   <p:clrMapOvr>
     <a:masterClrMapping/>
   </p:clrMapOvr>
+  <p:timing>
+    <p:tnLst>
+      <p:par>
+        <p:cTn id="1" dur="indefinite" restart="never" nodeType="tmRoot"/>
+      </p:par>
+    </p:tnLst>
+  </p:timing>
 </p:sld>
 </file>
 
@@ -4112,7 +5833,11 @@
           </a:bodyPr>
           <a:lstStyle/>
           <a:p>
-            <a:endParaRPr lang="zh-CN" altLang="en-US"/>
+            <a:r>
+              <a:rPr lang="en-US" altLang="zh-CN" dirty="0" smtClean="0"/>
+              <a:t>Future C++</a:t>
+            </a:r>
+            <a:endParaRPr lang="zh-CN" altLang="en-US" dirty="0"/>
           </a:p>
         </p:txBody>
       </p:sp>
@@ -4131,13 +5856,41 @@
           <a:bodyPr/>
           <a:lstStyle/>
           <a:p>
-            <a:endParaRPr lang="zh-CN" altLang="en-US"/>
+            <a:r>
+              <a:rPr lang="en-US" altLang="zh-CN" dirty="0" smtClean="0"/>
+              <a:t>Type-and resource-safe</a:t>
+            </a:r>
+          </a:p>
+          <a:p>
+            <a:r>
+              <a:rPr lang="en-US" altLang="zh-CN" dirty="0" smtClean="0"/>
+              <a:t>Significantly simpler and clearer code</a:t>
+            </a:r>
+          </a:p>
+          <a:p>
+            <a:r>
+              <a:rPr lang="en-US" altLang="zh-CN" dirty="0" smtClean="0"/>
+              <a:t>As fast or faster than anything else</a:t>
+            </a:r>
+          </a:p>
+          <a:p>
+            <a:r>
+              <a:rPr lang="en-US" altLang="zh-CN" dirty="0" smtClean="0"/>
+              <a:t>Good at using “modern hardware”</a:t>
+            </a:r>
+          </a:p>
+          <a:p>
+            <a:r>
+              <a:rPr lang="en-US" altLang="zh-CN" dirty="0" smtClean="0"/>
+              <a:t>Significantly faster compilation catching many more errors</a:t>
+            </a:r>
+            <a:endParaRPr lang="zh-CN" altLang="en-US" dirty="0"/>
           </a:p>
         </p:txBody>
       </p:sp>
       <p:pic>
         <p:nvPicPr>
-          <p:cNvPr id="15362" name="Picture 2" descr="“西餐甜品”的图片搜索结果"/>
+          <p:cNvPr id="4" name="Picture 2"/>
           <p:cNvPicPr>
             <a:picLocks noChangeAspect="1" noChangeArrowheads="1"/>
           </p:cNvPicPr>
@@ -4152,16 +5905,28 @@
         </p:blipFill>
         <p:spPr bwMode="auto">
           <a:xfrm>
-            <a:off x="1822597" y="2061557"/>
-            <a:ext cx="5351459" cy="3674397"/>
+            <a:off x="2651760" y="3386846"/>
+            <a:ext cx="3668278" cy="3031854"/>
           </a:xfrm>
           <a:prstGeom prst="rect">
             <a:avLst/>
           </a:prstGeom>
           <a:noFill/>
+          <a:ln w="9525">
+            <a:noFill/>
+            <a:miter lim="800000"/>
+            <a:headEnd/>
+            <a:tailEnd/>
+          </a:ln>
+          <a:effectLst/>
         </p:spPr>
       </p:pic>
     </p:spTree>
+    <p:extLst>
+      <p:ext uri="{BB962C8B-B14F-4D97-AF65-F5344CB8AC3E}">
+        <p14:creationId xmlns:p14="http://schemas.microsoft.com/office/powerpoint/2010/main" xmlns="" val="1047839009"/>
+      </p:ext>
+    </p:extLst>
   </p:cSld>
   <p:clrMapOvr>
     <a:masterClrMapping/>
@@ -4308,11 +6073,7 @@
           </a:bodyPr>
           <a:lstStyle/>
           <a:p>
-            <a:r>
-              <a:rPr lang="en-US" altLang="zh-CN" dirty="0" smtClean="0"/>
-              <a:t>AOP</a:t>
-            </a:r>
-            <a:endParaRPr lang="zh-CN" altLang="en-US" dirty="0"/>
+            <a:endParaRPr lang="zh-CN" altLang="en-US"/>
           </a:p>
         </p:txBody>
       </p:sp>
@@ -4331,40 +6092,168 @@
           <a:bodyPr/>
           <a:lstStyle/>
           <a:p>
-            <a:r>
-              <a:rPr lang="en-US" altLang="zh-CN" dirty="0" smtClean="0"/>
-              <a:t>Logging</a:t>
-            </a:r>
-          </a:p>
-          <a:p>
-            <a:r>
-              <a:rPr lang="en-US" altLang="zh-CN" dirty="0" smtClean="0"/>
-              <a:t>Validation</a:t>
-            </a:r>
-          </a:p>
-          <a:p>
-            <a:r>
-              <a:rPr lang="en-US" altLang="zh-CN" dirty="0" smtClean="0"/>
-              <a:t>Thread Strategy</a:t>
-            </a:r>
-          </a:p>
-          <a:p>
-            <a:r>
-              <a:rPr lang="en-US" altLang="zh-CN" dirty="0" smtClean="0"/>
-              <a:t>Caching</a:t>
-            </a:r>
-          </a:p>
-          <a:p>
-            <a:r>
-              <a:rPr lang="en-US" altLang="zh-CN" dirty="0" smtClean="0"/>
-              <a:t>Exception Handling</a:t>
-            </a:r>
-          </a:p>
-          <a:p>
-            <a:r>
-              <a:rPr lang="en-US" altLang="zh-CN" dirty="0" smtClean="0"/>
-              <a:t>… and a lot more</a:t>
-            </a:r>
+            <a:endParaRPr lang="zh-CN" altLang="en-US"/>
+          </a:p>
+        </p:txBody>
+      </p:sp>
+      <p:pic>
+        <p:nvPicPr>
+          <p:cNvPr id="1027" name="Picture 3"/>
+          <p:cNvPicPr>
+            <a:picLocks noChangeAspect="1" noChangeArrowheads="1"/>
+          </p:cNvPicPr>
+          <p:nvPr/>
+        </p:nvPicPr>
+        <p:blipFill>
+          <a:blip r:embed="rId2"/>
+          <a:srcRect/>
+          <a:stretch>
+            <a:fillRect/>
+          </a:stretch>
+        </p:blipFill>
+        <p:spPr bwMode="auto">
+          <a:xfrm>
+            <a:off x="2191963" y="2028046"/>
+            <a:ext cx="4743450" cy="3400425"/>
+          </a:xfrm>
+          <a:prstGeom prst="rect">
+            <a:avLst/>
+          </a:prstGeom>
+          <a:noFill/>
+          <a:ln w="9525">
+            <a:noFill/>
+            <a:miter lim="800000"/>
+            <a:headEnd/>
+            <a:tailEnd/>
+          </a:ln>
+          <a:effectLst/>
+        </p:spPr>
+      </p:pic>
+    </p:spTree>
+  </p:cSld>
+  <p:clrMapOvr>
+    <a:masterClrMapping/>
+  </p:clrMapOvr>
+  <p:timing>
+    <p:tnLst>
+      <p:par>
+        <p:cTn id="1" dur="indefinite" restart="never" nodeType="tmRoot"/>
+      </p:par>
+    </p:tnLst>
+  </p:timing>
+</p:sld>
+</file>
+
+<file path=ppt/slides/slide21.xml><?xml version="1.0" encoding="utf-8"?>
+<p:sld xmlns:a="http://schemas.openxmlformats.org/drawingml/2006/main" xmlns:r="http://schemas.openxmlformats.org/officeDocument/2006/relationships" xmlns:p="http://schemas.openxmlformats.org/presentationml/2006/main">
+  <p:cSld>
+    <p:spTree>
+      <p:nvGrpSpPr>
+        <p:cNvPr id="1" name=""/>
+        <p:cNvGrpSpPr/>
+        <p:nvPr/>
+      </p:nvGrpSpPr>
+      <p:grpSpPr>
+        <a:xfrm>
+          <a:off x="0" y="0"/>
+          <a:ext cx="0" cy="0"/>
+          <a:chOff x="0" y="0"/>
+          <a:chExt cx="0" cy="0"/>
+        </a:xfrm>
+      </p:grpSpPr>
+      <p:sp>
+        <p:nvSpPr>
+          <p:cNvPr id="2" name="文本占位符 1"/>
+          <p:cNvSpPr>
+            <a:spLocks noGrp="1"/>
+          </p:cNvSpPr>
+          <p:nvPr>
+            <p:ph type="body" sz="quarter" idx="10"/>
+          </p:nvPr>
+        </p:nvSpPr>
+        <p:spPr/>
+        <p:txBody>
+          <a:bodyPr>
+            <a:normAutofit lnSpcReduction="10000"/>
+          </a:bodyPr>
+          <a:lstStyle/>
+          <a:p>
+            <a:endParaRPr lang="zh-CN" altLang="en-US"/>
+          </a:p>
+        </p:txBody>
+      </p:sp>
+      <p:sp>
+        <p:nvSpPr>
+          <p:cNvPr id="3" name="内容占位符 2"/>
+          <p:cNvSpPr>
+            <a:spLocks noGrp="1"/>
+          </p:cNvSpPr>
+          <p:nvPr>
+            <p:ph sz="quarter" idx="11"/>
+          </p:nvPr>
+        </p:nvSpPr>
+        <p:spPr/>
+        <p:txBody>
+          <a:bodyPr/>
+          <a:lstStyle/>
+          <a:p>
+            <a:r>
+              <a:rPr lang="zh-CN" altLang="en-US" dirty="0" smtClean="0"/>
+              <a:t>统一语义的接口</a:t>
+            </a:r>
+            <a:endParaRPr lang="en-US" altLang="zh-CN" dirty="0" smtClean="0"/>
+          </a:p>
+          <a:p>
+            <a:r>
+              <a:rPr lang="zh-CN" altLang="en-US" dirty="0" smtClean="0"/>
+              <a:t>可扩展的接口</a:t>
+            </a:r>
+            <a:endParaRPr lang="en-US" altLang="zh-CN" dirty="0" smtClean="0"/>
+          </a:p>
+          <a:p>
+            <a:r>
+              <a:rPr lang="zh-CN" altLang="en-US" dirty="0" smtClean="0"/>
+              <a:t>灵活易用的接口</a:t>
+            </a:r>
+            <a:endParaRPr lang="en-US" altLang="zh-CN" dirty="0" smtClean="0"/>
+          </a:p>
+          <a:p>
+            <a:r>
+              <a:rPr lang="zh-CN" altLang="en-US" dirty="0" smtClean="0"/>
+              <a:t>类型映射</a:t>
+            </a:r>
+            <a:endParaRPr lang="en-US" altLang="zh-CN" dirty="0" smtClean="0"/>
+          </a:p>
+          <a:p>
+            <a:r>
+              <a:rPr lang="zh-CN" altLang="en-US" dirty="0" smtClean="0"/>
+              <a:t>编译期反射</a:t>
+            </a:r>
+            <a:endParaRPr lang="en-US" altLang="zh-CN" dirty="0" smtClean="0"/>
+          </a:p>
+          <a:p>
+            <a:r>
+              <a:rPr lang="zh-CN" altLang="en-US" dirty="0" smtClean="0"/>
+              <a:t>自动生成</a:t>
+            </a:r>
+            <a:r>
+              <a:rPr lang="en-US" altLang="zh-CN" dirty="0" err="1" smtClean="0"/>
+              <a:t>sql</a:t>
+            </a:r>
+            <a:r>
+              <a:rPr lang="zh-CN" altLang="en-US" dirty="0" smtClean="0"/>
+              <a:t>脚本</a:t>
+            </a:r>
+            <a:endParaRPr lang="en-US" altLang="zh-CN" dirty="0" smtClean="0"/>
+          </a:p>
+          <a:p>
+            <a:r>
+              <a:rPr lang="zh-CN" altLang="en-US" dirty="0" smtClean="0"/>
+              <a:t>自动化地实体映射</a:t>
+            </a:r>
+            <a:endParaRPr lang="en-US" altLang="zh-CN" dirty="0" smtClean="0"/>
+          </a:p>
+          <a:p>
             <a:endParaRPr lang="zh-CN" altLang="en-US" dirty="0"/>
           </a:p>
         </p:txBody>
@@ -4374,6 +6263,322 @@
   <p:clrMapOvr>
     <a:masterClrMapping/>
   </p:clrMapOvr>
+  <p:timing>
+    <p:tnLst>
+      <p:par>
+        <p:cTn id="1" dur="indefinite" restart="never" nodeType="tmRoot"/>
+      </p:par>
+    </p:tnLst>
+  </p:timing>
+</p:sld>
+</file>
+
+<file path=ppt/slides/slide22.xml><?xml version="1.0" encoding="utf-8"?>
+<p:sld xmlns:a="http://schemas.openxmlformats.org/drawingml/2006/main" xmlns:r="http://schemas.openxmlformats.org/officeDocument/2006/relationships" xmlns:p="http://schemas.openxmlformats.org/presentationml/2006/main">
+  <p:cSld>
+    <p:spTree>
+      <p:nvGrpSpPr>
+        <p:cNvPr id="1" name=""/>
+        <p:cNvGrpSpPr/>
+        <p:nvPr/>
+      </p:nvGrpSpPr>
+      <p:grpSpPr>
+        <a:xfrm>
+          <a:off x="0" y="0"/>
+          <a:ext cx="0" cy="0"/>
+          <a:chOff x="0" y="0"/>
+          <a:chExt cx="0" cy="0"/>
+        </a:xfrm>
+      </p:grpSpPr>
+      <p:sp>
+        <p:nvSpPr>
+          <p:cNvPr id="2" name="文本占位符 1"/>
+          <p:cNvSpPr>
+            <a:spLocks noGrp="1"/>
+          </p:cNvSpPr>
+          <p:nvPr>
+            <p:ph type="body" sz="quarter" idx="10"/>
+          </p:nvPr>
+        </p:nvSpPr>
+        <p:spPr/>
+        <p:txBody>
+          <a:bodyPr>
+            <a:normAutofit lnSpcReduction="10000"/>
+          </a:bodyPr>
+          <a:lstStyle/>
+          <a:p>
+            <a:endParaRPr lang="zh-CN" altLang="en-US"/>
+          </a:p>
+        </p:txBody>
+      </p:sp>
+      <p:sp>
+        <p:nvSpPr>
+          <p:cNvPr id="3" name="内容占位符 2"/>
+          <p:cNvSpPr>
+            <a:spLocks noGrp="1"/>
+          </p:cNvSpPr>
+          <p:nvPr>
+            <p:ph sz="quarter" idx="11"/>
+          </p:nvPr>
+        </p:nvSpPr>
+        <p:spPr/>
+        <p:txBody>
+          <a:bodyPr/>
+          <a:lstStyle/>
+          <a:p>
+            <a:endParaRPr lang="zh-CN" altLang="en-US"/>
+          </a:p>
+        </p:txBody>
+      </p:sp>
+      <p:pic>
+        <p:nvPicPr>
+          <p:cNvPr id="15362" name="Picture 2" descr="“西餐甜品”的图片搜索结果"/>
+          <p:cNvPicPr>
+            <a:picLocks noChangeAspect="1" noChangeArrowheads="1"/>
+          </p:cNvPicPr>
+          <p:nvPr/>
+        </p:nvPicPr>
+        <p:blipFill>
+          <a:blip r:embed="rId2"/>
+          <a:srcRect/>
+          <a:stretch>
+            <a:fillRect/>
+          </a:stretch>
+        </p:blipFill>
+        <p:spPr bwMode="auto">
+          <a:xfrm>
+            <a:off x="1822597" y="2061557"/>
+            <a:ext cx="5351459" cy="3674397"/>
+          </a:xfrm>
+          <a:prstGeom prst="rect">
+            <a:avLst/>
+          </a:prstGeom>
+          <a:noFill/>
+        </p:spPr>
+      </p:pic>
+    </p:spTree>
+  </p:cSld>
+  <p:clrMapOvr>
+    <a:masterClrMapping/>
+  </p:clrMapOvr>
+  <p:timing>
+    <p:tnLst>
+      <p:par>
+        <p:cTn id="1" dur="indefinite" restart="never" nodeType="tmRoot"/>
+      </p:par>
+    </p:tnLst>
+  </p:timing>
+</p:sld>
+</file>
+
+<file path=ppt/slides/slide23.xml><?xml version="1.0" encoding="utf-8"?>
+<p:sld xmlns:a="http://schemas.openxmlformats.org/drawingml/2006/main" xmlns:r="http://schemas.openxmlformats.org/officeDocument/2006/relationships" xmlns:p="http://schemas.openxmlformats.org/presentationml/2006/main">
+  <p:cSld>
+    <p:spTree>
+      <p:nvGrpSpPr>
+        <p:cNvPr id="1" name=""/>
+        <p:cNvGrpSpPr/>
+        <p:nvPr/>
+      </p:nvGrpSpPr>
+      <p:grpSpPr>
+        <a:xfrm>
+          <a:off x="0" y="0"/>
+          <a:ext cx="0" cy="0"/>
+          <a:chOff x="0" y="0"/>
+          <a:chExt cx="0" cy="0"/>
+        </a:xfrm>
+      </p:grpSpPr>
+      <p:sp>
+        <p:nvSpPr>
+          <p:cNvPr id="2" name="文本占位符 1"/>
+          <p:cNvSpPr>
+            <a:spLocks noGrp="1"/>
+          </p:cNvSpPr>
+          <p:nvPr>
+            <p:ph type="body" sz="quarter" idx="10"/>
+          </p:nvPr>
+        </p:nvSpPr>
+        <p:spPr/>
+        <p:txBody>
+          <a:bodyPr>
+            <a:normAutofit lnSpcReduction="10000"/>
+          </a:bodyPr>
+          <a:lstStyle/>
+          <a:p>
+            <a:r>
+              <a:rPr lang="en-US" altLang="zh-CN" dirty="0" smtClean="0"/>
+              <a:t>AOP</a:t>
+            </a:r>
+            <a:endParaRPr lang="zh-CN" altLang="en-US" dirty="0"/>
+          </a:p>
+        </p:txBody>
+      </p:sp>
+      <p:sp>
+        <p:nvSpPr>
+          <p:cNvPr id="3" name="内容占位符 2"/>
+          <p:cNvSpPr>
+            <a:spLocks noGrp="1"/>
+          </p:cNvSpPr>
+          <p:nvPr>
+            <p:ph sz="quarter" idx="11"/>
+          </p:nvPr>
+        </p:nvSpPr>
+        <p:spPr/>
+        <p:txBody>
+          <a:bodyPr/>
+          <a:lstStyle/>
+          <a:p>
+            <a:r>
+              <a:rPr lang="en-US" altLang="zh-CN" dirty="0" smtClean="0"/>
+              <a:t>Logging</a:t>
+            </a:r>
+          </a:p>
+          <a:p>
+            <a:r>
+              <a:rPr lang="en-US" altLang="zh-CN" dirty="0" smtClean="0"/>
+              <a:t>Validation</a:t>
+            </a:r>
+          </a:p>
+          <a:p>
+            <a:r>
+              <a:rPr lang="en-US" altLang="zh-CN" dirty="0" smtClean="0"/>
+              <a:t>Thread Strategy</a:t>
+            </a:r>
+          </a:p>
+          <a:p>
+            <a:r>
+              <a:rPr lang="en-US" altLang="zh-CN" dirty="0" smtClean="0"/>
+              <a:t>Caching</a:t>
+            </a:r>
+          </a:p>
+          <a:p>
+            <a:r>
+              <a:rPr lang="en-US" altLang="zh-CN" dirty="0" smtClean="0"/>
+              <a:t>Exception Handling</a:t>
+            </a:r>
+          </a:p>
+          <a:p>
+            <a:r>
+              <a:rPr lang="en-US" altLang="zh-CN" dirty="0" smtClean="0"/>
+              <a:t>… and a lot more</a:t>
+            </a:r>
+            <a:endParaRPr lang="zh-CN" altLang="en-US" dirty="0"/>
+          </a:p>
+        </p:txBody>
+      </p:sp>
+    </p:spTree>
+  </p:cSld>
+  <p:clrMapOvr>
+    <a:masterClrMapping/>
+  </p:clrMapOvr>
+  <p:timing>
+    <p:tnLst>
+      <p:par>
+        <p:cTn id="1" dur="indefinite" restart="never" nodeType="tmRoot"/>
+      </p:par>
+    </p:tnLst>
+  </p:timing>
+</p:sld>
+</file>
+
+<file path=ppt/slides/slide24.xml><?xml version="1.0" encoding="utf-8"?>
+<p:sld xmlns:a="http://schemas.openxmlformats.org/drawingml/2006/main" xmlns:r="http://schemas.openxmlformats.org/officeDocument/2006/relationships" xmlns:p="http://schemas.openxmlformats.org/presentationml/2006/main">
+  <p:cSld>
+    <p:spTree>
+      <p:nvGrpSpPr>
+        <p:cNvPr id="1" name=""/>
+        <p:cNvGrpSpPr/>
+        <p:nvPr/>
+      </p:nvGrpSpPr>
+      <p:grpSpPr>
+        <a:xfrm>
+          <a:off x="0" y="0"/>
+          <a:ext cx="0" cy="0"/>
+          <a:chOff x="0" y="0"/>
+          <a:chExt cx="0" cy="0"/>
+        </a:xfrm>
+      </p:grpSpPr>
+      <p:sp>
+        <p:nvSpPr>
+          <p:cNvPr id="2" name="文本占位符 1"/>
+          <p:cNvSpPr>
+            <a:spLocks noGrp="1"/>
+          </p:cNvSpPr>
+          <p:nvPr>
+            <p:ph type="body" sz="quarter" idx="10"/>
+          </p:nvPr>
+        </p:nvSpPr>
+        <p:spPr/>
+        <p:txBody>
+          <a:bodyPr>
+            <a:normAutofit lnSpcReduction="10000"/>
+          </a:bodyPr>
+          <a:lstStyle/>
+          <a:p>
+            <a:endParaRPr lang="zh-CN" altLang="en-US"/>
+          </a:p>
+        </p:txBody>
+      </p:sp>
+      <p:sp>
+        <p:nvSpPr>
+          <p:cNvPr id="3" name="内容占位符 2"/>
+          <p:cNvSpPr>
+            <a:spLocks noGrp="1"/>
+          </p:cNvSpPr>
+          <p:nvPr>
+            <p:ph sz="quarter" idx="11"/>
+          </p:nvPr>
+        </p:nvSpPr>
+        <p:spPr/>
+        <p:txBody>
+          <a:bodyPr/>
+          <a:lstStyle/>
+          <a:p>
+            <a:endParaRPr lang="zh-CN" altLang="en-US" dirty="0"/>
+          </a:p>
+        </p:txBody>
+      </p:sp>
+      <p:sp>
+        <p:nvSpPr>
+          <p:cNvPr id="4" name="矩形 3"/>
+          <p:cNvSpPr/>
+          <p:nvPr/>
+        </p:nvSpPr>
+        <p:spPr>
+          <a:xfrm>
+            <a:off x="3730551" y="3244334"/>
+            <a:ext cx="1682897" cy="369332"/>
+          </a:xfrm>
+          <a:prstGeom prst="rect">
+            <a:avLst/>
+          </a:prstGeom>
+        </p:spPr>
+        <p:txBody>
+          <a:bodyPr wrap="none">
+            <a:spAutoFit/>
+          </a:bodyPr>
+          <a:lstStyle/>
+          <a:p>
+            <a:r>
+              <a:rPr lang="en-US" altLang="zh-CN" dirty="0" smtClean="0"/>
+              <a:t>newer is better!</a:t>
+            </a:r>
+            <a:endParaRPr lang="zh-CN" altLang="en-US" dirty="0"/>
+          </a:p>
+        </p:txBody>
+      </p:sp>
+    </p:spTree>
+  </p:cSld>
+  <p:clrMapOvr>
+    <a:masterClrMapping/>
+  </p:clrMapOvr>
+  <p:timing>
+    <p:tnLst>
+      <p:par>
+        <p:cTn id="1" dur="indefinite" restart="never" nodeType="tmRoot"/>
+      </p:par>
+    </p:tnLst>
+  </p:timing>
 </p:sld>
 </file>
 
@@ -4432,7 +6637,11 @@
           <a:p>
             <a:r>
               <a:rPr lang="zh-CN" altLang="en-US" dirty="0" smtClean="0"/>
-              <a:t>新特性的用途（</a:t>
+              <a:t>新</a:t>
+            </a:r>
+            <a:r>
+              <a:rPr lang="zh-CN" altLang="en-US" dirty="0" smtClean="0"/>
+              <a:t>特性（</a:t>
             </a:r>
             <a:r>
               <a:rPr lang="en-US" altLang="zh-CN" dirty="0" smtClean="0"/>
@@ -4447,38 +6656,39 @@
           <a:p>
             <a:r>
               <a:rPr lang="zh-CN" altLang="en-US" dirty="0" smtClean="0"/>
-              <a:t>元编程</a:t>
+              <a:t>元</a:t>
             </a:r>
             <a:r>
               <a:rPr lang="zh-CN" altLang="en-US" dirty="0" smtClean="0"/>
-              <a:t>的一些用法</a:t>
+              <a:t>编程</a:t>
             </a:r>
             <a:endParaRPr lang="en-US" altLang="zh-CN" dirty="0" smtClean="0"/>
           </a:p>
           <a:p>
             <a:r>
               <a:rPr lang="zh-CN" altLang="en-US" dirty="0" smtClean="0"/>
-              <a:t>用元编程做</a:t>
-            </a:r>
+              <a:t>元编程的一些用途</a:t>
+            </a:r>
+            <a:endParaRPr lang="en-US" altLang="zh-CN" dirty="0" smtClean="0"/>
+          </a:p>
+          <a:p>
             <a:r>
               <a:rPr lang="zh-CN" altLang="en-US" dirty="0" smtClean="0"/>
-              <a:t>一些有趣的</a:t>
+              <a:t>元</a:t>
             </a:r>
             <a:r>
               <a:rPr lang="zh-CN" altLang="en-US" dirty="0" smtClean="0"/>
-              <a:t>事</a:t>
-            </a:r>
-            <a:endParaRPr lang="en-US" altLang="zh-CN" dirty="0" smtClean="0"/>
-          </a:p>
-          <a:p>
+              <a:t>编程</a:t>
+            </a:r>
             <a:r>
               <a:rPr lang="zh-CN" altLang="en-US" dirty="0" smtClean="0"/>
-              <a:t>如何借助元编程实现一个强大易用的</a:t>
+              <a:t>实现</a:t>
             </a:r>
             <a:r>
               <a:rPr lang="en-US" altLang="zh-CN" dirty="0" smtClean="0"/>
               <a:t>ORM</a:t>
             </a:r>
+            <a:endParaRPr lang="en-US" altLang="zh-CN" dirty="0" smtClean="0"/>
           </a:p>
         </p:txBody>
       </p:sp>
@@ -5735,23 +7945,7 @@
                 <a:ea typeface="DejaVu Sans Mono" pitchFamily="49" charset="0"/>
                 <a:cs typeface="DejaVu Sans Mono" pitchFamily="49" charset="0"/>
               </a:rPr>
-              <a:t>auto </a:t>
-            </a:r>
-            <a:r>
-              <a:rPr lang="en-US" altLang="zh-CN" dirty="0" smtClean="0">
-                <a:latin typeface="DejaVu Sans Mono" pitchFamily="49" charset="0"/>
-                <a:ea typeface="DejaVu Sans Mono" pitchFamily="49" charset="0"/>
-                <a:cs typeface="DejaVu Sans Mono" pitchFamily="49" charset="0"/>
-              </a:rPr>
-              <a:t>split_3args(auto </a:t>
-            </a:r>
-            <a:r>
-              <a:rPr lang="en-US" altLang="zh-CN" dirty="0" smtClean="0">
-                <a:latin typeface="DejaVu Sans Mono" pitchFamily="49" charset="0"/>
-                <a:ea typeface="DejaVu Sans Mono" pitchFamily="49" charset="0"/>
-                <a:cs typeface="DejaVu Sans Mono" pitchFamily="49" charset="0"/>
-              </a:rPr>
-              <a:t>a, auto b, auto c, auto d){</a:t>
+              <a:t>auto split_3args(auto a, auto b, auto c, auto d){</a:t>
             </a:r>
           </a:p>
           <a:p>
@@ -5989,7 +8183,23 @@
                 <a:ea typeface="DejaVu Sans Mono" pitchFamily="49" charset="0"/>
                 <a:cs typeface="DejaVu Sans Mono" pitchFamily="49" charset="0"/>
               </a:rPr>
-              <a:t>auto [a, b, c, d] = </a:t>
+              <a:t>auto [a, b, </a:t>
+            </a:r>
+            <a:r>
+              <a:rPr lang="en-US" altLang="zh-CN" sz="1600" i="1" dirty="0" smtClean="0">
+                <a:latin typeface="DejaVu Sans Mono" pitchFamily="49" charset="0"/>
+                <a:ea typeface="DejaVu Sans Mono" pitchFamily="49" charset="0"/>
+                <a:cs typeface="DejaVu Sans Mono" pitchFamily="49" charset="0"/>
+              </a:rPr>
+              <a:t>c, </a:t>
+            </a:r>
+            <a:r>
+              <a:rPr lang="en-US" altLang="zh-CN" sz="1600" i="1" dirty="0" smtClean="0">
+                <a:latin typeface="DejaVu Sans Mono" pitchFamily="49" charset="0"/>
+                <a:ea typeface="DejaVu Sans Mono" pitchFamily="49" charset="0"/>
+                <a:cs typeface="DejaVu Sans Mono" pitchFamily="49" charset="0"/>
+              </a:rPr>
+              <a:t>d] = </a:t>
             </a:r>
             <a:r>
               <a:rPr lang="en-US" altLang="zh-CN" sz="1600" i="1" dirty="0" err="1" smtClean="0">
@@ -6770,7 +8980,7 @@
   <a:extraClrSchemeLst/>
   <a:extLst>
     <a:ext uri="{05A4C25C-085E-4340-85A3-A5531E510DB2}">
-      <thm15:themeFamily xmlns="" xmlns:thm15="http://schemas.microsoft.com/office/thememl/2012/main" name="Office Theme" id="{62F939B6-93AF-4DB8-9C6B-D6C7DFDC589F}" vid="{4A3C46E8-61CC-4603-A589-7422A47A8E4A}"/>
+      <thm15:themeFamily xmlns:thm15="http://schemas.microsoft.com/office/thememl/2012/main" xmlns="" name="Office Theme" id="{62F939B6-93AF-4DB8-9C6B-D6C7DFDC589F}" vid="{4A3C46E8-61CC-4603-A589-7422A47A8E4A}"/>
     </a:ext>
   </a:extLst>
 </a:theme>

--- a/CPP-Summit.pptx
+++ b/CPP-Summit.pptx
@@ -23,12 +23,14 @@
     <p:sldId id="278" r:id="rId17"/>
     <p:sldId id="276" r:id="rId18"/>
     <p:sldId id="264" r:id="rId19"/>
-    <p:sldId id="257" r:id="rId20"/>
-    <p:sldId id="265" r:id="rId21"/>
+    <p:sldId id="265" r:id="rId20"/>
+    <p:sldId id="257" r:id="rId21"/>
     <p:sldId id="267" r:id="rId22"/>
-    <p:sldId id="266" r:id="rId23"/>
-    <p:sldId id="268" r:id="rId24"/>
-    <p:sldId id="279" r:id="rId25"/>
+    <p:sldId id="280" r:id="rId23"/>
+    <p:sldId id="281" r:id="rId24"/>
+    <p:sldId id="266" r:id="rId25"/>
+    <p:sldId id="268" r:id="rId26"/>
+    <p:sldId id="279" r:id="rId27"/>
   </p:sldIdLst>
   <p:sldSz cx="9144000" cy="6858000" type="screen4x3"/>
   <p:notesSz cx="6858000" cy="9144000"/>
@@ -481,7 +483,7 @@
             <a:fld id="{746D8FFF-10F8-4B9C-9872-CC2BCD3FCFAC}" type="datetimeFigureOut">
               <a:rPr lang="zh-CN" altLang="en-US" smtClean="0"/>
               <a:pPr/>
-              <a:t>2017-11-10</a:t>
+              <a:t>2017-11-11</a:t>
             </a:fld>
             <a:endParaRPr lang="zh-CN" altLang="en-US"/>
           </a:p>
@@ -696,7 +698,7 @@
             <a:fld id="{746D8FFF-10F8-4B9C-9872-CC2BCD3FCFAC}" type="datetimeFigureOut">
               <a:rPr lang="zh-CN" altLang="en-US" smtClean="0"/>
               <a:pPr/>
-              <a:t>2017-11-10</a:t>
+              <a:t>2017-11-11</a:t>
             </a:fld>
             <a:endParaRPr lang="zh-CN" altLang="en-US"/>
           </a:p>
@@ -4027,15 +4029,7 @@
                 <a:ea typeface="DejaVu Sans Mono" pitchFamily="49" charset="0"/>
                 <a:cs typeface="DejaVu Sans Mono" pitchFamily="49" charset="0"/>
               </a:rPr>
-              <a:t>    return </a:t>
-            </a:r>
-            <a:r>
-              <a:rPr lang="en-US" dirty="0" smtClean="0">
-                <a:latin typeface="DejaVu Sans Mono" pitchFamily="49" charset="0"/>
-                <a:ea typeface="DejaVu Sans Mono" pitchFamily="49" charset="0"/>
-                <a:cs typeface="DejaVu Sans Mono" pitchFamily="49" charset="0"/>
-              </a:rPr>
-              <a:t>(</a:t>
+              <a:t>    return (</a:t>
             </a:r>
             <a:r>
               <a:rPr lang="en-US" dirty="0" err="1" smtClean="0">
@@ -4196,23 +4190,7 @@
                 <a:ea typeface="DejaVu Sans Mono" pitchFamily="49" charset="0"/>
                 <a:cs typeface="DejaVu Sans Mono" pitchFamily="49" charset="0"/>
               </a:rPr>
-              <a:t> </a:t>
-            </a:r>
-            <a:r>
-              <a:rPr lang="en-US" dirty="0" smtClean="0">
-                <a:latin typeface="DejaVu Sans Mono" pitchFamily="49" charset="0"/>
-                <a:ea typeface="DejaVu Sans Mono" pitchFamily="49" charset="0"/>
-                <a:cs typeface="DejaVu Sans Mono" pitchFamily="49" charset="0"/>
-              </a:rPr>
-              <a:t>   return </a:t>
-            </a:r>
-            <a:r>
-              <a:rPr lang="en-US" dirty="0" smtClean="0">
-                <a:latin typeface="DejaVu Sans Mono" pitchFamily="49" charset="0"/>
-                <a:ea typeface="DejaVu Sans Mono" pitchFamily="49" charset="0"/>
-                <a:cs typeface="DejaVu Sans Mono" pitchFamily="49" charset="0"/>
-              </a:rPr>
-              <a:t>(</a:t>
+              <a:t>    return (</a:t>
             </a:r>
             <a:r>
               <a:rPr lang="en-US" dirty="0" err="1" smtClean="0">
@@ -4512,11 +4490,7 @@
           <a:p>
             <a:r>
               <a:rPr lang="en-US" altLang="zh-CN" dirty="0" smtClean="0"/>
-              <a:t>Fold </a:t>
-            </a:r>
-            <a:r>
-              <a:rPr lang="en-US" altLang="zh-CN" dirty="0" smtClean="0"/>
-              <a:t>Expression</a:t>
+              <a:t>Fold Expression</a:t>
             </a:r>
             <a:endParaRPr lang="zh-CN" altLang="en-US" dirty="0" smtClean="0"/>
           </a:p>
@@ -4636,7 +4610,15 @@
                 <a:ea typeface="DejaVu Sans Mono" pitchFamily="49" charset="0"/>
                 <a:cs typeface="DejaVu Sans Mono" pitchFamily="49" charset="0"/>
               </a:rPr>
-              <a:t>void </a:t>
+              <a:t>void print(</a:t>
+            </a:r>
+            <a:r>
+              <a:rPr lang="en-US" altLang="zh-CN" dirty="0" err="1" smtClean="0">
+                <a:latin typeface="DejaVu Sans Mono" pitchFamily="49" charset="0"/>
+                <a:ea typeface="DejaVu Sans Mono" pitchFamily="49" charset="0"/>
+                <a:cs typeface="DejaVu Sans Mono" pitchFamily="49" charset="0"/>
+              </a:rPr>
+              <a:t>Args</a:t>
             </a:r>
             <a:r>
               <a:rPr lang="en-US" altLang="zh-CN" dirty="0" smtClean="0">
@@ -4644,7 +4626,7 @@
                 <a:ea typeface="DejaVu Sans Mono" pitchFamily="49" charset="0"/>
                 <a:cs typeface="DejaVu Sans Mono" pitchFamily="49" charset="0"/>
               </a:rPr>
-              <a:t>print(</a:t>
+              <a:t>... </a:t>
             </a:r>
             <a:r>
               <a:rPr lang="en-US" altLang="zh-CN" dirty="0" err="1" smtClean="0">
@@ -4660,54 +4642,17 @@
                 <a:ea typeface="DejaVu Sans Mono" pitchFamily="49" charset="0"/>
                 <a:cs typeface="DejaVu Sans Mono" pitchFamily="49" charset="0"/>
               </a:rPr>
-              <a:t>... </a:t>
-            </a:r>
-            <a:r>
-              <a:rPr lang="en-US" altLang="zh-CN" dirty="0" err="1" smtClean="0">
-                <a:latin typeface="DejaVu Sans Mono" pitchFamily="49" charset="0"/>
-                <a:ea typeface="DejaVu Sans Mono" pitchFamily="49" charset="0"/>
-                <a:cs typeface="DejaVu Sans Mono" pitchFamily="49" charset="0"/>
-              </a:rPr>
-              <a:t>Args</a:t>
-            </a:r>
+              <a:t>){</a:t>
+            </a:r>
+          </a:p>
+          <a:p>
             <a:r>
               <a:rPr lang="en-US" altLang="zh-CN" dirty="0" smtClean="0">
                 <a:latin typeface="DejaVu Sans Mono" pitchFamily="49" charset="0"/>
                 <a:ea typeface="DejaVu Sans Mono" pitchFamily="49" charset="0"/>
                 <a:cs typeface="DejaVu Sans Mono" pitchFamily="49" charset="0"/>
               </a:rPr>
-              <a:t>){</a:t>
-            </a:r>
-            <a:endParaRPr lang="en-US" altLang="zh-CN" dirty="0" smtClean="0">
-              <a:latin typeface="DejaVu Sans Mono" pitchFamily="49" charset="0"/>
-              <a:ea typeface="DejaVu Sans Mono" pitchFamily="49" charset="0"/>
-              <a:cs typeface="DejaVu Sans Mono" pitchFamily="49" charset="0"/>
-            </a:endParaRPr>
-          </a:p>
-          <a:p>
-            <a:r>
-              <a:rPr lang="en-US" altLang="zh-CN" dirty="0" smtClean="0">
-                <a:latin typeface="DejaVu Sans Mono" pitchFamily="49" charset="0"/>
-                <a:ea typeface="DejaVu Sans Mono" pitchFamily="49" charset="0"/>
-                <a:cs typeface="DejaVu Sans Mono" pitchFamily="49" charset="0"/>
-              </a:rPr>
-              <a:t> </a:t>
-            </a:r>
-            <a:r>
-              <a:rPr lang="en-US" altLang="zh-CN" dirty="0" smtClean="0">
-                <a:latin typeface="DejaVu Sans Mono" pitchFamily="49" charset="0"/>
-                <a:ea typeface="DejaVu Sans Mono" pitchFamily="49" charset="0"/>
-                <a:cs typeface="DejaVu Sans Mono" pitchFamily="49" charset="0"/>
-              </a:rPr>
-              <a:t>   std</a:t>
-            </a:r>
-            <a:r>
-              <a:rPr lang="en-US" altLang="zh-CN" dirty="0" smtClean="0">
-                <a:latin typeface="DejaVu Sans Mono" pitchFamily="49" charset="0"/>
-                <a:ea typeface="DejaVu Sans Mono" pitchFamily="49" charset="0"/>
-                <a:cs typeface="DejaVu Sans Mono" pitchFamily="49" charset="0"/>
-              </a:rPr>
-              <a:t>::</a:t>
+              <a:t>    std::</a:t>
             </a:r>
             <a:r>
               <a:rPr lang="en-US" altLang="zh-CN" dirty="0" err="1" smtClean="0">
@@ -4901,15 +4846,7 @@
                 <a:ea typeface="DejaVu Sans Mono" pitchFamily="49" charset="0"/>
                 <a:cs typeface="DejaVu Sans Mono" pitchFamily="49" charset="0"/>
               </a:rPr>
-              <a:t>void </a:t>
-            </a:r>
-            <a:r>
-              <a:rPr lang="en-US" altLang="zh-CN" dirty="0" smtClean="0">
-                <a:latin typeface="DejaVu Sans Mono" pitchFamily="49" charset="0"/>
-                <a:ea typeface="DejaVu Sans Mono" pitchFamily="49" charset="0"/>
-                <a:cs typeface="DejaVu Sans Mono" pitchFamily="49" charset="0"/>
-              </a:rPr>
-              <a:t>print(</a:t>
+              <a:t>void print(</a:t>
             </a:r>
             <a:r>
               <a:rPr lang="en-US" altLang="zh-CN" dirty="0" err="1" smtClean="0">
@@ -5087,15 +5024,7 @@
                 <a:ea typeface="DejaVu Sans Mono" pitchFamily="49" charset="0"/>
                 <a:cs typeface="DejaVu Sans Mono" pitchFamily="49" charset="0"/>
               </a:rPr>
-              <a:t> </a:t>
-            </a:r>
-            <a:r>
-              <a:rPr lang="en-US" dirty="0" smtClean="0">
-                <a:latin typeface="DejaVu Sans Mono" pitchFamily="49" charset="0"/>
-                <a:ea typeface="DejaVu Sans Mono" pitchFamily="49" charset="0"/>
-                <a:cs typeface="DejaVu Sans Mono" pitchFamily="49" charset="0"/>
-              </a:rPr>
-              <a:t>...</a:t>
+              <a:t> ...</a:t>
             </a:r>
             <a:r>
               <a:rPr lang="en-US" dirty="0" err="1" smtClean="0">
@@ -5158,33 +5087,17 @@
                 <a:ea typeface="DejaVu Sans Mono" pitchFamily="49" charset="0"/>
                 <a:cs typeface="DejaVu Sans Mono" pitchFamily="49" charset="0"/>
               </a:rPr>
-              <a:t>) </a:t>
-            </a:r>
+              <a:t>) {</a:t>
+            </a:r>
+          </a:p>
+          <a:p>
             <a:r>
               <a:rPr lang="en-US" dirty="0" smtClean="0">
                 <a:latin typeface="DejaVu Sans Mono" pitchFamily="49" charset="0"/>
                 <a:ea typeface="DejaVu Sans Mono" pitchFamily="49" charset="0"/>
                 <a:cs typeface="DejaVu Sans Mono" pitchFamily="49" charset="0"/>
               </a:rPr>
-              <a:t>{</a:t>
-            </a:r>
-          </a:p>
-          <a:p>
-            <a:r>
-              <a:rPr lang="en-US" dirty="0" smtClean="0">
-                <a:latin typeface="DejaVu Sans Mono" pitchFamily="49" charset="0"/>
-                <a:ea typeface="DejaVu Sans Mono" pitchFamily="49" charset="0"/>
-                <a:cs typeface="DejaVu Sans Mono" pitchFamily="49" charset="0"/>
-              </a:rPr>
-              <a:t>    (</a:t>
-            </a:r>
-            <a:r>
-              <a:rPr lang="en-US" dirty="0" smtClean="0">
-                <a:latin typeface="DejaVu Sans Mono" pitchFamily="49" charset="0"/>
-                <a:ea typeface="DejaVu Sans Mono" pitchFamily="49" charset="0"/>
-                <a:cs typeface="DejaVu Sans Mono" pitchFamily="49" charset="0"/>
-              </a:rPr>
-              <a:t>std::</a:t>
+              <a:t>    (std::</a:t>
             </a:r>
             <a:r>
               <a:rPr lang="en-US" dirty="0" err="1" smtClean="0">
@@ -5473,23 +5386,7 @@
                 <a:ea typeface="DejaVu Sans Mono" pitchFamily="49" charset="0"/>
                 <a:cs typeface="DejaVu Sans Mono" pitchFamily="49" charset="0"/>
               </a:rPr>
-              <a:t>), </a:t>
-            </a:r>
-            <a:r>
-              <a:rPr lang="en-US" altLang="zh-CN" dirty="0" smtClean="0">
-                <a:latin typeface="DejaVu Sans Mono" pitchFamily="49" charset="0"/>
-                <a:ea typeface="DejaVu Sans Mono" pitchFamily="49" charset="0"/>
-                <a:cs typeface="DejaVu Sans Mono" pitchFamily="49" charset="0"/>
-              </a:rPr>
-              <a:t>s += ", </a:t>
-            </a:r>
-            <a:r>
-              <a:rPr lang="en-US" altLang="zh-CN" dirty="0" smtClean="0">
-                <a:latin typeface="DejaVu Sans Mono" pitchFamily="49" charset="0"/>
-                <a:ea typeface="DejaVu Sans Mono" pitchFamily="49" charset="0"/>
-                <a:cs typeface="DejaVu Sans Mono" pitchFamily="49" charset="0"/>
-              </a:rPr>
-              <a:t>"),...);</a:t>
+              <a:t>), s += ", "),...);</a:t>
             </a:r>
           </a:p>
           <a:p>
@@ -5524,14 +5421,7 @@
                 <a:latin typeface="DejaVu Sans Mono" pitchFamily="49" charset="0"/>
                 <a:cs typeface="DejaVu Sans Mono" pitchFamily="49" charset="0"/>
               </a:rPr>
-              <a:t>append(s</a:t>
-            </a:r>
-            <a:r>
-              <a:rPr lang="en-US" altLang="zh-CN" dirty="0" smtClean="0">
-                <a:latin typeface="DejaVu Sans Mono" pitchFamily="49" charset="0"/>
-                <a:cs typeface="DejaVu Sans Mono" pitchFamily="49" charset="0"/>
-              </a:rPr>
-              <a:t>, "a", "b", "c"); //a, b, c</a:t>
+              <a:t>append(s, "a", "b", "c"); //a, b, c</a:t>
             </a:r>
             <a:endParaRPr lang="zh-CN" altLang="en-US" dirty="0">
               <a:latin typeface="DejaVu Sans Mono" pitchFamily="49" charset="0"/>
@@ -5591,11 +5481,7 @@
           <a:p>
             <a:r>
               <a:rPr lang="en-US" altLang="zh-CN" dirty="0" smtClean="0"/>
-              <a:t>Fold </a:t>
-            </a:r>
-            <a:r>
-              <a:rPr lang="en-US" altLang="zh-CN" dirty="0" smtClean="0"/>
-              <a:t>Expression</a:t>
+              <a:t>Fold Expression</a:t>
             </a:r>
             <a:endParaRPr lang="zh-CN" altLang="en-US" dirty="0" smtClean="0"/>
           </a:p>
@@ -5780,7 +5666,95 @@
           <a:bodyPr/>
           <a:lstStyle/>
           <a:p>
+            <a:r>
+              <a:rPr lang="zh-CN" altLang="en-US" dirty="0" smtClean="0">
+                <a:solidFill>
+                  <a:srgbClr val="595959"/>
+                </a:solidFill>
+                <a:latin typeface="Arial" charset="0"/>
+                <a:cs typeface="Arial" charset="0"/>
+              </a:rPr>
+              <a:t>编译期检查，在编译期就抓住错误</a:t>
+            </a:r>
+          </a:p>
+          <a:p>
             <a:endParaRPr lang="zh-CN" altLang="en-US" dirty="0"/>
+          </a:p>
+        </p:txBody>
+      </p:sp>
+      <p:sp>
+        <p:nvSpPr>
+          <p:cNvPr id="4" name="矩形 3"/>
+          <p:cNvSpPr/>
+          <p:nvPr/>
+        </p:nvSpPr>
+        <p:spPr>
+          <a:xfrm>
+            <a:off x="648393" y="1942329"/>
+            <a:ext cx="7414952" cy="2308324"/>
+          </a:xfrm>
+          <a:prstGeom prst="rect">
+            <a:avLst/>
+          </a:prstGeom>
+        </p:spPr>
+        <p:txBody>
+          <a:bodyPr wrap="square">
+            <a:spAutoFit/>
+          </a:bodyPr>
+          <a:lstStyle/>
+          <a:p>
+            <a:r>
+              <a:rPr lang="en-US" altLang="zh-CN" dirty="0" smtClean="0">
+                <a:latin typeface="DejaVu Sans Mono" pitchFamily="49" charset="0"/>
+                <a:ea typeface="DejaVu Sans Mono" pitchFamily="49" charset="0"/>
+                <a:cs typeface="DejaVu Sans Mono" pitchFamily="49" charset="0"/>
+              </a:rPr>
+              <a:t>fun_for_1024&lt;0,1,2,4&gt;();  //ok</a:t>
+            </a:r>
+          </a:p>
+          <a:p>
+            <a:r>
+              <a:rPr lang="en-US" altLang="zh-CN" dirty="0" smtClean="0">
+                <a:latin typeface="DejaVu Sans Mono" pitchFamily="49" charset="0"/>
+                <a:ea typeface="DejaVu Sans Mono" pitchFamily="49" charset="0"/>
+                <a:cs typeface="DejaVu Sans Mono" pitchFamily="49" charset="0"/>
+              </a:rPr>
+              <a:t>fun_for_1024&lt;4,2,1,0&gt;();  //ok</a:t>
+            </a:r>
+          </a:p>
+          <a:p>
+            <a:r>
+              <a:rPr lang="en-US" altLang="zh-CN" dirty="0" smtClean="0">
+                <a:latin typeface="DejaVu Sans Mono" pitchFamily="49" charset="0"/>
+                <a:ea typeface="DejaVu Sans Mono" pitchFamily="49" charset="0"/>
+                <a:cs typeface="DejaVu Sans Mono" pitchFamily="49" charset="0"/>
+              </a:rPr>
+              <a:t>fun_for_1024&lt;0,1,1,4&gt;();  //static assertion failed: hi guy, just for 1024</a:t>
+            </a:r>
+          </a:p>
+          <a:p>
+            <a:r>
+              <a:rPr lang="en-US" altLang="zh-CN" dirty="0" smtClean="0">
+                <a:latin typeface="DejaVu Sans Mono" pitchFamily="49" charset="0"/>
+                <a:ea typeface="DejaVu Sans Mono" pitchFamily="49" charset="0"/>
+                <a:cs typeface="DejaVu Sans Mono" pitchFamily="49" charset="0"/>
+              </a:rPr>
+              <a:t>fun_for_1024&lt;1,0,2,5&gt;();  //static assertion failed: hi guy, just for 1024</a:t>
+            </a:r>
+          </a:p>
+          <a:p>
+            <a:r>
+              <a:rPr lang="en-US" altLang="zh-CN" dirty="0" smtClean="0">
+                <a:latin typeface="DejaVu Sans Mono" pitchFamily="49" charset="0"/>
+                <a:ea typeface="DejaVu Sans Mono" pitchFamily="49" charset="0"/>
+                <a:cs typeface="DejaVu Sans Mono" pitchFamily="49" charset="0"/>
+              </a:rPr>
+              <a:t>fun_for_1024&lt;1,0,2&gt;();     //static assertion failed: hi guy, just 4 numbers</a:t>
+            </a:r>
+            <a:endParaRPr lang="zh-CN" altLang="en-US" dirty="0">
+              <a:latin typeface="DejaVu Sans Mono" pitchFamily="49" charset="0"/>
+              <a:cs typeface="DejaVu Sans Mono" pitchFamily="49" charset="0"/>
+            </a:endParaRPr>
           </a:p>
         </p:txBody>
       </p:sp>
@@ -5833,11 +5807,7 @@
           </a:bodyPr>
           <a:lstStyle/>
           <a:p>
-            <a:r>
-              <a:rPr lang="en-US" altLang="zh-CN" dirty="0" smtClean="0"/>
-              <a:t>Future C++</a:t>
-            </a:r>
-            <a:endParaRPr lang="zh-CN" altLang="en-US" dirty="0"/>
+            <a:endParaRPr lang="zh-CN" altLang="en-US"/>
           </a:p>
         </p:txBody>
       </p:sp>
@@ -5856,41 +5826,13 @@
           <a:bodyPr/>
           <a:lstStyle/>
           <a:p>
-            <a:r>
-              <a:rPr lang="en-US" altLang="zh-CN" dirty="0" smtClean="0"/>
-              <a:t>Type-and resource-safe</a:t>
-            </a:r>
-          </a:p>
-          <a:p>
-            <a:r>
-              <a:rPr lang="en-US" altLang="zh-CN" dirty="0" smtClean="0"/>
-              <a:t>Significantly simpler and clearer code</a:t>
-            </a:r>
-          </a:p>
-          <a:p>
-            <a:r>
-              <a:rPr lang="en-US" altLang="zh-CN" dirty="0" smtClean="0"/>
-              <a:t>As fast or faster than anything else</a:t>
-            </a:r>
-          </a:p>
-          <a:p>
-            <a:r>
-              <a:rPr lang="en-US" altLang="zh-CN" dirty="0" smtClean="0"/>
-              <a:t>Good at using “modern hardware”</a:t>
-            </a:r>
-          </a:p>
-          <a:p>
-            <a:r>
-              <a:rPr lang="en-US" altLang="zh-CN" dirty="0" smtClean="0"/>
-              <a:t>Significantly faster compilation catching many more errors</a:t>
-            </a:r>
-            <a:endParaRPr lang="zh-CN" altLang="en-US" dirty="0"/>
+            <a:endParaRPr lang="zh-CN" altLang="en-US"/>
           </a:p>
         </p:txBody>
       </p:sp>
       <p:pic>
         <p:nvPicPr>
-          <p:cNvPr id="4" name="Picture 2"/>
+          <p:cNvPr id="1027" name="Picture 3"/>
           <p:cNvPicPr>
             <a:picLocks noChangeAspect="1" noChangeArrowheads="1"/>
           </p:cNvPicPr>
@@ -5905,8 +5847,8 @@
         </p:blipFill>
         <p:spPr bwMode="auto">
           <a:xfrm>
-            <a:off x="2651760" y="3386846"/>
-            <a:ext cx="3668278" cy="3031854"/>
+            <a:off x="2191963" y="2028046"/>
+            <a:ext cx="4743450" cy="3400425"/>
           </a:xfrm>
           <a:prstGeom prst="rect">
             <a:avLst/>
@@ -5922,11 +5864,6 @@
         </p:spPr>
       </p:pic>
     </p:spTree>
-    <p:extLst>
-      <p:ext uri="{BB962C8B-B14F-4D97-AF65-F5344CB8AC3E}">
-        <p14:creationId xmlns:p14="http://schemas.microsoft.com/office/powerpoint/2010/main" xmlns="" val="1047839009"/>
-      </p:ext>
-    </p:extLst>
   </p:cSld>
   <p:clrMapOvr>
     <a:masterClrMapping/>
@@ -6073,7 +6010,11 @@
           </a:bodyPr>
           <a:lstStyle/>
           <a:p>
-            <a:endParaRPr lang="zh-CN" altLang="en-US"/>
+            <a:r>
+              <a:rPr lang="en-US" altLang="zh-CN" dirty="0" smtClean="0"/>
+              <a:t>Future C++</a:t>
+            </a:r>
+            <a:endParaRPr lang="zh-CN" altLang="en-US" dirty="0"/>
           </a:p>
         </p:txBody>
       </p:sp>
@@ -6092,13 +6033,41 @@
           <a:bodyPr/>
           <a:lstStyle/>
           <a:p>
-            <a:endParaRPr lang="zh-CN" altLang="en-US"/>
+            <a:r>
+              <a:rPr lang="en-US" altLang="zh-CN" dirty="0" smtClean="0"/>
+              <a:t>Type-and resource-safe</a:t>
+            </a:r>
+          </a:p>
+          <a:p>
+            <a:r>
+              <a:rPr lang="en-US" altLang="zh-CN" dirty="0" smtClean="0"/>
+              <a:t>Significantly simpler and clearer code</a:t>
+            </a:r>
+          </a:p>
+          <a:p>
+            <a:r>
+              <a:rPr lang="en-US" altLang="zh-CN" dirty="0" smtClean="0"/>
+              <a:t>As fast or faster than anything else</a:t>
+            </a:r>
+          </a:p>
+          <a:p>
+            <a:r>
+              <a:rPr lang="en-US" altLang="zh-CN" dirty="0" smtClean="0"/>
+              <a:t>Good at using “modern hardware”</a:t>
+            </a:r>
+          </a:p>
+          <a:p>
+            <a:r>
+              <a:rPr lang="en-US" altLang="zh-CN" dirty="0" smtClean="0"/>
+              <a:t>Significantly faster compilation catching many more errors</a:t>
+            </a:r>
+            <a:endParaRPr lang="zh-CN" altLang="en-US" dirty="0"/>
           </a:p>
         </p:txBody>
       </p:sp>
       <p:pic>
         <p:nvPicPr>
-          <p:cNvPr id="1027" name="Picture 3"/>
+          <p:cNvPr id="4" name="Picture 2"/>
           <p:cNvPicPr>
             <a:picLocks noChangeAspect="1" noChangeArrowheads="1"/>
           </p:cNvPicPr>
@@ -6113,8 +6082,8 @@
         </p:blipFill>
         <p:spPr bwMode="auto">
           <a:xfrm>
-            <a:off x="2191963" y="2028046"/>
-            <a:ext cx="4743450" cy="3400425"/>
+            <a:off x="2651760" y="3386846"/>
+            <a:ext cx="3668278" cy="3031854"/>
           </a:xfrm>
           <a:prstGeom prst="rect">
             <a:avLst/>
@@ -6130,6 +6099,11 @@
         </p:spPr>
       </p:pic>
     </p:spTree>
+    <p:extLst>
+      <p:ext uri="{BB962C8B-B14F-4D97-AF65-F5344CB8AC3E}">
+        <p14:creationId xmlns:p14="http://schemas.microsoft.com/office/powerpoint/2010/main" xmlns="" val="1047839009"/>
+      </p:ext>
+    </p:extLst>
   </p:cSld>
   <p:clrMapOvr>
     <a:masterClrMapping/>
@@ -6178,6 +6152,10 @@
           </a:bodyPr>
           <a:lstStyle/>
           <a:p>
+            <a:r>
+              <a:rPr lang="en-US" altLang="zh-CN" smtClean="0"/>
+              <a:t>ORM</a:t>
+            </a:r>
             <a:endParaRPr lang="zh-CN" altLang="en-US"/>
           </a:p>
         </p:txBody>
@@ -6199,7 +6177,7 @@
           <a:p>
             <a:r>
               <a:rPr lang="zh-CN" altLang="en-US" dirty="0" smtClean="0"/>
-              <a:t>统一语义的接口</a:t>
+              <a:t>统一好用的接口</a:t>
             </a:r>
             <a:endParaRPr lang="en-US" altLang="zh-CN" dirty="0" smtClean="0"/>
           </a:p>
@@ -6213,28 +6191,11 @@
           <a:p>
             <a:r>
               <a:rPr lang="zh-CN" altLang="en-US" dirty="0" smtClean="0"/>
-              <a:t>灵活易用的接口</a:t>
-            </a:r>
-            <a:endParaRPr lang="en-US" altLang="zh-CN" dirty="0" smtClean="0"/>
-          </a:p>
-          <a:p>
+              <a:t>自动</a:t>
+            </a:r>
             <a:r>
               <a:rPr lang="zh-CN" altLang="en-US" dirty="0" smtClean="0"/>
-              <a:t>类型映射</a:t>
-            </a:r>
-            <a:endParaRPr lang="en-US" altLang="zh-CN" dirty="0" smtClean="0"/>
-          </a:p>
-          <a:p>
-            <a:r>
-              <a:rPr lang="zh-CN" altLang="en-US" dirty="0" smtClean="0"/>
-              <a:t>编译期反射</a:t>
-            </a:r>
-            <a:endParaRPr lang="en-US" altLang="zh-CN" dirty="0" smtClean="0"/>
-          </a:p>
-          <a:p>
-            <a:r>
-              <a:rPr lang="zh-CN" altLang="en-US" dirty="0" smtClean="0"/>
-              <a:t>自动生成</a:t>
+              <a:t>生成</a:t>
             </a:r>
             <a:r>
               <a:rPr lang="en-US" altLang="zh-CN" dirty="0" err="1" smtClean="0"/>
@@ -6307,7 +6268,11 @@
           </a:bodyPr>
           <a:lstStyle/>
           <a:p>
-            <a:endParaRPr lang="zh-CN" altLang="en-US"/>
+            <a:r>
+              <a:rPr lang="en-US" altLang="zh-CN" dirty="0" smtClean="0"/>
+              <a:t>ORM</a:t>
+            </a:r>
+            <a:endParaRPr lang="zh-CN" altLang="en-US" dirty="0"/>
           </a:p>
         </p:txBody>
       </p:sp>
@@ -6326,13 +6291,17 @@
           <a:bodyPr/>
           <a:lstStyle/>
           <a:p>
-            <a:endParaRPr lang="zh-CN" altLang="en-US"/>
+            <a:r>
+              <a:rPr lang="zh-CN" altLang="en-US" dirty="0" smtClean="0"/>
+              <a:t>屏蔽不同数据库的差异</a:t>
+            </a:r>
+            <a:endParaRPr lang="zh-CN" altLang="en-US" dirty="0"/>
           </a:p>
         </p:txBody>
       </p:sp>
       <p:pic>
         <p:nvPicPr>
-          <p:cNvPr id="15362" name="Picture 2" descr="“西餐甜品”的图片搜索结果"/>
+          <p:cNvPr id="1026" name="Picture 2"/>
           <p:cNvPicPr>
             <a:picLocks noChangeAspect="1" noChangeArrowheads="1"/>
           </p:cNvPicPr>
@@ -6347,13 +6316,20 @@
         </p:blipFill>
         <p:spPr bwMode="auto">
           <a:xfrm>
-            <a:off x="1822597" y="2061557"/>
-            <a:ext cx="5351459" cy="3674397"/>
+            <a:off x="2493645" y="1907079"/>
+            <a:ext cx="3790950" cy="1447800"/>
           </a:xfrm>
           <a:prstGeom prst="rect">
             <a:avLst/>
           </a:prstGeom>
           <a:noFill/>
+          <a:ln w="9525">
+            <a:noFill/>
+            <a:miter lim="800000"/>
+            <a:headEnd/>
+            <a:tailEnd/>
+          </a:ln>
+          <a:effectLst/>
         </p:spPr>
       </p:pic>
     </p:spTree>
@@ -6361,13 +6337,6 @@
   <p:clrMapOvr>
     <a:masterClrMapping/>
   </p:clrMapOvr>
-  <p:timing>
-    <p:tnLst>
-      <p:par>
-        <p:cTn id="1" dur="indefinite" restart="never" nodeType="tmRoot"/>
-      </p:par>
-    </p:tnLst>
-  </p:timing>
 </p:sld>
 </file>
 
@@ -6405,79 +6374,116 @@
           </a:bodyPr>
           <a:lstStyle/>
           <a:p>
-            <a:r>
-              <a:rPr lang="en-US" altLang="zh-CN" dirty="0" smtClean="0"/>
-              <a:t>AOP</a:t>
-            </a:r>
-            <a:endParaRPr lang="zh-CN" altLang="en-US" dirty="0"/>
+            <a:endParaRPr lang="zh-CN" altLang="en-US"/>
           </a:p>
         </p:txBody>
       </p:sp>
-      <p:sp>
-        <p:nvSpPr>
-          <p:cNvPr id="3" name="内容占位符 2"/>
-          <p:cNvSpPr>
-            <a:spLocks noGrp="1"/>
-          </p:cNvSpPr>
+      <p:pic>
+        <p:nvPicPr>
+          <p:cNvPr id="2050" name="Picture 2"/>
+          <p:cNvPicPr>
+            <a:picLocks noChangeAspect="1" noChangeArrowheads="1"/>
+          </p:cNvPicPr>
+          <p:nvPr/>
+        </p:nvPicPr>
+        <p:blipFill>
+          <a:blip r:embed="rId2"/>
+          <a:srcRect/>
+          <a:stretch>
+            <a:fillRect/>
+          </a:stretch>
+        </p:blipFill>
+        <p:spPr bwMode="auto">
+          <a:xfrm>
+            <a:off x="513311" y="1318779"/>
+            <a:ext cx="6172200" cy="895350"/>
+          </a:xfrm>
+          <a:prstGeom prst="rect">
+            <a:avLst/>
+          </a:prstGeom>
+          <a:noFill/>
+          <a:ln w="9525">
+            <a:noFill/>
+            <a:miter lim="800000"/>
+            <a:headEnd/>
+            <a:tailEnd/>
+          </a:ln>
+          <a:effectLst/>
+        </p:spPr>
+      </p:pic>
+      <p:pic>
+        <p:nvPicPr>
+          <p:cNvPr id="2051" name="Picture 3"/>
+          <p:cNvPicPr>
+            <a:picLocks noGrp="1" noChangeAspect="1" noChangeArrowheads="1"/>
+          </p:cNvPicPr>
           <p:nvPr>
             <p:ph sz="quarter" idx="11"/>
           </p:nvPr>
-        </p:nvSpPr>
-        <p:spPr/>
-        <p:txBody>
-          <a:bodyPr/>
-          <a:lstStyle/>
-          <a:p>
-            <a:r>
-              <a:rPr lang="en-US" altLang="zh-CN" dirty="0" smtClean="0"/>
-              <a:t>Logging</a:t>
-            </a:r>
-          </a:p>
-          <a:p>
-            <a:r>
-              <a:rPr lang="en-US" altLang="zh-CN" dirty="0" smtClean="0"/>
-              <a:t>Validation</a:t>
-            </a:r>
-          </a:p>
-          <a:p>
-            <a:r>
-              <a:rPr lang="en-US" altLang="zh-CN" dirty="0" smtClean="0"/>
-              <a:t>Thread Strategy</a:t>
-            </a:r>
-          </a:p>
-          <a:p>
-            <a:r>
-              <a:rPr lang="en-US" altLang="zh-CN" dirty="0" smtClean="0"/>
-              <a:t>Caching</a:t>
-            </a:r>
-          </a:p>
-          <a:p>
-            <a:r>
-              <a:rPr lang="en-US" altLang="zh-CN" dirty="0" smtClean="0"/>
-              <a:t>Exception Handling</a:t>
-            </a:r>
-          </a:p>
-          <a:p>
-            <a:r>
-              <a:rPr lang="en-US" altLang="zh-CN" dirty="0" smtClean="0"/>
-              <a:t>… and a lot more</a:t>
-            </a:r>
-            <a:endParaRPr lang="zh-CN" altLang="en-US" dirty="0"/>
-          </a:p>
-        </p:txBody>
-      </p:sp>
+        </p:nvPicPr>
+        <p:blipFill>
+          <a:blip r:embed="rId3"/>
+          <a:srcRect/>
+          <a:stretch>
+            <a:fillRect/>
+          </a:stretch>
+        </p:blipFill>
+        <p:spPr bwMode="auto">
+          <a:xfrm>
+            <a:off x="491143" y="2454587"/>
+            <a:ext cx="8343900" cy="609436"/>
+          </a:xfrm>
+          <a:prstGeom prst="rect">
+            <a:avLst/>
+          </a:prstGeom>
+          <a:noFill/>
+          <a:ln w="9525">
+            <a:noFill/>
+            <a:miter lim="800000"/>
+            <a:headEnd/>
+            <a:tailEnd/>
+          </a:ln>
+          <a:effectLst/>
+        </p:spPr>
+      </p:pic>
+      <p:pic>
+        <p:nvPicPr>
+          <p:cNvPr id="2052" name="Picture 4"/>
+          <p:cNvPicPr>
+            <a:picLocks noChangeAspect="1" noChangeArrowheads="1"/>
+          </p:cNvPicPr>
+          <p:nvPr/>
+        </p:nvPicPr>
+        <p:blipFill>
+          <a:blip r:embed="rId4"/>
+          <a:srcRect/>
+          <a:stretch>
+            <a:fillRect/>
+          </a:stretch>
+        </p:blipFill>
+        <p:spPr bwMode="auto">
+          <a:xfrm>
+            <a:off x="466639" y="3483033"/>
+            <a:ext cx="3705225" cy="457200"/>
+          </a:xfrm>
+          <a:prstGeom prst="rect">
+            <a:avLst/>
+          </a:prstGeom>
+          <a:noFill/>
+          <a:ln w="9525">
+            <a:noFill/>
+            <a:miter lim="800000"/>
+            <a:headEnd/>
+            <a:tailEnd/>
+          </a:ln>
+          <a:effectLst/>
+        </p:spPr>
+      </p:pic>
     </p:spTree>
   </p:cSld>
   <p:clrMapOvr>
     <a:masterClrMapping/>
   </p:clrMapOvr>
-  <p:timing>
-    <p:tnLst>
-      <p:par>
-        <p:cTn id="1" dur="indefinite" restart="never" nodeType="tmRoot"/>
-      </p:par>
-    </p:tnLst>
-  </p:timing>
 </p:sld>
 </file>
 
@@ -6538,6 +6544,221 @@
           </a:p>
         </p:txBody>
       </p:sp>
+      <p:pic>
+        <p:nvPicPr>
+          <p:cNvPr id="1026" name="Picture 2"/>
+          <p:cNvPicPr>
+            <a:picLocks noChangeAspect="1" noChangeArrowheads="1"/>
+          </p:cNvPicPr>
+          <p:nvPr/>
+        </p:nvPicPr>
+        <p:blipFill>
+          <a:blip r:embed="rId2"/>
+          <a:srcRect/>
+          <a:stretch>
+            <a:fillRect/>
+          </a:stretch>
+        </p:blipFill>
+        <p:spPr bwMode="auto">
+          <a:xfrm>
+            <a:off x="1812175" y="2136000"/>
+            <a:ext cx="5328687" cy="3489033"/>
+          </a:xfrm>
+          <a:prstGeom prst="rect">
+            <a:avLst/>
+          </a:prstGeom>
+          <a:noFill/>
+          <a:ln w="9525">
+            <a:noFill/>
+            <a:miter lim="800000"/>
+            <a:headEnd/>
+            <a:tailEnd/>
+          </a:ln>
+          <a:effectLst/>
+        </p:spPr>
+      </p:pic>
+    </p:spTree>
+  </p:cSld>
+  <p:clrMapOvr>
+    <a:masterClrMapping/>
+  </p:clrMapOvr>
+  <p:timing>
+    <p:tnLst>
+      <p:par>
+        <p:cTn id="1" dur="indefinite" restart="never" nodeType="tmRoot"/>
+      </p:par>
+    </p:tnLst>
+  </p:timing>
+</p:sld>
+</file>
+
+<file path=ppt/slides/slide25.xml><?xml version="1.0" encoding="utf-8"?>
+<p:sld xmlns:a="http://schemas.openxmlformats.org/drawingml/2006/main" xmlns:r="http://schemas.openxmlformats.org/officeDocument/2006/relationships" xmlns:p="http://schemas.openxmlformats.org/presentationml/2006/main">
+  <p:cSld>
+    <p:spTree>
+      <p:nvGrpSpPr>
+        <p:cNvPr id="1" name=""/>
+        <p:cNvGrpSpPr/>
+        <p:nvPr/>
+      </p:nvGrpSpPr>
+      <p:grpSpPr>
+        <a:xfrm>
+          <a:off x="0" y="0"/>
+          <a:ext cx="0" cy="0"/>
+          <a:chOff x="0" y="0"/>
+          <a:chExt cx="0" cy="0"/>
+        </a:xfrm>
+      </p:grpSpPr>
+      <p:sp>
+        <p:nvSpPr>
+          <p:cNvPr id="2" name="文本占位符 1"/>
+          <p:cNvSpPr>
+            <a:spLocks noGrp="1"/>
+          </p:cNvSpPr>
+          <p:nvPr>
+            <p:ph type="body" sz="quarter" idx="10"/>
+          </p:nvPr>
+        </p:nvSpPr>
+        <p:spPr/>
+        <p:txBody>
+          <a:bodyPr>
+            <a:normAutofit lnSpcReduction="10000"/>
+          </a:bodyPr>
+          <a:lstStyle/>
+          <a:p>
+            <a:r>
+              <a:rPr lang="en-US" altLang="zh-CN" dirty="0" smtClean="0"/>
+              <a:t>AOP</a:t>
+            </a:r>
+            <a:endParaRPr lang="zh-CN" altLang="en-US" dirty="0"/>
+          </a:p>
+        </p:txBody>
+      </p:sp>
+      <p:sp>
+        <p:nvSpPr>
+          <p:cNvPr id="3" name="内容占位符 2"/>
+          <p:cNvSpPr>
+            <a:spLocks noGrp="1"/>
+          </p:cNvSpPr>
+          <p:nvPr>
+            <p:ph sz="quarter" idx="11"/>
+          </p:nvPr>
+        </p:nvSpPr>
+        <p:spPr/>
+        <p:txBody>
+          <a:bodyPr/>
+          <a:lstStyle/>
+          <a:p>
+            <a:r>
+              <a:rPr lang="en-US" altLang="zh-CN" dirty="0" smtClean="0"/>
+              <a:t>Logging</a:t>
+            </a:r>
+          </a:p>
+          <a:p>
+            <a:r>
+              <a:rPr lang="en-US" altLang="zh-CN" dirty="0" smtClean="0"/>
+              <a:t>Validation</a:t>
+            </a:r>
+          </a:p>
+          <a:p>
+            <a:r>
+              <a:rPr lang="en-US" altLang="zh-CN" dirty="0" smtClean="0"/>
+              <a:t>Thread Strategy</a:t>
+            </a:r>
+          </a:p>
+          <a:p>
+            <a:r>
+              <a:rPr lang="en-US" altLang="zh-CN" dirty="0" smtClean="0"/>
+              <a:t>Caching</a:t>
+            </a:r>
+          </a:p>
+          <a:p>
+            <a:r>
+              <a:rPr lang="en-US" altLang="zh-CN" dirty="0" smtClean="0"/>
+              <a:t>Exception Handling</a:t>
+            </a:r>
+          </a:p>
+          <a:p>
+            <a:r>
+              <a:rPr lang="en-US" altLang="zh-CN" dirty="0" smtClean="0"/>
+              <a:t>… and a lot more</a:t>
+            </a:r>
+            <a:endParaRPr lang="zh-CN" altLang="en-US" dirty="0"/>
+          </a:p>
+        </p:txBody>
+      </p:sp>
+    </p:spTree>
+  </p:cSld>
+  <p:clrMapOvr>
+    <a:masterClrMapping/>
+  </p:clrMapOvr>
+  <p:timing>
+    <p:tnLst>
+      <p:par>
+        <p:cTn id="1" dur="indefinite" restart="never" nodeType="tmRoot"/>
+      </p:par>
+    </p:tnLst>
+  </p:timing>
+</p:sld>
+</file>
+
+<file path=ppt/slides/slide26.xml><?xml version="1.0" encoding="utf-8"?>
+<p:sld xmlns:a="http://schemas.openxmlformats.org/drawingml/2006/main" xmlns:r="http://schemas.openxmlformats.org/officeDocument/2006/relationships" xmlns:p="http://schemas.openxmlformats.org/presentationml/2006/main">
+  <p:cSld>
+    <p:spTree>
+      <p:nvGrpSpPr>
+        <p:cNvPr id="1" name=""/>
+        <p:cNvGrpSpPr/>
+        <p:nvPr/>
+      </p:nvGrpSpPr>
+      <p:grpSpPr>
+        <a:xfrm>
+          <a:off x="0" y="0"/>
+          <a:ext cx="0" cy="0"/>
+          <a:chOff x="0" y="0"/>
+          <a:chExt cx="0" cy="0"/>
+        </a:xfrm>
+      </p:grpSpPr>
+      <p:sp>
+        <p:nvSpPr>
+          <p:cNvPr id="2" name="文本占位符 1"/>
+          <p:cNvSpPr>
+            <a:spLocks noGrp="1"/>
+          </p:cNvSpPr>
+          <p:nvPr>
+            <p:ph type="body" sz="quarter" idx="10"/>
+          </p:nvPr>
+        </p:nvSpPr>
+        <p:spPr/>
+        <p:txBody>
+          <a:bodyPr>
+            <a:normAutofit lnSpcReduction="10000"/>
+          </a:bodyPr>
+          <a:lstStyle/>
+          <a:p>
+            <a:endParaRPr lang="zh-CN" altLang="en-US"/>
+          </a:p>
+        </p:txBody>
+      </p:sp>
+      <p:sp>
+        <p:nvSpPr>
+          <p:cNvPr id="3" name="内容占位符 2"/>
+          <p:cNvSpPr>
+            <a:spLocks noGrp="1"/>
+          </p:cNvSpPr>
+          <p:nvPr>
+            <p:ph sz="quarter" idx="11"/>
+          </p:nvPr>
+        </p:nvSpPr>
+        <p:spPr/>
+        <p:txBody>
+          <a:bodyPr/>
+          <a:lstStyle/>
+          <a:p>
+            <a:endParaRPr lang="zh-CN" altLang="en-US" dirty="0"/>
+          </a:p>
+        </p:txBody>
+      </p:sp>
       <p:sp>
         <p:nvSpPr>
           <p:cNvPr id="4" name="矩形 3"/>
@@ -6546,8 +6767,8 @@
         </p:nvSpPr>
         <p:spPr>
           <a:xfrm>
-            <a:off x="3730551" y="3244334"/>
-            <a:ext cx="1682897" cy="369332"/>
+            <a:off x="2417141" y="2803759"/>
+            <a:ext cx="4134465" cy="584775"/>
           </a:xfrm>
           <a:prstGeom prst="rect">
             <a:avLst/>
@@ -6560,10 +6781,41 @@
           <a:lstStyle/>
           <a:p>
             <a:r>
-              <a:rPr lang="en-US" altLang="zh-CN" dirty="0" smtClean="0"/>
-              <a:t>newer is better!</a:t>
-            </a:r>
-            <a:endParaRPr lang="zh-CN" altLang="en-US" dirty="0"/>
+              <a:rPr lang="en-US" altLang="zh-CN" sz="3200" dirty="0" smtClean="0">
+                <a:latin typeface="DejaVu Sans Mono" pitchFamily="49" charset="0"/>
+                <a:ea typeface="DejaVu Sans Mono" pitchFamily="49" charset="0"/>
+                <a:cs typeface="DejaVu Sans Mono" pitchFamily="49" charset="0"/>
+              </a:rPr>
+              <a:t>Newer </a:t>
+            </a:r>
+            <a:r>
+              <a:rPr lang="en-US" altLang="zh-CN" sz="3200" dirty="0" smtClean="0">
+                <a:latin typeface="DejaVu Sans Mono" pitchFamily="49" charset="0"/>
+                <a:ea typeface="DejaVu Sans Mono" pitchFamily="49" charset="0"/>
+                <a:cs typeface="DejaVu Sans Mono" pitchFamily="49" charset="0"/>
+              </a:rPr>
+              <a:t>is </a:t>
+            </a:r>
+            <a:r>
+              <a:rPr lang="en-US" altLang="zh-CN" sz="3200" dirty="0" smtClean="0">
+                <a:latin typeface="DejaVu Sans Mono" pitchFamily="49" charset="0"/>
+                <a:ea typeface="DejaVu Sans Mono" pitchFamily="49" charset="0"/>
+                <a:cs typeface="DejaVu Sans Mono" pitchFamily="49" charset="0"/>
+              </a:rPr>
+              <a:t>Better</a:t>
+            </a:r>
+            <a:r>
+              <a:rPr lang="en-US" altLang="zh-CN" sz="3200" dirty="0" smtClean="0">
+                <a:latin typeface="DejaVu Sans Mono" pitchFamily="49" charset="0"/>
+                <a:ea typeface="DejaVu Sans Mono" pitchFamily="49" charset="0"/>
+                <a:cs typeface="DejaVu Sans Mono" pitchFamily="49" charset="0"/>
+              </a:rPr>
+              <a:t>!</a:t>
+            </a:r>
+            <a:endParaRPr lang="zh-CN" altLang="en-US" sz="3200" dirty="0">
+              <a:latin typeface="DejaVu Sans Mono" pitchFamily="49" charset="0"/>
+              <a:cs typeface="DejaVu Sans Mono" pitchFamily="49" charset="0"/>
+            </a:endParaRPr>
           </a:p>
         </p:txBody>
       </p:sp>
@@ -6637,11 +6889,7 @@
           <a:p>
             <a:r>
               <a:rPr lang="zh-CN" altLang="en-US" dirty="0" smtClean="0"/>
-              <a:t>新</a:t>
-            </a:r>
-            <a:r>
-              <a:rPr lang="zh-CN" altLang="en-US" dirty="0" smtClean="0"/>
-              <a:t>特性（</a:t>
+              <a:t>新特性（</a:t>
             </a:r>
             <a:r>
               <a:rPr lang="en-US" altLang="zh-CN" dirty="0" smtClean="0"/>
@@ -6656,11 +6904,7 @@
           <a:p>
             <a:r>
               <a:rPr lang="zh-CN" altLang="en-US" dirty="0" smtClean="0"/>
-              <a:t>元</a:t>
-            </a:r>
-            <a:r>
-              <a:rPr lang="zh-CN" altLang="en-US" dirty="0" smtClean="0"/>
-              <a:t>编程</a:t>
+              <a:t>元编程</a:t>
             </a:r>
             <a:endParaRPr lang="en-US" altLang="zh-CN" dirty="0" smtClean="0"/>
           </a:p>
@@ -6674,21 +6918,12 @@
           <a:p>
             <a:r>
               <a:rPr lang="zh-CN" altLang="en-US" dirty="0" smtClean="0"/>
-              <a:t>元</a:t>
-            </a:r>
-            <a:r>
-              <a:rPr lang="zh-CN" altLang="en-US" dirty="0" smtClean="0"/>
-              <a:t>编程</a:t>
-            </a:r>
-            <a:r>
-              <a:rPr lang="zh-CN" altLang="en-US" dirty="0" smtClean="0"/>
-              <a:t>实现</a:t>
+              <a:t>元编程实现</a:t>
             </a:r>
             <a:r>
               <a:rPr lang="en-US" altLang="zh-CN" dirty="0" smtClean="0"/>
               <a:t>ORM</a:t>
             </a:r>
-            <a:endParaRPr lang="en-US" altLang="zh-CN" dirty="0" smtClean="0"/>
           </a:p>
         </p:txBody>
       </p:sp>
@@ -8183,23 +8418,7 @@
                 <a:ea typeface="DejaVu Sans Mono" pitchFamily="49" charset="0"/>
                 <a:cs typeface="DejaVu Sans Mono" pitchFamily="49" charset="0"/>
               </a:rPr>
-              <a:t>auto [a, b, </a:t>
-            </a:r>
-            <a:r>
-              <a:rPr lang="en-US" altLang="zh-CN" sz="1600" i="1" dirty="0" smtClean="0">
-                <a:latin typeface="DejaVu Sans Mono" pitchFamily="49" charset="0"/>
-                <a:ea typeface="DejaVu Sans Mono" pitchFamily="49" charset="0"/>
-                <a:cs typeface="DejaVu Sans Mono" pitchFamily="49" charset="0"/>
-              </a:rPr>
-              <a:t>c, </a:t>
-            </a:r>
-            <a:r>
-              <a:rPr lang="en-US" altLang="zh-CN" sz="1600" i="1" dirty="0" smtClean="0">
-                <a:latin typeface="DejaVu Sans Mono" pitchFamily="49" charset="0"/>
-                <a:ea typeface="DejaVu Sans Mono" pitchFamily="49" charset="0"/>
-                <a:cs typeface="DejaVu Sans Mono" pitchFamily="49" charset="0"/>
-              </a:rPr>
-              <a:t>d] = </a:t>
+              <a:t>auto [a, b, c, d] = </a:t>
             </a:r>
             <a:r>
               <a:rPr lang="en-US" altLang="zh-CN" sz="1600" i="1" dirty="0" err="1" smtClean="0">

--- a/CPP-Summit.pptx
+++ b/CPP-Summit.pptx
@@ -37,13 +37,24 @@
     <p:sldId id="288" r:id="rId31"/>
     <p:sldId id="289" r:id="rId32"/>
     <p:sldId id="290" r:id="rId33"/>
-    <p:sldId id="281" r:id="rId34"/>
-    <p:sldId id="291" r:id="rId35"/>
-    <p:sldId id="295" r:id="rId36"/>
-    <p:sldId id="266" r:id="rId37"/>
-    <p:sldId id="268" r:id="rId38"/>
-    <p:sldId id="292" r:id="rId39"/>
-    <p:sldId id="279" r:id="rId40"/>
+    <p:sldId id="300" r:id="rId34"/>
+    <p:sldId id="281" r:id="rId35"/>
+    <p:sldId id="297" r:id="rId36"/>
+    <p:sldId id="291" r:id="rId37"/>
+    <p:sldId id="298" r:id="rId38"/>
+    <p:sldId id="299" r:id="rId39"/>
+    <p:sldId id="301" r:id="rId40"/>
+    <p:sldId id="295" r:id="rId41"/>
+    <p:sldId id="266" r:id="rId42"/>
+    <p:sldId id="268" r:id="rId43"/>
+    <p:sldId id="292" r:id="rId44"/>
+    <p:sldId id="296" r:id="rId45"/>
+    <p:sldId id="302" r:id="rId46"/>
+    <p:sldId id="305" r:id="rId47"/>
+    <p:sldId id="306" r:id="rId48"/>
+    <p:sldId id="307" r:id="rId49"/>
+    <p:sldId id="304" r:id="rId50"/>
+    <p:sldId id="279" r:id="rId51"/>
   </p:sldIdLst>
   <p:sldSz cx="9144000" cy="6858000" type="screen4x3"/>
   <p:notesSz cx="6858000" cy="9144000"/>
@@ -144,7 +155,7 @@
   </p:defaultTextStyle>
   <p:extLst>
     <p:ext uri="{EFAFB233-063F-42B5-8137-9DF3F51BA10A}">
-      <p15:sldGuideLst xmlns="" xmlns:p15="http://schemas.microsoft.com/office/powerpoint/2012/main"/>
+      <p15:sldGuideLst xmlns:p15="http://schemas.microsoft.com/office/powerpoint/2012/main" xmlns=""/>
     </p:ext>
   </p:extLst>
 </p:presentation>
@@ -179,7 +190,7 @@
           <a:blip r:embed="rId2">
             <a:extLst>
               <a:ext uri="{28A0092B-C50C-407E-A947-70E740481C1C}">
-                <a14:useLocalDpi xmlns="" xmlns:a14="http://schemas.microsoft.com/office/drawing/2010/main" val="0"/>
+                <a14:useLocalDpi xmlns:a14="http://schemas.microsoft.com/office/drawing/2010/main" xmlns="" val="0"/>
               </a:ext>
             </a:extLst>
           </a:blip>
@@ -224,7 +235,7 @@
     </p:spTree>
     <p:extLst>
       <p:ext uri="{BB962C8B-B14F-4D97-AF65-F5344CB8AC3E}">
-        <p14:creationId xmlns="" xmlns:p14="http://schemas.microsoft.com/office/powerpoint/2010/main" val="1338936593"/>
+        <p14:creationId xmlns:p14="http://schemas.microsoft.com/office/powerpoint/2010/main" xmlns="" val="1338936593"/>
       </p:ext>
     </p:extLst>
   </p:cSld>
@@ -263,7 +274,7 @@
           <a:blip r:embed="rId2">
             <a:extLst>
               <a:ext uri="{28A0092B-C50C-407E-A947-70E740481C1C}">
-                <a14:useLocalDpi xmlns="" xmlns:a14="http://schemas.microsoft.com/office/drawing/2010/main" val="0"/>
+                <a14:useLocalDpi xmlns:a14="http://schemas.microsoft.com/office/drawing/2010/main" xmlns="" val="0"/>
               </a:ext>
             </a:extLst>
           </a:blip>
@@ -285,7 +296,7 @@
           <p:cNvPr id="9" name="文本占位符 10">
             <a:extLst>
               <a:ext uri="{FF2B5EF4-FFF2-40B4-BE49-F238E27FC236}">
-                <a16:creationId xmlns:a16="http://schemas.microsoft.com/office/drawing/2014/main" xmlns="" id="{01D010F3-905B-4D60-A57E-5C1F1E5D7F48}"/>
+                <a16:creationId xmlns="" xmlns:a16="http://schemas.microsoft.com/office/drawing/2014/main" id="{01D010F3-905B-4D60-A57E-5C1F1E5D7F48}"/>
               </a:ext>
             </a:extLst>
           </p:cNvPr>
@@ -451,7 +462,7 @@
     </p:spTree>
     <p:extLst>
       <p:ext uri="{BB962C8B-B14F-4D97-AF65-F5344CB8AC3E}">
-        <p14:creationId xmlns="" xmlns:p14="http://schemas.microsoft.com/office/powerpoint/2010/main" val="4137035524"/>
+        <p14:creationId xmlns:p14="http://schemas.microsoft.com/office/powerpoint/2010/main" xmlns="" val="4137035524"/>
       </p:ext>
     </p:extLst>
   </p:cSld>
@@ -548,7 +559,7 @@
     </p:spTree>
     <p:extLst>
       <p:ext uri="{BB962C8B-B14F-4D97-AF65-F5344CB8AC3E}">
-        <p14:creationId xmlns="" xmlns:p14="http://schemas.microsoft.com/office/powerpoint/2010/main" val="1759841624"/>
+        <p14:creationId xmlns:p14="http://schemas.microsoft.com/office/powerpoint/2010/main" xmlns="" val="1759841624"/>
       </p:ext>
     </p:extLst>
   </p:cSld>
@@ -799,7 +810,7 @@
     </p:spTree>
     <p:extLst>
       <p:ext uri="{BB962C8B-B14F-4D97-AF65-F5344CB8AC3E}">
-        <p14:creationId xmlns="" xmlns:p14="http://schemas.microsoft.com/office/powerpoint/2010/main" val="3267739063"/>
+        <p14:creationId xmlns:p14="http://schemas.microsoft.com/office/powerpoint/2010/main" xmlns="" val="3267739063"/>
       </p:ext>
     </p:extLst>
   </p:cSld>
@@ -1114,7 +1125,7 @@
           <p:cNvPr id="6" name="文本框 5">
             <a:extLst>
               <a:ext uri="{FF2B5EF4-FFF2-40B4-BE49-F238E27FC236}">
-                <a16:creationId xmlns:a16="http://schemas.microsoft.com/office/drawing/2014/main" xmlns="" id="{80BDF59C-8876-4C07-86D1-096C6CCDE453}"/>
+                <a16:creationId xmlns="" xmlns:a16="http://schemas.microsoft.com/office/drawing/2014/main" id="{80BDF59C-8876-4C07-86D1-096C6CCDE453}"/>
               </a:ext>
             </a:extLst>
           </p:cNvPr>
@@ -1197,7 +1208,7 @@
           <p:cNvPr id="7" name="文本框 6">
             <a:extLst>
               <a:ext uri="{FF2B5EF4-FFF2-40B4-BE49-F238E27FC236}">
-                <a16:creationId xmlns:a16="http://schemas.microsoft.com/office/drawing/2014/main" xmlns="" id="{9641ACBE-BC14-4FC9-81D3-2BCBC14FA20C}"/>
+                <a16:creationId xmlns="" xmlns:a16="http://schemas.microsoft.com/office/drawing/2014/main" id="{9641ACBE-BC14-4FC9-81D3-2BCBC14FA20C}"/>
               </a:ext>
             </a:extLst>
           </p:cNvPr>
@@ -1247,7 +1258,7 @@
           <p:cNvPr id="8" name="文本框 7">
             <a:extLst>
               <a:ext uri="{FF2B5EF4-FFF2-40B4-BE49-F238E27FC236}">
-                <a16:creationId xmlns:a16="http://schemas.microsoft.com/office/drawing/2014/main" xmlns="" id="{7B3317C5-8A3B-41BC-BEF9-80955951153B}"/>
+                <a16:creationId xmlns="" xmlns:a16="http://schemas.microsoft.com/office/drawing/2014/main" id="{7B3317C5-8A3B-41BC-BEF9-80955951153B}"/>
               </a:ext>
             </a:extLst>
           </p:cNvPr>
@@ -1314,13 +1325,20 @@
     </p:spTree>
     <p:extLst>
       <p:ext uri="{BB962C8B-B14F-4D97-AF65-F5344CB8AC3E}">
-        <p14:creationId xmlns="" xmlns:p14="http://schemas.microsoft.com/office/powerpoint/2010/main" val="2080158732"/>
+        <p14:creationId xmlns:p14="http://schemas.microsoft.com/office/powerpoint/2010/main" xmlns="" val="2080158732"/>
       </p:ext>
     </p:extLst>
   </p:cSld>
   <p:clrMapOvr>
     <a:masterClrMapping/>
   </p:clrMapOvr>
+  <p:timing>
+    <p:tnLst>
+      <p:par>
+        <p:cTn id="1" dur="indefinite" restart="never" nodeType="tmRoot"/>
+      </p:par>
+    </p:tnLst>
+  </p:timing>
 </p:sld>
 </file>
 
@@ -6556,7 +6574,7 @@
     </p:spTree>
     <p:extLst>
       <p:ext uri="{BB962C8B-B14F-4D97-AF65-F5344CB8AC3E}">
-        <p14:creationId xmlns="" xmlns:p14="http://schemas.microsoft.com/office/powerpoint/2010/main" val="1047839009"/>
+        <p14:creationId xmlns:p14="http://schemas.microsoft.com/office/powerpoint/2010/main" xmlns="" val="1047839009"/>
       </p:ext>
     </p:extLst>
   </p:cSld>
@@ -7174,7 +7192,7 @@
     </p:spTree>
     <p:extLst>
       <p:ext uri="{BB962C8B-B14F-4D97-AF65-F5344CB8AC3E}">
-        <p14:creationId xmlns:p14="http://schemas.microsoft.com/office/powerpoint/2010/main" xmlns="" val="900910706"/>
+        <p14:creationId xmlns="" xmlns:p14="http://schemas.microsoft.com/office/powerpoint/2010/main" val="900910706"/>
       </p:ext>
     </p:extLst>
   </p:cSld>
@@ -7461,7 +7479,7 @@
     </p:spTree>
     <p:extLst>
       <p:ext uri="{BB962C8B-B14F-4D97-AF65-F5344CB8AC3E}">
-        <p14:creationId xmlns:p14="http://schemas.microsoft.com/office/powerpoint/2010/main" xmlns="" val="768345762"/>
+        <p14:creationId xmlns="" xmlns:p14="http://schemas.microsoft.com/office/powerpoint/2010/main" val="768345762"/>
       </p:ext>
     </p:extLst>
   </p:cSld>
@@ -8972,7 +8990,7 @@
     </p:spTree>
     <p:extLst>
       <p:ext uri="{BB962C8B-B14F-4D97-AF65-F5344CB8AC3E}">
-        <p14:creationId xmlns:p14="http://schemas.microsoft.com/office/powerpoint/2010/main" xmlns="" val="3760972625"/>
+        <p14:creationId xmlns="" xmlns:p14="http://schemas.microsoft.com/office/powerpoint/2010/main" val="3760972625"/>
       </p:ext>
     </p:extLst>
   </p:cSld>
@@ -9810,7 +9828,7 @@
     </p:spTree>
     <p:extLst>
       <p:ext uri="{BB962C8B-B14F-4D97-AF65-F5344CB8AC3E}">
-        <p14:creationId xmlns:p14="http://schemas.microsoft.com/office/powerpoint/2010/main" xmlns="" val="1130343970"/>
+        <p14:creationId xmlns="" xmlns:p14="http://schemas.microsoft.com/office/powerpoint/2010/main" val="1130343970"/>
       </p:ext>
     </p:extLst>
   </p:cSld>
@@ -10466,7 +10484,7 @@
     </p:spTree>
     <p:extLst>
       <p:ext uri="{BB962C8B-B14F-4D97-AF65-F5344CB8AC3E}">
-        <p14:creationId xmlns:p14="http://schemas.microsoft.com/office/powerpoint/2010/main" xmlns="" val="3674534974"/>
+        <p14:creationId xmlns="" xmlns:p14="http://schemas.microsoft.com/office/powerpoint/2010/main" val="3674534974"/>
       </p:ext>
     </p:extLst>
   </p:cSld>
@@ -10928,7 +10946,7 @@
     </p:spTree>
     <p:extLst>
       <p:ext uri="{BB962C8B-B14F-4D97-AF65-F5344CB8AC3E}">
-        <p14:creationId xmlns:p14="http://schemas.microsoft.com/office/powerpoint/2010/main" xmlns="" val="1767821580"/>
+        <p14:creationId xmlns="" xmlns:p14="http://schemas.microsoft.com/office/powerpoint/2010/main" val="1767821580"/>
       </p:ext>
     </p:extLst>
   </p:cSld>
@@ -11037,7 +11055,7 @@
     </p:spTree>
     <p:extLst>
       <p:ext uri="{BB962C8B-B14F-4D97-AF65-F5344CB8AC3E}">
-        <p14:creationId xmlns:p14="http://schemas.microsoft.com/office/powerpoint/2010/main" xmlns="" val="156102797"/>
+        <p14:creationId xmlns="" xmlns:p14="http://schemas.microsoft.com/office/powerpoint/2010/main" val="156102797"/>
       </p:ext>
     </p:extLst>
   </p:cSld>
@@ -11673,7 +11691,7 @@
     </p:spTree>
     <p:extLst>
       <p:ext uri="{BB962C8B-B14F-4D97-AF65-F5344CB8AC3E}">
-        <p14:creationId xmlns:p14="http://schemas.microsoft.com/office/powerpoint/2010/main" xmlns="" val="1320338770"/>
+        <p14:creationId xmlns="" xmlns:p14="http://schemas.microsoft.com/office/powerpoint/2010/main" val="1320338770"/>
       </p:ext>
     </p:extLst>
   </p:cSld>
@@ -12116,7 +12134,7 @@
       </p:sp>
       <p:sp>
         <p:nvSpPr>
-          <p:cNvPr id="6" name="内容占位符 5"/>
+          <p:cNvPr id="3" name="内容占位符 2"/>
           <p:cNvSpPr>
             <a:spLocks noGrp="1"/>
           </p:cNvSpPr>
@@ -12129,15 +12147,88 @@
           <a:bodyPr/>
           <a:lstStyle/>
           <a:p>
-            <a:endParaRPr lang="zh-CN" altLang="en-US" dirty="0"/>
+            <a:endParaRPr lang="zh-CN" altLang="en-US"/>
           </a:p>
         </p:txBody>
       </p:sp>
+      <p:pic>
+        <p:nvPicPr>
+          <p:cNvPr id="5122" name="Picture 2"/>
+          <p:cNvPicPr>
+            <a:picLocks noChangeAspect="1" noChangeArrowheads="1"/>
+          </p:cNvPicPr>
+          <p:nvPr/>
+        </p:nvPicPr>
+        <p:blipFill>
+          <a:blip r:embed="rId2"/>
+          <a:srcRect/>
+          <a:stretch>
+            <a:fillRect/>
+          </a:stretch>
+        </p:blipFill>
+        <p:spPr bwMode="auto">
+          <a:xfrm>
+            <a:off x="1829061" y="1666010"/>
+            <a:ext cx="5286375" cy="2362200"/>
+          </a:xfrm>
+          <a:prstGeom prst="rect">
+            <a:avLst/>
+          </a:prstGeom>
+          <a:noFill/>
+          <a:ln w="9525">
+            <a:noFill/>
+            <a:miter lim="800000"/>
+            <a:headEnd/>
+            <a:tailEnd/>
+          </a:ln>
+          <a:effectLst/>
+        </p:spPr>
+      </p:pic>
+      <p:pic>
+        <p:nvPicPr>
+          <p:cNvPr id="5123" name="Picture 3"/>
+          <p:cNvPicPr>
+            <a:picLocks noChangeAspect="1" noChangeArrowheads="1"/>
+          </p:cNvPicPr>
+          <p:nvPr/>
+        </p:nvPicPr>
+        <p:blipFill>
+          <a:blip r:embed="rId3"/>
+          <a:srcRect/>
+          <a:stretch>
+            <a:fillRect/>
+          </a:stretch>
+        </p:blipFill>
+        <p:spPr bwMode="auto">
+          <a:xfrm>
+            <a:off x="1359477" y="4441941"/>
+            <a:ext cx="6589713" cy="933450"/>
+          </a:xfrm>
+          <a:prstGeom prst="rect">
+            <a:avLst/>
+          </a:prstGeom>
+          <a:noFill/>
+          <a:ln w="9525">
+            <a:noFill/>
+            <a:miter lim="800000"/>
+            <a:headEnd/>
+            <a:tailEnd/>
+          </a:ln>
+          <a:effectLst/>
+        </p:spPr>
+      </p:pic>
     </p:spTree>
   </p:cSld>
   <p:clrMapOvr>
     <a:masterClrMapping/>
   </p:clrMapOvr>
+  <p:timing>
+    <p:tnLst>
+      <p:par>
+        <p:cTn id="1" dur="indefinite" restart="never" nodeType="tmRoot"/>
+      </p:par>
+    </p:tnLst>
+  </p:timing>
 </p:sld>
 </file>
 
@@ -12185,7 +12276,7 @@
       </p:sp>
       <p:sp>
         <p:nvSpPr>
-          <p:cNvPr id="3" name="内容占位符 2"/>
+          <p:cNvPr id="6" name="内容占位符 5"/>
           <p:cNvSpPr>
             <a:spLocks noGrp="1"/>
           </p:cNvSpPr>
@@ -12198,15 +12289,63 @@
           <a:bodyPr/>
           <a:lstStyle/>
           <a:p>
-            <a:endParaRPr lang="zh-CN" altLang="en-US"/>
+            <a:r>
+              <a:rPr lang="en-US" altLang="zh-CN" dirty="0" err="1" smtClean="0"/>
+              <a:t>Postgresql</a:t>
+            </a:r>
+            <a:r>
+              <a:rPr lang="en-US" altLang="zh-CN" dirty="0" smtClean="0"/>
+              <a:t> to Entity</a:t>
+            </a:r>
+            <a:endParaRPr lang="zh-CN" altLang="en-US" dirty="0"/>
           </a:p>
         </p:txBody>
       </p:sp>
+      <p:pic>
+        <p:nvPicPr>
+          <p:cNvPr id="1027" name="Picture 3"/>
+          <p:cNvPicPr>
+            <a:picLocks noChangeAspect="1" noChangeArrowheads="1"/>
+          </p:cNvPicPr>
+          <p:nvPr/>
+        </p:nvPicPr>
+        <p:blipFill>
+          <a:blip r:embed="rId2"/>
+          <a:srcRect/>
+          <a:stretch>
+            <a:fillRect/>
+          </a:stretch>
+        </p:blipFill>
+        <p:spPr bwMode="auto">
+          <a:xfrm>
+            <a:off x="1464772" y="1850102"/>
+            <a:ext cx="5981700" cy="2343150"/>
+          </a:xfrm>
+          <a:prstGeom prst="rect">
+            <a:avLst/>
+          </a:prstGeom>
+          <a:noFill/>
+          <a:ln w="9525">
+            <a:noFill/>
+            <a:miter lim="800000"/>
+            <a:headEnd/>
+            <a:tailEnd/>
+          </a:ln>
+          <a:effectLst/>
+        </p:spPr>
+      </p:pic>
     </p:spTree>
   </p:cSld>
   <p:clrMapOvr>
     <a:masterClrMapping/>
   </p:clrMapOvr>
+  <p:timing>
+    <p:tnLst>
+      <p:par>
+        <p:cTn id="1" dur="indefinite" restart="never" nodeType="tmRoot"/>
+      </p:par>
+    </p:tnLst>
+  </p:timing>
 </p:sld>
 </file>
 
@@ -12245,8 +12384,8 @@
           <a:lstStyle/>
           <a:p>
             <a:r>
-              <a:rPr lang="en-US" altLang="zh-CN" dirty="0" err="1" smtClean="0"/>
-              <a:t>ormpp</a:t>
+              <a:rPr lang="zh-CN" altLang="en-US" dirty="0" smtClean="0"/>
+              <a:t>实体映射</a:t>
             </a:r>
             <a:endParaRPr lang="zh-CN" altLang="en-US" dirty="0"/>
           </a:p>
@@ -12267,15 +12406,66 @@
           <a:bodyPr/>
           <a:lstStyle/>
           <a:p>
-            <a:endParaRPr lang="zh-CN" altLang="en-US"/>
+            <a:r>
+              <a:rPr lang="en-US" altLang="zh-CN" dirty="0" err="1" smtClean="0"/>
+              <a:t>Postgresql</a:t>
+            </a:r>
+            <a:r>
+              <a:rPr lang="en-US" altLang="zh-CN" dirty="0" smtClean="0"/>
+              <a:t> to Entity</a:t>
+            </a:r>
+            <a:endParaRPr lang="zh-CN" altLang="en-US" dirty="0" smtClean="0"/>
+          </a:p>
+          <a:p>
+            <a:endParaRPr lang="zh-CN" altLang="en-US" dirty="0"/>
           </a:p>
         </p:txBody>
       </p:sp>
+      <p:pic>
+        <p:nvPicPr>
+          <p:cNvPr id="2050" name="Picture 2"/>
+          <p:cNvPicPr>
+            <a:picLocks noChangeAspect="1" noChangeArrowheads="1"/>
+          </p:cNvPicPr>
+          <p:nvPr/>
+        </p:nvPicPr>
+        <p:blipFill>
+          <a:blip r:embed="rId2"/>
+          <a:srcRect/>
+          <a:stretch>
+            <a:fillRect/>
+          </a:stretch>
+        </p:blipFill>
+        <p:spPr bwMode="auto">
+          <a:xfrm>
+            <a:off x="1131222" y="1808710"/>
+            <a:ext cx="6780213" cy="4038600"/>
+          </a:xfrm>
+          <a:prstGeom prst="rect">
+            <a:avLst/>
+          </a:prstGeom>
+          <a:noFill/>
+          <a:ln w="9525">
+            <a:noFill/>
+            <a:miter lim="800000"/>
+            <a:headEnd/>
+            <a:tailEnd/>
+          </a:ln>
+          <a:effectLst/>
+        </p:spPr>
+      </p:pic>
     </p:spTree>
   </p:cSld>
   <p:clrMapOvr>
     <a:masterClrMapping/>
   </p:clrMapOvr>
+  <p:timing>
+    <p:tnLst>
+      <p:par>
+        <p:cTn id="1" dur="indefinite" restart="never" nodeType="tmRoot"/>
+      </p:par>
+    </p:tnLst>
+  </p:timing>
 </p:sld>
 </file>
 
@@ -12313,7 +12503,11 @@
           </a:bodyPr>
           <a:lstStyle/>
           <a:p>
-            <a:endParaRPr lang="zh-CN" altLang="en-US"/>
+            <a:r>
+              <a:rPr lang="zh-CN" altLang="en-US" dirty="0" smtClean="0"/>
+              <a:t>实体映射</a:t>
+            </a:r>
+            <a:endParaRPr lang="zh-CN" altLang="en-US" dirty="0"/>
           </a:p>
         </p:txBody>
       </p:sp>
@@ -12332,13 +12526,21 @@
           <a:bodyPr/>
           <a:lstStyle/>
           <a:p>
+            <a:r>
+              <a:rPr lang="en-US" altLang="zh-CN" dirty="0" err="1" smtClean="0"/>
+              <a:t>Sqlite</a:t>
+            </a:r>
+            <a:r>
+              <a:rPr lang="en-US" altLang="zh-CN" dirty="0" smtClean="0"/>
+              <a:t> to Entity</a:t>
+            </a:r>
             <a:endParaRPr lang="zh-CN" altLang="en-US" dirty="0"/>
           </a:p>
         </p:txBody>
       </p:sp>
       <p:pic>
         <p:nvPicPr>
-          <p:cNvPr id="1026" name="Picture 2"/>
+          <p:cNvPr id="3074" name="Picture 2"/>
           <p:cNvPicPr>
             <a:picLocks noChangeAspect="1" noChangeArrowheads="1"/>
           </p:cNvPicPr>
@@ -12353,8 +12555,8 @@
         </p:blipFill>
         <p:spPr bwMode="auto">
           <a:xfrm>
-            <a:off x="1812175" y="2136000"/>
-            <a:ext cx="5328687" cy="3489033"/>
+            <a:off x="1728874" y="1911148"/>
+            <a:ext cx="5619750" cy="3800475"/>
           </a:xfrm>
           <a:prstGeom prst="rect">
             <a:avLst/>
@@ -12419,8 +12621,8 @@
           <a:lstStyle/>
           <a:p>
             <a:r>
-              <a:rPr lang="en-US" altLang="zh-CN" dirty="0" smtClean="0"/>
-              <a:t>AOP</a:t>
+              <a:rPr lang="zh-CN" altLang="en-US" dirty="0" smtClean="0"/>
+              <a:t>实体映射</a:t>
             </a:r>
             <a:endParaRPr lang="zh-CN" altLang="en-US" dirty="0"/>
           </a:p>
@@ -12442,55 +12644,55 @@
           <a:lstStyle/>
           <a:p>
             <a:r>
+              <a:rPr lang="en-US" altLang="zh-CN" dirty="0" err="1" smtClean="0"/>
+              <a:t>Sqlite</a:t>
+            </a:r>
+            <a:r>
               <a:rPr lang="en-US" altLang="zh-CN" dirty="0" smtClean="0"/>
-              <a:t>Logging</a:t>
-            </a:r>
-          </a:p>
-          <a:p>
-            <a:r>
-              <a:rPr lang="en-US" altLang="zh-CN" dirty="0" smtClean="0"/>
-              <a:t>Validation</a:t>
-            </a:r>
-          </a:p>
-          <a:p>
-            <a:r>
-              <a:rPr lang="en-US" altLang="zh-CN" dirty="0" smtClean="0"/>
-              <a:t>Thread Strategy</a:t>
-            </a:r>
-          </a:p>
-          <a:p>
-            <a:r>
-              <a:rPr lang="en-US" altLang="zh-CN" dirty="0" smtClean="0"/>
-              <a:t>Caching</a:t>
-            </a:r>
-          </a:p>
-          <a:p>
-            <a:r>
-              <a:rPr lang="en-US" altLang="zh-CN" dirty="0" smtClean="0"/>
-              <a:t>Exception Handling</a:t>
-            </a:r>
-          </a:p>
-          <a:p>
-            <a:r>
-              <a:rPr lang="en-US" altLang="zh-CN" dirty="0" smtClean="0"/>
-              <a:t>… and a lot more</a:t>
+              <a:t> to Entity</a:t>
             </a:r>
             <a:endParaRPr lang="zh-CN" altLang="en-US" dirty="0"/>
           </a:p>
         </p:txBody>
       </p:sp>
+      <p:pic>
+        <p:nvPicPr>
+          <p:cNvPr id="4098" name="Picture 2"/>
+          <p:cNvPicPr>
+            <a:picLocks noChangeAspect="1" noChangeArrowheads="1"/>
+          </p:cNvPicPr>
+          <p:nvPr/>
+        </p:nvPicPr>
+        <p:blipFill>
+          <a:blip r:embed="rId2"/>
+          <a:srcRect/>
+          <a:stretch>
+            <a:fillRect/>
+          </a:stretch>
+        </p:blipFill>
+        <p:spPr bwMode="auto">
+          <a:xfrm>
+            <a:off x="157942" y="1973494"/>
+            <a:ext cx="8764625" cy="3371590"/>
+          </a:xfrm>
+          <a:prstGeom prst="rect">
+            <a:avLst/>
+          </a:prstGeom>
+          <a:noFill/>
+          <a:ln w="9525">
+            <a:noFill/>
+            <a:miter lim="800000"/>
+            <a:headEnd/>
+            <a:tailEnd/>
+          </a:ln>
+          <a:effectLst/>
+        </p:spPr>
+      </p:pic>
     </p:spTree>
   </p:cSld>
   <p:clrMapOvr>
     <a:masterClrMapping/>
   </p:clrMapOvr>
-  <p:timing>
-    <p:tnLst>
-      <p:par>
-        <p:cTn id="1" dur="indefinite" restart="never" nodeType="tmRoot"/>
-      </p:par>
-    </p:tnLst>
-  </p:timing>
 </p:sld>
 </file>
 
@@ -12528,7 +12730,11 @@
           </a:bodyPr>
           <a:lstStyle/>
           <a:p>
-            <a:endParaRPr lang="zh-CN" altLang="en-US"/>
+            <a:r>
+              <a:rPr lang="zh-CN" altLang="en-US" dirty="0" smtClean="0"/>
+              <a:t>实体映射</a:t>
+            </a:r>
+            <a:endParaRPr lang="zh-CN" altLang="en-US" dirty="0"/>
           </a:p>
         </p:txBody>
       </p:sp>
@@ -12547,38 +12753,78 @@
           <a:bodyPr/>
           <a:lstStyle/>
           <a:p>
-            <a:endParaRPr lang="zh-CN" altLang="en-US"/>
+            <a:r>
+              <a:rPr lang="zh-CN" altLang="en-US" dirty="0" smtClean="0"/>
+              <a:t>多表查询</a:t>
+            </a:r>
+            <a:endParaRPr lang="zh-CN" altLang="en-US" dirty="0"/>
           </a:p>
         </p:txBody>
       </p:sp>
       <p:pic>
         <p:nvPicPr>
-          <p:cNvPr id="4" name="内容占位符 3"/>
+          <p:cNvPr id="6148" name="Picture 4"/>
           <p:cNvPicPr>
-            <a:picLocks noChangeAspect="1"/>
+            <a:picLocks noChangeAspect="1" noChangeArrowheads="1"/>
           </p:cNvPicPr>
           <p:nvPr/>
         </p:nvPicPr>
         <p:blipFill>
-          <a:blip r:embed="rId2">
-            <a:extLst>
-              <a:ext uri="{28A0092B-C50C-407E-A947-70E740481C1C}">
-                <a14:useLocalDpi xmlns:a14="http://schemas.microsoft.com/office/drawing/2010/main" xmlns="" val="0"/>
-              </a:ext>
-            </a:extLst>
-          </a:blip>
+          <a:blip r:embed="rId2"/>
+          <a:srcRect/>
           <a:stretch>
             <a:fillRect/>
           </a:stretch>
         </p:blipFill>
-        <p:spPr>
+        <p:spPr bwMode="auto">
           <a:xfrm>
-            <a:off x="2438400" y="2547937"/>
-            <a:ext cx="4000500" cy="2733675"/>
+            <a:off x="317500" y="3263372"/>
+            <a:ext cx="7542213" cy="1533525"/>
           </a:xfrm>
           <a:prstGeom prst="rect">
             <a:avLst/>
           </a:prstGeom>
+          <a:noFill/>
+          <a:ln w="9525">
+            <a:noFill/>
+            <a:miter lim="800000"/>
+            <a:headEnd/>
+            <a:tailEnd/>
+          </a:ln>
+          <a:effectLst/>
+        </p:spPr>
+      </p:pic>
+      <p:pic>
+        <p:nvPicPr>
+          <p:cNvPr id="6149" name="Picture 5"/>
+          <p:cNvPicPr>
+            <a:picLocks noChangeAspect="1" noChangeArrowheads="1"/>
+          </p:cNvPicPr>
+          <p:nvPr/>
+        </p:nvPicPr>
+        <p:blipFill>
+          <a:blip r:embed="rId3"/>
+          <a:srcRect/>
+          <a:stretch>
+            <a:fillRect/>
+          </a:stretch>
+        </p:blipFill>
+        <p:spPr bwMode="auto">
+          <a:xfrm>
+            <a:off x="232756" y="1802753"/>
+            <a:ext cx="8761095" cy="1084013"/>
+          </a:xfrm>
+          <a:prstGeom prst="rect">
+            <a:avLst/>
+          </a:prstGeom>
+          <a:noFill/>
+          <a:ln w="9525">
+            <a:noFill/>
+            <a:miter lim="800000"/>
+            <a:headEnd/>
+            <a:tailEnd/>
+          </a:ln>
+          <a:effectLst/>
         </p:spPr>
       </p:pic>
     </p:spTree>
@@ -12623,7 +12869,11 @@
           </a:bodyPr>
           <a:lstStyle/>
           <a:p>
-            <a:endParaRPr lang="zh-CN" altLang="en-US"/>
+            <a:r>
+              <a:rPr lang="zh-CN" altLang="en-US" dirty="0" smtClean="0"/>
+              <a:t>实体映射</a:t>
+            </a:r>
+            <a:endParaRPr lang="zh-CN" altLang="en-US" dirty="0"/>
           </a:p>
         </p:txBody>
       </p:sp>
@@ -12642,58 +12892,60 @@
           <a:bodyPr/>
           <a:lstStyle/>
           <a:p>
+            <a:r>
+              <a:rPr lang="zh-CN" altLang="en-US" dirty="0" smtClean="0"/>
+              <a:t>返回</a:t>
+            </a:r>
+            <a:r>
+              <a:rPr lang="en-US" altLang="zh-CN" dirty="0" err="1" smtClean="0"/>
+              <a:t>tuple</a:t>
+            </a:r>
+            <a:r>
+              <a:rPr lang="zh-CN" altLang="en-US" dirty="0" smtClean="0"/>
+              <a:t>结果时要注意元素是否为对象</a:t>
+            </a:r>
             <a:endParaRPr lang="zh-CN" altLang="en-US" dirty="0"/>
           </a:p>
         </p:txBody>
       </p:sp>
-      <p:sp>
-        <p:nvSpPr>
-          <p:cNvPr id="4" name="矩形 3"/>
-          <p:cNvSpPr/>
+      <p:pic>
+        <p:nvPicPr>
+          <p:cNvPr id="7170" name="Picture 2"/>
+          <p:cNvPicPr>
+            <a:picLocks noChangeAspect="1" noChangeArrowheads="1"/>
+          </p:cNvPicPr>
           <p:nvPr/>
-        </p:nvSpPr>
-        <p:spPr>
+        </p:nvPicPr>
+        <p:blipFill>
+          <a:blip r:embed="rId2"/>
+          <a:srcRect/>
+          <a:stretch>
+            <a:fillRect/>
+          </a:stretch>
+        </p:blipFill>
+        <p:spPr bwMode="auto">
           <a:xfrm>
-            <a:off x="2417141" y="2803759"/>
-            <a:ext cx="4134465" cy="584775"/>
+            <a:off x="1121699" y="1894783"/>
+            <a:ext cx="6799263" cy="3600450"/>
           </a:xfrm>
           <a:prstGeom prst="rect">
             <a:avLst/>
           </a:prstGeom>
+          <a:noFill/>
+          <a:ln w="9525">
+            <a:noFill/>
+            <a:miter lim="800000"/>
+            <a:headEnd/>
+            <a:tailEnd/>
+          </a:ln>
+          <a:effectLst/>
         </p:spPr>
-        <p:txBody>
-          <a:bodyPr wrap="none">
-            <a:spAutoFit/>
-          </a:bodyPr>
-          <a:lstStyle/>
-          <a:p>
-            <a:r>
-              <a:rPr lang="en-US" altLang="zh-CN" sz="3200" b="1" dirty="0" smtClean="0">
-                <a:latin typeface="DejaVu Sans Mono" pitchFamily="49" charset="0"/>
-                <a:ea typeface="DejaVu Sans Mono" pitchFamily="49" charset="0"/>
-                <a:cs typeface="DejaVu Sans Mono" pitchFamily="49" charset="0"/>
-              </a:rPr>
-              <a:t>Newer is Better!</a:t>
-            </a:r>
-            <a:endParaRPr lang="zh-CN" altLang="en-US" sz="3200" b="1" dirty="0">
-              <a:latin typeface="DejaVu Sans Mono" pitchFamily="49" charset="0"/>
-              <a:cs typeface="DejaVu Sans Mono" pitchFamily="49" charset="0"/>
-            </a:endParaRPr>
-          </a:p>
-        </p:txBody>
-      </p:sp>
+      </p:pic>
     </p:spTree>
   </p:cSld>
   <p:clrMapOvr>
     <a:masterClrMapping/>
   </p:clrMapOvr>
-  <p:timing>
-    <p:tnLst>
-      <p:par>
-        <p:cTn id="1" dur="indefinite" restart="never" nodeType="tmRoot"/>
-      </p:par>
-    </p:tnLst>
-  </p:timing>
 </p:sld>
 </file>
 
@@ -12864,6 +13116,2273 @@
             <a:headEnd/>
             <a:tailEnd/>
           </a:ln>
+        </p:spPr>
+      </p:pic>
+    </p:spTree>
+  </p:cSld>
+  <p:clrMapOvr>
+    <a:masterClrMapping/>
+  </p:clrMapOvr>
+  <p:timing>
+    <p:tnLst>
+      <p:par>
+        <p:cTn id="1" dur="indefinite" restart="never" nodeType="tmRoot"/>
+      </p:par>
+    </p:tnLst>
+  </p:timing>
+</p:sld>
+</file>
+
+<file path=ppt/slides/slide40.xml><?xml version="1.0" encoding="utf-8"?>
+<p:sld xmlns:a="http://schemas.openxmlformats.org/drawingml/2006/main" xmlns:r="http://schemas.openxmlformats.org/officeDocument/2006/relationships" xmlns:p="http://schemas.openxmlformats.org/presentationml/2006/main">
+  <p:cSld>
+    <p:spTree>
+      <p:nvGrpSpPr>
+        <p:cNvPr id="1" name=""/>
+        <p:cNvGrpSpPr/>
+        <p:nvPr/>
+      </p:nvGrpSpPr>
+      <p:grpSpPr>
+        <a:xfrm>
+          <a:off x="0" y="0"/>
+          <a:ext cx="0" cy="0"/>
+          <a:chOff x="0" y="0"/>
+          <a:chExt cx="0" cy="0"/>
+        </a:xfrm>
+      </p:grpSpPr>
+      <p:sp>
+        <p:nvSpPr>
+          <p:cNvPr id="2" name="文本占位符 1"/>
+          <p:cNvSpPr>
+            <a:spLocks noGrp="1"/>
+          </p:cNvSpPr>
+          <p:nvPr>
+            <p:ph type="body" sz="quarter" idx="10"/>
+          </p:nvPr>
+        </p:nvSpPr>
+        <p:spPr/>
+        <p:txBody>
+          <a:bodyPr>
+            <a:normAutofit lnSpcReduction="10000"/>
+          </a:bodyPr>
+          <a:lstStyle/>
+          <a:p>
+            <a:r>
+              <a:rPr lang="en-US" altLang="zh-CN" dirty="0" err="1" smtClean="0"/>
+              <a:t>ormpp</a:t>
+            </a:r>
+            <a:endParaRPr lang="zh-CN" altLang="en-US" dirty="0"/>
+          </a:p>
+        </p:txBody>
+      </p:sp>
+      <p:sp>
+        <p:nvSpPr>
+          <p:cNvPr id="3" name="内容占位符 2"/>
+          <p:cNvSpPr>
+            <a:spLocks noGrp="1"/>
+          </p:cNvSpPr>
+          <p:nvPr>
+            <p:ph sz="quarter" idx="11"/>
+          </p:nvPr>
+        </p:nvSpPr>
+        <p:spPr/>
+        <p:txBody>
+          <a:bodyPr/>
+          <a:lstStyle/>
+          <a:p>
+            <a:pPr>
+              <a:buFont typeface="Wingdings" pitchFamily="2" charset="2"/>
+              <a:buChar char="n"/>
+            </a:pPr>
+            <a:r>
+              <a:rPr lang="en-US" altLang="zh-CN" dirty="0" err="1" smtClean="0"/>
+              <a:t>ormpp</a:t>
+            </a:r>
+            <a:r>
+              <a:rPr lang="en-US" altLang="zh-CN" dirty="0" smtClean="0"/>
+              <a:t> </a:t>
+            </a:r>
+            <a:r>
+              <a:rPr lang="en-US" altLang="zh-CN" dirty="0" smtClean="0"/>
+              <a:t>---- </a:t>
+            </a:r>
+            <a:r>
+              <a:rPr lang="zh-CN" altLang="en-US" dirty="0" smtClean="0"/>
+              <a:t>让数据库操作变得简单</a:t>
+            </a:r>
+            <a:endParaRPr lang="en-US" altLang="zh-CN" dirty="0" smtClean="0"/>
+          </a:p>
+          <a:p>
+            <a:pPr lvl="1">
+              <a:buFont typeface="Wingdings" pitchFamily="2" charset="2"/>
+              <a:buChar char="Ø"/>
+            </a:pPr>
+            <a:r>
+              <a:rPr lang="en-US" dirty="0" smtClean="0"/>
+              <a:t>header only</a:t>
+            </a:r>
+          </a:p>
+          <a:p>
+            <a:pPr lvl="1">
+              <a:buFont typeface="Wingdings" pitchFamily="2" charset="2"/>
+              <a:buChar char="Ø"/>
+            </a:pPr>
+            <a:r>
+              <a:rPr lang="en-US" dirty="0" smtClean="0"/>
+              <a:t>cross platform</a:t>
+            </a:r>
+          </a:p>
+          <a:p>
+            <a:pPr lvl="1">
+              <a:buFont typeface="Wingdings" pitchFamily="2" charset="2"/>
+              <a:buChar char="Ø"/>
+            </a:pPr>
+            <a:r>
+              <a:rPr lang="en-US" dirty="0" smtClean="0"/>
+              <a:t>unified interface</a:t>
+            </a:r>
+          </a:p>
+          <a:p>
+            <a:pPr lvl="1">
+              <a:buFont typeface="Wingdings" pitchFamily="2" charset="2"/>
+              <a:buChar char="Ø"/>
+            </a:pPr>
+            <a:r>
+              <a:rPr lang="en-US" dirty="0" smtClean="0"/>
+              <a:t>easy to use</a:t>
+            </a:r>
+          </a:p>
+          <a:p>
+            <a:pPr lvl="1">
+              <a:buFont typeface="Wingdings" pitchFamily="2" charset="2"/>
+              <a:buChar char="Ø"/>
+            </a:pPr>
+            <a:r>
+              <a:rPr lang="en-US" dirty="0" smtClean="0"/>
+              <a:t>easy to change database</a:t>
+            </a:r>
+          </a:p>
+          <a:p>
+            <a:endParaRPr lang="zh-CN" altLang="en-US" dirty="0"/>
+          </a:p>
+        </p:txBody>
+      </p:sp>
+      <p:sp>
+        <p:nvSpPr>
+          <p:cNvPr id="4" name="矩形 3"/>
+          <p:cNvSpPr/>
+          <p:nvPr/>
+        </p:nvSpPr>
+        <p:spPr>
+          <a:xfrm>
+            <a:off x="842758" y="3676596"/>
+            <a:ext cx="3959033" cy="677108"/>
+          </a:xfrm>
+          <a:prstGeom prst="rect">
+            <a:avLst/>
+          </a:prstGeom>
+        </p:spPr>
+        <p:txBody>
+          <a:bodyPr wrap="none">
+            <a:spAutoFit/>
+          </a:bodyPr>
+          <a:lstStyle/>
+          <a:p>
+            <a:r>
+              <a:rPr lang="en-US" altLang="zh-CN" dirty="0" smtClean="0">
+                <a:hlinkClick r:id="rId2"/>
+              </a:rPr>
+              <a:t>https://</a:t>
+            </a:r>
+            <a:r>
+              <a:rPr lang="en-US" altLang="zh-CN" sz="2000" dirty="0" smtClean="0">
+                <a:hlinkClick r:id="rId2"/>
+              </a:rPr>
+              <a:t>github.com/qicosmos/ormpp</a:t>
+            </a:r>
+            <a:endParaRPr lang="en-US" altLang="zh-CN" dirty="0" smtClean="0"/>
+          </a:p>
+          <a:p>
+            <a:endParaRPr lang="zh-CN" altLang="en-US" dirty="0"/>
+          </a:p>
+        </p:txBody>
+      </p:sp>
+    </p:spTree>
+  </p:cSld>
+  <p:clrMapOvr>
+    <a:masterClrMapping/>
+  </p:clrMapOvr>
+  <p:timing>
+    <p:tnLst>
+      <p:par>
+        <p:cTn id="1" dur="indefinite" restart="never" nodeType="tmRoot"/>
+      </p:par>
+    </p:tnLst>
+  </p:timing>
+</p:sld>
+</file>
+
+<file path=ppt/slides/slide41.xml><?xml version="1.0" encoding="utf-8"?>
+<p:sld xmlns:a="http://schemas.openxmlformats.org/drawingml/2006/main" xmlns:r="http://schemas.openxmlformats.org/officeDocument/2006/relationships" xmlns:p="http://schemas.openxmlformats.org/presentationml/2006/main">
+  <p:cSld>
+    <p:spTree>
+      <p:nvGrpSpPr>
+        <p:cNvPr id="1" name=""/>
+        <p:cNvGrpSpPr/>
+        <p:nvPr/>
+      </p:nvGrpSpPr>
+      <p:grpSpPr>
+        <a:xfrm>
+          <a:off x="0" y="0"/>
+          <a:ext cx="0" cy="0"/>
+          <a:chOff x="0" y="0"/>
+          <a:chExt cx="0" cy="0"/>
+        </a:xfrm>
+      </p:grpSpPr>
+      <p:sp>
+        <p:nvSpPr>
+          <p:cNvPr id="2" name="文本占位符 1"/>
+          <p:cNvSpPr>
+            <a:spLocks noGrp="1"/>
+          </p:cNvSpPr>
+          <p:nvPr>
+            <p:ph type="body" sz="quarter" idx="10"/>
+          </p:nvPr>
+        </p:nvSpPr>
+        <p:spPr/>
+        <p:txBody>
+          <a:bodyPr>
+            <a:normAutofit lnSpcReduction="10000"/>
+          </a:bodyPr>
+          <a:lstStyle/>
+          <a:p>
+            <a:endParaRPr lang="zh-CN" altLang="en-US"/>
+          </a:p>
+        </p:txBody>
+      </p:sp>
+      <p:sp>
+        <p:nvSpPr>
+          <p:cNvPr id="3" name="内容占位符 2"/>
+          <p:cNvSpPr>
+            <a:spLocks noGrp="1"/>
+          </p:cNvSpPr>
+          <p:nvPr>
+            <p:ph sz="quarter" idx="11"/>
+          </p:nvPr>
+        </p:nvSpPr>
+        <p:spPr/>
+        <p:txBody>
+          <a:bodyPr/>
+          <a:lstStyle/>
+          <a:p>
+            <a:endParaRPr lang="zh-CN" altLang="en-US" dirty="0"/>
+          </a:p>
+        </p:txBody>
+      </p:sp>
+      <p:pic>
+        <p:nvPicPr>
+          <p:cNvPr id="1026" name="Picture 2"/>
+          <p:cNvPicPr>
+            <a:picLocks noChangeAspect="1" noChangeArrowheads="1"/>
+          </p:cNvPicPr>
+          <p:nvPr/>
+        </p:nvPicPr>
+        <p:blipFill>
+          <a:blip r:embed="rId2"/>
+          <a:srcRect/>
+          <a:stretch>
+            <a:fillRect/>
+          </a:stretch>
+        </p:blipFill>
+        <p:spPr bwMode="auto">
+          <a:xfrm>
+            <a:off x="1812175" y="2136000"/>
+            <a:ext cx="5328687" cy="3489033"/>
+          </a:xfrm>
+          <a:prstGeom prst="rect">
+            <a:avLst/>
+          </a:prstGeom>
+          <a:noFill/>
+          <a:ln w="9525">
+            <a:noFill/>
+            <a:miter lim="800000"/>
+            <a:headEnd/>
+            <a:tailEnd/>
+          </a:ln>
+          <a:effectLst/>
+        </p:spPr>
+      </p:pic>
+    </p:spTree>
+  </p:cSld>
+  <p:clrMapOvr>
+    <a:masterClrMapping/>
+  </p:clrMapOvr>
+  <p:timing>
+    <p:tnLst>
+      <p:par>
+        <p:cTn id="1" dur="indefinite" restart="never" nodeType="tmRoot"/>
+      </p:par>
+    </p:tnLst>
+  </p:timing>
+</p:sld>
+</file>
+
+<file path=ppt/slides/slide42.xml><?xml version="1.0" encoding="utf-8"?>
+<p:sld xmlns:a="http://schemas.openxmlformats.org/drawingml/2006/main" xmlns:r="http://schemas.openxmlformats.org/officeDocument/2006/relationships" xmlns:p="http://schemas.openxmlformats.org/presentationml/2006/main">
+  <p:cSld>
+    <p:spTree>
+      <p:nvGrpSpPr>
+        <p:cNvPr id="1" name=""/>
+        <p:cNvGrpSpPr/>
+        <p:nvPr/>
+      </p:nvGrpSpPr>
+      <p:grpSpPr>
+        <a:xfrm>
+          <a:off x="0" y="0"/>
+          <a:ext cx="0" cy="0"/>
+          <a:chOff x="0" y="0"/>
+          <a:chExt cx="0" cy="0"/>
+        </a:xfrm>
+      </p:grpSpPr>
+      <p:sp>
+        <p:nvSpPr>
+          <p:cNvPr id="2" name="文本占位符 1"/>
+          <p:cNvSpPr>
+            <a:spLocks noGrp="1"/>
+          </p:cNvSpPr>
+          <p:nvPr>
+            <p:ph type="body" sz="quarter" idx="10"/>
+          </p:nvPr>
+        </p:nvSpPr>
+        <p:spPr/>
+        <p:txBody>
+          <a:bodyPr>
+            <a:normAutofit lnSpcReduction="10000"/>
+          </a:bodyPr>
+          <a:lstStyle/>
+          <a:p>
+            <a:endParaRPr lang="zh-CN" altLang="en-US" dirty="0"/>
+          </a:p>
+        </p:txBody>
+      </p:sp>
+      <p:sp>
+        <p:nvSpPr>
+          <p:cNvPr id="3" name="内容占位符 2"/>
+          <p:cNvSpPr>
+            <a:spLocks noGrp="1"/>
+          </p:cNvSpPr>
+          <p:nvPr>
+            <p:ph sz="quarter" idx="11"/>
+          </p:nvPr>
+        </p:nvSpPr>
+        <p:spPr/>
+        <p:txBody>
+          <a:bodyPr/>
+          <a:lstStyle/>
+          <a:p>
+            <a:r>
+              <a:rPr lang="en-US" altLang="zh-CN" dirty="0" smtClean="0"/>
+              <a:t>Logging</a:t>
+            </a:r>
+          </a:p>
+          <a:p>
+            <a:r>
+              <a:rPr lang="en-US" altLang="zh-CN" dirty="0" smtClean="0"/>
+              <a:t>Validation</a:t>
+            </a:r>
+          </a:p>
+          <a:p>
+            <a:r>
+              <a:rPr lang="en-US" altLang="zh-CN" dirty="0" smtClean="0"/>
+              <a:t>Thread Strategy</a:t>
+            </a:r>
+          </a:p>
+          <a:p>
+            <a:r>
+              <a:rPr lang="en-US" altLang="zh-CN" dirty="0" smtClean="0"/>
+              <a:t>Caching</a:t>
+            </a:r>
+          </a:p>
+          <a:p>
+            <a:r>
+              <a:rPr lang="en-US" altLang="zh-CN" dirty="0" smtClean="0"/>
+              <a:t>Exception Handling</a:t>
+            </a:r>
+          </a:p>
+          <a:p>
+            <a:r>
+              <a:rPr lang="en-US" altLang="zh-CN" dirty="0" smtClean="0"/>
+              <a:t>… and a lot more</a:t>
+            </a:r>
+            <a:endParaRPr lang="zh-CN" altLang="en-US" dirty="0"/>
+          </a:p>
+        </p:txBody>
+      </p:sp>
+    </p:spTree>
+  </p:cSld>
+  <p:clrMapOvr>
+    <a:masterClrMapping/>
+  </p:clrMapOvr>
+  <p:timing>
+    <p:tnLst>
+      <p:par>
+        <p:cTn id="1" dur="indefinite" restart="never" nodeType="tmRoot"/>
+      </p:par>
+    </p:tnLst>
+  </p:timing>
+</p:sld>
+</file>
+
+<file path=ppt/slides/slide43.xml><?xml version="1.0" encoding="utf-8"?>
+<p:sld xmlns:a="http://schemas.openxmlformats.org/drawingml/2006/main" xmlns:r="http://schemas.openxmlformats.org/officeDocument/2006/relationships" xmlns:p="http://schemas.openxmlformats.org/presentationml/2006/main">
+  <p:cSld>
+    <p:spTree>
+      <p:nvGrpSpPr>
+        <p:cNvPr id="1" name=""/>
+        <p:cNvGrpSpPr/>
+        <p:nvPr/>
+      </p:nvGrpSpPr>
+      <p:grpSpPr>
+        <a:xfrm>
+          <a:off x="0" y="0"/>
+          <a:ext cx="0" cy="0"/>
+          <a:chOff x="0" y="0"/>
+          <a:chExt cx="0" cy="0"/>
+        </a:xfrm>
+      </p:grpSpPr>
+      <p:sp>
+        <p:nvSpPr>
+          <p:cNvPr id="2" name="文本占位符 1"/>
+          <p:cNvSpPr>
+            <a:spLocks noGrp="1"/>
+          </p:cNvSpPr>
+          <p:nvPr>
+            <p:ph type="body" sz="quarter" idx="10"/>
+          </p:nvPr>
+        </p:nvSpPr>
+        <p:spPr/>
+        <p:txBody>
+          <a:bodyPr>
+            <a:normAutofit lnSpcReduction="10000"/>
+          </a:bodyPr>
+          <a:lstStyle/>
+          <a:p>
+            <a:endParaRPr lang="zh-CN" altLang="en-US"/>
+          </a:p>
+        </p:txBody>
+      </p:sp>
+      <p:sp>
+        <p:nvSpPr>
+          <p:cNvPr id="3" name="内容占位符 2"/>
+          <p:cNvSpPr>
+            <a:spLocks noGrp="1"/>
+          </p:cNvSpPr>
+          <p:nvPr>
+            <p:ph sz="quarter" idx="11"/>
+          </p:nvPr>
+        </p:nvSpPr>
+        <p:spPr/>
+        <p:txBody>
+          <a:bodyPr/>
+          <a:lstStyle/>
+          <a:p>
+            <a:endParaRPr lang="zh-CN" altLang="en-US"/>
+          </a:p>
+        </p:txBody>
+      </p:sp>
+      <p:pic>
+        <p:nvPicPr>
+          <p:cNvPr id="4" name="内容占位符 3"/>
+          <p:cNvPicPr>
+            <a:picLocks noChangeAspect="1"/>
+          </p:cNvPicPr>
+          <p:nvPr/>
+        </p:nvPicPr>
+        <p:blipFill>
+          <a:blip r:embed="rId2">
+            <a:extLst>
+              <a:ext uri="{28A0092B-C50C-407E-A947-70E740481C1C}">
+                <a14:useLocalDpi xmlns="" xmlns:a14="http://schemas.microsoft.com/office/drawing/2010/main" val="0"/>
+              </a:ext>
+            </a:extLst>
+          </a:blip>
+          <a:stretch>
+            <a:fillRect/>
+          </a:stretch>
+        </p:blipFill>
+        <p:spPr>
+          <a:xfrm>
+            <a:off x="2438400" y="2547937"/>
+            <a:ext cx="4000500" cy="2733675"/>
+          </a:xfrm>
+          <a:prstGeom prst="rect">
+            <a:avLst/>
+          </a:prstGeom>
+        </p:spPr>
+      </p:pic>
+    </p:spTree>
+  </p:cSld>
+  <p:clrMapOvr>
+    <a:masterClrMapping/>
+  </p:clrMapOvr>
+  <p:timing>
+    <p:tnLst>
+      <p:par>
+        <p:cTn id="1" dur="indefinite" restart="never" nodeType="tmRoot"/>
+      </p:par>
+    </p:tnLst>
+  </p:timing>
+</p:sld>
+</file>
+
+<file path=ppt/slides/slide44.xml><?xml version="1.0" encoding="utf-8"?>
+<p:sld xmlns:a="http://schemas.openxmlformats.org/drawingml/2006/main" xmlns:r="http://schemas.openxmlformats.org/officeDocument/2006/relationships" xmlns:p="http://schemas.openxmlformats.org/presentationml/2006/main">
+  <p:cSld>
+    <p:spTree>
+      <p:nvGrpSpPr>
+        <p:cNvPr id="1" name=""/>
+        <p:cNvGrpSpPr/>
+        <p:nvPr/>
+      </p:nvGrpSpPr>
+      <p:grpSpPr>
+        <a:xfrm>
+          <a:off x="0" y="0"/>
+          <a:ext cx="0" cy="0"/>
+          <a:chOff x="0" y="0"/>
+          <a:chExt cx="0" cy="0"/>
+        </a:xfrm>
+      </p:grpSpPr>
+      <p:sp>
+        <p:nvSpPr>
+          <p:cNvPr id="2" name="文本占位符 1"/>
+          <p:cNvSpPr>
+            <a:spLocks noGrp="1"/>
+          </p:cNvSpPr>
+          <p:nvPr>
+            <p:ph type="body" sz="quarter" idx="10"/>
+          </p:nvPr>
+        </p:nvSpPr>
+        <p:spPr/>
+        <p:txBody>
+          <a:bodyPr>
+            <a:normAutofit lnSpcReduction="10000"/>
+          </a:bodyPr>
+          <a:lstStyle/>
+          <a:p>
+            <a:endParaRPr lang="zh-CN" altLang="en-US" dirty="0"/>
+          </a:p>
+        </p:txBody>
+      </p:sp>
+      <p:sp>
+        <p:nvSpPr>
+          <p:cNvPr id="3" name="内容占位符 2"/>
+          <p:cNvSpPr>
+            <a:spLocks noGrp="1"/>
+          </p:cNvSpPr>
+          <p:nvPr>
+            <p:ph sz="quarter" idx="11"/>
+          </p:nvPr>
+        </p:nvSpPr>
+        <p:spPr/>
+        <p:txBody>
+          <a:bodyPr/>
+          <a:lstStyle/>
+          <a:p>
+            <a:endParaRPr lang="zh-CN" altLang="en-US" dirty="0"/>
+          </a:p>
+        </p:txBody>
+      </p:sp>
+      <p:sp>
+        <p:nvSpPr>
+          <p:cNvPr id="4" name="矩形 3"/>
+          <p:cNvSpPr/>
+          <p:nvPr/>
+        </p:nvSpPr>
+        <p:spPr>
+          <a:xfrm>
+            <a:off x="290945" y="1346353"/>
+            <a:ext cx="7930342" cy="646331"/>
+          </a:xfrm>
+          <a:prstGeom prst="rect">
+            <a:avLst/>
+          </a:prstGeom>
+        </p:spPr>
+        <p:txBody>
+          <a:bodyPr wrap="square">
+            <a:spAutoFit/>
+          </a:bodyPr>
+          <a:lstStyle/>
+          <a:p>
+            <a:r>
+              <a:rPr lang="en-US" altLang="zh-CN" dirty="0" err="1" smtClean="0">
+                <a:latin typeface="DejaVu Sans Mono" pitchFamily="49" charset="0"/>
+                <a:ea typeface="DejaVu Sans Mono" pitchFamily="49" charset="0"/>
+                <a:cs typeface="DejaVu Sans Mono" pitchFamily="49" charset="0"/>
+              </a:rPr>
+              <a:t>dbng</a:t>
+            </a:r>
+            <a:r>
+              <a:rPr lang="en-US" altLang="zh-CN" dirty="0" smtClean="0">
+                <a:latin typeface="DejaVu Sans Mono" pitchFamily="49" charset="0"/>
+                <a:ea typeface="DejaVu Sans Mono" pitchFamily="49" charset="0"/>
+                <a:cs typeface="DejaVu Sans Mono" pitchFamily="49" charset="0"/>
+              </a:rPr>
+              <a:t>&lt;</a:t>
+            </a:r>
+            <a:r>
+              <a:rPr lang="en-US" altLang="zh-CN" dirty="0" err="1" smtClean="0">
+                <a:latin typeface="DejaVu Sans Mono" pitchFamily="49" charset="0"/>
+                <a:ea typeface="DejaVu Sans Mono" pitchFamily="49" charset="0"/>
+                <a:cs typeface="DejaVu Sans Mono" pitchFamily="49" charset="0"/>
+              </a:rPr>
+              <a:t>mysql</a:t>
+            </a:r>
+            <a:r>
+              <a:rPr lang="en-US" altLang="zh-CN" dirty="0" smtClean="0">
+                <a:latin typeface="DejaVu Sans Mono" pitchFamily="49" charset="0"/>
+                <a:ea typeface="DejaVu Sans Mono" pitchFamily="49" charset="0"/>
+                <a:cs typeface="DejaVu Sans Mono" pitchFamily="49" charset="0"/>
+              </a:rPr>
+              <a:t>&gt; </a:t>
+            </a:r>
+            <a:r>
+              <a:rPr lang="en-US" altLang="zh-CN" dirty="0" err="1" smtClean="0">
+                <a:latin typeface="DejaVu Sans Mono" pitchFamily="49" charset="0"/>
+                <a:ea typeface="DejaVu Sans Mono" pitchFamily="49" charset="0"/>
+                <a:cs typeface="DejaVu Sans Mono" pitchFamily="49" charset="0"/>
+              </a:rPr>
+              <a:t>mysql</a:t>
+            </a:r>
+            <a:r>
+              <a:rPr lang="en-US" altLang="zh-CN" dirty="0" smtClean="0">
+                <a:latin typeface="DejaVu Sans Mono" pitchFamily="49" charset="0"/>
+                <a:ea typeface="DejaVu Sans Mono" pitchFamily="49" charset="0"/>
+                <a:cs typeface="DejaVu Sans Mono" pitchFamily="49" charset="0"/>
+              </a:rPr>
+              <a:t>;</a:t>
+            </a:r>
+          </a:p>
+          <a:p>
+            <a:r>
+              <a:rPr lang="en-US" altLang="zh-CN" dirty="0" err="1" smtClean="0">
+                <a:latin typeface="DejaVu Sans Mono" pitchFamily="49" charset="0"/>
+                <a:ea typeface="DejaVu Sans Mono" pitchFamily="49" charset="0"/>
+                <a:cs typeface="DejaVu Sans Mono" pitchFamily="49" charset="0"/>
+              </a:rPr>
+              <a:t>mysql.connect</a:t>
+            </a:r>
+            <a:r>
+              <a:rPr lang="en-US" altLang="zh-CN" dirty="0" smtClean="0">
+                <a:latin typeface="DejaVu Sans Mono" pitchFamily="49" charset="0"/>
+                <a:ea typeface="DejaVu Sans Mono" pitchFamily="49" charset="0"/>
+                <a:cs typeface="DejaVu Sans Mono" pitchFamily="49" charset="0"/>
+              </a:rPr>
+              <a:t>("127.0.0.1", "root", "12345", "</a:t>
+            </a:r>
+            <a:r>
+              <a:rPr lang="en-US" altLang="zh-CN" dirty="0" err="1" smtClean="0">
+                <a:latin typeface="DejaVu Sans Mono" pitchFamily="49" charset="0"/>
+                <a:ea typeface="DejaVu Sans Mono" pitchFamily="49" charset="0"/>
+                <a:cs typeface="DejaVu Sans Mono" pitchFamily="49" charset="0"/>
+              </a:rPr>
+              <a:t>testdb</a:t>
+            </a:r>
+            <a:r>
+              <a:rPr lang="en-US" altLang="zh-CN" dirty="0" smtClean="0">
+                <a:latin typeface="DejaVu Sans Mono" pitchFamily="49" charset="0"/>
+                <a:ea typeface="DejaVu Sans Mono" pitchFamily="49" charset="0"/>
+                <a:cs typeface="DejaVu Sans Mono" pitchFamily="49" charset="0"/>
+              </a:rPr>
+              <a:t>");</a:t>
+            </a:r>
+            <a:endParaRPr lang="zh-CN" altLang="en-US" dirty="0">
+              <a:latin typeface="DejaVu Sans Mono" pitchFamily="49" charset="0"/>
+              <a:cs typeface="DejaVu Sans Mono" pitchFamily="49" charset="0"/>
+            </a:endParaRPr>
+          </a:p>
+        </p:txBody>
+      </p:sp>
+      <p:sp>
+        <p:nvSpPr>
+          <p:cNvPr id="5" name="矩形 4"/>
+          <p:cNvSpPr/>
+          <p:nvPr/>
+        </p:nvSpPr>
+        <p:spPr>
+          <a:xfrm>
+            <a:off x="340821" y="2177625"/>
+            <a:ext cx="7980219" cy="646331"/>
+          </a:xfrm>
+          <a:prstGeom prst="rect">
+            <a:avLst/>
+          </a:prstGeom>
+        </p:spPr>
+        <p:txBody>
+          <a:bodyPr wrap="square">
+            <a:spAutoFit/>
+          </a:bodyPr>
+          <a:lstStyle/>
+          <a:p>
+            <a:r>
+              <a:rPr lang="en-US" altLang="zh-CN" dirty="0" err="1" smtClean="0">
+                <a:latin typeface="DejaVu Sans Mono" pitchFamily="49" charset="0"/>
+                <a:ea typeface="DejaVu Sans Mono" pitchFamily="49" charset="0"/>
+                <a:cs typeface="DejaVu Sans Mono" pitchFamily="49" charset="0"/>
+              </a:rPr>
+              <a:t>mysql.warper_connect</a:t>
+            </a:r>
+            <a:r>
+              <a:rPr lang="en-US" altLang="zh-CN" dirty="0" smtClean="0">
+                <a:latin typeface="DejaVu Sans Mono" pitchFamily="49" charset="0"/>
+                <a:ea typeface="DejaVu Sans Mono" pitchFamily="49" charset="0"/>
+                <a:cs typeface="DejaVu Sans Mono" pitchFamily="49" charset="0"/>
+              </a:rPr>
+              <a:t>&lt;log&gt;("</a:t>
+            </a:r>
+            <a:r>
+              <a:rPr lang="en-US" altLang="zh-CN" dirty="0" smtClean="0">
+                <a:latin typeface="DejaVu Sans Mono" pitchFamily="49" charset="0"/>
+                <a:ea typeface="DejaVu Sans Mono" pitchFamily="49" charset="0"/>
+                <a:cs typeface="DejaVu Sans Mono" pitchFamily="49" charset="0"/>
+              </a:rPr>
+              <a:t>127.0.0.1", "root", "12345", "</a:t>
+            </a:r>
+            <a:r>
+              <a:rPr lang="en-US" altLang="zh-CN" dirty="0" err="1" smtClean="0">
+                <a:latin typeface="DejaVu Sans Mono" pitchFamily="49" charset="0"/>
+                <a:ea typeface="DejaVu Sans Mono" pitchFamily="49" charset="0"/>
+                <a:cs typeface="DejaVu Sans Mono" pitchFamily="49" charset="0"/>
+              </a:rPr>
+              <a:t>testdb</a:t>
+            </a:r>
+            <a:r>
+              <a:rPr lang="en-US" altLang="zh-CN" dirty="0" smtClean="0">
+                <a:latin typeface="DejaVu Sans Mono" pitchFamily="49" charset="0"/>
+                <a:ea typeface="DejaVu Sans Mono" pitchFamily="49" charset="0"/>
+                <a:cs typeface="DejaVu Sans Mono" pitchFamily="49" charset="0"/>
+              </a:rPr>
+              <a:t>");</a:t>
+            </a:r>
+            <a:endParaRPr lang="zh-CN" altLang="en-US" dirty="0">
+              <a:latin typeface="DejaVu Sans Mono" pitchFamily="49" charset="0"/>
+              <a:cs typeface="DejaVu Sans Mono" pitchFamily="49" charset="0"/>
+            </a:endParaRPr>
+          </a:p>
+        </p:txBody>
+      </p:sp>
+      <p:sp>
+        <p:nvSpPr>
+          <p:cNvPr id="6" name="矩形 5"/>
+          <p:cNvSpPr/>
+          <p:nvPr/>
+        </p:nvSpPr>
+        <p:spPr>
+          <a:xfrm>
+            <a:off x="393466" y="2928540"/>
+            <a:ext cx="7980219" cy="646331"/>
+          </a:xfrm>
+          <a:prstGeom prst="rect">
+            <a:avLst/>
+          </a:prstGeom>
+        </p:spPr>
+        <p:txBody>
+          <a:bodyPr wrap="square">
+            <a:spAutoFit/>
+          </a:bodyPr>
+          <a:lstStyle/>
+          <a:p>
+            <a:r>
+              <a:rPr lang="en-US" altLang="zh-CN" dirty="0" err="1" smtClean="0">
+                <a:latin typeface="DejaVu Sans Mono" pitchFamily="49" charset="0"/>
+                <a:ea typeface="DejaVu Sans Mono" pitchFamily="49" charset="0"/>
+                <a:cs typeface="DejaVu Sans Mono" pitchFamily="49" charset="0"/>
+              </a:rPr>
+              <a:t>mysql.warper_connect</a:t>
+            </a:r>
+            <a:r>
+              <a:rPr lang="en-US" altLang="zh-CN" dirty="0" smtClean="0">
+                <a:latin typeface="DejaVu Sans Mono" pitchFamily="49" charset="0"/>
+                <a:ea typeface="DejaVu Sans Mono" pitchFamily="49" charset="0"/>
+                <a:cs typeface="DejaVu Sans Mono" pitchFamily="49" charset="0"/>
+              </a:rPr>
+              <a:t>&lt;validate, </a:t>
+            </a:r>
+            <a:r>
+              <a:rPr lang="en-US" altLang="zh-CN" dirty="0" smtClean="0">
+                <a:latin typeface="DejaVu Sans Mono" pitchFamily="49" charset="0"/>
+                <a:ea typeface="DejaVu Sans Mono" pitchFamily="49" charset="0"/>
+                <a:cs typeface="DejaVu Sans Mono" pitchFamily="49" charset="0"/>
+              </a:rPr>
+              <a:t>log</a:t>
+            </a:r>
+            <a:r>
+              <a:rPr lang="en-US" altLang="zh-CN" dirty="0" smtClean="0">
+                <a:latin typeface="DejaVu Sans Mono" pitchFamily="49" charset="0"/>
+                <a:ea typeface="DejaVu Sans Mono" pitchFamily="49" charset="0"/>
+                <a:cs typeface="DejaVu Sans Mono" pitchFamily="49" charset="0"/>
+              </a:rPr>
+              <a:t>&gt;("</a:t>
+            </a:r>
+            <a:r>
+              <a:rPr lang="en-US" altLang="zh-CN" dirty="0" smtClean="0">
+                <a:latin typeface="DejaVu Sans Mono" pitchFamily="49" charset="0"/>
+                <a:ea typeface="DejaVu Sans Mono" pitchFamily="49" charset="0"/>
+                <a:cs typeface="DejaVu Sans Mono" pitchFamily="49" charset="0"/>
+              </a:rPr>
+              <a:t>127.0.0.1", "root", "12345", "</a:t>
+            </a:r>
+            <a:r>
+              <a:rPr lang="en-US" altLang="zh-CN" dirty="0" err="1" smtClean="0">
+                <a:latin typeface="DejaVu Sans Mono" pitchFamily="49" charset="0"/>
+                <a:ea typeface="DejaVu Sans Mono" pitchFamily="49" charset="0"/>
+                <a:cs typeface="DejaVu Sans Mono" pitchFamily="49" charset="0"/>
+              </a:rPr>
+              <a:t>testdb</a:t>
+            </a:r>
+            <a:r>
+              <a:rPr lang="en-US" altLang="zh-CN" dirty="0" smtClean="0">
+                <a:latin typeface="DejaVu Sans Mono" pitchFamily="49" charset="0"/>
+                <a:ea typeface="DejaVu Sans Mono" pitchFamily="49" charset="0"/>
+                <a:cs typeface="DejaVu Sans Mono" pitchFamily="49" charset="0"/>
+              </a:rPr>
+              <a:t>");</a:t>
+            </a:r>
+            <a:endParaRPr lang="zh-CN" altLang="en-US" dirty="0">
+              <a:latin typeface="DejaVu Sans Mono" pitchFamily="49" charset="0"/>
+              <a:cs typeface="DejaVu Sans Mono" pitchFamily="49" charset="0"/>
+            </a:endParaRPr>
+          </a:p>
+        </p:txBody>
+      </p:sp>
+      <p:pic>
+        <p:nvPicPr>
+          <p:cNvPr id="8195" name="Picture 3"/>
+          <p:cNvPicPr>
+            <a:picLocks noChangeAspect="1" noChangeArrowheads="1"/>
+          </p:cNvPicPr>
+          <p:nvPr/>
+        </p:nvPicPr>
+        <p:blipFill>
+          <a:blip r:embed="rId2"/>
+          <a:srcRect/>
+          <a:stretch>
+            <a:fillRect/>
+          </a:stretch>
+        </p:blipFill>
+        <p:spPr bwMode="auto">
+          <a:xfrm>
+            <a:off x="478328" y="3700810"/>
+            <a:ext cx="2019300" cy="1019175"/>
+          </a:xfrm>
+          <a:prstGeom prst="rect">
+            <a:avLst/>
+          </a:prstGeom>
+          <a:noFill/>
+          <a:ln w="9525">
+            <a:noFill/>
+            <a:miter lim="800000"/>
+            <a:headEnd/>
+            <a:tailEnd/>
+          </a:ln>
+          <a:effectLst/>
+        </p:spPr>
+      </p:pic>
+      <p:sp>
+        <p:nvSpPr>
+          <p:cNvPr id="9" name="矩形 8"/>
+          <p:cNvSpPr/>
+          <p:nvPr/>
+        </p:nvSpPr>
+        <p:spPr>
+          <a:xfrm>
+            <a:off x="404550" y="4951304"/>
+            <a:ext cx="8182497" cy="584775"/>
+          </a:xfrm>
+          <a:prstGeom prst="rect">
+            <a:avLst/>
+          </a:prstGeom>
+        </p:spPr>
+        <p:txBody>
+          <a:bodyPr wrap="square">
+            <a:spAutoFit/>
+          </a:bodyPr>
+          <a:lstStyle/>
+          <a:p>
+            <a:r>
+              <a:rPr lang="en-US" altLang="zh-CN" sz="1600" dirty="0" err="1" smtClean="0">
+                <a:latin typeface="DejaVu Sans Mono" pitchFamily="49" charset="0"/>
+                <a:ea typeface="DejaVu Sans Mono" pitchFamily="49" charset="0"/>
+                <a:cs typeface="DejaVu Sans Mono" pitchFamily="49" charset="0"/>
+              </a:rPr>
+              <a:t>mysql.warper_connect</a:t>
+            </a:r>
+            <a:r>
+              <a:rPr lang="en-US" altLang="zh-CN" sz="1600" dirty="0" smtClean="0">
+                <a:latin typeface="DejaVu Sans Mono" pitchFamily="49" charset="0"/>
+                <a:ea typeface="DejaVu Sans Mono" pitchFamily="49" charset="0"/>
+                <a:cs typeface="DejaVu Sans Mono" pitchFamily="49" charset="0"/>
+              </a:rPr>
+              <a:t>&lt;validate</a:t>
+            </a:r>
+            <a:r>
+              <a:rPr lang="en-US" altLang="zh-CN" sz="1600" dirty="0" smtClean="0">
+                <a:latin typeface="DejaVu Sans Mono" pitchFamily="49" charset="0"/>
+                <a:ea typeface="DejaVu Sans Mono" pitchFamily="49" charset="0"/>
+                <a:cs typeface="DejaVu Sans Mono" pitchFamily="49" charset="0"/>
+              </a:rPr>
+              <a:t>, log, </a:t>
+            </a:r>
+            <a:r>
+              <a:rPr lang="en-US" altLang="zh-CN" sz="1600" dirty="0" err="1" smtClean="0">
+                <a:latin typeface="DejaVu Sans Mono" pitchFamily="49" charset="0"/>
+                <a:ea typeface="DejaVu Sans Mono" pitchFamily="49" charset="0"/>
+                <a:cs typeface="DejaVu Sans Mono" pitchFamily="49" charset="0"/>
+              </a:rPr>
+              <a:t>thead_proxy</a:t>
+            </a:r>
+            <a:r>
+              <a:rPr lang="en-US" altLang="zh-CN" sz="1600" dirty="0" smtClean="0">
+                <a:latin typeface="DejaVu Sans Mono" pitchFamily="49" charset="0"/>
+                <a:ea typeface="DejaVu Sans Mono" pitchFamily="49" charset="0"/>
+                <a:cs typeface="DejaVu Sans Mono" pitchFamily="49" charset="0"/>
+              </a:rPr>
+              <a:t>&gt;("</a:t>
+            </a:r>
+            <a:r>
+              <a:rPr lang="en-US" altLang="zh-CN" sz="1600" dirty="0" smtClean="0">
+                <a:latin typeface="DejaVu Sans Mono" pitchFamily="49" charset="0"/>
+                <a:ea typeface="DejaVu Sans Mono" pitchFamily="49" charset="0"/>
+                <a:cs typeface="DejaVu Sans Mono" pitchFamily="49" charset="0"/>
+              </a:rPr>
+              <a:t>127.0.0.1", "root", "12345", "</a:t>
+            </a:r>
+            <a:r>
+              <a:rPr lang="en-US" altLang="zh-CN" sz="1600" dirty="0" err="1" smtClean="0">
+                <a:latin typeface="DejaVu Sans Mono" pitchFamily="49" charset="0"/>
+                <a:ea typeface="DejaVu Sans Mono" pitchFamily="49" charset="0"/>
+                <a:cs typeface="DejaVu Sans Mono" pitchFamily="49" charset="0"/>
+              </a:rPr>
+              <a:t>testdb</a:t>
+            </a:r>
+            <a:r>
+              <a:rPr lang="en-US" altLang="zh-CN" sz="1600" dirty="0" smtClean="0">
+                <a:latin typeface="DejaVu Sans Mono" pitchFamily="49" charset="0"/>
+                <a:ea typeface="DejaVu Sans Mono" pitchFamily="49" charset="0"/>
+                <a:cs typeface="DejaVu Sans Mono" pitchFamily="49" charset="0"/>
+              </a:rPr>
+              <a:t>");</a:t>
+            </a:r>
+            <a:endParaRPr lang="zh-CN" altLang="en-US" sz="1600" dirty="0">
+              <a:latin typeface="DejaVu Sans Mono" pitchFamily="49" charset="0"/>
+              <a:cs typeface="DejaVu Sans Mono" pitchFamily="49" charset="0"/>
+            </a:endParaRPr>
+          </a:p>
+        </p:txBody>
+      </p:sp>
+    </p:spTree>
+  </p:cSld>
+  <p:clrMapOvr>
+    <a:masterClrMapping/>
+  </p:clrMapOvr>
+  <p:timing>
+    <p:tnLst>
+      <p:par>
+        <p:cTn id="1" dur="indefinite" restart="never" nodeType="tmRoot">
+          <p:childTnLst>
+            <p:seq concurrent="1" nextAc="seek">
+              <p:cTn id="2" dur="indefinite" nodeType="mainSeq">
+                <p:childTnLst>
+                  <p:par>
+                    <p:cTn id="3" fill="hold">
+                      <p:stCondLst>
+                        <p:cond delay="indefinite"/>
+                      </p:stCondLst>
+                      <p:childTnLst>
+                        <p:par>
+                          <p:cTn id="4" fill="hold">
+                            <p:stCondLst>
+                              <p:cond delay="0"/>
+                            </p:stCondLst>
+                            <p:childTnLst>
+                              <p:par>
+                                <p:cTn id="5" presetID="2" presetClass="entr" presetSubtype="4" fill="hold" grpId="0" nodeType="clickEffect">
+                                  <p:stCondLst>
+                                    <p:cond delay="0"/>
+                                  </p:stCondLst>
+                                  <p:childTnLst>
+                                    <p:set>
+                                      <p:cBhvr>
+                                        <p:cTn id="6" dur="1" fill="hold">
+                                          <p:stCondLst>
+                                            <p:cond delay="0"/>
+                                          </p:stCondLst>
+                                        </p:cTn>
+                                        <p:tgtEl>
+                                          <p:spTgt spid="5"/>
+                                        </p:tgtEl>
+                                        <p:attrNameLst>
+                                          <p:attrName>style.visibility</p:attrName>
+                                        </p:attrNameLst>
+                                      </p:cBhvr>
+                                      <p:to>
+                                        <p:strVal val="visible"/>
+                                      </p:to>
+                                    </p:set>
+                                    <p:anim calcmode="lin" valueType="num">
+                                      <p:cBhvr additive="base">
+                                        <p:cTn id="7" dur="500" fill="hold"/>
+                                        <p:tgtEl>
+                                          <p:spTgt spid="5"/>
+                                        </p:tgtEl>
+                                        <p:attrNameLst>
+                                          <p:attrName>ppt_x</p:attrName>
+                                        </p:attrNameLst>
+                                      </p:cBhvr>
+                                      <p:tavLst>
+                                        <p:tav tm="0">
+                                          <p:val>
+                                            <p:strVal val="#ppt_x"/>
+                                          </p:val>
+                                        </p:tav>
+                                        <p:tav tm="100000">
+                                          <p:val>
+                                            <p:strVal val="#ppt_x"/>
+                                          </p:val>
+                                        </p:tav>
+                                      </p:tavLst>
+                                    </p:anim>
+                                    <p:anim calcmode="lin" valueType="num">
+                                      <p:cBhvr additive="base">
+                                        <p:cTn id="8" dur="500" fill="hold"/>
+                                        <p:tgtEl>
+                                          <p:spTgt spid="5"/>
+                                        </p:tgtEl>
+                                        <p:attrNameLst>
+                                          <p:attrName>ppt_y</p:attrName>
+                                        </p:attrNameLst>
+                                      </p:cBhvr>
+                                      <p:tavLst>
+                                        <p:tav tm="0">
+                                          <p:val>
+                                            <p:strVal val="1+#ppt_h/2"/>
+                                          </p:val>
+                                        </p:tav>
+                                        <p:tav tm="100000">
+                                          <p:val>
+                                            <p:strVal val="#ppt_y"/>
+                                          </p:val>
+                                        </p:tav>
+                                      </p:tavLst>
+                                    </p:anim>
+                                  </p:childTnLst>
+                                </p:cTn>
+                              </p:par>
+                              <p:par>
+                                <p:cTn id="9" presetID="2" presetClass="entr" presetSubtype="4" fill="hold" grpId="0" nodeType="withEffect">
+                                  <p:stCondLst>
+                                    <p:cond delay="0"/>
+                                  </p:stCondLst>
+                                  <p:childTnLst>
+                                    <p:set>
+                                      <p:cBhvr>
+                                        <p:cTn id="10" dur="1" fill="hold">
+                                          <p:stCondLst>
+                                            <p:cond delay="0"/>
+                                          </p:stCondLst>
+                                        </p:cTn>
+                                        <p:tgtEl>
+                                          <p:spTgt spid="6"/>
+                                        </p:tgtEl>
+                                        <p:attrNameLst>
+                                          <p:attrName>style.visibility</p:attrName>
+                                        </p:attrNameLst>
+                                      </p:cBhvr>
+                                      <p:to>
+                                        <p:strVal val="visible"/>
+                                      </p:to>
+                                    </p:set>
+                                    <p:anim calcmode="lin" valueType="num">
+                                      <p:cBhvr additive="base">
+                                        <p:cTn id="11" dur="500" fill="hold"/>
+                                        <p:tgtEl>
+                                          <p:spTgt spid="6"/>
+                                        </p:tgtEl>
+                                        <p:attrNameLst>
+                                          <p:attrName>ppt_x</p:attrName>
+                                        </p:attrNameLst>
+                                      </p:cBhvr>
+                                      <p:tavLst>
+                                        <p:tav tm="0">
+                                          <p:val>
+                                            <p:strVal val="#ppt_x"/>
+                                          </p:val>
+                                        </p:tav>
+                                        <p:tav tm="100000">
+                                          <p:val>
+                                            <p:strVal val="#ppt_x"/>
+                                          </p:val>
+                                        </p:tav>
+                                      </p:tavLst>
+                                    </p:anim>
+                                    <p:anim calcmode="lin" valueType="num">
+                                      <p:cBhvr additive="base">
+                                        <p:cTn id="12" dur="500" fill="hold"/>
+                                        <p:tgtEl>
+                                          <p:spTgt spid="6"/>
+                                        </p:tgtEl>
+                                        <p:attrNameLst>
+                                          <p:attrName>ppt_y</p:attrName>
+                                        </p:attrNameLst>
+                                      </p:cBhvr>
+                                      <p:tavLst>
+                                        <p:tav tm="0">
+                                          <p:val>
+                                            <p:strVal val="1+#ppt_h/2"/>
+                                          </p:val>
+                                        </p:tav>
+                                        <p:tav tm="100000">
+                                          <p:val>
+                                            <p:strVal val="#ppt_y"/>
+                                          </p:val>
+                                        </p:tav>
+                                      </p:tavLst>
+                                    </p:anim>
+                                  </p:childTnLst>
+                                </p:cTn>
+                              </p:par>
+                            </p:childTnLst>
+                          </p:cTn>
+                        </p:par>
+                      </p:childTnLst>
+                    </p:cTn>
+                  </p:par>
+                  <p:par>
+                    <p:cTn id="13" fill="hold">
+                      <p:stCondLst>
+                        <p:cond delay="indefinite"/>
+                      </p:stCondLst>
+                      <p:childTnLst>
+                        <p:par>
+                          <p:cTn id="14" fill="hold">
+                            <p:stCondLst>
+                              <p:cond delay="0"/>
+                            </p:stCondLst>
+                            <p:childTnLst>
+                              <p:par>
+                                <p:cTn id="15" presetID="2" presetClass="entr" presetSubtype="4" fill="hold" nodeType="clickEffect">
+                                  <p:stCondLst>
+                                    <p:cond delay="0"/>
+                                  </p:stCondLst>
+                                  <p:childTnLst>
+                                    <p:set>
+                                      <p:cBhvr>
+                                        <p:cTn id="16" dur="1" fill="hold">
+                                          <p:stCondLst>
+                                            <p:cond delay="0"/>
+                                          </p:stCondLst>
+                                        </p:cTn>
+                                        <p:tgtEl>
+                                          <p:spTgt spid="8195"/>
+                                        </p:tgtEl>
+                                        <p:attrNameLst>
+                                          <p:attrName>style.visibility</p:attrName>
+                                        </p:attrNameLst>
+                                      </p:cBhvr>
+                                      <p:to>
+                                        <p:strVal val="visible"/>
+                                      </p:to>
+                                    </p:set>
+                                    <p:anim calcmode="lin" valueType="num">
+                                      <p:cBhvr additive="base">
+                                        <p:cTn id="17" dur="500" fill="hold"/>
+                                        <p:tgtEl>
+                                          <p:spTgt spid="8195"/>
+                                        </p:tgtEl>
+                                        <p:attrNameLst>
+                                          <p:attrName>ppt_x</p:attrName>
+                                        </p:attrNameLst>
+                                      </p:cBhvr>
+                                      <p:tavLst>
+                                        <p:tav tm="0">
+                                          <p:val>
+                                            <p:strVal val="#ppt_x"/>
+                                          </p:val>
+                                        </p:tav>
+                                        <p:tav tm="100000">
+                                          <p:val>
+                                            <p:strVal val="#ppt_x"/>
+                                          </p:val>
+                                        </p:tav>
+                                      </p:tavLst>
+                                    </p:anim>
+                                    <p:anim calcmode="lin" valueType="num">
+                                      <p:cBhvr additive="base">
+                                        <p:cTn id="18" dur="500" fill="hold"/>
+                                        <p:tgtEl>
+                                          <p:spTgt spid="8195"/>
+                                        </p:tgtEl>
+                                        <p:attrNameLst>
+                                          <p:attrName>ppt_y</p:attrName>
+                                        </p:attrNameLst>
+                                      </p:cBhvr>
+                                      <p:tavLst>
+                                        <p:tav tm="0">
+                                          <p:val>
+                                            <p:strVal val="1+#ppt_h/2"/>
+                                          </p:val>
+                                        </p:tav>
+                                        <p:tav tm="100000">
+                                          <p:val>
+                                            <p:strVal val="#ppt_y"/>
+                                          </p:val>
+                                        </p:tav>
+                                      </p:tavLst>
+                                    </p:anim>
+                                  </p:childTnLst>
+                                </p:cTn>
+                              </p:par>
+                            </p:childTnLst>
+                          </p:cTn>
+                        </p:par>
+                      </p:childTnLst>
+                    </p:cTn>
+                  </p:par>
+                  <p:par>
+                    <p:cTn id="19" fill="hold">
+                      <p:stCondLst>
+                        <p:cond delay="indefinite"/>
+                      </p:stCondLst>
+                      <p:childTnLst>
+                        <p:par>
+                          <p:cTn id="20" fill="hold">
+                            <p:stCondLst>
+                              <p:cond delay="0"/>
+                            </p:stCondLst>
+                            <p:childTnLst>
+                              <p:par>
+                                <p:cTn id="21" presetID="2" presetClass="entr" presetSubtype="4" fill="hold" grpId="0" nodeType="clickEffect">
+                                  <p:stCondLst>
+                                    <p:cond delay="0"/>
+                                  </p:stCondLst>
+                                  <p:childTnLst>
+                                    <p:set>
+                                      <p:cBhvr>
+                                        <p:cTn id="22" dur="1" fill="hold">
+                                          <p:stCondLst>
+                                            <p:cond delay="0"/>
+                                          </p:stCondLst>
+                                        </p:cTn>
+                                        <p:tgtEl>
+                                          <p:spTgt spid="9"/>
+                                        </p:tgtEl>
+                                        <p:attrNameLst>
+                                          <p:attrName>style.visibility</p:attrName>
+                                        </p:attrNameLst>
+                                      </p:cBhvr>
+                                      <p:to>
+                                        <p:strVal val="visible"/>
+                                      </p:to>
+                                    </p:set>
+                                    <p:anim calcmode="lin" valueType="num">
+                                      <p:cBhvr additive="base">
+                                        <p:cTn id="23" dur="500" fill="hold"/>
+                                        <p:tgtEl>
+                                          <p:spTgt spid="9"/>
+                                        </p:tgtEl>
+                                        <p:attrNameLst>
+                                          <p:attrName>ppt_x</p:attrName>
+                                        </p:attrNameLst>
+                                      </p:cBhvr>
+                                      <p:tavLst>
+                                        <p:tav tm="0">
+                                          <p:val>
+                                            <p:strVal val="#ppt_x"/>
+                                          </p:val>
+                                        </p:tav>
+                                        <p:tav tm="100000">
+                                          <p:val>
+                                            <p:strVal val="#ppt_x"/>
+                                          </p:val>
+                                        </p:tav>
+                                      </p:tavLst>
+                                    </p:anim>
+                                    <p:anim calcmode="lin" valueType="num">
+                                      <p:cBhvr additive="base">
+                                        <p:cTn id="24" dur="500" fill="hold"/>
+                                        <p:tgtEl>
+                                          <p:spTgt spid="9"/>
+                                        </p:tgtEl>
+                                        <p:attrNameLst>
+                                          <p:attrName>ppt_y</p:attrName>
+                                        </p:attrNameLst>
+                                      </p:cBhvr>
+                                      <p:tavLst>
+                                        <p:tav tm="0">
+                                          <p:val>
+                                            <p:strVal val="1+#ppt_h/2"/>
+                                          </p:val>
+                                        </p:tav>
+                                        <p:tav tm="100000">
+                                          <p:val>
+                                            <p:strVal val="#ppt_y"/>
+                                          </p:val>
+                                        </p:tav>
+                                      </p:tavLst>
+                                    </p:anim>
+                                  </p:childTnLst>
+                                </p:cTn>
+                              </p:par>
+                            </p:childTnLst>
+                          </p:cTn>
+                        </p:par>
+                      </p:childTnLst>
+                    </p:cTn>
+                  </p:par>
+                </p:childTnLst>
+              </p:cTn>
+              <p:prevCondLst>
+                <p:cond evt="onPrev" delay="0">
+                  <p:tgtEl>
+                    <p:sldTgt/>
+                  </p:tgtEl>
+                </p:cond>
+              </p:prevCondLst>
+              <p:nextCondLst>
+                <p:cond evt="onNext" delay="0">
+                  <p:tgtEl>
+                    <p:sldTgt/>
+                  </p:tgtEl>
+                </p:cond>
+              </p:nextCondLst>
+            </p:seq>
+          </p:childTnLst>
+        </p:cTn>
+      </p:par>
+    </p:tnLst>
+    <p:bldLst>
+      <p:bldP spid="5" grpId="0"/>
+      <p:bldP spid="6" grpId="0"/>
+      <p:bldP spid="9" grpId="0"/>
+    </p:bldLst>
+  </p:timing>
+</p:sld>
+</file>
+
+<file path=ppt/slides/slide45.xml><?xml version="1.0" encoding="utf-8"?>
+<p:sld xmlns:a="http://schemas.openxmlformats.org/drawingml/2006/main" xmlns:r="http://schemas.openxmlformats.org/officeDocument/2006/relationships" xmlns:p="http://schemas.openxmlformats.org/presentationml/2006/main">
+  <p:cSld>
+    <p:spTree>
+      <p:nvGrpSpPr>
+        <p:cNvPr id="1" name=""/>
+        <p:cNvGrpSpPr/>
+        <p:nvPr/>
+      </p:nvGrpSpPr>
+      <p:grpSpPr>
+        <a:xfrm>
+          <a:off x="0" y="0"/>
+          <a:ext cx="0" cy="0"/>
+          <a:chOff x="0" y="0"/>
+          <a:chExt cx="0" cy="0"/>
+        </a:xfrm>
+      </p:grpSpPr>
+      <p:sp>
+        <p:nvSpPr>
+          <p:cNvPr id="2" name="文本占位符 1"/>
+          <p:cNvSpPr>
+            <a:spLocks noGrp="1"/>
+          </p:cNvSpPr>
+          <p:nvPr>
+            <p:ph type="body" sz="quarter" idx="10"/>
+          </p:nvPr>
+        </p:nvSpPr>
+        <p:spPr/>
+        <p:txBody>
+          <a:bodyPr>
+            <a:normAutofit lnSpcReduction="10000"/>
+          </a:bodyPr>
+          <a:lstStyle/>
+          <a:p>
+            <a:r>
+              <a:rPr lang="en-US" altLang="zh-CN" dirty="0" smtClean="0"/>
+              <a:t>AOP</a:t>
+            </a:r>
+            <a:endParaRPr lang="zh-CN" altLang="en-US" dirty="0"/>
+          </a:p>
+        </p:txBody>
+      </p:sp>
+      <p:sp>
+        <p:nvSpPr>
+          <p:cNvPr id="3" name="内容占位符 2"/>
+          <p:cNvSpPr>
+            <a:spLocks noGrp="1"/>
+          </p:cNvSpPr>
+          <p:nvPr>
+            <p:ph sz="quarter" idx="11"/>
+          </p:nvPr>
+        </p:nvSpPr>
+        <p:spPr/>
+        <p:txBody>
+          <a:bodyPr/>
+          <a:lstStyle/>
+          <a:p>
+            <a:endParaRPr lang="zh-CN" altLang="en-US"/>
+          </a:p>
+        </p:txBody>
+      </p:sp>
+      <p:pic>
+        <p:nvPicPr>
+          <p:cNvPr id="12290" name="Picture 2" descr="https://timgsa.baidu.com/timg?image&amp;quality=80&amp;size=b9999_10000&amp;sec=1510565342047&amp;di=7683972c64b4825949f4e3d492c48588&amp;imgtype=jpg&amp;src=http%3A%2F%2Fimg4.imgtn.bdimg.com%2Fit%2Fu%3D1502550994%2C3317913235%26fm%3D214%26gp%3D0.jpg"/>
+          <p:cNvPicPr>
+            <a:picLocks noChangeAspect="1" noChangeArrowheads="1"/>
+          </p:cNvPicPr>
+          <p:nvPr/>
+        </p:nvPicPr>
+        <p:blipFill>
+          <a:blip r:embed="rId2"/>
+          <a:srcRect/>
+          <a:stretch>
+            <a:fillRect/>
+          </a:stretch>
+        </p:blipFill>
+        <p:spPr bwMode="auto">
+          <a:xfrm>
+            <a:off x="1036723" y="2052118"/>
+            <a:ext cx="5429250" cy="2809876"/>
+          </a:xfrm>
+          <a:prstGeom prst="rect">
+            <a:avLst/>
+          </a:prstGeom>
+          <a:noFill/>
+        </p:spPr>
+      </p:pic>
+    </p:spTree>
+  </p:cSld>
+  <p:clrMapOvr>
+    <a:masterClrMapping/>
+  </p:clrMapOvr>
+  <p:timing>
+    <p:tnLst>
+      <p:par>
+        <p:cTn id="1" dur="indefinite" restart="never" nodeType="tmRoot"/>
+      </p:par>
+    </p:tnLst>
+  </p:timing>
+</p:sld>
+</file>
+
+<file path=ppt/slides/slide46.xml><?xml version="1.0" encoding="utf-8"?>
+<p:sld xmlns:a="http://schemas.openxmlformats.org/drawingml/2006/main" xmlns:r="http://schemas.openxmlformats.org/officeDocument/2006/relationships" xmlns:p="http://schemas.openxmlformats.org/presentationml/2006/main">
+  <p:cSld>
+    <p:spTree>
+      <p:nvGrpSpPr>
+        <p:cNvPr id="1" name=""/>
+        <p:cNvGrpSpPr/>
+        <p:nvPr/>
+      </p:nvGrpSpPr>
+      <p:grpSpPr>
+        <a:xfrm>
+          <a:off x="0" y="0"/>
+          <a:ext cx="0" cy="0"/>
+          <a:chOff x="0" y="0"/>
+          <a:chExt cx="0" cy="0"/>
+        </a:xfrm>
+      </p:grpSpPr>
+      <p:sp>
+        <p:nvSpPr>
+          <p:cNvPr id="2" name="文本占位符 1"/>
+          <p:cNvSpPr>
+            <a:spLocks noGrp="1"/>
+          </p:cNvSpPr>
+          <p:nvPr>
+            <p:ph type="body" sz="quarter" idx="10"/>
+          </p:nvPr>
+        </p:nvSpPr>
+        <p:spPr/>
+        <p:txBody>
+          <a:bodyPr>
+            <a:normAutofit lnSpcReduction="10000"/>
+          </a:bodyPr>
+          <a:lstStyle/>
+          <a:p>
+            <a:r>
+              <a:rPr lang="en-US" altLang="zh-CN" dirty="0" smtClean="0"/>
+              <a:t>AOP</a:t>
+            </a:r>
+            <a:endParaRPr lang="zh-CN" altLang="en-US" dirty="0"/>
+          </a:p>
+        </p:txBody>
+      </p:sp>
+      <p:sp>
+        <p:nvSpPr>
+          <p:cNvPr id="3" name="内容占位符 2"/>
+          <p:cNvSpPr>
+            <a:spLocks noGrp="1"/>
+          </p:cNvSpPr>
+          <p:nvPr>
+            <p:ph sz="quarter" idx="11"/>
+          </p:nvPr>
+        </p:nvSpPr>
+        <p:spPr/>
+        <p:txBody>
+          <a:bodyPr/>
+          <a:lstStyle/>
+          <a:p>
+            <a:endParaRPr lang="zh-CN" altLang="en-US"/>
+          </a:p>
+        </p:txBody>
+      </p:sp>
+      <p:pic>
+        <p:nvPicPr>
+          <p:cNvPr id="55299" name="Picture 3"/>
+          <p:cNvPicPr>
+            <a:picLocks noChangeAspect="1" noChangeArrowheads="1"/>
+          </p:cNvPicPr>
+          <p:nvPr/>
+        </p:nvPicPr>
+        <p:blipFill>
+          <a:blip r:embed="rId2"/>
+          <a:srcRect/>
+          <a:stretch>
+            <a:fillRect/>
+          </a:stretch>
+        </p:blipFill>
+        <p:spPr bwMode="auto">
+          <a:xfrm>
+            <a:off x="1912448" y="1082214"/>
+            <a:ext cx="4920615" cy="5473493"/>
+          </a:xfrm>
+          <a:prstGeom prst="rect">
+            <a:avLst/>
+          </a:prstGeom>
+          <a:noFill/>
+          <a:ln w="9525">
+            <a:noFill/>
+            <a:miter lim="800000"/>
+            <a:headEnd/>
+            <a:tailEnd/>
+          </a:ln>
+          <a:effectLst/>
+        </p:spPr>
+      </p:pic>
+      <p:sp>
+        <p:nvSpPr>
+          <p:cNvPr id="6" name="矩形 5"/>
+          <p:cNvSpPr/>
+          <p:nvPr/>
+        </p:nvSpPr>
+        <p:spPr>
+          <a:xfrm>
+            <a:off x="3556908" y="3443840"/>
+            <a:ext cx="4827604" cy="369332"/>
+          </a:xfrm>
+          <a:prstGeom prst="rect">
+            <a:avLst/>
+          </a:prstGeom>
+        </p:spPr>
+        <p:txBody>
+          <a:bodyPr wrap="none">
+            <a:spAutoFit/>
+          </a:bodyPr>
+          <a:lstStyle/>
+          <a:p>
+            <a:r>
+              <a:rPr lang="en-US" altLang="zh-CN" dirty="0" smtClean="0"/>
+              <a:t>before</a:t>
+            </a:r>
+            <a:r>
+              <a:rPr lang="zh-CN" altLang="en-US" dirty="0" smtClean="0"/>
+              <a:t>和</a:t>
+            </a:r>
+            <a:r>
+              <a:rPr lang="en-US" altLang="zh-CN" dirty="0" smtClean="0"/>
+              <a:t>after</a:t>
+            </a:r>
+            <a:r>
+              <a:rPr lang="zh-CN" altLang="en-US" dirty="0" smtClean="0"/>
+              <a:t>你可以定义一个也可以定义两个</a:t>
+            </a:r>
+            <a:endParaRPr lang="zh-CN" altLang="en-US" dirty="0"/>
+          </a:p>
+        </p:txBody>
+      </p:sp>
+    </p:spTree>
+  </p:cSld>
+  <p:clrMapOvr>
+    <a:masterClrMapping/>
+  </p:clrMapOvr>
+  <p:timing>
+    <p:tnLst>
+      <p:par>
+        <p:cTn id="1" dur="indefinite" restart="never" nodeType="tmRoot">
+          <p:childTnLst>
+            <p:seq concurrent="1" nextAc="seek">
+              <p:cTn id="2" dur="indefinite" nodeType="mainSeq">
+                <p:childTnLst>
+                  <p:par>
+                    <p:cTn id="3" fill="hold">
+                      <p:stCondLst>
+                        <p:cond delay="indefinite"/>
+                      </p:stCondLst>
+                      <p:childTnLst>
+                        <p:par>
+                          <p:cTn id="4" fill="hold">
+                            <p:stCondLst>
+                              <p:cond delay="0"/>
+                            </p:stCondLst>
+                            <p:childTnLst>
+                              <p:par>
+                                <p:cTn id="5" presetID="2" presetClass="entr" presetSubtype="4" fill="hold" grpId="0" nodeType="clickEffect">
+                                  <p:stCondLst>
+                                    <p:cond delay="0"/>
+                                  </p:stCondLst>
+                                  <p:childTnLst>
+                                    <p:set>
+                                      <p:cBhvr>
+                                        <p:cTn id="6" dur="1" fill="hold">
+                                          <p:stCondLst>
+                                            <p:cond delay="0"/>
+                                          </p:stCondLst>
+                                        </p:cTn>
+                                        <p:tgtEl>
+                                          <p:spTgt spid="6"/>
+                                        </p:tgtEl>
+                                        <p:attrNameLst>
+                                          <p:attrName>style.visibility</p:attrName>
+                                        </p:attrNameLst>
+                                      </p:cBhvr>
+                                      <p:to>
+                                        <p:strVal val="visible"/>
+                                      </p:to>
+                                    </p:set>
+                                    <p:anim calcmode="lin" valueType="num">
+                                      <p:cBhvr additive="base">
+                                        <p:cTn id="7" dur="500" fill="hold"/>
+                                        <p:tgtEl>
+                                          <p:spTgt spid="6"/>
+                                        </p:tgtEl>
+                                        <p:attrNameLst>
+                                          <p:attrName>ppt_x</p:attrName>
+                                        </p:attrNameLst>
+                                      </p:cBhvr>
+                                      <p:tavLst>
+                                        <p:tav tm="0">
+                                          <p:val>
+                                            <p:strVal val="#ppt_x"/>
+                                          </p:val>
+                                        </p:tav>
+                                        <p:tav tm="100000">
+                                          <p:val>
+                                            <p:strVal val="#ppt_x"/>
+                                          </p:val>
+                                        </p:tav>
+                                      </p:tavLst>
+                                    </p:anim>
+                                    <p:anim calcmode="lin" valueType="num">
+                                      <p:cBhvr additive="base">
+                                        <p:cTn id="8" dur="500" fill="hold"/>
+                                        <p:tgtEl>
+                                          <p:spTgt spid="6"/>
+                                        </p:tgtEl>
+                                        <p:attrNameLst>
+                                          <p:attrName>ppt_y</p:attrName>
+                                        </p:attrNameLst>
+                                      </p:cBhvr>
+                                      <p:tavLst>
+                                        <p:tav tm="0">
+                                          <p:val>
+                                            <p:strVal val="1+#ppt_h/2"/>
+                                          </p:val>
+                                        </p:tav>
+                                        <p:tav tm="100000">
+                                          <p:val>
+                                            <p:strVal val="#ppt_y"/>
+                                          </p:val>
+                                        </p:tav>
+                                      </p:tavLst>
+                                    </p:anim>
+                                  </p:childTnLst>
+                                </p:cTn>
+                              </p:par>
+                            </p:childTnLst>
+                          </p:cTn>
+                        </p:par>
+                      </p:childTnLst>
+                    </p:cTn>
+                  </p:par>
+                </p:childTnLst>
+              </p:cTn>
+              <p:prevCondLst>
+                <p:cond evt="onPrev" delay="0">
+                  <p:tgtEl>
+                    <p:sldTgt/>
+                  </p:tgtEl>
+                </p:cond>
+              </p:prevCondLst>
+              <p:nextCondLst>
+                <p:cond evt="onNext" delay="0">
+                  <p:tgtEl>
+                    <p:sldTgt/>
+                  </p:tgtEl>
+                </p:cond>
+              </p:nextCondLst>
+            </p:seq>
+          </p:childTnLst>
+        </p:cTn>
+      </p:par>
+    </p:tnLst>
+    <p:bldLst>
+      <p:bldP spid="6" grpId="0"/>
+    </p:bldLst>
+  </p:timing>
+</p:sld>
+</file>
+
+<file path=ppt/slides/slide47.xml><?xml version="1.0" encoding="utf-8"?>
+<p:sld xmlns:a="http://schemas.openxmlformats.org/drawingml/2006/main" xmlns:r="http://schemas.openxmlformats.org/officeDocument/2006/relationships" xmlns:p="http://schemas.openxmlformats.org/presentationml/2006/main">
+  <p:cSld>
+    <p:spTree>
+      <p:nvGrpSpPr>
+        <p:cNvPr id="1" name=""/>
+        <p:cNvGrpSpPr/>
+        <p:nvPr/>
+      </p:nvGrpSpPr>
+      <p:grpSpPr>
+        <a:xfrm>
+          <a:off x="0" y="0"/>
+          <a:ext cx="0" cy="0"/>
+          <a:chOff x="0" y="0"/>
+          <a:chExt cx="0" cy="0"/>
+        </a:xfrm>
+      </p:grpSpPr>
+      <p:sp>
+        <p:nvSpPr>
+          <p:cNvPr id="2" name="文本占位符 1"/>
+          <p:cNvSpPr>
+            <a:spLocks noGrp="1"/>
+          </p:cNvSpPr>
+          <p:nvPr>
+            <p:ph type="body" sz="quarter" idx="10"/>
+          </p:nvPr>
+        </p:nvSpPr>
+        <p:spPr/>
+        <p:txBody>
+          <a:bodyPr>
+            <a:normAutofit lnSpcReduction="10000"/>
+          </a:bodyPr>
+          <a:lstStyle/>
+          <a:p>
+            <a:r>
+              <a:rPr lang="en-US" altLang="zh-CN" dirty="0" smtClean="0"/>
+              <a:t>AOP</a:t>
+            </a:r>
+            <a:endParaRPr lang="zh-CN" altLang="en-US" dirty="0"/>
+          </a:p>
+        </p:txBody>
+      </p:sp>
+      <p:sp>
+        <p:nvSpPr>
+          <p:cNvPr id="3" name="内容占位符 2"/>
+          <p:cNvSpPr>
+            <a:spLocks noGrp="1"/>
+          </p:cNvSpPr>
+          <p:nvPr>
+            <p:ph sz="quarter" idx="11"/>
+          </p:nvPr>
+        </p:nvSpPr>
+        <p:spPr/>
+        <p:txBody>
+          <a:bodyPr/>
+          <a:lstStyle/>
+          <a:p>
+            <a:r>
+              <a:rPr lang="zh-CN" altLang="en-US" dirty="0" smtClean="0"/>
+              <a:t>核心逻辑之前的切面</a:t>
+            </a:r>
+            <a:endParaRPr lang="zh-CN" altLang="en-US" dirty="0"/>
+          </a:p>
+        </p:txBody>
+      </p:sp>
+      <p:pic>
+        <p:nvPicPr>
+          <p:cNvPr id="56324" name="Picture 4"/>
+          <p:cNvPicPr>
+            <a:picLocks noChangeAspect="1" noChangeArrowheads="1"/>
+          </p:cNvPicPr>
+          <p:nvPr/>
+        </p:nvPicPr>
+        <p:blipFill>
+          <a:blip r:embed="rId2"/>
+          <a:srcRect/>
+          <a:stretch>
+            <a:fillRect/>
+          </a:stretch>
+        </p:blipFill>
+        <p:spPr bwMode="auto">
+          <a:xfrm>
+            <a:off x="964364" y="1961629"/>
+            <a:ext cx="6776033" cy="3566333"/>
+          </a:xfrm>
+          <a:prstGeom prst="rect">
+            <a:avLst/>
+          </a:prstGeom>
+          <a:noFill/>
+          <a:ln w="9525">
+            <a:noFill/>
+            <a:miter lim="800000"/>
+            <a:headEnd/>
+            <a:tailEnd/>
+          </a:ln>
+          <a:effectLst/>
+        </p:spPr>
+      </p:pic>
+    </p:spTree>
+  </p:cSld>
+  <p:clrMapOvr>
+    <a:masterClrMapping/>
+  </p:clrMapOvr>
+  <p:timing>
+    <p:tnLst>
+      <p:par>
+        <p:cTn id="1" dur="indefinite" restart="never" nodeType="tmRoot"/>
+      </p:par>
+    </p:tnLst>
+  </p:timing>
+</p:sld>
+</file>
+
+<file path=ppt/slides/slide48.xml><?xml version="1.0" encoding="utf-8"?>
+<p:sld xmlns:a="http://schemas.openxmlformats.org/drawingml/2006/main" xmlns:r="http://schemas.openxmlformats.org/officeDocument/2006/relationships" xmlns:p="http://schemas.openxmlformats.org/presentationml/2006/main">
+  <p:cSld>
+    <p:spTree>
+      <p:nvGrpSpPr>
+        <p:cNvPr id="1" name=""/>
+        <p:cNvGrpSpPr/>
+        <p:nvPr/>
+      </p:nvGrpSpPr>
+      <p:grpSpPr>
+        <a:xfrm>
+          <a:off x="0" y="0"/>
+          <a:ext cx="0" cy="0"/>
+          <a:chOff x="0" y="0"/>
+          <a:chExt cx="0" cy="0"/>
+        </a:xfrm>
+      </p:grpSpPr>
+      <p:sp>
+        <p:nvSpPr>
+          <p:cNvPr id="2" name="文本占位符 1"/>
+          <p:cNvSpPr>
+            <a:spLocks noGrp="1"/>
+          </p:cNvSpPr>
+          <p:nvPr>
+            <p:ph type="body" sz="quarter" idx="10"/>
+          </p:nvPr>
+        </p:nvSpPr>
+        <p:spPr/>
+        <p:txBody>
+          <a:bodyPr>
+            <a:normAutofit lnSpcReduction="10000"/>
+          </a:bodyPr>
+          <a:lstStyle/>
+          <a:p>
+            <a:r>
+              <a:rPr lang="en-US" altLang="zh-CN" dirty="0" smtClean="0"/>
+              <a:t>AOP</a:t>
+            </a:r>
+            <a:endParaRPr lang="zh-CN" altLang="en-US" dirty="0"/>
+          </a:p>
+        </p:txBody>
+      </p:sp>
+      <p:sp>
+        <p:nvSpPr>
+          <p:cNvPr id="3" name="内容占位符 2"/>
+          <p:cNvSpPr>
+            <a:spLocks noGrp="1"/>
+          </p:cNvSpPr>
+          <p:nvPr>
+            <p:ph sz="quarter" idx="11"/>
+          </p:nvPr>
+        </p:nvSpPr>
+        <p:spPr/>
+        <p:txBody>
+          <a:bodyPr/>
+          <a:lstStyle/>
+          <a:p>
+            <a:r>
+              <a:rPr lang="zh-CN" altLang="en-US" dirty="0" smtClean="0"/>
+              <a:t>核心逻辑之后的切面</a:t>
+            </a:r>
+            <a:endParaRPr lang="zh-CN" altLang="en-US" dirty="0"/>
+          </a:p>
+        </p:txBody>
+      </p:sp>
+      <p:pic>
+        <p:nvPicPr>
+          <p:cNvPr id="57346" name="Picture 2"/>
+          <p:cNvPicPr>
+            <a:picLocks noChangeAspect="1" noChangeArrowheads="1"/>
+          </p:cNvPicPr>
+          <p:nvPr/>
+        </p:nvPicPr>
+        <p:blipFill>
+          <a:blip r:embed="rId2"/>
+          <a:srcRect/>
+          <a:stretch>
+            <a:fillRect/>
+          </a:stretch>
+        </p:blipFill>
+        <p:spPr bwMode="auto">
+          <a:xfrm>
+            <a:off x="216130" y="1927341"/>
+            <a:ext cx="8787470" cy="2461780"/>
+          </a:xfrm>
+          <a:prstGeom prst="rect">
+            <a:avLst/>
+          </a:prstGeom>
+          <a:noFill/>
+          <a:ln w="9525">
+            <a:noFill/>
+            <a:miter lim="800000"/>
+            <a:headEnd/>
+            <a:tailEnd/>
+          </a:ln>
+          <a:effectLst/>
+        </p:spPr>
+      </p:pic>
+    </p:spTree>
+  </p:cSld>
+  <p:clrMapOvr>
+    <a:masterClrMapping/>
+  </p:clrMapOvr>
+  <p:timing>
+    <p:tnLst>
+      <p:par>
+        <p:cTn id="1" dur="indefinite" restart="never" nodeType="tmRoot"/>
+      </p:par>
+    </p:tnLst>
+  </p:timing>
+</p:sld>
+</file>
+
+<file path=ppt/slides/slide49.xml><?xml version="1.0" encoding="utf-8"?>
+<p:sld xmlns:a="http://schemas.openxmlformats.org/drawingml/2006/main" xmlns:r="http://schemas.openxmlformats.org/officeDocument/2006/relationships" xmlns:p="http://schemas.openxmlformats.org/presentationml/2006/main">
+  <p:cSld>
+    <p:spTree>
+      <p:nvGrpSpPr>
+        <p:cNvPr id="1" name=""/>
+        <p:cNvGrpSpPr/>
+        <p:nvPr/>
+      </p:nvGrpSpPr>
+      <p:grpSpPr>
+        <a:xfrm>
+          <a:off x="0" y="0"/>
+          <a:ext cx="0" cy="0"/>
+          <a:chOff x="0" y="0"/>
+          <a:chExt cx="0" cy="0"/>
+        </a:xfrm>
+      </p:grpSpPr>
+      <p:sp>
+        <p:nvSpPr>
+          <p:cNvPr id="2" name="文本占位符 1"/>
+          <p:cNvSpPr>
+            <a:spLocks noGrp="1"/>
+          </p:cNvSpPr>
+          <p:nvPr>
+            <p:ph type="body" sz="quarter" idx="10"/>
+          </p:nvPr>
+        </p:nvSpPr>
+        <p:spPr/>
+        <p:txBody>
+          <a:bodyPr>
+            <a:normAutofit lnSpcReduction="10000"/>
+          </a:bodyPr>
+          <a:lstStyle/>
+          <a:p>
+            <a:r>
+              <a:rPr lang="en-US" altLang="zh-CN" dirty="0" smtClean="0"/>
+              <a:t>Modern C++ Open Source Community</a:t>
+            </a:r>
+            <a:endParaRPr lang="zh-CN" altLang="en-US" dirty="0"/>
+          </a:p>
+        </p:txBody>
+      </p:sp>
+      <p:sp>
+        <p:nvSpPr>
+          <p:cNvPr id="3" name="内容占位符 2"/>
+          <p:cNvSpPr>
+            <a:spLocks noGrp="1"/>
+          </p:cNvSpPr>
+          <p:nvPr>
+            <p:ph sz="quarter" idx="11"/>
+          </p:nvPr>
+        </p:nvSpPr>
+        <p:spPr/>
+        <p:txBody>
+          <a:bodyPr/>
+          <a:lstStyle/>
+          <a:p>
+            <a:r>
+              <a:rPr lang="en-US" altLang="zh-CN" dirty="0" err="1" smtClean="0"/>
+              <a:t>purecpp</a:t>
+            </a:r>
+            <a:r>
+              <a:rPr lang="zh-CN" altLang="en-US" dirty="0" smtClean="0"/>
+              <a:t> </a:t>
+            </a:r>
+            <a:r>
+              <a:rPr lang="en-US" altLang="zh-CN" dirty="0" smtClean="0"/>
+              <a:t>open source</a:t>
+            </a:r>
+          </a:p>
+          <a:p>
+            <a:pPr lvl="1"/>
+            <a:r>
+              <a:rPr lang="en-US" altLang="zh-CN" dirty="0" err="1" smtClean="0"/>
+              <a:t>Rpc</a:t>
+            </a:r>
+            <a:r>
+              <a:rPr lang="zh-CN" altLang="en-US" dirty="0" smtClean="0"/>
+              <a:t> </a:t>
+            </a:r>
+            <a:r>
+              <a:rPr lang="en-US" altLang="zh-CN" dirty="0" smtClean="0"/>
+              <a:t>framework—</a:t>
+            </a:r>
+            <a:r>
+              <a:rPr lang="en-US" altLang="zh-CN" dirty="0" err="1" smtClean="0"/>
+              <a:t>rest_rpc</a:t>
+            </a:r>
+            <a:endParaRPr lang="en-US" altLang="zh-CN" dirty="0" smtClean="0"/>
+          </a:p>
+          <a:p>
+            <a:pPr lvl="1"/>
+            <a:r>
+              <a:rPr lang="en-US" altLang="zh-CN" dirty="0" smtClean="0"/>
+              <a:t>Serialization engine—iguana</a:t>
+            </a:r>
+          </a:p>
+          <a:p>
+            <a:pPr lvl="1"/>
+            <a:r>
+              <a:rPr lang="en-US" altLang="zh-CN" dirty="0" smtClean="0"/>
+              <a:t>ORM--</a:t>
+            </a:r>
+            <a:r>
+              <a:rPr lang="en-US" altLang="zh-CN" dirty="0" err="1" smtClean="0"/>
+              <a:t>ormpp</a:t>
+            </a:r>
+            <a:endParaRPr lang="en-US" altLang="zh-CN" dirty="0" smtClean="0"/>
+          </a:p>
+          <a:p>
+            <a:pPr lvl="1"/>
+            <a:r>
+              <a:rPr lang="en-US" altLang="zh-CN" dirty="0" smtClean="0"/>
+              <a:t>http</a:t>
+            </a:r>
+            <a:r>
+              <a:rPr lang="zh-CN" altLang="en-US" dirty="0" smtClean="0"/>
+              <a:t> </a:t>
+            </a:r>
+            <a:r>
+              <a:rPr lang="en-US" altLang="zh-CN" dirty="0" smtClean="0"/>
+              <a:t>framework--</a:t>
+            </a:r>
+            <a:r>
+              <a:rPr lang="en-US" altLang="zh-CN" dirty="0" err="1" smtClean="0"/>
+              <a:t>cinatra</a:t>
+            </a:r>
+            <a:endParaRPr lang="zh-CN" altLang="en-US" dirty="0" smtClean="0"/>
+          </a:p>
+          <a:p>
+            <a:endParaRPr lang="zh-CN" altLang="en-US" dirty="0"/>
+          </a:p>
+        </p:txBody>
+      </p:sp>
+      <p:sp>
+        <p:nvSpPr>
+          <p:cNvPr id="4" name="矩形 3"/>
+          <p:cNvSpPr/>
+          <p:nvPr/>
+        </p:nvSpPr>
+        <p:spPr>
+          <a:xfrm>
+            <a:off x="548913" y="3262173"/>
+            <a:ext cx="5270989" cy="2308324"/>
+          </a:xfrm>
+          <a:prstGeom prst="rect">
+            <a:avLst/>
+          </a:prstGeom>
+        </p:spPr>
+        <p:txBody>
+          <a:bodyPr wrap="square">
+            <a:spAutoFit/>
+          </a:bodyPr>
+          <a:lstStyle/>
+          <a:p>
+            <a:r>
+              <a:rPr lang="en-US" altLang="zh-CN" dirty="0" smtClean="0">
+                <a:hlinkClick r:id="rId2"/>
+              </a:rPr>
+              <a:t>http://</a:t>
+            </a:r>
+            <a:r>
+              <a:rPr lang="en-US" altLang="zh-CN" dirty="0" smtClean="0">
+                <a:hlinkClick r:id="rId2"/>
+              </a:rPr>
+              <a:t>purecpp.org</a:t>
+            </a:r>
+            <a:r>
+              <a:rPr lang="en-US" altLang="zh-CN" dirty="0" smtClean="0"/>
+              <a:t> (modern </a:t>
+            </a:r>
+            <a:r>
+              <a:rPr lang="en-US" altLang="zh-CN" dirty="0" err="1" smtClean="0"/>
+              <a:t>c++</a:t>
+            </a:r>
+            <a:r>
+              <a:rPr lang="en-US" altLang="zh-CN" dirty="0" smtClean="0"/>
+              <a:t> open source community</a:t>
+            </a:r>
+            <a:r>
+              <a:rPr lang="en-US" altLang="zh-CN" dirty="0" smtClean="0"/>
+              <a:t>)</a:t>
+            </a:r>
+            <a:endParaRPr lang="en-US" altLang="zh-CN" dirty="0" smtClean="0"/>
+          </a:p>
+          <a:p>
+            <a:r>
+              <a:rPr lang="en-US" altLang="zh-CN" dirty="0" smtClean="0">
+                <a:hlinkClick r:id="rId3"/>
+              </a:rPr>
+              <a:t>https://</a:t>
+            </a:r>
+            <a:r>
+              <a:rPr lang="en-US" altLang="zh-CN" dirty="0" smtClean="0">
+                <a:hlinkClick r:id="rId3"/>
+              </a:rPr>
+              <a:t>github.com/qicosmos</a:t>
+            </a:r>
+            <a:endParaRPr lang="en-US" altLang="zh-CN" dirty="0" smtClean="0"/>
+          </a:p>
+          <a:p>
+            <a:endParaRPr lang="en-US" altLang="zh-CN" dirty="0" smtClean="0"/>
+          </a:p>
+          <a:p>
+            <a:r>
+              <a:rPr lang="en-US" altLang="zh-CN" dirty="0" smtClean="0">
+                <a:hlinkClick r:id="rId4"/>
+              </a:rPr>
+              <a:t>https://</a:t>
+            </a:r>
+            <a:r>
+              <a:rPr lang="en-US" altLang="zh-CN" dirty="0" smtClean="0">
+                <a:hlinkClick r:id="rId4"/>
+              </a:rPr>
+              <a:t>www.youtube.com/watch?v=WlhoWjrR41A</a:t>
+            </a:r>
+            <a:endParaRPr lang="en-US" altLang="zh-CN" dirty="0" smtClean="0"/>
+          </a:p>
+          <a:p>
+            <a:r>
+              <a:rPr lang="en-US" altLang="zh-CN" dirty="0" smtClean="0">
+                <a:hlinkClick r:id="rId5"/>
+              </a:rPr>
+              <a:t>https://</a:t>
+            </a:r>
+            <a:r>
+              <a:rPr lang="en-US" altLang="zh-CN" dirty="0" smtClean="0">
+                <a:hlinkClick r:id="rId5"/>
+              </a:rPr>
+              <a:t>www.youtube.com/watch?v=vh1BhlqF-fs</a:t>
+            </a:r>
+            <a:endParaRPr lang="en-US" altLang="zh-CN" dirty="0" smtClean="0"/>
+          </a:p>
+          <a:p>
+            <a:endParaRPr lang="en-US" altLang="zh-CN" dirty="0" smtClean="0"/>
+          </a:p>
+          <a:p>
+            <a:r>
+              <a:rPr lang="en-US" altLang="zh-CN" dirty="0" smtClean="0">
+                <a:hlinkClick r:id="rId6"/>
+              </a:rPr>
+              <a:t>https</a:t>
+            </a:r>
+            <a:r>
+              <a:rPr lang="en-US" altLang="zh-CN" dirty="0" smtClean="0">
+                <a:hlinkClick r:id="rId6"/>
+              </a:rPr>
+              <a:t>://isocpp.org</a:t>
+            </a:r>
+            <a:r>
+              <a:rPr lang="en-US" altLang="zh-CN" dirty="0" smtClean="0">
+                <a:hlinkClick r:id="rId6"/>
+              </a:rPr>
+              <a:t>/</a:t>
+            </a:r>
+            <a:r>
+              <a:rPr lang="en-US" altLang="zh-CN" dirty="0" smtClean="0"/>
+              <a:t> </a:t>
+            </a:r>
+            <a:endParaRPr lang="zh-CN" altLang="en-US" dirty="0"/>
+          </a:p>
+        </p:txBody>
+      </p:sp>
+      <p:pic>
+        <p:nvPicPr>
+          <p:cNvPr id="5" name="Picture 2" descr="http://purecpp.org/wp-content/uploads/2017/03/qrcode_for_gh_300922997283_430.jpg"/>
+          <p:cNvPicPr>
+            <a:picLocks noChangeAspect="1" noChangeArrowheads="1"/>
+          </p:cNvPicPr>
+          <p:nvPr/>
+        </p:nvPicPr>
+        <p:blipFill>
+          <a:blip r:embed="rId7"/>
+          <a:srcRect/>
+          <a:stretch>
+            <a:fillRect/>
+          </a:stretch>
+        </p:blipFill>
+        <p:spPr bwMode="auto">
+          <a:xfrm>
+            <a:off x="6150549" y="1333137"/>
+            <a:ext cx="2487475" cy="2487475"/>
+          </a:xfrm>
+          <a:prstGeom prst="rect">
+            <a:avLst/>
+          </a:prstGeom>
+          <a:noFill/>
+        </p:spPr>
+      </p:pic>
+      <p:pic>
+        <p:nvPicPr>
+          <p:cNvPr id="6" name="Picture 3"/>
+          <p:cNvPicPr>
+            <a:picLocks noChangeAspect="1" noChangeArrowheads="1"/>
+          </p:cNvPicPr>
+          <p:nvPr/>
+        </p:nvPicPr>
+        <p:blipFill>
+          <a:blip r:embed="rId8" cstate="print"/>
+          <a:srcRect/>
+          <a:stretch>
+            <a:fillRect/>
+          </a:stretch>
+        </p:blipFill>
+        <p:spPr bwMode="auto">
+          <a:xfrm>
+            <a:off x="6316590" y="3902166"/>
+            <a:ext cx="2142910" cy="2136502"/>
+          </a:xfrm>
+          <a:prstGeom prst="rect">
+            <a:avLst/>
+          </a:prstGeom>
+          <a:noFill/>
+          <a:ln w="9525">
+            <a:noFill/>
+            <a:miter lim="800000"/>
+            <a:headEnd/>
+            <a:tailEnd/>
+          </a:ln>
+          <a:effectLst/>
         </p:spPr>
       </p:pic>
     </p:spTree>
@@ -13139,6 +15658,114 @@
             </p:seq>
           </p:childTnLst>
         </p:cTn>
+      </p:par>
+    </p:tnLst>
+  </p:timing>
+</p:sld>
+</file>
+
+<file path=ppt/slides/slide50.xml><?xml version="1.0" encoding="utf-8"?>
+<p:sld xmlns:a="http://schemas.openxmlformats.org/drawingml/2006/main" xmlns:r="http://schemas.openxmlformats.org/officeDocument/2006/relationships" xmlns:p="http://schemas.openxmlformats.org/presentationml/2006/main">
+  <p:cSld>
+    <p:spTree>
+      <p:nvGrpSpPr>
+        <p:cNvPr id="1" name=""/>
+        <p:cNvGrpSpPr/>
+        <p:nvPr/>
+      </p:nvGrpSpPr>
+      <p:grpSpPr>
+        <a:xfrm>
+          <a:off x="0" y="0"/>
+          <a:ext cx="0" cy="0"/>
+          <a:chOff x="0" y="0"/>
+          <a:chExt cx="0" cy="0"/>
+        </a:xfrm>
+      </p:grpSpPr>
+      <p:sp>
+        <p:nvSpPr>
+          <p:cNvPr id="2" name="文本占位符 1"/>
+          <p:cNvSpPr>
+            <a:spLocks noGrp="1"/>
+          </p:cNvSpPr>
+          <p:nvPr>
+            <p:ph type="body" sz="quarter" idx="10"/>
+          </p:nvPr>
+        </p:nvSpPr>
+        <p:spPr/>
+        <p:txBody>
+          <a:bodyPr>
+            <a:normAutofit lnSpcReduction="10000"/>
+          </a:bodyPr>
+          <a:lstStyle/>
+          <a:p>
+            <a:endParaRPr lang="zh-CN" altLang="en-US"/>
+          </a:p>
+        </p:txBody>
+      </p:sp>
+      <p:sp>
+        <p:nvSpPr>
+          <p:cNvPr id="3" name="内容占位符 2"/>
+          <p:cNvSpPr>
+            <a:spLocks noGrp="1"/>
+          </p:cNvSpPr>
+          <p:nvPr>
+            <p:ph sz="quarter" idx="11"/>
+          </p:nvPr>
+        </p:nvSpPr>
+        <p:spPr/>
+        <p:txBody>
+          <a:bodyPr/>
+          <a:lstStyle/>
+          <a:p>
+            <a:endParaRPr lang="zh-CN" altLang="en-US" dirty="0"/>
+          </a:p>
+        </p:txBody>
+      </p:sp>
+      <p:sp>
+        <p:nvSpPr>
+          <p:cNvPr id="4" name="矩形 3"/>
+          <p:cNvSpPr/>
+          <p:nvPr/>
+        </p:nvSpPr>
+        <p:spPr>
+          <a:xfrm>
+            <a:off x="2417141" y="2803759"/>
+            <a:ext cx="4134465" cy="584775"/>
+          </a:xfrm>
+          <a:prstGeom prst="rect">
+            <a:avLst/>
+          </a:prstGeom>
+        </p:spPr>
+        <p:txBody>
+          <a:bodyPr wrap="none">
+            <a:spAutoFit/>
+          </a:bodyPr>
+          <a:lstStyle/>
+          <a:p>
+            <a:r>
+              <a:rPr lang="en-US" altLang="zh-CN" sz="3200" b="1" dirty="0" smtClean="0">
+                <a:latin typeface="DejaVu Sans Mono" pitchFamily="49" charset="0"/>
+                <a:ea typeface="DejaVu Sans Mono" pitchFamily="49" charset="0"/>
+                <a:cs typeface="DejaVu Sans Mono" pitchFamily="49" charset="0"/>
+              </a:rPr>
+              <a:t>Newer is Better!</a:t>
+            </a:r>
+            <a:endParaRPr lang="zh-CN" altLang="en-US" sz="3200" b="1" dirty="0">
+              <a:latin typeface="DejaVu Sans Mono" pitchFamily="49" charset="0"/>
+              <a:cs typeface="DejaVu Sans Mono" pitchFamily="49" charset="0"/>
+            </a:endParaRPr>
+          </a:p>
+        </p:txBody>
+      </p:sp>
+    </p:spTree>
+  </p:cSld>
+  <p:clrMapOvr>
+    <a:masterClrMapping/>
+  </p:clrMapOvr>
+  <p:timing>
+    <p:tnLst>
+      <p:par>
+        <p:cTn id="1" dur="indefinite" restart="never" nodeType="tmRoot"/>
       </p:par>
     </p:tnLst>
   </p:timing>
@@ -14696,7 +17323,7 @@
   <a:extraClrSchemeLst/>
   <a:extLst>
     <a:ext uri="{05A4C25C-085E-4340-85A3-A5531E510DB2}">
-      <thm15:themeFamily xmlns="" xmlns:thm15="http://schemas.microsoft.com/office/thememl/2012/main" name="Office Theme" id="{62F939B6-93AF-4DB8-9C6B-D6C7DFDC589F}" vid="{4A3C46E8-61CC-4603-A589-7422A47A8E4A}"/>
+      <thm15:themeFamily xmlns:thm15="http://schemas.microsoft.com/office/thememl/2012/main" xmlns="" name="Office Theme" id="{62F939B6-93AF-4DB8-9C6B-D6C7DFDC589F}" vid="{4A3C46E8-61CC-4603-A589-7422A47A8E4A}"/>
     </a:ext>
   </a:extLst>
 </a:theme>

--- a/CPP-Summit.pptx
+++ b/CPP-Summit.pptx
@@ -28,33 +28,34 @@
     <p:sldId id="257" r:id="rId22"/>
     <p:sldId id="267" r:id="rId23"/>
     <p:sldId id="280" r:id="rId24"/>
-    <p:sldId id="282" r:id="rId25"/>
-    <p:sldId id="283" r:id="rId26"/>
-    <p:sldId id="284" r:id="rId27"/>
-    <p:sldId id="285" r:id="rId28"/>
-    <p:sldId id="286" r:id="rId29"/>
-    <p:sldId id="287" r:id="rId30"/>
-    <p:sldId id="288" r:id="rId31"/>
-    <p:sldId id="289" r:id="rId32"/>
-    <p:sldId id="290" r:id="rId33"/>
-    <p:sldId id="300" r:id="rId34"/>
-    <p:sldId id="281" r:id="rId35"/>
-    <p:sldId id="297" r:id="rId36"/>
-    <p:sldId id="291" r:id="rId37"/>
-    <p:sldId id="298" r:id="rId38"/>
-    <p:sldId id="299" r:id="rId39"/>
-    <p:sldId id="301" r:id="rId40"/>
-    <p:sldId id="295" r:id="rId41"/>
-    <p:sldId id="266" r:id="rId42"/>
-    <p:sldId id="268" r:id="rId43"/>
-    <p:sldId id="292" r:id="rId44"/>
-    <p:sldId id="296" r:id="rId45"/>
-    <p:sldId id="302" r:id="rId46"/>
-    <p:sldId id="305" r:id="rId47"/>
-    <p:sldId id="306" r:id="rId48"/>
-    <p:sldId id="307" r:id="rId49"/>
-    <p:sldId id="304" r:id="rId50"/>
-    <p:sldId id="279" r:id="rId51"/>
+    <p:sldId id="308" r:id="rId25"/>
+    <p:sldId id="282" r:id="rId26"/>
+    <p:sldId id="283" r:id="rId27"/>
+    <p:sldId id="284" r:id="rId28"/>
+    <p:sldId id="285" r:id="rId29"/>
+    <p:sldId id="286" r:id="rId30"/>
+    <p:sldId id="287" r:id="rId31"/>
+    <p:sldId id="288" r:id="rId32"/>
+    <p:sldId id="289" r:id="rId33"/>
+    <p:sldId id="290" r:id="rId34"/>
+    <p:sldId id="300" r:id="rId35"/>
+    <p:sldId id="281" r:id="rId36"/>
+    <p:sldId id="297" r:id="rId37"/>
+    <p:sldId id="291" r:id="rId38"/>
+    <p:sldId id="298" r:id="rId39"/>
+    <p:sldId id="299" r:id="rId40"/>
+    <p:sldId id="301" r:id="rId41"/>
+    <p:sldId id="295" r:id="rId42"/>
+    <p:sldId id="266" r:id="rId43"/>
+    <p:sldId id="268" r:id="rId44"/>
+    <p:sldId id="292" r:id="rId45"/>
+    <p:sldId id="296" r:id="rId46"/>
+    <p:sldId id="302" r:id="rId47"/>
+    <p:sldId id="305" r:id="rId48"/>
+    <p:sldId id="306" r:id="rId49"/>
+    <p:sldId id="307" r:id="rId50"/>
+    <p:sldId id="304" r:id="rId51"/>
+    <p:sldId id="279" r:id="rId52"/>
   </p:sldIdLst>
   <p:sldSz cx="9144000" cy="6858000" type="screen4x3"/>
   <p:notesSz cx="6858000" cy="9144000"/>
@@ -155,7 +156,7 @@
   </p:defaultTextStyle>
   <p:extLst>
     <p:ext uri="{EFAFB233-063F-42B5-8137-9DF3F51BA10A}">
-      <p15:sldGuideLst xmlns:p15="http://schemas.microsoft.com/office/powerpoint/2012/main" xmlns=""/>
+      <p15:sldGuideLst xmlns="" xmlns:p15="http://schemas.microsoft.com/office/powerpoint/2012/main"/>
     </p:ext>
   </p:extLst>
 </p:presentation>
@@ -190,7 +191,7 @@
           <a:blip r:embed="rId2">
             <a:extLst>
               <a:ext uri="{28A0092B-C50C-407E-A947-70E740481C1C}">
-                <a14:useLocalDpi xmlns:a14="http://schemas.microsoft.com/office/drawing/2010/main" xmlns="" val="0"/>
+                <a14:useLocalDpi xmlns="" xmlns:a14="http://schemas.microsoft.com/office/drawing/2010/main" val="0"/>
               </a:ext>
             </a:extLst>
           </a:blip>
@@ -235,7 +236,7 @@
     </p:spTree>
     <p:extLst>
       <p:ext uri="{BB962C8B-B14F-4D97-AF65-F5344CB8AC3E}">
-        <p14:creationId xmlns:p14="http://schemas.microsoft.com/office/powerpoint/2010/main" xmlns="" val="1338936593"/>
+        <p14:creationId xmlns="" xmlns:p14="http://schemas.microsoft.com/office/powerpoint/2010/main" val="1338936593"/>
       </p:ext>
     </p:extLst>
   </p:cSld>
@@ -274,7 +275,7 @@
           <a:blip r:embed="rId2">
             <a:extLst>
               <a:ext uri="{28A0092B-C50C-407E-A947-70E740481C1C}">
-                <a14:useLocalDpi xmlns:a14="http://schemas.microsoft.com/office/drawing/2010/main" xmlns="" val="0"/>
+                <a14:useLocalDpi xmlns="" xmlns:a14="http://schemas.microsoft.com/office/drawing/2010/main" val="0"/>
               </a:ext>
             </a:extLst>
           </a:blip>
@@ -296,7 +297,7 @@
           <p:cNvPr id="9" name="文本占位符 10">
             <a:extLst>
               <a:ext uri="{FF2B5EF4-FFF2-40B4-BE49-F238E27FC236}">
-                <a16:creationId xmlns="" xmlns:a16="http://schemas.microsoft.com/office/drawing/2014/main" id="{01D010F3-905B-4D60-A57E-5C1F1E5D7F48}"/>
+                <a16:creationId xmlns:a16="http://schemas.microsoft.com/office/drawing/2014/main" xmlns="" id="{01D010F3-905B-4D60-A57E-5C1F1E5D7F48}"/>
               </a:ext>
             </a:extLst>
           </p:cNvPr>
@@ -462,7 +463,7 @@
     </p:spTree>
     <p:extLst>
       <p:ext uri="{BB962C8B-B14F-4D97-AF65-F5344CB8AC3E}">
-        <p14:creationId xmlns:p14="http://schemas.microsoft.com/office/powerpoint/2010/main" xmlns="" val="4137035524"/>
+        <p14:creationId xmlns="" xmlns:p14="http://schemas.microsoft.com/office/powerpoint/2010/main" val="4137035524"/>
       </p:ext>
     </p:extLst>
   </p:cSld>
@@ -559,7 +560,7 @@
     </p:spTree>
     <p:extLst>
       <p:ext uri="{BB962C8B-B14F-4D97-AF65-F5344CB8AC3E}">
-        <p14:creationId xmlns:p14="http://schemas.microsoft.com/office/powerpoint/2010/main" xmlns="" val="1759841624"/>
+        <p14:creationId xmlns="" xmlns:p14="http://schemas.microsoft.com/office/powerpoint/2010/main" val="1759841624"/>
       </p:ext>
     </p:extLst>
   </p:cSld>
@@ -810,7 +811,7 @@
     </p:spTree>
     <p:extLst>
       <p:ext uri="{BB962C8B-B14F-4D97-AF65-F5344CB8AC3E}">
-        <p14:creationId xmlns:p14="http://schemas.microsoft.com/office/powerpoint/2010/main" xmlns="" val="3267739063"/>
+        <p14:creationId xmlns="" xmlns:p14="http://schemas.microsoft.com/office/powerpoint/2010/main" val="3267739063"/>
       </p:ext>
     </p:extLst>
   </p:cSld>
@@ -1125,7 +1126,7 @@
           <p:cNvPr id="6" name="文本框 5">
             <a:extLst>
               <a:ext uri="{FF2B5EF4-FFF2-40B4-BE49-F238E27FC236}">
-                <a16:creationId xmlns="" xmlns:a16="http://schemas.microsoft.com/office/drawing/2014/main" id="{80BDF59C-8876-4C07-86D1-096C6CCDE453}"/>
+                <a16:creationId xmlns:a16="http://schemas.microsoft.com/office/drawing/2014/main" xmlns="" id="{80BDF59C-8876-4C07-86D1-096C6CCDE453}"/>
               </a:ext>
             </a:extLst>
           </p:cNvPr>
@@ -1208,7 +1209,7 @@
           <p:cNvPr id="7" name="文本框 6">
             <a:extLst>
               <a:ext uri="{FF2B5EF4-FFF2-40B4-BE49-F238E27FC236}">
-                <a16:creationId xmlns="" xmlns:a16="http://schemas.microsoft.com/office/drawing/2014/main" id="{9641ACBE-BC14-4FC9-81D3-2BCBC14FA20C}"/>
+                <a16:creationId xmlns:a16="http://schemas.microsoft.com/office/drawing/2014/main" xmlns="" id="{9641ACBE-BC14-4FC9-81D3-2BCBC14FA20C}"/>
               </a:ext>
             </a:extLst>
           </p:cNvPr>
@@ -1258,7 +1259,7 @@
           <p:cNvPr id="8" name="文本框 7">
             <a:extLst>
               <a:ext uri="{FF2B5EF4-FFF2-40B4-BE49-F238E27FC236}">
-                <a16:creationId xmlns="" xmlns:a16="http://schemas.microsoft.com/office/drawing/2014/main" id="{7B3317C5-8A3B-41BC-BEF9-80955951153B}"/>
+                <a16:creationId xmlns:a16="http://schemas.microsoft.com/office/drawing/2014/main" xmlns="" id="{7B3317C5-8A3B-41BC-BEF9-80955951153B}"/>
               </a:ext>
             </a:extLst>
           </p:cNvPr>
@@ -1325,7 +1326,7 @@
     </p:spTree>
     <p:extLst>
       <p:ext uri="{BB962C8B-B14F-4D97-AF65-F5344CB8AC3E}">
-        <p14:creationId xmlns:p14="http://schemas.microsoft.com/office/powerpoint/2010/main" xmlns="" val="2080158732"/>
+        <p14:creationId xmlns="" xmlns:p14="http://schemas.microsoft.com/office/powerpoint/2010/main" val="2080158732"/>
       </p:ext>
     </p:extLst>
   </p:cSld>
@@ -6164,7 +6165,7 @@
         <p:spPr>
           <a:xfrm>
             <a:off x="648393" y="1942329"/>
-            <a:ext cx="7414952" cy="2308324"/>
+            <a:ext cx="7414952" cy="3139321"/>
           </a:xfrm>
           <a:prstGeom prst="rect">
             <a:avLst/>
@@ -6192,18 +6193,23 @@
                 <a:ea typeface="DejaVu Sans Mono" pitchFamily="49" charset="0"/>
                 <a:cs typeface="DejaVu Sans Mono" pitchFamily="49" charset="0"/>
               </a:rPr>
-              <a:t>fun_for_1024&lt;4,2,1,0&gt;();  //ok</a:t>
-            </a:r>
-          </a:p>
-          <a:p>
+              <a:t>fun_for_1024&lt;4,2,1,0&gt;();  //</a:t>
+            </a:r>
             <a:r>
               <a:rPr lang="en-US" altLang="zh-CN" dirty="0" smtClean="0">
                 <a:latin typeface="DejaVu Sans Mono" pitchFamily="49" charset="0"/>
                 <a:ea typeface="DejaVu Sans Mono" pitchFamily="49" charset="0"/>
                 <a:cs typeface="DejaVu Sans Mono" pitchFamily="49" charset="0"/>
               </a:rPr>
-              <a:t>fun_for_1024&lt;0,1,1,4&gt;();  //static assertion failed: hi guy, just for 1024</a:t>
-            </a:r>
+              <a:t>ok</a:t>
+            </a:r>
+          </a:p>
+          <a:p>
+            <a:endParaRPr lang="en-US" altLang="zh-CN" dirty="0" smtClean="0">
+              <a:latin typeface="DejaVu Sans Mono" pitchFamily="49" charset="0"/>
+              <a:ea typeface="DejaVu Sans Mono" pitchFamily="49" charset="0"/>
+              <a:cs typeface="DejaVu Sans Mono" pitchFamily="49" charset="0"/>
+            </a:endParaRPr>
           </a:p>
           <a:p>
             <a:r>
@@ -6212,8 +6218,48 @@
                 <a:ea typeface="DejaVu Sans Mono" pitchFamily="49" charset="0"/>
                 <a:cs typeface="DejaVu Sans Mono" pitchFamily="49" charset="0"/>
               </a:rPr>
-              <a:t>fun_for_1024&lt;1,0,2,5&gt;();  //static assertion failed: hi guy, just for 1024</a:t>
-            </a:r>
+              <a:t>fun_for_1024&lt;0,1,1,4&gt;();  //static assertion failed: hi guy, just for </a:t>
+            </a:r>
+            <a:r>
+              <a:rPr lang="en-US" altLang="zh-CN" dirty="0" smtClean="0">
+                <a:latin typeface="DejaVu Sans Mono" pitchFamily="49" charset="0"/>
+                <a:ea typeface="DejaVu Sans Mono" pitchFamily="49" charset="0"/>
+                <a:cs typeface="DejaVu Sans Mono" pitchFamily="49" charset="0"/>
+              </a:rPr>
+              <a:t>1024</a:t>
+            </a:r>
+          </a:p>
+          <a:p>
+            <a:endParaRPr lang="en-US" altLang="zh-CN" dirty="0" smtClean="0">
+              <a:latin typeface="DejaVu Sans Mono" pitchFamily="49" charset="0"/>
+              <a:ea typeface="DejaVu Sans Mono" pitchFamily="49" charset="0"/>
+              <a:cs typeface="DejaVu Sans Mono" pitchFamily="49" charset="0"/>
+            </a:endParaRPr>
+          </a:p>
+          <a:p>
+            <a:r>
+              <a:rPr lang="en-US" altLang="zh-CN" dirty="0" smtClean="0">
+                <a:latin typeface="DejaVu Sans Mono" pitchFamily="49" charset="0"/>
+                <a:ea typeface="DejaVu Sans Mono" pitchFamily="49" charset="0"/>
+                <a:cs typeface="DejaVu Sans Mono" pitchFamily="49" charset="0"/>
+              </a:rPr>
+              <a:t>fun_for_1024&lt;1,0,2,5&gt;();  //static assertion failed: hi guy, just for </a:t>
+            </a:r>
+            <a:r>
+              <a:rPr lang="en-US" altLang="zh-CN" dirty="0" smtClean="0">
+                <a:latin typeface="DejaVu Sans Mono" pitchFamily="49" charset="0"/>
+                <a:ea typeface="DejaVu Sans Mono" pitchFamily="49" charset="0"/>
+                <a:cs typeface="DejaVu Sans Mono" pitchFamily="49" charset="0"/>
+              </a:rPr>
+              <a:t>1024</a:t>
+            </a:r>
+          </a:p>
+          <a:p>
+            <a:endParaRPr lang="en-US" altLang="zh-CN" dirty="0" smtClean="0">
+              <a:latin typeface="DejaVu Sans Mono" pitchFamily="49" charset="0"/>
+              <a:ea typeface="DejaVu Sans Mono" pitchFamily="49" charset="0"/>
+              <a:cs typeface="DejaVu Sans Mono" pitchFamily="49" charset="0"/>
+            </a:endParaRPr>
           </a:p>
           <a:p>
             <a:r>
@@ -6574,7 +6620,7 @@
     </p:spTree>
     <p:extLst>
       <p:ext uri="{BB962C8B-B14F-4D97-AF65-F5344CB8AC3E}">
-        <p14:creationId xmlns:p14="http://schemas.microsoft.com/office/powerpoint/2010/main" xmlns="" val="1047839009"/>
+        <p14:creationId xmlns="" xmlns:p14="http://schemas.microsoft.com/office/powerpoint/2010/main" val="1047839009"/>
       </p:ext>
     </p:extLst>
   </p:cSld>
@@ -6902,10 +6948,126 @@
   <p:clrMapOvr>
     <a:masterClrMapping/>
   </p:clrMapOvr>
+  <p:timing>
+    <p:tnLst>
+      <p:par>
+        <p:cTn id="1" dur="indefinite" restart="never" nodeType="tmRoot"/>
+      </p:par>
+    </p:tnLst>
+  </p:timing>
 </p:sld>
 </file>
 
 <file path=ppt/slides/slide24.xml><?xml version="1.0" encoding="utf-8"?>
+<p:sld xmlns:a="http://schemas.openxmlformats.org/drawingml/2006/main" xmlns:r="http://schemas.openxmlformats.org/officeDocument/2006/relationships" xmlns:p="http://schemas.openxmlformats.org/presentationml/2006/main">
+  <p:cSld>
+    <p:spTree>
+      <p:nvGrpSpPr>
+        <p:cNvPr id="1" name=""/>
+        <p:cNvGrpSpPr/>
+        <p:nvPr/>
+      </p:nvGrpSpPr>
+      <p:grpSpPr>
+        <a:xfrm>
+          <a:off x="0" y="0"/>
+          <a:ext cx="0" cy="0"/>
+          <a:chOff x="0" y="0"/>
+          <a:chExt cx="0" cy="0"/>
+        </a:xfrm>
+      </p:grpSpPr>
+      <p:sp>
+        <p:nvSpPr>
+          <p:cNvPr id="2" name="文本占位符 1"/>
+          <p:cNvSpPr>
+            <a:spLocks noGrp="1"/>
+          </p:cNvSpPr>
+          <p:nvPr>
+            <p:ph type="body" sz="quarter" idx="10"/>
+          </p:nvPr>
+        </p:nvSpPr>
+        <p:spPr/>
+        <p:txBody>
+          <a:bodyPr>
+            <a:normAutofit lnSpcReduction="10000"/>
+          </a:bodyPr>
+          <a:lstStyle/>
+          <a:p>
+            <a:r>
+              <a:rPr lang="en-US" altLang="zh-CN" dirty="0" smtClean="0"/>
+              <a:t>ORM</a:t>
+            </a:r>
+            <a:endParaRPr lang="zh-CN" altLang="en-US" dirty="0"/>
+          </a:p>
+        </p:txBody>
+      </p:sp>
+      <p:sp>
+        <p:nvSpPr>
+          <p:cNvPr id="3" name="内容占位符 2"/>
+          <p:cNvSpPr>
+            <a:spLocks noGrp="1"/>
+          </p:cNvSpPr>
+          <p:nvPr>
+            <p:ph sz="quarter" idx="11"/>
+          </p:nvPr>
+        </p:nvSpPr>
+        <p:spPr/>
+        <p:txBody>
+          <a:bodyPr/>
+          <a:lstStyle/>
+          <a:p>
+            <a:endParaRPr lang="zh-CN" altLang="en-US"/>
+          </a:p>
+        </p:txBody>
+      </p:sp>
+      <p:pic>
+        <p:nvPicPr>
+          <p:cNvPr id="1026" name="Picture 2"/>
+          <p:cNvPicPr>
+            <a:picLocks noChangeAspect="1" noChangeArrowheads="1"/>
+          </p:cNvPicPr>
+          <p:nvPr/>
+        </p:nvPicPr>
+        <p:blipFill>
+          <a:blip r:embed="rId2"/>
+          <a:srcRect/>
+          <a:stretch>
+            <a:fillRect/>
+          </a:stretch>
+        </p:blipFill>
+        <p:spPr bwMode="auto">
+          <a:xfrm>
+            <a:off x="661122" y="1119274"/>
+            <a:ext cx="7570787" cy="5467350"/>
+          </a:xfrm>
+          <a:prstGeom prst="rect">
+            <a:avLst/>
+          </a:prstGeom>
+          <a:noFill/>
+          <a:ln w="9525">
+            <a:noFill/>
+            <a:miter lim="800000"/>
+            <a:headEnd/>
+            <a:tailEnd/>
+          </a:ln>
+          <a:effectLst/>
+        </p:spPr>
+      </p:pic>
+    </p:spTree>
+  </p:cSld>
+  <p:clrMapOvr>
+    <a:masterClrMapping/>
+  </p:clrMapOvr>
+  <p:timing>
+    <p:tnLst>
+      <p:par>
+        <p:cTn id="1" dur="indefinite" restart="never" nodeType="tmRoot"/>
+      </p:par>
+    </p:tnLst>
+  </p:timing>
+</p:sld>
+</file>
+
+<file path=ppt/slides/slide25.xml><?xml version="1.0" encoding="utf-8"?>
 <p:sld xmlns:a="http://schemas.openxmlformats.org/drawingml/2006/main" xmlns:r="http://schemas.openxmlformats.org/officeDocument/2006/relationships" xmlns:p="http://schemas.openxmlformats.org/presentationml/2006/main">
   <p:cSld>
     <p:spTree>
@@ -7084,7 +7246,7 @@
 </p:sld>
 </file>
 
-<file path=ppt/slides/slide25.xml><?xml version="1.0" encoding="utf-8"?>
+<file path=ppt/slides/slide26.xml><?xml version="1.0" encoding="utf-8"?>
 <p:sld xmlns:a="http://schemas.openxmlformats.org/drawingml/2006/main" xmlns:r="http://schemas.openxmlformats.org/officeDocument/2006/relationships" xmlns:p="http://schemas.openxmlformats.org/presentationml/2006/main">
   <p:cSld>
     <p:spTree>
@@ -7181,8 +7343,8 @@
         </p:blipFill>
         <p:spPr>
           <a:xfrm>
-            <a:off x="1476745" y="2231815"/>
-            <a:ext cx="5923809" cy="2476190"/>
+            <a:off x="1260614" y="2148688"/>
+            <a:ext cx="6234814" cy="2606192"/>
           </a:xfrm>
           <a:prstGeom prst="rect">
             <a:avLst/>
@@ -7192,7 +7354,7 @@
     </p:spTree>
     <p:extLst>
       <p:ext uri="{BB962C8B-B14F-4D97-AF65-F5344CB8AC3E}">
-        <p14:creationId xmlns="" xmlns:p14="http://schemas.microsoft.com/office/powerpoint/2010/main" val="900910706"/>
+        <p14:creationId xmlns:p14="http://schemas.microsoft.com/office/powerpoint/2010/main" xmlns="" val="900910706"/>
       </p:ext>
     </p:extLst>
   </p:cSld>
@@ -7323,7 +7485,7 @@
 </p:sld>
 </file>
 
-<file path=ppt/slides/slide26.xml><?xml version="1.0" encoding="utf-8"?>
+<file path=ppt/slides/slide27.xml><?xml version="1.0" encoding="utf-8"?>
 <p:sld xmlns:a="http://schemas.openxmlformats.org/drawingml/2006/main" xmlns:r="http://schemas.openxmlformats.org/officeDocument/2006/relationships" xmlns:p="http://schemas.openxmlformats.org/presentationml/2006/main">
   <p:cSld>
     <p:spTree>
@@ -7479,7 +7641,7 @@
     </p:spTree>
     <p:extLst>
       <p:ext uri="{BB962C8B-B14F-4D97-AF65-F5344CB8AC3E}">
-        <p14:creationId xmlns="" xmlns:p14="http://schemas.microsoft.com/office/powerpoint/2010/main" val="768345762"/>
+        <p14:creationId xmlns:p14="http://schemas.microsoft.com/office/powerpoint/2010/main" xmlns="" val="768345762"/>
       </p:ext>
     </p:extLst>
   </p:cSld>
@@ -7692,7 +7854,7 @@
 </p:sld>
 </file>
 
-<file path=ppt/slides/slide27.xml><?xml version="1.0" encoding="utf-8"?>
+<file path=ppt/slides/slide28.xml><?xml version="1.0" encoding="utf-8"?>
 <p:sld xmlns:a="http://schemas.openxmlformats.org/drawingml/2006/main" xmlns:r="http://schemas.openxmlformats.org/officeDocument/2006/relationships" xmlns:p="http://schemas.openxmlformats.org/presentationml/2006/main">
   <p:cSld>
     <p:spTree>
@@ -7750,22 +7912,22 @@
           <a:lstStyle/>
           <a:p>
             <a:r>
-              <a:rPr lang="zh-CN" altLang="en-US"/>
+              <a:rPr lang="zh-CN" altLang="en-US" dirty="0"/>
               <a:t>编译</a:t>
             </a:r>
             <a:r>
-              <a:rPr lang="zh-CN" altLang="en-US" smtClean="0"/>
+              <a:rPr lang="zh-CN" altLang="en-US" dirty="0" smtClean="0"/>
               <a:t>期获得对象的元数据（</a:t>
             </a:r>
             <a:r>
-              <a:rPr lang="en-US" altLang="zh-CN" smtClean="0"/>
+              <a:rPr lang="en-US" altLang="zh-CN" dirty="0" smtClean="0"/>
               <a:t>field name, field type, field sequence</a:t>
             </a:r>
             <a:r>
-              <a:rPr lang="zh-CN" altLang="en-US" smtClean="0"/>
+              <a:rPr lang="zh-CN" altLang="en-US" dirty="0" smtClean="0"/>
               <a:t>）</a:t>
             </a:r>
-            <a:endParaRPr lang="zh-CN" altLang="en-US"/>
+            <a:endParaRPr lang="zh-CN" altLang="en-US" dirty="0"/>
           </a:p>
         </p:txBody>
       </p:sp>
@@ -7827,7 +7989,33 @@
                 <a:latin typeface="新宋体" panose="02010609030101010101" pitchFamily="49" charset="-122"/>
                 <a:ea typeface="新宋体" panose="02010609030101010101" pitchFamily="49" charset="-122"/>
               </a:rPr>
-              <a:t>Person</a:t>
+              <a:t>p</a:t>
+            </a:r>
+            <a:r>
+              <a:rPr lang="en-US" altLang="zh-CN" dirty="0" smtClean="0">
+                <a:solidFill>
+                  <a:srgbClr val="2B91AF"/>
+                </a:solidFill>
+                <a:highlight>
+                  <a:srgbClr val="FFFFFF"/>
+                </a:highlight>
+                <a:latin typeface="新宋体" panose="02010609030101010101" pitchFamily="49" charset="-122"/>
+                <a:ea typeface="新宋体" panose="02010609030101010101" pitchFamily="49" charset="-122"/>
+              </a:rPr>
+              <a:t>erson</a:t>
+            </a:r>
+            <a:r>
+              <a:rPr lang="en-US" altLang="zh-CN" dirty="0" smtClean="0">
+                <a:solidFill>
+                  <a:srgbClr val="000000"/>
+                </a:solidFill>
+                <a:highlight>
+                  <a:srgbClr val="FFFFFF"/>
+                </a:highlight>
+                <a:latin typeface="新宋体" panose="02010609030101010101" pitchFamily="49" charset="-122"/>
+                <a:ea typeface="新宋体" panose="02010609030101010101" pitchFamily="49" charset="-122"/>
+              </a:rPr>
+              <a:t> </a:t>
             </a:r>
             <a:r>
               <a:rPr lang="en-US" altLang="zh-CN" dirty="0">
@@ -7840,7 +8028,7 @@
                 <a:latin typeface="新宋体" panose="02010609030101010101" pitchFamily="49" charset="-122"/>
                 <a:ea typeface="新宋体" panose="02010609030101010101" pitchFamily="49" charset="-122"/>
               </a:rPr>
-              <a:t> {</a:t>
+              <a:t>{</a:t>
             </a:r>
           </a:p>
           <a:p>
@@ -7981,7 +8169,7 @@
           </a:p>
           <a:p>
             <a:r>
-              <a:rPr lang="en-US" altLang="zh-CN" dirty="0">
+              <a:rPr lang="en-US" altLang="zh-CN" dirty="0" smtClean="0">
                 <a:solidFill>
                   <a:srgbClr val="6F008A"/>
                 </a:solidFill>
@@ -8017,7 +8205,20 @@
                 <a:latin typeface="新宋体" panose="02010609030101010101" pitchFamily="49" charset="-122"/>
                 <a:ea typeface="新宋体" panose="02010609030101010101" pitchFamily="49" charset="-122"/>
               </a:rPr>
-              <a:t>Person</a:t>
+              <a:t>p</a:t>
+            </a:r>
+            <a:r>
+              <a:rPr lang="en-US" altLang="zh-CN" dirty="0" smtClean="0">
+                <a:solidFill>
+                  <a:srgbClr val="2B91AF"/>
+                </a:solidFill>
+                <a:highlight>
+                  <a:srgbClr val="FFFFFF"/>
+                </a:highlight>
+                <a:latin typeface="新宋体" panose="02010609030101010101" pitchFamily="49" charset="-122"/>
+                <a:ea typeface="新宋体" panose="02010609030101010101" pitchFamily="49" charset="-122"/>
+              </a:rPr>
+              <a:t>erson</a:t>
             </a:r>
             <a:r>
               <a:rPr lang="en-US" altLang="zh-CN" dirty="0">
@@ -8058,6 +8259,19 @@
           <a:lstStyle/>
           <a:p>
             <a:r>
+              <a:rPr lang="en-US" altLang="zh-CN" dirty="0">
+                <a:solidFill>
+                  <a:srgbClr val="000000"/>
+                </a:solidFill>
+                <a:highlight>
+                  <a:srgbClr val="FFFFFF"/>
+                </a:highlight>
+                <a:latin typeface="新宋体" panose="02010609030101010101" pitchFamily="49" charset="-122"/>
+                <a:ea typeface="新宋体" panose="02010609030101010101" pitchFamily="49" charset="-122"/>
+              </a:rPr>
+              <a:t>std::</a:t>
+            </a:r>
+            <a:r>
               <a:rPr lang="en-US" altLang="zh-CN" dirty="0" err="1">
                 <a:solidFill>
                   <a:srgbClr val="000000"/>
@@ -8068,7 +8282,7 @@
                 <a:latin typeface="新宋体" panose="02010609030101010101" pitchFamily="49" charset="-122"/>
                 <a:ea typeface="新宋体" panose="02010609030101010101" pitchFamily="49" charset="-122"/>
               </a:rPr>
-              <a:t>std</a:t>
+              <a:t>cout</a:t>
             </a:r>
             <a:r>
               <a:rPr lang="en-US" altLang="zh-CN" dirty="0">
@@ -8081,7 +8295,137 @@
                 <a:latin typeface="新宋体" panose="02010609030101010101" pitchFamily="49" charset="-122"/>
                 <a:ea typeface="新宋体" panose="02010609030101010101" pitchFamily="49" charset="-122"/>
               </a:rPr>
-              <a:t>::</a:t>
+              <a:t> &lt;&lt; </a:t>
+            </a:r>
+            <a:r>
+              <a:rPr lang="en-US" altLang="zh-CN" dirty="0" err="1" smtClean="0">
+                <a:solidFill>
+                  <a:srgbClr val="000000"/>
+                </a:solidFill>
+                <a:highlight>
+                  <a:srgbClr val="FFFFFF"/>
+                </a:highlight>
+                <a:latin typeface="新宋体" panose="02010609030101010101" pitchFamily="49" charset="-122"/>
+                <a:ea typeface="新宋体" panose="02010609030101010101" pitchFamily="49" charset="-122"/>
+              </a:rPr>
+              <a:t>get_name</a:t>
+            </a:r>
+            <a:r>
+              <a:rPr lang="en-US" altLang="zh-CN" dirty="0" smtClean="0">
+                <a:solidFill>
+                  <a:srgbClr val="000000"/>
+                </a:solidFill>
+                <a:highlight>
+                  <a:srgbClr val="FFFFFF"/>
+                </a:highlight>
+                <a:latin typeface="新宋体" panose="02010609030101010101" pitchFamily="49" charset="-122"/>
+                <a:ea typeface="新宋体" panose="02010609030101010101" pitchFamily="49" charset="-122"/>
+              </a:rPr>
+              <a:t>&lt;</a:t>
+            </a:r>
+            <a:r>
+              <a:rPr lang="en-US" altLang="zh-CN" dirty="0">
+                <a:solidFill>
+                  <a:srgbClr val="2B91AF"/>
+                </a:solidFill>
+                <a:highlight>
+                  <a:srgbClr val="FFFFFF"/>
+                </a:highlight>
+                <a:latin typeface="新宋体" panose="02010609030101010101" pitchFamily="49" charset="-122"/>
+                <a:ea typeface="新宋体" panose="02010609030101010101" pitchFamily="49" charset="-122"/>
+              </a:rPr>
+              <a:t>p</a:t>
+            </a:r>
+            <a:r>
+              <a:rPr lang="en-US" altLang="zh-CN" dirty="0" smtClean="0">
+                <a:solidFill>
+                  <a:srgbClr val="2B91AF"/>
+                </a:solidFill>
+                <a:highlight>
+                  <a:srgbClr val="FFFFFF"/>
+                </a:highlight>
+                <a:latin typeface="新宋体" panose="02010609030101010101" pitchFamily="49" charset="-122"/>
+                <a:ea typeface="新宋体" panose="02010609030101010101" pitchFamily="49" charset="-122"/>
+              </a:rPr>
+              <a:t>erson</a:t>
+            </a:r>
+            <a:r>
+              <a:rPr lang="en-US" altLang="zh-CN" dirty="0">
+                <a:solidFill>
+                  <a:srgbClr val="000000"/>
+                </a:solidFill>
+                <a:highlight>
+                  <a:srgbClr val="FFFFFF"/>
+                </a:highlight>
+                <a:latin typeface="新宋体" panose="02010609030101010101" pitchFamily="49" charset="-122"/>
+                <a:ea typeface="新宋体" panose="02010609030101010101" pitchFamily="49" charset="-122"/>
+              </a:rPr>
+              <a:t>, 0&gt;()&lt;&lt; </a:t>
+            </a:r>
+            <a:r>
+              <a:rPr lang="en-US" altLang="zh-CN" dirty="0" err="1" smtClean="0">
+                <a:solidFill>
+                  <a:srgbClr val="000000"/>
+                </a:solidFill>
+                <a:highlight>
+                  <a:srgbClr val="FFFFFF"/>
+                </a:highlight>
+                <a:latin typeface="新宋体" panose="02010609030101010101" pitchFamily="49" charset="-122"/>
+                <a:ea typeface="新宋体" panose="02010609030101010101" pitchFamily="49" charset="-122"/>
+              </a:rPr>
+              <a:t>get_name</a:t>
+            </a:r>
+            <a:r>
+              <a:rPr lang="en-US" altLang="zh-CN" dirty="0" smtClean="0">
+                <a:solidFill>
+                  <a:srgbClr val="000000"/>
+                </a:solidFill>
+                <a:highlight>
+                  <a:srgbClr val="FFFFFF"/>
+                </a:highlight>
+                <a:latin typeface="新宋体" panose="02010609030101010101" pitchFamily="49" charset="-122"/>
+                <a:ea typeface="新宋体" panose="02010609030101010101" pitchFamily="49" charset="-122"/>
+              </a:rPr>
+              <a:t>&lt;</a:t>
+            </a:r>
+            <a:r>
+              <a:rPr lang="en-US" altLang="zh-CN" dirty="0">
+                <a:solidFill>
+                  <a:srgbClr val="2B91AF"/>
+                </a:solidFill>
+                <a:highlight>
+                  <a:srgbClr val="FFFFFF"/>
+                </a:highlight>
+                <a:latin typeface="新宋体" panose="02010609030101010101" pitchFamily="49" charset="-122"/>
+                <a:ea typeface="新宋体" panose="02010609030101010101" pitchFamily="49" charset="-122"/>
+              </a:rPr>
+              <a:t>p</a:t>
+            </a:r>
+            <a:r>
+              <a:rPr lang="en-US" altLang="zh-CN" dirty="0" smtClean="0">
+                <a:solidFill>
+                  <a:srgbClr val="2B91AF"/>
+                </a:solidFill>
+                <a:highlight>
+                  <a:srgbClr val="FFFFFF"/>
+                </a:highlight>
+                <a:latin typeface="新宋体" panose="02010609030101010101" pitchFamily="49" charset="-122"/>
+                <a:ea typeface="新宋体" panose="02010609030101010101" pitchFamily="49" charset="-122"/>
+              </a:rPr>
+              <a:t>erson</a:t>
+            </a:r>
+            <a:r>
+              <a:rPr lang="en-US" altLang="zh-CN" dirty="0">
+                <a:solidFill>
+                  <a:srgbClr val="000000"/>
+                </a:solidFill>
+                <a:highlight>
+                  <a:srgbClr val="FFFFFF"/>
+                </a:highlight>
+                <a:latin typeface="新宋体" panose="02010609030101010101" pitchFamily="49" charset="-122"/>
+                <a:ea typeface="新宋体" panose="02010609030101010101" pitchFamily="49" charset="-122"/>
+              </a:rPr>
+              <a:t>, 1&gt;() &lt;&lt; std::</a:t>
             </a:r>
             <a:r>
               <a:rPr lang="en-US" altLang="zh-CN" dirty="0" err="1">
@@ -8094,7 +8438,7 @@
                 <a:latin typeface="新宋体" panose="02010609030101010101" pitchFamily="49" charset="-122"/>
                 <a:ea typeface="新宋体" panose="02010609030101010101" pitchFamily="49" charset="-122"/>
               </a:rPr>
-              <a:t>cout</a:t>
+              <a:t>endl</a:t>
             </a:r>
             <a:r>
               <a:rPr lang="en-US" altLang="zh-CN" dirty="0">
@@ -8107,7 +8451,35 @@
                 <a:latin typeface="新宋体" panose="02010609030101010101" pitchFamily="49" charset="-122"/>
                 <a:ea typeface="新宋体" panose="02010609030101010101" pitchFamily="49" charset="-122"/>
               </a:rPr>
-              <a:t> &lt;&lt; </a:t>
+              <a:t>;</a:t>
+            </a:r>
+          </a:p>
+          <a:p>
+            <a:r>
+              <a:rPr lang="en-US" altLang="zh-CN" dirty="0" smtClean="0">
+                <a:solidFill>
+                  <a:srgbClr val="000000"/>
+                </a:solidFill>
+                <a:highlight>
+                  <a:srgbClr val="FFFFFF"/>
+                </a:highlight>
+                <a:latin typeface="新宋体" panose="02010609030101010101" pitchFamily="49" charset="-122"/>
+                <a:ea typeface="新宋体" panose="02010609030101010101" pitchFamily="49" charset="-122"/>
+              </a:rPr>
+              <a:t>std</a:t>
+            </a:r>
+            <a:r>
+              <a:rPr lang="en-US" altLang="zh-CN" dirty="0">
+                <a:solidFill>
+                  <a:srgbClr val="000000"/>
+                </a:solidFill>
+                <a:highlight>
+                  <a:srgbClr val="FFFFFF"/>
+                </a:highlight>
+                <a:latin typeface="新宋体" panose="02010609030101010101" pitchFamily="49" charset="-122"/>
+                <a:ea typeface="新宋体" panose="02010609030101010101" pitchFamily="49" charset="-122"/>
+              </a:rPr>
+              <a:t>::</a:t>
             </a:r>
             <a:r>
               <a:rPr lang="en-US" altLang="zh-CN" dirty="0" err="1">
@@ -8120,7 +8492,7 @@
                 <a:latin typeface="新宋体" panose="02010609030101010101" pitchFamily="49" charset="-122"/>
                 <a:ea typeface="新宋体" panose="02010609030101010101" pitchFamily="49" charset="-122"/>
               </a:rPr>
-              <a:t>get_name</a:t>
+              <a:t>cout</a:t>
             </a:r>
             <a:r>
               <a:rPr lang="en-US" altLang="zh-CN" dirty="0">
@@ -8133,85 +8505,7 @@
                 <a:latin typeface="新宋体" panose="02010609030101010101" pitchFamily="49" charset="-122"/>
                 <a:ea typeface="新宋体" panose="02010609030101010101" pitchFamily="49" charset="-122"/>
               </a:rPr>
-              <a:t>&lt;</a:t>
-            </a:r>
-            <a:r>
-              <a:rPr lang="en-US" altLang="zh-CN" dirty="0">
-                <a:solidFill>
-                  <a:srgbClr val="2B91AF"/>
-                </a:solidFill>
-                <a:highlight>
-                  <a:srgbClr val="FFFFFF"/>
-                </a:highlight>
-                <a:latin typeface="新宋体" panose="02010609030101010101" pitchFamily="49" charset="-122"/>
-                <a:ea typeface="新宋体" panose="02010609030101010101" pitchFamily="49" charset="-122"/>
-              </a:rPr>
-              <a:t>Person</a:t>
-            </a:r>
-            <a:r>
-              <a:rPr lang="en-US" altLang="zh-CN" dirty="0">
-                <a:solidFill>
-                  <a:srgbClr val="000000"/>
-                </a:solidFill>
-                <a:highlight>
-                  <a:srgbClr val="FFFFFF"/>
-                </a:highlight>
-                <a:latin typeface="新宋体" panose="02010609030101010101" pitchFamily="49" charset="-122"/>
-                <a:ea typeface="新宋体" panose="02010609030101010101" pitchFamily="49" charset="-122"/>
-              </a:rPr>
-              <a:t>, </a:t>
-            </a:r>
-            <a:r>
-              <a:rPr lang="en-US" altLang="zh-CN">
-                <a:solidFill>
-                  <a:srgbClr val="000000"/>
-                </a:solidFill>
-                <a:highlight>
-                  <a:srgbClr val="FFFFFF"/>
-                </a:highlight>
-                <a:latin typeface="新宋体" panose="02010609030101010101" pitchFamily="49" charset="-122"/>
-                <a:ea typeface="新宋体" panose="02010609030101010101" pitchFamily="49" charset="-122"/>
-              </a:rPr>
-              <a:t>0&gt;()&lt;&lt; get_name&lt;</a:t>
-            </a:r>
-            <a:r>
-              <a:rPr lang="en-US" altLang="zh-CN">
-                <a:solidFill>
-                  <a:srgbClr val="2B91AF"/>
-                </a:solidFill>
-                <a:highlight>
-                  <a:srgbClr val="FFFFFF"/>
-                </a:highlight>
-                <a:latin typeface="新宋体" panose="02010609030101010101" pitchFamily="49" charset="-122"/>
-                <a:ea typeface="新宋体" panose="02010609030101010101" pitchFamily="49" charset="-122"/>
-              </a:rPr>
-              <a:t>Person</a:t>
-            </a:r>
-            <a:r>
-              <a:rPr lang="en-US" altLang="zh-CN">
-                <a:solidFill>
-                  <a:srgbClr val="000000"/>
-                </a:solidFill>
-                <a:highlight>
-                  <a:srgbClr val="FFFFFF"/>
-                </a:highlight>
-                <a:latin typeface="新宋体" panose="02010609030101010101" pitchFamily="49" charset="-122"/>
-                <a:ea typeface="新宋体" panose="02010609030101010101" pitchFamily="49" charset="-122"/>
-              </a:rPr>
-              <a:t>, 1&gt;() </a:t>
-            </a:r>
-            <a:r>
-              <a:rPr lang="en-US" altLang="zh-CN" dirty="0">
-                <a:solidFill>
-                  <a:srgbClr val="000000"/>
-                </a:solidFill>
-                <a:highlight>
-                  <a:srgbClr val="FFFFFF"/>
-                </a:highlight>
-                <a:latin typeface="新宋体" panose="02010609030101010101" pitchFamily="49" charset="-122"/>
-                <a:ea typeface="新宋体" panose="02010609030101010101" pitchFamily="49" charset="-122"/>
-              </a:rPr>
-              <a:t>&lt;&lt; </a:t>
+              <a:t> &lt;&lt; get&lt;0&gt;(p) &lt;&lt; get&lt;1&gt;(p) &lt;&lt; std::</a:t>
             </a:r>
             <a:r>
               <a:rPr lang="en-US" altLang="zh-CN" dirty="0" err="1">
@@ -8224,155 +8518,10 @@
                 <a:latin typeface="新宋体" panose="02010609030101010101" pitchFamily="49" charset="-122"/>
                 <a:ea typeface="新宋体" panose="02010609030101010101" pitchFamily="49" charset="-122"/>
               </a:rPr>
-              <a:t>std</a:t>
-            </a:r>
-            <a:r>
-              <a:rPr lang="en-US" altLang="zh-CN" dirty="0">
-                <a:solidFill>
-                  <a:srgbClr val="000000"/>
-                </a:solidFill>
-                <a:highlight>
-                  <a:srgbClr val="FFFFFF"/>
-                </a:highlight>
-                <a:latin typeface="新宋体" panose="02010609030101010101" pitchFamily="49" charset="-122"/>
-                <a:ea typeface="新宋体" panose="02010609030101010101" pitchFamily="49" charset="-122"/>
-              </a:rPr>
-              <a:t>::</a:t>
-            </a:r>
-            <a:r>
-              <a:rPr lang="en-US" altLang="zh-CN" dirty="0" err="1">
-                <a:solidFill>
-                  <a:srgbClr val="000000"/>
-                </a:solidFill>
-                <a:highlight>
-                  <a:srgbClr val="FFFFFF"/>
-                </a:highlight>
-                <a:latin typeface="新宋体" panose="02010609030101010101" pitchFamily="49" charset="-122"/>
-                <a:ea typeface="新宋体" panose="02010609030101010101" pitchFamily="49" charset="-122"/>
-              </a:rPr>
               <a:t>endl</a:t>
             </a:r>
             <a:r>
-              <a:rPr lang="en-US" altLang="zh-CN" dirty="0">
-                <a:solidFill>
-                  <a:srgbClr val="000000"/>
-                </a:solidFill>
-                <a:highlight>
-                  <a:srgbClr val="FFFFFF"/>
-                </a:highlight>
-                <a:latin typeface="新宋体" panose="02010609030101010101" pitchFamily="49" charset="-122"/>
-                <a:ea typeface="新宋体" panose="02010609030101010101" pitchFamily="49" charset="-122"/>
-              </a:rPr>
-              <a:t>;</a:t>
-            </a:r>
-          </a:p>
-          <a:p>
-            <a:r>
-              <a:rPr lang="en-US" altLang="zh-CN" smtClean="0">
-                <a:solidFill>
-                  <a:srgbClr val="000000"/>
-                </a:solidFill>
-                <a:highlight>
-                  <a:srgbClr val="FFFFFF"/>
-                </a:highlight>
-                <a:latin typeface="新宋体" panose="02010609030101010101" pitchFamily="49" charset="-122"/>
-                <a:ea typeface="新宋体" panose="02010609030101010101" pitchFamily="49" charset="-122"/>
-              </a:rPr>
-              <a:t>std</a:t>
-            </a:r>
-            <a:r>
-              <a:rPr lang="en-US" altLang="zh-CN" dirty="0">
-                <a:solidFill>
-                  <a:srgbClr val="000000"/>
-                </a:solidFill>
-                <a:highlight>
-                  <a:srgbClr val="FFFFFF"/>
-                </a:highlight>
-                <a:latin typeface="新宋体" panose="02010609030101010101" pitchFamily="49" charset="-122"/>
-                <a:ea typeface="新宋体" panose="02010609030101010101" pitchFamily="49" charset="-122"/>
-              </a:rPr>
-              <a:t>::</a:t>
-            </a:r>
-            <a:r>
-              <a:rPr lang="en-US" altLang="zh-CN" dirty="0" err="1">
-                <a:solidFill>
-                  <a:srgbClr val="000000"/>
-                </a:solidFill>
-                <a:highlight>
-                  <a:srgbClr val="FFFFFF"/>
-                </a:highlight>
-                <a:latin typeface="新宋体" panose="02010609030101010101" pitchFamily="49" charset="-122"/>
-                <a:ea typeface="新宋体" panose="02010609030101010101" pitchFamily="49" charset="-122"/>
-              </a:rPr>
-              <a:t>cout</a:t>
-            </a:r>
-            <a:r>
-              <a:rPr lang="en-US" altLang="zh-CN" dirty="0">
-                <a:solidFill>
-                  <a:srgbClr val="000000"/>
-                </a:solidFill>
-                <a:highlight>
-                  <a:srgbClr val="FFFFFF"/>
-                </a:highlight>
-                <a:latin typeface="新宋体" panose="02010609030101010101" pitchFamily="49" charset="-122"/>
-                <a:ea typeface="新宋体" panose="02010609030101010101" pitchFamily="49" charset="-122"/>
-              </a:rPr>
-              <a:t> &lt;&lt; get&lt;0&gt;(p</a:t>
-            </a:r>
-            <a:r>
-              <a:rPr lang="en-US" altLang="zh-CN">
-                <a:solidFill>
-                  <a:srgbClr val="000000"/>
-                </a:solidFill>
-                <a:highlight>
-                  <a:srgbClr val="FFFFFF"/>
-                </a:highlight>
-                <a:latin typeface="新宋体" panose="02010609030101010101" pitchFamily="49" charset="-122"/>
-                <a:ea typeface="新宋体" panose="02010609030101010101" pitchFamily="49" charset="-122"/>
-              </a:rPr>
-              <a:t>) &lt;&lt; get&lt;1&gt;(p) &lt;&lt; </a:t>
-            </a:r>
-            <a:r>
-              <a:rPr lang="en-US" altLang="zh-CN" dirty="0" err="1">
-                <a:solidFill>
-                  <a:srgbClr val="000000"/>
-                </a:solidFill>
-                <a:highlight>
-                  <a:srgbClr val="FFFFFF"/>
-                </a:highlight>
-                <a:latin typeface="新宋体" panose="02010609030101010101" pitchFamily="49" charset="-122"/>
-                <a:ea typeface="新宋体" panose="02010609030101010101" pitchFamily="49" charset="-122"/>
-              </a:rPr>
-              <a:t>std</a:t>
-            </a:r>
-            <a:r>
-              <a:rPr lang="en-US" altLang="zh-CN" dirty="0">
-                <a:solidFill>
-                  <a:srgbClr val="000000"/>
-                </a:solidFill>
-                <a:highlight>
-                  <a:srgbClr val="FFFFFF"/>
-                </a:highlight>
-                <a:latin typeface="新宋体" panose="02010609030101010101" pitchFamily="49" charset="-122"/>
-                <a:ea typeface="新宋体" panose="02010609030101010101" pitchFamily="49" charset="-122"/>
-              </a:rPr>
-              <a:t>::</a:t>
-            </a:r>
-            <a:r>
-              <a:rPr lang="en-US" altLang="zh-CN" err="1">
-                <a:solidFill>
-                  <a:srgbClr val="000000"/>
-                </a:solidFill>
-                <a:highlight>
-                  <a:srgbClr val="FFFFFF"/>
-                </a:highlight>
-                <a:latin typeface="新宋体" panose="02010609030101010101" pitchFamily="49" charset="-122"/>
-                <a:ea typeface="新宋体" panose="02010609030101010101" pitchFamily="49" charset="-122"/>
-              </a:rPr>
-              <a:t>endl</a:t>
-            </a:r>
-            <a:r>
-              <a:rPr lang="en-US" altLang="zh-CN" smtClean="0">
+              <a:rPr lang="en-US" altLang="zh-CN" dirty="0" smtClean="0">
                 <a:solidFill>
                   <a:srgbClr val="000000"/>
                 </a:solidFill>
@@ -8409,7 +8558,20 @@
                 <a:latin typeface="新宋体" panose="02010609030101010101" pitchFamily="49" charset="-122"/>
                 <a:ea typeface="新宋体" panose="02010609030101010101" pitchFamily="49" charset="-122"/>
               </a:rPr>
-              <a:t>Person</a:t>
+              <a:t>p</a:t>
+            </a:r>
+            <a:r>
+              <a:rPr lang="en-US" altLang="zh-CN" dirty="0" smtClean="0">
+                <a:solidFill>
+                  <a:srgbClr val="2B91AF"/>
+                </a:solidFill>
+                <a:highlight>
+                  <a:srgbClr val="FFFFFF"/>
+                </a:highlight>
+                <a:latin typeface="新宋体" panose="02010609030101010101" pitchFamily="49" charset="-122"/>
+                <a:ea typeface="新宋体" panose="02010609030101010101" pitchFamily="49" charset="-122"/>
+              </a:rPr>
+              <a:t>erson</a:t>
             </a:r>
             <a:r>
               <a:rPr lang="en-US" altLang="zh-CN" dirty="0" smtClean="0">
@@ -8634,20 +8796,7 @@
                 <a:latin typeface="新宋体" panose="02010609030101010101" pitchFamily="49" charset="-122"/>
                 <a:ea typeface="新宋体" panose="02010609030101010101" pitchFamily="49" charset="-122"/>
               </a:rPr>
-              <a:t>    </a:t>
-            </a:r>
-            <a:r>
-              <a:rPr lang="en-US" altLang="zh-CN" dirty="0" err="1" smtClean="0">
-                <a:solidFill>
-                  <a:srgbClr val="000000"/>
-                </a:solidFill>
-                <a:highlight>
-                  <a:srgbClr val="FFFFFF"/>
-                </a:highlight>
-                <a:latin typeface="新宋体" panose="02010609030101010101" pitchFamily="49" charset="-122"/>
-                <a:ea typeface="新宋体" panose="02010609030101010101" pitchFamily="49" charset="-122"/>
-              </a:rPr>
-              <a:t>std</a:t>
+              <a:t>    std</a:t>
             </a:r>
             <a:r>
               <a:rPr lang="en-US" altLang="zh-CN" dirty="0">
@@ -8689,7 +8838,7 @@
               <a:t> &lt;&lt; </a:t>
             </a:r>
             <a:r>
-              <a:rPr lang="en-US" altLang="zh-CN">
+              <a:rPr lang="en-US" altLang="zh-CN" dirty="0">
                 <a:solidFill>
                   <a:srgbClr val="808080"/>
                 </a:solidFill>
@@ -8702,7 +8851,7 @@
               <a:t>item</a:t>
             </a:r>
             <a:r>
-              <a:rPr lang="en-US" altLang="zh-CN">
+              <a:rPr lang="en-US" altLang="zh-CN" dirty="0">
                 <a:solidFill>
                   <a:srgbClr val="000000"/>
                 </a:solidFill>
@@ -8715,7 +8864,7 @@
               <a:t> </a:t>
             </a:r>
             <a:r>
-              <a:rPr lang="en-US" altLang="zh-CN" smtClean="0">
+              <a:rPr lang="en-US" altLang="zh-CN" dirty="0" smtClean="0">
                 <a:solidFill>
                   <a:srgbClr val="000000"/>
                 </a:solidFill>
@@ -8726,19 +8875,6 @@
                 <a:ea typeface="新宋体" panose="02010609030101010101" pitchFamily="49" charset="-122"/>
               </a:rPr>
               <a:t>&lt;&lt; </a:t>
-            </a:r>
-            <a:r>
-              <a:rPr lang="en-US" altLang="zh-CN" smtClean="0">
-                <a:solidFill>
-                  <a:srgbClr val="A31515"/>
-                </a:solidFill>
-                <a:highlight>
-                  <a:srgbClr val="FFFFFF"/>
-                </a:highlight>
-                <a:latin typeface="新宋体" panose="02010609030101010101" pitchFamily="49" charset="-122"/>
-                <a:ea typeface="新宋体" panose="02010609030101010101" pitchFamily="49" charset="-122"/>
-              </a:rPr>
-              <a:t>" </a:t>
             </a:r>
             <a:r>
               <a:rPr lang="en-US" altLang="zh-CN" dirty="0" smtClean="0">
@@ -8751,7 +8887,7 @@
                 <a:latin typeface="新宋体" panose="02010609030101010101" pitchFamily="49" charset="-122"/>
                 <a:ea typeface="新宋体" panose="02010609030101010101" pitchFamily="49" charset="-122"/>
               </a:rPr>
-              <a:t>"</a:t>
+              <a:t>" "</a:t>
             </a:r>
             <a:r>
               <a:rPr lang="en-US" altLang="zh-CN" dirty="0" smtClean="0">
@@ -8845,19 +8981,6 @@
               <a:t>&lt;&lt; </a:t>
             </a:r>
             <a:r>
-              <a:rPr lang="en-US" altLang="zh-CN" dirty="0" err="1">
-                <a:solidFill>
-                  <a:srgbClr val="000000"/>
-                </a:solidFill>
-                <a:highlight>
-                  <a:srgbClr val="FFFFFF"/>
-                </a:highlight>
-                <a:latin typeface="新宋体" panose="02010609030101010101" pitchFamily="49" charset="-122"/>
-                <a:ea typeface="新宋体" panose="02010609030101010101" pitchFamily="49" charset="-122"/>
-              </a:rPr>
-              <a:t>std</a:t>
-            </a:r>
-            <a:r>
               <a:rPr lang="en-US" altLang="zh-CN" dirty="0">
                 <a:solidFill>
                   <a:srgbClr val="000000"/>
@@ -8868,7 +8991,7 @@
                 <a:latin typeface="新宋体" panose="02010609030101010101" pitchFamily="49" charset="-122"/>
                 <a:ea typeface="新宋体" panose="02010609030101010101" pitchFamily="49" charset="-122"/>
               </a:rPr>
-              <a:t>::</a:t>
+              <a:t>std::</a:t>
             </a:r>
             <a:r>
               <a:rPr lang="en-US" altLang="zh-CN" dirty="0" err="1">
@@ -8990,7 +9113,7 @@
     </p:spTree>
     <p:extLst>
       <p:ext uri="{BB962C8B-B14F-4D97-AF65-F5344CB8AC3E}">
-        <p14:creationId xmlns="" xmlns:p14="http://schemas.microsoft.com/office/powerpoint/2010/main" val="3760972625"/>
+        <p14:creationId xmlns:p14="http://schemas.microsoft.com/office/powerpoint/2010/main" xmlns="" val="3760972625"/>
       </p:ext>
     </p:extLst>
   </p:cSld>
@@ -9124,7 +9247,7 @@
 </p:sld>
 </file>
 
-<file path=ppt/slides/slide28.xml><?xml version="1.0" encoding="utf-8"?>
+<file path=ppt/slides/slide29.xml><?xml version="1.0" encoding="utf-8"?>
 <p:sld xmlns:a="http://schemas.openxmlformats.org/drawingml/2006/main" xmlns:r="http://schemas.openxmlformats.org/officeDocument/2006/relationships" xmlns:p="http://schemas.openxmlformats.org/presentationml/2006/main">
   <p:cSld>
     <p:spTree>
@@ -9585,9 +9708,9 @@
           <p:nvPr/>
         </p:nvCxnSpPr>
         <p:spPr>
-          <a:xfrm flipH="1" flipV="1">
-            <a:off x="3489862" y="2529198"/>
-            <a:ext cx="896772" cy="2250211"/>
+          <a:xfrm rot="16200000" flipV="1">
+            <a:off x="2571751" y="2964526"/>
+            <a:ext cx="2268966" cy="1360801"/>
           </a:xfrm>
           <a:prstGeom prst="straightConnector1">
             <a:avLst/>
@@ -9619,9 +9742,9 @@
           <p:nvPr/>
         </p:nvCxnSpPr>
         <p:spPr>
-          <a:xfrm flipH="1" flipV="1">
-            <a:off x="2793766" y="2529199"/>
-            <a:ext cx="972295" cy="2250210"/>
+          <a:xfrm rot="16200000" flipV="1">
+            <a:off x="2012084" y="3025430"/>
+            <a:ext cx="2244027" cy="1263931"/>
           </a:xfrm>
           <a:prstGeom prst="straightConnector1">
             <a:avLst/>
@@ -9653,9 +9776,9 @@
           <p:nvPr/>
         </p:nvCxnSpPr>
         <p:spPr>
-          <a:xfrm flipH="1" flipV="1">
-            <a:off x="5552303" y="2575700"/>
-            <a:ext cx="47709" cy="2203709"/>
+          <a:xfrm rot="16200000" flipV="1">
+            <a:off x="4101153" y="3280550"/>
+            <a:ext cx="2227403" cy="770318"/>
           </a:xfrm>
           <a:prstGeom prst="straightConnector1">
             <a:avLst/>
@@ -9687,9 +9810,9 @@
           <p:nvPr/>
         </p:nvCxnSpPr>
         <p:spPr>
-          <a:xfrm flipV="1">
-            <a:off x="2775893" y="2529199"/>
-            <a:ext cx="990168" cy="1163245"/>
+          <a:xfrm rot="5400000" flipH="1" flipV="1">
+            <a:off x="2430397" y="2855941"/>
+            <a:ext cx="1182001" cy="491009"/>
           </a:xfrm>
           <a:prstGeom prst="straightConnector1">
             <a:avLst/>
@@ -9724,9 +9847,9 @@
           <p:nvPr/>
         </p:nvCxnSpPr>
         <p:spPr>
-          <a:xfrm flipV="1">
-            <a:off x="3589560" y="2529197"/>
-            <a:ext cx="1396770" cy="1466154"/>
+          <a:xfrm rot="5400000" flipH="1" flipV="1">
+            <a:off x="3217792" y="2873899"/>
+            <a:ext cx="1493220" cy="749684"/>
           </a:xfrm>
           <a:prstGeom prst="straightConnector1">
             <a:avLst/>
@@ -9762,8 +9885,8 @@
         </p:nvCxnSpPr>
         <p:spPr>
           <a:xfrm flipV="1">
-            <a:off x="2899719" y="2529199"/>
-            <a:ext cx="3056238" cy="1753795"/>
+            <a:off x="2899719" y="2510444"/>
+            <a:ext cx="2270797" cy="1772551"/>
           </a:xfrm>
           <a:prstGeom prst="straightConnector1">
             <a:avLst/>
@@ -9798,9 +9921,9 @@
           <p:nvPr/>
         </p:nvCxnSpPr>
         <p:spPr>
-          <a:xfrm flipH="1" flipV="1">
-            <a:off x="4476508" y="2529197"/>
-            <a:ext cx="500269" cy="2250212"/>
+          <a:xfrm rot="16200000" flipV="1">
+            <a:off x="3311554" y="3114185"/>
+            <a:ext cx="2260653" cy="1069796"/>
           </a:xfrm>
           <a:prstGeom prst="straightConnector1">
             <a:avLst/>
@@ -9828,7 +9951,7 @@
     </p:spTree>
     <p:extLst>
       <p:ext uri="{BB962C8B-B14F-4D97-AF65-F5344CB8AC3E}">
-        <p14:creationId xmlns="" xmlns:p14="http://schemas.microsoft.com/office/powerpoint/2010/main" val="1130343970"/>
+        <p14:creationId xmlns:p14="http://schemas.microsoft.com/office/powerpoint/2010/main" xmlns="" val="1130343970"/>
       </p:ext>
     </p:extLst>
   </p:cSld>
@@ -10239,268 +10362,6 @@
 </p:sld>
 </file>
 
-<file path=ppt/slides/slide29.xml><?xml version="1.0" encoding="utf-8"?>
-<p:sld xmlns:a="http://schemas.openxmlformats.org/drawingml/2006/main" xmlns:r="http://schemas.openxmlformats.org/officeDocument/2006/relationships" xmlns:p="http://schemas.openxmlformats.org/presentationml/2006/main">
-  <p:cSld>
-    <p:spTree>
-      <p:nvGrpSpPr>
-        <p:cNvPr id="1" name=""/>
-        <p:cNvGrpSpPr/>
-        <p:nvPr/>
-      </p:nvGrpSpPr>
-      <p:grpSpPr>
-        <a:xfrm>
-          <a:off x="0" y="0"/>
-          <a:ext cx="0" cy="0"/>
-          <a:chOff x="0" y="0"/>
-          <a:chExt cx="0" cy="0"/>
-        </a:xfrm>
-      </p:grpSpPr>
-      <p:sp>
-        <p:nvSpPr>
-          <p:cNvPr id="2" name="文本占位符 1"/>
-          <p:cNvSpPr>
-            <a:spLocks noGrp="1"/>
-          </p:cNvSpPr>
-          <p:nvPr>
-            <p:ph type="body" sz="quarter" idx="10"/>
-          </p:nvPr>
-        </p:nvSpPr>
-        <p:spPr/>
-        <p:txBody>
-          <a:bodyPr>
-            <a:normAutofit lnSpcReduction="10000"/>
-          </a:bodyPr>
-          <a:lstStyle/>
-          <a:p>
-            <a:r>
-              <a:rPr lang="zh-CN" altLang="en-US" smtClean="0"/>
-              <a:t>自动生成</a:t>
-            </a:r>
-            <a:r>
-              <a:rPr lang="en-US" altLang="zh-CN" smtClean="0"/>
-              <a:t>sql</a:t>
-            </a:r>
-            <a:r>
-              <a:rPr lang="zh-CN" altLang="en-US" smtClean="0"/>
-              <a:t>脚本</a:t>
-            </a:r>
-            <a:endParaRPr lang="zh-CN" altLang="en-US"/>
-          </a:p>
-        </p:txBody>
-      </p:sp>
-      <p:sp>
-        <p:nvSpPr>
-          <p:cNvPr id="3" name="内容占位符 2"/>
-          <p:cNvSpPr>
-            <a:spLocks noGrp="1"/>
-          </p:cNvSpPr>
-          <p:nvPr>
-            <p:ph sz="quarter" idx="11"/>
-          </p:nvPr>
-        </p:nvSpPr>
-        <p:spPr/>
-        <p:txBody>
-          <a:bodyPr/>
-          <a:lstStyle/>
-          <a:p>
-            <a:r>
-              <a:rPr lang="zh-CN" altLang="en-US" smtClean="0"/>
-              <a:t>编译期反射获取对象名称</a:t>
-            </a:r>
-            <a:endParaRPr lang="en-US" altLang="zh-CN" smtClean="0"/>
-          </a:p>
-          <a:p>
-            <a:endParaRPr lang="en-US" altLang="zh-CN"/>
-          </a:p>
-          <a:p>
-            <a:endParaRPr lang="en-US" altLang="zh-CN" smtClean="0"/>
-          </a:p>
-          <a:p>
-            <a:r>
-              <a:rPr lang="zh-CN" altLang="en-US" smtClean="0"/>
-              <a:t>编译期反射获取字段名数组</a:t>
-            </a:r>
-            <a:endParaRPr lang="en-US" altLang="zh-CN" smtClean="0"/>
-          </a:p>
-          <a:p>
-            <a:endParaRPr lang="en-US" altLang="zh-CN"/>
-          </a:p>
-          <a:p>
-            <a:endParaRPr lang="en-US" altLang="zh-CN" smtClean="0"/>
-          </a:p>
-          <a:p>
-            <a:r>
-              <a:rPr lang="zh-CN" altLang="en-US" smtClean="0"/>
-              <a:t>编译期获取类型名称数组？</a:t>
-            </a:r>
-            <a:endParaRPr lang="en-US" altLang="zh-CN"/>
-          </a:p>
-          <a:p>
-            <a:endParaRPr lang="zh-CN" altLang="en-US"/>
-          </a:p>
-        </p:txBody>
-      </p:sp>
-      <p:sp>
-        <p:nvSpPr>
-          <p:cNvPr id="4" name="矩形 3"/>
-          <p:cNvSpPr/>
-          <p:nvPr/>
-        </p:nvSpPr>
-        <p:spPr>
-          <a:xfrm>
-            <a:off x="266700" y="1656145"/>
-            <a:ext cx="7270921" cy="369332"/>
-          </a:xfrm>
-          <a:prstGeom prst="rect">
-            <a:avLst/>
-          </a:prstGeom>
-        </p:spPr>
-        <p:txBody>
-          <a:bodyPr wrap="square">
-            <a:spAutoFit/>
-          </a:bodyPr>
-          <a:lstStyle/>
-          <a:p>
-            <a:r>
-              <a:rPr lang="zh-CN" altLang="en-US"/>
-              <a:t>constexpr auto name = iguana::get_name&lt;T</a:t>
-            </a:r>
-            <a:r>
-              <a:rPr lang="zh-CN" altLang="en-US" smtClean="0"/>
-              <a:t>&gt;(); </a:t>
-            </a:r>
-            <a:r>
-              <a:rPr lang="en-US" altLang="zh-CN" smtClean="0">
-                <a:sym typeface="Wingdings" panose="05000000000000000000" pitchFamily="2" charset="2"/>
-              </a:rPr>
-              <a:t> </a:t>
-            </a:r>
-            <a:r>
-              <a:rPr lang="zh-CN" altLang="en-US" smtClean="0"/>
-              <a:t>"</a:t>
-            </a:r>
-            <a:r>
-              <a:rPr lang="en-US" altLang="zh-CN" smtClean="0">
-                <a:sym typeface="Wingdings" panose="05000000000000000000" pitchFamily="2" charset="2"/>
-              </a:rPr>
-              <a:t>person</a:t>
-            </a:r>
-            <a:r>
-              <a:rPr lang="zh-CN" altLang="en-US" smtClean="0"/>
-              <a:t>" </a:t>
-            </a:r>
-            <a:endParaRPr lang="zh-CN" altLang="en-US"/>
-          </a:p>
-        </p:txBody>
-      </p:sp>
-      <p:sp>
-        <p:nvSpPr>
-          <p:cNvPr id="5" name="矩形 4"/>
-          <p:cNvSpPr/>
-          <p:nvPr/>
-        </p:nvSpPr>
-        <p:spPr>
-          <a:xfrm>
-            <a:off x="266700" y="2906926"/>
-            <a:ext cx="7559246" cy="369332"/>
-          </a:xfrm>
-          <a:prstGeom prst="rect">
-            <a:avLst/>
-          </a:prstGeom>
-        </p:spPr>
-        <p:txBody>
-          <a:bodyPr wrap="square">
-            <a:spAutoFit/>
-          </a:bodyPr>
-          <a:lstStyle/>
-          <a:p>
-            <a:r>
-              <a:rPr lang="zh-CN" altLang="en-US"/>
-              <a:t>constexpr auto arr = iguana::get_array&lt;T</a:t>
-            </a:r>
-            <a:r>
-              <a:rPr lang="zh-CN" altLang="en-US" smtClean="0"/>
-              <a:t>&gt;(); </a:t>
-            </a:r>
-            <a:r>
-              <a:rPr lang="en-US" altLang="zh-CN" smtClean="0">
-                <a:sym typeface="Wingdings" panose="05000000000000000000" pitchFamily="2" charset="2"/>
-              </a:rPr>
-              <a:t> {"</a:t>
-            </a:r>
-            <a:r>
-              <a:rPr lang="zh-CN" altLang="en-US" smtClean="0"/>
-              <a:t>id" </a:t>
-            </a:r>
-            <a:r>
-              <a:rPr lang="en-US" altLang="zh-CN" smtClean="0"/>
-              <a:t>,</a:t>
-            </a:r>
-            <a:r>
-              <a:rPr lang="zh-CN" altLang="en-US"/>
-              <a:t> </a:t>
-            </a:r>
-            <a:r>
-              <a:rPr lang="zh-CN" altLang="en-US" smtClean="0"/>
-              <a:t>"</a:t>
-            </a:r>
-            <a:r>
-              <a:rPr lang="en-US" altLang="zh-CN" smtClean="0"/>
-              <a:t>name</a:t>
-            </a:r>
-            <a:r>
-              <a:rPr lang="zh-CN" altLang="en-US" smtClean="0"/>
-              <a:t>" </a:t>
-            </a:r>
-            <a:r>
-              <a:rPr lang="en-US" altLang="zh-CN" smtClean="0"/>
-              <a:t>,</a:t>
-            </a:r>
-            <a:r>
-              <a:rPr lang="zh-CN" altLang="en-US"/>
-              <a:t> </a:t>
-            </a:r>
-            <a:r>
-              <a:rPr lang="zh-CN" altLang="en-US" smtClean="0"/>
-              <a:t>"</a:t>
-            </a:r>
-            <a:r>
-              <a:rPr lang="en-US" altLang="zh-CN" smtClean="0"/>
-              <a:t>age</a:t>
-            </a:r>
-            <a:r>
-              <a:rPr lang="zh-CN" altLang="en-US" smtClean="0"/>
-              <a:t>" </a:t>
-            </a:r>
-            <a:r>
-              <a:rPr lang="en-US" altLang="zh-CN" smtClean="0"/>
-              <a:t>}  </a:t>
-            </a:r>
-            <a:endParaRPr lang="zh-CN" altLang="en-US"/>
-          </a:p>
-        </p:txBody>
-      </p:sp>
-    </p:spTree>
-    <p:extLst>
-      <p:ext uri="{BB962C8B-B14F-4D97-AF65-F5344CB8AC3E}">
-        <p14:creationId xmlns="" xmlns:p14="http://schemas.microsoft.com/office/powerpoint/2010/main" val="3674534974"/>
-      </p:ext>
-    </p:extLst>
-  </p:cSld>
-  <p:clrMapOvr>
-    <a:masterClrMapping/>
-  </p:clrMapOvr>
-  <p:timing>
-    <p:tnLst>
-      <p:par>
-        <p:cTn id="1" dur="indefinite" restart="never" nodeType="tmRoot"/>
-      </p:par>
-    </p:tnLst>
-  </p:timing>
-</p:sld>
-</file>
-
 <file path=ppt/slides/slide3.xml><?xml version="1.0" encoding="utf-8"?>
 <p:sld xmlns:a="http://schemas.openxmlformats.org/drawingml/2006/main" xmlns:r="http://schemas.openxmlformats.org/officeDocument/2006/relationships" xmlns:p="http://schemas.openxmlformats.org/presentationml/2006/main">
   <p:cSld>
@@ -10881,12 +10742,16 @@
           <a:lstStyle/>
           <a:p>
             <a:r>
-              <a:rPr lang="zh-CN" altLang="en-US"/>
-              <a:t>类</a:t>
-            </a:r>
-            <a:r>
               <a:rPr lang="zh-CN" altLang="en-US" smtClean="0"/>
-              <a:t>型映射</a:t>
+              <a:t>自动生成</a:t>
+            </a:r>
+            <a:r>
+              <a:rPr lang="en-US" altLang="zh-CN" smtClean="0"/>
+              <a:t>sql</a:t>
+            </a:r>
+            <a:r>
+              <a:rPr lang="zh-CN" altLang="en-US" smtClean="0"/>
+              <a:t>脚本</a:t>
             </a:r>
             <a:endParaRPr lang="zh-CN" altLang="en-US"/>
           </a:p>
@@ -10908,45 +10773,186 @@
           <a:lstStyle/>
           <a:p>
             <a:r>
-              <a:rPr lang="en-US" altLang="zh-CN" smtClean="0"/>
-              <a:t>C++</a:t>
-            </a:r>
-            <a:r>
-              <a:rPr lang="zh-CN" altLang="en-US" smtClean="0"/>
-              <a:t>类型映射到数据库字段类型</a:t>
-            </a:r>
-            <a:endParaRPr lang="zh-CN" altLang="en-US"/>
+              <a:rPr lang="zh-CN" altLang="en-US" dirty="0" smtClean="0"/>
+              <a:t>编译期反射获取对象名称</a:t>
+            </a:r>
+            <a:endParaRPr lang="en-US" altLang="zh-CN" dirty="0" smtClean="0"/>
+          </a:p>
+          <a:p>
+            <a:endParaRPr lang="en-US" altLang="zh-CN" dirty="0"/>
+          </a:p>
+          <a:p>
+            <a:endParaRPr lang="en-US" altLang="zh-CN" dirty="0" smtClean="0"/>
+          </a:p>
+          <a:p>
+            <a:r>
+              <a:rPr lang="zh-CN" altLang="en-US" dirty="0" smtClean="0"/>
+              <a:t>编译期反射获取字段名数组</a:t>
+            </a:r>
+            <a:endParaRPr lang="en-US" altLang="zh-CN" dirty="0" smtClean="0"/>
+          </a:p>
+          <a:p>
+            <a:endParaRPr lang="en-US" altLang="zh-CN" dirty="0"/>
+          </a:p>
+          <a:p>
+            <a:endParaRPr lang="en-US" altLang="zh-CN" dirty="0" smtClean="0"/>
+          </a:p>
+          <a:p>
+            <a:r>
+              <a:rPr lang="zh-CN" altLang="en-US" dirty="0" smtClean="0"/>
+              <a:t>编译期获取类型名称数组？</a:t>
+            </a:r>
+            <a:endParaRPr lang="en-US" altLang="zh-CN" dirty="0"/>
+          </a:p>
+          <a:p>
+            <a:endParaRPr lang="zh-CN" altLang="en-US" dirty="0"/>
           </a:p>
         </p:txBody>
       </p:sp>
-      <p:pic>
-        <p:nvPicPr>
-          <p:cNvPr id="4" name="图片 3"/>
-          <p:cNvPicPr>
-            <a:picLocks noChangeAspect="1"/>
-          </p:cNvPicPr>
+      <p:sp>
+        <p:nvSpPr>
+          <p:cNvPr id="4" name="矩形 3"/>
+          <p:cNvSpPr/>
           <p:nvPr/>
-        </p:nvPicPr>
-        <p:blipFill>
-          <a:blip r:embed="rId2"/>
-          <a:stretch>
-            <a:fillRect/>
-          </a:stretch>
-        </p:blipFill>
+        </p:nvSpPr>
         <p:spPr>
           <a:xfrm>
-            <a:off x="817071" y="1696995"/>
-            <a:ext cx="7243157" cy="4907579"/>
+            <a:off x="266700" y="1656145"/>
+            <a:ext cx="7270921" cy="369332"/>
           </a:xfrm>
           <a:prstGeom prst="rect">
             <a:avLst/>
           </a:prstGeom>
         </p:spPr>
-      </p:pic>
+        <p:txBody>
+          <a:bodyPr wrap="square">
+            <a:spAutoFit/>
+          </a:bodyPr>
+          <a:lstStyle/>
+          <a:p>
+            <a:r>
+              <a:rPr lang="zh-CN" altLang="en-US" dirty="0"/>
+              <a:t>constexpr auto name = iguana::get_name&lt;T</a:t>
+            </a:r>
+            <a:r>
+              <a:rPr lang="zh-CN" altLang="en-US" dirty="0" smtClean="0"/>
+              <a:t>&gt;(); </a:t>
+            </a:r>
+            <a:r>
+              <a:rPr lang="en-US" altLang="zh-CN" dirty="0" smtClean="0">
+                <a:sym typeface="Wingdings" panose="05000000000000000000" pitchFamily="2" charset="2"/>
+              </a:rPr>
+              <a:t> </a:t>
+            </a:r>
+            <a:r>
+              <a:rPr lang="zh-CN" altLang="en-US" dirty="0" smtClean="0"/>
+              <a:t>"</a:t>
+            </a:r>
+            <a:r>
+              <a:rPr lang="en-US" altLang="zh-CN" dirty="0" smtClean="0">
+                <a:sym typeface="Wingdings" panose="05000000000000000000" pitchFamily="2" charset="2"/>
+              </a:rPr>
+              <a:t>person</a:t>
+            </a:r>
+            <a:r>
+              <a:rPr lang="zh-CN" altLang="en-US" dirty="0" smtClean="0"/>
+              <a:t>" </a:t>
+            </a:r>
+            <a:endParaRPr lang="zh-CN" altLang="en-US" dirty="0"/>
+          </a:p>
+        </p:txBody>
+      </p:sp>
+      <p:sp>
+        <p:nvSpPr>
+          <p:cNvPr id="5" name="矩形 4"/>
+          <p:cNvSpPr/>
+          <p:nvPr/>
+        </p:nvSpPr>
+        <p:spPr>
+          <a:xfrm>
+            <a:off x="266700" y="2906926"/>
+            <a:ext cx="7559246" cy="369332"/>
+          </a:xfrm>
+          <a:prstGeom prst="rect">
+            <a:avLst/>
+          </a:prstGeom>
+        </p:spPr>
+        <p:txBody>
+          <a:bodyPr wrap="square">
+            <a:spAutoFit/>
+          </a:bodyPr>
+          <a:lstStyle/>
+          <a:p>
+            <a:r>
+              <a:rPr lang="zh-CN" altLang="en-US" dirty="0"/>
+              <a:t>constexpr auto arr = iguana::get_array&lt;T</a:t>
+            </a:r>
+            <a:r>
+              <a:rPr lang="zh-CN" altLang="en-US" dirty="0" smtClean="0"/>
+              <a:t>&gt;(); </a:t>
+            </a:r>
+            <a:r>
+              <a:rPr lang="en-US" altLang="zh-CN" dirty="0" smtClean="0">
+                <a:sym typeface="Wingdings" panose="05000000000000000000" pitchFamily="2" charset="2"/>
+              </a:rPr>
+              <a:t> {"</a:t>
+            </a:r>
+            <a:r>
+              <a:rPr lang="zh-CN" altLang="en-US" dirty="0" smtClean="0"/>
+              <a:t>id" </a:t>
+            </a:r>
+            <a:r>
+              <a:rPr lang="en-US" altLang="zh-CN" dirty="0" smtClean="0"/>
+              <a:t>,</a:t>
+            </a:r>
+            <a:r>
+              <a:rPr lang="zh-CN" altLang="en-US" dirty="0"/>
+              <a:t> </a:t>
+            </a:r>
+            <a:r>
+              <a:rPr lang="zh-CN" altLang="en-US" dirty="0" smtClean="0"/>
+              <a:t>"</a:t>
+            </a:r>
+            <a:r>
+              <a:rPr lang="en-US" altLang="zh-CN" dirty="0" smtClean="0"/>
+              <a:t>name</a:t>
+            </a:r>
+            <a:r>
+              <a:rPr lang="zh-CN" altLang="en-US" dirty="0" smtClean="0"/>
+              <a:t>" </a:t>
+            </a:r>
+            <a:r>
+              <a:rPr lang="en-US" altLang="zh-CN" dirty="0" smtClean="0"/>
+              <a:t>,</a:t>
+            </a:r>
+            <a:r>
+              <a:rPr lang="zh-CN" altLang="en-US" dirty="0"/>
+              <a:t> </a:t>
+            </a:r>
+            <a:r>
+              <a:rPr lang="zh-CN" altLang="en-US" dirty="0" smtClean="0"/>
+              <a:t>"</a:t>
+            </a:r>
+            <a:r>
+              <a:rPr lang="en-US" altLang="zh-CN" dirty="0" smtClean="0"/>
+              <a:t>age</a:t>
+            </a:r>
+            <a:r>
+              <a:rPr lang="zh-CN" altLang="en-US" dirty="0" smtClean="0"/>
+              <a:t>" </a:t>
+            </a:r>
+            <a:r>
+              <a:rPr lang="en-US" altLang="zh-CN" dirty="0" smtClean="0"/>
+              <a:t>}  </a:t>
+            </a:r>
+            <a:endParaRPr lang="zh-CN" altLang="en-US" dirty="0"/>
+          </a:p>
+        </p:txBody>
+      </p:sp>
     </p:spTree>
     <p:extLst>
       <p:ext uri="{BB962C8B-B14F-4D97-AF65-F5344CB8AC3E}">
-        <p14:creationId xmlns="" xmlns:p14="http://schemas.microsoft.com/office/powerpoint/2010/main" val="1767821580"/>
+        <p14:creationId xmlns:p14="http://schemas.microsoft.com/office/powerpoint/2010/main" xmlns="" val="3674534974"/>
       </p:ext>
     </p:extLst>
   </p:cSld>
@@ -10998,8 +11004,12 @@
           <a:lstStyle/>
           <a:p>
             <a:r>
+              <a:rPr lang="zh-CN" altLang="en-US"/>
+              <a:t>类</a:t>
+            </a:r>
+            <a:r>
               <a:rPr lang="zh-CN" altLang="en-US" smtClean="0"/>
-              <a:t>获取类型名称</a:t>
+              <a:t>型映射</a:t>
             </a:r>
             <a:endParaRPr lang="zh-CN" altLang="en-US"/>
           </a:p>
@@ -11021,8 +11031,12 @@
           <a:lstStyle/>
           <a:p>
             <a:r>
+              <a:rPr lang="en-US" altLang="zh-CN" smtClean="0"/>
+              <a:t>C++</a:t>
+            </a:r>
+            <a:r>
               <a:rPr lang="zh-CN" altLang="en-US" smtClean="0"/>
-              <a:t>编译期获取类型名称数组</a:t>
+              <a:t>类型映射到数据库字段类型</a:t>
             </a:r>
             <a:endParaRPr lang="zh-CN" altLang="en-US"/>
           </a:p>
@@ -11044,8 +11058,8 @@
         </p:blipFill>
         <p:spPr>
           <a:xfrm>
-            <a:off x="266700" y="1767531"/>
-            <a:ext cx="8346343" cy="4130761"/>
+            <a:off x="817071" y="1696995"/>
+            <a:ext cx="7243157" cy="4907579"/>
           </a:xfrm>
           <a:prstGeom prst="rect">
             <a:avLst/>
@@ -11055,7 +11069,7 @@
     </p:spTree>
     <p:extLst>
       <p:ext uri="{BB962C8B-B14F-4D97-AF65-F5344CB8AC3E}">
-        <p14:creationId xmlns="" xmlns:p14="http://schemas.microsoft.com/office/powerpoint/2010/main" val="156102797"/>
+        <p14:creationId xmlns:p14="http://schemas.microsoft.com/office/powerpoint/2010/main" xmlns="" val="1767821580"/>
       </p:ext>
     </p:extLst>
   </p:cSld>
@@ -11108,6 +11122,115 @@
           <a:p>
             <a:r>
               <a:rPr lang="zh-CN" altLang="en-US" smtClean="0"/>
+              <a:t>获取类型名称</a:t>
+            </a:r>
+            <a:endParaRPr lang="zh-CN" altLang="en-US"/>
+          </a:p>
+        </p:txBody>
+      </p:sp>
+      <p:sp>
+        <p:nvSpPr>
+          <p:cNvPr id="3" name="内容占位符 2"/>
+          <p:cNvSpPr>
+            <a:spLocks noGrp="1"/>
+          </p:cNvSpPr>
+          <p:nvPr>
+            <p:ph sz="quarter" idx="11"/>
+          </p:nvPr>
+        </p:nvSpPr>
+        <p:spPr/>
+        <p:txBody>
+          <a:bodyPr/>
+          <a:lstStyle/>
+          <a:p>
+            <a:r>
+              <a:rPr lang="zh-CN" altLang="en-US" smtClean="0"/>
+              <a:t>编译期获取类型名称数组</a:t>
+            </a:r>
+            <a:endParaRPr lang="zh-CN" altLang="en-US"/>
+          </a:p>
+        </p:txBody>
+      </p:sp>
+      <p:pic>
+        <p:nvPicPr>
+          <p:cNvPr id="4" name="图片 3"/>
+          <p:cNvPicPr>
+            <a:picLocks noChangeAspect="1"/>
+          </p:cNvPicPr>
+          <p:nvPr/>
+        </p:nvPicPr>
+        <p:blipFill>
+          <a:blip r:embed="rId2"/>
+          <a:stretch>
+            <a:fillRect/>
+          </a:stretch>
+        </p:blipFill>
+        <p:spPr>
+          <a:xfrm>
+            <a:off x="266700" y="1767531"/>
+            <a:ext cx="8346343" cy="4130761"/>
+          </a:xfrm>
+          <a:prstGeom prst="rect">
+            <a:avLst/>
+          </a:prstGeom>
+        </p:spPr>
+      </p:pic>
+    </p:spTree>
+    <p:extLst>
+      <p:ext uri="{BB962C8B-B14F-4D97-AF65-F5344CB8AC3E}">
+        <p14:creationId xmlns:p14="http://schemas.microsoft.com/office/powerpoint/2010/main" xmlns="" val="156102797"/>
+      </p:ext>
+    </p:extLst>
+  </p:cSld>
+  <p:clrMapOvr>
+    <a:masterClrMapping/>
+  </p:clrMapOvr>
+  <p:timing>
+    <p:tnLst>
+      <p:par>
+        <p:cTn id="1" dur="indefinite" restart="never" nodeType="tmRoot"/>
+      </p:par>
+    </p:tnLst>
+  </p:timing>
+</p:sld>
+</file>
+
+<file path=ppt/slides/slide33.xml><?xml version="1.0" encoding="utf-8"?>
+<p:sld xmlns:a="http://schemas.openxmlformats.org/drawingml/2006/main" xmlns:r="http://schemas.openxmlformats.org/officeDocument/2006/relationships" xmlns:p="http://schemas.openxmlformats.org/presentationml/2006/main">
+  <p:cSld>
+    <p:spTree>
+      <p:nvGrpSpPr>
+        <p:cNvPr id="1" name=""/>
+        <p:cNvGrpSpPr/>
+        <p:nvPr/>
+      </p:nvGrpSpPr>
+      <p:grpSpPr>
+        <a:xfrm>
+          <a:off x="0" y="0"/>
+          <a:ext cx="0" cy="0"/>
+          <a:chOff x="0" y="0"/>
+          <a:chExt cx="0" cy="0"/>
+        </a:xfrm>
+      </p:grpSpPr>
+      <p:sp>
+        <p:nvSpPr>
+          <p:cNvPr id="2" name="文本占位符 1"/>
+          <p:cNvSpPr>
+            <a:spLocks noGrp="1"/>
+          </p:cNvSpPr>
+          <p:nvPr>
+            <p:ph type="body" sz="quarter" idx="10"/>
+          </p:nvPr>
+        </p:nvSpPr>
+        <p:spPr/>
+        <p:txBody>
+          <a:bodyPr>
+            <a:normAutofit lnSpcReduction="10000"/>
+          </a:bodyPr>
+          <a:lstStyle/>
+          <a:p>
+            <a:r>
+              <a:rPr lang="zh-CN" altLang="en-US" smtClean="0"/>
               <a:t>自动生成脚本</a:t>
             </a:r>
             <a:endParaRPr lang="zh-CN" altLang="en-US"/>
@@ -11691,7 +11814,7 @@
     </p:spTree>
     <p:extLst>
       <p:ext uri="{BB962C8B-B14F-4D97-AF65-F5344CB8AC3E}">
-        <p14:creationId xmlns="" xmlns:p14="http://schemas.microsoft.com/office/powerpoint/2010/main" val="1320338770"/>
+        <p14:creationId xmlns:p14="http://schemas.microsoft.com/office/powerpoint/2010/main" xmlns="" val="1320338770"/>
       </p:ext>
     </p:extLst>
   </p:cSld>
@@ -12090,7 +12213,7 @@
 </p:sld>
 </file>
 
-<file path=ppt/slides/slide33.xml><?xml version="1.0" encoding="utf-8"?>
+<file path=ppt/slides/slide34.xml><?xml version="1.0" encoding="utf-8"?>
 <p:sld xmlns:a="http://schemas.openxmlformats.org/drawingml/2006/main" xmlns:r="http://schemas.openxmlformats.org/officeDocument/2006/relationships" xmlns:p="http://schemas.openxmlformats.org/presentationml/2006/main">
   <p:cSld>
     <p:spTree>
@@ -12232,123 +12355,6 @@
 </p:sld>
 </file>
 
-<file path=ppt/slides/slide34.xml><?xml version="1.0" encoding="utf-8"?>
-<p:sld xmlns:a="http://schemas.openxmlformats.org/drawingml/2006/main" xmlns:r="http://schemas.openxmlformats.org/officeDocument/2006/relationships" xmlns:p="http://schemas.openxmlformats.org/presentationml/2006/main">
-  <p:cSld>
-    <p:spTree>
-      <p:nvGrpSpPr>
-        <p:cNvPr id="1" name=""/>
-        <p:cNvGrpSpPr/>
-        <p:nvPr/>
-      </p:nvGrpSpPr>
-      <p:grpSpPr>
-        <a:xfrm>
-          <a:off x="0" y="0"/>
-          <a:ext cx="0" cy="0"/>
-          <a:chOff x="0" y="0"/>
-          <a:chExt cx="0" cy="0"/>
-        </a:xfrm>
-      </p:grpSpPr>
-      <p:sp>
-        <p:nvSpPr>
-          <p:cNvPr id="2" name="文本占位符 1"/>
-          <p:cNvSpPr>
-            <a:spLocks noGrp="1"/>
-          </p:cNvSpPr>
-          <p:nvPr>
-            <p:ph type="body" sz="quarter" idx="10"/>
-          </p:nvPr>
-        </p:nvSpPr>
-        <p:spPr/>
-        <p:txBody>
-          <a:bodyPr>
-            <a:normAutofit lnSpcReduction="10000"/>
-          </a:bodyPr>
-          <a:lstStyle/>
-          <a:p>
-            <a:r>
-              <a:rPr lang="zh-CN" altLang="en-US" dirty="0" smtClean="0"/>
-              <a:t>实体映射</a:t>
-            </a:r>
-            <a:endParaRPr lang="zh-CN" altLang="en-US" dirty="0"/>
-          </a:p>
-        </p:txBody>
-      </p:sp>
-      <p:sp>
-        <p:nvSpPr>
-          <p:cNvPr id="6" name="内容占位符 5"/>
-          <p:cNvSpPr>
-            <a:spLocks noGrp="1"/>
-          </p:cNvSpPr>
-          <p:nvPr>
-            <p:ph sz="quarter" idx="11"/>
-          </p:nvPr>
-        </p:nvSpPr>
-        <p:spPr/>
-        <p:txBody>
-          <a:bodyPr/>
-          <a:lstStyle/>
-          <a:p>
-            <a:r>
-              <a:rPr lang="en-US" altLang="zh-CN" dirty="0" err="1" smtClean="0"/>
-              <a:t>Postgresql</a:t>
-            </a:r>
-            <a:r>
-              <a:rPr lang="en-US" altLang="zh-CN" dirty="0" smtClean="0"/>
-              <a:t> to Entity</a:t>
-            </a:r>
-            <a:endParaRPr lang="zh-CN" altLang="en-US" dirty="0"/>
-          </a:p>
-        </p:txBody>
-      </p:sp>
-      <p:pic>
-        <p:nvPicPr>
-          <p:cNvPr id="1027" name="Picture 3"/>
-          <p:cNvPicPr>
-            <a:picLocks noChangeAspect="1" noChangeArrowheads="1"/>
-          </p:cNvPicPr>
-          <p:nvPr/>
-        </p:nvPicPr>
-        <p:blipFill>
-          <a:blip r:embed="rId2"/>
-          <a:srcRect/>
-          <a:stretch>
-            <a:fillRect/>
-          </a:stretch>
-        </p:blipFill>
-        <p:spPr bwMode="auto">
-          <a:xfrm>
-            <a:off x="1464772" y="1850102"/>
-            <a:ext cx="5981700" cy="2343150"/>
-          </a:xfrm>
-          <a:prstGeom prst="rect">
-            <a:avLst/>
-          </a:prstGeom>
-          <a:noFill/>
-          <a:ln w="9525">
-            <a:noFill/>
-            <a:miter lim="800000"/>
-            <a:headEnd/>
-            <a:tailEnd/>
-          </a:ln>
-          <a:effectLst/>
-        </p:spPr>
-      </p:pic>
-    </p:spTree>
-  </p:cSld>
-  <p:clrMapOvr>
-    <a:masterClrMapping/>
-  </p:clrMapOvr>
-  <p:timing>
-    <p:tnLst>
-      <p:par>
-        <p:cTn id="1" dur="indefinite" restart="never" nodeType="tmRoot"/>
-      </p:par>
-    </p:tnLst>
-  </p:timing>
-</p:sld>
-</file>
-
 <file path=ppt/slides/slide35.xml><?xml version="1.0" encoding="utf-8"?>
 <p:sld xmlns:a="http://schemas.openxmlformats.org/drawingml/2006/main" xmlns:r="http://schemas.openxmlformats.org/officeDocument/2006/relationships" xmlns:p="http://schemas.openxmlformats.org/presentationml/2006/main">
   <p:cSld>
@@ -12393,7 +12399,7 @@
       </p:sp>
       <p:sp>
         <p:nvSpPr>
-          <p:cNvPr id="3" name="内容占位符 2"/>
+          <p:cNvPr id="6" name="内容占位符 5"/>
           <p:cNvSpPr>
             <a:spLocks noGrp="1"/>
           </p:cNvSpPr>
@@ -12414,16 +12420,13 @@
               <a:rPr lang="en-US" altLang="zh-CN" dirty="0" smtClean="0"/>
               <a:t> to Entity</a:t>
             </a:r>
-            <a:endParaRPr lang="zh-CN" altLang="en-US" dirty="0" smtClean="0"/>
-          </a:p>
-          <a:p>
             <a:endParaRPr lang="zh-CN" altLang="en-US" dirty="0"/>
           </a:p>
         </p:txBody>
       </p:sp>
       <p:pic>
         <p:nvPicPr>
-          <p:cNvPr id="2050" name="Picture 2"/>
+          <p:cNvPr id="1027" name="Picture 3"/>
           <p:cNvPicPr>
             <a:picLocks noChangeAspect="1" noChangeArrowheads="1"/>
           </p:cNvPicPr>
@@ -12438,8 +12441,8 @@
         </p:blipFill>
         <p:spPr bwMode="auto">
           <a:xfrm>
-            <a:off x="1131222" y="1808710"/>
-            <a:ext cx="6780213" cy="4038600"/>
+            <a:off x="1464772" y="1850102"/>
+            <a:ext cx="5981700" cy="2343150"/>
           </a:xfrm>
           <a:prstGeom prst="rect">
             <a:avLst/>
@@ -12528,19 +12531,22 @@
           <a:p>
             <a:r>
               <a:rPr lang="en-US" altLang="zh-CN" dirty="0" err="1" smtClean="0"/>
-              <a:t>Sqlite</a:t>
+              <a:t>Postgresql</a:t>
             </a:r>
             <a:r>
               <a:rPr lang="en-US" altLang="zh-CN" dirty="0" smtClean="0"/>
               <a:t> to Entity</a:t>
             </a:r>
+            <a:endParaRPr lang="zh-CN" altLang="en-US" dirty="0" smtClean="0"/>
+          </a:p>
+          <a:p>
             <a:endParaRPr lang="zh-CN" altLang="en-US" dirty="0"/>
           </a:p>
         </p:txBody>
       </p:sp>
       <p:pic>
         <p:nvPicPr>
-          <p:cNvPr id="3074" name="Picture 2"/>
+          <p:cNvPr id="2050" name="Picture 2"/>
           <p:cNvPicPr>
             <a:picLocks noChangeAspect="1" noChangeArrowheads="1"/>
           </p:cNvPicPr>
@@ -12555,8 +12561,8 @@
         </p:blipFill>
         <p:spPr bwMode="auto">
           <a:xfrm>
-            <a:off x="1728874" y="1911148"/>
-            <a:ext cx="5619750" cy="3800475"/>
+            <a:off x="1131222" y="1808710"/>
+            <a:ext cx="6780213" cy="4038600"/>
           </a:xfrm>
           <a:prstGeom prst="rect">
             <a:avLst/>
@@ -12657,6 +12663,123 @@
       </p:sp>
       <p:pic>
         <p:nvPicPr>
+          <p:cNvPr id="3074" name="Picture 2"/>
+          <p:cNvPicPr>
+            <a:picLocks noChangeAspect="1" noChangeArrowheads="1"/>
+          </p:cNvPicPr>
+          <p:nvPr/>
+        </p:nvPicPr>
+        <p:blipFill>
+          <a:blip r:embed="rId2"/>
+          <a:srcRect/>
+          <a:stretch>
+            <a:fillRect/>
+          </a:stretch>
+        </p:blipFill>
+        <p:spPr bwMode="auto">
+          <a:xfrm>
+            <a:off x="1728874" y="1911148"/>
+            <a:ext cx="5619750" cy="3800475"/>
+          </a:xfrm>
+          <a:prstGeom prst="rect">
+            <a:avLst/>
+          </a:prstGeom>
+          <a:noFill/>
+          <a:ln w="9525">
+            <a:noFill/>
+            <a:miter lim="800000"/>
+            <a:headEnd/>
+            <a:tailEnd/>
+          </a:ln>
+          <a:effectLst/>
+        </p:spPr>
+      </p:pic>
+    </p:spTree>
+  </p:cSld>
+  <p:clrMapOvr>
+    <a:masterClrMapping/>
+  </p:clrMapOvr>
+  <p:timing>
+    <p:tnLst>
+      <p:par>
+        <p:cTn id="1" dur="indefinite" restart="never" nodeType="tmRoot"/>
+      </p:par>
+    </p:tnLst>
+  </p:timing>
+</p:sld>
+</file>
+
+<file path=ppt/slides/slide38.xml><?xml version="1.0" encoding="utf-8"?>
+<p:sld xmlns:a="http://schemas.openxmlformats.org/drawingml/2006/main" xmlns:r="http://schemas.openxmlformats.org/officeDocument/2006/relationships" xmlns:p="http://schemas.openxmlformats.org/presentationml/2006/main">
+  <p:cSld>
+    <p:spTree>
+      <p:nvGrpSpPr>
+        <p:cNvPr id="1" name=""/>
+        <p:cNvGrpSpPr/>
+        <p:nvPr/>
+      </p:nvGrpSpPr>
+      <p:grpSpPr>
+        <a:xfrm>
+          <a:off x="0" y="0"/>
+          <a:ext cx="0" cy="0"/>
+          <a:chOff x="0" y="0"/>
+          <a:chExt cx="0" cy="0"/>
+        </a:xfrm>
+      </p:grpSpPr>
+      <p:sp>
+        <p:nvSpPr>
+          <p:cNvPr id="2" name="文本占位符 1"/>
+          <p:cNvSpPr>
+            <a:spLocks noGrp="1"/>
+          </p:cNvSpPr>
+          <p:nvPr>
+            <p:ph type="body" sz="quarter" idx="10"/>
+          </p:nvPr>
+        </p:nvSpPr>
+        <p:spPr/>
+        <p:txBody>
+          <a:bodyPr>
+            <a:normAutofit lnSpcReduction="10000"/>
+          </a:bodyPr>
+          <a:lstStyle/>
+          <a:p>
+            <a:r>
+              <a:rPr lang="zh-CN" altLang="en-US" dirty="0" smtClean="0"/>
+              <a:t>实体映射</a:t>
+            </a:r>
+            <a:endParaRPr lang="zh-CN" altLang="en-US" dirty="0"/>
+          </a:p>
+        </p:txBody>
+      </p:sp>
+      <p:sp>
+        <p:nvSpPr>
+          <p:cNvPr id="3" name="内容占位符 2"/>
+          <p:cNvSpPr>
+            <a:spLocks noGrp="1"/>
+          </p:cNvSpPr>
+          <p:nvPr>
+            <p:ph sz="quarter" idx="11"/>
+          </p:nvPr>
+        </p:nvSpPr>
+        <p:spPr/>
+        <p:txBody>
+          <a:bodyPr/>
+          <a:lstStyle/>
+          <a:p>
+            <a:r>
+              <a:rPr lang="en-US" altLang="zh-CN" dirty="0" err="1" smtClean="0"/>
+              <a:t>Sqlite</a:t>
+            </a:r>
+            <a:r>
+              <a:rPr lang="en-US" altLang="zh-CN" dirty="0" smtClean="0"/>
+              <a:t> to Entity</a:t>
+            </a:r>
+            <a:endParaRPr lang="zh-CN" altLang="en-US" dirty="0"/>
+          </a:p>
+        </p:txBody>
+      </p:sp>
+      <p:pic>
+        <p:nvPicPr>
           <p:cNvPr id="4098" name="Picture 2"/>
           <p:cNvPicPr>
             <a:picLocks noChangeAspect="1" noChangeArrowheads="1"/>
@@ -12693,10 +12816,17 @@
   <p:clrMapOvr>
     <a:masterClrMapping/>
   </p:clrMapOvr>
+  <p:timing>
+    <p:tnLst>
+      <p:par>
+        <p:cTn id="1" dur="indefinite" restart="never" nodeType="tmRoot"/>
+      </p:par>
+    </p:tnLst>
+  </p:timing>
 </p:sld>
 </file>
 
-<file path=ppt/slides/slide38.xml><?xml version="1.0" encoding="utf-8"?>
+<file path=ppt/slides/slide39.xml><?xml version="1.0" encoding="utf-8"?>
 <p:sld xmlns:a="http://schemas.openxmlformats.org/drawingml/2006/main" xmlns:r="http://schemas.openxmlformats.org/officeDocument/2006/relationships" xmlns:p="http://schemas.openxmlformats.org/presentationml/2006/main">
   <p:cSld>
     <p:spTree>
@@ -12832,120 +12962,13 @@
   <p:clrMapOvr>
     <a:masterClrMapping/>
   </p:clrMapOvr>
-</p:sld>
-</file>
-
-<file path=ppt/slides/slide39.xml><?xml version="1.0" encoding="utf-8"?>
-<p:sld xmlns:a="http://schemas.openxmlformats.org/drawingml/2006/main" xmlns:r="http://schemas.openxmlformats.org/officeDocument/2006/relationships" xmlns:p="http://schemas.openxmlformats.org/presentationml/2006/main">
-  <p:cSld>
-    <p:spTree>
-      <p:nvGrpSpPr>
-        <p:cNvPr id="1" name=""/>
-        <p:cNvGrpSpPr/>
-        <p:nvPr/>
-      </p:nvGrpSpPr>
-      <p:grpSpPr>
-        <a:xfrm>
-          <a:off x="0" y="0"/>
-          <a:ext cx="0" cy="0"/>
-          <a:chOff x="0" y="0"/>
-          <a:chExt cx="0" cy="0"/>
-        </a:xfrm>
-      </p:grpSpPr>
-      <p:sp>
-        <p:nvSpPr>
-          <p:cNvPr id="2" name="文本占位符 1"/>
-          <p:cNvSpPr>
-            <a:spLocks noGrp="1"/>
-          </p:cNvSpPr>
-          <p:nvPr>
-            <p:ph type="body" sz="quarter" idx="10"/>
-          </p:nvPr>
-        </p:nvSpPr>
-        <p:spPr/>
-        <p:txBody>
-          <a:bodyPr>
-            <a:normAutofit lnSpcReduction="10000"/>
-          </a:bodyPr>
-          <a:lstStyle/>
-          <a:p>
-            <a:r>
-              <a:rPr lang="zh-CN" altLang="en-US" dirty="0" smtClean="0"/>
-              <a:t>实体映射</a:t>
-            </a:r>
-            <a:endParaRPr lang="zh-CN" altLang="en-US" dirty="0"/>
-          </a:p>
-        </p:txBody>
-      </p:sp>
-      <p:sp>
-        <p:nvSpPr>
-          <p:cNvPr id="3" name="内容占位符 2"/>
-          <p:cNvSpPr>
-            <a:spLocks noGrp="1"/>
-          </p:cNvSpPr>
-          <p:nvPr>
-            <p:ph sz="quarter" idx="11"/>
-          </p:nvPr>
-        </p:nvSpPr>
-        <p:spPr/>
-        <p:txBody>
-          <a:bodyPr/>
-          <a:lstStyle/>
-          <a:p>
-            <a:r>
-              <a:rPr lang="zh-CN" altLang="en-US" dirty="0" smtClean="0"/>
-              <a:t>返回</a:t>
-            </a:r>
-            <a:r>
-              <a:rPr lang="en-US" altLang="zh-CN" dirty="0" err="1" smtClean="0"/>
-              <a:t>tuple</a:t>
-            </a:r>
-            <a:r>
-              <a:rPr lang="zh-CN" altLang="en-US" dirty="0" smtClean="0"/>
-              <a:t>结果时要注意元素是否为对象</a:t>
-            </a:r>
-            <a:endParaRPr lang="zh-CN" altLang="en-US" dirty="0"/>
-          </a:p>
-        </p:txBody>
-      </p:sp>
-      <p:pic>
-        <p:nvPicPr>
-          <p:cNvPr id="7170" name="Picture 2"/>
-          <p:cNvPicPr>
-            <a:picLocks noChangeAspect="1" noChangeArrowheads="1"/>
-          </p:cNvPicPr>
-          <p:nvPr/>
-        </p:nvPicPr>
-        <p:blipFill>
-          <a:blip r:embed="rId2"/>
-          <a:srcRect/>
-          <a:stretch>
-            <a:fillRect/>
-          </a:stretch>
-        </p:blipFill>
-        <p:spPr bwMode="auto">
-          <a:xfrm>
-            <a:off x="1121699" y="1894783"/>
-            <a:ext cx="6799263" cy="3600450"/>
-          </a:xfrm>
-          <a:prstGeom prst="rect">
-            <a:avLst/>
-          </a:prstGeom>
-          <a:noFill/>
-          <a:ln w="9525">
-            <a:noFill/>
-            <a:miter lim="800000"/>
-            <a:headEnd/>
-            <a:tailEnd/>
-          </a:ln>
-          <a:effectLst/>
-        </p:spPr>
-      </p:pic>
-    </p:spTree>
-  </p:cSld>
-  <p:clrMapOvr>
-    <a:masterClrMapping/>
-  </p:clrMapOvr>
+  <p:timing>
+    <p:tnLst>
+      <p:par>
+        <p:cTn id="1" dur="indefinite" restart="never" nodeType="tmRoot"/>
+      </p:par>
+    </p:tnLst>
+  </p:timing>
 </p:sld>
 </file>
 
@@ -13168,8 +13191,8 @@
           <a:lstStyle/>
           <a:p>
             <a:r>
-              <a:rPr lang="en-US" altLang="zh-CN" dirty="0" err="1" smtClean="0"/>
-              <a:t>ormpp</a:t>
+              <a:rPr lang="zh-CN" altLang="en-US" dirty="0" smtClean="0"/>
+              <a:t>实体映射</a:t>
             </a:r>
             <a:endParaRPr lang="zh-CN" altLang="en-US" dirty="0"/>
           </a:p>
@@ -13190,6 +13213,127 @@
           <a:bodyPr/>
           <a:lstStyle/>
           <a:p>
+            <a:r>
+              <a:rPr lang="zh-CN" altLang="en-US" dirty="0" smtClean="0"/>
+              <a:t>返回</a:t>
+            </a:r>
+            <a:r>
+              <a:rPr lang="en-US" altLang="zh-CN" dirty="0" err="1" smtClean="0"/>
+              <a:t>tuple</a:t>
+            </a:r>
+            <a:r>
+              <a:rPr lang="zh-CN" altLang="en-US" dirty="0" smtClean="0"/>
+              <a:t>结果时要注意元素是否为对象</a:t>
+            </a:r>
+            <a:endParaRPr lang="zh-CN" altLang="en-US" dirty="0"/>
+          </a:p>
+        </p:txBody>
+      </p:sp>
+      <p:pic>
+        <p:nvPicPr>
+          <p:cNvPr id="7170" name="Picture 2"/>
+          <p:cNvPicPr>
+            <a:picLocks noChangeAspect="1" noChangeArrowheads="1"/>
+          </p:cNvPicPr>
+          <p:nvPr/>
+        </p:nvPicPr>
+        <p:blipFill>
+          <a:blip r:embed="rId2"/>
+          <a:srcRect/>
+          <a:stretch>
+            <a:fillRect/>
+          </a:stretch>
+        </p:blipFill>
+        <p:spPr bwMode="auto">
+          <a:xfrm>
+            <a:off x="1121699" y="1894783"/>
+            <a:ext cx="6799263" cy="3600450"/>
+          </a:xfrm>
+          <a:prstGeom prst="rect">
+            <a:avLst/>
+          </a:prstGeom>
+          <a:noFill/>
+          <a:ln w="9525">
+            <a:noFill/>
+            <a:miter lim="800000"/>
+            <a:headEnd/>
+            <a:tailEnd/>
+          </a:ln>
+          <a:effectLst/>
+        </p:spPr>
+      </p:pic>
+    </p:spTree>
+  </p:cSld>
+  <p:clrMapOvr>
+    <a:masterClrMapping/>
+  </p:clrMapOvr>
+  <p:timing>
+    <p:tnLst>
+      <p:par>
+        <p:cTn id="1" dur="indefinite" restart="never" nodeType="tmRoot"/>
+      </p:par>
+    </p:tnLst>
+  </p:timing>
+</p:sld>
+</file>
+
+<file path=ppt/slides/slide41.xml><?xml version="1.0" encoding="utf-8"?>
+<p:sld xmlns:a="http://schemas.openxmlformats.org/drawingml/2006/main" xmlns:r="http://schemas.openxmlformats.org/officeDocument/2006/relationships" xmlns:p="http://schemas.openxmlformats.org/presentationml/2006/main">
+  <p:cSld>
+    <p:spTree>
+      <p:nvGrpSpPr>
+        <p:cNvPr id="1" name=""/>
+        <p:cNvGrpSpPr/>
+        <p:nvPr/>
+      </p:nvGrpSpPr>
+      <p:grpSpPr>
+        <a:xfrm>
+          <a:off x="0" y="0"/>
+          <a:ext cx="0" cy="0"/>
+          <a:chOff x="0" y="0"/>
+          <a:chExt cx="0" cy="0"/>
+        </a:xfrm>
+      </p:grpSpPr>
+      <p:sp>
+        <p:nvSpPr>
+          <p:cNvPr id="2" name="文本占位符 1"/>
+          <p:cNvSpPr>
+            <a:spLocks noGrp="1"/>
+          </p:cNvSpPr>
+          <p:nvPr>
+            <p:ph type="body" sz="quarter" idx="10"/>
+          </p:nvPr>
+        </p:nvSpPr>
+        <p:spPr/>
+        <p:txBody>
+          <a:bodyPr>
+            <a:normAutofit lnSpcReduction="10000"/>
+          </a:bodyPr>
+          <a:lstStyle/>
+          <a:p>
+            <a:r>
+              <a:rPr lang="en-US" altLang="zh-CN" dirty="0" err="1" smtClean="0"/>
+              <a:t>ormpp</a:t>
+            </a:r>
+            <a:endParaRPr lang="zh-CN" altLang="en-US" dirty="0"/>
+          </a:p>
+        </p:txBody>
+      </p:sp>
+      <p:sp>
+        <p:nvSpPr>
+          <p:cNvPr id="3" name="内容占位符 2"/>
+          <p:cNvSpPr>
+            <a:spLocks noGrp="1"/>
+          </p:cNvSpPr>
+          <p:nvPr>
+            <p:ph sz="quarter" idx="11"/>
+          </p:nvPr>
+        </p:nvSpPr>
+        <p:spPr/>
+        <p:txBody>
+          <a:bodyPr/>
+          <a:lstStyle/>
+          <a:p>
             <a:pPr>
               <a:buFont typeface="Wingdings" pitchFamily="2" charset="2"/>
               <a:buChar char="n"/>
@@ -13200,11 +13344,7 @@
             </a:r>
             <a:r>
               <a:rPr lang="en-US" altLang="zh-CN" dirty="0" smtClean="0"/>
-              <a:t> </a:t>
-            </a:r>
-            <a:r>
-              <a:rPr lang="en-US" altLang="zh-CN" dirty="0" smtClean="0"/>
-              <a:t>---- </a:t>
+              <a:t> ---- </a:t>
             </a:r>
             <a:r>
               <a:rPr lang="zh-CN" altLang="en-US" dirty="0" smtClean="0"/>
@@ -13322,7 +13462,7 @@
 </p:sld>
 </file>
 
-<file path=ppt/slides/slide41.xml><?xml version="1.0" encoding="utf-8"?>
+<file path=ppt/slides/slide42.xml><?xml version="1.0" encoding="utf-8"?>
 <p:sld xmlns:a="http://schemas.openxmlformats.org/drawingml/2006/main" xmlns:r="http://schemas.openxmlformats.org/officeDocument/2006/relationships" xmlns:p="http://schemas.openxmlformats.org/presentationml/2006/main">
   <p:cSld>
     <p:spTree>
@@ -13427,112 +13567,6 @@
 </p:sld>
 </file>
 
-<file path=ppt/slides/slide42.xml><?xml version="1.0" encoding="utf-8"?>
-<p:sld xmlns:a="http://schemas.openxmlformats.org/drawingml/2006/main" xmlns:r="http://schemas.openxmlformats.org/officeDocument/2006/relationships" xmlns:p="http://schemas.openxmlformats.org/presentationml/2006/main">
-  <p:cSld>
-    <p:spTree>
-      <p:nvGrpSpPr>
-        <p:cNvPr id="1" name=""/>
-        <p:cNvGrpSpPr/>
-        <p:nvPr/>
-      </p:nvGrpSpPr>
-      <p:grpSpPr>
-        <a:xfrm>
-          <a:off x="0" y="0"/>
-          <a:ext cx="0" cy="0"/>
-          <a:chOff x="0" y="0"/>
-          <a:chExt cx="0" cy="0"/>
-        </a:xfrm>
-      </p:grpSpPr>
-      <p:sp>
-        <p:nvSpPr>
-          <p:cNvPr id="2" name="文本占位符 1"/>
-          <p:cNvSpPr>
-            <a:spLocks noGrp="1"/>
-          </p:cNvSpPr>
-          <p:nvPr>
-            <p:ph type="body" sz="quarter" idx="10"/>
-          </p:nvPr>
-        </p:nvSpPr>
-        <p:spPr/>
-        <p:txBody>
-          <a:bodyPr>
-            <a:normAutofit lnSpcReduction="10000"/>
-          </a:bodyPr>
-          <a:lstStyle/>
-          <a:p>
-            <a:endParaRPr lang="zh-CN" altLang="en-US" dirty="0"/>
-          </a:p>
-        </p:txBody>
-      </p:sp>
-      <p:sp>
-        <p:nvSpPr>
-          <p:cNvPr id="3" name="内容占位符 2"/>
-          <p:cNvSpPr>
-            <a:spLocks noGrp="1"/>
-          </p:cNvSpPr>
-          <p:nvPr>
-            <p:ph sz="quarter" idx="11"/>
-          </p:nvPr>
-        </p:nvSpPr>
-        <p:spPr/>
-        <p:txBody>
-          <a:bodyPr/>
-          <a:lstStyle/>
-          <a:p>
-            <a:r>
-              <a:rPr lang="en-US" altLang="zh-CN" dirty="0" smtClean="0"/>
-              <a:t>Logging</a:t>
-            </a:r>
-          </a:p>
-          <a:p>
-            <a:r>
-              <a:rPr lang="en-US" altLang="zh-CN" dirty="0" smtClean="0"/>
-              <a:t>Validation</a:t>
-            </a:r>
-          </a:p>
-          <a:p>
-            <a:r>
-              <a:rPr lang="en-US" altLang="zh-CN" dirty="0" smtClean="0"/>
-              <a:t>Thread Strategy</a:t>
-            </a:r>
-          </a:p>
-          <a:p>
-            <a:r>
-              <a:rPr lang="en-US" altLang="zh-CN" dirty="0" smtClean="0"/>
-              <a:t>Caching</a:t>
-            </a:r>
-          </a:p>
-          <a:p>
-            <a:r>
-              <a:rPr lang="en-US" altLang="zh-CN" dirty="0" smtClean="0"/>
-              <a:t>Exception Handling</a:t>
-            </a:r>
-          </a:p>
-          <a:p>
-            <a:r>
-              <a:rPr lang="en-US" altLang="zh-CN" dirty="0" smtClean="0"/>
-              <a:t>… and a lot more</a:t>
-            </a:r>
-            <a:endParaRPr lang="zh-CN" altLang="en-US" dirty="0"/>
-          </a:p>
-        </p:txBody>
-      </p:sp>
-    </p:spTree>
-  </p:cSld>
-  <p:clrMapOvr>
-    <a:masterClrMapping/>
-  </p:clrMapOvr>
-  <p:timing>
-    <p:tnLst>
-      <p:par>
-        <p:cTn id="1" dur="indefinite" restart="never" nodeType="tmRoot"/>
-      </p:par>
-    </p:tnLst>
-  </p:timing>
-</p:sld>
-</file>
-
 <file path=ppt/slides/slide43.xml><?xml version="1.0" encoding="utf-8"?>
 <p:sld xmlns:a="http://schemas.openxmlformats.org/drawingml/2006/main" xmlns:r="http://schemas.openxmlformats.org/officeDocument/2006/relationships" xmlns:p="http://schemas.openxmlformats.org/presentationml/2006/main">
   <p:cSld>
@@ -13567,7 +13601,7 @@
           </a:bodyPr>
           <a:lstStyle/>
           <a:p>
-            <a:endParaRPr lang="zh-CN" altLang="en-US"/>
+            <a:endParaRPr lang="zh-CN" altLang="en-US" dirty="0"/>
           </a:p>
         </p:txBody>
       </p:sp>
@@ -13586,40 +13620,44 @@
           <a:bodyPr/>
           <a:lstStyle/>
           <a:p>
-            <a:endParaRPr lang="zh-CN" altLang="en-US"/>
+            <a:r>
+              <a:rPr lang="en-US" altLang="zh-CN" dirty="0" smtClean="0"/>
+              <a:t>Logging</a:t>
+            </a:r>
+          </a:p>
+          <a:p>
+            <a:r>
+              <a:rPr lang="en-US" altLang="zh-CN" dirty="0" smtClean="0"/>
+              <a:t>Validation</a:t>
+            </a:r>
+          </a:p>
+          <a:p>
+            <a:r>
+              <a:rPr lang="en-US" altLang="zh-CN" dirty="0" smtClean="0"/>
+              <a:t>Thread Strategy</a:t>
+            </a:r>
+          </a:p>
+          <a:p>
+            <a:r>
+              <a:rPr lang="en-US" altLang="zh-CN" dirty="0" smtClean="0"/>
+              <a:t>Caching</a:t>
+            </a:r>
+          </a:p>
+          <a:p>
+            <a:r>
+              <a:rPr lang="en-US" altLang="zh-CN" dirty="0" smtClean="0"/>
+              <a:t>Exception Handling</a:t>
+            </a:r>
+          </a:p>
+          <a:p>
+            <a:r>
+              <a:rPr lang="en-US" altLang="zh-CN" dirty="0" smtClean="0"/>
+              <a:t>… and a lot more</a:t>
+            </a:r>
+            <a:endParaRPr lang="zh-CN" altLang="en-US" dirty="0"/>
           </a:p>
         </p:txBody>
       </p:sp>
-      <p:pic>
-        <p:nvPicPr>
-          <p:cNvPr id="4" name="内容占位符 3"/>
-          <p:cNvPicPr>
-            <a:picLocks noChangeAspect="1"/>
-          </p:cNvPicPr>
-          <p:nvPr/>
-        </p:nvPicPr>
-        <p:blipFill>
-          <a:blip r:embed="rId2">
-            <a:extLst>
-              <a:ext uri="{28A0092B-C50C-407E-A947-70E740481C1C}">
-                <a14:useLocalDpi xmlns="" xmlns:a14="http://schemas.microsoft.com/office/drawing/2010/main" val="0"/>
-              </a:ext>
-            </a:extLst>
-          </a:blip>
-          <a:stretch>
-            <a:fillRect/>
-          </a:stretch>
-        </p:blipFill>
-        <p:spPr>
-          <a:xfrm>
-            <a:off x="2438400" y="2547937"/>
-            <a:ext cx="4000500" cy="2733675"/>
-          </a:xfrm>
-          <a:prstGeom prst="rect">
-            <a:avLst/>
-          </a:prstGeom>
-        </p:spPr>
-      </p:pic>
     </p:spTree>
   </p:cSld>
   <p:clrMapOvr>
@@ -13669,6 +13707,108 @@
           </a:bodyPr>
           <a:lstStyle/>
           <a:p>
+            <a:endParaRPr lang="zh-CN" altLang="en-US"/>
+          </a:p>
+        </p:txBody>
+      </p:sp>
+      <p:sp>
+        <p:nvSpPr>
+          <p:cNvPr id="3" name="内容占位符 2"/>
+          <p:cNvSpPr>
+            <a:spLocks noGrp="1"/>
+          </p:cNvSpPr>
+          <p:nvPr>
+            <p:ph sz="quarter" idx="11"/>
+          </p:nvPr>
+        </p:nvSpPr>
+        <p:spPr/>
+        <p:txBody>
+          <a:bodyPr/>
+          <a:lstStyle/>
+          <a:p>
+            <a:endParaRPr lang="zh-CN" altLang="en-US"/>
+          </a:p>
+        </p:txBody>
+      </p:sp>
+      <p:pic>
+        <p:nvPicPr>
+          <p:cNvPr id="4" name="内容占位符 3"/>
+          <p:cNvPicPr>
+            <a:picLocks noChangeAspect="1"/>
+          </p:cNvPicPr>
+          <p:nvPr/>
+        </p:nvPicPr>
+        <p:blipFill>
+          <a:blip r:embed="rId2">
+            <a:extLst>
+              <a:ext uri="{28A0092B-C50C-407E-A947-70E740481C1C}">
+                <a14:useLocalDpi xmlns:a14="http://schemas.microsoft.com/office/drawing/2010/main" xmlns="" val="0"/>
+              </a:ext>
+            </a:extLst>
+          </a:blip>
+          <a:stretch>
+            <a:fillRect/>
+          </a:stretch>
+        </p:blipFill>
+        <p:spPr>
+          <a:xfrm>
+            <a:off x="2438400" y="2547937"/>
+            <a:ext cx="4000500" cy="2733675"/>
+          </a:xfrm>
+          <a:prstGeom prst="rect">
+            <a:avLst/>
+          </a:prstGeom>
+        </p:spPr>
+      </p:pic>
+    </p:spTree>
+  </p:cSld>
+  <p:clrMapOvr>
+    <a:masterClrMapping/>
+  </p:clrMapOvr>
+  <p:timing>
+    <p:tnLst>
+      <p:par>
+        <p:cTn id="1" dur="indefinite" restart="never" nodeType="tmRoot"/>
+      </p:par>
+    </p:tnLst>
+  </p:timing>
+</p:sld>
+</file>
+
+<file path=ppt/slides/slide45.xml><?xml version="1.0" encoding="utf-8"?>
+<p:sld xmlns:a="http://schemas.openxmlformats.org/drawingml/2006/main" xmlns:r="http://schemas.openxmlformats.org/officeDocument/2006/relationships" xmlns:p="http://schemas.openxmlformats.org/presentationml/2006/main">
+  <p:cSld>
+    <p:spTree>
+      <p:nvGrpSpPr>
+        <p:cNvPr id="1" name=""/>
+        <p:cNvGrpSpPr/>
+        <p:nvPr/>
+      </p:nvGrpSpPr>
+      <p:grpSpPr>
+        <a:xfrm>
+          <a:off x="0" y="0"/>
+          <a:ext cx="0" cy="0"/>
+          <a:chOff x="0" y="0"/>
+          <a:chExt cx="0" cy="0"/>
+        </a:xfrm>
+      </p:grpSpPr>
+      <p:sp>
+        <p:nvSpPr>
+          <p:cNvPr id="2" name="文本占位符 1"/>
+          <p:cNvSpPr>
+            <a:spLocks noGrp="1"/>
+          </p:cNvSpPr>
+          <p:nvPr>
+            <p:ph type="body" sz="quarter" idx="10"/>
+          </p:nvPr>
+        </p:nvSpPr>
+        <p:spPr/>
+        <p:txBody>
+          <a:bodyPr>
+            <a:normAutofit lnSpcReduction="10000"/>
+          </a:bodyPr>
+          <a:lstStyle/>
+          <a:p>
             <a:endParaRPr lang="zh-CN" altLang="en-US" dirty="0"/>
           </a:p>
         </p:txBody>
@@ -13837,15 +13977,7 @@
                 <a:ea typeface="DejaVu Sans Mono" pitchFamily="49" charset="0"/>
                 <a:cs typeface="DejaVu Sans Mono" pitchFamily="49" charset="0"/>
               </a:rPr>
-              <a:t>&lt;log&gt;("</a:t>
-            </a:r>
-            <a:r>
-              <a:rPr lang="en-US" altLang="zh-CN" dirty="0" smtClean="0">
-                <a:latin typeface="DejaVu Sans Mono" pitchFamily="49" charset="0"/>
-                <a:ea typeface="DejaVu Sans Mono" pitchFamily="49" charset="0"/>
-                <a:cs typeface="DejaVu Sans Mono" pitchFamily="49" charset="0"/>
-              </a:rPr>
-              <a:t>127.0.0.1", "root", "12345", "</a:t>
+              <a:t>&lt;log&gt;("127.0.0.1", "root", "12345", "</a:t>
             </a:r>
             <a:r>
               <a:rPr lang="en-US" altLang="zh-CN" dirty="0" err="1" smtClean="0">
@@ -13905,31 +14037,7 @@
                 <a:ea typeface="DejaVu Sans Mono" pitchFamily="49" charset="0"/>
                 <a:cs typeface="DejaVu Sans Mono" pitchFamily="49" charset="0"/>
               </a:rPr>
-              <a:t>&lt;validate, </a:t>
-            </a:r>
-            <a:r>
-              <a:rPr lang="en-US" altLang="zh-CN" dirty="0" smtClean="0">
-                <a:latin typeface="DejaVu Sans Mono" pitchFamily="49" charset="0"/>
-                <a:ea typeface="DejaVu Sans Mono" pitchFamily="49" charset="0"/>
-                <a:cs typeface="DejaVu Sans Mono" pitchFamily="49" charset="0"/>
-              </a:rPr>
-              <a:t>log</a:t>
-            </a:r>
-            <a:r>
-              <a:rPr lang="en-US" altLang="zh-CN" dirty="0" smtClean="0">
-                <a:latin typeface="DejaVu Sans Mono" pitchFamily="49" charset="0"/>
-                <a:ea typeface="DejaVu Sans Mono" pitchFamily="49" charset="0"/>
-                <a:cs typeface="DejaVu Sans Mono" pitchFamily="49" charset="0"/>
-              </a:rPr>
-              <a:t>&gt;("</a:t>
-            </a:r>
-            <a:r>
-              <a:rPr lang="en-US" altLang="zh-CN" dirty="0" smtClean="0">
-                <a:latin typeface="DejaVu Sans Mono" pitchFamily="49" charset="0"/>
-                <a:ea typeface="DejaVu Sans Mono" pitchFamily="49" charset="0"/>
-                <a:cs typeface="DejaVu Sans Mono" pitchFamily="49" charset="0"/>
-              </a:rPr>
-              <a:t>127.0.0.1", "root", "12345", "</a:t>
+              <a:t>&lt;validate, log&gt;("127.0.0.1", "root", "12345", "</a:t>
             </a:r>
             <a:r>
               <a:rPr lang="en-US" altLang="zh-CN" dirty="0" err="1" smtClean="0">
@@ -14022,7 +14130,15 @@
                 <a:ea typeface="DejaVu Sans Mono" pitchFamily="49" charset="0"/>
                 <a:cs typeface="DejaVu Sans Mono" pitchFamily="49" charset="0"/>
               </a:rPr>
-              <a:t>&lt;validate</a:t>
+              <a:t>&lt;validate, log, </a:t>
+            </a:r>
+            <a:r>
+              <a:rPr lang="en-US" altLang="zh-CN" sz="1600" dirty="0" err="1" smtClean="0">
+                <a:latin typeface="DejaVu Sans Mono" pitchFamily="49" charset="0"/>
+                <a:ea typeface="DejaVu Sans Mono" pitchFamily="49" charset="0"/>
+                <a:cs typeface="DejaVu Sans Mono" pitchFamily="49" charset="0"/>
+              </a:rPr>
+              <a:t>thead_proxy</a:t>
             </a:r>
             <a:r>
               <a:rPr lang="en-US" altLang="zh-CN" sz="1600" dirty="0" smtClean="0">
@@ -14030,31 +14146,7 @@
                 <a:ea typeface="DejaVu Sans Mono" pitchFamily="49" charset="0"/>
                 <a:cs typeface="DejaVu Sans Mono" pitchFamily="49" charset="0"/>
               </a:rPr>
-              <a:t>, log, </a:t>
-            </a:r>
-            <a:r>
-              <a:rPr lang="en-US" altLang="zh-CN" sz="1600" dirty="0" err="1" smtClean="0">
-                <a:latin typeface="DejaVu Sans Mono" pitchFamily="49" charset="0"/>
-                <a:ea typeface="DejaVu Sans Mono" pitchFamily="49" charset="0"/>
-                <a:cs typeface="DejaVu Sans Mono" pitchFamily="49" charset="0"/>
-              </a:rPr>
-              <a:t>thead_proxy</a:t>
-            </a:r>
-            <a:r>
-              <a:rPr lang="en-US" altLang="zh-CN" sz="1600" dirty="0" smtClean="0">
-                <a:latin typeface="DejaVu Sans Mono" pitchFamily="49" charset="0"/>
-                <a:ea typeface="DejaVu Sans Mono" pitchFamily="49" charset="0"/>
-                <a:cs typeface="DejaVu Sans Mono" pitchFamily="49" charset="0"/>
-              </a:rPr>
-              <a:t>&gt;("</a:t>
-            </a:r>
-            <a:r>
-              <a:rPr lang="en-US" altLang="zh-CN" sz="1600" dirty="0" smtClean="0">
-                <a:latin typeface="DejaVu Sans Mono" pitchFamily="49" charset="0"/>
-                <a:ea typeface="DejaVu Sans Mono" pitchFamily="49" charset="0"/>
-                <a:cs typeface="DejaVu Sans Mono" pitchFamily="49" charset="0"/>
-              </a:rPr>
-              <a:t>127.0.0.1", "root", "12345", "</a:t>
+              <a:t>&gt;("127.0.0.1", "root", "12345", "</a:t>
             </a:r>
             <a:r>
               <a:rPr lang="en-US" altLang="zh-CN" sz="1600" dirty="0" err="1" smtClean="0">
@@ -14468,7 +14560,7 @@
 </p:sld>
 </file>
 
-<file path=ppt/slides/slide45.xml><?xml version="1.0" encoding="utf-8"?>
+<file path=ppt/slides/slide46.xml><?xml version="1.0" encoding="utf-8"?>
 <p:sld xmlns:a="http://schemas.openxmlformats.org/drawingml/2006/main" xmlns:r="http://schemas.openxmlformats.org/officeDocument/2006/relationships" xmlns:p="http://schemas.openxmlformats.org/presentationml/2006/main">
   <p:cSld>
     <p:spTree>
@@ -14570,7 +14662,7 @@
 </p:sld>
 </file>
 
-<file path=ppt/slides/slide46.xml><?xml version="1.0" encoding="utf-8"?>
+<file path=ppt/slides/slide47.xml><?xml version="1.0" encoding="utf-8"?>
 <p:sld xmlns:a="http://schemas.openxmlformats.org/drawingml/2006/main" xmlns:r="http://schemas.openxmlformats.org/officeDocument/2006/relationships" xmlns:p="http://schemas.openxmlformats.org/presentationml/2006/main">
   <p:cSld>
     <p:spTree>
@@ -14837,119 +14929,6 @@
 </p:sld>
 </file>
 
-<file path=ppt/slides/slide47.xml><?xml version="1.0" encoding="utf-8"?>
-<p:sld xmlns:a="http://schemas.openxmlformats.org/drawingml/2006/main" xmlns:r="http://schemas.openxmlformats.org/officeDocument/2006/relationships" xmlns:p="http://schemas.openxmlformats.org/presentationml/2006/main">
-  <p:cSld>
-    <p:spTree>
-      <p:nvGrpSpPr>
-        <p:cNvPr id="1" name=""/>
-        <p:cNvGrpSpPr/>
-        <p:nvPr/>
-      </p:nvGrpSpPr>
-      <p:grpSpPr>
-        <a:xfrm>
-          <a:off x="0" y="0"/>
-          <a:ext cx="0" cy="0"/>
-          <a:chOff x="0" y="0"/>
-          <a:chExt cx="0" cy="0"/>
-        </a:xfrm>
-      </p:grpSpPr>
-      <p:sp>
-        <p:nvSpPr>
-          <p:cNvPr id="2" name="文本占位符 1"/>
-          <p:cNvSpPr>
-            <a:spLocks noGrp="1"/>
-          </p:cNvSpPr>
-          <p:nvPr>
-            <p:ph type="body" sz="quarter" idx="10"/>
-          </p:nvPr>
-        </p:nvSpPr>
-        <p:spPr/>
-        <p:txBody>
-          <a:bodyPr>
-            <a:normAutofit lnSpcReduction="10000"/>
-          </a:bodyPr>
-          <a:lstStyle/>
-          <a:p>
-            <a:r>
-              <a:rPr lang="en-US" altLang="zh-CN" dirty="0" smtClean="0"/>
-              <a:t>AOP</a:t>
-            </a:r>
-            <a:endParaRPr lang="zh-CN" altLang="en-US" dirty="0"/>
-          </a:p>
-        </p:txBody>
-      </p:sp>
-      <p:sp>
-        <p:nvSpPr>
-          <p:cNvPr id="3" name="内容占位符 2"/>
-          <p:cNvSpPr>
-            <a:spLocks noGrp="1"/>
-          </p:cNvSpPr>
-          <p:nvPr>
-            <p:ph sz="quarter" idx="11"/>
-          </p:nvPr>
-        </p:nvSpPr>
-        <p:spPr/>
-        <p:txBody>
-          <a:bodyPr/>
-          <a:lstStyle/>
-          <a:p>
-            <a:r>
-              <a:rPr lang="zh-CN" altLang="en-US" dirty="0" smtClean="0"/>
-              <a:t>核心逻辑之前的切面</a:t>
-            </a:r>
-            <a:endParaRPr lang="zh-CN" altLang="en-US" dirty="0"/>
-          </a:p>
-        </p:txBody>
-      </p:sp>
-      <p:pic>
-        <p:nvPicPr>
-          <p:cNvPr id="56324" name="Picture 4"/>
-          <p:cNvPicPr>
-            <a:picLocks noChangeAspect="1" noChangeArrowheads="1"/>
-          </p:cNvPicPr>
-          <p:nvPr/>
-        </p:nvPicPr>
-        <p:blipFill>
-          <a:blip r:embed="rId2"/>
-          <a:srcRect/>
-          <a:stretch>
-            <a:fillRect/>
-          </a:stretch>
-        </p:blipFill>
-        <p:spPr bwMode="auto">
-          <a:xfrm>
-            <a:off x="964364" y="1961629"/>
-            <a:ext cx="6776033" cy="3566333"/>
-          </a:xfrm>
-          <a:prstGeom prst="rect">
-            <a:avLst/>
-          </a:prstGeom>
-          <a:noFill/>
-          <a:ln w="9525">
-            <a:noFill/>
-            <a:miter lim="800000"/>
-            <a:headEnd/>
-            <a:tailEnd/>
-          </a:ln>
-          <a:effectLst/>
-        </p:spPr>
-      </p:pic>
-    </p:spTree>
-  </p:cSld>
-  <p:clrMapOvr>
-    <a:masterClrMapping/>
-  </p:clrMapOvr>
-  <p:timing>
-    <p:tnLst>
-      <p:par>
-        <p:cTn id="1" dur="indefinite" restart="never" nodeType="tmRoot"/>
-      </p:par>
-    </p:tnLst>
-  </p:timing>
-</p:sld>
-</file>
-
 <file path=ppt/slides/slide48.xml><?xml version="1.0" encoding="utf-8"?>
 <p:sld xmlns:a="http://schemas.openxmlformats.org/drawingml/2006/main" xmlns:r="http://schemas.openxmlformats.org/officeDocument/2006/relationships" xmlns:p="http://schemas.openxmlformats.org/presentationml/2006/main">
   <p:cSld>
@@ -15009,7 +14988,7 @@
           <a:p>
             <a:r>
               <a:rPr lang="zh-CN" altLang="en-US" dirty="0" smtClean="0"/>
-              <a:t>核心逻辑之后的切面</a:t>
+              <a:t>核心逻辑之前的切面</a:t>
             </a:r>
             <a:endParaRPr lang="zh-CN" altLang="en-US" dirty="0"/>
           </a:p>
@@ -15017,7 +14996,7 @@
       </p:sp>
       <p:pic>
         <p:nvPicPr>
-          <p:cNvPr id="57346" name="Picture 2"/>
+          <p:cNvPr id="56324" name="Picture 4"/>
           <p:cNvPicPr>
             <a:picLocks noChangeAspect="1" noChangeArrowheads="1"/>
           </p:cNvPicPr>
@@ -15032,8 +15011,8 @@
         </p:blipFill>
         <p:spPr bwMode="auto">
           <a:xfrm>
-            <a:off x="216130" y="1927341"/>
-            <a:ext cx="8787470" cy="2461780"/>
+            <a:off x="964364" y="1961629"/>
+            <a:ext cx="6776033" cy="3566333"/>
           </a:xfrm>
           <a:prstGeom prst="rect">
             <a:avLst/>
@@ -15099,7 +15078,7 @@
           <a:p>
             <a:r>
               <a:rPr lang="en-US" altLang="zh-CN" dirty="0" smtClean="0"/>
-              <a:t>Modern C++ Open Source Community</a:t>
+              <a:t>AOP</a:t>
             </a:r>
             <a:endParaRPr lang="zh-CN" altLang="en-US" dirty="0"/>
           </a:p>
@@ -15121,206 +15100,8 @@
           <a:lstStyle/>
           <a:p>
             <a:r>
-              <a:rPr lang="en-US" altLang="zh-CN" dirty="0" err="1" smtClean="0"/>
-              <a:t>purecpp</a:t>
-            </a:r>
-            <a:r>
               <a:rPr lang="zh-CN" altLang="en-US" dirty="0" smtClean="0"/>
-              <a:t> </a:t>
-            </a:r>
-            <a:r>
-              <a:rPr lang="en-US" altLang="zh-CN" dirty="0" smtClean="0"/>
-              <a:t>open source</a:t>
-            </a:r>
-          </a:p>
-          <a:p>
-            <a:pPr lvl="1"/>
-            <a:r>
-              <a:rPr lang="en-US" altLang="zh-CN" dirty="0" err="1" smtClean="0"/>
-              <a:t>Rpc</a:t>
-            </a:r>
-            <a:r>
-              <a:rPr lang="zh-CN" altLang="en-US" dirty="0" smtClean="0"/>
-              <a:t> </a:t>
-            </a:r>
-            <a:r>
-              <a:rPr lang="en-US" altLang="zh-CN" dirty="0" smtClean="0"/>
-              <a:t>framework—</a:t>
-            </a:r>
-            <a:r>
-              <a:rPr lang="en-US" altLang="zh-CN" dirty="0" err="1" smtClean="0"/>
-              <a:t>rest_rpc</a:t>
-            </a:r>
-            <a:endParaRPr lang="en-US" altLang="zh-CN" dirty="0" smtClean="0"/>
-          </a:p>
-          <a:p>
-            <a:pPr lvl="1"/>
-            <a:r>
-              <a:rPr lang="en-US" altLang="zh-CN" dirty="0" smtClean="0"/>
-              <a:t>Serialization engine—iguana</a:t>
-            </a:r>
-          </a:p>
-          <a:p>
-            <a:pPr lvl="1"/>
-            <a:r>
-              <a:rPr lang="en-US" altLang="zh-CN" dirty="0" smtClean="0"/>
-              <a:t>ORM--</a:t>
-            </a:r>
-            <a:r>
-              <a:rPr lang="en-US" altLang="zh-CN" dirty="0" err="1" smtClean="0"/>
-              <a:t>ormpp</a:t>
-            </a:r>
-            <a:endParaRPr lang="en-US" altLang="zh-CN" dirty="0" smtClean="0"/>
-          </a:p>
-          <a:p>
-            <a:pPr lvl="1"/>
-            <a:r>
-              <a:rPr lang="en-US" altLang="zh-CN" dirty="0" smtClean="0"/>
-              <a:t>http</a:t>
-            </a:r>
-            <a:r>
-              <a:rPr lang="zh-CN" altLang="en-US" dirty="0" smtClean="0"/>
-              <a:t> </a:t>
-            </a:r>
-            <a:r>
-              <a:rPr lang="en-US" altLang="zh-CN" dirty="0" smtClean="0"/>
-              <a:t>framework--</a:t>
-            </a:r>
-            <a:r>
-              <a:rPr lang="en-US" altLang="zh-CN" dirty="0" err="1" smtClean="0"/>
-              <a:t>cinatra</a:t>
-            </a:r>
-            <a:endParaRPr lang="zh-CN" altLang="en-US" dirty="0" smtClean="0"/>
-          </a:p>
-          <a:p>
-            <a:endParaRPr lang="zh-CN" altLang="en-US" dirty="0"/>
-          </a:p>
-        </p:txBody>
-      </p:sp>
-      <p:sp>
-        <p:nvSpPr>
-          <p:cNvPr id="4" name="矩形 3"/>
-          <p:cNvSpPr/>
-          <p:nvPr/>
-        </p:nvSpPr>
-        <p:spPr>
-          <a:xfrm>
-            <a:off x="548913" y="3262173"/>
-            <a:ext cx="5270989" cy="2308324"/>
-          </a:xfrm>
-          <a:prstGeom prst="rect">
-            <a:avLst/>
-          </a:prstGeom>
-        </p:spPr>
-        <p:txBody>
-          <a:bodyPr wrap="square">
-            <a:spAutoFit/>
-          </a:bodyPr>
-          <a:lstStyle/>
-          <a:p>
-            <a:r>
-              <a:rPr lang="en-US" altLang="zh-CN" dirty="0" smtClean="0">
-                <a:hlinkClick r:id="rId2"/>
-              </a:rPr>
-              <a:t>http://</a:t>
-            </a:r>
-            <a:r>
-              <a:rPr lang="en-US" altLang="zh-CN" dirty="0" smtClean="0">
-                <a:hlinkClick r:id="rId2"/>
-              </a:rPr>
-              <a:t>purecpp.org</a:t>
-            </a:r>
-            <a:r>
-              <a:rPr lang="en-US" altLang="zh-CN" dirty="0" smtClean="0"/>
-              <a:t> (modern </a:t>
-            </a:r>
-            <a:r>
-              <a:rPr lang="en-US" altLang="zh-CN" dirty="0" err="1" smtClean="0"/>
-              <a:t>c++</a:t>
-            </a:r>
-            <a:r>
-              <a:rPr lang="en-US" altLang="zh-CN" dirty="0" smtClean="0"/>
-              <a:t> open source community</a:t>
-            </a:r>
-            <a:r>
-              <a:rPr lang="en-US" altLang="zh-CN" dirty="0" smtClean="0"/>
-              <a:t>)</a:t>
-            </a:r>
-            <a:endParaRPr lang="en-US" altLang="zh-CN" dirty="0" smtClean="0"/>
-          </a:p>
-          <a:p>
-            <a:r>
-              <a:rPr lang="en-US" altLang="zh-CN" dirty="0" smtClean="0">
-                <a:hlinkClick r:id="rId3"/>
-              </a:rPr>
-              <a:t>https://</a:t>
-            </a:r>
-            <a:r>
-              <a:rPr lang="en-US" altLang="zh-CN" dirty="0" smtClean="0">
-                <a:hlinkClick r:id="rId3"/>
-              </a:rPr>
-              <a:t>github.com/qicosmos</a:t>
-            </a:r>
-            <a:endParaRPr lang="en-US" altLang="zh-CN" dirty="0" smtClean="0"/>
-          </a:p>
-          <a:p>
-            <a:endParaRPr lang="en-US" altLang="zh-CN" dirty="0" smtClean="0"/>
-          </a:p>
-          <a:p>
-            <a:r>
-              <a:rPr lang="en-US" altLang="zh-CN" dirty="0" smtClean="0">
-                <a:hlinkClick r:id="rId4"/>
-              </a:rPr>
-              <a:t>https://</a:t>
-            </a:r>
-            <a:r>
-              <a:rPr lang="en-US" altLang="zh-CN" dirty="0" smtClean="0">
-                <a:hlinkClick r:id="rId4"/>
-              </a:rPr>
-              <a:t>www.youtube.com/watch?v=WlhoWjrR41A</a:t>
-            </a:r>
-            <a:endParaRPr lang="en-US" altLang="zh-CN" dirty="0" smtClean="0"/>
-          </a:p>
-          <a:p>
-            <a:r>
-              <a:rPr lang="en-US" altLang="zh-CN" dirty="0" smtClean="0">
-                <a:hlinkClick r:id="rId5"/>
-              </a:rPr>
-              <a:t>https://</a:t>
-            </a:r>
-            <a:r>
-              <a:rPr lang="en-US" altLang="zh-CN" dirty="0" smtClean="0">
-                <a:hlinkClick r:id="rId5"/>
-              </a:rPr>
-              <a:t>www.youtube.com/watch?v=vh1BhlqF-fs</a:t>
-            </a:r>
-            <a:endParaRPr lang="en-US" altLang="zh-CN" dirty="0" smtClean="0"/>
-          </a:p>
-          <a:p>
-            <a:endParaRPr lang="en-US" altLang="zh-CN" dirty="0" smtClean="0"/>
-          </a:p>
-          <a:p>
-            <a:r>
-              <a:rPr lang="en-US" altLang="zh-CN" dirty="0" smtClean="0">
-                <a:hlinkClick r:id="rId6"/>
-              </a:rPr>
-              <a:t>https</a:t>
-            </a:r>
-            <a:r>
-              <a:rPr lang="en-US" altLang="zh-CN" dirty="0" smtClean="0">
-                <a:hlinkClick r:id="rId6"/>
-              </a:rPr>
-              <a:t>://isocpp.org</a:t>
-            </a:r>
-            <a:r>
-              <a:rPr lang="en-US" altLang="zh-CN" dirty="0" smtClean="0">
-                <a:hlinkClick r:id="rId6"/>
-              </a:rPr>
-              <a:t>/</a:t>
-            </a:r>
-            <a:r>
-              <a:rPr lang="en-US" altLang="zh-CN" dirty="0" smtClean="0"/>
-              <a:t> </a:t>
+              <a:t>核心逻辑之后的切面</a:t>
             </a:r>
             <a:endParaRPr lang="zh-CN" altLang="en-US" dirty="0"/>
           </a:p>
@@ -15328,14 +15109,14 @@
       </p:sp>
       <p:pic>
         <p:nvPicPr>
-          <p:cNvPr id="5" name="Picture 2" descr="http://purecpp.org/wp-content/uploads/2017/03/qrcode_for_gh_300922997283_430.jpg"/>
+          <p:cNvPr id="57346" name="Picture 2"/>
           <p:cNvPicPr>
             <a:picLocks noChangeAspect="1" noChangeArrowheads="1"/>
           </p:cNvPicPr>
           <p:nvPr/>
         </p:nvPicPr>
         <p:blipFill>
-          <a:blip r:embed="rId7"/>
+          <a:blip r:embed="rId2"/>
           <a:srcRect/>
           <a:stretch>
             <a:fillRect/>
@@ -15343,34 +15124,8 @@
         </p:blipFill>
         <p:spPr bwMode="auto">
           <a:xfrm>
-            <a:off x="6150549" y="1333137"/>
-            <a:ext cx="2487475" cy="2487475"/>
-          </a:xfrm>
-          <a:prstGeom prst="rect">
-            <a:avLst/>
-          </a:prstGeom>
-          <a:noFill/>
-        </p:spPr>
-      </p:pic>
-      <p:pic>
-        <p:nvPicPr>
-          <p:cNvPr id="6" name="Picture 3"/>
-          <p:cNvPicPr>
-            <a:picLocks noChangeAspect="1" noChangeArrowheads="1"/>
-          </p:cNvPicPr>
-          <p:nvPr/>
-        </p:nvPicPr>
-        <p:blipFill>
-          <a:blip r:embed="rId8" cstate="print"/>
-          <a:srcRect/>
-          <a:stretch>
-            <a:fillRect/>
-          </a:stretch>
-        </p:blipFill>
-        <p:spPr bwMode="auto">
-          <a:xfrm>
-            <a:off x="6316590" y="3902166"/>
-            <a:ext cx="2142910" cy="2136502"/>
+            <a:off x="216130" y="1927341"/>
+            <a:ext cx="8787470" cy="2461780"/>
           </a:xfrm>
           <a:prstGeom prst="rect">
             <a:avLst/>
@@ -15665,6 +15420,302 @@
 </file>
 
 <file path=ppt/slides/slide50.xml><?xml version="1.0" encoding="utf-8"?>
+<p:sld xmlns:a="http://schemas.openxmlformats.org/drawingml/2006/main" xmlns:r="http://schemas.openxmlformats.org/officeDocument/2006/relationships" xmlns:p="http://schemas.openxmlformats.org/presentationml/2006/main">
+  <p:cSld>
+    <p:spTree>
+      <p:nvGrpSpPr>
+        <p:cNvPr id="1" name=""/>
+        <p:cNvGrpSpPr/>
+        <p:nvPr/>
+      </p:nvGrpSpPr>
+      <p:grpSpPr>
+        <a:xfrm>
+          <a:off x="0" y="0"/>
+          <a:ext cx="0" cy="0"/>
+          <a:chOff x="0" y="0"/>
+          <a:chExt cx="0" cy="0"/>
+        </a:xfrm>
+      </p:grpSpPr>
+      <p:sp>
+        <p:nvSpPr>
+          <p:cNvPr id="2" name="文本占位符 1"/>
+          <p:cNvSpPr>
+            <a:spLocks noGrp="1"/>
+          </p:cNvSpPr>
+          <p:nvPr>
+            <p:ph type="body" sz="quarter" idx="10"/>
+          </p:nvPr>
+        </p:nvSpPr>
+        <p:spPr/>
+        <p:txBody>
+          <a:bodyPr>
+            <a:normAutofit lnSpcReduction="10000"/>
+          </a:bodyPr>
+          <a:lstStyle/>
+          <a:p>
+            <a:r>
+              <a:rPr lang="en-US" altLang="zh-CN" dirty="0" smtClean="0"/>
+              <a:t>Modern C++ Open Source Community</a:t>
+            </a:r>
+            <a:endParaRPr lang="zh-CN" altLang="en-US" dirty="0"/>
+          </a:p>
+        </p:txBody>
+      </p:sp>
+      <p:sp>
+        <p:nvSpPr>
+          <p:cNvPr id="3" name="内容占位符 2"/>
+          <p:cNvSpPr>
+            <a:spLocks noGrp="1"/>
+          </p:cNvSpPr>
+          <p:nvPr>
+            <p:ph sz="quarter" idx="11"/>
+          </p:nvPr>
+        </p:nvSpPr>
+        <p:spPr/>
+        <p:txBody>
+          <a:bodyPr/>
+          <a:lstStyle/>
+          <a:p>
+            <a:r>
+              <a:rPr lang="en-US" altLang="zh-CN" dirty="0" err="1" smtClean="0"/>
+              <a:t>purecpp</a:t>
+            </a:r>
+            <a:r>
+              <a:rPr lang="zh-CN" altLang="en-US" dirty="0" smtClean="0"/>
+              <a:t> </a:t>
+            </a:r>
+            <a:r>
+              <a:rPr lang="en-US" altLang="zh-CN" dirty="0" smtClean="0"/>
+              <a:t>open source</a:t>
+            </a:r>
+          </a:p>
+          <a:p>
+            <a:pPr lvl="1"/>
+            <a:r>
+              <a:rPr lang="en-US" altLang="zh-CN" dirty="0" err="1" smtClean="0"/>
+              <a:t>Rpc</a:t>
+            </a:r>
+            <a:r>
+              <a:rPr lang="zh-CN" altLang="en-US" dirty="0" smtClean="0"/>
+              <a:t> </a:t>
+            </a:r>
+            <a:r>
+              <a:rPr lang="en-US" altLang="zh-CN" dirty="0" smtClean="0"/>
+              <a:t>framework—</a:t>
+            </a:r>
+            <a:r>
+              <a:rPr lang="en-US" altLang="zh-CN" dirty="0" err="1" smtClean="0"/>
+              <a:t>rest_rpc</a:t>
+            </a:r>
+            <a:endParaRPr lang="en-US" altLang="zh-CN" dirty="0" smtClean="0"/>
+          </a:p>
+          <a:p>
+            <a:pPr lvl="1"/>
+            <a:r>
+              <a:rPr lang="en-US" altLang="zh-CN" dirty="0" smtClean="0"/>
+              <a:t>Serialization engine—iguana</a:t>
+            </a:r>
+          </a:p>
+          <a:p>
+            <a:pPr lvl="1"/>
+            <a:r>
+              <a:rPr lang="en-US" altLang="zh-CN" dirty="0" smtClean="0"/>
+              <a:t>ORM--</a:t>
+            </a:r>
+            <a:r>
+              <a:rPr lang="en-US" altLang="zh-CN" dirty="0" err="1" smtClean="0"/>
+              <a:t>ormpp</a:t>
+            </a:r>
+            <a:endParaRPr lang="en-US" altLang="zh-CN" dirty="0" smtClean="0"/>
+          </a:p>
+          <a:p>
+            <a:pPr lvl="1"/>
+            <a:r>
+              <a:rPr lang="en-US" altLang="zh-CN" dirty="0" smtClean="0"/>
+              <a:t>http</a:t>
+            </a:r>
+            <a:r>
+              <a:rPr lang="zh-CN" altLang="en-US" dirty="0" smtClean="0"/>
+              <a:t> </a:t>
+            </a:r>
+            <a:r>
+              <a:rPr lang="en-US" altLang="zh-CN" dirty="0" smtClean="0"/>
+              <a:t>framework--</a:t>
+            </a:r>
+            <a:r>
+              <a:rPr lang="en-US" altLang="zh-CN" dirty="0" err="1" smtClean="0"/>
+              <a:t>cinatra</a:t>
+            </a:r>
+            <a:endParaRPr lang="zh-CN" altLang="en-US" dirty="0" smtClean="0"/>
+          </a:p>
+          <a:p>
+            <a:endParaRPr lang="zh-CN" altLang="en-US" dirty="0"/>
+          </a:p>
+        </p:txBody>
+      </p:sp>
+      <p:sp>
+        <p:nvSpPr>
+          <p:cNvPr id="4" name="矩形 3"/>
+          <p:cNvSpPr/>
+          <p:nvPr/>
+        </p:nvSpPr>
+        <p:spPr>
+          <a:xfrm>
+            <a:off x="548913" y="3262173"/>
+            <a:ext cx="5270989" cy="2308324"/>
+          </a:xfrm>
+          <a:prstGeom prst="rect">
+            <a:avLst/>
+          </a:prstGeom>
+        </p:spPr>
+        <p:txBody>
+          <a:bodyPr wrap="square">
+            <a:spAutoFit/>
+          </a:bodyPr>
+          <a:lstStyle/>
+          <a:p>
+            <a:r>
+              <a:rPr lang="en-US" altLang="zh-CN" dirty="0" smtClean="0">
+                <a:hlinkClick r:id="rId2"/>
+              </a:rPr>
+              <a:t>http://purecpp.org</a:t>
+            </a:r>
+            <a:r>
+              <a:rPr lang="en-US" altLang="zh-CN" dirty="0" smtClean="0"/>
+              <a:t> (modern </a:t>
+            </a:r>
+            <a:r>
+              <a:rPr lang="en-US" altLang="zh-CN" dirty="0" err="1" smtClean="0"/>
+              <a:t>c++</a:t>
+            </a:r>
+            <a:r>
+              <a:rPr lang="en-US" altLang="zh-CN" dirty="0" smtClean="0"/>
+              <a:t> open source community)</a:t>
+            </a:r>
+          </a:p>
+          <a:p>
+            <a:r>
+              <a:rPr lang="en-US" altLang="zh-CN" dirty="0" smtClean="0">
+                <a:hlinkClick r:id="rId3"/>
+              </a:rPr>
+              <a:t>https://github.com/qicosmos</a:t>
+            </a:r>
+            <a:endParaRPr lang="en-US" altLang="zh-CN" dirty="0" smtClean="0"/>
+          </a:p>
+          <a:p>
+            <a:endParaRPr lang="en-US" altLang="zh-CN" dirty="0" smtClean="0"/>
+          </a:p>
+          <a:p>
+            <a:r>
+              <a:rPr lang="en-US" altLang="zh-CN" dirty="0" smtClean="0">
+                <a:hlinkClick r:id="rId4"/>
+              </a:rPr>
+              <a:t>https://www.youtube.com/watch?v=WlhoWjrR41A</a:t>
+            </a:r>
+            <a:endParaRPr lang="en-US" altLang="zh-CN" dirty="0" smtClean="0"/>
+          </a:p>
+          <a:p>
+            <a:r>
+              <a:rPr lang="en-US" altLang="zh-CN" dirty="0" smtClean="0">
+                <a:hlinkClick r:id="rId5"/>
+              </a:rPr>
+              <a:t>https://www.youtube.com/watch?v=vh1BhlqF-fs</a:t>
+            </a:r>
+            <a:endParaRPr lang="en-US" altLang="zh-CN" dirty="0" smtClean="0"/>
+          </a:p>
+          <a:p>
+            <a:endParaRPr lang="en-US" altLang="zh-CN" dirty="0" smtClean="0"/>
+          </a:p>
+          <a:p>
+            <a:r>
+              <a:rPr lang="en-US" altLang="zh-CN" dirty="0" smtClean="0">
+                <a:hlinkClick r:id="rId6"/>
+              </a:rPr>
+              <a:t>https://isocpp.org/</a:t>
+            </a:r>
+            <a:r>
+              <a:rPr lang="en-US" altLang="zh-CN" dirty="0" smtClean="0"/>
+              <a:t> </a:t>
+            </a:r>
+            <a:endParaRPr lang="zh-CN" altLang="en-US" dirty="0"/>
+          </a:p>
+        </p:txBody>
+      </p:sp>
+      <p:pic>
+        <p:nvPicPr>
+          <p:cNvPr id="5" name="Picture 2" descr="http://purecpp.org/wp-content/uploads/2017/03/qrcode_for_gh_300922997283_430.jpg"/>
+          <p:cNvPicPr>
+            <a:picLocks noChangeAspect="1" noChangeArrowheads="1"/>
+          </p:cNvPicPr>
+          <p:nvPr/>
+        </p:nvPicPr>
+        <p:blipFill>
+          <a:blip r:embed="rId7"/>
+          <a:srcRect/>
+          <a:stretch>
+            <a:fillRect/>
+          </a:stretch>
+        </p:blipFill>
+        <p:spPr bwMode="auto">
+          <a:xfrm>
+            <a:off x="6150549" y="1333137"/>
+            <a:ext cx="2487475" cy="2487475"/>
+          </a:xfrm>
+          <a:prstGeom prst="rect">
+            <a:avLst/>
+          </a:prstGeom>
+          <a:noFill/>
+        </p:spPr>
+      </p:pic>
+      <p:pic>
+        <p:nvPicPr>
+          <p:cNvPr id="6" name="Picture 3"/>
+          <p:cNvPicPr>
+            <a:picLocks noChangeAspect="1" noChangeArrowheads="1"/>
+          </p:cNvPicPr>
+          <p:nvPr/>
+        </p:nvPicPr>
+        <p:blipFill>
+          <a:blip r:embed="rId8" cstate="print"/>
+          <a:srcRect/>
+          <a:stretch>
+            <a:fillRect/>
+          </a:stretch>
+        </p:blipFill>
+        <p:spPr bwMode="auto">
+          <a:xfrm>
+            <a:off x="6316590" y="3902166"/>
+            <a:ext cx="2142910" cy="2136502"/>
+          </a:xfrm>
+          <a:prstGeom prst="rect">
+            <a:avLst/>
+          </a:prstGeom>
+          <a:noFill/>
+          <a:ln w="9525">
+            <a:noFill/>
+            <a:miter lim="800000"/>
+            <a:headEnd/>
+            <a:tailEnd/>
+          </a:ln>
+          <a:effectLst/>
+        </p:spPr>
+      </p:pic>
+    </p:spTree>
+  </p:cSld>
+  <p:clrMapOvr>
+    <a:masterClrMapping/>
+  </p:clrMapOvr>
+  <p:timing>
+    <p:tnLst>
+      <p:par>
+        <p:cTn id="1" dur="indefinite" restart="never" nodeType="tmRoot"/>
+      </p:par>
+    </p:tnLst>
+  </p:timing>
+</p:sld>
+</file>
+
+<file path=ppt/slides/slide51.xml><?xml version="1.0" encoding="utf-8"?>
 <p:sld xmlns:a="http://schemas.openxmlformats.org/drawingml/2006/main" xmlns:r="http://schemas.openxmlformats.org/officeDocument/2006/relationships" xmlns:p="http://schemas.openxmlformats.org/presentationml/2006/main">
   <p:cSld>
     <p:spTree>
@@ -17323,7 +17374,7 @@
   <a:extraClrSchemeLst/>
   <a:extLst>
     <a:ext uri="{05A4C25C-085E-4340-85A3-A5531E510DB2}">
-      <thm15:themeFamily xmlns:thm15="http://schemas.microsoft.com/office/thememl/2012/main" xmlns="" name="Office Theme" id="{62F939B6-93AF-4DB8-9C6B-D6C7DFDC589F}" vid="{4A3C46E8-61CC-4603-A589-7422A47A8E4A}"/>
+      <thm15:themeFamily xmlns="" xmlns:thm15="http://schemas.microsoft.com/office/thememl/2012/main" name="Office Theme" id="{62F939B6-93AF-4DB8-9C6B-D6C7DFDC589F}" vid="{4A3C46E8-61CC-4603-A589-7422A47A8E4A}"/>
     </a:ext>
   </a:extLst>
 </a:theme>

--- a/CPP-Summit.pptx
+++ b/CPP-Summit.pptx
@@ -24,38 +24,39 @@
     <p:sldId id="278" r:id="rId18"/>
     <p:sldId id="276" r:id="rId19"/>
     <p:sldId id="264" r:id="rId20"/>
-    <p:sldId id="265" r:id="rId21"/>
-    <p:sldId id="257" r:id="rId22"/>
-    <p:sldId id="267" r:id="rId23"/>
-    <p:sldId id="280" r:id="rId24"/>
-    <p:sldId id="308" r:id="rId25"/>
-    <p:sldId id="282" r:id="rId26"/>
-    <p:sldId id="283" r:id="rId27"/>
-    <p:sldId id="284" r:id="rId28"/>
-    <p:sldId id="285" r:id="rId29"/>
-    <p:sldId id="286" r:id="rId30"/>
-    <p:sldId id="287" r:id="rId31"/>
-    <p:sldId id="288" r:id="rId32"/>
-    <p:sldId id="289" r:id="rId33"/>
-    <p:sldId id="290" r:id="rId34"/>
-    <p:sldId id="300" r:id="rId35"/>
-    <p:sldId id="281" r:id="rId36"/>
-    <p:sldId id="297" r:id="rId37"/>
-    <p:sldId id="291" r:id="rId38"/>
-    <p:sldId id="298" r:id="rId39"/>
-    <p:sldId id="299" r:id="rId40"/>
-    <p:sldId id="301" r:id="rId41"/>
-    <p:sldId id="295" r:id="rId42"/>
-    <p:sldId id="266" r:id="rId43"/>
-    <p:sldId id="268" r:id="rId44"/>
-    <p:sldId id="292" r:id="rId45"/>
-    <p:sldId id="296" r:id="rId46"/>
-    <p:sldId id="302" r:id="rId47"/>
-    <p:sldId id="305" r:id="rId48"/>
-    <p:sldId id="306" r:id="rId49"/>
-    <p:sldId id="307" r:id="rId50"/>
-    <p:sldId id="304" r:id="rId51"/>
-    <p:sldId id="279" r:id="rId52"/>
+    <p:sldId id="309" r:id="rId21"/>
+    <p:sldId id="265" r:id="rId22"/>
+    <p:sldId id="257" r:id="rId23"/>
+    <p:sldId id="267" r:id="rId24"/>
+    <p:sldId id="280" r:id="rId25"/>
+    <p:sldId id="308" r:id="rId26"/>
+    <p:sldId id="282" r:id="rId27"/>
+    <p:sldId id="283" r:id="rId28"/>
+    <p:sldId id="284" r:id="rId29"/>
+    <p:sldId id="285" r:id="rId30"/>
+    <p:sldId id="286" r:id="rId31"/>
+    <p:sldId id="287" r:id="rId32"/>
+    <p:sldId id="288" r:id="rId33"/>
+    <p:sldId id="289" r:id="rId34"/>
+    <p:sldId id="290" r:id="rId35"/>
+    <p:sldId id="300" r:id="rId36"/>
+    <p:sldId id="281" r:id="rId37"/>
+    <p:sldId id="297" r:id="rId38"/>
+    <p:sldId id="291" r:id="rId39"/>
+    <p:sldId id="298" r:id="rId40"/>
+    <p:sldId id="299" r:id="rId41"/>
+    <p:sldId id="301" r:id="rId42"/>
+    <p:sldId id="295" r:id="rId43"/>
+    <p:sldId id="266" r:id="rId44"/>
+    <p:sldId id="268" r:id="rId45"/>
+    <p:sldId id="292" r:id="rId46"/>
+    <p:sldId id="296" r:id="rId47"/>
+    <p:sldId id="302" r:id="rId48"/>
+    <p:sldId id="305" r:id="rId49"/>
+    <p:sldId id="306" r:id="rId50"/>
+    <p:sldId id="307" r:id="rId51"/>
+    <p:sldId id="304" r:id="rId52"/>
+    <p:sldId id="279" r:id="rId53"/>
   </p:sldIdLst>
   <p:sldSz cx="9144000" cy="6858000" type="screen4x3"/>
   <p:notesSz cx="6858000" cy="9144000"/>
@@ -508,7 +509,7 @@
             <a:fld id="{746D8FFF-10F8-4B9C-9872-CC2BCD3FCFAC}" type="datetimeFigureOut">
               <a:rPr lang="zh-CN" altLang="en-US" smtClean="0"/>
               <a:pPr/>
-              <a:t>2017-11-13</a:t>
+              <a:t>2017-11-15</a:t>
             </a:fld>
             <a:endParaRPr lang="zh-CN" altLang="en-US"/>
           </a:p>
@@ -723,7 +724,7 @@
             <a:fld id="{746D8FFF-10F8-4B9C-9872-CC2BCD3FCFAC}" type="datetimeFigureOut">
               <a:rPr lang="zh-CN" altLang="en-US" smtClean="0"/>
               <a:pPr/>
-              <a:t>2017-11-13</a:t>
+              <a:t>2017-11-15</a:t>
             </a:fld>
             <a:endParaRPr lang="zh-CN" altLang="en-US"/>
           </a:p>
@@ -6193,15 +6194,7 @@
                 <a:ea typeface="DejaVu Sans Mono" pitchFamily="49" charset="0"/>
                 <a:cs typeface="DejaVu Sans Mono" pitchFamily="49" charset="0"/>
               </a:rPr>
-              <a:t>fun_for_1024&lt;4,2,1,0&gt;();  //</a:t>
-            </a:r>
-            <a:r>
-              <a:rPr lang="en-US" altLang="zh-CN" dirty="0" smtClean="0">
-                <a:latin typeface="DejaVu Sans Mono" pitchFamily="49" charset="0"/>
-                <a:ea typeface="DejaVu Sans Mono" pitchFamily="49" charset="0"/>
-                <a:cs typeface="DejaVu Sans Mono" pitchFamily="49" charset="0"/>
-              </a:rPr>
-              <a:t>ok</a:t>
+              <a:t>fun_for_1024&lt;4,2,1,0&gt;();  //ok</a:t>
             </a:r>
           </a:p>
           <a:p>
@@ -6218,15 +6211,7 @@
                 <a:ea typeface="DejaVu Sans Mono" pitchFamily="49" charset="0"/>
                 <a:cs typeface="DejaVu Sans Mono" pitchFamily="49" charset="0"/>
               </a:rPr>
-              <a:t>fun_for_1024&lt;0,1,1,4&gt;();  //static assertion failed: hi guy, just for </a:t>
-            </a:r>
-            <a:r>
-              <a:rPr lang="en-US" altLang="zh-CN" dirty="0" smtClean="0">
-                <a:latin typeface="DejaVu Sans Mono" pitchFamily="49" charset="0"/>
-                <a:ea typeface="DejaVu Sans Mono" pitchFamily="49" charset="0"/>
-                <a:cs typeface="DejaVu Sans Mono" pitchFamily="49" charset="0"/>
-              </a:rPr>
-              <a:t>1024</a:t>
+              <a:t>fun_for_1024&lt;0,1,1,4&gt;();  //static assertion failed: hi guy, just for 1024</a:t>
             </a:r>
           </a:p>
           <a:p>
@@ -6243,15 +6228,7 @@
                 <a:ea typeface="DejaVu Sans Mono" pitchFamily="49" charset="0"/>
                 <a:cs typeface="DejaVu Sans Mono" pitchFamily="49" charset="0"/>
               </a:rPr>
-              <a:t>fun_for_1024&lt;1,0,2,5&gt;();  //static assertion failed: hi guy, just for </a:t>
-            </a:r>
-            <a:r>
-              <a:rPr lang="en-US" altLang="zh-CN" dirty="0" smtClean="0">
-                <a:latin typeface="DejaVu Sans Mono" pitchFamily="49" charset="0"/>
-                <a:ea typeface="DejaVu Sans Mono" pitchFamily="49" charset="0"/>
-                <a:cs typeface="DejaVu Sans Mono" pitchFamily="49" charset="0"/>
-              </a:rPr>
-              <a:t>1024</a:t>
+              <a:t>fun_for_1024&lt;1,0,2,5&gt;();  //static assertion failed: hi guy, just for 1024</a:t>
             </a:r>
           </a:p>
           <a:p>
@@ -6424,6 +6401,108 @@
           </a:bodyPr>
           <a:lstStyle/>
           <a:p>
+            <a:r>
+              <a:rPr lang="en-US" altLang="zh-CN" dirty="0" err="1" smtClean="0"/>
+              <a:t>Static_assert</a:t>
+            </a:r>
+            <a:endParaRPr lang="zh-CN" altLang="en-US" dirty="0" smtClean="0"/>
+          </a:p>
+        </p:txBody>
+      </p:sp>
+      <p:sp>
+        <p:nvSpPr>
+          <p:cNvPr id="3" name="内容占位符 2"/>
+          <p:cNvSpPr>
+            <a:spLocks noGrp="1"/>
+          </p:cNvSpPr>
+          <p:nvPr>
+            <p:ph sz="quarter" idx="11"/>
+          </p:nvPr>
+        </p:nvSpPr>
+        <p:spPr/>
+        <p:txBody>
+          <a:bodyPr/>
+          <a:lstStyle/>
+          <a:p>
+            <a:endParaRPr lang="zh-CN" altLang="en-US"/>
+          </a:p>
+        </p:txBody>
+      </p:sp>
+      <p:pic>
+        <p:nvPicPr>
+          <p:cNvPr id="1026" name="Picture 2"/>
+          <p:cNvPicPr>
+            <a:picLocks noChangeAspect="1" noChangeArrowheads="1"/>
+          </p:cNvPicPr>
+          <p:nvPr/>
+        </p:nvPicPr>
+        <p:blipFill>
+          <a:blip r:embed="rId2"/>
+          <a:srcRect/>
+          <a:stretch>
+            <a:fillRect/>
+          </a:stretch>
+        </p:blipFill>
+        <p:spPr bwMode="auto">
+          <a:xfrm>
+            <a:off x="709613" y="1733550"/>
+            <a:ext cx="7723187" cy="3390900"/>
+          </a:xfrm>
+          <a:prstGeom prst="rect">
+            <a:avLst/>
+          </a:prstGeom>
+          <a:noFill/>
+          <a:ln w="9525">
+            <a:noFill/>
+            <a:miter lim="800000"/>
+            <a:headEnd/>
+            <a:tailEnd/>
+          </a:ln>
+          <a:effectLst/>
+        </p:spPr>
+      </p:pic>
+    </p:spTree>
+  </p:cSld>
+  <p:clrMapOvr>
+    <a:masterClrMapping/>
+  </p:clrMapOvr>
+</p:sld>
+</file>
+
+<file path=ppt/slides/slide21.xml><?xml version="1.0" encoding="utf-8"?>
+<p:sld xmlns:a="http://schemas.openxmlformats.org/drawingml/2006/main" xmlns:r="http://schemas.openxmlformats.org/officeDocument/2006/relationships" xmlns:p="http://schemas.openxmlformats.org/presentationml/2006/main">
+  <p:cSld>
+    <p:spTree>
+      <p:nvGrpSpPr>
+        <p:cNvPr id="1" name=""/>
+        <p:cNvGrpSpPr/>
+        <p:nvPr/>
+      </p:nvGrpSpPr>
+      <p:grpSpPr>
+        <a:xfrm>
+          <a:off x="0" y="0"/>
+          <a:ext cx="0" cy="0"/>
+          <a:chOff x="0" y="0"/>
+          <a:chExt cx="0" cy="0"/>
+        </a:xfrm>
+      </p:grpSpPr>
+      <p:sp>
+        <p:nvSpPr>
+          <p:cNvPr id="2" name="文本占位符 1"/>
+          <p:cNvSpPr>
+            <a:spLocks noGrp="1"/>
+          </p:cNvSpPr>
+          <p:nvPr>
+            <p:ph type="body" sz="quarter" idx="10"/>
+          </p:nvPr>
+        </p:nvSpPr>
+        <p:spPr/>
+        <p:txBody>
+          <a:bodyPr>
+            <a:normAutofit lnSpcReduction="10000"/>
+          </a:bodyPr>
+          <a:lstStyle/>
+          <a:p>
             <a:endParaRPr lang="zh-CN" altLang="en-US"/>
           </a:p>
         </p:txBody>
@@ -6495,7 +6574,7 @@
 </p:sld>
 </file>
 
-<file path=ppt/slides/slide21.xml><?xml version="1.0" encoding="utf-8"?>
+<file path=ppt/slides/slide22.xml><?xml version="1.0" encoding="utf-8"?>
 <p:sld xmlns:a="http://schemas.openxmlformats.org/drawingml/2006/main" xmlns:r="http://schemas.openxmlformats.org/officeDocument/2006/relationships" xmlns:p="http://schemas.openxmlformats.org/presentationml/2006/main">
   <p:cSld>
     <p:spTree>
@@ -6637,7 +6716,7 @@
 </p:sld>
 </file>
 
-<file path=ppt/slides/slide22.xml><?xml version="1.0" encoding="utf-8"?>
+<file path=ppt/slides/slide23.xml><?xml version="1.0" encoding="utf-8"?>
 <p:sld xmlns:a="http://schemas.openxmlformats.org/drawingml/2006/main" xmlns:r="http://schemas.openxmlformats.org/officeDocument/2006/relationships" xmlns:p="http://schemas.openxmlformats.org/presentationml/2006/main">
   <p:cSld>
     <p:spTree>
@@ -6749,7 +6828,7 @@
 </p:sld>
 </file>
 
-<file path=ppt/slides/slide23.xml><?xml version="1.0" encoding="utf-8"?>
+<file path=ppt/slides/slide24.xml><?xml version="1.0" encoding="utf-8"?>
 <p:sld xmlns:a="http://schemas.openxmlformats.org/drawingml/2006/main" xmlns:r="http://schemas.openxmlformats.org/officeDocument/2006/relationships" xmlns:p="http://schemas.openxmlformats.org/presentationml/2006/main">
   <p:cSld>
     <p:spTree>
@@ -6958,7 +7037,7 @@
 </p:sld>
 </file>
 
-<file path=ppt/slides/slide24.xml><?xml version="1.0" encoding="utf-8"?>
+<file path=ppt/slides/slide25.xml><?xml version="1.0" encoding="utf-8"?>
 <p:sld xmlns:a="http://schemas.openxmlformats.org/drawingml/2006/main" xmlns:r="http://schemas.openxmlformats.org/officeDocument/2006/relationships" xmlns:p="http://schemas.openxmlformats.org/presentationml/2006/main">
   <p:cSld>
     <p:spTree>
@@ -7021,7 +7100,7 @@
       </p:sp>
       <p:pic>
         <p:nvPicPr>
-          <p:cNvPr id="1026" name="Picture 2"/>
+          <p:cNvPr id="1027" name="Picture 3"/>
           <p:cNvPicPr>
             <a:picLocks noChangeAspect="1" noChangeArrowheads="1"/>
           </p:cNvPicPr>
@@ -7036,8 +7115,8 @@
         </p:blipFill>
         <p:spPr bwMode="auto">
           <a:xfrm>
-            <a:off x="661122" y="1119274"/>
-            <a:ext cx="7570787" cy="5467350"/>
+            <a:off x="678959" y="1052772"/>
+            <a:ext cx="7551737" cy="5467350"/>
           </a:xfrm>
           <a:prstGeom prst="rect">
             <a:avLst/>
@@ -7067,7 +7146,7 @@
 </p:sld>
 </file>
 
-<file path=ppt/slides/slide25.xml><?xml version="1.0" encoding="utf-8"?>
+<file path=ppt/slides/slide26.xml><?xml version="1.0" encoding="utf-8"?>
 <p:sld xmlns:a="http://schemas.openxmlformats.org/drawingml/2006/main" xmlns:r="http://schemas.openxmlformats.org/officeDocument/2006/relationships" xmlns:p="http://schemas.openxmlformats.org/presentationml/2006/main">
   <p:cSld>
     <p:spTree>
@@ -7246,7 +7325,7 @@
 </p:sld>
 </file>
 
-<file path=ppt/slides/slide26.xml><?xml version="1.0" encoding="utf-8"?>
+<file path=ppt/slides/slide27.xml><?xml version="1.0" encoding="utf-8"?>
 <p:sld xmlns:a="http://schemas.openxmlformats.org/drawingml/2006/main" xmlns:r="http://schemas.openxmlformats.org/officeDocument/2006/relationships" xmlns:p="http://schemas.openxmlformats.org/presentationml/2006/main">
   <p:cSld>
     <p:spTree>
@@ -7485,7 +7564,7 @@
 </p:sld>
 </file>
 
-<file path=ppt/slides/slide27.xml><?xml version="1.0" encoding="utf-8"?>
+<file path=ppt/slides/slide28.xml><?xml version="1.0" encoding="utf-8"?>
 <p:sld xmlns:a="http://schemas.openxmlformats.org/drawingml/2006/main" xmlns:r="http://schemas.openxmlformats.org/officeDocument/2006/relationships" xmlns:p="http://schemas.openxmlformats.org/presentationml/2006/main">
   <p:cSld>
     <p:spTree>
@@ -7854,7 +7933,7 @@
 </p:sld>
 </file>
 
-<file path=ppt/slides/slide28.xml><?xml version="1.0" encoding="utf-8"?>
+<file path=ppt/slides/slide29.xml><?xml version="1.0" encoding="utf-8"?>
 <p:sld xmlns:a="http://schemas.openxmlformats.org/drawingml/2006/main" xmlns:r="http://schemas.openxmlformats.org/officeDocument/2006/relationships" xmlns:p="http://schemas.openxmlformats.org/presentationml/2006/main">
   <p:cSld>
     <p:spTree>
@@ -8205,20 +8284,7 @@
                 <a:latin typeface="新宋体" panose="02010609030101010101" pitchFamily="49" charset="-122"/>
                 <a:ea typeface="新宋体" panose="02010609030101010101" pitchFamily="49" charset="-122"/>
               </a:rPr>
-              <a:t>p</a:t>
-            </a:r>
-            <a:r>
-              <a:rPr lang="en-US" altLang="zh-CN" dirty="0" smtClean="0">
-                <a:solidFill>
-                  <a:srgbClr val="2B91AF"/>
-                </a:solidFill>
-                <a:highlight>
-                  <a:srgbClr val="FFFFFF"/>
-                </a:highlight>
-                <a:latin typeface="新宋体" panose="02010609030101010101" pitchFamily="49" charset="-122"/>
-                <a:ea typeface="新宋体" panose="02010609030101010101" pitchFamily="49" charset="-122"/>
-              </a:rPr>
-              <a:t>erson</a:t>
+              <a:t>person</a:t>
             </a:r>
             <a:r>
               <a:rPr lang="en-US" altLang="zh-CN" dirty="0">
@@ -8558,20 +8624,7 @@
                 <a:latin typeface="新宋体" panose="02010609030101010101" pitchFamily="49" charset="-122"/>
                 <a:ea typeface="新宋体" panose="02010609030101010101" pitchFamily="49" charset="-122"/>
               </a:rPr>
-              <a:t>p</a:t>
-            </a:r>
-            <a:r>
-              <a:rPr lang="en-US" altLang="zh-CN" dirty="0" smtClean="0">
-                <a:solidFill>
-                  <a:srgbClr val="2B91AF"/>
-                </a:solidFill>
-                <a:highlight>
-                  <a:srgbClr val="FFFFFF"/>
-                </a:highlight>
-                <a:latin typeface="新宋体" panose="02010609030101010101" pitchFamily="49" charset="-122"/>
-                <a:ea typeface="新宋体" panose="02010609030101010101" pitchFamily="49" charset="-122"/>
-              </a:rPr>
-              <a:t>erson</a:t>
+              <a:t>person</a:t>
             </a:r>
             <a:r>
               <a:rPr lang="en-US" altLang="zh-CN" dirty="0" smtClean="0">
@@ -9247,7 +9300,352 @@
 </p:sld>
 </file>
 
-<file path=ppt/slides/slide29.xml><?xml version="1.0" encoding="utf-8"?>
+<file path=ppt/slides/slide3.xml><?xml version="1.0" encoding="utf-8"?>
+<p:sld xmlns:a="http://schemas.openxmlformats.org/drawingml/2006/main" xmlns:r="http://schemas.openxmlformats.org/officeDocument/2006/relationships" xmlns:p="http://schemas.openxmlformats.org/presentationml/2006/main">
+  <p:cSld>
+    <p:spTree>
+      <p:nvGrpSpPr>
+        <p:cNvPr id="1" name=""/>
+        <p:cNvGrpSpPr/>
+        <p:nvPr/>
+      </p:nvGrpSpPr>
+      <p:grpSpPr>
+        <a:xfrm>
+          <a:off x="0" y="0"/>
+          <a:ext cx="0" cy="0"/>
+          <a:chOff x="0" y="0"/>
+          <a:chExt cx="0" cy="0"/>
+        </a:xfrm>
+      </p:grpSpPr>
+      <p:sp>
+        <p:nvSpPr>
+          <p:cNvPr id="2" name="文本占位符 1"/>
+          <p:cNvSpPr>
+            <a:spLocks noGrp="1"/>
+          </p:cNvSpPr>
+          <p:nvPr>
+            <p:ph type="body" sz="quarter" idx="10"/>
+          </p:nvPr>
+        </p:nvSpPr>
+        <p:spPr/>
+        <p:txBody>
+          <a:bodyPr rtlCol="0">
+            <a:normAutofit lnSpcReduction="10000"/>
+          </a:bodyPr>
+          <a:lstStyle/>
+          <a:p>
+            <a:pPr fontAlgn="auto">
+              <a:spcAft>
+                <a:spcPts val="0"/>
+              </a:spcAft>
+              <a:buFont typeface="Arial" panose="020B0604020202020204" pitchFamily="34" charset="0"/>
+              <a:buNone/>
+              <a:defRPr/>
+            </a:pPr>
+            <a:r>
+              <a:rPr lang="zh-CN" altLang="en-US" smtClean="0"/>
+              <a:t>我要讲些什么</a:t>
+            </a:r>
+            <a:endParaRPr lang="zh-CN" altLang="en-US"/>
+          </a:p>
+        </p:txBody>
+      </p:sp>
+      <p:sp>
+        <p:nvSpPr>
+          <p:cNvPr id="3" name="内容占位符 2"/>
+          <p:cNvSpPr>
+            <a:spLocks noGrp="1"/>
+          </p:cNvSpPr>
+          <p:nvPr>
+            <p:ph sz="quarter" idx="11"/>
+          </p:nvPr>
+        </p:nvSpPr>
+        <p:spPr/>
+        <p:txBody>
+          <a:bodyPr rtlCol="0"/>
+          <a:lstStyle/>
+          <a:p>
+            <a:pPr fontAlgn="auto">
+              <a:spcAft>
+                <a:spcPts val="0"/>
+              </a:spcAft>
+              <a:buFont typeface="Arial" panose="020B0604020202020204" pitchFamily="34" charset="0"/>
+              <a:buChar char="•"/>
+              <a:defRPr/>
+            </a:pPr>
+            <a:r>
+              <a:rPr lang="zh-CN" altLang="en-US" dirty="0" smtClean="0"/>
+              <a:t>新特性（</a:t>
+            </a:r>
+            <a:r>
+              <a:rPr lang="en-US" altLang="zh-CN" dirty="0" smtClean="0"/>
+              <a:t>C++11/14/17</a:t>
+            </a:r>
+            <a:r>
+              <a:rPr lang="zh-CN" altLang="en-US" dirty="0" smtClean="0"/>
+              <a:t>）</a:t>
+            </a:r>
+            <a:endParaRPr lang="en-US" altLang="zh-CN" dirty="0" smtClean="0"/>
+          </a:p>
+          <a:p>
+            <a:pPr fontAlgn="auto">
+              <a:spcAft>
+                <a:spcPts val="0"/>
+              </a:spcAft>
+              <a:buFont typeface="Arial" panose="020B0604020202020204" pitchFamily="34" charset="0"/>
+              <a:buChar char="•"/>
+              <a:defRPr/>
+            </a:pPr>
+            <a:r>
+              <a:rPr lang="zh-CN" altLang="en-US" dirty="0" smtClean="0"/>
+              <a:t>元编程</a:t>
+            </a:r>
+            <a:endParaRPr lang="en-US" altLang="zh-CN" dirty="0" smtClean="0"/>
+          </a:p>
+          <a:p>
+            <a:pPr fontAlgn="auto">
+              <a:spcAft>
+                <a:spcPts val="0"/>
+              </a:spcAft>
+              <a:buFont typeface="Arial" panose="020B0604020202020204" pitchFamily="34" charset="0"/>
+              <a:buChar char="•"/>
+              <a:defRPr/>
+            </a:pPr>
+            <a:r>
+              <a:rPr lang="zh-CN" altLang="en-US" dirty="0" smtClean="0"/>
+              <a:t>元编程的一些用途</a:t>
+            </a:r>
+            <a:endParaRPr lang="en-US" altLang="zh-CN" dirty="0" smtClean="0"/>
+          </a:p>
+          <a:p>
+            <a:pPr fontAlgn="auto">
+              <a:spcAft>
+                <a:spcPts val="0"/>
+              </a:spcAft>
+              <a:buFont typeface="Arial" panose="020B0604020202020204" pitchFamily="34" charset="0"/>
+              <a:buChar char="•"/>
+              <a:defRPr/>
+            </a:pPr>
+            <a:r>
+              <a:rPr lang="zh-CN" altLang="en-US" dirty="0" smtClean="0"/>
+              <a:t>元编程实现</a:t>
+            </a:r>
+            <a:r>
+              <a:rPr lang="en-US" altLang="zh-CN" dirty="0" smtClean="0"/>
+              <a:t>ORM</a:t>
+            </a:r>
+          </a:p>
+        </p:txBody>
+      </p:sp>
+      <p:sp>
+        <p:nvSpPr>
+          <p:cNvPr id="4" name="矩形 3"/>
+          <p:cNvSpPr/>
+          <p:nvPr/>
+        </p:nvSpPr>
+        <p:spPr>
+          <a:xfrm>
+            <a:off x="2935674" y="3441784"/>
+            <a:ext cx="3331361" cy="400110"/>
+          </a:xfrm>
+          <a:prstGeom prst="rect">
+            <a:avLst/>
+          </a:prstGeom>
+        </p:spPr>
+        <p:txBody>
+          <a:bodyPr wrap="none">
+            <a:spAutoFit/>
+          </a:bodyPr>
+          <a:lstStyle/>
+          <a:p>
+            <a:r>
+              <a:rPr lang="en-US" altLang="zh-CN" sz="2000" smtClean="0"/>
+              <a:t>Modern C++ </a:t>
+            </a:r>
+            <a:r>
+              <a:rPr lang="en-US" altLang="zh-CN" sz="2000"/>
+              <a:t>C</a:t>
+            </a:r>
+            <a:r>
+              <a:rPr lang="zh-CN" altLang="en-US" sz="2000" smtClean="0"/>
+              <a:t>reative </a:t>
+            </a:r>
+            <a:r>
+              <a:rPr lang="en-US" altLang="zh-CN" sz="2000" smtClean="0"/>
+              <a:t>I</a:t>
+            </a:r>
+            <a:r>
+              <a:rPr lang="zh-CN" altLang="en-US" sz="2000" smtClean="0"/>
+              <a:t>deas</a:t>
+            </a:r>
+            <a:endParaRPr lang="zh-CN" altLang="en-US" sz="2000"/>
+          </a:p>
+        </p:txBody>
+      </p:sp>
+    </p:spTree>
+  </p:cSld>
+  <p:clrMapOvr>
+    <a:masterClrMapping/>
+  </p:clrMapOvr>
+  <p:timing>
+    <p:tnLst>
+      <p:par>
+        <p:cTn id="1" dur="indefinite" restart="never" nodeType="tmRoot">
+          <p:childTnLst>
+            <p:seq concurrent="1" nextAc="seek">
+              <p:cTn id="2" dur="indefinite" nodeType="mainSeq">
+                <p:childTnLst>
+                  <p:par>
+                    <p:cTn id="3" fill="hold">
+                      <p:stCondLst>
+                        <p:cond delay="indefinite"/>
+                      </p:stCondLst>
+                      <p:childTnLst>
+                        <p:par>
+                          <p:cTn id="4" fill="hold">
+                            <p:stCondLst>
+                              <p:cond delay="0"/>
+                            </p:stCondLst>
+                            <p:childTnLst>
+                              <p:par>
+                                <p:cTn id="5" presetID="31" presetClass="entr" presetSubtype="0" fill="hold" grpId="0" nodeType="clickEffect">
+                                  <p:stCondLst>
+                                    <p:cond delay="0"/>
+                                  </p:stCondLst>
+                                  <p:childTnLst>
+                                    <p:set>
+                                      <p:cBhvr>
+                                        <p:cTn id="6" dur="1" fill="hold">
+                                          <p:stCondLst>
+                                            <p:cond delay="0"/>
+                                          </p:stCondLst>
+                                        </p:cTn>
+                                        <p:tgtEl>
+                                          <p:spTgt spid="4"/>
+                                        </p:tgtEl>
+                                        <p:attrNameLst>
+                                          <p:attrName>style.visibility</p:attrName>
+                                        </p:attrNameLst>
+                                      </p:cBhvr>
+                                      <p:to>
+                                        <p:strVal val="visible"/>
+                                      </p:to>
+                                    </p:set>
+                                    <p:anim calcmode="lin" valueType="num">
+                                      <p:cBhvr>
+                                        <p:cTn id="7" dur="1000" fill="hold"/>
+                                        <p:tgtEl>
+                                          <p:spTgt spid="4"/>
+                                        </p:tgtEl>
+                                        <p:attrNameLst>
+                                          <p:attrName>ppt_w</p:attrName>
+                                        </p:attrNameLst>
+                                      </p:cBhvr>
+                                      <p:tavLst>
+                                        <p:tav tm="0">
+                                          <p:val>
+                                            <p:fltVal val="0"/>
+                                          </p:val>
+                                        </p:tav>
+                                        <p:tav tm="100000">
+                                          <p:val>
+                                            <p:strVal val="#ppt_w"/>
+                                          </p:val>
+                                        </p:tav>
+                                      </p:tavLst>
+                                    </p:anim>
+                                    <p:anim calcmode="lin" valueType="num">
+                                      <p:cBhvr>
+                                        <p:cTn id="8" dur="1000" fill="hold"/>
+                                        <p:tgtEl>
+                                          <p:spTgt spid="4"/>
+                                        </p:tgtEl>
+                                        <p:attrNameLst>
+                                          <p:attrName>ppt_h</p:attrName>
+                                        </p:attrNameLst>
+                                      </p:cBhvr>
+                                      <p:tavLst>
+                                        <p:tav tm="0">
+                                          <p:val>
+                                            <p:fltVal val="0"/>
+                                          </p:val>
+                                        </p:tav>
+                                        <p:tav tm="100000">
+                                          <p:val>
+                                            <p:strVal val="#ppt_h"/>
+                                          </p:val>
+                                        </p:tav>
+                                      </p:tavLst>
+                                    </p:anim>
+                                    <p:anim calcmode="lin" valueType="num">
+                                      <p:cBhvr>
+                                        <p:cTn id="9" dur="1000" fill="hold"/>
+                                        <p:tgtEl>
+                                          <p:spTgt spid="4"/>
+                                        </p:tgtEl>
+                                        <p:attrNameLst>
+                                          <p:attrName>style.rotation</p:attrName>
+                                        </p:attrNameLst>
+                                      </p:cBhvr>
+                                      <p:tavLst>
+                                        <p:tav tm="0">
+                                          <p:val>
+                                            <p:fltVal val="90"/>
+                                          </p:val>
+                                        </p:tav>
+                                        <p:tav tm="100000">
+                                          <p:val>
+                                            <p:fltVal val="0"/>
+                                          </p:val>
+                                        </p:tav>
+                                      </p:tavLst>
+                                    </p:anim>
+                                    <p:animEffect transition="in" filter="fade">
+                                      <p:cBhvr>
+                                        <p:cTn id="10" dur="1000"/>
+                                        <p:tgtEl>
+                                          <p:spTgt spid="4"/>
+                                        </p:tgtEl>
+                                      </p:cBhvr>
+                                    </p:animEffect>
+                                  </p:childTnLst>
+                                </p:cTn>
+                              </p:par>
+                            </p:childTnLst>
+                          </p:cTn>
+                        </p:par>
+                      </p:childTnLst>
+                    </p:cTn>
+                  </p:par>
+                </p:childTnLst>
+              </p:cTn>
+              <p:prevCondLst>
+                <p:cond evt="onPrev" delay="0">
+                  <p:tgtEl>
+                    <p:sldTgt/>
+                  </p:tgtEl>
+                </p:cond>
+              </p:prevCondLst>
+              <p:nextCondLst>
+                <p:cond evt="onNext" delay="0">
+                  <p:tgtEl>
+                    <p:sldTgt/>
+                  </p:tgtEl>
+                </p:cond>
+              </p:nextCondLst>
+            </p:seq>
+          </p:childTnLst>
+        </p:cTn>
+      </p:par>
+    </p:tnLst>
+    <p:bldLst>
+      <p:bldP spid="4" grpId="0"/>
+    </p:bldLst>
+  </p:timing>
+</p:sld>
+</file>
+
+<file path=ppt/slides/slide30.xml><?xml version="1.0" encoding="utf-8"?>
 <p:sld xmlns:a="http://schemas.openxmlformats.org/drawingml/2006/main" xmlns:r="http://schemas.openxmlformats.org/officeDocument/2006/relationships" xmlns:p="http://schemas.openxmlformats.org/presentationml/2006/main">
   <p:cSld>
     <p:spTree>
@@ -10362,613 +10760,6 @@
 </p:sld>
 </file>
 
-<file path=ppt/slides/slide3.xml><?xml version="1.0" encoding="utf-8"?>
-<p:sld xmlns:a="http://schemas.openxmlformats.org/drawingml/2006/main" xmlns:r="http://schemas.openxmlformats.org/officeDocument/2006/relationships" xmlns:p="http://schemas.openxmlformats.org/presentationml/2006/main">
-  <p:cSld>
-    <p:spTree>
-      <p:nvGrpSpPr>
-        <p:cNvPr id="1" name=""/>
-        <p:cNvGrpSpPr/>
-        <p:nvPr/>
-      </p:nvGrpSpPr>
-      <p:grpSpPr>
-        <a:xfrm>
-          <a:off x="0" y="0"/>
-          <a:ext cx="0" cy="0"/>
-          <a:chOff x="0" y="0"/>
-          <a:chExt cx="0" cy="0"/>
-        </a:xfrm>
-      </p:grpSpPr>
-      <p:sp>
-        <p:nvSpPr>
-          <p:cNvPr id="2" name="文本占位符 1"/>
-          <p:cNvSpPr>
-            <a:spLocks noGrp="1"/>
-          </p:cNvSpPr>
-          <p:nvPr>
-            <p:ph type="body" sz="quarter" idx="10"/>
-          </p:nvPr>
-        </p:nvSpPr>
-        <p:spPr/>
-        <p:txBody>
-          <a:bodyPr rtlCol="0">
-            <a:normAutofit lnSpcReduction="10000"/>
-          </a:bodyPr>
-          <a:lstStyle/>
-          <a:p>
-            <a:pPr fontAlgn="auto">
-              <a:spcAft>
-                <a:spcPts val="0"/>
-              </a:spcAft>
-              <a:buFont typeface="Arial" panose="020B0604020202020204" pitchFamily="34" charset="0"/>
-              <a:buNone/>
-              <a:defRPr/>
-            </a:pPr>
-            <a:r>
-              <a:rPr lang="zh-CN" altLang="en-US" smtClean="0"/>
-              <a:t>我要讲些什么</a:t>
-            </a:r>
-            <a:endParaRPr lang="zh-CN" altLang="en-US"/>
-          </a:p>
-        </p:txBody>
-      </p:sp>
-      <p:sp>
-        <p:nvSpPr>
-          <p:cNvPr id="3" name="内容占位符 2"/>
-          <p:cNvSpPr>
-            <a:spLocks noGrp="1"/>
-          </p:cNvSpPr>
-          <p:nvPr>
-            <p:ph sz="quarter" idx="11"/>
-          </p:nvPr>
-        </p:nvSpPr>
-        <p:spPr/>
-        <p:txBody>
-          <a:bodyPr rtlCol="0"/>
-          <a:lstStyle/>
-          <a:p>
-            <a:pPr fontAlgn="auto">
-              <a:spcAft>
-                <a:spcPts val="0"/>
-              </a:spcAft>
-              <a:buFont typeface="Arial" panose="020B0604020202020204" pitchFamily="34" charset="0"/>
-              <a:buChar char="•"/>
-              <a:defRPr/>
-            </a:pPr>
-            <a:r>
-              <a:rPr lang="zh-CN" altLang="en-US" dirty="0" smtClean="0"/>
-              <a:t>新特性（</a:t>
-            </a:r>
-            <a:r>
-              <a:rPr lang="en-US" altLang="zh-CN" dirty="0" smtClean="0"/>
-              <a:t>C++11/14/17</a:t>
-            </a:r>
-            <a:r>
-              <a:rPr lang="zh-CN" altLang="en-US" dirty="0" smtClean="0"/>
-              <a:t>）</a:t>
-            </a:r>
-            <a:endParaRPr lang="en-US" altLang="zh-CN" dirty="0" smtClean="0"/>
-          </a:p>
-          <a:p>
-            <a:pPr fontAlgn="auto">
-              <a:spcAft>
-                <a:spcPts val="0"/>
-              </a:spcAft>
-              <a:buFont typeface="Arial" panose="020B0604020202020204" pitchFamily="34" charset="0"/>
-              <a:buChar char="•"/>
-              <a:defRPr/>
-            </a:pPr>
-            <a:r>
-              <a:rPr lang="zh-CN" altLang="en-US" dirty="0" smtClean="0"/>
-              <a:t>元编程</a:t>
-            </a:r>
-            <a:endParaRPr lang="en-US" altLang="zh-CN" dirty="0" smtClean="0"/>
-          </a:p>
-          <a:p>
-            <a:pPr fontAlgn="auto">
-              <a:spcAft>
-                <a:spcPts val="0"/>
-              </a:spcAft>
-              <a:buFont typeface="Arial" panose="020B0604020202020204" pitchFamily="34" charset="0"/>
-              <a:buChar char="•"/>
-              <a:defRPr/>
-            </a:pPr>
-            <a:r>
-              <a:rPr lang="zh-CN" altLang="en-US" dirty="0" smtClean="0"/>
-              <a:t>元编程的一些用途</a:t>
-            </a:r>
-            <a:endParaRPr lang="en-US" altLang="zh-CN" dirty="0" smtClean="0"/>
-          </a:p>
-          <a:p>
-            <a:pPr fontAlgn="auto">
-              <a:spcAft>
-                <a:spcPts val="0"/>
-              </a:spcAft>
-              <a:buFont typeface="Arial" panose="020B0604020202020204" pitchFamily="34" charset="0"/>
-              <a:buChar char="•"/>
-              <a:defRPr/>
-            </a:pPr>
-            <a:r>
-              <a:rPr lang="zh-CN" altLang="en-US" dirty="0" smtClean="0"/>
-              <a:t>元编程实现</a:t>
-            </a:r>
-            <a:r>
-              <a:rPr lang="en-US" altLang="zh-CN" dirty="0" smtClean="0"/>
-              <a:t>ORM</a:t>
-            </a:r>
-          </a:p>
-        </p:txBody>
-      </p:sp>
-      <p:sp>
-        <p:nvSpPr>
-          <p:cNvPr id="4" name="矩形 3"/>
-          <p:cNvSpPr/>
-          <p:nvPr/>
-        </p:nvSpPr>
-        <p:spPr>
-          <a:xfrm>
-            <a:off x="2935674" y="3441784"/>
-            <a:ext cx="3331361" cy="400110"/>
-          </a:xfrm>
-          <a:prstGeom prst="rect">
-            <a:avLst/>
-          </a:prstGeom>
-        </p:spPr>
-        <p:txBody>
-          <a:bodyPr wrap="none">
-            <a:spAutoFit/>
-          </a:bodyPr>
-          <a:lstStyle/>
-          <a:p>
-            <a:r>
-              <a:rPr lang="en-US" altLang="zh-CN" sz="2000" smtClean="0"/>
-              <a:t>Modern C++ </a:t>
-            </a:r>
-            <a:r>
-              <a:rPr lang="en-US" altLang="zh-CN" sz="2000"/>
-              <a:t>C</a:t>
-            </a:r>
-            <a:r>
-              <a:rPr lang="zh-CN" altLang="en-US" sz="2000" smtClean="0"/>
-              <a:t>reative </a:t>
-            </a:r>
-            <a:r>
-              <a:rPr lang="en-US" altLang="zh-CN" sz="2000" smtClean="0"/>
-              <a:t>I</a:t>
-            </a:r>
-            <a:r>
-              <a:rPr lang="zh-CN" altLang="en-US" sz="2000" smtClean="0"/>
-              <a:t>deas</a:t>
-            </a:r>
-            <a:endParaRPr lang="zh-CN" altLang="en-US" sz="2000"/>
-          </a:p>
-        </p:txBody>
-      </p:sp>
-    </p:spTree>
-  </p:cSld>
-  <p:clrMapOvr>
-    <a:masterClrMapping/>
-  </p:clrMapOvr>
-  <p:timing>
-    <p:tnLst>
-      <p:par>
-        <p:cTn id="1" dur="indefinite" restart="never" nodeType="tmRoot">
-          <p:childTnLst>
-            <p:seq concurrent="1" nextAc="seek">
-              <p:cTn id="2" dur="indefinite" nodeType="mainSeq">
-                <p:childTnLst>
-                  <p:par>
-                    <p:cTn id="3" fill="hold">
-                      <p:stCondLst>
-                        <p:cond delay="indefinite"/>
-                      </p:stCondLst>
-                      <p:childTnLst>
-                        <p:par>
-                          <p:cTn id="4" fill="hold">
-                            <p:stCondLst>
-                              <p:cond delay="0"/>
-                            </p:stCondLst>
-                            <p:childTnLst>
-                              <p:par>
-                                <p:cTn id="5" presetID="31" presetClass="entr" presetSubtype="0" fill="hold" grpId="0" nodeType="clickEffect">
-                                  <p:stCondLst>
-                                    <p:cond delay="0"/>
-                                  </p:stCondLst>
-                                  <p:childTnLst>
-                                    <p:set>
-                                      <p:cBhvr>
-                                        <p:cTn id="6" dur="1" fill="hold">
-                                          <p:stCondLst>
-                                            <p:cond delay="0"/>
-                                          </p:stCondLst>
-                                        </p:cTn>
-                                        <p:tgtEl>
-                                          <p:spTgt spid="4"/>
-                                        </p:tgtEl>
-                                        <p:attrNameLst>
-                                          <p:attrName>style.visibility</p:attrName>
-                                        </p:attrNameLst>
-                                      </p:cBhvr>
-                                      <p:to>
-                                        <p:strVal val="visible"/>
-                                      </p:to>
-                                    </p:set>
-                                    <p:anim calcmode="lin" valueType="num">
-                                      <p:cBhvr>
-                                        <p:cTn id="7" dur="1000" fill="hold"/>
-                                        <p:tgtEl>
-                                          <p:spTgt spid="4"/>
-                                        </p:tgtEl>
-                                        <p:attrNameLst>
-                                          <p:attrName>ppt_w</p:attrName>
-                                        </p:attrNameLst>
-                                      </p:cBhvr>
-                                      <p:tavLst>
-                                        <p:tav tm="0">
-                                          <p:val>
-                                            <p:fltVal val="0"/>
-                                          </p:val>
-                                        </p:tav>
-                                        <p:tav tm="100000">
-                                          <p:val>
-                                            <p:strVal val="#ppt_w"/>
-                                          </p:val>
-                                        </p:tav>
-                                      </p:tavLst>
-                                    </p:anim>
-                                    <p:anim calcmode="lin" valueType="num">
-                                      <p:cBhvr>
-                                        <p:cTn id="8" dur="1000" fill="hold"/>
-                                        <p:tgtEl>
-                                          <p:spTgt spid="4"/>
-                                        </p:tgtEl>
-                                        <p:attrNameLst>
-                                          <p:attrName>ppt_h</p:attrName>
-                                        </p:attrNameLst>
-                                      </p:cBhvr>
-                                      <p:tavLst>
-                                        <p:tav tm="0">
-                                          <p:val>
-                                            <p:fltVal val="0"/>
-                                          </p:val>
-                                        </p:tav>
-                                        <p:tav tm="100000">
-                                          <p:val>
-                                            <p:strVal val="#ppt_h"/>
-                                          </p:val>
-                                        </p:tav>
-                                      </p:tavLst>
-                                    </p:anim>
-                                    <p:anim calcmode="lin" valueType="num">
-                                      <p:cBhvr>
-                                        <p:cTn id="9" dur="1000" fill="hold"/>
-                                        <p:tgtEl>
-                                          <p:spTgt spid="4"/>
-                                        </p:tgtEl>
-                                        <p:attrNameLst>
-                                          <p:attrName>style.rotation</p:attrName>
-                                        </p:attrNameLst>
-                                      </p:cBhvr>
-                                      <p:tavLst>
-                                        <p:tav tm="0">
-                                          <p:val>
-                                            <p:fltVal val="90"/>
-                                          </p:val>
-                                        </p:tav>
-                                        <p:tav tm="100000">
-                                          <p:val>
-                                            <p:fltVal val="0"/>
-                                          </p:val>
-                                        </p:tav>
-                                      </p:tavLst>
-                                    </p:anim>
-                                    <p:animEffect transition="in" filter="fade">
-                                      <p:cBhvr>
-                                        <p:cTn id="10" dur="1000"/>
-                                        <p:tgtEl>
-                                          <p:spTgt spid="4"/>
-                                        </p:tgtEl>
-                                      </p:cBhvr>
-                                    </p:animEffect>
-                                  </p:childTnLst>
-                                </p:cTn>
-                              </p:par>
-                            </p:childTnLst>
-                          </p:cTn>
-                        </p:par>
-                      </p:childTnLst>
-                    </p:cTn>
-                  </p:par>
-                </p:childTnLst>
-              </p:cTn>
-              <p:prevCondLst>
-                <p:cond evt="onPrev" delay="0">
-                  <p:tgtEl>
-                    <p:sldTgt/>
-                  </p:tgtEl>
-                </p:cond>
-              </p:prevCondLst>
-              <p:nextCondLst>
-                <p:cond evt="onNext" delay="0">
-                  <p:tgtEl>
-                    <p:sldTgt/>
-                  </p:tgtEl>
-                </p:cond>
-              </p:nextCondLst>
-            </p:seq>
-          </p:childTnLst>
-        </p:cTn>
-      </p:par>
-    </p:tnLst>
-    <p:bldLst>
-      <p:bldP spid="4" grpId="0"/>
-    </p:bldLst>
-  </p:timing>
-</p:sld>
-</file>
-
-<file path=ppt/slides/slide30.xml><?xml version="1.0" encoding="utf-8"?>
-<p:sld xmlns:a="http://schemas.openxmlformats.org/drawingml/2006/main" xmlns:r="http://schemas.openxmlformats.org/officeDocument/2006/relationships" xmlns:p="http://schemas.openxmlformats.org/presentationml/2006/main">
-  <p:cSld>
-    <p:spTree>
-      <p:nvGrpSpPr>
-        <p:cNvPr id="1" name=""/>
-        <p:cNvGrpSpPr/>
-        <p:nvPr/>
-      </p:nvGrpSpPr>
-      <p:grpSpPr>
-        <a:xfrm>
-          <a:off x="0" y="0"/>
-          <a:ext cx="0" cy="0"/>
-          <a:chOff x="0" y="0"/>
-          <a:chExt cx="0" cy="0"/>
-        </a:xfrm>
-      </p:grpSpPr>
-      <p:sp>
-        <p:nvSpPr>
-          <p:cNvPr id="2" name="文本占位符 1"/>
-          <p:cNvSpPr>
-            <a:spLocks noGrp="1"/>
-          </p:cNvSpPr>
-          <p:nvPr>
-            <p:ph type="body" sz="quarter" idx="10"/>
-          </p:nvPr>
-        </p:nvSpPr>
-        <p:spPr/>
-        <p:txBody>
-          <a:bodyPr>
-            <a:normAutofit lnSpcReduction="10000"/>
-          </a:bodyPr>
-          <a:lstStyle/>
-          <a:p>
-            <a:r>
-              <a:rPr lang="zh-CN" altLang="en-US" smtClean="0"/>
-              <a:t>自动生成</a:t>
-            </a:r>
-            <a:r>
-              <a:rPr lang="en-US" altLang="zh-CN" smtClean="0"/>
-              <a:t>sql</a:t>
-            </a:r>
-            <a:r>
-              <a:rPr lang="zh-CN" altLang="en-US" smtClean="0"/>
-              <a:t>脚本</a:t>
-            </a:r>
-            <a:endParaRPr lang="zh-CN" altLang="en-US"/>
-          </a:p>
-        </p:txBody>
-      </p:sp>
-      <p:sp>
-        <p:nvSpPr>
-          <p:cNvPr id="3" name="内容占位符 2"/>
-          <p:cNvSpPr>
-            <a:spLocks noGrp="1"/>
-          </p:cNvSpPr>
-          <p:nvPr>
-            <p:ph sz="quarter" idx="11"/>
-          </p:nvPr>
-        </p:nvSpPr>
-        <p:spPr/>
-        <p:txBody>
-          <a:bodyPr/>
-          <a:lstStyle/>
-          <a:p>
-            <a:r>
-              <a:rPr lang="zh-CN" altLang="en-US" dirty="0" smtClean="0"/>
-              <a:t>编译期反射获取对象名称</a:t>
-            </a:r>
-            <a:endParaRPr lang="en-US" altLang="zh-CN" dirty="0" smtClean="0"/>
-          </a:p>
-          <a:p>
-            <a:endParaRPr lang="en-US" altLang="zh-CN" dirty="0"/>
-          </a:p>
-          <a:p>
-            <a:endParaRPr lang="en-US" altLang="zh-CN" dirty="0" smtClean="0"/>
-          </a:p>
-          <a:p>
-            <a:r>
-              <a:rPr lang="zh-CN" altLang="en-US" dirty="0" smtClean="0"/>
-              <a:t>编译期反射获取字段名数组</a:t>
-            </a:r>
-            <a:endParaRPr lang="en-US" altLang="zh-CN" dirty="0" smtClean="0"/>
-          </a:p>
-          <a:p>
-            <a:endParaRPr lang="en-US" altLang="zh-CN" dirty="0"/>
-          </a:p>
-          <a:p>
-            <a:endParaRPr lang="en-US" altLang="zh-CN" dirty="0" smtClean="0"/>
-          </a:p>
-          <a:p>
-            <a:r>
-              <a:rPr lang="zh-CN" altLang="en-US" dirty="0" smtClean="0"/>
-              <a:t>编译期获取类型名称数组？</a:t>
-            </a:r>
-            <a:endParaRPr lang="en-US" altLang="zh-CN" dirty="0"/>
-          </a:p>
-          <a:p>
-            <a:endParaRPr lang="zh-CN" altLang="en-US" dirty="0"/>
-          </a:p>
-        </p:txBody>
-      </p:sp>
-      <p:sp>
-        <p:nvSpPr>
-          <p:cNvPr id="4" name="矩形 3"/>
-          <p:cNvSpPr/>
-          <p:nvPr/>
-        </p:nvSpPr>
-        <p:spPr>
-          <a:xfrm>
-            <a:off x="266700" y="1656145"/>
-            <a:ext cx="7270921" cy="369332"/>
-          </a:xfrm>
-          <a:prstGeom prst="rect">
-            <a:avLst/>
-          </a:prstGeom>
-        </p:spPr>
-        <p:txBody>
-          <a:bodyPr wrap="square">
-            <a:spAutoFit/>
-          </a:bodyPr>
-          <a:lstStyle/>
-          <a:p>
-            <a:r>
-              <a:rPr lang="zh-CN" altLang="en-US" dirty="0"/>
-              <a:t>constexpr auto name = iguana::get_name&lt;T</a:t>
-            </a:r>
-            <a:r>
-              <a:rPr lang="zh-CN" altLang="en-US" dirty="0" smtClean="0"/>
-              <a:t>&gt;(); </a:t>
-            </a:r>
-            <a:r>
-              <a:rPr lang="en-US" altLang="zh-CN" dirty="0" smtClean="0">
-                <a:sym typeface="Wingdings" panose="05000000000000000000" pitchFamily="2" charset="2"/>
-              </a:rPr>
-              <a:t> </a:t>
-            </a:r>
-            <a:r>
-              <a:rPr lang="zh-CN" altLang="en-US" dirty="0" smtClean="0"/>
-              <a:t>"</a:t>
-            </a:r>
-            <a:r>
-              <a:rPr lang="en-US" altLang="zh-CN" dirty="0" smtClean="0">
-                <a:sym typeface="Wingdings" panose="05000000000000000000" pitchFamily="2" charset="2"/>
-              </a:rPr>
-              <a:t>person</a:t>
-            </a:r>
-            <a:r>
-              <a:rPr lang="zh-CN" altLang="en-US" dirty="0" smtClean="0"/>
-              <a:t>" </a:t>
-            </a:r>
-            <a:endParaRPr lang="zh-CN" altLang="en-US" dirty="0"/>
-          </a:p>
-        </p:txBody>
-      </p:sp>
-      <p:sp>
-        <p:nvSpPr>
-          <p:cNvPr id="5" name="矩形 4"/>
-          <p:cNvSpPr/>
-          <p:nvPr/>
-        </p:nvSpPr>
-        <p:spPr>
-          <a:xfrm>
-            <a:off x="266700" y="2906926"/>
-            <a:ext cx="7559246" cy="369332"/>
-          </a:xfrm>
-          <a:prstGeom prst="rect">
-            <a:avLst/>
-          </a:prstGeom>
-        </p:spPr>
-        <p:txBody>
-          <a:bodyPr wrap="square">
-            <a:spAutoFit/>
-          </a:bodyPr>
-          <a:lstStyle/>
-          <a:p>
-            <a:r>
-              <a:rPr lang="zh-CN" altLang="en-US" dirty="0"/>
-              <a:t>constexpr auto arr = iguana::get_array&lt;T</a:t>
-            </a:r>
-            <a:r>
-              <a:rPr lang="zh-CN" altLang="en-US" dirty="0" smtClean="0"/>
-              <a:t>&gt;(); </a:t>
-            </a:r>
-            <a:r>
-              <a:rPr lang="en-US" altLang="zh-CN" dirty="0" smtClean="0">
-                <a:sym typeface="Wingdings" panose="05000000000000000000" pitchFamily="2" charset="2"/>
-              </a:rPr>
-              <a:t> {"</a:t>
-            </a:r>
-            <a:r>
-              <a:rPr lang="zh-CN" altLang="en-US" dirty="0" smtClean="0"/>
-              <a:t>id" </a:t>
-            </a:r>
-            <a:r>
-              <a:rPr lang="en-US" altLang="zh-CN" dirty="0" smtClean="0"/>
-              <a:t>,</a:t>
-            </a:r>
-            <a:r>
-              <a:rPr lang="zh-CN" altLang="en-US" dirty="0"/>
-              <a:t> </a:t>
-            </a:r>
-            <a:r>
-              <a:rPr lang="zh-CN" altLang="en-US" dirty="0" smtClean="0"/>
-              <a:t>"</a:t>
-            </a:r>
-            <a:r>
-              <a:rPr lang="en-US" altLang="zh-CN" dirty="0" smtClean="0"/>
-              <a:t>name</a:t>
-            </a:r>
-            <a:r>
-              <a:rPr lang="zh-CN" altLang="en-US" dirty="0" smtClean="0"/>
-              <a:t>" </a:t>
-            </a:r>
-            <a:r>
-              <a:rPr lang="en-US" altLang="zh-CN" dirty="0" smtClean="0"/>
-              <a:t>,</a:t>
-            </a:r>
-            <a:r>
-              <a:rPr lang="zh-CN" altLang="en-US" dirty="0"/>
-              <a:t> </a:t>
-            </a:r>
-            <a:r>
-              <a:rPr lang="zh-CN" altLang="en-US" dirty="0" smtClean="0"/>
-              <a:t>"</a:t>
-            </a:r>
-            <a:r>
-              <a:rPr lang="en-US" altLang="zh-CN" dirty="0" smtClean="0"/>
-              <a:t>age</a:t>
-            </a:r>
-            <a:r>
-              <a:rPr lang="zh-CN" altLang="en-US" dirty="0" smtClean="0"/>
-              <a:t>" </a:t>
-            </a:r>
-            <a:r>
-              <a:rPr lang="en-US" altLang="zh-CN" dirty="0" smtClean="0"/>
-              <a:t>}  </a:t>
-            </a:r>
-            <a:endParaRPr lang="zh-CN" altLang="en-US" dirty="0"/>
-          </a:p>
-        </p:txBody>
-      </p:sp>
-    </p:spTree>
-    <p:extLst>
-      <p:ext uri="{BB962C8B-B14F-4D97-AF65-F5344CB8AC3E}">
-        <p14:creationId xmlns:p14="http://schemas.microsoft.com/office/powerpoint/2010/main" xmlns="" val="3674534974"/>
-      </p:ext>
-    </p:extLst>
-  </p:cSld>
-  <p:clrMapOvr>
-    <a:masterClrMapping/>
-  </p:clrMapOvr>
-  <p:timing>
-    <p:tnLst>
-      <p:par>
-        <p:cTn id="1" dur="indefinite" restart="never" nodeType="tmRoot"/>
-      </p:par>
-    </p:tnLst>
-  </p:timing>
-</p:sld>
-</file>
-
 <file path=ppt/slides/slide31.xml><?xml version="1.0" encoding="utf-8"?>
 <p:sld xmlns:a="http://schemas.openxmlformats.org/drawingml/2006/main" xmlns:r="http://schemas.openxmlformats.org/officeDocument/2006/relationships" xmlns:p="http://schemas.openxmlformats.org/presentationml/2006/main">
   <p:cSld>
@@ -11004,12 +10795,16 @@
           <a:lstStyle/>
           <a:p>
             <a:r>
-              <a:rPr lang="zh-CN" altLang="en-US"/>
-              <a:t>类</a:t>
-            </a:r>
-            <a:r>
               <a:rPr lang="zh-CN" altLang="en-US" smtClean="0"/>
-              <a:t>型映射</a:t>
+              <a:t>自动生成</a:t>
+            </a:r>
+            <a:r>
+              <a:rPr lang="en-US" altLang="zh-CN" smtClean="0"/>
+              <a:t>sql</a:t>
+            </a:r>
+            <a:r>
+              <a:rPr lang="zh-CN" altLang="en-US" smtClean="0"/>
+              <a:t>脚本</a:t>
             </a:r>
             <a:endParaRPr lang="zh-CN" altLang="en-US"/>
           </a:p>
@@ -11031,45 +10826,186 @@
           <a:lstStyle/>
           <a:p>
             <a:r>
-              <a:rPr lang="en-US" altLang="zh-CN" smtClean="0"/>
-              <a:t>C++</a:t>
-            </a:r>
-            <a:r>
-              <a:rPr lang="zh-CN" altLang="en-US" smtClean="0"/>
-              <a:t>类型映射到数据库字段类型</a:t>
-            </a:r>
-            <a:endParaRPr lang="zh-CN" altLang="en-US"/>
+              <a:rPr lang="zh-CN" altLang="en-US" dirty="0" smtClean="0"/>
+              <a:t>编译期反射获取对象名称</a:t>
+            </a:r>
+            <a:endParaRPr lang="en-US" altLang="zh-CN" dirty="0" smtClean="0"/>
+          </a:p>
+          <a:p>
+            <a:endParaRPr lang="en-US" altLang="zh-CN" dirty="0"/>
+          </a:p>
+          <a:p>
+            <a:endParaRPr lang="en-US" altLang="zh-CN" dirty="0" smtClean="0"/>
+          </a:p>
+          <a:p>
+            <a:r>
+              <a:rPr lang="zh-CN" altLang="en-US" dirty="0" smtClean="0"/>
+              <a:t>编译期反射获取字段名数组</a:t>
+            </a:r>
+            <a:endParaRPr lang="en-US" altLang="zh-CN" dirty="0" smtClean="0"/>
+          </a:p>
+          <a:p>
+            <a:endParaRPr lang="en-US" altLang="zh-CN" dirty="0"/>
+          </a:p>
+          <a:p>
+            <a:endParaRPr lang="en-US" altLang="zh-CN" dirty="0" smtClean="0"/>
+          </a:p>
+          <a:p>
+            <a:r>
+              <a:rPr lang="zh-CN" altLang="en-US" dirty="0" smtClean="0"/>
+              <a:t>编译期获取类型名称数组？</a:t>
+            </a:r>
+            <a:endParaRPr lang="en-US" altLang="zh-CN" dirty="0"/>
+          </a:p>
+          <a:p>
+            <a:endParaRPr lang="zh-CN" altLang="en-US" dirty="0"/>
           </a:p>
         </p:txBody>
       </p:sp>
-      <p:pic>
-        <p:nvPicPr>
-          <p:cNvPr id="4" name="图片 3"/>
-          <p:cNvPicPr>
-            <a:picLocks noChangeAspect="1"/>
-          </p:cNvPicPr>
+      <p:sp>
+        <p:nvSpPr>
+          <p:cNvPr id="4" name="矩形 3"/>
+          <p:cNvSpPr/>
           <p:nvPr/>
-        </p:nvPicPr>
-        <p:blipFill>
-          <a:blip r:embed="rId2"/>
-          <a:stretch>
-            <a:fillRect/>
-          </a:stretch>
-        </p:blipFill>
+        </p:nvSpPr>
         <p:spPr>
           <a:xfrm>
-            <a:off x="817071" y="1696995"/>
-            <a:ext cx="7243157" cy="4907579"/>
+            <a:off x="266700" y="1656145"/>
+            <a:ext cx="7270921" cy="369332"/>
           </a:xfrm>
           <a:prstGeom prst="rect">
             <a:avLst/>
           </a:prstGeom>
         </p:spPr>
-      </p:pic>
+        <p:txBody>
+          <a:bodyPr wrap="square">
+            <a:spAutoFit/>
+          </a:bodyPr>
+          <a:lstStyle/>
+          <a:p>
+            <a:r>
+              <a:rPr lang="zh-CN" altLang="en-US" dirty="0"/>
+              <a:t>constexpr auto name = iguana::get_name&lt;T</a:t>
+            </a:r>
+            <a:r>
+              <a:rPr lang="zh-CN" altLang="en-US" dirty="0" smtClean="0"/>
+              <a:t>&gt;(); </a:t>
+            </a:r>
+            <a:r>
+              <a:rPr lang="en-US" altLang="zh-CN" dirty="0" smtClean="0">
+                <a:sym typeface="Wingdings" panose="05000000000000000000" pitchFamily="2" charset="2"/>
+              </a:rPr>
+              <a:t> </a:t>
+            </a:r>
+            <a:r>
+              <a:rPr lang="zh-CN" altLang="en-US" dirty="0" smtClean="0"/>
+              <a:t>"</a:t>
+            </a:r>
+            <a:r>
+              <a:rPr lang="en-US" altLang="zh-CN" dirty="0" smtClean="0">
+                <a:sym typeface="Wingdings" panose="05000000000000000000" pitchFamily="2" charset="2"/>
+              </a:rPr>
+              <a:t>person</a:t>
+            </a:r>
+            <a:r>
+              <a:rPr lang="zh-CN" altLang="en-US" dirty="0" smtClean="0"/>
+              <a:t>" </a:t>
+            </a:r>
+            <a:endParaRPr lang="zh-CN" altLang="en-US" dirty="0"/>
+          </a:p>
+        </p:txBody>
+      </p:sp>
+      <p:sp>
+        <p:nvSpPr>
+          <p:cNvPr id="5" name="矩形 4"/>
+          <p:cNvSpPr/>
+          <p:nvPr/>
+        </p:nvSpPr>
+        <p:spPr>
+          <a:xfrm>
+            <a:off x="266700" y="2906926"/>
+            <a:ext cx="7559246" cy="369332"/>
+          </a:xfrm>
+          <a:prstGeom prst="rect">
+            <a:avLst/>
+          </a:prstGeom>
+        </p:spPr>
+        <p:txBody>
+          <a:bodyPr wrap="square">
+            <a:spAutoFit/>
+          </a:bodyPr>
+          <a:lstStyle/>
+          <a:p>
+            <a:r>
+              <a:rPr lang="zh-CN" altLang="en-US" dirty="0"/>
+              <a:t>constexpr auto arr = iguana::get_array&lt;T</a:t>
+            </a:r>
+            <a:r>
+              <a:rPr lang="zh-CN" altLang="en-US" dirty="0" smtClean="0"/>
+              <a:t>&gt;(); </a:t>
+            </a:r>
+            <a:r>
+              <a:rPr lang="en-US" altLang="zh-CN" dirty="0" smtClean="0">
+                <a:sym typeface="Wingdings" panose="05000000000000000000" pitchFamily="2" charset="2"/>
+              </a:rPr>
+              <a:t> {"</a:t>
+            </a:r>
+            <a:r>
+              <a:rPr lang="zh-CN" altLang="en-US" dirty="0" smtClean="0"/>
+              <a:t>id" </a:t>
+            </a:r>
+            <a:r>
+              <a:rPr lang="en-US" altLang="zh-CN" dirty="0" smtClean="0"/>
+              <a:t>,</a:t>
+            </a:r>
+            <a:r>
+              <a:rPr lang="zh-CN" altLang="en-US" dirty="0"/>
+              <a:t> </a:t>
+            </a:r>
+            <a:r>
+              <a:rPr lang="zh-CN" altLang="en-US" dirty="0" smtClean="0"/>
+              <a:t>"</a:t>
+            </a:r>
+            <a:r>
+              <a:rPr lang="en-US" altLang="zh-CN" dirty="0" smtClean="0"/>
+              <a:t>name</a:t>
+            </a:r>
+            <a:r>
+              <a:rPr lang="zh-CN" altLang="en-US" dirty="0" smtClean="0"/>
+              <a:t>" </a:t>
+            </a:r>
+            <a:r>
+              <a:rPr lang="en-US" altLang="zh-CN" dirty="0" smtClean="0"/>
+              <a:t>,</a:t>
+            </a:r>
+            <a:r>
+              <a:rPr lang="zh-CN" altLang="en-US" dirty="0"/>
+              <a:t> </a:t>
+            </a:r>
+            <a:r>
+              <a:rPr lang="zh-CN" altLang="en-US" dirty="0" smtClean="0"/>
+              <a:t>"</a:t>
+            </a:r>
+            <a:r>
+              <a:rPr lang="en-US" altLang="zh-CN" dirty="0" smtClean="0"/>
+              <a:t>age</a:t>
+            </a:r>
+            <a:r>
+              <a:rPr lang="zh-CN" altLang="en-US" dirty="0" smtClean="0"/>
+              <a:t>" </a:t>
+            </a:r>
+            <a:r>
+              <a:rPr lang="en-US" altLang="zh-CN" dirty="0" smtClean="0"/>
+              <a:t>}  </a:t>
+            </a:r>
+            <a:endParaRPr lang="zh-CN" altLang="en-US" dirty="0"/>
+          </a:p>
+        </p:txBody>
+      </p:sp>
     </p:spTree>
     <p:extLst>
       <p:ext uri="{BB962C8B-B14F-4D97-AF65-F5344CB8AC3E}">
-        <p14:creationId xmlns:p14="http://schemas.microsoft.com/office/powerpoint/2010/main" xmlns="" val="1767821580"/>
+        <p14:creationId xmlns:p14="http://schemas.microsoft.com/office/powerpoint/2010/main" xmlns="" val="3674534974"/>
       </p:ext>
     </p:extLst>
   </p:cSld>
@@ -11121,6 +11057,123 @@
           <a:lstStyle/>
           <a:p>
             <a:r>
+              <a:rPr lang="zh-CN" altLang="en-US"/>
+              <a:t>类</a:t>
+            </a:r>
+            <a:r>
+              <a:rPr lang="zh-CN" altLang="en-US" smtClean="0"/>
+              <a:t>型映射</a:t>
+            </a:r>
+            <a:endParaRPr lang="zh-CN" altLang="en-US"/>
+          </a:p>
+        </p:txBody>
+      </p:sp>
+      <p:sp>
+        <p:nvSpPr>
+          <p:cNvPr id="3" name="内容占位符 2"/>
+          <p:cNvSpPr>
+            <a:spLocks noGrp="1"/>
+          </p:cNvSpPr>
+          <p:nvPr>
+            <p:ph sz="quarter" idx="11"/>
+          </p:nvPr>
+        </p:nvSpPr>
+        <p:spPr/>
+        <p:txBody>
+          <a:bodyPr/>
+          <a:lstStyle/>
+          <a:p>
+            <a:r>
+              <a:rPr lang="en-US" altLang="zh-CN" smtClean="0"/>
+              <a:t>C++</a:t>
+            </a:r>
+            <a:r>
+              <a:rPr lang="zh-CN" altLang="en-US" smtClean="0"/>
+              <a:t>类型映射到数据库字段类型</a:t>
+            </a:r>
+            <a:endParaRPr lang="zh-CN" altLang="en-US"/>
+          </a:p>
+        </p:txBody>
+      </p:sp>
+      <p:pic>
+        <p:nvPicPr>
+          <p:cNvPr id="4" name="图片 3"/>
+          <p:cNvPicPr>
+            <a:picLocks noChangeAspect="1"/>
+          </p:cNvPicPr>
+          <p:nvPr/>
+        </p:nvPicPr>
+        <p:blipFill>
+          <a:blip r:embed="rId2"/>
+          <a:stretch>
+            <a:fillRect/>
+          </a:stretch>
+        </p:blipFill>
+        <p:spPr>
+          <a:xfrm>
+            <a:off x="817071" y="1696995"/>
+            <a:ext cx="7243157" cy="4907579"/>
+          </a:xfrm>
+          <a:prstGeom prst="rect">
+            <a:avLst/>
+          </a:prstGeom>
+        </p:spPr>
+      </p:pic>
+    </p:spTree>
+    <p:extLst>
+      <p:ext uri="{BB962C8B-B14F-4D97-AF65-F5344CB8AC3E}">
+        <p14:creationId xmlns:p14="http://schemas.microsoft.com/office/powerpoint/2010/main" xmlns="" val="1767821580"/>
+      </p:ext>
+    </p:extLst>
+  </p:cSld>
+  <p:clrMapOvr>
+    <a:masterClrMapping/>
+  </p:clrMapOvr>
+  <p:timing>
+    <p:tnLst>
+      <p:par>
+        <p:cTn id="1" dur="indefinite" restart="never" nodeType="tmRoot"/>
+      </p:par>
+    </p:tnLst>
+  </p:timing>
+</p:sld>
+</file>
+
+<file path=ppt/slides/slide33.xml><?xml version="1.0" encoding="utf-8"?>
+<p:sld xmlns:a="http://schemas.openxmlformats.org/drawingml/2006/main" xmlns:r="http://schemas.openxmlformats.org/officeDocument/2006/relationships" xmlns:p="http://schemas.openxmlformats.org/presentationml/2006/main">
+  <p:cSld>
+    <p:spTree>
+      <p:nvGrpSpPr>
+        <p:cNvPr id="1" name=""/>
+        <p:cNvGrpSpPr/>
+        <p:nvPr/>
+      </p:nvGrpSpPr>
+      <p:grpSpPr>
+        <a:xfrm>
+          <a:off x="0" y="0"/>
+          <a:ext cx="0" cy="0"/>
+          <a:chOff x="0" y="0"/>
+          <a:chExt cx="0" cy="0"/>
+        </a:xfrm>
+      </p:grpSpPr>
+      <p:sp>
+        <p:nvSpPr>
+          <p:cNvPr id="2" name="文本占位符 1"/>
+          <p:cNvSpPr>
+            <a:spLocks noGrp="1"/>
+          </p:cNvSpPr>
+          <p:nvPr>
+            <p:ph type="body" sz="quarter" idx="10"/>
+          </p:nvPr>
+        </p:nvSpPr>
+        <p:spPr/>
+        <p:txBody>
+          <a:bodyPr>
+            <a:normAutofit lnSpcReduction="10000"/>
+          </a:bodyPr>
+          <a:lstStyle/>
+          <a:p>
+            <a:r>
               <a:rPr lang="zh-CN" altLang="en-US" smtClean="0"/>
               <a:t>获取类型名称</a:t>
             </a:r>
@@ -11195,7 +11248,7 @@
 </p:sld>
 </file>
 
-<file path=ppt/slides/slide33.xml><?xml version="1.0" encoding="utf-8"?>
+<file path=ppt/slides/slide34.xml><?xml version="1.0" encoding="utf-8"?>
 <p:sld xmlns:a="http://schemas.openxmlformats.org/drawingml/2006/main" xmlns:r="http://schemas.openxmlformats.org/officeDocument/2006/relationships" xmlns:p="http://schemas.openxmlformats.org/presentationml/2006/main">
   <p:cSld>
     <p:spTree>
@@ -12213,7 +12266,7 @@
 </p:sld>
 </file>
 
-<file path=ppt/slides/slide34.xml><?xml version="1.0" encoding="utf-8"?>
+<file path=ppt/slides/slide35.xml><?xml version="1.0" encoding="utf-8"?>
 <p:sld xmlns:a="http://schemas.openxmlformats.org/drawingml/2006/main" xmlns:r="http://schemas.openxmlformats.org/officeDocument/2006/relationships" xmlns:p="http://schemas.openxmlformats.org/presentationml/2006/main">
   <p:cSld>
     <p:spTree>
@@ -12355,123 +12408,6 @@
 </p:sld>
 </file>
 
-<file path=ppt/slides/slide35.xml><?xml version="1.0" encoding="utf-8"?>
-<p:sld xmlns:a="http://schemas.openxmlformats.org/drawingml/2006/main" xmlns:r="http://schemas.openxmlformats.org/officeDocument/2006/relationships" xmlns:p="http://schemas.openxmlformats.org/presentationml/2006/main">
-  <p:cSld>
-    <p:spTree>
-      <p:nvGrpSpPr>
-        <p:cNvPr id="1" name=""/>
-        <p:cNvGrpSpPr/>
-        <p:nvPr/>
-      </p:nvGrpSpPr>
-      <p:grpSpPr>
-        <a:xfrm>
-          <a:off x="0" y="0"/>
-          <a:ext cx="0" cy="0"/>
-          <a:chOff x="0" y="0"/>
-          <a:chExt cx="0" cy="0"/>
-        </a:xfrm>
-      </p:grpSpPr>
-      <p:sp>
-        <p:nvSpPr>
-          <p:cNvPr id="2" name="文本占位符 1"/>
-          <p:cNvSpPr>
-            <a:spLocks noGrp="1"/>
-          </p:cNvSpPr>
-          <p:nvPr>
-            <p:ph type="body" sz="quarter" idx="10"/>
-          </p:nvPr>
-        </p:nvSpPr>
-        <p:spPr/>
-        <p:txBody>
-          <a:bodyPr>
-            <a:normAutofit lnSpcReduction="10000"/>
-          </a:bodyPr>
-          <a:lstStyle/>
-          <a:p>
-            <a:r>
-              <a:rPr lang="zh-CN" altLang="en-US" dirty="0" smtClean="0"/>
-              <a:t>实体映射</a:t>
-            </a:r>
-            <a:endParaRPr lang="zh-CN" altLang="en-US" dirty="0"/>
-          </a:p>
-        </p:txBody>
-      </p:sp>
-      <p:sp>
-        <p:nvSpPr>
-          <p:cNvPr id="6" name="内容占位符 5"/>
-          <p:cNvSpPr>
-            <a:spLocks noGrp="1"/>
-          </p:cNvSpPr>
-          <p:nvPr>
-            <p:ph sz="quarter" idx="11"/>
-          </p:nvPr>
-        </p:nvSpPr>
-        <p:spPr/>
-        <p:txBody>
-          <a:bodyPr/>
-          <a:lstStyle/>
-          <a:p>
-            <a:r>
-              <a:rPr lang="en-US" altLang="zh-CN" dirty="0" err="1" smtClean="0"/>
-              <a:t>Postgresql</a:t>
-            </a:r>
-            <a:r>
-              <a:rPr lang="en-US" altLang="zh-CN" dirty="0" smtClean="0"/>
-              <a:t> to Entity</a:t>
-            </a:r>
-            <a:endParaRPr lang="zh-CN" altLang="en-US" dirty="0"/>
-          </a:p>
-        </p:txBody>
-      </p:sp>
-      <p:pic>
-        <p:nvPicPr>
-          <p:cNvPr id="1027" name="Picture 3"/>
-          <p:cNvPicPr>
-            <a:picLocks noChangeAspect="1" noChangeArrowheads="1"/>
-          </p:cNvPicPr>
-          <p:nvPr/>
-        </p:nvPicPr>
-        <p:blipFill>
-          <a:blip r:embed="rId2"/>
-          <a:srcRect/>
-          <a:stretch>
-            <a:fillRect/>
-          </a:stretch>
-        </p:blipFill>
-        <p:spPr bwMode="auto">
-          <a:xfrm>
-            <a:off x="1464772" y="1850102"/>
-            <a:ext cx="5981700" cy="2343150"/>
-          </a:xfrm>
-          <a:prstGeom prst="rect">
-            <a:avLst/>
-          </a:prstGeom>
-          <a:noFill/>
-          <a:ln w="9525">
-            <a:noFill/>
-            <a:miter lim="800000"/>
-            <a:headEnd/>
-            <a:tailEnd/>
-          </a:ln>
-          <a:effectLst/>
-        </p:spPr>
-      </p:pic>
-    </p:spTree>
-  </p:cSld>
-  <p:clrMapOvr>
-    <a:masterClrMapping/>
-  </p:clrMapOvr>
-  <p:timing>
-    <p:tnLst>
-      <p:par>
-        <p:cTn id="1" dur="indefinite" restart="never" nodeType="tmRoot"/>
-      </p:par>
-    </p:tnLst>
-  </p:timing>
-</p:sld>
-</file>
-
 <file path=ppt/slides/slide36.xml><?xml version="1.0" encoding="utf-8"?>
 <p:sld xmlns:a="http://schemas.openxmlformats.org/drawingml/2006/main" xmlns:r="http://schemas.openxmlformats.org/officeDocument/2006/relationships" xmlns:p="http://schemas.openxmlformats.org/presentationml/2006/main">
   <p:cSld>
@@ -12516,7 +12452,7 @@
       </p:sp>
       <p:sp>
         <p:nvSpPr>
-          <p:cNvPr id="3" name="内容占位符 2"/>
+          <p:cNvPr id="6" name="内容占位符 5"/>
           <p:cNvSpPr>
             <a:spLocks noGrp="1"/>
           </p:cNvSpPr>
@@ -12537,16 +12473,13 @@
               <a:rPr lang="en-US" altLang="zh-CN" dirty="0" smtClean="0"/>
               <a:t> to Entity</a:t>
             </a:r>
-            <a:endParaRPr lang="zh-CN" altLang="en-US" dirty="0" smtClean="0"/>
-          </a:p>
-          <a:p>
             <a:endParaRPr lang="zh-CN" altLang="en-US" dirty="0"/>
           </a:p>
         </p:txBody>
       </p:sp>
       <p:pic>
         <p:nvPicPr>
-          <p:cNvPr id="2050" name="Picture 2"/>
+          <p:cNvPr id="1027" name="Picture 3"/>
           <p:cNvPicPr>
             <a:picLocks noChangeAspect="1" noChangeArrowheads="1"/>
           </p:cNvPicPr>
@@ -12561,8 +12494,8 @@
         </p:blipFill>
         <p:spPr bwMode="auto">
           <a:xfrm>
-            <a:off x="1131222" y="1808710"/>
-            <a:ext cx="6780213" cy="4038600"/>
+            <a:off x="1464772" y="1850102"/>
+            <a:ext cx="5981700" cy="2343150"/>
           </a:xfrm>
           <a:prstGeom prst="rect">
             <a:avLst/>
@@ -12651,19 +12584,22 @@
           <a:p>
             <a:r>
               <a:rPr lang="en-US" altLang="zh-CN" dirty="0" err="1" smtClean="0"/>
-              <a:t>Sqlite</a:t>
+              <a:t>Postgresql</a:t>
             </a:r>
             <a:r>
               <a:rPr lang="en-US" altLang="zh-CN" dirty="0" smtClean="0"/>
               <a:t> to Entity</a:t>
             </a:r>
+            <a:endParaRPr lang="zh-CN" altLang="en-US" dirty="0" smtClean="0"/>
+          </a:p>
+          <a:p>
             <a:endParaRPr lang="zh-CN" altLang="en-US" dirty="0"/>
           </a:p>
         </p:txBody>
       </p:sp>
       <p:pic>
         <p:nvPicPr>
-          <p:cNvPr id="3074" name="Picture 2"/>
+          <p:cNvPr id="2050" name="Picture 2"/>
           <p:cNvPicPr>
             <a:picLocks noChangeAspect="1" noChangeArrowheads="1"/>
           </p:cNvPicPr>
@@ -12678,8 +12614,8 @@
         </p:blipFill>
         <p:spPr bwMode="auto">
           <a:xfrm>
-            <a:off x="1728874" y="1911148"/>
-            <a:ext cx="5619750" cy="3800475"/>
+            <a:off x="1131222" y="1808710"/>
+            <a:ext cx="6780213" cy="4038600"/>
           </a:xfrm>
           <a:prstGeom prst="rect">
             <a:avLst/>
@@ -12780,6 +12716,123 @@
       </p:sp>
       <p:pic>
         <p:nvPicPr>
+          <p:cNvPr id="3074" name="Picture 2"/>
+          <p:cNvPicPr>
+            <a:picLocks noChangeAspect="1" noChangeArrowheads="1"/>
+          </p:cNvPicPr>
+          <p:nvPr/>
+        </p:nvPicPr>
+        <p:blipFill>
+          <a:blip r:embed="rId2"/>
+          <a:srcRect/>
+          <a:stretch>
+            <a:fillRect/>
+          </a:stretch>
+        </p:blipFill>
+        <p:spPr bwMode="auto">
+          <a:xfrm>
+            <a:off x="1728874" y="1911148"/>
+            <a:ext cx="5619750" cy="3800475"/>
+          </a:xfrm>
+          <a:prstGeom prst="rect">
+            <a:avLst/>
+          </a:prstGeom>
+          <a:noFill/>
+          <a:ln w="9525">
+            <a:noFill/>
+            <a:miter lim="800000"/>
+            <a:headEnd/>
+            <a:tailEnd/>
+          </a:ln>
+          <a:effectLst/>
+        </p:spPr>
+      </p:pic>
+    </p:spTree>
+  </p:cSld>
+  <p:clrMapOvr>
+    <a:masterClrMapping/>
+  </p:clrMapOvr>
+  <p:timing>
+    <p:tnLst>
+      <p:par>
+        <p:cTn id="1" dur="indefinite" restart="never" nodeType="tmRoot"/>
+      </p:par>
+    </p:tnLst>
+  </p:timing>
+</p:sld>
+</file>
+
+<file path=ppt/slides/slide39.xml><?xml version="1.0" encoding="utf-8"?>
+<p:sld xmlns:a="http://schemas.openxmlformats.org/drawingml/2006/main" xmlns:r="http://schemas.openxmlformats.org/officeDocument/2006/relationships" xmlns:p="http://schemas.openxmlformats.org/presentationml/2006/main">
+  <p:cSld>
+    <p:spTree>
+      <p:nvGrpSpPr>
+        <p:cNvPr id="1" name=""/>
+        <p:cNvGrpSpPr/>
+        <p:nvPr/>
+      </p:nvGrpSpPr>
+      <p:grpSpPr>
+        <a:xfrm>
+          <a:off x="0" y="0"/>
+          <a:ext cx="0" cy="0"/>
+          <a:chOff x="0" y="0"/>
+          <a:chExt cx="0" cy="0"/>
+        </a:xfrm>
+      </p:grpSpPr>
+      <p:sp>
+        <p:nvSpPr>
+          <p:cNvPr id="2" name="文本占位符 1"/>
+          <p:cNvSpPr>
+            <a:spLocks noGrp="1"/>
+          </p:cNvSpPr>
+          <p:nvPr>
+            <p:ph type="body" sz="quarter" idx="10"/>
+          </p:nvPr>
+        </p:nvSpPr>
+        <p:spPr/>
+        <p:txBody>
+          <a:bodyPr>
+            <a:normAutofit lnSpcReduction="10000"/>
+          </a:bodyPr>
+          <a:lstStyle/>
+          <a:p>
+            <a:r>
+              <a:rPr lang="zh-CN" altLang="en-US" dirty="0" smtClean="0"/>
+              <a:t>实体映射</a:t>
+            </a:r>
+            <a:endParaRPr lang="zh-CN" altLang="en-US" dirty="0"/>
+          </a:p>
+        </p:txBody>
+      </p:sp>
+      <p:sp>
+        <p:nvSpPr>
+          <p:cNvPr id="3" name="内容占位符 2"/>
+          <p:cNvSpPr>
+            <a:spLocks noGrp="1"/>
+          </p:cNvSpPr>
+          <p:nvPr>
+            <p:ph sz="quarter" idx="11"/>
+          </p:nvPr>
+        </p:nvSpPr>
+        <p:spPr/>
+        <p:txBody>
+          <a:bodyPr/>
+          <a:lstStyle/>
+          <a:p>
+            <a:r>
+              <a:rPr lang="en-US" altLang="zh-CN" dirty="0" err="1" smtClean="0"/>
+              <a:t>Sqlite</a:t>
+            </a:r>
+            <a:r>
+              <a:rPr lang="en-US" altLang="zh-CN" dirty="0" smtClean="0"/>
+              <a:t> to Entity</a:t>
+            </a:r>
+            <a:endParaRPr lang="zh-CN" altLang="en-US" dirty="0"/>
+          </a:p>
+        </p:txBody>
+      </p:sp>
+      <p:pic>
+        <p:nvPicPr>
           <p:cNvPr id="4098" name="Picture 2"/>
           <p:cNvPicPr>
             <a:picLocks noChangeAspect="1" noChangeArrowheads="1"/>
@@ -12826,7 +12879,191 @@
 </p:sld>
 </file>
 
-<file path=ppt/slides/slide39.xml><?xml version="1.0" encoding="utf-8"?>
+<file path=ppt/slides/slide4.xml><?xml version="1.0" encoding="utf-8"?>
+<p:sld xmlns:a="http://schemas.openxmlformats.org/drawingml/2006/main" xmlns:r="http://schemas.openxmlformats.org/officeDocument/2006/relationships" xmlns:p="http://schemas.openxmlformats.org/presentationml/2006/main">
+  <p:cSld>
+    <p:spTree>
+      <p:nvGrpSpPr>
+        <p:cNvPr id="1" name=""/>
+        <p:cNvGrpSpPr/>
+        <p:nvPr/>
+      </p:nvGrpSpPr>
+      <p:grpSpPr>
+        <a:xfrm>
+          <a:off x="0" y="0"/>
+          <a:ext cx="0" cy="0"/>
+          <a:chOff x="0" y="0"/>
+          <a:chExt cx="0" cy="0"/>
+        </a:xfrm>
+      </p:grpSpPr>
+      <p:sp>
+        <p:nvSpPr>
+          <p:cNvPr id="2" name="文本占位符 1"/>
+          <p:cNvSpPr>
+            <a:spLocks noGrp="1"/>
+          </p:cNvSpPr>
+          <p:nvPr>
+            <p:ph type="body" sz="quarter" idx="10"/>
+          </p:nvPr>
+        </p:nvSpPr>
+        <p:spPr/>
+        <p:txBody>
+          <a:bodyPr rtlCol="0">
+            <a:normAutofit lnSpcReduction="10000"/>
+          </a:bodyPr>
+          <a:lstStyle/>
+          <a:p>
+            <a:pPr fontAlgn="auto">
+              <a:spcAft>
+                <a:spcPts val="0"/>
+              </a:spcAft>
+              <a:buFont typeface="Arial" panose="020B0604020202020204" pitchFamily="34" charset="0"/>
+              <a:buNone/>
+              <a:defRPr/>
+            </a:pPr>
+            <a:r>
+              <a:rPr lang="en-US" altLang="zh-CN" dirty="0" smtClean="0"/>
+              <a:t>Future C++</a:t>
+            </a:r>
+            <a:endParaRPr lang="zh-CN" altLang="en-US" dirty="0"/>
+          </a:p>
+        </p:txBody>
+      </p:sp>
+      <p:sp>
+        <p:nvSpPr>
+          <p:cNvPr id="3" name="内容占位符 2"/>
+          <p:cNvSpPr>
+            <a:spLocks noGrp="1"/>
+          </p:cNvSpPr>
+          <p:nvPr>
+            <p:ph sz="quarter" idx="11"/>
+          </p:nvPr>
+        </p:nvSpPr>
+        <p:spPr/>
+        <p:txBody>
+          <a:bodyPr rtlCol="0"/>
+          <a:lstStyle/>
+          <a:p>
+            <a:pPr fontAlgn="auto">
+              <a:spcAft>
+                <a:spcPts val="0"/>
+              </a:spcAft>
+              <a:buFont typeface="Arial" panose="020B0604020202020204" pitchFamily="34" charset="0"/>
+              <a:buChar char="•"/>
+              <a:defRPr/>
+            </a:pPr>
+            <a:r>
+              <a:rPr lang="en-US" altLang="zh-CN" dirty="0" smtClean="0"/>
+              <a:t>Type-and resource-safe</a:t>
+            </a:r>
+          </a:p>
+          <a:p>
+            <a:pPr fontAlgn="auto">
+              <a:spcAft>
+                <a:spcPts val="0"/>
+              </a:spcAft>
+              <a:buFont typeface="Arial" panose="020B0604020202020204" pitchFamily="34" charset="0"/>
+              <a:buChar char="•"/>
+              <a:defRPr/>
+            </a:pPr>
+            <a:r>
+              <a:rPr lang="en-US" altLang="zh-CN" dirty="0" smtClean="0"/>
+              <a:t>Significantly simpler and clearer code</a:t>
+            </a:r>
+          </a:p>
+          <a:p>
+            <a:pPr fontAlgn="auto">
+              <a:spcAft>
+                <a:spcPts val="0"/>
+              </a:spcAft>
+              <a:buFont typeface="Arial" panose="020B0604020202020204" pitchFamily="34" charset="0"/>
+              <a:buChar char="•"/>
+              <a:defRPr/>
+            </a:pPr>
+            <a:r>
+              <a:rPr lang="en-US" altLang="zh-CN" dirty="0" smtClean="0"/>
+              <a:t>As fast or faster than anything else</a:t>
+            </a:r>
+          </a:p>
+          <a:p>
+            <a:pPr fontAlgn="auto">
+              <a:spcAft>
+                <a:spcPts val="0"/>
+              </a:spcAft>
+              <a:buFont typeface="Arial" panose="020B0604020202020204" pitchFamily="34" charset="0"/>
+              <a:buChar char="•"/>
+              <a:defRPr/>
+            </a:pPr>
+            <a:r>
+              <a:rPr lang="en-US" altLang="zh-CN" dirty="0" smtClean="0"/>
+              <a:t>Good at using “modern hardware”</a:t>
+            </a:r>
+          </a:p>
+          <a:p>
+            <a:pPr fontAlgn="auto">
+              <a:spcAft>
+                <a:spcPts val="0"/>
+              </a:spcAft>
+              <a:buFont typeface="Arial" panose="020B0604020202020204" pitchFamily="34" charset="0"/>
+              <a:buChar char="•"/>
+              <a:defRPr/>
+            </a:pPr>
+            <a:r>
+              <a:rPr lang="en-US" altLang="zh-CN" dirty="0" smtClean="0"/>
+              <a:t>Significantly faster compilation catching many more errors</a:t>
+            </a:r>
+            <a:endParaRPr lang="zh-CN" altLang="en-US" dirty="0"/>
+          </a:p>
+        </p:txBody>
+      </p:sp>
+      <p:pic>
+        <p:nvPicPr>
+          <p:cNvPr id="24579" name="Picture 2"/>
+          <p:cNvPicPr>
+            <a:picLocks noChangeAspect="1" noChangeArrowheads="1"/>
+          </p:cNvPicPr>
+          <p:nvPr/>
+        </p:nvPicPr>
+        <p:blipFill>
+          <a:blip r:embed="rId2"/>
+          <a:srcRect/>
+          <a:stretch>
+            <a:fillRect/>
+          </a:stretch>
+        </p:blipFill>
+        <p:spPr bwMode="auto">
+          <a:xfrm>
+            <a:off x="2651125" y="3386138"/>
+            <a:ext cx="3668713" cy="3032125"/>
+          </a:xfrm>
+          <a:prstGeom prst="rect">
+            <a:avLst/>
+          </a:prstGeom>
+          <a:noFill/>
+          <a:ln w="9525">
+            <a:noFill/>
+            <a:miter lim="800000"/>
+            <a:headEnd/>
+            <a:tailEnd/>
+          </a:ln>
+        </p:spPr>
+      </p:pic>
+    </p:spTree>
+  </p:cSld>
+  <p:clrMapOvr>
+    <a:masterClrMapping/>
+  </p:clrMapOvr>
+  <p:timing>
+    <p:tnLst>
+      <p:par>
+        <p:cTn id="1" dur="indefinite" restart="never" nodeType="tmRoot"/>
+      </p:par>
+    </p:tnLst>
+  </p:timing>
+</p:sld>
+</file>
+
+<file path=ppt/slides/slide40.xml><?xml version="1.0" encoding="utf-8"?>
 <p:sld xmlns:a="http://schemas.openxmlformats.org/drawingml/2006/main" xmlns:r="http://schemas.openxmlformats.org/officeDocument/2006/relationships" xmlns:p="http://schemas.openxmlformats.org/presentationml/2006/main">
   <p:cSld>
     <p:spTree>
@@ -12972,191 +13209,7 @@
 </p:sld>
 </file>
 
-<file path=ppt/slides/slide4.xml><?xml version="1.0" encoding="utf-8"?>
-<p:sld xmlns:a="http://schemas.openxmlformats.org/drawingml/2006/main" xmlns:r="http://schemas.openxmlformats.org/officeDocument/2006/relationships" xmlns:p="http://schemas.openxmlformats.org/presentationml/2006/main">
-  <p:cSld>
-    <p:spTree>
-      <p:nvGrpSpPr>
-        <p:cNvPr id="1" name=""/>
-        <p:cNvGrpSpPr/>
-        <p:nvPr/>
-      </p:nvGrpSpPr>
-      <p:grpSpPr>
-        <a:xfrm>
-          <a:off x="0" y="0"/>
-          <a:ext cx="0" cy="0"/>
-          <a:chOff x="0" y="0"/>
-          <a:chExt cx="0" cy="0"/>
-        </a:xfrm>
-      </p:grpSpPr>
-      <p:sp>
-        <p:nvSpPr>
-          <p:cNvPr id="2" name="文本占位符 1"/>
-          <p:cNvSpPr>
-            <a:spLocks noGrp="1"/>
-          </p:cNvSpPr>
-          <p:nvPr>
-            <p:ph type="body" sz="quarter" idx="10"/>
-          </p:nvPr>
-        </p:nvSpPr>
-        <p:spPr/>
-        <p:txBody>
-          <a:bodyPr rtlCol="0">
-            <a:normAutofit lnSpcReduction="10000"/>
-          </a:bodyPr>
-          <a:lstStyle/>
-          <a:p>
-            <a:pPr fontAlgn="auto">
-              <a:spcAft>
-                <a:spcPts val="0"/>
-              </a:spcAft>
-              <a:buFont typeface="Arial" panose="020B0604020202020204" pitchFamily="34" charset="0"/>
-              <a:buNone/>
-              <a:defRPr/>
-            </a:pPr>
-            <a:r>
-              <a:rPr lang="en-US" altLang="zh-CN" dirty="0" smtClean="0"/>
-              <a:t>Future C++</a:t>
-            </a:r>
-            <a:endParaRPr lang="zh-CN" altLang="en-US" dirty="0"/>
-          </a:p>
-        </p:txBody>
-      </p:sp>
-      <p:sp>
-        <p:nvSpPr>
-          <p:cNvPr id="3" name="内容占位符 2"/>
-          <p:cNvSpPr>
-            <a:spLocks noGrp="1"/>
-          </p:cNvSpPr>
-          <p:nvPr>
-            <p:ph sz="quarter" idx="11"/>
-          </p:nvPr>
-        </p:nvSpPr>
-        <p:spPr/>
-        <p:txBody>
-          <a:bodyPr rtlCol="0"/>
-          <a:lstStyle/>
-          <a:p>
-            <a:pPr fontAlgn="auto">
-              <a:spcAft>
-                <a:spcPts val="0"/>
-              </a:spcAft>
-              <a:buFont typeface="Arial" panose="020B0604020202020204" pitchFamily="34" charset="0"/>
-              <a:buChar char="•"/>
-              <a:defRPr/>
-            </a:pPr>
-            <a:r>
-              <a:rPr lang="en-US" altLang="zh-CN" dirty="0" smtClean="0"/>
-              <a:t>Type-and resource-safe</a:t>
-            </a:r>
-          </a:p>
-          <a:p>
-            <a:pPr fontAlgn="auto">
-              <a:spcAft>
-                <a:spcPts val="0"/>
-              </a:spcAft>
-              <a:buFont typeface="Arial" panose="020B0604020202020204" pitchFamily="34" charset="0"/>
-              <a:buChar char="•"/>
-              <a:defRPr/>
-            </a:pPr>
-            <a:r>
-              <a:rPr lang="en-US" altLang="zh-CN" dirty="0" smtClean="0"/>
-              <a:t>Significantly simpler and clearer code</a:t>
-            </a:r>
-          </a:p>
-          <a:p>
-            <a:pPr fontAlgn="auto">
-              <a:spcAft>
-                <a:spcPts val="0"/>
-              </a:spcAft>
-              <a:buFont typeface="Arial" panose="020B0604020202020204" pitchFamily="34" charset="0"/>
-              <a:buChar char="•"/>
-              <a:defRPr/>
-            </a:pPr>
-            <a:r>
-              <a:rPr lang="en-US" altLang="zh-CN" dirty="0" smtClean="0"/>
-              <a:t>As fast or faster than anything else</a:t>
-            </a:r>
-          </a:p>
-          <a:p>
-            <a:pPr fontAlgn="auto">
-              <a:spcAft>
-                <a:spcPts val="0"/>
-              </a:spcAft>
-              <a:buFont typeface="Arial" panose="020B0604020202020204" pitchFamily="34" charset="0"/>
-              <a:buChar char="•"/>
-              <a:defRPr/>
-            </a:pPr>
-            <a:r>
-              <a:rPr lang="en-US" altLang="zh-CN" dirty="0" smtClean="0"/>
-              <a:t>Good at using “modern hardware”</a:t>
-            </a:r>
-          </a:p>
-          <a:p>
-            <a:pPr fontAlgn="auto">
-              <a:spcAft>
-                <a:spcPts val="0"/>
-              </a:spcAft>
-              <a:buFont typeface="Arial" panose="020B0604020202020204" pitchFamily="34" charset="0"/>
-              <a:buChar char="•"/>
-              <a:defRPr/>
-            </a:pPr>
-            <a:r>
-              <a:rPr lang="en-US" altLang="zh-CN" dirty="0" smtClean="0"/>
-              <a:t>Significantly faster compilation catching many more errors</a:t>
-            </a:r>
-            <a:endParaRPr lang="zh-CN" altLang="en-US" dirty="0"/>
-          </a:p>
-        </p:txBody>
-      </p:sp>
-      <p:pic>
-        <p:nvPicPr>
-          <p:cNvPr id="24579" name="Picture 2"/>
-          <p:cNvPicPr>
-            <a:picLocks noChangeAspect="1" noChangeArrowheads="1"/>
-          </p:cNvPicPr>
-          <p:nvPr/>
-        </p:nvPicPr>
-        <p:blipFill>
-          <a:blip r:embed="rId2"/>
-          <a:srcRect/>
-          <a:stretch>
-            <a:fillRect/>
-          </a:stretch>
-        </p:blipFill>
-        <p:spPr bwMode="auto">
-          <a:xfrm>
-            <a:off x="2651125" y="3386138"/>
-            <a:ext cx="3668713" cy="3032125"/>
-          </a:xfrm>
-          <a:prstGeom prst="rect">
-            <a:avLst/>
-          </a:prstGeom>
-          <a:noFill/>
-          <a:ln w="9525">
-            <a:noFill/>
-            <a:miter lim="800000"/>
-            <a:headEnd/>
-            <a:tailEnd/>
-          </a:ln>
-        </p:spPr>
-      </p:pic>
-    </p:spTree>
-  </p:cSld>
-  <p:clrMapOvr>
-    <a:masterClrMapping/>
-  </p:clrMapOvr>
-  <p:timing>
-    <p:tnLst>
-      <p:par>
-        <p:cTn id="1" dur="indefinite" restart="never" nodeType="tmRoot"/>
-      </p:par>
-    </p:tnLst>
-  </p:timing>
-</p:sld>
-</file>
-
-<file path=ppt/slides/slide40.xml><?xml version="1.0" encoding="utf-8"?>
+<file path=ppt/slides/slide41.xml><?xml version="1.0" encoding="utf-8"?>
 <p:sld xmlns:a="http://schemas.openxmlformats.org/drawingml/2006/main" xmlns:r="http://schemas.openxmlformats.org/officeDocument/2006/relationships" xmlns:p="http://schemas.openxmlformats.org/presentationml/2006/main">
   <p:cSld>
     <p:spTree>
@@ -13277,7 +13330,7 @@
 </p:sld>
 </file>
 
-<file path=ppt/slides/slide41.xml><?xml version="1.0" encoding="utf-8"?>
+<file path=ppt/slides/slide42.xml><?xml version="1.0" encoding="utf-8"?>
 <p:sld xmlns:a="http://schemas.openxmlformats.org/drawingml/2006/main" xmlns:r="http://schemas.openxmlformats.org/officeDocument/2006/relationships" xmlns:p="http://schemas.openxmlformats.org/presentationml/2006/main">
   <p:cSld>
     <p:spTree>
@@ -13462,7 +13515,7 @@
 </p:sld>
 </file>
 
-<file path=ppt/slides/slide42.xml><?xml version="1.0" encoding="utf-8"?>
+<file path=ppt/slides/slide43.xml><?xml version="1.0" encoding="utf-8"?>
 <p:sld xmlns:a="http://schemas.openxmlformats.org/drawingml/2006/main" xmlns:r="http://schemas.openxmlformats.org/officeDocument/2006/relationships" xmlns:p="http://schemas.openxmlformats.org/presentationml/2006/main">
   <p:cSld>
     <p:spTree>
@@ -13567,7 +13620,7 @@
 </p:sld>
 </file>
 
-<file path=ppt/slides/slide43.xml><?xml version="1.0" encoding="utf-8"?>
+<file path=ppt/slides/slide44.xml><?xml version="1.0" encoding="utf-8"?>
 <p:sld xmlns:a="http://schemas.openxmlformats.org/drawingml/2006/main" xmlns:r="http://schemas.openxmlformats.org/officeDocument/2006/relationships" xmlns:p="http://schemas.openxmlformats.org/presentationml/2006/main">
   <p:cSld>
     <p:spTree>
@@ -13673,7 +13726,7 @@
 </p:sld>
 </file>
 
-<file path=ppt/slides/slide44.xml><?xml version="1.0" encoding="utf-8"?>
+<file path=ppt/slides/slide45.xml><?xml version="1.0" encoding="utf-8"?>
 <p:sld xmlns:a="http://schemas.openxmlformats.org/drawingml/2006/main" xmlns:r="http://schemas.openxmlformats.org/officeDocument/2006/relationships" xmlns:p="http://schemas.openxmlformats.org/presentationml/2006/main">
   <p:cSld>
     <p:spTree>
@@ -13775,7 +13828,7 @@
 </p:sld>
 </file>
 
-<file path=ppt/slides/slide45.xml><?xml version="1.0" encoding="utf-8"?>
+<file path=ppt/slides/slide46.xml><?xml version="1.0" encoding="utf-8"?>
 <p:sld xmlns:a="http://schemas.openxmlformats.org/drawingml/2006/main" xmlns:r="http://schemas.openxmlformats.org/officeDocument/2006/relationships" xmlns:p="http://schemas.openxmlformats.org/presentationml/2006/main">
   <p:cSld>
     <p:spTree>
@@ -14560,7 +14613,7 @@
 </p:sld>
 </file>
 
-<file path=ppt/slides/slide46.xml><?xml version="1.0" encoding="utf-8"?>
+<file path=ppt/slides/slide47.xml><?xml version="1.0" encoding="utf-8"?>
 <p:sld xmlns:a="http://schemas.openxmlformats.org/drawingml/2006/main" xmlns:r="http://schemas.openxmlformats.org/officeDocument/2006/relationships" xmlns:p="http://schemas.openxmlformats.org/presentationml/2006/main">
   <p:cSld>
     <p:spTree>
@@ -14662,7 +14715,7 @@
 </p:sld>
 </file>
 
-<file path=ppt/slides/slide47.xml><?xml version="1.0" encoding="utf-8"?>
+<file path=ppt/slides/slide48.xml><?xml version="1.0" encoding="utf-8"?>
 <p:sld xmlns:a="http://schemas.openxmlformats.org/drawingml/2006/main" xmlns:r="http://schemas.openxmlformats.org/officeDocument/2006/relationships" xmlns:p="http://schemas.openxmlformats.org/presentationml/2006/main">
   <p:cSld>
     <p:spTree>
@@ -14929,119 +14982,6 @@
 </p:sld>
 </file>
 
-<file path=ppt/slides/slide48.xml><?xml version="1.0" encoding="utf-8"?>
-<p:sld xmlns:a="http://schemas.openxmlformats.org/drawingml/2006/main" xmlns:r="http://schemas.openxmlformats.org/officeDocument/2006/relationships" xmlns:p="http://schemas.openxmlformats.org/presentationml/2006/main">
-  <p:cSld>
-    <p:spTree>
-      <p:nvGrpSpPr>
-        <p:cNvPr id="1" name=""/>
-        <p:cNvGrpSpPr/>
-        <p:nvPr/>
-      </p:nvGrpSpPr>
-      <p:grpSpPr>
-        <a:xfrm>
-          <a:off x="0" y="0"/>
-          <a:ext cx="0" cy="0"/>
-          <a:chOff x="0" y="0"/>
-          <a:chExt cx="0" cy="0"/>
-        </a:xfrm>
-      </p:grpSpPr>
-      <p:sp>
-        <p:nvSpPr>
-          <p:cNvPr id="2" name="文本占位符 1"/>
-          <p:cNvSpPr>
-            <a:spLocks noGrp="1"/>
-          </p:cNvSpPr>
-          <p:nvPr>
-            <p:ph type="body" sz="quarter" idx="10"/>
-          </p:nvPr>
-        </p:nvSpPr>
-        <p:spPr/>
-        <p:txBody>
-          <a:bodyPr>
-            <a:normAutofit lnSpcReduction="10000"/>
-          </a:bodyPr>
-          <a:lstStyle/>
-          <a:p>
-            <a:r>
-              <a:rPr lang="en-US" altLang="zh-CN" dirty="0" smtClean="0"/>
-              <a:t>AOP</a:t>
-            </a:r>
-            <a:endParaRPr lang="zh-CN" altLang="en-US" dirty="0"/>
-          </a:p>
-        </p:txBody>
-      </p:sp>
-      <p:sp>
-        <p:nvSpPr>
-          <p:cNvPr id="3" name="内容占位符 2"/>
-          <p:cNvSpPr>
-            <a:spLocks noGrp="1"/>
-          </p:cNvSpPr>
-          <p:nvPr>
-            <p:ph sz="quarter" idx="11"/>
-          </p:nvPr>
-        </p:nvSpPr>
-        <p:spPr/>
-        <p:txBody>
-          <a:bodyPr/>
-          <a:lstStyle/>
-          <a:p>
-            <a:r>
-              <a:rPr lang="zh-CN" altLang="en-US" dirty="0" smtClean="0"/>
-              <a:t>核心逻辑之前的切面</a:t>
-            </a:r>
-            <a:endParaRPr lang="zh-CN" altLang="en-US" dirty="0"/>
-          </a:p>
-        </p:txBody>
-      </p:sp>
-      <p:pic>
-        <p:nvPicPr>
-          <p:cNvPr id="56324" name="Picture 4"/>
-          <p:cNvPicPr>
-            <a:picLocks noChangeAspect="1" noChangeArrowheads="1"/>
-          </p:cNvPicPr>
-          <p:nvPr/>
-        </p:nvPicPr>
-        <p:blipFill>
-          <a:blip r:embed="rId2"/>
-          <a:srcRect/>
-          <a:stretch>
-            <a:fillRect/>
-          </a:stretch>
-        </p:blipFill>
-        <p:spPr bwMode="auto">
-          <a:xfrm>
-            <a:off x="964364" y="1961629"/>
-            <a:ext cx="6776033" cy="3566333"/>
-          </a:xfrm>
-          <a:prstGeom prst="rect">
-            <a:avLst/>
-          </a:prstGeom>
-          <a:noFill/>
-          <a:ln w="9525">
-            <a:noFill/>
-            <a:miter lim="800000"/>
-            <a:headEnd/>
-            <a:tailEnd/>
-          </a:ln>
-          <a:effectLst/>
-        </p:spPr>
-      </p:pic>
-    </p:spTree>
-  </p:cSld>
-  <p:clrMapOvr>
-    <a:masterClrMapping/>
-  </p:clrMapOvr>
-  <p:timing>
-    <p:tnLst>
-      <p:par>
-        <p:cTn id="1" dur="indefinite" restart="never" nodeType="tmRoot"/>
-      </p:par>
-    </p:tnLst>
-  </p:timing>
-</p:sld>
-</file>
-
 <file path=ppt/slides/slide49.xml><?xml version="1.0" encoding="utf-8"?>
 <p:sld xmlns:a="http://schemas.openxmlformats.org/drawingml/2006/main" xmlns:r="http://schemas.openxmlformats.org/officeDocument/2006/relationships" xmlns:p="http://schemas.openxmlformats.org/presentationml/2006/main">
   <p:cSld>
@@ -15101,7 +15041,7 @@
           <a:p>
             <a:r>
               <a:rPr lang="zh-CN" altLang="en-US" dirty="0" smtClean="0"/>
-              <a:t>核心逻辑之后的切面</a:t>
+              <a:t>核心逻辑之前的切面</a:t>
             </a:r>
             <a:endParaRPr lang="zh-CN" altLang="en-US" dirty="0"/>
           </a:p>
@@ -15109,7 +15049,7 @@
       </p:sp>
       <p:pic>
         <p:nvPicPr>
-          <p:cNvPr id="57346" name="Picture 2"/>
+          <p:cNvPr id="56324" name="Picture 4"/>
           <p:cNvPicPr>
             <a:picLocks noChangeAspect="1" noChangeArrowheads="1"/>
           </p:cNvPicPr>
@@ -15124,8 +15064,8 @@
         </p:blipFill>
         <p:spPr bwMode="auto">
           <a:xfrm>
-            <a:off x="216130" y="1927341"/>
-            <a:ext cx="8787470" cy="2461780"/>
+            <a:off x="964364" y="1961629"/>
+            <a:ext cx="6776033" cy="3566333"/>
           </a:xfrm>
           <a:prstGeom prst="rect">
             <a:avLst/>
@@ -15455,6 +15395,119 @@
           <a:p>
             <a:r>
               <a:rPr lang="en-US" altLang="zh-CN" dirty="0" smtClean="0"/>
+              <a:t>AOP</a:t>
+            </a:r>
+            <a:endParaRPr lang="zh-CN" altLang="en-US" dirty="0"/>
+          </a:p>
+        </p:txBody>
+      </p:sp>
+      <p:sp>
+        <p:nvSpPr>
+          <p:cNvPr id="3" name="内容占位符 2"/>
+          <p:cNvSpPr>
+            <a:spLocks noGrp="1"/>
+          </p:cNvSpPr>
+          <p:nvPr>
+            <p:ph sz="quarter" idx="11"/>
+          </p:nvPr>
+        </p:nvSpPr>
+        <p:spPr/>
+        <p:txBody>
+          <a:bodyPr/>
+          <a:lstStyle/>
+          <a:p>
+            <a:r>
+              <a:rPr lang="zh-CN" altLang="en-US" dirty="0" smtClean="0"/>
+              <a:t>核心逻辑之后的切面</a:t>
+            </a:r>
+            <a:endParaRPr lang="zh-CN" altLang="en-US" dirty="0"/>
+          </a:p>
+        </p:txBody>
+      </p:sp>
+      <p:pic>
+        <p:nvPicPr>
+          <p:cNvPr id="57346" name="Picture 2"/>
+          <p:cNvPicPr>
+            <a:picLocks noChangeAspect="1" noChangeArrowheads="1"/>
+          </p:cNvPicPr>
+          <p:nvPr/>
+        </p:nvPicPr>
+        <p:blipFill>
+          <a:blip r:embed="rId2"/>
+          <a:srcRect/>
+          <a:stretch>
+            <a:fillRect/>
+          </a:stretch>
+        </p:blipFill>
+        <p:spPr bwMode="auto">
+          <a:xfrm>
+            <a:off x="216130" y="1927341"/>
+            <a:ext cx="8787470" cy="2461780"/>
+          </a:xfrm>
+          <a:prstGeom prst="rect">
+            <a:avLst/>
+          </a:prstGeom>
+          <a:noFill/>
+          <a:ln w="9525">
+            <a:noFill/>
+            <a:miter lim="800000"/>
+            <a:headEnd/>
+            <a:tailEnd/>
+          </a:ln>
+          <a:effectLst/>
+        </p:spPr>
+      </p:pic>
+    </p:spTree>
+  </p:cSld>
+  <p:clrMapOvr>
+    <a:masterClrMapping/>
+  </p:clrMapOvr>
+  <p:timing>
+    <p:tnLst>
+      <p:par>
+        <p:cTn id="1" dur="indefinite" restart="never" nodeType="tmRoot"/>
+      </p:par>
+    </p:tnLst>
+  </p:timing>
+</p:sld>
+</file>
+
+<file path=ppt/slides/slide51.xml><?xml version="1.0" encoding="utf-8"?>
+<p:sld xmlns:a="http://schemas.openxmlformats.org/drawingml/2006/main" xmlns:r="http://schemas.openxmlformats.org/officeDocument/2006/relationships" xmlns:p="http://schemas.openxmlformats.org/presentationml/2006/main">
+  <p:cSld>
+    <p:spTree>
+      <p:nvGrpSpPr>
+        <p:cNvPr id="1" name=""/>
+        <p:cNvGrpSpPr/>
+        <p:nvPr/>
+      </p:nvGrpSpPr>
+      <p:grpSpPr>
+        <a:xfrm>
+          <a:off x="0" y="0"/>
+          <a:ext cx="0" cy="0"/>
+          <a:chOff x="0" y="0"/>
+          <a:chExt cx="0" cy="0"/>
+        </a:xfrm>
+      </p:grpSpPr>
+      <p:sp>
+        <p:nvSpPr>
+          <p:cNvPr id="2" name="文本占位符 1"/>
+          <p:cNvSpPr>
+            <a:spLocks noGrp="1"/>
+          </p:cNvSpPr>
+          <p:nvPr>
+            <p:ph type="body" sz="quarter" idx="10"/>
+          </p:nvPr>
+        </p:nvSpPr>
+        <p:spPr/>
+        <p:txBody>
+          <a:bodyPr>
+            <a:normAutofit lnSpcReduction="10000"/>
+          </a:bodyPr>
+          <a:lstStyle/>
+          <a:p>
+            <a:r>
+              <a:rPr lang="en-US" altLang="zh-CN" dirty="0" smtClean="0"/>
               <a:t>Modern C++ Open Source Community</a:t>
             </a:r>
             <a:endParaRPr lang="zh-CN" altLang="en-US" dirty="0"/>
@@ -15715,7 +15768,7 @@
 </p:sld>
 </file>
 
-<file path=ppt/slides/slide51.xml><?xml version="1.0" encoding="utf-8"?>
+<file path=ppt/slides/slide52.xml><?xml version="1.0" encoding="utf-8"?>
 <p:sld xmlns:a="http://schemas.openxmlformats.org/drawingml/2006/main" xmlns:r="http://schemas.openxmlformats.org/officeDocument/2006/relationships" xmlns:p="http://schemas.openxmlformats.org/presentationml/2006/main">
   <p:cSld>
     <p:spTree>

--- a/CPP-Summit.pptx
+++ b/CPP-Summit.pptx
@@ -6,57 +6,56 @@
   </p:sldMasterIdLst>
   <p:sldIdLst>
     <p:sldId id="256" r:id="rId2"/>
-    <p:sldId id="258" r:id="rId3"/>
-    <p:sldId id="293" r:id="rId4"/>
-    <p:sldId id="294" r:id="rId5"/>
-    <p:sldId id="259" r:id="rId6"/>
-    <p:sldId id="269" r:id="rId7"/>
-    <p:sldId id="262" r:id="rId8"/>
-    <p:sldId id="270" r:id="rId9"/>
-    <p:sldId id="274" r:id="rId10"/>
-    <p:sldId id="260" r:id="rId11"/>
-    <p:sldId id="271" r:id="rId12"/>
-    <p:sldId id="261" r:id="rId13"/>
-    <p:sldId id="272" r:id="rId14"/>
-    <p:sldId id="273" r:id="rId15"/>
-    <p:sldId id="263" r:id="rId16"/>
-    <p:sldId id="277" r:id="rId17"/>
-    <p:sldId id="278" r:id="rId18"/>
-    <p:sldId id="276" r:id="rId19"/>
-    <p:sldId id="264" r:id="rId20"/>
-    <p:sldId id="309" r:id="rId21"/>
+    <p:sldId id="293" r:id="rId3"/>
+    <p:sldId id="258" r:id="rId4"/>
+    <p:sldId id="259" r:id="rId5"/>
+    <p:sldId id="269" r:id="rId6"/>
+    <p:sldId id="262" r:id="rId7"/>
+    <p:sldId id="270" r:id="rId8"/>
+    <p:sldId id="274" r:id="rId9"/>
+    <p:sldId id="260" r:id="rId10"/>
+    <p:sldId id="271" r:id="rId11"/>
+    <p:sldId id="261" r:id="rId12"/>
+    <p:sldId id="272" r:id="rId13"/>
+    <p:sldId id="273" r:id="rId14"/>
+    <p:sldId id="263" r:id="rId15"/>
+    <p:sldId id="277" r:id="rId16"/>
+    <p:sldId id="278" r:id="rId17"/>
+    <p:sldId id="276" r:id="rId18"/>
+    <p:sldId id="264" r:id="rId19"/>
+    <p:sldId id="309" r:id="rId20"/>
+    <p:sldId id="257" r:id="rId21"/>
     <p:sldId id="265" r:id="rId22"/>
-    <p:sldId id="257" r:id="rId23"/>
-    <p:sldId id="267" r:id="rId24"/>
+    <p:sldId id="267" r:id="rId23"/>
+    <p:sldId id="308" r:id="rId24"/>
     <p:sldId id="280" r:id="rId25"/>
-    <p:sldId id="308" r:id="rId26"/>
-    <p:sldId id="282" r:id="rId27"/>
-    <p:sldId id="283" r:id="rId28"/>
-    <p:sldId id="284" r:id="rId29"/>
-    <p:sldId id="285" r:id="rId30"/>
-    <p:sldId id="286" r:id="rId31"/>
-    <p:sldId id="287" r:id="rId32"/>
-    <p:sldId id="288" r:id="rId33"/>
-    <p:sldId id="289" r:id="rId34"/>
-    <p:sldId id="290" r:id="rId35"/>
-    <p:sldId id="300" r:id="rId36"/>
-    <p:sldId id="281" r:id="rId37"/>
-    <p:sldId id="297" r:id="rId38"/>
-    <p:sldId id="291" r:id="rId39"/>
-    <p:sldId id="298" r:id="rId40"/>
-    <p:sldId id="299" r:id="rId41"/>
-    <p:sldId id="301" r:id="rId42"/>
-    <p:sldId id="295" r:id="rId43"/>
-    <p:sldId id="266" r:id="rId44"/>
-    <p:sldId id="268" r:id="rId45"/>
-    <p:sldId id="292" r:id="rId46"/>
-    <p:sldId id="296" r:id="rId47"/>
-    <p:sldId id="302" r:id="rId48"/>
-    <p:sldId id="305" r:id="rId49"/>
-    <p:sldId id="306" r:id="rId50"/>
-    <p:sldId id="307" r:id="rId51"/>
-    <p:sldId id="304" r:id="rId52"/>
-    <p:sldId id="279" r:id="rId53"/>
+    <p:sldId id="282" r:id="rId26"/>
+    <p:sldId id="283" r:id="rId27"/>
+    <p:sldId id="284" r:id="rId28"/>
+    <p:sldId id="285" r:id="rId29"/>
+    <p:sldId id="286" r:id="rId30"/>
+    <p:sldId id="287" r:id="rId31"/>
+    <p:sldId id="288" r:id="rId32"/>
+    <p:sldId id="289" r:id="rId33"/>
+    <p:sldId id="290" r:id="rId34"/>
+    <p:sldId id="300" r:id="rId35"/>
+    <p:sldId id="281" r:id="rId36"/>
+    <p:sldId id="297" r:id="rId37"/>
+    <p:sldId id="291" r:id="rId38"/>
+    <p:sldId id="298" r:id="rId39"/>
+    <p:sldId id="299" r:id="rId40"/>
+    <p:sldId id="301" r:id="rId41"/>
+    <p:sldId id="295" r:id="rId42"/>
+    <p:sldId id="266" r:id="rId43"/>
+    <p:sldId id="268" r:id="rId44"/>
+    <p:sldId id="292" r:id="rId45"/>
+    <p:sldId id="296" r:id="rId46"/>
+    <p:sldId id="302" r:id="rId47"/>
+    <p:sldId id="305" r:id="rId48"/>
+    <p:sldId id="306" r:id="rId49"/>
+    <p:sldId id="307" r:id="rId50"/>
+    <p:sldId id="304" r:id="rId51"/>
+    <p:sldId id="279" r:id="rId52"/>
   </p:sldIdLst>
   <p:sldSz cx="9144000" cy="6858000" type="screen4x3"/>
   <p:notesSz cx="6858000" cy="9144000"/>
@@ -157,7 +156,7 @@
   </p:defaultTextStyle>
   <p:extLst>
     <p:ext uri="{EFAFB233-063F-42B5-8137-9DF3F51BA10A}">
-      <p15:sldGuideLst xmlns="" xmlns:p15="http://schemas.microsoft.com/office/powerpoint/2012/main"/>
+      <p15:sldGuideLst xmlns:p15="http://schemas.microsoft.com/office/powerpoint/2012/main" xmlns=""/>
     </p:ext>
   </p:extLst>
 </p:presentation>
@@ -192,7 +191,7 @@
           <a:blip r:embed="rId2">
             <a:extLst>
               <a:ext uri="{28A0092B-C50C-407E-A947-70E740481C1C}">
-                <a14:useLocalDpi xmlns="" xmlns:a14="http://schemas.microsoft.com/office/drawing/2010/main" val="0"/>
+                <a14:useLocalDpi xmlns:a14="http://schemas.microsoft.com/office/drawing/2010/main" xmlns="" val="0"/>
               </a:ext>
             </a:extLst>
           </a:blip>
@@ -237,7 +236,7 @@
     </p:spTree>
     <p:extLst>
       <p:ext uri="{BB962C8B-B14F-4D97-AF65-F5344CB8AC3E}">
-        <p14:creationId xmlns="" xmlns:p14="http://schemas.microsoft.com/office/powerpoint/2010/main" val="1338936593"/>
+        <p14:creationId xmlns:p14="http://schemas.microsoft.com/office/powerpoint/2010/main" xmlns="" val="1338936593"/>
       </p:ext>
     </p:extLst>
   </p:cSld>
@@ -276,7 +275,7 @@
           <a:blip r:embed="rId2">
             <a:extLst>
               <a:ext uri="{28A0092B-C50C-407E-A947-70E740481C1C}">
-                <a14:useLocalDpi xmlns="" xmlns:a14="http://schemas.microsoft.com/office/drawing/2010/main" val="0"/>
+                <a14:useLocalDpi xmlns:a14="http://schemas.microsoft.com/office/drawing/2010/main" xmlns="" val="0"/>
               </a:ext>
             </a:extLst>
           </a:blip>
@@ -298,7 +297,7 @@
           <p:cNvPr id="9" name="文本占位符 10">
             <a:extLst>
               <a:ext uri="{FF2B5EF4-FFF2-40B4-BE49-F238E27FC236}">
-                <a16:creationId xmlns:a16="http://schemas.microsoft.com/office/drawing/2014/main" xmlns="" id="{01D010F3-905B-4D60-A57E-5C1F1E5D7F48}"/>
+                <a16:creationId xmlns="" xmlns:a16="http://schemas.microsoft.com/office/drawing/2014/main" id="{01D010F3-905B-4D60-A57E-5C1F1E5D7F48}"/>
               </a:ext>
             </a:extLst>
           </p:cNvPr>
@@ -464,7 +463,7 @@
     </p:spTree>
     <p:extLst>
       <p:ext uri="{BB962C8B-B14F-4D97-AF65-F5344CB8AC3E}">
-        <p14:creationId xmlns="" xmlns:p14="http://schemas.microsoft.com/office/powerpoint/2010/main" val="4137035524"/>
+        <p14:creationId xmlns:p14="http://schemas.microsoft.com/office/powerpoint/2010/main" xmlns="" val="4137035524"/>
       </p:ext>
     </p:extLst>
   </p:cSld>
@@ -509,7 +508,7 @@
             <a:fld id="{746D8FFF-10F8-4B9C-9872-CC2BCD3FCFAC}" type="datetimeFigureOut">
               <a:rPr lang="zh-CN" altLang="en-US" smtClean="0"/>
               <a:pPr/>
-              <a:t>2017-11-15</a:t>
+              <a:t>2017-11-16</a:t>
             </a:fld>
             <a:endParaRPr lang="zh-CN" altLang="en-US"/>
           </a:p>
@@ -561,7 +560,7 @@
     </p:spTree>
     <p:extLst>
       <p:ext uri="{BB962C8B-B14F-4D97-AF65-F5344CB8AC3E}">
-        <p14:creationId xmlns="" xmlns:p14="http://schemas.microsoft.com/office/powerpoint/2010/main" val="1759841624"/>
+        <p14:creationId xmlns:p14="http://schemas.microsoft.com/office/powerpoint/2010/main" xmlns="" val="1759841624"/>
       </p:ext>
     </p:extLst>
   </p:cSld>
@@ -724,7 +723,7 @@
             <a:fld id="{746D8FFF-10F8-4B9C-9872-CC2BCD3FCFAC}" type="datetimeFigureOut">
               <a:rPr lang="zh-CN" altLang="en-US" smtClean="0"/>
               <a:pPr/>
-              <a:t>2017-11-15</a:t>
+              <a:t>2017-11-16</a:t>
             </a:fld>
             <a:endParaRPr lang="zh-CN" altLang="en-US"/>
           </a:p>
@@ -812,7 +811,7 @@
     </p:spTree>
     <p:extLst>
       <p:ext uri="{BB962C8B-B14F-4D97-AF65-F5344CB8AC3E}">
-        <p14:creationId xmlns="" xmlns:p14="http://schemas.microsoft.com/office/powerpoint/2010/main" val="3267739063"/>
+        <p14:creationId xmlns:p14="http://schemas.microsoft.com/office/powerpoint/2010/main" xmlns="" val="3267739063"/>
       </p:ext>
     </p:extLst>
   </p:cSld>
@@ -1127,7 +1126,7 @@
           <p:cNvPr id="6" name="文本框 5">
             <a:extLst>
               <a:ext uri="{FF2B5EF4-FFF2-40B4-BE49-F238E27FC236}">
-                <a16:creationId xmlns:a16="http://schemas.microsoft.com/office/drawing/2014/main" xmlns="" id="{80BDF59C-8876-4C07-86D1-096C6CCDE453}"/>
+                <a16:creationId xmlns="" xmlns:a16="http://schemas.microsoft.com/office/drawing/2014/main" id="{80BDF59C-8876-4C07-86D1-096C6CCDE453}"/>
               </a:ext>
             </a:extLst>
           </p:cNvPr>
@@ -1210,7 +1209,7 @@
           <p:cNvPr id="7" name="文本框 6">
             <a:extLst>
               <a:ext uri="{FF2B5EF4-FFF2-40B4-BE49-F238E27FC236}">
-                <a16:creationId xmlns:a16="http://schemas.microsoft.com/office/drawing/2014/main" xmlns="" id="{9641ACBE-BC14-4FC9-81D3-2BCBC14FA20C}"/>
+                <a16:creationId xmlns="" xmlns:a16="http://schemas.microsoft.com/office/drawing/2014/main" id="{9641ACBE-BC14-4FC9-81D3-2BCBC14FA20C}"/>
               </a:ext>
             </a:extLst>
           </p:cNvPr>
@@ -1260,7 +1259,7 @@
           <p:cNvPr id="8" name="文本框 7">
             <a:extLst>
               <a:ext uri="{FF2B5EF4-FFF2-40B4-BE49-F238E27FC236}">
-                <a16:creationId xmlns:a16="http://schemas.microsoft.com/office/drawing/2014/main" xmlns="" id="{7B3317C5-8A3B-41BC-BEF9-80955951153B}"/>
+                <a16:creationId xmlns="" xmlns:a16="http://schemas.microsoft.com/office/drawing/2014/main" id="{7B3317C5-8A3B-41BC-BEF9-80955951153B}"/>
               </a:ext>
             </a:extLst>
           </p:cNvPr>
@@ -1327,7 +1326,7 @@
     </p:spTree>
     <p:extLst>
       <p:ext uri="{BB962C8B-B14F-4D97-AF65-F5344CB8AC3E}">
-        <p14:creationId xmlns="" xmlns:p14="http://schemas.microsoft.com/office/powerpoint/2010/main" val="2080158732"/>
+        <p14:creationId xmlns:p14="http://schemas.microsoft.com/office/powerpoint/2010/main" xmlns="" val="2080158732"/>
       </p:ext>
     </p:extLst>
   </p:cSld>
@@ -1345,448 +1344,6 @@
 </file>
 
 <file path=ppt/slides/slide10.xml><?xml version="1.0" encoding="utf-8"?>
-<p:sld xmlns:a="http://schemas.openxmlformats.org/drawingml/2006/main" xmlns:r="http://schemas.openxmlformats.org/officeDocument/2006/relationships" xmlns:p="http://schemas.openxmlformats.org/presentationml/2006/main">
-  <p:cSld>
-    <p:spTree>
-      <p:nvGrpSpPr>
-        <p:cNvPr id="1" name=""/>
-        <p:cNvGrpSpPr/>
-        <p:nvPr/>
-      </p:nvGrpSpPr>
-      <p:grpSpPr>
-        <a:xfrm>
-          <a:off x="0" y="0"/>
-          <a:ext cx="0" cy="0"/>
-          <a:chOff x="0" y="0"/>
-          <a:chExt cx="0" cy="0"/>
-        </a:xfrm>
-      </p:grpSpPr>
-      <p:sp>
-        <p:nvSpPr>
-          <p:cNvPr id="2" name="文本占位符 1"/>
-          <p:cNvSpPr>
-            <a:spLocks noGrp="1"/>
-          </p:cNvSpPr>
-          <p:nvPr>
-            <p:ph type="body" sz="quarter" idx="10"/>
-          </p:nvPr>
-        </p:nvSpPr>
-        <p:spPr/>
-        <p:txBody>
-          <a:bodyPr>
-            <a:normAutofit lnSpcReduction="10000"/>
-          </a:bodyPr>
-          <a:lstStyle/>
-          <a:p>
-            <a:r>
-              <a:rPr lang="en-US" altLang="zh-CN" dirty="0" err="1" smtClean="0"/>
-              <a:t>Constexpr</a:t>
-            </a:r>
-            <a:r>
-              <a:rPr lang="en-US" altLang="zh-CN" dirty="0" smtClean="0"/>
-              <a:t> If</a:t>
-            </a:r>
-            <a:endParaRPr lang="zh-CN" altLang="en-US" dirty="0"/>
-          </a:p>
-        </p:txBody>
-      </p:sp>
-      <p:sp>
-        <p:nvSpPr>
-          <p:cNvPr id="3" name="内容占位符 2"/>
-          <p:cNvSpPr>
-            <a:spLocks noGrp="1"/>
-          </p:cNvSpPr>
-          <p:nvPr>
-            <p:ph sz="quarter" idx="11"/>
-          </p:nvPr>
-        </p:nvSpPr>
-        <p:spPr/>
-        <p:txBody>
-          <a:bodyPr/>
-          <a:lstStyle/>
-          <a:p>
-            <a:endParaRPr lang="zh-CN" altLang="en-US" dirty="0"/>
-          </a:p>
-        </p:txBody>
-      </p:sp>
-      <p:sp>
-        <p:nvSpPr>
-          <p:cNvPr id="4" name="矩形 3"/>
-          <p:cNvSpPr/>
-          <p:nvPr/>
-        </p:nvSpPr>
-        <p:spPr>
-          <a:xfrm>
-            <a:off x="448886" y="1407773"/>
-            <a:ext cx="8129849" cy="3293209"/>
-          </a:xfrm>
-          <a:prstGeom prst="rect">
-            <a:avLst/>
-          </a:prstGeom>
-        </p:spPr>
-        <p:txBody>
-          <a:bodyPr wrap="square">
-            <a:spAutoFit/>
-          </a:bodyPr>
-          <a:lstStyle/>
-          <a:p>
-            <a:r>
-              <a:rPr lang="en-US" sz="1600" dirty="0" smtClean="0">
-                <a:latin typeface="DejaVu Sans Mono" pitchFamily="49" charset="0"/>
-                <a:ea typeface="DejaVu Sans Mono" pitchFamily="49" charset="0"/>
-                <a:cs typeface="DejaVu Sans Mono" pitchFamily="49" charset="0"/>
-              </a:rPr>
-              <a:t>template&lt;</a:t>
-            </a:r>
-            <a:r>
-              <a:rPr lang="en-US" sz="1600" dirty="0" err="1" smtClean="0">
-                <a:latin typeface="DejaVu Sans Mono" pitchFamily="49" charset="0"/>
-                <a:ea typeface="DejaVu Sans Mono" pitchFamily="49" charset="0"/>
-                <a:cs typeface="DejaVu Sans Mono" pitchFamily="49" charset="0"/>
-              </a:rPr>
-              <a:t>typename</a:t>
-            </a:r>
-            <a:r>
-              <a:rPr lang="en-US" sz="1600" dirty="0" smtClean="0">
-                <a:latin typeface="DejaVu Sans Mono" pitchFamily="49" charset="0"/>
-                <a:ea typeface="DejaVu Sans Mono" pitchFamily="49" charset="0"/>
-                <a:cs typeface="DejaVu Sans Mono" pitchFamily="49" charset="0"/>
-              </a:rPr>
-              <a:t> T&gt;</a:t>
-            </a:r>
-            <a:br>
-              <a:rPr lang="en-US" sz="1600" dirty="0" smtClean="0">
-                <a:latin typeface="DejaVu Sans Mono" pitchFamily="49" charset="0"/>
-                <a:ea typeface="DejaVu Sans Mono" pitchFamily="49" charset="0"/>
-                <a:cs typeface="DejaVu Sans Mono" pitchFamily="49" charset="0"/>
-              </a:rPr>
-            </a:br>
-            <a:r>
-              <a:rPr lang="en-US" sz="1600" dirty="0" smtClean="0">
-                <a:latin typeface="DejaVu Sans Mono" pitchFamily="49" charset="0"/>
-                <a:ea typeface="DejaVu Sans Mono" pitchFamily="49" charset="0"/>
-                <a:cs typeface="DejaVu Sans Mono" pitchFamily="49" charset="0"/>
-              </a:rPr>
-              <a:t>std::</a:t>
-            </a:r>
-            <a:r>
-              <a:rPr lang="en-US" sz="1600" dirty="0" err="1" smtClean="0">
-                <a:latin typeface="DejaVu Sans Mono" pitchFamily="49" charset="0"/>
-                <a:ea typeface="DejaVu Sans Mono" pitchFamily="49" charset="0"/>
-                <a:cs typeface="DejaVu Sans Mono" pitchFamily="49" charset="0"/>
-              </a:rPr>
-              <a:t>enable_if_t</a:t>
-            </a:r>
-            <a:r>
-              <a:rPr lang="en-US" sz="1600" dirty="0" smtClean="0">
-                <a:latin typeface="DejaVu Sans Mono" pitchFamily="49" charset="0"/>
-                <a:ea typeface="DejaVu Sans Mono" pitchFamily="49" charset="0"/>
-                <a:cs typeface="DejaVu Sans Mono" pitchFamily="49" charset="0"/>
-              </a:rPr>
-              <a:t>&lt;std::</a:t>
-            </a:r>
-            <a:r>
-              <a:rPr lang="en-US" sz="1600" dirty="0" err="1" smtClean="0">
-                <a:latin typeface="DejaVu Sans Mono" pitchFamily="49" charset="0"/>
-                <a:ea typeface="DejaVu Sans Mono" pitchFamily="49" charset="0"/>
-                <a:cs typeface="DejaVu Sans Mono" pitchFamily="49" charset="0"/>
-              </a:rPr>
-              <a:t>is_integral</a:t>
-            </a:r>
-            <a:r>
-              <a:rPr lang="en-US" sz="1600" dirty="0" smtClean="0">
-                <a:latin typeface="DejaVu Sans Mono" pitchFamily="49" charset="0"/>
-                <a:ea typeface="DejaVu Sans Mono" pitchFamily="49" charset="0"/>
-                <a:cs typeface="DejaVu Sans Mono" pitchFamily="49" charset="0"/>
-              </a:rPr>
-              <a:t>&lt;T&gt;::value, std::string&gt; </a:t>
-            </a:r>
-            <a:r>
-              <a:rPr lang="en-US" sz="1600" dirty="0" err="1" smtClean="0">
-                <a:latin typeface="DejaVu Sans Mono" pitchFamily="49" charset="0"/>
-                <a:ea typeface="DejaVu Sans Mono" pitchFamily="49" charset="0"/>
-                <a:cs typeface="DejaVu Sans Mono" pitchFamily="49" charset="0"/>
-              </a:rPr>
-              <a:t>to_str</a:t>
-            </a:r>
-            <a:r>
-              <a:rPr lang="en-US" sz="1600" dirty="0" smtClean="0">
-                <a:latin typeface="DejaVu Sans Mono" pitchFamily="49" charset="0"/>
-                <a:ea typeface="DejaVu Sans Mono" pitchFamily="49" charset="0"/>
-                <a:cs typeface="DejaVu Sans Mono" pitchFamily="49" charset="0"/>
-              </a:rPr>
-              <a:t>(T </a:t>
-            </a:r>
-            <a:r>
-              <a:rPr lang="en-US" sz="1600" dirty="0" err="1" smtClean="0">
-                <a:latin typeface="DejaVu Sans Mono" pitchFamily="49" charset="0"/>
-                <a:ea typeface="DejaVu Sans Mono" pitchFamily="49" charset="0"/>
-                <a:cs typeface="DejaVu Sans Mono" pitchFamily="49" charset="0"/>
-              </a:rPr>
-              <a:t>t</a:t>
-            </a:r>
-            <a:r>
-              <a:rPr lang="en-US" sz="1600" dirty="0" smtClean="0">
-                <a:latin typeface="DejaVu Sans Mono" pitchFamily="49" charset="0"/>
-                <a:ea typeface="DejaVu Sans Mono" pitchFamily="49" charset="0"/>
-                <a:cs typeface="DejaVu Sans Mono" pitchFamily="49" charset="0"/>
-              </a:rPr>
-              <a:t>)</a:t>
-            </a:r>
-            <a:br>
-              <a:rPr lang="en-US" sz="1600" dirty="0" smtClean="0">
-                <a:latin typeface="DejaVu Sans Mono" pitchFamily="49" charset="0"/>
-                <a:ea typeface="DejaVu Sans Mono" pitchFamily="49" charset="0"/>
-                <a:cs typeface="DejaVu Sans Mono" pitchFamily="49" charset="0"/>
-              </a:rPr>
-            </a:br>
-            <a:r>
-              <a:rPr lang="en-US" sz="1600" dirty="0" smtClean="0">
-                <a:latin typeface="DejaVu Sans Mono" pitchFamily="49" charset="0"/>
-                <a:ea typeface="DejaVu Sans Mono" pitchFamily="49" charset="0"/>
-                <a:cs typeface="DejaVu Sans Mono" pitchFamily="49" charset="0"/>
-              </a:rPr>
-              <a:t>{</a:t>
-            </a:r>
-            <a:br>
-              <a:rPr lang="en-US" sz="1600" dirty="0" smtClean="0">
-                <a:latin typeface="DejaVu Sans Mono" pitchFamily="49" charset="0"/>
-                <a:ea typeface="DejaVu Sans Mono" pitchFamily="49" charset="0"/>
-                <a:cs typeface="DejaVu Sans Mono" pitchFamily="49" charset="0"/>
-              </a:rPr>
-            </a:br>
-            <a:r>
-              <a:rPr lang="en-US" sz="1600" dirty="0" smtClean="0">
-                <a:latin typeface="DejaVu Sans Mono" pitchFamily="49" charset="0"/>
-                <a:ea typeface="DejaVu Sans Mono" pitchFamily="49" charset="0"/>
-                <a:cs typeface="DejaVu Sans Mono" pitchFamily="49" charset="0"/>
-              </a:rPr>
-              <a:t>    return std::</a:t>
-            </a:r>
-            <a:r>
-              <a:rPr lang="en-US" sz="1600" dirty="0" err="1" smtClean="0">
-                <a:latin typeface="DejaVu Sans Mono" pitchFamily="49" charset="0"/>
-                <a:ea typeface="DejaVu Sans Mono" pitchFamily="49" charset="0"/>
-                <a:cs typeface="DejaVu Sans Mono" pitchFamily="49" charset="0"/>
-              </a:rPr>
-              <a:t>to_string</a:t>
-            </a:r>
-            <a:r>
-              <a:rPr lang="en-US" sz="1600" dirty="0" smtClean="0">
-                <a:latin typeface="DejaVu Sans Mono" pitchFamily="49" charset="0"/>
-                <a:ea typeface="DejaVu Sans Mono" pitchFamily="49" charset="0"/>
-                <a:cs typeface="DejaVu Sans Mono" pitchFamily="49" charset="0"/>
-              </a:rPr>
-              <a:t>(t);</a:t>
-            </a:r>
-            <a:br>
-              <a:rPr lang="en-US" sz="1600" dirty="0" smtClean="0">
-                <a:latin typeface="DejaVu Sans Mono" pitchFamily="49" charset="0"/>
-                <a:ea typeface="DejaVu Sans Mono" pitchFamily="49" charset="0"/>
-                <a:cs typeface="DejaVu Sans Mono" pitchFamily="49" charset="0"/>
-              </a:rPr>
-            </a:br>
-            <a:r>
-              <a:rPr lang="en-US" sz="1600" dirty="0" smtClean="0">
-                <a:latin typeface="DejaVu Sans Mono" pitchFamily="49" charset="0"/>
-                <a:ea typeface="DejaVu Sans Mono" pitchFamily="49" charset="0"/>
-                <a:cs typeface="DejaVu Sans Mono" pitchFamily="49" charset="0"/>
-              </a:rPr>
-              <a:t>}</a:t>
-            </a:r>
-            <a:br>
-              <a:rPr lang="en-US" sz="1600" dirty="0" smtClean="0">
-                <a:latin typeface="DejaVu Sans Mono" pitchFamily="49" charset="0"/>
-                <a:ea typeface="DejaVu Sans Mono" pitchFamily="49" charset="0"/>
-                <a:cs typeface="DejaVu Sans Mono" pitchFamily="49" charset="0"/>
-              </a:rPr>
-            </a:br>
-            <a:r>
-              <a:rPr lang="en-US" sz="1600" dirty="0" smtClean="0">
-                <a:latin typeface="DejaVu Sans Mono" pitchFamily="49" charset="0"/>
-                <a:ea typeface="DejaVu Sans Mono" pitchFamily="49" charset="0"/>
-                <a:cs typeface="DejaVu Sans Mono" pitchFamily="49" charset="0"/>
-              </a:rPr>
-              <a:t>    </a:t>
-            </a:r>
-            <a:br>
-              <a:rPr lang="en-US" sz="1600" dirty="0" smtClean="0">
-                <a:latin typeface="DejaVu Sans Mono" pitchFamily="49" charset="0"/>
-                <a:ea typeface="DejaVu Sans Mono" pitchFamily="49" charset="0"/>
-                <a:cs typeface="DejaVu Sans Mono" pitchFamily="49" charset="0"/>
-              </a:rPr>
-            </a:br>
-            <a:r>
-              <a:rPr lang="en-US" sz="1600" dirty="0" smtClean="0">
-                <a:latin typeface="DejaVu Sans Mono" pitchFamily="49" charset="0"/>
-                <a:ea typeface="DejaVu Sans Mono" pitchFamily="49" charset="0"/>
-                <a:cs typeface="DejaVu Sans Mono" pitchFamily="49" charset="0"/>
-              </a:rPr>
-              <a:t>template&lt;</a:t>
-            </a:r>
-            <a:r>
-              <a:rPr lang="en-US" sz="1600" dirty="0" err="1" smtClean="0">
-                <a:latin typeface="DejaVu Sans Mono" pitchFamily="49" charset="0"/>
-                <a:ea typeface="DejaVu Sans Mono" pitchFamily="49" charset="0"/>
-                <a:cs typeface="DejaVu Sans Mono" pitchFamily="49" charset="0"/>
-              </a:rPr>
-              <a:t>typename</a:t>
-            </a:r>
-            <a:r>
-              <a:rPr lang="en-US" sz="1600" dirty="0" smtClean="0">
-                <a:latin typeface="DejaVu Sans Mono" pitchFamily="49" charset="0"/>
-                <a:ea typeface="DejaVu Sans Mono" pitchFamily="49" charset="0"/>
-                <a:cs typeface="DejaVu Sans Mono" pitchFamily="49" charset="0"/>
-              </a:rPr>
-              <a:t> T&gt;</a:t>
-            </a:r>
-            <a:br>
-              <a:rPr lang="en-US" sz="1600" dirty="0" smtClean="0">
-                <a:latin typeface="DejaVu Sans Mono" pitchFamily="49" charset="0"/>
-                <a:ea typeface="DejaVu Sans Mono" pitchFamily="49" charset="0"/>
-                <a:cs typeface="DejaVu Sans Mono" pitchFamily="49" charset="0"/>
-              </a:rPr>
-            </a:br>
-            <a:r>
-              <a:rPr lang="en-US" sz="1600" dirty="0" smtClean="0">
-                <a:latin typeface="DejaVu Sans Mono" pitchFamily="49" charset="0"/>
-                <a:ea typeface="DejaVu Sans Mono" pitchFamily="49" charset="0"/>
-                <a:cs typeface="DejaVu Sans Mono" pitchFamily="49" charset="0"/>
-              </a:rPr>
-              <a:t>std::</a:t>
-            </a:r>
-            <a:r>
-              <a:rPr lang="en-US" sz="1600" dirty="0" err="1" smtClean="0">
-                <a:latin typeface="DejaVu Sans Mono" pitchFamily="49" charset="0"/>
-                <a:ea typeface="DejaVu Sans Mono" pitchFamily="49" charset="0"/>
-                <a:cs typeface="DejaVu Sans Mono" pitchFamily="49" charset="0"/>
-              </a:rPr>
-              <a:t>enable_if_t</a:t>
-            </a:r>
-            <a:r>
-              <a:rPr lang="en-US" sz="1600" dirty="0" smtClean="0">
-                <a:latin typeface="DejaVu Sans Mono" pitchFamily="49" charset="0"/>
-                <a:ea typeface="DejaVu Sans Mono" pitchFamily="49" charset="0"/>
-                <a:cs typeface="DejaVu Sans Mono" pitchFamily="49" charset="0"/>
-              </a:rPr>
-              <a:t>&lt;!std::</a:t>
-            </a:r>
-            <a:r>
-              <a:rPr lang="en-US" sz="1600" dirty="0" err="1" smtClean="0">
-                <a:latin typeface="DejaVu Sans Mono" pitchFamily="49" charset="0"/>
-                <a:ea typeface="DejaVu Sans Mono" pitchFamily="49" charset="0"/>
-                <a:cs typeface="DejaVu Sans Mono" pitchFamily="49" charset="0"/>
-              </a:rPr>
-              <a:t>is_integral</a:t>
-            </a:r>
-            <a:r>
-              <a:rPr lang="en-US" sz="1600" dirty="0" smtClean="0">
-                <a:latin typeface="DejaVu Sans Mono" pitchFamily="49" charset="0"/>
-                <a:ea typeface="DejaVu Sans Mono" pitchFamily="49" charset="0"/>
-                <a:cs typeface="DejaVu Sans Mono" pitchFamily="49" charset="0"/>
-              </a:rPr>
-              <a:t>&lt;T&gt;::value, std::string&gt; </a:t>
-            </a:r>
-            <a:r>
-              <a:rPr lang="en-US" sz="1600" dirty="0" err="1" smtClean="0">
-                <a:latin typeface="DejaVu Sans Mono" pitchFamily="49" charset="0"/>
-                <a:ea typeface="DejaVu Sans Mono" pitchFamily="49" charset="0"/>
-                <a:cs typeface="DejaVu Sans Mono" pitchFamily="49" charset="0"/>
-              </a:rPr>
-              <a:t>to_str</a:t>
-            </a:r>
-            <a:r>
-              <a:rPr lang="en-US" sz="1600" dirty="0" smtClean="0">
-                <a:latin typeface="DejaVu Sans Mono" pitchFamily="49" charset="0"/>
-                <a:ea typeface="DejaVu Sans Mono" pitchFamily="49" charset="0"/>
-                <a:cs typeface="DejaVu Sans Mono" pitchFamily="49" charset="0"/>
-              </a:rPr>
-              <a:t>(T </a:t>
-            </a:r>
-            <a:r>
-              <a:rPr lang="en-US" sz="1600" dirty="0" err="1" smtClean="0">
-                <a:latin typeface="DejaVu Sans Mono" pitchFamily="49" charset="0"/>
-                <a:ea typeface="DejaVu Sans Mono" pitchFamily="49" charset="0"/>
-                <a:cs typeface="DejaVu Sans Mono" pitchFamily="49" charset="0"/>
-              </a:rPr>
-              <a:t>t</a:t>
-            </a:r>
-            <a:r>
-              <a:rPr lang="en-US" sz="1600" dirty="0" smtClean="0">
-                <a:latin typeface="DejaVu Sans Mono" pitchFamily="49" charset="0"/>
-                <a:ea typeface="DejaVu Sans Mono" pitchFamily="49" charset="0"/>
-                <a:cs typeface="DejaVu Sans Mono" pitchFamily="49" charset="0"/>
-              </a:rPr>
-              <a:t>)</a:t>
-            </a:r>
-            <a:br>
-              <a:rPr lang="en-US" sz="1600" dirty="0" smtClean="0">
-                <a:latin typeface="DejaVu Sans Mono" pitchFamily="49" charset="0"/>
-                <a:ea typeface="DejaVu Sans Mono" pitchFamily="49" charset="0"/>
-                <a:cs typeface="DejaVu Sans Mono" pitchFamily="49" charset="0"/>
-              </a:rPr>
-            </a:br>
-            <a:r>
-              <a:rPr lang="en-US" sz="1600" dirty="0" smtClean="0">
-                <a:latin typeface="DejaVu Sans Mono" pitchFamily="49" charset="0"/>
-                <a:ea typeface="DejaVu Sans Mono" pitchFamily="49" charset="0"/>
-                <a:cs typeface="DejaVu Sans Mono" pitchFamily="49" charset="0"/>
-              </a:rPr>
-              <a:t>{</a:t>
-            </a:r>
-            <a:br>
-              <a:rPr lang="en-US" sz="1600" dirty="0" smtClean="0">
-                <a:latin typeface="DejaVu Sans Mono" pitchFamily="49" charset="0"/>
-                <a:ea typeface="DejaVu Sans Mono" pitchFamily="49" charset="0"/>
-                <a:cs typeface="DejaVu Sans Mono" pitchFamily="49" charset="0"/>
-              </a:rPr>
-            </a:br>
-            <a:r>
-              <a:rPr lang="en-US" sz="1600" dirty="0" smtClean="0">
-                <a:latin typeface="DejaVu Sans Mono" pitchFamily="49" charset="0"/>
-                <a:ea typeface="DejaVu Sans Mono" pitchFamily="49" charset="0"/>
-                <a:cs typeface="DejaVu Sans Mono" pitchFamily="49" charset="0"/>
-              </a:rPr>
-              <a:t>     return t;</a:t>
-            </a:r>
-            <a:br>
-              <a:rPr lang="en-US" sz="1600" dirty="0" smtClean="0">
-                <a:latin typeface="DejaVu Sans Mono" pitchFamily="49" charset="0"/>
-                <a:ea typeface="DejaVu Sans Mono" pitchFamily="49" charset="0"/>
-                <a:cs typeface="DejaVu Sans Mono" pitchFamily="49" charset="0"/>
-              </a:rPr>
-            </a:br>
-            <a:r>
-              <a:rPr lang="en-US" sz="1600" dirty="0" smtClean="0">
-                <a:latin typeface="DejaVu Sans Mono" pitchFamily="49" charset="0"/>
-                <a:ea typeface="DejaVu Sans Mono" pitchFamily="49" charset="0"/>
-                <a:cs typeface="DejaVu Sans Mono" pitchFamily="49" charset="0"/>
-              </a:rPr>
-              <a:t>}</a:t>
-            </a:r>
-            <a:endParaRPr lang="zh-CN" altLang="en-US" sz="1600" dirty="0">
-              <a:latin typeface="DejaVu Sans Mono" pitchFamily="49" charset="0"/>
-              <a:cs typeface="DejaVu Sans Mono" pitchFamily="49" charset="0"/>
-            </a:endParaRPr>
-          </a:p>
-        </p:txBody>
-      </p:sp>
-    </p:spTree>
-  </p:cSld>
-  <p:clrMapOvr>
-    <a:masterClrMapping/>
-  </p:clrMapOvr>
-  <p:timing>
-    <p:tnLst>
-      <p:par>
-        <p:cTn id="1" dur="indefinite" restart="never" nodeType="tmRoot"/>
-      </p:par>
-    </p:tnLst>
-  </p:timing>
-</p:sld>
-</file>
-
-<file path=ppt/slides/slide11.xml><?xml version="1.0" encoding="utf-8"?>
 <p:sld xmlns:a="http://schemas.openxmlformats.org/drawingml/2006/main" xmlns:r="http://schemas.openxmlformats.org/officeDocument/2006/relationships" xmlns:p="http://schemas.openxmlformats.org/presentationml/2006/main">
   <p:cSld>
     <p:spTree>
@@ -2426,7 +1983,7 @@
 </p:sld>
 </file>
 
-<file path=ppt/slides/slide12.xml><?xml version="1.0" encoding="utf-8"?>
+<file path=ppt/slides/slide11.xml><?xml version="1.0" encoding="utf-8"?>
 <p:sld xmlns:a="http://schemas.openxmlformats.org/drawingml/2006/main" xmlns:r="http://schemas.openxmlformats.org/officeDocument/2006/relationships" xmlns:p="http://schemas.openxmlformats.org/presentationml/2006/main">
   <p:cSld>
     <p:spTree>
@@ -2865,7 +2422,7 @@
 </p:sld>
 </file>
 
-<file path=ppt/slides/slide13.xml><?xml version="1.0" encoding="utf-8"?>
+<file path=ppt/slides/slide12.xml><?xml version="1.0" encoding="utf-8"?>
 <p:sld xmlns:a="http://schemas.openxmlformats.org/drawingml/2006/main" xmlns:r="http://schemas.openxmlformats.org/officeDocument/2006/relationships" xmlns:p="http://schemas.openxmlformats.org/presentationml/2006/main">
   <p:cSld>
     <p:spTree>
@@ -3313,7 +2870,7 @@
 </p:sld>
 </file>
 
-<file path=ppt/slides/slide14.xml><?xml version="1.0" encoding="utf-8"?>
+<file path=ppt/slides/slide13.xml><?xml version="1.0" encoding="utf-8"?>
 <p:sld xmlns:a="http://schemas.openxmlformats.org/drawingml/2006/main" xmlns:r="http://schemas.openxmlformats.org/officeDocument/2006/relationships" xmlns:p="http://schemas.openxmlformats.org/presentationml/2006/main">
   <p:cSld>
     <p:spTree>
@@ -3978,7 +3535,7 @@
 </p:sld>
 </file>
 
-<file path=ppt/slides/slide15.xml><?xml version="1.0" encoding="utf-8"?>
+<file path=ppt/slides/slide14.xml><?xml version="1.0" encoding="utf-8"?>
 <p:sld xmlns:a="http://schemas.openxmlformats.org/drawingml/2006/main" xmlns:r="http://schemas.openxmlformats.org/officeDocument/2006/relationships" xmlns:p="http://schemas.openxmlformats.org/presentationml/2006/main">
   <p:cSld>
     <p:spTree>
@@ -4929,6 +4486,720 @@
 </p:sld>
 </file>
 
+<file path=ppt/slides/slide15.xml><?xml version="1.0" encoding="utf-8"?>
+<p:sld xmlns:a="http://schemas.openxmlformats.org/drawingml/2006/main" xmlns:r="http://schemas.openxmlformats.org/officeDocument/2006/relationships" xmlns:p="http://schemas.openxmlformats.org/presentationml/2006/main">
+  <p:cSld>
+    <p:spTree>
+      <p:nvGrpSpPr>
+        <p:cNvPr id="1" name=""/>
+        <p:cNvGrpSpPr/>
+        <p:nvPr/>
+      </p:nvGrpSpPr>
+      <p:grpSpPr>
+        <a:xfrm>
+          <a:off x="0" y="0"/>
+          <a:ext cx="0" cy="0"/>
+          <a:chOff x="0" y="0"/>
+          <a:chExt cx="0" cy="0"/>
+        </a:xfrm>
+      </p:grpSpPr>
+      <p:sp>
+        <p:nvSpPr>
+          <p:cNvPr id="2" name="文本占位符 1"/>
+          <p:cNvSpPr>
+            <a:spLocks noGrp="1"/>
+          </p:cNvSpPr>
+          <p:nvPr>
+            <p:ph type="body" sz="quarter" idx="10"/>
+          </p:nvPr>
+        </p:nvSpPr>
+        <p:spPr/>
+        <p:txBody>
+          <a:bodyPr>
+            <a:normAutofit lnSpcReduction="10000"/>
+          </a:bodyPr>
+          <a:lstStyle/>
+          <a:p>
+            <a:r>
+              <a:rPr lang="en-US" altLang="zh-CN" dirty="0" smtClean="0"/>
+              <a:t>Fold Expression</a:t>
+            </a:r>
+            <a:endParaRPr lang="zh-CN" altLang="en-US" dirty="0" smtClean="0"/>
+          </a:p>
+        </p:txBody>
+      </p:sp>
+      <p:sp>
+        <p:nvSpPr>
+          <p:cNvPr id="3" name="内容占位符 2"/>
+          <p:cNvSpPr>
+            <a:spLocks noGrp="1"/>
+          </p:cNvSpPr>
+          <p:nvPr>
+            <p:ph sz="quarter" idx="11"/>
+          </p:nvPr>
+        </p:nvSpPr>
+        <p:spPr/>
+        <p:txBody>
+          <a:bodyPr/>
+          <a:lstStyle/>
+          <a:p>
+            <a:endParaRPr lang="zh-CN" altLang="en-US" dirty="0"/>
+          </a:p>
+        </p:txBody>
+      </p:sp>
+      <p:sp>
+        <p:nvSpPr>
+          <p:cNvPr id="7" name="矩形 6"/>
+          <p:cNvSpPr/>
+          <p:nvPr/>
+        </p:nvSpPr>
+        <p:spPr>
+          <a:xfrm>
+            <a:off x="332507" y="1277310"/>
+            <a:ext cx="7797340" cy="1754326"/>
+          </a:xfrm>
+          <a:prstGeom prst="rect">
+            <a:avLst/>
+          </a:prstGeom>
+        </p:spPr>
+        <p:txBody>
+          <a:bodyPr wrap="square">
+            <a:spAutoFit/>
+          </a:bodyPr>
+          <a:lstStyle/>
+          <a:p>
+            <a:r>
+              <a:rPr lang="en-US" altLang="zh-CN" dirty="0" smtClean="0">
+                <a:latin typeface="DejaVu Sans Mono" pitchFamily="49" charset="0"/>
+                <a:ea typeface="DejaVu Sans Mono" pitchFamily="49" charset="0"/>
+                <a:cs typeface="DejaVu Sans Mono" pitchFamily="49" charset="0"/>
+              </a:rPr>
+              <a:t>//</a:t>
+            </a:r>
+            <a:r>
+              <a:rPr lang="en-US" altLang="zh-CN" dirty="0" err="1" smtClean="0">
+                <a:latin typeface="DejaVu Sans Mono" pitchFamily="49" charset="0"/>
+                <a:ea typeface="DejaVu Sans Mono" pitchFamily="49" charset="0"/>
+                <a:cs typeface="DejaVu Sans Mono" pitchFamily="49" charset="0"/>
+              </a:rPr>
+              <a:t>c++</a:t>
+            </a:r>
+            <a:r>
+              <a:rPr lang="en-US" altLang="zh-CN" dirty="0" smtClean="0">
+                <a:latin typeface="DejaVu Sans Mono" pitchFamily="49" charset="0"/>
+                <a:ea typeface="DejaVu Sans Mono" pitchFamily="49" charset="0"/>
+                <a:cs typeface="DejaVu Sans Mono" pitchFamily="49" charset="0"/>
+              </a:rPr>
+              <a:t>11</a:t>
+            </a:r>
+          </a:p>
+          <a:p>
+            <a:r>
+              <a:rPr lang="en-US" altLang="zh-CN" dirty="0" smtClean="0">
+                <a:latin typeface="DejaVu Sans Mono" pitchFamily="49" charset="0"/>
+                <a:ea typeface="DejaVu Sans Mono" pitchFamily="49" charset="0"/>
+                <a:cs typeface="DejaVu Sans Mono" pitchFamily="49" charset="0"/>
+              </a:rPr>
+              <a:t>template&lt;</a:t>
+            </a:r>
+            <a:r>
+              <a:rPr lang="en-US" altLang="zh-CN" dirty="0" err="1" smtClean="0">
+                <a:latin typeface="DejaVu Sans Mono" pitchFamily="49" charset="0"/>
+                <a:ea typeface="DejaVu Sans Mono" pitchFamily="49" charset="0"/>
+                <a:cs typeface="DejaVu Sans Mono" pitchFamily="49" charset="0"/>
+              </a:rPr>
+              <a:t>typename</a:t>
+            </a:r>
+            <a:r>
+              <a:rPr lang="en-US" altLang="zh-CN" dirty="0" smtClean="0">
+                <a:latin typeface="DejaVu Sans Mono" pitchFamily="49" charset="0"/>
+                <a:ea typeface="DejaVu Sans Mono" pitchFamily="49" charset="0"/>
+                <a:cs typeface="DejaVu Sans Mono" pitchFamily="49" charset="0"/>
+              </a:rPr>
+              <a:t>... </a:t>
+            </a:r>
+            <a:r>
+              <a:rPr lang="en-US" altLang="zh-CN" dirty="0" err="1" smtClean="0">
+                <a:latin typeface="DejaVu Sans Mono" pitchFamily="49" charset="0"/>
+                <a:ea typeface="DejaVu Sans Mono" pitchFamily="49" charset="0"/>
+                <a:cs typeface="DejaVu Sans Mono" pitchFamily="49" charset="0"/>
+              </a:rPr>
+              <a:t>Args</a:t>
+            </a:r>
+            <a:r>
+              <a:rPr lang="en-US" altLang="zh-CN" dirty="0" smtClean="0">
+                <a:latin typeface="DejaVu Sans Mono" pitchFamily="49" charset="0"/>
+                <a:ea typeface="DejaVu Sans Mono" pitchFamily="49" charset="0"/>
+                <a:cs typeface="DejaVu Sans Mono" pitchFamily="49" charset="0"/>
+              </a:rPr>
+              <a:t>&gt;</a:t>
+            </a:r>
+          </a:p>
+          <a:p>
+            <a:r>
+              <a:rPr lang="en-US" altLang="zh-CN" dirty="0" smtClean="0">
+                <a:latin typeface="DejaVu Sans Mono" pitchFamily="49" charset="0"/>
+                <a:ea typeface="DejaVu Sans Mono" pitchFamily="49" charset="0"/>
+                <a:cs typeface="DejaVu Sans Mono" pitchFamily="49" charset="0"/>
+              </a:rPr>
+              <a:t>void print(</a:t>
+            </a:r>
+            <a:r>
+              <a:rPr lang="en-US" altLang="zh-CN" dirty="0" err="1" smtClean="0">
+                <a:latin typeface="DejaVu Sans Mono" pitchFamily="49" charset="0"/>
+                <a:ea typeface="DejaVu Sans Mono" pitchFamily="49" charset="0"/>
+                <a:cs typeface="DejaVu Sans Mono" pitchFamily="49" charset="0"/>
+              </a:rPr>
+              <a:t>Args</a:t>
+            </a:r>
+            <a:r>
+              <a:rPr lang="en-US" altLang="zh-CN" dirty="0" smtClean="0">
+                <a:latin typeface="DejaVu Sans Mono" pitchFamily="49" charset="0"/>
+                <a:ea typeface="DejaVu Sans Mono" pitchFamily="49" charset="0"/>
+                <a:cs typeface="DejaVu Sans Mono" pitchFamily="49" charset="0"/>
+              </a:rPr>
+              <a:t>... </a:t>
+            </a:r>
+            <a:r>
+              <a:rPr lang="en-US" altLang="zh-CN" dirty="0" err="1" smtClean="0">
+                <a:latin typeface="DejaVu Sans Mono" pitchFamily="49" charset="0"/>
+                <a:ea typeface="DejaVu Sans Mono" pitchFamily="49" charset="0"/>
+                <a:cs typeface="DejaVu Sans Mono" pitchFamily="49" charset="0"/>
+              </a:rPr>
+              <a:t>Args</a:t>
+            </a:r>
+            <a:r>
+              <a:rPr lang="en-US" altLang="zh-CN" dirty="0" smtClean="0">
+                <a:latin typeface="DejaVu Sans Mono" pitchFamily="49" charset="0"/>
+                <a:ea typeface="DejaVu Sans Mono" pitchFamily="49" charset="0"/>
+                <a:cs typeface="DejaVu Sans Mono" pitchFamily="49" charset="0"/>
+              </a:rPr>
+              <a:t>){</a:t>
+            </a:r>
+          </a:p>
+          <a:p>
+            <a:r>
+              <a:rPr lang="en-US" altLang="zh-CN" dirty="0" smtClean="0">
+                <a:latin typeface="DejaVu Sans Mono" pitchFamily="49" charset="0"/>
+                <a:ea typeface="DejaVu Sans Mono" pitchFamily="49" charset="0"/>
+                <a:cs typeface="DejaVu Sans Mono" pitchFamily="49" charset="0"/>
+              </a:rPr>
+              <a:t>    std::</a:t>
+            </a:r>
+            <a:r>
+              <a:rPr lang="en-US" altLang="zh-CN" dirty="0" err="1" smtClean="0">
+                <a:latin typeface="DejaVu Sans Mono" pitchFamily="49" charset="0"/>
+                <a:ea typeface="DejaVu Sans Mono" pitchFamily="49" charset="0"/>
+                <a:cs typeface="DejaVu Sans Mono" pitchFamily="49" charset="0"/>
+              </a:rPr>
+              <a:t>initializer_list</a:t>
+            </a:r>
+            <a:r>
+              <a:rPr lang="en-US" altLang="zh-CN" dirty="0" smtClean="0">
+                <a:latin typeface="DejaVu Sans Mono" pitchFamily="49" charset="0"/>
+                <a:ea typeface="DejaVu Sans Mono" pitchFamily="49" charset="0"/>
+                <a:cs typeface="DejaVu Sans Mono" pitchFamily="49" charset="0"/>
+              </a:rPr>
+              <a:t>&lt;</a:t>
+            </a:r>
+            <a:r>
+              <a:rPr lang="en-US" altLang="zh-CN" dirty="0" err="1" smtClean="0">
+                <a:latin typeface="DejaVu Sans Mono" pitchFamily="49" charset="0"/>
+                <a:ea typeface="DejaVu Sans Mono" pitchFamily="49" charset="0"/>
+                <a:cs typeface="DejaVu Sans Mono" pitchFamily="49" charset="0"/>
+              </a:rPr>
+              <a:t>int</a:t>
+            </a:r>
+            <a:r>
+              <a:rPr lang="en-US" altLang="zh-CN" dirty="0" smtClean="0">
+                <a:latin typeface="DejaVu Sans Mono" pitchFamily="49" charset="0"/>
+                <a:ea typeface="DejaVu Sans Mono" pitchFamily="49" charset="0"/>
+                <a:cs typeface="DejaVu Sans Mono" pitchFamily="49" charset="0"/>
+              </a:rPr>
+              <a:t>&gt;{(std::</a:t>
+            </a:r>
+            <a:r>
+              <a:rPr lang="en-US" altLang="zh-CN" dirty="0" err="1" smtClean="0">
+                <a:latin typeface="DejaVu Sans Mono" pitchFamily="49" charset="0"/>
+                <a:ea typeface="DejaVu Sans Mono" pitchFamily="49" charset="0"/>
+                <a:cs typeface="DejaVu Sans Mono" pitchFamily="49" charset="0"/>
+              </a:rPr>
+              <a:t>cout</a:t>
+            </a:r>
+            <a:r>
+              <a:rPr lang="en-US" altLang="zh-CN" dirty="0" smtClean="0">
+                <a:latin typeface="DejaVu Sans Mono" pitchFamily="49" charset="0"/>
+                <a:ea typeface="DejaVu Sans Mono" pitchFamily="49" charset="0"/>
+                <a:cs typeface="DejaVu Sans Mono" pitchFamily="49" charset="0"/>
+              </a:rPr>
+              <a:t> &lt;&lt; </a:t>
+            </a:r>
+            <a:r>
+              <a:rPr lang="en-US" altLang="zh-CN" dirty="0" err="1" smtClean="0">
+                <a:latin typeface="DejaVu Sans Mono" pitchFamily="49" charset="0"/>
+                <a:ea typeface="DejaVu Sans Mono" pitchFamily="49" charset="0"/>
+                <a:cs typeface="DejaVu Sans Mono" pitchFamily="49" charset="0"/>
+              </a:rPr>
+              <a:t>args</a:t>
+            </a:r>
+            <a:r>
+              <a:rPr lang="en-US" altLang="zh-CN" dirty="0" smtClean="0">
+                <a:latin typeface="DejaVu Sans Mono" pitchFamily="49" charset="0"/>
+                <a:ea typeface="DejaVu Sans Mono" pitchFamily="49" charset="0"/>
+                <a:cs typeface="DejaVu Sans Mono" pitchFamily="49" charset="0"/>
+              </a:rPr>
+              <a:t>&lt;&lt;std::</a:t>
+            </a:r>
+            <a:r>
+              <a:rPr lang="en-US" altLang="zh-CN" dirty="0" err="1" smtClean="0">
+                <a:latin typeface="DejaVu Sans Mono" pitchFamily="49" charset="0"/>
+                <a:ea typeface="DejaVu Sans Mono" pitchFamily="49" charset="0"/>
+                <a:cs typeface="DejaVu Sans Mono" pitchFamily="49" charset="0"/>
+              </a:rPr>
+              <a:t>endl</a:t>
+            </a:r>
+            <a:r>
+              <a:rPr lang="en-US" altLang="zh-CN" dirty="0" smtClean="0">
+                <a:latin typeface="DejaVu Sans Mono" pitchFamily="49" charset="0"/>
+                <a:ea typeface="DejaVu Sans Mono" pitchFamily="49" charset="0"/>
+                <a:cs typeface="DejaVu Sans Mono" pitchFamily="49" charset="0"/>
+              </a:rPr>
+              <a:t>, 0)...};</a:t>
+            </a:r>
+          </a:p>
+          <a:p>
+            <a:r>
+              <a:rPr lang="en-US" altLang="zh-CN" dirty="0" smtClean="0">
+                <a:latin typeface="DejaVu Sans Mono" pitchFamily="49" charset="0"/>
+                <a:ea typeface="DejaVu Sans Mono" pitchFamily="49" charset="0"/>
+                <a:cs typeface="DejaVu Sans Mono" pitchFamily="49" charset="0"/>
+              </a:rPr>
+              <a:t>}</a:t>
+            </a:r>
+            <a:endParaRPr lang="zh-CN" altLang="en-US" dirty="0">
+              <a:latin typeface="DejaVu Sans Mono" pitchFamily="49" charset="0"/>
+              <a:cs typeface="DejaVu Sans Mono" pitchFamily="49" charset="0"/>
+            </a:endParaRPr>
+          </a:p>
+        </p:txBody>
+      </p:sp>
+      <p:sp>
+        <p:nvSpPr>
+          <p:cNvPr id="8" name="矩形 7"/>
+          <p:cNvSpPr/>
+          <p:nvPr/>
+        </p:nvSpPr>
+        <p:spPr>
+          <a:xfrm>
+            <a:off x="374074" y="3144719"/>
+            <a:ext cx="5611090" cy="1477328"/>
+          </a:xfrm>
+          <a:prstGeom prst="rect">
+            <a:avLst/>
+          </a:prstGeom>
+        </p:spPr>
+        <p:txBody>
+          <a:bodyPr wrap="square">
+            <a:spAutoFit/>
+          </a:bodyPr>
+          <a:lstStyle/>
+          <a:p>
+            <a:r>
+              <a:rPr lang="en-US" altLang="zh-CN" dirty="0" smtClean="0">
+                <a:latin typeface="DejaVu Sans Mono" pitchFamily="49" charset="0"/>
+                <a:ea typeface="DejaVu Sans Mono" pitchFamily="49" charset="0"/>
+                <a:cs typeface="DejaVu Sans Mono" pitchFamily="49" charset="0"/>
+              </a:rPr>
+              <a:t>//</a:t>
+            </a:r>
+            <a:r>
+              <a:rPr lang="en-US" altLang="zh-CN" dirty="0" err="1" smtClean="0">
+                <a:latin typeface="DejaVu Sans Mono" pitchFamily="49" charset="0"/>
+                <a:ea typeface="DejaVu Sans Mono" pitchFamily="49" charset="0"/>
+                <a:cs typeface="DejaVu Sans Mono" pitchFamily="49" charset="0"/>
+              </a:rPr>
+              <a:t>c++</a:t>
+            </a:r>
+            <a:r>
+              <a:rPr lang="en-US" altLang="zh-CN" dirty="0" smtClean="0">
+                <a:latin typeface="DejaVu Sans Mono" pitchFamily="49" charset="0"/>
+                <a:ea typeface="DejaVu Sans Mono" pitchFamily="49" charset="0"/>
+                <a:cs typeface="DejaVu Sans Mono" pitchFamily="49" charset="0"/>
+              </a:rPr>
+              <a:t>17 unary fold</a:t>
+            </a:r>
+          </a:p>
+          <a:p>
+            <a:r>
+              <a:rPr lang="en-US" altLang="zh-CN" dirty="0" smtClean="0">
+                <a:latin typeface="DejaVu Sans Mono" pitchFamily="49" charset="0"/>
+                <a:ea typeface="DejaVu Sans Mono" pitchFamily="49" charset="0"/>
+                <a:cs typeface="DejaVu Sans Mono" pitchFamily="49" charset="0"/>
+              </a:rPr>
+              <a:t>template&lt;</a:t>
+            </a:r>
+            <a:r>
+              <a:rPr lang="en-US" altLang="zh-CN" dirty="0" err="1" smtClean="0">
+                <a:latin typeface="DejaVu Sans Mono" pitchFamily="49" charset="0"/>
+                <a:ea typeface="DejaVu Sans Mono" pitchFamily="49" charset="0"/>
+                <a:cs typeface="DejaVu Sans Mono" pitchFamily="49" charset="0"/>
+              </a:rPr>
+              <a:t>typename</a:t>
+            </a:r>
+            <a:r>
+              <a:rPr lang="en-US" altLang="zh-CN" dirty="0" smtClean="0">
+                <a:latin typeface="DejaVu Sans Mono" pitchFamily="49" charset="0"/>
+                <a:ea typeface="DejaVu Sans Mono" pitchFamily="49" charset="0"/>
+                <a:cs typeface="DejaVu Sans Mono" pitchFamily="49" charset="0"/>
+              </a:rPr>
+              <a:t>... </a:t>
+            </a:r>
+            <a:r>
+              <a:rPr lang="en-US" altLang="zh-CN" dirty="0" err="1" smtClean="0">
+                <a:latin typeface="DejaVu Sans Mono" pitchFamily="49" charset="0"/>
+                <a:ea typeface="DejaVu Sans Mono" pitchFamily="49" charset="0"/>
+                <a:cs typeface="DejaVu Sans Mono" pitchFamily="49" charset="0"/>
+              </a:rPr>
+              <a:t>Args</a:t>
+            </a:r>
+            <a:r>
+              <a:rPr lang="en-US" altLang="zh-CN" dirty="0" smtClean="0">
+                <a:latin typeface="DejaVu Sans Mono" pitchFamily="49" charset="0"/>
+                <a:ea typeface="DejaVu Sans Mono" pitchFamily="49" charset="0"/>
+                <a:cs typeface="DejaVu Sans Mono" pitchFamily="49" charset="0"/>
+              </a:rPr>
+              <a:t>&gt;</a:t>
+            </a:r>
+          </a:p>
+          <a:p>
+            <a:r>
+              <a:rPr lang="en-US" altLang="zh-CN" dirty="0" smtClean="0">
+                <a:latin typeface="DejaVu Sans Mono" pitchFamily="49" charset="0"/>
+                <a:ea typeface="DejaVu Sans Mono" pitchFamily="49" charset="0"/>
+                <a:cs typeface="DejaVu Sans Mono" pitchFamily="49" charset="0"/>
+              </a:rPr>
+              <a:t>void print(</a:t>
+            </a:r>
+            <a:r>
+              <a:rPr lang="en-US" altLang="zh-CN" dirty="0" err="1" smtClean="0">
+                <a:latin typeface="DejaVu Sans Mono" pitchFamily="49" charset="0"/>
+                <a:ea typeface="DejaVu Sans Mono" pitchFamily="49" charset="0"/>
+                <a:cs typeface="DejaVu Sans Mono" pitchFamily="49" charset="0"/>
+              </a:rPr>
+              <a:t>Args</a:t>
+            </a:r>
+            <a:r>
+              <a:rPr lang="en-US" altLang="zh-CN" dirty="0" smtClean="0">
+                <a:latin typeface="DejaVu Sans Mono" pitchFamily="49" charset="0"/>
+                <a:ea typeface="DejaVu Sans Mono" pitchFamily="49" charset="0"/>
+                <a:cs typeface="DejaVu Sans Mono" pitchFamily="49" charset="0"/>
+              </a:rPr>
+              <a:t>... </a:t>
+            </a:r>
+            <a:r>
+              <a:rPr lang="en-US" altLang="zh-CN" dirty="0" err="1" smtClean="0">
+                <a:latin typeface="DejaVu Sans Mono" pitchFamily="49" charset="0"/>
+                <a:ea typeface="DejaVu Sans Mono" pitchFamily="49" charset="0"/>
+                <a:cs typeface="DejaVu Sans Mono" pitchFamily="49" charset="0"/>
+              </a:rPr>
+              <a:t>args</a:t>
+            </a:r>
+            <a:r>
+              <a:rPr lang="en-US" altLang="zh-CN" dirty="0" smtClean="0">
+                <a:latin typeface="DejaVu Sans Mono" pitchFamily="49" charset="0"/>
+                <a:ea typeface="DejaVu Sans Mono" pitchFamily="49" charset="0"/>
+                <a:cs typeface="DejaVu Sans Mono" pitchFamily="49" charset="0"/>
+              </a:rPr>
+              <a:t>) {</a:t>
+            </a:r>
+          </a:p>
+          <a:p>
+            <a:r>
+              <a:rPr lang="en-US" altLang="zh-CN" dirty="0" smtClean="0">
+                <a:latin typeface="DejaVu Sans Mono" pitchFamily="49" charset="0"/>
+                <a:ea typeface="DejaVu Sans Mono" pitchFamily="49" charset="0"/>
+                <a:cs typeface="DejaVu Sans Mono" pitchFamily="49" charset="0"/>
+              </a:rPr>
+              <a:t>    ((std::</a:t>
+            </a:r>
+            <a:r>
+              <a:rPr lang="en-US" altLang="zh-CN" dirty="0" err="1" smtClean="0">
+                <a:latin typeface="DejaVu Sans Mono" pitchFamily="49" charset="0"/>
+                <a:ea typeface="DejaVu Sans Mono" pitchFamily="49" charset="0"/>
+                <a:cs typeface="DejaVu Sans Mono" pitchFamily="49" charset="0"/>
+              </a:rPr>
+              <a:t>cout</a:t>
+            </a:r>
+            <a:r>
+              <a:rPr lang="en-US" altLang="zh-CN" dirty="0" smtClean="0">
+                <a:latin typeface="DejaVu Sans Mono" pitchFamily="49" charset="0"/>
+                <a:ea typeface="DejaVu Sans Mono" pitchFamily="49" charset="0"/>
+                <a:cs typeface="DejaVu Sans Mono" pitchFamily="49" charset="0"/>
+              </a:rPr>
+              <a:t>&lt;&lt;</a:t>
+            </a:r>
+            <a:r>
+              <a:rPr lang="en-US" altLang="zh-CN" dirty="0" err="1" smtClean="0">
+                <a:latin typeface="DejaVu Sans Mono" pitchFamily="49" charset="0"/>
+                <a:ea typeface="DejaVu Sans Mono" pitchFamily="49" charset="0"/>
+                <a:cs typeface="DejaVu Sans Mono" pitchFamily="49" charset="0"/>
+              </a:rPr>
+              <a:t>args</a:t>
+            </a:r>
+            <a:r>
+              <a:rPr lang="en-US" altLang="zh-CN" dirty="0" smtClean="0">
+                <a:latin typeface="DejaVu Sans Mono" pitchFamily="49" charset="0"/>
+                <a:ea typeface="DejaVu Sans Mono" pitchFamily="49" charset="0"/>
+                <a:cs typeface="DejaVu Sans Mono" pitchFamily="49" charset="0"/>
+              </a:rPr>
+              <a:t>&lt;&lt;std::</a:t>
+            </a:r>
+            <a:r>
+              <a:rPr lang="en-US" altLang="zh-CN" dirty="0" err="1" smtClean="0">
+                <a:latin typeface="DejaVu Sans Mono" pitchFamily="49" charset="0"/>
+                <a:ea typeface="DejaVu Sans Mono" pitchFamily="49" charset="0"/>
+                <a:cs typeface="DejaVu Sans Mono" pitchFamily="49" charset="0"/>
+              </a:rPr>
+              <a:t>endl</a:t>
+            </a:r>
+            <a:r>
+              <a:rPr lang="en-US" altLang="zh-CN" dirty="0" smtClean="0">
+                <a:latin typeface="DejaVu Sans Mono" pitchFamily="49" charset="0"/>
+                <a:ea typeface="DejaVu Sans Mono" pitchFamily="49" charset="0"/>
+                <a:cs typeface="DejaVu Sans Mono" pitchFamily="49" charset="0"/>
+              </a:rPr>
+              <a:t>), ...);</a:t>
+            </a:r>
+          </a:p>
+          <a:p>
+            <a:r>
+              <a:rPr lang="en-US" altLang="zh-CN" dirty="0" smtClean="0">
+                <a:latin typeface="DejaVu Sans Mono" pitchFamily="49" charset="0"/>
+                <a:ea typeface="DejaVu Sans Mono" pitchFamily="49" charset="0"/>
+                <a:cs typeface="DejaVu Sans Mono" pitchFamily="49" charset="0"/>
+              </a:rPr>
+              <a:t>}</a:t>
+            </a:r>
+            <a:endParaRPr lang="zh-CN" altLang="en-US" dirty="0">
+              <a:latin typeface="DejaVu Sans Mono" pitchFamily="49" charset="0"/>
+              <a:cs typeface="DejaVu Sans Mono" pitchFamily="49" charset="0"/>
+            </a:endParaRPr>
+          </a:p>
+        </p:txBody>
+      </p:sp>
+      <p:sp>
+        <p:nvSpPr>
+          <p:cNvPr id="9" name="矩形 8"/>
+          <p:cNvSpPr/>
+          <p:nvPr/>
+        </p:nvSpPr>
+        <p:spPr>
+          <a:xfrm>
+            <a:off x="423948" y="4782327"/>
+            <a:ext cx="6774873" cy="1477328"/>
+          </a:xfrm>
+          <a:prstGeom prst="rect">
+            <a:avLst/>
+          </a:prstGeom>
+        </p:spPr>
+        <p:txBody>
+          <a:bodyPr wrap="square">
+            <a:spAutoFit/>
+          </a:bodyPr>
+          <a:lstStyle/>
+          <a:p>
+            <a:r>
+              <a:rPr lang="en-US" dirty="0" smtClean="0">
+                <a:latin typeface="DejaVu Sans Mono" pitchFamily="49" charset="0"/>
+                <a:ea typeface="DejaVu Sans Mono" pitchFamily="49" charset="0"/>
+                <a:cs typeface="DejaVu Sans Mono" pitchFamily="49" charset="0"/>
+              </a:rPr>
+              <a:t>//</a:t>
+            </a:r>
+            <a:r>
+              <a:rPr lang="en-US" dirty="0" err="1" smtClean="0">
+                <a:latin typeface="DejaVu Sans Mono" pitchFamily="49" charset="0"/>
+                <a:ea typeface="DejaVu Sans Mono" pitchFamily="49" charset="0"/>
+                <a:cs typeface="DejaVu Sans Mono" pitchFamily="49" charset="0"/>
+              </a:rPr>
+              <a:t>c++</a:t>
+            </a:r>
+            <a:r>
+              <a:rPr lang="en-US" dirty="0" smtClean="0">
+                <a:latin typeface="DejaVu Sans Mono" pitchFamily="49" charset="0"/>
+                <a:ea typeface="DejaVu Sans Mono" pitchFamily="49" charset="0"/>
+                <a:cs typeface="DejaVu Sans Mono" pitchFamily="49" charset="0"/>
+              </a:rPr>
+              <a:t>17 binary fold</a:t>
+            </a:r>
+          </a:p>
+          <a:p>
+            <a:r>
+              <a:rPr lang="en-US" dirty="0" smtClean="0">
+                <a:latin typeface="DejaVu Sans Mono" pitchFamily="49" charset="0"/>
+                <a:ea typeface="DejaVu Sans Mono" pitchFamily="49" charset="0"/>
+                <a:cs typeface="DejaVu Sans Mono" pitchFamily="49" charset="0"/>
+              </a:rPr>
+              <a:t>template&lt;</a:t>
+            </a:r>
+            <a:r>
+              <a:rPr lang="en-US" dirty="0" err="1" smtClean="0">
+                <a:latin typeface="DejaVu Sans Mono" pitchFamily="49" charset="0"/>
+                <a:ea typeface="DejaVu Sans Mono" pitchFamily="49" charset="0"/>
+                <a:cs typeface="DejaVu Sans Mono" pitchFamily="49" charset="0"/>
+              </a:rPr>
+              <a:t>typename</a:t>
+            </a:r>
+            <a:r>
+              <a:rPr lang="en-US" dirty="0" smtClean="0">
+                <a:latin typeface="DejaVu Sans Mono" pitchFamily="49" charset="0"/>
+                <a:ea typeface="DejaVu Sans Mono" pitchFamily="49" charset="0"/>
+                <a:cs typeface="DejaVu Sans Mono" pitchFamily="49" charset="0"/>
+              </a:rPr>
+              <a:t> ...</a:t>
+            </a:r>
+            <a:r>
+              <a:rPr lang="en-US" dirty="0" err="1" smtClean="0">
+                <a:latin typeface="DejaVu Sans Mono" pitchFamily="49" charset="0"/>
+                <a:ea typeface="DejaVu Sans Mono" pitchFamily="49" charset="0"/>
+                <a:cs typeface="DejaVu Sans Mono" pitchFamily="49" charset="0"/>
+              </a:rPr>
+              <a:t>Args</a:t>
+            </a:r>
+            <a:r>
+              <a:rPr lang="en-US" dirty="0" smtClean="0">
+                <a:latin typeface="DejaVu Sans Mono" pitchFamily="49" charset="0"/>
+                <a:ea typeface="DejaVu Sans Mono" pitchFamily="49" charset="0"/>
+                <a:cs typeface="DejaVu Sans Mono" pitchFamily="49" charset="0"/>
+              </a:rPr>
+              <a:t>&gt;</a:t>
+            </a:r>
+            <a:br>
+              <a:rPr lang="en-US" dirty="0" smtClean="0">
+                <a:latin typeface="DejaVu Sans Mono" pitchFamily="49" charset="0"/>
+                <a:ea typeface="DejaVu Sans Mono" pitchFamily="49" charset="0"/>
+                <a:cs typeface="DejaVu Sans Mono" pitchFamily="49" charset="0"/>
+              </a:rPr>
+            </a:br>
+            <a:r>
+              <a:rPr lang="en-US" dirty="0" smtClean="0">
+                <a:latin typeface="DejaVu Sans Mono" pitchFamily="49" charset="0"/>
+                <a:ea typeface="DejaVu Sans Mono" pitchFamily="49" charset="0"/>
+                <a:cs typeface="DejaVu Sans Mono" pitchFamily="49" charset="0"/>
+              </a:rPr>
+              <a:t>void print(</a:t>
+            </a:r>
+            <a:r>
+              <a:rPr lang="en-US" dirty="0" err="1" smtClean="0">
+                <a:latin typeface="DejaVu Sans Mono" pitchFamily="49" charset="0"/>
+                <a:ea typeface="DejaVu Sans Mono" pitchFamily="49" charset="0"/>
+                <a:cs typeface="DejaVu Sans Mono" pitchFamily="49" charset="0"/>
+              </a:rPr>
+              <a:t>Args</a:t>
+            </a:r>
+            <a:r>
+              <a:rPr lang="en-US" dirty="0" smtClean="0">
+                <a:latin typeface="DejaVu Sans Mono" pitchFamily="49" charset="0"/>
+                <a:ea typeface="DejaVu Sans Mono" pitchFamily="49" charset="0"/>
+                <a:cs typeface="DejaVu Sans Mono" pitchFamily="49" charset="0"/>
+              </a:rPr>
+              <a:t>&amp;&amp;... </a:t>
+            </a:r>
+            <a:r>
+              <a:rPr lang="en-US" dirty="0" err="1" smtClean="0">
+                <a:latin typeface="DejaVu Sans Mono" pitchFamily="49" charset="0"/>
+                <a:ea typeface="DejaVu Sans Mono" pitchFamily="49" charset="0"/>
+                <a:cs typeface="DejaVu Sans Mono" pitchFamily="49" charset="0"/>
+              </a:rPr>
+              <a:t>args</a:t>
+            </a:r>
+            <a:r>
+              <a:rPr lang="en-US" dirty="0" smtClean="0">
+                <a:latin typeface="DejaVu Sans Mono" pitchFamily="49" charset="0"/>
+                <a:ea typeface="DejaVu Sans Mono" pitchFamily="49" charset="0"/>
+                <a:cs typeface="DejaVu Sans Mono" pitchFamily="49" charset="0"/>
+              </a:rPr>
+              <a:t>) {</a:t>
+            </a:r>
+          </a:p>
+          <a:p>
+            <a:r>
+              <a:rPr lang="en-US" dirty="0" smtClean="0">
+                <a:latin typeface="DejaVu Sans Mono" pitchFamily="49" charset="0"/>
+                <a:ea typeface="DejaVu Sans Mono" pitchFamily="49" charset="0"/>
+                <a:cs typeface="DejaVu Sans Mono" pitchFamily="49" charset="0"/>
+              </a:rPr>
+              <a:t>    (std::</a:t>
+            </a:r>
+            <a:r>
+              <a:rPr lang="en-US" dirty="0" err="1" smtClean="0">
+                <a:latin typeface="DejaVu Sans Mono" pitchFamily="49" charset="0"/>
+                <a:ea typeface="DejaVu Sans Mono" pitchFamily="49" charset="0"/>
+                <a:cs typeface="DejaVu Sans Mono" pitchFamily="49" charset="0"/>
+              </a:rPr>
+              <a:t>cout</a:t>
+            </a:r>
+            <a:r>
+              <a:rPr lang="en-US" dirty="0" smtClean="0">
+                <a:latin typeface="DejaVu Sans Mono" pitchFamily="49" charset="0"/>
+                <a:ea typeface="DejaVu Sans Mono" pitchFamily="49" charset="0"/>
+                <a:cs typeface="DejaVu Sans Mono" pitchFamily="49" charset="0"/>
+              </a:rPr>
+              <a:t> &lt;&lt; ... &lt;&lt; </a:t>
+            </a:r>
+            <a:r>
+              <a:rPr lang="en-US" dirty="0" err="1" smtClean="0">
+                <a:latin typeface="DejaVu Sans Mono" pitchFamily="49" charset="0"/>
+                <a:ea typeface="DejaVu Sans Mono" pitchFamily="49" charset="0"/>
+                <a:cs typeface="DejaVu Sans Mono" pitchFamily="49" charset="0"/>
+              </a:rPr>
+              <a:t>args</a:t>
+            </a:r>
+            <a:r>
+              <a:rPr lang="en-US" dirty="0" smtClean="0">
+                <a:latin typeface="DejaVu Sans Mono" pitchFamily="49" charset="0"/>
+                <a:ea typeface="DejaVu Sans Mono" pitchFamily="49" charset="0"/>
+                <a:cs typeface="DejaVu Sans Mono" pitchFamily="49" charset="0"/>
+              </a:rPr>
+              <a:t>) &lt;&lt; '\n'; </a:t>
+            </a:r>
+            <a:br>
+              <a:rPr lang="en-US" dirty="0" smtClean="0">
+                <a:latin typeface="DejaVu Sans Mono" pitchFamily="49" charset="0"/>
+                <a:ea typeface="DejaVu Sans Mono" pitchFamily="49" charset="0"/>
+                <a:cs typeface="DejaVu Sans Mono" pitchFamily="49" charset="0"/>
+              </a:rPr>
+            </a:br>
+            <a:r>
+              <a:rPr lang="en-US" dirty="0" smtClean="0">
+                <a:latin typeface="DejaVu Sans Mono" pitchFamily="49" charset="0"/>
+                <a:ea typeface="DejaVu Sans Mono" pitchFamily="49" charset="0"/>
+                <a:cs typeface="DejaVu Sans Mono" pitchFamily="49" charset="0"/>
+              </a:rPr>
+              <a:t>}</a:t>
+            </a:r>
+            <a:endParaRPr lang="zh-CN" altLang="en-US" dirty="0">
+              <a:latin typeface="DejaVu Sans Mono" pitchFamily="49" charset="0"/>
+              <a:cs typeface="DejaVu Sans Mono" pitchFamily="49" charset="0"/>
+            </a:endParaRPr>
+          </a:p>
+        </p:txBody>
+      </p:sp>
+    </p:spTree>
+  </p:cSld>
+  <p:clrMapOvr>
+    <a:masterClrMapping/>
+  </p:clrMapOvr>
+  <p:timing>
+    <p:tnLst>
+      <p:par>
+        <p:cTn id="1" dur="indefinite" restart="never" nodeType="tmRoot"/>
+      </p:par>
+    </p:tnLst>
+  </p:timing>
+</p:sld>
+</file>
+
 <file path=ppt/slides/slide16.xml><?xml version="1.0" encoding="utf-8"?>
 <p:sld xmlns:a="http://schemas.openxmlformats.org/drawingml/2006/main" xmlns:r="http://schemas.openxmlformats.org/officeDocument/2006/relationships" xmlns:p="http://schemas.openxmlformats.org/presentationml/2006/main">
   <p:cSld>
@@ -4963,720 +5234,6 @@
           </a:bodyPr>
           <a:lstStyle/>
           <a:p>
-            <a:r>
-              <a:rPr lang="en-US" altLang="zh-CN" dirty="0" smtClean="0"/>
-              <a:t>Fold Expression</a:t>
-            </a:r>
-            <a:endParaRPr lang="zh-CN" altLang="en-US" dirty="0" smtClean="0"/>
-          </a:p>
-        </p:txBody>
-      </p:sp>
-      <p:sp>
-        <p:nvSpPr>
-          <p:cNvPr id="3" name="内容占位符 2"/>
-          <p:cNvSpPr>
-            <a:spLocks noGrp="1"/>
-          </p:cNvSpPr>
-          <p:nvPr>
-            <p:ph sz="quarter" idx="11"/>
-          </p:nvPr>
-        </p:nvSpPr>
-        <p:spPr/>
-        <p:txBody>
-          <a:bodyPr/>
-          <a:lstStyle/>
-          <a:p>
-            <a:endParaRPr lang="zh-CN" altLang="en-US" dirty="0"/>
-          </a:p>
-        </p:txBody>
-      </p:sp>
-      <p:sp>
-        <p:nvSpPr>
-          <p:cNvPr id="7" name="矩形 6"/>
-          <p:cNvSpPr/>
-          <p:nvPr/>
-        </p:nvSpPr>
-        <p:spPr>
-          <a:xfrm>
-            <a:off x="332507" y="1277310"/>
-            <a:ext cx="7797340" cy="1754326"/>
-          </a:xfrm>
-          <a:prstGeom prst="rect">
-            <a:avLst/>
-          </a:prstGeom>
-        </p:spPr>
-        <p:txBody>
-          <a:bodyPr wrap="square">
-            <a:spAutoFit/>
-          </a:bodyPr>
-          <a:lstStyle/>
-          <a:p>
-            <a:r>
-              <a:rPr lang="en-US" altLang="zh-CN" dirty="0" smtClean="0">
-                <a:latin typeface="DejaVu Sans Mono" pitchFamily="49" charset="0"/>
-                <a:ea typeface="DejaVu Sans Mono" pitchFamily="49" charset="0"/>
-                <a:cs typeface="DejaVu Sans Mono" pitchFamily="49" charset="0"/>
-              </a:rPr>
-              <a:t>//</a:t>
-            </a:r>
-            <a:r>
-              <a:rPr lang="en-US" altLang="zh-CN" dirty="0" err="1" smtClean="0">
-                <a:latin typeface="DejaVu Sans Mono" pitchFamily="49" charset="0"/>
-                <a:ea typeface="DejaVu Sans Mono" pitchFamily="49" charset="0"/>
-                <a:cs typeface="DejaVu Sans Mono" pitchFamily="49" charset="0"/>
-              </a:rPr>
-              <a:t>c++</a:t>
-            </a:r>
-            <a:r>
-              <a:rPr lang="en-US" altLang="zh-CN" dirty="0" smtClean="0">
-                <a:latin typeface="DejaVu Sans Mono" pitchFamily="49" charset="0"/>
-                <a:ea typeface="DejaVu Sans Mono" pitchFamily="49" charset="0"/>
-                <a:cs typeface="DejaVu Sans Mono" pitchFamily="49" charset="0"/>
-              </a:rPr>
-              <a:t>11</a:t>
-            </a:r>
-          </a:p>
-          <a:p>
-            <a:r>
-              <a:rPr lang="en-US" altLang="zh-CN" dirty="0" smtClean="0">
-                <a:latin typeface="DejaVu Sans Mono" pitchFamily="49" charset="0"/>
-                <a:ea typeface="DejaVu Sans Mono" pitchFamily="49" charset="0"/>
-                <a:cs typeface="DejaVu Sans Mono" pitchFamily="49" charset="0"/>
-              </a:rPr>
-              <a:t>template&lt;</a:t>
-            </a:r>
-            <a:r>
-              <a:rPr lang="en-US" altLang="zh-CN" dirty="0" err="1" smtClean="0">
-                <a:latin typeface="DejaVu Sans Mono" pitchFamily="49" charset="0"/>
-                <a:ea typeface="DejaVu Sans Mono" pitchFamily="49" charset="0"/>
-                <a:cs typeface="DejaVu Sans Mono" pitchFamily="49" charset="0"/>
-              </a:rPr>
-              <a:t>typename</a:t>
-            </a:r>
-            <a:r>
-              <a:rPr lang="en-US" altLang="zh-CN" dirty="0" smtClean="0">
-                <a:latin typeface="DejaVu Sans Mono" pitchFamily="49" charset="0"/>
-                <a:ea typeface="DejaVu Sans Mono" pitchFamily="49" charset="0"/>
-                <a:cs typeface="DejaVu Sans Mono" pitchFamily="49" charset="0"/>
-              </a:rPr>
-              <a:t>... </a:t>
-            </a:r>
-            <a:r>
-              <a:rPr lang="en-US" altLang="zh-CN" dirty="0" err="1" smtClean="0">
-                <a:latin typeface="DejaVu Sans Mono" pitchFamily="49" charset="0"/>
-                <a:ea typeface="DejaVu Sans Mono" pitchFamily="49" charset="0"/>
-                <a:cs typeface="DejaVu Sans Mono" pitchFamily="49" charset="0"/>
-              </a:rPr>
-              <a:t>Args</a:t>
-            </a:r>
-            <a:r>
-              <a:rPr lang="en-US" altLang="zh-CN" dirty="0" smtClean="0">
-                <a:latin typeface="DejaVu Sans Mono" pitchFamily="49" charset="0"/>
-                <a:ea typeface="DejaVu Sans Mono" pitchFamily="49" charset="0"/>
-                <a:cs typeface="DejaVu Sans Mono" pitchFamily="49" charset="0"/>
-              </a:rPr>
-              <a:t>&gt;</a:t>
-            </a:r>
-          </a:p>
-          <a:p>
-            <a:r>
-              <a:rPr lang="en-US" altLang="zh-CN" dirty="0" smtClean="0">
-                <a:latin typeface="DejaVu Sans Mono" pitchFamily="49" charset="0"/>
-                <a:ea typeface="DejaVu Sans Mono" pitchFamily="49" charset="0"/>
-                <a:cs typeface="DejaVu Sans Mono" pitchFamily="49" charset="0"/>
-              </a:rPr>
-              <a:t>void print(</a:t>
-            </a:r>
-            <a:r>
-              <a:rPr lang="en-US" altLang="zh-CN" dirty="0" err="1" smtClean="0">
-                <a:latin typeface="DejaVu Sans Mono" pitchFamily="49" charset="0"/>
-                <a:ea typeface="DejaVu Sans Mono" pitchFamily="49" charset="0"/>
-                <a:cs typeface="DejaVu Sans Mono" pitchFamily="49" charset="0"/>
-              </a:rPr>
-              <a:t>Args</a:t>
-            </a:r>
-            <a:r>
-              <a:rPr lang="en-US" altLang="zh-CN" dirty="0" smtClean="0">
-                <a:latin typeface="DejaVu Sans Mono" pitchFamily="49" charset="0"/>
-                <a:ea typeface="DejaVu Sans Mono" pitchFamily="49" charset="0"/>
-                <a:cs typeface="DejaVu Sans Mono" pitchFamily="49" charset="0"/>
-              </a:rPr>
-              <a:t>... </a:t>
-            </a:r>
-            <a:r>
-              <a:rPr lang="en-US" altLang="zh-CN" dirty="0" err="1" smtClean="0">
-                <a:latin typeface="DejaVu Sans Mono" pitchFamily="49" charset="0"/>
-                <a:ea typeface="DejaVu Sans Mono" pitchFamily="49" charset="0"/>
-                <a:cs typeface="DejaVu Sans Mono" pitchFamily="49" charset="0"/>
-              </a:rPr>
-              <a:t>Args</a:t>
-            </a:r>
-            <a:r>
-              <a:rPr lang="en-US" altLang="zh-CN" dirty="0" smtClean="0">
-                <a:latin typeface="DejaVu Sans Mono" pitchFamily="49" charset="0"/>
-                <a:ea typeface="DejaVu Sans Mono" pitchFamily="49" charset="0"/>
-                <a:cs typeface="DejaVu Sans Mono" pitchFamily="49" charset="0"/>
-              </a:rPr>
-              <a:t>){</a:t>
-            </a:r>
-          </a:p>
-          <a:p>
-            <a:r>
-              <a:rPr lang="en-US" altLang="zh-CN" dirty="0" smtClean="0">
-                <a:latin typeface="DejaVu Sans Mono" pitchFamily="49" charset="0"/>
-                <a:ea typeface="DejaVu Sans Mono" pitchFamily="49" charset="0"/>
-                <a:cs typeface="DejaVu Sans Mono" pitchFamily="49" charset="0"/>
-              </a:rPr>
-              <a:t>    std::</a:t>
-            </a:r>
-            <a:r>
-              <a:rPr lang="en-US" altLang="zh-CN" dirty="0" err="1" smtClean="0">
-                <a:latin typeface="DejaVu Sans Mono" pitchFamily="49" charset="0"/>
-                <a:ea typeface="DejaVu Sans Mono" pitchFamily="49" charset="0"/>
-                <a:cs typeface="DejaVu Sans Mono" pitchFamily="49" charset="0"/>
-              </a:rPr>
-              <a:t>initializer_list</a:t>
-            </a:r>
-            <a:r>
-              <a:rPr lang="en-US" altLang="zh-CN" dirty="0" smtClean="0">
-                <a:latin typeface="DejaVu Sans Mono" pitchFamily="49" charset="0"/>
-                <a:ea typeface="DejaVu Sans Mono" pitchFamily="49" charset="0"/>
-                <a:cs typeface="DejaVu Sans Mono" pitchFamily="49" charset="0"/>
-              </a:rPr>
-              <a:t>&lt;</a:t>
-            </a:r>
-            <a:r>
-              <a:rPr lang="en-US" altLang="zh-CN" dirty="0" err="1" smtClean="0">
-                <a:latin typeface="DejaVu Sans Mono" pitchFamily="49" charset="0"/>
-                <a:ea typeface="DejaVu Sans Mono" pitchFamily="49" charset="0"/>
-                <a:cs typeface="DejaVu Sans Mono" pitchFamily="49" charset="0"/>
-              </a:rPr>
-              <a:t>int</a:t>
-            </a:r>
-            <a:r>
-              <a:rPr lang="en-US" altLang="zh-CN" dirty="0" smtClean="0">
-                <a:latin typeface="DejaVu Sans Mono" pitchFamily="49" charset="0"/>
-                <a:ea typeface="DejaVu Sans Mono" pitchFamily="49" charset="0"/>
-                <a:cs typeface="DejaVu Sans Mono" pitchFamily="49" charset="0"/>
-              </a:rPr>
-              <a:t>&gt;{(std::</a:t>
-            </a:r>
-            <a:r>
-              <a:rPr lang="en-US" altLang="zh-CN" dirty="0" err="1" smtClean="0">
-                <a:latin typeface="DejaVu Sans Mono" pitchFamily="49" charset="0"/>
-                <a:ea typeface="DejaVu Sans Mono" pitchFamily="49" charset="0"/>
-                <a:cs typeface="DejaVu Sans Mono" pitchFamily="49" charset="0"/>
-              </a:rPr>
-              <a:t>cout</a:t>
-            </a:r>
-            <a:r>
-              <a:rPr lang="en-US" altLang="zh-CN" dirty="0" smtClean="0">
-                <a:latin typeface="DejaVu Sans Mono" pitchFamily="49" charset="0"/>
-                <a:ea typeface="DejaVu Sans Mono" pitchFamily="49" charset="0"/>
-                <a:cs typeface="DejaVu Sans Mono" pitchFamily="49" charset="0"/>
-              </a:rPr>
-              <a:t> &lt;&lt; </a:t>
-            </a:r>
-            <a:r>
-              <a:rPr lang="en-US" altLang="zh-CN" dirty="0" err="1" smtClean="0">
-                <a:latin typeface="DejaVu Sans Mono" pitchFamily="49" charset="0"/>
-                <a:ea typeface="DejaVu Sans Mono" pitchFamily="49" charset="0"/>
-                <a:cs typeface="DejaVu Sans Mono" pitchFamily="49" charset="0"/>
-              </a:rPr>
-              <a:t>args</a:t>
-            </a:r>
-            <a:r>
-              <a:rPr lang="en-US" altLang="zh-CN" dirty="0" smtClean="0">
-                <a:latin typeface="DejaVu Sans Mono" pitchFamily="49" charset="0"/>
-                <a:ea typeface="DejaVu Sans Mono" pitchFamily="49" charset="0"/>
-                <a:cs typeface="DejaVu Sans Mono" pitchFamily="49" charset="0"/>
-              </a:rPr>
-              <a:t>&lt;&lt;std::</a:t>
-            </a:r>
-            <a:r>
-              <a:rPr lang="en-US" altLang="zh-CN" dirty="0" err="1" smtClean="0">
-                <a:latin typeface="DejaVu Sans Mono" pitchFamily="49" charset="0"/>
-                <a:ea typeface="DejaVu Sans Mono" pitchFamily="49" charset="0"/>
-                <a:cs typeface="DejaVu Sans Mono" pitchFamily="49" charset="0"/>
-              </a:rPr>
-              <a:t>endl</a:t>
-            </a:r>
-            <a:r>
-              <a:rPr lang="en-US" altLang="zh-CN" dirty="0" smtClean="0">
-                <a:latin typeface="DejaVu Sans Mono" pitchFamily="49" charset="0"/>
-                <a:ea typeface="DejaVu Sans Mono" pitchFamily="49" charset="0"/>
-                <a:cs typeface="DejaVu Sans Mono" pitchFamily="49" charset="0"/>
-              </a:rPr>
-              <a:t>, 0)...};</a:t>
-            </a:r>
-          </a:p>
-          <a:p>
-            <a:r>
-              <a:rPr lang="en-US" altLang="zh-CN" dirty="0" smtClean="0">
-                <a:latin typeface="DejaVu Sans Mono" pitchFamily="49" charset="0"/>
-                <a:ea typeface="DejaVu Sans Mono" pitchFamily="49" charset="0"/>
-                <a:cs typeface="DejaVu Sans Mono" pitchFamily="49" charset="0"/>
-              </a:rPr>
-              <a:t>}</a:t>
-            </a:r>
-            <a:endParaRPr lang="zh-CN" altLang="en-US" dirty="0">
-              <a:latin typeface="DejaVu Sans Mono" pitchFamily="49" charset="0"/>
-              <a:cs typeface="DejaVu Sans Mono" pitchFamily="49" charset="0"/>
-            </a:endParaRPr>
-          </a:p>
-        </p:txBody>
-      </p:sp>
-      <p:sp>
-        <p:nvSpPr>
-          <p:cNvPr id="8" name="矩形 7"/>
-          <p:cNvSpPr/>
-          <p:nvPr/>
-        </p:nvSpPr>
-        <p:spPr>
-          <a:xfrm>
-            <a:off x="374074" y="3144719"/>
-            <a:ext cx="5611090" cy="1477328"/>
-          </a:xfrm>
-          <a:prstGeom prst="rect">
-            <a:avLst/>
-          </a:prstGeom>
-        </p:spPr>
-        <p:txBody>
-          <a:bodyPr wrap="square">
-            <a:spAutoFit/>
-          </a:bodyPr>
-          <a:lstStyle/>
-          <a:p>
-            <a:r>
-              <a:rPr lang="en-US" altLang="zh-CN" dirty="0" smtClean="0">
-                <a:latin typeface="DejaVu Sans Mono" pitchFamily="49" charset="0"/>
-                <a:ea typeface="DejaVu Sans Mono" pitchFamily="49" charset="0"/>
-                <a:cs typeface="DejaVu Sans Mono" pitchFamily="49" charset="0"/>
-              </a:rPr>
-              <a:t>//</a:t>
-            </a:r>
-            <a:r>
-              <a:rPr lang="en-US" altLang="zh-CN" dirty="0" err="1" smtClean="0">
-                <a:latin typeface="DejaVu Sans Mono" pitchFamily="49" charset="0"/>
-                <a:ea typeface="DejaVu Sans Mono" pitchFamily="49" charset="0"/>
-                <a:cs typeface="DejaVu Sans Mono" pitchFamily="49" charset="0"/>
-              </a:rPr>
-              <a:t>c++</a:t>
-            </a:r>
-            <a:r>
-              <a:rPr lang="en-US" altLang="zh-CN" dirty="0" smtClean="0">
-                <a:latin typeface="DejaVu Sans Mono" pitchFamily="49" charset="0"/>
-                <a:ea typeface="DejaVu Sans Mono" pitchFamily="49" charset="0"/>
-                <a:cs typeface="DejaVu Sans Mono" pitchFamily="49" charset="0"/>
-              </a:rPr>
-              <a:t>17 unary fold</a:t>
-            </a:r>
-          </a:p>
-          <a:p>
-            <a:r>
-              <a:rPr lang="en-US" altLang="zh-CN" dirty="0" smtClean="0">
-                <a:latin typeface="DejaVu Sans Mono" pitchFamily="49" charset="0"/>
-                <a:ea typeface="DejaVu Sans Mono" pitchFamily="49" charset="0"/>
-                <a:cs typeface="DejaVu Sans Mono" pitchFamily="49" charset="0"/>
-              </a:rPr>
-              <a:t>template&lt;</a:t>
-            </a:r>
-            <a:r>
-              <a:rPr lang="en-US" altLang="zh-CN" dirty="0" err="1" smtClean="0">
-                <a:latin typeface="DejaVu Sans Mono" pitchFamily="49" charset="0"/>
-                <a:ea typeface="DejaVu Sans Mono" pitchFamily="49" charset="0"/>
-                <a:cs typeface="DejaVu Sans Mono" pitchFamily="49" charset="0"/>
-              </a:rPr>
-              <a:t>typename</a:t>
-            </a:r>
-            <a:r>
-              <a:rPr lang="en-US" altLang="zh-CN" dirty="0" smtClean="0">
-                <a:latin typeface="DejaVu Sans Mono" pitchFamily="49" charset="0"/>
-                <a:ea typeface="DejaVu Sans Mono" pitchFamily="49" charset="0"/>
-                <a:cs typeface="DejaVu Sans Mono" pitchFamily="49" charset="0"/>
-              </a:rPr>
-              <a:t>... </a:t>
-            </a:r>
-            <a:r>
-              <a:rPr lang="en-US" altLang="zh-CN" dirty="0" err="1" smtClean="0">
-                <a:latin typeface="DejaVu Sans Mono" pitchFamily="49" charset="0"/>
-                <a:ea typeface="DejaVu Sans Mono" pitchFamily="49" charset="0"/>
-                <a:cs typeface="DejaVu Sans Mono" pitchFamily="49" charset="0"/>
-              </a:rPr>
-              <a:t>Args</a:t>
-            </a:r>
-            <a:r>
-              <a:rPr lang="en-US" altLang="zh-CN" dirty="0" smtClean="0">
-                <a:latin typeface="DejaVu Sans Mono" pitchFamily="49" charset="0"/>
-                <a:ea typeface="DejaVu Sans Mono" pitchFamily="49" charset="0"/>
-                <a:cs typeface="DejaVu Sans Mono" pitchFamily="49" charset="0"/>
-              </a:rPr>
-              <a:t>&gt;</a:t>
-            </a:r>
-          </a:p>
-          <a:p>
-            <a:r>
-              <a:rPr lang="en-US" altLang="zh-CN" dirty="0" smtClean="0">
-                <a:latin typeface="DejaVu Sans Mono" pitchFamily="49" charset="0"/>
-                <a:ea typeface="DejaVu Sans Mono" pitchFamily="49" charset="0"/>
-                <a:cs typeface="DejaVu Sans Mono" pitchFamily="49" charset="0"/>
-              </a:rPr>
-              <a:t>void print(</a:t>
-            </a:r>
-            <a:r>
-              <a:rPr lang="en-US" altLang="zh-CN" dirty="0" err="1" smtClean="0">
-                <a:latin typeface="DejaVu Sans Mono" pitchFamily="49" charset="0"/>
-                <a:ea typeface="DejaVu Sans Mono" pitchFamily="49" charset="0"/>
-                <a:cs typeface="DejaVu Sans Mono" pitchFamily="49" charset="0"/>
-              </a:rPr>
-              <a:t>Args</a:t>
-            </a:r>
-            <a:r>
-              <a:rPr lang="en-US" altLang="zh-CN" dirty="0" smtClean="0">
-                <a:latin typeface="DejaVu Sans Mono" pitchFamily="49" charset="0"/>
-                <a:ea typeface="DejaVu Sans Mono" pitchFamily="49" charset="0"/>
-                <a:cs typeface="DejaVu Sans Mono" pitchFamily="49" charset="0"/>
-              </a:rPr>
-              <a:t>... </a:t>
-            </a:r>
-            <a:r>
-              <a:rPr lang="en-US" altLang="zh-CN" dirty="0" err="1" smtClean="0">
-                <a:latin typeface="DejaVu Sans Mono" pitchFamily="49" charset="0"/>
-                <a:ea typeface="DejaVu Sans Mono" pitchFamily="49" charset="0"/>
-                <a:cs typeface="DejaVu Sans Mono" pitchFamily="49" charset="0"/>
-              </a:rPr>
-              <a:t>args</a:t>
-            </a:r>
-            <a:r>
-              <a:rPr lang="en-US" altLang="zh-CN" dirty="0" smtClean="0">
-                <a:latin typeface="DejaVu Sans Mono" pitchFamily="49" charset="0"/>
-                <a:ea typeface="DejaVu Sans Mono" pitchFamily="49" charset="0"/>
-                <a:cs typeface="DejaVu Sans Mono" pitchFamily="49" charset="0"/>
-              </a:rPr>
-              <a:t>) {</a:t>
-            </a:r>
-          </a:p>
-          <a:p>
-            <a:r>
-              <a:rPr lang="en-US" altLang="zh-CN" dirty="0" smtClean="0">
-                <a:latin typeface="DejaVu Sans Mono" pitchFamily="49" charset="0"/>
-                <a:ea typeface="DejaVu Sans Mono" pitchFamily="49" charset="0"/>
-                <a:cs typeface="DejaVu Sans Mono" pitchFamily="49" charset="0"/>
-              </a:rPr>
-              <a:t>    ((std::</a:t>
-            </a:r>
-            <a:r>
-              <a:rPr lang="en-US" altLang="zh-CN" dirty="0" err="1" smtClean="0">
-                <a:latin typeface="DejaVu Sans Mono" pitchFamily="49" charset="0"/>
-                <a:ea typeface="DejaVu Sans Mono" pitchFamily="49" charset="0"/>
-                <a:cs typeface="DejaVu Sans Mono" pitchFamily="49" charset="0"/>
-              </a:rPr>
-              <a:t>cout</a:t>
-            </a:r>
-            <a:r>
-              <a:rPr lang="en-US" altLang="zh-CN" dirty="0" smtClean="0">
-                <a:latin typeface="DejaVu Sans Mono" pitchFamily="49" charset="0"/>
-                <a:ea typeface="DejaVu Sans Mono" pitchFamily="49" charset="0"/>
-                <a:cs typeface="DejaVu Sans Mono" pitchFamily="49" charset="0"/>
-              </a:rPr>
-              <a:t>&lt;&lt;</a:t>
-            </a:r>
-            <a:r>
-              <a:rPr lang="en-US" altLang="zh-CN" dirty="0" err="1" smtClean="0">
-                <a:latin typeface="DejaVu Sans Mono" pitchFamily="49" charset="0"/>
-                <a:ea typeface="DejaVu Sans Mono" pitchFamily="49" charset="0"/>
-                <a:cs typeface="DejaVu Sans Mono" pitchFamily="49" charset="0"/>
-              </a:rPr>
-              <a:t>args</a:t>
-            </a:r>
-            <a:r>
-              <a:rPr lang="en-US" altLang="zh-CN" dirty="0" smtClean="0">
-                <a:latin typeface="DejaVu Sans Mono" pitchFamily="49" charset="0"/>
-                <a:ea typeface="DejaVu Sans Mono" pitchFamily="49" charset="0"/>
-                <a:cs typeface="DejaVu Sans Mono" pitchFamily="49" charset="0"/>
-              </a:rPr>
-              <a:t>&lt;&lt;std::</a:t>
-            </a:r>
-            <a:r>
-              <a:rPr lang="en-US" altLang="zh-CN" dirty="0" err="1" smtClean="0">
-                <a:latin typeface="DejaVu Sans Mono" pitchFamily="49" charset="0"/>
-                <a:ea typeface="DejaVu Sans Mono" pitchFamily="49" charset="0"/>
-                <a:cs typeface="DejaVu Sans Mono" pitchFamily="49" charset="0"/>
-              </a:rPr>
-              <a:t>endl</a:t>
-            </a:r>
-            <a:r>
-              <a:rPr lang="en-US" altLang="zh-CN" dirty="0" smtClean="0">
-                <a:latin typeface="DejaVu Sans Mono" pitchFamily="49" charset="0"/>
-                <a:ea typeface="DejaVu Sans Mono" pitchFamily="49" charset="0"/>
-                <a:cs typeface="DejaVu Sans Mono" pitchFamily="49" charset="0"/>
-              </a:rPr>
-              <a:t>), ...);</a:t>
-            </a:r>
-          </a:p>
-          <a:p>
-            <a:r>
-              <a:rPr lang="en-US" altLang="zh-CN" dirty="0" smtClean="0">
-                <a:latin typeface="DejaVu Sans Mono" pitchFamily="49" charset="0"/>
-                <a:ea typeface="DejaVu Sans Mono" pitchFamily="49" charset="0"/>
-                <a:cs typeface="DejaVu Sans Mono" pitchFamily="49" charset="0"/>
-              </a:rPr>
-              <a:t>}</a:t>
-            </a:r>
-            <a:endParaRPr lang="zh-CN" altLang="en-US" dirty="0">
-              <a:latin typeface="DejaVu Sans Mono" pitchFamily="49" charset="0"/>
-              <a:cs typeface="DejaVu Sans Mono" pitchFamily="49" charset="0"/>
-            </a:endParaRPr>
-          </a:p>
-        </p:txBody>
-      </p:sp>
-      <p:sp>
-        <p:nvSpPr>
-          <p:cNvPr id="9" name="矩形 8"/>
-          <p:cNvSpPr/>
-          <p:nvPr/>
-        </p:nvSpPr>
-        <p:spPr>
-          <a:xfrm>
-            <a:off x="423948" y="4782327"/>
-            <a:ext cx="6774873" cy="1477328"/>
-          </a:xfrm>
-          <a:prstGeom prst="rect">
-            <a:avLst/>
-          </a:prstGeom>
-        </p:spPr>
-        <p:txBody>
-          <a:bodyPr wrap="square">
-            <a:spAutoFit/>
-          </a:bodyPr>
-          <a:lstStyle/>
-          <a:p>
-            <a:r>
-              <a:rPr lang="en-US" dirty="0" smtClean="0">
-                <a:latin typeface="DejaVu Sans Mono" pitchFamily="49" charset="0"/>
-                <a:ea typeface="DejaVu Sans Mono" pitchFamily="49" charset="0"/>
-                <a:cs typeface="DejaVu Sans Mono" pitchFamily="49" charset="0"/>
-              </a:rPr>
-              <a:t>//</a:t>
-            </a:r>
-            <a:r>
-              <a:rPr lang="en-US" dirty="0" err="1" smtClean="0">
-                <a:latin typeface="DejaVu Sans Mono" pitchFamily="49" charset="0"/>
-                <a:ea typeface="DejaVu Sans Mono" pitchFamily="49" charset="0"/>
-                <a:cs typeface="DejaVu Sans Mono" pitchFamily="49" charset="0"/>
-              </a:rPr>
-              <a:t>c++</a:t>
-            </a:r>
-            <a:r>
-              <a:rPr lang="en-US" dirty="0" smtClean="0">
-                <a:latin typeface="DejaVu Sans Mono" pitchFamily="49" charset="0"/>
-                <a:ea typeface="DejaVu Sans Mono" pitchFamily="49" charset="0"/>
-                <a:cs typeface="DejaVu Sans Mono" pitchFamily="49" charset="0"/>
-              </a:rPr>
-              <a:t>17 binary fold</a:t>
-            </a:r>
-          </a:p>
-          <a:p>
-            <a:r>
-              <a:rPr lang="en-US" dirty="0" smtClean="0">
-                <a:latin typeface="DejaVu Sans Mono" pitchFamily="49" charset="0"/>
-                <a:ea typeface="DejaVu Sans Mono" pitchFamily="49" charset="0"/>
-                <a:cs typeface="DejaVu Sans Mono" pitchFamily="49" charset="0"/>
-              </a:rPr>
-              <a:t>template&lt;</a:t>
-            </a:r>
-            <a:r>
-              <a:rPr lang="en-US" dirty="0" err="1" smtClean="0">
-                <a:latin typeface="DejaVu Sans Mono" pitchFamily="49" charset="0"/>
-                <a:ea typeface="DejaVu Sans Mono" pitchFamily="49" charset="0"/>
-                <a:cs typeface="DejaVu Sans Mono" pitchFamily="49" charset="0"/>
-              </a:rPr>
-              <a:t>typename</a:t>
-            </a:r>
-            <a:r>
-              <a:rPr lang="en-US" dirty="0" smtClean="0">
-                <a:latin typeface="DejaVu Sans Mono" pitchFamily="49" charset="0"/>
-                <a:ea typeface="DejaVu Sans Mono" pitchFamily="49" charset="0"/>
-                <a:cs typeface="DejaVu Sans Mono" pitchFamily="49" charset="0"/>
-              </a:rPr>
-              <a:t> ...</a:t>
-            </a:r>
-            <a:r>
-              <a:rPr lang="en-US" dirty="0" err="1" smtClean="0">
-                <a:latin typeface="DejaVu Sans Mono" pitchFamily="49" charset="0"/>
-                <a:ea typeface="DejaVu Sans Mono" pitchFamily="49" charset="0"/>
-                <a:cs typeface="DejaVu Sans Mono" pitchFamily="49" charset="0"/>
-              </a:rPr>
-              <a:t>Args</a:t>
-            </a:r>
-            <a:r>
-              <a:rPr lang="en-US" dirty="0" smtClean="0">
-                <a:latin typeface="DejaVu Sans Mono" pitchFamily="49" charset="0"/>
-                <a:ea typeface="DejaVu Sans Mono" pitchFamily="49" charset="0"/>
-                <a:cs typeface="DejaVu Sans Mono" pitchFamily="49" charset="0"/>
-              </a:rPr>
-              <a:t>&gt;</a:t>
-            </a:r>
-            <a:br>
-              <a:rPr lang="en-US" dirty="0" smtClean="0">
-                <a:latin typeface="DejaVu Sans Mono" pitchFamily="49" charset="0"/>
-                <a:ea typeface="DejaVu Sans Mono" pitchFamily="49" charset="0"/>
-                <a:cs typeface="DejaVu Sans Mono" pitchFamily="49" charset="0"/>
-              </a:rPr>
-            </a:br>
-            <a:r>
-              <a:rPr lang="en-US" dirty="0" smtClean="0">
-                <a:latin typeface="DejaVu Sans Mono" pitchFamily="49" charset="0"/>
-                <a:ea typeface="DejaVu Sans Mono" pitchFamily="49" charset="0"/>
-                <a:cs typeface="DejaVu Sans Mono" pitchFamily="49" charset="0"/>
-              </a:rPr>
-              <a:t>void print(</a:t>
-            </a:r>
-            <a:r>
-              <a:rPr lang="en-US" dirty="0" err="1" smtClean="0">
-                <a:latin typeface="DejaVu Sans Mono" pitchFamily="49" charset="0"/>
-                <a:ea typeface="DejaVu Sans Mono" pitchFamily="49" charset="0"/>
-                <a:cs typeface="DejaVu Sans Mono" pitchFamily="49" charset="0"/>
-              </a:rPr>
-              <a:t>Args</a:t>
-            </a:r>
-            <a:r>
-              <a:rPr lang="en-US" dirty="0" smtClean="0">
-                <a:latin typeface="DejaVu Sans Mono" pitchFamily="49" charset="0"/>
-                <a:ea typeface="DejaVu Sans Mono" pitchFamily="49" charset="0"/>
-                <a:cs typeface="DejaVu Sans Mono" pitchFamily="49" charset="0"/>
-              </a:rPr>
-              <a:t>&amp;&amp;... </a:t>
-            </a:r>
-            <a:r>
-              <a:rPr lang="en-US" dirty="0" err="1" smtClean="0">
-                <a:latin typeface="DejaVu Sans Mono" pitchFamily="49" charset="0"/>
-                <a:ea typeface="DejaVu Sans Mono" pitchFamily="49" charset="0"/>
-                <a:cs typeface="DejaVu Sans Mono" pitchFamily="49" charset="0"/>
-              </a:rPr>
-              <a:t>args</a:t>
-            </a:r>
-            <a:r>
-              <a:rPr lang="en-US" dirty="0" smtClean="0">
-                <a:latin typeface="DejaVu Sans Mono" pitchFamily="49" charset="0"/>
-                <a:ea typeface="DejaVu Sans Mono" pitchFamily="49" charset="0"/>
-                <a:cs typeface="DejaVu Sans Mono" pitchFamily="49" charset="0"/>
-              </a:rPr>
-              <a:t>) {</a:t>
-            </a:r>
-          </a:p>
-          <a:p>
-            <a:r>
-              <a:rPr lang="en-US" dirty="0" smtClean="0">
-                <a:latin typeface="DejaVu Sans Mono" pitchFamily="49" charset="0"/>
-                <a:ea typeface="DejaVu Sans Mono" pitchFamily="49" charset="0"/>
-                <a:cs typeface="DejaVu Sans Mono" pitchFamily="49" charset="0"/>
-              </a:rPr>
-              <a:t>    (std::</a:t>
-            </a:r>
-            <a:r>
-              <a:rPr lang="en-US" dirty="0" err="1" smtClean="0">
-                <a:latin typeface="DejaVu Sans Mono" pitchFamily="49" charset="0"/>
-                <a:ea typeface="DejaVu Sans Mono" pitchFamily="49" charset="0"/>
-                <a:cs typeface="DejaVu Sans Mono" pitchFamily="49" charset="0"/>
-              </a:rPr>
-              <a:t>cout</a:t>
-            </a:r>
-            <a:r>
-              <a:rPr lang="en-US" dirty="0" smtClean="0">
-                <a:latin typeface="DejaVu Sans Mono" pitchFamily="49" charset="0"/>
-                <a:ea typeface="DejaVu Sans Mono" pitchFamily="49" charset="0"/>
-                <a:cs typeface="DejaVu Sans Mono" pitchFamily="49" charset="0"/>
-              </a:rPr>
-              <a:t> &lt;&lt; ... &lt;&lt; </a:t>
-            </a:r>
-            <a:r>
-              <a:rPr lang="en-US" dirty="0" err="1" smtClean="0">
-                <a:latin typeface="DejaVu Sans Mono" pitchFamily="49" charset="0"/>
-                <a:ea typeface="DejaVu Sans Mono" pitchFamily="49" charset="0"/>
-                <a:cs typeface="DejaVu Sans Mono" pitchFamily="49" charset="0"/>
-              </a:rPr>
-              <a:t>args</a:t>
-            </a:r>
-            <a:r>
-              <a:rPr lang="en-US" dirty="0" smtClean="0">
-                <a:latin typeface="DejaVu Sans Mono" pitchFamily="49" charset="0"/>
-                <a:ea typeface="DejaVu Sans Mono" pitchFamily="49" charset="0"/>
-                <a:cs typeface="DejaVu Sans Mono" pitchFamily="49" charset="0"/>
-              </a:rPr>
-              <a:t>) &lt;&lt; '\n'; </a:t>
-            </a:r>
-            <a:br>
-              <a:rPr lang="en-US" dirty="0" smtClean="0">
-                <a:latin typeface="DejaVu Sans Mono" pitchFamily="49" charset="0"/>
-                <a:ea typeface="DejaVu Sans Mono" pitchFamily="49" charset="0"/>
-                <a:cs typeface="DejaVu Sans Mono" pitchFamily="49" charset="0"/>
-              </a:rPr>
-            </a:br>
-            <a:r>
-              <a:rPr lang="en-US" dirty="0" smtClean="0">
-                <a:latin typeface="DejaVu Sans Mono" pitchFamily="49" charset="0"/>
-                <a:ea typeface="DejaVu Sans Mono" pitchFamily="49" charset="0"/>
-                <a:cs typeface="DejaVu Sans Mono" pitchFamily="49" charset="0"/>
-              </a:rPr>
-              <a:t>}</a:t>
-            </a:r>
-            <a:endParaRPr lang="zh-CN" altLang="en-US" dirty="0">
-              <a:latin typeface="DejaVu Sans Mono" pitchFamily="49" charset="0"/>
-              <a:cs typeface="DejaVu Sans Mono" pitchFamily="49" charset="0"/>
-            </a:endParaRPr>
-          </a:p>
-        </p:txBody>
-      </p:sp>
-    </p:spTree>
-  </p:cSld>
-  <p:clrMapOvr>
-    <a:masterClrMapping/>
-  </p:clrMapOvr>
-  <p:timing>
-    <p:tnLst>
-      <p:par>
-        <p:cTn id="1" dur="indefinite" restart="never" nodeType="tmRoot"/>
-      </p:par>
-    </p:tnLst>
-  </p:timing>
-</p:sld>
-</file>
-
-<file path=ppt/slides/slide17.xml><?xml version="1.0" encoding="utf-8"?>
-<p:sld xmlns:a="http://schemas.openxmlformats.org/drawingml/2006/main" xmlns:r="http://schemas.openxmlformats.org/officeDocument/2006/relationships" xmlns:p="http://schemas.openxmlformats.org/presentationml/2006/main">
-  <p:cSld>
-    <p:spTree>
-      <p:nvGrpSpPr>
-        <p:cNvPr id="1" name=""/>
-        <p:cNvGrpSpPr/>
-        <p:nvPr/>
-      </p:nvGrpSpPr>
-      <p:grpSpPr>
-        <a:xfrm>
-          <a:off x="0" y="0"/>
-          <a:ext cx="0" cy="0"/>
-          <a:chOff x="0" y="0"/>
-          <a:chExt cx="0" cy="0"/>
-        </a:xfrm>
-      </p:grpSpPr>
-      <p:sp>
-        <p:nvSpPr>
-          <p:cNvPr id="2" name="文本占位符 1"/>
-          <p:cNvSpPr>
-            <a:spLocks noGrp="1"/>
-          </p:cNvSpPr>
-          <p:nvPr>
-            <p:ph type="body" sz="quarter" idx="10"/>
-          </p:nvPr>
-        </p:nvSpPr>
-        <p:spPr/>
-        <p:txBody>
-          <a:bodyPr>
-            <a:normAutofit lnSpcReduction="10000"/>
-          </a:bodyPr>
-          <a:lstStyle/>
-          <a:p>
             <a:endParaRPr lang="zh-CN" altLang="en-US"/>
           </a:p>
         </p:txBody>
@@ -5920,7 +5477,7 @@
 </p:sld>
 </file>
 
-<file path=ppt/slides/slide18.xml><?xml version="1.0" encoding="utf-8"?>
+<file path=ppt/slides/slide17.xml><?xml version="1.0" encoding="utf-8"?>
 <p:sld xmlns:a="http://schemas.openxmlformats.org/drawingml/2006/main" xmlns:r="http://schemas.openxmlformats.org/officeDocument/2006/relationships" xmlns:p="http://schemas.openxmlformats.org/presentationml/2006/main">
   <p:cSld>
     <p:spTree>
@@ -6084,6 +5641,191 @@
 </p:sld>
 </file>
 
+<file path=ppt/slides/slide18.xml><?xml version="1.0" encoding="utf-8"?>
+<p:sld xmlns:a="http://schemas.openxmlformats.org/drawingml/2006/main" xmlns:r="http://schemas.openxmlformats.org/officeDocument/2006/relationships" xmlns:p="http://schemas.openxmlformats.org/presentationml/2006/main">
+  <p:cSld>
+    <p:spTree>
+      <p:nvGrpSpPr>
+        <p:cNvPr id="1" name=""/>
+        <p:cNvGrpSpPr/>
+        <p:nvPr/>
+      </p:nvGrpSpPr>
+      <p:grpSpPr>
+        <a:xfrm>
+          <a:off x="0" y="0"/>
+          <a:ext cx="0" cy="0"/>
+          <a:chOff x="0" y="0"/>
+          <a:chExt cx="0" cy="0"/>
+        </a:xfrm>
+      </p:grpSpPr>
+      <p:sp>
+        <p:nvSpPr>
+          <p:cNvPr id="2" name="文本占位符 1"/>
+          <p:cNvSpPr>
+            <a:spLocks noGrp="1"/>
+          </p:cNvSpPr>
+          <p:nvPr>
+            <p:ph type="body" sz="quarter" idx="10"/>
+          </p:nvPr>
+        </p:nvSpPr>
+        <p:spPr/>
+        <p:txBody>
+          <a:bodyPr>
+            <a:normAutofit lnSpcReduction="10000"/>
+          </a:bodyPr>
+          <a:lstStyle/>
+          <a:p>
+            <a:r>
+              <a:rPr lang="en-US" altLang="zh-CN" dirty="0" err="1" smtClean="0"/>
+              <a:t>Static_assert</a:t>
+            </a:r>
+            <a:endParaRPr lang="zh-CN" altLang="en-US" dirty="0"/>
+          </a:p>
+        </p:txBody>
+      </p:sp>
+      <p:sp>
+        <p:nvSpPr>
+          <p:cNvPr id="3" name="内容占位符 2"/>
+          <p:cNvSpPr>
+            <a:spLocks noGrp="1"/>
+          </p:cNvSpPr>
+          <p:nvPr>
+            <p:ph sz="quarter" idx="11"/>
+          </p:nvPr>
+        </p:nvSpPr>
+        <p:spPr/>
+        <p:txBody>
+          <a:bodyPr/>
+          <a:lstStyle/>
+          <a:p>
+            <a:r>
+              <a:rPr lang="zh-CN" altLang="en-US" dirty="0" smtClean="0">
+                <a:solidFill>
+                  <a:srgbClr val="595959"/>
+                </a:solidFill>
+                <a:latin typeface="Arial" charset="0"/>
+                <a:cs typeface="Arial" charset="0"/>
+              </a:rPr>
+              <a:t>编译期检查，在编译期就抓住错误</a:t>
+            </a:r>
+          </a:p>
+          <a:p>
+            <a:endParaRPr lang="zh-CN" altLang="en-US" dirty="0"/>
+          </a:p>
+        </p:txBody>
+      </p:sp>
+      <p:sp>
+        <p:nvSpPr>
+          <p:cNvPr id="4" name="矩形 3"/>
+          <p:cNvSpPr/>
+          <p:nvPr/>
+        </p:nvSpPr>
+        <p:spPr>
+          <a:xfrm>
+            <a:off x="648393" y="1942329"/>
+            <a:ext cx="7414952" cy="3139321"/>
+          </a:xfrm>
+          <a:prstGeom prst="rect">
+            <a:avLst/>
+          </a:prstGeom>
+        </p:spPr>
+        <p:txBody>
+          <a:bodyPr wrap="square">
+            <a:spAutoFit/>
+          </a:bodyPr>
+          <a:lstStyle/>
+          <a:p>
+            <a:r>
+              <a:rPr lang="en-US" altLang="zh-CN" dirty="0" smtClean="0">
+                <a:latin typeface="DejaVu Sans Mono" pitchFamily="49" charset="0"/>
+                <a:ea typeface="DejaVu Sans Mono" pitchFamily="49" charset="0"/>
+                <a:cs typeface="DejaVu Sans Mono" pitchFamily="49" charset="0"/>
+              </a:rPr>
+              <a:t>fun_for_1024&lt;0,1,2,4&gt;();  //ok</a:t>
+            </a:r>
+          </a:p>
+          <a:p>
+            <a:r>
+              <a:rPr lang="en-US" altLang="zh-CN" dirty="0" smtClean="0">
+                <a:latin typeface="DejaVu Sans Mono" pitchFamily="49" charset="0"/>
+                <a:ea typeface="DejaVu Sans Mono" pitchFamily="49" charset="0"/>
+                <a:cs typeface="DejaVu Sans Mono" pitchFamily="49" charset="0"/>
+              </a:rPr>
+              <a:t>fun_for_1024&lt;4,2,1,0&gt;();  //ok</a:t>
+            </a:r>
+          </a:p>
+          <a:p>
+            <a:endParaRPr lang="en-US" altLang="zh-CN" dirty="0" smtClean="0">
+              <a:latin typeface="DejaVu Sans Mono" pitchFamily="49" charset="0"/>
+              <a:ea typeface="DejaVu Sans Mono" pitchFamily="49" charset="0"/>
+              <a:cs typeface="DejaVu Sans Mono" pitchFamily="49" charset="0"/>
+            </a:endParaRPr>
+          </a:p>
+          <a:p>
+            <a:r>
+              <a:rPr lang="en-US" altLang="zh-CN" dirty="0" smtClean="0">
+                <a:latin typeface="DejaVu Sans Mono" pitchFamily="49" charset="0"/>
+                <a:ea typeface="DejaVu Sans Mono" pitchFamily="49" charset="0"/>
+                <a:cs typeface="DejaVu Sans Mono" pitchFamily="49" charset="0"/>
+              </a:rPr>
+              <a:t>fun_for_1024&lt;0,1,1,4&gt;();  //static assertion failed: hi guy, just for 1024</a:t>
+            </a:r>
+          </a:p>
+          <a:p>
+            <a:endParaRPr lang="en-US" altLang="zh-CN" dirty="0" smtClean="0">
+              <a:latin typeface="DejaVu Sans Mono" pitchFamily="49" charset="0"/>
+              <a:ea typeface="DejaVu Sans Mono" pitchFamily="49" charset="0"/>
+              <a:cs typeface="DejaVu Sans Mono" pitchFamily="49" charset="0"/>
+            </a:endParaRPr>
+          </a:p>
+          <a:p>
+            <a:r>
+              <a:rPr lang="en-US" altLang="zh-CN" dirty="0" smtClean="0">
+                <a:latin typeface="DejaVu Sans Mono" pitchFamily="49" charset="0"/>
+                <a:ea typeface="DejaVu Sans Mono" pitchFamily="49" charset="0"/>
+                <a:cs typeface="DejaVu Sans Mono" pitchFamily="49" charset="0"/>
+              </a:rPr>
+              <a:t>fun_for_1024&lt;1,0,2,5&gt;();  //static assertion failed: hi guy, just for 1024</a:t>
+            </a:r>
+          </a:p>
+          <a:p>
+            <a:endParaRPr lang="en-US" altLang="zh-CN" dirty="0" smtClean="0">
+              <a:latin typeface="DejaVu Sans Mono" pitchFamily="49" charset="0"/>
+              <a:ea typeface="DejaVu Sans Mono" pitchFamily="49" charset="0"/>
+              <a:cs typeface="DejaVu Sans Mono" pitchFamily="49" charset="0"/>
+            </a:endParaRPr>
+          </a:p>
+          <a:p>
+            <a:r>
+              <a:rPr lang="en-US" altLang="zh-CN" dirty="0" smtClean="0">
+                <a:latin typeface="DejaVu Sans Mono" pitchFamily="49" charset="0"/>
+                <a:ea typeface="DejaVu Sans Mono" pitchFamily="49" charset="0"/>
+                <a:cs typeface="DejaVu Sans Mono" pitchFamily="49" charset="0"/>
+              </a:rPr>
+              <a:t>fun_for_1024&lt;1,0,2&gt;();     //static assertion failed: hi guy, just 4 numbers</a:t>
+            </a:r>
+            <a:endParaRPr lang="zh-CN" altLang="en-US" dirty="0">
+              <a:latin typeface="DejaVu Sans Mono" pitchFamily="49" charset="0"/>
+              <a:cs typeface="DejaVu Sans Mono" pitchFamily="49" charset="0"/>
+            </a:endParaRPr>
+          </a:p>
+        </p:txBody>
+      </p:sp>
+    </p:spTree>
+  </p:cSld>
+  <p:clrMapOvr>
+    <a:masterClrMapping/>
+  </p:clrMapOvr>
+  <p:timing>
+    <p:tnLst>
+      <p:par>
+        <p:cTn id="1" dur="indefinite" restart="never" nodeType="tmRoot"/>
+      </p:par>
+    </p:tnLst>
+  </p:timing>
+</p:sld>
+</file>
+
 <file path=ppt/slides/slide19.xml><?xml version="1.0" encoding="utf-8"?>
 <p:sld xmlns:a="http://schemas.openxmlformats.org/drawingml/2006/main" xmlns:r="http://schemas.openxmlformats.org/officeDocument/2006/relationships" xmlns:p="http://schemas.openxmlformats.org/presentationml/2006/main">
   <p:cSld>
@@ -6122,7 +5864,7 @@
               <a:rPr lang="en-US" altLang="zh-CN" dirty="0" err="1" smtClean="0"/>
               <a:t>Static_assert</a:t>
             </a:r>
-            <a:endParaRPr lang="zh-CN" altLang="en-US" dirty="0"/>
+            <a:endParaRPr lang="zh-CN" altLang="en-US" dirty="0" smtClean="0"/>
           </a:p>
         </p:txBody>
       </p:sp>
@@ -6141,119 +5883,43 @@
           <a:bodyPr/>
           <a:lstStyle/>
           <a:p>
-            <a:r>
-              <a:rPr lang="zh-CN" altLang="en-US" dirty="0" smtClean="0">
-                <a:solidFill>
-                  <a:srgbClr val="595959"/>
-                </a:solidFill>
-                <a:latin typeface="Arial" charset="0"/>
-                <a:cs typeface="Arial" charset="0"/>
-              </a:rPr>
-              <a:t>编译期检查，在编译期就抓住错误</a:t>
-            </a:r>
-          </a:p>
-          <a:p>
-            <a:endParaRPr lang="zh-CN" altLang="en-US" dirty="0"/>
+            <a:endParaRPr lang="zh-CN" altLang="en-US"/>
           </a:p>
         </p:txBody>
       </p:sp>
-      <p:sp>
-        <p:nvSpPr>
-          <p:cNvPr id="4" name="矩形 3"/>
-          <p:cNvSpPr/>
+      <p:pic>
+        <p:nvPicPr>
+          <p:cNvPr id="1026" name="Picture 2"/>
+          <p:cNvPicPr>
+            <a:picLocks noChangeAspect="1" noChangeArrowheads="1"/>
+          </p:cNvPicPr>
           <p:nvPr/>
-        </p:nvSpPr>
-        <p:spPr>
+        </p:nvPicPr>
+        <p:blipFill>
+          <a:blip r:embed="rId2"/>
+          <a:srcRect/>
+          <a:stretch>
+            <a:fillRect/>
+          </a:stretch>
+        </p:blipFill>
+        <p:spPr bwMode="auto">
           <a:xfrm>
-            <a:off x="648393" y="1942329"/>
-            <a:ext cx="7414952" cy="3139321"/>
+            <a:off x="709613" y="1733550"/>
+            <a:ext cx="7723187" cy="3390900"/>
           </a:xfrm>
           <a:prstGeom prst="rect">
             <a:avLst/>
           </a:prstGeom>
+          <a:noFill/>
+          <a:ln w="9525">
+            <a:noFill/>
+            <a:miter lim="800000"/>
+            <a:headEnd/>
+            <a:tailEnd/>
+          </a:ln>
+          <a:effectLst/>
         </p:spPr>
-        <p:txBody>
-          <a:bodyPr wrap="square">
-            <a:spAutoFit/>
-          </a:bodyPr>
-          <a:lstStyle/>
-          <a:p>
-            <a:r>
-              <a:rPr lang="en-US" altLang="zh-CN" dirty="0" smtClean="0">
-                <a:latin typeface="DejaVu Sans Mono" pitchFamily="49" charset="0"/>
-                <a:ea typeface="DejaVu Sans Mono" pitchFamily="49" charset="0"/>
-                <a:cs typeface="DejaVu Sans Mono" pitchFamily="49" charset="0"/>
-              </a:rPr>
-              <a:t>fun_for_1024&lt;0,1,2,4&gt;();  //ok</a:t>
-            </a:r>
-          </a:p>
-          <a:p>
-            <a:r>
-              <a:rPr lang="en-US" altLang="zh-CN" dirty="0" smtClean="0">
-                <a:latin typeface="DejaVu Sans Mono" pitchFamily="49" charset="0"/>
-                <a:ea typeface="DejaVu Sans Mono" pitchFamily="49" charset="0"/>
-                <a:cs typeface="DejaVu Sans Mono" pitchFamily="49" charset="0"/>
-              </a:rPr>
-              <a:t>fun_for_1024&lt;4,2,1,0&gt;();  //ok</a:t>
-            </a:r>
-          </a:p>
-          <a:p>
-            <a:endParaRPr lang="en-US" altLang="zh-CN" dirty="0" smtClean="0">
-              <a:latin typeface="DejaVu Sans Mono" pitchFamily="49" charset="0"/>
-              <a:ea typeface="DejaVu Sans Mono" pitchFamily="49" charset="0"/>
-              <a:cs typeface="DejaVu Sans Mono" pitchFamily="49" charset="0"/>
-            </a:endParaRPr>
-          </a:p>
-          <a:p>
-            <a:r>
-              <a:rPr lang="en-US" altLang="zh-CN" dirty="0" smtClean="0">
-                <a:latin typeface="DejaVu Sans Mono" pitchFamily="49" charset="0"/>
-                <a:ea typeface="DejaVu Sans Mono" pitchFamily="49" charset="0"/>
-                <a:cs typeface="DejaVu Sans Mono" pitchFamily="49" charset="0"/>
-              </a:rPr>
-              <a:t>fun_for_1024&lt;0,1,1,4&gt;();  //static assertion failed: hi guy, just for 1024</a:t>
-            </a:r>
-          </a:p>
-          <a:p>
-            <a:endParaRPr lang="en-US" altLang="zh-CN" dirty="0" smtClean="0">
-              <a:latin typeface="DejaVu Sans Mono" pitchFamily="49" charset="0"/>
-              <a:ea typeface="DejaVu Sans Mono" pitchFamily="49" charset="0"/>
-              <a:cs typeface="DejaVu Sans Mono" pitchFamily="49" charset="0"/>
-            </a:endParaRPr>
-          </a:p>
-          <a:p>
-            <a:r>
-              <a:rPr lang="en-US" altLang="zh-CN" dirty="0" smtClean="0">
-                <a:latin typeface="DejaVu Sans Mono" pitchFamily="49" charset="0"/>
-                <a:ea typeface="DejaVu Sans Mono" pitchFamily="49" charset="0"/>
-                <a:cs typeface="DejaVu Sans Mono" pitchFamily="49" charset="0"/>
-              </a:rPr>
-              <a:t>fun_for_1024&lt;1,0,2,5&gt;();  //static assertion failed: hi guy, just for 1024</a:t>
-            </a:r>
-          </a:p>
-          <a:p>
-            <a:endParaRPr lang="en-US" altLang="zh-CN" dirty="0" smtClean="0">
-              <a:latin typeface="DejaVu Sans Mono" pitchFamily="49" charset="0"/>
-              <a:ea typeface="DejaVu Sans Mono" pitchFamily="49" charset="0"/>
-              <a:cs typeface="DejaVu Sans Mono" pitchFamily="49" charset="0"/>
-            </a:endParaRPr>
-          </a:p>
-          <a:p>
-            <a:r>
-              <a:rPr lang="en-US" altLang="zh-CN" dirty="0" smtClean="0">
-                <a:latin typeface="DejaVu Sans Mono" pitchFamily="49" charset="0"/>
-                <a:ea typeface="DejaVu Sans Mono" pitchFamily="49" charset="0"/>
-                <a:cs typeface="DejaVu Sans Mono" pitchFamily="49" charset="0"/>
-              </a:rPr>
-              <a:t>fun_for_1024&lt;1,0,2&gt;();     //static assertion failed: hi guy, just 4 numbers</a:t>
-            </a:r>
-            <a:endParaRPr lang="zh-CN" altLang="en-US" dirty="0">
-              <a:latin typeface="DejaVu Sans Mono" pitchFamily="49" charset="0"/>
-              <a:cs typeface="DejaVu Sans Mono" pitchFamily="49" charset="0"/>
-            </a:endParaRPr>
-          </a:p>
-        </p:txBody>
-      </p:sp>
+      </p:pic>
     </p:spTree>
   </p:cSld>
   <p:clrMapOvr>
@@ -6298,11 +5964,19 @@
         </p:nvSpPr>
         <p:spPr/>
         <p:txBody>
-          <a:bodyPr>
+          <a:bodyPr rtlCol="0">
             <a:normAutofit lnSpcReduction="10000"/>
           </a:bodyPr>
           <a:lstStyle/>
           <a:p>
+            <a:pPr fontAlgn="auto">
+              <a:spcAft>
+                <a:spcPts val="0"/>
+              </a:spcAft>
+              <a:buFont typeface="Arial" panose="020B0604020202020204" pitchFamily="34" charset="0"/>
+              <a:buNone/>
+              <a:defRPr/>
+            </a:pPr>
             <a:endParaRPr lang="zh-CN" altLang="en-US" dirty="0"/>
           </a:p>
         </p:txBody>
@@ -6319,39 +5993,126 @@
         </p:nvSpPr>
         <p:spPr/>
         <p:txBody>
-          <a:bodyPr/>
+          <a:bodyPr rtlCol="0"/>
           <a:lstStyle/>
           <a:p>
-            <a:endParaRPr lang="zh-CN" altLang="en-US" dirty="0"/>
+            <a:pPr fontAlgn="auto">
+              <a:spcAft>
+                <a:spcPts val="0"/>
+              </a:spcAft>
+              <a:buFont typeface="Arial" panose="020B0604020202020204" pitchFamily="34" charset="0"/>
+              <a:buChar char="•"/>
+              <a:defRPr/>
+            </a:pPr>
+            <a:r>
+              <a:rPr lang="zh-CN" altLang="en-US" dirty="0" smtClean="0"/>
+              <a:t>新特性（</a:t>
+            </a:r>
+            <a:r>
+              <a:rPr lang="en-US" altLang="zh-CN" dirty="0" smtClean="0"/>
+              <a:t>C++11/14/17</a:t>
+            </a:r>
+            <a:r>
+              <a:rPr lang="zh-CN" altLang="en-US" dirty="0" smtClean="0"/>
+              <a:t>）</a:t>
+            </a:r>
+            <a:endParaRPr lang="en-US" altLang="zh-CN" dirty="0" smtClean="0"/>
+          </a:p>
+          <a:p>
+            <a:pPr fontAlgn="auto">
+              <a:spcAft>
+                <a:spcPts val="0"/>
+              </a:spcAft>
+              <a:buFont typeface="Arial" panose="020B0604020202020204" pitchFamily="34" charset="0"/>
+              <a:buChar char="•"/>
+              <a:defRPr/>
+            </a:pPr>
+            <a:r>
+              <a:rPr lang="zh-CN" altLang="en-US" dirty="0" smtClean="0"/>
+              <a:t>元编程</a:t>
+            </a:r>
+            <a:endParaRPr lang="en-US" altLang="zh-CN" dirty="0" smtClean="0"/>
+          </a:p>
+          <a:p>
+            <a:pPr fontAlgn="auto">
+              <a:spcAft>
+                <a:spcPts val="0"/>
+              </a:spcAft>
+              <a:buFont typeface="Arial" panose="020B0604020202020204" pitchFamily="34" charset="0"/>
+              <a:buChar char="•"/>
+              <a:defRPr/>
+            </a:pPr>
+            <a:r>
+              <a:rPr lang="zh-CN" altLang="en-US" dirty="0" smtClean="0"/>
+              <a:t>元编程的一些用途</a:t>
+            </a:r>
+            <a:endParaRPr lang="en-US" altLang="zh-CN" dirty="0" smtClean="0"/>
+          </a:p>
+          <a:p>
+            <a:pPr fontAlgn="auto">
+              <a:spcAft>
+                <a:spcPts val="0"/>
+              </a:spcAft>
+              <a:buFont typeface="Arial" panose="020B0604020202020204" pitchFamily="34" charset="0"/>
+              <a:buChar char="•"/>
+              <a:defRPr/>
+            </a:pPr>
+            <a:r>
+              <a:rPr lang="zh-CN" altLang="en-US" dirty="0" smtClean="0"/>
+              <a:t>元编程实现</a:t>
+            </a:r>
+            <a:r>
+              <a:rPr lang="en-US" altLang="zh-CN" dirty="0" smtClean="0"/>
+              <a:t>ORM</a:t>
+            </a:r>
           </a:p>
         </p:txBody>
       </p:sp>
-      <p:pic>
-        <p:nvPicPr>
-          <p:cNvPr id="1026" name="Picture 2" descr="相关图片"/>
-          <p:cNvPicPr>
-            <a:picLocks noChangeAspect="1" noChangeArrowheads="1"/>
-          </p:cNvPicPr>
+      <p:sp>
+        <p:nvSpPr>
+          <p:cNvPr id="4" name="矩形 3"/>
+          <p:cNvSpPr/>
           <p:nvPr/>
-        </p:nvPicPr>
-        <p:blipFill>
-          <a:blip r:embed="rId2"/>
-          <a:srcRect/>
-          <a:stretch>
-            <a:fillRect/>
-          </a:stretch>
-        </p:blipFill>
-        <p:spPr bwMode="auto">
+        </p:nvSpPr>
+        <p:spPr>
           <a:xfrm>
-            <a:off x="1845425" y="1717584"/>
-            <a:ext cx="5451474" cy="4018516"/>
+            <a:off x="2935674" y="3441784"/>
+            <a:ext cx="3331361" cy="400110"/>
           </a:xfrm>
           <a:prstGeom prst="rect">
             <a:avLst/>
           </a:prstGeom>
-          <a:noFill/>
         </p:spPr>
-      </p:pic>
+        <p:txBody>
+          <a:bodyPr wrap="none">
+            <a:spAutoFit/>
+          </a:bodyPr>
+          <a:lstStyle/>
+          <a:p>
+            <a:r>
+              <a:rPr lang="en-US" altLang="zh-CN" sz="2000" smtClean="0"/>
+              <a:t>Modern C++ </a:t>
+            </a:r>
+            <a:r>
+              <a:rPr lang="en-US" altLang="zh-CN" sz="2000"/>
+              <a:t>C</a:t>
+            </a:r>
+            <a:r>
+              <a:rPr lang="zh-CN" altLang="en-US" sz="2000" smtClean="0"/>
+              <a:t>reative </a:t>
+            </a:r>
+            <a:r>
+              <a:rPr lang="en-US" altLang="zh-CN" sz="2000" smtClean="0"/>
+              <a:t>I</a:t>
+            </a:r>
+            <a:r>
+              <a:rPr lang="zh-CN" altLang="en-US" sz="2000" smtClean="0"/>
+              <a:t>deas</a:t>
+            </a:r>
+            <a:endParaRPr lang="zh-CN" altLang="en-US" sz="2000"/>
+          </a:p>
+        </p:txBody>
+      </p:sp>
     </p:spTree>
   </p:cSld>
   <p:clrMapOvr>
@@ -6360,9 +6121,157 @@
   <p:timing>
     <p:tnLst>
       <p:par>
-        <p:cTn id="1" dur="indefinite" restart="never" nodeType="tmRoot"/>
+        <p:cTn id="1" dur="indefinite" restart="never" nodeType="tmRoot">
+          <p:childTnLst>
+            <p:seq concurrent="1" nextAc="seek">
+              <p:cTn id="2" dur="indefinite" nodeType="mainSeq">
+                <p:childTnLst>
+                  <p:par>
+                    <p:cTn id="3" fill="hold">
+                      <p:stCondLst>
+                        <p:cond delay="indefinite"/>
+                      </p:stCondLst>
+                      <p:childTnLst>
+                        <p:par>
+                          <p:cTn id="4" fill="hold">
+                            <p:stCondLst>
+                              <p:cond delay="0"/>
+                            </p:stCondLst>
+                            <p:childTnLst>
+                              <p:par>
+                                <p:cTn id="5" presetID="31" presetClass="entr" presetSubtype="0" fill="hold" grpId="0" nodeType="clickEffect">
+                                  <p:stCondLst>
+                                    <p:cond delay="0"/>
+                                  </p:stCondLst>
+                                  <p:childTnLst>
+                                    <p:set>
+                                      <p:cBhvr>
+                                        <p:cTn id="6" dur="1" fill="hold">
+                                          <p:stCondLst>
+                                            <p:cond delay="0"/>
+                                          </p:stCondLst>
+                                        </p:cTn>
+                                        <p:tgtEl>
+                                          <p:spTgt spid="4"/>
+                                        </p:tgtEl>
+                                        <p:attrNameLst>
+                                          <p:attrName>style.visibility</p:attrName>
+                                        </p:attrNameLst>
+                                      </p:cBhvr>
+                                      <p:to>
+                                        <p:strVal val="visible"/>
+                                      </p:to>
+                                    </p:set>
+                                    <p:anim calcmode="lin" valueType="num">
+                                      <p:cBhvr>
+                                        <p:cTn id="7" dur="1000" fill="hold"/>
+                                        <p:tgtEl>
+                                          <p:spTgt spid="4"/>
+                                        </p:tgtEl>
+                                        <p:attrNameLst>
+                                          <p:attrName>ppt_w</p:attrName>
+                                        </p:attrNameLst>
+                                      </p:cBhvr>
+                                      <p:tavLst>
+                                        <p:tav tm="0">
+                                          <p:val>
+                                            <p:fltVal val="0"/>
+                                          </p:val>
+                                        </p:tav>
+                                        <p:tav tm="100000">
+                                          <p:val>
+                                            <p:strVal val="#ppt_w"/>
+                                          </p:val>
+                                        </p:tav>
+                                      </p:tavLst>
+                                    </p:anim>
+                                    <p:anim calcmode="lin" valueType="num">
+                                      <p:cBhvr>
+                                        <p:cTn id="8" dur="1000" fill="hold"/>
+                                        <p:tgtEl>
+                                          <p:spTgt spid="4"/>
+                                        </p:tgtEl>
+                                        <p:attrNameLst>
+                                          <p:attrName>ppt_h</p:attrName>
+                                        </p:attrNameLst>
+                                      </p:cBhvr>
+                                      <p:tavLst>
+                                        <p:tav tm="0">
+                                          <p:val>
+                                            <p:fltVal val="0"/>
+                                          </p:val>
+                                        </p:tav>
+                                        <p:tav tm="100000">
+                                          <p:val>
+                                            <p:strVal val="#ppt_h"/>
+                                          </p:val>
+                                        </p:tav>
+                                      </p:tavLst>
+                                    </p:anim>
+                                    <p:anim calcmode="lin" valueType="num">
+                                      <p:cBhvr>
+                                        <p:cTn id="9" dur="1000" fill="hold"/>
+                                        <p:tgtEl>
+                                          <p:spTgt spid="4"/>
+                                        </p:tgtEl>
+                                        <p:attrNameLst>
+                                          <p:attrName>style.rotation</p:attrName>
+                                        </p:attrNameLst>
+                                      </p:cBhvr>
+                                      <p:tavLst>
+                                        <p:tav tm="0">
+                                          <p:val>
+                                            <p:fltVal val="90"/>
+                                          </p:val>
+                                        </p:tav>
+                                        <p:tav tm="100000">
+                                          <p:val>
+                                            <p:fltVal val="0"/>
+                                          </p:val>
+                                        </p:tav>
+                                      </p:tavLst>
+                                    </p:anim>
+                                    <p:animEffect transition="in" filter="fade">
+                                      <p:cBhvr>
+                                        <p:cTn id="10" dur="1000"/>
+                                        <p:tgtEl>
+                                          <p:spTgt spid="4"/>
+                                        </p:tgtEl>
+                                      </p:cBhvr>
+                                    </p:animEffect>
+                                  </p:childTnLst>
+                                </p:cTn>
+                              </p:par>
+                            </p:childTnLst>
+                          </p:cTn>
+                        </p:par>
+                      </p:childTnLst>
+                    </p:cTn>
+                  </p:par>
+                </p:childTnLst>
+              </p:cTn>
+              <p:prevCondLst>
+                <p:cond evt="onPrev" delay="0">
+                  <p:tgtEl>
+                    <p:sldTgt/>
+                  </p:tgtEl>
+                </p:cond>
+              </p:prevCondLst>
+              <p:nextCondLst>
+                <p:cond evt="onNext" delay="0">
+                  <p:tgtEl>
+                    <p:sldTgt/>
+                  </p:tgtEl>
+                </p:cond>
+              </p:nextCondLst>
+            </p:seq>
+          </p:childTnLst>
+        </p:cTn>
       </p:par>
     </p:tnLst>
+    <p:bldLst>
+      <p:bldP spid="4" grpId="0"/>
+    </p:bldLst>
   </p:timing>
 </p:sld>
 </file>
@@ -6402,10 +6311,10 @@
           <a:lstStyle/>
           <a:p>
             <a:r>
-              <a:rPr lang="en-US" altLang="zh-CN" dirty="0" err="1" smtClean="0"/>
-              <a:t>Static_assert</a:t>
-            </a:r>
-            <a:endParaRPr lang="zh-CN" altLang="en-US" dirty="0" smtClean="0"/>
+              <a:rPr lang="en-US" altLang="zh-CN" dirty="0" smtClean="0"/>
+              <a:t>Future C++</a:t>
+            </a:r>
+            <a:endParaRPr lang="zh-CN" altLang="en-US" dirty="0"/>
           </a:p>
         </p:txBody>
       </p:sp>
@@ -6424,13 +6333,41 @@
           <a:bodyPr/>
           <a:lstStyle/>
           <a:p>
-            <a:endParaRPr lang="zh-CN" altLang="en-US"/>
+            <a:r>
+              <a:rPr lang="en-US" altLang="zh-CN" dirty="0" smtClean="0"/>
+              <a:t>Type-and resource-safe</a:t>
+            </a:r>
+          </a:p>
+          <a:p>
+            <a:r>
+              <a:rPr lang="en-US" altLang="zh-CN" dirty="0" smtClean="0"/>
+              <a:t>Significantly simpler and clearer code</a:t>
+            </a:r>
+          </a:p>
+          <a:p>
+            <a:r>
+              <a:rPr lang="en-US" altLang="zh-CN" dirty="0" smtClean="0"/>
+              <a:t>As fast or faster than anything else</a:t>
+            </a:r>
+          </a:p>
+          <a:p>
+            <a:r>
+              <a:rPr lang="en-US" altLang="zh-CN" dirty="0" smtClean="0"/>
+              <a:t>Good at using “modern hardware”</a:t>
+            </a:r>
+          </a:p>
+          <a:p>
+            <a:r>
+              <a:rPr lang="en-US" altLang="zh-CN" dirty="0" smtClean="0"/>
+              <a:t>Significantly faster compilation catching many more errors</a:t>
+            </a:r>
+            <a:endParaRPr lang="zh-CN" altLang="en-US" dirty="0"/>
           </a:p>
         </p:txBody>
       </p:sp>
       <p:pic>
         <p:nvPicPr>
-          <p:cNvPr id="1026" name="Picture 2"/>
+          <p:cNvPr id="4" name="Picture 2"/>
           <p:cNvPicPr>
             <a:picLocks noChangeAspect="1" noChangeArrowheads="1"/>
           </p:cNvPicPr>
@@ -6445,8 +6382,8 @@
         </p:blipFill>
         <p:spPr bwMode="auto">
           <a:xfrm>
-            <a:off x="709613" y="1733550"/>
-            <a:ext cx="7723187" cy="3390900"/>
+            <a:off x="2651760" y="3386846"/>
+            <a:ext cx="3668278" cy="3031854"/>
           </a:xfrm>
           <a:prstGeom prst="rect">
             <a:avLst/>
@@ -6462,10 +6399,22 @@
         </p:spPr>
       </p:pic>
     </p:spTree>
+    <p:extLst>
+      <p:ext uri="{BB962C8B-B14F-4D97-AF65-F5344CB8AC3E}">
+        <p14:creationId xmlns:p14="http://schemas.microsoft.com/office/powerpoint/2010/main" xmlns="" val="1047839009"/>
+      </p:ext>
+    </p:extLst>
   </p:cSld>
   <p:clrMapOvr>
     <a:masterClrMapping/>
   </p:clrMapOvr>
+  <p:timing>
+    <p:tnLst>
+      <p:par>
+        <p:cTn id="1" dur="indefinite" restart="never" nodeType="tmRoot"/>
+      </p:par>
+    </p:tnLst>
+  </p:timing>
 </p:sld>
 </file>
 
@@ -6609,10 +6558,10 @@
           <a:lstStyle/>
           <a:p>
             <a:r>
-              <a:rPr lang="en-US" altLang="zh-CN" dirty="0" smtClean="0"/>
-              <a:t>Future C++</a:t>
-            </a:r>
-            <a:endParaRPr lang="zh-CN" altLang="en-US" dirty="0"/>
+              <a:rPr lang="en-US" altLang="zh-CN" smtClean="0"/>
+              <a:t>ORM</a:t>
+            </a:r>
+            <a:endParaRPr lang="zh-CN" altLang="en-US"/>
           </a:p>
         </p:txBody>
       </p:sp>
@@ -6632,76 +6581,46 @@
           <a:lstStyle/>
           <a:p>
             <a:r>
-              <a:rPr lang="en-US" altLang="zh-CN" dirty="0" smtClean="0"/>
-              <a:t>Type-and resource-safe</a:t>
-            </a:r>
-          </a:p>
-          <a:p>
-            <a:r>
-              <a:rPr lang="en-US" altLang="zh-CN" dirty="0" smtClean="0"/>
-              <a:t>Significantly simpler and clearer code</a:t>
-            </a:r>
-          </a:p>
-          <a:p>
-            <a:r>
-              <a:rPr lang="en-US" altLang="zh-CN" dirty="0" smtClean="0"/>
-              <a:t>As fast or faster than anything else</a:t>
-            </a:r>
-          </a:p>
-          <a:p>
-            <a:r>
-              <a:rPr lang="en-US" altLang="zh-CN" dirty="0" smtClean="0"/>
-              <a:t>Good at using “modern hardware”</a:t>
-            </a:r>
-          </a:p>
-          <a:p>
-            <a:r>
-              <a:rPr lang="en-US" altLang="zh-CN" dirty="0" smtClean="0"/>
-              <a:t>Significantly faster compilation catching many more errors</a:t>
-            </a:r>
+              <a:rPr lang="zh-CN" altLang="en-US" dirty="0" smtClean="0"/>
+              <a:t>统一好用的接口</a:t>
+            </a:r>
+            <a:endParaRPr lang="en-US" altLang="zh-CN" dirty="0" smtClean="0"/>
+          </a:p>
+          <a:p>
+            <a:r>
+              <a:rPr lang="zh-CN" altLang="en-US" dirty="0" smtClean="0"/>
+              <a:t>可扩展的接口</a:t>
+            </a:r>
+            <a:endParaRPr lang="en-US" altLang="zh-CN" dirty="0" smtClean="0"/>
+          </a:p>
+          <a:p>
+            <a:r>
+              <a:rPr lang="zh-CN" altLang="en-US" dirty="0" smtClean="0"/>
+              <a:t>自动生成</a:t>
+            </a:r>
+            <a:r>
+              <a:rPr lang="en-US" altLang="zh-CN" dirty="0" err="1" smtClean="0"/>
+              <a:t>sql</a:t>
+            </a:r>
+            <a:r>
+              <a:rPr lang="zh-CN" altLang="en-US" dirty="0" smtClean="0"/>
+              <a:t>脚本</a:t>
+            </a:r>
+            <a:endParaRPr lang="en-US" altLang="zh-CN" dirty="0" smtClean="0"/>
+          </a:p>
+          <a:p>
+            <a:r>
+              <a:rPr lang="zh-CN" altLang="en-US" dirty="0" smtClean="0"/>
+              <a:t>自动化地实体映射</a:t>
+            </a:r>
+            <a:endParaRPr lang="en-US" altLang="zh-CN" dirty="0" smtClean="0"/>
+          </a:p>
+          <a:p>
             <a:endParaRPr lang="zh-CN" altLang="en-US" dirty="0"/>
           </a:p>
         </p:txBody>
       </p:sp>
-      <p:pic>
-        <p:nvPicPr>
-          <p:cNvPr id="4" name="Picture 2"/>
-          <p:cNvPicPr>
-            <a:picLocks noChangeAspect="1" noChangeArrowheads="1"/>
-          </p:cNvPicPr>
-          <p:nvPr/>
-        </p:nvPicPr>
-        <p:blipFill>
-          <a:blip r:embed="rId2"/>
-          <a:srcRect/>
-          <a:stretch>
-            <a:fillRect/>
-          </a:stretch>
-        </p:blipFill>
-        <p:spPr bwMode="auto">
-          <a:xfrm>
-            <a:off x="2651760" y="3386846"/>
-            <a:ext cx="3668278" cy="3031854"/>
-          </a:xfrm>
-          <a:prstGeom prst="rect">
-            <a:avLst/>
-          </a:prstGeom>
-          <a:noFill/>
-          <a:ln w="9525">
-            <a:noFill/>
-            <a:miter lim="800000"/>
-            <a:headEnd/>
-            <a:tailEnd/>
-          </a:ln>
-          <a:effectLst/>
-        </p:spPr>
-      </p:pic>
     </p:spTree>
-    <p:extLst>
-      <p:ext uri="{BB962C8B-B14F-4D97-AF65-F5344CB8AC3E}">
-        <p14:creationId xmlns="" xmlns:p14="http://schemas.microsoft.com/office/powerpoint/2010/main" val="1047839009"/>
-      </p:ext>
-    </p:extLst>
   </p:cSld>
   <p:clrMapOvr>
     <a:masterClrMapping/>
@@ -6751,10 +6670,10 @@
           <a:lstStyle/>
           <a:p>
             <a:r>
-              <a:rPr lang="en-US" altLang="zh-CN" smtClean="0"/>
+              <a:rPr lang="en-US" altLang="zh-CN" dirty="0" smtClean="0"/>
               <a:t>ORM</a:t>
             </a:r>
-            <a:endParaRPr lang="zh-CN" altLang="en-US"/>
+            <a:endParaRPr lang="zh-CN" altLang="en-US" dirty="0"/>
           </a:p>
         </p:txBody>
       </p:sp>
@@ -6773,42 +6692,68 @@
           <a:bodyPr/>
           <a:lstStyle/>
           <a:p>
-            <a:r>
-              <a:rPr lang="zh-CN" altLang="en-US" dirty="0" smtClean="0"/>
-              <a:t>统一好用的接口</a:t>
-            </a:r>
-            <a:endParaRPr lang="en-US" altLang="zh-CN" dirty="0" smtClean="0"/>
-          </a:p>
-          <a:p>
-            <a:r>
-              <a:rPr lang="zh-CN" altLang="en-US" dirty="0" smtClean="0"/>
-              <a:t>可扩展的接口</a:t>
-            </a:r>
-            <a:endParaRPr lang="en-US" altLang="zh-CN" dirty="0" smtClean="0"/>
-          </a:p>
-          <a:p>
-            <a:r>
-              <a:rPr lang="zh-CN" altLang="en-US" dirty="0" smtClean="0"/>
-              <a:t>自动生成</a:t>
-            </a:r>
-            <a:r>
-              <a:rPr lang="en-US" altLang="zh-CN" dirty="0" err="1" smtClean="0"/>
-              <a:t>sql</a:t>
-            </a:r>
-            <a:r>
-              <a:rPr lang="zh-CN" altLang="en-US" dirty="0" smtClean="0"/>
-              <a:t>脚本</a:t>
-            </a:r>
-            <a:endParaRPr lang="en-US" altLang="zh-CN" dirty="0" smtClean="0"/>
-          </a:p>
-          <a:p>
-            <a:r>
-              <a:rPr lang="zh-CN" altLang="en-US" dirty="0" smtClean="0"/>
-              <a:t>自动化地实体映射</a:t>
-            </a:r>
-            <a:endParaRPr lang="en-US" altLang="zh-CN" dirty="0" smtClean="0"/>
-          </a:p>
-          <a:p>
+            <a:endParaRPr lang="zh-CN" altLang="en-US"/>
+          </a:p>
+        </p:txBody>
+      </p:sp>
+      <p:pic>
+        <p:nvPicPr>
+          <p:cNvPr id="1027" name="Picture 3"/>
+          <p:cNvPicPr>
+            <a:picLocks noChangeAspect="1" noChangeArrowheads="1"/>
+          </p:cNvPicPr>
+          <p:nvPr/>
+        </p:nvPicPr>
+        <p:blipFill>
+          <a:blip r:embed="rId2"/>
+          <a:srcRect/>
+          <a:stretch>
+            <a:fillRect/>
+          </a:stretch>
+        </p:blipFill>
+        <p:spPr bwMode="auto">
+          <a:xfrm>
+            <a:off x="678959" y="1052772"/>
+            <a:ext cx="7551737" cy="5467350"/>
+          </a:xfrm>
+          <a:prstGeom prst="rect">
+            <a:avLst/>
+          </a:prstGeom>
+          <a:noFill/>
+          <a:ln w="9525">
+            <a:noFill/>
+            <a:miter lim="800000"/>
+            <a:headEnd/>
+            <a:tailEnd/>
+          </a:ln>
+          <a:effectLst/>
+        </p:spPr>
+      </p:pic>
+      <p:sp>
+        <p:nvSpPr>
+          <p:cNvPr id="5" name="矩形 4"/>
+          <p:cNvSpPr/>
+          <p:nvPr/>
+        </p:nvSpPr>
+        <p:spPr>
+          <a:xfrm>
+            <a:off x="3652460" y="3809600"/>
+            <a:ext cx="3651256" cy="369332"/>
+          </a:xfrm>
+          <a:prstGeom prst="rect">
+            <a:avLst/>
+          </a:prstGeom>
+        </p:spPr>
+        <p:txBody>
+          <a:bodyPr wrap="none">
+            <a:spAutoFit/>
+          </a:bodyPr>
+          <a:lstStyle/>
+          <a:p>
+            <a:r>
+              <a:rPr lang="en-US" altLang="zh-CN" dirty="0" smtClean="0"/>
+              <a:t>https://github.com/qicosmos/ormpp</a:t>
+            </a:r>
             <a:endParaRPr lang="zh-CN" altLang="en-US" dirty="0"/>
           </a:p>
         </p:txBody>
@@ -6821,9 +6766,126 @@
   <p:timing>
     <p:tnLst>
       <p:par>
-        <p:cTn id="1" dur="indefinite" restart="never" nodeType="tmRoot"/>
+        <p:cTn id="1" dur="indefinite" restart="never" nodeType="tmRoot">
+          <p:childTnLst>
+            <p:seq concurrent="1" nextAc="seek">
+              <p:cTn id="2" dur="indefinite" nodeType="mainSeq">
+                <p:childTnLst>
+                  <p:par>
+                    <p:cTn id="3" fill="hold">
+                      <p:stCondLst>
+                        <p:cond delay="indefinite"/>
+                      </p:stCondLst>
+                      <p:childTnLst>
+                        <p:par>
+                          <p:cTn id="4" fill="hold">
+                            <p:stCondLst>
+                              <p:cond delay="0"/>
+                            </p:stCondLst>
+                            <p:childTnLst>
+                              <p:par>
+                                <p:cTn id="5" presetID="2" presetClass="entr" presetSubtype="4" fill="hold" grpId="0" nodeType="clickEffect">
+                                  <p:stCondLst>
+                                    <p:cond delay="0"/>
+                                  </p:stCondLst>
+                                  <p:childTnLst>
+                                    <p:set>
+                                      <p:cBhvr>
+                                        <p:cTn id="6" dur="1" fill="hold">
+                                          <p:stCondLst>
+                                            <p:cond delay="0"/>
+                                          </p:stCondLst>
+                                        </p:cTn>
+                                        <p:tgtEl>
+                                          <p:spTgt spid="5"/>
+                                        </p:tgtEl>
+                                        <p:attrNameLst>
+                                          <p:attrName>style.visibility</p:attrName>
+                                        </p:attrNameLst>
+                                      </p:cBhvr>
+                                      <p:to>
+                                        <p:strVal val="visible"/>
+                                      </p:to>
+                                    </p:set>
+                                    <p:anim calcmode="lin" valueType="num">
+                                      <p:cBhvr additive="base">
+                                        <p:cTn id="7" dur="500" fill="hold"/>
+                                        <p:tgtEl>
+                                          <p:spTgt spid="5"/>
+                                        </p:tgtEl>
+                                        <p:attrNameLst>
+                                          <p:attrName>ppt_x</p:attrName>
+                                        </p:attrNameLst>
+                                      </p:cBhvr>
+                                      <p:tavLst>
+                                        <p:tav tm="0">
+                                          <p:val>
+                                            <p:strVal val="#ppt_x"/>
+                                          </p:val>
+                                        </p:tav>
+                                        <p:tav tm="100000">
+                                          <p:val>
+                                            <p:strVal val="#ppt_x"/>
+                                          </p:val>
+                                        </p:tav>
+                                      </p:tavLst>
+                                    </p:anim>
+                                    <p:anim calcmode="lin" valueType="num">
+                                      <p:cBhvr additive="base">
+                                        <p:cTn id="8" dur="500" fill="hold"/>
+                                        <p:tgtEl>
+                                          <p:spTgt spid="5"/>
+                                        </p:tgtEl>
+                                        <p:attrNameLst>
+                                          <p:attrName>ppt_y</p:attrName>
+                                        </p:attrNameLst>
+                                      </p:cBhvr>
+                                      <p:tavLst>
+                                        <p:tav tm="0">
+                                          <p:val>
+                                            <p:strVal val="1+#ppt_h/2"/>
+                                          </p:val>
+                                        </p:tav>
+                                        <p:tav tm="100000">
+                                          <p:val>
+                                            <p:strVal val="#ppt_y"/>
+                                          </p:val>
+                                        </p:tav>
+                                      </p:tavLst>
+                                    </p:anim>
+                                  </p:childTnLst>
+                                </p:cTn>
+                              </p:par>
+                            </p:childTnLst>
+                          </p:cTn>
+                        </p:par>
+                      </p:childTnLst>
+                    </p:cTn>
+                  </p:par>
+                </p:childTnLst>
+              </p:cTn>
+              <p:prevCondLst>
+                <p:cond evt="onPrev" delay="0">
+                  <p:tgtEl>
+                    <p:sldTgt/>
+                  </p:tgtEl>
+                </p:cond>
+              </p:prevCondLst>
+              <p:nextCondLst>
+                <p:cond evt="onNext" delay="0">
+                  <p:tgtEl>
+                    <p:sldTgt/>
+                  </p:tgtEl>
+                </p:cond>
+              </p:nextCondLst>
+            </p:seq>
+          </p:childTnLst>
+        </p:cTn>
       </p:par>
     </p:tnLst>
+    <p:bldLst>
+      <p:bldP spid="5" grpId="0"/>
+    </p:bldLst>
   </p:timing>
 </p:sld>
 </file>
@@ -7066,115 +7128,6 @@
         </p:nvSpPr>
         <p:spPr/>
         <p:txBody>
-          <a:bodyPr>
-            <a:normAutofit lnSpcReduction="10000"/>
-          </a:bodyPr>
-          <a:lstStyle/>
-          <a:p>
-            <a:r>
-              <a:rPr lang="en-US" altLang="zh-CN" dirty="0" smtClean="0"/>
-              <a:t>ORM</a:t>
-            </a:r>
-            <a:endParaRPr lang="zh-CN" altLang="en-US" dirty="0"/>
-          </a:p>
-        </p:txBody>
-      </p:sp>
-      <p:sp>
-        <p:nvSpPr>
-          <p:cNvPr id="3" name="内容占位符 2"/>
-          <p:cNvSpPr>
-            <a:spLocks noGrp="1"/>
-          </p:cNvSpPr>
-          <p:nvPr>
-            <p:ph sz="quarter" idx="11"/>
-          </p:nvPr>
-        </p:nvSpPr>
-        <p:spPr/>
-        <p:txBody>
-          <a:bodyPr/>
-          <a:lstStyle/>
-          <a:p>
-            <a:endParaRPr lang="zh-CN" altLang="en-US"/>
-          </a:p>
-        </p:txBody>
-      </p:sp>
-      <p:pic>
-        <p:nvPicPr>
-          <p:cNvPr id="1027" name="Picture 3"/>
-          <p:cNvPicPr>
-            <a:picLocks noChangeAspect="1" noChangeArrowheads="1"/>
-          </p:cNvPicPr>
-          <p:nvPr/>
-        </p:nvPicPr>
-        <p:blipFill>
-          <a:blip r:embed="rId2"/>
-          <a:srcRect/>
-          <a:stretch>
-            <a:fillRect/>
-          </a:stretch>
-        </p:blipFill>
-        <p:spPr bwMode="auto">
-          <a:xfrm>
-            <a:off x="678959" y="1052772"/>
-            <a:ext cx="7551737" cy="5467350"/>
-          </a:xfrm>
-          <a:prstGeom prst="rect">
-            <a:avLst/>
-          </a:prstGeom>
-          <a:noFill/>
-          <a:ln w="9525">
-            <a:noFill/>
-            <a:miter lim="800000"/>
-            <a:headEnd/>
-            <a:tailEnd/>
-          </a:ln>
-          <a:effectLst/>
-        </p:spPr>
-      </p:pic>
-    </p:spTree>
-  </p:cSld>
-  <p:clrMapOvr>
-    <a:masterClrMapping/>
-  </p:clrMapOvr>
-  <p:timing>
-    <p:tnLst>
-      <p:par>
-        <p:cTn id="1" dur="indefinite" restart="never" nodeType="tmRoot"/>
-      </p:par>
-    </p:tnLst>
-  </p:timing>
-</p:sld>
-</file>
-
-<file path=ppt/slides/slide26.xml><?xml version="1.0" encoding="utf-8"?>
-<p:sld xmlns:a="http://schemas.openxmlformats.org/drawingml/2006/main" xmlns:r="http://schemas.openxmlformats.org/officeDocument/2006/relationships" xmlns:p="http://schemas.openxmlformats.org/presentationml/2006/main">
-  <p:cSld>
-    <p:spTree>
-      <p:nvGrpSpPr>
-        <p:cNvPr id="1" name=""/>
-        <p:cNvGrpSpPr/>
-        <p:nvPr/>
-      </p:nvGrpSpPr>
-      <p:grpSpPr>
-        <a:xfrm>
-          <a:off x="0" y="0"/>
-          <a:ext cx="0" cy="0"/>
-          <a:chOff x="0" y="0"/>
-          <a:chExt cx="0" cy="0"/>
-        </a:xfrm>
-      </p:grpSpPr>
-      <p:sp>
-        <p:nvSpPr>
-          <p:cNvPr id="2" name="文本占位符 1"/>
-          <p:cNvSpPr>
-            <a:spLocks noGrp="1"/>
-          </p:cNvSpPr>
-          <p:nvPr>
-            <p:ph type="body" sz="quarter" idx="10"/>
-          </p:nvPr>
-        </p:nvSpPr>
-        <p:spPr/>
-        <p:txBody>
           <a:bodyPr rtlCol="0">
             <a:normAutofit lnSpcReduction="10000"/>
           </a:bodyPr>
@@ -7325,7 +7278,7 @@
 </p:sld>
 </file>
 
-<file path=ppt/slides/slide27.xml><?xml version="1.0" encoding="utf-8"?>
+<file path=ppt/slides/slide26.xml><?xml version="1.0" encoding="utf-8"?>
 <p:sld xmlns:a="http://schemas.openxmlformats.org/drawingml/2006/main" xmlns:r="http://schemas.openxmlformats.org/officeDocument/2006/relationships" xmlns:p="http://schemas.openxmlformats.org/presentationml/2006/main">
   <p:cSld>
     <p:spTree>
@@ -7433,7 +7386,7 @@
     </p:spTree>
     <p:extLst>
       <p:ext uri="{BB962C8B-B14F-4D97-AF65-F5344CB8AC3E}">
-        <p14:creationId xmlns:p14="http://schemas.microsoft.com/office/powerpoint/2010/main" xmlns="" val="900910706"/>
+        <p14:creationId xmlns="" xmlns:p14="http://schemas.microsoft.com/office/powerpoint/2010/main" val="900910706"/>
       </p:ext>
     </p:extLst>
   </p:cSld>
@@ -7564,7 +7517,7 @@
 </p:sld>
 </file>
 
-<file path=ppt/slides/slide28.xml><?xml version="1.0" encoding="utf-8"?>
+<file path=ppt/slides/slide27.xml><?xml version="1.0" encoding="utf-8"?>
 <p:sld xmlns:a="http://schemas.openxmlformats.org/drawingml/2006/main" xmlns:r="http://schemas.openxmlformats.org/officeDocument/2006/relationships" xmlns:p="http://schemas.openxmlformats.org/presentationml/2006/main">
   <p:cSld>
     <p:spTree>
@@ -7720,7 +7673,7 @@
     </p:spTree>
     <p:extLst>
       <p:ext uri="{BB962C8B-B14F-4D97-AF65-F5344CB8AC3E}">
-        <p14:creationId xmlns:p14="http://schemas.microsoft.com/office/powerpoint/2010/main" xmlns="" val="768345762"/>
+        <p14:creationId xmlns="" xmlns:p14="http://schemas.microsoft.com/office/powerpoint/2010/main" val="768345762"/>
       </p:ext>
     </p:extLst>
   </p:cSld>
@@ -7933,7 +7886,7 @@
 </p:sld>
 </file>
 
-<file path=ppt/slides/slide29.xml><?xml version="1.0" encoding="utf-8"?>
+<file path=ppt/slides/slide28.xml><?xml version="1.0" encoding="utf-8"?>
 <p:sld xmlns:a="http://schemas.openxmlformats.org/drawingml/2006/main" xmlns:r="http://schemas.openxmlformats.org/officeDocument/2006/relationships" xmlns:p="http://schemas.openxmlformats.org/presentationml/2006/main">
   <p:cSld>
     <p:spTree>
@@ -9166,7 +9119,7 @@
     </p:spTree>
     <p:extLst>
       <p:ext uri="{BB962C8B-B14F-4D97-AF65-F5344CB8AC3E}">
-        <p14:creationId xmlns:p14="http://schemas.microsoft.com/office/powerpoint/2010/main" xmlns="" val="3760972625"/>
+        <p14:creationId xmlns="" xmlns:p14="http://schemas.microsoft.com/office/powerpoint/2010/main" val="3760972625"/>
       </p:ext>
     </p:extLst>
   </p:cSld>
@@ -9300,352 +9253,7 @@
 </p:sld>
 </file>
 
-<file path=ppt/slides/slide3.xml><?xml version="1.0" encoding="utf-8"?>
-<p:sld xmlns:a="http://schemas.openxmlformats.org/drawingml/2006/main" xmlns:r="http://schemas.openxmlformats.org/officeDocument/2006/relationships" xmlns:p="http://schemas.openxmlformats.org/presentationml/2006/main">
-  <p:cSld>
-    <p:spTree>
-      <p:nvGrpSpPr>
-        <p:cNvPr id="1" name=""/>
-        <p:cNvGrpSpPr/>
-        <p:nvPr/>
-      </p:nvGrpSpPr>
-      <p:grpSpPr>
-        <a:xfrm>
-          <a:off x="0" y="0"/>
-          <a:ext cx="0" cy="0"/>
-          <a:chOff x="0" y="0"/>
-          <a:chExt cx="0" cy="0"/>
-        </a:xfrm>
-      </p:grpSpPr>
-      <p:sp>
-        <p:nvSpPr>
-          <p:cNvPr id="2" name="文本占位符 1"/>
-          <p:cNvSpPr>
-            <a:spLocks noGrp="1"/>
-          </p:cNvSpPr>
-          <p:nvPr>
-            <p:ph type="body" sz="quarter" idx="10"/>
-          </p:nvPr>
-        </p:nvSpPr>
-        <p:spPr/>
-        <p:txBody>
-          <a:bodyPr rtlCol="0">
-            <a:normAutofit lnSpcReduction="10000"/>
-          </a:bodyPr>
-          <a:lstStyle/>
-          <a:p>
-            <a:pPr fontAlgn="auto">
-              <a:spcAft>
-                <a:spcPts val="0"/>
-              </a:spcAft>
-              <a:buFont typeface="Arial" panose="020B0604020202020204" pitchFamily="34" charset="0"/>
-              <a:buNone/>
-              <a:defRPr/>
-            </a:pPr>
-            <a:r>
-              <a:rPr lang="zh-CN" altLang="en-US" smtClean="0"/>
-              <a:t>我要讲些什么</a:t>
-            </a:r>
-            <a:endParaRPr lang="zh-CN" altLang="en-US"/>
-          </a:p>
-        </p:txBody>
-      </p:sp>
-      <p:sp>
-        <p:nvSpPr>
-          <p:cNvPr id="3" name="内容占位符 2"/>
-          <p:cNvSpPr>
-            <a:spLocks noGrp="1"/>
-          </p:cNvSpPr>
-          <p:nvPr>
-            <p:ph sz="quarter" idx="11"/>
-          </p:nvPr>
-        </p:nvSpPr>
-        <p:spPr/>
-        <p:txBody>
-          <a:bodyPr rtlCol="0"/>
-          <a:lstStyle/>
-          <a:p>
-            <a:pPr fontAlgn="auto">
-              <a:spcAft>
-                <a:spcPts val="0"/>
-              </a:spcAft>
-              <a:buFont typeface="Arial" panose="020B0604020202020204" pitchFamily="34" charset="0"/>
-              <a:buChar char="•"/>
-              <a:defRPr/>
-            </a:pPr>
-            <a:r>
-              <a:rPr lang="zh-CN" altLang="en-US" dirty="0" smtClean="0"/>
-              <a:t>新特性（</a:t>
-            </a:r>
-            <a:r>
-              <a:rPr lang="en-US" altLang="zh-CN" dirty="0" smtClean="0"/>
-              <a:t>C++11/14/17</a:t>
-            </a:r>
-            <a:r>
-              <a:rPr lang="zh-CN" altLang="en-US" dirty="0" smtClean="0"/>
-              <a:t>）</a:t>
-            </a:r>
-            <a:endParaRPr lang="en-US" altLang="zh-CN" dirty="0" smtClean="0"/>
-          </a:p>
-          <a:p>
-            <a:pPr fontAlgn="auto">
-              <a:spcAft>
-                <a:spcPts val="0"/>
-              </a:spcAft>
-              <a:buFont typeface="Arial" panose="020B0604020202020204" pitchFamily="34" charset="0"/>
-              <a:buChar char="•"/>
-              <a:defRPr/>
-            </a:pPr>
-            <a:r>
-              <a:rPr lang="zh-CN" altLang="en-US" dirty="0" smtClean="0"/>
-              <a:t>元编程</a:t>
-            </a:r>
-            <a:endParaRPr lang="en-US" altLang="zh-CN" dirty="0" smtClean="0"/>
-          </a:p>
-          <a:p>
-            <a:pPr fontAlgn="auto">
-              <a:spcAft>
-                <a:spcPts val="0"/>
-              </a:spcAft>
-              <a:buFont typeface="Arial" panose="020B0604020202020204" pitchFamily="34" charset="0"/>
-              <a:buChar char="•"/>
-              <a:defRPr/>
-            </a:pPr>
-            <a:r>
-              <a:rPr lang="zh-CN" altLang="en-US" dirty="0" smtClean="0"/>
-              <a:t>元编程的一些用途</a:t>
-            </a:r>
-            <a:endParaRPr lang="en-US" altLang="zh-CN" dirty="0" smtClean="0"/>
-          </a:p>
-          <a:p>
-            <a:pPr fontAlgn="auto">
-              <a:spcAft>
-                <a:spcPts val="0"/>
-              </a:spcAft>
-              <a:buFont typeface="Arial" panose="020B0604020202020204" pitchFamily="34" charset="0"/>
-              <a:buChar char="•"/>
-              <a:defRPr/>
-            </a:pPr>
-            <a:r>
-              <a:rPr lang="zh-CN" altLang="en-US" dirty="0" smtClean="0"/>
-              <a:t>元编程实现</a:t>
-            </a:r>
-            <a:r>
-              <a:rPr lang="en-US" altLang="zh-CN" dirty="0" smtClean="0"/>
-              <a:t>ORM</a:t>
-            </a:r>
-          </a:p>
-        </p:txBody>
-      </p:sp>
-      <p:sp>
-        <p:nvSpPr>
-          <p:cNvPr id="4" name="矩形 3"/>
-          <p:cNvSpPr/>
-          <p:nvPr/>
-        </p:nvSpPr>
-        <p:spPr>
-          <a:xfrm>
-            <a:off x="2935674" y="3441784"/>
-            <a:ext cx="3331361" cy="400110"/>
-          </a:xfrm>
-          <a:prstGeom prst="rect">
-            <a:avLst/>
-          </a:prstGeom>
-        </p:spPr>
-        <p:txBody>
-          <a:bodyPr wrap="none">
-            <a:spAutoFit/>
-          </a:bodyPr>
-          <a:lstStyle/>
-          <a:p>
-            <a:r>
-              <a:rPr lang="en-US" altLang="zh-CN" sz="2000" smtClean="0"/>
-              <a:t>Modern C++ </a:t>
-            </a:r>
-            <a:r>
-              <a:rPr lang="en-US" altLang="zh-CN" sz="2000"/>
-              <a:t>C</a:t>
-            </a:r>
-            <a:r>
-              <a:rPr lang="zh-CN" altLang="en-US" sz="2000" smtClean="0"/>
-              <a:t>reative </a:t>
-            </a:r>
-            <a:r>
-              <a:rPr lang="en-US" altLang="zh-CN" sz="2000" smtClean="0"/>
-              <a:t>I</a:t>
-            </a:r>
-            <a:r>
-              <a:rPr lang="zh-CN" altLang="en-US" sz="2000" smtClean="0"/>
-              <a:t>deas</a:t>
-            </a:r>
-            <a:endParaRPr lang="zh-CN" altLang="en-US" sz="2000"/>
-          </a:p>
-        </p:txBody>
-      </p:sp>
-    </p:spTree>
-  </p:cSld>
-  <p:clrMapOvr>
-    <a:masterClrMapping/>
-  </p:clrMapOvr>
-  <p:timing>
-    <p:tnLst>
-      <p:par>
-        <p:cTn id="1" dur="indefinite" restart="never" nodeType="tmRoot">
-          <p:childTnLst>
-            <p:seq concurrent="1" nextAc="seek">
-              <p:cTn id="2" dur="indefinite" nodeType="mainSeq">
-                <p:childTnLst>
-                  <p:par>
-                    <p:cTn id="3" fill="hold">
-                      <p:stCondLst>
-                        <p:cond delay="indefinite"/>
-                      </p:stCondLst>
-                      <p:childTnLst>
-                        <p:par>
-                          <p:cTn id="4" fill="hold">
-                            <p:stCondLst>
-                              <p:cond delay="0"/>
-                            </p:stCondLst>
-                            <p:childTnLst>
-                              <p:par>
-                                <p:cTn id="5" presetID="31" presetClass="entr" presetSubtype="0" fill="hold" grpId="0" nodeType="clickEffect">
-                                  <p:stCondLst>
-                                    <p:cond delay="0"/>
-                                  </p:stCondLst>
-                                  <p:childTnLst>
-                                    <p:set>
-                                      <p:cBhvr>
-                                        <p:cTn id="6" dur="1" fill="hold">
-                                          <p:stCondLst>
-                                            <p:cond delay="0"/>
-                                          </p:stCondLst>
-                                        </p:cTn>
-                                        <p:tgtEl>
-                                          <p:spTgt spid="4"/>
-                                        </p:tgtEl>
-                                        <p:attrNameLst>
-                                          <p:attrName>style.visibility</p:attrName>
-                                        </p:attrNameLst>
-                                      </p:cBhvr>
-                                      <p:to>
-                                        <p:strVal val="visible"/>
-                                      </p:to>
-                                    </p:set>
-                                    <p:anim calcmode="lin" valueType="num">
-                                      <p:cBhvr>
-                                        <p:cTn id="7" dur="1000" fill="hold"/>
-                                        <p:tgtEl>
-                                          <p:spTgt spid="4"/>
-                                        </p:tgtEl>
-                                        <p:attrNameLst>
-                                          <p:attrName>ppt_w</p:attrName>
-                                        </p:attrNameLst>
-                                      </p:cBhvr>
-                                      <p:tavLst>
-                                        <p:tav tm="0">
-                                          <p:val>
-                                            <p:fltVal val="0"/>
-                                          </p:val>
-                                        </p:tav>
-                                        <p:tav tm="100000">
-                                          <p:val>
-                                            <p:strVal val="#ppt_w"/>
-                                          </p:val>
-                                        </p:tav>
-                                      </p:tavLst>
-                                    </p:anim>
-                                    <p:anim calcmode="lin" valueType="num">
-                                      <p:cBhvr>
-                                        <p:cTn id="8" dur="1000" fill="hold"/>
-                                        <p:tgtEl>
-                                          <p:spTgt spid="4"/>
-                                        </p:tgtEl>
-                                        <p:attrNameLst>
-                                          <p:attrName>ppt_h</p:attrName>
-                                        </p:attrNameLst>
-                                      </p:cBhvr>
-                                      <p:tavLst>
-                                        <p:tav tm="0">
-                                          <p:val>
-                                            <p:fltVal val="0"/>
-                                          </p:val>
-                                        </p:tav>
-                                        <p:tav tm="100000">
-                                          <p:val>
-                                            <p:strVal val="#ppt_h"/>
-                                          </p:val>
-                                        </p:tav>
-                                      </p:tavLst>
-                                    </p:anim>
-                                    <p:anim calcmode="lin" valueType="num">
-                                      <p:cBhvr>
-                                        <p:cTn id="9" dur="1000" fill="hold"/>
-                                        <p:tgtEl>
-                                          <p:spTgt spid="4"/>
-                                        </p:tgtEl>
-                                        <p:attrNameLst>
-                                          <p:attrName>style.rotation</p:attrName>
-                                        </p:attrNameLst>
-                                      </p:cBhvr>
-                                      <p:tavLst>
-                                        <p:tav tm="0">
-                                          <p:val>
-                                            <p:fltVal val="90"/>
-                                          </p:val>
-                                        </p:tav>
-                                        <p:tav tm="100000">
-                                          <p:val>
-                                            <p:fltVal val="0"/>
-                                          </p:val>
-                                        </p:tav>
-                                      </p:tavLst>
-                                    </p:anim>
-                                    <p:animEffect transition="in" filter="fade">
-                                      <p:cBhvr>
-                                        <p:cTn id="10" dur="1000"/>
-                                        <p:tgtEl>
-                                          <p:spTgt spid="4"/>
-                                        </p:tgtEl>
-                                      </p:cBhvr>
-                                    </p:animEffect>
-                                  </p:childTnLst>
-                                </p:cTn>
-                              </p:par>
-                            </p:childTnLst>
-                          </p:cTn>
-                        </p:par>
-                      </p:childTnLst>
-                    </p:cTn>
-                  </p:par>
-                </p:childTnLst>
-              </p:cTn>
-              <p:prevCondLst>
-                <p:cond evt="onPrev" delay="0">
-                  <p:tgtEl>
-                    <p:sldTgt/>
-                  </p:tgtEl>
-                </p:cond>
-              </p:prevCondLst>
-              <p:nextCondLst>
-                <p:cond evt="onNext" delay="0">
-                  <p:tgtEl>
-                    <p:sldTgt/>
-                  </p:tgtEl>
-                </p:cond>
-              </p:nextCondLst>
-            </p:seq>
-          </p:childTnLst>
-        </p:cTn>
-      </p:par>
-    </p:tnLst>
-    <p:bldLst>
-      <p:bldP spid="4" grpId="0"/>
-    </p:bldLst>
-  </p:timing>
-</p:sld>
-</file>
-
-<file path=ppt/slides/slide30.xml><?xml version="1.0" encoding="utf-8"?>
+<file path=ppt/slides/slide29.xml><?xml version="1.0" encoding="utf-8"?>
 <p:sld xmlns:a="http://schemas.openxmlformats.org/drawingml/2006/main" xmlns:r="http://schemas.openxmlformats.org/officeDocument/2006/relationships" xmlns:p="http://schemas.openxmlformats.org/presentationml/2006/main">
   <p:cSld>
     <p:spTree>
@@ -10349,7 +9957,7 @@
     </p:spTree>
     <p:extLst>
       <p:ext uri="{BB962C8B-B14F-4D97-AF65-F5344CB8AC3E}">
-        <p14:creationId xmlns:p14="http://schemas.microsoft.com/office/powerpoint/2010/main" xmlns="" val="1130343970"/>
+        <p14:creationId xmlns="" xmlns:p14="http://schemas.microsoft.com/office/powerpoint/2010/main" val="1130343970"/>
       </p:ext>
     </p:extLst>
   </p:cSld>
@@ -10760,6 +10368,532 @@
 </p:sld>
 </file>
 
+<file path=ppt/slides/slide3.xml><?xml version="1.0" encoding="utf-8"?>
+<p:sld xmlns:a="http://schemas.openxmlformats.org/drawingml/2006/main" xmlns:r="http://schemas.openxmlformats.org/officeDocument/2006/relationships" xmlns:p="http://schemas.openxmlformats.org/presentationml/2006/main">
+  <p:cSld>
+    <p:spTree>
+      <p:nvGrpSpPr>
+        <p:cNvPr id="1" name=""/>
+        <p:cNvGrpSpPr/>
+        <p:nvPr/>
+      </p:nvGrpSpPr>
+      <p:grpSpPr>
+        <a:xfrm>
+          <a:off x="0" y="0"/>
+          <a:ext cx="0" cy="0"/>
+          <a:chOff x="0" y="0"/>
+          <a:chExt cx="0" cy="0"/>
+        </a:xfrm>
+      </p:grpSpPr>
+      <p:sp>
+        <p:nvSpPr>
+          <p:cNvPr id="2" name="文本占位符 1"/>
+          <p:cNvSpPr>
+            <a:spLocks noGrp="1"/>
+          </p:cNvSpPr>
+          <p:nvPr>
+            <p:ph type="body" sz="quarter" idx="10"/>
+          </p:nvPr>
+        </p:nvSpPr>
+        <p:spPr/>
+        <p:txBody>
+          <a:bodyPr>
+            <a:normAutofit lnSpcReduction="10000"/>
+          </a:bodyPr>
+          <a:lstStyle/>
+          <a:p>
+            <a:endParaRPr lang="zh-CN" altLang="en-US" dirty="0"/>
+          </a:p>
+        </p:txBody>
+      </p:sp>
+      <p:sp>
+        <p:nvSpPr>
+          <p:cNvPr id="3" name="内容占位符 2"/>
+          <p:cNvSpPr>
+            <a:spLocks noGrp="1"/>
+          </p:cNvSpPr>
+          <p:nvPr>
+            <p:ph sz="quarter" idx="11"/>
+          </p:nvPr>
+        </p:nvSpPr>
+        <p:spPr/>
+        <p:txBody>
+          <a:bodyPr/>
+          <a:lstStyle/>
+          <a:p>
+            <a:endParaRPr lang="zh-CN" altLang="en-US" dirty="0"/>
+          </a:p>
+        </p:txBody>
+      </p:sp>
+      <p:pic>
+        <p:nvPicPr>
+          <p:cNvPr id="1026" name="Picture 2" descr="相关图片"/>
+          <p:cNvPicPr>
+            <a:picLocks noChangeAspect="1" noChangeArrowheads="1"/>
+          </p:cNvPicPr>
+          <p:nvPr/>
+        </p:nvPicPr>
+        <p:blipFill>
+          <a:blip r:embed="rId2"/>
+          <a:srcRect/>
+          <a:stretch>
+            <a:fillRect/>
+          </a:stretch>
+        </p:blipFill>
+        <p:spPr bwMode="auto">
+          <a:xfrm>
+            <a:off x="1845425" y="1717584"/>
+            <a:ext cx="5451474" cy="4018516"/>
+          </a:xfrm>
+          <a:prstGeom prst="rect">
+            <a:avLst/>
+          </a:prstGeom>
+          <a:noFill/>
+        </p:spPr>
+      </p:pic>
+    </p:spTree>
+  </p:cSld>
+  <p:clrMapOvr>
+    <a:masterClrMapping/>
+  </p:clrMapOvr>
+  <p:timing>
+    <p:tnLst>
+      <p:par>
+        <p:cTn id="1" dur="indefinite" restart="never" nodeType="tmRoot"/>
+      </p:par>
+    </p:tnLst>
+  </p:timing>
+</p:sld>
+</file>
+
+<file path=ppt/slides/slide30.xml><?xml version="1.0" encoding="utf-8"?>
+<p:sld xmlns:a="http://schemas.openxmlformats.org/drawingml/2006/main" xmlns:r="http://schemas.openxmlformats.org/officeDocument/2006/relationships" xmlns:p="http://schemas.openxmlformats.org/presentationml/2006/main">
+  <p:cSld>
+    <p:spTree>
+      <p:nvGrpSpPr>
+        <p:cNvPr id="1" name=""/>
+        <p:cNvGrpSpPr/>
+        <p:nvPr/>
+      </p:nvGrpSpPr>
+      <p:grpSpPr>
+        <a:xfrm>
+          <a:off x="0" y="0"/>
+          <a:ext cx="0" cy="0"/>
+          <a:chOff x="0" y="0"/>
+          <a:chExt cx="0" cy="0"/>
+        </a:xfrm>
+      </p:grpSpPr>
+      <p:sp>
+        <p:nvSpPr>
+          <p:cNvPr id="2" name="文本占位符 1"/>
+          <p:cNvSpPr>
+            <a:spLocks noGrp="1"/>
+          </p:cNvSpPr>
+          <p:nvPr>
+            <p:ph type="body" sz="quarter" idx="10"/>
+          </p:nvPr>
+        </p:nvSpPr>
+        <p:spPr/>
+        <p:txBody>
+          <a:bodyPr>
+            <a:normAutofit lnSpcReduction="10000"/>
+          </a:bodyPr>
+          <a:lstStyle/>
+          <a:p>
+            <a:r>
+              <a:rPr lang="zh-CN" altLang="en-US" smtClean="0"/>
+              <a:t>自动生成</a:t>
+            </a:r>
+            <a:r>
+              <a:rPr lang="en-US" altLang="zh-CN" smtClean="0"/>
+              <a:t>sql</a:t>
+            </a:r>
+            <a:r>
+              <a:rPr lang="zh-CN" altLang="en-US" smtClean="0"/>
+              <a:t>脚本</a:t>
+            </a:r>
+            <a:endParaRPr lang="zh-CN" altLang="en-US"/>
+          </a:p>
+        </p:txBody>
+      </p:sp>
+      <p:sp>
+        <p:nvSpPr>
+          <p:cNvPr id="3" name="内容占位符 2"/>
+          <p:cNvSpPr>
+            <a:spLocks noGrp="1"/>
+          </p:cNvSpPr>
+          <p:nvPr>
+            <p:ph sz="quarter" idx="11"/>
+          </p:nvPr>
+        </p:nvSpPr>
+        <p:spPr/>
+        <p:txBody>
+          <a:bodyPr/>
+          <a:lstStyle/>
+          <a:p>
+            <a:r>
+              <a:rPr lang="zh-CN" altLang="en-US" dirty="0" smtClean="0"/>
+              <a:t>编译期反射获取对象名称</a:t>
+            </a:r>
+            <a:endParaRPr lang="en-US" altLang="zh-CN" dirty="0" smtClean="0"/>
+          </a:p>
+          <a:p>
+            <a:endParaRPr lang="en-US" altLang="zh-CN" dirty="0"/>
+          </a:p>
+          <a:p>
+            <a:endParaRPr lang="en-US" altLang="zh-CN" dirty="0" smtClean="0"/>
+          </a:p>
+          <a:p>
+            <a:r>
+              <a:rPr lang="zh-CN" altLang="en-US" dirty="0" smtClean="0"/>
+              <a:t>编译期反射获取字段名数组</a:t>
+            </a:r>
+            <a:endParaRPr lang="en-US" altLang="zh-CN" dirty="0" smtClean="0"/>
+          </a:p>
+          <a:p>
+            <a:endParaRPr lang="en-US" altLang="zh-CN" dirty="0"/>
+          </a:p>
+          <a:p>
+            <a:endParaRPr lang="en-US" altLang="zh-CN" dirty="0" smtClean="0"/>
+          </a:p>
+          <a:p>
+            <a:r>
+              <a:rPr lang="zh-CN" altLang="en-US" dirty="0" smtClean="0"/>
+              <a:t>编译期获取类型名称数组</a:t>
+            </a:r>
+            <a:r>
+              <a:rPr lang="zh-CN" altLang="en-US" dirty="0" smtClean="0"/>
+              <a:t>？</a:t>
+            </a:r>
+            <a:endParaRPr lang="zh-CN" altLang="en-US" dirty="0" smtClean="0"/>
+          </a:p>
+          <a:p>
+            <a:pPr>
+              <a:buNone/>
+            </a:pPr>
+            <a:endParaRPr lang="en-US" altLang="zh-CN" dirty="0"/>
+          </a:p>
+          <a:p>
+            <a:endParaRPr lang="zh-CN" altLang="en-US" dirty="0"/>
+          </a:p>
+        </p:txBody>
+      </p:sp>
+      <p:sp>
+        <p:nvSpPr>
+          <p:cNvPr id="4" name="矩形 3"/>
+          <p:cNvSpPr/>
+          <p:nvPr/>
+        </p:nvSpPr>
+        <p:spPr>
+          <a:xfrm>
+            <a:off x="266700" y="1656145"/>
+            <a:ext cx="7270921" cy="369332"/>
+          </a:xfrm>
+          <a:prstGeom prst="rect">
+            <a:avLst/>
+          </a:prstGeom>
+        </p:spPr>
+        <p:txBody>
+          <a:bodyPr wrap="square">
+            <a:spAutoFit/>
+          </a:bodyPr>
+          <a:lstStyle/>
+          <a:p>
+            <a:r>
+              <a:rPr lang="zh-CN" altLang="en-US" dirty="0"/>
+              <a:t>constexpr auto name = iguana::get_name&lt;T</a:t>
+            </a:r>
+            <a:r>
+              <a:rPr lang="zh-CN" altLang="en-US" dirty="0" smtClean="0"/>
+              <a:t>&gt;(); </a:t>
+            </a:r>
+            <a:r>
+              <a:rPr lang="en-US" altLang="zh-CN" dirty="0" smtClean="0">
+                <a:sym typeface="Wingdings" panose="05000000000000000000" pitchFamily="2" charset="2"/>
+              </a:rPr>
+              <a:t> </a:t>
+            </a:r>
+            <a:r>
+              <a:rPr lang="zh-CN" altLang="en-US" dirty="0" smtClean="0"/>
+              <a:t>"</a:t>
+            </a:r>
+            <a:r>
+              <a:rPr lang="en-US" altLang="zh-CN" dirty="0" smtClean="0">
+                <a:sym typeface="Wingdings" panose="05000000000000000000" pitchFamily="2" charset="2"/>
+              </a:rPr>
+              <a:t>person</a:t>
+            </a:r>
+            <a:r>
+              <a:rPr lang="zh-CN" altLang="en-US" dirty="0" smtClean="0"/>
+              <a:t>" </a:t>
+            </a:r>
+            <a:endParaRPr lang="zh-CN" altLang="en-US" dirty="0"/>
+          </a:p>
+        </p:txBody>
+      </p:sp>
+      <p:sp>
+        <p:nvSpPr>
+          <p:cNvPr id="5" name="矩形 4"/>
+          <p:cNvSpPr/>
+          <p:nvPr/>
+        </p:nvSpPr>
+        <p:spPr>
+          <a:xfrm>
+            <a:off x="266700" y="2906926"/>
+            <a:ext cx="7559246" cy="369332"/>
+          </a:xfrm>
+          <a:prstGeom prst="rect">
+            <a:avLst/>
+          </a:prstGeom>
+        </p:spPr>
+        <p:txBody>
+          <a:bodyPr wrap="square">
+            <a:spAutoFit/>
+          </a:bodyPr>
+          <a:lstStyle/>
+          <a:p>
+            <a:r>
+              <a:rPr lang="zh-CN" altLang="en-US" dirty="0"/>
+              <a:t>constexpr auto arr = iguana::get_array&lt;T</a:t>
+            </a:r>
+            <a:r>
+              <a:rPr lang="zh-CN" altLang="en-US" dirty="0" smtClean="0"/>
+              <a:t>&gt;(); </a:t>
+            </a:r>
+            <a:r>
+              <a:rPr lang="en-US" altLang="zh-CN" dirty="0" smtClean="0">
+                <a:sym typeface="Wingdings" panose="05000000000000000000" pitchFamily="2" charset="2"/>
+              </a:rPr>
+              <a:t> {"</a:t>
+            </a:r>
+            <a:r>
+              <a:rPr lang="zh-CN" altLang="en-US" dirty="0" smtClean="0"/>
+              <a:t>id" </a:t>
+            </a:r>
+            <a:r>
+              <a:rPr lang="en-US" altLang="zh-CN" dirty="0" smtClean="0"/>
+              <a:t>,</a:t>
+            </a:r>
+            <a:r>
+              <a:rPr lang="zh-CN" altLang="en-US" dirty="0"/>
+              <a:t> </a:t>
+            </a:r>
+            <a:r>
+              <a:rPr lang="zh-CN" altLang="en-US" dirty="0" smtClean="0"/>
+              <a:t>"</a:t>
+            </a:r>
+            <a:r>
+              <a:rPr lang="en-US" altLang="zh-CN" dirty="0" smtClean="0"/>
+              <a:t>name</a:t>
+            </a:r>
+            <a:r>
+              <a:rPr lang="zh-CN" altLang="en-US" dirty="0" smtClean="0"/>
+              <a:t>" </a:t>
+            </a:r>
+            <a:r>
+              <a:rPr lang="en-US" altLang="zh-CN" dirty="0" smtClean="0"/>
+              <a:t>,</a:t>
+            </a:r>
+            <a:r>
+              <a:rPr lang="zh-CN" altLang="en-US" dirty="0"/>
+              <a:t> </a:t>
+            </a:r>
+            <a:r>
+              <a:rPr lang="zh-CN" altLang="en-US" dirty="0" smtClean="0"/>
+              <a:t>"</a:t>
+            </a:r>
+            <a:r>
+              <a:rPr lang="en-US" altLang="zh-CN" dirty="0" smtClean="0"/>
+              <a:t>age</a:t>
+            </a:r>
+            <a:r>
+              <a:rPr lang="zh-CN" altLang="en-US" dirty="0" smtClean="0"/>
+              <a:t>" </a:t>
+            </a:r>
+            <a:r>
+              <a:rPr lang="en-US" altLang="zh-CN" dirty="0" smtClean="0"/>
+              <a:t>}  </a:t>
+            </a:r>
+            <a:endParaRPr lang="zh-CN" altLang="en-US" dirty="0"/>
+          </a:p>
+        </p:txBody>
+      </p:sp>
+      <p:sp>
+        <p:nvSpPr>
+          <p:cNvPr id="6" name="矩形 5"/>
+          <p:cNvSpPr/>
+          <p:nvPr/>
+        </p:nvSpPr>
+        <p:spPr>
+          <a:xfrm>
+            <a:off x="3821649" y="3693222"/>
+            <a:ext cx="3935116" cy="369332"/>
+          </a:xfrm>
+          <a:prstGeom prst="rect">
+            <a:avLst/>
+          </a:prstGeom>
+        </p:spPr>
+        <p:txBody>
+          <a:bodyPr wrap="none">
+            <a:spAutoFit/>
+          </a:bodyPr>
+          <a:lstStyle/>
+          <a:p>
+            <a:r>
+              <a:rPr lang="en-US" altLang="zh-CN" dirty="0" smtClean="0">
+                <a:sym typeface="Wingdings" pitchFamily="2" charset="2"/>
+              </a:rPr>
+              <a:t>{“</a:t>
+            </a:r>
+            <a:r>
+              <a:rPr lang="en-US" altLang="zh-CN" dirty="0" smtClean="0">
+                <a:sym typeface="Wingdings" panose="05000000000000000000" pitchFamily="2" charset="2"/>
+              </a:rPr>
+              <a:t>INTEGER</a:t>
+            </a:r>
+            <a:r>
+              <a:rPr lang="zh-CN" altLang="en-US" dirty="0" smtClean="0"/>
+              <a:t>" </a:t>
+            </a:r>
+            <a:r>
+              <a:rPr lang="en-US" altLang="zh-CN" dirty="0" smtClean="0"/>
+              <a:t>,</a:t>
+            </a:r>
+            <a:r>
+              <a:rPr lang="zh-CN" altLang="en-US" dirty="0" smtClean="0"/>
+              <a:t> “</a:t>
+            </a:r>
+            <a:r>
+              <a:rPr lang="en-US" altLang="zh-CN" dirty="0" smtClean="0"/>
+              <a:t>TEXT</a:t>
+            </a:r>
+            <a:r>
+              <a:rPr lang="zh-CN" altLang="en-US" dirty="0" smtClean="0"/>
+              <a:t>" </a:t>
+            </a:r>
+            <a:r>
+              <a:rPr lang="en-US" altLang="zh-CN" dirty="0" smtClean="0"/>
+              <a:t>,</a:t>
+            </a:r>
+            <a:r>
+              <a:rPr lang="zh-CN" altLang="en-US" dirty="0" smtClean="0"/>
+              <a:t> “</a:t>
+            </a:r>
+            <a:r>
+              <a:rPr lang="en-US" altLang="zh-CN" dirty="0" smtClean="0"/>
+              <a:t>INTEGER</a:t>
+            </a:r>
+            <a:r>
+              <a:rPr lang="zh-CN" altLang="en-US" dirty="0" smtClean="0"/>
+              <a:t>" </a:t>
+            </a:r>
+            <a:r>
+              <a:rPr lang="en-US" altLang="zh-CN" dirty="0" smtClean="0"/>
+              <a:t>} </a:t>
+            </a:r>
+            <a:endParaRPr lang="zh-CN" altLang="en-US" dirty="0"/>
+          </a:p>
+        </p:txBody>
+      </p:sp>
+    </p:spTree>
+    <p:extLst>
+      <p:ext uri="{BB962C8B-B14F-4D97-AF65-F5344CB8AC3E}">
+        <p14:creationId xmlns="" xmlns:p14="http://schemas.microsoft.com/office/powerpoint/2010/main" val="3674534974"/>
+      </p:ext>
+    </p:extLst>
+  </p:cSld>
+  <p:clrMapOvr>
+    <a:masterClrMapping/>
+  </p:clrMapOvr>
+  <p:timing>
+    <p:tnLst>
+      <p:par>
+        <p:cTn id="1" dur="indefinite" restart="never" nodeType="tmRoot">
+          <p:childTnLst>
+            <p:seq concurrent="1" nextAc="seek">
+              <p:cTn id="2" dur="indefinite" nodeType="mainSeq">
+                <p:childTnLst>
+                  <p:par>
+                    <p:cTn id="3" fill="hold">
+                      <p:stCondLst>
+                        <p:cond delay="indefinite"/>
+                      </p:stCondLst>
+                      <p:childTnLst>
+                        <p:par>
+                          <p:cTn id="4" fill="hold">
+                            <p:stCondLst>
+                              <p:cond delay="0"/>
+                            </p:stCondLst>
+                            <p:childTnLst>
+                              <p:par>
+                                <p:cTn id="5" presetID="22" presetClass="entr" presetSubtype="8" fill="hold" grpId="0" nodeType="clickEffect">
+                                  <p:stCondLst>
+                                    <p:cond delay="0"/>
+                                  </p:stCondLst>
+                                  <p:childTnLst>
+                                    <p:set>
+                                      <p:cBhvr>
+                                        <p:cTn id="6" dur="1" fill="hold">
+                                          <p:stCondLst>
+                                            <p:cond delay="0"/>
+                                          </p:stCondLst>
+                                        </p:cTn>
+                                        <p:tgtEl>
+                                          <p:spTgt spid="6"/>
+                                        </p:tgtEl>
+                                        <p:attrNameLst>
+                                          <p:attrName>style.visibility</p:attrName>
+                                        </p:attrNameLst>
+                                      </p:cBhvr>
+                                      <p:to>
+                                        <p:strVal val="visible"/>
+                                      </p:to>
+                                    </p:set>
+                                    <p:animEffect transition="in" filter="wipe(left)">
+                                      <p:cBhvr>
+                                        <p:cTn id="7" dur="500"/>
+                                        <p:tgtEl>
+                                          <p:spTgt spid="6"/>
+                                        </p:tgtEl>
+                                      </p:cBhvr>
+                                    </p:animEffect>
+                                  </p:childTnLst>
+                                </p:cTn>
+                              </p:par>
+                            </p:childTnLst>
+                          </p:cTn>
+                        </p:par>
+                      </p:childTnLst>
+                    </p:cTn>
+                  </p:par>
+                </p:childTnLst>
+              </p:cTn>
+              <p:prevCondLst>
+                <p:cond evt="onPrev" delay="0">
+                  <p:tgtEl>
+                    <p:sldTgt/>
+                  </p:tgtEl>
+                </p:cond>
+              </p:prevCondLst>
+              <p:nextCondLst>
+                <p:cond evt="onNext" delay="0">
+                  <p:tgtEl>
+                    <p:sldTgt/>
+                  </p:tgtEl>
+                </p:cond>
+              </p:nextCondLst>
+            </p:seq>
+          </p:childTnLst>
+        </p:cTn>
+      </p:par>
+    </p:tnLst>
+    <p:bldLst>
+      <p:bldP spid="6" grpId="0"/>
+    </p:bldLst>
+  </p:timing>
+</p:sld>
+</file>
+
 <file path=ppt/slides/slide31.xml><?xml version="1.0" encoding="utf-8"?>
 <p:sld xmlns:a="http://schemas.openxmlformats.org/drawingml/2006/main" xmlns:r="http://schemas.openxmlformats.org/officeDocument/2006/relationships" xmlns:p="http://schemas.openxmlformats.org/presentationml/2006/main">
   <p:cSld>
@@ -10795,16 +10929,12 @@
           <a:lstStyle/>
           <a:p>
             <a:r>
+              <a:rPr lang="zh-CN" altLang="en-US"/>
+              <a:t>类</a:t>
+            </a:r>
+            <a:r>
               <a:rPr lang="zh-CN" altLang="en-US" smtClean="0"/>
-              <a:t>自动生成</a:t>
-            </a:r>
-            <a:r>
-              <a:rPr lang="en-US" altLang="zh-CN" smtClean="0"/>
-              <a:t>sql</a:t>
-            </a:r>
-            <a:r>
-              <a:rPr lang="zh-CN" altLang="en-US" smtClean="0"/>
-              <a:t>脚本</a:t>
+              <a:t>型映射</a:t>
             </a:r>
             <a:endParaRPr lang="zh-CN" altLang="en-US"/>
           </a:p>
@@ -10826,186 +10956,45 @@
           <a:lstStyle/>
           <a:p>
             <a:r>
-              <a:rPr lang="zh-CN" altLang="en-US" dirty="0" smtClean="0"/>
-              <a:t>编译期反射获取对象名称</a:t>
-            </a:r>
-            <a:endParaRPr lang="en-US" altLang="zh-CN" dirty="0" smtClean="0"/>
-          </a:p>
-          <a:p>
-            <a:endParaRPr lang="en-US" altLang="zh-CN" dirty="0"/>
-          </a:p>
-          <a:p>
-            <a:endParaRPr lang="en-US" altLang="zh-CN" dirty="0" smtClean="0"/>
-          </a:p>
-          <a:p>
-            <a:r>
-              <a:rPr lang="zh-CN" altLang="en-US" dirty="0" smtClean="0"/>
-              <a:t>编译期反射获取字段名数组</a:t>
-            </a:r>
-            <a:endParaRPr lang="en-US" altLang="zh-CN" dirty="0" smtClean="0"/>
-          </a:p>
-          <a:p>
-            <a:endParaRPr lang="en-US" altLang="zh-CN" dirty="0"/>
-          </a:p>
-          <a:p>
-            <a:endParaRPr lang="en-US" altLang="zh-CN" dirty="0" smtClean="0"/>
-          </a:p>
-          <a:p>
-            <a:r>
-              <a:rPr lang="zh-CN" altLang="en-US" dirty="0" smtClean="0"/>
-              <a:t>编译期获取类型名称数组？</a:t>
-            </a:r>
-            <a:endParaRPr lang="en-US" altLang="zh-CN" dirty="0"/>
-          </a:p>
-          <a:p>
-            <a:endParaRPr lang="zh-CN" altLang="en-US" dirty="0"/>
+              <a:rPr lang="en-US" altLang="zh-CN" smtClean="0"/>
+              <a:t>C++</a:t>
+            </a:r>
+            <a:r>
+              <a:rPr lang="zh-CN" altLang="en-US" smtClean="0"/>
+              <a:t>类型映射到数据库字段类型</a:t>
+            </a:r>
+            <a:endParaRPr lang="zh-CN" altLang="en-US"/>
           </a:p>
         </p:txBody>
       </p:sp>
-      <p:sp>
-        <p:nvSpPr>
-          <p:cNvPr id="4" name="矩形 3"/>
-          <p:cNvSpPr/>
+      <p:pic>
+        <p:nvPicPr>
+          <p:cNvPr id="4" name="图片 3"/>
+          <p:cNvPicPr>
+            <a:picLocks noChangeAspect="1"/>
+          </p:cNvPicPr>
           <p:nvPr/>
-        </p:nvSpPr>
+        </p:nvPicPr>
+        <p:blipFill>
+          <a:blip r:embed="rId2"/>
+          <a:stretch>
+            <a:fillRect/>
+          </a:stretch>
+        </p:blipFill>
         <p:spPr>
           <a:xfrm>
-            <a:off x="266700" y="1656145"/>
-            <a:ext cx="7270921" cy="369332"/>
+            <a:off x="817071" y="1696995"/>
+            <a:ext cx="7243157" cy="4907579"/>
           </a:xfrm>
           <a:prstGeom prst="rect">
             <a:avLst/>
           </a:prstGeom>
         </p:spPr>
-        <p:txBody>
-          <a:bodyPr wrap="square">
-            <a:spAutoFit/>
-          </a:bodyPr>
-          <a:lstStyle/>
-          <a:p>
-            <a:r>
-              <a:rPr lang="zh-CN" altLang="en-US" dirty="0"/>
-              <a:t>constexpr auto name = iguana::get_name&lt;T</a:t>
-            </a:r>
-            <a:r>
-              <a:rPr lang="zh-CN" altLang="en-US" dirty="0" smtClean="0"/>
-              <a:t>&gt;(); </a:t>
-            </a:r>
-            <a:r>
-              <a:rPr lang="en-US" altLang="zh-CN" dirty="0" smtClean="0">
-                <a:sym typeface="Wingdings" panose="05000000000000000000" pitchFamily="2" charset="2"/>
-              </a:rPr>
-              <a:t> </a:t>
-            </a:r>
-            <a:r>
-              <a:rPr lang="zh-CN" altLang="en-US" dirty="0" smtClean="0"/>
-              <a:t>"</a:t>
-            </a:r>
-            <a:r>
-              <a:rPr lang="en-US" altLang="zh-CN" dirty="0" smtClean="0">
-                <a:sym typeface="Wingdings" panose="05000000000000000000" pitchFamily="2" charset="2"/>
-              </a:rPr>
-              <a:t>person</a:t>
-            </a:r>
-            <a:r>
-              <a:rPr lang="zh-CN" altLang="en-US" dirty="0" smtClean="0"/>
-              <a:t>" </a:t>
-            </a:r>
-            <a:endParaRPr lang="zh-CN" altLang="en-US" dirty="0"/>
-          </a:p>
-        </p:txBody>
-      </p:sp>
-      <p:sp>
-        <p:nvSpPr>
-          <p:cNvPr id="5" name="矩形 4"/>
-          <p:cNvSpPr/>
-          <p:nvPr/>
-        </p:nvSpPr>
-        <p:spPr>
-          <a:xfrm>
-            <a:off x="266700" y="2906926"/>
-            <a:ext cx="7559246" cy="369332"/>
-          </a:xfrm>
-          <a:prstGeom prst="rect">
-            <a:avLst/>
-          </a:prstGeom>
-        </p:spPr>
-        <p:txBody>
-          <a:bodyPr wrap="square">
-            <a:spAutoFit/>
-          </a:bodyPr>
-          <a:lstStyle/>
-          <a:p>
-            <a:r>
-              <a:rPr lang="zh-CN" altLang="en-US" dirty="0"/>
-              <a:t>constexpr auto arr = iguana::get_array&lt;T</a:t>
-            </a:r>
-            <a:r>
-              <a:rPr lang="zh-CN" altLang="en-US" dirty="0" smtClean="0"/>
-              <a:t>&gt;(); </a:t>
-            </a:r>
-            <a:r>
-              <a:rPr lang="en-US" altLang="zh-CN" dirty="0" smtClean="0">
-                <a:sym typeface="Wingdings" panose="05000000000000000000" pitchFamily="2" charset="2"/>
-              </a:rPr>
-              <a:t> {"</a:t>
-            </a:r>
-            <a:r>
-              <a:rPr lang="zh-CN" altLang="en-US" dirty="0" smtClean="0"/>
-              <a:t>id" </a:t>
-            </a:r>
-            <a:r>
-              <a:rPr lang="en-US" altLang="zh-CN" dirty="0" smtClean="0"/>
-              <a:t>,</a:t>
-            </a:r>
-            <a:r>
-              <a:rPr lang="zh-CN" altLang="en-US" dirty="0"/>
-              <a:t> </a:t>
-            </a:r>
-            <a:r>
-              <a:rPr lang="zh-CN" altLang="en-US" dirty="0" smtClean="0"/>
-              <a:t>"</a:t>
-            </a:r>
-            <a:r>
-              <a:rPr lang="en-US" altLang="zh-CN" dirty="0" smtClean="0"/>
-              <a:t>name</a:t>
-            </a:r>
-            <a:r>
-              <a:rPr lang="zh-CN" altLang="en-US" dirty="0" smtClean="0"/>
-              <a:t>" </a:t>
-            </a:r>
-            <a:r>
-              <a:rPr lang="en-US" altLang="zh-CN" dirty="0" smtClean="0"/>
-              <a:t>,</a:t>
-            </a:r>
-            <a:r>
-              <a:rPr lang="zh-CN" altLang="en-US" dirty="0"/>
-              <a:t> </a:t>
-            </a:r>
-            <a:r>
-              <a:rPr lang="zh-CN" altLang="en-US" dirty="0" smtClean="0"/>
-              <a:t>"</a:t>
-            </a:r>
-            <a:r>
-              <a:rPr lang="en-US" altLang="zh-CN" dirty="0" smtClean="0"/>
-              <a:t>age</a:t>
-            </a:r>
-            <a:r>
-              <a:rPr lang="zh-CN" altLang="en-US" dirty="0" smtClean="0"/>
-              <a:t>" </a:t>
-            </a:r>
-            <a:r>
-              <a:rPr lang="en-US" altLang="zh-CN" dirty="0" smtClean="0"/>
-              <a:t>}  </a:t>
-            </a:r>
-            <a:endParaRPr lang="zh-CN" altLang="en-US" dirty="0"/>
-          </a:p>
-        </p:txBody>
-      </p:sp>
+      </p:pic>
     </p:spTree>
     <p:extLst>
       <p:ext uri="{BB962C8B-B14F-4D97-AF65-F5344CB8AC3E}">
-        <p14:creationId xmlns:p14="http://schemas.microsoft.com/office/powerpoint/2010/main" xmlns="" val="3674534974"/>
+        <p14:creationId xmlns="" xmlns:p14="http://schemas.microsoft.com/office/powerpoint/2010/main" val="1767821580"/>
       </p:ext>
     </p:extLst>
   </p:cSld>
@@ -11057,12 +11046,8 @@
           <a:lstStyle/>
           <a:p>
             <a:r>
-              <a:rPr lang="zh-CN" altLang="en-US"/>
-              <a:t>类</a:t>
-            </a:r>
-            <a:r>
               <a:rPr lang="zh-CN" altLang="en-US" smtClean="0"/>
-              <a:t>型映射</a:t>
+              <a:t>获取类型名称</a:t>
             </a:r>
             <a:endParaRPr lang="zh-CN" altLang="en-US"/>
           </a:p>
@@ -11084,12 +11069,8 @@
           <a:lstStyle/>
           <a:p>
             <a:r>
-              <a:rPr lang="en-US" altLang="zh-CN" smtClean="0"/>
-              <a:t>C++</a:t>
-            </a:r>
-            <a:r>
               <a:rPr lang="zh-CN" altLang="en-US" smtClean="0"/>
-              <a:t>类型映射到数据库字段类型</a:t>
+              <a:t>编译期获取类型名称数组</a:t>
             </a:r>
             <a:endParaRPr lang="zh-CN" altLang="en-US"/>
           </a:p>
@@ -11111,8 +11092,8 @@
         </p:blipFill>
         <p:spPr>
           <a:xfrm>
-            <a:off x="817071" y="1696995"/>
-            <a:ext cx="7243157" cy="4907579"/>
+            <a:off x="266700" y="1767531"/>
+            <a:ext cx="8346343" cy="4130761"/>
           </a:xfrm>
           <a:prstGeom prst="rect">
             <a:avLst/>
@@ -11122,7 +11103,7 @@
     </p:spTree>
     <p:extLst>
       <p:ext uri="{BB962C8B-B14F-4D97-AF65-F5344CB8AC3E}">
-        <p14:creationId xmlns:p14="http://schemas.microsoft.com/office/powerpoint/2010/main" xmlns="" val="1767821580"/>
+        <p14:creationId xmlns="" xmlns:p14="http://schemas.microsoft.com/office/powerpoint/2010/main" val="156102797"/>
       </p:ext>
     </p:extLst>
   </p:cSld>
@@ -11175,115 +11156,6 @@
           <a:p>
             <a:r>
               <a:rPr lang="zh-CN" altLang="en-US" smtClean="0"/>
-              <a:t>获取类型名称</a:t>
-            </a:r>
-            <a:endParaRPr lang="zh-CN" altLang="en-US"/>
-          </a:p>
-        </p:txBody>
-      </p:sp>
-      <p:sp>
-        <p:nvSpPr>
-          <p:cNvPr id="3" name="内容占位符 2"/>
-          <p:cNvSpPr>
-            <a:spLocks noGrp="1"/>
-          </p:cNvSpPr>
-          <p:nvPr>
-            <p:ph sz="quarter" idx="11"/>
-          </p:nvPr>
-        </p:nvSpPr>
-        <p:spPr/>
-        <p:txBody>
-          <a:bodyPr/>
-          <a:lstStyle/>
-          <a:p>
-            <a:r>
-              <a:rPr lang="zh-CN" altLang="en-US" smtClean="0"/>
-              <a:t>编译期获取类型名称数组</a:t>
-            </a:r>
-            <a:endParaRPr lang="zh-CN" altLang="en-US"/>
-          </a:p>
-        </p:txBody>
-      </p:sp>
-      <p:pic>
-        <p:nvPicPr>
-          <p:cNvPr id="4" name="图片 3"/>
-          <p:cNvPicPr>
-            <a:picLocks noChangeAspect="1"/>
-          </p:cNvPicPr>
-          <p:nvPr/>
-        </p:nvPicPr>
-        <p:blipFill>
-          <a:blip r:embed="rId2"/>
-          <a:stretch>
-            <a:fillRect/>
-          </a:stretch>
-        </p:blipFill>
-        <p:spPr>
-          <a:xfrm>
-            <a:off x="266700" y="1767531"/>
-            <a:ext cx="8346343" cy="4130761"/>
-          </a:xfrm>
-          <a:prstGeom prst="rect">
-            <a:avLst/>
-          </a:prstGeom>
-        </p:spPr>
-      </p:pic>
-    </p:spTree>
-    <p:extLst>
-      <p:ext uri="{BB962C8B-B14F-4D97-AF65-F5344CB8AC3E}">
-        <p14:creationId xmlns:p14="http://schemas.microsoft.com/office/powerpoint/2010/main" xmlns="" val="156102797"/>
-      </p:ext>
-    </p:extLst>
-  </p:cSld>
-  <p:clrMapOvr>
-    <a:masterClrMapping/>
-  </p:clrMapOvr>
-  <p:timing>
-    <p:tnLst>
-      <p:par>
-        <p:cTn id="1" dur="indefinite" restart="never" nodeType="tmRoot"/>
-      </p:par>
-    </p:tnLst>
-  </p:timing>
-</p:sld>
-</file>
-
-<file path=ppt/slides/slide34.xml><?xml version="1.0" encoding="utf-8"?>
-<p:sld xmlns:a="http://schemas.openxmlformats.org/drawingml/2006/main" xmlns:r="http://schemas.openxmlformats.org/officeDocument/2006/relationships" xmlns:p="http://schemas.openxmlformats.org/presentationml/2006/main">
-  <p:cSld>
-    <p:spTree>
-      <p:nvGrpSpPr>
-        <p:cNvPr id="1" name=""/>
-        <p:cNvGrpSpPr/>
-        <p:nvPr/>
-      </p:nvGrpSpPr>
-      <p:grpSpPr>
-        <a:xfrm>
-          <a:off x="0" y="0"/>
-          <a:ext cx="0" cy="0"/>
-          <a:chOff x="0" y="0"/>
-          <a:chExt cx="0" cy="0"/>
-        </a:xfrm>
-      </p:grpSpPr>
-      <p:sp>
-        <p:nvSpPr>
-          <p:cNvPr id="2" name="文本占位符 1"/>
-          <p:cNvSpPr>
-            <a:spLocks noGrp="1"/>
-          </p:cNvSpPr>
-          <p:nvPr>
-            <p:ph type="body" sz="quarter" idx="10"/>
-          </p:nvPr>
-        </p:nvSpPr>
-        <p:spPr/>
-        <p:txBody>
-          <a:bodyPr>
-            <a:normAutofit lnSpcReduction="10000"/>
-          </a:bodyPr>
-          <a:lstStyle/>
-          <a:p>
-            <a:r>
-              <a:rPr lang="zh-CN" altLang="en-US" smtClean="0"/>
               <a:t>自动生成脚本</a:t>
             </a:r>
             <a:endParaRPr lang="zh-CN" altLang="en-US"/>
@@ -11867,7 +11739,7 @@
     </p:spTree>
     <p:extLst>
       <p:ext uri="{BB962C8B-B14F-4D97-AF65-F5344CB8AC3E}">
-        <p14:creationId xmlns:p14="http://schemas.microsoft.com/office/powerpoint/2010/main" xmlns="" val="1320338770"/>
+        <p14:creationId xmlns="" xmlns:p14="http://schemas.microsoft.com/office/powerpoint/2010/main" val="1320338770"/>
       </p:ext>
     </p:extLst>
   </p:cSld>
@@ -12266,7 +12138,7 @@
 </p:sld>
 </file>
 
-<file path=ppt/slides/slide35.xml><?xml version="1.0" encoding="utf-8"?>
+<file path=ppt/slides/slide34.xml><?xml version="1.0" encoding="utf-8"?>
 <p:sld xmlns:a="http://schemas.openxmlformats.org/drawingml/2006/main" xmlns:r="http://schemas.openxmlformats.org/officeDocument/2006/relationships" xmlns:p="http://schemas.openxmlformats.org/presentationml/2006/main">
   <p:cSld>
     <p:spTree>
@@ -12408,6 +12280,123 @@
 </p:sld>
 </file>
 
+<file path=ppt/slides/slide35.xml><?xml version="1.0" encoding="utf-8"?>
+<p:sld xmlns:a="http://schemas.openxmlformats.org/drawingml/2006/main" xmlns:r="http://schemas.openxmlformats.org/officeDocument/2006/relationships" xmlns:p="http://schemas.openxmlformats.org/presentationml/2006/main">
+  <p:cSld>
+    <p:spTree>
+      <p:nvGrpSpPr>
+        <p:cNvPr id="1" name=""/>
+        <p:cNvGrpSpPr/>
+        <p:nvPr/>
+      </p:nvGrpSpPr>
+      <p:grpSpPr>
+        <a:xfrm>
+          <a:off x="0" y="0"/>
+          <a:ext cx="0" cy="0"/>
+          <a:chOff x="0" y="0"/>
+          <a:chExt cx="0" cy="0"/>
+        </a:xfrm>
+      </p:grpSpPr>
+      <p:sp>
+        <p:nvSpPr>
+          <p:cNvPr id="2" name="文本占位符 1"/>
+          <p:cNvSpPr>
+            <a:spLocks noGrp="1"/>
+          </p:cNvSpPr>
+          <p:nvPr>
+            <p:ph type="body" sz="quarter" idx="10"/>
+          </p:nvPr>
+        </p:nvSpPr>
+        <p:spPr/>
+        <p:txBody>
+          <a:bodyPr>
+            <a:normAutofit lnSpcReduction="10000"/>
+          </a:bodyPr>
+          <a:lstStyle/>
+          <a:p>
+            <a:r>
+              <a:rPr lang="zh-CN" altLang="en-US" dirty="0" smtClean="0"/>
+              <a:t>实体映射</a:t>
+            </a:r>
+            <a:endParaRPr lang="zh-CN" altLang="en-US" dirty="0"/>
+          </a:p>
+        </p:txBody>
+      </p:sp>
+      <p:sp>
+        <p:nvSpPr>
+          <p:cNvPr id="6" name="内容占位符 5"/>
+          <p:cNvSpPr>
+            <a:spLocks noGrp="1"/>
+          </p:cNvSpPr>
+          <p:nvPr>
+            <p:ph sz="quarter" idx="11"/>
+          </p:nvPr>
+        </p:nvSpPr>
+        <p:spPr/>
+        <p:txBody>
+          <a:bodyPr/>
+          <a:lstStyle/>
+          <a:p>
+            <a:r>
+              <a:rPr lang="en-US" altLang="zh-CN" dirty="0" err="1" smtClean="0"/>
+              <a:t>Postgresql</a:t>
+            </a:r>
+            <a:r>
+              <a:rPr lang="en-US" altLang="zh-CN" dirty="0" smtClean="0"/>
+              <a:t> to Entity</a:t>
+            </a:r>
+            <a:endParaRPr lang="zh-CN" altLang="en-US" dirty="0"/>
+          </a:p>
+        </p:txBody>
+      </p:sp>
+      <p:pic>
+        <p:nvPicPr>
+          <p:cNvPr id="1027" name="Picture 3"/>
+          <p:cNvPicPr>
+            <a:picLocks noChangeAspect="1" noChangeArrowheads="1"/>
+          </p:cNvPicPr>
+          <p:nvPr/>
+        </p:nvPicPr>
+        <p:blipFill>
+          <a:blip r:embed="rId2"/>
+          <a:srcRect/>
+          <a:stretch>
+            <a:fillRect/>
+          </a:stretch>
+        </p:blipFill>
+        <p:spPr bwMode="auto">
+          <a:xfrm>
+            <a:off x="1464772" y="1850102"/>
+            <a:ext cx="5981700" cy="2343150"/>
+          </a:xfrm>
+          <a:prstGeom prst="rect">
+            <a:avLst/>
+          </a:prstGeom>
+          <a:noFill/>
+          <a:ln w="9525">
+            <a:noFill/>
+            <a:miter lim="800000"/>
+            <a:headEnd/>
+            <a:tailEnd/>
+          </a:ln>
+          <a:effectLst/>
+        </p:spPr>
+      </p:pic>
+    </p:spTree>
+  </p:cSld>
+  <p:clrMapOvr>
+    <a:masterClrMapping/>
+  </p:clrMapOvr>
+  <p:timing>
+    <p:tnLst>
+      <p:par>
+        <p:cTn id="1" dur="indefinite" restart="never" nodeType="tmRoot"/>
+      </p:par>
+    </p:tnLst>
+  </p:timing>
+</p:sld>
+</file>
+
 <file path=ppt/slides/slide36.xml><?xml version="1.0" encoding="utf-8"?>
 <p:sld xmlns:a="http://schemas.openxmlformats.org/drawingml/2006/main" xmlns:r="http://schemas.openxmlformats.org/officeDocument/2006/relationships" xmlns:p="http://schemas.openxmlformats.org/presentationml/2006/main">
   <p:cSld>
@@ -12452,7 +12441,7 @@
       </p:sp>
       <p:sp>
         <p:nvSpPr>
-          <p:cNvPr id="6" name="内容占位符 5"/>
+          <p:cNvPr id="3" name="内容占位符 2"/>
           <p:cNvSpPr>
             <a:spLocks noGrp="1"/>
           </p:cNvSpPr>
@@ -12473,13 +12462,16 @@
               <a:rPr lang="en-US" altLang="zh-CN" dirty="0" smtClean="0"/>
               <a:t> to Entity</a:t>
             </a:r>
+            <a:endParaRPr lang="zh-CN" altLang="en-US" dirty="0" smtClean="0"/>
+          </a:p>
+          <a:p>
             <a:endParaRPr lang="zh-CN" altLang="en-US" dirty="0"/>
           </a:p>
         </p:txBody>
       </p:sp>
       <p:pic>
         <p:nvPicPr>
-          <p:cNvPr id="1027" name="Picture 3"/>
+          <p:cNvPr id="2050" name="Picture 2"/>
           <p:cNvPicPr>
             <a:picLocks noChangeAspect="1" noChangeArrowheads="1"/>
           </p:cNvPicPr>
@@ -12494,8 +12486,8 @@
         </p:blipFill>
         <p:spPr bwMode="auto">
           <a:xfrm>
-            <a:off x="1464772" y="1850102"/>
-            <a:ext cx="5981700" cy="2343150"/>
+            <a:off x="1131222" y="1808710"/>
+            <a:ext cx="6780213" cy="4038600"/>
           </a:xfrm>
           <a:prstGeom prst="rect">
             <a:avLst/>
@@ -12584,22 +12576,19 @@
           <a:p>
             <a:r>
               <a:rPr lang="en-US" altLang="zh-CN" dirty="0" err="1" smtClean="0"/>
-              <a:t>Postgresql</a:t>
+              <a:t>Sqlite</a:t>
             </a:r>
             <a:r>
               <a:rPr lang="en-US" altLang="zh-CN" dirty="0" smtClean="0"/>
               <a:t> to Entity</a:t>
             </a:r>
-            <a:endParaRPr lang="zh-CN" altLang="en-US" dirty="0" smtClean="0"/>
-          </a:p>
-          <a:p>
             <a:endParaRPr lang="zh-CN" altLang="en-US" dirty="0"/>
           </a:p>
         </p:txBody>
       </p:sp>
       <p:pic>
         <p:nvPicPr>
-          <p:cNvPr id="2050" name="Picture 2"/>
+          <p:cNvPr id="3074" name="Picture 2"/>
           <p:cNvPicPr>
             <a:picLocks noChangeAspect="1" noChangeArrowheads="1"/>
           </p:cNvPicPr>
@@ -12614,8 +12603,8 @@
         </p:blipFill>
         <p:spPr bwMode="auto">
           <a:xfrm>
-            <a:off x="1131222" y="1808710"/>
-            <a:ext cx="6780213" cy="4038600"/>
+            <a:off x="1728874" y="1911148"/>
+            <a:ext cx="5619750" cy="3800475"/>
           </a:xfrm>
           <a:prstGeom prst="rect">
             <a:avLst/>
@@ -12716,123 +12705,6 @@
       </p:sp>
       <p:pic>
         <p:nvPicPr>
-          <p:cNvPr id="3074" name="Picture 2"/>
-          <p:cNvPicPr>
-            <a:picLocks noChangeAspect="1" noChangeArrowheads="1"/>
-          </p:cNvPicPr>
-          <p:nvPr/>
-        </p:nvPicPr>
-        <p:blipFill>
-          <a:blip r:embed="rId2"/>
-          <a:srcRect/>
-          <a:stretch>
-            <a:fillRect/>
-          </a:stretch>
-        </p:blipFill>
-        <p:spPr bwMode="auto">
-          <a:xfrm>
-            <a:off x="1728874" y="1911148"/>
-            <a:ext cx="5619750" cy="3800475"/>
-          </a:xfrm>
-          <a:prstGeom prst="rect">
-            <a:avLst/>
-          </a:prstGeom>
-          <a:noFill/>
-          <a:ln w="9525">
-            <a:noFill/>
-            <a:miter lim="800000"/>
-            <a:headEnd/>
-            <a:tailEnd/>
-          </a:ln>
-          <a:effectLst/>
-        </p:spPr>
-      </p:pic>
-    </p:spTree>
-  </p:cSld>
-  <p:clrMapOvr>
-    <a:masterClrMapping/>
-  </p:clrMapOvr>
-  <p:timing>
-    <p:tnLst>
-      <p:par>
-        <p:cTn id="1" dur="indefinite" restart="never" nodeType="tmRoot"/>
-      </p:par>
-    </p:tnLst>
-  </p:timing>
-</p:sld>
-</file>
-
-<file path=ppt/slides/slide39.xml><?xml version="1.0" encoding="utf-8"?>
-<p:sld xmlns:a="http://schemas.openxmlformats.org/drawingml/2006/main" xmlns:r="http://schemas.openxmlformats.org/officeDocument/2006/relationships" xmlns:p="http://schemas.openxmlformats.org/presentationml/2006/main">
-  <p:cSld>
-    <p:spTree>
-      <p:nvGrpSpPr>
-        <p:cNvPr id="1" name=""/>
-        <p:cNvGrpSpPr/>
-        <p:nvPr/>
-      </p:nvGrpSpPr>
-      <p:grpSpPr>
-        <a:xfrm>
-          <a:off x="0" y="0"/>
-          <a:ext cx="0" cy="0"/>
-          <a:chOff x="0" y="0"/>
-          <a:chExt cx="0" cy="0"/>
-        </a:xfrm>
-      </p:grpSpPr>
-      <p:sp>
-        <p:nvSpPr>
-          <p:cNvPr id="2" name="文本占位符 1"/>
-          <p:cNvSpPr>
-            <a:spLocks noGrp="1"/>
-          </p:cNvSpPr>
-          <p:nvPr>
-            <p:ph type="body" sz="quarter" idx="10"/>
-          </p:nvPr>
-        </p:nvSpPr>
-        <p:spPr/>
-        <p:txBody>
-          <a:bodyPr>
-            <a:normAutofit lnSpcReduction="10000"/>
-          </a:bodyPr>
-          <a:lstStyle/>
-          <a:p>
-            <a:r>
-              <a:rPr lang="zh-CN" altLang="en-US" dirty="0" smtClean="0"/>
-              <a:t>实体映射</a:t>
-            </a:r>
-            <a:endParaRPr lang="zh-CN" altLang="en-US" dirty="0"/>
-          </a:p>
-        </p:txBody>
-      </p:sp>
-      <p:sp>
-        <p:nvSpPr>
-          <p:cNvPr id="3" name="内容占位符 2"/>
-          <p:cNvSpPr>
-            <a:spLocks noGrp="1"/>
-          </p:cNvSpPr>
-          <p:nvPr>
-            <p:ph sz="quarter" idx="11"/>
-          </p:nvPr>
-        </p:nvSpPr>
-        <p:spPr/>
-        <p:txBody>
-          <a:bodyPr/>
-          <a:lstStyle/>
-          <a:p>
-            <a:r>
-              <a:rPr lang="en-US" altLang="zh-CN" dirty="0" err="1" smtClean="0"/>
-              <a:t>Sqlite</a:t>
-            </a:r>
-            <a:r>
-              <a:rPr lang="en-US" altLang="zh-CN" dirty="0" smtClean="0"/>
-              <a:t> to Entity</a:t>
-            </a:r>
-            <a:endParaRPr lang="zh-CN" altLang="en-US" dirty="0"/>
-          </a:p>
-        </p:txBody>
-      </p:sp>
-      <p:pic>
-        <p:nvPicPr>
           <p:cNvPr id="4098" name="Picture 2"/>
           <p:cNvPicPr>
             <a:picLocks noChangeAspect="1" noChangeArrowheads="1"/>
@@ -12879,191 +12751,7 @@
 </p:sld>
 </file>
 
-<file path=ppt/slides/slide4.xml><?xml version="1.0" encoding="utf-8"?>
-<p:sld xmlns:a="http://schemas.openxmlformats.org/drawingml/2006/main" xmlns:r="http://schemas.openxmlformats.org/officeDocument/2006/relationships" xmlns:p="http://schemas.openxmlformats.org/presentationml/2006/main">
-  <p:cSld>
-    <p:spTree>
-      <p:nvGrpSpPr>
-        <p:cNvPr id="1" name=""/>
-        <p:cNvGrpSpPr/>
-        <p:nvPr/>
-      </p:nvGrpSpPr>
-      <p:grpSpPr>
-        <a:xfrm>
-          <a:off x="0" y="0"/>
-          <a:ext cx="0" cy="0"/>
-          <a:chOff x="0" y="0"/>
-          <a:chExt cx="0" cy="0"/>
-        </a:xfrm>
-      </p:grpSpPr>
-      <p:sp>
-        <p:nvSpPr>
-          <p:cNvPr id="2" name="文本占位符 1"/>
-          <p:cNvSpPr>
-            <a:spLocks noGrp="1"/>
-          </p:cNvSpPr>
-          <p:nvPr>
-            <p:ph type="body" sz="quarter" idx="10"/>
-          </p:nvPr>
-        </p:nvSpPr>
-        <p:spPr/>
-        <p:txBody>
-          <a:bodyPr rtlCol="0">
-            <a:normAutofit lnSpcReduction="10000"/>
-          </a:bodyPr>
-          <a:lstStyle/>
-          <a:p>
-            <a:pPr fontAlgn="auto">
-              <a:spcAft>
-                <a:spcPts val="0"/>
-              </a:spcAft>
-              <a:buFont typeface="Arial" panose="020B0604020202020204" pitchFamily="34" charset="0"/>
-              <a:buNone/>
-              <a:defRPr/>
-            </a:pPr>
-            <a:r>
-              <a:rPr lang="en-US" altLang="zh-CN" dirty="0" smtClean="0"/>
-              <a:t>Future C++</a:t>
-            </a:r>
-            <a:endParaRPr lang="zh-CN" altLang="en-US" dirty="0"/>
-          </a:p>
-        </p:txBody>
-      </p:sp>
-      <p:sp>
-        <p:nvSpPr>
-          <p:cNvPr id="3" name="内容占位符 2"/>
-          <p:cNvSpPr>
-            <a:spLocks noGrp="1"/>
-          </p:cNvSpPr>
-          <p:nvPr>
-            <p:ph sz="quarter" idx="11"/>
-          </p:nvPr>
-        </p:nvSpPr>
-        <p:spPr/>
-        <p:txBody>
-          <a:bodyPr rtlCol="0"/>
-          <a:lstStyle/>
-          <a:p>
-            <a:pPr fontAlgn="auto">
-              <a:spcAft>
-                <a:spcPts val="0"/>
-              </a:spcAft>
-              <a:buFont typeface="Arial" panose="020B0604020202020204" pitchFamily="34" charset="0"/>
-              <a:buChar char="•"/>
-              <a:defRPr/>
-            </a:pPr>
-            <a:r>
-              <a:rPr lang="en-US" altLang="zh-CN" dirty="0" smtClean="0"/>
-              <a:t>Type-and resource-safe</a:t>
-            </a:r>
-          </a:p>
-          <a:p>
-            <a:pPr fontAlgn="auto">
-              <a:spcAft>
-                <a:spcPts val="0"/>
-              </a:spcAft>
-              <a:buFont typeface="Arial" panose="020B0604020202020204" pitchFamily="34" charset="0"/>
-              <a:buChar char="•"/>
-              <a:defRPr/>
-            </a:pPr>
-            <a:r>
-              <a:rPr lang="en-US" altLang="zh-CN" dirty="0" smtClean="0"/>
-              <a:t>Significantly simpler and clearer code</a:t>
-            </a:r>
-          </a:p>
-          <a:p>
-            <a:pPr fontAlgn="auto">
-              <a:spcAft>
-                <a:spcPts val="0"/>
-              </a:spcAft>
-              <a:buFont typeface="Arial" panose="020B0604020202020204" pitchFamily="34" charset="0"/>
-              <a:buChar char="•"/>
-              <a:defRPr/>
-            </a:pPr>
-            <a:r>
-              <a:rPr lang="en-US" altLang="zh-CN" dirty="0" smtClean="0"/>
-              <a:t>As fast or faster than anything else</a:t>
-            </a:r>
-          </a:p>
-          <a:p>
-            <a:pPr fontAlgn="auto">
-              <a:spcAft>
-                <a:spcPts val="0"/>
-              </a:spcAft>
-              <a:buFont typeface="Arial" panose="020B0604020202020204" pitchFamily="34" charset="0"/>
-              <a:buChar char="•"/>
-              <a:defRPr/>
-            </a:pPr>
-            <a:r>
-              <a:rPr lang="en-US" altLang="zh-CN" dirty="0" smtClean="0"/>
-              <a:t>Good at using “modern hardware”</a:t>
-            </a:r>
-          </a:p>
-          <a:p>
-            <a:pPr fontAlgn="auto">
-              <a:spcAft>
-                <a:spcPts val="0"/>
-              </a:spcAft>
-              <a:buFont typeface="Arial" panose="020B0604020202020204" pitchFamily="34" charset="0"/>
-              <a:buChar char="•"/>
-              <a:defRPr/>
-            </a:pPr>
-            <a:r>
-              <a:rPr lang="en-US" altLang="zh-CN" dirty="0" smtClean="0"/>
-              <a:t>Significantly faster compilation catching many more errors</a:t>
-            </a:r>
-            <a:endParaRPr lang="zh-CN" altLang="en-US" dirty="0"/>
-          </a:p>
-        </p:txBody>
-      </p:sp>
-      <p:pic>
-        <p:nvPicPr>
-          <p:cNvPr id="24579" name="Picture 2"/>
-          <p:cNvPicPr>
-            <a:picLocks noChangeAspect="1" noChangeArrowheads="1"/>
-          </p:cNvPicPr>
-          <p:nvPr/>
-        </p:nvPicPr>
-        <p:blipFill>
-          <a:blip r:embed="rId2"/>
-          <a:srcRect/>
-          <a:stretch>
-            <a:fillRect/>
-          </a:stretch>
-        </p:blipFill>
-        <p:spPr bwMode="auto">
-          <a:xfrm>
-            <a:off x="2651125" y="3386138"/>
-            <a:ext cx="3668713" cy="3032125"/>
-          </a:xfrm>
-          <a:prstGeom prst="rect">
-            <a:avLst/>
-          </a:prstGeom>
-          <a:noFill/>
-          <a:ln w="9525">
-            <a:noFill/>
-            <a:miter lim="800000"/>
-            <a:headEnd/>
-            <a:tailEnd/>
-          </a:ln>
-        </p:spPr>
-      </p:pic>
-    </p:spTree>
-  </p:cSld>
-  <p:clrMapOvr>
-    <a:masterClrMapping/>
-  </p:clrMapOvr>
-  <p:timing>
-    <p:tnLst>
-      <p:par>
-        <p:cTn id="1" dur="indefinite" restart="never" nodeType="tmRoot"/>
-      </p:par>
-    </p:tnLst>
-  </p:timing>
-</p:sld>
-</file>
-
-<file path=ppt/slides/slide40.xml><?xml version="1.0" encoding="utf-8"?>
+<file path=ppt/slides/slide39.xml><?xml version="1.0" encoding="utf-8"?>
 <p:sld xmlns:a="http://schemas.openxmlformats.org/drawingml/2006/main" xmlns:r="http://schemas.openxmlformats.org/officeDocument/2006/relationships" xmlns:p="http://schemas.openxmlformats.org/presentationml/2006/main">
   <p:cSld>
     <p:spTree>
@@ -13209,7 +12897,271 @@
 </p:sld>
 </file>
 
-<file path=ppt/slides/slide41.xml><?xml version="1.0" encoding="utf-8"?>
+<file path=ppt/slides/slide4.xml><?xml version="1.0" encoding="utf-8"?>
+<p:sld xmlns:a="http://schemas.openxmlformats.org/drawingml/2006/main" xmlns:r="http://schemas.openxmlformats.org/officeDocument/2006/relationships" xmlns:p="http://schemas.openxmlformats.org/presentationml/2006/main">
+  <p:cSld>
+    <p:spTree>
+      <p:nvGrpSpPr>
+        <p:cNvPr id="1" name=""/>
+        <p:cNvGrpSpPr/>
+        <p:nvPr/>
+      </p:nvGrpSpPr>
+      <p:grpSpPr>
+        <a:xfrm>
+          <a:off x="0" y="0"/>
+          <a:ext cx="0" cy="0"/>
+          <a:chOff x="0" y="0"/>
+          <a:chExt cx="0" cy="0"/>
+        </a:xfrm>
+      </p:grpSpPr>
+      <p:sp>
+        <p:nvSpPr>
+          <p:cNvPr id="2" name="文本占位符 1"/>
+          <p:cNvSpPr>
+            <a:spLocks noGrp="1"/>
+          </p:cNvSpPr>
+          <p:nvPr>
+            <p:ph type="body" sz="quarter" idx="10"/>
+          </p:nvPr>
+        </p:nvSpPr>
+        <p:spPr/>
+        <p:txBody>
+          <a:bodyPr>
+            <a:normAutofit lnSpcReduction="10000"/>
+          </a:bodyPr>
+          <a:lstStyle/>
+          <a:p>
+            <a:r>
+              <a:rPr lang="en-US" altLang="zh-CN" dirty="0" err="1" smtClean="0"/>
+              <a:t>Variadic</a:t>
+            </a:r>
+            <a:r>
+              <a:rPr lang="en-US" altLang="zh-CN" dirty="0" smtClean="0"/>
+              <a:t> Template</a:t>
+            </a:r>
+            <a:endParaRPr lang="zh-CN" altLang="en-US" dirty="0"/>
+          </a:p>
+        </p:txBody>
+      </p:sp>
+      <p:sp>
+        <p:nvSpPr>
+          <p:cNvPr id="3" name="内容占位符 2"/>
+          <p:cNvSpPr>
+            <a:spLocks noGrp="1"/>
+          </p:cNvSpPr>
+          <p:nvPr>
+            <p:ph sz="quarter" idx="11"/>
+          </p:nvPr>
+        </p:nvSpPr>
+        <p:spPr/>
+        <p:txBody>
+          <a:bodyPr/>
+          <a:lstStyle/>
+          <a:p>
+            <a:r>
+              <a:rPr lang="zh-CN" altLang="en-US" dirty="0" smtClean="0"/>
+              <a:t>适配不同的接口</a:t>
+            </a:r>
+            <a:endParaRPr lang="zh-CN" altLang="en-US" dirty="0"/>
+          </a:p>
+        </p:txBody>
+      </p:sp>
+      <p:pic>
+        <p:nvPicPr>
+          <p:cNvPr id="1027" name="Picture 3"/>
+          <p:cNvPicPr>
+            <a:picLocks noChangeAspect="1" noChangeArrowheads="1"/>
+          </p:cNvPicPr>
+          <p:nvPr/>
+        </p:nvPicPr>
+        <p:blipFill>
+          <a:blip r:embed="rId2"/>
+          <a:srcRect/>
+          <a:stretch>
+            <a:fillRect/>
+          </a:stretch>
+        </p:blipFill>
+        <p:spPr bwMode="auto">
+          <a:xfrm>
+            <a:off x="2273184" y="1981980"/>
+            <a:ext cx="4381500" cy="466725"/>
+          </a:xfrm>
+          <a:prstGeom prst="rect">
+            <a:avLst/>
+          </a:prstGeom>
+          <a:noFill/>
+          <a:ln w="9525">
+            <a:noFill/>
+            <a:miter lim="800000"/>
+            <a:headEnd/>
+            <a:tailEnd/>
+          </a:ln>
+          <a:effectLst/>
+        </p:spPr>
+      </p:pic>
+      <p:pic>
+        <p:nvPicPr>
+          <p:cNvPr id="1029" name="Picture 5"/>
+          <p:cNvPicPr>
+            <a:picLocks noChangeAspect="1" noChangeArrowheads="1"/>
+          </p:cNvPicPr>
+          <p:nvPr/>
+        </p:nvPicPr>
+        <p:blipFill>
+          <a:blip r:embed="rId3"/>
+          <a:srcRect/>
+          <a:stretch>
+            <a:fillRect/>
+          </a:stretch>
+        </p:blipFill>
+        <p:spPr bwMode="auto">
+          <a:xfrm>
+            <a:off x="809798" y="2812645"/>
+            <a:ext cx="7389813" cy="2762250"/>
+          </a:xfrm>
+          <a:prstGeom prst="rect">
+            <a:avLst/>
+          </a:prstGeom>
+          <a:noFill/>
+          <a:ln w="9525">
+            <a:noFill/>
+            <a:miter lim="800000"/>
+            <a:headEnd/>
+            <a:tailEnd/>
+          </a:ln>
+          <a:effectLst/>
+        </p:spPr>
+      </p:pic>
+    </p:spTree>
+  </p:cSld>
+  <p:clrMapOvr>
+    <a:masterClrMapping/>
+  </p:clrMapOvr>
+  <p:timing>
+    <p:tnLst>
+      <p:par>
+        <p:cTn id="1" dur="indefinite" restart="never" nodeType="tmRoot">
+          <p:childTnLst>
+            <p:seq concurrent="1" nextAc="seek">
+              <p:cTn id="2" dur="indefinite" nodeType="mainSeq">
+                <p:childTnLst>
+                  <p:par>
+                    <p:cTn id="3" fill="hold">
+                      <p:stCondLst>
+                        <p:cond delay="indefinite"/>
+                      </p:stCondLst>
+                      <p:childTnLst>
+                        <p:par>
+                          <p:cTn id="4" fill="hold">
+                            <p:stCondLst>
+                              <p:cond delay="0"/>
+                            </p:stCondLst>
+                            <p:childTnLst>
+                              <p:par>
+                                <p:cTn id="5" presetID="2" presetClass="entr" presetSubtype="4" fill="hold" nodeType="clickEffect">
+                                  <p:stCondLst>
+                                    <p:cond delay="0"/>
+                                  </p:stCondLst>
+                                  <p:childTnLst>
+                                    <p:set>
+                                      <p:cBhvr>
+                                        <p:cTn id="6" dur="1" fill="hold">
+                                          <p:stCondLst>
+                                            <p:cond delay="0"/>
+                                          </p:stCondLst>
+                                        </p:cTn>
+                                        <p:tgtEl>
+                                          <p:spTgt spid="1029"/>
+                                        </p:tgtEl>
+                                        <p:attrNameLst>
+                                          <p:attrName>style.visibility</p:attrName>
+                                        </p:attrNameLst>
+                                      </p:cBhvr>
+                                      <p:to>
+                                        <p:strVal val="visible"/>
+                                      </p:to>
+                                    </p:set>
+                                    <p:anim calcmode="lin" valueType="num">
+                                      <p:cBhvr additive="base">
+                                        <p:cTn id="7" dur="500" fill="hold"/>
+                                        <p:tgtEl>
+                                          <p:spTgt spid="1029"/>
+                                        </p:tgtEl>
+                                        <p:attrNameLst>
+                                          <p:attrName>ppt_x</p:attrName>
+                                        </p:attrNameLst>
+                                      </p:cBhvr>
+                                      <p:tavLst>
+                                        <p:tav tm="0">
+                                          <p:val>
+                                            <p:strVal val="#ppt_x"/>
+                                          </p:val>
+                                        </p:tav>
+                                        <p:tav tm="100000">
+                                          <p:val>
+                                            <p:strVal val="#ppt_x"/>
+                                          </p:val>
+                                        </p:tav>
+                                      </p:tavLst>
+                                    </p:anim>
+                                    <p:anim calcmode="lin" valueType="num">
+                                      <p:cBhvr additive="base">
+                                        <p:cTn id="8" dur="500" fill="hold"/>
+                                        <p:tgtEl>
+                                          <p:spTgt spid="1029"/>
+                                        </p:tgtEl>
+                                        <p:attrNameLst>
+                                          <p:attrName>ppt_y</p:attrName>
+                                        </p:attrNameLst>
+                                      </p:cBhvr>
+                                      <p:tavLst>
+                                        <p:tav tm="0">
+                                          <p:val>
+                                            <p:strVal val="1+#ppt_h/2"/>
+                                          </p:val>
+                                        </p:tav>
+                                        <p:tav tm="100000">
+                                          <p:val>
+                                            <p:strVal val="#ppt_y"/>
+                                          </p:val>
+                                        </p:tav>
+                                      </p:tavLst>
+                                    </p:anim>
+                                  </p:childTnLst>
+                                </p:cTn>
+                              </p:par>
+                            </p:childTnLst>
+                          </p:cTn>
+                        </p:par>
+                      </p:childTnLst>
+                    </p:cTn>
+                  </p:par>
+                </p:childTnLst>
+              </p:cTn>
+              <p:prevCondLst>
+                <p:cond evt="onPrev" delay="0">
+                  <p:tgtEl>
+                    <p:sldTgt/>
+                  </p:tgtEl>
+                </p:cond>
+              </p:prevCondLst>
+              <p:nextCondLst>
+                <p:cond evt="onNext" delay="0">
+                  <p:tgtEl>
+                    <p:sldTgt/>
+                  </p:tgtEl>
+                </p:cond>
+              </p:nextCondLst>
+            </p:seq>
+          </p:childTnLst>
+        </p:cTn>
+      </p:par>
+    </p:tnLst>
+  </p:timing>
+</p:sld>
+</file>
+
+<file path=ppt/slides/slide40.xml><?xml version="1.0" encoding="utf-8"?>
 <p:sld xmlns:a="http://schemas.openxmlformats.org/drawingml/2006/main" xmlns:r="http://schemas.openxmlformats.org/officeDocument/2006/relationships" xmlns:p="http://schemas.openxmlformats.org/presentationml/2006/main">
   <p:cSld>
     <p:spTree>
@@ -13330,7 +13282,7 @@
 </p:sld>
 </file>
 
-<file path=ppt/slides/slide42.xml><?xml version="1.0" encoding="utf-8"?>
+<file path=ppt/slides/slide41.xml><?xml version="1.0" encoding="utf-8"?>
 <p:sld xmlns:a="http://schemas.openxmlformats.org/drawingml/2006/main" xmlns:r="http://schemas.openxmlformats.org/officeDocument/2006/relationships" xmlns:p="http://schemas.openxmlformats.org/presentationml/2006/main">
   <p:cSld>
     <p:spTree>
@@ -13515,7 +13467,7 @@
 </p:sld>
 </file>
 
-<file path=ppt/slides/slide43.xml><?xml version="1.0" encoding="utf-8"?>
+<file path=ppt/slides/slide42.xml><?xml version="1.0" encoding="utf-8"?>
 <p:sld xmlns:a="http://schemas.openxmlformats.org/drawingml/2006/main" xmlns:r="http://schemas.openxmlformats.org/officeDocument/2006/relationships" xmlns:p="http://schemas.openxmlformats.org/presentationml/2006/main">
   <p:cSld>
     <p:spTree>
@@ -13620,6 +13572,112 @@
 </p:sld>
 </file>
 
+<file path=ppt/slides/slide43.xml><?xml version="1.0" encoding="utf-8"?>
+<p:sld xmlns:a="http://schemas.openxmlformats.org/drawingml/2006/main" xmlns:r="http://schemas.openxmlformats.org/officeDocument/2006/relationships" xmlns:p="http://schemas.openxmlformats.org/presentationml/2006/main">
+  <p:cSld>
+    <p:spTree>
+      <p:nvGrpSpPr>
+        <p:cNvPr id="1" name=""/>
+        <p:cNvGrpSpPr/>
+        <p:nvPr/>
+      </p:nvGrpSpPr>
+      <p:grpSpPr>
+        <a:xfrm>
+          <a:off x="0" y="0"/>
+          <a:ext cx="0" cy="0"/>
+          <a:chOff x="0" y="0"/>
+          <a:chExt cx="0" cy="0"/>
+        </a:xfrm>
+      </p:grpSpPr>
+      <p:sp>
+        <p:nvSpPr>
+          <p:cNvPr id="2" name="文本占位符 1"/>
+          <p:cNvSpPr>
+            <a:spLocks noGrp="1"/>
+          </p:cNvSpPr>
+          <p:nvPr>
+            <p:ph type="body" sz="quarter" idx="10"/>
+          </p:nvPr>
+        </p:nvSpPr>
+        <p:spPr/>
+        <p:txBody>
+          <a:bodyPr>
+            <a:normAutofit lnSpcReduction="10000"/>
+          </a:bodyPr>
+          <a:lstStyle/>
+          <a:p>
+            <a:endParaRPr lang="zh-CN" altLang="en-US" dirty="0"/>
+          </a:p>
+        </p:txBody>
+      </p:sp>
+      <p:sp>
+        <p:nvSpPr>
+          <p:cNvPr id="3" name="内容占位符 2"/>
+          <p:cNvSpPr>
+            <a:spLocks noGrp="1"/>
+          </p:cNvSpPr>
+          <p:nvPr>
+            <p:ph sz="quarter" idx="11"/>
+          </p:nvPr>
+        </p:nvSpPr>
+        <p:spPr/>
+        <p:txBody>
+          <a:bodyPr/>
+          <a:lstStyle/>
+          <a:p>
+            <a:r>
+              <a:rPr lang="en-US" altLang="zh-CN" dirty="0" smtClean="0"/>
+              <a:t>Logging</a:t>
+            </a:r>
+          </a:p>
+          <a:p>
+            <a:r>
+              <a:rPr lang="en-US" altLang="zh-CN" dirty="0" smtClean="0"/>
+              <a:t>Validation</a:t>
+            </a:r>
+          </a:p>
+          <a:p>
+            <a:r>
+              <a:rPr lang="en-US" altLang="zh-CN" dirty="0" smtClean="0"/>
+              <a:t>Thread Strategy</a:t>
+            </a:r>
+          </a:p>
+          <a:p>
+            <a:r>
+              <a:rPr lang="en-US" altLang="zh-CN" dirty="0" smtClean="0"/>
+              <a:t>Caching</a:t>
+            </a:r>
+          </a:p>
+          <a:p>
+            <a:r>
+              <a:rPr lang="en-US" altLang="zh-CN" dirty="0" smtClean="0"/>
+              <a:t>Exception Handling</a:t>
+            </a:r>
+          </a:p>
+          <a:p>
+            <a:r>
+              <a:rPr lang="en-US" altLang="zh-CN" dirty="0" smtClean="0"/>
+              <a:t>… and a lot more</a:t>
+            </a:r>
+            <a:endParaRPr lang="zh-CN" altLang="en-US" dirty="0"/>
+          </a:p>
+        </p:txBody>
+      </p:sp>
+    </p:spTree>
+  </p:cSld>
+  <p:clrMapOvr>
+    <a:masterClrMapping/>
+  </p:clrMapOvr>
+  <p:timing>
+    <p:tnLst>
+      <p:par>
+        <p:cTn id="1" dur="indefinite" restart="never" nodeType="tmRoot"/>
+      </p:par>
+    </p:tnLst>
+  </p:timing>
+</p:sld>
+</file>
+
 <file path=ppt/slides/slide44.xml><?xml version="1.0" encoding="utf-8"?>
 <p:sld xmlns:a="http://schemas.openxmlformats.org/drawingml/2006/main" xmlns:r="http://schemas.openxmlformats.org/officeDocument/2006/relationships" xmlns:p="http://schemas.openxmlformats.org/presentationml/2006/main">
   <p:cSld>
@@ -13654,7 +13712,7 @@
           </a:bodyPr>
           <a:lstStyle/>
           <a:p>
-            <a:endParaRPr lang="zh-CN" altLang="en-US" dirty="0"/>
+            <a:endParaRPr lang="zh-CN" altLang="en-US"/>
           </a:p>
         </p:txBody>
       </p:sp>
@@ -13673,112 +13731,6 @@
           <a:bodyPr/>
           <a:lstStyle/>
           <a:p>
-            <a:r>
-              <a:rPr lang="en-US" altLang="zh-CN" dirty="0" smtClean="0"/>
-              <a:t>Logging</a:t>
-            </a:r>
-          </a:p>
-          <a:p>
-            <a:r>
-              <a:rPr lang="en-US" altLang="zh-CN" dirty="0" smtClean="0"/>
-              <a:t>Validation</a:t>
-            </a:r>
-          </a:p>
-          <a:p>
-            <a:r>
-              <a:rPr lang="en-US" altLang="zh-CN" dirty="0" smtClean="0"/>
-              <a:t>Thread Strategy</a:t>
-            </a:r>
-          </a:p>
-          <a:p>
-            <a:r>
-              <a:rPr lang="en-US" altLang="zh-CN" dirty="0" smtClean="0"/>
-              <a:t>Caching</a:t>
-            </a:r>
-          </a:p>
-          <a:p>
-            <a:r>
-              <a:rPr lang="en-US" altLang="zh-CN" dirty="0" smtClean="0"/>
-              <a:t>Exception Handling</a:t>
-            </a:r>
-          </a:p>
-          <a:p>
-            <a:r>
-              <a:rPr lang="en-US" altLang="zh-CN" dirty="0" smtClean="0"/>
-              <a:t>… and a lot more</a:t>
-            </a:r>
-            <a:endParaRPr lang="zh-CN" altLang="en-US" dirty="0"/>
-          </a:p>
-        </p:txBody>
-      </p:sp>
-    </p:spTree>
-  </p:cSld>
-  <p:clrMapOvr>
-    <a:masterClrMapping/>
-  </p:clrMapOvr>
-  <p:timing>
-    <p:tnLst>
-      <p:par>
-        <p:cTn id="1" dur="indefinite" restart="never" nodeType="tmRoot"/>
-      </p:par>
-    </p:tnLst>
-  </p:timing>
-</p:sld>
-</file>
-
-<file path=ppt/slides/slide45.xml><?xml version="1.0" encoding="utf-8"?>
-<p:sld xmlns:a="http://schemas.openxmlformats.org/drawingml/2006/main" xmlns:r="http://schemas.openxmlformats.org/officeDocument/2006/relationships" xmlns:p="http://schemas.openxmlformats.org/presentationml/2006/main">
-  <p:cSld>
-    <p:spTree>
-      <p:nvGrpSpPr>
-        <p:cNvPr id="1" name=""/>
-        <p:cNvGrpSpPr/>
-        <p:nvPr/>
-      </p:nvGrpSpPr>
-      <p:grpSpPr>
-        <a:xfrm>
-          <a:off x="0" y="0"/>
-          <a:ext cx="0" cy="0"/>
-          <a:chOff x="0" y="0"/>
-          <a:chExt cx="0" cy="0"/>
-        </a:xfrm>
-      </p:grpSpPr>
-      <p:sp>
-        <p:nvSpPr>
-          <p:cNvPr id="2" name="文本占位符 1"/>
-          <p:cNvSpPr>
-            <a:spLocks noGrp="1"/>
-          </p:cNvSpPr>
-          <p:nvPr>
-            <p:ph type="body" sz="quarter" idx="10"/>
-          </p:nvPr>
-        </p:nvSpPr>
-        <p:spPr/>
-        <p:txBody>
-          <a:bodyPr>
-            <a:normAutofit lnSpcReduction="10000"/>
-          </a:bodyPr>
-          <a:lstStyle/>
-          <a:p>
-            <a:endParaRPr lang="zh-CN" altLang="en-US"/>
-          </a:p>
-        </p:txBody>
-      </p:sp>
-      <p:sp>
-        <p:nvSpPr>
-          <p:cNvPr id="3" name="内容占位符 2"/>
-          <p:cNvSpPr>
-            <a:spLocks noGrp="1"/>
-          </p:cNvSpPr>
-          <p:nvPr>
-            <p:ph sz="quarter" idx="11"/>
-          </p:nvPr>
-        </p:nvSpPr>
-        <p:spPr/>
-        <p:txBody>
-          <a:bodyPr/>
-          <a:lstStyle/>
-          <a:p>
             <a:endParaRPr lang="zh-CN" altLang="en-US"/>
           </a:p>
         </p:txBody>
@@ -13795,7 +13747,7 @@
           <a:blip r:embed="rId2">
             <a:extLst>
               <a:ext uri="{28A0092B-C50C-407E-A947-70E740481C1C}">
-                <a14:useLocalDpi xmlns:a14="http://schemas.microsoft.com/office/drawing/2010/main" xmlns="" val="0"/>
+                <a14:useLocalDpi xmlns="" xmlns:a14="http://schemas.microsoft.com/office/drawing/2010/main" val="0"/>
               </a:ext>
             </a:extLst>
           </a:blip>
@@ -13828,7 +13780,7 @@
 </p:sld>
 </file>
 
-<file path=ppt/slides/slide46.xml><?xml version="1.0" encoding="utf-8"?>
+<file path=ppt/slides/slide45.xml><?xml version="1.0" encoding="utf-8"?>
 <p:sld xmlns:a="http://schemas.openxmlformats.org/drawingml/2006/main" xmlns:r="http://schemas.openxmlformats.org/officeDocument/2006/relationships" xmlns:p="http://schemas.openxmlformats.org/presentationml/2006/main">
   <p:cSld>
     <p:spTree>
@@ -14613,7 +14565,7 @@
 </p:sld>
 </file>
 
-<file path=ppt/slides/slide47.xml><?xml version="1.0" encoding="utf-8"?>
+<file path=ppt/slides/slide46.xml><?xml version="1.0" encoding="utf-8"?>
 <p:sld xmlns:a="http://schemas.openxmlformats.org/drawingml/2006/main" xmlns:r="http://schemas.openxmlformats.org/officeDocument/2006/relationships" xmlns:p="http://schemas.openxmlformats.org/presentationml/2006/main">
   <p:cSld>
     <p:spTree>
@@ -14715,7 +14667,7 @@
 </p:sld>
 </file>
 
-<file path=ppt/slides/slide48.xml><?xml version="1.0" encoding="utf-8"?>
+<file path=ppt/slides/slide47.xml><?xml version="1.0" encoding="utf-8"?>
 <p:sld xmlns:a="http://schemas.openxmlformats.org/drawingml/2006/main" xmlns:r="http://schemas.openxmlformats.org/officeDocument/2006/relationships" xmlns:p="http://schemas.openxmlformats.org/presentationml/2006/main">
   <p:cSld>
     <p:spTree>
@@ -14982,7 +14934,7 @@
 </p:sld>
 </file>
 
-<file path=ppt/slides/slide49.xml><?xml version="1.0" encoding="utf-8"?>
+<file path=ppt/slides/slide48.xml><?xml version="1.0" encoding="utf-8"?>
 <p:sld xmlns:a="http://schemas.openxmlformats.org/drawingml/2006/main" xmlns:r="http://schemas.openxmlformats.org/officeDocument/2006/relationships" xmlns:p="http://schemas.openxmlformats.org/presentationml/2006/main">
   <p:cSld>
     <p:spTree>
@@ -15095,271 +15047,7 @@
 </p:sld>
 </file>
 
-<file path=ppt/slides/slide5.xml><?xml version="1.0" encoding="utf-8"?>
-<p:sld xmlns:a="http://schemas.openxmlformats.org/drawingml/2006/main" xmlns:r="http://schemas.openxmlformats.org/officeDocument/2006/relationships" xmlns:p="http://schemas.openxmlformats.org/presentationml/2006/main">
-  <p:cSld>
-    <p:spTree>
-      <p:nvGrpSpPr>
-        <p:cNvPr id="1" name=""/>
-        <p:cNvGrpSpPr/>
-        <p:nvPr/>
-      </p:nvGrpSpPr>
-      <p:grpSpPr>
-        <a:xfrm>
-          <a:off x="0" y="0"/>
-          <a:ext cx="0" cy="0"/>
-          <a:chOff x="0" y="0"/>
-          <a:chExt cx="0" cy="0"/>
-        </a:xfrm>
-      </p:grpSpPr>
-      <p:sp>
-        <p:nvSpPr>
-          <p:cNvPr id="2" name="文本占位符 1"/>
-          <p:cNvSpPr>
-            <a:spLocks noGrp="1"/>
-          </p:cNvSpPr>
-          <p:nvPr>
-            <p:ph type="body" sz="quarter" idx="10"/>
-          </p:nvPr>
-        </p:nvSpPr>
-        <p:spPr/>
-        <p:txBody>
-          <a:bodyPr>
-            <a:normAutofit lnSpcReduction="10000"/>
-          </a:bodyPr>
-          <a:lstStyle/>
-          <a:p>
-            <a:r>
-              <a:rPr lang="en-US" altLang="zh-CN" dirty="0" err="1" smtClean="0"/>
-              <a:t>Variadic</a:t>
-            </a:r>
-            <a:r>
-              <a:rPr lang="en-US" altLang="zh-CN" dirty="0" smtClean="0"/>
-              <a:t> Template</a:t>
-            </a:r>
-            <a:endParaRPr lang="zh-CN" altLang="en-US" dirty="0"/>
-          </a:p>
-        </p:txBody>
-      </p:sp>
-      <p:sp>
-        <p:nvSpPr>
-          <p:cNvPr id="3" name="内容占位符 2"/>
-          <p:cNvSpPr>
-            <a:spLocks noGrp="1"/>
-          </p:cNvSpPr>
-          <p:nvPr>
-            <p:ph sz="quarter" idx="11"/>
-          </p:nvPr>
-        </p:nvSpPr>
-        <p:spPr/>
-        <p:txBody>
-          <a:bodyPr/>
-          <a:lstStyle/>
-          <a:p>
-            <a:r>
-              <a:rPr lang="zh-CN" altLang="en-US" dirty="0" smtClean="0"/>
-              <a:t>适配不同的接口</a:t>
-            </a:r>
-            <a:endParaRPr lang="zh-CN" altLang="en-US" dirty="0"/>
-          </a:p>
-        </p:txBody>
-      </p:sp>
-      <p:pic>
-        <p:nvPicPr>
-          <p:cNvPr id="1027" name="Picture 3"/>
-          <p:cNvPicPr>
-            <a:picLocks noChangeAspect="1" noChangeArrowheads="1"/>
-          </p:cNvPicPr>
-          <p:nvPr/>
-        </p:nvPicPr>
-        <p:blipFill>
-          <a:blip r:embed="rId2"/>
-          <a:srcRect/>
-          <a:stretch>
-            <a:fillRect/>
-          </a:stretch>
-        </p:blipFill>
-        <p:spPr bwMode="auto">
-          <a:xfrm>
-            <a:off x="2273184" y="1981980"/>
-            <a:ext cx="4381500" cy="466725"/>
-          </a:xfrm>
-          <a:prstGeom prst="rect">
-            <a:avLst/>
-          </a:prstGeom>
-          <a:noFill/>
-          <a:ln w="9525">
-            <a:noFill/>
-            <a:miter lim="800000"/>
-            <a:headEnd/>
-            <a:tailEnd/>
-          </a:ln>
-          <a:effectLst/>
-        </p:spPr>
-      </p:pic>
-      <p:pic>
-        <p:nvPicPr>
-          <p:cNvPr id="1029" name="Picture 5"/>
-          <p:cNvPicPr>
-            <a:picLocks noChangeAspect="1" noChangeArrowheads="1"/>
-          </p:cNvPicPr>
-          <p:nvPr/>
-        </p:nvPicPr>
-        <p:blipFill>
-          <a:blip r:embed="rId3"/>
-          <a:srcRect/>
-          <a:stretch>
-            <a:fillRect/>
-          </a:stretch>
-        </p:blipFill>
-        <p:spPr bwMode="auto">
-          <a:xfrm>
-            <a:off x="809798" y="2812645"/>
-            <a:ext cx="7389813" cy="2762250"/>
-          </a:xfrm>
-          <a:prstGeom prst="rect">
-            <a:avLst/>
-          </a:prstGeom>
-          <a:noFill/>
-          <a:ln w="9525">
-            <a:noFill/>
-            <a:miter lim="800000"/>
-            <a:headEnd/>
-            <a:tailEnd/>
-          </a:ln>
-          <a:effectLst/>
-        </p:spPr>
-      </p:pic>
-    </p:spTree>
-  </p:cSld>
-  <p:clrMapOvr>
-    <a:masterClrMapping/>
-  </p:clrMapOvr>
-  <p:timing>
-    <p:tnLst>
-      <p:par>
-        <p:cTn id="1" dur="indefinite" restart="never" nodeType="tmRoot">
-          <p:childTnLst>
-            <p:seq concurrent="1" nextAc="seek">
-              <p:cTn id="2" dur="indefinite" nodeType="mainSeq">
-                <p:childTnLst>
-                  <p:par>
-                    <p:cTn id="3" fill="hold">
-                      <p:stCondLst>
-                        <p:cond delay="indefinite"/>
-                      </p:stCondLst>
-                      <p:childTnLst>
-                        <p:par>
-                          <p:cTn id="4" fill="hold">
-                            <p:stCondLst>
-                              <p:cond delay="0"/>
-                            </p:stCondLst>
-                            <p:childTnLst>
-                              <p:par>
-                                <p:cTn id="5" presetID="2" presetClass="entr" presetSubtype="4" fill="hold" nodeType="clickEffect">
-                                  <p:stCondLst>
-                                    <p:cond delay="0"/>
-                                  </p:stCondLst>
-                                  <p:childTnLst>
-                                    <p:set>
-                                      <p:cBhvr>
-                                        <p:cTn id="6" dur="1" fill="hold">
-                                          <p:stCondLst>
-                                            <p:cond delay="0"/>
-                                          </p:stCondLst>
-                                        </p:cTn>
-                                        <p:tgtEl>
-                                          <p:spTgt spid="1029"/>
-                                        </p:tgtEl>
-                                        <p:attrNameLst>
-                                          <p:attrName>style.visibility</p:attrName>
-                                        </p:attrNameLst>
-                                      </p:cBhvr>
-                                      <p:to>
-                                        <p:strVal val="visible"/>
-                                      </p:to>
-                                    </p:set>
-                                    <p:anim calcmode="lin" valueType="num">
-                                      <p:cBhvr additive="base">
-                                        <p:cTn id="7" dur="500" fill="hold"/>
-                                        <p:tgtEl>
-                                          <p:spTgt spid="1029"/>
-                                        </p:tgtEl>
-                                        <p:attrNameLst>
-                                          <p:attrName>ppt_x</p:attrName>
-                                        </p:attrNameLst>
-                                      </p:cBhvr>
-                                      <p:tavLst>
-                                        <p:tav tm="0">
-                                          <p:val>
-                                            <p:strVal val="#ppt_x"/>
-                                          </p:val>
-                                        </p:tav>
-                                        <p:tav tm="100000">
-                                          <p:val>
-                                            <p:strVal val="#ppt_x"/>
-                                          </p:val>
-                                        </p:tav>
-                                      </p:tavLst>
-                                    </p:anim>
-                                    <p:anim calcmode="lin" valueType="num">
-                                      <p:cBhvr additive="base">
-                                        <p:cTn id="8" dur="500" fill="hold"/>
-                                        <p:tgtEl>
-                                          <p:spTgt spid="1029"/>
-                                        </p:tgtEl>
-                                        <p:attrNameLst>
-                                          <p:attrName>ppt_y</p:attrName>
-                                        </p:attrNameLst>
-                                      </p:cBhvr>
-                                      <p:tavLst>
-                                        <p:tav tm="0">
-                                          <p:val>
-                                            <p:strVal val="1+#ppt_h/2"/>
-                                          </p:val>
-                                        </p:tav>
-                                        <p:tav tm="100000">
-                                          <p:val>
-                                            <p:strVal val="#ppt_y"/>
-                                          </p:val>
-                                        </p:tav>
-                                      </p:tavLst>
-                                    </p:anim>
-                                  </p:childTnLst>
-                                </p:cTn>
-                              </p:par>
-                            </p:childTnLst>
-                          </p:cTn>
-                        </p:par>
-                      </p:childTnLst>
-                    </p:cTn>
-                  </p:par>
-                </p:childTnLst>
-              </p:cTn>
-              <p:prevCondLst>
-                <p:cond evt="onPrev" delay="0">
-                  <p:tgtEl>
-                    <p:sldTgt/>
-                  </p:tgtEl>
-                </p:cond>
-              </p:prevCondLst>
-              <p:nextCondLst>
-                <p:cond evt="onNext" delay="0">
-                  <p:tgtEl>
-                    <p:sldTgt/>
-                  </p:tgtEl>
-                </p:cond>
-              </p:nextCondLst>
-            </p:seq>
-          </p:childTnLst>
-        </p:cTn>
-      </p:par>
-    </p:tnLst>
-  </p:timing>
-</p:sld>
-</file>
-
-<file path=ppt/slides/slide50.xml><?xml version="1.0" encoding="utf-8"?>
+<file path=ppt/slides/slide49.xml><?xml version="1.0" encoding="utf-8"?>
 <p:sld xmlns:a="http://schemas.openxmlformats.org/drawingml/2006/main" xmlns:r="http://schemas.openxmlformats.org/officeDocument/2006/relationships" xmlns:p="http://schemas.openxmlformats.org/presentationml/2006/main">
   <p:cSld>
     <p:spTree>
@@ -15472,411 +15160,7 @@
 </p:sld>
 </file>
 
-<file path=ppt/slides/slide51.xml><?xml version="1.0" encoding="utf-8"?>
-<p:sld xmlns:a="http://schemas.openxmlformats.org/drawingml/2006/main" xmlns:r="http://schemas.openxmlformats.org/officeDocument/2006/relationships" xmlns:p="http://schemas.openxmlformats.org/presentationml/2006/main">
-  <p:cSld>
-    <p:spTree>
-      <p:nvGrpSpPr>
-        <p:cNvPr id="1" name=""/>
-        <p:cNvGrpSpPr/>
-        <p:nvPr/>
-      </p:nvGrpSpPr>
-      <p:grpSpPr>
-        <a:xfrm>
-          <a:off x="0" y="0"/>
-          <a:ext cx="0" cy="0"/>
-          <a:chOff x="0" y="0"/>
-          <a:chExt cx="0" cy="0"/>
-        </a:xfrm>
-      </p:grpSpPr>
-      <p:sp>
-        <p:nvSpPr>
-          <p:cNvPr id="2" name="文本占位符 1"/>
-          <p:cNvSpPr>
-            <a:spLocks noGrp="1"/>
-          </p:cNvSpPr>
-          <p:nvPr>
-            <p:ph type="body" sz="quarter" idx="10"/>
-          </p:nvPr>
-        </p:nvSpPr>
-        <p:spPr/>
-        <p:txBody>
-          <a:bodyPr>
-            <a:normAutofit lnSpcReduction="10000"/>
-          </a:bodyPr>
-          <a:lstStyle/>
-          <a:p>
-            <a:r>
-              <a:rPr lang="en-US" altLang="zh-CN" dirty="0" smtClean="0"/>
-              <a:t>Modern C++ Open Source Community</a:t>
-            </a:r>
-            <a:endParaRPr lang="zh-CN" altLang="en-US" dirty="0"/>
-          </a:p>
-        </p:txBody>
-      </p:sp>
-      <p:sp>
-        <p:nvSpPr>
-          <p:cNvPr id="3" name="内容占位符 2"/>
-          <p:cNvSpPr>
-            <a:spLocks noGrp="1"/>
-          </p:cNvSpPr>
-          <p:nvPr>
-            <p:ph sz="quarter" idx="11"/>
-          </p:nvPr>
-        </p:nvSpPr>
-        <p:spPr/>
-        <p:txBody>
-          <a:bodyPr/>
-          <a:lstStyle/>
-          <a:p>
-            <a:r>
-              <a:rPr lang="en-US" altLang="zh-CN" dirty="0" err="1" smtClean="0"/>
-              <a:t>purecpp</a:t>
-            </a:r>
-            <a:r>
-              <a:rPr lang="zh-CN" altLang="en-US" dirty="0" smtClean="0"/>
-              <a:t> </a:t>
-            </a:r>
-            <a:r>
-              <a:rPr lang="en-US" altLang="zh-CN" dirty="0" smtClean="0"/>
-              <a:t>open source</a:t>
-            </a:r>
-          </a:p>
-          <a:p>
-            <a:pPr lvl="1"/>
-            <a:r>
-              <a:rPr lang="en-US" altLang="zh-CN" dirty="0" err="1" smtClean="0"/>
-              <a:t>Rpc</a:t>
-            </a:r>
-            <a:r>
-              <a:rPr lang="zh-CN" altLang="en-US" dirty="0" smtClean="0"/>
-              <a:t> </a:t>
-            </a:r>
-            <a:r>
-              <a:rPr lang="en-US" altLang="zh-CN" dirty="0" smtClean="0"/>
-              <a:t>framework—</a:t>
-            </a:r>
-            <a:r>
-              <a:rPr lang="en-US" altLang="zh-CN" dirty="0" err="1" smtClean="0"/>
-              <a:t>rest_rpc</a:t>
-            </a:r>
-            <a:endParaRPr lang="en-US" altLang="zh-CN" dirty="0" smtClean="0"/>
-          </a:p>
-          <a:p>
-            <a:pPr lvl="1"/>
-            <a:r>
-              <a:rPr lang="en-US" altLang="zh-CN" dirty="0" smtClean="0"/>
-              <a:t>Serialization engine—iguana</a:t>
-            </a:r>
-          </a:p>
-          <a:p>
-            <a:pPr lvl="1"/>
-            <a:r>
-              <a:rPr lang="en-US" altLang="zh-CN" dirty="0" smtClean="0"/>
-              <a:t>ORM--</a:t>
-            </a:r>
-            <a:r>
-              <a:rPr lang="en-US" altLang="zh-CN" dirty="0" err="1" smtClean="0"/>
-              <a:t>ormpp</a:t>
-            </a:r>
-            <a:endParaRPr lang="en-US" altLang="zh-CN" dirty="0" smtClean="0"/>
-          </a:p>
-          <a:p>
-            <a:pPr lvl="1"/>
-            <a:r>
-              <a:rPr lang="en-US" altLang="zh-CN" dirty="0" smtClean="0"/>
-              <a:t>http</a:t>
-            </a:r>
-            <a:r>
-              <a:rPr lang="zh-CN" altLang="en-US" dirty="0" smtClean="0"/>
-              <a:t> </a:t>
-            </a:r>
-            <a:r>
-              <a:rPr lang="en-US" altLang="zh-CN" dirty="0" smtClean="0"/>
-              <a:t>framework--</a:t>
-            </a:r>
-            <a:r>
-              <a:rPr lang="en-US" altLang="zh-CN" dirty="0" err="1" smtClean="0"/>
-              <a:t>cinatra</a:t>
-            </a:r>
-            <a:endParaRPr lang="zh-CN" altLang="en-US" dirty="0" smtClean="0"/>
-          </a:p>
-          <a:p>
-            <a:endParaRPr lang="zh-CN" altLang="en-US" dirty="0"/>
-          </a:p>
-        </p:txBody>
-      </p:sp>
-      <p:sp>
-        <p:nvSpPr>
-          <p:cNvPr id="4" name="矩形 3"/>
-          <p:cNvSpPr/>
-          <p:nvPr/>
-        </p:nvSpPr>
-        <p:spPr>
-          <a:xfrm>
-            <a:off x="548913" y="3262173"/>
-            <a:ext cx="5270989" cy="2308324"/>
-          </a:xfrm>
-          <a:prstGeom prst="rect">
-            <a:avLst/>
-          </a:prstGeom>
-        </p:spPr>
-        <p:txBody>
-          <a:bodyPr wrap="square">
-            <a:spAutoFit/>
-          </a:bodyPr>
-          <a:lstStyle/>
-          <a:p>
-            <a:r>
-              <a:rPr lang="en-US" altLang="zh-CN" dirty="0" smtClean="0">
-                <a:hlinkClick r:id="rId2"/>
-              </a:rPr>
-              <a:t>http://purecpp.org</a:t>
-            </a:r>
-            <a:r>
-              <a:rPr lang="en-US" altLang="zh-CN" dirty="0" smtClean="0"/>
-              <a:t> (modern </a:t>
-            </a:r>
-            <a:r>
-              <a:rPr lang="en-US" altLang="zh-CN" dirty="0" err="1" smtClean="0"/>
-              <a:t>c++</a:t>
-            </a:r>
-            <a:r>
-              <a:rPr lang="en-US" altLang="zh-CN" dirty="0" smtClean="0"/>
-              <a:t> open source community)</a:t>
-            </a:r>
-          </a:p>
-          <a:p>
-            <a:r>
-              <a:rPr lang="en-US" altLang="zh-CN" dirty="0" smtClean="0">
-                <a:hlinkClick r:id="rId3"/>
-              </a:rPr>
-              <a:t>https://github.com/qicosmos</a:t>
-            </a:r>
-            <a:endParaRPr lang="en-US" altLang="zh-CN" dirty="0" smtClean="0"/>
-          </a:p>
-          <a:p>
-            <a:endParaRPr lang="en-US" altLang="zh-CN" dirty="0" smtClean="0"/>
-          </a:p>
-          <a:p>
-            <a:r>
-              <a:rPr lang="en-US" altLang="zh-CN" dirty="0" smtClean="0">
-                <a:hlinkClick r:id="rId4"/>
-              </a:rPr>
-              <a:t>https://www.youtube.com/watch?v=WlhoWjrR41A</a:t>
-            </a:r>
-            <a:endParaRPr lang="en-US" altLang="zh-CN" dirty="0" smtClean="0"/>
-          </a:p>
-          <a:p>
-            <a:r>
-              <a:rPr lang="en-US" altLang="zh-CN" dirty="0" smtClean="0">
-                <a:hlinkClick r:id="rId5"/>
-              </a:rPr>
-              <a:t>https://www.youtube.com/watch?v=vh1BhlqF-fs</a:t>
-            </a:r>
-            <a:endParaRPr lang="en-US" altLang="zh-CN" dirty="0" smtClean="0"/>
-          </a:p>
-          <a:p>
-            <a:endParaRPr lang="en-US" altLang="zh-CN" dirty="0" smtClean="0"/>
-          </a:p>
-          <a:p>
-            <a:r>
-              <a:rPr lang="en-US" altLang="zh-CN" dirty="0" smtClean="0">
-                <a:hlinkClick r:id="rId6"/>
-              </a:rPr>
-              <a:t>https://isocpp.org/</a:t>
-            </a:r>
-            <a:r>
-              <a:rPr lang="en-US" altLang="zh-CN" dirty="0" smtClean="0"/>
-              <a:t> </a:t>
-            </a:r>
-            <a:endParaRPr lang="zh-CN" altLang="en-US" dirty="0"/>
-          </a:p>
-        </p:txBody>
-      </p:sp>
-      <p:pic>
-        <p:nvPicPr>
-          <p:cNvPr id="5" name="Picture 2" descr="http://purecpp.org/wp-content/uploads/2017/03/qrcode_for_gh_300922997283_430.jpg"/>
-          <p:cNvPicPr>
-            <a:picLocks noChangeAspect="1" noChangeArrowheads="1"/>
-          </p:cNvPicPr>
-          <p:nvPr/>
-        </p:nvPicPr>
-        <p:blipFill>
-          <a:blip r:embed="rId7"/>
-          <a:srcRect/>
-          <a:stretch>
-            <a:fillRect/>
-          </a:stretch>
-        </p:blipFill>
-        <p:spPr bwMode="auto">
-          <a:xfrm>
-            <a:off x="6150549" y="1333137"/>
-            <a:ext cx="2487475" cy="2487475"/>
-          </a:xfrm>
-          <a:prstGeom prst="rect">
-            <a:avLst/>
-          </a:prstGeom>
-          <a:noFill/>
-        </p:spPr>
-      </p:pic>
-      <p:pic>
-        <p:nvPicPr>
-          <p:cNvPr id="6" name="Picture 3"/>
-          <p:cNvPicPr>
-            <a:picLocks noChangeAspect="1" noChangeArrowheads="1"/>
-          </p:cNvPicPr>
-          <p:nvPr/>
-        </p:nvPicPr>
-        <p:blipFill>
-          <a:blip r:embed="rId8" cstate="print"/>
-          <a:srcRect/>
-          <a:stretch>
-            <a:fillRect/>
-          </a:stretch>
-        </p:blipFill>
-        <p:spPr bwMode="auto">
-          <a:xfrm>
-            <a:off x="6316590" y="3902166"/>
-            <a:ext cx="2142910" cy="2136502"/>
-          </a:xfrm>
-          <a:prstGeom prst="rect">
-            <a:avLst/>
-          </a:prstGeom>
-          <a:noFill/>
-          <a:ln w="9525">
-            <a:noFill/>
-            <a:miter lim="800000"/>
-            <a:headEnd/>
-            <a:tailEnd/>
-          </a:ln>
-          <a:effectLst/>
-        </p:spPr>
-      </p:pic>
-    </p:spTree>
-  </p:cSld>
-  <p:clrMapOvr>
-    <a:masterClrMapping/>
-  </p:clrMapOvr>
-  <p:timing>
-    <p:tnLst>
-      <p:par>
-        <p:cTn id="1" dur="indefinite" restart="never" nodeType="tmRoot"/>
-      </p:par>
-    </p:tnLst>
-  </p:timing>
-</p:sld>
-</file>
-
-<file path=ppt/slides/slide52.xml><?xml version="1.0" encoding="utf-8"?>
-<p:sld xmlns:a="http://schemas.openxmlformats.org/drawingml/2006/main" xmlns:r="http://schemas.openxmlformats.org/officeDocument/2006/relationships" xmlns:p="http://schemas.openxmlformats.org/presentationml/2006/main">
-  <p:cSld>
-    <p:spTree>
-      <p:nvGrpSpPr>
-        <p:cNvPr id="1" name=""/>
-        <p:cNvGrpSpPr/>
-        <p:nvPr/>
-      </p:nvGrpSpPr>
-      <p:grpSpPr>
-        <a:xfrm>
-          <a:off x="0" y="0"/>
-          <a:ext cx="0" cy="0"/>
-          <a:chOff x="0" y="0"/>
-          <a:chExt cx="0" cy="0"/>
-        </a:xfrm>
-      </p:grpSpPr>
-      <p:sp>
-        <p:nvSpPr>
-          <p:cNvPr id="2" name="文本占位符 1"/>
-          <p:cNvSpPr>
-            <a:spLocks noGrp="1"/>
-          </p:cNvSpPr>
-          <p:nvPr>
-            <p:ph type="body" sz="quarter" idx="10"/>
-          </p:nvPr>
-        </p:nvSpPr>
-        <p:spPr/>
-        <p:txBody>
-          <a:bodyPr>
-            <a:normAutofit lnSpcReduction="10000"/>
-          </a:bodyPr>
-          <a:lstStyle/>
-          <a:p>
-            <a:endParaRPr lang="zh-CN" altLang="en-US"/>
-          </a:p>
-        </p:txBody>
-      </p:sp>
-      <p:sp>
-        <p:nvSpPr>
-          <p:cNvPr id="3" name="内容占位符 2"/>
-          <p:cNvSpPr>
-            <a:spLocks noGrp="1"/>
-          </p:cNvSpPr>
-          <p:nvPr>
-            <p:ph sz="quarter" idx="11"/>
-          </p:nvPr>
-        </p:nvSpPr>
-        <p:spPr/>
-        <p:txBody>
-          <a:bodyPr/>
-          <a:lstStyle/>
-          <a:p>
-            <a:endParaRPr lang="zh-CN" altLang="en-US" dirty="0"/>
-          </a:p>
-        </p:txBody>
-      </p:sp>
-      <p:sp>
-        <p:nvSpPr>
-          <p:cNvPr id="4" name="矩形 3"/>
-          <p:cNvSpPr/>
-          <p:nvPr/>
-        </p:nvSpPr>
-        <p:spPr>
-          <a:xfrm>
-            <a:off x="2417141" y="2803759"/>
-            <a:ext cx="4134465" cy="584775"/>
-          </a:xfrm>
-          <a:prstGeom prst="rect">
-            <a:avLst/>
-          </a:prstGeom>
-        </p:spPr>
-        <p:txBody>
-          <a:bodyPr wrap="none">
-            <a:spAutoFit/>
-          </a:bodyPr>
-          <a:lstStyle/>
-          <a:p>
-            <a:r>
-              <a:rPr lang="en-US" altLang="zh-CN" sz="3200" b="1" dirty="0" smtClean="0">
-                <a:latin typeface="DejaVu Sans Mono" pitchFamily="49" charset="0"/>
-                <a:ea typeface="DejaVu Sans Mono" pitchFamily="49" charset="0"/>
-                <a:cs typeface="DejaVu Sans Mono" pitchFamily="49" charset="0"/>
-              </a:rPr>
-              <a:t>Newer is Better!</a:t>
-            </a:r>
-            <a:endParaRPr lang="zh-CN" altLang="en-US" sz="3200" b="1" dirty="0">
-              <a:latin typeface="DejaVu Sans Mono" pitchFamily="49" charset="0"/>
-              <a:cs typeface="DejaVu Sans Mono" pitchFamily="49" charset="0"/>
-            </a:endParaRPr>
-          </a:p>
-        </p:txBody>
-      </p:sp>
-    </p:spTree>
-  </p:cSld>
-  <p:clrMapOvr>
-    <a:masterClrMapping/>
-  </p:clrMapOvr>
-  <p:timing>
-    <p:tnLst>
-      <p:par>
-        <p:cTn id="1" dur="indefinite" restart="never" nodeType="tmRoot"/>
-      </p:par>
-    </p:tnLst>
-  </p:timing>
-</p:sld>
-</file>
-
-<file path=ppt/slides/slide6.xml><?xml version="1.0" encoding="utf-8"?>
+<file path=ppt/slides/slide5.xml><?xml version="1.0" encoding="utf-8"?>
 <p:sld xmlns:a="http://schemas.openxmlformats.org/drawingml/2006/main" xmlns:r="http://schemas.openxmlformats.org/officeDocument/2006/relationships" xmlns:p="http://schemas.openxmlformats.org/presentationml/2006/main">
   <p:cSld>
     <p:spTree>
@@ -16022,6 +15306,709 @@
 </p:sld>
 </file>
 
+<file path=ppt/slides/slide50.xml><?xml version="1.0" encoding="utf-8"?>
+<p:sld xmlns:a="http://schemas.openxmlformats.org/drawingml/2006/main" xmlns:r="http://schemas.openxmlformats.org/officeDocument/2006/relationships" xmlns:p="http://schemas.openxmlformats.org/presentationml/2006/main">
+  <p:cSld>
+    <p:spTree>
+      <p:nvGrpSpPr>
+        <p:cNvPr id="1" name=""/>
+        <p:cNvGrpSpPr/>
+        <p:nvPr/>
+      </p:nvGrpSpPr>
+      <p:grpSpPr>
+        <a:xfrm>
+          <a:off x="0" y="0"/>
+          <a:ext cx="0" cy="0"/>
+          <a:chOff x="0" y="0"/>
+          <a:chExt cx="0" cy="0"/>
+        </a:xfrm>
+      </p:grpSpPr>
+      <p:sp>
+        <p:nvSpPr>
+          <p:cNvPr id="2" name="文本占位符 1"/>
+          <p:cNvSpPr>
+            <a:spLocks noGrp="1"/>
+          </p:cNvSpPr>
+          <p:nvPr>
+            <p:ph type="body" sz="quarter" idx="10"/>
+          </p:nvPr>
+        </p:nvSpPr>
+        <p:spPr/>
+        <p:txBody>
+          <a:bodyPr>
+            <a:normAutofit fontScale="92500"/>
+          </a:bodyPr>
+          <a:lstStyle/>
+          <a:p>
+            <a:r>
+              <a:rPr lang="en-US" altLang="zh-CN" dirty="0" err="1" smtClean="0"/>
+              <a:t>Purecpp</a:t>
+            </a:r>
+            <a:r>
+              <a:rPr lang="en-US" altLang="zh-CN" dirty="0" smtClean="0"/>
+              <a:t>----Modern </a:t>
+            </a:r>
+            <a:r>
+              <a:rPr lang="en-US" altLang="zh-CN" dirty="0" smtClean="0"/>
+              <a:t>C++ Open Source Community</a:t>
+            </a:r>
+            <a:endParaRPr lang="zh-CN" altLang="en-US" dirty="0"/>
+          </a:p>
+        </p:txBody>
+      </p:sp>
+      <p:sp>
+        <p:nvSpPr>
+          <p:cNvPr id="3" name="内容占位符 2"/>
+          <p:cNvSpPr>
+            <a:spLocks noGrp="1"/>
+          </p:cNvSpPr>
+          <p:nvPr>
+            <p:ph sz="quarter" idx="11"/>
+          </p:nvPr>
+        </p:nvSpPr>
+        <p:spPr/>
+        <p:txBody>
+          <a:bodyPr/>
+          <a:lstStyle/>
+          <a:p>
+            <a:r>
+              <a:rPr lang="en-US" altLang="zh-CN" dirty="0" err="1" smtClean="0"/>
+              <a:t>purecpp</a:t>
+            </a:r>
+            <a:r>
+              <a:rPr lang="zh-CN" altLang="en-US" dirty="0" smtClean="0"/>
+              <a:t> </a:t>
+            </a:r>
+            <a:r>
+              <a:rPr lang="en-US" altLang="zh-CN" dirty="0" smtClean="0"/>
+              <a:t>open source</a:t>
+            </a:r>
+          </a:p>
+          <a:p>
+            <a:pPr lvl="1"/>
+            <a:r>
+              <a:rPr lang="en-US" altLang="zh-CN" dirty="0" err="1" smtClean="0"/>
+              <a:t>Rpc</a:t>
+            </a:r>
+            <a:r>
+              <a:rPr lang="zh-CN" altLang="en-US" dirty="0" smtClean="0"/>
+              <a:t> </a:t>
+            </a:r>
+            <a:r>
+              <a:rPr lang="en-US" altLang="zh-CN" dirty="0" smtClean="0"/>
+              <a:t>framework—</a:t>
+            </a:r>
+            <a:r>
+              <a:rPr lang="en-US" altLang="zh-CN" dirty="0" err="1" smtClean="0"/>
+              <a:t>rest_rpc</a:t>
+            </a:r>
+            <a:endParaRPr lang="en-US" altLang="zh-CN" dirty="0" smtClean="0"/>
+          </a:p>
+          <a:p>
+            <a:pPr lvl="1"/>
+            <a:r>
+              <a:rPr lang="en-US" altLang="zh-CN" dirty="0" smtClean="0"/>
+              <a:t>Serialization engine—iguana</a:t>
+            </a:r>
+          </a:p>
+          <a:p>
+            <a:pPr lvl="1"/>
+            <a:r>
+              <a:rPr lang="en-US" altLang="zh-CN" dirty="0" smtClean="0"/>
+              <a:t>ORM--</a:t>
+            </a:r>
+            <a:r>
+              <a:rPr lang="en-US" altLang="zh-CN" dirty="0" err="1" smtClean="0"/>
+              <a:t>ormpp</a:t>
+            </a:r>
+            <a:endParaRPr lang="en-US" altLang="zh-CN" dirty="0" smtClean="0"/>
+          </a:p>
+          <a:p>
+            <a:pPr lvl="1"/>
+            <a:r>
+              <a:rPr lang="en-US" altLang="zh-CN" dirty="0" smtClean="0"/>
+              <a:t>http</a:t>
+            </a:r>
+            <a:r>
+              <a:rPr lang="zh-CN" altLang="en-US" dirty="0" smtClean="0"/>
+              <a:t> </a:t>
+            </a:r>
+            <a:r>
+              <a:rPr lang="en-US" altLang="zh-CN" dirty="0" smtClean="0"/>
+              <a:t>framework--</a:t>
+            </a:r>
+            <a:r>
+              <a:rPr lang="en-US" altLang="zh-CN" dirty="0" err="1" smtClean="0"/>
+              <a:t>cinatra</a:t>
+            </a:r>
+            <a:endParaRPr lang="zh-CN" altLang="en-US" dirty="0" smtClean="0"/>
+          </a:p>
+          <a:p>
+            <a:endParaRPr lang="zh-CN" altLang="en-US" dirty="0"/>
+          </a:p>
+        </p:txBody>
+      </p:sp>
+      <p:sp>
+        <p:nvSpPr>
+          <p:cNvPr id="4" name="矩形 3"/>
+          <p:cNvSpPr/>
+          <p:nvPr/>
+        </p:nvSpPr>
+        <p:spPr>
+          <a:xfrm>
+            <a:off x="548913" y="3262173"/>
+            <a:ext cx="5270989" cy="2308324"/>
+          </a:xfrm>
+          <a:prstGeom prst="rect">
+            <a:avLst/>
+          </a:prstGeom>
+        </p:spPr>
+        <p:txBody>
+          <a:bodyPr wrap="square">
+            <a:spAutoFit/>
+          </a:bodyPr>
+          <a:lstStyle/>
+          <a:p>
+            <a:r>
+              <a:rPr lang="en-US" altLang="zh-CN" dirty="0" smtClean="0">
+                <a:hlinkClick r:id="rId2"/>
+              </a:rPr>
+              <a:t>http://purecpp.org</a:t>
+            </a:r>
+            <a:r>
+              <a:rPr lang="en-US" altLang="zh-CN" dirty="0" smtClean="0"/>
+              <a:t> (modern </a:t>
+            </a:r>
+            <a:r>
+              <a:rPr lang="en-US" altLang="zh-CN" dirty="0" err="1" smtClean="0"/>
+              <a:t>c++</a:t>
+            </a:r>
+            <a:r>
+              <a:rPr lang="en-US" altLang="zh-CN" dirty="0" smtClean="0"/>
+              <a:t> open source community)</a:t>
+            </a:r>
+          </a:p>
+          <a:p>
+            <a:r>
+              <a:rPr lang="en-US" altLang="zh-CN" dirty="0" smtClean="0">
+                <a:hlinkClick r:id="rId3"/>
+              </a:rPr>
+              <a:t>https://github.com/qicosmos</a:t>
+            </a:r>
+            <a:endParaRPr lang="en-US" altLang="zh-CN" dirty="0" smtClean="0"/>
+          </a:p>
+          <a:p>
+            <a:endParaRPr lang="en-US" altLang="zh-CN" dirty="0" smtClean="0"/>
+          </a:p>
+          <a:p>
+            <a:r>
+              <a:rPr lang="en-US" altLang="zh-CN" dirty="0" smtClean="0">
+                <a:hlinkClick r:id="rId4"/>
+              </a:rPr>
+              <a:t>https://www.youtube.com/watch?v=WlhoWjrR41A</a:t>
+            </a:r>
+            <a:endParaRPr lang="en-US" altLang="zh-CN" dirty="0" smtClean="0"/>
+          </a:p>
+          <a:p>
+            <a:r>
+              <a:rPr lang="en-US" altLang="zh-CN" dirty="0" smtClean="0">
+                <a:hlinkClick r:id="rId5"/>
+              </a:rPr>
+              <a:t>https://www.youtube.com/watch?v=vh1BhlqF-fs</a:t>
+            </a:r>
+            <a:endParaRPr lang="en-US" altLang="zh-CN" dirty="0" smtClean="0"/>
+          </a:p>
+          <a:p>
+            <a:endParaRPr lang="en-US" altLang="zh-CN" dirty="0" smtClean="0"/>
+          </a:p>
+          <a:p>
+            <a:r>
+              <a:rPr lang="en-US" altLang="zh-CN" dirty="0" smtClean="0">
+                <a:hlinkClick r:id="rId6"/>
+              </a:rPr>
+              <a:t>https://isocpp.org/</a:t>
+            </a:r>
+            <a:r>
+              <a:rPr lang="en-US" altLang="zh-CN" dirty="0" smtClean="0"/>
+              <a:t> </a:t>
+            </a:r>
+            <a:endParaRPr lang="zh-CN" altLang="en-US" dirty="0"/>
+          </a:p>
+        </p:txBody>
+      </p:sp>
+      <p:pic>
+        <p:nvPicPr>
+          <p:cNvPr id="5" name="Picture 2" descr="http://purecpp.org/wp-content/uploads/2017/03/qrcode_for_gh_300922997283_430.jpg"/>
+          <p:cNvPicPr>
+            <a:picLocks noChangeAspect="1" noChangeArrowheads="1"/>
+          </p:cNvPicPr>
+          <p:nvPr/>
+        </p:nvPicPr>
+        <p:blipFill>
+          <a:blip r:embed="rId7"/>
+          <a:srcRect/>
+          <a:stretch>
+            <a:fillRect/>
+          </a:stretch>
+        </p:blipFill>
+        <p:spPr bwMode="auto">
+          <a:xfrm>
+            <a:off x="6150549" y="1333137"/>
+            <a:ext cx="2487475" cy="2487475"/>
+          </a:xfrm>
+          <a:prstGeom prst="rect">
+            <a:avLst/>
+          </a:prstGeom>
+          <a:noFill/>
+        </p:spPr>
+      </p:pic>
+      <p:pic>
+        <p:nvPicPr>
+          <p:cNvPr id="6" name="Picture 3"/>
+          <p:cNvPicPr>
+            <a:picLocks noChangeAspect="1" noChangeArrowheads="1"/>
+          </p:cNvPicPr>
+          <p:nvPr/>
+        </p:nvPicPr>
+        <p:blipFill>
+          <a:blip r:embed="rId8" cstate="print"/>
+          <a:srcRect/>
+          <a:stretch>
+            <a:fillRect/>
+          </a:stretch>
+        </p:blipFill>
+        <p:spPr bwMode="auto">
+          <a:xfrm>
+            <a:off x="6316590" y="3902166"/>
+            <a:ext cx="2142910" cy="2136502"/>
+          </a:xfrm>
+          <a:prstGeom prst="rect">
+            <a:avLst/>
+          </a:prstGeom>
+          <a:noFill/>
+          <a:ln w="9525">
+            <a:noFill/>
+            <a:miter lim="800000"/>
+            <a:headEnd/>
+            <a:tailEnd/>
+          </a:ln>
+          <a:effectLst/>
+        </p:spPr>
+      </p:pic>
+    </p:spTree>
+  </p:cSld>
+  <p:clrMapOvr>
+    <a:masterClrMapping/>
+  </p:clrMapOvr>
+  <p:timing>
+    <p:tnLst>
+      <p:par>
+        <p:cTn id="1" dur="indefinite" restart="never" nodeType="tmRoot"/>
+      </p:par>
+    </p:tnLst>
+  </p:timing>
+</p:sld>
+</file>
+
+<file path=ppt/slides/slide51.xml><?xml version="1.0" encoding="utf-8"?>
+<p:sld xmlns:a="http://schemas.openxmlformats.org/drawingml/2006/main" xmlns:r="http://schemas.openxmlformats.org/officeDocument/2006/relationships" xmlns:p="http://schemas.openxmlformats.org/presentationml/2006/main">
+  <p:cSld>
+    <p:spTree>
+      <p:nvGrpSpPr>
+        <p:cNvPr id="1" name=""/>
+        <p:cNvGrpSpPr/>
+        <p:nvPr/>
+      </p:nvGrpSpPr>
+      <p:grpSpPr>
+        <a:xfrm>
+          <a:off x="0" y="0"/>
+          <a:ext cx="0" cy="0"/>
+          <a:chOff x="0" y="0"/>
+          <a:chExt cx="0" cy="0"/>
+        </a:xfrm>
+      </p:grpSpPr>
+      <p:sp>
+        <p:nvSpPr>
+          <p:cNvPr id="2" name="文本占位符 1"/>
+          <p:cNvSpPr>
+            <a:spLocks noGrp="1"/>
+          </p:cNvSpPr>
+          <p:nvPr>
+            <p:ph type="body" sz="quarter" idx="10"/>
+          </p:nvPr>
+        </p:nvSpPr>
+        <p:spPr/>
+        <p:txBody>
+          <a:bodyPr>
+            <a:normAutofit lnSpcReduction="10000"/>
+          </a:bodyPr>
+          <a:lstStyle/>
+          <a:p>
+            <a:endParaRPr lang="zh-CN" altLang="en-US"/>
+          </a:p>
+        </p:txBody>
+      </p:sp>
+      <p:sp>
+        <p:nvSpPr>
+          <p:cNvPr id="3" name="内容占位符 2"/>
+          <p:cNvSpPr>
+            <a:spLocks noGrp="1"/>
+          </p:cNvSpPr>
+          <p:nvPr>
+            <p:ph sz="quarter" idx="11"/>
+          </p:nvPr>
+        </p:nvSpPr>
+        <p:spPr/>
+        <p:txBody>
+          <a:bodyPr/>
+          <a:lstStyle/>
+          <a:p>
+            <a:endParaRPr lang="zh-CN" altLang="en-US" dirty="0"/>
+          </a:p>
+        </p:txBody>
+      </p:sp>
+      <p:sp>
+        <p:nvSpPr>
+          <p:cNvPr id="4" name="矩形 3"/>
+          <p:cNvSpPr/>
+          <p:nvPr/>
+        </p:nvSpPr>
+        <p:spPr>
+          <a:xfrm>
+            <a:off x="2417141" y="2803759"/>
+            <a:ext cx="4134465" cy="584775"/>
+          </a:xfrm>
+          <a:prstGeom prst="rect">
+            <a:avLst/>
+          </a:prstGeom>
+        </p:spPr>
+        <p:txBody>
+          <a:bodyPr wrap="none">
+            <a:spAutoFit/>
+          </a:bodyPr>
+          <a:lstStyle/>
+          <a:p>
+            <a:r>
+              <a:rPr lang="en-US" altLang="zh-CN" sz="3200" b="1" dirty="0" smtClean="0">
+                <a:latin typeface="DejaVu Sans Mono" pitchFamily="49" charset="0"/>
+                <a:ea typeface="DejaVu Sans Mono" pitchFamily="49" charset="0"/>
+                <a:cs typeface="DejaVu Sans Mono" pitchFamily="49" charset="0"/>
+              </a:rPr>
+              <a:t>Newer is Better!</a:t>
+            </a:r>
+            <a:endParaRPr lang="zh-CN" altLang="en-US" sz="3200" b="1" dirty="0">
+              <a:latin typeface="DejaVu Sans Mono" pitchFamily="49" charset="0"/>
+              <a:cs typeface="DejaVu Sans Mono" pitchFamily="49" charset="0"/>
+            </a:endParaRPr>
+          </a:p>
+        </p:txBody>
+      </p:sp>
+    </p:spTree>
+  </p:cSld>
+  <p:clrMapOvr>
+    <a:masterClrMapping/>
+  </p:clrMapOvr>
+  <p:timing>
+    <p:tnLst>
+      <p:par>
+        <p:cTn id="1" dur="indefinite" restart="never" nodeType="tmRoot"/>
+      </p:par>
+    </p:tnLst>
+  </p:timing>
+</p:sld>
+</file>
+
+<file path=ppt/slides/slide6.xml><?xml version="1.0" encoding="utf-8"?>
+<p:sld xmlns:a="http://schemas.openxmlformats.org/drawingml/2006/main" xmlns:r="http://schemas.openxmlformats.org/officeDocument/2006/relationships" xmlns:p="http://schemas.openxmlformats.org/presentationml/2006/main">
+  <p:cSld>
+    <p:spTree>
+      <p:nvGrpSpPr>
+        <p:cNvPr id="1" name=""/>
+        <p:cNvGrpSpPr/>
+        <p:nvPr/>
+      </p:nvGrpSpPr>
+      <p:grpSpPr>
+        <a:xfrm>
+          <a:off x="0" y="0"/>
+          <a:ext cx="0" cy="0"/>
+          <a:chOff x="0" y="0"/>
+          <a:chExt cx="0" cy="0"/>
+        </a:xfrm>
+      </p:grpSpPr>
+      <p:sp>
+        <p:nvSpPr>
+          <p:cNvPr id="2" name="文本占位符 1"/>
+          <p:cNvSpPr>
+            <a:spLocks noGrp="1"/>
+          </p:cNvSpPr>
+          <p:nvPr>
+            <p:ph type="body" sz="quarter" idx="10"/>
+          </p:nvPr>
+        </p:nvSpPr>
+        <p:spPr/>
+        <p:txBody>
+          <a:bodyPr>
+            <a:normAutofit lnSpcReduction="10000"/>
+          </a:bodyPr>
+          <a:lstStyle/>
+          <a:p>
+            <a:r>
+              <a:rPr lang="en-US" altLang="zh-CN" dirty="0" smtClean="0"/>
+              <a:t>Structured Binding</a:t>
+            </a:r>
+            <a:endParaRPr lang="zh-CN" altLang="en-US" dirty="0"/>
+          </a:p>
+        </p:txBody>
+      </p:sp>
+      <p:sp>
+        <p:nvSpPr>
+          <p:cNvPr id="3" name="内容占位符 2"/>
+          <p:cNvSpPr>
+            <a:spLocks noGrp="1"/>
+          </p:cNvSpPr>
+          <p:nvPr>
+            <p:ph sz="quarter" idx="11"/>
+          </p:nvPr>
+        </p:nvSpPr>
+        <p:spPr/>
+        <p:txBody>
+          <a:bodyPr/>
+          <a:lstStyle/>
+          <a:p>
+            <a:endParaRPr lang="zh-CN" altLang="en-US" dirty="0"/>
+          </a:p>
+        </p:txBody>
+      </p:sp>
+      <p:sp>
+        <p:nvSpPr>
+          <p:cNvPr id="4" name="矩形 3"/>
+          <p:cNvSpPr/>
+          <p:nvPr/>
+        </p:nvSpPr>
+        <p:spPr>
+          <a:xfrm>
+            <a:off x="457199" y="1432298"/>
+            <a:ext cx="7714212" cy="923330"/>
+          </a:xfrm>
+          <a:prstGeom prst="rect">
+            <a:avLst/>
+          </a:prstGeom>
+        </p:spPr>
+        <p:txBody>
+          <a:bodyPr wrap="square">
+            <a:spAutoFit/>
+          </a:bodyPr>
+          <a:lstStyle/>
+          <a:p>
+            <a:r>
+              <a:rPr lang="en-US" altLang="zh-CN" dirty="0" smtClean="0">
+                <a:latin typeface="DejaVu Sans Mono" pitchFamily="49" charset="0"/>
+                <a:ea typeface="DejaVu Sans Mono" pitchFamily="49" charset="0"/>
+                <a:cs typeface="DejaVu Sans Mono" pitchFamily="49" charset="0"/>
+              </a:rPr>
+              <a:t>std::map&lt;</a:t>
+            </a:r>
+            <a:r>
+              <a:rPr lang="en-US" altLang="zh-CN" dirty="0" err="1" smtClean="0">
+                <a:latin typeface="DejaVu Sans Mono" pitchFamily="49" charset="0"/>
+                <a:ea typeface="DejaVu Sans Mono" pitchFamily="49" charset="0"/>
+                <a:cs typeface="DejaVu Sans Mono" pitchFamily="49" charset="0"/>
+              </a:rPr>
+              <a:t>int</a:t>
+            </a:r>
+            <a:r>
+              <a:rPr lang="en-US" altLang="zh-CN" dirty="0" smtClean="0">
+                <a:latin typeface="DejaVu Sans Mono" pitchFamily="49" charset="0"/>
+                <a:ea typeface="DejaVu Sans Mono" pitchFamily="49" charset="0"/>
+                <a:cs typeface="DejaVu Sans Mono" pitchFamily="49" charset="0"/>
+              </a:rPr>
+              <a:t>, </a:t>
+            </a:r>
+            <a:r>
+              <a:rPr lang="en-US" altLang="zh-CN" dirty="0" err="1" smtClean="0">
+                <a:latin typeface="DejaVu Sans Mono" pitchFamily="49" charset="0"/>
+                <a:ea typeface="DejaVu Sans Mono" pitchFamily="49" charset="0"/>
+                <a:cs typeface="DejaVu Sans Mono" pitchFamily="49" charset="0"/>
+              </a:rPr>
+              <a:t>int</a:t>
+            </a:r>
+            <a:r>
+              <a:rPr lang="en-US" altLang="zh-CN" dirty="0" smtClean="0">
+                <a:latin typeface="DejaVu Sans Mono" pitchFamily="49" charset="0"/>
+                <a:ea typeface="DejaVu Sans Mono" pitchFamily="49" charset="0"/>
+                <a:cs typeface="DejaVu Sans Mono" pitchFamily="49" charset="0"/>
+              </a:rPr>
+              <a:t>&gt; mp = { {1, 2}, {3, 4} };</a:t>
+            </a:r>
+          </a:p>
+          <a:p>
+            <a:r>
+              <a:rPr lang="en-US" altLang="zh-CN" dirty="0" smtClean="0">
+                <a:latin typeface="DejaVu Sans Mono" pitchFamily="49" charset="0"/>
+                <a:ea typeface="DejaVu Sans Mono" pitchFamily="49" charset="0"/>
+                <a:cs typeface="DejaVu Sans Mono" pitchFamily="49" charset="0"/>
+              </a:rPr>
+              <a:t>for(auto&amp;&amp; [k, v] : mp)</a:t>
+            </a:r>
+          </a:p>
+          <a:p>
+            <a:r>
+              <a:rPr lang="en-US" altLang="zh-CN" dirty="0" smtClean="0">
+                <a:latin typeface="DejaVu Sans Mono" pitchFamily="49" charset="0"/>
+                <a:ea typeface="DejaVu Sans Mono" pitchFamily="49" charset="0"/>
+                <a:cs typeface="DejaVu Sans Mono" pitchFamily="49" charset="0"/>
+              </a:rPr>
+              <a:t>    std::</a:t>
+            </a:r>
+            <a:r>
+              <a:rPr lang="en-US" altLang="zh-CN" dirty="0" err="1" smtClean="0">
+                <a:latin typeface="DejaVu Sans Mono" pitchFamily="49" charset="0"/>
+                <a:ea typeface="DejaVu Sans Mono" pitchFamily="49" charset="0"/>
+                <a:cs typeface="DejaVu Sans Mono" pitchFamily="49" charset="0"/>
+              </a:rPr>
+              <a:t>cout</a:t>
+            </a:r>
+            <a:r>
+              <a:rPr lang="en-US" altLang="zh-CN" dirty="0" smtClean="0">
+                <a:latin typeface="DejaVu Sans Mono" pitchFamily="49" charset="0"/>
+                <a:ea typeface="DejaVu Sans Mono" pitchFamily="49" charset="0"/>
+                <a:cs typeface="DejaVu Sans Mono" pitchFamily="49" charset="0"/>
+              </a:rPr>
+              <a:t>&lt;&lt;k&lt;&lt;" "&lt;&lt;v&lt;&lt;'\n';</a:t>
+            </a:r>
+            <a:endParaRPr lang="zh-CN" altLang="en-US" dirty="0">
+              <a:latin typeface="DejaVu Sans Mono" pitchFamily="49" charset="0"/>
+              <a:cs typeface="DejaVu Sans Mono" pitchFamily="49" charset="0"/>
+            </a:endParaRPr>
+          </a:p>
+        </p:txBody>
+      </p:sp>
+      <p:sp>
+        <p:nvSpPr>
+          <p:cNvPr id="6" name="矩形 5"/>
+          <p:cNvSpPr/>
+          <p:nvPr/>
+        </p:nvSpPr>
+        <p:spPr>
+          <a:xfrm>
+            <a:off x="390698" y="2864766"/>
+            <a:ext cx="5602778" cy="646331"/>
+          </a:xfrm>
+          <a:prstGeom prst="rect">
+            <a:avLst/>
+          </a:prstGeom>
+        </p:spPr>
+        <p:txBody>
+          <a:bodyPr wrap="square">
+            <a:spAutoFit/>
+          </a:bodyPr>
+          <a:lstStyle/>
+          <a:p>
+            <a:r>
+              <a:rPr lang="en-US" altLang="zh-CN" dirty="0" smtClean="0">
+                <a:latin typeface="DejaVu Sans Mono" pitchFamily="49" charset="0"/>
+                <a:ea typeface="DejaVu Sans Mono" pitchFamily="49" charset="0"/>
+                <a:cs typeface="DejaVu Sans Mono" pitchFamily="49" charset="0"/>
+              </a:rPr>
+              <a:t> std::</a:t>
+            </a:r>
+            <a:r>
+              <a:rPr lang="en-US" altLang="zh-CN" dirty="0" err="1" smtClean="0">
+                <a:latin typeface="DejaVu Sans Mono" pitchFamily="49" charset="0"/>
+                <a:ea typeface="DejaVu Sans Mono" pitchFamily="49" charset="0"/>
+                <a:cs typeface="DejaVu Sans Mono" pitchFamily="49" charset="0"/>
+              </a:rPr>
+              <a:t>tuple</a:t>
+            </a:r>
+            <a:r>
+              <a:rPr lang="en-US" altLang="zh-CN" dirty="0" smtClean="0">
+                <a:latin typeface="DejaVu Sans Mono" pitchFamily="49" charset="0"/>
+                <a:ea typeface="DejaVu Sans Mono" pitchFamily="49" charset="0"/>
+                <a:cs typeface="DejaVu Sans Mono" pitchFamily="49" charset="0"/>
+              </a:rPr>
+              <a:t>&lt;</a:t>
+            </a:r>
+            <a:r>
+              <a:rPr lang="en-US" altLang="zh-CN" dirty="0" err="1" smtClean="0">
+                <a:latin typeface="DejaVu Sans Mono" pitchFamily="49" charset="0"/>
+                <a:ea typeface="DejaVu Sans Mono" pitchFamily="49" charset="0"/>
+                <a:cs typeface="DejaVu Sans Mono" pitchFamily="49" charset="0"/>
+              </a:rPr>
+              <a:t>int</a:t>
+            </a:r>
+            <a:r>
+              <a:rPr lang="en-US" altLang="zh-CN" dirty="0" smtClean="0">
+                <a:latin typeface="DejaVu Sans Mono" pitchFamily="49" charset="0"/>
+                <a:ea typeface="DejaVu Sans Mono" pitchFamily="49" charset="0"/>
+                <a:cs typeface="DejaVu Sans Mono" pitchFamily="49" charset="0"/>
+              </a:rPr>
+              <a:t>, double&gt; </a:t>
+            </a:r>
+            <a:r>
+              <a:rPr lang="en-US" altLang="zh-CN" dirty="0" err="1" smtClean="0">
+                <a:latin typeface="DejaVu Sans Mono" pitchFamily="49" charset="0"/>
+                <a:ea typeface="DejaVu Sans Mono" pitchFamily="49" charset="0"/>
+                <a:cs typeface="DejaVu Sans Mono" pitchFamily="49" charset="0"/>
+              </a:rPr>
+              <a:t>tp</a:t>
+            </a:r>
+            <a:r>
+              <a:rPr lang="en-US" altLang="zh-CN" dirty="0" smtClean="0">
+                <a:latin typeface="DejaVu Sans Mono" pitchFamily="49" charset="0"/>
+                <a:ea typeface="DejaVu Sans Mono" pitchFamily="49" charset="0"/>
+                <a:cs typeface="DejaVu Sans Mono" pitchFamily="49" charset="0"/>
+              </a:rPr>
+              <a:t>(1, 2.5);</a:t>
+            </a:r>
+          </a:p>
+          <a:p>
+            <a:r>
+              <a:rPr lang="en-US" altLang="zh-CN" dirty="0" smtClean="0">
+                <a:latin typeface="DejaVu Sans Mono" pitchFamily="49" charset="0"/>
+                <a:ea typeface="DejaVu Sans Mono" pitchFamily="49" charset="0"/>
+                <a:cs typeface="DejaVu Sans Mono" pitchFamily="49" charset="0"/>
+              </a:rPr>
+              <a:t> auto [a, b] = </a:t>
+            </a:r>
+            <a:r>
+              <a:rPr lang="en-US" altLang="zh-CN" dirty="0" err="1" smtClean="0">
+                <a:latin typeface="DejaVu Sans Mono" pitchFamily="49" charset="0"/>
+                <a:ea typeface="DejaVu Sans Mono" pitchFamily="49" charset="0"/>
+                <a:cs typeface="DejaVu Sans Mono" pitchFamily="49" charset="0"/>
+              </a:rPr>
+              <a:t>tp</a:t>
+            </a:r>
+            <a:r>
+              <a:rPr lang="en-US" altLang="zh-CN" dirty="0" smtClean="0">
+                <a:latin typeface="DejaVu Sans Mono" pitchFamily="49" charset="0"/>
+                <a:ea typeface="DejaVu Sans Mono" pitchFamily="49" charset="0"/>
+                <a:cs typeface="DejaVu Sans Mono" pitchFamily="49" charset="0"/>
+              </a:rPr>
+              <a:t>;</a:t>
+            </a:r>
+            <a:endParaRPr lang="zh-CN" altLang="en-US" dirty="0" smtClean="0">
+              <a:latin typeface="DejaVu Sans Mono" pitchFamily="49" charset="0"/>
+              <a:ea typeface="DejaVu Sans Mono" pitchFamily="49" charset="0"/>
+              <a:cs typeface="DejaVu Sans Mono" pitchFamily="49" charset="0"/>
+            </a:endParaRPr>
+          </a:p>
+        </p:txBody>
+      </p:sp>
+    </p:spTree>
+  </p:cSld>
+  <p:clrMapOvr>
+    <a:masterClrMapping/>
+  </p:clrMapOvr>
+  <p:timing>
+    <p:tnLst>
+      <p:par>
+        <p:cTn id="1" dur="indefinite" restart="never" nodeType="tmRoot"/>
+      </p:par>
+    </p:tnLst>
+  </p:timing>
+</p:sld>
+</file>
+
 <file path=ppt/slides/slide7.xml><?xml version="1.0" encoding="utf-8"?>
 <p:sld xmlns:a="http://schemas.openxmlformats.org/drawingml/2006/main" xmlns:r="http://schemas.openxmlformats.org/officeDocument/2006/relationships" xmlns:p="http://schemas.openxmlformats.org/presentationml/2006/main">
   <p:cSld>
@@ -16057,10 +16044,22 @@
           <a:lstStyle/>
           <a:p>
             <a:r>
+              <a:rPr lang="en-US" altLang="zh-CN" dirty="0" err="1" smtClean="0"/>
+              <a:t>Variadic</a:t>
+            </a:r>
+            <a:r>
               <a:rPr lang="en-US" altLang="zh-CN" dirty="0" smtClean="0"/>
-              <a:t>Structured Binding</a:t>
-            </a:r>
-            <a:endParaRPr lang="zh-CN" altLang="en-US" dirty="0"/>
+              <a:t> Template</a:t>
+            </a:r>
+            <a:r>
+              <a:rPr lang="zh-CN" altLang="en-US" dirty="0" smtClean="0"/>
+              <a:t> </a:t>
+            </a:r>
+            <a:r>
+              <a:rPr lang="en-US" altLang="zh-CN" dirty="0" smtClean="0"/>
+              <a:t>+ Structured Binding</a:t>
+            </a:r>
+            <a:endParaRPr lang="zh-CN" altLang="en-US" dirty="0" smtClean="0"/>
           </a:p>
         </p:txBody>
       </p:sp>
@@ -16079,6 +16078,18 @@
           <a:bodyPr/>
           <a:lstStyle/>
           <a:p>
+            <a:r>
+              <a:rPr lang="zh-CN" altLang="en-US" dirty="0" smtClean="0"/>
+              <a:t>分割一个定长的</a:t>
+            </a:r>
+            <a:r>
+              <a:rPr lang="en-US" altLang="zh-CN" dirty="0" err="1" smtClean="0"/>
+              <a:t>variadic</a:t>
+            </a:r>
+            <a:r>
+              <a:rPr lang="en-US" altLang="zh-CN" dirty="0" smtClean="0"/>
+              <a:t> template</a:t>
+            </a:r>
             <a:endParaRPr lang="zh-CN" altLang="en-US" dirty="0"/>
           </a:p>
         </p:txBody>
@@ -16091,8 +16102,8 @@
         </p:nvSpPr>
         <p:spPr>
           <a:xfrm>
-            <a:off x="457199" y="1432298"/>
-            <a:ext cx="7714212" cy="923330"/>
+            <a:off x="507077" y="1825950"/>
+            <a:ext cx="7830589" cy="1846659"/>
           </a:xfrm>
           <a:prstGeom prst="rect">
             <a:avLst/>
@@ -16105,82 +16116,253 @@
           <a:lstStyle/>
           <a:p>
             <a:r>
-              <a:rPr lang="en-US" altLang="zh-CN" dirty="0" smtClean="0">
-                <a:latin typeface="DejaVu Sans Mono" pitchFamily="49" charset="0"/>
-                <a:ea typeface="DejaVu Sans Mono" pitchFamily="49" charset="0"/>
-                <a:cs typeface="DejaVu Sans Mono" pitchFamily="49" charset="0"/>
-              </a:rPr>
-              <a:t>std::map&lt;</a:t>
-            </a:r>
-            <a:r>
-              <a:rPr lang="en-US" altLang="zh-CN" dirty="0" err="1" smtClean="0">
-                <a:latin typeface="DejaVu Sans Mono" pitchFamily="49" charset="0"/>
-                <a:ea typeface="DejaVu Sans Mono" pitchFamily="49" charset="0"/>
-                <a:cs typeface="DejaVu Sans Mono" pitchFamily="49" charset="0"/>
-              </a:rPr>
-              <a:t>int</a:t>
-            </a:r>
-            <a:r>
-              <a:rPr lang="en-US" altLang="zh-CN" dirty="0" smtClean="0">
-                <a:latin typeface="DejaVu Sans Mono" pitchFamily="49" charset="0"/>
-                <a:ea typeface="DejaVu Sans Mono" pitchFamily="49" charset="0"/>
-                <a:cs typeface="DejaVu Sans Mono" pitchFamily="49" charset="0"/>
-              </a:rPr>
-              <a:t>, </a:t>
-            </a:r>
-            <a:r>
-              <a:rPr lang="en-US" altLang="zh-CN" dirty="0" err="1" smtClean="0">
-                <a:latin typeface="DejaVu Sans Mono" pitchFamily="49" charset="0"/>
-                <a:ea typeface="DejaVu Sans Mono" pitchFamily="49" charset="0"/>
-                <a:cs typeface="DejaVu Sans Mono" pitchFamily="49" charset="0"/>
-              </a:rPr>
-              <a:t>int</a:t>
-            </a:r>
-            <a:r>
-              <a:rPr lang="en-US" altLang="zh-CN" dirty="0" smtClean="0">
-                <a:latin typeface="DejaVu Sans Mono" pitchFamily="49" charset="0"/>
-                <a:ea typeface="DejaVu Sans Mono" pitchFamily="49" charset="0"/>
-                <a:cs typeface="DejaVu Sans Mono" pitchFamily="49" charset="0"/>
-              </a:rPr>
-              <a:t>&gt; mp = { {1, 2}, {3, 4} };</a:t>
-            </a:r>
-          </a:p>
-          <a:p>
-            <a:r>
-              <a:rPr lang="en-US" altLang="zh-CN" dirty="0" smtClean="0">
-                <a:latin typeface="DejaVu Sans Mono" pitchFamily="49" charset="0"/>
-                <a:ea typeface="DejaVu Sans Mono" pitchFamily="49" charset="0"/>
-                <a:cs typeface="DejaVu Sans Mono" pitchFamily="49" charset="0"/>
-              </a:rPr>
-              <a:t>for(auto&amp;&amp; [k, v] : mp)</a:t>
-            </a:r>
-          </a:p>
-          <a:p>
-            <a:r>
-              <a:rPr lang="en-US" altLang="zh-CN" dirty="0" smtClean="0">
-                <a:latin typeface="DejaVu Sans Mono" pitchFamily="49" charset="0"/>
-                <a:ea typeface="DejaVu Sans Mono" pitchFamily="49" charset="0"/>
-                <a:cs typeface="DejaVu Sans Mono" pitchFamily="49" charset="0"/>
-              </a:rPr>
-              <a:t>    std::</a:t>
-            </a:r>
-            <a:r>
-              <a:rPr lang="en-US" altLang="zh-CN" dirty="0" err="1" smtClean="0">
-                <a:latin typeface="DejaVu Sans Mono" pitchFamily="49" charset="0"/>
-                <a:ea typeface="DejaVu Sans Mono" pitchFamily="49" charset="0"/>
-                <a:cs typeface="DejaVu Sans Mono" pitchFamily="49" charset="0"/>
-              </a:rPr>
-              <a:t>cout</a:t>
-            </a:r>
-            <a:r>
-              <a:rPr lang="en-US" altLang="zh-CN" dirty="0" smtClean="0">
-                <a:latin typeface="DejaVu Sans Mono" pitchFamily="49" charset="0"/>
-                <a:ea typeface="DejaVu Sans Mono" pitchFamily="49" charset="0"/>
-                <a:cs typeface="DejaVu Sans Mono" pitchFamily="49" charset="0"/>
-              </a:rPr>
-              <a:t>&lt;&lt;k&lt;&lt;" "&lt;&lt;v&lt;&lt;'\n';</a:t>
-            </a:r>
-            <a:endParaRPr lang="zh-CN" altLang="en-US" dirty="0">
+              <a:rPr lang="en-US" altLang="zh-CN" sz="1600" dirty="0" smtClean="0">
+                <a:latin typeface="DejaVu Sans Mono" pitchFamily="49" charset="0"/>
+                <a:ea typeface="DejaVu Sans Mono" pitchFamily="49" charset="0"/>
+                <a:cs typeface="DejaVu Sans Mono" pitchFamily="49" charset="0"/>
+              </a:rPr>
+              <a:t>template&lt;</a:t>
+            </a:r>
+            <a:r>
+              <a:rPr lang="en-US" altLang="zh-CN" sz="1600" dirty="0" err="1" smtClean="0">
+                <a:latin typeface="DejaVu Sans Mono" pitchFamily="49" charset="0"/>
+                <a:ea typeface="DejaVu Sans Mono" pitchFamily="49" charset="0"/>
+                <a:cs typeface="DejaVu Sans Mono" pitchFamily="49" charset="0"/>
+              </a:rPr>
+              <a:t>typename</a:t>
+            </a:r>
+            <a:r>
+              <a:rPr lang="en-US" altLang="zh-CN" sz="1600" dirty="0" smtClean="0">
+                <a:latin typeface="DejaVu Sans Mono" pitchFamily="49" charset="0"/>
+                <a:ea typeface="DejaVu Sans Mono" pitchFamily="49" charset="0"/>
+                <a:cs typeface="DejaVu Sans Mono" pitchFamily="49" charset="0"/>
+              </a:rPr>
+              <a:t>... </a:t>
+            </a:r>
+            <a:r>
+              <a:rPr lang="en-US" altLang="zh-CN" sz="1600" dirty="0" err="1" smtClean="0">
+                <a:latin typeface="DejaVu Sans Mono" pitchFamily="49" charset="0"/>
+                <a:ea typeface="DejaVu Sans Mono" pitchFamily="49" charset="0"/>
+                <a:cs typeface="DejaVu Sans Mono" pitchFamily="49" charset="0"/>
+              </a:rPr>
+              <a:t>Args</a:t>
+            </a:r>
+            <a:r>
+              <a:rPr lang="en-US" altLang="zh-CN" sz="1600" dirty="0" smtClean="0">
+                <a:latin typeface="DejaVu Sans Mono" pitchFamily="49" charset="0"/>
+                <a:ea typeface="DejaVu Sans Mono" pitchFamily="49" charset="0"/>
+                <a:cs typeface="DejaVu Sans Mono" pitchFamily="49" charset="0"/>
+              </a:rPr>
+              <a:t>&gt;</a:t>
+            </a:r>
+          </a:p>
+          <a:p>
+            <a:r>
+              <a:rPr lang="en-US" altLang="zh-CN" sz="1600" dirty="0" smtClean="0">
+                <a:latin typeface="DejaVu Sans Mono" pitchFamily="49" charset="0"/>
+                <a:ea typeface="DejaVu Sans Mono" pitchFamily="49" charset="0"/>
+                <a:cs typeface="DejaVu Sans Mono" pitchFamily="49" charset="0"/>
+              </a:rPr>
+              <a:t>auto split_3args(</a:t>
+            </a:r>
+            <a:r>
+              <a:rPr lang="en-US" altLang="zh-CN" sz="1600" dirty="0" err="1" smtClean="0">
+                <a:latin typeface="DejaVu Sans Mono" pitchFamily="49" charset="0"/>
+                <a:ea typeface="DejaVu Sans Mono" pitchFamily="49" charset="0"/>
+                <a:cs typeface="DejaVu Sans Mono" pitchFamily="49" charset="0"/>
+              </a:rPr>
+              <a:t>Args</a:t>
+            </a:r>
+            <a:r>
+              <a:rPr lang="en-US" altLang="zh-CN" sz="1600" dirty="0" smtClean="0">
+                <a:latin typeface="DejaVu Sans Mono" pitchFamily="49" charset="0"/>
+                <a:ea typeface="DejaVu Sans Mono" pitchFamily="49" charset="0"/>
+                <a:cs typeface="DejaVu Sans Mono" pitchFamily="49" charset="0"/>
+              </a:rPr>
+              <a:t>&amp;&amp;... </a:t>
+            </a:r>
+            <a:r>
+              <a:rPr lang="en-US" altLang="zh-CN" sz="1600" dirty="0" err="1" smtClean="0">
+                <a:latin typeface="DejaVu Sans Mono" pitchFamily="49" charset="0"/>
+                <a:ea typeface="DejaVu Sans Mono" pitchFamily="49" charset="0"/>
+                <a:cs typeface="DejaVu Sans Mono" pitchFamily="49" charset="0"/>
+              </a:rPr>
+              <a:t>args</a:t>
+            </a:r>
+            <a:r>
+              <a:rPr lang="en-US" altLang="zh-CN" sz="1600" dirty="0" smtClean="0">
+                <a:latin typeface="DejaVu Sans Mono" pitchFamily="49" charset="0"/>
+                <a:ea typeface="DejaVu Sans Mono" pitchFamily="49" charset="0"/>
+                <a:cs typeface="DejaVu Sans Mono" pitchFamily="49" charset="0"/>
+              </a:rPr>
+              <a:t>){</a:t>
+            </a:r>
+          </a:p>
+          <a:p>
+            <a:r>
+              <a:rPr lang="en-US" altLang="zh-CN" sz="1600" dirty="0" smtClean="0">
+                <a:latin typeface="DejaVu Sans Mono" pitchFamily="49" charset="0"/>
+                <a:ea typeface="DejaVu Sans Mono" pitchFamily="49" charset="0"/>
+                <a:cs typeface="DejaVu Sans Mono" pitchFamily="49" charset="0"/>
+              </a:rPr>
+              <a:t>    auto </a:t>
+            </a:r>
+            <a:r>
+              <a:rPr lang="en-US" altLang="zh-CN" sz="1600" dirty="0" err="1" smtClean="0">
+                <a:latin typeface="DejaVu Sans Mono" pitchFamily="49" charset="0"/>
+                <a:ea typeface="DejaVu Sans Mono" pitchFamily="49" charset="0"/>
+                <a:cs typeface="DejaVu Sans Mono" pitchFamily="49" charset="0"/>
+              </a:rPr>
+              <a:t>tp</a:t>
+            </a:r>
+            <a:r>
+              <a:rPr lang="en-US" altLang="zh-CN" sz="1600" dirty="0" smtClean="0">
+                <a:latin typeface="DejaVu Sans Mono" pitchFamily="49" charset="0"/>
+                <a:ea typeface="DejaVu Sans Mono" pitchFamily="49" charset="0"/>
+                <a:cs typeface="DejaVu Sans Mono" pitchFamily="49" charset="0"/>
+              </a:rPr>
+              <a:t> = std::</a:t>
+            </a:r>
+            <a:r>
+              <a:rPr lang="en-US" altLang="zh-CN" sz="1600" dirty="0" err="1" smtClean="0">
+                <a:latin typeface="DejaVu Sans Mono" pitchFamily="49" charset="0"/>
+                <a:ea typeface="DejaVu Sans Mono" pitchFamily="49" charset="0"/>
+                <a:cs typeface="DejaVu Sans Mono" pitchFamily="49" charset="0"/>
+              </a:rPr>
+              <a:t>make_tuple</a:t>
+            </a:r>
+            <a:r>
+              <a:rPr lang="en-US" altLang="zh-CN" sz="1600" dirty="0" smtClean="0">
+                <a:latin typeface="DejaVu Sans Mono" pitchFamily="49" charset="0"/>
+                <a:ea typeface="DejaVu Sans Mono" pitchFamily="49" charset="0"/>
+                <a:cs typeface="DejaVu Sans Mono" pitchFamily="49" charset="0"/>
+              </a:rPr>
+              <a:t>(std::forward&lt;</a:t>
+            </a:r>
+            <a:r>
+              <a:rPr lang="en-US" altLang="zh-CN" sz="1600" dirty="0" err="1" smtClean="0">
+                <a:latin typeface="DejaVu Sans Mono" pitchFamily="49" charset="0"/>
+                <a:ea typeface="DejaVu Sans Mono" pitchFamily="49" charset="0"/>
+                <a:cs typeface="DejaVu Sans Mono" pitchFamily="49" charset="0"/>
+              </a:rPr>
+              <a:t>Args</a:t>
+            </a:r>
+            <a:r>
+              <a:rPr lang="en-US" altLang="zh-CN" sz="1600" dirty="0" smtClean="0">
+                <a:latin typeface="DejaVu Sans Mono" pitchFamily="49" charset="0"/>
+                <a:ea typeface="DejaVu Sans Mono" pitchFamily="49" charset="0"/>
+                <a:cs typeface="DejaVu Sans Mono" pitchFamily="49" charset="0"/>
+              </a:rPr>
+              <a:t>&gt;(</a:t>
+            </a:r>
+            <a:r>
+              <a:rPr lang="en-US" altLang="zh-CN" sz="1600" dirty="0" err="1" smtClean="0">
+                <a:latin typeface="DejaVu Sans Mono" pitchFamily="49" charset="0"/>
+                <a:ea typeface="DejaVu Sans Mono" pitchFamily="49" charset="0"/>
+                <a:cs typeface="DejaVu Sans Mono" pitchFamily="49" charset="0"/>
+              </a:rPr>
+              <a:t>args</a:t>
+            </a:r>
+            <a:r>
+              <a:rPr lang="en-US" altLang="zh-CN" sz="1600" dirty="0" smtClean="0">
+                <a:latin typeface="DejaVu Sans Mono" pitchFamily="49" charset="0"/>
+                <a:ea typeface="DejaVu Sans Mono" pitchFamily="49" charset="0"/>
+                <a:cs typeface="DejaVu Sans Mono" pitchFamily="49" charset="0"/>
+              </a:rPr>
+              <a:t>)...);</a:t>
+            </a:r>
+          </a:p>
+          <a:p>
+            <a:endParaRPr lang="en-US" altLang="zh-CN" sz="1600" dirty="0" smtClean="0">
+              <a:latin typeface="DejaVu Sans Mono" pitchFamily="49" charset="0"/>
+              <a:ea typeface="DejaVu Sans Mono" pitchFamily="49" charset="0"/>
+              <a:cs typeface="DejaVu Sans Mono" pitchFamily="49" charset="0"/>
+            </a:endParaRPr>
+          </a:p>
+          <a:p>
+            <a:r>
+              <a:rPr lang="en-US" altLang="zh-CN" sz="1600" dirty="0" smtClean="0">
+                <a:latin typeface="DejaVu Sans Mono" pitchFamily="49" charset="0"/>
+                <a:ea typeface="DejaVu Sans Mono" pitchFamily="49" charset="0"/>
+                <a:cs typeface="DejaVu Sans Mono" pitchFamily="49" charset="0"/>
+              </a:rPr>
+              <a:t>    return std::</a:t>
+            </a:r>
+            <a:r>
+              <a:rPr lang="en-US" altLang="zh-CN" sz="1600" dirty="0" err="1" smtClean="0">
+                <a:latin typeface="DejaVu Sans Mono" pitchFamily="49" charset="0"/>
+                <a:ea typeface="DejaVu Sans Mono" pitchFamily="49" charset="0"/>
+                <a:cs typeface="DejaVu Sans Mono" pitchFamily="49" charset="0"/>
+              </a:rPr>
+              <a:t>make_tuple</a:t>
+            </a:r>
+            <a:r>
+              <a:rPr lang="en-US" altLang="zh-CN" sz="1600" dirty="0" smtClean="0">
+                <a:latin typeface="DejaVu Sans Mono" pitchFamily="49" charset="0"/>
+                <a:ea typeface="DejaVu Sans Mono" pitchFamily="49" charset="0"/>
+                <a:cs typeface="DejaVu Sans Mono" pitchFamily="49" charset="0"/>
+              </a:rPr>
+              <a:t>(std::get&lt;0&gt;(</a:t>
+            </a:r>
+            <a:r>
+              <a:rPr lang="en-US" altLang="zh-CN" sz="1600" dirty="0" err="1" smtClean="0">
+                <a:latin typeface="DejaVu Sans Mono" pitchFamily="49" charset="0"/>
+                <a:ea typeface="DejaVu Sans Mono" pitchFamily="49" charset="0"/>
+                <a:cs typeface="DejaVu Sans Mono" pitchFamily="49" charset="0"/>
+              </a:rPr>
+              <a:t>tp</a:t>
+            </a:r>
+            <a:r>
+              <a:rPr lang="en-US" altLang="zh-CN" sz="1600" dirty="0" smtClean="0">
+                <a:latin typeface="DejaVu Sans Mono" pitchFamily="49" charset="0"/>
+                <a:ea typeface="DejaVu Sans Mono" pitchFamily="49" charset="0"/>
+                <a:cs typeface="DejaVu Sans Mono" pitchFamily="49" charset="0"/>
+              </a:rPr>
+              <a:t>), std::get&lt;1&gt;(</a:t>
+            </a:r>
+            <a:r>
+              <a:rPr lang="en-US" altLang="zh-CN" sz="1600" dirty="0" err="1" smtClean="0">
+                <a:latin typeface="DejaVu Sans Mono" pitchFamily="49" charset="0"/>
+                <a:ea typeface="DejaVu Sans Mono" pitchFamily="49" charset="0"/>
+                <a:cs typeface="DejaVu Sans Mono" pitchFamily="49" charset="0"/>
+              </a:rPr>
+              <a:t>tp</a:t>
+            </a:r>
+            <a:r>
+              <a:rPr lang="en-US" altLang="zh-CN" sz="1600" dirty="0" smtClean="0">
+                <a:latin typeface="DejaVu Sans Mono" pitchFamily="49" charset="0"/>
+                <a:ea typeface="DejaVu Sans Mono" pitchFamily="49" charset="0"/>
+                <a:cs typeface="DejaVu Sans Mono" pitchFamily="49" charset="0"/>
+              </a:rPr>
+              <a:t>), std::get&lt;2&gt;(</a:t>
+            </a:r>
+            <a:r>
+              <a:rPr lang="en-US" altLang="zh-CN" sz="1600" dirty="0" err="1" smtClean="0">
+                <a:latin typeface="DejaVu Sans Mono" pitchFamily="49" charset="0"/>
+                <a:ea typeface="DejaVu Sans Mono" pitchFamily="49" charset="0"/>
+                <a:cs typeface="DejaVu Sans Mono" pitchFamily="49" charset="0"/>
+              </a:rPr>
+              <a:t>tp</a:t>
+            </a:r>
+            <a:r>
+              <a:rPr lang="en-US" altLang="zh-CN" sz="1600" dirty="0" smtClean="0">
+                <a:latin typeface="DejaVu Sans Mono" pitchFamily="49" charset="0"/>
+                <a:ea typeface="DejaVu Sans Mono" pitchFamily="49" charset="0"/>
+                <a:cs typeface="DejaVu Sans Mono" pitchFamily="49" charset="0"/>
+              </a:rPr>
+              <a:t>));</a:t>
+            </a:r>
+          </a:p>
+          <a:p>
+            <a:r>
+              <a:rPr lang="en-US" altLang="zh-CN" sz="1600" dirty="0" smtClean="0">
+                <a:latin typeface="DejaVu Sans Mono" pitchFamily="49" charset="0"/>
+                <a:ea typeface="DejaVu Sans Mono" pitchFamily="49" charset="0"/>
+                <a:cs typeface="DejaVu Sans Mono" pitchFamily="49" charset="0"/>
+              </a:rPr>
+              <a:t>}</a:t>
+            </a:r>
+            <a:endParaRPr lang="zh-CN" altLang="en-US" sz="1600" dirty="0">
               <a:latin typeface="DejaVu Sans Mono" pitchFamily="49" charset="0"/>
               <a:cs typeface="DejaVu Sans Mono" pitchFamily="49" charset="0"/>
             </a:endParaRPr>
@@ -16189,14 +16371,14 @@
       </p:sp>
       <p:sp>
         <p:nvSpPr>
-          <p:cNvPr id="6" name="矩形 5"/>
+          <p:cNvPr id="5" name="矩形 4"/>
           <p:cNvSpPr/>
           <p:nvPr/>
         </p:nvSpPr>
         <p:spPr>
           <a:xfrm>
-            <a:off x="390698" y="2864766"/>
-            <a:ext cx="5602778" cy="646331"/>
+            <a:off x="523701" y="3804104"/>
+            <a:ext cx="7365077" cy="584775"/>
           </a:xfrm>
           <a:prstGeom prst="rect">
             <a:avLst/>
@@ -16209,15 +16391,25 @@
           <a:lstStyle/>
           <a:p>
             <a:r>
-              <a:rPr lang="en-US" altLang="zh-CN" dirty="0" smtClean="0">
-                <a:latin typeface="DejaVu Sans Mono" pitchFamily="49" charset="0"/>
-                <a:ea typeface="DejaVu Sans Mono" pitchFamily="49" charset="0"/>
-                <a:cs typeface="DejaVu Sans Mono" pitchFamily="49" charset="0"/>
-              </a:rPr>
-              <a:t> std::</a:t>
-            </a:r>
-            <a:r>
-              <a:rPr lang="en-US" altLang="zh-CN" dirty="0" err="1" smtClean="0">
+              <a:rPr lang="en-US" altLang="zh-CN" sz="1600" dirty="0" smtClean="0">
+                <a:latin typeface="DejaVu Sans Mono" pitchFamily="49" charset="0"/>
+                <a:ea typeface="DejaVu Sans Mono" pitchFamily="49" charset="0"/>
+                <a:cs typeface="DejaVu Sans Mono" pitchFamily="49" charset="0"/>
+              </a:rPr>
+              <a:t>auto t = split_3args(1, 2.5, "test", '1');</a:t>
+            </a:r>
+          </a:p>
+          <a:p>
+            <a:r>
+              <a:rPr lang="en-US" altLang="zh-CN" sz="1600" dirty="0" smtClean="0">
+                <a:latin typeface="DejaVu Sans Mono" pitchFamily="49" charset="0"/>
+                <a:ea typeface="DejaVu Sans Mono" pitchFamily="49" charset="0"/>
+                <a:cs typeface="DejaVu Sans Mono" pitchFamily="49" charset="0"/>
+              </a:rPr>
+              <a:t> //</a:t>
+            </a:r>
+            <a:r>
+              <a:rPr lang="en-US" altLang="zh-CN" sz="1600" dirty="0" err="1" smtClean="0">
                 <a:latin typeface="DejaVu Sans Mono" pitchFamily="49" charset="0"/>
                 <a:ea typeface="DejaVu Sans Mono" pitchFamily="49" charset="0"/>
                 <a:cs typeface="DejaVu Sans Mono" pitchFamily="49" charset="0"/>
@@ -16225,74 +16417,15 @@
               <a:t>tuple</a:t>
             </a:r>
             <a:r>
-              <a:rPr lang="en-US" altLang="zh-CN" dirty="0" smtClean="0">
-                <a:latin typeface="DejaVu Sans Mono" pitchFamily="49" charset="0"/>
-                <a:ea typeface="DejaVu Sans Mono" pitchFamily="49" charset="0"/>
-                <a:cs typeface="DejaVu Sans Mono" pitchFamily="49" charset="0"/>
-              </a:rPr>
-              <a:t>&lt;</a:t>
-            </a:r>
-            <a:r>
-              <a:rPr lang="en-US" altLang="zh-CN" dirty="0" err="1" smtClean="0">
-                <a:latin typeface="DejaVu Sans Mono" pitchFamily="49" charset="0"/>
-                <a:ea typeface="DejaVu Sans Mono" pitchFamily="49" charset="0"/>
-                <a:cs typeface="DejaVu Sans Mono" pitchFamily="49" charset="0"/>
-              </a:rPr>
-              <a:t>int</a:t>
-            </a:r>
-            <a:r>
-              <a:rPr lang="en-US" altLang="zh-CN" dirty="0" smtClean="0">
-                <a:latin typeface="DejaVu Sans Mono" pitchFamily="49" charset="0"/>
-                <a:ea typeface="DejaVu Sans Mono" pitchFamily="49" charset="0"/>
-                <a:cs typeface="DejaVu Sans Mono" pitchFamily="49" charset="0"/>
-              </a:rPr>
-              <a:t>, double&gt; </a:t>
-            </a:r>
-            <a:r>
-              <a:rPr lang="en-US" altLang="zh-CN" dirty="0" err="1" smtClean="0">
-                <a:latin typeface="DejaVu Sans Mono" pitchFamily="49" charset="0"/>
-                <a:ea typeface="DejaVu Sans Mono" pitchFamily="49" charset="0"/>
-                <a:cs typeface="DejaVu Sans Mono" pitchFamily="49" charset="0"/>
-              </a:rPr>
-              <a:t>tp</a:t>
-            </a:r>
-            <a:r>
-              <a:rPr lang="en-US" altLang="zh-CN" dirty="0" smtClean="0">
-                <a:latin typeface="DejaVu Sans Mono" pitchFamily="49" charset="0"/>
-                <a:ea typeface="DejaVu Sans Mono" pitchFamily="49" charset="0"/>
-                <a:cs typeface="DejaVu Sans Mono" pitchFamily="49" charset="0"/>
-              </a:rPr>
-              <a:t>(1, 2.5);</a:t>
-            </a:r>
-          </a:p>
-          <a:p>
-            <a:r>
-              <a:rPr lang="en-US" altLang="zh-CN" dirty="0" smtClean="0">
-                <a:latin typeface="DejaVu Sans Mono" pitchFamily="49" charset="0"/>
-                <a:ea typeface="DejaVu Sans Mono" pitchFamily="49" charset="0"/>
-                <a:cs typeface="DejaVu Sans Mono" pitchFamily="49" charset="0"/>
-              </a:rPr>
-              <a:t> auto [a, b] = </a:t>
-            </a:r>
-            <a:r>
-              <a:rPr lang="en-US" altLang="zh-CN" dirty="0" err="1" smtClean="0">
-                <a:latin typeface="DejaVu Sans Mono" pitchFamily="49" charset="0"/>
-                <a:ea typeface="DejaVu Sans Mono" pitchFamily="49" charset="0"/>
-                <a:cs typeface="DejaVu Sans Mono" pitchFamily="49" charset="0"/>
-              </a:rPr>
-              <a:t>tp</a:t>
-            </a:r>
-            <a:r>
-              <a:rPr lang="en-US" altLang="zh-CN" dirty="0" smtClean="0">
-                <a:latin typeface="DejaVu Sans Mono" pitchFamily="49" charset="0"/>
-                <a:ea typeface="DejaVu Sans Mono" pitchFamily="49" charset="0"/>
-                <a:cs typeface="DejaVu Sans Mono" pitchFamily="49" charset="0"/>
-              </a:rPr>
-              <a:t>;</a:t>
-            </a:r>
-            <a:endParaRPr lang="zh-CN" altLang="en-US" dirty="0" smtClean="0">
+              <a:rPr lang="en-US" altLang="zh-CN" sz="1600" dirty="0" smtClean="0">
+                <a:latin typeface="DejaVu Sans Mono" pitchFamily="49" charset="0"/>
+                <a:ea typeface="DejaVu Sans Mono" pitchFamily="49" charset="0"/>
+                <a:cs typeface="DejaVu Sans Mono" pitchFamily="49" charset="0"/>
+              </a:rPr>
+              <a:t>(1, 2.5, "test")</a:t>
+            </a:r>
+            <a:endParaRPr lang="zh-CN" altLang="en-US" sz="1600" dirty="0">
               <a:latin typeface="DejaVu Sans Mono" pitchFamily="49" charset="0"/>
-              <a:ea typeface="DejaVu Sans Mono" pitchFamily="49" charset="0"/>
               <a:cs typeface="DejaVu Sans Mono" pitchFamily="49" charset="0"/>
             </a:endParaRPr>
           </a:p>
@@ -16382,18 +16515,6 @@
           <a:bodyPr/>
           <a:lstStyle/>
           <a:p>
-            <a:r>
-              <a:rPr lang="zh-CN" altLang="en-US" dirty="0" smtClean="0"/>
-              <a:t>分割一个定长的</a:t>
-            </a:r>
-            <a:r>
-              <a:rPr lang="en-US" altLang="zh-CN" dirty="0" err="1" smtClean="0"/>
-              <a:t>variadic</a:t>
-            </a:r>
-            <a:r>
-              <a:rPr lang="en-US" altLang="zh-CN" dirty="0" smtClean="0"/>
-              <a:t> template</a:t>
-            </a:r>
             <a:endParaRPr lang="zh-CN" altLang="en-US" dirty="0"/>
           </a:p>
         </p:txBody>
@@ -16406,8 +16527,8 @@
         </p:nvSpPr>
         <p:spPr>
           <a:xfrm>
-            <a:off x="507077" y="1825950"/>
-            <a:ext cx="7830589" cy="1846659"/>
+            <a:off x="689957" y="3776487"/>
+            <a:ext cx="7448204" cy="923330"/>
           </a:xfrm>
           <a:prstGeom prst="rect">
             <a:avLst/>
@@ -16420,115 +16541,25 @@
           <a:lstStyle/>
           <a:p>
             <a:r>
-              <a:rPr lang="en-US" altLang="zh-CN" sz="1600" dirty="0" smtClean="0">
-                <a:latin typeface="DejaVu Sans Mono" pitchFamily="49" charset="0"/>
-                <a:ea typeface="DejaVu Sans Mono" pitchFamily="49" charset="0"/>
-                <a:cs typeface="DejaVu Sans Mono" pitchFamily="49" charset="0"/>
-              </a:rPr>
-              <a:t>template&lt;</a:t>
-            </a:r>
-            <a:r>
-              <a:rPr lang="en-US" altLang="zh-CN" sz="1600" dirty="0" err="1" smtClean="0">
-                <a:latin typeface="DejaVu Sans Mono" pitchFamily="49" charset="0"/>
-                <a:ea typeface="DejaVu Sans Mono" pitchFamily="49" charset="0"/>
-                <a:cs typeface="DejaVu Sans Mono" pitchFamily="49" charset="0"/>
-              </a:rPr>
-              <a:t>typename</a:t>
-            </a:r>
-            <a:r>
-              <a:rPr lang="en-US" altLang="zh-CN" sz="1600" dirty="0" smtClean="0">
-                <a:latin typeface="DejaVu Sans Mono" pitchFamily="49" charset="0"/>
-                <a:ea typeface="DejaVu Sans Mono" pitchFamily="49" charset="0"/>
-                <a:cs typeface="DejaVu Sans Mono" pitchFamily="49" charset="0"/>
-              </a:rPr>
-              <a:t>... </a:t>
-            </a:r>
-            <a:r>
-              <a:rPr lang="en-US" altLang="zh-CN" sz="1600" dirty="0" err="1" smtClean="0">
-                <a:latin typeface="DejaVu Sans Mono" pitchFamily="49" charset="0"/>
-                <a:ea typeface="DejaVu Sans Mono" pitchFamily="49" charset="0"/>
-                <a:cs typeface="DejaVu Sans Mono" pitchFamily="49" charset="0"/>
-              </a:rPr>
-              <a:t>Args</a:t>
-            </a:r>
-            <a:r>
-              <a:rPr lang="en-US" altLang="zh-CN" sz="1600" dirty="0" smtClean="0">
-                <a:latin typeface="DejaVu Sans Mono" pitchFamily="49" charset="0"/>
-                <a:ea typeface="DejaVu Sans Mono" pitchFamily="49" charset="0"/>
-                <a:cs typeface="DejaVu Sans Mono" pitchFamily="49" charset="0"/>
-              </a:rPr>
-              <a:t>&gt;</a:t>
-            </a:r>
-          </a:p>
-          <a:p>
-            <a:r>
-              <a:rPr lang="en-US" altLang="zh-CN" sz="1600" dirty="0" smtClean="0">
-                <a:latin typeface="DejaVu Sans Mono" pitchFamily="49" charset="0"/>
-                <a:ea typeface="DejaVu Sans Mono" pitchFamily="49" charset="0"/>
-                <a:cs typeface="DejaVu Sans Mono" pitchFamily="49" charset="0"/>
-              </a:rPr>
-              <a:t>auto split_3args(</a:t>
-            </a:r>
-            <a:r>
-              <a:rPr lang="en-US" altLang="zh-CN" sz="1600" dirty="0" err="1" smtClean="0">
-                <a:latin typeface="DejaVu Sans Mono" pitchFamily="49" charset="0"/>
-                <a:ea typeface="DejaVu Sans Mono" pitchFamily="49" charset="0"/>
-                <a:cs typeface="DejaVu Sans Mono" pitchFamily="49" charset="0"/>
-              </a:rPr>
-              <a:t>Args</a:t>
-            </a:r>
-            <a:r>
-              <a:rPr lang="en-US" altLang="zh-CN" sz="1600" dirty="0" smtClean="0">
-                <a:latin typeface="DejaVu Sans Mono" pitchFamily="49" charset="0"/>
-                <a:ea typeface="DejaVu Sans Mono" pitchFamily="49" charset="0"/>
-                <a:cs typeface="DejaVu Sans Mono" pitchFamily="49" charset="0"/>
-              </a:rPr>
-              <a:t>&amp;&amp;... </a:t>
-            </a:r>
-            <a:r>
-              <a:rPr lang="en-US" altLang="zh-CN" sz="1600" dirty="0" err="1" smtClean="0">
-                <a:latin typeface="DejaVu Sans Mono" pitchFamily="49" charset="0"/>
-                <a:ea typeface="DejaVu Sans Mono" pitchFamily="49" charset="0"/>
-                <a:cs typeface="DejaVu Sans Mono" pitchFamily="49" charset="0"/>
-              </a:rPr>
-              <a:t>args</a:t>
-            </a:r>
-            <a:r>
-              <a:rPr lang="en-US" altLang="zh-CN" sz="1600" dirty="0" smtClean="0">
-                <a:latin typeface="DejaVu Sans Mono" pitchFamily="49" charset="0"/>
-                <a:ea typeface="DejaVu Sans Mono" pitchFamily="49" charset="0"/>
-                <a:cs typeface="DejaVu Sans Mono" pitchFamily="49" charset="0"/>
-              </a:rPr>
-              <a:t>){</a:t>
-            </a:r>
-          </a:p>
-          <a:p>
-            <a:r>
-              <a:rPr lang="en-US" altLang="zh-CN" sz="1600" dirty="0" smtClean="0">
-                <a:latin typeface="DejaVu Sans Mono" pitchFamily="49" charset="0"/>
-                <a:ea typeface="DejaVu Sans Mono" pitchFamily="49" charset="0"/>
-                <a:cs typeface="DejaVu Sans Mono" pitchFamily="49" charset="0"/>
-              </a:rPr>
-              <a:t>    auto </a:t>
-            </a:r>
-            <a:r>
-              <a:rPr lang="en-US" altLang="zh-CN" sz="1600" dirty="0" err="1" smtClean="0">
-                <a:latin typeface="DejaVu Sans Mono" pitchFamily="49" charset="0"/>
-                <a:ea typeface="DejaVu Sans Mono" pitchFamily="49" charset="0"/>
-                <a:cs typeface="DejaVu Sans Mono" pitchFamily="49" charset="0"/>
-              </a:rPr>
-              <a:t>tp</a:t>
-            </a:r>
-            <a:r>
-              <a:rPr lang="en-US" altLang="zh-CN" sz="1600" dirty="0" smtClean="0">
-                <a:latin typeface="DejaVu Sans Mono" pitchFamily="49" charset="0"/>
-                <a:ea typeface="DejaVu Sans Mono" pitchFamily="49" charset="0"/>
-                <a:cs typeface="DejaVu Sans Mono" pitchFamily="49" charset="0"/>
-              </a:rPr>
-              <a:t> = std::</a:t>
-            </a:r>
-            <a:r>
-              <a:rPr lang="en-US" altLang="zh-CN" sz="1600" dirty="0" err="1" smtClean="0">
+              <a:rPr lang="en-US" altLang="zh-CN" dirty="0" smtClean="0">
+                <a:latin typeface="DejaVu Sans Mono" pitchFamily="49" charset="0"/>
+                <a:ea typeface="DejaVu Sans Mono" pitchFamily="49" charset="0"/>
+                <a:cs typeface="DejaVu Sans Mono" pitchFamily="49" charset="0"/>
+              </a:rPr>
+              <a:t>auto split_3args(auto a, auto b, auto c, auto d){</a:t>
+            </a:r>
+          </a:p>
+          <a:p>
+            <a:r>
+              <a:rPr lang="en-US" altLang="zh-CN" dirty="0" smtClean="0">
+                <a:latin typeface="DejaVu Sans Mono" pitchFamily="49" charset="0"/>
+                <a:ea typeface="DejaVu Sans Mono" pitchFamily="49" charset="0"/>
+                <a:cs typeface="DejaVu Sans Mono" pitchFamily="49" charset="0"/>
+              </a:rPr>
+              <a:t>    return std::</a:t>
+            </a:r>
+            <a:r>
+              <a:rPr lang="en-US" altLang="zh-CN" dirty="0" err="1" smtClean="0">
                 <a:latin typeface="DejaVu Sans Mono" pitchFamily="49" charset="0"/>
                 <a:ea typeface="DejaVu Sans Mono" pitchFamily="49" charset="0"/>
                 <a:cs typeface="DejaVu Sans Mono" pitchFamily="49" charset="0"/>
@@ -16536,137 +16567,24 @@
               <a:t>make_tuple</a:t>
             </a:r>
             <a:r>
-              <a:rPr lang="en-US" altLang="zh-CN" sz="1600" dirty="0" smtClean="0">
-                <a:latin typeface="DejaVu Sans Mono" pitchFamily="49" charset="0"/>
-                <a:ea typeface="DejaVu Sans Mono" pitchFamily="49" charset="0"/>
-                <a:cs typeface="DejaVu Sans Mono" pitchFamily="49" charset="0"/>
-              </a:rPr>
-              <a:t>(std::forward&lt;</a:t>
-            </a:r>
-            <a:r>
-              <a:rPr lang="en-US" altLang="zh-CN" sz="1600" dirty="0" err="1" smtClean="0">
-                <a:latin typeface="DejaVu Sans Mono" pitchFamily="49" charset="0"/>
-                <a:ea typeface="DejaVu Sans Mono" pitchFamily="49" charset="0"/>
-                <a:cs typeface="DejaVu Sans Mono" pitchFamily="49" charset="0"/>
-              </a:rPr>
-              <a:t>Args</a:t>
-            </a:r>
-            <a:r>
-              <a:rPr lang="en-US" altLang="zh-CN" sz="1600" dirty="0" smtClean="0">
-                <a:latin typeface="DejaVu Sans Mono" pitchFamily="49" charset="0"/>
-                <a:ea typeface="DejaVu Sans Mono" pitchFamily="49" charset="0"/>
-                <a:cs typeface="DejaVu Sans Mono" pitchFamily="49" charset="0"/>
-              </a:rPr>
-              <a:t>&gt;(</a:t>
-            </a:r>
-            <a:r>
-              <a:rPr lang="en-US" altLang="zh-CN" sz="1600" dirty="0" err="1" smtClean="0">
-                <a:latin typeface="DejaVu Sans Mono" pitchFamily="49" charset="0"/>
-                <a:ea typeface="DejaVu Sans Mono" pitchFamily="49" charset="0"/>
-                <a:cs typeface="DejaVu Sans Mono" pitchFamily="49" charset="0"/>
-              </a:rPr>
-              <a:t>args</a:t>
-            </a:r>
-            <a:r>
-              <a:rPr lang="en-US" altLang="zh-CN" sz="1600" dirty="0" smtClean="0">
-                <a:latin typeface="DejaVu Sans Mono" pitchFamily="49" charset="0"/>
-                <a:ea typeface="DejaVu Sans Mono" pitchFamily="49" charset="0"/>
-                <a:cs typeface="DejaVu Sans Mono" pitchFamily="49" charset="0"/>
-              </a:rPr>
-              <a:t>)...);</a:t>
-            </a:r>
-          </a:p>
-          <a:p>
-            <a:endParaRPr lang="en-US" altLang="zh-CN" sz="1600" dirty="0" smtClean="0">
-              <a:latin typeface="DejaVu Sans Mono" pitchFamily="49" charset="0"/>
-              <a:ea typeface="DejaVu Sans Mono" pitchFamily="49" charset="0"/>
-              <a:cs typeface="DejaVu Sans Mono" pitchFamily="49" charset="0"/>
-            </a:endParaRPr>
-          </a:p>
-          <a:p>
-            <a:r>
-              <a:rPr lang="en-US" altLang="zh-CN" sz="1600" dirty="0" smtClean="0">
-                <a:latin typeface="DejaVu Sans Mono" pitchFamily="49" charset="0"/>
-                <a:ea typeface="DejaVu Sans Mono" pitchFamily="49" charset="0"/>
-                <a:cs typeface="DejaVu Sans Mono" pitchFamily="49" charset="0"/>
-              </a:rPr>
-              <a:t>    return std::</a:t>
-            </a:r>
-            <a:r>
-              <a:rPr lang="en-US" altLang="zh-CN" sz="1600" dirty="0" err="1" smtClean="0">
-                <a:latin typeface="DejaVu Sans Mono" pitchFamily="49" charset="0"/>
-                <a:ea typeface="DejaVu Sans Mono" pitchFamily="49" charset="0"/>
-                <a:cs typeface="DejaVu Sans Mono" pitchFamily="49" charset="0"/>
-              </a:rPr>
-              <a:t>make_tuple</a:t>
-            </a:r>
-            <a:r>
-              <a:rPr lang="en-US" altLang="zh-CN" sz="1600" dirty="0" smtClean="0">
-                <a:latin typeface="DejaVu Sans Mono" pitchFamily="49" charset="0"/>
-                <a:ea typeface="DejaVu Sans Mono" pitchFamily="49" charset="0"/>
-                <a:cs typeface="DejaVu Sans Mono" pitchFamily="49" charset="0"/>
-              </a:rPr>
-              <a:t>(std::get&lt;0&gt;(</a:t>
-            </a:r>
-            <a:r>
-              <a:rPr lang="en-US" altLang="zh-CN" sz="1600" dirty="0" err="1" smtClean="0">
-                <a:latin typeface="DejaVu Sans Mono" pitchFamily="49" charset="0"/>
-                <a:ea typeface="DejaVu Sans Mono" pitchFamily="49" charset="0"/>
-                <a:cs typeface="DejaVu Sans Mono" pitchFamily="49" charset="0"/>
-              </a:rPr>
-              <a:t>tp</a:t>
-            </a:r>
-            <a:r>
-              <a:rPr lang="en-US" altLang="zh-CN" sz="1600" dirty="0" smtClean="0">
-                <a:latin typeface="DejaVu Sans Mono" pitchFamily="49" charset="0"/>
-                <a:ea typeface="DejaVu Sans Mono" pitchFamily="49" charset="0"/>
-                <a:cs typeface="DejaVu Sans Mono" pitchFamily="49" charset="0"/>
-              </a:rPr>
-              <a:t>), std::get&lt;1&gt;(</a:t>
-            </a:r>
-            <a:r>
-              <a:rPr lang="en-US" altLang="zh-CN" sz="1600" dirty="0" err="1" smtClean="0">
-                <a:latin typeface="DejaVu Sans Mono" pitchFamily="49" charset="0"/>
-                <a:ea typeface="DejaVu Sans Mono" pitchFamily="49" charset="0"/>
-                <a:cs typeface="DejaVu Sans Mono" pitchFamily="49" charset="0"/>
-              </a:rPr>
-              <a:t>tp</a:t>
-            </a:r>
-            <a:r>
-              <a:rPr lang="en-US" altLang="zh-CN" sz="1600" dirty="0" smtClean="0">
-                <a:latin typeface="DejaVu Sans Mono" pitchFamily="49" charset="0"/>
-                <a:ea typeface="DejaVu Sans Mono" pitchFamily="49" charset="0"/>
-                <a:cs typeface="DejaVu Sans Mono" pitchFamily="49" charset="0"/>
-              </a:rPr>
-              <a:t>), std::get&lt;2&gt;(</a:t>
-            </a:r>
-            <a:r>
-              <a:rPr lang="en-US" altLang="zh-CN" sz="1600" dirty="0" err="1" smtClean="0">
-                <a:latin typeface="DejaVu Sans Mono" pitchFamily="49" charset="0"/>
-                <a:ea typeface="DejaVu Sans Mono" pitchFamily="49" charset="0"/>
-                <a:cs typeface="DejaVu Sans Mono" pitchFamily="49" charset="0"/>
-              </a:rPr>
-              <a:t>tp</a:t>
-            </a:r>
-            <a:r>
-              <a:rPr lang="en-US" altLang="zh-CN" sz="1600" dirty="0" smtClean="0">
-                <a:latin typeface="DejaVu Sans Mono" pitchFamily="49" charset="0"/>
-                <a:ea typeface="DejaVu Sans Mono" pitchFamily="49" charset="0"/>
-                <a:cs typeface="DejaVu Sans Mono" pitchFamily="49" charset="0"/>
-              </a:rPr>
-              <a:t>));</a:t>
-            </a:r>
-          </a:p>
-          <a:p>
-            <a:r>
-              <a:rPr lang="en-US" altLang="zh-CN" sz="1600" dirty="0" smtClean="0">
+              <a:rPr lang="en-US" altLang="zh-CN" dirty="0" smtClean="0">
+                <a:latin typeface="DejaVu Sans Mono" pitchFamily="49" charset="0"/>
+                <a:ea typeface="DejaVu Sans Mono" pitchFamily="49" charset="0"/>
+                <a:cs typeface="DejaVu Sans Mono" pitchFamily="49" charset="0"/>
+              </a:rPr>
+              <a:t>(a, b, c);</a:t>
+            </a:r>
+          </a:p>
+          <a:p>
+            <a:r>
+              <a:rPr lang="en-US" altLang="zh-CN" dirty="0" smtClean="0">
                 <a:latin typeface="DejaVu Sans Mono" pitchFamily="49" charset="0"/>
                 <a:ea typeface="DejaVu Sans Mono" pitchFamily="49" charset="0"/>
                 <a:cs typeface="DejaVu Sans Mono" pitchFamily="49" charset="0"/>
               </a:rPr>
               <a:t>}</a:t>
             </a:r>
-            <a:endParaRPr lang="zh-CN" altLang="en-US" sz="1600" dirty="0">
+            <a:endParaRPr lang="zh-CN" altLang="en-US" dirty="0">
               <a:latin typeface="DejaVu Sans Mono" pitchFamily="49" charset="0"/>
               <a:cs typeface="DejaVu Sans Mono" pitchFamily="49" charset="0"/>
             </a:endParaRPr>
@@ -16681,8 +16599,8 @@
         </p:nvSpPr>
         <p:spPr>
           <a:xfrm>
-            <a:off x="523701" y="3804104"/>
-            <a:ext cx="7365077" cy="584775"/>
+            <a:off x="706582" y="1715068"/>
+            <a:ext cx="7390015" cy="1569660"/>
           </a:xfrm>
           <a:prstGeom prst="rect">
             <a:avLst/>
@@ -16700,17 +16618,23 @@
                 <a:ea typeface="DejaVu Sans Mono" pitchFamily="49" charset="0"/>
                 <a:cs typeface="DejaVu Sans Mono" pitchFamily="49" charset="0"/>
               </a:rPr>
-              <a:t>auto t = split_3args(1, 2.5, "test", '1');</a:t>
-            </a:r>
-          </a:p>
-          <a:p>
+              <a:t>template&lt;</a:t>
+            </a:r>
+            <a:r>
+              <a:rPr lang="en-US" altLang="zh-CN" sz="1600" dirty="0" err="1" smtClean="0">
+                <a:latin typeface="DejaVu Sans Mono" pitchFamily="49" charset="0"/>
+                <a:ea typeface="DejaVu Sans Mono" pitchFamily="49" charset="0"/>
+                <a:cs typeface="DejaVu Sans Mono" pitchFamily="49" charset="0"/>
+              </a:rPr>
+              <a:t>typename</a:t>
+            </a:r>
             <a:r>
               <a:rPr lang="en-US" altLang="zh-CN" sz="1600" dirty="0" smtClean="0">
                 <a:latin typeface="DejaVu Sans Mono" pitchFamily="49" charset="0"/>
                 <a:ea typeface="DejaVu Sans Mono" pitchFamily="49" charset="0"/>
                 <a:cs typeface="DejaVu Sans Mono" pitchFamily="49" charset="0"/>
               </a:rPr>
-              <a:t> //</a:t>
+              <a:t>... </a:t>
             </a:r>
             <a:r>
               <a:rPr lang="en-US" altLang="zh-CN" sz="1600" dirty="0" err="1" smtClean="0">
@@ -16718,7 +16642,7 @@
                 <a:ea typeface="DejaVu Sans Mono" pitchFamily="49" charset="0"/>
                 <a:cs typeface="DejaVu Sans Mono" pitchFamily="49" charset="0"/>
               </a:rPr>
-              <a:t>tuple</a:t>
+              <a:t>Args</a:t>
             </a:r>
             <a:r>
               <a:rPr lang="en-US" altLang="zh-CN" sz="1600" dirty="0" smtClean="0">
@@ -16726,7 +16650,201 @@
                 <a:ea typeface="DejaVu Sans Mono" pitchFamily="49" charset="0"/>
                 <a:cs typeface="DejaVu Sans Mono" pitchFamily="49" charset="0"/>
               </a:rPr>
-              <a:t>(1, 2.5, "test")</a:t>
+              <a:t>&gt;</a:t>
+            </a:r>
+          </a:p>
+          <a:p>
+            <a:r>
+              <a:rPr lang="en-US" altLang="zh-CN" sz="1600" dirty="0" smtClean="0">
+                <a:latin typeface="DejaVu Sans Mono" pitchFamily="49" charset="0"/>
+                <a:ea typeface="DejaVu Sans Mono" pitchFamily="49" charset="0"/>
+                <a:cs typeface="DejaVu Sans Mono" pitchFamily="49" charset="0"/>
+              </a:rPr>
+              <a:t>auto split_3args(</a:t>
+            </a:r>
+            <a:r>
+              <a:rPr lang="en-US" altLang="zh-CN" sz="1600" dirty="0" err="1" smtClean="0">
+                <a:latin typeface="DejaVu Sans Mono" pitchFamily="49" charset="0"/>
+                <a:ea typeface="DejaVu Sans Mono" pitchFamily="49" charset="0"/>
+                <a:cs typeface="DejaVu Sans Mono" pitchFamily="49" charset="0"/>
+              </a:rPr>
+              <a:t>Args</a:t>
+            </a:r>
+            <a:r>
+              <a:rPr lang="en-US" altLang="zh-CN" sz="1600" dirty="0" smtClean="0">
+                <a:latin typeface="DejaVu Sans Mono" pitchFamily="49" charset="0"/>
+                <a:ea typeface="DejaVu Sans Mono" pitchFamily="49" charset="0"/>
+                <a:cs typeface="DejaVu Sans Mono" pitchFamily="49" charset="0"/>
+              </a:rPr>
+              <a:t>&amp;&amp;... </a:t>
+            </a:r>
+            <a:r>
+              <a:rPr lang="en-US" altLang="zh-CN" sz="1600" dirty="0" err="1" smtClean="0">
+                <a:latin typeface="DejaVu Sans Mono" pitchFamily="49" charset="0"/>
+                <a:ea typeface="DejaVu Sans Mono" pitchFamily="49" charset="0"/>
+                <a:cs typeface="DejaVu Sans Mono" pitchFamily="49" charset="0"/>
+              </a:rPr>
+              <a:t>args</a:t>
+            </a:r>
+            <a:r>
+              <a:rPr lang="en-US" altLang="zh-CN" sz="1600" dirty="0" smtClean="0">
+                <a:latin typeface="DejaVu Sans Mono" pitchFamily="49" charset="0"/>
+                <a:ea typeface="DejaVu Sans Mono" pitchFamily="49" charset="0"/>
+                <a:cs typeface="DejaVu Sans Mono" pitchFamily="49" charset="0"/>
+              </a:rPr>
+              <a:t>){</a:t>
+            </a:r>
+          </a:p>
+          <a:p>
+            <a:r>
+              <a:rPr lang="en-US" altLang="zh-CN" sz="1600" dirty="0" smtClean="0">
+                <a:latin typeface="DejaVu Sans Mono" pitchFamily="49" charset="0"/>
+                <a:ea typeface="DejaVu Sans Mono" pitchFamily="49" charset="0"/>
+                <a:cs typeface="DejaVu Sans Mono" pitchFamily="49" charset="0"/>
+              </a:rPr>
+              <a:t>    auto </a:t>
+            </a:r>
+            <a:r>
+              <a:rPr lang="en-US" altLang="zh-CN" sz="1600" dirty="0" err="1" smtClean="0">
+                <a:latin typeface="DejaVu Sans Mono" pitchFamily="49" charset="0"/>
+                <a:ea typeface="DejaVu Sans Mono" pitchFamily="49" charset="0"/>
+                <a:cs typeface="DejaVu Sans Mono" pitchFamily="49" charset="0"/>
+              </a:rPr>
+              <a:t>tp</a:t>
+            </a:r>
+            <a:r>
+              <a:rPr lang="en-US" altLang="zh-CN" sz="1600" dirty="0" smtClean="0">
+                <a:latin typeface="DejaVu Sans Mono" pitchFamily="49" charset="0"/>
+                <a:ea typeface="DejaVu Sans Mono" pitchFamily="49" charset="0"/>
+                <a:cs typeface="DejaVu Sans Mono" pitchFamily="49" charset="0"/>
+              </a:rPr>
+              <a:t> = std::</a:t>
+            </a:r>
+            <a:r>
+              <a:rPr lang="en-US" altLang="zh-CN" sz="1600" dirty="0" err="1" smtClean="0">
+                <a:latin typeface="DejaVu Sans Mono" pitchFamily="49" charset="0"/>
+                <a:ea typeface="DejaVu Sans Mono" pitchFamily="49" charset="0"/>
+                <a:cs typeface="DejaVu Sans Mono" pitchFamily="49" charset="0"/>
+              </a:rPr>
+              <a:t>make_tuple</a:t>
+            </a:r>
+            <a:r>
+              <a:rPr lang="en-US" altLang="zh-CN" sz="1600" dirty="0" smtClean="0">
+                <a:latin typeface="DejaVu Sans Mono" pitchFamily="49" charset="0"/>
+                <a:ea typeface="DejaVu Sans Mono" pitchFamily="49" charset="0"/>
+                <a:cs typeface="DejaVu Sans Mono" pitchFamily="49" charset="0"/>
+              </a:rPr>
+              <a:t>(std::forward&lt;</a:t>
+            </a:r>
+            <a:r>
+              <a:rPr lang="en-US" altLang="zh-CN" sz="1600" dirty="0" err="1" smtClean="0">
+                <a:latin typeface="DejaVu Sans Mono" pitchFamily="49" charset="0"/>
+                <a:ea typeface="DejaVu Sans Mono" pitchFamily="49" charset="0"/>
+                <a:cs typeface="DejaVu Sans Mono" pitchFamily="49" charset="0"/>
+              </a:rPr>
+              <a:t>Args</a:t>
+            </a:r>
+            <a:r>
+              <a:rPr lang="en-US" altLang="zh-CN" sz="1600" dirty="0" smtClean="0">
+                <a:latin typeface="DejaVu Sans Mono" pitchFamily="49" charset="0"/>
+                <a:ea typeface="DejaVu Sans Mono" pitchFamily="49" charset="0"/>
+                <a:cs typeface="DejaVu Sans Mono" pitchFamily="49" charset="0"/>
+              </a:rPr>
+              <a:t>&gt;(</a:t>
+            </a:r>
+            <a:r>
+              <a:rPr lang="en-US" altLang="zh-CN" sz="1600" dirty="0" err="1" smtClean="0">
+                <a:latin typeface="DejaVu Sans Mono" pitchFamily="49" charset="0"/>
+                <a:ea typeface="DejaVu Sans Mono" pitchFamily="49" charset="0"/>
+                <a:cs typeface="DejaVu Sans Mono" pitchFamily="49" charset="0"/>
+              </a:rPr>
+              <a:t>args</a:t>
+            </a:r>
+            <a:r>
+              <a:rPr lang="en-US" altLang="zh-CN" sz="1600" dirty="0" smtClean="0">
+                <a:latin typeface="DejaVu Sans Mono" pitchFamily="49" charset="0"/>
+                <a:ea typeface="DejaVu Sans Mono" pitchFamily="49" charset="0"/>
+                <a:cs typeface="DejaVu Sans Mono" pitchFamily="49" charset="0"/>
+              </a:rPr>
+              <a:t>)...);</a:t>
+            </a:r>
+          </a:p>
+          <a:p>
+            <a:r>
+              <a:rPr lang="en-US" altLang="zh-CN" sz="1600" dirty="0" smtClean="0">
+                <a:latin typeface="DejaVu Sans Mono" pitchFamily="49" charset="0"/>
+                <a:ea typeface="DejaVu Sans Mono" pitchFamily="49" charset="0"/>
+                <a:cs typeface="DejaVu Sans Mono" pitchFamily="49" charset="0"/>
+              </a:rPr>
+              <a:t>    </a:t>
+            </a:r>
+            <a:r>
+              <a:rPr lang="en-US" altLang="zh-CN" sz="1600" i="1" dirty="0" smtClean="0">
+                <a:latin typeface="DejaVu Sans Mono" pitchFamily="49" charset="0"/>
+                <a:ea typeface="DejaVu Sans Mono" pitchFamily="49" charset="0"/>
+                <a:cs typeface="DejaVu Sans Mono" pitchFamily="49" charset="0"/>
+              </a:rPr>
+              <a:t>auto [a, b, c, d] = </a:t>
+            </a:r>
+            <a:r>
+              <a:rPr lang="en-US" altLang="zh-CN" sz="1600" i="1" dirty="0" err="1" smtClean="0">
+                <a:latin typeface="DejaVu Sans Mono" pitchFamily="49" charset="0"/>
+                <a:ea typeface="DejaVu Sans Mono" pitchFamily="49" charset="0"/>
+                <a:cs typeface="DejaVu Sans Mono" pitchFamily="49" charset="0"/>
+              </a:rPr>
+              <a:t>tp</a:t>
+            </a:r>
+            <a:r>
+              <a:rPr lang="en-US" altLang="zh-CN" sz="1600" i="1" dirty="0" smtClean="0">
+                <a:latin typeface="DejaVu Sans Mono" pitchFamily="49" charset="0"/>
+                <a:ea typeface="DejaVu Sans Mono" pitchFamily="49" charset="0"/>
+                <a:cs typeface="DejaVu Sans Mono" pitchFamily="49" charset="0"/>
+              </a:rPr>
+              <a:t>;</a:t>
+            </a:r>
+          </a:p>
+          <a:p>
+            <a:r>
+              <a:rPr lang="en-US" altLang="zh-CN" sz="1600" dirty="0" smtClean="0">
+                <a:latin typeface="DejaVu Sans Mono" pitchFamily="49" charset="0"/>
+                <a:ea typeface="DejaVu Sans Mono" pitchFamily="49" charset="0"/>
+                <a:cs typeface="DejaVu Sans Mono" pitchFamily="49" charset="0"/>
+              </a:rPr>
+              <a:t>    </a:t>
+            </a:r>
+            <a:r>
+              <a:rPr lang="en-US" altLang="zh-CN" sz="1600" i="1" dirty="0" smtClean="0">
+                <a:latin typeface="DejaVu Sans Mono" pitchFamily="49" charset="0"/>
+                <a:ea typeface="DejaVu Sans Mono" pitchFamily="49" charset="0"/>
+                <a:cs typeface="DejaVu Sans Mono" pitchFamily="49" charset="0"/>
+              </a:rPr>
+              <a:t>return std::</a:t>
+            </a:r>
+            <a:r>
+              <a:rPr lang="en-US" altLang="zh-CN" sz="1600" i="1" dirty="0" err="1" smtClean="0">
+                <a:latin typeface="DejaVu Sans Mono" pitchFamily="49" charset="0"/>
+                <a:ea typeface="DejaVu Sans Mono" pitchFamily="49" charset="0"/>
+                <a:cs typeface="DejaVu Sans Mono" pitchFamily="49" charset="0"/>
+              </a:rPr>
+              <a:t>make_tuple</a:t>
+            </a:r>
+            <a:r>
+              <a:rPr lang="en-US" altLang="zh-CN" sz="1600" i="1" dirty="0" smtClean="0">
+                <a:latin typeface="DejaVu Sans Mono" pitchFamily="49" charset="0"/>
+                <a:ea typeface="DejaVu Sans Mono" pitchFamily="49" charset="0"/>
+                <a:cs typeface="DejaVu Sans Mono" pitchFamily="49" charset="0"/>
+              </a:rPr>
+              <a:t>(a, b, c);</a:t>
+            </a:r>
+          </a:p>
+          <a:p>
+            <a:r>
+              <a:rPr lang="en-US" altLang="zh-CN" sz="1600" dirty="0" smtClean="0">
+                <a:latin typeface="DejaVu Sans Mono" pitchFamily="49" charset="0"/>
+                <a:ea typeface="DejaVu Sans Mono" pitchFamily="49" charset="0"/>
+                <a:cs typeface="DejaVu Sans Mono" pitchFamily="49" charset="0"/>
+              </a:rPr>
+              <a:t>}</a:t>
             </a:r>
             <a:endParaRPr lang="zh-CN" altLang="en-US" sz="1600" dirty="0">
               <a:latin typeface="DejaVu Sans Mono" pitchFamily="49" charset="0"/>
@@ -16786,21 +16904,13 @@
           <a:p>
             <a:r>
               <a:rPr lang="en-US" altLang="zh-CN" dirty="0" err="1" smtClean="0"/>
-              <a:t>Variadic</a:t>
+              <a:t>Constexpr</a:t>
             </a:r>
             <a:r>
               <a:rPr lang="en-US" altLang="zh-CN" dirty="0" smtClean="0"/>
-              <a:t> Template</a:t>
-            </a:r>
-            <a:r>
-              <a:rPr lang="zh-CN" altLang="en-US" dirty="0" smtClean="0"/>
-              <a:t> </a:t>
-            </a:r>
-            <a:r>
-              <a:rPr lang="en-US" altLang="zh-CN" dirty="0" smtClean="0"/>
-              <a:t>+ Structured Binding</a:t>
-            </a:r>
-            <a:endParaRPr lang="zh-CN" altLang="en-US" dirty="0" smtClean="0"/>
+              <a:t> If</a:t>
+            </a:r>
+            <a:endParaRPr lang="zh-CN" altLang="en-US" dirty="0"/>
           </a:p>
         </p:txBody>
       </p:sp>
@@ -16831,8 +16941,8 @@
         </p:nvSpPr>
         <p:spPr>
           <a:xfrm>
-            <a:off x="689957" y="3776487"/>
-            <a:ext cx="7448204" cy="923330"/>
+            <a:off x="448886" y="1407773"/>
+            <a:ext cx="8129849" cy="3293209"/>
           </a:xfrm>
           <a:prstGeom prst="rect">
             <a:avLst/>
@@ -16845,79 +16955,193 @@
           <a:lstStyle/>
           <a:p>
             <a:r>
-              <a:rPr lang="en-US" altLang="zh-CN" dirty="0" smtClean="0">
-                <a:latin typeface="DejaVu Sans Mono" pitchFamily="49" charset="0"/>
-                <a:ea typeface="DejaVu Sans Mono" pitchFamily="49" charset="0"/>
-                <a:cs typeface="DejaVu Sans Mono" pitchFamily="49" charset="0"/>
-              </a:rPr>
-              <a:t>auto split_3args(auto a, auto b, auto c, auto d){</a:t>
-            </a:r>
-          </a:p>
-          <a:p>
-            <a:r>
-              <a:rPr lang="en-US" altLang="zh-CN" dirty="0" smtClean="0">
-                <a:latin typeface="DejaVu Sans Mono" pitchFamily="49" charset="0"/>
-                <a:ea typeface="DejaVu Sans Mono" pitchFamily="49" charset="0"/>
-                <a:cs typeface="DejaVu Sans Mono" pitchFamily="49" charset="0"/>
-              </a:rPr>
-              <a:t>    return std::</a:t>
-            </a:r>
-            <a:r>
-              <a:rPr lang="en-US" altLang="zh-CN" dirty="0" err="1" smtClean="0">
-                <a:latin typeface="DejaVu Sans Mono" pitchFamily="49" charset="0"/>
-                <a:ea typeface="DejaVu Sans Mono" pitchFamily="49" charset="0"/>
-                <a:cs typeface="DejaVu Sans Mono" pitchFamily="49" charset="0"/>
-              </a:rPr>
-              <a:t>make_tuple</a:t>
-            </a:r>
-            <a:r>
-              <a:rPr lang="en-US" altLang="zh-CN" dirty="0" smtClean="0">
-                <a:latin typeface="DejaVu Sans Mono" pitchFamily="49" charset="0"/>
-                <a:ea typeface="DejaVu Sans Mono" pitchFamily="49" charset="0"/>
-                <a:cs typeface="DejaVu Sans Mono" pitchFamily="49" charset="0"/>
-              </a:rPr>
-              <a:t>(a, b, c);</a:t>
-            </a:r>
-          </a:p>
-          <a:p>
-            <a:r>
-              <a:rPr lang="en-US" altLang="zh-CN" dirty="0" smtClean="0">
+              <a:rPr lang="en-US" sz="1600" dirty="0" smtClean="0">
+                <a:latin typeface="DejaVu Sans Mono" pitchFamily="49" charset="0"/>
+                <a:ea typeface="DejaVu Sans Mono" pitchFamily="49" charset="0"/>
+                <a:cs typeface="DejaVu Sans Mono" pitchFamily="49" charset="0"/>
+              </a:rPr>
+              <a:t>template&lt;</a:t>
+            </a:r>
+            <a:r>
+              <a:rPr lang="en-US" sz="1600" dirty="0" err="1" smtClean="0">
+                <a:latin typeface="DejaVu Sans Mono" pitchFamily="49" charset="0"/>
+                <a:ea typeface="DejaVu Sans Mono" pitchFamily="49" charset="0"/>
+                <a:cs typeface="DejaVu Sans Mono" pitchFamily="49" charset="0"/>
+              </a:rPr>
+              <a:t>typename</a:t>
+            </a:r>
+            <a:r>
+              <a:rPr lang="en-US" sz="1600" dirty="0" smtClean="0">
+                <a:latin typeface="DejaVu Sans Mono" pitchFamily="49" charset="0"/>
+                <a:ea typeface="DejaVu Sans Mono" pitchFamily="49" charset="0"/>
+                <a:cs typeface="DejaVu Sans Mono" pitchFamily="49" charset="0"/>
+              </a:rPr>
+              <a:t> T&gt;</a:t>
+            </a:r>
+            <a:br>
+              <a:rPr lang="en-US" sz="1600" dirty="0" smtClean="0">
+                <a:latin typeface="DejaVu Sans Mono" pitchFamily="49" charset="0"/>
+                <a:ea typeface="DejaVu Sans Mono" pitchFamily="49" charset="0"/>
+                <a:cs typeface="DejaVu Sans Mono" pitchFamily="49" charset="0"/>
+              </a:rPr>
+            </a:br>
+            <a:r>
+              <a:rPr lang="en-US" sz="1600" dirty="0" smtClean="0">
+                <a:latin typeface="DejaVu Sans Mono" pitchFamily="49" charset="0"/>
+                <a:ea typeface="DejaVu Sans Mono" pitchFamily="49" charset="0"/>
+                <a:cs typeface="DejaVu Sans Mono" pitchFamily="49" charset="0"/>
+              </a:rPr>
+              <a:t>std::</a:t>
+            </a:r>
+            <a:r>
+              <a:rPr lang="en-US" sz="1600" dirty="0" err="1" smtClean="0">
+                <a:latin typeface="DejaVu Sans Mono" pitchFamily="49" charset="0"/>
+                <a:ea typeface="DejaVu Sans Mono" pitchFamily="49" charset="0"/>
+                <a:cs typeface="DejaVu Sans Mono" pitchFamily="49" charset="0"/>
+              </a:rPr>
+              <a:t>enable_if_t</a:t>
+            </a:r>
+            <a:r>
+              <a:rPr lang="en-US" sz="1600" dirty="0" smtClean="0">
+                <a:latin typeface="DejaVu Sans Mono" pitchFamily="49" charset="0"/>
+                <a:ea typeface="DejaVu Sans Mono" pitchFamily="49" charset="0"/>
+                <a:cs typeface="DejaVu Sans Mono" pitchFamily="49" charset="0"/>
+              </a:rPr>
+              <a:t>&lt;std::</a:t>
+            </a:r>
+            <a:r>
+              <a:rPr lang="en-US" sz="1600" dirty="0" err="1" smtClean="0">
+                <a:latin typeface="DejaVu Sans Mono" pitchFamily="49" charset="0"/>
+                <a:ea typeface="DejaVu Sans Mono" pitchFamily="49" charset="0"/>
+                <a:cs typeface="DejaVu Sans Mono" pitchFamily="49" charset="0"/>
+              </a:rPr>
+              <a:t>is_integral</a:t>
+            </a:r>
+            <a:r>
+              <a:rPr lang="en-US" sz="1600" dirty="0" smtClean="0">
+                <a:latin typeface="DejaVu Sans Mono" pitchFamily="49" charset="0"/>
+                <a:ea typeface="DejaVu Sans Mono" pitchFamily="49" charset="0"/>
+                <a:cs typeface="DejaVu Sans Mono" pitchFamily="49" charset="0"/>
+              </a:rPr>
+              <a:t>&lt;T&gt;::value, std::string&gt; </a:t>
+            </a:r>
+            <a:r>
+              <a:rPr lang="en-US" sz="1600" dirty="0" err="1" smtClean="0">
+                <a:latin typeface="DejaVu Sans Mono" pitchFamily="49" charset="0"/>
+                <a:ea typeface="DejaVu Sans Mono" pitchFamily="49" charset="0"/>
+                <a:cs typeface="DejaVu Sans Mono" pitchFamily="49" charset="0"/>
+              </a:rPr>
+              <a:t>to_str</a:t>
+            </a:r>
+            <a:r>
+              <a:rPr lang="en-US" sz="1600" dirty="0" smtClean="0">
+                <a:latin typeface="DejaVu Sans Mono" pitchFamily="49" charset="0"/>
+                <a:ea typeface="DejaVu Sans Mono" pitchFamily="49" charset="0"/>
+                <a:cs typeface="DejaVu Sans Mono" pitchFamily="49" charset="0"/>
+              </a:rPr>
+              <a:t>(T </a:t>
+            </a:r>
+            <a:r>
+              <a:rPr lang="en-US" sz="1600" dirty="0" err="1" smtClean="0">
+                <a:latin typeface="DejaVu Sans Mono" pitchFamily="49" charset="0"/>
+                <a:ea typeface="DejaVu Sans Mono" pitchFamily="49" charset="0"/>
+                <a:cs typeface="DejaVu Sans Mono" pitchFamily="49" charset="0"/>
+              </a:rPr>
+              <a:t>t</a:t>
+            </a:r>
+            <a:r>
+              <a:rPr lang="en-US" sz="1600" dirty="0" smtClean="0">
+                <a:latin typeface="DejaVu Sans Mono" pitchFamily="49" charset="0"/>
+                <a:ea typeface="DejaVu Sans Mono" pitchFamily="49" charset="0"/>
+                <a:cs typeface="DejaVu Sans Mono" pitchFamily="49" charset="0"/>
+              </a:rPr>
+              <a:t>)</a:t>
+            </a:r>
+            <a:br>
+              <a:rPr lang="en-US" sz="1600" dirty="0" smtClean="0">
+                <a:latin typeface="DejaVu Sans Mono" pitchFamily="49" charset="0"/>
+                <a:ea typeface="DejaVu Sans Mono" pitchFamily="49" charset="0"/>
+                <a:cs typeface="DejaVu Sans Mono" pitchFamily="49" charset="0"/>
+              </a:rPr>
+            </a:br>
+            <a:r>
+              <a:rPr lang="en-US" sz="1600" dirty="0" smtClean="0">
+                <a:latin typeface="DejaVu Sans Mono" pitchFamily="49" charset="0"/>
+                <a:ea typeface="DejaVu Sans Mono" pitchFamily="49" charset="0"/>
+                <a:cs typeface="DejaVu Sans Mono" pitchFamily="49" charset="0"/>
+              </a:rPr>
+              <a:t>{</a:t>
+            </a:r>
+            <a:br>
+              <a:rPr lang="en-US" sz="1600" dirty="0" smtClean="0">
+                <a:latin typeface="DejaVu Sans Mono" pitchFamily="49" charset="0"/>
+                <a:ea typeface="DejaVu Sans Mono" pitchFamily="49" charset="0"/>
+                <a:cs typeface="DejaVu Sans Mono" pitchFamily="49" charset="0"/>
+              </a:rPr>
+            </a:br>
+            <a:r>
+              <a:rPr lang="en-US" sz="1600" dirty="0" smtClean="0">
+                <a:latin typeface="DejaVu Sans Mono" pitchFamily="49" charset="0"/>
+                <a:ea typeface="DejaVu Sans Mono" pitchFamily="49" charset="0"/>
+                <a:cs typeface="DejaVu Sans Mono" pitchFamily="49" charset="0"/>
+              </a:rPr>
+              <a:t>    return std::</a:t>
+            </a:r>
+            <a:r>
+              <a:rPr lang="en-US" sz="1600" dirty="0" err="1" smtClean="0">
+                <a:latin typeface="DejaVu Sans Mono" pitchFamily="49" charset="0"/>
+                <a:ea typeface="DejaVu Sans Mono" pitchFamily="49" charset="0"/>
+                <a:cs typeface="DejaVu Sans Mono" pitchFamily="49" charset="0"/>
+              </a:rPr>
+              <a:t>to_string</a:t>
+            </a:r>
+            <a:r>
+              <a:rPr lang="en-US" sz="1600" dirty="0" smtClean="0">
+                <a:latin typeface="DejaVu Sans Mono" pitchFamily="49" charset="0"/>
+                <a:ea typeface="DejaVu Sans Mono" pitchFamily="49" charset="0"/>
+                <a:cs typeface="DejaVu Sans Mono" pitchFamily="49" charset="0"/>
+              </a:rPr>
+              <a:t>(t);</a:t>
+            </a:r>
+            <a:br>
+              <a:rPr lang="en-US" sz="1600" dirty="0" smtClean="0">
+                <a:latin typeface="DejaVu Sans Mono" pitchFamily="49" charset="0"/>
+                <a:ea typeface="DejaVu Sans Mono" pitchFamily="49" charset="0"/>
+                <a:cs typeface="DejaVu Sans Mono" pitchFamily="49" charset="0"/>
+              </a:rPr>
+            </a:br>
+            <a:r>
+              <a:rPr lang="en-US" sz="1600" dirty="0" smtClean="0">
                 <a:latin typeface="DejaVu Sans Mono" pitchFamily="49" charset="0"/>
                 <a:ea typeface="DejaVu Sans Mono" pitchFamily="49" charset="0"/>
                 <a:cs typeface="DejaVu Sans Mono" pitchFamily="49" charset="0"/>
               </a:rPr>
               <a:t>}</a:t>
             </a:r>
-            <a:endParaRPr lang="zh-CN" altLang="en-US" dirty="0">
-              <a:latin typeface="DejaVu Sans Mono" pitchFamily="49" charset="0"/>
-              <a:cs typeface="DejaVu Sans Mono" pitchFamily="49" charset="0"/>
-            </a:endParaRPr>
-          </a:p>
-        </p:txBody>
-      </p:sp>
-      <p:sp>
-        <p:nvSpPr>
-          <p:cNvPr id="5" name="矩形 4"/>
-          <p:cNvSpPr/>
-          <p:nvPr/>
-        </p:nvSpPr>
-        <p:spPr>
-          <a:xfrm>
-            <a:off x="706582" y="1715068"/>
-            <a:ext cx="7390015" cy="1569660"/>
-          </a:xfrm>
-          <a:prstGeom prst="rect">
-            <a:avLst/>
-          </a:prstGeom>
-        </p:spPr>
-        <p:txBody>
-          <a:bodyPr wrap="square">
-            <a:spAutoFit/>
-          </a:bodyPr>
-          <a:lstStyle/>
-          <a:p>
-            <a:r>
-              <a:rPr lang="en-US" altLang="zh-CN" sz="1600" dirty="0" smtClean="0">
+            <a:br>
+              <a:rPr lang="en-US" sz="1600" dirty="0" smtClean="0">
+                <a:latin typeface="DejaVu Sans Mono" pitchFamily="49" charset="0"/>
+                <a:ea typeface="DejaVu Sans Mono" pitchFamily="49" charset="0"/>
+                <a:cs typeface="DejaVu Sans Mono" pitchFamily="49" charset="0"/>
+              </a:rPr>
+            </a:br>
+            <a:r>
+              <a:rPr lang="en-US" sz="1600" dirty="0" smtClean="0">
+                <a:latin typeface="DejaVu Sans Mono" pitchFamily="49" charset="0"/>
+                <a:ea typeface="DejaVu Sans Mono" pitchFamily="49" charset="0"/>
+                <a:cs typeface="DejaVu Sans Mono" pitchFamily="49" charset="0"/>
+              </a:rPr>
+              <a:t>    </a:t>
+            </a:r>
+            <a:br>
+              <a:rPr lang="en-US" sz="1600" dirty="0" smtClean="0">
+                <a:latin typeface="DejaVu Sans Mono" pitchFamily="49" charset="0"/>
+                <a:ea typeface="DejaVu Sans Mono" pitchFamily="49" charset="0"/>
+                <a:cs typeface="DejaVu Sans Mono" pitchFamily="49" charset="0"/>
+              </a:rPr>
+            </a:br>
+            <a:r>
+              <a:rPr lang="en-US" sz="1600" dirty="0" smtClean="0">
                 <a:latin typeface="DejaVu Sans Mono" pitchFamily="49" charset="0"/>
                 <a:ea typeface="DejaVu Sans Mono" pitchFamily="49" charset="0"/>
                 <a:cs typeface="DejaVu Sans Mono" pitchFamily="49" charset="0"/>
@@ -16925,7 +17149,7 @@
               <a:t>template&lt;</a:t>
             </a:r>
             <a:r>
-              <a:rPr lang="en-US" altLang="zh-CN" sz="1600" dirty="0" err="1" smtClean="0">
+              <a:rPr lang="en-US" sz="1600" dirty="0" err="1" smtClean="0">
                 <a:latin typeface="DejaVu Sans Mono" pitchFamily="49" charset="0"/>
                 <a:ea typeface="DejaVu Sans Mono" pitchFamily="49" charset="0"/>
                 <a:cs typeface="DejaVu Sans Mono" pitchFamily="49" charset="0"/>
@@ -16933,217 +17157,131 @@
               <a:t>typename</a:t>
             </a:r>
             <a:r>
-              <a:rPr lang="en-US" altLang="zh-CN" sz="1600" dirty="0" smtClean="0">
-                <a:latin typeface="DejaVu Sans Mono" pitchFamily="49" charset="0"/>
-                <a:ea typeface="DejaVu Sans Mono" pitchFamily="49" charset="0"/>
-                <a:cs typeface="DejaVu Sans Mono" pitchFamily="49" charset="0"/>
-              </a:rPr>
-              <a:t>... </a:t>
-            </a:r>
-            <a:r>
-              <a:rPr lang="en-US" altLang="zh-CN" sz="1600" dirty="0" err="1" smtClean="0">
-                <a:latin typeface="DejaVu Sans Mono" pitchFamily="49" charset="0"/>
-                <a:ea typeface="DejaVu Sans Mono" pitchFamily="49" charset="0"/>
-                <a:cs typeface="DejaVu Sans Mono" pitchFamily="49" charset="0"/>
-              </a:rPr>
-              <a:t>Args</a:t>
-            </a:r>
-            <a:r>
-              <a:rPr lang="en-US" altLang="zh-CN" sz="1600" dirty="0" smtClean="0">
-                <a:latin typeface="DejaVu Sans Mono" pitchFamily="49" charset="0"/>
-                <a:ea typeface="DejaVu Sans Mono" pitchFamily="49" charset="0"/>
-                <a:cs typeface="DejaVu Sans Mono" pitchFamily="49" charset="0"/>
-              </a:rPr>
-              <a:t>&gt;</a:t>
-            </a:r>
-          </a:p>
-          <a:p>
-            <a:r>
-              <a:rPr lang="en-US" altLang="zh-CN" sz="1600" dirty="0" smtClean="0">
-                <a:latin typeface="DejaVu Sans Mono" pitchFamily="49" charset="0"/>
-                <a:ea typeface="DejaVu Sans Mono" pitchFamily="49" charset="0"/>
-                <a:cs typeface="DejaVu Sans Mono" pitchFamily="49" charset="0"/>
-              </a:rPr>
-              <a:t>auto split_3args(</a:t>
-            </a:r>
-            <a:r>
-              <a:rPr lang="en-US" altLang="zh-CN" sz="1600" dirty="0" err="1" smtClean="0">
-                <a:latin typeface="DejaVu Sans Mono" pitchFamily="49" charset="0"/>
-                <a:ea typeface="DejaVu Sans Mono" pitchFamily="49" charset="0"/>
-                <a:cs typeface="DejaVu Sans Mono" pitchFamily="49" charset="0"/>
-              </a:rPr>
-              <a:t>Args</a:t>
-            </a:r>
-            <a:r>
-              <a:rPr lang="en-US" altLang="zh-CN" sz="1600" dirty="0" smtClean="0">
-                <a:latin typeface="DejaVu Sans Mono" pitchFamily="49" charset="0"/>
-                <a:ea typeface="DejaVu Sans Mono" pitchFamily="49" charset="0"/>
-                <a:cs typeface="DejaVu Sans Mono" pitchFamily="49" charset="0"/>
-              </a:rPr>
-              <a:t>&amp;&amp;... </a:t>
-            </a:r>
-            <a:r>
-              <a:rPr lang="en-US" altLang="zh-CN" sz="1600" dirty="0" err="1" smtClean="0">
-                <a:latin typeface="DejaVu Sans Mono" pitchFamily="49" charset="0"/>
-                <a:ea typeface="DejaVu Sans Mono" pitchFamily="49" charset="0"/>
-                <a:cs typeface="DejaVu Sans Mono" pitchFamily="49" charset="0"/>
-              </a:rPr>
-              <a:t>args</a:t>
-            </a:r>
-            <a:r>
-              <a:rPr lang="en-US" altLang="zh-CN" sz="1600" dirty="0" smtClean="0">
-                <a:latin typeface="DejaVu Sans Mono" pitchFamily="49" charset="0"/>
-                <a:ea typeface="DejaVu Sans Mono" pitchFamily="49" charset="0"/>
-                <a:cs typeface="DejaVu Sans Mono" pitchFamily="49" charset="0"/>
-              </a:rPr>
-              <a:t>){</a:t>
-            </a:r>
-          </a:p>
-          <a:p>
-            <a:r>
-              <a:rPr lang="en-US" altLang="zh-CN" sz="1600" dirty="0" smtClean="0">
-                <a:latin typeface="DejaVu Sans Mono" pitchFamily="49" charset="0"/>
-                <a:ea typeface="DejaVu Sans Mono" pitchFamily="49" charset="0"/>
-                <a:cs typeface="DejaVu Sans Mono" pitchFamily="49" charset="0"/>
-              </a:rPr>
-              <a:t>    auto </a:t>
-            </a:r>
-            <a:r>
-              <a:rPr lang="en-US" altLang="zh-CN" sz="1600" dirty="0" err="1" smtClean="0">
-                <a:latin typeface="DejaVu Sans Mono" pitchFamily="49" charset="0"/>
-                <a:ea typeface="DejaVu Sans Mono" pitchFamily="49" charset="0"/>
-                <a:cs typeface="DejaVu Sans Mono" pitchFamily="49" charset="0"/>
-              </a:rPr>
-              <a:t>tp</a:t>
-            </a:r>
-            <a:r>
-              <a:rPr lang="en-US" altLang="zh-CN" sz="1600" dirty="0" smtClean="0">
-                <a:latin typeface="DejaVu Sans Mono" pitchFamily="49" charset="0"/>
-                <a:ea typeface="DejaVu Sans Mono" pitchFamily="49" charset="0"/>
-                <a:cs typeface="DejaVu Sans Mono" pitchFamily="49" charset="0"/>
-              </a:rPr>
-              <a:t> = std::</a:t>
-            </a:r>
-            <a:r>
-              <a:rPr lang="en-US" altLang="zh-CN" sz="1600" dirty="0" err="1" smtClean="0">
-                <a:latin typeface="DejaVu Sans Mono" pitchFamily="49" charset="0"/>
-                <a:ea typeface="DejaVu Sans Mono" pitchFamily="49" charset="0"/>
-                <a:cs typeface="DejaVu Sans Mono" pitchFamily="49" charset="0"/>
-              </a:rPr>
-              <a:t>make_tuple</a:t>
-            </a:r>
-            <a:r>
-              <a:rPr lang="en-US" altLang="zh-CN" sz="1600" dirty="0" smtClean="0">
-                <a:latin typeface="DejaVu Sans Mono" pitchFamily="49" charset="0"/>
-                <a:ea typeface="DejaVu Sans Mono" pitchFamily="49" charset="0"/>
-                <a:cs typeface="DejaVu Sans Mono" pitchFamily="49" charset="0"/>
-              </a:rPr>
-              <a:t>(std::forward&lt;</a:t>
-            </a:r>
-            <a:r>
-              <a:rPr lang="en-US" altLang="zh-CN" sz="1600" dirty="0" err="1" smtClean="0">
-                <a:latin typeface="DejaVu Sans Mono" pitchFamily="49" charset="0"/>
-                <a:ea typeface="DejaVu Sans Mono" pitchFamily="49" charset="0"/>
-                <a:cs typeface="DejaVu Sans Mono" pitchFamily="49" charset="0"/>
-              </a:rPr>
-              <a:t>Args</a:t>
-            </a:r>
-            <a:r>
-              <a:rPr lang="en-US" altLang="zh-CN" sz="1600" dirty="0" smtClean="0">
-                <a:latin typeface="DejaVu Sans Mono" pitchFamily="49" charset="0"/>
-                <a:ea typeface="DejaVu Sans Mono" pitchFamily="49" charset="0"/>
-                <a:cs typeface="DejaVu Sans Mono" pitchFamily="49" charset="0"/>
-              </a:rPr>
-              <a:t>&gt;(</a:t>
-            </a:r>
-            <a:r>
-              <a:rPr lang="en-US" altLang="zh-CN" sz="1600" dirty="0" err="1" smtClean="0">
-                <a:latin typeface="DejaVu Sans Mono" pitchFamily="49" charset="0"/>
-                <a:ea typeface="DejaVu Sans Mono" pitchFamily="49" charset="0"/>
-                <a:cs typeface="DejaVu Sans Mono" pitchFamily="49" charset="0"/>
-              </a:rPr>
-              <a:t>args</a:t>
-            </a:r>
-            <a:r>
-              <a:rPr lang="en-US" altLang="zh-CN" sz="1600" dirty="0" smtClean="0">
-                <a:latin typeface="DejaVu Sans Mono" pitchFamily="49" charset="0"/>
-                <a:ea typeface="DejaVu Sans Mono" pitchFamily="49" charset="0"/>
-                <a:cs typeface="DejaVu Sans Mono" pitchFamily="49" charset="0"/>
-              </a:rPr>
-              <a:t>)...);</a:t>
-            </a:r>
-          </a:p>
-          <a:p>
-            <a:r>
-              <a:rPr lang="en-US" altLang="zh-CN" sz="1600" dirty="0" smtClean="0">
-                <a:latin typeface="DejaVu Sans Mono" pitchFamily="49" charset="0"/>
-                <a:ea typeface="DejaVu Sans Mono" pitchFamily="49" charset="0"/>
-                <a:cs typeface="DejaVu Sans Mono" pitchFamily="49" charset="0"/>
-              </a:rPr>
-              <a:t>    </a:t>
-            </a:r>
-            <a:r>
-              <a:rPr lang="en-US" altLang="zh-CN" sz="1600" i="1" dirty="0" smtClean="0">
-                <a:latin typeface="DejaVu Sans Mono" pitchFamily="49" charset="0"/>
-                <a:ea typeface="DejaVu Sans Mono" pitchFamily="49" charset="0"/>
-                <a:cs typeface="DejaVu Sans Mono" pitchFamily="49" charset="0"/>
-              </a:rPr>
-              <a:t>auto [a, b, c, d] = </a:t>
-            </a:r>
-            <a:r>
-              <a:rPr lang="en-US" altLang="zh-CN" sz="1600" i="1" dirty="0" err="1" smtClean="0">
-                <a:latin typeface="DejaVu Sans Mono" pitchFamily="49" charset="0"/>
-                <a:ea typeface="DejaVu Sans Mono" pitchFamily="49" charset="0"/>
-                <a:cs typeface="DejaVu Sans Mono" pitchFamily="49" charset="0"/>
-              </a:rPr>
-              <a:t>tp</a:t>
-            </a:r>
-            <a:r>
-              <a:rPr lang="en-US" altLang="zh-CN" sz="1600" i="1" dirty="0" smtClean="0">
-                <a:latin typeface="DejaVu Sans Mono" pitchFamily="49" charset="0"/>
-                <a:ea typeface="DejaVu Sans Mono" pitchFamily="49" charset="0"/>
-                <a:cs typeface="DejaVu Sans Mono" pitchFamily="49" charset="0"/>
-              </a:rPr>
-              <a:t>;</a:t>
-            </a:r>
-          </a:p>
-          <a:p>
-            <a:r>
-              <a:rPr lang="en-US" altLang="zh-CN" sz="1600" dirty="0" smtClean="0">
-                <a:latin typeface="DejaVu Sans Mono" pitchFamily="49" charset="0"/>
-                <a:ea typeface="DejaVu Sans Mono" pitchFamily="49" charset="0"/>
-                <a:cs typeface="DejaVu Sans Mono" pitchFamily="49" charset="0"/>
-              </a:rPr>
-              <a:t>    </a:t>
-            </a:r>
-            <a:r>
-              <a:rPr lang="en-US" altLang="zh-CN" sz="1600" i="1" dirty="0" smtClean="0">
-                <a:latin typeface="DejaVu Sans Mono" pitchFamily="49" charset="0"/>
-                <a:ea typeface="DejaVu Sans Mono" pitchFamily="49" charset="0"/>
-                <a:cs typeface="DejaVu Sans Mono" pitchFamily="49" charset="0"/>
-              </a:rPr>
-              <a:t>return std::</a:t>
-            </a:r>
-            <a:r>
-              <a:rPr lang="en-US" altLang="zh-CN" sz="1600" i="1" dirty="0" err="1" smtClean="0">
-                <a:latin typeface="DejaVu Sans Mono" pitchFamily="49" charset="0"/>
-                <a:ea typeface="DejaVu Sans Mono" pitchFamily="49" charset="0"/>
-                <a:cs typeface="DejaVu Sans Mono" pitchFamily="49" charset="0"/>
-              </a:rPr>
-              <a:t>make_tuple</a:t>
-            </a:r>
-            <a:r>
-              <a:rPr lang="en-US" altLang="zh-CN" sz="1600" i="1" dirty="0" smtClean="0">
-                <a:latin typeface="DejaVu Sans Mono" pitchFamily="49" charset="0"/>
-                <a:ea typeface="DejaVu Sans Mono" pitchFamily="49" charset="0"/>
-                <a:cs typeface="DejaVu Sans Mono" pitchFamily="49" charset="0"/>
-              </a:rPr>
-              <a:t>(a, b, c);</a:t>
-            </a:r>
-          </a:p>
-          <a:p>
-            <a:r>
-              <a:rPr lang="en-US" altLang="zh-CN" sz="1600" dirty="0" smtClean="0">
+              <a:rPr lang="en-US" sz="1600" dirty="0" smtClean="0">
+                <a:latin typeface="DejaVu Sans Mono" pitchFamily="49" charset="0"/>
+                <a:ea typeface="DejaVu Sans Mono" pitchFamily="49" charset="0"/>
+                <a:cs typeface="DejaVu Sans Mono" pitchFamily="49" charset="0"/>
+              </a:rPr>
+              <a:t> T&gt;</a:t>
+            </a:r>
+            <a:br>
+              <a:rPr lang="en-US" sz="1600" dirty="0" smtClean="0">
+                <a:latin typeface="DejaVu Sans Mono" pitchFamily="49" charset="0"/>
+                <a:ea typeface="DejaVu Sans Mono" pitchFamily="49" charset="0"/>
+                <a:cs typeface="DejaVu Sans Mono" pitchFamily="49" charset="0"/>
+              </a:rPr>
+            </a:br>
+            <a:r>
+              <a:rPr lang="en-US" sz="1600" dirty="0" smtClean="0">
+                <a:latin typeface="DejaVu Sans Mono" pitchFamily="49" charset="0"/>
+                <a:ea typeface="DejaVu Sans Mono" pitchFamily="49" charset="0"/>
+                <a:cs typeface="DejaVu Sans Mono" pitchFamily="49" charset="0"/>
+              </a:rPr>
+              <a:t>std::</a:t>
+            </a:r>
+            <a:r>
+              <a:rPr lang="en-US" sz="1600" dirty="0" err="1" smtClean="0">
+                <a:latin typeface="DejaVu Sans Mono" pitchFamily="49" charset="0"/>
+                <a:ea typeface="DejaVu Sans Mono" pitchFamily="49" charset="0"/>
+                <a:cs typeface="DejaVu Sans Mono" pitchFamily="49" charset="0"/>
+              </a:rPr>
+              <a:t>enable_if_t</a:t>
+            </a:r>
+            <a:r>
+              <a:rPr lang="en-US" sz="1600" dirty="0" smtClean="0">
+                <a:latin typeface="DejaVu Sans Mono" pitchFamily="49" charset="0"/>
+                <a:ea typeface="DejaVu Sans Mono" pitchFamily="49" charset="0"/>
+                <a:cs typeface="DejaVu Sans Mono" pitchFamily="49" charset="0"/>
+              </a:rPr>
+              <a:t>&lt;!std::</a:t>
+            </a:r>
+            <a:r>
+              <a:rPr lang="en-US" sz="1600" dirty="0" err="1" smtClean="0">
+                <a:latin typeface="DejaVu Sans Mono" pitchFamily="49" charset="0"/>
+                <a:ea typeface="DejaVu Sans Mono" pitchFamily="49" charset="0"/>
+                <a:cs typeface="DejaVu Sans Mono" pitchFamily="49" charset="0"/>
+              </a:rPr>
+              <a:t>is_integral</a:t>
+            </a:r>
+            <a:r>
+              <a:rPr lang="en-US" sz="1600" dirty="0" smtClean="0">
+                <a:latin typeface="DejaVu Sans Mono" pitchFamily="49" charset="0"/>
+                <a:ea typeface="DejaVu Sans Mono" pitchFamily="49" charset="0"/>
+                <a:cs typeface="DejaVu Sans Mono" pitchFamily="49" charset="0"/>
+              </a:rPr>
+              <a:t>&lt;T&gt;::value, std::string&gt; </a:t>
+            </a:r>
+            <a:r>
+              <a:rPr lang="en-US" sz="1600" dirty="0" err="1" smtClean="0">
+                <a:latin typeface="DejaVu Sans Mono" pitchFamily="49" charset="0"/>
+                <a:ea typeface="DejaVu Sans Mono" pitchFamily="49" charset="0"/>
+                <a:cs typeface="DejaVu Sans Mono" pitchFamily="49" charset="0"/>
+              </a:rPr>
+              <a:t>to_str</a:t>
+            </a:r>
+            <a:r>
+              <a:rPr lang="en-US" sz="1600" dirty="0" smtClean="0">
+                <a:latin typeface="DejaVu Sans Mono" pitchFamily="49" charset="0"/>
+                <a:ea typeface="DejaVu Sans Mono" pitchFamily="49" charset="0"/>
+                <a:cs typeface="DejaVu Sans Mono" pitchFamily="49" charset="0"/>
+              </a:rPr>
+              <a:t>(T </a:t>
+            </a:r>
+            <a:r>
+              <a:rPr lang="en-US" sz="1600" dirty="0" err="1" smtClean="0">
+                <a:latin typeface="DejaVu Sans Mono" pitchFamily="49" charset="0"/>
+                <a:ea typeface="DejaVu Sans Mono" pitchFamily="49" charset="0"/>
+                <a:cs typeface="DejaVu Sans Mono" pitchFamily="49" charset="0"/>
+              </a:rPr>
+              <a:t>t</a:t>
+            </a:r>
+            <a:r>
+              <a:rPr lang="en-US" sz="1600" dirty="0" smtClean="0">
+                <a:latin typeface="DejaVu Sans Mono" pitchFamily="49" charset="0"/>
+                <a:ea typeface="DejaVu Sans Mono" pitchFamily="49" charset="0"/>
+                <a:cs typeface="DejaVu Sans Mono" pitchFamily="49" charset="0"/>
+              </a:rPr>
+              <a:t>)</a:t>
+            </a:r>
+            <a:br>
+              <a:rPr lang="en-US" sz="1600" dirty="0" smtClean="0">
+                <a:latin typeface="DejaVu Sans Mono" pitchFamily="49" charset="0"/>
+                <a:ea typeface="DejaVu Sans Mono" pitchFamily="49" charset="0"/>
+                <a:cs typeface="DejaVu Sans Mono" pitchFamily="49" charset="0"/>
+              </a:rPr>
+            </a:br>
+            <a:r>
+              <a:rPr lang="en-US" sz="1600" dirty="0" smtClean="0">
+                <a:latin typeface="DejaVu Sans Mono" pitchFamily="49" charset="0"/>
+                <a:ea typeface="DejaVu Sans Mono" pitchFamily="49" charset="0"/>
+                <a:cs typeface="DejaVu Sans Mono" pitchFamily="49" charset="0"/>
+              </a:rPr>
+              <a:t>{</a:t>
+            </a:r>
+            <a:br>
+              <a:rPr lang="en-US" sz="1600" dirty="0" smtClean="0">
+                <a:latin typeface="DejaVu Sans Mono" pitchFamily="49" charset="0"/>
+                <a:ea typeface="DejaVu Sans Mono" pitchFamily="49" charset="0"/>
+                <a:cs typeface="DejaVu Sans Mono" pitchFamily="49" charset="0"/>
+              </a:rPr>
+            </a:br>
+            <a:r>
+              <a:rPr lang="en-US" sz="1600" dirty="0" smtClean="0">
+                <a:latin typeface="DejaVu Sans Mono" pitchFamily="49" charset="0"/>
+                <a:ea typeface="DejaVu Sans Mono" pitchFamily="49" charset="0"/>
+                <a:cs typeface="DejaVu Sans Mono" pitchFamily="49" charset="0"/>
+              </a:rPr>
+              <a:t>     return t;</a:t>
+            </a:r>
+            <a:br>
+              <a:rPr lang="en-US" sz="1600" dirty="0" smtClean="0">
+                <a:latin typeface="DejaVu Sans Mono" pitchFamily="49" charset="0"/>
+                <a:ea typeface="DejaVu Sans Mono" pitchFamily="49" charset="0"/>
+                <a:cs typeface="DejaVu Sans Mono" pitchFamily="49" charset="0"/>
+              </a:rPr>
+            </a:br>
+            <a:r>
+              <a:rPr lang="en-US" sz="1600" dirty="0" smtClean="0">
                 <a:latin typeface="DejaVu Sans Mono" pitchFamily="49" charset="0"/>
                 <a:ea typeface="DejaVu Sans Mono" pitchFamily="49" charset="0"/>
                 <a:cs typeface="DejaVu Sans Mono" pitchFamily="49" charset="0"/>
@@ -17427,7 +17565,7 @@
   <a:extraClrSchemeLst/>
   <a:extLst>
     <a:ext uri="{05A4C25C-085E-4340-85A3-A5531E510DB2}">
-      <thm15:themeFamily xmlns="" xmlns:thm15="http://schemas.microsoft.com/office/thememl/2012/main" name="Office Theme" id="{62F939B6-93AF-4DB8-9C6B-D6C7DFDC589F}" vid="{4A3C46E8-61CC-4603-A589-7422A47A8E4A}"/>
+      <thm15:themeFamily xmlns:thm15="http://schemas.microsoft.com/office/thememl/2012/main" xmlns="" name="Office Theme" id="{62F939B6-93AF-4DB8-9C6B-D6C7DFDC589F}" vid="{4A3C46E8-61CC-4603-A589-7422A47A8E4A}"/>
     </a:ext>
   </a:extLst>
 </a:theme>

--- a/CPP-Summit.pptx
+++ b/CPP-Summit.pptx
@@ -57,7 +57,7 @@
     <p:sldId id="304" r:id="rId51"/>
     <p:sldId id="279" r:id="rId52"/>
   </p:sldIdLst>
-  <p:sldSz cx="9144000" cy="6858000" type="screen4x3"/>
+  <p:sldSz cx="9144000" cy="5143500" type="screen16x9"/>
   <p:notesSz cx="6858000" cy="9144000"/>
   <p:defaultTextStyle>
     <a:defPPr>
@@ -156,7 +156,7 @@
   </p:defaultTextStyle>
   <p:extLst>
     <p:ext uri="{EFAFB233-063F-42B5-8137-9DF3F51BA10A}">
-      <p15:sldGuideLst xmlns:p15="http://schemas.microsoft.com/office/powerpoint/2012/main" xmlns=""/>
+      <p15:sldGuideLst xmlns="" xmlns:p15="http://schemas.microsoft.com/office/powerpoint/2012/main"/>
     </p:ext>
   </p:extLst>
 </p:presentation>
@@ -191,7 +191,7 @@
           <a:blip r:embed="rId2">
             <a:extLst>
               <a:ext uri="{28A0092B-C50C-407E-A947-70E740481C1C}">
-                <a14:useLocalDpi xmlns:a14="http://schemas.microsoft.com/office/drawing/2010/main" xmlns="" val="0"/>
+                <a14:useLocalDpi xmlns="" xmlns:a14="http://schemas.microsoft.com/office/drawing/2010/main" val="0"/>
               </a:ext>
             </a:extLst>
           </a:blip>
@@ -202,7 +202,7 @@
         <p:spPr>
           <a:xfrm>
             <a:off x="0" y="0"/>
-            <a:ext cx="9144000" cy="6858000"/>
+            <a:ext cx="9144000" cy="5143500"/>
           </a:xfrm>
           <a:prstGeom prst="rect">
             <a:avLst/>
@@ -225,8 +225,8 @@
         </p:blipFill>
         <p:spPr>
           <a:xfrm>
-            <a:off x="481464" y="750928"/>
-            <a:ext cx="5267401" cy="536494"/>
+            <a:off x="481464" y="563196"/>
+            <a:ext cx="5267401" cy="402371"/>
           </a:xfrm>
           <a:prstGeom prst="rect">
             <a:avLst/>
@@ -236,7 +236,7 @@
     </p:spTree>
     <p:extLst>
       <p:ext uri="{BB962C8B-B14F-4D97-AF65-F5344CB8AC3E}">
-        <p14:creationId xmlns:p14="http://schemas.microsoft.com/office/powerpoint/2010/main" xmlns="" val="1338936593"/>
+        <p14:creationId xmlns="" xmlns:p14="http://schemas.microsoft.com/office/powerpoint/2010/main" val="1338936593"/>
       </p:ext>
     </p:extLst>
   </p:cSld>
@@ -275,7 +275,7 @@
           <a:blip r:embed="rId2">
             <a:extLst>
               <a:ext uri="{28A0092B-C50C-407E-A947-70E740481C1C}">
-                <a14:useLocalDpi xmlns:a14="http://schemas.microsoft.com/office/drawing/2010/main" xmlns="" val="0"/>
+                <a14:useLocalDpi xmlns="" xmlns:a14="http://schemas.microsoft.com/office/drawing/2010/main" val="0"/>
               </a:ext>
             </a:extLst>
           </a:blip>
@@ -285,7 +285,7 @@
         <p:spPr>
           <a:xfrm>
             <a:off x="0" y="0"/>
-            <a:ext cx="9144000" cy="1000125"/>
+            <a:ext cx="9144000" cy="750094"/>
           </a:xfrm>
           <a:prstGeom prst="rect">
             <a:avLst/>
@@ -297,7 +297,7 @@
           <p:cNvPr id="9" name="文本占位符 10">
             <a:extLst>
               <a:ext uri="{FF2B5EF4-FFF2-40B4-BE49-F238E27FC236}">
-                <a16:creationId xmlns="" xmlns:a16="http://schemas.microsoft.com/office/drawing/2014/main" id="{01D010F3-905B-4D60-A57E-5C1F1E5D7F48}"/>
+                <a16:creationId xmlns:a16="http://schemas.microsoft.com/office/drawing/2014/main" xmlns="" id="{01D010F3-905B-4D60-A57E-5C1F1E5D7F48}"/>
               </a:ext>
             </a:extLst>
           </p:cNvPr>
@@ -310,8 +310,8 @@
         </p:nvSpPr>
         <p:spPr>
           <a:xfrm>
-            <a:off x="266700" y="314325"/>
-            <a:ext cx="6562725" cy="409575"/>
+            <a:off x="266701" y="235744"/>
+            <a:ext cx="6562725" cy="307181"/>
           </a:xfrm>
         </p:spPr>
         <p:txBody>
@@ -356,8 +356,8 @@
         </p:nvSpPr>
         <p:spPr>
           <a:xfrm>
-            <a:off x="266700" y="1314450"/>
-            <a:ext cx="8343900" cy="5200650"/>
+            <a:off x="266700" y="985837"/>
+            <a:ext cx="8343900" cy="3900488"/>
           </a:xfrm>
         </p:spPr>
         <p:txBody>
@@ -452,8 +452,8 @@
         </p:blipFill>
         <p:spPr>
           <a:xfrm>
-            <a:off x="6391885" y="314325"/>
-            <a:ext cx="2523963" cy="432854"/>
+            <a:off x="6391886" y="235744"/>
+            <a:ext cx="2523963" cy="324641"/>
           </a:xfrm>
           <a:prstGeom prst="rect">
             <a:avLst/>
@@ -463,7 +463,7 @@
     </p:spTree>
     <p:extLst>
       <p:ext uri="{BB962C8B-B14F-4D97-AF65-F5344CB8AC3E}">
-        <p14:creationId xmlns:p14="http://schemas.microsoft.com/office/powerpoint/2010/main" xmlns="" val="4137035524"/>
+        <p14:creationId xmlns="" xmlns:p14="http://schemas.microsoft.com/office/powerpoint/2010/main" val="4137035524"/>
       </p:ext>
     </p:extLst>
   </p:cSld>
@@ -560,7 +560,7 @@
     </p:spTree>
     <p:extLst>
       <p:ext uri="{BB962C8B-B14F-4D97-AF65-F5344CB8AC3E}">
-        <p14:creationId xmlns:p14="http://schemas.microsoft.com/office/powerpoint/2010/main" xmlns="" val="1759841624"/>
+        <p14:creationId xmlns="" xmlns:p14="http://schemas.microsoft.com/office/powerpoint/2010/main" val="1759841624"/>
       </p:ext>
     </p:extLst>
   </p:cSld>
@@ -604,8 +604,8 @@
         </p:nvSpPr>
         <p:spPr>
           <a:xfrm>
-            <a:off x="628650" y="365126"/>
-            <a:ext cx="7886700" cy="1325563"/>
+            <a:off x="628650" y="273845"/>
+            <a:ext cx="7886700" cy="994172"/>
           </a:xfrm>
           <a:prstGeom prst="rect">
             <a:avLst/>
@@ -637,8 +637,8 @@
         </p:nvSpPr>
         <p:spPr>
           <a:xfrm>
-            <a:off x="628650" y="1825625"/>
-            <a:ext cx="7886700" cy="4351338"/>
+            <a:off x="628650" y="1369219"/>
+            <a:ext cx="7886700" cy="3263504"/>
           </a:xfrm>
           <a:prstGeom prst="rect">
             <a:avLst/>
@@ -699,8 +699,8 @@
         </p:nvSpPr>
         <p:spPr>
           <a:xfrm>
-            <a:off x="628650" y="6356351"/>
-            <a:ext cx="2057400" cy="365125"/>
+            <a:off x="628650" y="4767264"/>
+            <a:ext cx="2057400" cy="273844"/>
           </a:xfrm>
           <a:prstGeom prst="rect">
             <a:avLst/>
@@ -741,8 +741,8 @@
         </p:nvSpPr>
         <p:spPr>
           <a:xfrm>
-            <a:off x="3028950" y="6356351"/>
-            <a:ext cx="3086100" cy="365125"/>
+            <a:off x="3028950" y="4767264"/>
+            <a:ext cx="3086100" cy="273844"/>
           </a:xfrm>
           <a:prstGeom prst="rect">
             <a:avLst/>
@@ -778,8 +778,8 @@
         </p:nvSpPr>
         <p:spPr>
           <a:xfrm>
-            <a:off x="6457950" y="6356351"/>
-            <a:ext cx="2057400" cy="365125"/>
+            <a:off x="6457950" y="4767264"/>
+            <a:ext cx="2057400" cy="273844"/>
           </a:xfrm>
           <a:prstGeom prst="rect">
             <a:avLst/>
@@ -811,7 +811,7 @@
     </p:spTree>
     <p:extLst>
       <p:ext uri="{BB962C8B-B14F-4D97-AF65-F5344CB8AC3E}">
-        <p14:creationId xmlns:p14="http://schemas.microsoft.com/office/powerpoint/2010/main" xmlns="" val="3267739063"/>
+        <p14:creationId xmlns="" xmlns:p14="http://schemas.microsoft.com/office/powerpoint/2010/main" val="3267739063"/>
       </p:ext>
     </p:extLst>
   </p:cSld>
@@ -1126,7 +1126,7 @@
           <p:cNvPr id="6" name="文本框 5">
             <a:extLst>
               <a:ext uri="{FF2B5EF4-FFF2-40B4-BE49-F238E27FC236}">
-                <a16:creationId xmlns="" xmlns:a16="http://schemas.microsoft.com/office/drawing/2014/main" id="{80BDF59C-8876-4C07-86D1-096C6CCDE453}"/>
+                <a16:creationId xmlns:a16="http://schemas.microsoft.com/office/drawing/2014/main" xmlns="" id="{80BDF59C-8876-4C07-86D1-096C6CCDE453}"/>
               </a:ext>
             </a:extLst>
           </p:cNvPr>
@@ -1135,7 +1135,7 @@
         </p:nvSpPr>
         <p:spPr>
           <a:xfrm>
-            <a:off x="535783" y="2636615"/>
+            <a:off x="535784" y="1977462"/>
             <a:ext cx="6331589" cy="646331"/>
           </a:xfrm>
           <a:prstGeom prst="rect">
@@ -1209,7 +1209,7 @@
           <p:cNvPr id="7" name="文本框 6">
             <a:extLst>
               <a:ext uri="{FF2B5EF4-FFF2-40B4-BE49-F238E27FC236}">
-                <a16:creationId xmlns="" xmlns:a16="http://schemas.microsoft.com/office/drawing/2014/main" id="{9641ACBE-BC14-4FC9-81D3-2BCBC14FA20C}"/>
+                <a16:creationId xmlns:a16="http://schemas.microsoft.com/office/drawing/2014/main" xmlns="" id="{9641ACBE-BC14-4FC9-81D3-2BCBC14FA20C}"/>
               </a:ext>
             </a:extLst>
           </p:cNvPr>
@@ -1218,7 +1218,7 @@
         </p:nvSpPr>
         <p:spPr>
           <a:xfrm>
-            <a:off x="535783" y="3393698"/>
+            <a:off x="535784" y="2545273"/>
             <a:ext cx="4319587" cy="400110"/>
           </a:xfrm>
           <a:prstGeom prst="rect">
@@ -1259,7 +1259,7 @@
           <p:cNvPr id="8" name="文本框 7">
             <a:extLst>
               <a:ext uri="{FF2B5EF4-FFF2-40B4-BE49-F238E27FC236}">
-                <a16:creationId xmlns="" xmlns:a16="http://schemas.microsoft.com/office/drawing/2014/main" id="{7B3317C5-8A3B-41BC-BEF9-80955951153B}"/>
+                <a16:creationId xmlns:a16="http://schemas.microsoft.com/office/drawing/2014/main" xmlns="" id="{7B3317C5-8A3B-41BC-BEF9-80955951153B}"/>
               </a:ext>
             </a:extLst>
           </p:cNvPr>
@@ -1268,7 +1268,7 @@
         </p:nvSpPr>
         <p:spPr>
           <a:xfrm>
-            <a:off x="535783" y="3904560"/>
+            <a:off x="535784" y="2928421"/>
             <a:ext cx="4319587" cy="584775"/>
           </a:xfrm>
           <a:prstGeom prst="rect">
@@ -1326,7 +1326,7 @@
     </p:spTree>
     <p:extLst>
       <p:ext uri="{BB962C8B-B14F-4D97-AF65-F5344CB8AC3E}">
-        <p14:creationId xmlns:p14="http://schemas.microsoft.com/office/powerpoint/2010/main" xmlns="" val="2080158732"/>
+        <p14:creationId xmlns="" xmlns:p14="http://schemas.microsoft.com/office/powerpoint/2010/main" val="2080158732"/>
       </p:ext>
     </p:extLst>
   </p:cSld>
@@ -1373,7 +1373,7 @@
         <p:spPr/>
         <p:txBody>
           <a:bodyPr>
-            <a:normAutofit lnSpcReduction="10000"/>
+            <a:normAutofit fontScale="85000" lnSpcReduction="20000"/>
           </a:bodyPr>
           <a:lstStyle/>
           <a:p>
@@ -1401,7 +1401,9 @@
         </p:nvSpPr>
         <p:spPr/>
         <p:txBody>
-          <a:bodyPr/>
+          <a:bodyPr>
+            <a:normAutofit lnSpcReduction="10000"/>
+          </a:bodyPr>
           <a:lstStyle/>
           <a:p>
             <a:endParaRPr lang="en-US" altLang="zh-CN" dirty="0" smtClean="0"/>
@@ -1459,7 +1461,7 @@
         </p:nvSpPr>
         <p:spPr>
           <a:xfrm>
-            <a:off x="490452" y="1426940"/>
+            <a:off x="490452" y="1070205"/>
             <a:ext cx="6600304" cy="2308324"/>
           </a:xfrm>
           <a:prstGeom prst="rect">
@@ -2013,7 +2015,7 @@
         <p:spPr/>
         <p:txBody>
           <a:bodyPr>
-            <a:normAutofit lnSpcReduction="10000"/>
+            <a:normAutofit fontScale="85000" lnSpcReduction="20000"/>
           </a:bodyPr>
           <a:lstStyle/>
           <a:p>
@@ -2088,8 +2090,8 @@
         </p:blipFill>
         <p:spPr bwMode="auto">
           <a:xfrm>
-            <a:off x="357447" y="2279137"/>
-            <a:ext cx="8452370" cy="1800767"/>
+            <a:off x="357447" y="1709353"/>
+            <a:ext cx="8273748" cy="1501872"/>
           </a:xfrm>
           <a:prstGeom prst="rect">
             <a:avLst/>
@@ -2121,8 +2123,8 @@
         </p:blipFill>
         <p:spPr bwMode="auto">
           <a:xfrm>
-            <a:off x="337445" y="4307204"/>
-            <a:ext cx="4429125" cy="438150"/>
+            <a:off x="312732" y="3440468"/>
+            <a:ext cx="4429125" cy="402483"/>
           </a:xfrm>
           <a:prstGeom prst="rect">
             <a:avLst/>
@@ -2452,7 +2454,7 @@
         <p:spPr/>
         <p:txBody>
           <a:bodyPr>
-            <a:normAutofit lnSpcReduction="10000"/>
+            <a:normAutofit fontScale="85000" lnSpcReduction="20000"/>
           </a:bodyPr>
           <a:lstStyle/>
           <a:p>
@@ -2544,7 +2546,7 @@
         </p:nvSpPr>
         <p:spPr>
           <a:xfrm>
-            <a:off x="2084979" y="2837009"/>
+            <a:off x="2084979" y="2127757"/>
             <a:ext cx="3950120" cy="369332"/>
           </a:xfrm>
           <a:prstGeom prst="rect">
@@ -2588,7 +2590,7 @@
         </p:nvSpPr>
         <p:spPr>
           <a:xfrm>
-            <a:off x="2087749" y="3363482"/>
+            <a:off x="2087750" y="2522612"/>
             <a:ext cx="4089581" cy="369332"/>
           </a:xfrm>
           <a:prstGeom prst="rect">
@@ -2640,7 +2642,7 @@
         </p:nvSpPr>
         <p:spPr>
           <a:xfrm>
-            <a:off x="2098830" y="3889952"/>
+            <a:off x="2098831" y="2917464"/>
             <a:ext cx="4507965" cy="369332"/>
           </a:xfrm>
           <a:prstGeom prst="rect">
@@ -2900,7 +2902,7 @@
         <p:spPr/>
         <p:txBody>
           <a:bodyPr>
-            <a:normAutofit lnSpcReduction="10000"/>
+            <a:normAutofit fontScale="85000" lnSpcReduction="20000"/>
           </a:bodyPr>
           <a:lstStyle/>
           <a:p>
@@ -2962,7 +2964,7 @@
         </p:nvSpPr>
         <p:spPr>
           <a:xfrm>
-            <a:off x="365761" y="1416225"/>
+            <a:off x="365761" y="1062169"/>
             <a:ext cx="7922028" cy="3539430"/>
           </a:xfrm>
           <a:prstGeom prst="rect">
@@ -3565,7 +3567,7 @@
         <p:spPr/>
         <p:txBody>
           <a:bodyPr>
-            <a:normAutofit lnSpcReduction="10000"/>
+            <a:normAutofit fontScale="85000" lnSpcReduction="20000"/>
           </a:bodyPr>
           <a:lstStyle/>
           <a:p>
@@ -3626,8 +3628,8 @@
         </p:nvSpPr>
         <p:spPr>
           <a:xfrm>
-            <a:off x="556954" y="1737328"/>
-            <a:ext cx="5943600" cy="3139321"/>
+            <a:off x="556954" y="1302996"/>
+            <a:ext cx="5943600" cy="2462213"/>
           </a:xfrm>
           <a:prstGeom prst="rect">
             <a:avLst/>
@@ -3640,7 +3642,7 @@
           <a:lstStyle/>
           <a:p>
             <a:r>
-              <a:rPr lang="en-US" altLang="zh-CN" dirty="0" smtClean="0">
+              <a:rPr lang="en-US" altLang="zh-CN" sz="1400" dirty="0" smtClean="0">
                 <a:latin typeface="DejaVu Sans Mono" pitchFamily="49" charset="0"/>
                 <a:ea typeface="DejaVu Sans Mono" pitchFamily="49" charset="0"/>
                 <a:cs typeface="DejaVu Sans Mono" pitchFamily="49" charset="0"/>
@@ -3648,7 +3650,7 @@
               <a:t>template&lt;</a:t>
             </a:r>
             <a:r>
-              <a:rPr lang="en-US" altLang="zh-CN" dirty="0" err="1" smtClean="0">
+              <a:rPr lang="en-US" altLang="zh-CN" sz="1400" dirty="0" err="1" smtClean="0">
                 <a:latin typeface="DejaVu Sans Mono" pitchFamily="49" charset="0"/>
                 <a:ea typeface="DejaVu Sans Mono" pitchFamily="49" charset="0"/>
                 <a:cs typeface="DejaVu Sans Mono" pitchFamily="49" charset="0"/>
@@ -3656,7 +3658,7 @@
               <a:t>typename</a:t>
             </a:r>
             <a:r>
-              <a:rPr lang="en-US" altLang="zh-CN" dirty="0" smtClean="0">
+              <a:rPr lang="en-US" altLang="zh-CN" sz="1400" dirty="0" smtClean="0">
                 <a:latin typeface="DejaVu Sans Mono" pitchFamily="49" charset="0"/>
                 <a:ea typeface="DejaVu Sans Mono" pitchFamily="49" charset="0"/>
                 <a:cs typeface="DejaVu Sans Mono" pitchFamily="49" charset="0"/>
@@ -3666,7 +3668,7 @@
           </a:p>
           <a:p>
             <a:r>
-              <a:rPr lang="en-US" altLang="zh-CN" dirty="0" smtClean="0">
+              <a:rPr lang="en-US" altLang="zh-CN" sz="1400" dirty="0" smtClean="0">
                 <a:latin typeface="DejaVu Sans Mono" pitchFamily="49" charset="0"/>
                 <a:ea typeface="DejaVu Sans Mono" pitchFamily="49" charset="0"/>
                 <a:cs typeface="DejaVu Sans Mono" pitchFamily="49" charset="0"/>
@@ -3674,7 +3676,7 @@
               <a:t>auto add(T </a:t>
             </a:r>
             <a:r>
-              <a:rPr lang="en-US" altLang="zh-CN" dirty="0" err="1" smtClean="0">
+              <a:rPr lang="en-US" altLang="zh-CN" sz="1400" dirty="0" err="1" smtClean="0">
                 <a:latin typeface="DejaVu Sans Mono" pitchFamily="49" charset="0"/>
                 <a:ea typeface="DejaVu Sans Mono" pitchFamily="49" charset="0"/>
                 <a:cs typeface="DejaVu Sans Mono" pitchFamily="49" charset="0"/>
@@ -3682,7 +3684,7 @@
               <a:t>t</a:t>
             </a:r>
             <a:r>
-              <a:rPr lang="en-US" altLang="zh-CN" dirty="0" smtClean="0">
+              <a:rPr lang="en-US" altLang="zh-CN" sz="1400" dirty="0" smtClean="0">
                 <a:latin typeface="DejaVu Sans Mono" pitchFamily="49" charset="0"/>
                 <a:ea typeface="DejaVu Sans Mono" pitchFamily="49" charset="0"/>
                 <a:cs typeface="DejaVu Sans Mono" pitchFamily="49" charset="0"/>
@@ -3692,7 +3694,7 @@
           </a:p>
           <a:p>
             <a:r>
-              <a:rPr lang="en-US" altLang="zh-CN" dirty="0" smtClean="0">
+              <a:rPr lang="en-US" altLang="zh-CN" sz="1400" dirty="0" smtClean="0">
                 <a:latin typeface="DejaVu Sans Mono" pitchFamily="49" charset="0"/>
                 <a:ea typeface="DejaVu Sans Mono" pitchFamily="49" charset="0"/>
                 <a:cs typeface="DejaVu Sans Mono" pitchFamily="49" charset="0"/>
@@ -3702,7 +3704,7 @@
           </a:p>
           <a:p>
             <a:r>
-              <a:rPr lang="en-US" altLang="zh-CN" dirty="0" smtClean="0">
+              <a:rPr lang="en-US" altLang="zh-CN" sz="1400" dirty="0" smtClean="0">
                 <a:latin typeface="DejaVu Sans Mono" pitchFamily="49" charset="0"/>
                 <a:ea typeface="DejaVu Sans Mono" pitchFamily="49" charset="0"/>
                 <a:cs typeface="DejaVu Sans Mono" pitchFamily="49" charset="0"/>
@@ -3711,7 +3713,7 @@
             </a:r>
           </a:p>
           <a:p>
-            <a:endParaRPr lang="en-US" altLang="zh-CN" dirty="0" smtClean="0">
+            <a:endParaRPr lang="en-US" altLang="zh-CN" sz="1400" dirty="0" smtClean="0">
               <a:latin typeface="DejaVu Sans Mono" pitchFamily="49" charset="0"/>
               <a:ea typeface="DejaVu Sans Mono" pitchFamily="49" charset="0"/>
               <a:cs typeface="DejaVu Sans Mono" pitchFamily="49" charset="0"/>
@@ -3719,7 +3721,7 @@
           </a:p>
           <a:p>
             <a:r>
-              <a:rPr lang="en-US" altLang="zh-CN" dirty="0" smtClean="0">
+              <a:rPr lang="en-US" altLang="zh-CN" sz="1400" dirty="0" smtClean="0">
                 <a:latin typeface="DejaVu Sans Mono" pitchFamily="49" charset="0"/>
                 <a:ea typeface="DejaVu Sans Mono" pitchFamily="49" charset="0"/>
                 <a:cs typeface="DejaVu Sans Mono" pitchFamily="49" charset="0"/>
@@ -3727,7 +3729,7 @@
               <a:t>template&lt;</a:t>
             </a:r>
             <a:r>
-              <a:rPr lang="en-US" altLang="zh-CN" dirty="0" err="1" smtClean="0">
+              <a:rPr lang="en-US" altLang="zh-CN" sz="1400" dirty="0" err="1" smtClean="0">
                 <a:latin typeface="DejaVu Sans Mono" pitchFamily="49" charset="0"/>
                 <a:ea typeface="DejaVu Sans Mono" pitchFamily="49" charset="0"/>
                 <a:cs typeface="DejaVu Sans Mono" pitchFamily="49" charset="0"/>
@@ -3735,7 +3737,7 @@
               <a:t>typename</a:t>
             </a:r>
             <a:r>
-              <a:rPr lang="en-US" altLang="zh-CN" dirty="0" smtClean="0">
+              <a:rPr lang="en-US" altLang="zh-CN" sz="1400" dirty="0" smtClean="0">
                 <a:latin typeface="DejaVu Sans Mono" pitchFamily="49" charset="0"/>
                 <a:ea typeface="DejaVu Sans Mono" pitchFamily="49" charset="0"/>
                 <a:cs typeface="DejaVu Sans Mono" pitchFamily="49" charset="0"/>
@@ -3743,7 +3745,7 @@
               <a:t> </a:t>
             </a:r>
             <a:r>
-              <a:rPr lang="en-US" altLang="zh-CN" dirty="0" err="1" smtClean="0">
+              <a:rPr lang="en-US" altLang="zh-CN" sz="1400" dirty="0" err="1" smtClean="0">
                 <a:latin typeface="DejaVu Sans Mono" pitchFamily="49" charset="0"/>
                 <a:ea typeface="DejaVu Sans Mono" pitchFamily="49" charset="0"/>
                 <a:cs typeface="DejaVu Sans Mono" pitchFamily="49" charset="0"/>
@@ -3751,7 +3753,7 @@
               <a:t>Arg</a:t>
             </a:r>
             <a:r>
-              <a:rPr lang="en-US" altLang="zh-CN" dirty="0" smtClean="0">
+              <a:rPr lang="en-US" altLang="zh-CN" sz="1400" dirty="0" smtClean="0">
                 <a:latin typeface="DejaVu Sans Mono" pitchFamily="49" charset="0"/>
                 <a:ea typeface="DejaVu Sans Mono" pitchFamily="49" charset="0"/>
                 <a:cs typeface="DejaVu Sans Mono" pitchFamily="49" charset="0"/>
@@ -3759,7 +3761,7 @@
               <a:t>, </a:t>
             </a:r>
             <a:r>
-              <a:rPr lang="en-US" altLang="zh-CN" dirty="0" err="1" smtClean="0">
+              <a:rPr lang="en-US" altLang="zh-CN" sz="1400" dirty="0" err="1" smtClean="0">
                 <a:latin typeface="DejaVu Sans Mono" pitchFamily="49" charset="0"/>
                 <a:ea typeface="DejaVu Sans Mono" pitchFamily="49" charset="0"/>
                 <a:cs typeface="DejaVu Sans Mono" pitchFamily="49" charset="0"/>
@@ -3767,7 +3769,7 @@
               <a:t>typename</a:t>
             </a:r>
             <a:r>
-              <a:rPr lang="en-US" altLang="zh-CN" dirty="0" smtClean="0">
+              <a:rPr lang="en-US" altLang="zh-CN" sz="1400" dirty="0" smtClean="0">
                 <a:latin typeface="DejaVu Sans Mono" pitchFamily="49" charset="0"/>
                 <a:ea typeface="DejaVu Sans Mono" pitchFamily="49" charset="0"/>
                 <a:cs typeface="DejaVu Sans Mono" pitchFamily="49" charset="0"/>
@@ -3775,7 +3777,7 @@
               <a:t>... </a:t>
             </a:r>
             <a:r>
-              <a:rPr lang="en-US" altLang="zh-CN" dirty="0" err="1" smtClean="0">
+              <a:rPr lang="en-US" altLang="zh-CN" sz="1400" dirty="0" err="1" smtClean="0">
                 <a:latin typeface="DejaVu Sans Mono" pitchFamily="49" charset="0"/>
                 <a:ea typeface="DejaVu Sans Mono" pitchFamily="49" charset="0"/>
                 <a:cs typeface="DejaVu Sans Mono" pitchFamily="49" charset="0"/>
@@ -3783,7 +3785,7 @@
               <a:t>Args</a:t>
             </a:r>
             <a:r>
-              <a:rPr lang="en-US" altLang="zh-CN" dirty="0" smtClean="0">
+              <a:rPr lang="en-US" altLang="zh-CN" sz="1400" dirty="0" smtClean="0">
                 <a:latin typeface="DejaVu Sans Mono" pitchFamily="49" charset="0"/>
                 <a:ea typeface="DejaVu Sans Mono" pitchFamily="49" charset="0"/>
                 <a:cs typeface="DejaVu Sans Mono" pitchFamily="49" charset="0"/>
@@ -3793,7 +3795,7 @@
           </a:p>
           <a:p>
             <a:r>
-              <a:rPr lang="en-US" altLang="zh-CN" dirty="0" smtClean="0">
+              <a:rPr lang="en-US" altLang="zh-CN" sz="1400" dirty="0" smtClean="0">
                 <a:latin typeface="DejaVu Sans Mono" pitchFamily="49" charset="0"/>
                 <a:ea typeface="DejaVu Sans Mono" pitchFamily="49" charset="0"/>
                 <a:cs typeface="DejaVu Sans Mono" pitchFamily="49" charset="0"/>
@@ -3801,7 +3803,7 @@
               <a:t>auto add(</a:t>
             </a:r>
             <a:r>
-              <a:rPr lang="en-US" altLang="zh-CN" dirty="0" err="1" smtClean="0">
+              <a:rPr lang="en-US" altLang="zh-CN" sz="1400" dirty="0" err="1" smtClean="0">
                 <a:latin typeface="DejaVu Sans Mono" pitchFamily="49" charset="0"/>
                 <a:ea typeface="DejaVu Sans Mono" pitchFamily="49" charset="0"/>
                 <a:cs typeface="DejaVu Sans Mono" pitchFamily="49" charset="0"/>
@@ -3809,7 +3811,7 @@
               <a:t>Arg</a:t>
             </a:r>
             <a:r>
-              <a:rPr lang="en-US" altLang="zh-CN" dirty="0" smtClean="0">
+              <a:rPr lang="en-US" altLang="zh-CN" sz="1400" dirty="0" smtClean="0">
                 <a:latin typeface="DejaVu Sans Mono" pitchFamily="49" charset="0"/>
                 <a:ea typeface="DejaVu Sans Mono" pitchFamily="49" charset="0"/>
                 <a:cs typeface="DejaVu Sans Mono" pitchFamily="49" charset="0"/>
@@ -3817,7 +3819,7 @@
               <a:t> </a:t>
             </a:r>
             <a:r>
-              <a:rPr lang="en-US" altLang="zh-CN" dirty="0" err="1" smtClean="0">
+              <a:rPr lang="en-US" altLang="zh-CN" sz="1400" dirty="0" err="1" smtClean="0">
                 <a:latin typeface="DejaVu Sans Mono" pitchFamily="49" charset="0"/>
                 <a:ea typeface="DejaVu Sans Mono" pitchFamily="49" charset="0"/>
                 <a:cs typeface="DejaVu Sans Mono" pitchFamily="49" charset="0"/>
@@ -3825,7 +3827,7 @@
               <a:t>arg</a:t>
             </a:r>
             <a:r>
-              <a:rPr lang="en-US" altLang="zh-CN" dirty="0" smtClean="0">
+              <a:rPr lang="en-US" altLang="zh-CN" sz="1400" dirty="0" smtClean="0">
                 <a:latin typeface="DejaVu Sans Mono" pitchFamily="49" charset="0"/>
                 <a:ea typeface="DejaVu Sans Mono" pitchFamily="49" charset="0"/>
                 <a:cs typeface="DejaVu Sans Mono" pitchFamily="49" charset="0"/>
@@ -3833,7 +3835,7 @@
               <a:t>, </a:t>
             </a:r>
             <a:r>
-              <a:rPr lang="en-US" altLang="zh-CN" dirty="0" err="1" smtClean="0">
+              <a:rPr lang="en-US" altLang="zh-CN" sz="1400" dirty="0" err="1" smtClean="0">
                 <a:latin typeface="DejaVu Sans Mono" pitchFamily="49" charset="0"/>
                 <a:ea typeface="DejaVu Sans Mono" pitchFamily="49" charset="0"/>
                 <a:cs typeface="DejaVu Sans Mono" pitchFamily="49" charset="0"/>
@@ -3841,7 +3843,7 @@
               <a:t>Args</a:t>
             </a:r>
             <a:r>
-              <a:rPr lang="en-US" altLang="zh-CN" dirty="0" smtClean="0">
+              <a:rPr lang="en-US" altLang="zh-CN" sz="1400" dirty="0" smtClean="0">
                 <a:latin typeface="DejaVu Sans Mono" pitchFamily="49" charset="0"/>
                 <a:ea typeface="DejaVu Sans Mono" pitchFamily="49" charset="0"/>
                 <a:cs typeface="DejaVu Sans Mono" pitchFamily="49" charset="0"/>
@@ -3849,7 +3851,7 @@
               <a:t>... </a:t>
             </a:r>
             <a:r>
-              <a:rPr lang="en-US" altLang="zh-CN" dirty="0" err="1" smtClean="0">
+              <a:rPr lang="en-US" altLang="zh-CN" sz="1400" dirty="0" err="1" smtClean="0">
                 <a:latin typeface="DejaVu Sans Mono" pitchFamily="49" charset="0"/>
                 <a:ea typeface="DejaVu Sans Mono" pitchFamily="49" charset="0"/>
                 <a:cs typeface="DejaVu Sans Mono" pitchFamily="49" charset="0"/>
@@ -3857,7 +3859,7 @@
               <a:t>args</a:t>
             </a:r>
             <a:r>
-              <a:rPr lang="en-US" altLang="zh-CN" dirty="0" smtClean="0">
+              <a:rPr lang="en-US" altLang="zh-CN" sz="1400" dirty="0" smtClean="0">
                 <a:latin typeface="DejaVu Sans Mono" pitchFamily="49" charset="0"/>
                 <a:ea typeface="DejaVu Sans Mono" pitchFamily="49" charset="0"/>
                 <a:cs typeface="DejaVu Sans Mono" pitchFamily="49" charset="0"/>
@@ -3867,7 +3869,7 @@
           </a:p>
           <a:p>
             <a:r>
-              <a:rPr lang="en-US" altLang="zh-CN" dirty="0" smtClean="0">
+              <a:rPr lang="en-US" altLang="zh-CN" sz="1400" dirty="0" smtClean="0">
                 <a:latin typeface="DejaVu Sans Mono" pitchFamily="49" charset="0"/>
                 <a:ea typeface="DejaVu Sans Mono" pitchFamily="49" charset="0"/>
                 <a:cs typeface="DejaVu Sans Mono" pitchFamily="49" charset="0"/>
@@ -3875,7 +3877,7 @@
               <a:t>    return </a:t>
             </a:r>
             <a:r>
-              <a:rPr lang="en-US" altLang="zh-CN" dirty="0" err="1" smtClean="0">
+              <a:rPr lang="en-US" altLang="zh-CN" sz="1400" dirty="0" err="1" smtClean="0">
                 <a:latin typeface="DejaVu Sans Mono" pitchFamily="49" charset="0"/>
                 <a:ea typeface="DejaVu Sans Mono" pitchFamily="49" charset="0"/>
                 <a:cs typeface="DejaVu Sans Mono" pitchFamily="49" charset="0"/>
@@ -3883,7 +3885,7 @@
               <a:t>arg+add</a:t>
             </a:r>
             <a:r>
-              <a:rPr lang="en-US" altLang="zh-CN" dirty="0" smtClean="0">
+              <a:rPr lang="en-US" altLang="zh-CN" sz="1400" dirty="0" smtClean="0">
                 <a:latin typeface="DejaVu Sans Mono" pitchFamily="49" charset="0"/>
                 <a:ea typeface="DejaVu Sans Mono" pitchFamily="49" charset="0"/>
                 <a:cs typeface="DejaVu Sans Mono" pitchFamily="49" charset="0"/>
@@ -3891,7 +3893,7 @@
               <a:t>(</a:t>
             </a:r>
             <a:r>
-              <a:rPr lang="en-US" altLang="zh-CN" dirty="0" err="1" smtClean="0">
+              <a:rPr lang="en-US" altLang="zh-CN" sz="1400" dirty="0" err="1" smtClean="0">
                 <a:latin typeface="DejaVu Sans Mono" pitchFamily="49" charset="0"/>
                 <a:ea typeface="DejaVu Sans Mono" pitchFamily="49" charset="0"/>
                 <a:cs typeface="DejaVu Sans Mono" pitchFamily="49" charset="0"/>
@@ -3899,7 +3901,7 @@
               <a:t>args</a:t>
             </a:r>
             <a:r>
-              <a:rPr lang="en-US" altLang="zh-CN" dirty="0" smtClean="0">
+              <a:rPr lang="en-US" altLang="zh-CN" sz="1400" dirty="0" smtClean="0">
                 <a:latin typeface="DejaVu Sans Mono" pitchFamily="49" charset="0"/>
                 <a:ea typeface="DejaVu Sans Mono" pitchFamily="49" charset="0"/>
                 <a:cs typeface="DejaVu Sans Mono" pitchFamily="49" charset="0"/>
@@ -3909,7 +3911,7 @@
           </a:p>
           <a:p>
             <a:r>
-              <a:rPr lang="en-US" altLang="zh-CN" dirty="0" smtClean="0">
+              <a:rPr lang="en-US" altLang="zh-CN" sz="1400" dirty="0" smtClean="0">
                 <a:latin typeface="DejaVu Sans Mono" pitchFamily="49" charset="0"/>
                 <a:ea typeface="DejaVu Sans Mono" pitchFamily="49" charset="0"/>
                 <a:cs typeface="DejaVu Sans Mono" pitchFamily="49" charset="0"/>
@@ -3918,7 +3920,7 @@
             </a:r>
           </a:p>
           <a:p>
-            <a:endParaRPr lang="en-US" altLang="zh-CN" dirty="0" smtClean="0">
+            <a:endParaRPr lang="en-US" altLang="zh-CN" sz="1400" dirty="0" smtClean="0">
               <a:latin typeface="DejaVu Sans Mono" pitchFamily="49" charset="0"/>
               <a:ea typeface="DejaVu Sans Mono" pitchFamily="49" charset="0"/>
               <a:cs typeface="DejaVu Sans Mono" pitchFamily="49" charset="0"/>
@@ -3926,14 +3928,14 @@
           </a:p>
           <a:p>
             <a:r>
-              <a:rPr lang="en-US" altLang="zh-CN" dirty="0" smtClean="0">
+              <a:rPr lang="en-US" altLang="zh-CN" sz="1400" dirty="0" smtClean="0">
                 <a:latin typeface="DejaVu Sans Mono" pitchFamily="49" charset="0"/>
                 <a:ea typeface="DejaVu Sans Mono" pitchFamily="49" charset="0"/>
                 <a:cs typeface="DejaVu Sans Mono" pitchFamily="49" charset="0"/>
               </a:rPr>
               <a:t>add(1,2,3); //6</a:t>
             </a:r>
-            <a:endParaRPr lang="zh-CN" altLang="en-US" dirty="0">
+            <a:endParaRPr lang="zh-CN" altLang="en-US" sz="1400" dirty="0">
               <a:latin typeface="DejaVu Sans Mono" pitchFamily="49" charset="0"/>
               <a:cs typeface="DejaVu Sans Mono" pitchFamily="49" charset="0"/>
             </a:endParaRPr>
@@ -3948,8 +3950,8 @@
         </p:nvSpPr>
         <p:spPr>
           <a:xfrm>
-            <a:off x="548639" y="5073274"/>
-            <a:ext cx="3865420" cy="1200329"/>
+            <a:off x="548639" y="3804956"/>
+            <a:ext cx="3865420" cy="954107"/>
           </a:xfrm>
           <a:prstGeom prst="rect">
             <a:avLst/>
@@ -3962,7 +3964,7 @@
           <a:lstStyle/>
           <a:p>
             <a:r>
-              <a:rPr lang="en-US" dirty="0" smtClean="0">
+              <a:rPr lang="en-US" sz="1400" dirty="0" smtClean="0">
                 <a:latin typeface="DejaVu Sans Mono" pitchFamily="49" charset="0"/>
                 <a:ea typeface="DejaVu Sans Mono" pitchFamily="49" charset="0"/>
                 <a:cs typeface="DejaVu Sans Mono" pitchFamily="49" charset="0"/>
@@ -3970,7 +3972,7 @@
               <a:t>template&lt;</a:t>
             </a:r>
             <a:r>
-              <a:rPr lang="en-US" dirty="0" err="1" smtClean="0">
+              <a:rPr lang="en-US" sz="1400" dirty="0" err="1" smtClean="0">
                 <a:latin typeface="DejaVu Sans Mono" pitchFamily="49" charset="0"/>
                 <a:ea typeface="DejaVu Sans Mono" pitchFamily="49" charset="0"/>
                 <a:cs typeface="DejaVu Sans Mono" pitchFamily="49" charset="0"/>
@@ -3978,7 +3980,7 @@
               <a:t>typename</a:t>
             </a:r>
             <a:r>
-              <a:rPr lang="en-US" dirty="0" smtClean="0">
+              <a:rPr lang="en-US" sz="1400" dirty="0" smtClean="0">
                 <a:latin typeface="DejaVu Sans Mono" pitchFamily="49" charset="0"/>
                 <a:ea typeface="DejaVu Sans Mono" pitchFamily="49" charset="0"/>
                 <a:cs typeface="DejaVu Sans Mono" pitchFamily="49" charset="0"/>
@@ -3986,7 +3988,7 @@
               <a:t>... </a:t>
             </a:r>
             <a:r>
-              <a:rPr lang="en-US" dirty="0" err="1" smtClean="0">
+              <a:rPr lang="en-US" sz="1400" dirty="0" err="1" smtClean="0">
                 <a:latin typeface="DejaVu Sans Mono" pitchFamily="49" charset="0"/>
                 <a:ea typeface="DejaVu Sans Mono" pitchFamily="49" charset="0"/>
                 <a:cs typeface="DejaVu Sans Mono" pitchFamily="49" charset="0"/>
@@ -3994,7 +3996,7 @@
               <a:t>Args</a:t>
             </a:r>
             <a:r>
-              <a:rPr lang="en-US" dirty="0" smtClean="0">
+              <a:rPr lang="en-US" sz="1400" dirty="0" smtClean="0">
                 <a:latin typeface="DejaVu Sans Mono" pitchFamily="49" charset="0"/>
                 <a:ea typeface="DejaVu Sans Mono" pitchFamily="49" charset="0"/>
                 <a:cs typeface="DejaVu Sans Mono" pitchFamily="49" charset="0"/>
@@ -4002,14 +4004,14 @@
               <a:t>&gt;</a:t>
             </a:r>
             <a:br>
-              <a:rPr lang="en-US" dirty="0" smtClean="0">
+              <a:rPr lang="en-US" sz="1400" dirty="0" smtClean="0">
                 <a:latin typeface="DejaVu Sans Mono" pitchFamily="49" charset="0"/>
                 <a:ea typeface="DejaVu Sans Mono" pitchFamily="49" charset="0"/>
                 <a:cs typeface="DejaVu Sans Mono" pitchFamily="49" charset="0"/>
               </a:rPr>
             </a:br>
             <a:r>
-              <a:rPr lang="en-US" dirty="0" smtClean="0">
+              <a:rPr lang="en-US" sz="1400" dirty="0" smtClean="0">
                 <a:latin typeface="DejaVu Sans Mono" pitchFamily="49" charset="0"/>
                 <a:ea typeface="DejaVu Sans Mono" pitchFamily="49" charset="0"/>
                 <a:cs typeface="DejaVu Sans Mono" pitchFamily="49" charset="0"/>
@@ -4017,7 +4019,7 @@
               <a:t>auto add(</a:t>
             </a:r>
             <a:r>
-              <a:rPr lang="en-US" dirty="0" err="1" smtClean="0">
+              <a:rPr lang="en-US" sz="1400" dirty="0" err="1" smtClean="0">
                 <a:latin typeface="DejaVu Sans Mono" pitchFamily="49" charset="0"/>
                 <a:ea typeface="DejaVu Sans Mono" pitchFamily="49" charset="0"/>
                 <a:cs typeface="DejaVu Sans Mono" pitchFamily="49" charset="0"/>
@@ -4025,7 +4027,7 @@
               <a:t>Args</a:t>
             </a:r>
             <a:r>
-              <a:rPr lang="en-US" dirty="0" smtClean="0">
+              <a:rPr lang="en-US" sz="1400" dirty="0" smtClean="0">
                 <a:latin typeface="DejaVu Sans Mono" pitchFamily="49" charset="0"/>
                 <a:ea typeface="DejaVu Sans Mono" pitchFamily="49" charset="0"/>
                 <a:cs typeface="DejaVu Sans Mono" pitchFamily="49" charset="0"/>
@@ -4033,7 +4035,7 @@
               <a:t>... </a:t>
             </a:r>
             <a:r>
-              <a:rPr lang="en-US" dirty="0" err="1" smtClean="0">
+              <a:rPr lang="en-US" sz="1400" dirty="0" err="1" smtClean="0">
                 <a:latin typeface="DejaVu Sans Mono" pitchFamily="49" charset="0"/>
                 <a:ea typeface="DejaVu Sans Mono" pitchFamily="49" charset="0"/>
                 <a:cs typeface="DejaVu Sans Mono" pitchFamily="49" charset="0"/>
@@ -4041,7 +4043,7 @@
               <a:t>args</a:t>
             </a:r>
             <a:r>
-              <a:rPr lang="en-US" dirty="0" smtClean="0">
+              <a:rPr lang="en-US" sz="1400" dirty="0" smtClean="0">
                 <a:latin typeface="DejaVu Sans Mono" pitchFamily="49" charset="0"/>
                 <a:ea typeface="DejaVu Sans Mono" pitchFamily="49" charset="0"/>
                 <a:cs typeface="DejaVu Sans Mono" pitchFamily="49" charset="0"/>
@@ -4049,14 +4051,14 @@
               <a:t>) {</a:t>
             </a:r>
             <a:br>
-              <a:rPr lang="en-US" dirty="0" smtClean="0">
+              <a:rPr lang="en-US" sz="1400" dirty="0" smtClean="0">
                 <a:latin typeface="DejaVu Sans Mono" pitchFamily="49" charset="0"/>
                 <a:ea typeface="DejaVu Sans Mono" pitchFamily="49" charset="0"/>
                 <a:cs typeface="DejaVu Sans Mono" pitchFamily="49" charset="0"/>
               </a:rPr>
             </a:br>
             <a:r>
-              <a:rPr lang="en-US" dirty="0" smtClean="0">
+              <a:rPr lang="en-US" sz="1400" dirty="0" smtClean="0">
                 <a:latin typeface="DejaVu Sans Mono" pitchFamily="49" charset="0"/>
                 <a:ea typeface="DejaVu Sans Mono" pitchFamily="49" charset="0"/>
                 <a:cs typeface="DejaVu Sans Mono" pitchFamily="49" charset="0"/>
@@ -4064,7 +4066,7 @@
               <a:t>    return (</a:t>
             </a:r>
             <a:r>
-              <a:rPr lang="en-US" dirty="0" err="1" smtClean="0">
+              <a:rPr lang="en-US" sz="1400" dirty="0" err="1" smtClean="0">
                 <a:latin typeface="DejaVu Sans Mono" pitchFamily="49" charset="0"/>
                 <a:ea typeface="DejaVu Sans Mono" pitchFamily="49" charset="0"/>
                 <a:cs typeface="DejaVu Sans Mono" pitchFamily="49" charset="0"/>
@@ -4072,7 +4074,7 @@
               <a:t>args</a:t>
             </a:r>
             <a:r>
-              <a:rPr lang="en-US" dirty="0" smtClean="0">
+              <a:rPr lang="en-US" sz="1400" dirty="0" smtClean="0">
                 <a:latin typeface="DejaVu Sans Mono" pitchFamily="49" charset="0"/>
                 <a:ea typeface="DejaVu Sans Mono" pitchFamily="49" charset="0"/>
                 <a:cs typeface="DejaVu Sans Mono" pitchFamily="49" charset="0"/>
@@ -4080,21 +4082,21 @@
               <a:t> +  ...);</a:t>
             </a:r>
             <a:br>
-              <a:rPr lang="en-US" dirty="0" smtClean="0">
+              <a:rPr lang="en-US" sz="1400" dirty="0" smtClean="0">
                 <a:latin typeface="DejaVu Sans Mono" pitchFamily="49" charset="0"/>
                 <a:ea typeface="DejaVu Sans Mono" pitchFamily="49" charset="0"/>
                 <a:cs typeface="DejaVu Sans Mono" pitchFamily="49" charset="0"/>
               </a:rPr>
             </a:br>
             <a:r>
-              <a:rPr lang="en-US" dirty="0" smtClean="0">
+              <a:rPr lang="en-US" sz="1400" dirty="0" smtClean="0">
                 <a:latin typeface="DejaVu Sans Mono" pitchFamily="49" charset="0"/>
                 <a:ea typeface="DejaVu Sans Mono" pitchFamily="49" charset="0"/>
                 <a:cs typeface="DejaVu Sans Mono" pitchFamily="49" charset="0"/>
               </a:rPr>
               <a:t>}</a:t>
             </a:r>
-            <a:endParaRPr lang="zh-CN" altLang="en-US" dirty="0">
+            <a:endParaRPr lang="zh-CN" altLang="en-US" sz="1400" dirty="0">
               <a:latin typeface="DejaVu Sans Mono" pitchFamily="49" charset="0"/>
               <a:cs typeface="DejaVu Sans Mono" pitchFamily="49" charset="0"/>
             </a:endParaRPr>
@@ -4109,8 +4111,8 @@
         </p:nvSpPr>
         <p:spPr>
           <a:xfrm>
-            <a:off x="4455621" y="5064961"/>
-            <a:ext cx="4281055" cy="1200329"/>
+            <a:off x="4455622" y="3798721"/>
+            <a:ext cx="4281055" cy="954107"/>
           </a:xfrm>
           <a:prstGeom prst="rect">
             <a:avLst/>
@@ -4123,7 +4125,7 @@
           <a:lstStyle/>
           <a:p>
             <a:r>
-              <a:rPr lang="en-US" dirty="0" smtClean="0">
+              <a:rPr lang="en-US" sz="1400" dirty="0" smtClean="0">
                 <a:latin typeface="DejaVu Sans Mono" pitchFamily="49" charset="0"/>
                 <a:ea typeface="DejaVu Sans Mono" pitchFamily="49" charset="0"/>
                 <a:cs typeface="DejaVu Sans Mono" pitchFamily="49" charset="0"/>
@@ -4131,7 +4133,7 @@
               <a:t>template&lt;</a:t>
             </a:r>
             <a:r>
-              <a:rPr lang="en-US" dirty="0" err="1" smtClean="0">
+              <a:rPr lang="en-US" sz="1400" dirty="0" err="1" smtClean="0">
                 <a:latin typeface="DejaVu Sans Mono" pitchFamily="49" charset="0"/>
                 <a:ea typeface="DejaVu Sans Mono" pitchFamily="49" charset="0"/>
                 <a:cs typeface="DejaVu Sans Mono" pitchFamily="49" charset="0"/>
@@ -4139,7 +4141,7 @@
               <a:t>typename</a:t>
             </a:r>
             <a:r>
-              <a:rPr lang="en-US" dirty="0" smtClean="0">
+              <a:rPr lang="en-US" sz="1400" dirty="0" smtClean="0">
                 <a:latin typeface="DejaVu Sans Mono" pitchFamily="49" charset="0"/>
                 <a:ea typeface="DejaVu Sans Mono" pitchFamily="49" charset="0"/>
                 <a:cs typeface="DejaVu Sans Mono" pitchFamily="49" charset="0"/>
@@ -4147,7 +4149,7 @@
               <a:t>... </a:t>
             </a:r>
             <a:r>
-              <a:rPr lang="en-US" dirty="0" err="1" smtClean="0">
+              <a:rPr lang="en-US" sz="1400" dirty="0" err="1" smtClean="0">
                 <a:latin typeface="DejaVu Sans Mono" pitchFamily="49" charset="0"/>
                 <a:ea typeface="DejaVu Sans Mono" pitchFamily="49" charset="0"/>
                 <a:cs typeface="DejaVu Sans Mono" pitchFamily="49" charset="0"/>
@@ -4155,7 +4157,7 @@
               <a:t>Args</a:t>
             </a:r>
             <a:r>
-              <a:rPr lang="en-US" dirty="0" smtClean="0">
+              <a:rPr lang="en-US" sz="1400" dirty="0" smtClean="0">
                 <a:latin typeface="DejaVu Sans Mono" pitchFamily="49" charset="0"/>
                 <a:ea typeface="DejaVu Sans Mono" pitchFamily="49" charset="0"/>
                 <a:cs typeface="DejaVu Sans Mono" pitchFamily="49" charset="0"/>
@@ -4163,14 +4165,14 @@
               <a:t>&gt;</a:t>
             </a:r>
             <a:br>
-              <a:rPr lang="en-US" dirty="0" smtClean="0">
+              <a:rPr lang="en-US" sz="1400" dirty="0" smtClean="0">
                 <a:latin typeface="DejaVu Sans Mono" pitchFamily="49" charset="0"/>
                 <a:ea typeface="DejaVu Sans Mono" pitchFamily="49" charset="0"/>
                 <a:cs typeface="DejaVu Sans Mono" pitchFamily="49" charset="0"/>
               </a:rPr>
             </a:br>
             <a:r>
-              <a:rPr lang="en-US" dirty="0" smtClean="0">
+              <a:rPr lang="en-US" sz="1400" dirty="0" smtClean="0">
                 <a:latin typeface="DejaVu Sans Mono" pitchFamily="49" charset="0"/>
                 <a:ea typeface="DejaVu Sans Mono" pitchFamily="49" charset="0"/>
                 <a:cs typeface="DejaVu Sans Mono" pitchFamily="49" charset="0"/>
@@ -4178,7 +4180,7 @@
               <a:t>auto sub (</a:t>
             </a:r>
             <a:r>
-              <a:rPr lang="en-US" dirty="0" err="1" smtClean="0">
+              <a:rPr lang="en-US" sz="1400" dirty="0" err="1" smtClean="0">
                 <a:latin typeface="DejaVu Sans Mono" pitchFamily="49" charset="0"/>
                 <a:ea typeface="DejaVu Sans Mono" pitchFamily="49" charset="0"/>
                 <a:cs typeface="DejaVu Sans Mono" pitchFamily="49" charset="0"/>
@@ -4186,7 +4188,7 @@
               <a:t>Args</a:t>
             </a:r>
             <a:r>
-              <a:rPr lang="en-US" dirty="0" smtClean="0">
+              <a:rPr lang="en-US" sz="1400" dirty="0" smtClean="0">
                 <a:latin typeface="DejaVu Sans Mono" pitchFamily="49" charset="0"/>
                 <a:ea typeface="DejaVu Sans Mono" pitchFamily="49" charset="0"/>
                 <a:cs typeface="DejaVu Sans Mono" pitchFamily="49" charset="0"/>
@@ -4194,7 +4196,7 @@
               <a:t>... </a:t>
             </a:r>
             <a:r>
-              <a:rPr lang="en-US" dirty="0" err="1" smtClean="0">
+              <a:rPr lang="en-US" sz="1400" dirty="0" err="1" smtClean="0">
                 <a:latin typeface="DejaVu Sans Mono" pitchFamily="49" charset="0"/>
                 <a:ea typeface="DejaVu Sans Mono" pitchFamily="49" charset="0"/>
                 <a:cs typeface="DejaVu Sans Mono" pitchFamily="49" charset="0"/>
@@ -4202,7 +4204,7 @@
               <a:t>args</a:t>
             </a:r>
             <a:r>
-              <a:rPr lang="en-US" dirty="0" smtClean="0">
+              <a:rPr lang="en-US" sz="1400" dirty="0" smtClean="0">
                 <a:latin typeface="DejaVu Sans Mono" pitchFamily="49" charset="0"/>
                 <a:ea typeface="DejaVu Sans Mono" pitchFamily="49" charset="0"/>
                 <a:cs typeface="DejaVu Sans Mono" pitchFamily="49" charset="0"/>
@@ -4210,14 +4212,14 @@
               <a:t>) {</a:t>
             </a:r>
             <a:br>
-              <a:rPr lang="en-US" dirty="0" smtClean="0">
+              <a:rPr lang="en-US" sz="1400" dirty="0" smtClean="0">
                 <a:latin typeface="DejaVu Sans Mono" pitchFamily="49" charset="0"/>
                 <a:ea typeface="DejaVu Sans Mono" pitchFamily="49" charset="0"/>
                 <a:cs typeface="DejaVu Sans Mono" pitchFamily="49" charset="0"/>
               </a:rPr>
             </a:br>
             <a:r>
-              <a:rPr lang="en-US" dirty="0" smtClean="0">
+              <a:rPr lang="en-US" sz="1400" dirty="0" smtClean="0">
                 <a:latin typeface="DejaVu Sans Mono" pitchFamily="49" charset="0"/>
                 <a:ea typeface="DejaVu Sans Mono" pitchFamily="49" charset="0"/>
                 <a:cs typeface="DejaVu Sans Mono" pitchFamily="49" charset="0"/>
@@ -4225,7 +4227,7 @@
               <a:t>    return (</a:t>
             </a:r>
             <a:r>
-              <a:rPr lang="en-US" dirty="0" err="1" smtClean="0">
+              <a:rPr lang="en-US" sz="1400" dirty="0" err="1" smtClean="0">
                 <a:latin typeface="DejaVu Sans Mono" pitchFamily="49" charset="0"/>
                 <a:ea typeface="DejaVu Sans Mono" pitchFamily="49" charset="0"/>
                 <a:cs typeface="DejaVu Sans Mono" pitchFamily="49" charset="0"/>
@@ -4233,7 +4235,7 @@
               <a:t>args</a:t>
             </a:r>
             <a:r>
-              <a:rPr lang="en-US" dirty="0" smtClean="0">
+              <a:rPr lang="en-US" sz="1400" dirty="0" smtClean="0">
                 <a:latin typeface="DejaVu Sans Mono" pitchFamily="49" charset="0"/>
                 <a:ea typeface="DejaVu Sans Mono" pitchFamily="49" charset="0"/>
                 <a:cs typeface="DejaVu Sans Mono" pitchFamily="49" charset="0"/>
@@ -4241,21 +4243,21 @@
               <a:t> - ... - 1);</a:t>
             </a:r>
             <a:br>
-              <a:rPr lang="en-US" dirty="0" smtClean="0">
+              <a:rPr lang="en-US" sz="1400" dirty="0" smtClean="0">
                 <a:latin typeface="DejaVu Sans Mono" pitchFamily="49" charset="0"/>
                 <a:ea typeface="DejaVu Sans Mono" pitchFamily="49" charset="0"/>
                 <a:cs typeface="DejaVu Sans Mono" pitchFamily="49" charset="0"/>
               </a:rPr>
             </a:br>
             <a:r>
-              <a:rPr lang="en-US" dirty="0" smtClean="0">
+              <a:rPr lang="en-US" sz="1400" dirty="0" smtClean="0">
                 <a:latin typeface="DejaVu Sans Mono" pitchFamily="49" charset="0"/>
                 <a:ea typeface="DejaVu Sans Mono" pitchFamily="49" charset="0"/>
                 <a:cs typeface="DejaVu Sans Mono" pitchFamily="49" charset="0"/>
               </a:rPr>
               <a:t>}</a:t>
             </a:r>
-            <a:endParaRPr lang="zh-CN" altLang="en-US" dirty="0">
+            <a:endParaRPr lang="zh-CN" altLang="en-US" sz="1400" dirty="0">
               <a:latin typeface="DejaVu Sans Mono" pitchFamily="49" charset="0"/>
               <a:cs typeface="DejaVu Sans Mono" pitchFamily="49" charset="0"/>
             </a:endParaRPr>
@@ -4516,7 +4518,7 @@
         <p:spPr/>
         <p:txBody>
           <a:bodyPr>
-            <a:normAutofit lnSpcReduction="10000"/>
+            <a:normAutofit fontScale="85000" lnSpcReduction="20000"/>
           </a:bodyPr>
           <a:lstStyle/>
           <a:p>
@@ -4555,8 +4557,8 @@
         </p:nvSpPr>
         <p:spPr>
           <a:xfrm>
-            <a:off x="332507" y="1277310"/>
-            <a:ext cx="7797340" cy="1754326"/>
+            <a:off x="332507" y="957982"/>
+            <a:ext cx="7797340" cy="1169551"/>
           </a:xfrm>
           <a:prstGeom prst="rect">
             <a:avLst/>
@@ -4569,7 +4571,7 @@
           <a:lstStyle/>
           <a:p>
             <a:r>
-              <a:rPr lang="en-US" altLang="zh-CN" dirty="0" smtClean="0">
+              <a:rPr lang="en-US" altLang="zh-CN" sz="1400" dirty="0" smtClean="0">
                 <a:latin typeface="DejaVu Sans Mono" pitchFamily="49" charset="0"/>
                 <a:ea typeface="DejaVu Sans Mono" pitchFamily="49" charset="0"/>
                 <a:cs typeface="DejaVu Sans Mono" pitchFamily="49" charset="0"/>
@@ -4577,7 +4579,7 @@
               <a:t>//</a:t>
             </a:r>
             <a:r>
-              <a:rPr lang="en-US" altLang="zh-CN" dirty="0" err="1" smtClean="0">
+              <a:rPr lang="en-US" altLang="zh-CN" sz="1400" dirty="0" err="1" smtClean="0">
                 <a:latin typeface="DejaVu Sans Mono" pitchFamily="49" charset="0"/>
                 <a:ea typeface="DejaVu Sans Mono" pitchFamily="49" charset="0"/>
                 <a:cs typeface="DejaVu Sans Mono" pitchFamily="49" charset="0"/>
@@ -4585,7 +4587,7 @@
               <a:t>c++</a:t>
             </a:r>
             <a:r>
-              <a:rPr lang="en-US" altLang="zh-CN" dirty="0" smtClean="0">
+              <a:rPr lang="en-US" altLang="zh-CN" sz="1400" dirty="0" smtClean="0">
                 <a:latin typeface="DejaVu Sans Mono" pitchFamily="49" charset="0"/>
                 <a:ea typeface="DejaVu Sans Mono" pitchFamily="49" charset="0"/>
                 <a:cs typeface="DejaVu Sans Mono" pitchFamily="49" charset="0"/>
@@ -4595,7 +4597,7 @@
           </a:p>
           <a:p>
             <a:r>
-              <a:rPr lang="en-US" altLang="zh-CN" dirty="0" smtClean="0">
+              <a:rPr lang="en-US" altLang="zh-CN" sz="1400" dirty="0" smtClean="0">
                 <a:latin typeface="DejaVu Sans Mono" pitchFamily="49" charset="0"/>
                 <a:ea typeface="DejaVu Sans Mono" pitchFamily="49" charset="0"/>
                 <a:cs typeface="DejaVu Sans Mono" pitchFamily="49" charset="0"/>
@@ -4603,7 +4605,7 @@
               <a:t>template&lt;</a:t>
             </a:r>
             <a:r>
-              <a:rPr lang="en-US" altLang="zh-CN" dirty="0" err="1" smtClean="0">
+              <a:rPr lang="en-US" altLang="zh-CN" sz="1400" dirty="0" err="1" smtClean="0">
                 <a:latin typeface="DejaVu Sans Mono" pitchFamily="49" charset="0"/>
                 <a:ea typeface="DejaVu Sans Mono" pitchFamily="49" charset="0"/>
                 <a:cs typeface="DejaVu Sans Mono" pitchFamily="49" charset="0"/>
@@ -4611,7 +4613,7 @@
               <a:t>typename</a:t>
             </a:r>
             <a:r>
-              <a:rPr lang="en-US" altLang="zh-CN" dirty="0" smtClean="0">
+              <a:rPr lang="en-US" altLang="zh-CN" sz="1400" dirty="0" smtClean="0">
                 <a:latin typeface="DejaVu Sans Mono" pitchFamily="49" charset="0"/>
                 <a:ea typeface="DejaVu Sans Mono" pitchFamily="49" charset="0"/>
                 <a:cs typeface="DejaVu Sans Mono" pitchFamily="49" charset="0"/>
@@ -4619,7 +4621,7 @@
               <a:t>... </a:t>
             </a:r>
             <a:r>
-              <a:rPr lang="en-US" altLang="zh-CN" dirty="0" err="1" smtClean="0">
+              <a:rPr lang="en-US" altLang="zh-CN" sz="1400" dirty="0" err="1" smtClean="0">
                 <a:latin typeface="DejaVu Sans Mono" pitchFamily="49" charset="0"/>
                 <a:ea typeface="DejaVu Sans Mono" pitchFamily="49" charset="0"/>
                 <a:cs typeface="DejaVu Sans Mono" pitchFamily="49" charset="0"/>
@@ -4627,7 +4629,7 @@
               <a:t>Args</a:t>
             </a:r>
             <a:r>
-              <a:rPr lang="en-US" altLang="zh-CN" dirty="0" smtClean="0">
+              <a:rPr lang="en-US" altLang="zh-CN" sz="1400" dirty="0" smtClean="0">
                 <a:latin typeface="DejaVu Sans Mono" pitchFamily="49" charset="0"/>
                 <a:ea typeface="DejaVu Sans Mono" pitchFamily="49" charset="0"/>
                 <a:cs typeface="DejaVu Sans Mono" pitchFamily="49" charset="0"/>
@@ -4637,7 +4639,7 @@
           </a:p>
           <a:p>
             <a:r>
-              <a:rPr lang="en-US" altLang="zh-CN" dirty="0" smtClean="0">
+              <a:rPr lang="en-US" altLang="zh-CN" sz="1400" dirty="0" smtClean="0">
                 <a:latin typeface="DejaVu Sans Mono" pitchFamily="49" charset="0"/>
                 <a:ea typeface="DejaVu Sans Mono" pitchFamily="49" charset="0"/>
                 <a:cs typeface="DejaVu Sans Mono" pitchFamily="49" charset="0"/>
@@ -4645,7 +4647,7 @@
               <a:t>void print(</a:t>
             </a:r>
             <a:r>
-              <a:rPr lang="en-US" altLang="zh-CN" dirty="0" err="1" smtClean="0">
+              <a:rPr lang="en-US" altLang="zh-CN" sz="1400" dirty="0" err="1" smtClean="0">
                 <a:latin typeface="DejaVu Sans Mono" pitchFamily="49" charset="0"/>
                 <a:ea typeface="DejaVu Sans Mono" pitchFamily="49" charset="0"/>
                 <a:cs typeface="DejaVu Sans Mono" pitchFamily="49" charset="0"/>
@@ -4653,7 +4655,7 @@
               <a:t>Args</a:t>
             </a:r>
             <a:r>
-              <a:rPr lang="en-US" altLang="zh-CN" dirty="0" smtClean="0">
+              <a:rPr lang="en-US" altLang="zh-CN" sz="1400" dirty="0" smtClean="0">
                 <a:latin typeface="DejaVu Sans Mono" pitchFamily="49" charset="0"/>
                 <a:ea typeface="DejaVu Sans Mono" pitchFamily="49" charset="0"/>
                 <a:cs typeface="DejaVu Sans Mono" pitchFamily="49" charset="0"/>
@@ -4661,7 +4663,7 @@
               <a:t>... </a:t>
             </a:r>
             <a:r>
-              <a:rPr lang="en-US" altLang="zh-CN" dirty="0" err="1" smtClean="0">
+              <a:rPr lang="en-US" altLang="zh-CN" sz="1400" dirty="0" err="1" smtClean="0">
                 <a:latin typeface="DejaVu Sans Mono" pitchFamily="49" charset="0"/>
                 <a:ea typeface="DejaVu Sans Mono" pitchFamily="49" charset="0"/>
                 <a:cs typeface="DejaVu Sans Mono" pitchFamily="49" charset="0"/>
@@ -4669,7 +4671,7 @@
               <a:t>Args</a:t>
             </a:r>
             <a:r>
-              <a:rPr lang="en-US" altLang="zh-CN" dirty="0" smtClean="0">
+              <a:rPr lang="en-US" altLang="zh-CN" sz="1400" dirty="0" smtClean="0">
                 <a:latin typeface="DejaVu Sans Mono" pitchFamily="49" charset="0"/>
                 <a:ea typeface="DejaVu Sans Mono" pitchFamily="49" charset="0"/>
                 <a:cs typeface="DejaVu Sans Mono" pitchFamily="49" charset="0"/>
@@ -4679,7 +4681,7 @@
           </a:p>
           <a:p>
             <a:r>
-              <a:rPr lang="en-US" altLang="zh-CN" dirty="0" smtClean="0">
+              <a:rPr lang="en-US" altLang="zh-CN" sz="1400" dirty="0" smtClean="0">
                 <a:latin typeface="DejaVu Sans Mono" pitchFamily="49" charset="0"/>
                 <a:ea typeface="DejaVu Sans Mono" pitchFamily="49" charset="0"/>
                 <a:cs typeface="DejaVu Sans Mono" pitchFamily="49" charset="0"/>
@@ -4687,7 +4689,7 @@
               <a:t>    std::</a:t>
             </a:r>
             <a:r>
-              <a:rPr lang="en-US" altLang="zh-CN" dirty="0" err="1" smtClean="0">
+              <a:rPr lang="en-US" altLang="zh-CN" sz="1400" dirty="0" err="1" smtClean="0">
                 <a:latin typeface="DejaVu Sans Mono" pitchFamily="49" charset="0"/>
                 <a:ea typeface="DejaVu Sans Mono" pitchFamily="49" charset="0"/>
                 <a:cs typeface="DejaVu Sans Mono" pitchFamily="49" charset="0"/>
@@ -4695,7 +4697,7 @@
               <a:t>initializer_list</a:t>
             </a:r>
             <a:r>
-              <a:rPr lang="en-US" altLang="zh-CN" dirty="0" smtClean="0">
+              <a:rPr lang="en-US" altLang="zh-CN" sz="1400" dirty="0" smtClean="0">
                 <a:latin typeface="DejaVu Sans Mono" pitchFamily="49" charset="0"/>
                 <a:ea typeface="DejaVu Sans Mono" pitchFamily="49" charset="0"/>
                 <a:cs typeface="DejaVu Sans Mono" pitchFamily="49" charset="0"/>
@@ -4703,7 +4705,7 @@
               <a:t>&lt;</a:t>
             </a:r>
             <a:r>
-              <a:rPr lang="en-US" altLang="zh-CN" dirty="0" err="1" smtClean="0">
+              <a:rPr lang="en-US" altLang="zh-CN" sz="1400" dirty="0" err="1" smtClean="0">
                 <a:latin typeface="DejaVu Sans Mono" pitchFamily="49" charset="0"/>
                 <a:ea typeface="DejaVu Sans Mono" pitchFamily="49" charset="0"/>
                 <a:cs typeface="DejaVu Sans Mono" pitchFamily="49" charset="0"/>
@@ -4711,7 +4713,7 @@
               <a:t>int</a:t>
             </a:r>
             <a:r>
-              <a:rPr lang="en-US" altLang="zh-CN" dirty="0" smtClean="0">
+              <a:rPr lang="en-US" altLang="zh-CN" sz="1400" dirty="0" smtClean="0">
                 <a:latin typeface="DejaVu Sans Mono" pitchFamily="49" charset="0"/>
                 <a:ea typeface="DejaVu Sans Mono" pitchFamily="49" charset="0"/>
                 <a:cs typeface="DejaVu Sans Mono" pitchFamily="49" charset="0"/>
@@ -4719,7 +4721,7 @@
               <a:t>&gt;{(std::</a:t>
             </a:r>
             <a:r>
-              <a:rPr lang="en-US" altLang="zh-CN" dirty="0" err="1" smtClean="0">
+              <a:rPr lang="en-US" altLang="zh-CN" sz="1400" dirty="0" err="1" smtClean="0">
                 <a:latin typeface="DejaVu Sans Mono" pitchFamily="49" charset="0"/>
                 <a:ea typeface="DejaVu Sans Mono" pitchFamily="49" charset="0"/>
                 <a:cs typeface="DejaVu Sans Mono" pitchFamily="49" charset="0"/>
@@ -4727,7 +4729,7 @@
               <a:t>cout</a:t>
             </a:r>
             <a:r>
-              <a:rPr lang="en-US" altLang="zh-CN" dirty="0" smtClean="0">
+              <a:rPr lang="en-US" altLang="zh-CN" sz="1400" dirty="0" smtClean="0">
                 <a:latin typeface="DejaVu Sans Mono" pitchFamily="49" charset="0"/>
                 <a:ea typeface="DejaVu Sans Mono" pitchFamily="49" charset="0"/>
                 <a:cs typeface="DejaVu Sans Mono" pitchFamily="49" charset="0"/>
@@ -4735,7 +4737,7 @@
               <a:t> &lt;&lt; </a:t>
             </a:r>
             <a:r>
-              <a:rPr lang="en-US" altLang="zh-CN" dirty="0" err="1" smtClean="0">
+              <a:rPr lang="en-US" altLang="zh-CN" sz="1400" dirty="0" err="1" smtClean="0">
                 <a:latin typeface="DejaVu Sans Mono" pitchFamily="49" charset="0"/>
                 <a:ea typeface="DejaVu Sans Mono" pitchFamily="49" charset="0"/>
                 <a:cs typeface="DejaVu Sans Mono" pitchFamily="49" charset="0"/>
@@ -4743,7 +4745,7 @@
               <a:t>args</a:t>
             </a:r>
             <a:r>
-              <a:rPr lang="en-US" altLang="zh-CN" dirty="0" smtClean="0">
+              <a:rPr lang="en-US" altLang="zh-CN" sz="1400" dirty="0" smtClean="0">
                 <a:latin typeface="DejaVu Sans Mono" pitchFamily="49" charset="0"/>
                 <a:ea typeface="DejaVu Sans Mono" pitchFamily="49" charset="0"/>
                 <a:cs typeface="DejaVu Sans Mono" pitchFamily="49" charset="0"/>
@@ -4751,7 +4753,7 @@
               <a:t>&lt;&lt;std::</a:t>
             </a:r>
             <a:r>
-              <a:rPr lang="en-US" altLang="zh-CN" dirty="0" err="1" smtClean="0">
+              <a:rPr lang="en-US" altLang="zh-CN" sz="1400" dirty="0" err="1" smtClean="0">
                 <a:latin typeface="DejaVu Sans Mono" pitchFamily="49" charset="0"/>
                 <a:ea typeface="DejaVu Sans Mono" pitchFamily="49" charset="0"/>
                 <a:cs typeface="DejaVu Sans Mono" pitchFamily="49" charset="0"/>
@@ -4759,7 +4761,7 @@
               <a:t>endl</a:t>
             </a:r>
             <a:r>
-              <a:rPr lang="en-US" altLang="zh-CN" dirty="0" smtClean="0">
+              <a:rPr lang="en-US" altLang="zh-CN" sz="1400" dirty="0" smtClean="0">
                 <a:latin typeface="DejaVu Sans Mono" pitchFamily="49" charset="0"/>
                 <a:ea typeface="DejaVu Sans Mono" pitchFamily="49" charset="0"/>
                 <a:cs typeface="DejaVu Sans Mono" pitchFamily="49" charset="0"/>
@@ -4769,14 +4771,14 @@
           </a:p>
           <a:p>
             <a:r>
-              <a:rPr lang="en-US" altLang="zh-CN" dirty="0" smtClean="0">
+              <a:rPr lang="en-US" altLang="zh-CN" sz="1400" dirty="0" smtClean="0">
                 <a:latin typeface="DejaVu Sans Mono" pitchFamily="49" charset="0"/>
                 <a:ea typeface="DejaVu Sans Mono" pitchFamily="49" charset="0"/>
                 <a:cs typeface="DejaVu Sans Mono" pitchFamily="49" charset="0"/>
               </a:rPr>
               <a:t>}</a:t>
             </a:r>
-            <a:endParaRPr lang="zh-CN" altLang="en-US" dirty="0">
+            <a:endParaRPr lang="zh-CN" altLang="en-US" sz="1600" dirty="0">
               <a:latin typeface="DejaVu Sans Mono" pitchFamily="49" charset="0"/>
               <a:cs typeface="DejaVu Sans Mono" pitchFamily="49" charset="0"/>
             </a:endParaRPr>
@@ -4791,8 +4793,8 @@
         </p:nvSpPr>
         <p:spPr>
           <a:xfrm>
-            <a:off x="374074" y="3144719"/>
-            <a:ext cx="5611090" cy="1477328"/>
+            <a:off x="374074" y="2247329"/>
+            <a:ext cx="5611090" cy="1169551"/>
           </a:xfrm>
           <a:prstGeom prst="rect">
             <a:avLst/>
@@ -4805,7 +4807,7 @@
           <a:lstStyle/>
           <a:p>
             <a:r>
-              <a:rPr lang="en-US" altLang="zh-CN" dirty="0" smtClean="0">
+              <a:rPr lang="en-US" altLang="zh-CN" sz="1400" dirty="0" smtClean="0">
                 <a:latin typeface="DejaVu Sans Mono" pitchFamily="49" charset="0"/>
                 <a:ea typeface="DejaVu Sans Mono" pitchFamily="49" charset="0"/>
                 <a:cs typeface="DejaVu Sans Mono" pitchFamily="49" charset="0"/>
@@ -4813,7 +4815,7 @@
               <a:t>//</a:t>
             </a:r>
             <a:r>
-              <a:rPr lang="en-US" altLang="zh-CN" dirty="0" err="1" smtClean="0">
+              <a:rPr lang="en-US" altLang="zh-CN" sz="1400" dirty="0" err="1" smtClean="0">
                 <a:latin typeface="DejaVu Sans Mono" pitchFamily="49" charset="0"/>
                 <a:ea typeface="DejaVu Sans Mono" pitchFamily="49" charset="0"/>
                 <a:cs typeface="DejaVu Sans Mono" pitchFamily="49" charset="0"/>
@@ -4821,7 +4823,7 @@
               <a:t>c++</a:t>
             </a:r>
             <a:r>
-              <a:rPr lang="en-US" altLang="zh-CN" dirty="0" smtClean="0">
+              <a:rPr lang="en-US" altLang="zh-CN" sz="1400" dirty="0" smtClean="0">
                 <a:latin typeface="DejaVu Sans Mono" pitchFamily="49" charset="0"/>
                 <a:ea typeface="DejaVu Sans Mono" pitchFamily="49" charset="0"/>
                 <a:cs typeface="DejaVu Sans Mono" pitchFamily="49" charset="0"/>
@@ -4831,7 +4833,7 @@
           </a:p>
           <a:p>
             <a:r>
-              <a:rPr lang="en-US" altLang="zh-CN" dirty="0" smtClean="0">
+              <a:rPr lang="en-US" altLang="zh-CN" sz="1400" dirty="0" smtClean="0">
                 <a:latin typeface="DejaVu Sans Mono" pitchFamily="49" charset="0"/>
                 <a:ea typeface="DejaVu Sans Mono" pitchFamily="49" charset="0"/>
                 <a:cs typeface="DejaVu Sans Mono" pitchFamily="49" charset="0"/>
@@ -4839,7 +4841,7 @@
               <a:t>template&lt;</a:t>
             </a:r>
             <a:r>
-              <a:rPr lang="en-US" altLang="zh-CN" dirty="0" err="1" smtClean="0">
+              <a:rPr lang="en-US" altLang="zh-CN" sz="1400" dirty="0" err="1" smtClean="0">
                 <a:latin typeface="DejaVu Sans Mono" pitchFamily="49" charset="0"/>
                 <a:ea typeface="DejaVu Sans Mono" pitchFamily="49" charset="0"/>
                 <a:cs typeface="DejaVu Sans Mono" pitchFamily="49" charset="0"/>
@@ -4847,7 +4849,7 @@
               <a:t>typename</a:t>
             </a:r>
             <a:r>
-              <a:rPr lang="en-US" altLang="zh-CN" dirty="0" smtClean="0">
+              <a:rPr lang="en-US" altLang="zh-CN" sz="1400" dirty="0" smtClean="0">
                 <a:latin typeface="DejaVu Sans Mono" pitchFamily="49" charset="0"/>
                 <a:ea typeface="DejaVu Sans Mono" pitchFamily="49" charset="0"/>
                 <a:cs typeface="DejaVu Sans Mono" pitchFamily="49" charset="0"/>
@@ -4855,7 +4857,7 @@
               <a:t>... </a:t>
             </a:r>
             <a:r>
-              <a:rPr lang="en-US" altLang="zh-CN" dirty="0" err="1" smtClean="0">
+              <a:rPr lang="en-US" altLang="zh-CN" sz="1400" dirty="0" err="1" smtClean="0">
                 <a:latin typeface="DejaVu Sans Mono" pitchFamily="49" charset="0"/>
                 <a:ea typeface="DejaVu Sans Mono" pitchFamily="49" charset="0"/>
                 <a:cs typeface="DejaVu Sans Mono" pitchFamily="49" charset="0"/>
@@ -4863,7 +4865,7 @@
               <a:t>Args</a:t>
             </a:r>
             <a:r>
-              <a:rPr lang="en-US" altLang="zh-CN" dirty="0" smtClean="0">
+              <a:rPr lang="en-US" altLang="zh-CN" sz="1400" dirty="0" smtClean="0">
                 <a:latin typeface="DejaVu Sans Mono" pitchFamily="49" charset="0"/>
                 <a:ea typeface="DejaVu Sans Mono" pitchFamily="49" charset="0"/>
                 <a:cs typeface="DejaVu Sans Mono" pitchFamily="49" charset="0"/>
@@ -4873,7 +4875,7 @@
           </a:p>
           <a:p>
             <a:r>
-              <a:rPr lang="en-US" altLang="zh-CN" dirty="0" smtClean="0">
+              <a:rPr lang="en-US" altLang="zh-CN" sz="1400" dirty="0" smtClean="0">
                 <a:latin typeface="DejaVu Sans Mono" pitchFamily="49" charset="0"/>
                 <a:ea typeface="DejaVu Sans Mono" pitchFamily="49" charset="0"/>
                 <a:cs typeface="DejaVu Sans Mono" pitchFamily="49" charset="0"/>
@@ -4881,7 +4883,7 @@
               <a:t>void print(</a:t>
             </a:r>
             <a:r>
-              <a:rPr lang="en-US" altLang="zh-CN" dirty="0" err="1" smtClean="0">
+              <a:rPr lang="en-US" altLang="zh-CN" sz="1400" dirty="0" err="1" smtClean="0">
                 <a:latin typeface="DejaVu Sans Mono" pitchFamily="49" charset="0"/>
                 <a:ea typeface="DejaVu Sans Mono" pitchFamily="49" charset="0"/>
                 <a:cs typeface="DejaVu Sans Mono" pitchFamily="49" charset="0"/>
@@ -4889,7 +4891,7 @@
               <a:t>Args</a:t>
             </a:r>
             <a:r>
-              <a:rPr lang="en-US" altLang="zh-CN" dirty="0" smtClean="0">
+              <a:rPr lang="en-US" altLang="zh-CN" sz="1400" dirty="0" smtClean="0">
                 <a:latin typeface="DejaVu Sans Mono" pitchFamily="49" charset="0"/>
                 <a:ea typeface="DejaVu Sans Mono" pitchFamily="49" charset="0"/>
                 <a:cs typeface="DejaVu Sans Mono" pitchFamily="49" charset="0"/>
@@ -4897,7 +4899,7 @@
               <a:t>... </a:t>
             </a:r>
             <a:r>
-              <a:rPr lang="en-US" altLang="zh-CN" dirty="0" err="1" smtClean="0">
+              <a:rPr lang="en-US" altLang="zh-CN" sz="1400" dirty="0" err="1" smtClean="0">
                 <a:latin typeface="DejaVu Sans Mono" pitchFamily="49" charset="0"/>
                 <a:ea typeface="DejaVu Sans Mono" pitchFamily="49" charset="0"/>
                 <a:cs typeface="DejaVu Sans Mono" pitchFamily="49" charset="0"/>
@@ -4905,7 +4907,7 @@
               <a:t>args</a:t>
             </a:r>
             <a:r>
-              <a:rPr lang="en-US" altLang="zh-CN" dirty="0" smtClean="0">
+              <a:rPr lang="en-US" altLang="zh-CN" sz="1400" dirty="0" smtClean="0">
                 <a:latin typeface="DejaVu Sans Mono" pitchFamily="49" charset="0"/>
                 <a:ea typeface="DejaVu Sans Mono" pitchFamily="49" charset="0"/>
                 <a:cs typeface="DejaVu Sans Mono" pitchFamily="49" charset="0"/>
@@ -4915,7 +4917,7 @@
           </a:p>
           <a:p>
             <a:r>
-              <a:rPr lang="en-US" altLang="zh-CN" dirty="0" smtClean="0">
+              <a:rPr lang="en-US" altLang="zh-CN" sz="1400" dirty="0" smtClean="0">
                 <a:latin typeface="DejaVu Sans Mono" pitchFamily="49" charset="0"/>
                 <a:ea typeface="DejaVu Sans Mono" pitchFamily="49" charset="0"/>
                 <a:cs typeface="DejaVu Sans Mono" pitchFamily="49" charset="0"/>
@@ -4923,7 +4925,7 @@
               <a:t>    ((std::</a:t>
             </a:r>
             <a:r>
-              <a:rPr lang="en-US" altLang="zh-CN" dirty="0" err="1" smtClean="0">
+              <a:rPr lang="en-US" altLang="zh-CN" sz="1400" dirty="0" err="1" smtClean="0">
                 <a:latin typeface="DejaVu Sans Mono" pitchFamily="49" charset="0"/>
                 <a:ea typeface="DejaVu Sans Mono" pitchFamily="49" charset="0"/>
                 <a:cs typeface="DejaVu Sans Mono" pitchFamily="49" charset="0"/>
@@ -4931,7 +4933,7 @@
               <a:t>cout</a:t>
             </a:r>
             <a:r>
-              <a:rPr lang="en-US" altLang="zh-CN" dirty="0" smtClean="0">
+              <a:rPr lang="en-US" altLang="zh-CN" sz="1400" dirty="0" smtClean="0">
                 <a:latin typeface="DejaVu Sans Mono" pitchFamily="49" charset="0"/>
                 <a:ea typeface="DejaVu Sans Mono" pitchFamily="49" charset="0"/>
                 <a:cs typeface="DejaVu Sans Mono" pitchFamily="49" charset="0"/>
@@ -4939,7 +4941,7 @@
               <a:t>&lt;&lt;</a:t>
             </a:r>
             <a:r>
-              <a:rPr lang="en-US" altLang="zh-CN" dirty="0" err="1" smtClean="0">
+              <a:rPr lang="en-US" altLang="zh-CN" sz="1400" dirty="0" err="1" smtClean="0">
                 <a:latin typeface="DejaVu Sans Mono" pitchFamily="49" charset="0"/>
                 <a:ea typeface="DejaVu Sans Mono" pitchFamily="49" charset="0"/>
                 <a:cs typeface="DejaVu Sans Mono" pitchFamily="49" charset="0"/>
@@ -4947,7 +4949,7 @@
               <a:t>args</a:t>
             </a:r>
             <a:r>
-              <a:rPr lang="en-US" altLang="zh-CN" dirty="0" smtClean="0">
+              <a:rPr lang="en-US" altLang="zh-CN" sz="1400" dirty="0" smtClean="0">
                 <a:latin typeface="DejaVu Sans Mono" pitchFamily="49" charset="0"/>
                 <a:ea typeface="DejaVu Sans Mono" pitchFamily="49" charset="0"/>
                 <a:cs typeface="DejaVu Sans Mono" pitchFamily="49" charset="0"/>
@@ -4955,7 +4957,7 @@
               <a:t>&lt;&lt;std::</a:t>
             </a:r>
             <a:r>
-              <a:rPr lang="en-US" altLang="zh-CN" dirty="0" err="1" smtClean="0">
+              <a:rPr lang="en-US" altLang="zh-CN" sz="1400" dirty="0" err="1" smtClean="0">
                 <a:latin typeface="DejaVu Sans Mono" pitchFamily="49" charset="0"/>
                 <a:ea typeface="DejaVu Sans Mono" pitchFamily="49" charset="0"/>
                 <a:cs typeface="DejaVu Sans Mono" pitchFamily="49" charset="0"/>
@@ -4963,7 +4965,7 @@
               <a:t>endl</a:t>
             </a:r>
             <a:r>
-              <a:rPr lang="en-US" altLang="zh-CN" dirty="0" smtClean="0">
+              <a:rPr lang="en-US" altLang="zh-CN" sz="1400" dirty="0" smtClean="0">
                 <a:latin typeface="DejaVu Sans Mono" pitchFamily="49" charset="0"/>
                 <a:ea typeface="DejaVu Sans Mono" pitchFamily="49" charset="0"/>
                 <a:cs typeface="DejaVu Sans Mono" pitchFamily="49" charset="0"/>
@@ -4973,14 +4975,14 @@
           </a:p>
           <a:p>
             <a:r>
-              <a:rPr lang="en-US" altLang="zh-CN" dirty="0" smtClean="0">
+              <a:rPr lang="en-US" altLang="zh-CN" sz="1400" dirty="0" smtClean="0">
                 <a:latin typeface="DejaVu Sans Mono" pitchFamily="49" charset="0"/>
                 <a:ea typeface="DejaVu Sans Mono" pitchFamily="49" charset="0"/>
                 <a:cs typeface="DejaVu Sans Mono" pitchFamily="49" charset="0"/>
               </a:rPr>
               <a:t>}</a:t>
             </a:r>
-            <a:endParaRPr lang="zh-CN" altLang="en-US" dirty="0">
+            <a:endParaRPr lang="zh-CN" altLang="en-US" sz="1400" dirty="0">
               <a:latin typeface="DejaVu Sans Mono" pitchFamily="49" charset="0"/>
               <a:cs typeface="DejaVu Sans Mono" pitchFamily="49" charset="0"/>
             </a:endParaRPr>
@@ -4995,8 +4997,8 @@
         </p:nvSpPr>
         <p:spPr>
           <a:xfrm>
-            <a:off x="423948" y="4782327"/>
-            <a:ext cx="6774873" cy="1477328"/>
+            <a:off x="423949" y="3524962"/>
+            <a:ext cx="6774873" cy="1169551"/>
           </a:xfrm>
           <a:prstGeom prst="rect">
             <a:avLst/>
@@ -5009,7 +5011,7 @@
           <a:lstStyle/>
           <a:p>
             <a:r>
-              <a:rPr lang="en-US" dirty="0" smtClean="0">
+              <a:rPr lang="en-US" sz="1400" dirty="0" smtClean="0">
                 <a:latin typeface="DejaVu Sans Mono" pitchFamily="49" charset="0"/>
                 <a:ea typeface="DejaVu Sans Mono" pitchFamily="49" charset="0"/>
                 <a:cs typeface="DejaVu Sans Mono" pitchFamily="49" charset="0"/>
@@ -5017,7 +5019,7 @@
               <a:t>//</a:t>
             </a:r>
             <a:r>
-              <a:rPr lang="en-US" dirty="0" err="1" smtClean="0">
+              <a:rPr lang="en-US" sz="1400" dirty="0" err="1" smtClean="0">
                 <a:latin typeface="DejaVu Sans Mono" pitchFamily="49" charset="0"/>
                 <a:ea typeface="DejaVu Sans Mono" pitchFamily="49" charset="0"/>
                 <a:cs typeface="DejaVu Sans Mono" pitchFamily="49" charset="0"/>
@@ -5025,7 +5027,7 @@
               <a:t>c++</a:t>
             </a:r>
             <a:r>
-              <a:rPr lang="en-US" dirty="0" smtClean="0">
+              <a:rPr lang="en-US" sz="1400" dirty="0" smtClean="0">
                 <a:latin typeface="DejaVu Sans Mono" pitchFamily="49" charset="0"/>
                 <a:ea typeface="DejaVu Sans Mono" pitchFamily="49" charset="0"/>
                 <a:cs typeface="DejaVu Sans Mono" pitchFamily="49" charset="0"/>
@@ -5035,7 +5037,7 @@
           </a:p>
           <a:p>
             <a:r>
-              <a:rPr lang="en-US" dirty="0" smtClean="0">
+              <a:rPr lang="en-US" sz="1400" dirty="0" smtClean="0">
                 <a:latin typeface="DejaVu Sans Mono" pitchFamily="49" charset="0"/>
                 <a:ea typeface="DejaVu Sans Mono" pitchFamily="49" charset="0"/>
                 <a:cs typeface="DejaVu Sans Mono" pitchFamily="49" charset="0"/>
@@ -5043,7 +5045,7 @@
               <a:t>template&lt;</a:t>
             </a:r>
             <a:r>
-              <a:rPr lang="en-US" dirty="0" err="1" smtClean="0">
+              <a:rPr lang="en-US" sz="1400" dirty="0" err="1" smtClean="0">
                 <a:latin typeface="DejaVu Sans Mono" pitchFamily="49" charset="0"/>
                 <a:ea typeface="DejaVu Sans Mono" pitchFamily="49" charset="0"/>
                 <a:cs typeface="DejaVu Sans Mono" pitchFamily="49" charset="0"/>
@@ -5051,7 +5053,7 @@
               <a:t>typename</a:t>
             </a:r>
             <a:r>
-              <a:rPr lang="en-US" dirty="0" smtClean="0">
+              <a:rPr lang="en-US" sz="1400" dirty="0" smtClean="0">
                 <a:latin typeface="DejaVu Sans Mono" pitchFamily="49" charset="0"/>
                 <a:ea typeface="DejaVu Sans Mono" pitchFamily="49" charset="0"/>
                 <a:cs typeface="DejaVu Sans Mono" pitchFamily="49" charset="0"/>
@@ -5059,7 +5061,7 @@
               <a:t> ...</a:t>
             </a:r>
             <a:r>
-              <a:rPr lang="en-US" dirty="0" err="1" smtClean="0">
+              <a:rPr lang="en-US" sz="1400" dirty="0" err="1" smtClean="0">
                 <a:latin typeface="DejaVu Sans Mono" pitchFamily="49" charset="0"/>
                 <a:ea typeface="DejaVu Sans Mono" pitchFamily="49" charset="0"/>
                 <a:cs typeface="DejaVu Sans Mono" pitchFamily="49" charset="0"/>
@@ -5067,7 +5069,7 @@
               <a:t>Args</a:t>
             </a:r>
             <a:r>
-              <a:rPr lang="en-US" dirty="0" smtClean="0">
+              <a:rPr lang="en-US" sz="1400" dirty="0" smtClean="0">
                 <a:latin typeface="DejaVu Sans Mono" pitchFamily="49" charset="0"/>
                 <a:ea typeface="DejaVu Sans Mono" pitchFamily="49" charset="0"/>
                 <a:cs typeface="DejaVu Sans Mono" pitchFamily="49" charset="0"/>
@@ -5075,14 +5077,14 @@
               <a:t>&gt;</a:t>
             </a:r>
             <a:br>
-              <a:rPr lang="en-US" dirty="0" smtClean="0">
+              <a:rPr lang="en-US" sz="1400" dirty="0" smtClean="0">
                 <a:latin typeface="DejaVu Sans Mono" pitchFamily="49" charset="0"/>
                 <a:ea typeface="DejaVu Sans Mono" pitchFamily="49" charset="0"/>
                 <a:cs typeface="DejaVu Sans Mono" pitchFamily="49" charset="0"/>
               </a:rPr>
             </a:br>
             <a:r>
-              <a:rPr lang="en-US" dirty="0" smtClean="0">
+              <a:rPr lang="en-US" sz="1400" dirty="0" smtClean="0">
                 <a:latin typeface="DejaVu Sans Mono" pitchFamily="49" charset="0"/>
                 <a:ea typeface="DejaVu Sans Mono" pitchFamily="49" charset="0"/>
                 <a:cs typeface="DejaVu Sans Mono" pitchFamily="49" charset="0"/>
@@ -5090,7 +5092,7 @@
               <a:t>void print(</a:t>
             </a:r>
             <a:r>
-              <a:rPr lang="en-US" dirty="0" err="1" smtClean="0">
+              <a:rPr lang="en-US" sz="1400" dirty="0" err="1" smtClean="0">
                 <a:latin typeface="DejaVu Sans Mono" pitchFamily="49" charset="0"/>
                 <a:ea typeface="DejaVu Sans Mono" pitchFamily="49" charset="0"/>
                 <a:cs typeface="DejaVu Sans Mono" pitchFamily="49" charset="0"/>
@@ -5098,7 +5100,7 @@
               <a:t>Args</a:t>
             </a:r>
             <a:r>
-              <a:rPr lang="en-US" dirty="0" smtClean="0">
+              <a:rPr lang="en-US" sz="1400" dirty="0" smtClean="0">
                 <a:latin typeface="DejaVu Sans Mono" pitchFamily="49" charset="0"/>
                 <a:ea typeface="DejaVu Sans Mono" pitchFamily="49" charset="0"/>
                 <a:cs typeface="DejaVu Sans Mono" pitchFamily="49" charset="0"/>
@@ -5106,7 +5108,7 @@
               <a:t>&amp;&amp;... </a:t>
             </a:r>
             <a:r>
-              <a:rPr lang="en-US" dirty="0" err="1" smtClean="0">
+              <a:rPr lang="en-US" sz="1400" dirty="0" err="1" smtClean="0">
                 <a:latin typeface="DejaVu Sans Mono" pitchFamily="49" charset="0"/>
                 <a:ea typeface="DejaVu Sans Mono" pitchFamily="49" charset="0"/>
                 <a:cs typeface="DejaVu Sans Mono" pitchFamily="49" charset="0"/>
@@ -5114,7 +5116,7 @@
               <a:t>args</a:t>
             </a:r>
             <a:r>
-              <a:rPr lang="en-US" dirty="0" smtClean="0">
+              <a:rPr lang="en-US" sz="1400" dirty="0" smtClean="0">
                 <a:latin typeface="DejaVu Sans Mono" pitchFamily="49" charset="0"/>
                 <a:ea typeface="DejaVu Sans Mono" pitchFamily="49" charset="0"/>
                 <a:cs typeface="DejaVu Sans Mono" pitchFamily="49" charset="0"/>
@@ -5124,7 +5126,7 @@
           </a:p>
           <a:p>
             <a:r>
-              <a:rPr lang="en-US" dirty="0" smtClean="0">
+              <a:rPr lang="en-US" sz="1400" dirty="0" smtClean="0">
                 <a:latin typeface="DejaVu Sans Mono" pitchFamily="49" charset="0"/>
                 <a:ea typeface="DejaVu Sans Mono" pitchFamily="49" charset="0"/>
                 <a:cs typeface="DejaVu Sans Mono" pitchFamily="49" charset="0"/>
@@ -5132,7 +5134,7 @@
               <a:t>    (std::</a:t>
             </a:r>
             <a:r>
-              <a:rPr lang="en-US" dirty="0" err="1" smtClean="0">
+              <a:rPr lang="en-US" sz="1400" dirty="0" err="1" smtClean="0">
                 <a:latin typeface="DejaVu Sans Mono" pitchFamily="49" charset="0"/>
                 <a:ea typeface="DejaVu Sans Mono" pitchFamily="49" charset="0"/>
                 <a:cs typeface="DejaVu Sans Mono" pitchFamily="49" charset="0"/>
@@ -5140,7 +5142,7 @@
               <a:t>cout</a:t>
             </a:r>
             <a:r>
-              <a:rPr lang="en-US" dirty="0" smtClean="0">
+              <a:rPr lang="en-US" sz="1400" dirty="0" smtClean="0">
                 <a:latin typeface="DejaVu Sans Mono" pitchFamily="49" charset="0"/>
                 <a:ea typeface="DejaVu Sans Mono" pitchFamily="49" charset="0"/>
                 <a:cs typeface="DejaVu Sans Mono" pitchFamily="49" charset="0"/>
@@ -5148,7 +5150,7 @@
               <a:t> &lt;&lt; ... &lt;&lt; </a:t>
             </a:r>
             <a:r>
-              <a:rPr lang="en-US" dirty="0" err="1" smtClean="0">
+              <a:rPr lang="en-US" sz="1400" dirty="0" err="1" smtClean="0">
                 <a:latin typeface="DejaVu Sans Mono" pitchFamily="49" charset="0"/>
                 <a:ea typeface="DejaVu Sans Mono" pitchFamily="49" charset="0"/>
                 <a:cs typeface="DejaVu Sans Mono" pitchFamily="49" charset="0"/>
@@ -5156,7 +5158,7 @@
               <a:t>args</a:t>
             </a:r>
             <a:r>
-              <a:rPr lang="en-US" dirty="0" smtClean="0">
+              <a:rPr lang="en-US" sz="1400" dirty="0" smtClean="0">
                 <a:latin typeface="DejaVu Sans Mono" pitchFamily="49" charset="0"/>
                 <a:ea typeface="DejaVu Sans Mono" pitchFamily="49" charset="0"/>
                 <a:cs typeface="DejaVu Sans Mono" pitchFamily="49" charset="0"/>
@@ -5164,21 +5166,21 @@
               <a:t>) &lt;&lt; '\n'; </a:t>
             </a:r>
             <a:br>
-              <a:rPr lang="en-US" dirty="0" smtClean="0">
+              <a:rPr lang="en-US" sz="1400" dirty="0" smtClean="0">
                 <a:latin typeface="DejaVu Sans Mono" pitchFamily="49" charset="0"/>
                 <a:ea typeface="DejaVu Sans Mono" pitchFamily="49" charset="0"/>
                 <a:cs typeface="DejaVu Sans Mono" pitchFamily="49" charset="0"/>
               </a:rPr>
             </a:br>
             <a:r>
-              <a:rPr lang="en-US" dirty="0" smtClean="0">
+              <a:rPr lang="en-US" sz="1400" dirty="0" smtClean="0">
                 <a:latin typeface="DejaVu Sans Mono" pitchFamily="49" charset="0"/>
                 <a:ea typeface="DejaVu Sans Mono" pitchFamily="49" charset="0"/>
                 <a:cs typeface="DejaVu Sans Mono" pitchFamily="49" charset="0"/>
               </a:rPr>
               <a:t>}</a:t>
             </a:r>
-            <a:endParaRPr lang="zh-CN" altLang="en-US" dirty="0">
+            <a:endParaRPr lang="zh-CN" altLang="en-US" sz="1400" dirty="0">
               <a:latin typeface="DejaVu Sans Mono" pitchFamily="49" charset="0"/>
               <a:cs typeface="DejaVu Sans Mono" pitchFamily="49" charset="0"/>
             </a:endParaRPr>
@@ -5230,7 +5232,7 @@
         <p:spPr/>
         <p:txBody>
           <a:bodyPr>
-            <a:normAutofit lnSpcReduction="10000"/>
+            <a:normAutofit fontScale="85000" lnSpcReduction="20000"/>
           </a:bodyPr>
           <a:lstStyle/>
           <a:p>
@@ -5269,7 +5271,7 @@
         </p:nvSpPr>
         <p:spPr>
           <a:xfrm>
-            <a:off x="332509" y="1368613"/>
+            <a:off x="332510" y="1026460"/>
             <a:ext cx="7672647" cy="2585323"/>
           </a:xfrm>
           <a:prstGeom prst="rect">
@@ -5507,7 +5509,7 @@
         <p:spPr/>
         <p:txBody>
           <a:bodyPr>
-            <a:normAutofit lnSpcReduction="10000"/>
+            <a:normAutofit fontScale="85000" lnSpcReduction="20000"/>
           </a:bodyPr>
           <a:lstStyle/>
           <a:p>
@@ -5577,8 +5579,8 @@
         </p:blipFill>
         <p:spPr bwMode="auto">
           <a:xfrm>
-            <a:off x="491923" y="1827934"/>
-            <a:ext cx="8008937" cy="1123950"/>
+            <a:off x="491924" y="1370950"/>
+            <a:ext cx="7855065" cy="915050"/>
           </a:xfrm>
           <a:prstGeom prst="rect">
             <a:avLst/>
@@ -5610,8 +5612,8 @@
         </p:blipFill>
         <p:spPr bwMode="auto">
           <a:xfrm>
-            <a:off x="258215" y="3236422"/>
-            <a:ext cx="8742363" cy="1066800"/>
+            <a:off x="258217" y="2427316"/>
+            <a:ext cx="8305016" cy="909008"/>
           </a:xfrm>
           <a:prstGeom prst="rect">
             <a:avLst/>
@@ -5671,7 +5673,7 @@
         <p:spPr/>
         <p:txBody>
           <a:bodyPr>
-            <a:normAutofit lnSpcReduction="10000"/>
+            <a:normAutofit fontScale="85000" lnSpcReduction="20000"/>
           </a:bodyPr>
           <a:lstStyle/>
           <a:p>
@@ -5722,8 +5724,8 @@
         </p:nvSpPr>
         <p:spPr>
           <a:xfrm>
-            <a:off x="648393" y="1942329"/>
-            <a:ext cx="7414952" cy="3139321"/>
+            <a:off x="648393" y="1456747"/>
+            <a:ext cx="7414952" cy="2862322"/>
           </a:xfrm>
           <a:prstGeom prst="rect">
             <a:avLst/>
@@ -5736,7 +5738,7 @@
           <a:lstStyle/>
           <a:p>
             <a:r>
-              <a:rPr lang="en-US" altLang="zh-CN" dirty="0" smtClean="0">
+              <a:rPr lang="en-US" altLang="zh-CN" sz="1600" dirty="0" smtClean="0">
                 <a:latin typeface="DejaVu Sans Mono" pitchFamily="49" charset="0"/>
                 <a:ea typeface="DejaVu Sans Mono" pitchFamily="49" charset="0"/>
                 <a:cs typeface="DejaVu Sans Mono" pitchFamily="49" charset="0"/>
@@ -5746,7 +5748,7 @@
           </a:p>
           <a:p>
             <a:r>
-              <a:rPr lang="en-US" altLang="zh-CN" dirty="0" smtClean="0">
+              <a:rPr lang="en-US" altLang="zh-CN" sz="1600" dirty="0" smtClean="0">
                 <a:latin typeface="DejaVu Sans Mono" pitchFamily="49" charset="0"/>
                 <a:ea typeface="DejaVu Sans Mono" pitchFamily="49" charset="0"/>
                 <a:cs typeface="DejaVu Sans Mono" pitchFamily="49" charset="0"/>
@@ -5755,7 +5757,7 @@
             </a:r>
           </a:p>
           <a:p>
-            <a:endParaRPr lang="en-US" altLang="zh-CN" dirty="0" smtClean="0">
+            <a:endParaRPr lang="en-US" altLang="zh-CN" sz="1600" dirty="0" smtClean="0">
               <a:latin typeface="DejaVu Sans Mono" pitchFamily="49" charset="0"/>
               <a:ea typeface="DejaVu Sans Mono" pitchFamily="49" charset="0"/>
               <a:cs typeface="DejaVu Sans Mono" pitchFamily="49" charset="0"/>
@@ -5763,7 +5765,7 @@
           </a:p>
           <a:p>
             <a:r>
-              <a:rPr lang="en-US" altLang="zh-CN" dirty="0" smtClean="0">
+              <a:rPr lang="en-US" altLang="zh-CN" sz="1600" dirty="0" smtClean="0">
                 <a:latin typeface="DejaVu Sans Mono" pitchFamily="49" charset="0"/>
                 <a:ea typeface="DejaVu Sans Mono" pitchFamily="49" charset="0"/>
                 <a:cs typeface="DejaVu Sans Mono" pitchFamily="49" charset="0"/>
@@ -5772,7 +5774,7 @@
             </a:r>
           </a:p>
           <a:p>
-            <a:endParaRPr lang="en-US" altLang="zh-CN" dirty="0" smtClean="0">
+            <a:endParaRPr lang="en-US" altLang="zh-CN" sz="1600" dirty="0" smtClean="0">
               <a:latin typeface="DejaVu Sans Mono" pitchFamily="49" charset="0"/>
               <a:ea typeface="DejaVu Sans Mono" pitchFamily="49" charset="0"/>
               <a:cs typeface="DejaVu Sans Mono" pitchFamily="49" charset="0"/>
@@ -5780,7 +5782,7 @@
           </a:p>
           <a:p>
             <a:r>
-              <a:rPr lang="en-US" altLang="zh-CN" dirty="0" smtClean="0">
+              <a:rPr lang="en-US" altLang="zh-CN" sz="1600" dirty="0" smtClean="0">
                 <a:latin typeface="DejaVu Sans Mono" pitchFamily="49" charset="0"/>
                 <a:ea typeface="DejaVu Sans Mono" pitchFamily="49" charset="0"/>
                 <a:cs typeface="DejaVu Sans Mono" pitchFamily="49" charset="0"/>
@@ -5789,7 +5791,7 @@
             </a:r>
           </a:p>
           <a:p>
-            <a:endParaRPr lang="en-US" altLang="zh-CN" dirty="0" smtClean="0">
+            <a:endParaRPr lang="en-US" altLang="zh-CN" sz="1600" dirty="0" smtClean="0">
               <a:latin typeface="DejaVu Sans Mono" pitchFamily="49" charset="0"/>
               <a:ea typeface="DejaVu Sans Mono" pitchFamily="49" charset="0"/>
               <a:cs typeface="DejaVu Sans Mono" pitchFamily="49" charset="0"/>
@@ -5797,14 +5799,14 @@
           </a:p>
           <a:p>
             <a:r>
-              <a:rPr lang="en-US" altLang="zh-CN" dirty="0" smtClean="0">
+              <a:rPr lang="en-US" altLang="zh-CN" sz="1600" dirty="0" smtClean="0">
                 <a:latin typeface="DejaVu Sans Mono" pitchFamily="49" charset="0"/>
                 <a:ea typeface="DejaVu Sans Mono" pitchFamily="49" charset="0"/>
                 <a:cs typeface="DejaVu Sans Mono" pitchFamily="49" charset="0"/>
               </a:rPr>
               <a:t>fun_for_1024&lt;1,0,2&gt;();     //static assertion failed: hi guy, just 4 numbers</a:t>
             </a:r>
-            <a:endParaRPr lang="zh-CN" altLang="en-US" dirty="0">
+            <a:endParaRPr lang="zh-CN" altLang="en-US" sz="1600" dirty="0">
               <a:latin typeface="DejaVu Sans Mono" pitchFamily="49" charset="0"/>
               <a:cs typeface="DejaVu Sans Mono" pitchFamily="49" charset="0"/>
             </a:endParaRPr>
@@ -5856,7 +5858,7 @@
         <p:spPr/>
         <p:txBody>
           <a:bodyPr>
-            <a:normAutofit lnSpcReduction="10000"/>
+            <a:normAutofit fontScale="85000" lnSpcReduction="20000"/>
           </a:bodyPr>
           <a:lstStyle/>
           <a:p>
@@ -5904,8 +5906,8 @@
         </p:blipFill>
         <p:spPr bwMode="auto">
           <a:xfrm>
-            <a:off x="709613" y="1733550"/>
-            <a:ext cx="7723187" cy="3390900"/>
+            <a:off x="709615" y="1300163"/>
+            <a:ext cx="6933040" cy="2635464"/>
           </a:xfrm>
           <a:prstGeom prst="rect">
             <a:avLst/>
@@ -5965,7 +5967,7 @@
         <p:spPr/>
         <p:txBody>
           <a:bodyPr rtlCol="0">
-            <a:normAutofit lnSpcReduction="10000"/>
+            <a:normAutofit fontScale="85000" lnSpcReduction="20000"/>
           </a:bodyPr>
           <a:lstStyle/>
           <a:p>
@@ -6076,8 +6078,8 @@
         </p:nvSpPr>
         <p:spPr>
           <a:xfrm>
-            <a:off x="2935674" y="3441784"/>
-            <a:ext cx="3331361" cy="400110"/>
+            <a:off x="2935675" y="2865544"/>
+            <a:ext cx="3004349" cy="400110"/>
           </a:xfrm>
           <a:prstGeom prst="rect">
             <a:avLst/>
@@ -6090,26 +6092,26 @@
           <a:lstStyle/>
           <a:p>
             <a:r>
-              <a:rPr lang="en-US" altLang="zh-CN" sz="2000" smtClean="0"/>
+              <a:rPr lang="en-US" altLang="zh-CN" sz="2000" dirty="0" smtClean="0"/>
               <a:t>Modern C++ </a:t>
             </a:r>
             <a:r>
-              <a:rPr lang="en-US" altLang="zh-CN" sz="2000"/>
+              <a:rPr lang="en-US" altLang="zh-CN" sz="2000" dirty="0"/>
               <a:t>C</a:t>
             </a:r>
             <a:r>
-              <a:rPr lang="zh-CN" altLang="en-US" sz="2000" smtClean="0"/>
+              <a:rPr lang="zh-CN" altLang="en-US" sz="2000" dirty="0" smtClean="0"/>
               <a:t>reative </a:t>
             </a:r>
             <a:r>
-              <a:rPr lang="en-US" altLang="zh-CN" sz="2000" smtClean="0"/>
+              <a:rPr lang="en-US" altLang="zh-CN" sz="2000" dirty="0" smtClean="0"/>
               <a:t>I</a:t>
             </a:r>
             <a:r>
-              <a:rPr lang="zh-CN" altLang="en-US" sz="2000" smtClean="0"/>
+              <a:rPr lang="zh-CN" altLang="en-US" sz="2000" dirty="0" smtClean="0"/>
               <a:t>deas</a:t>
             </a:r>
-            <a:endParaRPr lang="zh-CN" altLang="en-US" sz="2000"/>
+            <a:endParaRPr lang="zh-CN" altLang="en-US" sz="2000" dirty="0"/>
           </a:p>
         </p:txBody>
       </p:sp>
@@ -6306,7 +6308,7 @@
         <p:spPr/>
         <p:txBody>
           <a:bodyPr>
-            <a:normAutofit lnSpcReduction="10000"/>
+            <a:normAutofit fontScale="85000" lnSpcReduction="20000"/>
           </a:bodyPr>
           <a:lstStyle/>
           <a:p>
@@ -6330,38 +6332,40 @@
         </p:nvSpPr>
         <p:spPr/>
         <p:txBody>
-          <a:bodyPr/>
+          <a:bodyPr>
+            <a:normAutofit/>
+          </a:bodyPr>
           <a:lstStyle/>
           <a:p>
             <a:r>
-              <a:rPr lang="en-US" altLang="zh-CN" dirty="0" smtClean="0"/>
+              <a:rPr lang="en-US" altLang="zh-CN" sz="1400" dirty="0" smtClean="0"/>
               <a:t>Type-and resource-safe</a:t>
             </a:r>
           </a:p>
           <a:p>
             <a:r>
-              <a:rPr lang="en-US" altLang="zh-CN" dirty="0" smtClean="0"/>
+              <a:rPr lang="en-US" altLang="zh-CN" sz="1400" dirty="0" smtClean="0"/>
               <a:t>Significantly simpler and clearer code</a:t>
             </a:r>
           </a:p>
           <a:p>
             <a:r>
-              <a:rPr lang="en-US" altLang="zh-CN" dirty="0" smtClean="0"/>
+              <a:rPr lang="en-US" altLang="zh-CN" sz="1400" dirty="0" smtClean="0"/>
               <a:t>As fast or faster than anything else</a:t>
             </a:r>
           </a:p>
           <a:p>
             <a:r>
-              <a:rPr lang="en-US" altLang="zh-CN" dirty="0" smtClean="0"/>
+              <a:rPr lang="en-US" altLang="zh-CN" sz="1400" dirty="0" smtClean="0"/>
               <a:t>Good at using “modern hardware”</a:t>
             </a:r>
           </a:p>
           <a:p>
             <a:r>
-              <a:rPr lang="en-US" altLang="zh-CN" dirty="0" smtClean="0"/>
+              <a:rPr lang="en-US" altLang="zh-CN" sz="1400" dirty="0" smtClean="0"/>
               <a:t>Significantly faster compilation catching many more errors</a:t>
             </a:r>
-            <a:endParaRPr lang="zh-CN" altLang="en-US" dirty="0"/>
+            <a:endParaRPr lang="zh-CN" altLang="en-US" sz="1400" dirty="0"/>
           </a:p>
         </p:txBody>
       </p:sp>
@@ -6382,8 +6386,8 @@
         </p:blipFill>
         <p:spPr bwMode="auto">
           <a:xfrm>
-            <a:off x="2651760" y="3386846"/>
-            <a:ext cx="3668278" cy="3031854"/>
+            <a:off x="3107724" y="2731583"/>
+            <a:ext cx="2885304" cy="1983588"/>
           </a:xfrm>
           <a:prstGeom prst="rect">
             <a:avLst/>
@@ -6401,7 +6405,7 @@
     </p:spTree>
     <p:extLst>
       <p:ext uri="{BB962C8B-B14F-4D97-AF65-F5344CB8AC3E}">
-        <p14:creationId xmlns:p14="http://schemas.microsoft.com/office/powerpoint/2010/main" xmlns="" val="1047839009"/>
+        <p14:creationId xmlns="" xmlns:p14="http://schemas.microsoft.com/office/powerpoint/2010/main" val="1047839009"/>
       </p:ext>
     </p:extLst>
   </p:cSld>
@@ -6448,7 +6452,7 @@
         <p:spPr/>
         <p:txBody>
           <a:bodyPr>
-            <a:normAutofit lnSpcReduction="10000"/>
+            <a:normAutofit fontScale="85000" lnSpcReduction="20000"/>
           </a:bodyPr>
           <a:lstStyle/>
           <a:p>
@@ -6492,8 +6496,8 @@
         </p:blipFill>
         <p:spPr bwMode="auto">
           <a:xfrm>
-            <a:off x="2191963" y="2028046"/>
-            <a:ext cx="4743450" cy="3400425"/>
+            <a:off x="2483708" y="1689718"/>
+            <a:ext cx="4173677" cy="2356922"/>
           </a:xfrm>
           <a:prstGeom prst="rect">
             <a:avLst/>
@@ -6553,7 +6557,7 @@
         <p:spPr/>
         <p:txBody>
           <a:bodyPr>
-            <a:normAutofit lnSpcReduction="10000"/>
+            <a:normAutofit fontScale="85000" lnSpcReduction="20000"/>
           </a:bodyPr>
           <a:lstStyle/>
           <a:p>
@@ -6665,7 +6669,7 @@
         <p:spPr/>
         <p:txBody>
           <a:bodyPr>
-            <a:normAutofit lnSpcReduction="10000"/>
+            <a:normAutofit fontScale="85000" lnSpcReduction="20000"/>
           </a:bodyPr>
           <a:lstStyle/>
           <a:p>
@@ -6713,8 +6717,8 @@
         </p:blipFill>
         <p:spPr bwMode="auto">
           <a:xfrm>
-            <a:off x="678959" y="1052772"/>
-            <a:ext cx="7551737" cy="5467350"/>
+            <a:off x="678960" y="789579"/>
+            <a:ext cx="7247899" cy="4100513"/>
           </a:xfrm>
           <a:prstGeom prst="rect">
             <a:avLst/>
@@ -6737,7 +6741,7 @@
         </p:nvSpPr>
         <p:spPr>
           <a:xfrm>
-            <a:off x="3652460" y="3809600"/>
+            <a:off x="3652460" y="2857200"/>
             <a:ext cx="3651256" cy="369332"/>
           </a:xfrm>
           <a:prstGeom prst="rect">
@@ -6920,7 +6924,7 @@
         <p:spPr/>
         <p:txBody>
           <a:bodyPr>
-            <a:normAutofit lnSpcReduction="10000"/>
+            <a:normAutofit fontScale="85000" lnSpcReduction="20000"/>
           </a:bodyPr>
           <a:lstStyle/>
           <a:p>
@@ -6972,8 +6976,8 @@
         </p:blipFill>
         <p:spPr bwMode="auto">
           <a:xfrm>
-            <a:off x="2493645" y="1907079"/>
-            <a:ext cx="3790950" cy="1447800"/>
+            <a:off x="2493645" y="1430309"/>
+            <a:ext cx="3790950" cy="1085850"/>
           </a:xfrm>
           <a:prstGeom prst="rect">
             <a:avLst/>
@@ -7005,8 +7009,8 @@
         </p:blipFill>
         <p:spPr bwMode="auto">
           <a:xfrm>
-            <a:off x="618881" y="3725860"/>
-            <a:ext cx="6172200" cy="895350"/>
+            <a:off x="618881" y="2794395"/>
+            <a:ext cx="5744849" cy="671513"/>
           </a:xfrm>
           <a:prstGeom prst="rect">
             <a:avLst/>
@@ -7037,8 +7041,8 @@
         </p:blipFill>
         <p:spPr bwMode="auto">
           <a:xfrm>
-            <a:off x="604593" y="4735510"/>
-            <a:ext cx="8343900" cy="609600"/>
+            <a:off x="604594" y="3551633"/>
+            <a:ext cx="7909212" cy="457200"/>
           </a:xfrm>
           <a:prstGeom prst="rect">
             <a:avLst/>
@@ -7069,8 +7073,8 @@
         </p:blipFill>
         <p:spPr bwMode="auto">
           <a:xfrm>
-            <a:off x="628406" y="5480047"/>
-            <a:ext cx="3705225" cy="457200"/>
+            <a:off x="628408" y="4110035"/>
+            <a:ext cx="3214544" cy="342900"/>
           </a:xfrm>
           <a:prstGeom prst="rect">
             <a:avLst/>
@@ -7129,7 +7133,7 @@
         <p:spPr/>
         <p:txBody>
           <a:bodyPr rtlCol="0">
-            <a:normAutofit lnSpcReduction="10000"/>
+            <a:normAutofit fontScale="85000" lnSpcReduction="20000"/>
           </a:bodyPr>
           <a:lstStyle/>
           <a:p>
@@ -7165,8 +7169,8 @@
         </p:blipFill>
         <p:spPr bwMode="auto">
           <a:xfrm>
-            <a:off x="569827" y="4153672"/>
-            <a:ext cx="7515225" cy="1514475"/>
+            <a:off x="569829" y="3115254"/>
+            <a:ext cx="7165502" cy="1135856"/>
           </a:xfrm>
           <a:prstGeom prst="rect">
             <a:avLst/>
@@ -7255,8 +7259,8 @@
         </p:blipFill>
         <p:spPr>
           <a:xfrm>
-            <a:off x="569827" y="2363159"/>
-            <a:ext cx="7019048" cy="1495238"/>
+            <a:off x="569827" y="1772369"/>
+            <a:ext cx="6813335" cy="1121429"/>
           </a:xfrm>
           <a:prstGeom prst="rect">
             <a:avLst/>
@@ -7308,7 +7312,7 @@
         <p:spPr/>
         <p:txBody>
           <a:bodyPr>
-            <a:normAutofit lnSpcReduction="10000"/>
+            <a:normAutofit fontScale="85000" lnSpcReduction="20000"/>
           </a:bodyPr>
           <a:lstStyle/>
           <a:p>
@@ -7375,8 +7379,8 @@
         </p:blipFill>
         <p:spPr>
           <a:xfrm>
-            <a:off x="1260614" y="2148688"/>
-            <a:ext cx="6234814" cy="2606192"/>
+            <a:off x="1415073" y="1623873"/>
+            <a:ext cx="5523245" cy="1954644"/>
           </a:xfrm>
           <a:prstGeom prst="rect">
             <a:avLst/>
@@ -7386,7 +7390,7 @@
     </p:spTree>
     <p:extLst>
       <p:ext uri="{BB962C8B-B14F-4D97-AF65-F5344CB8AC3E}">
-        <p14:creationId xmlns="" xmlns:p14="http://schemas.microsoft.com/office/powerpoint/2010/main" val="900910706"/>
+        <p14:creationId xmlns:p14="http://schemas.microsoft.com/office/powerpoint/2010/main" xmlns="" val="900910706"/>
       </p:ext>
     </p:extLst>
   </p:cSld>
@@ -7547,7 +7551,7 @@
         <p:spPr/>
         <p:txBody>
           <a:bodyPr>
-            <a:normAutofit lnSpcReduction="10000"/>
+            <a:normAutofit fontScale="85000" lnSpcReduction="20000"/>
           </a:bodyPr>
           <a:lstStyle/>
           <a:p>
@@ -7614,8 +7618,8 @@
         </p:blipFill>
         <p:spPr>
           <a:xfrm>
-            <a:off x="266700" y="1738656"/>
-            <a:ext cx="5019048" cy="1733333"/>
+            <a:off x="272878" y="1341063"/>
+            <a:ext cx="4552435" cy="1300000"/>
           </a:xfrm>
           <a:prstGeom prst="rect">
             <a:avLst/>
@@ -7638,8 +7642,8 @@
         </p:blipFill>
         <p:spPr>
           <a:xfrm>
-            <a:off x="266700" y="3509086"/>
-            <a:ext cx="7676190" cy="876190"/>
+            <a:off x="272879" y="2668884"/>
+            <a:ext cx="6733403" cy="692154"/>
           </a:xfrm>
           <a:prstGeom prst="rect">
             <a:avLst/>
@@ -7662,8 +7666,8 @@
         </p:blipFill>
         <p:spPr>
           <a:xfrm>
-            <a:off x="1357697" y="4505046"/>
-            <a:ext cx="6161905" cy="1828571"/>
+            <a:off x="1351520" y="3409677"/>
+            <a:ext cx="5419983" cy="1371428"/>
           </a:xfrm>
           <a:prstGeom prst="rect">
             <a:avLst/>
@@ -7673,7 +7677,7 @@
     </p:spTree>
     <p:extLst>
       <p:ext uri="{BB962C8B-B14F-4D97-AF65-F5344CB8AC3E}">
-        <p14:creationId xmlns="" xmlns:p14="http://schemas.microsoft.com/office/powerpoint/2010/main" val="768345762"/>
+        <p14:creationId xmlns:p14="http://schemas.microsoft.com/office/powerpoint/2010/main" xmlns="" val="768345762"/>
       </p:ext>
     </p:extLst>
   </p:cSld>
@@ -7916,7 +7920,7 @@
         <p:spPr/>
         <p:txBody>
           <a:bodyPr>
-            <a:normAutofit lnSpcReduction="10000"/>
+            <a:normAutofit fontScale="85000" lnSpcReduction="20000"/>
           </a:bodyPr>
           <a:lstStyle/>
           <a:p>
@@ -7971,8 +7975,8 @@
         </p:nvSpPr>
         <p:spPr>
           <a:xfrm>
-            <a:off x="266700" y="1626768"/>
-            <a:ext cx="4310743" cy="1477328"/>
+            <a:off x="266701" y="1220076"/>
+            <a:ext cx="4310743" cy="1169551"/>
           </a:xfrm>
           <a:prstGeom prst="rect">
             <a:avLst/>
@@ -7985,274 +7989,297 @@
           <a:lstStyle/>
           <a:p>
             <a:r>
-              <a:rPr lang="en-US" altLang="zh-CN" dirty="0" err="1">
+              <a:rPr lang="en-US" altLang="zh-CN" sz="1400" dirty="0" err="1">
                 <a:solidFill>
                   <a:srgbClr val="0000FF"/>
                 </a:solidFill>
                 <a:highlight>
                   <a:srgbClr val="FFFFFF"/>
                 </a:highlight>
-                <a:latin typeface="新宋体" panose="02010609030101010101" pitchFamily="49" charset="-122"/>
-                <a:ea typeface="新宋体" panose="02010609030101010101" pitchFamily="49" charset="-122"/>
+                <a:latin typeface="DejaVu Sans Mono" pitchFamily="49" charset="0"/>
+                <a:ea typeface="DejaVu Sans Mono" pitchFamily="49" charset="0"/>
+                <a:cs typeface="DejaVu Sans Mono" pitchFamily="49" charset="0"/>
               </a:rPr>
               <a:t>struct</a:t>
             </a:r>
             <a:r>
-              <a:rPr lang="en-US" altLang="zh-CN" dirty="0">
+              <a:rPr lang="en-US" altLang="zh-CN" sz="1400" dirty="0">
                 <a:solidFill>
                   <a:srgbClr val="000000"/>
                 </a:solidFill>
                 <a:highlight>
                   <a:srgbClr val="FFFFFF"/>
                 </a:highlight>
-                <a:latin typeface="新宋体" panose="02010609030101010101" pitchFamily="49" charset="-122"/>
-                <a:ea typeface="新宋体" panose="02010609030101010101" pitchFamily="49" charset="-122"/>
+                <a:latin typeface="DejaVu Sans Mono" pitchFamily="49" charset="0"/>
+                <a:ea typeface="DejaVu Sans Mono" pitchFamily="49" charset="0"/>
+                <a:cs typeface="DejaVu Sans Mono" pitchFamily="49" charset="0"/>
               </a:rPr>
               <a:t> </a:t>
             </a:r>
             <a:r>
-              <a:rPr lang="en-US" altLang="zh-CN" dirty="0">
+              <a:rPr lang="en-US" altLang="zh-CN" sz="1400" dirty="0">
                 <a:solidFill>
                   <a:srgbClr val="2B91AF"/>
                 </a:solidFill>
                 <a:highlight>
                   <a:srgbClr val="FFFFFF"/>
                 </a:highlight>
-                <a:latin typeface="新宋体" panose="02010609030101010101" pitchFamily="49" charset="-122"/>
-                <a:ea typeface="新宋体" panose="02010609030101010101" pitchFamily="49" charset="-122"/>
+                <a:latin typeface="DejaVu Sans Mono" pitchFamily="49" charset="0"/>
+                <a:ea typeface="DejaVu Sans Mono" pitchFamily="49" charset="0"/>
+                <a:cs typeface="DejaVu Sans Mono" pitchFamily="49" charset="0"/>
               </a:rPr>
               <a:t>p</a:t>
             </a:r>
             <a:r>
-              <a:rPr lang="en-US" altLang="zh-CN" dirty="0" smtClean="0">
+              <a:rPr lang="en-US" altLang="zh-CN" sz="1400" dirty="0" smtClean="0">
                 <a:solidFill>
                   <a:srgbClr val="2B91AF"/>
                 </a:solidFill>
                 <a:highlight>
                   <a:srgbClr val="FFFFFF"/>
                 </a:highlight>
-                <a:latin typeface="新宋体" panose="02010609030101010101" pitchFamily="49" charset="-122"/>
-                <a:ea typeface="新宋体" panose="02010609030101010101" pitchFamily="49" charset="-122"/>
+                <a:latin typeface="DejaVu Sans Mono" pitchFamily="49" charset="0"/>
+                <a:ea typeface="DejaVu Sans Mono" pitchFamily="49" charset="0"/>
+                <a:cs typeface="DejaVu Sans Mono" pitchFamily="49" charset="0"/>
               </a:rPr>
               <a:t>erson</a:t>
             </a:r>
             <a:r>
-              <a:rPr lang="en-US" altLang="zh-CN" dirty="0" smtClean="0">
+              <a:rPr lang="en-US" altLang="zh-CN" sz="1400" dirty="0" smtClean="0">
                 <a:solidFill>
                   <a:srgbClr val="000000"/>
                 </a:solidFill>
                 <a:highlight>
                   <a:srgbClr val="FFFFFF"/>
                 </a:highlight>
-                <a:latin typeface="新宋体" panose="02010609030101010101" pitchFamily="49" charset="-122"/>
-                <a:ea typeface="新宋体" panose="02010609030101010101" pitchFamily="49" charset="-122"/>
+                <a:latin typeface="DejaVu Sans Mono" pitchFamily="49" charset="0"/>
+                <a:ea typeface="DejaVu Sans Mono" pitchFamily="49" charset="0"/>
+                <a:cs typeface="DejaVu Sans Mono" pitchFamily="49" charset="0"/>
               </a:rPr>
               <a:t> </a:t>
             </a:r>
             <a:r>
-              <a:rPr lang="en-US" altLang="zh-CN" dirty="0">
+              <a:rPr lang="en-US" altLang="zh-CN" sz="1400" dirty="0">
                 <a:solidFill>
                   <a:srgbClr val="000000"/>
                 </a:solidFill>
                 <a:highlight>
                   <a:srgbClr val="FFFFFF"/>
                 </a:highlight>
-                <a:latin typeface="新宋体" panose="02010609030101010101" pitchFamily="49" charset="-122"/>
-                <a:ea typeface="新宋体" panose="02010609030101010101" pitchFamily="49" charset="-122"/>
+                <a:latin typeface="DejaVu Sans Mono" pitchFamily="49" charset="0"/>
+                <a:ea typeface="DejaVu Sans Mono" pitchFamily="49" charset="0"/>
+                <a:cs typeface="DejaVu Sans Mono" pitchFamily="49" charset="0"/>
               </a:rPr>
               <a:t>{</a:t>
             </a:r>
           </a:p>
           <a:p>
             <a:r>
-              <a:rPr lang="en-US" altLang="zh-CN" dirty="0" smtClean="0">
+              <a:rPr lang="en-US" altLang="zh-CN" sz="1400" dirty="0" smtClean="0">
                 <a:solidFill>
                   <a:srgbClr val="000000"/>
                 </a:solidFill>
                 <a:highlight>
                   <a:srgbClr val="FFFFFF"/>
                 </a:highlight>
-                <a:latin typeface="新宋体" panose="02010609030101010101" pitchFamily="49" charset="-122"/>
-                <a:ea typeface="新宋体" panose="02010609030101010101" pitchFamily="49" charset="-122"/>
+                <a:latin typeface="DejaVu Sans Mono" pitchFamily="49" charset="0"/>
+                <a:ea typeface="DejaVu Sans Mono" pitchFamily="49" charset="0"/>
+                <a:cs typeface="DejaVu Sans Mono" pitchFamily="49" charset="0"/>
               </a:rPr>
               <a:t>    </a:t>
             </a:r>
             <a:r>
-              <a:rPr lang="en-US" altLang="zh-CN" dirty="0" err="1" smtClean="0">
+              <a:rPr lang="en-US" altLang="zh-CN" sz="1400" dirty="0" err="1" smtClean="0">
                 <a:solidFill>
                   <a:srgbClr val="000000"/>
                 </a:solidFill>
                 <a:highlight>
                   <a:srgbClr val="FFFFFF"/>
                 </a:highlight>
-                <a:latin typeface="新宋体" panose="02010609030101010101" pitchFamily="49" charset="-122"/>
-                <a:ea typeface="新宋体" panose="02010609030101010101" pitchFamily="49" charset="-122"/>
+                <a:latin typeface="DejaVu Sans Mono" pitchFamily="49" charset="0"/>
+                <a:ea typeface="DejaVu Sans Mono" pitchFamily="49" charset="0"/>
+                <a:cs typeface="DejaVu Sans Mono" pitchFamily="49" charset="0"/>
               </a:rPr>
               <a:t>std</a:t>
             </a:r>
             <a:r>
-              <a:rPr lang="en-US" altLang="zh-CN" dirty="0">
+              <a:rPr lang="en-US" altLang="zh-CN" sz="1400" dirty="0">
                 <a:solidFill>
                   <a:srgbClr val="000000"/>
                 </a:solidFill>
                 <a:highlight>
                   <a:srgbClr val="FFFFFF"/>
                 </a:highlight>
-                <a:latin typeface="新宋体" panose="02010609030101010101" pitchFamily="49" charset="-122"/>
-                <a:ea typeface="新宋体" panose="02010609030101010101" pitchFamily="49" charset="-122"/>
+                <a:latin typeface="DejaVu Sans Mono" pitchFamily="49" charset="0"/>
+                <a:ea typeface="DejaVu Sans Mono" pitchFamily="49" charset="0"/>
+                <a:cs typeface="DejaVu Sans Mono" pitchFamily="49" charset="0"/>
               </a:rPr>
               <a:t>::</a:t>
             </a:r>
             <a:r>
-              <a:rPr lang="en-US" altLang="zh-CN" dirty="0">
+              <a:rPr lang="en-US" altLang="zh-CN" sz="1400" dirty="0">
                 <a:solidFill>
                   <a:srgbClr val="2B91AF"/>
                 </a:solidFill>
                 <a:highlight>
                   <a:srgbClr val="FFFFFF"/>
                 </a:highlight>
-                <a:latin typeface="新宋体" panose="02010609030101010101" pitchFamily="49" charset="-122"/>
-                <a:ea typeface="新宋体" panose="02010609030101010101" pitchFamily="49" charset="-122"/>
+                <a:latin typeface="DejaVu Sans Mono" pitchFamily="49" charset="0"/>
+                <a:ea typeface="DejaVu Sans Mono" pitchFamily="49" charset="0"/>
+                <a:cs typeface="DejaVu Sans Mono" pitchFamily="49" charset="0"/>
               </a:rPr>
               <a:t>string</a:t>
             </a:r>
             <a:r>
-              <a:rPr lang="en-US" altLang="zh-CN" dirty="0">
+              <a:rPr lang="en-US" altLang="zh-CN" sz="1400" dirty="0">
                 <a:solidFill>
                   <a:srgbClr val="000000"/>
                 </a:solidFill>
                 <a:highlight>
                   <a:srgbClr val="FFFFFF"/>
                 </a:highlight>
-                <a:latin typeface="新宋体" panose="02010609030101010101" pitchFamily="49" charset="-122"/>
-                <a:ea typeface="新宋体" panose="02010609030101010101" pitchFamily="49" charset="-122"/>
+                <a:latin typeface="DejaVu Sans Mono" pitchFamily="49" charset="0"/>
+                <a:ea typeface="DejaVu Sans Mono" pitchFamily="49" charset="0"/>
+                <a:cs typeface="DejaVu Sans Mono" pitchFamily="49" charset="0"/>
               </a:rPr>
               <a:t> name;</a:t>
             </a:r>
           </a:p>
           <a:p>
             <a:r>
-              <a:rPr lang="en-US" altLang="zh-CN" dirty="0" smtClean="0">
+              <a:rPr lang="en-US" altLang="zh-CN" sz="1400" dirty="0" smtClean="0">
                 <a:solidFill>
                   <a:srgbClr val="0000FF"/>
                 </a:solidFill>
                 <a:highlight>
                   <a:srgbClr val="FFFFFF"/>
                 </a:highlight>
-                <a:latin typeface="新宋体" panose="02010609030101010101" pitchFamily="49" charset="-122"/>
-                <a:ea typeface="新宋体" panose="02010609030101010101" pitchFamily="49" charset="-122"/>
+                <a:latin typeface="DejaVu Sans Mono" pitchFamily="49" charset="0"/>
+                <a:ea typeface="DejaVu Sans Mono" pitchFamily="49" charset="0"/>
+                <a:cs typeface="DejaVu Sans Mono" pitchFamily="49" charset="0"/>
               </a:rPr>
               <a:t>    </a:t>
             </a:r>
             <a:r>
-              <a:rPr lang="en-US" altLang="zh-CN" dirty="0" err="1" smtClean="0">
+              <a:rPr lang="en-US" altLang="zh-CN" sz="1400" dirty="0" err="1" smtClean="0">
                 <a:solidFill>
                   <a:srgbClr val="0000FF"/>
                 </a:solidFill>
                 <a:highlight>
                   <a:srgbClr val="FFFFFF"/>
                 </a:highlight>
-                <a:latin typeface="新宋体" panose="02010609030101010101" pitchFamily="49" charset="-122"/>
-                <a:ea typeface="新宋体" panose="02010609030101010101" pitchFamily="49" charset="-122"/>
+                <a:latin typeface="DejaVu Sans Mono" pitchFamily="49" charset="0"/>
+                <a:ea typeface="DejaVu Sans Mono" pitchFamily="49" charset="0"/>
+                <a:cs typeface="DejaVu Sans Mono" pitchFamily="49" charset="0"/>
               </a:rPr>
               <a:t>int</a:t>
             </a:r>
             <a:r>
-              <a:rPr lang="en-US" altLang="zh-CN" dirty="0" smtClean="0">
+              <a:rPr lang="en-US" altLang="zh-CN" sz="1400" dirty="0" smtClean="0">
                 <a:solidFill>
                   <a:srgbClr val="000000"/>
                 </a:solidFill>
                 <a:highlight>
                   <a:srgbClr val="FFFFFF"/>
                 </a:highlight>
-                <a:latin typeface="新宋体" panose="02010609030101010101" pitchFamily="49" charset="-122"/>
-                <a:ea typeface="新宋体" panose="02010609030101010101" pitchFamily="49" charset="-122"/>
+                <a:latin typeface="DejaVu Sans Mono" pitchFamily="49" charset="0"/>
+                <a:ea typeface="DejaVu Sans Mono" pitchFamily="49" charset="0"/>
+                <a:cs typeface="DejaVu Sans Mono" pitchFamily="49" charset="0"/>
               </a:rPr>
               <a:t> </a:t>
             </a:r>
             <a:r>
-              <a:rPr lang="en-US" altLang="zh-CN" dirty="0">
+              <a:rPr lang="en-US" altLang="zh-CN" sz="1400" dirty="0">
                 <a:solidFill>
                   <a:srgbClr val="000000"/>
                 </a:solidFill>
                 <a:highlight>
                   <a:srgbClr val="FFFFFF"/>
                 </a:highlight>
-                <a:latin typeface="新宋体" panose="02010609030101010101" pitchFamily="49" charset="-122"/>
-                <a:ea typeface="新宋体" panose="02010609030101010101" pitchFamily="49" charset="-122"/>
+                <a:latin typeface="DejaVu Sans Mono" pitchFamily="49" charset="0"/>
+                <a:ea typeface="DejaVu Sans Mono" pitchFamily="49" charset="0"/>
+                <a:cs typeface="DejaVu Sans Mono" pitchFamily="49" charset="0"/>
               </a:rPr>
               <a:t>age;</a:t>
             </a:r>
           </a:p>
           <a:p>
             <a:r>
-              <a:rPr lang="en-US" altLang="zh-CN" dirty="0">
+              <a:rPr lang="en-US" altLang="zh-CN" sz="1400" dirty="0">
                 <a:solidFill>
                   <a:srgbClr val="000000"/>
                 </a:solidFill>
                 <a:highlight>
                   <a:srgbClr val="FFFFFF"/>
                 </a:highlight>
-                <a:latin typeface="新宋体" panose="02010609030101010101" pitchFamily="49" charset="-122"/>
-                <a:ea typeface="新宋体" panose="02010609030101010101" pitchFamily="49" charset="-122"/>
+                <a:latin typeface="DejaVu Sans Mono" pitchFamily="49" charset="0"/>
+                <a:ea typeface="DejaVu Sans Mono" pitchFamily="49" charset="0"/>
+                <a:cs typeface="DejaVu Sans Mono" pitchFamily="49" charset="0"/>
               </a:rPr>
               <a:t>};</a:t>
             </a:r>
           </a:p>
           <a:p>
             <a:r>
-              <a:rPr lang="en-US" altLang="zh-CN" dirty="0" smtClean="0">
+              <a:rPr lang="en-US" altLang="zh-CN" sz="1400" dirty="0" smtClean="0">
                 <a:solidFill>
                   <a:srgbClr val="6F008A"/>
                 </a:solidFill>
                 <a:highlight>
                   <a:srgbClr val="FFFFFF"/>
                 </a:highlight>
-                <a:latin typeface="新宋体" panose="02010609030101010101" pitchFamily="49" charset="-122"/>
-                <a:ea typeface="新宋体" panose="02010609030101010101" pitchFamily="49" charset="-122"/>
+                <a:latin typeface="DejaVu Sans Mono" pitchFamily="49" charset="0"/>
+                <a:ea typeface="DejaVu Sans Mono" pitchFamily="49" charset="0"/>
+                <a:cs typeface="DejaVu Sans Mono" pitchFamily="49" charset="0"/>
               </a:rPr>
               <a:t>REFLECTION</a:t>
             </a:r>
             <a:r>
-              <a:rPr lang="en-US" altLang="zh-CN" dirty="0" smtClean="0">
+              <a:rPr lang="en-US" altLang="zh-CN" sz="1400" dirty="0" smtClean="0">
                 <a:solidFill>
                   <a:srgbClr val="000000"/>
                 </a:solidFill>
                 <a:highlight>
                   <a:srgbClr val="FFFFFF"/>
                 </a:highlight>
-                <a:latin typeface="新宋体" panose="02010609030101010101" pitchFamily="49" charset="-122"/>
-                <a:ea typeface="新宋体" panose="02010609030101010101" pitchFamily="49" charset="-122"/>
+                <a:latin typeface="DejaVu Sans Mono" pitchFamily="49" charset="0"/>
+                <a:ea typeface="DejaVu Sans Mono" pitchFamily="49" charset="0"/>
+                <a:cs typeface="DejaVu Sans Mono" pitchFamily="49" charset="0"/>
               </a:rPr>
               <a:t>(</a:t>
             </a:r>
             <a:r>
-              <a:rPr lang="en-US" altLang="zh-CN" dirty="0" smtClean="0">
+              <a:rPr lang="en-US" altLang="zh-CN" sz="1400" dirty="0" smtClean="0">
                 <a:solidFill>
                   <a:srgbClr val="2B91AF"/>
                 </a:solidFill>
                 <a:highlight>
                   <a:srgbClr val="FFFFFF"/>
                 </a:highlight>
-                <a:latin typeface="新宋体" panose="02010609030101010101" pitchFamily="49" charset="-122"/>
-                <a:ea typeface="新宋体" panose="02010609030101010101" pitchFamily="49" charset="-122"/>
+                <a:latin typeface="DejaVu Sans Mono" pitchFamily="49" charset="0"/>
+                <a:ea typeface="DejaVu Sans Mono" pitchFamily="49" charset="0"/>
+                <a:cs typeface="DejaVu Sans Mono" pitchFamily="49" charset="0"/>
               </a:rPr>
               <a:t>person</a:t>
             </a:r>
             <a:r>
-              <a:rPr lang="en-US" altLang="zh-CN" dirty="0">
+              <a:rPr lang="en-US" altLang="zh-CN" sz="1400" dirty="0">
                 <a:solidFill>
                   <a:srgbClr val="000000"/>
                 </a:solidFill>
                 <a:highlight>
                   <a:srgbClr val="FFFFFF"/>
                 </a:highlight>
-                <a:latin typeface="新宋体" panose="02010609030101010101" pitchFamily="49" charset="-122"/>
-                <a:ea typeface="新宋体" panose="02010609030101010101" pitchFamily="49" charset="-122"/>
+                <a:latin typeface="DejaVu Sans Mono" pitchFamily="49" charset="0"/>
+                <a:ea typeface="DejaVu Sans Mono" pitchFamily="49" charset="0"/>
+                <a:cs typeface="DejaVu Sans Mono" pitchFamily="49" charset="0"/>
               </a:rPr>
               <a:t>, name, age)</a:t>
             </a:r>
-            <a:endParaRPr lang="zh-CN" altLang="en-US" dirty="0"/>
+            <a:endParaRPr lang="zh-CN" altLang="en-US" sz="1400" dirty="0">
+              <a:latin typeface="DejaVu Sans Mono" pitchFamily="49" charset="0"/>
+              <a:cs typeface="DejaVu Sans Mono" pitchFamily="49" charset="0"/>
+            </a:endParaRPr>
           </a:p>
         </p:txBody>
       </p:sp>
@@ -8264,8 +8291,8 @@
         </p:nvSpPr>
         <p:spPr>
           <a:xfrm>
-            <a:off x="266700" y="3104096"/>
-            <a:ext cx="8343899" cy="2308324"/>
+            <a:off x="266701" y="2328072"/>
+            <a:ext cx="8343899" cy="1877437"/>
           </a:xfrm>
           <a:prstGeom prst="rect">
             <a:avLst/>
@@ -8278,765 +8305,823 @@
           <a:lstStyle/>
           <a:p>
             <a:r>
-              <a:rPr lang="en-US" altLang="zh-CN" dirty="0">
+              <a:rPr lang="en-US" altLang="zh-CN" sz="1400" dirty="0">
                 <a:solidFill>
                   <a:srgbClr val="000000"/>
                 </a:solidFill>
                 <a:highlight>
                   <a:srgbClr val="FFFFFF"/>
                 </a:highlight>
-                <a:latin typeface="新宋体" panose="02010609030101010101" pitchFamily="49" charset="-122"/>
-                <a:ea typeface="新宋体" panose="02010609030101010101" pitchFamily="49" charset="-122"/>
+                <a:latin typeface="DejaVu Sans Mono" pitchFamily="49" charset="0"/>
+                <a:ea typeface="DejaVu Sans Mono" pitchFamily="49" charset="0"/>
+                <a:cs typeface="DejaVu Sans Mono" pitchFamily="49" charset="0"/>
               </a:rPr>
               <a:t>std::</a:t>
             </a:r>
             <a:r>
-              <a:rPr lang="en-US" altLang="zh-CN" dirty="0" err="1">
+              <a:rPr lang="en-US" altLang="zh-CN" sz="1400" dirty="0" err="1">
                 <a:solidFill>
                   <a:srgbClr val="000000"/>
                 </a:solidFill>
                 <a:highlight>
                   <a:srgbClr val="FFFFFF"/>
                 </a:highlight>
-                <a:latin typeface="新宋体" panose="02010609030101010101" pitchFamily="49" charset="-122"/>
-                <a:ea typeface="新宋体" panose="02010609030101010101" pitchFamily="49" charset="-122"/>
+                <a:latin typeface="DejaVu Sans Mono" pitchFamily="49" charset="0"/>
+                <a:ea typeface="DejaVu Sans Mono" pitchFamily="49" charset="0"/>
+                <a:cs typeface="DejaVu Sans Mono" pitchFamily="49" charset="0"/>
               </a:rPr>
               <a:t>cout</a:t>
             </a:r>
             <a:r>
-              <a:rPr lang="en-US" altLang="zh-CN" dirty="0">
+              <a:rPr lang="en-US" altLang="zh-CN" sz="1400" dirty="0">
                 <a:solidFill>
                   <a:srgbClr val="000000"/>
                 </a:solidFill>
                 <a:highlight>
                   <a:srgbClr val="FFFFFF"/>
                 </a:highlight>
-                <a:latin typeface="新宋体" panose="02010609030101010101" pitchFamily="49" charset="-122"/>
-                <a:ea typeface="新宋体" panose="02010609030101010101" pitchFamily="49" charset="-122"/>
+                <a:latin typeface="DejaVu Sans Mono" pitchFamily="49" charset="0"/>
+                <a:ea typeface="DejaVu Sans Mono" pitchFamily="49" charset="0"/>
+                <a:cs typeface="DejaVu Sans Mono" pitchFamily="49" charset="0"/>
               </a:rPr>
               <a:t> &lt;&lt; </a:t>
             </a:r>
             <a:r>
-              <a:rPr lang="en-US" altLang="zh-CN" dirty="0" err="1" smtClean="0">
+              <a:rPr lang="en-US" altLang="zh-CN" sz="1400" dirty="0" err="1" smtClean="0">
                 <a:solidFill>
                   <a:srgbClr val="000000"/>
                 </a:solidFill>
                 <a:highlight>
                   <a:srgbClr val="FFFFFF"/>
                 </a:highlight>
-                <a:latin typeface="新宋体" panose="02010609030101010101" pitchFamily="49" charset="-122"/>
-                <a:ea typeface="新宋体" panose="02010609030101010101" pitchFamily="49" charset="-122"/>
+                <a:latin typeface="DejaVu Sans Mono" pitchFamily="49" charset="0"/>
+                <a:ea typeface="DejaVu Sans Mono" pitchFamily="49" charset="0"/>
+                <a:cs typeface="DejaVu Sans Mono" pitchFamily="49" charset="0"/>
               </a:rPr>
               <a:t>get_name</a:t>
             </a:r>
             <a:r>
-              <a:rPr lang="en-US" altLang="zh-CN" dirty="0" smtClean="0">
+              <a:rPr lang="en-US" altLang="zh-CN" sz="1400" dirty="0" smtClean="0">
                 <a:solidFill>
                   <a:srgbClr val="000000"/>
                 </a:solidFill>
                 <a:highlight>
                   <a:srgbClr val="FFFFFF"/>
                 </a:highlight>
-                <a:latin typeface="新宋体" panose="02010609030101010101" pitchFamily="49" charset="-122"/>
-                <a:ea typeface="新宋体" panose="02010609030101010101" pitchFamily="49" charset="-122"/>
+                <a:latin typeface="DejaVu Sans Mono" pitchFamily="49" charset="0"/>
+                <a:ea typeface="DejaVu Sans Mono" pitchFamily="49" charset="0"/>
+                <a:cs typeface="DejaVu Sans Mono" pitchFamily="49" charset="0"/>
               </a:rPr>
               <a:t>&lt;</a:t>
             </a:r>
             <a:r>
-              <a:rPr lang="en-US" altLang="zh-CN" dirty="0">
+              <a:rPr lang="en-US" altLang="zh-CN" sz="1400" dirty="0">
                 <a:solidFill>
                   <a:srgbClr val="2B91AF"/>
                 </a:solidFill>
                 <a:highlight>
                   <a:srgbClr val="FFFFFF"/>
                 </a:highlight>
-                <a:latin typeface="新宋体" panose="02010609030101010101" pitchFamily="49" charset="-122"/>
-                <a:ea typeface="新宋体" panose="02010609030101010101" pitchFamily="49" charset="-122"/>
+                <a:latin typeface="DejaVu Sans Mono" pitchFamily="49" charset="0"/>
+                <a:ea typeface="DejaVu Sans Mono" pitchFamily="49" charset="0"/>
+                <a:cs typeface="DejaVu Sans Mono" pitchFamily="49" charset="0"/>
               </a:rPr>
               <a:t>p</a:t>
             </a:r>
             <a:r>
-              <a:rPr lang="en-US" altLang="zh-CN" dirty="0" smtClean="0">
+              <a:rPr lang="en-US" altLang="zh-CN" sz="1400" dirty="0" smtClean="0">
                 <a:solidFill>
                   <a:srgbClr val="2B91AF"/>
                 </a:solidFill>
                 <a:highlight>
                   <a:srgbClr val="FFFFFF"/>
                 </a:highlight>
-                <a:latin typeface="新宋体" panose="02010609030101010101" pitchFamily="49" charset="-122"/>
-                <a:ea typeface="新宋体" panose="02010609030101010101" pitchFamily="49" charset="-122"/>
+                <a:latin typeface="DejaVu Sans Mono" pitchFamily="49" charset="0"/>
+                <a:ea typeface="DejaVu Sans Mono" pitchFamily="49" charset="0"/>
+                <a:cs typeface="DejaVu Sans Mono" pitchFamily="49" charset="0"/>
               </a:rPr>
               <a:t>erson</a:t>
             </a:r>
             <a:r>
-              <a:rPr lang="en-US" altLang="zh-CN" dirty="0">
+              <a:rPr lang="en-US" altLang="zh-CN" sz="1400" dirty="0">
                 <a:solidFill>
                   <a:srgbClr val="000000"/>
                 </a:solidFill>
                 <a:highlight>
                   <a:srgbClr val="FFFFFF"/>
                 </a:highlight>
-                <a:latin typeface="新宋体" panose="02010609030101010101" pitchFamily="49" charset="-122"/>
-                <a:ea typeface="新宋体" panose="02010609030101010101" pitchFamily="49" charset="-122"/>
+                <a:latin typeface="DejaVu Sans Mono" pitchFamily="49" charset="0"/>
+                <a:ea typeface="DejaVu Sans Mono" pitchFamily="49" charset="0"/>
+                <a:cs typeface="DejaVu Sans Mono" pitchFamily="49" charset="0"/>
               </a:rPr>
               <a:t>, 0&gt;()&lt;&lt; </a:t>
             </a:r>
             <a:r>
-              <a:rPr lang="en-US" altLang="zh-CN" dirty="0" err="1" smtClean="0">
+              <a:rPr lang="en-US" altLang="zh-CN" sz="1400" dirty="0" err="1" smtClean="0">
                 <a:solidFill>
                   <a:srgbClr val="000000"/>
                 </a:solidFill>
                 <a:highlight>
                   <a:srgbClr val="FFFFFF"/>
                 </a:highlight>
-                <a:latin typeface="新宋体" panose="02010609030101010101" pitchFamily="49" charset="-122"/>
-                <a:ea typeface="新宋体" panose="02010609030101010101" pitchFamily="49" charset="-122"/>
+                <a:latin typeface="DejaVu Sans Mono" pitchFamily="49" charset="0"/>
+                <a:ea typeface="DejaVu Sans Mono" pitchFamily="49" charset="0"/>
+                <a:cs typeface="DejaVu Sans Mono" pitchFamily="49" charset="0"/>
               </a:rPr>
               <a:t>get_name</a:t>
             </a:r>
             <a:r>
-              <a:rPr lang="en-US" altLang="zh-CN" dirty="0" smtClean="0">
+              <a:rPr lang="en-US" altLang="zh-CN" sz="1400" dirty="0" smtClean="0">
                 <a:solidFill>
                   <a:srgbClr val="000000"/>
                 </a:solidFill>
                 <a:highlight>
                   <a:srgbClr val="FFFFFF"/>
                 </a:highlight>
-                <a:latin typeface="新宋体" panose="02010609030101010101" pitchFamily="49" charset="-122"/>
-                <a:ea typeface="新宋体" panose="02010609030101010101" pitchFamily="49" charset="-122"/>
+                <a:latin typeface="DejaVu Sans Mono" pitchFamily="49" charset="0"/>
+                <a:ea typeface="DejaVu Sans Mono" pitchFamily="49" charset="0"/>
+                <a:cs typeface="DejaVu Sans Mono" pitchFamily="49" charset="0"/>
               </a:rPr>
               <a:t>&lt;</a:t>
             </a:r>
             <a:r>
-              <a:rPr lang="en-US" altLang="zh-CN" dirty="0">
+              <a:rPr lang="en-US" altLang="zh-CN" sz="1400" dirty="0">
                 <a:solidFill>
                   <a:srgbClr val="2B91AF"/>
                 </a:solidFill>
                 <a:highlight>
                   <a:srgbClr val="FFFFFF"/>
                 </a:highlight>
-                <a:latin typeface="新宋体" panose="02010609030101010101" pitchFamily="49" charset="-122"/>
-                <a:ea typeface="新宋体" panose="02010609030101010101" pitchFamily="49" charset="-122"/>
+                <a:latin typeface="DejaVu Sans Mono" pitchFamily="49" charset="0"/>
+                <a:ea typeface="DejaVu Sans Mono" pitchFamily="49" charset="0"/>
+                <a:cs typeface="DejaVu Sans Mono" pitchFamily="49" charset="0"/>
               </a:rPr>
               <a:t>p</a:t>
             </a:r>
             <a:r>
-              <a:rPr lang="en-US" altLang="zh-CN" dirty="0" smtClean="0">
+              <a:rPr lang="en-US" altLang="zh-CN" sz="1400" dirty="0" smtClean="0">
                 <a:solidFill>
                   <a:srgbClr val="2B91AF"/>
                 </a:solidFill>
                 <a:highlight>
                   <a:srgbClr val="FFFFFF"/>
                 </a:highlight>
-                <a:latin typeface="新宋体" panose="02010609030101010101" pitchFamily="49" charset="-122"/>
-                <a:ea typeface="新宋体" panose="02010609030101010101" pitchFamily="49" charset="-122"/>
+                <a:latin typeface="DejaVu Sans Mono" pitchFamily="49" charset="0"/>
+                <a:ea typeface="DejaVu Sans Mono" pitchFamily="49" charset="0"/>
+                <a:cs typeface="DejaVu Sans Mono" pitchFamily="49" charset="0"/>
               </a:rPr>
               <a:t>erson</a:t>
             </a:r>
             <a:r>
-              <a:rPr lang="en-US" altLang="zh-CN" dirty="0">
+              <a:rPr lang="en-US" altLang="zh-CN" sz="1400" dirty="0">
                 <a:solidFill>
                   <a:srgbClr val="000000"/>
                 </a:solidFill>
                 <a:highlight>
                   <a:srgbClr val="FFFFFF"/>
                 </a:highlight>
-                <a:latin typeface="新宋体" panose="02010609030101010101" pitchFamily="49" charset="-122"/>
-                <a:ea typeface="新宋体" panose="02010609030101010101" pitchFamily="49" charset="-122"/>
+                <a:latin typeface="DejaVu Sans Mono" pitchFamily="49" charset="0"/>
+                <a:ea typeface="DejaVu Sans Mono" pitchFamily="49" charset="0"/>
+                <a:cs typeface="DejaVu Sans Mono" pitchFamily="49" charset="0"/>
               </a:rPr>
               <a:t>, 1&gt;() &lt;&lt; std::</a:t>
             </a:r>
             <a:r>
-              <a:rPr lang="en-US" altLang="zh-CN" dirty="0" err="1">
+              <a:rPr lang="en-US" altLang="zh-CN" sz="1400" dirty="0" err="1">
                 <a:solidFill>
                   <a:srgbClr val="000000"/>
                 </a:solidFill>
                 <a:highlight>
                   <a:srgbClr val="FFFFFF"/>
                 </a:highlight>
-                <a:latin typeface="新宋体" panose="02010609030101010101" pitchFamily="49" charset="-122"/>
-                <a:ea typeface="新宋体" panose="02010609030101010101" pitchFamily="49" charset="-122"/>
+                <a:latin typeface="DejaVu Sans Mono" pitchFamily="49" charset="0"/>
+                <a:ea typeface="DejaVu Sans Mono" pitchFamily="49" charset="0"/>
+                <a:cs typeface="DejaVu Sans Mono" pitchFamily="49" charset="0"/>
               </a:rPr>
               <a:t>endl</a:t>
             </a:r>
             <a:r>
-              <a:rPr lang="en-US" altLang="zh-CN" dirty="0">
+              <a:rPr lang="en-US" altLang="zh-CN" sz="1400" dirty="0">
                 <a:solidFill>
                   <a:srgbClr val="000000"/>
                 </a:solidFill>
                 <a:highlight>
                   <a:srgbClr val="FFFFFF"/>
                 </a:highlight>
-                <a:latin typeface="新宋体" panose="02010609030101010101" pitchFamily="49" charset="-122"/>
-                <a:ea typeface="新宋体" panose="02010609030101010101" pitchFamily="49" charset="-122"/>
+                <a:latin typeface="DejaVu Sans Mono" pitchFamily="49" charset="0"/>
+                <a:ea typeface="DejaVu Sans Mono" pitchFamily="49" charset="0"/>
+                <a:cs typeface="DejaVu Sans Mono" pitchFamily="49" charset="0"/>
               </a:rPr>
               <a:t>;</a:t>
             </a:r>
           </a:p>
           <a:p>
             <a:r>
-              <a:rPr lang="en-US" altLang="zh-CN" dirty="0" smtClean="0">
+              <a:rPr lang="en-US" altLang="zh-CN" sz="1400" dirty="0" smtClean="0">
                 <a:solidFill>
                   <a:srgbClr val="000000"/>
                 </a:solidFill>
                 <a:highlight>
                   <a:srgbClr val="FFFFFF"/>
                 </a:highlight>
-                <a:latin typeface="新宋体" panose="02010609030101010101" pitchFamily="49" charset="-122"/>
-                <a:ea typeface="新宋体" panose="02010609030101010101" pitchFamily="49" charset="-122"/>
+                <a:latin typeface="DejaVu Sans Mono" pitchFamily="49" charset="0"/>
+                <a:ea typeface="DejaVu Sans Mono" pitchFamily="49" charset="0"/>
+                <a:cs typeface="DejaVu Sans Mono" pitchFamily="49" charset="0"/>
               </a:rPr>
               <a:t>std</a:t>
             </a:r>
             <a:r>
-              <a:rPr lang="en-US" altLang="zh-CN" dirty="0">
+              <a:rPr lang="en-US" altLang="zh-CN" sz="1400" dirty="0">
                 <a:solidFill>
                   <a:srgbClr val="000000"/>
                 </a:solidFill>
                 <a:highlight>
                   <a:srgbClr val="FFFFFF"/>
                 </a:highlight>
-                <a:latin typeface="新宋体" panose="02010609030101010101" pitchFamily="49" charset="-122"/>
-                <a:ea typeface="新宋体" panose="02010609030101010101" pitchFamily="49" charset="-122"/>
+                <a:latin typeface="DejaVu Sans Mono" pitchFamily="49" charset="0"/>
+                <a:ea typeface="DejaVu Sans Mono" pitchFamily="49" charset="0"/>
+                <a:cs typeface="DejaVu Sans Mono" pitchFamily="49" charset="0"/>
               </a:rPr>
               <a:t>::</a:t>
             </a:r>
             <a:r>
-              <a:rPr lang="en-US" altLang="zh-CN" dirty="0" err="1">
+              <a:rPr lang="en-US" altLang="zh-CN" sz="1400" dirty="0" err="1">
                 <a:solidFill>
                   <a:srgbClr val="000000"/>
                 </a:solidFill>
                 <a:highlight>
                   <a:srgbClr val="FFFFFF"/>
                 </a:highlight>
-                <a:latin typeface="新宋体" panose="02010609030101010101" pitchFamily="49" charset="-122"/>
-                <a:ea typeface="新宋体" panose="02010609030101010101" pitchFamily="49" charset="-122"/>
+                <a:latin typeface="DejaVu Sans Mono" pitchFamily="49" charset="0"/>
+                <a:ea typeface="DejaVu Sans Mono" pitchFamily="49" charset="0"/>
+                <a:cs typeface="DejaVu Sans Mono" pitchFamily="49" charset="0"/>
               </a:rPr>
               <a:t>cout</a:t>
             </a:r>
             <a:r>
-              <a:rPr lang="en-US" altLang="zh-CN" dirty="0">
+              <a:rPr lang="en-US" altLang="zh-CN" sz="1400" dirty="0">
                 <a:solidFill>
                   <a:srgbClr val="000000"/>
                 </a:solidFill>
                 <a:highlight>
                   <a:srgbClr val="FFFFFF"/>
                 </a:highlight>
-                <a:latin typeface="新宋体" panose="02010609030101010101" pitchFamily="49" charset="-122"/>
-                <a:ea typeface="新宋体" panose="02010609030101010101" pitchFamily="49" charset="-122"/>
+                <a:latin typeface="DejaVu Sans Mono" pitchFamily="49" charset="0"/>
+                <a:ea typeface="DejaVu Sans Mono" pitchFamily="49" charset="0"/>
+                <a:cs typeface="DejaVu Sans Mono" pitchFamily="49" charset="0"/>
               </a:rPr>
               <a:t> &lt;&lt; get&lt;0&gt;(p) &lt;&lt; get&lt;1&gt;(p) &lt;&lt; std::</a:t>
             </a:r>
             <a:r>
-              <a:rPr lang="en-US" altLang="zh-CN" dirty="0" err="1">
+              <a:rPr lang="en-US" altLang="zh-CN" sz="1400" dirty="0" err="1">
                 <a:solidFill>
                   <a:srgbClr val="000000"/>
                 </a:solidFill>
                 <a:highlight>
                   <a:srgbClr val="FFFFFF"/>
                 </a:highlight>
-                <a:latin typeface="新宋体" panose="02010609030101010101" pitchFamily="49" charset="-122"/>
-                <a:ea typeface="新宋体" panose="02010609030101010101" pitchFamily="49" charset="-122"/>
+                <a:latin typeface="DejaVu Sans Mono" pitchFamily="49" charset="0"/>
+                <a:ea typeface="DejaVu Sans Mono" pitchFamily="49" charset="0"/>
+                <a:cs typeface="DejaVu Sans Mono" pitchFamily="49" charset="0"/>
               </a:rPr>
               <a:t>endl</a:t>
             </a:r>
             <a:r>
-              <a:rPr lang="en-US" altLang="zh-CN" dirty="0" smtClean="0">
+              <a:rPr lang="en-US" altLang="zh-CN" sz="1400" dirty="0" smtClean="0">
                 <a:solidFill>
                   <a:srgbClr val="000000"/>
                 </a:solidFill>
                 <a:highlight>
                   <a:srgbClr val="FFFFFF"/>
                 </a:highlight>
-                <a:latin typeface="新宋体" panose="02010609030101010101" pitchFamily="49" charset="-122"/>
-                <a:ea typeface="新宋体" panose="02010609030101010101" pitchFamily="49" charset="-122"/>
+                <a:latin typeface="DejaVu Sans Mono" pitchFamily="49" charset="0"/>
+                <a:ea typeface="DejaVu Sans Mono" pitchFamily="49" charset="0"/>
+                <a:cs typeface="DejaVu Sans Mono" pitchFamily="49" charset="0"/>
               </a:rPr>
               <a:t>;</a:t>
             </a:r>
           </a:p>
           <a:p>
-            <a:endParaRPr lang="en-US" altLang="zh-CN" dirty="0" smtClean="0">
+            <a:endParaRPr lang="en-US" altLang="zh-CN" sz="1400" dirty="0" smtClean="0">
               <a:solidFill>
                 <a:srgbClr val="2B91AF"/>
               </a:solidFill>
               <a:highlight>
                 <a:srgbClr val="FFFFFF"/>
               </a:highlight>
-              <a:latin typeface="新宋体" panose="02010609030101010101" pitchFamily="49" charset="-122"/>
-              <a:ea typeface="新宋体" panose="02010609030101010101" pitchFamily="49" charset="-122"/>
+              <a:latin typeface="DejaVu Sans Mono" pitchFamily="49" charset="0"/>
+              <a:ea typeface="DejaVu Sans Mono" pitchFamily="49" charset="0"/>
+              <a:cs typeface="DejaVu Sans Mono" pitchFamily="49" charset="0"/>
             </a:endParaRPr>
           </a:p>
           <a:p>
             <a:r>
-              <a:rPr lang="en-US" altLang="zh-CN" dirty="0" smtClean="0">
+              <a:rPr lang="en-US" altLang="zh-CN" sz="1400" dirty="0" smtClean="0">
                 <a:solidFill>
                   <a:srgbClr val="2B91AF"/>
                 </a:solidFill>
                 <a:highlight>
                   <a:srgbClr val="FFFFFF"/>
                 </a:highlight>
-                <a:latin typeface="新宋体" panose="02010609030101010101" pitchFamily="49" charset="-122"/>
-                <a:ea typeface="新宋体" panose="02010609030101010101" pitchFamily="49" charset="-122"/>
+                <a:latin typeface="DejaVu Sans Mono" pitchFamily="49" charset="0"/>
+                <a:ea typeface="DejaVu Sans Mono" pitchFamily="49" charset="0"/>
+                <a:cs typeface="DejaVu Sans Mono" pitchFamily="49" charset="0"/>
               </a:rPr>
               <a:t>person</a:t>
             </a:r>
             <a:r>
-              <a:rPr lang="en-US" altLang="zh-CN" dirty="0" smtClean="0">
+              <a:rPr lang="en-US" altLang="zh-CN" sz="1400" dirty="0" smtClean="0">
                 <a:solidFill>
                   <a:srgbClr val="000000"/>
                 </a:solidFill>
                 <a:highlight>
                   <a:srgbClr val="FFFFFF"/>
                 </a:highlight>
-                <a:latin typeface="新宋体" panose="02010609030101010101" pitchFamily="49" charset="-122"/>
-                <a:ea typeface="新宋体" panose="02010609030101010101" pitchFamily="49" charset="-122"/>
+                <a:latin typeface="DejaVu Sans Mono" pitchFamily="49" charset="0"/>
+                <a:ea typeface="DejaVu Sans Mono" pitchFamily="49" charset="0"/>
+                <a:cs typeface="DejaVu Sans Mono" pitchFamily="49" charset="0"/>
               </a:rPr>
               <a:t> </a:t>
             </a:r>
             <a:r>
-              <a:rPr lang="en-US" altLang="zh-CN" dirty="0">
+              <a:rPr lang="en-US" altLang="zh-CN" sz="1400" dirty="0">
                 <a:solidFill>
                   <a:srgbClr val="000000"/>
                 </a:solidFill>
                 <a:highlight>
                   <a:srgbClr val="FFFFFF"/>
                 </a:highlight>
-                <a:latin typeface="新宋体" panose="02010609030101010101" pitchFamily="49" charset="-122"/>
-                <a:ea typeface="新宋体" panose="02010609030101010101" pitchFamily="49" charset="-122"/>
+                <a:latin typeface="DejaVu Sans Mono" pitchFamily="49" charset="0"/>
+                <a:ea typeface="DejaVu Sans Mono" pitchFamily="49" charset="0"/>
+                <a:cs typeface="DejaVu Sans Mono" pitchFamily="49" charset="0"/>
               </a:rPr>
               <a:t>p = { </a:t>
             </a:r>
             <a:r>
-              <a:rPr lang="en-US" altLang="zh-CN" dirty="0">
+              <a:rPr lang="en-US" altLang="zh-CN" sz="1400" dirty="0">
                 <a:solidFill>
                   <a:srgbClr val="A31515"/>
                 </a:solidFill>
                 <a:highlight>
                   <a:srgbClr val="FFFFFF"/>
                 </a:highlight>
-                <a:latin typeface="新宋体" panose="02010609030101010101" pitchFamily="49" charset="-122"/>
-                <a:ea typeface="新宋体" panose="02010609030101010101" pitchFamily="49" charset="-122"/>
+                <a:latin typeface="DejaVu Sans Mono" pitchFamily="49" charset="0"/>
+                <a:ea typeface="DejaVu Sans Mono" pitchFamily="49" charset="0"/>
+                <a:cs typeface="DejaVu Sans Mono" pitchFamily="49" charset="0"/>
               </a:rPr>
               <a:t>"admin"</a:t>
             </a:r>
             <a:r>
-              <a:rPr lang="en-US" altLang="zh-CN" dirty="0">
+              <a:rPr lang="en-US" altLang="zh-CN" sz="1400" dirty="0">
                 <a:solidFill>
                   <a:srgbClr val="000000"/>
                 </a:solidFill>
                 <a:highlight>
                   <a:srgbClr val="FFFFFF"/>
                 </a:highlight>
-                <a:latin typeface="新宋体" panose="02010609030101010101" pitchFamily="49" charset="-122"/>
-                <a:ea typeface="新宋体" panose="02010609030101010101" pitchFamily="49" charset="-122"/>
+                <a:latin typeface="DejaVu Sans Mono" pitchFamily="49" charset="0"/>
+                <a:ea typeface="DejaVu Sans Mono" pitchFamily="49" charset="0"/>
+                <a:cs typeface="DejaVu Sans Mono" pitchFamily="49" charset="0"/>
               </a:rPr>
               <a:t>, 20 };</a:t>
             </a:r>
           </a:p>
           <a:p>
             <a:r>
-              <a:rPr lang="en-US" altLang="zh-CN" dirty="0" err="1">
+              <a:rPr lang="en-US" altLang="zh-CN" sz="1400" dirty="0" err="1">
                 <a:solidFill>
                   <a:srgbClr val="000000"/>
                 </a:solidFill>
                 <a:highlight>
                   <a:srgbClr val="FFFFFF"/>
                 </a:highlight>
-                <a:latin typeface="新宋体" panose="02010609030101010101" pitchFamily="49" charset="-122"/>
-                <a:ea typeface="新宋体" panose="02010609030101010101" pitchFamily="49" charset="-122"/>
+                <a:latin typeface="DejaVu Sans Mono" pitchFamily="49" charset="0"/>
+                <a:ea typeface="DejaVu Sans Mono" pitchFamily="49" charset="0"/>
+                <a:cs typeface="DejaVu Sans Mono" pitchFamily="49" charset="0"/>
               </a:rPr>
               <a:t>for_each</a:t>
             </a:r>
             <a:r>
-              <a:rPr lang="en-US" altLang="zh-CN" dirty="0">
+              <a:rPr lang="en-US" altLang="zh-CN" sz="1400" dirty="0">
                 <a:solidFill>
                   <a:srgbClr val="000000"/>
                 </a:solidFill>
                 <a:highlight>
                   <a:srgbClr val="FFFFFF"/>
                 </a:highlight>
-                <a:latin typeface="新宋体" panose="02010609030101010101" pitchFamily="49" charset="-122"/>
-                <a:ea typeface="新宋体" panose="02010609030101010101" pitchFamily="49" charset="-122"/>
+                <a:latin typeface="DejaVu Sans Mono" pitchFamily="49" charset="0"/>
+                <a:ea typeface="DejaVu Sans Mono" pitchFamily="49" charset="0"/>
+                <a:cs typeface="DejaVu Sans Mono" pitchFamily="49" charset="0"/>
               </a:rPr>
               <a:t>(p, [](</a:t>
             </a:r>
             <a:r>
-              <a:rPr lang="en-US" altLang="zh-CN" dirty="0" err="1">
+              <a:rPr lang="en-US" altLang="zh-CN" sz="1400" dirty="0" err="1">
                 <a:solidFill>
                   <a:srgbClr val="0000FF"/>
                 </a:solidFill>
                 <a:highlight>
                   <a:srgbClr val="FFFFFF"/>
                 </a:highlight>
-                <a:latin typeface="新宋体" panose="02010609030101010101" pitchFamily="49" charset="-122"/>
-                <a:ea typeface="新宋体" panose="02010609030101010101" pitchFamily="49" charset="-122"/>
+                <a:latin typeface="DejaVu Sans Mono" pitchFamily="49" charset="0"/>
+                <a:ea typeface="DejaVu Sans Mono" pitchFamily="49" charset="0"/>
+                <a:cs typeface="DejaVu Sans Mono" pitchFamily="49" charset="0"/>
               </a:rPr>
               <a:t>const</a:t>
             </a:r>
             <a:r>
-              <a:rPr lang="en-US" altLang="zh-CN" dirty="0">
+              <a:rPr lang="en-US" altLang="zh-CN" sz="1400" dirty="0">
                 <a:solidFill>
                   <a:srgbClr val="000000"/>
                 </a:solidFill>
                 <a:highlight>
                   <a:srgbClr val="FFFFFF"/>
                 </a:highlight>
-                <a:latin typeface="新宋体" panose="02010609030101010101" pitchFamily="49" charset="-122"/>
-                <a:ea typeface="新宋体" panose="02010609030101010101" pitchFamily="49" charset="-122"/>
+                <a:latin typeface="DejaVu Sans Mono" pitchFamily="49" charset="0"/>
+                <a:ea typeface="DejaVu Sans Mono" pitchFamily="49" charset="0"/>
+                <a:cs typeface="DejaVu Sans Mono" pitchFamily="49" charset="0"/>
               </a:rPr>
               <a:t> </a:t>
             </a:r>
             <a:r>
-              <a:rPr lang="en-US" altLang="zh-CN" dirty="0">
+              <a:rPr lang="en-US" altLang="zh-CN" sz="1400" dirty="0">
                 <a:solidFill>
                   <a:srgbClr val="0000FF"/>
                 </a:solidFill>
                 <a:highlight>
                   <a:srgbClr val="FFFFFF"/>
                 </a:highlight>
-                <a:latin typeface="新宋体" panose="02010609030101010101" pitchFamily="49" charset="-122"/>
-                <a:ea typeface="新宋体" panose="02010609030101010101" pitchFamily="49" charset="-122"/>
+                <a:latin typeface="DejaVu Sans Mono" pitchFamily="49" charset="0"/>
+                <a:ea typeface="DejaVu Sans Mono" pitchFamily="49" charset="0"/>
+                <a:cs typeface="DejaVu Sans Mono" pitchFamily="49" charset="0"/>
               </a:rPr>
               <a:t>auto</a:t>
             </a:r>
             <a:r>
-              <a:rPr lang="en-US" altLang="zh-CN" dirty="0">
+              <a:rPr lang="en-US" altLang="zh-CN" sz="1400" dirty="0">
                 <a:solidFill>
                   <a:srgbClr val="000000"/>
                 </a:solidFill>
                 <a:highlight>
                   <a:srgbClr val="FFFFFF"/>
                 </a:highlight>
-                <a:latin typeface="新宋体" panose="02010609030101010101" pitchFamily="49" charset="-122"/>
-                <a:ea typeface="新宋体" panose="02010609030101010101" pitchFamily="49" charset="-122"/>
+                <a:latin typeface="DejaVu Sans Mono" pitchFamily="49" charset="0"/>
+                <a:ea typeface="DejaVu Sans Mono" pitchFamily="49" charset="0"/>
+                <a:cs typeface="DejaVu Sans Mono" pitchFamily="49" charset="0"/>
               </a:rPr>
               <a:t>&amp; </a:t>
             </a:r>
             <a:r>
-              <a:rPr lang="en-US" altLang="zh-CN" dirty="0">
+              <a:rPr lang="en-US" altLang="zh-CN" sz="1400" dirty="0">
                 <a:solidFill>
                   <a:srgbClr val="808080"/>
                 </a:solidFill>
                 <a:highlight>
                   <a:srgbClr val="FFFFFF"/>
                 </a:highlight>
-                <a:latin typeface="新宋体" panose="02010609030101010101" pitchFamily="49" charset="-122"/>
-                <a:ea typeface="新宋体" panose="02010609030101010101" pitchFamily="49" charset="-122"/>
+                <a:latin typeface="DejaVu Sans Mono" pitchFamily="49" charset="0"/>
+                <a:ea typeface="DejaVu Sans Mono" pitchFamily="49" charset="0"/>
+                <a:cs typeface="DejaVu Sans Mono" pitchFamily="49" charset="0"/>
               </a:rPr>
               <a:t>item</a:t>
             </a:r>
             <a:r>
-              <a:rPr lang="en-US" altLang="zh-CN" dirty="0">
+              <a:rPr lang="en-US" altLang="zh-CN" sz="1400" dirty="0">
                 <a:solidFill>
                   <a:srgbClr val="000000"/>
                 </a:solidFill>
                 <a:highlight>
                   <a:srgbClr val="FFFFFF"/>
                 </a:highlight>
-                <a:latin typeface="新宋体" panose="02010609030101010101" pitchFamily="49" charset="-122"/>
-                <a:ea typeface="新宋体" panose="02010609030101010101" pitchFamily="49" charset="-122"/>
+                <a:latin typeface="DejaVu Sans Mono" pitchFamily="49" charset="0"/>
+                <a:ea typeface="DejaVu Sans Mono" pitchFamily="49" charset="0"/>
+                <a:cs typeface="DejaVu Sans Mono" pitchFamily="49" charset="0"/>
               </a:rPr>
               <a:t>, </a:t>
             </a:r>
             <a:r>
-              <a:rPr lang="en-US" altLang="zh-CN" dirty="0">
+              <a:rPr lang="en-US" altLang="zh-CN" sz="1400" dirty="0">
                 <a:solidFill>
                   <a:srgbClr val="0000FF"/>
                 </a:solidFill>
                 <a:highlight>
                   <a:srgbClr val="FFFFFF"/>
                 </a:highlight>
-                <a:latin typeface="新宋体" panose="02010609030101010101" pitchFamily="49" charset="-122"/>
-                <a:ea typeface="新宋体" panose="02010609030101010101" pitchFamily="49" charset="-122"/>
+                <a:latin typeface="DejaVu Sans Mono" pitchFamily="49" charset="0"/>
+                <a:ea typeface="DejaVu Sans Mono" pitchFamily="49" charset="0"/>
+                <a:cs typeface="DejaVu Sans Mono" pitchFamily="49" charset="0"/>
               </a:rPr>
               <a:t>auto</a:t>
             </a:r>
             <a:r>
-              <a:rPr lang="en-US" altLang="zh-CN" dirty="0">
+              <a:rPr lang="en-US" altLang="zh-CN" sz="1400" dirty="0">
                 <a:solidFill>
                   <a:srgbClr val="000000"/>
                 </a:solidFill>
                 <a:highlight>
                   <a:srgbClr val="FFFFFF"/>
                 </a:highlight>
-                <a:latin typeface="新宋体" panose="02010609030101010101" pitchFamily="49" charset="-122"/>
-                <a:ea typeface="新宋体" panose="02010609030101010101" pitchFamily="49" charset="-122"/>
+                <a:latin typeface="DejaVu Sans Mono" pitchFamily="49" charset="0"/>
+                <a:ea typeface="DejaVu Sans Mono" pitchFamily="49" charset="0"/>
+                <a:cs typeface="DejaVu Sans Mono" pitchFamily="49" charset="0"/>
               </a:rPr>
               <a:t> </a:t>
             </a:r>
             <a:r>
-              <a:rPr lang="en-US" altLang="zh-CN" dirty="0" err="1">
+              <a:rPr lang="en-US" altLang="zh-CN" sz="1400" dirty="0" err="1">
                 <a:solidFill>
                   <a:srgbClr val="808080"/>
                 </a:solidFill>
                 <a:highlight>
                   <a:srgbClr val="FFFFFF"/>
                 </a:highlight>
-                <a:latin typeface="新宋体" panose="02010609030101010101" pitchFamily="49" charset="-122"/>
-                <a:ea typeface="新宋体" panose="02010609030101010101" pitchFamily="49" charset="-122"/>
+                <a:latin typeface="DejaVu Sans Mono" pitchFamily="49" charset="0"/>
+                <a:ea typeface="DejaVu Sans Mono" pitchFamily="49" charset="0"/>
+                <a:cs typeface="DejaVu Sans Mono" pitchFamily="49" charset="0"/>
               </a:rPr>
               <a:t>idx</a:t>
             </a:r>
             <a:r>
-              <a:rPr lang="en-US" altLang="zh-CN" dirty="0">
+              <a:rPr lang="en-US" altLang="zh-CN" sz="1400" dirty="0">
                 <a:solidFill>
                   <a:srgbClr val="000000"/>
                 </a:solidFill>
                 <a:highlight>
                   <a:srgbClr val="FFFFFF"/>
                 </a:highlight>
-                <a:latin typeface="新宋体" panose="02010609030101010101" pitchFamily="49" charset="-122"/>
-                <a:ea typeface="新宋体" panose="02010609030101010101" pitchFamily="49" charset="-122"/>
+                <a:latin typeface="DejaVu Sans Mono" pitchFamily="49" charset="0"/>
+                <a:ea typeface="DejaVu Sans Mono" pitchFamily="49" charset="0"/>
+                <a:cs typeface="DejaVu Sans Mono" pitchFamily="49" charset="0"/>
               </a:rPr>
               <a:t>) {</a:t>
             </a:r>
           </a:p>
           <a:p>
             <a:r>
-              <a:rPr lang="en-US" altLang="zh-CN" dirty="0" smtClean="0">
+              <a:rPr lang="en-US" altLang="zh-CN" sz="1400" dirty="0" smtClean="0">
                 <a:solidFill>
                   <a:srgbClr val="000000"/>
                 </a:solidFill>
                 <a:highlight>
                   <a:srgbClr val="FFFFFF"/>
                 </a:highlight>
-                <a:latin typeface="新宋体" panose="02010609030101010101" pitchFamily="49" charset="-122"/>
-                <a:ea typeface="新宋体" panose="02010609030101010101" pitchFamily="49" charset="-122"/>
+                <a:latin typeface="DejaVu Sans Mono" pitchFamily="49" charset="0"/>
+                <a:ea typeface="DejaVu Sans Mono" pitchFamily="49" charset="0"/>
+                <a:cs typeface="DejaVu Sans Mono" pitchFamily="49" charset="0"/>
               </a:rPr>
               <a:t>    std</a:t>
             </a:r>
             <a:r>
-              <a:rPr lang="en-US" altLang="zh-CN" dirty="0">
+              <a:rPr lang="en-US" altLang="zh-CN" sz="1400" dirty="0">
                 <a:solidFill>
                   <a:srgbClr val="000000"/>
                 </a:solidFill>
                 <a:highlight>
                   <a:srgbClr val="FFFFFF"/>
                 </a:highlight>
-                <a:latin typeface="新宋体" panose="02010609030101010101" pitchFamily="49" charset="-122"/>
-                <a:ea typeface="新宋体" panose="02010609030101010101" pitchFamily="49" charset="-122"/>
+                <a:latin typeface="DejaVu Sans Mono" pitchFamily="49" charset="0"/>
+                <a:ea typeface="DejaVu Sans Mono" pitchFamily="49" charset="0"/>
+                <a:cs typeface="DejaVu Sans Mono" pitchFamily="49" charset="0"/>
               </a:rPr>
               <a:t>::</a:t>
             </a:r>
             <a:r>
-              <a:rPr lang="en-US" altLang="zh-CN" dirty="0" err="1">
+              <a:rPr lang="en-US" altLang="zh-CN" sz="1400" dirty="0" err="1">
                 <a:solidFill>
                   <a:srgbClr val="000000"/>
                 </a:solidFill>
                 <a:highlight>
                   <a:srgbClr val="FFFFFF"/>
                 </a:highlight>
-                <a:latin typeface="新宋体" panose="02010609030101010101" pitchFamily="49" charset="-122"/>
-                <a:ea typeface="新宋体" panose="02010609030101010101" pitchFamily="49" charset="-122"/>
+                <a:latin typeface="DejaVu Sans Mono" pitchFamily="49" charset="0"/>
+                <a:ea typeface="DejaVu Sans Mono" pitchFamily="49" charset="0"/>
+                <a:cs typeface="DejaVu Sans Mono" pitchFamily="49" charset="0"/>
               </a:rPr>
               <a:t>cout</a:t>
             </a:r>
             <a:r>
-              <a:rPr lang="en-US" altLang="zh-CN" dirty="0">
+              <a:rPr lang="en-US" altLang="zh-CN" sz="1400" dirty="0">
                 <a:solidFill>
                   <a:srgbClr val="000000"/>
                 </a:solidFill>
                 <a:highlight>
                   <a:srgbClr val="FFFFFF"/>
                 </a:highlight>
-                <a:latin typeface="新宋体" panose="02010609030101010101" pitchFamily="49" charset="-122"/>
-                <a:ea typeface="新宋体" panose="02010609030101010101" pitchFamily="49" charset="-122"/>
+                <a:latin typeface="DejaVu Sans Mono" pitchFamily="49" charset="0"/>
+                <a:ea typeface="DejaVu Sans Mono" pitchFamily="49" charset="0"/>
+                <a:cs typeface="DejaVu Sans Mono" pitchFamily="49" charset="0"/>
               </a:rPr>
               <a:t> &lt;&lt; </a:t>
             </a:r>
             <a:r>
-              <a:rPr lang="en-US" altLang="zh-CN" dirty="0">
+              <a:rPr lang="en-US" altLang="zh-CN" sz="1400" dirty="0">
                 <a:solidFill>
                   <a:srgbClr val="808080"/>
                 </a:solidFill>
                 <a:highlight>
                   <a:srgbClr val="FFFFFF"/>
                 </a:highlight>
-                <a:latin typeface="新宋体" panose="02010609030101010101" pitchFamily="49" charset="-122"/>
-                <a:ea typeface="新宋体" panose="02010609030101010101" pitchFamily="49" charset="-122"/>
+                <a:latin typeface="DejaVu Sans Mono" pitchFamily="49" charset="0"/>
+                <a:ea typeface="DejaVu Sans Mono" pitchFamily="49" charset="0"/>
+                <a:cs typeface="DejaVu Sans Mono" pitchFamily="49" charset="0"/>
               </a:rPr>
               <a:t>item</a:t>
             </a:r>
             <a:r>
-              <a:rPr lang="en-US" altLang="zh-CN" dirty="0">
+              <a:rPr lang="en-US" altLang="zh-CN" sz="1400" dirty="0">
                 <a:solidFill>
                   <a:srgbClr val="000000"/>
                 </a:solidFill>
                 <a:highlight>
                   <a:srgbClr val="FFFFFF"/>
                 </a:highlight>
-                <a:latin typeface="新宋体" panose="02010609030101010101" pitchFamily="49" charset="-122"/>
-                <a:ea typeface="新宋体" panose="02010609030101010101" pitchFamily="49" charset="-122"/>
+                <a:latin typeface="DejaVu Sans Mono" pitchFamily="49" charset="0"/>
+                <a:ea typeface="DejaVu Sans Mono" pitchFamily="49" charset="0"/>
+                <a:cs typeface="DejaVu Sans Mono" pitchFamily="49" charset="0"/>
               </a:rPr>
               <a:t> </a:t>
             </a:r>
             <a:r>
-              <a:rPr lang="en-US" altLang="zh-CN" dirty="0" smtClean="0">
+              <a:rPr lang="en-US" altLang="zh-CN" sz="1400" dirty="0" smtClean="0">
                 <a:solidFill>
                   <a:srgbClr val="000000"/>
                 </a:solidFill>
                 <a:highlight>
                   <a:srgbClr val="FFFFFF"/>
                 </a:highlight>
-                <a:latin typeface="新宋体" panose="02010609030101010101" pitchFamily="49" charset="-122"/>
-                <a:ea typeface="新宋体" panose="02010609030101010101" pitchFamily="49" charset="-122"/>
+                <a:latin typeface="DejaVu Sans Mono" pitchFamily="49" charset="0"/>
+                <a:ea typeface="DejaVu Sans Mono" pitchFamily="49" charset="0"/>
+                <a:cs typeface="DejaVu Sans Mono" pitchFamily="49" charset="0"/>
               </a:rPr>
               <a:t>&lt;&lt; </a:t>
             </a:r>
             <a:r>
-              <a:rPr lang="en-US" altLang="zh-CN" dirty="0" smtClean="0">
+              <a:rPr lang="en-US" altLang="zh-CN" sz="1400" dirty="0" smtClean="0">
                 <a:solidFill>
                   <a:srgbClr val="A31515"/>
                 </a:solidFill>
                 <a:highlight>
                   <a:srgbClr val="FFFFFF"/>
                 </a:highlight>
-                <a:latin typeface="新宋体" panose="02010609030101010101" pitchFamily="49" charset="-122"/>
-                <a:ea typeface="新宋体" panose="02010609030101010101" pitchFamily="49" charset="-122"/>
+                <a:latin typeface="DejaVu Sans Mono" pitchFamily="49" charset="0"/>
+                <a:ea typeface="DejaVu Sans Mono" pitchFamily="49" charset="0"/>
+                <a:cs typeface="DejaVu Sans Mono" pitchFamily="49" charset="0"/>
               </a:rPr>
               <a:t>" "</a:t>
             </a:r>
             <a:r>
-              <a:rPr lang="en-US" altLang="zh-CN" dirty="0" smtClean="0">
+              <a:rPr lang="en-US" altLang="zh-CN" sz="1400" dirty="0" smtClean="0">
                 <a:solidFill>
                   <a:srgbClr val="000000"/>
                 </a:solidFill>
                 <a:highlight>
                   <a:srgbClr val="FFFFFF"/>
                 </a:highlight>
-                <a:latin typeface="新宋体" panose="02010609030101010101" pitchFamily="49" charset="-122"/>
-                <a:ea typeface="新宋体" panose="02010609030101010101" pitchFamily="49" charset="-122"/>
+                <a:latin typeface="DejaVu Sans Mono" pitchFamily="49" charset="0"/>
+                <a:ea typeface="DejaVu Sans Mono" pitchFamily="49" charset="0"/>
+                <a:cs typeface="DejaVu Sans Mono" pitchFamily="49" charset="0"/>
               </a:rPr>
               <a:t> </a:t>
             </a:r>
             <a:r>
-              <a:rPr lang="en-US" altLang="zh-CN" dirty="0">
+              <a:rPr lang="en-US" altLang="zh-CN" sz="1400" dirty="0">
                 <a:solidFill>
                   <a:srgbClr val="000000"/>
                 </a:solidFill>
                 <a:highlight>
                   <a:srgbClr val="FFFFFF"/>
                 </a:highlight>
-                <a:latin typeface="新宋体" panose="02010609030101010101" pitchFamily="49" charset="-122"/>
-                <a:ea typeface="新宋体" panose="02010609030101010101" pitchFamily="49" charset="-122"/>
+                <a:latin typeface="DejaVu Sans Mono" pitchFamily="49" charset="0"/>
+                <a:ea typeface="DejaVu Sans Mono" pitchFamily="49" charset="0"/>
+                <a:cs typeface="DejaVu Sans Mono" pitchFamily="49" charset="0"/>
               </a:rPr>
               <a:t>&lt;&lt; </a:t>
             </a:r>
             <a:r>
-              <a:rPr lang="en-US" altLang="zh-CN" dirty="0" err="1">
+              <a:rPr lang="en-US" altLang="zh-CN" sz="1400" dirty="0" err="1">
                 <a:solidFill>
                   <a:srgbClr val="0000FF"/>
                 </a:solidFill>
                 <a:highlight>
                   <a:srgbClr val="FFFFFF"/>
                 </a:highlight>
-                <a:latin typeface="新宋体" panose="02010609030101010101" pitchFamily="49" charset="-122"/>
-                <a:ea typeface="新宋体" panose="02010609030101010101" pitchFamily="49" charset="-122"/>
+                <a:latin typeface="DejaVu Sans Mono" pitchFamily="49" charset="0"/>
+                <a:ea typeface="DejaVu Sans Mono" pitchFamily="49" charset="0"/>
+                <a:cs typeface="DejaVu Sans Mono" pitchFamily="49" charset="0"/>
               </a:rPr>
               <a:t>decltype</a:t>
             </a:r>
             <a:r>
-              <a:rPr lang="en-US" altLang="zh-CN" dirty="0">
+              <a:rPr lang="en-US" altLang="zh-CN" sz="1400" dirty="0">
                 <a:solidFill>
                   <a:srgbClr val="000000"/>
                 </a:solidFill>
                 <a:highlight>
                   <a:srgbClr val="FFFFFF"/>
                 </a:highlight>
-                <a:latin typeface="新宋体" panose="02010609030101010101" pitchFamily="49" charset="-122"/>
-                <a:ea typeface="新宋体" panose="02010609030101010101" pitchFamily="49" charset="-122"/>
+                <a:latin typeface="DejaVu Sans Mono" pitchFamily="49" charset="0"/>
+                <a:ea typeface="DejaVu Sans Mono" pitchFamily="49" charset="0"/>
+                <a:cs typeface="DejaVu Sans Mono" pitchFamily="49" charset="0"/>
               </a:rPr>
               <a:t>(</a:t>
             </a:r>
             <a:r>
-              <a:rPr lang="en-US" altLang="zh-CN" dirty="0" err="1">
+              <a:rPr lang="en-US" altLang="zh-CN" sz="1400" dirty="0" err="1">
                 <a:solidFill>
                   <a:srgbClr val="000000"/>
                 </a:solidFill>
                 <a:highlight>
                   <a:srgbClr val="FFFFFF"/>
                 </a:highlight>
-                <a:latin typeface="新宋体" panose="02010609030101010101" pitchFamily="49" charset="-122"/>
-                <a:ea typeface="新宋体" panose="02010609030101010101" pitchFamily="49" charset="-122"/>
+                <a:latin typeface="DejaVu Sans Mono" pitchFamily="49" charset="0"/>
+                <a:ea typeface="DejaVu Sans Mono" pitchFamily="49" charset="0"/>
+                <a:cs typeface="DejaVu Sans Mono" pitchFamily="49" charset="0"/>
               </a:rPr>
               <a:t>i</a:t>
             </a:r>
             <a:r>
-              <a:rPr lang="en-US" altLang="zh-CN" dirty="0">
+              <a:rPr lang="en-US" altLang="zh-CN" sz="1400" dirty="0">
                 <a:solidFill>
                   <a:srgbClr val="000000"/>
                 </a:solidFill>
                 <a:highlight>
                   <a:srgbClr val="FFFFFF"/>
                 </a:highlight>
-                <a:latin typeface="新宋体" panose="02010609030101010101" pitchFamily="49" charset="-122"/>
-                <a:ea typeface="新宋体" panose="02010609030101010101" pitchFamily="49" charset="-122"/>
+                <a:latin typeface="DejaVu Sans Mono" pitchFamily="49" charset="0"/>
+                <a:ea typeface="DejaVu Sans Mono" pitchFamily="49" charset="0"/>
+                <a:cs typeface="DejaVu Sans Mono" pitchFamily="49" charset="0"/>
               </a:rPr>
               <a:t>)::value </a:t>
             </a:r>
             <a:r>
-              <a:rPr lang="en-US" altLang="zh-CN" dirty="0" smtClean="0">
+              <a:rPr lang="en-US" altLang="zh-CN" sz="1400" dirty="0" smtClean="0">
                 <a:solidFill>
                   <a:srgbClr val="000000"/>
                 </a:solidFill>
                 <a:highlight>
                   <a:srgbClr val="FFFFFF"/>
                 </a:highlight>
-                <a:latin typeface="新宋体" panose="02010609030101010101" pitchFamily="49" charset="-122"/>
-                <a:ea typeface="新宋体" panose="02010609030101010101" pitchFamily="49" charset="-122"/>
+                <a:latin typeface="DejaVu Sans Mono" pitchFamily="49" charset="0"/>
+                <a:ea typeface="DejaVu Sans Mono" pitchFamily="49" charset="0"/>
+                <a:cs typeface="DejaVu Sans Mono" pitchFamily="49" charset="0"/>
               </a:rPr>
               <a:t>&lt;&lt; </a:t>
             </a:r>
             <a:r>
-              <a:rPr lang="en-US" altLang="zh-CN" dirty="0">
+              <a:rPr lang="en-US" altLang="zh-CN" sz="1400" dirty="0">
                 <a:solidFill>
                   <a:srgbClr val="000000"/>
                 </a:solidFill>
                 <a:highlight>
                   <a:srgbClr val="FFFFFF"/>
                 </a:highlight>
-                <a:latin typeface="新宋体" panose="02010609030101010101" pitchFamily="49" charset="-122"/>
-                <a:ea typeface="新宋体" panose="02010609030101010101" pitchFamily="49" charset="-122"/>
+                <a:latin typeface="DejaVu Sans Mono" pitchFamily="49" charset="0"/>
+                <a:ea typeface="DejaVu Sans Mono" pitchFamily="49" charset="0"/>
+                <a:cs typeface="DejaVu Sans Mono" pitchFamily="49" charset="0"/>
               </a:rPr>
               <a:t>std::</a:t>
             </a:r>
             <a:r>
-              <a:rPr lang="en-US" altLang="zh-CN" dirty="0" err="1">
+              <a:rPr lang="en-US" altLang="zh-CN" sz="1400" dirty="0" err="1">
                 <a:solidFill>
                   <a:srgbClr val="000000"/>
                 </a:solidFill>
                 <a:highlight>
                   <a:srgbClr val="FFFFFF"/>
                 </a:highlight>
-                <a:latin typeface="新宋体" panose="02010609030101010101" pitchFamily="49" charset="-122"/>
-                <a:ea typeface="新宋体" panose="02010609030101010101" pitchFamily="49" charset="-122"/>
+                <a:latin typeface="DejaVu Sans Mono" pitchFamily="49" charset="0"/>
+                <a:ea typeface="DejaVu Sans Mono" pitchFamily="49" charset="0"/>
+                <a:cs typeface="DejaVu Sans Mono" pitchFamily="49" charset="0"/>
               </a:rPr>
               <a:t>endl</a:t>
             </a:r>
             <a:r>
-              <a:rPr lang="en-US" altLang="zh-CN" dirty="0">
+              <a:rPr lang="en-US" altLang="zh-CN" sz="1400" dirty="0">
                 <a:solidFill>
                   <a:srgbClr val="000000"/>
                 </a:solidFill>
                 <a:highlight>
                   <a:srgbClr val="FFFFFF"/>
                 </a:highlight>
-                <a:latin typeface="新宋体" panose="02010609030101010101" pitchFamily="49" charset="-122"/>
-                <a:ea typeface="新宋体" panose="02010609030101010101" pitchFamily="49" charset="-122"/>
+                <a:latin typeface="DejaVu Sans Mono" pitchFamily="49" charset="0"/>
+                <a:ea typeface="DejaVu Sans Mono" pitchFamily="49" charset="0"/>
+                <a:cs typeface="DejaVu Sans Mono" pitchFamily="49" charset="0"/>
               </a:rPr>
               <a:t>;</a:t>
             </a:r>
           </a:p>
           <a:p>
             <a:r>
-              <a:rPr lang="en-US" altLang="zh-CN" dirty="0" smtClean="0">
+              <a:rPr lang="en-US" altLang="zh-CN" sz="1400" dirty="0" smtClean="0">
                 <a:solidFill>
                   <a:srgbClr val="000000"/>
                 </a:solidFill>
                 <a:highlight>
                   <a:srgbClr val="FFFFFF"/>
                 </a:highlight>
-                <a:latin typeface="新宋体" panose="02010609030101010101" pitchFamily="49" charset="-122"/>
-                <a:ea typeface="新宋体" panose="02010609030101010101" pitchFamily="49" charset="-122"/>
+                <a:latin typeface="DejaVu Sans Mono" pitchFamily="49" charset="0"/>
+                <a:ea typeface="DejaVu Sans Mono" pitchFamily="49" charset="0"/>
+                <a:cs typeface="DejaVu Sans Mono" pitchFamily="49" charset="0"/>
               </a:rPr>
               <a:t>});</a:t>
             </a:r>
@@ -9063,8 +9148,8 @@
         </p:nvSpPr>
         <p:spPr>
           <a:xfrm>
-            <a:off x="266699" y="5317428"/>
-            <a:ext cx="6875506" cy="923330"/>
+            <a:off x="266699" y="3988071"/>
+            <a:ext cx="6875506" cy="738664"/>
           </a:xfrm>
           <a:prstGeom prst="rect">
             <a:avLst/>
@@ -9077,49 +9162,78 @@
           <a:lstStyle/>
           <a:p>
             <a:r>
-              <a:rPr lang="en-US" altLang="zh-CN" smtClean="0"/>
+              <a:rPr lang="en-US" altLang="zh-CN" sz="1400" dirty="0" smtClean="0">
+                <a:latin typeface="DejaVu Sans Mono" pitchFamily="49" charset="0"/>
+                <a:ea typeface="DejaVu Sans Mono" pitchFamily="49" charset="0"/>
+                <a:cs typeface="DejaVu Sans Mono" pitchFamily="49" charset="0"/>
+              </a:rPr>
               <a:t>&lt;&lt;</a:t>
             </a:r>
             <a:r>
-              <a:rPr lang="en-US" altLang="zh-CN">
+              <a:rPr lang="en-US" altLang="zh-CN" sz="1400" dirty="0">
+                <a:latin typeface="DejaVu Sans Mono" pitchFamily="49" charset="0"/>
+                <a:ea typeface="DejaVu Sans Mono" pitchFamily="49" charset="0"/>
+                <a:cs typeface="DejaVu Sans Mono" pitchFamily="49" charset="0"/>
                 <a:hlinkClick r:id="rId2"/>
               </a:rPr>
               <a:t>Compile-time Reflection, Serialization and ORM </a:t>
             </a:r>
             <a:r>
-              <a:rPr lang="en-US" altLang="zh-CN" smtClean="0">
+              <a:rPr lang="en-US" altLang="zh-CN" sz="1400" dirty="0" smtClean="0">
+                <a:latin typeface="DejaVu Sans Mono" pitchFamily="49" charset="0"/>
+                <a:ea typeface="DejaVu Sans Mono" pitchFamily="49" charset="0"/>
+                <a:cs typeface="DejaVu Sans Mono" pitchFamily="49" charset="0"/>
                 <a:hlinkClick r:id="rId2"/>
               </a:rPr>
               <a:t>Examples</a:t>
             </a:r>
             <a:r>
-              <a:rPr lang="en-US" altLang="zh-CN" smtClean="0"/>
+              <a:rPr lang="en-US" altLang="zh-CN" sz="1400" dirty="0" smtClean="0">
+                <a:latin typeface="DejaVu Sans Mono" pitchFamily="49" charset="0"/>
+                <a:ea typeface="DejaVu Sans Mono" pitchFamily="49" charset="0"/>
+                <a:cs typeface="DejaVu Sans Mono" pitchFamily="49" charset="0"/>
+              </a:rPr>
               <a:t>&gt;&gt;</a:t>
             </a:r>
           </a:p>
           <a:p>
             <a:r>
-              <a:rPr lang="en-US" altLang="zh-CN" smtClean="0"/>
+              <a:rPr lang="en-US" altLang="zh-CN" sz="1400" dirty="0" smtClean="0">
+                <a:latin typeface="DejaVu Sans Mono" pitchFamily="49" charset="0"/>
+                <a:ea typeface="DejaVu Sans Mono" pitchFamily="49" charset="0"/>
+                <a:cs typeface="DejaVu Sans Mono" pitchFamily="49" charset="0"/>
+              </a:rPr>
               <a:t>https</a:t>
             </a:r>
             <a:r>
-              <a:rPr lang="en-US" altLang="zh-CN"/>
+              <a:rPr lang="en-US" altLang="zh-CN" sz="1400" dirty="0">
+                <a:latin typeface="DejaVu Sans Mono" pitchFamily="49" charset="0"/>
+                <a:ea typeface="DejaVu Sans Mono" pitchFamily="49" charset="0"/>
+                <a:cs typeface="DejaVu Sans Mono" pitchFamily="49" charset="0"/>
+              </a:rPr>
               <a:t>://github.com/CppCon/CppCon2017</a:t>
             </a:r>
           </a:p>
           <a:p>
             <a:r>
-              <a:rPr lang="en-US" altLang="zh-CN"/>
+              <a:rPr lang="en-US" altLang="zh-CN" sz="1400" dirty="0">
+                <a:latin typeface="DejaVu Sans Mono" pitchFamily="49" charset="0"/>
+                <a:ea typeface="DejaVu Sans Mono" pitchFamily="49" charset="0"/>
+                <a:cs typeface="DejaVu Sans Mono" pitchFamily="49" charset="0"/>
+              </a:rPr>
               <a:t>https://www.youtube.com/watch?v=WlhoWjrR41A</a:t>
             </a:r>
-            <a:endParaRPr lang="zh-CN" altLang="en-US"/>
+            <a:endParaRPr lang="zh-CN" altLang="en-US" sz="1400" dirty="0">
+              <a:latin typeface="DejaVu Sans Mono" pitchFamily="49" charset="0"/>
+              <a:cs typeface="DejaVu Sans Mono" pitchFamily="49" charset="0"/>
+            </a:endParaRPr>
           </a:p>
         </p:txBody>
       </p:sp>
     </p:spTree>
     <p:extLst>
       <p:ext uri="{BB962C8B-B14F-4D97-AF65-F5344CB8AC3E}">
-        <p14:creationId xmlns="" xmlns:p14="http://schemas.microsoft.com/office/powerpoint/2010/main" val="3760972625"/>
+        <p14:creationId xmlns:p14="http://schemas.microsoft.com/office/powerpoint/2010/main" xmlns="" val="3760972625"/>
       </p:ext>
     </p:extLst>
   </p:cSld>
@@ -9283,7 +9397,7 @@
         <p:spPr/>
         <p:txBody>
           <a:bodyPr>
-            <a:normAutofit lnSpcReduction="10000"/>
+            <a:normAutofit fontScale="85000" lnSpcReduction="20000"/>
           </a:bodyPr>
           <a:lstStyle/>
           <a:p>
@@ -9348,8 +9462,8 @@
         </p:nvSpPr>
         <p:spPr>
           <a:xfrm>
-            <a:off x="526225" y="2214605"/>
-            <a:ext cx="6089359" cy="369332"/>
+            <a:off x="526226" y="1660954"/>
+            <a:ext cx="5203284" cy="369332"/>
           </a:xfrm>
           <a:prstGeom prst="rect">
             <a:avLst/>
@@ -9397,8 +9511,8 @@
         </p:nvSpPr>
         <p:spPr>
           <a:xfrm>
-            <a:off x="2017738" y="3302168"/>
-            <a:ext cx="4310743" cy="1754326"/>
+            <a:off x="2017739" y="2476626"/>
+            <a:ext cx="5167715" cy="1569660"/>
           </a:xfrm>
           <a:prstGeom prst="rect">
             <a:avLst/>
@@ -9411,299 +9525,352 @@
           <a:lstStyle/>
           <a:p>
             <a:r>
-              <a:rPr lang="en-US" altLang="zh-CN" err="1">
+              <a:rPr lang="en-US" altLang="zh-CN" sz="1600" dirty="0" err="1">
                 <a:solidFill>
                   <a:srgbClr val="0000FF"/>
                 </a:solidFill>
                 <a:highlight>
                   <a:srgbClr val="FFFFFF"/>
                 </a:highlight>
-                <a:latin typeface="新宋体" panose="02010609030101010101" pitchFamily="49" charset="-122"/>
-                <a:ea typeface="新宋体" panose="02010609030101010101" pitchFamily="49" charset="-122"/>
+                <a:latin typeface="DejaVu Sans Mono" pitchFamily="49" charset="0"/>
+                <a:ea typeface="DejaVu Sans Mono" pitchFamily="49" charset="0"/>
+                <a:cs typeface="DejaVu Sans Mono" pitchFamily="49" charset="0"/>
               </a:rPr>
               <a:t>struct</a:t>
             </a:r>
             <a:r>
-              <a:rPr lang="en-US" altLang="zh-CN">
+              <a:rPr lang="en-US" altLang="zh-CN" sz="1600" dirty="0">
                 <a:solidFill>
                   <a:srgbClr val="000000"/>
                 </a:solidFill>
                 <a:highlight>
                   <a:srgbClr val="FFFFFF"/>
                 </a:highlight>
-                <a:latin typeface="新宋体" panose="02010609030101010101" pitchFamily="49" charset="-122"/>
-                <a:ea typeface="新宋体" panose="02010609030101010101" pitchFamily="49" charset="-122"/>
+                <a:latin typeface="DejaVu Sans Mono" pitchFamily="49" charset="0"/>
+                <a:ea typeface="DejaVu Sans Mono" pitchFamily="49" charset="0"/>
+                <a:cs typeface="DejaVu Sans Mono" pitchFamily="49" charset="0"/>
               </a:rPr>
               <a:t> </a:t>
             </a:r>
             <a:r>
-              <a:rPr lang="en-US" altLang="zh-CN" smtClean="0">
+              <a:rPr lang="en-US" altLang="zh-CN" sz="1600" dirty="0" smtClean="0">
                 <a:solidFill>
                   <a:srgbClr val="2B91AF"/>
                 </a:solidFill>
                 <a:highlight>
                   <a:srgbClr val="FFFFFF"/>
                 </a:highlight>
-                <a:latin typeface="新宋体" panose="02010609030101010101" pitchFamily="49" charset="-122"/>
-                <a:ea typeface="新宋体" panose="02010609030101010101" pitchFamily="49" charset="-122"/>
+                <a:latin typeface="DejaVu Sans Mono" pitchFamily="49" charset="0"/>
+                <a:ea typeface="DejaVu Sans Mono" pitchFamily="49" charset="0"/>
+                <a:cs typeface="DejaVu Sans Mono" pitchFamily="49" charset="0"/>
               </a:rPr>
               <a:t>person</a:t>
             </a:r>
             <a:r>
-              <a:rPr lang="en-US" altLang="zh-CN" smtClean="0">
+              <a:rPr lang="en-US" altLang="zh-CN" sz="1600" dirty="0" smtClean="0">
                 <a:solidFill>
                   <a:srgbClr val="000000"/>
                 </a:solidFill>
                 <a:highlight>
                   <a:srgbClr val="FFFFFF"/>
                 </a:highlight>
-                <a:latin typeface="新宋体" panose="02010609030101010101" pitchFamily="49" charset="-122"/>
-                <a:ea typeface="新宋体" panose="02010609030101010101" pitchFamily="49" charset="-122"/>
+                <a:latin typeface="DejaVu Sans Mono" pitchFamily="49" charset="0"/>
+                <a:ea typeface="DejaVu Sans Mono" pitchFamily="49" charset="0"/>
+                <a:cs typeface="DejaVu Sans Mono" pitchFamily="49" charset="0"/>
               </a:rPr>
               <a:t> {</a:t>
             </a:r>
           </a:p>
           <a:p>
             <a:r>
-              <a:rPr lang="en-US" altLang="zh-CN" smtClean="0">
+              <a:rPr lang="en-US" altLang="zh-CN" sz="1600" dirty="0" smtClean="0">
                 <a:solidFill>
                   <a:srgbClr val="000000"/>
                 </a:solidFill>
                 <a:highlight>
                   <a:srgbClr val="FFFFFF"/>
                 </a:highlight>
-                <a:latin typeface="新宋体" panose="02010609030101010101" pitchFamily="49" charset="-122"/>
-                <a:ea typeface="新宋体" panose="02010609030101010101" pitchFamily="49" charset="-122"/>
-              </a:rPr>
-              <a:t>    int id;</a:t>
-            </a:r>
-            <a:endParaRPr lang="en-US" altLang="zh-CN" dirty="0">
+                <a:latin typeface="DejaVu Sans Mono" pitchFamily="49" charset="0"/>
+                <a:ea typeface="DejaVu Sans Mono" pitchFamily="49" charset="0"/>
+                <a:cs typeface="DejaVu Sans Mono" pitchFamily="49" charset="0"/>
+              </a:rPr>
+              <a:t>    </a:t>
+            </a:r>
+            <a:r>
+              <a:rPr lang="en-US" altLang="zh-CN" sz="1600" dirty="0" err="1" smtClean="0">
+                <a:solidFill>
+                  <a:srgbClr val="000000"/>
+                </a:solidFill>
+                <a:highlight>
+                  <a:srgbClr val="FFFFFF"/>
+                </a:highlight>
+                <a:latin typeface="DejaVu Sans Mono" pitchFamily="49" charset="0"/>
+                <a:ea typeface="DejaVu Sans Mono" pitchFamily="49" charset="0"/>
+                <a:cs typeface="DejaVu Sans Mono" pitchFamily="49" charset="0"/>
+              </a:rPr>
+              <a:t>int</a:t>
+            </a:r>
+            <a:r>
+              <a:rPr lang="en-US" altLang="zh-CN" sz="1600" dirty="0" smtClean="0">
+                <a:solidFill>
+                  <a:srgbClr val="000000"/>
+                </a:solidFill>
+                <a:highlight>
+                  <a:srgbClr val="FFFFFF"/>
+                </a:highlight>
+                <a:latin typeface="DejaVu Sans Mono" pitchFamily="49" charset="0"/>
+                <a:ea typeface="DejaVu Sans Mono" pitchFamily="49" charset="0"/>
+                <a:cs typeface="DejaVu Sans Mono" pitchFamily="49" charset="0"/>
+              </a:rPr>
+              <a:t> id;</a:t>
+            </a:r>
+            <a:endParaRPr lang="en-US" altLang="zh-CN" sz="1600" dirty="0">
               <a:solidFill>
                 <a:srgbClr val="000000"/>
               </a:solidFill>
               <a:highlight>
                 <a:srgbClr val="FFFFFF"/>
               </a:highlight>
-              <a:latin typeface="新宋体" panose="02010609030101010101" pitchFamily="49" charset="-122"/>
-              <a:ea typeface="新宋体" panose="02010609030101010101" pitchFamily="49" charset="-122"/>
+              <a:latin typeface="DejaVu Sans Mono" pitchFamily="49" charset="0"/>
+              <a:ea typeface="DejaVu Sans Mono" pitchFamily="49" charset="0"/>
+              <a:cs typeface="DejaVu Sans Mono" pitchFamily="49" charset="0"/>
             </a:endParaRPr>
           </a:p>
           <a:p>
             <a:r>
-              <a:rPr lang="en-US" altLang="zh-CN" dirty="0" smtClean="0">
+              <a:rPr lang="en-US" altLang="zh-CN" sz="1600" dirty="0" smtClean="0">
                 <a:solidFill>
                   <a:srgbClr val="000000"/>
                 </a:solidFill>
                 <a:highlight>
                   <a:srgbClr val="FFFFFF"/>
                 </a:highlight>
-                <a:latin typeface="新宋体" panose="02010609030101010101" pitchFamily="49" charset="-122"/>
-                <a:ea typeface="新宋体" panose="02010609030101010101" pitchFamily="49" charset="-122"/>
+                <a:latin typeface="DejaVu Sans Mono" pitchFamily="49" charset="0"/>
+                <a:ea typeface="DejaVu Sans Mono" pitchFamily="49" charset="0"/>
+                <a:cs typeface="DejaVu Sans Mono" pitchFamily="49" charset="0"/>
               </a:rPr>
               <a:t>    </a:t>
             </a:r>
             <a:r>
-              <a:rPr lang="en-US" altLang="zh-CN" dirty="0" err="1" smtClean="0">
+              <a:rPr lang="en-US" altLang="zh-CN" sz="1600" dirty="0" err="1" smtClean="0">
                 <a:solidFill>
                   <a:srgbClr val="000000"/>
                 </a:solidFill>
                 <a:highlight>
                   <a:srgbClr val="FFFFFF"/>
                 </a:highlight>
-                <a:latin typeface="新宋体" panose="02010609030101010101" pitchFamily="49" charset="-122"/>
-                <a:ea typeface="新宋体" panose="02010609030101010101" pitchFamily="49" charset="-122"/>
+                <a:latin typeface="DejaVu Sans Mono" pitchFamily="49" charset="0"/>
+                <a:ea typeface="DejaVu Sans Mono" pitchFamily="49" charset="0"/>
+                <a:cs typeface="DejaVu Sans Mono" pitchFamily="49" charset="0"/>
               </a:rPr>
               <a:t>std</a:t>
             </a:r>
             <a:r>
-              <a:rPr lang="en-US" altLang="zh-CN" dirty="0">
+              <a:rPr lang="en-US" altLang="zh-CN" sz="1600" dirty="0">
                 <a:solidFill>
                   <a:srgbClr val="000000"/>
                 </a:solidFill>
                 <a:highlight>
                   <a:srgbClr val="FFFFFF"/>
                 </a:highlight>
-                <a:latin typeface="新宋体" panose="02010609030101010101" pitchFamily="49" charset="-122"/>
-                <a:ea typeface="新宋体" panose="02010609030101010101" pitchFamily="49" charset="-122"/>
+                <a:latin typeface="DejaVu Sans Mono" pitchFamily="49" charset="0"/>
+                <a:ea typeface="DejaVu Sans Mono" pitchFamily="49" charset="0"/>
+                <a:cs typeface="DejaVu Sans Mono" pitchFamily="49" charset="0"/>
               </a:rPr>
               <a:t>::</a:t>
             </a:r>
             <a:r>
-              <a:rPr lang="en-US" altLang="zh-CN" dirty="0">
+              <a:rPr lang="en-US" altLang="zh-CN" sz="1600" dirty="0">
                 <a:solidFill>
                   <a:srgbClr val="2B91AF"/>
                 </a:solidFill>
                 <a:highlight>
                   <a:srgbClr val="FFFFFF"/>
                 </a:highlight>
-                <a:latin typeface="新宋体" panose="02010609030101010101" pitchFamily="49" charset="-122"/>
-                <a:ea typeface="新宋体" panose="02010609030101010101" pitchFamily="49" charset="-122"/>
+                <a:latin typeface="DejaVu Sans Mono" pitchFamily="49" charset="0"/>
+                <a:ea typeface="DejaVu Sans Mono" pitchFamily="49" charset="0"/>
+                <a:cs typeface="DejaVu Sans Mono" pitchFamily="49" charset="0"/>
               </a:rPr>
               <a:t>string</a:t>
             </a:r>
             <a:r>
-              <a:rPr lang="en-US" altLang="zh-CN" dirty="0">
+              <a:rPr lang="en-US" altLang="zh-CN" sz="1600" dirty="0">
                 <a:solidFill>
                   <a:srgbClr val="000000"/>
                 </a:solidFill>
                 <a:highlight>
                   <a:srgbClr val="FFFFFF"/>
                 </a:highlight>
-                <a:latin typeface="新宋体" panose="02010609030101010101" pitchFamily="49" charset="-122"/>
-                <a:ea typeface="新宋体" panose="02010609030101010101" pitchFamily="49" charset="-122"/>
+                <a:latin typeface="DejaVu Sans Mono" pitchFamily="49" charset="0"/>
+                <a:ea typeface="DejaVu Sans Mono" pitchFamily="49" charset="0"/>
+                <a:cs typeface="DejaVu Sans Mono" pitchFamily="49" charset="0"/>
               </a:rPr>
               <a:t> name;</a:t>
             </a:r>
           </a:p>
           <a:p>
             <a:r>
-              <a:rPr lang="en-US" altLang="zh-CN" dirty="0" smtClean="0">
+              <a:rPr lang="en-US" altLang="zh-CN" sz="1600" dirty="0" smtClean="0">
                 <a:solidFill>
                   <a:srgbClr val="0000FF"/>
                 </a:solidFill>
                 <a:highlight>
                   <a:srgbClr val="FFFFFF"/>
                 </a:highlight>
-                <a:latin typeface="新宋体" panose="02010609030101010101" pitchFamily="49" charset="-122"/>
-                <a:ea typeface="新宋体" panose="02010609030101010101" pitchFamily="49" charset="-122"/>
+                <a:latin typeface="DejaVu Sans Mono" pitchFamily="49" charset="0"/>
+                <a:ea typeface="DejaVu Sans Mono" pitchFamily="49" charset="0"/>
+                <a:cs typeface="DejaVu Sans Mono" pitchFamily="49" charset="0"/>
               </a:rPr>
               <a:t>    </a:t>
             </a:r>
             <a:r>
-              <a:rPr lang="en-US" altLang="zh-CN" dirty="0" err="1" smtClean="0">
+              <a:rPr lang="en-US" altLang="zh-CN" sz="1600" dirty="0" err="1" smtClean="0">
                 <a:solidFill>
                   <a:srgbClr val="0000FF"/>
                 </a:solidFill>
                 <a:highlight>
                   <a:srgbClr val="FFFFFF"/>
                 </a:highlight>
-                <a:latin typeface="新宋体" panose="02010609030101010101" pitchFamily="49" charset="-122"/>
-                <a:ea typeface="新宋体" panose="02010609030101010101" pitchFamily="49" charset="-122"/>
+                <a:latin typeface="DejaVu Sans Mono" pitchFamily="49" charset="0"/>
+                <a:ea typeface="DejaVu Sans Mono" pitchFamily="49" charset="0"/>
+                <a:cs typeface="DejaVu Sans Mono" pitchFamily="49" charset="0"/>
               </a:rPr>
               <a:t>int</a:t>
             </a:r>
             <a:r>
-              <a:rPr lang="en-US" altLang="zh-CN" dirty="0" smtClean="0">
+              <a:rPr lang="en-US" altLang="zh-CN" sz="1600" dirty="0" smtClean="0">
                 <a:solidFill>
                   <a:srgbClr val="000000"/>
                 </a:solidFill>
                 <a:highlight>
                   <a:srgbClr val="FFFFFF"/>
                 </a:highlight>
-                <a:latin typeface="新宋体" panose="02010609030101010101" pitchFamily="49" charset="-122"/>
-                <a:ea typeface="新宋体" panose="02010609030101010101" pitchFamily="49" charset="-122"/>
+                <a:latin typeface="DejaVu Sans Mono" pitchFamily="49" charset="0"/>
+                <a:ea typeface="DejaVu Sans Mono" pitchFamily="49" charset="0"/>
+                <a:cs typeface="DejaVu Sans Mono" pitchFamily="49" charset="0"/>
               </a:rPr>
               <a:t> </a:t>
             </a:r>
             <a:r>
-              <a:rPr lang="en-US" altLang="zh-CN" dirty="0">
+              <a:rPr lang="en-US" altLang="zh-CN" sz="1600" dirty="0">
                 <a:solidFill>
                   <a:srgbClr val="000000"/>
                 </a:solidFill>
                 <a:highlight>
                   <a:srgbClr val="FFFFFF"/>
                 </a:highlight>
-                <a:latin typeface="新宋体" panose="02010609030101010101" pitchFamily="49" charset="-122"/>
-                <a:ea typeface="新宋体" panose="02010609030101010101" pitchFamily="49" charset="-122"/>
+                <a:latin typeface="DejaVu Sans Mono" pitchFamily="49" charset="0"/>
+                <a:ea typeface="DejaVu Sans Mono" pitchFamily="49" charset="0"/>
+                <a:cs typeface="DejaVu Sans Mono" pitchFamily="49" charset="0"/>
               </a:rPr>
               <a:t>age;</a:t>
             </a:r>
           </a:p>
           <a:p>
             <a:r>
-              <a:rPr lang="en-US" altLang="zh-CN" dirty="0">
+              <a:rPr lang="en-US" altLang="zh-CN" sz="1600" dirty="0">
                 <a:solidFill>
                   <a:srgbClr val="000000"/>
                 </a:solidFill>
                 <a:highlight>
                   <a:srgbClr val="FFFFFF"/>
                 </a:highlight>
-                <a:latin typeface="新宋体" panose="02010609030101010101" pitchFamily="49" charset="-122"/>
-                <a:ea typeface="新宋体" panose="02010609030101010101" pitchFamily="49" charset="-122"/>
+                <a:latin typeface="DejaVu Sans Mono" pitchFamily="49" charset="0"/>
+                <a:ea typeface="DejaVu Sans Mono" pitchFamily="49" charset="0"/>
+                <a:cs typeface="DejaVu Sans Mono" pitchFamily="49" charset="0"/>
               </a:rPr>
               <a:t>};</a:t>
             </a:r>
           </a:p>
           <a:p>
             <a:r>
-              <a:rPr lang="en-US" altLang="zh-CN" smtClean="0">
+              <a:rPr lang="en-US" altLang="zh-CN" sz="1600" dirty="0" smtClean="0">
                 <a:solidFill>
                   <a:srgbClr val="6F008A"/>
                 </a:solidFill>
                 <a:highlight>
                   <a:srgbClr val="FFFFFF"/>
                 </a:highlight>
-                <a:latin typeface="新宋体" panose="02010609030101010101" pitchFamily="49" charset="-122"/>
-                <a:ea typeface="新宋体" panose="02010609030101010101" pitchFamily="49" charset="-122"/>
+                <a:latin typeface="DejaVu Sans Mono" pitchFamily="49" charset="0"/>
+                <a:ea typeface="DejaVu Sans Mono" pitchFamily="49" charset="0"/>
+                <a:cs typeface="DejaVu Sans Mono" pitchFamily="49" charset="0"/>
               </a:rPr>
               <a:t>REFLECTION</a:t>
             </a:r>
             <a:r>
-              <a:rPr lang="en-US" altLang="zh-CN" smtClean="0">
+              <a:rPr lang="en-US" altLang="zh-CN" sz="1600" dirty="0" smtClean="0">
                 <a:solidFill>
                   <a:srgbClr val="000000"/>
                 </a:solidFill>
                 <a:highlight>
                   <a:srgbClr val="FFFFFF"/>
                 </a:highlight>
-                <a:latin typeface="新宋体" panose="02010609030101010101" pitchFamily="49" charset="-122"/>
-                <a:ea typeface="新宋体" panose="02010609030101010101" pitchFamily="49" charset="-122"/>
+                <a:latin typeface="DejaVu Sans Mono" pitchFamily="49" charset="0"/>
+                <a:ea typeface="DejaVu Sans Mono" pitchFamily="49" charset="0"/>
+                <a:cs typeface="DejaVu Sans Mono" pitchFamily="49" charset="0"/>
               </a:rPr>
               <a:t>(</a:t>
             </a:r>
             <a:r>
-              <a:rPr lang="en-US" altLang="zh-CN" smtClean="0">
+              <a:rPr lang="en-US" altLang="zh-CN" sz="1600" dirty="0" smtClean="0">
                 <a:solidFill>
                   <a:srgbClr val="2B91AF"/>
                 </a:solidFill>
                 <a:highlight>
                   <a:srgbClr val="FFFFFF"/>
                 </a:highlight>
-                <a:latin typeface="新宋体" panose="02010609030101010101" pitchFamily="49" charset="-122"/>
-                <a:ea typeface="新宋体" panose="02010609030101010101" pitchFamily="49" charset="-122"/>
+                <a:latin typeface="DejaVu Sans Mono" pitchFamily="49" charset="0"/>
+                <a:ea typeface="DejaVu Sans Mono" pitchFamily="49" charset="0"/>
+                <a:cs typeface="DejaVu Sans Mono" pitchFamily="49" charset="0"/>
               </a:rPr>
               <a:t>person</a:t>
             </a:r>
             <a:r>
-              <a:rPr lang="en-US" altLang="zh-CN">
+              <a:rPr lang="en-US" altLang="zh-CN" sz="1600" dirty="0">
                 <a:solidFill>
                   <a:srgbClr val="000000"/>
                 </a:solidFill>
                 <a:highlight>
                   <a:srgbClr val="FFFFFF"/>
                 </a:highlight>
-                <a:latin typeface="新宋体" panose="02010609030101010101" pitchFamily="49" charset="-122"/>
-                <a:ea typeface="新宋体" panose="02010609030101010101" pitchFamily="49" charset="-122"/>
+                <a:latin typeface="DejaVu Sans Mono" pitchFamily="49" charset="0"/>
+                <a:ea typeface="DejaVu Sans Mono" pitchFamily="49" charset="0"/>
+                <a:cs typeface="DejaVu Sans Mono" pitchFamily="49" charset="0"/>
               </a:rPr>
               <a:t>, </a:t>
             </a:r>
             <a:r>
-              <a:rPr lang="en-US" altLang="zh-CN" smtClean="0">
+              <a:rPr lang="en-US" altLang="zh-CN" sz="1600" dirty="0" smtClean="0">
                 <a:solidFill>
                   <a:srgbClr val="000000"/>
                 </a:solidFill>
                 <a:highlight>
                   <a:srgbClr val="FFFFFF"/>
                 </a:highlight>
-                <a:latin typeface="新宋体" panose="02010609030101010101" pitchFamily="49" charset="-122"/>
-                <a:ea typeface="新宋体" panose="02010609030101010101" pitchFamily="49" charset="-122"/>
+                <a:latin typeface="DejaVu Sans Mono" pitchFamily="49" charset="0"/>
+                <a:ea typeface="DejaVu Sans Mono" pitchFamily="49" charset="0"/>
+                <a:cs typeface="DejaVu Sans Mono" pitchFamily="49" charset="0"/>
               </a:rPr>
               <a:t>id, name</a:t>
             </a:r>
             <a:r>
-              <a:rPr lang="en-US" altLang="zh-CN" dirty="0">
+              <a:rPr lang="en-US" altLang="zh-CN" sz="1600" dirty="0">
                 <a:solidFill>
                   <a:srgbClr val="000000"/>
                 </a:solidFill>
                 <a:highlight>
                   <a:srgbClr val="FFFFFF"/>
                 </a:highlight>
-                <a:latin typeface="新宋体" panose="02010609030101010101" pitchFamily="49" charset="-122"/>
-                <a:ea typeface="新宋体" panose="02010609030101010101" pitchFamily="49" charset="-122"/>
+                <a:latin typeface="DejaVu Sans Mono" pitchFamily="49" charset="0"/>
+                <a:ea typeface="DejaVu Sans Mono" pitchFamily="49" charset="0"/>
+                <a:cs typeface="DejaVu Sans Mono" pitchFamily="49" charset="0"/>
               </a:rPr>
               <a:t>, age)</a:t>
             </a:r>
-            <a:endParaRPr lang="zh-CN" altLang="en-US" dirty="0"/>
+            <a:endParaRPr lang="zh-CN" altLang="en-US" sz="1600" dirty="0">
+              <a:latin typeface="DejaVu Sans Mono" pitchFamily="49" charset="0"/>
+              <a:cs typeface="DejaVu Sans Mono" pitchFamily="49" charset="0"/>
+            </a:endParaRPr>
           </a:p>
         </p:txBody>
       </p:sp>
@@ -9715,8 +9882,8 @@
         </p:nvCxnSpPr>
         <p:spPr>
           <a:xfrm rot="16200000" flipV="1">
-            <a:off x="2571751" y="2964526"/>
-            <a:ext cx="2268966" cy="1360801"/>
+            <a:off x="2869857" y="2103738"/>
+            <a:ext cx="1810265" cy="1495168"/>
           </a:xfrm>
           <a:prstGeom prst="straightConnector1">
             <a:avLst/>
@@ -9749,8 +9916,8 @@
         </p:nvCxnSpPr>
         <p:spPr>
           <a:xfrm rot="16200000" flipV="1">
-            <a:off x="2012084" y="3025430"/>
-            <a:ext cx="2244027" cy="1263931"/>
+            <a:off x="2227307" y="2239662"/>
+            <a:ext cx="1810265" cy="1272747"/>
           </a:xfrm>
           <a:prstGeom prst="straightConnector1">
             <a:avLst/>
@@ -9783,8 +9950,8 @@
         </p:nvCxnSpPr>
         <p:spPr>
           <a:xfrm rot="16200000" flipV="1">
-            <a:off x="4101153" y="3280550"/>
-            <a:ext cx="2227403" cy="770318"/>
+            <a:off x="4411365" y="2409568"/>
+            <a:ext cx="1810265" cy="957647"/>
           </a:xfrm>
           <a:prstGeom prst="straightConnector1">
             <a:avLst/>
@@ -9817,8 +9984,8 @@
         </p:nvCxnSpPr>
         <p:spPr>
           <a:xfrm rot="5400000" flipH="1" flipV="1">
-            <a:off x="2430397" y="2855941"/>
-            <a:ext cx="1182001" cy="491009"/>
+            <a:off x="2613456" y="2162433"/>
+            <a:ext cx="840260" cy="457201"/>
           </a:xfrm>
           <a:prstGeom prst="straightConnector1">
             <a:avLst/>
@@ -9854,8 +10021,8 @@
         </p:nvCxnSpPr>
         <p:spPr>
           <a:xfrm rot="5400000" flipH="1" flipV="1">
-            <a:off x="3217792" y="2873899"/>
-            <a:ext cx="1493220" cy="749684"/>
+            <a:off x="3462981" y="2184056"/>
+            <a:ext cx="1093574" cy="630199"/>
           </a:xfrm>
           <a:prstGeom prst="straightConnector1">
             <a:avLst/>
@@ -9891,8 +10058,8 @@
         </p:nvCxnSpPr>
         <p:spPr>
           <a:xfrm flipV="1">
-            <a:off x="2899719" y="2510444"/>
-            <a:ext cx="2270797" cy="1772551"/>
+            <a:off x="2965622" y="1977081"/>
+            <a:ext cx="2236573" cy="1353067"/>
           </a:xfrm>
           <a:prstGeom prst="straightConnector1">
             <a:avLst/>
@@ -9928,8 +10095,8 @@
         </p:nvCxnSpPr>
         <p:spPr>
           <a:xfrm rot="16200000" flipV="1">
-            <a:off x="3311554" y="3114185"/>
-            <a:ext cx="2260653" cy="1069796"/>
+            <a:off x="3623620" y="2282910"/>
+            <a:ext cx="1828801" cy="1192429"/>
           </a:xfrm>
           <a:prstGeom prst="straightConnector1">
             <a:avLst/>
@@ -9957,7 +10124,7 @@
     </p:spTree>
     <p:extLst>
       <p:ext uri="{BB962C8B-B14F-4D97-AF65-F5344CB8AC3E}">
-        <p14:creationId xmlns="" xmlns:p14="http://schemas.microsoft.com/office/powerpoint/2010/main" val="1130343970"/>
+        <p14:creationId xmlns:p14="http://schemas.microsoft.com/office/powerpoint/2010/main" xmlns="" val="1130343970"/>
       </p:ext>
     </p:extLst>
   </p:cSld>
@@ -10398,7 +10565,7 @@
         <p:spPr/>
         <p:txBody>
           <a:bodyPr>
-            <a:normAutofit lnSpcReduction="10000"/>
+            <a:normAutofit fontScale="85000" lnSpcReduction="20000"/>
           </a:bodyPr>
           <a:lstStyle/>
           <a:p>
@@ -10442,8 +10609,8 @@
         </p:blipFill>
         <p:spPr bwMode="auto">
           <a:xfrm>
-            <a:off x="1845425" y="1717584"/>
-            <a:ext cx="5451474" cy="4018516"/>
+            <a:off x="2369327" y="1513703"/>
+            <a:ext cx="4105613" cy="2658626"/>
           </a:xfrm>
           <a:prstGeom prst="rect">
             <a:avLst/>
@@ -10496,7 +10663,7 @@
         <p:spPr/>
         <p:txBody>
           <a:bodyPr>
-            <a:normAutofit lnSpcReduction="10000"/>
+            <a:normAutofit fontScale="85000" lnSpcReduction="20000"/>
           </a:bodyPr>
           <a:lstStyle/>
           <a:p>
@@ -10538,9 +10705,9 @@
             <a:endParaRPr lang="en-US" altLang="zh-CN" dirty="0" smtClean="0"/>
           </a:p>
           <a:p>
-            <a:endParaRPr lang="en-US" altLang="zh-CN" dirty="0"/>
-          </a:p>
-          <a:p>
+            <a:pPr>
+              <a:buNone/>
+            </a:pPr>
             <a:endParaRPr lang="en-US" altLang="zh-CN" dirty="0" smtClean="0"/>
           </a:p>
           <a:p>
@@ -10559,13 +10726,8 @@
           <a:p>
             <a:r>
               <a:rPr lang="zh-CN" altLang="en-US" dirty="0" smtClean="0"/>
-              <a:t>编译期获取类型名称数组</a:t>
-            </a:r>
-            <a:r>
-              <a:rPr lang="zh-CN" altLang="en-US" dirty="0" smtClean="0"/>
-              <a:t>？</a:t>
-            </a:r>
-            <a:endParaRPr lang="zh-CN" altLang="en-US" dirty="0" smtClean="0"/>
+              <a:t>编译期获取类型名称数组？</a:t>
+            </a:r>
           </a:p>
           <a:p>
             <a:pPr>
@@ -10586,8 +10748,8 @@
         </p:nvSpPr>
         <p:spPr>
           <a:xfrm>
-            <a:off x="266700" y="1656145"/>
-            <a:ext cx="7270921" cy="369332"/>
+            <a:off x="266701" y="1242109"/>
+            <a:ext cx="7270921" cy="338554"/>
           </a:xfrm>
           <a:prstGeom prst="rect">
             <a:avLst/>
@@ -10600,34 +10762,34 @@
           <a:lstStyle/>
           <a:p>
             <a:r>
-              <a:rPr lang="zh-CN" altLang="en-US" dirty="0"/>
+              <a:rPr lang="zh-CN" altLang="en-US" sz="1600" dirty="0"/>
               <a:t>constexpr auto name = iguana::get_name&lt;T</a:t>
             </a:r>
             <a:r>
-              <a:rPr lang="zh-CN" altLang="en-US" dirty="0" smtClean="0"/>
+              <a:rPr lang="zh-CN" altLang="en-US" sz="1600" dirty="0" smtClean="0"/>
               <a:t>&gt;(); </a:t>
             </a:r>
             <a:r>
-              <a:rPr lang="en-US" altLang="zh-CN" dirty="0" smtClean="0">
+              <a:rPr lang="en-US" altLang="zh-CN" sz="1600" dirty="0" smtClean="0">
                 <a:sym typeface="Wingdings" panose="05000000000000000000" pitchFamily="2" charset="2"/>
               </a:rPr>
               <a:t> </a:t>
             </a:r>
             <a:r>
-              <a:rPr lang="zh-CN" altLang="en-US" dirty="0" smtClean="0"/>
+              <a:rPr lang="zh-CN" altLang="en-US" sz="1600" dirty="0" smtClean="0"/>
               <a:t>"</a:t>
             </a:r>
             <a:r>
-              <a:rPr lang="en-US" altLang="zh-CN" dirty="0" smtClean="0">
+              <a:rPr lang="en-US" altLang="zh-CN" sz="1600" dirty="0" smtClean="0">
                 <a:sym typeface="Wingdings" panose="05000000000000000000" pitchFamily="2" charset="2"/>
               </a:rPr>
               <a:t>person</a:t>
             </a:r>
             <a:r>
-              <a:rPr lang="zh-CN" altLang="en-US" dirty="0" smtClean="0"/>
+              <a:rPr lang="zh-CN" altLang="en-US" sz="1600" dirty="0" smtClean="0"/>
               <a:t>" </a:t>
             </a:r>
-            <a:endParaRPr lang="zh-CN" altLang="en-US" dirty="0"/>
+            <a:endParaRPr lang="zh-CN" altLang="en-US" sz="1600" dirty="0"/>
           </a:p>
         </p:txBody>
       </p:sp>
@@ -10639,7 +10801,7 @@
         </p:nvSpPr>
         <p:spPr>
           <a:xfrm>
-            <a:off x="266700" y="2906926"/>
+            <a:off x="291414" y="2186373"/>
             <a:ext cx="7559246" cy="369332"/>
           </a:xfrm>
           <a:prstGeom prst="rect">
@@ -10726,8 +10888,8 @@
         </p:nvSpPr>
         <p:spPr>
           <a:xfrm>
-            <a:off x="3821649" y="3693222"/>
-            <a:ext cx="3935116" cy="369332"/>
+            <a:off x="3809293" y="2992338"/>
+            <a:ext cx="3904659" cy="369332"/>
           </a:xfrm>
           <a:prstGeom prst="rect">
             <a:avLst/>
@@ -10743,13 +10905,7 @@
               <a:rPr lang="en-US" altLang="zh-CN" dirty="0" smtClean="0">
                 <a:sym typeface="Wingdings" pitchFamily="2" charset="2"/>
               </a:rPr>
-              <a:t>{“</a:t>
-            </a:r>
-            <a:r>
-              <a:rPr lang="en-US" altLang="zh-CN" dirty="0" smtClean="0">
-                <a:sym typeface="Wingdings" panose="05000000000000000000" pitchFamily="2" charset="2"/>
-              </a:rPr>
-              <a:t>INTEGER</a:t>
+              <a:t>{“INTEGER</a:t>
             </a:r>
             <a:r>
               <a:rPr lang="zh-CN" altLang="en-US" dirty="0" smtClean="0"/>
@@ -10798,7 +10954,7 @@
     </p:spTree>
     <p:extLst>
       <p:ext uri="{BB962C8B-B14F-4D97-AF65-F5344CB8AC3E}">
-        <p14:creationId xmlns="" xmlns:p14="http://schemas.microsoft.com/office/powerpoint/2010/main" val="3674534974"/>
+        <p14:creationId xmlns:p14="http://schemas.microsoft.com/office/powerpoint/2010/main" xmlns="" val="3674534974"/>
       </p:ext>
     </p:extLst>
   </p:cSld>
@@ -10924,7 +11080,7 @@
         <p:spPr/>
         <p:txBody>
           <a:bodyPr>
-            <a:normAutofit lnSpcReduction="10000"/>
+            <a:normAutofit fontScale="85000" lnSpcReduction="20000"/>
           </a:bodyPr>
           <a:lstStyle/>
           <a:p>
@@ -10983,8 +11139,8 @@
         </p:blipFill>
         <p:spPr>
           <a:xfrm>
-            <a:off x="817071" y="1696995"/>
-            <a:ext cx="7243157" cy="4907579"/>
+            <a:off x="817072" y="1272747"/>
+            <a:ext cx="6677301" cy="3680684"/>
           </a:xfrm>
           <a:prstGeom prst="rect">
             <a:avLst/>
@@ -10994,7 +11150,7 @@
     </p:spTree>
     <p:extLst>
       <p:ext uri="{BB962C8B-B14F-4D97-AF65-F5344CB8AC3E}">
-        <p14:creationId xmlns="" xmlns:p14="http://schemas.microsoft.com/office/powerpoint/2010/main" val="1767821580"/>
+        <p14:creationId xmlns:p14="http://schemas.microsoft.com/office/powerpoint/2010/main" xmlns="" val="1767821580"/>
       </p:ext>
     </p:extLst>
   </p:cSld>
@@ -11041,7 +11197,7 @@
         <p:spPr/>
         <p:txBody>
           <a:bodyPr>
-            <a:normAutofit lnSpcReduction="10000"/>
+            <a:normAutofit fontScale="85000" lnSpcReduction="20000"/>
           </a:bodyPr>
           <a:lstStyle/>
           <a:p>
@@ -11092,8 +11248,8 @@
         </p:blipFill>
         <p:spPr>
           <a:xfrm>
-            <a:off x="266700" y="1767531"/>
-            <a:ext cx="8346343" cy="4130761"/>
+            <a:off x="266701" y="1325649"/>
+            <a:ext cx="7938185" cy="3098071"/>
           </a:xfrm>
           <a:prstGeom prst="rect">
             <a:avLst/>
@@ -11103,7 +11259,7 @@
     </p:spTree>
     <p:extLst>
       <p:ext uri="{BB962C8B-B14F-4D97-AF65-F5344CB8AC3E}">
-        <p14:creationId xmlns="" xmlns:p14="http://schemas.microsoft.com/office/powerpoint/2010/main" val="156102797"/>
+        <p14:creationId xmlns:p14="http://schemas.microsoft.com/office/powerpoint/2010/main" xmlns="" val="156102797"/>
       </p:ext>
     </p:extLst>
   </p:cSld>
@@ -11150,7 +11306,7 @@
         <p:spPr/>
         <p:txBody>
           <a:bodyPr>
-            <a:normAutofit lnSpcReduction="10000"/>
+            <a:normAutofit fontScale="85000" lnSpcReduction="20000"/>
           </a:bodyPr>
           <a:lstStyle/>
           <a:p>
@@ -11178,52 +11334,52 @@
           <a:lstStyle/>
           <a:p>
             <a:r>
-              <a:rPr lang="zh-CN" altLang="en-US"/>
+              <a:rPr lang="zh-CN" altLang="en-US" dirty="0"/>
               <a:t>对象</a:t>
             </a:r>
             <a:r>
-              <a:rPr lang="zh-CN" altLang="en-US" smtClean="0"/>
+              <a:rPr lang="zh-CN" altLang="en-US" dirty="0" smtClean="0"/>
               <a:t>名</a:t>
             </a:r>
             <a:r>
-              <a:rPr lang="en-US" altLang="zh-CN" smtClean="0"/>
+              <a:rPr lang="en-US" altLang="zh-CN" dirty="0" smtClean="0"/>
               <a:t> + </a:t>
             </a:r>
             <a:r>
-              <a:rPr lang="zh-CN" altLang="en-US" smtClean="0"/>
+              <a:rPr lang="zh-CN" altLang="en-US" dirty="0" smtClean="0"/>
               <a:t>字段名 </a:t>
             </a:r>
             <a:r>
-              <a:rPr lang="en-US" altLang="zh-CN" smtClean="0"/>
+              <a:rPr lang="en-US" altLang="zh-CN" dirty="0" smtClean="0"/>
               <a:t>+ </a:t>
             </a:r>
             <a:r>
-              <a:rPr lang="zh-CN" altLang="en-US" smtClean="0"/>
+              <a:rPr lang="zh-CN" altLang="en-US" dirty="0" smtClean="0"/>
               <a:t>类型名 </a:t>
             </a:r>
             <a:r>
-              <a:rPr lang="en-US" altLang="zh-CN" smtClean="0">
+              <a:rPr lang="en-US" altLang="zh-CN" dirty="0" smtClean="0">
                 <a:sym typeface="Wingdings" panose="05000000000000000000" pitchFamily="2" charset="2"/>
               </a:rPr>
               <a:t></a:t>
             </a:r>
             <a:r>
-              <a:rPr lang="en-US" altLang="zh-CN" smtClean="0"/>
+              <a:rPr lang="en-US" altLang="zh-CN" dirty="0" smtClean="0"/>
               <a:t> </a:t>
             </a:r>
             <a:r>
-              <a:rPr lang="zh-CN" altLang="en-US" smtClean="0"/>
+              <a:rPr lang="zh-CN" altLang="en-US" dirty="0" smtClean="0"/>
               <a:t>自动生成</a:t>
             </a:r>
             <a:r>
-              <a:rPr lang="en-US" altLang="zh-CN" smtClean="0"/>
+              <a:rPr lang="en-US" altLang="zh-CN" dirty="0" err="1" smtClean="0"/>
               <a:t>sql</a:t>
             </a:r>
             <a:r>
-              <a:rPr lang="zh-CN" altLang="en-US" smtClean="0"/>
+              <a:rPr lang="zh-CN" altLang="en-US" dirty="0" smtClean="0"/>
               <a:t>语句</a:t>
             </a:r>
-            <a:endParaRPr lang="zh-CN" altLang="en-US"/>
+            <a:endParaRPr lang="zh-CN" altLang="en-US" dirty="0"/>
           </a:p>
         </p:txBody>
       </p:sp>
@@ -11235,8 +11391,8 @@
         </p:nvSpPr>
         <p:spPr>
           <a:xfrm>
-            <a:off x="1481815" y="1698408"/>
-            <a:ext cx="4310743" cy="1754326"/>
+            <a:off x="1481816" y="1273806"/>
+            <a:ext cx="4310743" cy="1384995"/>
           </a:xfrm>
           <a:prstGeom prst="rect">
             <a:avLst/>
@@ -11249,299 +11405,352 @@
           <a:lstStyle/>
           <a:p>
             <a:r>
-              <a:rPr lang="en-US" altLang="zh-CN" err="1">
+              <a:rPr lang="en-US" altLang="zh-CN" sz="1400" dirty="0" err="1">
                 <a:solidFill>
                   <a:srgbClr val="0000FF"/>
                 </a:solidFill>
                 <a:highlight>
                   <a:srgbClr val="FFFFFF"/>
                 </a:highlight>
-                <a:latin typeface="新宋体" panose="02010609030101010101" pitchFamily="49" charset="-122"/>
-                <a:ea typeface="新宋体" panose="02010609030101010101" pitchFamily="49" charset="-122"/>
+                <a:latin typeface="DejaVu Sans Mono" pitchFamily="49" charset="0"/>
+                <a:ea typeface="DejaVu Sans Mono" pitchFamily="49" charset="0"/>
+                <a:cs typeface="DejaVu Sans Mono" pitchFamily="49" charset="0"/>
               </a:rPr>
               <a:t>struct</a:t>
             </a:r>
             <a:r>
-              <a:rPr lang="en-US" altLang="zh-CN">
+              <a:rPr lang="en-US" altLang="zh-CN" sz="1400" dirty="0">
                 <a:solidFill>
                   <a:srgbClr val="000000"/>
                 </a:solidFill>
                 <a:highlight>
                   <a:srgbClr val="FFFFFF"/>
                 </a:highlight>
-                <a:latin typeface="新宋体" panose="02010609030101010101" pitchFamily="49" charset="-122"/>
-                <a:ea typeface="新宋体" panose="02010609030101010101" pitchFamily="49" charset="-122"/>
+                <a:latin typeface="DejaVu Sans Mono" pitchFamily="49" charset="0"/>
+                <a:ea typeface="DejaVu Sans Mono" pitchFamily="49" charset="0"/>
+                <a:cs typeface="DejaVu Sans Mono" pitchFamily="49" charset="0"/>
               </a:rPr>
               <a:t> </a:t>
             </a:r>
             <a:r>
-              <a:rPr lang="en-US" altLang="zh-CN" smtClean="0">
+              <a:rPr lang="en-US" altLang="zh-CN" sz="1400" dirty="0" smtClean="0">
                 <a:solidFill>
                   <a:srgbClr val="2B91AF"/>
                 </a:solidFill>
                 <a:highlight>
                   <a:srgbClr val="FFFFFF"/>
                 </a:highlight>
-                <a:latin typeface="新宋体" panose="02010609030101010101" pitchFamily="49" charset="-122"/>
-                <a:ea typeface="新宋体" panose="02010609030101010101" pitchFamily="49" charset="-122"/>
+                <a:latin typeface="DejaVu Sans Mono" pitchFamily="49" charset="0"/>
+                <a:ea typeface="DejaVu Sans Mono" pitchFamily="49" charset="0"/>
+                <a:cs typeface="DejaVu Sans Mono" pitchFamily="49" charset="0"/>
               </a:rPr>
               <a:t>person</a:t>
             </a:r>
             <a:r>
-              <a:rPr lang="en-US" altLang="zh-CN" smtClean="0">
+              <a:rPr lang="en-US" altLang="zh-CN" sz="1400" dirty="0" smtClean="0">
                 <a:solidFill>
                   <a:srgbClr val="000000"/>
                 </a:solidFill>
                 <a:highlight>
                   <a:srgbClr val="FFFFFF"/>
                 </a:highlight>
-                <a:latin typeface="新宋体" panose="02010609030101010101" pitchFamily="49" charset="-122"/>
-                <a:ea typeface="新宋体" panose="02010609030101010101" pitchFamily="49" charset="-122"/>
+                <a:latin typeface="DejaVu Sans Mono" pitchFamily="49" charset="0"/>
+                <a:ea typeface="DejaVu Sans Mono" pitchFamily="49" charset="0"/>
+                <a:cs typeface="DejaVu Sans Mono" pitchFamily="49" charset="0"/>
               </a:rPr>
               <a:t> {</a:t>
             </a:r>
           </a:p>
           <a:p>
             <a:r>
-              <a:rPr lang="en-US" altLang="zh-CN" smtClean="0">
+              <a:rPr lang="en-US" altLang="zh-CN" sz="1400" dirty="0" smtClean="0">
                 <a:solidFill>
                   <a:srgbClr val="000000"/>
                 </a:solidFill>
                 <a:highlight>
                   <a:srgbClr val="FFFFFF"/>
                 </a:highlight>
-                <a:latin typeface="新宋体" panose="02010609030101010101" pitchFamily="49" charset="-122"/>
-                <a:ea typeface="新宋体" panose="02010609030101010101" pitchFamily="49" charset="-122"/>
-              </a:rPr>
-              <a:t>    int id;</a:t>
-            </a:r>
-            <a:endParaRPr lang="en-US" altLang="zh-CN" dirty="0">
+                <a:latin typeface="DejaVu Sans Mono" pitchFamily="49" charset="0"/>
+                <a:ea typeface="DejaVu Sans Mono" pitchFamily="49" charset="0"/>
+                <a:cs typeface="DejaVu Sans Mono" pitchFamily="49" charset="0"/>
+              </a:rPr>
+              <a:t>    </a:t>
+            </a:r>
+            <a:r>
+              <a:rPr lang="en-US" altLang="zh-CN" sz="1400" dirty="0" err="1" smtClean="0">
+                <a:solidFill>
+                  <a:srgbClr val="000000"/>
+                </a:solidFill>
+                <a:highlight>
+                  <a:srgbClr val="FFFFFF"/>
+                </a:highlight>
+                <a:latin typeface="DejaVu Sans Mono" pitchFamily="49" charset="0"/>
+                <a:ea typeface="DejaVu Sans Mono" pitchFamily="49" charset="0"/>
+                <a:cs typeface="DejaVu Sans Mono" pitchFamily="49" charset="0"/>
+              </a:rPr>
+              <a:t>int</a:t>
+            </a:r>
+            <a:r>
+              <a:rPr lang="en-US" altLang="zh-CN" sz="1400" dirty="0" smtClean="0">
+                <a:solidFill>
+                  <a:srgbClr val="000000"/>
+                </a:solidFill>
+                <a:highlight>
+                  <a:srgbClr val="FFFFFF"/>
+                </a:highlight>
+                <a:latin typeface="DejaVu Sans Mono" pitchFamily="49" charset="0"/>
+                <a:ea typeface="DejaVu Sans Mono" pitchFamily="49" charset="0"/>
+                <a:cs typeface="DejaVu Sans Mono" pitchFamily="49" charset="0"/>
+              </a:rPr>
+              <a:t> id;</a:t>
+            </a:r>
+            <a:endParaRPr lang="en-US" altLang="zh-CN" sz="1400" dirty="0">
               <a:solidFill>
                 <a:srgbClr val="000000"/>
               </a:solidFill>
               <a:highlight>
                 <a:srgbClr val="FFFFFF"/>
               </a:highlight>
-              <a:latin typeface="新宋体" panose="02010609030101010101" pitchFamily="49" charset="-122"/>
-              <a:ea typeface="新宋体" panose="02010609030101010101" pitchFamily="49" charset="-122"/>
+              <a:latin typeface="DejaVu Sans Mono" pitchFamily="49" charset="0"/>
+              <a:ea typeface="DejaVu Sans Mono" pitchFamily="49" charset="0"/>
+              <a:cs typeface="DejaVu Sans Mono" pitchFamily="49" charset="0"/>
             </a:endParaRPr>
           </a:p>
           <a:p>
             <a:r>
-              <a:rPr lang="en-US" altLang="zh-CN" dirty="0" smtClean="0">
+              <a:rPr lang="en-US" altLang="zh-CN" sz="1400" dirty="0" smtClean="0">
                 <a:solidFill>
                   <a:srgbClr val="000000"/>
                 </a:solidFill>
                 <a:highlight>
                   <a:srgbClr val="FFFFFF"/>
                 </a:highlight>
-                <a:latin typeface="新宋体" panose="02010609030101010101" pitchFamily="49" charset="-122"/>
-                <a:ea typeface="新宋体" panose="02010609030101010101" pitchFamily="49" charset="-122"/>
+                <a:latin typeface="DejaVu Sans Mono" pitchFamily="49" charset="0"/>
+                <a:ea typeface="DejaVu Sans Mono" pitchFamily="49" charset="0"/>
+                <a:cs typeface="DejaVu Sans Mono" pitchFamily="49" charset="0"/>
               </a:rPr>
               <a:t>    </a:t>
             </a:r>
             <a:r>
-              <a:rPr lang="en-US" altLang="zh-CN" dirty="0" err="1" smtClean="0">
+              <a:rPr lang="en-US" altLang="zh-CN" sz="1400" dirty="0" err="1" smtClean="0">
                 <a:solidFill>
                   <a:srgbClr val="000000"/>
                 </a:solidFill>
                 <a:highlight>
                   <a:srgbClr val="FFFFFF"/>
                 </a:highlight>
-                <a:latin typeface="新宋体" panose="02010609030101010101" pitchFamily="49" charset="-122"/>
-                <a:ea typeface="新宋体" panose="02010609030101010101" pitchFamily="49" charset="-122"/>
+                <a:latin typeface="DejaVu Sans Mono" pitchFamily="49" charset="0"/>
+                <a:ea typeface="DejaVu Sans Mono" pitchFamily="49" charset="0"/>
+                <a:cs typeface="DejaVu Sans Mono" pitchFamily="49" charset="0"/>
               </a:rPr>
               <a:t>std</a:t>
             </a:r>
             <a:r>
-              <a:rPr lang="en-US" altLang="zh-CN" dirty="0">
+              <a:rPr lang="en-US" altLang="zh-CN" sz="1400" dirty="0">
                 <a:solidFill>
                   <a:srgbClr val="000000"/>
                 </a:solidFill>
                 <a:highlight>
                   <a:srgbClr val="FFFFFF"/>
                 </a:highlight>
-                <a:latin typeface="新宋体" panose="02010609030101010101" pitchFamily="49" charset="-122"/>
-                <a:ea typeface="新宋体" panose="02010609030101010101" pitchFamily="49" charset="-122"/>
+                <a:latin typeface="DejaVu Sans Mono" pitchFamily="49" charset="0"/>
+                <a:ea typeface="DejaVu Sans Mono" pitchFamily="49" charset="0"/>
+                <a:cs typeface="DejaVu Sans Mono" pitchFamily="49" charset="0"/>
               </a:rPr>
               <a:t>::</a:t>
             </a:r>
             <a:r>
-              <a:rPr lang="en-US" altLang="zh-CN" dirty="0">
+              <a:rPr lang="en-US" altLang="zh-CN" sz="1400" dirty="0">
                 <a:solidFill>
                   <a:srgbClr val="2B91AF"/>
                 </a:solidFill>
                 <a:highlight>
                   <a:srgbClr val="FFFFFF"/>
                 </a:highlight>
-                <a:latin typeface="新宋体" panose="02010609030101010101" pitchFamily="49" charset="-122"/>
-                <a:ea typeface="新宋体" panose="02010609030101010101" pitchFamily="49" charset="-122"/>
+                <a:latin typeface="DejaVu Sans Mono" pitchFamily="49" charset="0"/>
+                <a:ea typeface="DejaVu Sans Mono" pitchFamily="49" charset="0"/>
+                <a:cs typeface="DejaVu Sans Mono" pitchFamily="49" charset="0"/>
               </a:rPr>
               <a:t>string</a:t>
             </a:r>
             <a:r>
-              <a:rPr lang="en-US" altLang="zh-CN" dirty="0">
+              <a:rPr lang="en-US" altLang="zh-CN" sz="1400" dirty="0">
                 <a:solidFill>
                   <a:srgbClr val="000000"/>
                 </a:solidFill>
                 <a:highlight>
                   <a:srgbClr val="FFFFFF"/>
                 </a:highlight>
-                <a:latin typeface="新宋体" panose="02010609030101010101" pitchFamily="49" charset="-122"/>
-                <a:ea typeface="新宋体" panose="02010609030101010101" pitchFamily="49" charset="-122"/>
+                <a:latin typeface="DejaVu Sans Mono" pitchFamily="49" charset="0"/>
+                <a:ea typeface="DejaVu Sans Mono" pitchFamily="49" charset="0"/>
+                <a:cs typeface="DejaVu Sans Mono" pitchFamily="49" charset="0"/>
               </a:rPr>
               <a:t> name;</a:t>
             </a:r>
           </a:p>
           <a:p>
             <a:r>
-              <a:rPr lang="en-US" altLang="zh-CN" dirty="0" smtClean="0">
+              <a:rPr lang="en-US" altLang="zh-CN" sz="1400" dirty="0" smtClean="0">
                 <a:solidFill>
                   <a:srgbClr val="0000FF"/>
                 </a:solidFill>
                 <a:highlight>
                   <a:srgbClr val="FFFFFF"/>
                 </a:highlight>
-                <a:latin typeface="新宋体" panose="02010609030101010101" pitchFamily="49" charset="-122"/>
-                <a:ea typeface="新宋体" panose="02010609030101010101" pitchFamily="49" charset="-122"/>
+                <a:latin typeface="DejaVu Sans Mono" pitchFamily="49" charset="0"/>
+                <a:ea typeface="DejaVu Sans Mono" pitchFamily="49" charset="0"/>
+                <a:cs typeface="DejaVu Sans Mono" pitchFamily="49" charset="0"/>
               </a:rPr>
               <a:t>    </a:t>
             </a:r>
             <a:r>
-              <a:rPr lang="en-US" altLang="zh-CN" dirty="0" err="1" smtClean="0">
+              <a:rPr lang="en-US" altLang="zh-CN" sz="1400" dirty="0" err="1" smtClean="0">
                 <a:solidFill>
                   <a:srgbClr val="0000FF"/>
                 </a:solidFill>
                 <a:highlight>
                   <a:srgbClr val="FFFFFF"/>
                 </a:highlight>
-                <a:latin typeface="新宋体" panose="02010609030101010101" pitchFamily="49" charset="-122"/>
-                <a:ea typeface="新宋体" panose="02010609030101010101" pitchFamily="49" charset="-122"/>
+                <a:latin typeface="DejaVu Sans Mono" pitchFamily="49" charset="0"/>
+                <a:ea typeface="DejaVu Sans Mono" pitchFamily="49" charset="0"/>
+                <a:cs typeface="DejaVu Sans Mono" pitchFamily="49" charset="0"/>
               </a:rPr>
               <a:t>int</a:t>
             </a:r>
             <a:r>
-              <a:rPr lang="en-US" altLang="zh-CN" dirty="0" smtClean="0">
+              <a:rPr lang="en-US" altLang="zh-CN" sz="1400" dirty="0" smtClean="0">
                 <a:solidFill>
                   <a:srgbClr val="000000"/>
                 </a:solidFill>
                 <a:highlight>
                   <a:srgbClr val="FFFFFF"/>
                 </a:highlight>
-                <a:latin typeface="新宋体" panose="02010609030101010101" pitchFamily="49" charset="-122"/>
-                <a:ea typeface="新宋体" panose="02010609030101010101" pitchFamily="49" charset="-122"/>
+                <a:latin typeface="DejaVu Sans Mono" pitchFamily="49" charset="0"/>
+                <a:ea typeface="DejaVu Sans Mono" pitchFamily="49" charset="0"/>
+                <a:cs typeface="DejaVu Sans Mono" pitchFamily="49" charset="0"/>
               </a:rPr>
               <a:t> </a:t>
             </a:r>
             <a:r>
-              <a:rPr lang="en-US" altLang="zh-CN" dirty="0">
+              <a:rPr lang="en-US" altLang="zh-CN" sz="1400" dirty="0">
                 <a:solidFill>
                   <a:srgbClr val="000000"/>
                 </a:solidFill>
                 <a:highlight>
                   <a:srgbClr val="FFFFFF"/>
                 </a:highlight>
-                <a:latin typeface="新宋体" panose="02010609030101010101" pitchFamily="49" charset="-122"/>
-                <a:ea typeface="新宋体" panose="02010609030101010101" pitchFamily="49" charset="-122"/>
+                <a:latin typeface="DejaVu Sans Mono" pitchFamily="49" charset="0"/>
+                <a:ea typeface="DejaVu Sans Mono" pitchFamily="49" charset="0"/>
+                <a:cs typeface="DejaVu Sans Mono" pitchFamily="49" charset="0"/>
               </a:rPr>
               <a:t>age;</a:t>
             </a:r>
           </a:p>
           <a:p>
             <a:r>
-              <a:rPr lang="en-US" altLang="zh-CN" dirty="0">
+              <a:rPr lang="en-US" altLang="zh-CN" sz="1400" dirty="0">
                 <a:solidFill>
                   <a:srgbClr val="000000"/>
                 </a:solidFill>
                 <a:highlight>
                   <a:srgbClr val="FFFFFF"/>
                 </a:highlight>
-                <a:latin typeface="新宋体" panose="02010609030101010101" pitchFamily="49" charset="-122"/>
-                <a:ea typeface="新宋体" panose="02010609030101010101" pitchFamily="49" charset="-122"/>
+                <a:latin typeface="DejaVu Sans Mono" pitchFamily="49" charset="0"/>
+                <a:ea typeface="DejaVu Sans Mono" pitchFamily="49" charset="0"/>
+                <a:cs typeface="DejaVu Sans Mono" pitchFamily="49" charset="0"/>
               </a:rPr>
               <a:t>};</a:t>
             </a:r>
           </a:p>
           <a:p>
             <a:r>
-              <a:rPr lang="en-US" altLang="zh-CN" smtClean="0">
+              <a:rPr lang="en-US" altLang="zh-CN" sz="1400" dirty="0" smtClean="0">
                 <a:solidFill>
                   <a:srgbClr val="6F008A"/>
                 </a:solidFill>
                 <a:highlight>
                   <a:srgbClr val="FFFFFF"/>
                 </a:highlight>
-                <a:latin typeface="新宋体" panose="02010609030101010101" pitchFamily="49" charset="-122"/>
-                <a:ea typeface="新宋体" panose="02010609030101010101" pitchFamily="49" charset="-122"/>
+                <a:latin typeface="DejaVu Sans Mono" pitchFamily="49" charset="0"/>
+                <a:ea typeface="DejaVu Sans Mono" pitchFamily="49" charset="0"/>
+                <a:cs typeface="DejaVu Sans Mono" pitchFamily="49" charset="0"/>
               </a:rPr>
               <a:t>REFLECTION</a:t>
             </a:r>
             <a:r>
-              <a:rPr lang="en-US" altLang="zh-CN" smtClean="0">
+              <a:rPr lang="en-US" altLang="zh-CN" sz="1400" dirty="0" smtClean="0">
                 <a:solidFill>
                   <a:srgbClr val="000000"/>
                 </a:solidFill>
                 <a:highlight>
                   <a:srgbClr val="FFFFFF"/>
                 </a:highlight>
-                <a:latin typeface="新宋体" panose="02010609030101010101" pitchFamily="49" charset="-122"/>
-                <a:ea typeface="新宋体" panose="02010609030101010101" pitchFamily="49" charset="-122"/>
+                <a:latin typeface="DejaVu Sans Mono" pitchFamily="49" charset="0"/>
+                <a:ea typeface="DejaVu Sans Mono" pitchFamily="49" charset="0"/>
+                <a:cs typeface="DejaVu Sans Mono" pitchFamily="49" charset="0"/>
               </a:rPr>
               <a:t>(</a:t>
             </a:r>
             <a:r>
-              <a:rPr lang="en-US" altLang="zh-CN" smtClean="0">
+              <a:rPr lang="en-US" altLang="zh-CN" sz="1400" dirty="0" smtClean="0">
                 <a:solidFill>
                   <a:srgbClr val="2B91AF"/>
                 </a:solidFill>
                 <a:highlight>
                   <a:srgbClr val="FFFFFF"/>
                 </a:highlight>
-                <a:latin typeface="新宋体" panose="02010609030101010101" pitchFamily="49" charset="-122"/>
-                <a:ea typeface="新宋体" panose="02010609030101010101" pitchFamily="49" charset="-122"/>
+                <a:latin typeface="DejaVu Sans Mono" pitchFamily="49" charset="0"/>
+                <a:ea typeface="DejaVu Sans Mono" pitchFamily="49" charset="0"/>
+                <a:cs typeface="DejaVu Sans Mono" pitchFamily="49" charset="0"/>
               </a:rPr>
               <a:t>person</a:t>
             </a:r>
             <a:r>
-              <a:rPr lang="en-US" altLang="zh-CN">
+              <a:rPr lang="en-US" altLang="zh-CN" sz="1400" dirty="0">
                 <a:solidFill>
                   <a:srgbClr val="000000"/>
                 </a:solidFill>
                 <a:highlight>
                   <a:srgbClr val="FFFFFF"/>
                 </a:highlight>
-                <a:latin typeface="新宋体" panose="02010609030101010101" pitchFamily="49" charset="-122"/>
-                <a:ea typeface="新宋体" panose="02010609030101010101" pitchFamily="49" charset="-122"/>
+                <a:latin typeface="DejaVu Sans Mono" pitchFamily="49" charset="0"/>
+                <a:ea typeface="DejaVu Sans Mono" pitchFamily="49" charset="0"/>
+                <a:cs typeface="DejaVu Sans Mono" pitchFamily="49" charset="0"/>
               </a:rPr>
               <a:t>, </a:t>
             </a:r>
             <a:r>
-              <a:rPr lang="en-US" altLang="zh-CN" smtClean="0">
+              <a:rPr lang="en-US" altLang="zh-CN" sz="1400" dirty="0" smtClean="0">
                 <a:solidFill>
                   <a:srgbClr val="000000"/>
                 </a:solidFill>
                 <a:highlight>
                   <a:srgbClr val="FFFFFF"/>
                 </a:highlight>
-                <a:latin typeface="新宋体" panose="02010609030101010101" pitchFamily="49" charset="-122"/>
-                <a:ea typeface="新宋体" panose="02010609030101010101" pitchFamily="49" charset="-122"/>
+                <a:latin typeface="DejaVu Sans Mono" pitchFamily="49" charset="0"/>
+                <a:ea typeface="DejaVu Sans Mono" pitchFamily="49" charset="0"/>
+                <a:cs typeface="DejaVu Sans Mono" pitchFamily="49" charset="0"/>
               </a:rPr>
               <a:t>id, name</a:t>
             </a:r>
             <a:r>
-              <a:rPr lang="en-US" altLang="zh-CN" dirty="0">
+              <a:rPr lang="en-US" altLang="zh-CN" sz="1400" dirty="0">
                 <a:solidFill>
                   <a:srgbClr val="000000"/>
                 </a:solidFill>
                 <a:highlight>
                   <a:srgbClr val="FFFFFF"/>
                 </a:highlight>
-                <a:latin typeface="新宋体" panose="02010609030101010101" pitchFamily="49" charset="-122"/>
-                <a:ea typeface="新宋体" panose="02010609030101010101" pitchFamily="49" charset="-122"/>
+                <a:latin typeface="DejaVu Sans Mono" pitchFamily="49" charset="0"/>
+                <a:ea typeface="DejaVu Sans Mono" pitchFamily="49" charset="0"/>
+                <a:cs typeface="DejaVu Sans Mono" pitchFamily="49" charset="0"/>
               </a:rPr>
               <a:t>, age)</a:t>
             </a:r>
-            <a:endParaRPr lang="zh-CN" altLang="en-US" dirty="0"/>
+            <a:endParaRPr lang="zh-CN" altLang="en-US" sz="1400" dirty="0">
+              <a:latin typeface="DejaVu Sans Mono" pitchFamily="49" charset="0"/>
+              <a:cs typeface="DejaVu Sans Mono" pitchFamily="49" charset="0"/>
+            </a:endParaRPr>
           </a:p>
         </p:txBody>
       </p:sp>
@@ -11553,8 +11762,8 @@
         </p:nvSpPr>
         <p:spPr>
           <a:xfrm>
-            <a:off x="1481815" y="3605320"/>
-            <a:ext cx="6089359" cy="369332"/>
+            <a:off x="1481816" y="2703990"/>
+            <a:ext cx="4085542" cy="307777"/>
           </a:xfrm>
           <a:prstGeom prst="rect">
             <a:avLst/>
@@ -11567,30 +11776,30 @@
           <a:lstStyle/>
           <a:p>
             <a:r>
-              <a:rPr lang="zh-CN" altLang="en-US" smtClean="0"/>
+              <a:rPr lang="zh-CN" altLang="en-US" sz="1400" dirty="0" smtClean="0"/>
               <a:t>"</a:t>
             </a:r>
             <a:r>
-              <a:rPr lang="zh-CN" altLang="en-US"/>
+              <a:rPr lang="zh-CN" altLang="en-US" sz="1400" dirty="0"/>
               <a:t> CREATE TABLE person ( id INT</a:t>
             </a:r>
             <a:r>
-              <a:rPr lang="en-US" altLang="zh-CN"/>
+              <a:rPr lang="en-US" altLang="zh-CN" sz="1400" dirty="0"/>
               <a:t>, </a:t>
             </a:r>
             <a:r>
-              <a:rPr lang="zh-CN" altLang="en-US"/>
+              <a:rPr lang="zh-CN" altLang="en-US" sz="1400" dirty="0"/>
               <a:t>name TEXT, age </a:t>
             </a:r>
             <a:r>
-              <a:rPr lang="en-US" altLang="zh-CN" smtClean="0"/>
+              <a:rPr lang="en-US" altLang="zh-CN" sz="1400" dirty="0" smtClean="0"/>
               <a:t>INT</a:t>
             </a:r>
             <a:r>
-              <a:rPr lang="zh-CN" altLang="en-US" smtClean="0"/>
+              <a:rPr lang="zh-CN" altLang="en-US" sz="1400" dirty="0" smtClean="0"/>
               <a:t>) "</a:t>
             </a:r>
-            <a:endParaRPr lang="zh-CN" altLang="en-US"/>
+            <a:endParaRPr lang="zh-CN" altLang="en-US" sz="1400" dirty="0"/>
           </a:p>
         </p:txBody>
       </p:sp>
@@ -11610,8 +11819,8 @@
         </p:blipFill>
         <p:spPr>
           <a:xfrm>
-            <a:off x="678875" y="4147362"/>
-            <a:ext cx="7695238" cy="847619"/>
+            <a:off x="678875" y="3110521"/>
+            <a:ext cx="6827855" cy="689181"/>
           </a:xfrm>
           <a:prstGeom prst="rect">
             <a:avLst/>
@@ -11626,8 +11835,8 @@
         </p:nvSpPr>
         <p:spPr>
           <a:xfrm>
-            <a:off x="678875" y="4994981"/>
-            <a:ext cx="7481535" cy="369332"/>
+            <a:off x="685054" y="3808020"/>
+            <a:ext cx="7336945" cy="369332"/>
           </a:xfrm>
           <a:prstGeom prst="rect">
             <a:avLst/>
@@ -11640,22 +11849,30 @@
           <a:lstStyle/>
           <a:p>
             <a:r>
-              <a:rPr lang="zh-CN" altLang="en-US"/>
+              <a:rPr lang="zh-CN" altLang="en-US" dirty="0"/>
               <a:t>只需</a:t>
             </a:r>
             <a:r>
-              <a:rPr lang="zh-CN" altLang="en-US" smtClean="0"/>
+              <a:rPr lang="zh-CN" altLang="en-US" dirty="0" smtClean="0"/>
               <a:t>要一个对象类型就可以自动生成创建语句</a:t>
             </a:r>
             <a:r>
-              <a:rPr lang="en-US" altLang="zh-CN" smtClean="0"/>
-              <a:t>, insert,update,delete </a:t>
-            </a:r>
-            <a:r>
-              <a:rPr lang="zh-CN" altLang="en-US" smtClean="0"/>
+              <a:rPr lang="en-US" altLang="zh-CN" dirty="0" smtClean="0"/>
+              <a:t>, </a:t>
+            </a:r>
+            <a:r>
+              <a:rPr lang="en-US" altLang="zh-CN" dirty="0" err="1" smtClean="0"/>
+              <a:t>insert,update,delete</a:t>
+            </a:r>
+            <a:r>
+              <a:rPr lang="en-US" altLang="zh-CN" dirty="0" smtClean="0"/>
+              <a:t> </a:t>
+            </a:r>
+            <a:r>
+              <a:rPr lang="zh-CN" altLang="en-US" dirty="0" smtClean="0"/>
               <a:t>类似</a:t>
             </a:r>
-            <a:endParaRPr lang="zh-CN" altLang="en-US"/>
+            <a:endParaRPr lang="zh-CN" altLang="en-US" dirty="0"/>
           </a:p>
         </p:txBody>
       </p:sp>
@@ -11667,8 +11884,8 @@
         </p:nvSpPr>
         <p:spPr>
           <a:xfrm>
-            <a:off x="2095437" y="5549198"/>
-            <a:ext cx="4802918" cy="461665"/>
+            <a:off x="2095437" y="4161899"/>
+            <a:ext cx="4340291" cy="461665"/>
           </a:xfrm>
           <a:prstGeom prst="rect">
             <a:avLst/>
@@ -11739,7 +11956,7 @@
     </p:spTree>
     <p:extLst>
       <p:ext uri="{BB962C8B-B14F-4D97-AF65-F5344CB8AC3E}">
-        <p14:creationId xmlns="" xmlns:p14="http://schemas.microsoft.com/office/powerpoint/2010/main" val="1320338770"/>
+        <p14:creationId xmlns:p14="http://schemas.microsoft.com/office/powerpoint/2010/main" xmlns="" val="1320338770"/>
       </p:ext>
     </p:extLst>
   </p:cSld>
@@ -12168,7 +12385,7 @@
         <p:spPr/>
         <p:txBody>
           <a:bodyPr>
-            <a:normAutofit lnSpcReduction="10000"/>
+            <a:normAutofit fontScale="85000" lnSpcReduction="20000"/>
           </a:bodyPr>
           <a:lstStyle/>
           <a:p>
@@ -12216,8 +12433,8 @@
         </p:blipFill>
         <p:spPr bwMode="auto">
           <a:xfrm>
-            <a:off x="1829061" y="1666010"/>
-            <a:ext cx="5286375" cy="2362200"/>
+            <a:off x="1829063" y="1249508"/>
+            <a:ext cx="5158684" cy="1771650"/>
           </a:xfrm>
           <a:prstGeom prst="rect">
             <a:avLst/>
@@ -12249,8 +12466,8 @@
         </p:blipFill>
         <p:spPr bwMode="auto">
           <a:xfrm>
-            <a:off x="1359477" y="4441941"/>
-            <a:ext cx="6589713" cy="933450"/>
+            <a:off x="1359479" y="3331456"/>
+            <a:ext cx="6178143" cy="758630"/>
           </a:xfrm>
           <a:prstGeom prst="rect">
             <a:avLst/>
@@ -12310,7 +12527,7 @@
         <p:spPr/>
         <p:txBody>
           <a:bodyPr>
-            <a:normAutofit lnSpcReduction="10000"/>
+            <a:normAutofit fontScale="85000" lnSpcReduction="20000"/>
           </a:bodyPr>
           <a:lstStyle/>
           <a:p>
@@ -12366,8 +12583,8 @@
         </p:blipFill>
         <p:spPr bwMode="auto">
           <a:xfrm>
-            <a:off x="1464772" y="1850102"/>
-            <a:ext cx="5981700" cy="2343150"/>
+            <a:off x="1464772" y="1387576"/>
+            <a:ext cx="5708325" cy="1825181"/>
           </a:xfrm>
           <a:prstGeom prst="rect">
             <a:avLst/>
@@ -12427,7 +12644,7 @@
         <p:spPr/>
         <p:txBody>
           <a:bodyPr>
-            <a:normAutofit lnSpcReduction="10000"/>
+            <a:normAutofit fontScale="85000" lnSpcReduction="20000"/>
           </a:bodyPr>
           <a:lstStyle/>
           <a:p>
@@ -12486,8 +12703,8 @@
         </p:blipFill>
         <p:spPr bwMode="auto">
           <a:xfrm>
-            <a:off x="1131222" y="1808710"/>
-            <a:ext cx="6780213" cy="4038600"/>
+            <a:off x="1131224" y="1356532"/>
+            <a:ext cx="6239582" cy="3079543"/>
           </a:xfrm>
           <a:prstGeom prst="rect">
             <a:avLst/>
@@ -12547,7 +12764,7 @@
         <p:spPr/>
         <p:txBody>
           <a:bodyPr>
-            <a:normAutofit lnSpcReduction="10000"/>
+            <a:normAutofit fontScale="85000" lnSpcReduction="20000"/>
           </a:bodyPr>
           <a:lstStyle/>
           <a:p>
@@ -12603,8 +12820,8 @@
         </p:blipFill>
         <p:spPr bwMode="auto">
           <a:xfrm>
-            <a:off x="1728874" y="1911148"/>
-            <a:ext cx="5619750" cy="3800475"/>
+            <a:off x="1728874" y="1433362"/>
+            <a:ext cx="5320656" cy="2910038"/>
           </a:xfrm>
           <a:prstGeom prst="rect">
             <a:avLst/>
@@ -12664,7 +12881,7 @@
         <p:spPr/>
         <p:txBody>
           <a:bodyPr>
-            <a:normAutofit lnSpcReduction="10000"/>
+            <a:normAutofit fontScale="85000" lnSpcReduction="20000"/>
           </a:bodyPr>
           <a:lstStyle/>
           <a:p>
@@ -12720,8 +12937,8 @@
         </p:blipFill>
         <p:spPr bwMode="auto">
           <a:xfrm>
-            <a:off x="157942" y="1973494"/>
-            <a:ext cx="8764625" cy="3371590"/>
+            <a:off x="157943" y="1480120"/>
+            <a:ext cx="7719489" cy="2758248"/>
           </a:xfrm>
           <a:prstGeom prst="rect">
             <a:avLst/>
@@ -12781,7 +12998,7 @@
         <p:spPr/>
         <p:txBody>
           <a:bodyPr>
-            <a:normAutofit lnSpcReduction="10000"/>
+            <a:normAutofit fontScale="85000" lnSpcReduction="20000"/>
           </a:bodyPr>
           <a:lstStyle/>
           <a:p>
@@ -12833,8 +13050,8 @@
         </p:blipFill>
         <p:spPr bwMode="auto">
           <a:xfrm>
-            <a:off x="317500" y="3263372"/>
-            <a:ext cx="7542213" cy="1533525"/>
+            <a:off x="317501" y="2447528"/>
+            <a:ext cx="7059483" cy="1240963"/>
           </a:xfrm>
           <a:prstGeom prst="rect">
             <a:avLst/>
@@ -12866,8 +13083,8 @@
         </p:blipFill>
         <p:spPr bwMode="auto">
           <a:xfrm>
-            <a:off x="232756" y="1802753"/>
-            <a:ext cx="8761095" cy="1084013"/>
+            <a:off x="232758" y="1352065"/>
+            <a:ext cx="8336654" cy="813010"/>
           </a:xfrm>
           <a:prstGeom prst="rect">
             <a:avLst/>
@@ -12927,7 +13144,7 @@
         <p:spPr/>
         <p:txBody>
           <a:bodyPr>
-            <a:normAutofit lnSpcReduction="10000"/>
+            <a:normAutofit fontScale="85000" lnSpcReduction="20000"/>
           </a:bodyPr>
           <a:lstStyle/>
           <a:p>
@@ -12983,8 +13200,8 @@
         </p:blipFill>
         <p:spPr bwMode="auto">
           <a:xfrm>
-            <a:off x="2273184" y="1981980"/>
-            <a:ext cx="4381500" cy="466725"/>
+            <a:off x="2273184" y="1486484"/>
+            <a:ext cx="4381500" cy="465883"/>
           </a:xfrm>
           <a:prstGeom prst="rect">
             <a:avLst/>
@@ -13016,8 +13233,8 @@
         </p:blipFill>
         <p:spPr bwMode="auto">
           <a:xfrm>
-            <a:off x="809798" y="2812645"/>
-            <a:ext cx="7389813" cy="2762250"/>
+            <a:off x="809799" y="2195981"/>
+            <a:ext cx="7389813" cy="2196847"/>
           </a:xfrm>
           <a:prstGeom prst="rect">
             <a:avLst/>
@@ -13191,7 +13408,7 @@
         <p:spPr/>
         <p:txBody>
           <a:bodyPr>
-            <a:normAutofit lnSpcReduction="10000"/>
+            <a:normAutofit fontScale="85000" lnSpcReduction="20000"/>
           </a:bodyPr>
           <a:lstStyle/>
           <a:p>
@@ -13251,8 +13468,8 @@
         </p:blipFill>
         <p:spPr bwMode="auto">
           <a:xfrm>
-            <a:off x="1121699" y="1894783"/>
-            <a:ext cx="6799263" cy="3600450"/>
+            <a:off x="1121700" y="1421086"/>
+            <a:ext cx="6119359" cy="2792567"/>
           </a:xfrm>
           <a:prstGeom prst="rect">
             <a:avLst/>
@@ -13312,7 +13529,7 @@
         <p:spPr/>
         <p:txBody>
           <a:bodyPr>
-            <a:normAutofit lnSpcReduction="10000"/>
+            <a:normAutofit fontScale="85000" lnSpcReduction="20000"/>
           </a:bodyPr>
           <a:lstStyle/>
           <a:p>
@@ -13420,7 +13637,7 @@
         </p:nvSpPr>
         <p:spPr>
           <a:xfrm>
-            <a:off x="842758" y="3676596"/>
+            <a:off x="842759" y="2757447"/>
             <a:ext cx="3959033" cy="677108"/>
           </a:xfrm>
           <a:prstGeom prst="rect">
@@ -13497,7 +13714,7 @@
         <p:spPr/>
         <p:txBody>
           <a:bodyPr>
-            <a:normAutofit lnSpcReduction="10000"/>
+            <a:normAutofit fontScale="85000" lnSpcReduction="20000"/>
           </a:bodyPr>
           <a:lstStyle/>
           <a:p>
@@ -13541,8 +13758,8 @@
         </p:blipFill>
         <p:spPr bwMode="auto">
           <a:xfrm>
-            <a:off x="1812175" y="2136000"/>
-            <a:ext cx="5328687" cy="3489033"/>
+            <a:off x="1812176" y="1602000"/>
+            <a:ext cx="5328687" cy="2616775"/>
           </a:xfrm>
           <a:prstGeom prst="rect">
             <a:avLst/>
@@ -13602,7 +13819,7 @@
         <p:spPr/>
         <p:txBody>
           <a:bodyPr>
-            <a:normAutofit lnSpcReduction="10000"/>
+            <a:normAutofit fontScale="85000" lnSpcReduction="20000"/>
           </a:bodyPr>
           <a:lstStyle/>
           <a:p>
@@ -13708,7 +13925,7 @@
         <p:spPr/>
         <p:txBody>
           <a:bodyPr>
-            <a:normAutofit lnSpcReduction="10000"/>
+            <a:normAutofit fontScale="85000" lnSpcReduction="20000"/>
           </a:bodyPr>
           <a:lstStyle/>
           <a:p>
@@ -13747,7 +13964,7 @@
           <a:blip r:embed="rId2">
             <a:extLst>
               <a:ext uri="{28A0092B-C50C-407E-A947-70E740481C1C}">
-                <a14:useLocalDpi xmlns="" xmlns:a14="http://schemas.microsoft.com/office/drawing/2010/main" val="0"/>
+                <a14:useLocalDpi xmlns:a14="http://schemas.microsoft.com/office/drawing/2010/main" xmlns="" val="0"/>
               </a:ext>
             </a:extLst>
           </a:blip>
@@ -13757,8 +13974,8 @@
         </p:blipFill>
         <p:spPr>
           <a:xfrm>
-            <a:off x="2438400" y="2547937"/>
-            <a:ext cx="4000500" cy="2733675"/>
+            <a:off x="2687595" y="1694710"/>
+            <a:ext cx="3442386" cy="2154420"/>
           </a:xfrm>
           <a:prstGeom prst="rect">
             <a:avLst/>
@@ -13810,7 +14027,7 @@
         <p:spPr/>
         <p:txBody>
           <a:bodyPr>
-            <a:normAutofit lnSpcReduction="10000"/>
+            <a:normAutofit fontScale="85000" lnSpcReduction="20000"/>
           </a:bodyPr>
           <a:lstStyle/>
           <a:p>
@@ -13845,8 +14062,8 @@
         </p:nvSpPr>
         <p:spPr>
           <a:xfrm>
-            <a:off x="290945" y="1346353"/>
-            <a:ext cx="7930342" cy="646331"/>
+            <a:off x="290945" y="1009765"/>
+            <a:ext cx="7930342" cy="584775"/>
           </a:xfrm>
           <a:prstGeom prst="rect">
             <a:avLst/>
@@ -13859,7 +14076,7 @@
           <a:lstStyle/>
           <a:p>
             <a:r>
-              <a:rPr lang="en-US" altLang="zh-CN" dirty="0" err="1" smtClean="0">
+              <a:rPr lang="en-US" altLang="zh-CN" sz="1600" dirty="0" err="1" smtClean="0">
                 <a:latin typeface="DejaVu Sans Mono" pitchFamily="49" charset="0"/>
                 <a:ea typeface="DejaVu Sans Mono" pitchFamily="49" charset="0"/>
                 <a:cs typeface="DejaVu Sans Mono" pitchFamily="49" charset="0"/>
@@ -13867,7 +14084,7 @@
               <a:t>dbng</a:t>
             </a:r>
             <a:r>
-              <a:rPr lang="en-US" altLang="zh-CN" dirty="0" smtClean="0">
+              <a:rPr lang="en-US" altLang="zh-CN" sz="1600" dirty="0" smtClean="0">
                 <a:latin typeface="DejaVu Sans Mono" pitchFamily="49" charset="0"/>
                 <a:ea typeface="DejaVu Sans Mono" pitchFamily="49" charset="0"/>
                 <a:cs typeface="DejaVu Sans Mono" pitchFamily="49" charset="0"/>
@@ -13875,7 +14092,7 @@
               <a:t>&lt;</a:t>
             </a:r>
             <a:r>
-              <a:rPr lang="en-US" altLang="zh-CN" dirty="0" err="1" smtClean="0">
+              <a:rPr lang="en-US" altLang="zh-CN" sz="1600" dirty="0" err="1" smtClean="0">
                 <a:latin typeface="DejaVu Sans Mono" pitchFamily="49" charset="0"/>
                 <a:ea typeface="DejaVu Sans Mono" pitchFamily="49" charset="0"/>
                 <a:cs typeface="DejaVu Sans Mono" pitchFamily="49" charset="0"/>
@@ -13883,7 +14100,7 @@
               <a:t>mysql</a:t>
             </a:r>
             <a:r>
-              <a:rPr lang="en-US" altLang="zh-CN" dirty="0" smtClean="0">
+              <a:rPr lang="en-US" altLang="zh-CN" sz="1600" dirty="0" smtClean="0">
                 <a:latin typeface="DejaVu Sans Mono" pitchFamily="49" charset="0"/>
                 <a:ea typeface="DejaVu Sans Mono" pitchFamily="49" charset="0"/>
                 <a:cs typeface="DejaVu Sans Mono" pitchFamily="49" charset="0"/>
@@ -13891,7 +14108,7 @@
               <a:t>&gt; </a:t>
             </a:r>
             <a:r>
-              <a:rPr lang="en-US" altLang="zh-CN" dirty="0" err="1" smtClean="0">
+              <a:rPr lang="en-US" altLang="zh-CN" sz="1600" dirty="0" err="1" smtClean="0">
                 <a:latin typeface="DejaVu Sans Mono" pitchFamily="49" charset="0"/>
                 <a:ea typeface="DejaVu Sans Mono" pitchFamily="49" charset="0"/>
                 <a:cs typeface="DejaVu Sans Mono" pitchFamily="49" charset="0"/>
@@ -13899,7 +14116,7 @@
               <a:t>mysql</a:t>
             </a:r>
             <a:r>
-              <a:rPr lang="en-US" altLang="zh-CN" dirty="0" smtClean="0">
+              <a:rPr lang="en-US" altLang="zh-CN" sz="1600" dirty="0" smtClean="0">
                 <a:latin typeface="DejaVu Sans Mono" pitchFamily="49" charset="0"/>
                 <a:ea typeface="DejaVu Sans Mono" pitchFamily="49" charset="0"/>
                 <a:cs typeface="DejaVu Sans Mono" pitchFamily="49" charset="0"/>
@@ -13909,7 +14126,7 @@
           </a:p>
           <a:p>
             <a:r>
-              <a:rPr lang="en-US" altLang="zh-CN" dirty="0" err="1" smtClean="0">
+              <a:rPr lang="en-US" altLang="zh-CN" sz="1600" dirty="0" err="1" smtClean="0">
                 <a:latin typeface="DejaVu Sans Mono" pitchFamily="49" charset="0"/>
                 <a:ea typeface="DejaVu Sans Mono" pitchFamily="49" charset="0"/>
                 <a:cs typeface="DejaVu Sans Mono" pitchFamily="49" charset="0"/>
@@ -13917,7 +14134,7 @@
               <a:t>mysql.connect</a:t>
             </a:r>
             <a:r>
-              <a:rPr lang="en-US" altLang="zh-CN" dirty="0" smtClean="0">
+              <a:rPr lang="en-US" altLang="zh-CN" sz="1600" dirty="0" smtClean="0">
                 <a:latin typeface="DejaVu Sans Mono" pitchFamily="49" charset="0"/>
                 <a:ea typeface="DejaVu Sans Mono" pitchFamily="49" charset="0"/>
                 <a:cs typeface="DejaVu Sans Mono" pitchFamily="49" charset="0"/>
@@ -13925,7 +14142,7 @@
               <a:t>("127.0.0.1", "root", "12345", "</a:t>
             </a:r>
             <a:r>
-              <a:rPr lang="en-US" altLang="zh-CN" dirty="0" err="1" smtClean="0">
+              <a:rPr lang="en-US" altLang="zh-CN" sz="1600" dirty="0" err="1" smtClean="0">
                 <a:latin typeface="DejaVu Sans Mono" pitchFamily="49" charset="0"/>
                 <a:ea typeface="DejaVu Sans Mono" pitchFamily="49" charset="0"/>
                 <a:cs typeface="DejaVu Sans Mono" pitchFamily="49" charset="0"/>
@@ -13933,14 +14150,14 @@
               <a:t>testdb</a:t>
             </a:r>
             <a:r>
-              <a:rPr lang="en-US" altLang="zh-CN" dirty="0" smtClean="0">
+              <a:rPr lang="en-US" altLang="zh-CN" sz="1600" dirty="0" smtClean="0">
                 <a:latin typeface="DejaVu Sans Mono" pitchFamily="49" charset="0"/>
                 <a:ea typeface="DejaVu Sans Mono" pitchFamily="49" charset="0"/>
                 <a:cs typeface="DejaVu Sans Mono" pitchFamily="49" charset="0"/>
               </a:rPr>
               <a:t>");</a:t>
             </a:r>
-            <a:endParaRPr lang="zh-CN" altLang="en-US" dirty="0">
+            <a:endParaRPr lang="zh-CN" altLang="en-US" sz="1600" dirty="0">
               <a:latin typeface="DejaVu Sans Mono" pitchFamily="49" charset="0"/>
               <a:cs typeface="DejaVu Sans Mono" pitchFamily="49" charset="0"/>
             </a:endParaRPr>
@@ -13955,8 +14172,8 @@
         </p:nvSpPr>
         <p:spPr>
           <a:xfrm>
-            <a:off x="340821" y="2177625"/>
-            <a:ext cx="7980219" cy="646331"/>
+            <a:off x="340822" y="1633219"/>
+            <a:ext cx="7980219" cy="584775"/>
           </a:xfrm>
           <a:prstGeom prst="rect">
             <a:avLst/>
@@ -13969,7 +14186,7 @@
           <a:lstStyle/>
           <a:p>
             <a:r>
-              <a:rPr lang="en-US" altLang="zh-CN" dirty="0" err="1" smtClean="0">
+              <a:rPr lang="en-US" altLang="zh-CN" sz="1600" dirty="0" err="1" smtClean="0">
                 <a:latin typeface="DejaVu Sans Mono" pitchFamily="49" charset="0"/>
                 <a:ea typeface="DejaVu Sans Mono" pitchFamily="49" charset="0"/>
                 <a:cs typeface="DejaVu Sans Mono" pitchFamily="49" charset="0"/>
@@ -13977,7 +14194,7 @@
               <a:t>mysql.warper_connect</a:t>
             </a:r>
             <a:r>
-              <a:rPr lang="en-US" altLang="zh-CN" dirty="0" smtClean="0">
+              <a:rPr lang="en-US" altLang="zh-CN" sz="1600" dirty="0" smtClean="0">
                 <a:latin typeface="DejaVu Sans Mono" pitchFamily="49" charset="0"/>
                 <a:ea typeface="DejaVu Sans Mono" pitchFamily="49" charset="0"/>
                 <a:cs typeface="DejaVu Sans Mono" pitchFamily="49" charset="0"/>
@@ -13985,7 +14202,7 @@
               <a:t>&lt;log&gt;("127.0.0.1", "root", "12345", "</a:t>
             </a:r>
             <a:r>
-              <a:rPr lang="en-US" altLang="zh-CN" dirty="0" err="1" smtClean="0">
+              <a:rPr lang="en-US" altLang="zh-CN" sz="1600" dirty="0" err="1" smtClean="0">
                 <a:latin typeface="DejaVu Sans Mono" pitchFamily="49" charset="0"/>
                 <a:ea typeface="DejaVu Sans Mono" pitchFamily="49" charset="0"/>
                 <a:cs typeface="DejaVu Sans Mono" pitchFamily="49" charset="0"/>
@@ -13993,14 +14210,14 @@
               <a:t>testdb</a:t>
             </a:r>
             <a:r>
-              <a:rPr lang="en-US" altLang="zh-CN" dirty="0" smtClean="0">
+              <a:rPr lang="en-US" altLang="zh-CN" sz="1600" dirty="0" smtClean="0">
                 <a:latin typeface="DejaVu Sans Mono" pitchFamily="49" charset="0"/>
                 <a:ea typeface="DejaVu Sans Mono" pitchFamily="49" charset="0"/>
                 <a:cs typeface="DejaVu Sans Mono" pitchFamily="49" charset="0"/>
               </a:rPr>
               <a:t>");</a:t>
             </a:r>
-            <a:endParaRPr lang="zh-CN" altLang="en-US" dirty="0">
+            <a:endParaRPr lang="zh-CN" altLang="en-US" sz="1600" dirty="0">
               <a:latin typeface="DejaVu Sans Mono" pitchFamily="49" charset="0"/>
               <a:cs typeface="DejaVu Sans Mono" pitchFamily="49" charset="0"/>
             </a:endParaRPr>
@@ -14015,8 +14232,8 @@
         </p:nvSpPr>
         <p:spPr>
           <a:xfrm>
-            <a:off x="393466" y="2928540"/>
-            <a:ext cx="7980219" cy="646331"/>
+            <a:off x="393467" y="2196406"/>
+            <a:ext cx="7980219" cy="584775"/>
           </a:xfrm>
           <a:prstGeom prst="rect">
             <a:avLst/>
@@ -14029,7 +14246,7 @@
           <a:lstStyle/>
           <a:p>
             <a:r>
-              <a:rPr lang="en-US" altLang="zh-CN" dirty="0" err="1" smtClean="0">
+              <a:rPr lang="en-US" altLang="zh-CN" sz="1600" dirty="0" err="1" smtClean="0">
                 <a:latin typeface="DejaVu Sans Mono" pitchFamily="49" charset="0"/>
                 <a:ea typeface="DejaVu Sans Mono" pitchFamily="49" charset="0"/>
                 <a:cs typeface="DejaVu Sans Mono" pitchFamily="49" charset="0"/>
@@ -14037,7 +14254,7 @@
               <a:t>mysql.warper_connect</a:t>
             </a:r>
             <a:r>
-              <a:rPr lang="en-US" altLang="zh-CN" dirty="0" smtClean="0">
+              <a:rPr lang="en-US" altLang="zh-CN" sz="1600" dirty="0" smtClean="0">
                 <a:latin typeface="DejaVu Sans Mono" pitchFamily="49" charset="0"/>
                 <a:ea typeface="DejaVu Sans Mono" pitchFamily="49" charset="0"/>
                 <a:cs typeface="DejaVu Sans Mono" pitchFamily="49" charset="0"/>
@@ -14045,7 +14262,7 @@
               <a:t>&lt;validate, log&gt;("127.0.0.1", "root", "12345", "</a:t>
             </a:r>
             <a:r>
-              <a:rPr lang="en-US" altLang="zh-CN" dirty="0" err="1" smtClean="0">
+              <a:rPr lang="en-US" altLang="zh-CN" sz="1600" dirty="0" err="1" smtClean="0">
                 <a:latin typeface="DejaVu Sans Mono" pitchFamily="49" charset="0"/>
                 <a:ea typeface="DejaVu Sans Mono" pitchFamily="49" charset="0"/>
                 <a:cs typeface="DejaVu Sans Mono" pitchFamily="49" charset="0"/>
@@ -14053,14 +14270,14 @@
               <a:t>testdb</a:t>
             </a:r>
             <a:r>
-              <a:rPr lang="en-US" altLang="zh-CN" dirty="0" smtClean="0">
+              <a:rPr lang="en-US" altLang="zh-CN" sz="1600" dirty="0" smtClean="0">
                 <a:latin typeface="DejaVu Sans Mono" pitchFamily="49" charset="0"/>
                 <a:ea typeface="DejaVu Sans Mono" pitchFamily="49" charset="0"/>
                 <a:cs typeface="DejaVu Sans Mono" pitchFamily="49" charset="0"/>
               </a:rPr>
               <a:t>");</a:t>
             </a:r>
-            <a:endParaRPr lang="zh-CN" altLang="en-US" dirty="0">
+            <a:endParaRPr lang="zh-CN" altLang="en-US" sz="1600" dirty="0">
               <a:latin typeface="DejaVu Sans Mono" pitchFamily="49" charset="0"/>
               <a:cs typeface="DejaVu Sans Mono" pitchFamily="49" charset="0"/>
             </a:endParaRPr>
@@ -14084,8 +14301,8 @@
         </p:blipFill>
         <p:spPr bwMode="auto">
           <a:xfrm>
-            <a:off x="478328" y="3700810"/>
-            <a:ext cx="2019300" cy="1019175"/>
+            <a:off x="478328" y="2812678"/>
+            <a:ext cx="1900348" cy="814030"/>
           </a:xfrm>
           <a:prstGeom prst="rect">
             <a:avLst/>
@@ -14108,8 +14325,8 @@
         </p:nvSpPr>
         <p:spPr>
           <a:xfrm>
-            <a:off x="404550" y="4951304"/>
-            <a:ext cx="8182497" cy="584775"/>
+            <a:off x="404551" y="3713479"/>
+            <a:ext cx="8182497" cy="523220"/>
           </a:xfrm>
           <a:prstGeom prst="rect">
             <a:avLst/>
@@ -14122,7 +14339,7 @@
           <a:lstStyle/>
           <a:p>
             <a:r>
-              <a:rPr lang="en-US" altLang="zh-CN" sz="1600" dirty="0" err="1" smtClean="0">
+              <a:rPr lang="en-US" altLang="zh-CN" sz="1400" dirty="0" err="1" smtClean="0">
                 <a:latin typeface="DejaVu Sans Mono" pitchFamily="49" charset="0"/>
                 <a:ea typeface="DejaVu Sans Mono" pitchFamily="49" charset="0"/>
                 <a:cs typeface="DejaVu Sans Mono" pitchFamily="49" charset="0"/>
@@ -14130,7 +14347,7 @@
               <a:t>mysql.warper_connect</a:t>
             </a:r>
             <a:r>
-              <a:rPr lang="en-US" altLang="zh-CN" sz="1600" dirty="0" smtClean="0">
+              <a:rPr lang="en-US" altLang="zh-CN" sz="1400" dirty="0" smtClean="0">
                 <a:latin typeface="DejaVu Sans Mono" pitchFamily="49" charset="0"/>
                 <a:ea typeface="DejaVu Sans Mono" pitchFamily="49" charset="0"/>
                 <a:cs typeface="DejaVu Sans Mono" pitchFamily="49" charset="0"/>
@@ -14138,7 +14355,7 @@
               <a:t>&lt;validate, log, </a:t>
             </a:r>
             <a:r>
-              <a:rPr lang="en-US" altLang="zh-CN" sz="1600" dirty="0" err="1" smtClean="0">
+              <a:rPr lang="en-US" altLang="zh-CN" sz="1400" dirty="0" err="1" smtClean="0">
                 <a:latin typeface="DejaVu Sans Mono" pitchFamily="49" charset="0"/>
                 <a:ea typeface="DejaVu Sans Mono" pitchFamily="49" charset="0"/>
                 <a:cs typeface="DejaVu Sans Mono" pitchFamily="49" charset="0"/>
@@ -14146,7 +14363,7 @@
               <a:t>thead_proxy</a:t>
             </a:r>
             <a:r>
-              <a:rPr lang="en-US" altLang="zh-CN" sz="1600" dirty="0" smtClean="0">
+              <a:rPr lang="en-US" altLang="zh-CN" sz="1400" dirty="0" smtClean="0">
                 <a:latin typeface="DejaVu Sans Mono" pitchFamily="49" charset="0"/>
                 <a:ea typeface="DejaVu Sans Mono" pitchFamily="49" charset="0"/>
                 <a:cs typeface="DejaVu Sans Mono" pitchFamily="49" charset="0"/>
@@ -14154,7 +14371,7 @@
               <a:t>&gt;("127.0.0.1", "root", "12345", "</a:t>
             </a:r>
             <a:r>
-              <a:rPr lang="en-US" altLang="zh-CN" sz="1600" dirty="0" err="1" smtClean="0">
+              <a:rPr lang="en-US" altLang="zh-CN" sz="1400" dirty="0" err="1" smtClean="0">
                 <a:latin typeface="DejaVu Sans Mono" pitchFamily="49" charset="0"/>
                 <a:ea typeface="DejaVu Sans Mono" pitchFamily="49" charset="0"/>
                 <a:cs typeface="DejaVu Sans Mono" pitchFamily="49" charset="0"/>
@@ -14162,14 +14379,14 @@
               <a:t>testdb</a:t>
             </a:r>
             <a:r>
-              <a:rPr lang="en-US" altLang="zh-CN" sz="1600" dirty="0" smtClean="0">
+              <a:rPr lang="en-US" altLang="zh-CN" sz="1400" dirty="0" smtClean="0">
                 <a:latin typeface="DejaVu Sans Mono" pitchFamily="49" charset="0"/>
                 <a:ea typeface="DejaVu Sans Mono" pitchFamily="49" charset="0"/>
                 <a:cs typeface="DejaVu Sans Mono" pitchFamily="49" charset="0"/>
               </a:rPr>
               <a:t>");</a:t>
             </a:r>
-            <a:endParaRPr lang="zh-CN" altLang="en-US" sz="1600" dirty="0">
+            <a:endParaRPr lang="zh-CN" altLang="en-US" sz="1400" dirty="0">
               <a:latin typeface="DejaVu Sans Mono" pitchFamily="49" charset="0"/>
               <a:cs typeface="DejaVu Sans Mono" pitchFamily="49" charset="0"/>
             </a:endParaRPr>
@@ -14595,7 +14812,7 @@
         <p:spPr/>
         <p:txBody>
           <a:bodyPr>
-            <a:normAutofit lnSpcReduction="10000"/>
+            <a:normAutofit fontScale="85000" lnSpcReduction="20000"/>
           </a:bodyPr>
           <a:lstStyle/>
           <a:p>
@@ -14643,8 +14860,8 @@
         </p:blipFill>
         <p:spPr bwMode="auto">
           <a:xfrm>
-            <a:off x="1036723" y="2052118"/>
-            <a:ext cx="5429250" cy="2809876"/>
+            <a:off x="1575485" y="1539089"/>
+            <a:ext cx="4890487" cy="2217365"/>
           </a:xfrm>
           <a:prstGeom prst="rect">
             <a:avLst/>
@@ -14697,7 +14914,7 @@
         <p:spPr/>
         <p:txBody>
           <a:bodyPr>
-            <a:normAutofit lnSpcReduction="10000"/>
+            <a:normAutofit fontScale="85000" lnSpcReduction="20000"/>
           </a:bodyPr>
           <a:lstStyle/>
           <a:p>
@@ -14745,8 +14962,8 @@
         </p:blipFill>
         <p:spPr bwMode="auto">
           <a:xfrm>
-            <a:off x="1912448" y="1082214"/>
-            <a:ext cx="4920615" cy="5473493"/>
+            <a:off x="1912450" y="817839"/>
+            <a:ext cx="4506885" cy="4105120"/>
           </a:xfrm>
           <a:prstGeom prst="rect">
             <a:avLst/>
@@ -14769,8 +14986,8 @@
         </p:nvSpPr>
         <p:spPr>
           <a:xfrm>
-            <a:off x="3556908" y="3443840"/>
-            <a:ext cx="4827604" cy="369332"/>
+            <a:off x="3556908" y="2582880"/>
+            <a:ext cx="4712187" cy="369332"/>
           </a:xfrm>
           <a:prstGeom prst="rect">
             <a:avLst/>
@@ -14964,7 +15181,7 @@
         <p:spPr/>
         <p:txBody>
           <a:bodyPr>
-            <a:normAutofit lnSpcReduction="10000"/>
+            <a:normAutofit fontScale="85000" lnSpcReduction="20000"/>
           </a:bodyPr>
           <a:lstStyle/>
           <a:p>
@@ -15016,8 +15233,8 @@
         </p:blipFill>
         <p:spPr bwMode="auto">
           <a:xfrm>
-            <a:off x="964364" y="1961629"/>
-            <a:ext cx="6776033" cy="3566333"/>
+            <a:off x="964365" y="1471222"/>
+            <a:ext cx="6227267" cy="2742432"/>
           </a:xfrm>
           <a:prstGeom prst="rect">
             <a:avLst/>
@@ -15077,7 +15294,7 @@
         <p:spPr/>
         <p:txBody>
           <a:bodyPr>
-            <a:normAutofit lnSpcReduction="10000"/>
+            <a:normAutofit fontScale="85000" lnSpcReduction="20000"/>
           </a:bodyPr>
           <a:lstStyle/>
           <a:p>
@@ -15129,8 +15346,8 @@
         </p:blipFill>
         <p:spPr bwMode="auto">
           <a:xfrm>
-            <a:off x="216130" y="1927341"/>
-            <a:ext cx="8787470" cy="2461780"/>
+            <a:off x="216130" y="1445506"/>
+            <a:ext cx="7951686" cy="2039099"/>
           </a:xfrm>
           <a:prstGeom prst="rect">
             <a:avLst/>
@@ -15190,7 +15407,7 @@
         <p:spPr/>
         <p:txBody>
           <a:bodyPr>
-            <a:normAutofit lnSpcReduction="10000"/>
+            <a:normAutofit fontScale="85000" lnSpcReduction="20000"/>
           </a:bodyPr>
           <a:lstStyle/>
           <a:p>
@@ -15242,8 +15459,8 @@
         </p:blipFill>
         <p:spPr bwMode="auto">
           <a:xfrm>
-            <a:off x="1624099" y="1368223"/>
-            <a:ext cx="5829300" cy="2143125"/>
+            <a:off x="1624099" y="1026167"/>
+            <a:ext cx="5829300" cy="1729390"/>
           </a:xfrm>
           <a:prstGeom prst="rect">
             <a:avLst/>
@@ -15275,8 +15492,8 @@
         </p:blipFill>
         <p:spPr bwMode="auto">
           <a:xfrm>
-            <a:off x="1584874" y="3765232"/>
-            <a:ext cx="5857875" cy="1704975"/>
+            <a:off x="1572518" y="3052525"/>
+            <a:ext cx="5857875" cy="1414443"/>
           </a:xfrm>
           <a:prstGeom prst="rect">
             <a:avLst/>
@@ -15336,7 +15553,7 @@
         <p:spPr/>
         <p:txBody>
           <a:bodyPr>
-            <a:normAutofit fontScale="92500"/>
+            <a:normAutofit fontScale="85000" lnSpcReduction="20000"/>
           </a:bodyPr>
           <a:lstStyle/>
           <a:p>
@@ -15346,11 +15563,7 @@
             </a:r>
             <a:r>
               <a:rPr lang="en-US" altLang="zh-CN" dirty="0" smtClean="0"/>
-              <a:t>----Modern </a:t>
-            </a:r>
-            <a:r>
-              <a:rPr lang="en-US" altLang="zh-CN" dirty="0" smtClean="0"/>
-              <a:t>C++ Open Source Community</a:t>
+              <a:t>----Modern C++ Open Source Community</a:t>
             </a:r>
             <a:endParaRPr lang="zh-CN" altLang="en-US" dirty="0"/>
           </a:p>
@@ -15368,83 +15581,85 @@
         </p:nvSpPr>
         <p:spPr/>
         <p:txBody>
-          <a:bodyPr/>
+          <a:bodyPr>
+            <a:normAutofit/>
+          </a:bodyPr>
           <a:lstStyle/>
           <a:p>
             <a:r>
-              <a:rPr lang="en-US" altLang="zh-CN" dirty="0" err="1" smtClean="0"/>
+              <a:rPr lang="en-US" altLang="zh-CN" sz="1800" dirty="0" err="1" smtClean="0"/>
               <a:t>purecpp</a:t>
             </a:r>
             <a:r>
-              <a:rPr lang="zh-CN" altLang="en-US" dirty="0" smtClean="0"/>
+              <a:rPr lang="zh-CN" altLang="en-US" sz="1800" dirty="0" smtClean="0"/>
               <a:t> </a:t>
             </a:r>
             <a:r>
-              <a:rPr lang="en-US" altLang="zh-CN" dirty="0" smtClean="0"/>
+              <a:rPr lang="en-US" altLang="zh-CN" sz="1800" dirty="0" smtClean="0"/>
               <a:t>open source</a:t>
             </a:r>
           </a:p>
           <a:p>
             <a:pPr lvl="1"/>
             <a:r>
-              <a:rPr lang="en-US" altLang="zh-CN" dirty="0" err="1" smtClean="0"/>
+              <a:rPr lang="en-US" altLang="zh-CN" sz="1600" dirty="0" err="1" smtClean="0"/>
               <a:t>Rpc</a:t>
             </a:r>
             <a:r>
-              <a:rPr lang="zh-CN" altLang="en-US" dirty="0" smtClean="0"/>
+              <a:rPr lang="zh-CN" altLang="en-US" sz="1600" dirty="0" smtClean="0"/>
               <a:t> </a:t>
             </a:r>
             <a:r>
-              <a:rPr lang="en-US" altLang="zh-CN" dirty="0" smtClean="0"/>
+              <a:rPr lang="en-US" altLang="zh-CN" sz="1600" dirty="0" smtClean="0"/>
               <a:t>framework—</a:t>
             </a:r>
             <a:r>
-              <a:rPr lang="en-US" altLang="zh-CN" dirty="0" err="1" smtClean="0"/>
+              <a:rPr lang="en-US" altLang="zh-CN" sz="1600" dirty="0" err="1" smtClean="0"/>
               <a:t>rest_rpc</a:t>
             </a:r>
-            <a:endParaRPr lang="en-US" altLang="zh-CN" dirty="0" smtClean="0"/>
+            <a:endParaRPr lang="en-US" altLang="zh-CN" sz="1600" dirty="0" smtClean="0"/>
           </a:p>
           <a:p>
             <a:pPr lvl="1"/>
             <a:r>
-              <a:rPr lang="en-US" altLang="zh-CN" dirty="0" smtClean="0"/>
+              <a:rPr lang="en-US" altLang="zh-CN" sz="1600" dirty="0" smtClean="0"/>
               <a:t>Serialization engine—iguana</a:t>
             </a:r>
           </a:p>
           <a:p>
             <a:pPr lvl="1"/>
             <a:r>
-              <a:rPr lang="en-US" altLang="zh-CN" dirty="0" smtClean="0"/>
+              <a:rPr lang="en-US" altLang="zh-CN" sz="1600" dirty="0" smtClean="0"/>
               <a:t>ORM--</a:t>
             </a:r>
             <a:r>
-              <a:rPr lang="en-US" altLang="zh-CN" dirty="0" err="1" smtClean="0"/>
+              <a:rPr lang="en-US" altLang="zh-CN" sz="1600" dirty="0" err="1" smtClean="0"/>
               <a:t>ormpp</a:t>
             </a:r>
-            <a:endParaRPr lang="en-US" altLang="zh-CN" dirty="0" smtClean="0"/>
+            <a:endParaRPr lang="en-US" altLang="zh-CN" sz="1600" dirty="0" smtClean="0"/>
           </a:p>
           <a:p>
             <a:pPr lvl="1"/>
             <a:r>
-              <a:rPr lang="en-US" altLang="zh-CN" dirty="0" smtClean="0"/>
+              <a:rPr lang="en-US" altLang="zh-CN" sz="1600" dirty="0" smtClean="0"/>
               <a:t>http</a:t>
             </a:r>
             <a:r>
-              <a:rPr lang="zh-CN" altLang="en-US" dirty="0" smtClean="0"/>
+              <a:rPr lang="zh-CN" altLang="en-US" sz="1600" dirty="0" smtClean="0"/>
               <a:t> </a:t>
             </a:r>
             <a:r>
-              <a:rPr lang="en-US" altLang="zh-CN" dirty="0" smtClean="0"/>
+              <a:rPr lang="en-US" altLang="zh-CN" sz="1600" dirty="0" smtClean="0"/>
               <a:t>framework--</a:t>
             </a:r>
             <a:r>
-              <a:rPr lang="en-US" altLang="zh-CN" dirty="0" err="1" smtClean="0"/>
+              <a:rPr lang="en-US" altLang="zh-CN" sz="1600" dirty="0" err="1" smtClean="0"/>
               <a:t>cinatra</a:t>
             </a:r>
-            <a:endParaRPr lang="zh-CN" altLang="en-US" dirty="0" smtClean="0"/>
-          </a:p>
-          <a:p>
-            <a:endParaRPr lang="zh-CN" altLang="en-US" dirty="0"/>
+            <a:endParaRPr lang="zh-CN" altLang="en-US" sz="1600" dirty="0" smtClean="0"/>
+          </a:p>
+          <a:p>
+            <a:endParaRPr lang="zh-CN" altLang="en-US" sz="1800" dirty="0"/>
           </a:p>
         </p:txBody>
       </p:sp>
@@ -15456,8 +15671,8 @@
         </p:nvSpPr>
         <p:spPr>
           <a:xfrm>
-            <a:off x="548913" y="3262173"/>
-            <a:ext cx="5270989" cy="2308324"/>
+            <a:off x="548914" y="2446630"/>
+            <a:ext cx="5270989" cy="1815882"/>
           </a:xfrm>
           <a:prstGeom prst="rect">
             <a:avLst/>
@@ -15470,66 +15685,66 @@
           <a:lstStyle/>
           <a:p>
             <a:r>
-              <a:rPr lang="en-US" altLang="zh-CN" dirty="0" smtClean="0">
+              <a:rPr lang="en-US" altLang="zh-CN" sz="1600" dirty="0" smtClean="0">
                 <a:hlinkClick r:id="rId2"/>
               </a:rPr>
               <a:t>http://purecpp.org</a:t>
             </a:r>
             <a:r>
-              <a:rPr lang="en-US" altLang="zh-CN" dirty="0" smtClean="0"/>
+              <a:rPr lang="en-US" altLang="zh-CN" sz="1600" dirty="0" smtClean="0"/>
               <a:t> (modern </a:t>
             </a:r>
             <a:r>
-              <a:rPr lang="en-US" altLang="zh-CN" dirty="0" err="1" smtClean="0"/>
+              <a:rPr lang="en-US" altLang="zh-CN" sz="1600" dirty="0" err="1" smtClean="0"/>
               <a:t>c++</a:t>
             </a:r>
             <a:r>
-              <a:rPr lang="en-US" altLang="zh-CN" dirty="0" smtClean="0"/>
+              <a:rPr lang="en-US" altLang="zh-CN" sz="1600" dirty="0" smtClean="0"/>
               <a:t> open source community)</a:t>
             </a:r>
           </a:p>
           <a:p>
             <a:r>
-              <a:rPr lang="en-US" altLang="zh-CN" dirty="0" smtClean="0">
+              <a:rPr lang="en-US" altLang="zh-CN" sz="1600" dirty="0" smtClean="0">
                 <a:hlinkClick r:id="rId3"/>
               </a:rPr>
               <a:t>https://github.com/qicosmos</a:t>
             </a:r>
-            <a:endParaRPr lang="en-US" altLang="zh-CN" dirty="0" smtClean="0"/>
-          </a:p>
-          <a:p>
-            <a:endParaRPr lang="en-US" altLang="zh-CN" dirty="0" smtClean="0"/>
-          </a:p>
-          <a:p>
-            <a:r>
-              <a:rPr lang="en-US" altLang="zh-CN" dirty="0" smtClean="0">
+            <a:endParaRPr lang="en-US" altLang="zh-CN" sz="1600" dirty="0" smtClean="0"/>
+          </a:p>
+          <a:p>
+            <a:endParaRPr lang="en-US" altLang="zh-CN" sz="1600" dirty="0" smtClean="0"/>
+          </a:p>
+          <a:p>
+            <a:r>
+              <a:rPr lang="en-US" altLang="zh-CN" sz="1600" dirty="0" smtClean="0">
                 <a:hlinkClick r:id="rId4"/>
               </a:rPr>
               <a:t>https://www.youtube.com/watch?v=WlhoWjrR41A</a:t>
             </a:r>
-            <a:endParaRPr lang="en-US" altLang="zh-CN" dirty="0" smtClean="0"/>
-          </a:p>
-          <a:p>
-            <a:r>
-              <a:rPr lang="en-US" altLang="zh-CN" dirty="0" smtClean="0">
+            <a:endParaRPr lang="en-US" altLang="zh-CN" sz="1600" dirty="0" smtClean="0"/>
+          </a:p>
+          <a:p>
+            <a:r>
+              <a:rPr lang="en-US" altLang="zh-CN" sz="1600" dirty="0" smtClean="0">
                 <a:hlinkClick r:id="rId5"/>
               </a:rPr>
               <a:t>https://www.youtube.com/watch?v=vh1BhlqF-fs</a:t>
             </a:r>
-            <a:endParaRPr lang="en-US" altLang="zh-CN" dirty="0" smtClean="0"/>
-          </a:p>
-          <a:p>
-            <a:endParaRPr lang="en-US" altLang="zh-CN" dirty="0" smtClean="0"/>
-          </a:p>
-          <a:p>
-            <a:r>
-              <a:rPr lang="en-US" altLang="zh-CN" dirty="0" smtClean="0">
+            <a:endParaRPr lang="en-US" altLang="zh-CN" sz="1600" dirty="0" smtClean="0"/>
+          </a:p>
+          <a:p>
+            <a:endParaRPr lang="en-US" altLang="zh-CN" sz="1600" dirty="0" smtClean="0"/>
+          </a:p>
+          <a:p>
+            <a:r>
+              <a:rPr lang="en-US" altLang="zh-CN" sz="1600" dirty="0" smtClean="0">
                 <a:hlinkClick r:id="rId6"/>
               </a:rPr>
               <a:t>https://isocpp.org/</a:t>
             </a:r>
             <a:r>
-              <a:rPr lang="en-US" altLang="zh-CN" dirty="0" smtClean="0"/>
+              <a:rPr lang="en-US" altLang="zh-CN" sz="1600" dirty="0" smtClean="0"/>
               <a:t> </a:t>
             </a:r>
             <a:endParaRPr lang="zh-CN" altLang="en-US" dirty="0"/>
@@ -15553,8 +15768,8 @@
         </p:blipFill>
         <p:spPr bwMode="auto">
           <a:xfrm>
-            <a:off x="6150549" y="1333137"/>
-            <a:ext cx="2487475" cy="2487475"/>
+            <a:off x="6150550" y="999853"/>
+            <a:ext cx="2097585" cy="1743347"/>
           </a:xfrm>
           <a:prstGeom prst="rect">
             <a:avLst/>
@@ -15579,8 +15794,8 @@
         </p:blipFill>
         <p:spPr bwMode="auto">
           <a:xfrm>
-            <a:off x="6316590" y="3902166"/>
-            <a:ext cx="2142910" cy="2136502"/>
+            <a:off x="6285699" y="2926625"/>
+            <a:ext cx="1869760" cy="1521808"/>
           </a:xfrm>
           <a:prstGeom prst="rect">
             <a:avLst/>
@@ -15640,7 +15855,7 @@
         <p:spPr/>
         <p:txBody>
           <a:bodyPr>
-            <a:normAutofit lnSpcReduction="10000"/>
+            <a:normAutofit fontScale="85000" lnSpcReduction="20000"/>
           </a:bodyPr>
           <a:lstStyle/>
           <a:p>
@@ -15675,7 +15890,7 @@
         </p:nvSpPr>
         <p:spPr>
           <a:xfrm>
-            <a:off x="2417141" y="2803759"/>
+            <a:off x="2417142" y="2102820"/>
             <a:ext cx="4134465" cy="584775"/>
           </a:xfrm>
           <a:prstGeom prst="rect">
@@ -15748,7 +15963,7 @@
         <p:spPr/>
         <p:txBody>
           <a:bodyPr>
-            <a:normAutofit lnSpcReduction="10000"/>
+            <a:normAutofit fontScale="85000" lnSpcReduction="20000"/>
           </a:bodyPr>
           <a:lstStyle/>
           <a:p>
@@ -15787,7 +16002,7 @@
         </p:nvSpPr>
         <p:spPr>
           <a:xfrm>
-            <a:off x="457199" y="1432298"/>
+            <a:off x="457199" y="1074223"/>
             <a:ext cx="7714212" cy="923330"/>
           </a:xfrm>
           <a:prstGeom prst="rect">
@@ -15891,7 +16106,7 @@
         </p:nvSpPr>
         <p:spPr>
           <a:xfrm>
-            <a:off x="390698" y="2864766"/>
+            <a:off x="390698" y="2148575"/>
             <a:ext cx="5602778" cy="646331"/>
           </a:xfrm>
           <a:prstGeom prst="rect">
@@ -16039,7 +16254,7 @@
         <p:spPr/>
         <p:txBody>
           <a:bodyPr>
-            <a:normAutofit lnSpcReduction="10000"/>
+            <a:normAutofit fontScale="85000" lnSpcReduction="20000"/>
           </a:bodyPr>
           <a:lstStyle/>
           <a:p>
@@ -16102,8 +16317,8 @@
         </p:nvSpPr>
         <p:spPr>
           <a:xfrm>
-            <a:off x="507077" y="1825950"/>
-            <a:ext cx="7830589" cy="1846659"/>
+            <a:off x="507078" y="1369463"/>
+            <a:ext cx="7830589" cy="1815882"/>
           </a:xfrm>
           <a:prstGeom prst="rect">
             <a:avLst/>
@@ -16377,7 +16592,7 @@
         </p:nvSpPr>
         <p:spPr>
           <a:xfrm>
-            <a:off x="523701" y="3804104"/>
+            <a:off x="523702" y="2853079"/>
             <a:ext cx="7365077" cy="584775"/>
           </a:xfrm>
           <a:prstGeom prst="rect">
@@ -16476,7 +16691,7 @@
         <p:spPr/>
         <p:txBody>
           <a:bodyPr>
-            <a:normAutofit lnSpcReduction="10000"/>
+            <a:normAutofit fontScale="85000" lnSpcReduction="20000"/>
           </a:bodyPr>
           <a:lstStyle/>
           <a:p>
@@ -16527,7 +16742,7 @@
         </p:nvSpPr>
         <p:spPr>
           <a:xfrm>
-            <a:off x="689957" y="3776487"/>
+            <a:off x="689957" y="2832365"/>
             <a:ext cx="7448204" cy="923330"/>
           </a:xfrm>
           <a:prstGeom prst="rect">
@@ -16599,7 +16814,7 @@
         </p:nvSpPr>
         <p:spPr>
           <a:xfrm>
-            <a:off x="706582" y="1715068"/>
+            <a:off x="706583" y="1286301"/>
             <a:ext cx="7390015" cy="1569660"/>
           </a:xfrm>
           <a:prstGeom prst="rect">
@@ -16898,7 +17113,7 @@
         <p:spPr/>
         <p:txBody>
           <a:bodyPr>
-            <a:normAutofit lnSpcReduction="10000"/>
+            <a:normAutofit fontScale="85000" lnSpcReduction="20000"/>
           </a:bodyPr>
           <a:lstStyle/>
           <a:p>
@@ -16941,7 +17156,7 @@
         </p:nvSpPr>
         <p:spPr>
           <a:xfrm>
-            <a:off x="448886" y="1407773"/>
+            <a:off x="448887" y="1055830"/>
             <a:ext cx="8129849" cy="3293209"/>
           </a:xfrm>
           <a:prstGeom prst="rect">
@@ -17565,7 +17780,7 @@
   <a:extraClrSchemeLst/>
   <a:extLst>
     <a:ext uri="{05A4C25C-085E-4340-85A3-A5531E510DB2}">
-      <thm15:themeFamily xmlns:thm15="http://schemas.microsoft.com/office/thememl/2012/main" xmlns="" name="Office Theme" id="{62F939B6-93AF-4DB8-9C6B-D6C7DFDC589F}" vid="{4A3C46E8-61CC-4603-A589-7422A47A8E4A}"/>
+      <thm15:themeFamily xmlns="" xmlns:thm15="http://schemas.microsoft.com/office/thememl/2012/main" name="Office Theme" id="{62F939B6-93AF-4DB8-9C6B-D6C7DFDC589F}" vid="{4A3C46E8-61CC-4603-A589-7422A47A8E4A}"/>
     </a:ext>
   </a:extLst>
 </a:theme>

--- a/CPP-Summit.pptx
+++ b/CPP-Summit.pptx
@@ -156,7 +156,7 @@
   </p:defaultTextStyle>
   <p:extLst>
     <p:ext uri="{EFAFB233-063F-42B5-8137-9DF3F51BA10A}">
-      <p15:sldGuideLst xmlns="" xmlns:p15="http://schemas.microsoft.com/office/powerpoint/2012/main"/>
+      <p15:sldGuideLst xmlns:p15="http://schemas.microsoft.com/office/powerpoint/2012/main" xmlns=""/>
     </p:ext>
   </p:extLst>
 </p:presentation>
@@ -191,7 +191,7 @@
           <a:blip r:embed="rId2">
             <a:extLst>
               <a:ext uri="{28A0092B-C50C-407E-A947-70E740481C1C}">
-                <a14:useLocalDpi xmlns="" xmlns:a14="http://schemas.microsoft.com/office/drawing/2010/main" val="0"/>
+                <a14:useLocalDpi xmlns:a14="http://schemas.microsoft.com/office/drawing/2010/main" xmlns="" val="0"/>
               </a:ext>
             </a:extLst>
           </a:blip>
@@ -236,7 +236,7 @@
     </p:spTree>
     <p:extLst>
       <p:ext uri="{BB962C8B-B14F-4D97-AF65-F5344CB8AC3E}">
-        <p14:creationId xmlns="" xmlns:p14="http://schemas.microsoft.com/office/powerpoint/2010/main" val="1338936593"/>
+        <p14:creationId xmlns:p14="http://schemas.microsoft.com/office/powerpoint/2010/main" xmlns="" val="1338936593"/>
       </p:ext>
     </p:extLst>
   </p:cSld>
@@ -275,7 +275,7 @@
           <a:blip r:embed="rId2">
             <a:extLst>
               <a:ext uri="{28A0092B-C50C-407E-A947-70E740481C1C}">
-                <a14:useLocalDpi xmlns="" xmlns:a14="http://schemas.microsoft.com/office/drawing/2010/main" val="0"/>
+                <a14:useLocalDpi xmlns:a14="http://schemas.microsoft.com/office/drawing/2010/main" xmlns="" val="0"/>
               </a:ext>
             </a:extLst>
           </a:blip>
@@ -297,7 +297,7 @@
           <p:cNvPr id="9" name="文本占位符 10">
             <a:extLst>
               <a:ext uri="{FF2B5EF4-FFF2-40B4-BE49-F238E27FC236}">
-                <a16:creationId xmlns:a16="http://schemas.microsoft.com/office/drawing/2014/main" xmlns="" id="{01D010F3-905B-4D60-A57E-5C1F1E5D7F48}"/>
+                <a16:creationId xmlns="" xmlns:a16="http://schemas.microsoft.com/office/drawing/2014/main" id="{01D010F3-905B-4D60-A57E-5C1F1E5D7F48}"/>
               </a:ext>
             </a:extLst>
           </p:cNvPr>
@@ -463,7 +463,7 @@
     </p:spTree>
     <p:extLst>
       <p:ext uri="{BB962C8B-B14F-4D97-AF65-F5344CB8AC3E}">
-        <p14:creationId xmlns="" xmlns:p14="http://schemas.microsoft.com/office/powerpoint/2010/main" val="4137035524"/>
+        <p14:creationId xmlns:p14="http://schemas.microsoft.com/office/powerpoint/2010/main" xmlns="" val="4137035524"/>
       </p:ext>
     </p:extLst>
   </p:cSld>
@@ -560,7 +560,7 @@
     </p:spTree>
     <p:extLst>
       <p:ext uri="{BB962C8B-B14F-4D97-AF65-F5344CB8AC3E}">
-        <p14:creationId xmlns="" xmlns:p14="http://schemas.microsoft.com/office/powerpoint/2010/main" val="1759841624"/>
+        <p14:creationId xmlns:p14="http://schemas.microsoft.com/office/powerpoint/2010/main" xmlns="" val="1759841624"/>
       </p:ext>
     </p:extLst>
   </p:cSld>
@@ -811,7 +811,7 @@
     </p:spTree>
     <p:extLst>
       <p:ext uri="{BB962C8B-B14F-4D97-AF65-F5344CB8AC3E}">
-        <p14:creationId xmlns="" xmlns:p14="http://schemas.microsoft.com/office/powerpoint/2010/main" val="3267739063"/>
+        <p14:creationId xmlns:p14="http://schemas.microsoft.com/office/powerpoint/2010/main" xmlns="" val="3267739063"/>
       </p:ext>
     </p:extLst>
   </p:cSld>
@@ -1126,7 +1126,7 @@
           <p:cNvPr id="6" name="文本框 5">
             <a:extLst>
               <a:ext uri="{FF2B5EF4-FFF2-40B4-BE49-F238E27FC236}">
-                <a16:creationId xmlns:a16="http://schemas.microsoft.com/office/drawing/2014/main" xmlns="" id="{80BDF59C-8876-4C07-86D1-096C6CCDE453}"/>
+                <a16:creationId xmlns="" xmlns:a16="http://schemas.microsoft.com/office/drawing/2014/main" id="{80BDF59C-8876-4C07-86D1-096C6CCDE453}"/>
               </a:ext>
             </a:extLst>
           </p:cNvPr>
@@ -1209,7 +1209,7 @@
           <p:cNvPr id="7" name="文本框 6">
             <a:extLst>
               <a:ext uri="{FF2B5EF4-FFF2-40B4-BE49-F238E27FC236}">
-                <a16:creationId xmlns:a16="http://schemas.microsoft.com/office/drawing/2014/main" xmlns="" id="{9641ACBE-BC14-4FC9-81D3-2BCBC14FA20C}"/>
+                <a16:creationId xmlns="" xmlns:a16="http://schemas.microsoft.com/office/drawing/2014/main" id="{9641ACBE-BC14-4FC9-81D3-2BCBC14FA20C}"/>
               </a:ext>
             </a:extLst>
           </p:cNvPr>
@@ -1259,7 +1259,7 @@
           <p:cNvPr id="8" name="文本框 7">
             <a:extLst>
               <a:ext uri="{FF2B5EF4-FFF2-40B4-BE49-F238E27FC236}">
-                <a16:creationId xmlns:a16="http://schemas.microsoft.com/office/drawing/2014/main" xmlns="" id="{7B3317C5-8A3B-41BC-BEF9-80955951153B}"/>
+                <a16:creationId xmlns="" xmlns:a16="http://schemas.microsoft.com/office/drawing/2014/main" id="{7B3317C5-8A3B-41BC-BEF9-80955951153B}"/>
               </a:ext>
             </a:extLst>
           </p:cNvPr>
@@ -1326,7 +1326,7 @@
     </p:spTree>
     <p:extLst>
       <p:ext uri="{BB962C8B-B14F-4D97-AF65-F5344CB8AC3E}">
-        <p14:creationId xmlns="" xmlns:p14="http://schemas.microsoft.com/office/powerpoint/2010/main" val="2080158732"/>
+        <p14:creationId xmlns:p14="http://schemas.microsoft.com/office/powerpoint/2010/main" xmlns="" val="2080158732"/>
       </p:ext>
     </p:extLst>
   </p:cSld>
@@ -1402,7 +1402,7 @@
         <p:spPr/>
         <p:txBody>
           <a:bodyPr>
-            <a:normAutofit lnSpcReduction="10000"/>
+            <a:normAutofit/>
           </a:bodyPr>
           <a:lstStyle/>
           <a:p>
@@ -1421,35 +1421,35 @@
             <a:endParaRPr lang="en-US" altLang="zh-CN" dirty="0" smtClean="0"/>
           </a:p>
           <a:p>
+            <a:pPr>
+              <a:buNone/>
+            </a:pPr>
             <a:endParaRPr lang="en-US" altLang="zh-CN" dirty="0" smtClean="0"/>
           </a:p>
           <a:p>
-            <a:endParaRPr lang="en-US" altLang="zh-CN" dirty="0" smtClean="0"/>
-          </a:p>
-          <a:p>
-            <a:r>
-              <a:rPr lang="zh-CN" altLang="en-US" dirty="0" smtClean="0"/>
+            <a:r>
+              <a:rPr lang="zh-CN" altLang="en-US" sz="1600" dirty="0" smtClean="0"/>
               <a:t>消除</a:t>
             </a:r>
             <a:r>
-              <a:rPr lang="en-US" altLang="zh-CN" dirty="0" err="1" smtClean="0"/>
+              <a:rPr lang="en-US" altLang="zh-CN" sz="1600" dirty="0" err="1" smtClean="0"/>
               <a:t>enable_if</a:t>
             </a:r>
-            <a:endParaRPr lang="en-US" altLang="zh-CN" dirty="0" smtClean="0"/>
-          </a:p>
-          <a:p>
-            <a:r>
-              <a:rPr lang="zh-CN" altLang="en-US" dirty="0" smtClean="0"/>
+            <a:endParaRPr lang="en-US" altLang="zh-CN" sz="1600" dirty="0" smtClean="0"/>
+          </a:p>
+          <a:p>
+            <a:r>
+              <a:rPr lang="zh-CN" altLang="en-US" sz="1600" dirty="0" smtClean="0"/>
               <a:t>让编译期选择变得简单</a:t>
             </a:r>
-            <a:endParaRPr lang="en-US" altLang="zh-CN" dirty="0" smtClean="0"/>
-          </a:p>
-          <a:p>
-            <a:r>
-              <a:rPr lang="zh-CN" altLang="en-US" dirty="0" smtClean="0"/>
+            <a:endParaRPr lang="en-US" altLang="zh-CN" sz="1600" dirty="0" smtClean="0"/>
+          </a:p>
+          <a:p>
+            <a:r>
+              <a:rPr lang="zh-CN" altLang="en-US" sz="1600" dirty="0" smtClean="0"/>
               <a:t>更紧密、清晰的上下文</a:t>
             </a:r>
-            <a:endParaRPr lang="zh-CN" altLang="en-US" dirty="0"/>
+            <a:endParaRPr lang="zh-CN" altLang="en-US" sz="1600" dirty="0"/>
           </a:p>
         </p:txBody>
       </p:sp>
@@ -1462,7 +1462,7 @@
         <p:spPr>
           <a:xfrm>
             <a:off x="490452" y="1070205"/>
-            <a:ext cx="6600304" cy="2308324"/>
+            <a:ext cx="6600304" cy="2062103"/>
           </a:xfrm>
           <a:prstGeom prst="rect">
             <a:avLst/>
@@ -1475,7 +1475,7 @@
           <a:lstStyle/>
           <a:p>
             <a:r>
-              <a:rPr lang="en-US" dirty="0" smtClean="0">
+              <a:rPr lang="en-US" sz="1600" dirty="0" smtClean="0">
                 <a:latin typeface="DejaVu Sans Mono" pitchFamily="49" charset="0"/>
                 <a:ea typeface="DejaVu Sans Mono" pitchFamily="49" charset="0"/>
                 <a:cs typeface="DejaVu Sans Mono" pitchFamily="49" charset="0"/>
@@ -1483,7 +1483,7 @@
               <a:t>template&lt;</a:t>
             </a:r>
             <a:r>
-              <a:rPr lang="en-US" dirty="0" err="1" smtClean="0">
+              <a:rPr lang="en-US" sz="1600" dirty="0" err="1" smtClean="0">
                 <a:latin typeface="DejaVu Sans Mono" pitchFamily="49" charset="0"/>
                 <a:ea typeface="DejaVu Sans Mono" pitchFamily="49" charset="0"/>
                 <a:cs typeface="DejaVu Sans Mono" pitchFamily="49" charset="0"/>
@@ -1491,7 +1491,7 @@
               <a:t>typename</a:t>
             </a:r>
             <a:r>
-              <a:rPr lang="en-US" dirty="0" smtClean="0">
+              <a:rPr lang="en-US" sz="1600" dirty="0" smtClean="0">
                 <a:latin typeface="DejaVu Sans Mono" pitchFamily="49" charset="0"/>
                 <a:ea typeface="DejaVu Sans Mono" pitchFamily="49" charset="0"/>
                 <a:cs typeface="DejaVu Sans Mono" pitchFamily="49" charset="0"/>
@@ -1499,14 +1499,14 @@
               <a:t> T&gt;</a:t>
             </a:r>
             <a:br>
-              <a:rPr lang="en-US" dirty="0" smtClean="0">
+              <a:rPr lang="en-US" sz="1600" dirty="0" smtClean="0">
                 <a:latin typeface="DejaVu Sans Mono" pitchFamily="49" charset="0"/>
                 <a:ea typeface="DejaVu Sans Mono" pitchFamily="49" charset="0"/>
                 <a:cs typeface="DejaVu Sans Mono" pitchFamily="49" charset="0"/>
               </a:rPr>
             </a:br>
             <a:r>
-              <a:rPr lang="en-US" dirty="0" smtClean="0">
+              <a:rPr lang="en-US" sz="1600" dirty="0" smtClean="0">
                 <a:latin typeface="DejaVu Sans Mono" pitchFamily="49" charset="0"/>
                 <a:ea typeface="DejaVu Sans Mono" pitchFamily="49" charset="0"/>
                 <a:cs typeface="DejaVu Sans Mono" pitchFamily="49" charset="0"/>
@@ -1514,7 +1514,7 @@
               <a:t>auto to_str17(T </a:t>
             </a:r>
             <a:r>
-              <a:rPr lang="en-US" dirty="0" err="1" smtClean="0">
+              <a:rPr lang="en-US" sz="1600" dirty="0" err="1" smtClean="0">
                 <a:latin typeface="DejaVu Sans Mono" pitchFamily="49" charset="0"/>
                 <a:ea typeface="DejaVu Sans Mono" pitchFamily="49" charset="0"/>
                 <a:cs typeface="DejaVu Sans Mono" pitchFamily="49" charset="0"/>
@@ -1522,7 +1522,7 @@
               <a:t>t</a:t>
             </a:r>
             <a:r>
-              <a:rPr lang="en-US" dirty="0" smtClean="0">
+              <a:rPr lang="en-US" sz="1600" dirty="0" smtClean="0">
                 <a:latin typeface="DejaVu Sans Mono" pitchFamily="49" charset="0"/>
                 <a:ea typeface="DejaVu Sans Mono" pitchFamily="49" charset="0"/>
                 <a:cs typeface="DejaVu Sans Mono" pitchFamily="49" charset="0"/>
@@ -1530,14 +1530,14 @@
               <a:t>)</a:t>
             </a:r>
             <a:br>
-              <a:rPr lang="en-US" dirty="0" smtClean="0">
+              <a:rPr lang="en-US" sz="1600" dirty="0" smtClean="0">
                 <a:latin typeface="DejaVu Sans Mono" pitchFamily="49" charset="0"/>
                 <a:ea typeface="DejaVu Sans Mono" pitchFamily="49" charset="0"/>
                 <a:cs typeface="DejaVu Sans Mono" pitchFamily="49" charset="0"/>
               </a:rPr>
             </a:br>
             <a:r>
-              <a:rPr lang="en-US" dirty="0" smtClean="0">
+              <a:rPr lang="en-US" sz="1600" dirty="0" smtClean="0">
                 <a:latin typeface="DejaVu Sans Mono" pitchFamily="49" charset="0"/>
                 <a:ea typeface="DejaVu Sans Mono" pitchFamily="49" charset="0"/>
                 <a:cs typeface="DejaVu Sans Mono" pitchFamily="49" charset="0"/>
@@ -1545,14 +1545,14 @@
               <a:t>{</a:t>
             </a:r>
             <a:br>
-              <a:rPr lang="en-US" dirty="0" smtClean="0">
+              <a:rPr lang="en-US" sz="1600" dirty="0" smtClean="0">
                 <a:latin typeface="DejaVu Sans Mono" pitchFamily="49" charset="0"/>
                 <a:ea typeface="DejaVu Sans Mono" pitchFamily="49" charset="0"/>
                 <a:cs typeface="DejaVu Sans Mono" pitchFamily="49" charset="0"/>
               </a:rPr>
             </a:br>
             <a:r>
-              <a:rPr lang="en-US" dirty="0" smtClean="0">
+              <a:rPr lang="en-US" sz="1600" dirty="0" smtClean="0">
                 <a:latin typeface="DejaVu Sans Mono" pitchFamily="49" charset="0"/>
                 <a:ea typeface="DejaVu Sans Mono" pitchFamily="49" charset="0"/>
                 <a:cs typeface="DejaVu Sans Mono" pitchFamily="49" charset="0"/>
@@ -1560,7 +1560,7 @@
               <a:t>    if </a:t>
             </a:r>
             <a:r>
-              <a:rPr lang="en-US" dirty="0" err="1" smtClean="0">
+              <a:rPr lang="en-US" sz="1600" dirty="0" err="1" smtClean="0">
                 <a:latin typeface="DejaVu Sans Mono" pitchFamily="49" charset="0"/>
                 <a:ea typeface="DejaVu Sans Mono" pitchFamily="49" charset="0"/>
                 <a:cs typeface="DejaVu Sans Mono" pitchFamily="49" charset="0"/>
@@ -1568,7 +1568,7 @@
               <a:t>constexpr</a:t>
             </a:r>
             <a:r>
-              <a:rPr lang="en-US" dirty="0" smtClean="0">
+              <a:rPr lang="en-US" sz="1600" dirty="0" smtClean="0">
                 <a:latin typeface="DejaVu Sans Mono" pitchFamily="49" charset="0"/>
                 <a:ea typeface="DejaVu Sans Mono" pitchFamily="49" charset="0"/>
                 <a:cs typeface="DejaVu Sans Mono" pitchFamily="49" charset="0"/>
@@ -1576,7 +1576,7 @@
               <a:t>(std::</a:t>
             </a:r>
             <a:r>
-              <a:rPr lang="en-US" dirty="0" err="1" smtClean="0">
+              <a:rPr lang="en-US" sz="1600" dirty="0" err="1" smtClean="0">
                 <a:latin typeface="DejaVu Sans Mono" pitchFamily="49" charset="0"/>
                 <a:ea typeface="DejaVu Sans Mono" pitchFamily="49" charset="0"/>
                 <a:cs typeface="DejaVu Sans Mono" pitchFamily="49" charset="0"/>
@@ -1584,7 +1584,7 @@
               <a:t>is_integral</a:t>
             </a:r>
             <a:r>
-              <a:rPr lang="en-US" dirty="0" smtClean="0">
+              <a:rPr lang="en-US" sz="1600" dirty="0" smtClean="0">
                 <a:latin typeface="DejaVu Sans Mono" pitchFamily="49" charset="0"/>
                 <a:ea typeface="DejaVu Sans Mono" pitchFamily="49" charset="0"/>
                 <a:cs typeface="DejaVu Sans Mono" pitchFamily="49" charset="0"/>
@@ -1592,14 +1592,14 @@
               <a:t>&lt;T&gt;::value)</a:t>
             </a:r>
             <a:br>
-              <a:rPr lang="en-US" dirty="0" smtClean="0">
+              <a:rPr lang="en-US" sz="1600" dirty="0" smtClean="0">
                 <a:latin typeface="DejaVu Sans Mono" pitchFamily="49" charset="0"/>
                 <a:ea typeface="DejaVu Sans Mono" pitchFamily="49" charset="0"/>
                 <a:cs typeface="DejaVu Sans Mono" pitchFamily="49" charset="0"/>
               </a:rPr>
             </a:br>
             <a:r>
-              <a:rPr lang="en-US" dirty="0" smtClean="0">
+              <a:rPr lang="en-US" sz="1600" dirty="0" smtClean="0">
                 <a:latin typeface="DejaVu Sans Mono" pitchFamily="49" charset="0"/>
                 <a:ea typeface="DejaVu Sans Mono" pitchFamily="49" charset="0"/>
                 <a:cs typeface="DejaVu Sans Mono" pitchFamily="49" charset="0"/>
@@ -1607,7 +1607,7 @@
               <a:t>        return std::</a:t>
             </a:r>
             <a:r>
-              <a:rPr lang="en-US" dirty="0" err="1" smtClean="0">
+              <a:rPr lang="en-US" sz="1600" dirty="0" err="1" smtClean="0">
                 <a:latin typeface="DejaVu Sans Mono" pitchFamily="49" charset="0"/>
                 <a:ea typeface="DejaVu Sans Mono" pitchFamily="49" charset="0"/>
                 <a:cs typeface="DejaVu Sans Mono" pitchFamily="49" charset="0"/>
@@ -1615,7 +1615,7 @@
               <a:t>to_string</a:t>
             </a:r>
             <a:r>
-              <a:rPr lang="en-US" dirty="0" smtClean="0">
+              <a:rPr lang="en-US" sz="1600" dirty="0" smtClean="0">
                 <a:latin typeface="DejaVu Sans Mono" pitchFamily="49" charset="0"/>
                 <a:ea typeface="DejaVu Sans Mono" pitchFamily="49" charset="0"/>
                 <a:cs typeface="DejaVu Sans Mono" pitchFamily="49" charset="0"/>
@@ -1623,14 +1623,14 @@
               <a:t>(t);</a:t>
             </a:r>
             <a:br>
-              <a:rPr lang="en-US" dirty="0" smtClean="0">
+              <a:rPr lang="en-US" sz="1600" dirty="0" smtClean="0">
                 <a:latin typeface="DejaVu Sans Mono" pitchFamily="49" charset="0"/>
                 <a:ea typeface="DejaVu Sans Mono" pitchFamily="49" charset="0"/>
                 <a:cs typeface="DejaVu Sans Mono" pitchFamily="49" charset="0"/>
               </a:rPr>
             </a:br>
             <a:r>
-              <a:rPr lang="en-US" dirty="0" smtClean="0">
+              <a:rPr lang="en-US" sz="1600" dirty="0" smtClean="0">
                 <a:latin typeface="DejaVu Sans Mono" pitchFamily="49" charset="0"/>
                 <a:ea typeface="DejaVu Sans Mono" pitchFamily="49" charset="0"/>
                 <a:cs typeface="DejaVu Sans Mono" pitchFamily="49" charset="0"/>
@@ -1638,14 +1638,14 @@
               <a:t>    else</a:t>
             </a:r>
             <a:br>
-              <a:rPr lang="en-US" dirty="0" smtClean="0">
+              <a:rPr lang="en-US" sz="1600" dirty="0" smtClean="0">
                 <a:latin typeface="DejaVu Sans Mono" pitchFamily="49" charset="0"/>
                 <a:ea typeface="DejaVu Sans Mono" pitchFamily="49" charset="0"/>
                 <a:cs typeface="DejaVu Sans Mono" pitchFamily="49" charset="0"/>
               </a:rPr>
             </a:br>
             <a:r>
-              <a:rPr lang="en-US" dirty="0" smtClean="0">
+              <a:rPr lang="en-US" sz="1600" dirty="0" smtClean="0">
                 <a:latin typeface="DejaVu Sans Mono" pitchFamily="49" charset="0"/>
                 <a:ea typeface="DejaVu Sans Mono" pitchFamily="49" charset="0"/>
                 <a:cs typeface="DejaVu Sans Mono" pitchFamily="49" charset="0"/>
@@ -1653,21 +1653,21 @@
               <a:t>        return t;</a:t>
             </a:r>
             <a:br>
-              <a:rPr lang="en-US" dirty="0" smtClean="0">
+              <a:rPr lang="en-US" sz="1600" dirty="0" smtClean="0">
                 <a:latin typeface="DejaVu Sans Mono" pitchFamily="49" charset="0"/>
                 <a:ea typeface="DejaVu Sans Mono" pitchFamily="49" charset="0"/>
                 <a:cs typeface="DejaVu Sans Mono" pitchFamily="49" charset="0"/>
               </a:rPr>
             </a:br>
             <a:r>
-              <a:rPr lang="en-US" dirty="0" smtClean="0">
+              <a:rPr lang="en-US" sz="1600" dirty="0" smtClean="0">
                 <a:latin typeface="DejaVu Sans Mono" pitchFamily="49" charset="0"/>
                 <a:ea typeface="DejaVu Sans Mono" pitchFamily="49" charset="0"/>
                 <a:cs typeface="DejaVu Sans Mono" pitchFamily="49" charset="0"/>
               </a:rPr>
               <a:t>}</a:t>
             </a:r>
-            <a:endParaRPr lang="zh-CN" altLang="en-US" dirty="0">
+            <a:endParaRPr lang="zh-CN" altLang="en-US" sz="1600" dirty="0">
               <a:latin typeface="DejaVu Sans Mono" pitchFamily="49" charset="0"/>
               <a:cs typeface="DejaVu Sans Mono" pitchFamily="49" charset="0"/>
             </a:endParaRPr>
@@ -1715,7 +1715,7 @@
                                         <p:tgtEl>
                                           <p:spTgt spid="3">
                                             <p:txEl>
-                                              <p:pRg st="7" end="7"/>
+                                              <p:pRg st="6" end="6"/>
                                             </p:txEl>
                                           </p:spTgt>
                                         </p:tgtEl>
@@ -1733,7 +1733,7 @@
                                         <p:tgtEl>
                                           <p:spTgt spid="3">
                                             <p:txEl>
-                                              <p:pRg st="7" end="7"/>
+                                              <p:pRg st="6" end="6"/>
                                             </p:txEl>
                                           </p:spTgt>
                                         </p:tgtEl>
@@ -1760,7 +1760,7 @@
                                         <p:tgtEl>
                                           <p:spTgt spid="3">
                                             <p:txEl>
-                                              <p:pRg st="7" end="7"/>
+                                              <p:pRg st="6" end="6"/>
                                             </p:txEl>
                                           </p:spTgt>
                                         </p:tgtEl>
@@ -1800,7 +1800,7 @@
                                         <p:tgtEl>
                                           <p:spTgt spid="3">
                                             <p:txEl>
-                                              <p:pRg st="8" end="8"/>
+                                              <p:pRg st="7" end="7"/>
                                             </p:txEl>
                                           </p:spTgt>
                                         </p:tgtEl>
@@ -1818,7 +1818,7 @@
                                         <p:tgtEl>
                                           <p:spTgt spid="3">
                                             <p:txEl>
-                                              <p:pRg st="8" end="8"/>
+                                              <p:pRg st="7" end="7"/>
                                             </p:txEl>
                                           </p:spTgt>
                                         </p:tgtEl>
@@ -1845,7 +1845,7 @@
                                         <p:tgtEl>
                                           <p:spTgt spid="3">
                                             <p:txEl>
-                                              <p:pRg st="8" end="8"/>
+                                              <p:pRg st="7" end="7"/>
                                             </p:txEl>
                                           </p:spTgt>
                                         </p:tgtEl>
@@ -1885,7 +1885,7 @@
                                         <p:tgtEl>
                                           <p:spTgt spid="3">
                                             <p:txEl>
-                                              <p:pRg st="9" end="9"/>
+                                              <p:pRg st="8" end="8"/>
                                             </p:txEl>
                                           </p:spTgt>
                                         </p:tgtEl>
@@ -1903,7 +1903,7 @@
                                         <p:tgtEl>
                                           <p:spTgt spid="3">
                                             <p:txEl>
-                                              <p:pRg st="9" end="9"/>
+                                              <p:pRg st="8" end="8"/>
                                             </p:txEl>
                                           </p:spTgt>
                                         </p:tgtEl>
@@ -1930,7 +1930,7 @@
                                         <p:tgtEl>
                                           <p:spTgt spid="3">
                                             <p:txEl>
-                                              <p:pRg st="9" end="9"/>
+                                              <p:pRg st="8" end="8"/>
                                             </p:txEl>
                                           </p:spTgt>
                                         </p:tgtEl>
@@ -2039,37 +2039,39 @@
         </p:nvSpPr>
         <p:spPr/>
         <p:txBody>
-          <a:bodyPr/>
+          <a:bodyPr>
+            <a:normAutofit/>
+          </a:bodyPr>
           <a:lstStyle/>
           <a:p>
             <a:r>
-              <a:rPr lang="zh-CN" altLang="en-US" dirty="0" smtClean="0"/>
+              <a:rPr lang="zh-CN" altLang="en-US" sz="1800" dirty="0" smtClean="0"/>
               <a:t>用</a:t>
             </a:r>
             <a:r>
-              <a:rPr lang="en-US" altLang="zh-CN" dirty="0" err="1" smtClean="0"/>
+              <a:rPr lang="en-US" altLang="zh-CN" sz="1800" dirty="0" err="1" smtClean="0"/>
               <a:t>constexpr</a:t>
             </a:r>
             <a:r>
-              <a:rPr lang="en-US" altLang="zh-CN" dirty="0" smtClean="0"/>
+              <a:rPr lang="en-US" altLang="zh-CN" sz="1800" dirty="0" smtClean="0"/>
               <a:t> if</a:t>
             </a:r>
             <a:r>
-              <a:rPr lang="zh-CN" altLang="en-US" dirty="0" smtClean="0"/>
+              <a:rPr lang="zh-CN" altLang="en-US" sz="1800" dirty="0" smtClean="0"/>
               <a:t>消除</a:t>
             </a:r>
             <a:r>
-              <a:rPr lang="en-US" altLang="zh-CN" dirty="0" err="1" smtClean="0"/>
+              <a:rPr lang="en-US" altLang="zh-CN" sz="1800" dirty="0" err="1" smtClean="0"/>
               <a:t>enable_if</a:t>
             </a:r>
-            <a:endParaRPr lang="en-US" altLang="zh-CN" dirty="0" smtClean="0"/>
-          </a:p>
-          <a:p>
-            <a:r>
-              <a:rPr lang="zh-CN" altLang="en-US" dirty="0" smtClean="0"/>
+            <a:endParaRPr lang="en-US" altLang="zh-CN" sz="1800" dirty="0" smtClean="0"/>
+          </a:p>
+          <a:p>
+            <a:r>
+              <a:rPr lang="zh-CN" altLang="en-US" sz="1800" dirty="0" smtClean="0"/>
               <a:t>提供参数相同，返回类型不同的同名接口</a:t>
             </a:r>
-            <a:endParaRPr lang="en-US" altLang="zh-CN" dirty="0" smtClean="0"/>
+            <a:endParaRPr lang="en-US" altLang="zh-CN" sz="1800" dirty="0" smtClean="0"/>
           </a:p>
         </p:txBody>
       </p:sp>
@@ -2090,8 +2092,8 @@
         </p:blipFill>
         <p:spPr bwMode="auto">
           <a:xfrm>
-            <a:off x="357447" y="1709353"/>
-            <a:ext cx="8273748" cy="1501872"/>
+            <a:off x="357447" y="1814385"/>
+            <a:ext cx="8106931" cy="1501872"/>
           </a:xfrm>
           <a:prstGeom prst="rect">
             <a:avLst/>
@@ -2123,7 +2125,7 @@
         </p:blipFill>
         <p:spPr bwMode="auto">
           <a:xfrm>
-            <a:off x="312732" y="3440468"/>
+            <a:off x="312732" y="3533143"/>
             <a:ext cx="4429125" cy="402483"/>
           </a:xfrm>
           <a:prstGeom prst="rect">
@@ -2965,7 +2967,7 @@
         <p:spPr>
           <a:xfrm>
             <a:off x="365761" y="1062169"/>
-            <a:ext cx="7922028" cy="3539430"/>
+            <a:ext cx="7922028" cy="3108543"/>
           </a:xfrm>
           <a:prstGeom prst="rect">
             <a:avLst/>
@@ -2978,7 +2980,7 @@
           <a:lstStyle/>
           <a:p>
             <a:r>
-              <a:rPr lang="en-US" altLang="zh-CN" sz="1600" dirty="0" smtClean="0">
+              <a:rPr lang="en-US" altLang="zh-CN" sz="1400" dirty="0" smtClean="0">
                 <a:latin typeface="DejaVu Sans Mono" pitchFamily="49" charset="0"/>
                 <a:ea typeface="DejaVu Sans Mono" pitchFamily="49" charset="0"/>
                 <a:cs typeface="DejaVu Sans Mono" pitchFamily="49" charset="0"/>
@@ -2986,7 +2988,7 @@
               <a:t>template&lt;</a:t>
             </a:r>
             <a:r>
-              <a:rPr lang="en-US" altLang="zh-CN" sz="1600" dirty="0" err="1" smtClean="0">
+              <a:rPr lang="en-US" altLang="zh-CN" sz="1400" dirty="0" err="1" smtClean="0">
                 <a:latin typeface="DejaVu Sans Mono" pitchFamily="49" charset="0"/>
                 <a:ea typeface="DejaVu Sans Mono" pitchFamily="49" charset="0"/>
                 <a:cs typeface="DejaVu Sans Mono" pitchFamily="49" charset="0"/>
@@ -2994,7 +2996,7 @@
               <a:t>typename</a:t>
             </a:r>
             <a:r>
-              <a:rPr lang="en-US" altLang="zh-CN" sz="1600" dirty="0" smtClean="0">
+              <a:rPr lang="en-US" altLang="zh-CN" sz="1400" dirty="0" smtClean="0">
                 <a:latin typeface="DejaVu Sans Mono" pitchFamily="49" charset="0"/>
                 <a:ea typeface="DejaVu Sans Mono" pitchFamily="49" charset="0"/>
                 <a:cs typeface="DejaVu Sans Mono" pitchFamily="49" charset="0"/>
@@ -3002,7 +3004,7 @@
               <a:t>... </a:t>
             </a:r>
             <a:r>
-              <a:rPr lang="en-US" altLang="zh-CN" sz="1600" dirty="0" err="1" smtClean="0">
+              <a:rPr lang="en-US" altLang="zh-CN" sz="1400" dirty="0" err="1" smtClean="0">
                 <a:latin typeface="DejaVu Sans Mono" pitchFamily="49" charset="0"/>
                 <a:ea typeface="DejaVu Sans Mono" pitchFamily="49" charset="0"/>
                 <a:cs typeface="DejaVu Sans Mono" pitchFamily="49" charset="0"/>
@@ -3010,7 +3012,7 @@
               <a:t>Args</a:t>
             </a:r>
             <a:r>
-              <a:rPr lang="en-US" altLang="zh-CN" sz="1600" dirty="0" smtClean="0">
+              <a:rPr lang="en-US" altLang="zh-CN" sz="1400" dirty="0" smtClean="0">
                 <a:latin typeface="DejaVu Sans Mono" pitchFamily="49" charset="0"/>
                 <a:ea typeface="DejaVu Sans Mono" pitchFamily="49" charset="0"/>
                 <a:cs typeface="DejaVu Sans Mono" pitchFamily="49" charset="0"/>
@@ -3020,7 +3022,7 @@
           </a:p>
           <a:p>
             <a:r>
-              <a:rPr lang="en-US" altLang="zh-CN" sz="1600" dirty="0" smtClean="0">
+              <a:rPr lang="en-US" altLang="zh-CN" sz="1400" dirty="0" smtClean="0">
                 <a:latin typeface="DejaVu Sans Mono" pitchFamily="49" charset="0"/>
                 <a:ea typeface="DejaVu Sans Mono" pitchFamily="49" charset="0"/>
                 <a:cs typeface="DejaVu Sans Mono" pitchFamily="49" charset="0"/>
@@ -3028,7 +3030,7 @@
               <a:t>auto extend(</a:t>
             </a:r>
             <a:r>
-              <a:rPr lang="en-US" altLang="zh-CN" sz="1600" dirty="0" err="1" smtClean="0">
+              <a:rPr lang="en-US" altLang="zh-CN" sz="1400" dirty="0" err="1" smtClean="0">
                 <a:latin typeface="DejaVu Sans Mono" pitchFamily="49" charset="0"/>
                 <a:ea typeface="DejaVu Sans Mono" pitchFamily="49" charset="0"/>
                 <a:cs typeface="DejaVu Sans Mono" pitchFamily="49" charset="0"/>
@@ -3036,7 +3038,7 @@
               <a:t>Args</a:t>
             </a:r>
             <a:r>
-              <a:rPr lang="en-US" altLang="zh-CN" sz="1600" dirty="0" smtClean="0">
+              <a:rPr lang="en-US" altLang="zh-CN" sz="1400" dirty="0" smtClean="0">
                 <a:latin typeface="DejaVu Sans Mono" pitchFamily="49" charset="0"/>
                 <a:ea typeface="DejaVu Sans Mono" pitchFamily="49" charset="0"/>
                 <a:cs typeface="DejaVu Sans Mono" pitchFamily="49" charset="0"/>
@@ -3044,7 +3046,7 @@
               <a:t>&amp;&amp;... </a:t>
             </a:r>
             <a:r>
-              <a:rPr lang="en-US" altLang="zh-CN" sz="1600" dirty="0" err="1" smtClean="0">
+              <a:rPr lang="en-US" altLang="zh-CN" sz="1400" dirty="0" err="1" smtClean="0">
                 <a:latin typeface="DejaVu Sans Mono" pitchFamily="49" charset="0"/>
                 <a:ea typeface="DejaVu Sans Mono" pitchFamily="49" charset="0"/>
                 <a:cs typeface="DejaVu Sans Mono" pitchFamily="49" charset="0"/>
@@ -3052,7 +3054,7 @@
               <a:t>args</a:t>
             </a:r>
             <a:r>
-              <a:rPr lang="en-US" altLang="zh-CN" sz="1600" dirty="0" smtClean="0">
+              <a:rPr lang="en-US" altLang="zh-CN" sz="1400" dirty="0" smtClean="0">
                 <a:latin typeface="DejaVu Sans Mono" pitchFamily="49" charset="0"/>
                 <a:ea typeface="DejaVu Sans Mono" pitchFamily="49" charset="0"/>
                 <a:cs typeface="DejaVu Sans Mono" pitchFamily="49" charset="0"/>
@@ -3062,7 +3064,7 @@
           </a:p>
           <a:p>
             <a:r>
-              <a:rPr lang="en-US" altLang="zh-CN" sz="1600" dirty="0" smtClean="0">
+              <a:rPr lang="en-US" altLang="zh-CN" sz="1400" dirty="0" smtClean="0">
                 <a:latin typeface="DejaVu Sans Mono" pitchFamily="49" charset="0"/>
                 <a:ea typeface="DejaVu Sans Mono" pitchFamily="49" charset="0"/>
                 <a:cs typeface="DejaVu Sans Mono" pitchFamily="49" charset="0"/>
@@ -3070,7 +3072,7 @@
               <a:t>    if </a:t>
             </a:r>
             <a:r>
-              <a:rPr lang="en-US" altLang="zh-CN" sz="1600" dirty="0" err="1" smtClean="0">
+              <a:rPr lang="en-US" altLang="zh-CN" sz="1400" dirty="0" err="1" smtClean="0">
                 <a:latin typeface="DejaVu Sans Mono" pitchFamily="49" charset="0"/>
                 <a:ea typeface="DejaVu Sans Mono" pitchFamily="49" charset="0"/>
                 <a:cs typeface="DejaVu Sans Mono" pitchFamily="49" charset="0"/>
@@ -3078,7 +3080,7 @@
               <a:t>constexpr</a:t>
             </a:r>
             <a:r>
-              <a:rPr lang="en-US" altLang="zh-CN" sz="1600" dirty="0" smtClean="0">
+              <a:rPr lang="en-US" altLang="zh-CN" sz="1400" dirty="0" smtClean="0">
                 <a:latin typeface="DejaVu Sans Mono" pitchFamily="49" charset="0"/>
                 <a:ea typeface="DejaVu Sans Mono" pitchFamily="49" charset="0"/>
                 <a:cs typeface="DejaVu Sans Mono" pitchFamily="49" charset="0"/>
@@ -3086,7 +3088,7 @@
               <a:t>(</a:t>
             </a:r>
             <a:r>
-              <a:rPr lang="en-US" altLang="zh-CN" sz="1600" dirty="0" err="1" smtClean="0">
+              <a:rPr lang="en-US" altLang="zh-CN" sz="1400" dirty="0" err="1" smtClean="0">
                 <a:latin typeface="DejaVu Sans Mono" pitchFamily="49" charset="0"/>
                 <a:ea typeface="DejaVu Sans Mono" pitchFamily="49" charset="0"/>
                 <a:cs typeface="DejaVu Sans Mono" pitchFamily="49" charset="0"/>
@@ -3094,7 +3096,7 @@
               <a:t>sizeof</a:t>
             </a:r>
             <a:r>
-              <a:rPr lang="en-US" altLang="zh-CN" sz="1600" dirty="0" smtClean="0">
+              <a:rPr lang="en-US" altLang="zh-CN" sz="1400" dirty="0" smtClean="0">
                 <a:latin typeface="DejaVu Sans Mono" pitchFamily="49" charset="0"/>
                 <a:ea typeface="DejaVu Sans Mono" pitchFamily="49" charset="0"/>
                 <a:cs typeface="DejaVu Sans Mono" pitchFamily="49" charset="0"/>
@@ -3102,7 +3104,7 @@
               <a:t>...(</a:t>
             </a:r>
             <a:r>
-              <a:rPr lang="en-US" altLang="zh-CN" sz="1600" dirty="0" err="1" smtClean="0">
+              <a:rPr lang="en-US" altLang="zh-CN" sz="1400" dirty="0" err="1" smtClean="0">
                 <a:latin typeface="DejaVu Sans Mono" pitchFamily="49" charset="0"/>
                 <a:ea typeface="DejaVu Sans Mono" pitchFamily="49" charset="0"/>
                 <a:cs typeface="DejaVu Sans Mono" pitchFamily="49" charset="0"/>
@@ -3110,7 +3112,7 @@
               <a:t>Args</a:t>
             </a:r>
             <a:r>
-              <a:rPr lang="en-US" altLang="zh-CN" sz="1600" dirty="0" smtClean="0">
+              <a:rPr lang="en-US" altLang="zh-CN" sz="1400" dirty="0" smtClean="0">
                 <a:latin typeface="DejaVu Sans Mono" pitchFamily="49" charset="0"/>
                 <a:ea typeface="DejaVu Sans Mono" pitchFamily="49" charset="0"/>
                 <a:cs typeface="DejaVu Sans Mono" pitchFamily="49" charset="0"/>
@@ -3120,7 +3122,7 @@
           </a:p>
           <a:p>
             <a:r>
-              <a:rPr lang="en-US" altLang="zh-CN" sz="1600" dirty="0" smtClean="0">
+              <a:rPr lang="en-US" altLang="zh-CN" sz="1400" dirty="0" smtClean="0">
                 <a:latin typeface="DejaVu Sans Mono" pitchFamily="49" charset="0"/>
                 <a:ea typeface="DejaVu Sans Mono" pitchFamily="49" charset="0"/>
                 <a:cs typeface="DejaVu Sans Mono" pitchFamily="49" charset="0"/>
@@ -3128,7 +3130,7 @@
               <a:t>        std::</a:t>
             </a:r>
             <a:r>
-              <a:rPr lang="en-US" altLang="zh-CN" sz="1600" dirty="0" err="1" smtClean="0">
+              <a:rPr lang="en-US" altLang="zh-CN" sz="1400" dirty="0" err="1" smtClean="0">
                 <a:latin typeface="DejaVu Sans Mono" pitchFamily="49" charset="0"/>
                 <a:ea typeface="DejaVu Sans Mono" pitchFamily="49" charset="0"/>
                 <a:cs typeface="DejaVu Sans Mono" pitchFamily="49" charset="0"/>
@@ -3136,7 +3138,7 @@
               <a:t>cout</a:t>
             </a:r>
             <a:r>
-              <a:rPr lang="en-US" altLang="zh-CN" sz="1600" dirty="0" smtClean="0">
+              <a:rPr lang="en-US" altLang="zh-CN" sz="1400" dirty="0" smtClean="0">
                 <a:latin typeface="DejaVu Sans Mono" pitchFamily="49" charset="0"/>
                 <a:ea typeface="DejaVu Sans Mono" pitchFamily="49" charset="0"/>
                 <a:cs typeface="DejaVu Sans Mono" pitchFamily="49" charset="0"/>
@@ -3144,7 +3146,7 @@
               <a:t>&lt;&lt;"no </a:t>
             </a:r>
             <a:r>
-              <a:rPr lang="en-US" altLang="zh-CN" sz="1600" dirty="0" err="1" smtClean="0">
+              <a:rPr lang="en-US" altLang="zh-CN" sz="1400" dirty="0" err="1" smtClean="0">
                 <a:latin typeface="DejaVu Sans Mono" pitchFamily="49" charset="0"/>
                 <a:ea typeface="DejaVu Sans Mono" pitchFamily="49" charset="0"/>
                 <a:cs typeface="DejaVu Sans Mono" pitchFamily="49" charset="0"/>
@@ -3152,7 +3154,7 @@
               <a:t>extention</a:t>
             </a:r>
             <a:r>
-              <a:rPr lang="en-US" altLang="zh-CN" sz="1600" dirty="0" smtClean="0">
+              <a:rPr lang="en-US" altLang="zh-CN" sz="1400" dirty="0" smtClean="0">
                 <a:latin typeface="DejaVu Sans Mono" pitchFamily="49" charset="0"/>
                 <a:ea typeface="DejaVu Sans Mono" pitchFamily="49" charset="0"/>
                 <a:cs typeface="DejaVu Sans Mono" pitchFamily="49" charset="0"/>
@@ -3160,7 +3162,7 @@
               <a:t>"&lt;&lt;std::</a:t>
             </a:r>
             <a:r>
-              <a:rPr lang="en-US" altLang="zh-CN" sz="1600" dirty="0" err="1" smtClean="0">
+              <a:rPr lang="en-US" altLang="zh-CN" sz="1400" dirty="0" err="1" smtClean="0">
                 <a:latin typeface="DejaVu Sans Mono" pitchFamily="49" charset="0"/>
                 <a:ea typeface="DejaVu Sans Mono" pitchFamily="49" charset="0"/>
                 <a:cs typeface="DejaVu Sans Mono" pitchFamily="49" charset="0"/>
@@ -3168,7 +3170,7 @@
               <a:t>endl</a:t>
             </a:r>
             <a:r>
-              <a:rPr lang="en-US" altLang="zh-CN" sz="1600" dirty="0" smtClean="0">
+              <a:rPr lang="en-US" altLang="zh-CN" sz="1400" dirty="0" smtClean="0">
                 <a:latin typeface="DejaVu Sans Mono" pitchFamily="49" charset="0"/>
                 <a:ea typeface="DejaVu Sans Mono" pitchFamily="49" charset="0"/>
                 <a:cs typeface="DejaVu Sans Mono" pitchFamily="49" charset="0"/>
@@ -3178,7 +3180,7 @@
           </a:p>
           <a:p>
             <a:r>
-              <a:rPr lang="en-US" altLang="zh-CN" sz="1600" dirty="0" smtClean="0">
+              <a:rPr lang="en-US" altLang="zh-CN" sz="1400" dirty="0" smtClean="0">
                 <a:latin typeface="DejaVu Sans Mono" pitchFamily="49" charset="0"/>
                 <a:ea typeface="DejaVu Sans Mono" pitchFamily="49" charset="0"/>
                 <a:cs typeface="DejaVu Sans Mono" pitchFamily="49" charset="0"/>
@@ -3188,7 +3190,7 @@
           </a:p>
           <a:p>
             <a:r>
-              <a:rPr lang="en-US" altLang="zh-CN" sz="1600" dirty="0" smtClean="0">
+              <a:rPr lang="en-US" altLang="zh-CN" sz="1400" dirty="0" smtClean="0">
                 <a:latin typeface="DejaVu Sans Mono" pitchFamily="49" charset="0"/>
                 <a:ea typeface="DejaVu Sans Mono" pitchFamily="49" charset="0"/>
                 <a:cs typeface="DejaVu Sans Mono" pitchFamily="49" charset="0"/>
@@ -3196,7 +3198,7 @@
               <a:t>    else if </a:t>
             </a:r>
             <a:r>
-              <a:rPr lang="en-US" altLang="zh-CN" sz="1600" dirty="0" err="1" smtClean="0">
+              <a:rPr lang="en-US" altLang="zh-CN" sz="1400" dirty="0" err="1" smtClean="0">
                 <a:latin typeface="DejaVu Sans Mono" pitchFamily="49" charset="0"/>
                 <a:ea typeface="DejaVu Sans Mono" pitchFamily="49" charset="0"/>
                 <a:cs typeface="DejaVu Sans Mono" pitchFamily="49" charset="0"/>
@@ -3204,7 +3206,7 @@
               <a:t>constexpr</a:t>
             </a:r>
             <a:r>
-              <a:rPr lang="en-US" altLang="zh-CN" sz="1600" dirty="0" smtClean="0">
+              <a:rPr lang="en-US" altLang="zh-CN" sz="1400" dirty="0" smtClean="0">
                 <a:latin typeface="DejaVu Sans Mono" pitchFamily="49" charset="0"/>
                 <a:ea typeface="DejaVu Sans Mono" pitchFamily="49" charset="0"/>
                 <a:cs typeface="DejaVu Sans Mono" pitchFamily="49" charset="0"/>
@@ -3212,7 +3214,7 @@
               <a:t>(</a:t>
             </a:r>
             <a:r>
-              <a:rPr lang="en-US" altLang="zh-CN" sz="1600" dirty="0" err="1" smtClean="0">
+              <a:rPr lang="en-US" altLang="zh-CN" sz="1400" dirty="0" err="1" smtClean="0">
                 <a:latin typeface="DejaVu Sans Mono" pitchFamily="49" charset="0"/>
                 <a:ea typeface="DejaVu Sans Mono" pitchFamily="49" charset="0"/>
                 <a:cs typeface="DejaVu Sans Mono" pitchFamily="49" charset="0"/>
@@ -3220,7 +3222,7 @@
               <a:t>sizeof</a:t>
             </a:r>
             <a:r>
-              <a:rPr lang="en-US" altLang="zh-CN" sz="1600" dirty="0" smtClean="0">
+              <a:rPr lang="en-US" altLang="zh-CN" sz="1400" dirty="0" smtClean="0">
                 <a:latin typeface="DejaVu Sans Mono" pitchFamily="49" charset="0"/>
                 <a:ea typeface="DejaVu Sans Mono" pitchFamily="49" charset="0"/>
                 <a:cs typeface="DejaVu Sans Mono" pitchFamily="49" charset="0"/>
@@ -3228,7 +3230,7 @@
               <a:t>...(</a:t>
             </a:r>
             <a:r>
-              <a:rPr lang="en-US" altLang="zh-CN" sz="1600" dirty="0" err="1" smtClean="0">
+              <a:rPr lang="en-US" altLang="zh-CN" sz="1400" dirty="0" err="1" smtClean="0">
                 <a:latin typeface="DejaVu Sans Mono" pitchFamily="49" charset="0"/>
                 <a:ea typeface="DejaVu Sans Mono" pitchFamily="49" charset="0"/>
                 <a:cs typeface="DejaVu Sans Mono" pitchFamily="49" charset="0"/>
@@ -3236,7 +3238,7 @@
               <a:t>Args</a:t>
             </a:r>
             <a:r>
-              <a:rPr lang="en-US" altLang="zh-CN" sz="1600" dirty="0" smtClean="0">
+              <a:rPr lang="en-US" altLang="zh-CN" sz="1400" dirty="0" smtClean="0">
                 <a:latin typeface="DejaVu Sans Mono" pitchFamily="49" charset="0"/>
                 <a:ea typeface="DejaVu Sans Mono" pitchFamily="49" charset="0"/>
                 <a:cs typeface="DejaVu Sans Mono" pitchFamily="49" charset="0"/>
@@ -3246,7 +3248,7 @@
           </a:p>
           <a:p>
             <a:r>
-              <a:rPr lang="en-US" altLang="zh-CN" sz="1600" dirty="0" smtClean="0">
+              <a:rPr lang="en-US" altLang="zh-CN" sz="1400" dirty="0" smtClean="0">
                 <a:latin typeface="DejaVu Sans Mono" pitchFamily="49" charset="0"/>
                 <a:ea typeface="DejaVu Sans Mono" pitchFamily="49" charset="0"/>
                 <a:cs typeface="DejaVu Sans Mono" pitchFamily="49" charset="0"/>
@@ -3254,7 +3256,7 @@
               <a:t>        if </a:t>
             </a:r>
             <a:r>
-              <a:rPr lang="en-US" altLang="zh-CN" sz="1600" dirty="0" err="1" smtClean="0">
+              <a:rPr lang="en-US" altLang="zh-CN" sz="1400" dirty="0" err="1" smtClean="0">
                 <a:latin typeface="DejaVu Sans Mono" pitchFamily="49" charset="0"/>
                 <a:ea typeface="DejaVu Sans Mono" pitchFamily="49" charset="0"/>
                 <a:cs typeface="DejaVu Sans Mono" pitchFamily="49" charset="0"/>
@@ -3262,7 +3264,7 @@
               <a:t>constexpr</a:t>
             </a:r>
             <a:r>
-              <a:rPr lang="en-US" altLang="zh-CN" sz="1600" dirty="0" smtClean="0">
+              <a:rPr lang="en-US" altLang="zh-CN" sz="1400" dirty="0" smtClean="0">
                 <a:latin typeface="DejaVu Sans Mono" pitchFamily="49" charset="0"/>
                 <a:ea typeface="DejaVu Sans Mono" pitchFamily="49" charset="0"/>
                 <a:cs typeface="DejaVu Sans Mono" pitchFamily="49" charset="0"/>
@@ -3270,7 +3272,7 @@
               <a:t>(std::</a:t>
             </a:r>
             <a:r>
-              <a:rPr lang="en-US" altLang="zh-CN" sz="1600" dirty="0" err="1" smtClean="0">
+              <a:rPr lang="en-US" altLang="zh-CN" sz="1400" dirty="0" err="1" smtClean="0">
                 <a:latin typeface="DejaVu Sans Mono" pitchFamily="49" charset="0"/>
                 <a:ea typeface="DejaVu Sans Mono" pitchFamily="49" charset="0"/>
                 <a:cs typeface="DejaVu Sans Mono" pitchFamily="49" charset="0"/>
@@ -3278,7 +3280,7 @@
               <a:t>is_same_v</a:t>
             </a:r>
             <a:r>
-              <a:rPr lang="en-US" altLang="zh-CN" sz="1600" dirty="0" smtClean="0">
+              <a:rPr lang="en-US" altLang="zh-CN" sz="1400" dirty="0" smtClean="0">
                 <a:latin typeface="DejaVu Sans Mono" pitchFamily="49" charset="0"/>
                 <a:ea typeface="DejaVu Sans Mono" pitchFamily="49" charset="0"/>
                 <a:cs typeface="DejaVu Sans Mono" pitchFamily="49" charset="0"/>
@@ -3286,7 +3288,7 @@
               <a:t>&lt;</a:t>
             </a:r>
             <a:r>
-              <a:rPr lang="en-US" altLang="zh-CN" sz="1600" dirty="0" err="1" smtClean="0">
+              <a:rPr lang="en-US" altLang="zh-CN" sz="1400" dirty="0" err="1" smtClean="0">
                 <a:latin typeface="DejaVu Sans Mono" pitchFamily="49" charset="0"/>
                 <a:ea typeface="DejaVu Sans Mono" pitchFamily="49" charset="0"/>
                 <a:cs typeface="DejaVu Sans Mono" pitchFamily="49" charset="0"/>
@@ -3294,7 +3296,7 @@
               <a:t>int</a:t>
             </a:r>
             <a:r>
-              <a:rPr lang="en-US" altLang="zh-CN" sz="1600" dirty="0" smtClean="0">
+              <a:rPr lang="en-US" altLang="zh-CN" sz="1400" dirty="0" smtClean="0">
                 <a:latin typeface="DejaVu Sans Mono" pitchFamily="49" charset="0"/>
                 <a:ea typeface="DejaVu Sans Mono" pitchFamily="49" charset="0"/>
                 <a:cs typeface="DejaVu Sans Mono" pitchFamily="49" charset="0"/>
@@ -3302,7 +3304,7 @@
               <a:t>, </a:t>
             </a:r>
             <a:r>
-              <a:rPr lang="en-US" altLang="zh-CN" sz="1600" dirty="0" err="1" smtClean="0">
+              <a:rPr lang="en-US" altLang="zh-CN" sz="1400" dirty="0" err="1" smtClean="0">
                 <a:latin typeface="DejaVu Sans Mono" pitchFamily="49" charset="0"/>
                 <a:ea typeface="DejaVu Sans Mono" pitchFamily="49" charset="0"/>
                 <a:cs typeface="DejaVu Sans Mono" pitchFamily="49" charset="0"/>
@@ -3310,7 +3312,7 @@
               <a:t>Args</a:t>
             </a:r>
             <a:r>
-              <a:rPr lang="en-US" altLang="zh-CN" sz="1600" dirty="0" smtClean="0">
+              <a:rPr lang="en-US" altLang="zh-CN" sz="1400" dirty="0" smtClean="0">
                 <a:latin typeface="DejaVu Sans Mono" pitchFamily="49" charset="0"/>
                 <a:ea typeface="DejaVu Sans Mono" pitchFamily="49" charset="0"/>
                 <a:cs typeface="DejaVu Sans Mono" pitchFamily="49" charset="0"/>
@@ -3320,7 +3322,7 @@
           </a:p>
           <a:p>
             <a:r>
-              <a:rPr lang="en-US" altLang="zh-CN" sz="1600" dirty="0" smtClean="0">
+              <a:rPr lang="en-US" altLang="zh-CN" sz="1400" dirty="0" smtClean="0">
                 <a:latin typeface="DejaVu Sans Mono" pitchFamily="49" charset="0"/>
                 <a:ea typeface="DejaVu Sans Mono" pitchFamily="49" charset="0"/>
                 <a:cs typeface="DejaVu Sans Mono" pitchFamily="49" charset="0"/>
@@ -3328,7 +3330,7 @@
               <a:t>            std::</a:t>
             </a:r>
             <a:r>
-              <a:rPr lang="en-US" altLang="zh-CN" sz="1600" dirty="0" err="1" smtClean="0">
+              <a:rPr lang="en-US" altLang="zh-CN" sz="1400" dirty="0" err="1" smtClean="0">
                 <a:latin typeface="DejaVu Sans Mono" pitchFamily="49" charset="0"/>
                 <a:ea typeface="DejaVu Sans Mono" pitchFamily="49" charset="0"/>
                 <a:cs typeface="DejaVu Sans Mono" pitchFamily="49" charset="0"/>
@@ -3336,7 +3338,7 @@
               <a:t>cout</a:t>
             </a:r>
             <a:r>
-              <a:rPr lang="en-US" altLang="zh-CN" sz="1600" dirty="0" smtClean="0">
+              <a:rPr lang="en-US" altLang="zh-CN" sz="1400" dirty="0" smtClean="0">
                 <a:latin typeface="DejaVu Sans Mono" pitchFamily="49" charset="0"/>
                 <a:ea typeface="DejaVu Sans Mono" pitchFamily="49" charset="0"/>
                 <a:cs typeface="DejaVu Sans Mono" pitchFamily="49" charset="0"/>
@@ -3344,7 +3346,7 @@
               <a:t>&lt;&lt;"do </a:t>
             </a:r>
             <a:r>
-              <a:rPr lang="en-US" altLang="zh-CN" sz="1600" dirty="0" err="1" smtClean="0">
+              <a:rPr lang="en-US" altLang="zh-CN" sz="1400" dirty="0" err="1" smtClean="0">
                 <a:latin typeface="DejaVu Sans Mono" pitchFamily="49" charset="0"/>
                 <a:ea typeface="DejaVu Sans Mono" pitchFamily="49" charset="0"/>
                 <a:cs typeface="DejaVu Sans Mono" pitchFamily="49" charset="0"/>
@@ -3352,7 +3354,7 @@
               <a:t>int</a:t>
             </a:r>
             <a:r>
-              <a:rPr lang="en-US" altLang="zh-CN" sz="1600" dirty="0" smtClean="0">
+              <a:rPr lang="en-US" altLang="zh-CN" sz="1400" dirty="0" smtClean="0">
                 <a:latin typeface="DejaVu Sans Mono" pitchFamily="49" charset="0"/>
                 <a:ea typeface="DejaVu Sans Mono" pitchFamily="49" charset="0"/>
                 <a:cs typeface="DejaVu Sans Mono" pitchFamily="49" charset="0"/>
@@ -3360,7 +3362,7 @@
               <a:t> branch"&lt;&lt;std::</a:t>
             </a:r>
             <a:r>
-              <a:rPr lang="en-US" altLang="zh-CN" sz="1600" dirty="0" err="1" smtClean="0">
+              <a:rPr lang="en-US" altLang="zh-CN" sz="1400" dirty="0" err="1" smtClean="0">
                 <a:latin typeface="DejaVu Sans Mono" pitchFamily="49" charset="0"/>
                 <a:ea typeface="DejaVu Sans Mono" pitchFamily="49" charset="0"/>
                 <a:cs typeface="DejaVu Sans Mono" pitchFamily="49" charset="0"/>
@@ -3368,7 +3370,7 @@
               <a:t>endl</a:t>
             </a:r>
             <a:r>
-              <a:rPr lang="en-US" altLang="zh-CN" sz="1600" dirty="0" smtClean="0">
+              <a:rPr lang="en-US" altLang="zh-CN" sz="1400" dirty="0" smtClean="0">
                 <a:latin typeface="DejaVu Sans Mono" pitchFamily="49" charset="0"/>
                 <a:ea typeface="DejaVu Sans Mono" pitchFamily="49" charset="0"/>
                 <a:cs typeface="DejaVu Sans Mono" pitchFamily="49" charset="0"/>
@@ -3378,7 +3380,7 @@
           </a:p>
           <a:p>
             <a:r>
-              <a:rPr lang="en-US" altLang="zh-CN" sz="1600" dirty="0" smtClean="0">
+              <a:rPr lang="en-US" altLang="zh-CN" sz="1400" dirty="0" smtClean="0">
                 <a:latin typeface="DejaVu Sans Mono" pitchFamily="49" charset="0"/>
                 <a:ea typeface="DejaVu Sans Mono" pitchFamily="49" charset="0"/>
                 <a:cs typeface="DejaVu Sans Mono" pitchFamily="49" charset="0"/>
@@ -3388,7 +3390,7 @@
           </a:p>
           <a:p>
             <a:r>
-              <a:rPr lang="en-US" altLang="zh-CN" sz="1600" dirty="0" smtClean="0">
+              <a:rPr lang="en-US" altLang="zh-CN" sz="1400" dirty="0" smtClean="0">
                 <a:latin typeface="DejaVu Sans Mono" pitchFamily="49" charset="0"/>
                 <a:ea typeface="DejaVu Sans Mono" pitchFamily="49" charset="0"/>
                 <a:cs typeface="DejaVu Sans Mono" pitchFamily="49" charset="0"/>
@@ -3396,7 +3398,7 @@
               <a:t>        else if </a:t>
             </a:r>
             <a:r>
-              <a:rPr lang="en-US" altLang="zh-CN" sz="1600" dirty="0" err="1" smtClean="0">
+              <a:rPr lang="en-US" altLang="zh-CN" sz="1400" dirty="0" err="1" smtClean="0">
                 <a:latin typeface="DejaVu Sans Mono" pitchFamily="49" charset="0"/>
                 <a:ea typeface="DejaVu Sans Mono" pitchFamily="49" charset="0"/>
                 <a:cs typeface="DejaVu Sans Mono" pitchFamily="49" charset="0"/>
@@ -3404,7 +3406,7 @@
               <a:t>constexpr</a:t>
             </a:r>
             <a:r>
-              <a:rPr lang="en-US" altLang="zh-CN" sz="1600" dirty="0" smtClean="0">
+              <a:rPr lang="en-US" altLang="zh-CN" sz="1400" dirty="0" smtClean="0">
                 <a:latin typeface="DejaVu Sans Mono" pitchFamily="49" charset="0"/>
                 <a:ea typeface="DejaVu Sans Mono" pitchFamily="49" charset="0"/>
                 <a:cs typeface="DejaVu Sans Mono" pitchFamily="49" charset="0"/>
@@ -3412,7 +3414,7 @@
               <a:t>(std::</a:t>
             </a:r>
             <a:r>
-              <a:rPr lang="en-US" altLang="zh-CN" sz="1600" dirty="0" err="1" smtClean="0">
+              <a:rPr lang="en-US" altLang="zh-CN" sz="1400" dirty="0" err="1" smtClean="0">
                 <a:latin typeface="DejaVu Sans Mono" pitchFamily="49" charset="0"/>
                 <a:ea typeface="DejaVu Sans Mono" pitchFamily="49" charset="0"/>
                 <a:cs typeface="DejaVu Sans Mono" pitchFamily="49" charset="0"/>
@@ -3420,7 +3422,7 @@
               <a:t>is_same_v</a:t>
             </a:r>
             <a:r>
-              <a:rPr lang="en-US" altLang="zh-CN" sz="1600" dirty="0" smtClean="0">
+              <a:rPr lang="en-US" altLang="zh-CN" sz="1400" dirty="0" smtClean="0">
                 <a:latin typeface="DejaVu Sans Mono" pitchFamily="49" charset="0"/>
                 <a:ea typeface="DejaVu Sans Mono" pitchFamily="49" charset="0"/>
                 <a:cs typeface="DejaVu Sans Mono" pitchFamily="49" charset="0"/>
@@ -3428,7 +3430,7 @@
               <a:t>&lt;double, </a:t>
             </a:r>
             <a:r>
-              <a:rPr lang="en-US" altLang="zh-CN" sz="1600" dirty="0" err="1" smtClean="0">
+              <a:rPr lang="en-US" altLang="zh-CN" sz="1400" dirty="0" err="1" smtClean="0">
                 <a:latin typeface="DejaVu Sans Mono" pitchFamily="49" charset="0"/>
                 <a:ea typeface="DejaVu Sans Mono" pitchFamily="49" charset="0"/>
                 <a:cs typeface="DejaVu Sans Mono" pitchFamily="49" charset="0"/>
@@ -3436,7 +3438,7 @@
               <a:t>Args</a:t>
             </a:r>
             <a:r>
-              <a:rPr lang="en-US" altLang="zh-CN" sz="1600" dirty="0" smtClean="0">
+              <a:rPr lang="en-US" altLang="zh-CN" sz="1400" dirty="0" smtClean="0">
                 <a:latin typeface="DejaVu Sans Mono" pitchFamily="49" charset="0"/>
                 <a:ea typeface="DejaVu Sans Mono" pitchFamily="49" charset="0"/>
                 <a:cs typeface="DejaVu Sans Mono" pitchFamily="49" charset="0"/>
@@ -3446,7 +3448,7 @@
           </a:p>
           <a:p>
             <a:r>
-              <a:rPr lang="en-US" altLang="zh-CN" sz="1600" dirty="0" smtClean="0">
+              <a:rPr lang="en-US" altLang="zh-CN" sz="1400" dirty="0" smtClean="0">
                 <a:latin typeface="DejaVu Sans Mono" pitchFamily="49" charset="0"/>
                 <a:ea typeface="DejaVu Sans Mono" pitchFamily="49" charset="0"/>
                 <a:cs typeface="DejaVu Sans Mono" pitchFamily="49" charset="0"/>
@@ -3454,7 +3456,7 @@
               <a:t>            std::</a:t>
             </a:r>
             <a:r>
-              <a:rPr lang="en-US" altLang="zh-CN" sz="1600" dirty="0" err="1" smtClean="0">
+              <a:rPr lang="en-US" altLang="zh-CN" sz="1400" dirty="0" err="1" smtClean="0">
                 <a:latin typeface="DejaVu Sans Mono" pitchFamily="49" charset="0"/>
                 <a:ea typeface="DejaVu Sans Mono" pitchFamily="49" charset="0"/>
                 <a:cs typeface="DejaVu Sans Mono" pitchFamily="49" charset="0"/>
@@ -3462,7 +3464,7 @@
               <a:t>cout</a:t>
             </a:r>
             <a:r>
-              <a:rPr lang="en-US" altLang="zh-CN" sz="1600" dirty="0" smtClean="0">
+              <a:rPr lang="en-US" altLang="zh-CN" sz="1400" dirty="0" smtClean="0">
                 <a:latin typeface="DejaVu Sans Mono" pitchFamily="49" charset="0"/>
                 <a:ea typeface="DejaVu Sans Mono" pitchFamily="49" charset="0"/>
                 <a:cs typeface="DejaVu Sans Mono" pitchFamily="49" charset="0"/>
@@ -3470,7 +3472,7 @@
               <a:t>&lt;&lt;"do double branch"&lt;&lt;std::</a:t>
             </a:r>
             <a:r>
-              <a:rPr lang="en-US" altLang="zh-CN" sz="1600" dirty="0" err="1" smtClean="0">
+              <a:rPr lang="en-US" altLang="zh-CN" sz="1400" dirty="0" err="1" smtClean="0">
                 <a:latin typeface="DejaVu Sans Mono" pitchFamily="49" charset="0"/>
                 <a:ea typeface="DejaVu Sans Mono" pitchFamily="49" charset="0"/>
                 <a:cs typeface="DejaVu Sans Mono" pitchFamily="49" charset="0"/>
@@ -3478,7 +3480,7 @@
               <a:t>endl</a:t>
             </a:r>
             <a:r>
-              <a:rPr lang="en-US" altLang="zh-CN" sz="1600" dirty="0" smtClean="0">
+              <a:rPr lang="en-US" altLang="zh-CN" sz="1400" dirty="0" smtClean="0">
                 <a:latin typeface="DejaVu Sans Mono" pitchFamily="49" charset="0"/>
                 <a:ea typeface="DejaVu Sans Mono" pitchFamily="49" charset="0"/>
                 <a:cs typeface="DejaVu Sans Mono" pitchFamily="49" charset="0"/>
@@ -3488,7 +3490,7 @@
           </a:p>
           <a:p>
             <a:r>
-              <a:rPr lang="en-US" altLang="zh-CN" sz="1600" dirty="0" smtClean="0">
+              <a:rPr lang="en-US" altLang="zh-CN" sz="1400" dirty="0" smtClean="0">
                 <a:latin typeface="DejaVu Sans Mono" pitchFamily="49" charset="0"/>
                 <a:ea typeface="DejaVu Sans Mono" pitchFamily="49" charset="0"/>
                 <a:cs typeface="DejaVu Sans Mono" pitchFamily="49" charset="0"/>
@@ -3498,7 +3500,7 @@
           </a:p>
           <a:p>
             <a:r>
-              <a:rPr lang="en-US" altLang="zh-CN" sz="1600" dirty="0" smtClean="0">
+              <a:rPr lang="en-US" altLang="zh-CN" sz="1400" dirty="0" smtClean="0">
                 <a:latin typeface="DejaVu Sans Mono" pitchFamily="49" charset="0"/>
                 <a:ea typeface="DejaVu Sans Mono" pitchFamily="49" charset="0"/>
                 <a:cs typeface="DejaVu Sans Mono" pitchFamily="49" charset="0"/>
@@ -3508,14 +3510,14 @@
           </a:p>
           <a:p>
             <a:r>
-              <a:rPr lang="en-US" altLang="zh-CN" sz="1600" dirty="0" smtClean="0">
+              <a:rPr lang="en-US" altLang="zh-CN" sz="1400" dirty="0" smtClean="0">
                 <a:latin typeface="DejaVu Sans Mono" pitchFamily="49" charset="0"/>
                 <a:ea typeface="DejaVu Sans Mono" pitchFamily="49" charset="0"/>
                 <a:cs typeface="DejaVu Sans Mono" pitchFamily="49" charset="0"/>
               </a:rPr>
               <a:t>}</a:t>
             </a:r>
-            <a:endParaRPr lang="zh-CN" altLang="en-US" sz="1600" dirty="0">
+            <a:endParaRPr lang="zh-CN" altLang="en-US" sz="1400" dirty="0">
               <a:latin typeface="DejaVu Sans Mono" pitchFamily="49" charset="0"/>
               <a:cs typeface="DejaVu Sans Mono" pitchFamily="49" charset="0"/>
             </a:endParaRPr>
@@ -3595,22 +3597,22 @@
           <a:lstStyle/>
           <a:p>
             <a:r>
-              <a:rPr lang="zh-CN" altLang="en-US" dirty="0" smtClean="0"/>
+              <a:rPr lang="zh-CN" altLang="en-US" sz="1800" dirty="0" smtClean="0"/>
               <a:t>简化</a:t>
             </a:r>
             <a:r>
-              <a:rPr lang="en-US" altLang="zh-CN" dirty="0" err="1" smtClean="0"/>
+              <a:rPr lang="en-US" altLang="zh-CN" sz="1800" dirty="0" err="1" smtClean="0"/>
               <a:t>variadic</a:t>
             </a:r>
             <a:r>
-              <a:rPr lang="en-US" altLang="zh-CN" dirty="0" smtClean="0"/>
+              <a:rPr lang="en-US" altLang="zh-CN" sz="1800" dirty="0" smtClean="0"/>
               <a:t> template</a:t>
             </a:r>
             <a:r>
-              <a:rPr lang="zh-CN" altLang="en-US" dirty="0" smtClean="0"/>
+              <a:rPr lang="zh-CN" altLang="en-US" sz="1800" dirty="0" smtClean="0"/>
               <a:t>的使用</a:t>
             </a:r>
-            <a:endParaRPr lang="en-US" altLang="zh-CN" dirty="0" smtClean="0"/>
+            <a:endParaRPr lang="en-US" altLang="zh-CN" sz="1800" dirty="0" smtClean="0"/>
           </a:p>
           <a:p>
             <a:endParaRPr lang="en-US" altLang="zh-CN" dirty="0" smtClean="0"/>
@@ -5579,8 +5581,8 @@
         </p:blipFill>
         <p:spPr bwMode="auto">
           <a:xfrm>
-            <a:off x="491924" y="1370950"/>
-            <a:ext cx="7855065" cy="915050"/>
+            <a:off x="491924" y="1370949"/>
+            <a:ext cx="7657357" cy="1001547"/>
           </a:xfrm>
           <a:prstGeom prst="rect">
             <a:avLst/>
@@ -5612,8 +5614,8 @@
         </p:blipFill>
         <p:spPr bwMode="auto">
           <a:xfrm>
-            <a:off x="258217" y="2427316"/>
-            <a:ext cx="8305016" cy="909008"/>
+            <a:off x="469557" y="2507635"/>
+            <a:ext cx="8087498" cy="909008"/>
           </a:xfrm>
           <a:prstGeom prst="rect">
             <a:avLst/>
@@ -5725,7 +5727,7 @@
         <p:spPr>
           <a:xfrm>
             <a:off x="648393" y="1456747"/>
-            <a:ext cx="7414952" cy="2862322"/>
+            <a:ext cx="7414952" cy="2462213"/>
           </a:xfrm>
           <a:prstGeom prst="rect">
             <a:avLst/>
@@ -5738,7 +5740,7 @@
           <a:lstStyle/>
           <a:p>
             <a:r>
-              <a:rPr lang="en-US" altLang="zh-CN" sz="1600" dirty="0" smtClean="0">
+              <a:rPr lang="en-US" altLang="zh-CN" sz="1400" dirty="0" smtClean="0">
                 <a:latin typeface="DejaVu Sans Mono" pitchFamily="49" charset="0"/>
                 <a:ea typeface="DejaVu Sans Mono" pitchFamily="49" charset="0"/>
                 <a:cs typeface="DejaVu Sans Mono" pitchFamily="49" charset="0"/>
@@ -5748,7 +5750,7 @@
           </a:p>
           <a:p>
             <a:r>
-              <a:rPr lang="en-US" altLang="zh-CN" sz="1600" dirty="0" smtClean="0">
+              <a:rPr lang="en-US" altLang="zh-CN" sz="1400" dirty="0" smtClean="0">
                 <a:latin typeface="DejaVu Sans Mono" pitchFamily="49" charset="0"/>
                 <a:ea typeface="DejaVu Sans Mono" pitchFamily="49" charset="0"/>
                 <a:cs typeface="DejaVu Sans Mono" pitchFamily="49" charset="0"/>
@@ -5757,7 +5759,7 @@
             </a:r>
           </a:p>
           <a:p>
-            <a:endParaRPr lang="en-US" altLang="zh-CN" sz="1600" dirty="0" smtClean="0">
+            <a:endParaRPr lang="en-US" altLang="zh-CN" sz="1400" dirty="0" smtClean="0">
               <a:latin typeface="DejaVu Sans Mono" pitchFamily="49" charset="0"/>
               <a:ea typeface="DejaVu Sans Mono" pitchFamily="49" charset="0"/>
               <a:cs typeface="DejaVu Sans Mono" pitchFamily="49" charset="0"/>
@@ -5765,7 +5767,7 @@
           </a:p>
           <a:p>
             <a:r>
-              <a:rPr lang="en-US" altLang="zh-CN" sz="1600" dirty="0" smtClean="0">
+              <a:rPr lang="en-US" altLang="zh-CN" sz="1400" dirty="0" smtClean="0">
                 <a:latin typeface="DejaVu Sans Mono" pitchFamily="49" charset="0"/>
                 <a:ea typeface="DejaVu Sans Mono" pitchFamily="49" charset="0"/>
                 <a:cs typeface="DejaVu Sans Mono" pitchFamily="49" charset="0"/>
@@ -5774,7 +5776,7 @@
             </a:r>
           </a:p>
           <a:p>
-            <a:endParaRPr lang="en-US" altLang="zh-CN" sz="1600" dirty="0" smtClean="0">
+            <a:endParaRPr lang="en-US" altLang="zh-CN" sz="1400" dirty="0" smtClean="0">
               <a:latin typeface="DejaVu Sans Mono" pitchFamily="49" charset="0"/>
               <a:ea typeface="DejaVu Sans Mono" pitchFamily="49" charset="0"/>
               <a:cs typeface="DejaVu Sans Mono" pitchFamily="49" charset="0"/>
@@ -5782,7 +5784,7 @@
           </a:p>
           <a:p>
             <a:r>
-              <a:rPr lang="en-US" altLang="zh-CN" sz="1600" dirty="0" smtClean="0">
+              <a:rPr lang="en-US" altLang="zh-CN" sz="1400" dirty="0" smtClean="0">
                 <a:latin typeface="DejaVu Sans Mono" pitchFamily="49" charset="0"/>
                 <a:ea typeface="DejaVu Sans Mono" pitchFamily="49" charset="0"/>
                 <a:cs typeface="DejaVu Sans Mono" pitchFamily="49" charset="0"/>
@@ -5791,7 +5793,7 @@
             </a:r>
           </a:p>
           <a:p>
-            <a:endParaRPr lang="en-US" altLang="zh-CN" sz="1600" dirty="0" smtClean="0">
+            <a:endParaRPr lang="en-US" altLang="zh-CN" sz="1400" dirty="0" smtClean="0">
               <a:latin typeface="DejaVu Sans Mono" pitchFamily="49" charset="0"/>
               <a:ea typeface="DejaVu Sans Mono" pitchFamily="49" charset="0"/>
               <a:cs typeface="DejaVu Sans Mono" pitchFamily="49" charset="0"/>
@@ -5799,14 +5801,14 @@
           </a:p>
           <a:p>
             <a:r>
-              <a:rPr lang="en-US" altLang="zh-CN" sz="1600" dirty="0" smtClean="0">
+              <a:rPr lang="en-US" altLang="zh-CN" sz="1400" dirty="0" smtClean="0">
                 <a:latin typeface="DejaVu Sans Mono" pitchFamily="49" charset="0"/>
                 <a:ea typeface="DejaVu Sans Mono" pitchFamily="49" charset="0"/>
                 <a:cs typeface="DejaVu Sans Mono" pitchFamily="49" charset="0"/>
               </a:rPr>
               <a:t>fun_for_1024&lt;1,0,2&gt;();     //static assertion failed: hi guy, just 4 numbers</a:t>
             </a:r>
-            <a:endParaRPr lang="zh-CN" altLang="en-US" sz="1600" dirty="0">
+            <a:endParaRPr lang="zh-CN" altLang="en-US" sz="1400" dirty="0">
               <a:latin typeface="DejaVu Sans Mono" pitchFamily="49" charset="0"/>
               <a:cs typeface="DejaVu Sans Mono" pitchFamily="49" charset="0"/>
             </a:endParaRPr>
@@ -6405,7 +6407,7 @@
     </p:spTree>
     <p:extLst>
       <p:ext uri="{BB962C8B-B14F-4D97-AF65-F5344CB8AC3E}">
-        <p14:creationId xmlns="" xmlns:p14="http://schemas.microsoft.com/office/powerpoint/2010/main" val="1047839009"/>
+        <p14:creationId xmlns:p14="http://schemas.microsoft.com/office/powerpoint/2010/main" xmlns="" val="1047839009"/>
       </p:ext>
     </p:extLst>
   </p:cSld>
@@ -6496,8 +6498,8 @@
         </p:blipFill>
         <p:spPr bwMode="auto">
           <a:xfrm>
-            <a:off x="2483708" y="1689718"/>
-            <a:ext cx="4173677" cy="2356922"/>
+            <a:off x="2557849" y="1689718"/>
+            <a:ext cx="4071551" cy="2356922"/>
           </a:xfrm>
           <a:prstGeom prst="rect">
             <a:avLst/>
@@ -6585,39 +6587,39 @@
           <a:lstStyle/>
           <a:p>
             <a:r>
-              <a:rPr lang="zh-CN" altLang="en-US" dirty="0" smtClean="0"/>
+              <a:rPr lang="zh-CN" altLang="en-US" sz="1800" dirty="0" smtClean="0"/>
               <a:t>统一好用的接口</a:t>
             </a:r>
-            <a:endParaRPr lang="en-US" altLang="zh-CN" dirty="0" smtClean="0"/>
-          </a:p>
-          <a:p>
-            <a:r>
-              <a:rPr lang="zh-CN" altLang="en-US" dirty="0" smtClean="0"/>
+            <a:endParaRPr lang="en-US" altLang="zh-CN" sz="1800" dirty="0" smtClean="0"/>
+          </a:p>
+          <a:p>
+            <a:r>
+              <a:rPr lang="zh-CN" altLang="en-US" sz="1800" dirty="0" smtClean="0"/>
               <a:t>可扩展的接口</a:t>
             </a:r>
-            <a:endParaRPr lang="en-US" altLang="zh-CN" dirty="0" smtClean="0"/>
-          </a:p>
-          <a:p>
-            <a:r>
-              <a:rPr lang="zh-CN" altLang="en-US" dirty="0" smtClean="0"/>
+            <a:endParaRPr lang="en-US" altLang="zh-CN" sz="1800" dirty="0" smtClean="0"/>
+          </a:p>
+          <a:p>
+            <a:r>
+              <a:rPr lang="zh-CN" altLang="en-US" sz="1800" dirty="0" smtClean="0"/>
               <a:t>自动生成</a:t>
             </a:r>
             <a:r>
-              <a:rPr lang="en-US" altLang="zh-CN" dirty="0" err="1" smtClean="0"/>
+              <a:rPr lang="en-US" altLang="zh-CN" sz="1800" dirty="0" err="1" smtClean="0"/>
               <a:t>sql</a:t>
             </a:r>
             <a:r>
-              <a:rPr lang="zh-CN" altLang="en-US" dirty="0" smtClean="0"/>
+              <a:rPr lang="zh-CN" altLang="en-US" sz="1800" dirty="0" smtClean="0"/>
               <a:t>脚本</a:t>
             </a:r>
-            <a:endParaRPr lang="en-US" altLang="zh-CN" dirty="0" smtClean="0"/>
-          </a:p>
-          <a:p>
-            <a:r>
-              <a:rPr lang="zh-CN" altLang="en-US" dirty="0" smtClean="0"/>
+            <a:endParaRPr lang="en-US" altLang="zh-CN" sz="1800" dirty="0" smtClean="0"/>
+          </a:p>
+          <a:p>
+            <a:r>
+              <a:rPr lang="zh-CN" altLang="en-US" sz="1800" dirty="0" smtClean="0"/>
               <a:t>自动化地实体映射</a:t>
             </a:r>
-            <a:endParaRPr lang="en-US" altLang="zh-CN" dirty="0" smtClean="0"/>
+            <a:endParaRPr lang="en-US" altLang="zh-CN" sz="1800" dirty="0" smtClean="0"/>
           </a:p>
           <a:p>
             <a:endParaRPr lang="zh-CN" altLang="en-US" dirty="0"/>
@@ -7170,7 +7172,7 @@
         <p:spPr bwMode="auto">
           <a:xfrm>
             <a:off x="569829" y="3115254"/>
-            <a:ext cx="7165502" cy="1135856"/>
+            <a:ext cx="6918366" cy="1135856"/>
           </a:xfrm>
           <a:prstGeom prst="rect">
             <a:avLst/>
@@ -7259,8 +7261,8 @@
         </p:blipFill>
         <p:spPr>
           <a:xfrm>
-            <a:off x="569827" y="1772369"/>
-            <a:ext cx="6813335" cy="1121429"/>
+            <a:off x="569828" y="1772369"/>
+            <a:ext cx="6405561" cy="1121429"/>
           </a:xfrm>
           <a:prstGeom prst="rect">
             <a:avLst/>
@@ -7336,30 +7338,40 @@
         </p:nvSpPr>
         <p:spPr/>
         <p:txBody>
-          <a:bodyPr/>
+          <a:bodyPr>
+            <a:normAutofit/>
+          </a:bodyPr>
           <a:lstStyle/>
           <a:p>
             <a:r>
-              <a:rPr lang="zh-CN" altLang="en-US" smtClean="0"/>
+              <a:rPr lang="zh-CN" altLang="en-US" sz="1800" dirty="0" smtClean="0"/>
               <a:t>通过</a:t>
             </a:r>
             <a:r>
-              <a:rPr lang="en-US" altLang="zh-CN" smtClean="0"/>
-              <a:t>constexpr if </a:t>
-            </a:r>
-            <a:r>
-              <a:rPr lang="zh-CN" altLang="en-US" smtClean="0"/>
+              <a:rPr lang="en-US" altLang="zh-CN" sz="1800" dirty="0" err="1" smtClean="0"/>
+              <a:t>constexpr</a:t>
+            </a:r>
+            <a:r>
+              <a:rPr lang="en-US" altLang="zh-CN" sz="1800" dirty="0" smtClean="0"/>
+              <a:t> if </a:t>
+            </a:r>
+            <a:r>
+              <a:rPr lang="zh-CN" altLang="en-US" sz="1800" dirty="0" smtClean="0"/>
               <a:t>和</a:t>
             </a:r>
             <a:r>
-              <a:rPr lang="en-US" altLang="zh-CN" smtClean="0"/>
-              <a:t>variadic template</a:t>
-            </a:r>
-            <a:r>
-              <a:rPr lang="zh-CN" altLang="en-US" smtClean="0"/>
+              <a:rPr lang="en-US" altLang="zh-CN" sz="1800" dirty="0" err="1" smtClean="0"/>
+              <a:t>variadic</a:t>
+            </a:r>
+            <a:r>
+              <a:rPr lang="en-US" altLang="zh-CN" sz="1800" dirty="0" smtClean="0"/>
+              <a:t> template</a:t>
+            </a:r>
+            <a:r>
+              <a:rPr lang="zh-CN" altLang="en-US" sz="1800" dirty="0" smtClean="0"/>
               <a:t>实现静态多态</a:t>
             </a:r>
-            <a:endParaRPr lang="zh-CN" altLang="en-US"/>
+            <a:endParaRPr lang="zh-CN" altLang="en-US" sz="1800" dirty="0"/>
           </a:p>
         </p:txBody>
       </p:sp>
@@ -7390,7 +7402,7 @@
     </p:spTree>
     <p:extLst>
       <p:ext uri="{BB962C8B-B14F-4D97-AF65-F5344CB8AC3E}">
-        <p14:creationId xmlns:p14="http://schemas.microsoft.com/office/powerpoint/2010/main" xmlns="" val="900910706"/>
+        <p14:creationId xmlns="" xmlns:p14="http://schemas.microsoft.com/office/powerpoint/2010/main" val="900910706"/>
       </p:ext>
     </p:extLst>
   </p:cSld>
@@ -7618,7 +7630,7 @@
         </p:blipFill>
         <p:spPr>
           <a:xfrm>
-            <a:off x="272878" y="1341063"/>
+            <a:off x="414981" y="1347241"/>
             <a:ext cx="4552435" cy="1300000"/>
           </a:xfrm>
           <a:prstGeom prst="rect">
@@ -7642,7 +7654,7 @@
         </p:blipFill>
         <p:spPr>
           <a:xfrm>
-            <a:off x="272879" y="2668884"/>
+            <a:off x="421161" y="2662706"/>
             <a:ext cx="6733403" cy="692154"/>
           </a:xfrm>
           <a:prstGeom prst="rect">
@@ -7677,7 +7689,7 @@
     </p:spTree>
     <p:extLst>
       <p:ext uri="{BB962C8B-B14F-4D97-AF65-F5344CB8AC3E}">
-        <p14:creationId xmlns:p14="http://schemas.microsoft.com/office/powerpoint/2010/main" xmlns="" val="768345762"/>
+        <p14:creationId xmlns="" xmlns:p14="http://schemas.microsoft.com/office/powerpoint/2010/main" val="768345762"/>
       </p:ext>
     </p:extLst>
   </p:cSld>
@@ -7944,26 +7956,28 @@
         </p:nvSpPr>
         <p:spPr/>
         <p:txBody>
-          <a:bodyPr/>
+          <a:bodyPr>
+            <a:normAutofit/>
+          </a:bodyPr>
           <a:lstStyle/>
           <a:p>
             <a:r>
-              <a:rPr lang="zh-CN" altLang="en-US" dirty="0"/>
+              <a:rPr lang="zh-CN" altLang="en-US" sz="1800" dirty="0"/>
               <a:t>编译</a:t>
             </a:r>
             <a:r>
-              <a:rPr lang="zh-CN" altLang="en-US" dirty="0" smtClean="0"/>
+              <a:rPr lang="zh-CN" altLang="en-US" sz="1800" dirty="0" smtClean="0"/>
               <a:t>期获得对象的元数据（</a:t>
             </a:r>
             <a:r>
-              <a:rPr lang="en-US" altLang="zh-CN" dirty="0" smtClean="0"/>
+              <a:rPr lang="en-US" altLang="zh-CN" sz="1800" dirty="0" smtClean="0"/>
               <a:t>field name, field type, field sequence</a:t>
             </a:r>
             <a:r>
-              <a:rPr lang="zh-CN" altLang="en-US" dirty="0" smtClean="0"/>
+              <a:rPr lang="zh-CN" altLang="en-US" sz="1800" dirty="0" smtClean="0"/>
               <a:t>）</a:t>
             </a:r>
-            <a:endParaRPr lang="zh-CN" altLang="en-US" dirty="0"/>
+            <a:endParaRPr lang="zh-CN" altLang="en-US" sz="1800" dirty="0"/>
           </a:p>
         </p:txBody>
       </p:sp>
@@ -7975,7 +7989,7 @@
         </p:nvSpPr>
         <p:spPr>
           <a:xfrm>
-            <a:off x="266701" y="1220076"/>
+            <a:off x="260523" y="1244790"/>
             <a:ext cx="4310743" cy="1169551"/>
           </a:xfrm>
           <a:prstGeom prst="rect">
@@ -8291,7 +8305,7 @@
         </p:nvSpPr>
         <p:spPr>
           <a:xfrm>
-            <a:off x="266701" y="2328072"/>
+            <a:off x="260522" y="2365143"/>
             <a:ext cx="8343899" cy="1877437"/>
           </a:xfrm>
           <a:prstGeom prst="rect">
@@ -8305,6 +8319,20 @@
           <a:lstStyle/>
           <a:p>
             <a:r>
+              <a:rPr lang="en-US" altLang="zh-CN" sz="1400" dirty="0" smtClean="0">
+                <a:solidFill>
+                  <a:srgbClr val="000000"/>
+                </a:solidFill>
+                <a:highlight>
+                  <a:srgbClr val="FFFFFF"/>
+                </a:highlight>
+                <a:latin typeface="DejaVu Sans Mono" pitchFamily="49" charset="0"/>
+                <a:ea typeface="DejaVu Sans Mono" pitchFamily="49" charset="0"/>
+                <a:cs typeface="DejaVu Sans Mono" pitchFamily="49" charset="0"/>
+              </a:rPr>
+              <a:t>std</a:t>
+            </a:r>
+            <a:r>
               <a:rPr lang="en-US" altLang="zh-CN" sz="1400" dirty="0">
                 <a:solidFill>
                   <a:srgbClr val="000000"/>
@@ -8316,7 +8344,7 @@
                 <a:ea typeface="DejaVu Sans Mono" pitchFamily="49" charset="0"/>
                 <a:cs typeface="DejaVu Sans Mono" pitchFamily="49" charset="0"/>
               </a:rPr>
-              <a:t>std::</a:t>
+              <a:t>::</a:t>
             </a:r>
             <a:r>
               <a:rPr lang="en-US" altLang="zh-CN" sz="1400" dirty="0" err="1">
@@ -9233,7 +9261,7 @@
     </p:spTree>
     <p:extLst>
       <p:ext uri="{BB962C8B-B14F-4D97-AF65-F5344CB8AC3E}">
-        <p14:creationId xmlns:p14="http://schemas.microsoft.com/office/powerpoint/2010/main" xmlns="" val="3760972625"/>
+        <p14:creationId xmlns="" xmlns:p14="http://schemas.microsoft.com/office/powerpoint/2010/main" val="3760972625"/>
       </p:ext>
     </p:extLst>
   </p:cSld>
@@ -9432,25 +9460,27 @@
         </p:nvSpPr>
         <p:spPr/>
         <p:txBody>
-          <a:bodyPr/>
+          <a:bodyPr>
+            <a:normAutofit/>
+          </a:bodyPr>
           <a:lstStyle/>
           <a:p>
             <a:r>
-              <a:rPr lang="zh-CN" altLang="en-US" smtClean="0"/>
+              <a:rPr lang="zh-CN" altLang="en-US" sz="1800" dirty="0" smtClean="0"/>
               <a:t>通过编译期反射获取对象和字段的名称</a:t>
             </a:r>
-            <a:endParaRPr lang="en-US" altLang="zh-CN" smtClean="0"/>
-          </a:p>
-          <a:p>
-            <a:r>
-              <a:rPr lang="zh-CN" altLang="en-US"/>
+            <a:endParaRPr lang="en-US" altLang="zh-CN" sz="1800" dirty="0" smtClean="0"/>
+          </a:p>
+          <a:p>
+            <a:r>
+              <a:rPr lang="zh-CN" altLang="en-US" sz="1800" dirty="0"/>
               <a:t>通</a:t>
             </a:r>
             <a:r>
-              <a:rPr lang="zh-CN" altLang="en-US" smtClean="0"/>
+              <a:rPr lang="zh-CN" altLang="en-US" sz="1800" dirty="0" smtClean="0"/>
               <a:t>过类型映射获取数据库类型名称</a:t>
             </a:r>
-            <a:endParaRPr lang="zh-CN" altLang="en-US"/>
+            <a:endParaRPr lang="zh-CN" altLang="en-US" sz="1800" dirty="0"/>
           </a:p>
         </p:txBody>
       </p:sp>
@@ -10124,7 +10154,7 @@
     </p:spTree>
     <p:extLst>
       <p:ext uri="{BB962C8B-B14F-4D97-AF65-F5344CB8AC3E}">
-        <p14:creationId xmlns:p14="http://schemas.microsoft.com/office/powerpoint/2010/main" xmlns="" val="1130343970"/>
+        <p14:creationId xmlns="" xmlns:p14="http://schemas.microsoft.com/office/powerpoint/2010/main" val="1130343970"/>
       </p:ext>
     </p:extLst>
   </p:cSld>
@@ -10699,10 +10729,10 @@
           <a:lstStyle/>
           <a:p>
             <a:r>
-              <a:rPr lang="zh-CN" altLang="en-US" dirty="0" smtClean="0"/>
+              <a:rPr lang="zh-CN" altLang="en-US" sz="1800" dirty="0" smtClean="0"/>
               <a:t>编译期反射获取对象名称</a:t>
             </a:r>
-            <a:endParaRPr lang="en-US" altLang="zh-CN" dirty="0" smtClean="0"/>
+            <a:endParaRPr lang="en-US" altLang="zh-CN" sz="1800" dirty="0" smtClean="0"/>
           </a:p>
           <a:p>
             <a:pPr>
@@ -10712,20 +10742,20 @@
           </a:p>
           <a:p>
             <a:r>
-              <a:rPr lang="zh-CN" altLang="en-US" dirty="0" smtClean="0"/>
+              <a:rPr lang="zh-CN" altLang="en-US" sz="1800" dirty="0" smtClean="0"/>
               <a:t>编译期反射获取字段名数组</a:t>
             </a:r>
+            <a:endParaRPr lang="en-US" altLang="zh-CN" sz="1800" dirty="0" smtClean="0"/>
+          </a:p>
+          <a:p>
+            <a:endParaRPr lang="en-US" altLang="zh-CN" dirty="0"/>
+          </a:p>
+          <a:p>
             <a:endParaRPr lang="en-US" altLang="zh-CN" dirty="0" smtClean="0"/>
           </a:p>
           <a:p>
-            <a:endParaRPr lang="en-US" altLang="zh-CN" dirty="0"/>
-          </a:p>
-          <a:p>
-            <a:endParaRPr lang="en-US" altLang="zh-CN" dirty="0" smtClean="0"/>
-          </a:p>
-          <a:p>
-            <a:r>
-              <a:rPr lang="zh-CN" altLang="en-US" dirty="0" smtClean="0"/>
+            <a:r>
+              <a:rPr lang="zh-CN" altLang="en-US" sz="1800" dirty="0" smtClean="0"/>
               <a:t>编译期获取类型名称数组？</a:t>
             </a:r>
           </a:p>
@@ -10888,8 +10918,8 @@
         </p:nvSpPr>
         <p:spPr>
           <a:xfrm>
-            <a:off x="3809293" y="2992338"/>
-            <a:ext cx="3904659" cy="369332"/>
+            <a:off x="3494196" y="2912020"/>
+            <a:ext cx="3507627" cy="369332"/>
           </a:xfrm>
           <a:prstGeom prst="rect">
             <a:avLst/>
@@ -10902,45 +10932,45 @@
           <a:lstStyle/>
           <a:p>
             <a:r>
-              <a:rPr lang="en-US" altLang="zh-CN" dirty="0" smtClean="0">
+              <a:rPr lang="en-US" altLang="zh-CN" sz="1600" dirty="0" smtClean="0">
                 <a:sym typeface="Wingdings" pitchFamily="2" charset="2"/>
               </a:rPr>
               <a:t>{“INTEGER</a:t>
             </a:r>
             <a:r>
-              <a:rPr lang="zh-CN" altLang="en-US" dirty="0" smtClean="0"/>
+              <a:rPr lang="zh-CN" altLang="en-US" sz="1600" dirty="0" smtClean="0"/>
               <a:t>" </a:t>
             </a:r>
             <a:r>
-              <a:rPr lang="en-US" altLang="zh-CN" dirty="0" smtClean="0"/>
+              <a:rPr lang="en-US" altLang="zh-CN" sz="1600" dirty="0" smtClean="0"/>
               <a:t>,</a:t>
             </a:r>
             <a:r>
-              <a:rPr lang="zh-CN" altLang="en-US" dirty="0" smtClean="0"/>
+              <a:rPr lang="zh-CN" altLang="en-US" sz="1600" dirty="0" smtClean="0"/>
               <a:t> “</a:t>
             </a:r>
             <a:r>
-              <a:rPr lang="en-US" altLang="zh-CN" dirty="0" smtClean="0"/>
+              <a:rPr lang="en-US" altLang="zh-CN" sz="1600" dirty="0" smtClean="0"/>
               <a:t>TEXT</a:t>
             </a:r>
             <a:r>
-              <a:rPr lang="zh-CN" altLang="en-US" dirty="0" smtClean="0"/>
+              <a:rPr lang="zh-CN" altLang="en-US" sz="1600" dirty="0" smtClean="0"/>
               <a:t>" </a:t>
             </a:r>
             <a:r>
-              <a:rPr lang="en-US" altLang="zh-CN" dirty="0" smtClean="0"/>
+              <a:rPr lang="en-US" altLang="zh-CN" sz="1600" dirty="0" smtClean="0"/>
               <a:t>,</a:t>
             </a:r>
             <a:r>
-              <a:rPr lang="zh-CN" altLang="en-US" dirty="0" smtClean="0"/>
+              <a:rPr lang="zh-CN" altLang="en-US" sz="1600" dirty="0" smtClean="0"/>
               <a:t> “</a:t>
             </a:r>
             <a:r>
-              <a:rPr lang="en-US" altLang="zh-CN" dirty="0" smtClean="0"/>
+              <a:rPr lang="en-US" altLang="zh-CN" sz="1600" dirty="0" smtClean="0"/>
               <a:t>INTEGER</a:t>
             </a:r>
             <a:r>
-              <a:rPr lang="zh-CN" altLang="en-US" dirty="0" smtClean="0"/>
+              <a:rPr lang="zh-CN" altLang="en-US" sz="1600" dirty="0" smtClean="0"/>
               <a:t>" </a:t>
             </a:r>
             <a:r>
@@ -10954,7 +10984,7 @@
     </p:spTree>
     <p:extLst>
       <p:ext uri="{BB962C8B-B14F-4D97-AF65-F5344CB8AC3E}">
-        <p14:creationId xmlns:p14="http://schemas.microsoft.com/office/powerpoint/2010/main" xmlns="" val="3674534974"/>
+        <p14:creationId xmlns="" xmlns:p14="http://schemas.microsoft.com/office/powerpoint/2010/main" val="3674534974"/>
       </p:ext>
     </p:extLst>
   </p:cSld>
@@ -11139,8 +11169,8 @@
         </p:blipFill>
         <p:spPr>
           <a:xfrm>
-            <a:off x="817072" y="1272747"/>
-            <a:ext cx="6677301" cy="3680684"/>
+            <a:off x="817073" y="1315993"/>
+            <a:ext cx="6559912" cy="3680684"/>
           </a:xfrm>
           <a:prstGeom prst="rect">
             <a:avLst/>
@@ -11150,7 +11180,7 @@
     </p:spTree>
     <p:extLst>
       <p:ext uri="{BB962C8B-B14F-4D97-AF65-F5344CB8AC3E}">
-        <p14:creationId xmlns:p14="http://schemas.microsoft.com/office/powerpoint/2010/main" xmlns="" val="1767821580"/>
+        <p14:creationId xmlns="" xmlns:p14="http://schemas.microsoft.com/office/powerpoint/2010/main" val="1767821580"/>
       </p:ext>
     </p:extLst>
   </p:cSld>
@@ -11249,7 +11279,7 @@
         <p:spPr>
           <a:xfrm>
             <a:off x="266701" y="1325649"/>
-            <a:ext cx="7938185" cy="3098071"/>
+            <a:ext cx="7672515" cy="3098071"/>
           </a:xfrm>
           <a:prstGeom prst="rect">
             <a:avLst/>
@@ -11259,7 +11289,7 @@
     </p:spTree>
     <p:extLst>
       <p:ext uri="{BB962C8B-B14F-4D97-AF65-F5344CB8AC3E}">
-        <p14:creationId xmlns:p14="http://schemas.microsoft.com/office/powerpoint/2010/main" xmlns="" val="156102797"/>
+        <p14:creationId xmlns="" xmlns:p14="http://schemas.microsoft.com/office/powerpoint/2010/main" val="156102797"/>
       </p:ext>
     </p:extLst>
   </p:cSld>
@@ -11819,8 +11849,8 @@
         </p:blipFill>
         <p:spPr>
           <a:xfrm>
-            <a:off x="678875" y="3110521"/>
-            <a:ext cx="6827855" cy="689181"/>
+            <a:off x="914400" y="3110521"/>
+            <a:ext cx="6592330" cy="689181"/>
           </a:xfrm>
           <a:prstGeom prst="rect">
             <a:avLst/>
@@ -11956,7 +11986,7 @@
     </p:spTree>
     <p:extLst>
       <p:ext uri="{BB962C8B-B14F-4D97-AF65-F5344CB8AC3E}">
-        <p14:creationId xmlns:p14="http://schemas.microsoft.com/office/powerpoint/2010/main" xmlns="" val="1320338770"/>
+        <p14:creationId xmlns="" xmlns:p14="http://schemas.microsoft.com/office/powerpoint/2010/main" val="1320338770"/>
       </p:ext>
     </p:extLst>
   </p:cSld>
@@ -12551,18 +12581,20 @@
         </p:nvSpPr>
         <p:spPr/>
         <p:txBody>
-          <a:bodyPr/>
+          <a:bodyPr>
+            <a:normAutofit/>
+          </a:bodyPr>
           <a:lstStyle/>
           <a:p>
             <a:r>
-              <a:rPr lang="en-US" altLang="zh-CN" dirty="0" err="1" smtClean="0"/>
+              <a:rPr lang="en-US" altLang="zh-CN" sz="1800" dirty="0" err="1" smtClean="0"/>
               <a:t>Postgresql</a:t>
             </a:r>
             <a:r>
-              <a:rPr lang="en-US" altLang="zh-CN" dirty="0" smtClean="0"/>
+              <a:rPr lang="en-US" altLang="zh-CN" sz="1800" dirty="0" smtClean="0"/>
               <a:t> to Entity</a:t>
             </a:r>
-            <a:endParaRPr lang="zh-CN" altLang="en-US" dirty="0"/>
+            <a:endParaRPr lang="zh-CN" altLang="en-US" sz="1800" dirty="0"/>
           </a:p>
         </p:txBody>
       </p:sp>
@@ -12672,14 +12704,14 @@
           <a:lstStyle/>
           <a:p>
             <a:r>
-              <a:rPr lang="en-US" altLang="zh-CN" dirty="0" err="1" smtClean="0"/>
+              <a:rPr lang="en-US" altLang="zh-CN" sz="1800" dirty="0" err="1" smtClean="0"/>
               <a:t>Postgresql</a:t>
             </a:r>
             <a:r>
-              <a:rPr lang="en-US" altLang="zh-CN" dirty="0" smtClean="0"/>
+              <a:rPr lang="en-US" altLang="zh-CN" sz="1800" dirty="0" smtClean="0"/>
               <a:t> to Entity</a:t>
             </a:r>
-            <a:endParaRPr lang="zh-CN" altLang="en-US" dirty="0" smtClean="0"/>
+            <a:endParaRPr lang="zh-CN" altLang="en-US" sz="1800" dirty="0" smtClean="0"/>
           </a:p>
           <a:p>
             <a:endParaRPr lang="zh-CN" altLang="en-US" dirty="0"/>
@@ -12788,18 +12820,20 @@
         </p:nvSpPr>
         <p:spPr/>
         <p:txBody>
-          <a:bodyPr/>
+          <a:bodyPr>
+            <a:normAutofit/>
+          </a:bodyPr>
           <a:lstStyle/>
           <a:p>
             <a:r>
-              <a:rPr lang="en-US" altLang="zh-CN" dirty="0" err="1" smtClean="0"/>
+              <a:rPr lang="en-US" altLang="zh-CN" sz="1800" dirty="0" err="1" smtClean="0"/>
               <a:t>Sqlite</a:t>
             </a:r>
             <a:r>
-              <a:rPr lang="en-US" altLang="zh-CN" dirty="0" smtClean="0"/>
+              <a:rPr lang="en-US" altLang="zh-CN" sz="1800" dirty="0" smtClean="0"/>
               <a:t> to Entity</a:t>
             </a:r>
-            <a:endParaRPr lang="zh-CN" altLang="en-US" dirty="0"/>
+            <a:endParaRPr lang="zh-CN" altLang="en-US" sz="1800" dirty="0"/>
           </a:p>
         </p:txBody>
       </p:sp>
@@ -12905,18 +12939,20 @@
         </p:nvSpPr>
         <p:spPr/>
         <p:txBody>
-          <a:bodyPr/>
+          <a:bodyPr>
+            <a:normAutofit/>
+          </a:bodyPr>
           <a:lstStyle/>
           <a:p>
             <a:r>
-              <a:rPr lang="en-US" altLang="zh-CN" dirty="0" err="1" smtClean="0"/>
+              <a:rPr lang="en-US" altLang="zh-CN" sz="1800" dirty="0" err="1" smtClean="0"/>
               <a:t>Sqlite</a:t>
             </a:r>
             <a:r>
-              <a:rPr lang="en-US" altLang="zh-CN" dirty="0" smtClean="0"/>
+              <a:rPr lang="en-US" altLang="zh-CN" sz="1800" dirty="0" smtClean="0"/>
               <a:t> to Entity</a:t>
             </a:r>
-            <a:endParaRPr lang="zh-CN" altLang="en-US" dirty="0"/>
+            <a:endParaRPr lang="zh-CN" altLang="en-US" sz="1800" dirty="0"/>
           </a:p>
         </p:txBody>
       </p:sp>
@@ -12937,7 +12973,7 @@
         </p:blipFill>
         <p:spPr bwMode="auto">
           <a:xfrm>
-            <a:off x="157943" y="1480120"/>
+            <a:off x="355652" y="1480120"/>
             <a:ext cx="7719489" cy="2758248"/>
           </a:xfrm>
           <a:prstGeom prst="rect">
@@ -13022,14 +13058,16 @@
         </p:nvSpPr>
         <p:spPr/>
         <p:txBody>
-          <a:bodyPr/>
+          <a:bodyPr>
+            <a:normAutofit/>
+          </a:bodyPr>
           <a:lstStyle/>
           <a:p>
             <a:r>
-              <a:rPr lang="zh-CN" altLang="en-US" dirty="0" smtClean="0"/>
+              <a:rPr lang="zh-CN" altLang="en-US" sz="1800" dirty="0" smtClean="0"/>
               <a:t>多表查询</a:t>
             </a:r>
-            <a:endParaRPr lang="zh-CN" altLang="en-US" dirty="0"/>
+            <a:endParaRPr lang="zh-CN" altLang="en-US" sz="1800" dirty="0"/>
           </a:p>
         </p:txBody>
       </p:sp>
@@ -13432,22 +13470,24 @@
         </p:nvSpPr>
         <p:spPr/>
         <p:txBody>
-          <a:bodyPr/>
+          <a:bodyPr>
+            <a:normAutofit/>
+          </a:bodyPr>
           <a:lstStyle/>
           <a:p>
             <a:r>
-              <a:rPr lang="zh-CN" altLang="en-US" dirty="0" smtClean="0"/>
+              <a:rPr lang="zh-CN" altLang="en-US" sz="1800" dirty="0" smtClean="0"/>
               <a:t>返回</a:t>
             </a:r>
             <a:r>
-              <a:rPr lang="en-US" altLang="zh-CN" dirty="0" err="1" smtClean="0"/>
+              <a:rPr lang="en-US" altLang="zh-CN" sz="1800" dirty="0" err="1" smtClean="0"/>
               <a:t>tuple</a:t>
             </a:r>
             <a:r>
-              <a:rPr lang="zh-CN" altLang="en-US" dirty="0" smtClean="0"/>
+              <a:rPr lang="zh-CN" altLang="en-US" sz="1800" dirty="0" smtClean="0"/>
               <a:t>结果时要注意元素是否为对象</a:t>
             </a:r>
-            <a:endParaRPr lang="zh-CN" altLang="en-US" dirty="0"/>
+            <a:endParaRPr lang="zh-CN" altLang="en-US" sz="1800" dirty="0"/>
           </a:p>
         </p:txBody>
       </p:sp>
@@ -13561,18 +13601,18 @@
               <a:buChar char="n"/>
             </a:pPr>
             <a:r>
-              <a:rPr lang="en-US" altLang="zh-CN" dirty="0" err="1" smtClean="0"/>
+              <a:rPr lang="en-US" altLang="zh-CN" sz="1800" dirty="0" err="1" smtClean="0"/>
               <a:t>ormpp</a:t>
             </a:r>
             <a:r>
-              <a:rPr lang="en-US" altLang="zh-CN" dirty="0" smtClean="0"/>
+              <a:rPr lang="en-US" altLang="zh-CN" sz="1800" dirty="0" smtClean="0"/>
               <a:t> ---- </a:t>
             </a:r>
             <a:r>
-              <a:rPr lang="zh-CN" altLang="en-US" dirty="0" smtClean="0"/>
+              <a:rPr lang="zh-CN" altLang="en-US" sz="1800" dirty="0" smtClean="0"/>
               <a:t>让数据库操作变得简单</a:t>
             </a:r>
-            <a:endParaRPr lang="en-US" altLang="zh-CN" dirty="0" smtClean="0"/>
+            <a:endParaRPr lang="en-US" altLang="zh-CN" sz="1800" dirty="0" smtClean="0"/>
           </a:p>
           <a:p>
             <a:pPr lvl="1">
@@ -13621,8 +13661,13 @@
             </a:pPr>
             <a:r>
               <a:rPr lang="en-US" dirty="0" smtClean="0"/>
-              <a:t>easy to change database</a:t>
-            </a:r>
+              <a:t>easy to change </a:t>
+            </a:r>
+            <a:r>
+              <a:rPr lang="en-US" dirty="0" smtClean="0"/>
+              <a:t>database</a:t>
+            </a:r>
+            <a:endParaRPr lang="en-US" dirty="0" smtClean="0"/>
           </a:p>
           <a:p>
             <a:endParaRPr lang="zh-CN" altLang="en-US" dirty="0"/>
@@ -13637,7 +13682,7 @@
         </p:nvSpPr>
         <p:spPr>
           <a:xfrm>
-            <a:off x="842759" y="2757447"/>
+            <a:off x="836580" y="2955155"/>
             <a:ext cx="3959033" cy="677108"/>
           </a:xfrm>
           <a:prstGeom prst="rect">
@@ -13839,44 +13884,46 @@
         </p:nvSpPr>
         <p:spPr/>
         <p:txBody>
-          <a:bodyPr/>
+          <a:bodyPr>
+            <a:normAutofit/>
+          </a:bodyPr>
           <a:lstStyle/>
           <a:p>
             <a:r>
-              <a:rPr lang="en-US" altLang="zh-CN" dirty="0" smtClean="0"/>
+              <a:rPr lang="en-US" altLang="zh-CN" sz="1800" dirty="0" smtClean="0"/>
               <a:t>Logging</a:t>
             </a:r>
           </a:p>
           <a:p>
             <a:r>
-              <a:rPr lang="en-US" altLang="zh-CN" dirty="0" smtClean="0"/>
+              <a:rPr lang="en-US" altLang="zh-CN" sz="1800" dirty="0" smtClean="0"/>
               <a:t>Validation</a:t>
             </a:r>
           </a:p>
           <a:p>
             <a:r>
-              <a:rPr lang="en-US" altLang="zh-CN" dirty="0" smtClean="0"/>
+              <a:rPr lang="en-US" altLang="zh-CN" sz="1800" dirty="0" smtClean="0"/>
               <a:t>Thread Strategy</a:t>
             </a:r>
           </a:p>
           <a:p>
             <a:r>
-              <a:rPr lang="en-US" altLang="zh-CN" dirty="0" smtClean="0"/>
+              <a:rPr lang="en-US" altLang="zh-CN" sz="1800" dirty="0" smtClean="0"/>
               <a:t>Caching</a:t>
             </a:r>
           </a:p>
           <a:p>
             <a:r>
-              <a:rPr lang="en-US" altLang="zh-CN" dirty="0" smtClean="0"/>
+              <a:rPr lang="en-US" altLang="zh-CN" sz="1800" dirty="0" smtClean="0"/>
               <a:t>Exception Handling</a:t>
             </a:r>
           </a:p>
           <a:p>
             <a:r>
-              <a:rPr lang="en-US" altLang="zh-CN" dirty="0" smtClean="0"/>
+              <a:rPr lang="en-US" altLang="zh-CN" sz="1800" dirty="0" smtClean="0"/>
               <a:t>… and a lot more</a:t>
             </a:r>
-            <a:endParaRPr lang="zh-CN" altLang="en-US" dirty="0"/>
+            <a:endParaRPr lang="zh-CN" altLang="en-US" sz="1800" dirty="0"/>
           </a:p>
         </p:txBody>
       </p:sp>
@@ -13964,7 +14011,7 @@
           <a:blip r:embed="rId2">
             <a:extLst>
               <a:ext uri="{28A0092B-C50C-407E-A947-70E740481C1C}">
-                <a14:useLocalDpi xmlns:a14="http://schemas.microsoft.com/office/drawing/2010/main" xmlns="" val="0"/>
+                <a14:useLocalDpi xmlns="" xmlns:a14="http://schemas.microsoft.com/office/drawing/2010/main" val="0"/>
               </a:ext>
             </a:extLst>
           </a:blip>
@@ -14172,7 +14219,7 @@
         </p:nvSpPr>
         <p:spPr>
           <a:xfrm>
-            <a:off x="340822" y="1633219"/>
+            <a:off x="309932" y="1633219"/>
             <a:ext cx="7980219" cy="584775"/>
           </a:xfrm>
           <a:prstGeom prst="rect">
@@ -14232,7 +14279,7 @@
         </p:nvSpPr>
         <p:spPr>
           <a:xfrm>
-            <a:off x="393467" y="2196406"/>
+            <a:off x="337865" y="2196406"/>
             <a:ext cx="7980219" cy="584775"/>
           </a:xfrm>
           <a:prstGeom prst="rect">
@@ -14860,8 +14907,8 @@
         </p:blipFill>
         <p:spPr bwMode="auto">
           <a:xfrm>
-            <a:off x="1575485" y="1539089"/>
-            <a:ext cx="4890487" cy="2217365"/>
+            <a:off x="1767016" y="1553594"/>
+            <a:ext cx="4729849" cy="2178146"/>
           </a:xfrm>
           <a:prstGeom prst="rect">
             <a:avLst/>
@@ -14962,8 +15009,8 @@
         </p:blipFill>
         <p:spPr bwMode="auto">
           <a:xfrm>
-            <a:off x="1912450" y="817839"/>
-            <a:ext cx="4506885" cy="4105120"/>
+            <a:off x="1912451" y="817839"/>
+            <a:ext cx="4315354" cy="4105120"/>
           </a:xfrm>
           <a:prstGeom prst="rect">
             <a:avLst/>
@@ -14987,7 +15034,7 @@
         <p:spPr>
           <a:xfrm>
             <a:off x="3556908" y="2582880"/>
-            <a:ext cx="4712187" cy="369332"/>
+            <a:ext cx="4210448" cy="338554"/>
           </a:xfrm>
           <a:prstGeom prst="rect">
             <a:avLst/>
@@ -15000,22 +15047,22 @@
           <a:lstStyle/>
           <a:p>
             <a:r>
-              <a:rPr lang="en-US" altLang="zh-CN" dirty="0" smtClean="0"/>
+              <a:rPr lang="en-US" altLang="zh-CN" sz="1600" dirty="0" smtClean="0"/>
               <a:t>before</a:t>
             </a:r>
             <a:r>
-              <a:rPr lang="zh-CN" altLang="en-US" dirty="0" smtClean="0"/>
+              <a:rPr lang="zh-CN" altLang="en-US" sz="1600" dirty="0" smtClean="0"/>
               <a:t>和</a:t>
             </a:r>
             <a:r>
-              <a:rPr lang="en-US" altLang="zh-CN" dirty="0" smtClean="0"/>
+              <a:rPr lang="en-US" altLang="zh-CN" sz="1600" dirty="0" smtClean="0"/>
               <a:t>after</a:t>
             </a:r>
             <a:r>
-              <a:rPr lang="zh-CN" altLang="en-US" dirty="0" smtClean="0"/>
+              <a:rPr lang="zh-CN" altLang="en-US" sz="1600" dirty="0" smtClean="0"/>
               <a:t>你可以定义一个也可以定义两个</a:t>
             </a:r>
-            <a:endParaRPr lang="zh-CN" altLang="en-US" dirty="0"/>
+            <a:endParaRPr lang="zh-CN" altLang="en-US" sz="1600" dirty="0"/>
           </a:p>
         </p:txBody>
       </p:sp>
@@ -15205,14 +15252,16 @@
         </p:nvSpPr>
         <p:spPr/>
         <p:txBody>
-          <a:bodyPr/>
+          <a:bodyPr>
+            <a:normAutofit/>
+          </a:bodyPr>
           <a:lstStyle/>
           <a:p>
             <a:r>
-              <a:rPr lang="zh-CN" altLang="en-US" dirty="0" smtClean="0"/>
+              <a:rPr lang="zh-CN" altLang="en-US" sz="1800" dirty="0" smtClean="0"/>
               <a:t>核心逻辑之前的切面</a:t>
             </a:r>
-            <a:endParaRPr lang="zh-CN" altLang="en-US" dirty="0"/>
+            <a:endParaRPr lang="zh-CN" altLang="en-US" sz="1800" dirty="0"/>
           </a:p>
         </p:txBody>
       </p:sp>
@@ -15318,14 +15367,16 @@
         </p:nvSpPr>
         <p:spPr/>
         <p:txBody>
-          <a:bodyPr/>
+          <a:bodyPr>
+            <a:normAutofit/>
+          </a:bodyPr>
           <a:lstStyle/>
           <a:p>
             <a:r>
-              <a:rPr lang="zh-CN" altLang="en-US" dirty="0" smtClean="0"/>
+              <a:rPr lang="zh-CN" altLang="en-US" sz="1800" dirty="0" smtClean="0"/>
               <a:t>核心逻辑之后的切面</a:t>
             </a:r>
-            <a:endParaRPr lang="zh-CN" altLang="en-US" dirty="0"/>
+            <a:endParaRPr lang="zh-CN" altLang="en-US" sz="1800" dirty="0"/>
           </a:p>
         </p:txBody>
       </p:sp>
@@ -15346,7 +15397,7 @@
         </p:blipFill>
         <p:spPr bwMode="auto">
           <a:xfrm>
-            <a:off x="216130" y="1445506"/>
+            <a:off x="339698" y="1464042"/>
             <a:ext cx="7951686" cy="2039099"/>
           </a:xfrm>
           <a:prstGeom prst="rect">
@@ -15602,61 +15653,61 @@
           <a:p>
             <a:pPr lvl="1"/>
             <a:r>
-              <a:rPr lang="en-US" altLang="zh-CN" sz="1600" dirty="0" err="1" smtClean="0"/>
+              <a:rPr lang="en-US" altLang="zh-CN" sz="1400" dirty="0" err="1" smtClean="0"/>
               <a:t>Rpc</a:t>
             </a:r>
             <a:r>
-              <a:rPr lang="zh-CN" altLang="en-US" sz="1600" dirty="0" smtClean="0"/>
+              <a:rPr lang="zh-CN" altLang="en-US" sz="1400" dirty="0" smtClean="0"/>
               <a:t> </a:t>
             </a:r>
             <a:r>
-              <a:rPr lang="en-US" altLang="zh-CN" sz="1600" dirty="0" smtClean="0"/>
+              <a:rPr lang="en-US" altLang="zh-CN" sz="1400" dirty="0" smtClean="0"/>
               <a:t>framework—</a:t>
             </a:r>
             <a:r>
-              <a:rPr lang="en-US" altLang="zh-CN" sz="1600" dirty="0" err="1" smtClean="0"/>
+              <a:rPr lang="en-US" altLang="zh-CN" sz="1400" dirty="0" err="1" smtClean="0"/>
               <a:t>rest_rpc</a:t>
             </a:r>
-            <a:endParaRPr lang="en-US" altLang="zh-CN" sz="1600" dirty="0" smtClean="0"/>
+            <a:endParaRPr lang="en-US" altLang="zh-CN" sz="1400" dirty="0" smtClean="0"/>
           </a:p>
           <a:p>
             <a:pPr lvl="1"/>
             <a:r>
-              <a:rPr lang="en-US" altLang="zh-CN" sz="1600" dirty="0" smtClean="0"/>
+              <a:rPr lang="en-US" altLang="zh-CN" sz="1400" dirty="0" smtClean="0"/>
               <a:t>Serialization engine—iguana</a:t>
             </a:r>
           </a:p>
           <a:p>
             <a:pPr lvl="1"/>
             <a:r>
-              <a:rPr lang="en-US" altLang="zh-CN" sz="1600" dirty="0" smtClean="0"/>
+              <a:rPr lang="en-US" altLang="zh-CN" sz="1400" dirty="0" smtClean="0"/>
               <a:t>ORM--</a:t>
             </a:r>
             <a:r>
-              <a:rPr lang="en-US" altLang="zh-CN" sz="1600" dirty="0" err="1" smtClean="0"/>
+              <a:rPr lang="en-US" altLang="zh-CN" sz="1400" dirty="0" err="1" smtClean="0"/>
               <a:t>ormpp</a:t>
             </a:r>
-            <a:endParaRPr lang="en-US" altLang="zh-CN" sz="1600" dirty="0" smtClean="0"/>
+            <a:endParaRPr lang="en-US" altLang="zh-CN" sz="1400" dirty="0" smtClean="0"/>
           </a:p>
           <a:p>
             <a:pPr lvl="1"/>
             <a:r>
-              <a:rPr lang="en-US" altLang="zh-CN" sz="1600" dirty="0" smtClean="0"/>
+              <a:rPr lang="en-US" altLang="zh-CN" sz="1400" dirty="0" smtClean="0"/>
               <a:t>http</a:t>
             </a:r>
             <a:r>
-              <a:rPr lang="zh-CN" altLang="en-US" sz="1600" dirty="0" smtClean="0"/>
+              <a:rPr lang="zh-CN" altLang="en-US" sz="1400" dirty="0" smtClean="0"/>
               <a:t> </a:t>
             </a:r>
             <a:r>
-              <a:rPr lang="en-US" altLang="zh-CN" sz="1600" dirty="0" smtClean="0"/>
+              <a:rPr lang="en-US" altLang="zh-CN" sz="1400" dirty="0" smtClean="0"/>
               <a:t>framework--</a:t>
             </a:r>
             <a:r>
-              <a:rPr lang="en-US" altLang="zh-CN" sz="1600" dirty="0" err="1" smtClean="0"/>
+              <a:rPr lang="en-US" altLang="zh-CN" sz="1400" dirty="0" err="1" smtClean="0"/>
               <a:t>cinatra</a:t>
             </a:r>
-            <a:endParaRPr lang="zh-CN" altLang="en-US" sz="1600" dirty="0" smtClean="0"/>
+            <a:endParaRPr lang="zh-CN" altLang="en-US" sz="1400" dirty="0" smtClean="0"/>
           </a:p>
           <a:p>
             <a:endParaRPr lang="zh-CN" altLang="en-US" sz="1800" dirty="0"/>
@@ -15672,7 +15723,7 @@
         <p:spPr>
           <a:xfrm>
             <a:off x="548914" y="2446630"/>
-            <a:ext cx="5270989" cy="1815882"/>
+            <a:ext cx="5270989" cy="1600438"/>
           </a:xfrm>
           <a:prstGeom prst="rect">
             <a:avLst/>
@@ -15685,69 +15736,69 @@
           <a:lstStyle/>
           <a:p>
             <a:r>
-              <a:rPr lang="en-US" altLang="zh-CN" sz="1600" dirty="0" smtClean="0">
+              <a:rPr lang="en-US" altLang="zh-CN" sz="1400" dirty="0" smtClean="0">
                 <a:hlinkClick r:id="rId2"/>
               </a:rPr>
               <a:t>http://purecpp.org</a:t>
             </a:r>
             <a:r>
-              <a:rPr lang="en-US" altLang="zh-CN" sz="1600" dirty="0" smtClean="0"/>
+              <a:rPr lang="en-US" altLang="zh-CN" sz="1400" dirty="0" smtClean="0"/>
               <a:t> (modern </a:t>
             </a:r>
             <a:r>
-              <a:rPr lang="en-US" altLang="zh-CN" sz="1600" dirty="0" err="1" smtClean="0"/>
+              <a:rPr lang="en-US" altLang="zh-CN" sz="1400" dirty="0" err="1" smtClean="0"/>
               <a:t>c++</a:t>
             </a:r>
             <a:r>
-              <a:rPr lang="en-US" altLang="zh-CN" sz="1600" dirty="0" smtClean="0"/>
+              <a:rPr lang="en-US" altLang="zh-CN" sz="1400" dirty="0" smtClean="0"/>
               <a:t> open source community)</a:t>
             </a:r>
           </a:p>
           <a:p>
             <a:r>
-              <a:rPr lang="en-US" altLang="zh-CN" sz="1600" dirty="0" smtClean="0">
+              <a:rPr lang="en-US" altLang="zh-CN" sz="1400" dirty="0" smtClean="0">
                 <a:hlinkClick r:id="rId3"/>
               </a:rPr>
               <a:t>https://github.com/qicosmos</a:t>
             </a:r>
-            <a:endParaRPr lang="en-US" altLang="zh-CN" sz="1600" dirty="0" smtClean="0"/>
-          </a:p>
-          <a:p>
-            <a:endParaRPr lang="en-US" altLang="zh-CN" sz="1600" dirty="0" smtClean="0"/>
-          </a:p>
-          <a:p>
-            <a:r>
-              <a:rPr lang="en-US" altLang="zh-CN" sz="1600" dirty="0" smtClean="0">
+            <a:endParaRPr lang="en-US" altLang="zh-CN" sz="1400" dirty="0" smtClean="0"/>
+          </a:p>
+          <a:p>
+            <a:endParaRPr lang="en-US" altLang="zh-CN" sz="1400" dirty="0" smtClean="0"/>
+          </a:p>
+          <a:p>
+            <a:r>
+              <a:rPr lang="en-US" altLang="zh-CN" sz="1400" dirty="0" smtClean="0">
                 <a:hlinkClick r:id="rId4"/>
               </a:rPr>
               <a:t>https://www.youtube.com/watch?v=WlhoWjrR41A</a:t>
             </a:r>
-            <a:endParaRPr lang="en-US" altLang="zh-CN" sz="1600" dirty="0" smtClean="0"/>
-          </a:p>
-          <a:p>
-            <a:r>
-              <a:rPr lang="en-US" altLang="zh-CN" sz="1600" dirty="0" smtClean="0">
+            <a:endParaRPr lang="en-US" altLang="zh-CN" sz="1400" dirty="0" smtClean="0"/>
+          </a:p>
+          <a:p>
+            <a:r>
+              <a:rPr lang="en-US" altLang="zh-CN" sz="1400" dirty="0" smtClean="0">
                 <a:hlinkClick r:id="rId5"/>
               </a:rPr>
               <a:t>https://www.youtube.com/watch?v=vh1BhlqF-fs</a:t>
             </a:r>
-            <a:endParaRPr lang="en-US" altLang="zh-CN" sz="1600" dirty="0" smtClean="0"/>
-          </a:p>
-          <a:p>
-            <a:endParaRPr lang="en-US" altLang="zh-CN" sz="1600" dirty="0" smtClean="0"/>
-          </a:p>
-          <a:p>
-            <a:r>
-              <a:rPr lang="en-US" altLang="zh-CN" sz="1600" dirty="0" smtClean="0">
+            <a:endParaRPr lang="en-US" altLang="zh-CN" sz="1400" dirty="0" smtClean="0"/>
+          </a:p>
+          <a:p>
+            <a:endParaRPr lang="en-US" altLang="zh-CN" sz="1400" dirty="0" smtClean="0"/>
+          </a:p>
+          <a:p>
+            <a:r>
+              <a:rPr lang="en-US" altLang="zh-CN" sz="1400" dirty="0" smtClean="0">
                 <a:hlinkClick r:id="rId6"/>
               </a:rPr>
               <a:t>https://isocpp.org/</a:t>
             </a:r>
             <a:r>
-              <a:rPr lang="en-US" altLang="zh-CN" sz="1600" dirty="0" smtClean="0"/>
+              <a:rPr lang="en-US" altLang="zh-CN" sz="1400" dirty="0" smtClean="0"/>
               <a:t> </a:t>
             </a:r>
-            <a:endParaRPr lang="zh-CN" altLang="en-US" dirty="0"/>
+            <a:endParaRPr lang="zh-CN" altLang="en-US" sz="1600" dirty="0"/>
           </a:p>
         </p:txBody>
       </p:sp>
@@ -16003,7 +16054,7 @@
         <p:spPr>
           <a:xfrm>
             <a:off x="457199" y="1074223"/>
-            <a:ext cx="7714212" cy="923330"/>
+            <a:ext cx="7714212" cy="861774"/>
           </a:xfrm>
           <a:prstGeom prst="rect">
             <a:avLst/>
@@ -16016,7 +16067,7 @@
           <a:lstStyle/>
           <a:p>
             <a:r>
-              <a:rPr lang="en-US" altLang="zh-CN" dirty="0" smtClean="0">
+              <a:rPr lang="en-US" altLang="zh-CN" sz="1600" dirty="0" smtClean="0">
                 <a:latin typeface="DejaVu Sans Mono" pitchFamily="49" charset="0"/>
                 <a:ea typeface="DejaVu Sans Mono" pitchFamily="49" charset="0"/>
                 <a:cs typeface="DejaVu Sans Mono" pitchFamily="49" charset="0"/>
@@ -16024,7 +16075,7 @@
               <a:t>std::map&lt;</a:t>
             </a:r>
             <a:r>
-              <a:rPr lang="en-US" altLang="zh-CN" dirty="0" err="1" smtClean="0">
+              <a:rPr lang="en-US" altLang="zh-CN" sz="1600" dirty="0" err="1" smtClean="0">
                 <a:latin typeface="DejaVu Sans Mono" pitchFamily="49" charset="0"/>
                 <a:ea typeface="DejaVu Sans Mono" pitchFamily="49" charset="0"/>
                 <a:cs typeface="DejaVu Sans Mono" pitchFamily="49" charset="0"/>
@@ -16032,7 +16083,7 @@
               <a:t>int</a:t>
             </a:r>
             <a:r>
-              <a:rPr lang="en-US" altLang="zh-CN" dirty="0" smtClean="0">
+              <a:rPr lang="en-US" altLang="zh-CN" sz="1600" dirty="0" smtClean="0">
                 <a:latin typeface="DejaVu Sans Mono" pitchFamily="49" charset="0"/>
                 <a:ea typeface="DejaVu Sans Mono" pitchFamily="49" charset="0"/>
                 <a:cs typeface="DejaVu Sans Mono" pitchFamily="49" charset="0"/>
@@ -16040,7 +16091,7 @@
               <a:t>, </a:t>
             </a:r>
             <a:r>
-              <a:rPr lang="en-US" altLang="zh-CN" dirty="0" err="1" smtClean="0">
+              <a:rPr lang="en-US" altLang="zh-CN" sz="1600" dirty="0" err="1" smtClean="0">
                 <a:latin typeface="DejaVu Sans Mono" pitchFamily="49" charset="0"/>
                 <a:ea typeface="DejaVu Sans Mono" pitchFamily="49" charset="0"/>
                 <a:cs typeface="DejaVu Sans Mono" pitchFamily="49" charset="0"/>
@@ -16048,7 +16099,7 @@
               <a:t>int</a:t>
             </a:r>
             <a:r>
-              <a:rPr lang="en-US" altLang="zh-CN" dirty="0" smtClean="0">
+              <a:rPr lang="en-US" altLang="zh-CN" sz="1600" dirty="0" smtClean="0">
                 <a:latin typeface="DejaVu Sans Mono" pitchFamily="49" charset="0"/>
                 <a:ea typeface="DejaVu Sans Mono" pitchFamily="49" charset="0"/>
                 <a:cs typeface="DejaVu Sans Mono" pitchFamily="49" charset="0"/>
@@ -16058,7 +16109,7 @@
           </a:p>
           <a:p>
             <a:r>
-              <a:rPr lang="en-US" altLang="zh-CN" dirty="0" smtClean="0">
+              <a:rPr lang="en-US" altLang="zh-CN" sz="1600" dirty="0" smtClean="0">
                 <a:latin typeface="DejaVu Sans Mono" pitchFamily="49" charset="0"/>
                 <a:ea typeface="DejaVu Sans Mono" pitchFamily="49" charset="0"/>
                 <a:cs typeface="DejaVu Sans Mono" pitchFamily="49" charset="0"/>
@@ -16068,7 +16119,7 @@
           </a:p>
           <a:p>
             <a:r>
-              <a:rPr lang="en-US" altLang="zh-CN" dirty="0" smtClean="0">
+              <a:rPr lang="en-US" altLang="zh-CN" sz="1600" dirty="0" smtClean="0">
                 <a:latin typeface="DejaVu Sans Mono" pitchFamily="49" charset="0"/>
                 <a:ea typeface="DejaVu Sans Mono" pitchFamily="49" charset="0"/>
                 <a:cs typeface="DejaVu Sans Mono" pitchFamily="49" charset="0"/>
@@ -16076,7 +16127,7 @@
               <a:t>    std::</a:t>
             </a:r>
             <a:r>
-              <a:rPr lang="en-US" altLang="zh-CN" dirty="0" err="1" smtClean="0">
+              <a:rPr lang="en-US" altLang="zh-CN" sz="1600" dirty="0" err="1" smtClean="0">
                 <a:latin typeface="DejaVu Sans Mono" pitchFamily="49" charset="0"/>
                 <a:ea typeface="DejaVu Sans Mono" pitchFamily="49" charset="0"/>
                 <a:cs typeface="DejaVu Sans Mono" pitchFamily="49" charset="0"/>
@@ -16084,7 +16135,7 @@
               <a:t>cout</a:t>
             </a:r>
             <a:r>
-              <a:rPr lang="en-US" altLang="zh-CN" dirty="0" smtClean="0">
+              <a:rPr lang="en-US" altLang="zh-CN" sz="1600" dirty="0" smtClean="0">
                 <a:latin typeface="DejaVu Sans Mono" pitchFamily="49" charset="0"/>
                 <a:ea typeface="DejaVu Sans Mono" pitchFamily="49" charset="0"/>
                 <a:cs typeface="DejaVu Sans Mono" pitchFamily="49" charset="0"/>
@@ -16107,7 +16158,7 @@
         <p:spPr>
           <a:xfrm>
             <a:off x="390698" y="2148575"/>
-            <a:ext cx="5602778" cy="646331"/>
+            <a:ext cx="5602778" cy="615553"/>
           </a:xfrm>
           <a:prstGeom prst="rect">
             <a:avLst/>
@@ -16125,10 +16176,18 @@
                 <a:ea typeface="DejaVu Sans Mono" pitchFamily="49" charset="0"/>
                 <a:cs typeface="DejaVu Sans Mono" pitchFamily="49" charset="0"/>
               </a:rPr>
-              <a:t> std::</a:t>
-            </a:r>
-            <a:r>
-              <a:rPr lang="en-US" altLang="zh-CN" dirty="0" err="1" smtClean="0">
+              <a:t> </a:t>
+            </a:r>
+            <a:r>
+              <a:rPr lang="en-US" altLang="zh-CN" sz="1600" dirty="0" smtClean="0">
+                <a:latin typeface="DejaVu Sans Mono" pitchFamily="49" charset="0"/>
+                <a:ea typeface="DejaVu Sans Mono" pitchFamily="49" charset="0"/>
+                <a:cs typeface="DejaVu Sans Mono" pitchFamily="49" charset="0"/>
+              </a:rPr>
+              <a:t>std::</a:t>
+            </a:r>
+            <a:r>
+              <a:rPr lang="en-US" altLang="zh-CN" sz="1600" dirty="0" err="1" smtClean="0">
                 <a:latin typeface="DejaVu Sans Mono" pitchFamily="49" charset="0"/>
                 <a:ea typeface="DejaVu Sans Mono" pitchFamily="49" charset="0"/>
                 <a:cs typeface="DejaVu Sans Mono" pitchFamily="49" charset="0"/>
@@ -16136,7 +16195,7 @@
               <a:t>tuple</a:t>
             </a:r>
             <a:r>
-              <a:rPr lang="en-US" altLang="zh-CN" dirty="0" smtClean="0">
+              <a:rPr lang="en-US" altLang="zh-CN" sz="1600" dirty="0" smtClean="0">
                 <a:latin typeface="DejaVu Sans Mono" pitchFamily="49" charset="0"/>
                 <a:ea typeface="DejaVu Sans Mono" pitchFamily="49" charset="0"/>
                 <a:cs typeface="DejaVu Sans Mono" pitchFamily="49" charset="0"/>
@@ -16144,7 +16203,7 @@
               <a:t>&lt;</a:t>
             </a:r>
             <a:r>
-              <a:rPr lang="en-US" altLang="zh-CN" dirty="0" err="1" smtClean="0">
+              <a:rPr lang="en-US" altLang="zh-CN" sz="1600" dirty="0" err="1" smtClean="0">
                 <a:latin typeface="DejaVu Sans Mono" pitchFamily="49" charset="0"/>
                 <a:ea typeface="DejaVu Sans Mono" pitchFamily="49" charset="0"/>
                 <a:cs typeface="DejaVu Sans Mono" pitchFamily="49" charset="0"/>
@@ -16152,7 +16211,7 @@
               <a:t>int</a:t>
             </a:r>
             <a:r>
-              <a:rPr lang="en-US" altLang="zh-CN" dirty="0" smtClean="0">
+              <a:rPr lang="en-US" altLang="zh-CN" sz="1600" dirty="0" smtClean="0">
                 <a:latin typeface="DejaVu Sans Mono" pitchFamily="49" charset="0"/>
                 <a:ea typeface="DejaVu Sans Mono" pitchFamily="49" charset="0"/>
                 <a:cs typeface="DejaVu Sans Mono" pitchFamily="49" charset="0"/>
@@ -16160,7 +16219,7 @@
               <a:t>, double&gt; </a:t>
             </a:r>
             <a:r>
-              <a:rPr lang="en-US" altLang="zh-CN" dirty="0" err="1" smtClean="0">
+              <a:rPr lang="en-US" altLang="zh-CN" sz="1600" dirty="0" err="1" smtClean="0">
                 <a:latin typeface="DejaVu Sans Mono" pitchFamily="49" charset="0"/>
                 <a:ea typeface="DejaVu Sans Mono" pitchFamily="49" charset="0"/>
                 <a:cs typeface="DejaVu Sans Mono" pitchFamily="49" charset="0"/>
@@ -16168,7 +16227,7 @@
               <a:t>tp</a:t>
             </a:r>
             <a:r>
-              <a:rPr lang="en-US" altLang="zh-CN" dirty="0" smtClean="0">
+              <a:rPr lang="en-US" altLang="zh-CN" sz="1600" dirty="0" smtClean="0">
                 <a:latin typeface="DejaVu Sans Mono" pitchFamily="49" charset="0"/>
                 <a:ea typeface="DejaVu Sans Mono" pitchFamily="49" charset="0"/>
                 <a:cs typeface="DejaVu Sans Mono" pitchFamily="49" charset="0"/>
@@ -16178,7 +16237,7 @@
           </a:p>
           <a:p>
             <a:r>
-              <a:rPr lang="en-US" altLang="zh-CN" dirty="0" smtClean="0">
+              <a:rPr lang="en-US" altLang="zh-CN" sz="1600" dirty="0" smtClean="0">
                 <a:latin typeface="DejaVu Sans Mono" pitchFamily="49" charset="0"/>
                 <a:ea typeface="DejaVu Sans Mono" pitchFamily="49" charset="0"/>
                 <a:cs typeface="DejaVu Sans Mono" pitchFamily="49" charset="0"/>
@@ -16186,7 +16245,7 @@
               <a:t> auto [a, b] = </a:t>
             </a:r>
             <a:r>
-              <a:rPr lang="en-US" altLang="zh-CN" dirty="0" err="1" smtClean="0">
+              <a:rPr lang="en-US" altLang="zh-CN" sz="1600" dirty="0" err="1" smtClean="0">
                 <a:latin typeface="DejaVu Sans Mono" pitchFamily="49" charset="0"/>
                 <a:ea typeface="DejaVu Sans Mono" pitchFamily="49" charset="0"/>
                 <a:cs typeface="DejaVu Sans Mono" pitchFamily="49" charset="0"/>
@@ -16194,14 +16253,14 @@
               <a:t>tp</a:t>
             </a:r>
             <a:r>
-              <a:rPr lang="en-US" altLang="zh-CN" dirty="0" smtClean="0">
+              <a:rPr lang="en-US" altLang="zh-CN" sz="1600" dirty="0" smtClean="0">
                 <a:latin typeface="DejaVu Sans Mono" pitchFamily="49" charset="0"/>
                 <a:ea typeface="DejaVu Sans Mono" pitchFamily="49" charset="0"/>
                 <a:cs typeface="DejaVu Sans Mono" pitchFamily="49" charset="0"/>
               </a:rPr>
               <a:t>;</a:t>
             </a:r>
-            <a:endParaRPr lang="zh-CN" altLang="en-US" dirty="0" smtClean="0">
+            <a:endParaRPr lang="zh-CN" altLang="en-US" sz="1600" dirty="0" smtClean="0">
               <a:latin typeface="DejaVu Sans Mono" pitchFamily="49" charset="0"/>
               <a:ea typeface="DejaVu Sans Mono" pitchFamily="49" charset="0"/>
               <a:cs typeface="DejaVu Sans Mono" pitchFamily="49" charset="0"/>
@@ -16318,7 +16377,7 @@
         <p:spPr>
           <a:xfrm>
             <a:off x="507078" y="1369463"/>
-            <a:ext cx="7830589" cy="1815882"/>
+            <a:ext cx="7830589" cy="1631216"/>
           </a:xfrm>
           <a:prstGeom prst="rect">
             <a:avLst/>
@@ -16331,7 +16390,7 @@
           <a:lstStyle/>
           <a:p>
             <a:r>
-              <a:rPr lang="en-US" altLang="zh-CN" sz="1600" dirty="0" smtClean="0">
+              <a:rPr lang="en-US" altLang="zh-CN" sz="1400" dirty="0" smtClean="0">
                 <a:latin typeface="DejaVu Sans Mono" pitchFamily="49" charset="0"/>
                 <a:ea typeface="DejaVu Sans Mono" pitchFamily="49" charset="0"/>
                 <a:cs typeface="DejaVu Sans Mono" pitchFamily="49" charset="0"/>
@@ -16339,7 +16398,7 @@
               <a:t>template&lt;</a:t>
             </a:r>
             <a:r>
-              <a:rPr lang="en-US" altLang="zh-CN" sz="1600" dirty="0" err="1" smtClean="0">
+              <a:rPr lang="en-US" altLang="zh-CN" sz="1400" dirty="0" err="1" smtClean="0">
                 <a:latin typeface="DejaVu Sans Mono" pitchFamily="49" charset="0"/>
                 <a:ea typeface="DejaVu Sans Mono" pitchFamily="49" charset="0"/>
                 <a:cs typeface="DejaVu Sans Mono" pitchFamily="49" charset="0"/>
@@ -16347,7 +16406,7 @@
               <a:t>typename</a:t>
             </a:r>
             <a:r>
-              <a:rPr lang="en-US" altLang="zh-CN" sz="1600" dirty="0" smtClean="0">
+              <a:rPr lang="en-US" altLang="zh-CN" sz="1400" dirty="0" smtClean="0">
                 <a:latin typeface="DejaVu Sans Mono" pitchFamily="49" charset="0"/>
                 <a:ea typeface="DejaVu Sans Mono" pitchFamily="49" charset="0"/>
                 <a:cs typeface="DejaVu Sans Mono" pitchFamily="49" charset="0"/>
@@ -16355,7 +16414,7 @@
               <a:t>... </a:t>
             </a:r>
             <a:r>
-              <a:rPr lang="en-US" altLang="zh-CN" sz="1600" dirty="0" err="1" smtClean="0">
+              <a:rPr lang="en-US" altLang="zh-CN" sz="1400" dirty="0" err="1" smtClean="0">
                 <a:latin typeface="DejaVu Sans Mono" pitchFamily="49" charset="0"/>
                 <a:ea typeface="DejaVu Sans Mono" pitchFamily="49" charset="0"/>
                 <a:cs typeface="DejaVu Sans Mono" pitchFamily="49" charset="0"/>
@@ -16363,7 +16422,7 @@
               <a:t>Args</a:t>
             </a:r>
             <a:r>
-              <a:rPr lang="en-US" altLang="zh-CN" sz="1600" dirty="0" smtClean="0">
+              <a:rPr lang="en-US" altLang="zh-CN" sz="1400" dirty="0" smtClean="0">
                 <a:latin typeface="DejaVu Sans Mono" pitchFamily="49" charset="0"/>
                 <a:ea typeface="DejaVu Sans Mono" pitchFamily="49" charset="0"/>
                 <a:cs typeface="DejaVu Sans Mono" pitchFamily="49" charset="0"/>
@@ -16373,7 +16432,7 @@
           </a:p>
           <a:p>
             <a:r>
-              <a:rPr lang="en-US" altLang="zh-CN" sz="1600" dirty="0" smtClean="0">
+              <a:rPr lang="en-US" altLang="zh-CN" sz="1400" dirty="0" smtClean="0">
                 <a:latin typeface="DejaVu Sans Mono" pitchFamily="49" charset="0"/>
                 <a:ea typeface="DejaVu Sans Mono" pitchFamily="49" charset="0"/>
                 <a:cs typeface="DejaVu Sans Mono" pitchFamily="49" charset="0"/>
@@ -16381,7 +16440,7 @@
               <a:t>auto split_3args(</a:t>
             </a:r>
             <a:r>
-              <a:rPr lang="en-US" altLang="zh-CN" sz="1600" dirty="0" err="1" smtClean="0">
+              <a:rPr lang="en-US" altLang="zh-CN" sz="1400" dirty="0" err="1" smtClean="0">
                 <a:latin typeface="DejaVu Sans Mono" pitchFamily="49" charset="0"/>
                 <a:ea typeface="DejaVu Sans Mono" pitchFamily="49" charset="0"/>
                 <a:cs typeface="DejaVu Sans Mono" pitchFamily="49" charset="0"/>
@@ -16389,7 +16448,7 @@
               <a:t>Args</a:t>
             </a:r>
             <a:r>
-              <a:rPr lang="en-US" altLang="zh-CN" sz="1600" dirty="0" smtClean="0">
+              <a:rPr lang="en-US" altLang="zh-CN" sz="1400" dirty="0" smtClean="0">
                 <a:latin typeface="DejaVu Sans Mono" pitchFamily="49" charset="0"/>
                 <a:ea typeface="DejaVu Sans Mono" pitchFamily="49" charset="0"/>
                 <a:cs typeface="DejaVu Sans Mono" pitchFamily="49" charset="0"/>
@@ -16397,7 +16456,7 @@
               <a:t>&amp;&amp;... </a:t>
             </a:r>
             <a:r>
-              <a:rPr lang="en-US" altLang="zh-CN" sz="1600" dirty="0" err="1" smtClean="0">
+              <a:rPr lang="en-US" altLang="zh-CN" sz="1400" dirty="0" err="1" smtClean="0">
                 <a:latin typeface="DejaVu Sans Mono" pitchFamily="49" charset="0"/>
                 <a:ea typeface="DejaVu Sans Mono" pitchFamily="49" charset="0"/>
                 <a:cs typeface="DejaVu Sans Mono" pitchFamily="49" charset="0"/>
@@ -16405,7 +16464,7 @@
               <a:t>args</a:t>
             </a:r>
             <a:r>
-              <a:rPr lang="en-US" altLang="zh-CN" sz="1600" dirty="0" smtClean="0">
+              <a:rPr lang="en-US" altLang="zh-CN" sz="1400" dirty="0" smtClean="0">
                 <a:latin typeface="DejaVu Sans Mono" pitchFamily="49" charset="0"/>
                 <a:ea typeface="DejaVu Sans Mono" pitchFamily="49" charset="0"/>
                 <a:cs typeface="DejaVu Sans Mono" pitchFamily="49" charset="0"/>
@@ -16415,7 +16474,7 @@
           </a:p>
           <a:p>
             <a:r>
-              <a:rPr lang="en-US" altLang="zh-CN" sz="1600" dirty="0" smtClean="0">
+              <a:rPr lang="en-US" altLang="zh-CN" sz="1400" dirty="0" smtClean="0">
                 <a:latin typeface="DejaVu Sans Mono" pitchFamily="49" charset="0"/>
                 <a:ea typeface="DejaVu Sans Mono" pitchFamily="49" charset="0"/>
                 <a:cs typeface="DejaVu Sans Mono" pitchFamily="49" charset="0"/>
@@ -16423,7 +16482,7 @@
               <a:t>    auto </a:t>
             </a:r>
             <a:r>
-              <a:rPr lang="en-US" altLang="zh-CN" sz="1600" dirty="0" err="1" smtClean="0">
+              <a:rPr lang="en-US" altLang="zh-CN" sz="1400" dirty="0" err="1" smtClean="0">
                 <a:latin typeface="DejaVu Sans Mono" pitchFamily="49" charset="0"/>
                 <a:ea typeface="DejaVu Sans Mono" pitchFamily="49" charset="0"/>
                 <a:cs typeface="DejaVu Sans Mono" pitchFamily="49" charset="0"/>
@@ -16431,7 +16490,7 @@
               <a:t>tp</a:t>
             </a:r>
             <a:r>
-              <a:rPr lang="en-US" altLang="zh-CN" sz="1600" dirty="0" smtClean="0">
+              <a:rPr lang="en-US" altLang="zh-CN" sz="1400" dirty="0" smtClean="0">
                 <a:latin typeface="DejaVu Sans Mono" pitchFamily="49" charset="0"/>
                 <a:ea typeface="DejaVu Sans Mono" pitchFamily="49" charset="0"/>
                 <a:cs typeface="DejaVu Sans Mono" pitchFamily="49" charset="0"/>
@@ -16439,7 +16498,7 @@
               <a:t> = std::</a:t>
             </a:r>
             <a:r>
-              <a:rPr lang="en-US" altLang="zh-CN" sz="1600" dirty="0" err="1" smtClean="0">
+              <a:rPr lang="en-US" altLang="zh-CN" sz="1400" dirty="0" err="1" smtClean="0">
                 <a:latin typeface="DejaVu Sans Mono" pitchFamily="49" charset="0"/>
                 <a:ea typeface="DejaVu Sans Mono" pitchFamily="49" charset="0"/>
                 <a:cs typeface="DejaVu Sans Mono" pitchFamily="49" charset="0"/>
@@ -16447,7 +16506,7 @@
               <a:t>make_tuple</a:t>
             </a:r>
             <a:r>
-              <a:rPr lang="en-US" altLang="zh-CN" sz="1600" dirty="0" smtClean="0">
+              <a:rPr lang="en-US" altLang="zh-CN" sz="1400" dirty="0" smtClean="0">
                 <a:latin typeface="DejaVu Sans Mono" pitchFamily="49" charset="0"/>
                 <a:ea typeface="DejaVu Sans Mono" pitchFamily="49" charset="0"/>
                 <a:cs typeface="DejaVu Sans Mono" pitchFamily="49" charset="0"/>
@@ -16455,7 +16514,7 @@
               <a:t>(std::forward&lt;</a:t>
             </a:r>
             <a:r>
-              <a:rPr lang="en-US" altLang="zh-CN" sz="1600" dirty="0" err="1" smtClean="0">
+              <a:rPr lang="en-US" altLang="zh-CN" sz="1400" dirty="0" err="1" smtClean="0">
                 <a:latin typeface="DejaVu Sans Mono" pitchFamily="49" charset="0"/>
                 <a:ea typeface="DejaVu Sans Mono" pitchFamily="49" charset="0"/>
                 <a:cs typeface="DejaVu Sans Mono" pitchFamily="49" charset="0"/>
@@ -16463,7 +16522,7 @@
               <a:t>Args</a:t>
             </a:r>
             <a:r>
-              <a:rPr lang="en-US" altLang="zh-CN" sz="1600" dirty="0" smtClean="0">
+              <a:rPr lang="en-US" altLang="zh-CN" sz="1400" dirty="0" smtClean="0">
                 <a:latin typeface="DejaVu Sans Mono" pitchFamily="49" charset="0"/>
                 <a:ea typeface="DejaVu Sans Mono" pitchFamily="49" charset="0"/>
                 <a:cs typeface="DejaVu Sans Mono" pitchFamily="49" charset="0"/>
@@ -16471,7 +16530,7 @@
               <a:t>&gt;(</a:t>
             </a:r>
             <a:r>
-              <a:rPr lang="en-US" altLang="zh-CN" sz="1600" dirty="0" err="1" smtClean="0">
+              <a:rPr lang="en-US" altLang="zh-CN" sz="1400" dirty="0" err="1" smtClean="0">
                 <a:latin typeface="DejaVu Sans Mono" pitchFamily="49" charset="0"/>
                 <a:ea typeface="DejaVu Sans Mono" pitchFamily="49" charset="0"/>
                 <a:cs typeface="DejaVu Sans Mono" pitchFamily="49" charset="0"/>
@@ -16479,7 +16538,7 @@
               <a:t>args</a:t>
             </a:r>
             <a:r>
-              <a:rPr lang="en-US" altLang="zh-CN" sz="1600" dirty="0" smtClean="0">
+              <a:rPr lang="en-US" altLang="zh-CN" sz="1400" dirty="0" smtClean="0">
                 <a:latin typeface="DejaVu Sans Mono" pitchFamily="49" charset="0"/>
                 <a:ea typeface="DejaVu Sans Mono" pitchFamily="49" charset="0"/>
                 <a:cs typeface="DejaVu Sans Mono" pitchFamily="49" charset="0"/>
@@ -16488,7 +16547,7 @@
             </a:r>
           </a:p>
           <a:p>
-            <a:endParaRPr lang="en-US" altLang="zh-CN" sz="1600" dirty="0" smtClean="0">
+            <a:endParaRPr lang="en-US" altLang="zh-CN" sz="1400" dirty="0" smtClean="0">
               <a:latin typeface="DejaVu Sans Mono" pitchFamily="49" charset="0"/>
               <a:ea typeface="DejaVu Sans Mono" pitchFamily="49" charset="0"/>
               <a:cs typeface="DejaVu Sans Mono" pitchFamily="49" charset="0"/>
@@ -16496,7 +16555,7 @@
           </a:p>
           <a:p>
             <a:r>
-              <a:rPr lang="en-US" altLang="zh-CN" sz="1600" dirty="0" smtClean="0">
+              <a:rPr lang="en-US" altLang="zh-CN" sz="1400" dirty="0" smtClean="0">
                 <a:latin typeface="DejaVu Sans Mono" pitchFamily="49" charset="0"/>
                 <a:ea typeface="DejaVu Sans Mono" pitchFamily="49" charset="0"/>
                 <a:cs typeface="DejaVu Sans Mono" pitchFamily="49" charset="0"/>
@@ -16504,7 +16563,7 @@
               <a:t>    return std::</a:t>
             </a:r>
             <a:r>
-              <a:rPr lang="en-US" altLang="zh-CN" sz="1600" dirty="0" err="1" smtClean="0">
+              <a:rPr lang="en-US" altLang="zh-CN" sz="1400" dirty="0" err="1" smtClean="0">
                 <a:latin typeface="DejaVu Sans Mono" pitchFamily="49" charset="0"/>
                 <a:ea typeface="DejaVu Sans Mono" pitchFamily="49" charset="0"/>
                 <a:cs typeface="DejaVu Sans Mono" pitchFamily="49" charset="0"/>
@@ -16512,7 +16571,7 @@
               <a:t>make_tuple</a:t>
             </a:r>
             <a:r>
-              <a:rPr lang="en-US" altLang="zh-CN" sz="1600" dirty="0" smtClean="0">
+              <a:rPr lang="en-US" altLang="zh-CN" sz="1400" dirty="0" smtClean="0">
                 <a:latin typeface="DejaVu Sans Mono" pitchFamily="49" charset="0"/>
                 <a:ea typeface="DejaVu Sans Mono" pitchFamily="49" charset="0"/>
                 <a:cs typeface="DejaVu Sans Mono" pitchFamily="49" charset="0"/>
@@ -16520,7 +16579,7 @@
               <a:t>(std::get&lt;0&gt;(</a:t>
             </a:r>
             <a:r>
-              <a:rPr lang="en-US" altLang="zh-CN" sz="1600" dirty="0" err="1" smtClean="0">
+              <a:rPr lang="en-US" altLang="zh-CN" sz="1400" dirty="0" err="1" smtClean="0">
                 <a:latin typeface="DejaVu Sans Mono" pitchFamily="49" charset="0"/>
                 <a:ea typeface="DejaVu Sans Mono" pitchFamily="49" charset="0"/>
                 <a:cs typeface="DejaVu Sans Mono" pitchFamily="49" charset="0"/>
@@ -16528,7 +16587,7 @@
               <a:t>tp</a:t>
             </a:r>
             <a:r>
-              <a:rPr lang="en-US" altLang="zh-CN" sz="1600" dirty="0" smtClean="0">
+              <a:rPr lang="en-US" altLang="zh-CN" sz="1400" dirty="0" smtClean="0">
                 <a:latin typeface="DejaVu Sans Mono" pitchFamily="49" charset="0"/>
                 <a:ea typeface="DejaVu Sans Mono" pitchFamily="49" charset="0"/>
                 <a:cs typeface="DejaVu Sans Mono" pitchFamily="49" charset="0"/>
@@ -16536,7 +16595,7 @@
               <a:t>), std::get&lt;1&gt;(</a:t>
             </a:r>
             <a:r>
-              <a:rPr lang="en-US" altLang="zh-CN" sz="1600" dirty="0" err="1" smtClean="0">
+              <a:rPr lang="en-US" altLang="zh-CN" sz="1400" dirty="0" err="1" smtClean="0">
                 <a:latin typeface="DejaVu Sans Mono" pitchFamily="49" charset="0"/>
                 <a:ea typeface="DejaVu Sans Mono" pitchFamily="49" charset="0"/>
                 <a:cs typeface="DejaVu Sans Mono" pitchFamily="49" charset="0"/>
@@ -16544,7 +16603,7 @@
               <a:t>tp</a:t>
             </a:r>
             <a:r>
-              <a:rPr lang="en-US" altLang="zh-CN" sz="1600" dirty="0" smtClean="0">
+              <a:rPr lang="en-US" altLang="zh-CN" sz="1400" dirty="0" smtClean="0">
                 <a:latin typeface="DejaVu Sans Mono" pitchFamily="49" charset="0"/>
                 <a:ea typeface="DejaVu Sans Mono" pitchFamily="49" charset="0"/>
                 <a:cs typeface="DejaVu Sans Mono" pitchFamily="49" charset="0"/>
@@ -16552,7 +16611,7 @@
               <a:t>), std::get&lt;2&gt;(</a:t>
             </a:r>
             <a:r>
-              <a:rPr lang="en-US" altLang="zh-CN" sz="1600" dirty="0" err="1" smtClean="0">
+              <a:rPr lang="en-US" altLang="zh-CN" sz="1400" dirty="0" err="1" smtClean="0">
                 <a:latin typeface="DejaVu Sans Mono" pitchFamily="49" charset="0"/>
                 <a:ea typeface="DejaVu Sans Mono" pitchFamily="49" charset="0"/>
                 <a:cs typeface="DejaVu Sans Mono" pitchFamily="49" charset="0"/>
@@ -16560,7 +16619,7 @@
               <a:t>tp</a:t>
             </a:r>
             <a:r>
-              <a:rPr lang="en-US" altLang="zh-CN" sz="1600" dirty="0" smtClean="0">
+              <a:rPr lang="en-US" altLang="zh-CN" sz="1400" dirty="0" smtClean="0">
                 <a:latin typeface="DejaVu Sans Mono" pitchFamily="49" charset="0"/>
                 <a:ea typeface="DejaVu Sans Mono" pitchFamily="49" charset="0"/>
                 <a:cs typeface="DejaVu Sans Mono" pitchFamily="49" charset="0"/>
@@ -16592,8 +16651,8 @@
         </p:nvSpPr>
         <p:spPr>
           <a:xfrm>
-            <a:off x="523702" y="2853079"/>
-            <a:ext cx="7365077" cy="584775"/>
+            <a:off x="536059" y="3050787"/>
+            <a:ext cx="7365077" cy="307777"/>
           </a:xfrm>
           <a:prstGeom prst="rect">
             <a:avLst/>
@@ -16606,25 +16665,23 @@
           <a:lstStyle/>
           <a:p>
             <a:r>
-              <a:rPr lang="en-US" altLang="zh-CN" sz="1600" dirty="0" smtClean="0">
-                <a:latin typeface="DejaVu Sans Mono" pitchFamily="49" charset="0"/>
-                <a:ea typeface="DejaVu Sans Mono" pitchFamily="49" charset="0"/>
-                <a:cs typeface="DejaVu Sans Mono" pitchFamily="49" charset="0"/>
-              </a:rPr>
-              <a:t>auto t = split_3args(1, 2.5, "test", '1');</a:t>
-            </a:r>
-          </a:p>
-          <a:p>
-            <a:r>
-              <a:rPr lang="en-US" altLang="zh-CN" sz="1600" dirty="0" smtClean="0">
-                <a:latin typeface="DejaVu Sans Mono" pitchFamily="49" charset="0"/>
-                <a:ea typeface="DejaVu Sans Mono" pitchFamily="49" charset="0"/>
-                <a:cs typeface="DejaVu Sans Mono" pitchFamily="49" charset="0"/>
-              </a:rPr>
-              <a:t> //</a:t>
-            </a:r>
-            <a:r>
-              <a:rPr lang="en-US" altLang="zh-CN" sz="1600" dirty="0" err="1" smtClean="0">
+              <a:rPr lang="en-US" altLang="zh-CN" sz="1400" dirty="0" smtClean="0">
+                <a:latin typeface="DejaVu Sans Mono" pitchFamily="49" charset="0"/>
+                <a:ea typeface="DejaVu Sans Mono" pitchFamily="49" charset="0"/>
+                <a:cs typeface="DejaVu Sans Mono" pitchFamily="49" charset="0"/>
+              </a:rPr>
+              <a:t>auto t = split_3args(1, 2.5, "test", '1</a:t>
+            </a:r>
+            <a:r>
+              <a:rPr lang="en-US" altLang="zh-CN" sz="1400" dirty="0" smtClean="0">
+                <a:latin typeface="DejaVu Sans Mono" pitchFamily="49" charset="0"/>
+                <a:ea typeface="DejaVu Sans Mono" pitchFamily="49" charset="0"/>
+                <a:cs typeface="DejaVu Sans Mono" pitchFamily="49" charset="0"/>
+              </a:rPr>
+              <a:t>'); //</a:t>
+            </a:r>
+            <a:r>
+              <a:rPr lang="en-US" altLang="zh-CN" sz="1400" dirty="0" err="1" smtClean="0">
                 <a:latin typeface="DejaVu Sans Mono" pitchFamily="49" charset="0"/>
                 <a:ea typeface="DejaVu Sans Mono" pitchFamily="49" charset="0"/>
                 <a:cs typeface="DejaVu Sans Mono" pitchFamily="49" charset="0"/>
@@ -16632,14 +16689,14 @@
               <a:t>tuple</a:t>
             </a:r>
             <a:r>
-              <a:rPr lang="en-US" altLang="zh-CN" sz="1600" dirty="0" smtClean="0">
+              <a:rPr lang="en-US" altLang="zh-CN" sz="1400" dirty="0" smtClean="0">
                 <a:latin typeface="DejaVu Sans Mono" pitchFamily="49" charset="0"/>
                 <a:ea typeface="DejaVu Sans Mono" pitchFamily="49" charset="0"/>
                 <a:cs typeface="DejaVu Sans Mono" pitchFamily="49" charset="0"/>
               </a:rPr>
               <a:t>(1, 2.5, "test")</a:t>
             </a:r>
-            <a:endParaRPr lang="zh-CN" altLang="en-US" sz="1600" dirty="0">
+            <a:endParaRPr lang="zh-CN" altLang="en-US" sz="1400" dirty="0">
               <a:latin typeface="DejaVu Sans Mono" pitchFamily="49" charset="0"/>
               <a:cs typeface="DejaVu Sans Mono" pitchFamily="49" charset="0"/>
             </a:endParaRPr>
@@ -16742,8 +16799,8 @@
         </p:nvSpPr>
         <p:spPr>
           <a:xfrm>
-            <a:off x="689957" y="2832365"/>
-            <a:ext cx="7448204" cy="923330"/>
+            <a:off x="696135" y="2968289"/>
+            <a:ext cx="7448204" cy="861774"/>
           </a:xfrm>
           <a:prstGeom prst="rect">
             <a:avLst/>
@@ -16756,7 +16813,7 @@
           <a:lstStyle/>
           <a:p>
             <a:r>
-              <a:rPr lang="en-US" altLang="zh-CN" dirty="0" smtClean="0">
+              <a:rPr lang="en-US" altLang="zh-CN" sz="1600" dirty="0" smtClean="0">
                 <a:latin typeface="DejaVu Sans Mono" pitchFamily="49" charset="0"/>
                 <a:ea typeface="DejaVu Sans Mono" pitchFamily="49" charset="0"/>
                 <a:cs typeface="DejaVu Sans Mono" pitchFamily="49" charset="0"/>
@@ -16766,7 +16823,7 @@
           </a:p>
           <a:p>
             <a:r>
-              <a:rPr lang="en-US" altLang="zh-CN" dirty="0" smtClean="0">
+              <a:rPr lang="en-US" altLang="zh-CN" sz="1600" dirty="0" smtClean="0">
                 <a:latin typeface="DejaVu Sans Mono" pitchFamily="49" charset="0"/>
                 <a:ea typeface="DejaVu Sans Mono" pitchFamily="49" charset="0"/>
                 <a:cs typeface="DejaVu Sans Mono" pitchFamily="49" charset="0"/>
@@ -16774,7 +16831,7 @@
               <a:t>    return std::</a:t>
             </a:r>
             <a:r>
-              <a:rPr lang="en-US" altLang="zh-CN" dirty="0" err="1" smtClean="0">
+              <a:rPr lang="en-US" altLang="zh-CN" sz="1600" dirty="0" err="1" smtClean="0">
                 <a:latin typeface="DejaVu Sans Mono" pitchFamily="49" charset="0"/>
                 <a:ea typeface="DejaVu Sans Mono" pitchFamily="49" charset="0"/>
                 <a:cs typeface="DejaVu Sans Mono" pitchFamily="49" charset="0"/>
@@ -16782,7 +16839,7 @@
               <a:t>make_tuple</a:t>
             </a:r>
             <a:r>
-              <a:rPr lang="en-US" altLang="zh-CN" dirty="0" smtClean="0">
+              <a:rPr lang="en-US" altLang="zh-CN" sz="1600" dirty="0" smtClean="0">
                 <a:latin typeface="DejaVu Sans Mono" pitchFamily="49" charset="0"/>
                 <a:ea typeface="DejaVu Sans Mono" pitchFamily="49" charset="0"/>
                 <a:cs typeface="DejaVu Sans Mono" pitchFamily="49" charset="0"/>
@@ -16792,14 +16849,14 @@
           </a:p>
           <a:p>
             <a:r>
-              <a:rPr lang="en-US" altLang="zh-CN" dirty="0" smtClean="0">
+              <a:rPr lang="en-US" altLang="zh-CN" sz="1600" dirty="0" smtClean="0">
                 <a:latin typeface="DejaVu Sans Mono" pitchFamily="49" charset="0"/>
                 <a:ea typeface="DejaVu Sans Mono" pitchFamily="49" charset="0"/>
                 <a:cs typeface="DejaVu Sans Mono" pitchFamily="49" charset="0"/>
               </a:rPr>
               <a:t>}</a:t>
             </a:r>
-            <a:endParaRPr lang="zh-CN" altLang="en-US" dirty="0">
+            <a:endParaRPr lang="zh-CN" altLang="en-US" sz="1600" dirty="0">
               <a:latin typeface="DejaVu Sans Mono" pitchFamily="49" charset="0"/>
               <a:cs typeface="DejaVu Sans Mono" pitchFamily="49" charset="0"/>
             </a:endParaRPr>
@@ -17780,7 +17837,7 @@
   <a:extraClrSchemeLst/>
   <a:extLst>
     <a:ext uri="{05A4C25C-085E-4340-85A3-A5531E510DB2}">
-      <thm15:themeFamily xmlns="" xmlns:thm15="http://schemas.microsoft.com/office/thememl/2012/main" name="Office Theme" id="{62F939B6-93AF-4DB8-9C6B-D6C7DFDC589F}" vid="{4A3C46E8-61CC-4603-A589-7422A47A8E4A}"/>
+      <thm15:themeFamily xmlns:thm15="http://schemas.microsoft.com/office/thememl/2012/main" xmlns="" name="Office Theme" id="{62F939B6-93AF-4DB8-9C6B-D6C7DFDC589F}" vid="{4A3C46E8-61CC-4603-A589-7422A47A8E4A}"/>
     </a:ext>
   </a:extLst>
 </a:theme>

--- a/CPP-Summit.pptx
+++ b/CPP-Summit.pptx
@@ -54,8 +54,9 @@
     <p:sldId id="305" r:id="rId48"/>
     <p:sldId id="306" r:id="rId49"/>
     <p:sldId id="307" r:id="rId50"/>
-    <p:sldId id="304" r:id="rId51"/>
-    <p:sldId id="279" r:id="rId52"/>
+    <p:sldId id="310" r:id="rId51"/>
+    <p:sldId id="304" r:id="rId52"/>
+    <p:sldId id="279" r:id="rId53"/>
   </p:sldIdLst>
   <p:sldSz cx="9144000" cy="5143500" type="screen16x9"/>
   <p:notesSz cx="6858000" cy="9144000"/>
@@ -156,7 +157,7 @@
   </p:defaultTextStyle>
   <p:extLst>
     <p:ext uri="{EFAFB233-063F-42B5-8137-9DF3F51BA10A}">
-      <p15:sldGuideLst xmlns:p15="http://schemas.microsoft.com/office/powerpoint/2012/main" xmlns=""/>
+      <p15:sldGuideLst xmlns="" xmlns:p15="http://schemas.microsoft.com/office/powerpoint/2012/main"/>
     </p:ext>
   </p:extLst>
 </p:presentation>
@@ -191,7 +192,7 @@
           <a:blip r:embed="rId2">
             <a:extLst>
               <a:ext uri="{28A0092B-C50C-407E-A947-70E740481C1C}">
-                <a14:useLocalDpi xmlns:a14="http://schemas.microsoft.com/office/drawing/2010/main" xmlns="" val="0"/>
+                <a14:useLocalDpi xmlns="" xmlns:a14="http://schemas.microsoft.com/office/drawing/2010/main" val="0"/>
               </a:ext>
             </a:extLst>
           </a:blip>
@@ -236,7 +237,7 @@
     </p:spTree>
     <p:extLst>
       <p:ext uri="{BB962C8B-B14F-4D97-AF65-F5344CB8AC3E}">
-        <p14:creationId xmlns:p14="http://schemas.microsoft.com/office/powerpoint/2010/main" xmlns="" val="1338936593"/>
+        <p14:creationId xmlns="" xmlns:p14="http://schemas.microsoft.com/office/powerpoint/2010/main" val="1338936593"/>
       </p:ext>
     </p:extLst>
   </p:cSld>
@@ -275,7 +276,7 @@
           <a:blip r:embed="rId2">
             <a:extLst>
               <a:ext uri="{28A0092B-C50C-407E-A947-70E740481C1C}">
-                <a14:useLocalDpi xmlns:a14="http://schemas.microsoft.com/office/drawing/2010/main" xmlns="" val="0"/>
+                <a14:useLocalDpi xmlns="" xmlns:a14="http://schemas.microsoft.com/office/drawing/2010/main" val="0"/>
               </a:ext>
             </a:extLst>
           </a:blip>
@@ -297,7 +298,7 @@
           <p:cNvPr id="9" name="文本占位符 10">
             <a:extLst>
               <a:ext uri="{FF2B5EF4-FFF2-40B4-BE49-F238E27FC236}">
-                <a16:creationId xmlns="" xmlns:a16="http://schemas.microsoft.com/office/drawing/2014/main" id="{01D010F3-905B-4D60-A57E-5C1F1E5D7F48}"/>
+                <a16:creationId xmlns:a16="http://schemas.microsoft.com/office/drawing/2014/main" xmlns="" id="{01D010F3-905B-4D60-A57E-5C1F1E5D7F48}"/>
               </a:ext>
             </a:extLst>
           </p:cNvPr>
@@ -463,7 +464,7 @@
     </p:spTree>
     <p:extLst>
       <p:ext uri="{BB962C8B-B14F-4D97-AF65-F5344CB8AC3E}">
-        <p14:creationId xmlns:p14="http://schemas.microsoft.com/office/powerpoint/2010/main" xmlns="" val="4137035524"/>
+        <p14:creationId xmlns="" xmlns:p14="http://schemas.microsoft.com/office/powerpoint/2010/main" val="4137035524"/>
       </p:ext>
     </p:extLst>
   </p:cSld>
@@ -508,7 +509,7 @@
             <a:fld id="{746D8FFF-10F8-4B9C-9872-CC2BCD3FCFAC}" type="datetimeFigureOut">
               <a:rPr lang="zh-CN" altLang="en-US" smtClean="0"/>
               <a:pPr/>
-              <a:t>2017-11-16</a:t>
+              <a:t>2017-11-17</a:t>
             </a:fld>
             <a:endParaRPr lang="zh-CN" altLang="en-US"/>
           </a:p>
@@ -560,7 +561,7 @@
     </p:spTree>
     <p:extLst>
       <p:ext uri="{BB962C8B-B14F-4D97-AF65-F5344CB8AC3E}">
-        <p14:creationId xmlns:p14="http://schemas.microsoft.com/office/powerpoint/2010/main" xmlns="" val="1759841624"/>
+        <p14:creationId xmlns="" xmlns:p14="http://schemas.microsoft.com/office/powerpoint/2010/main" val="1759841624"/>
       </p:ext>
     </p:extLst>
   </p:cSld>
@@ -723,7 +724,7 @@
             <a:fld id="{746D8FFF-10F8-4B9C-9872-CC2BCD3FCFAC}" type="datetimeFigureOut">
               <a:rPr lang="zh-CN" altLang="en-US" smtClean="0"/>
               <a:pPr/>
-              <a:t>2017-11-16</a:t>
+              <a:t>2017-11-17</a:t>
             </a:fld>
             <a:endParaRPr lang="zh-CN" altLang="en-US"/>
           </a:p>
@@ -811,7 +812,7 @@
     </p:spTree>
     <p:extLst>
       <p:ext uri="{BB962C8B-B14F-4D97-AF65-F5344CB8AC3E}">
-        <p14:creationId xmlns:p14="http://schemas.microsoft.com/office/powerpoint/2010/main" xmlns="" val="3267739063"/>
+        <p14:creationId xmlns="" xmlns:p14="http://schemas.microsoft.com/office/powerpoint/2010/main" val="3267739063"/>
       </p:ext>
     </p:extLst>
   </p:cSld>
@@ -1126,7 +1127,7 @@
           <p:cNvPr id="6" name="文本框 5">
             <a:extLst>
               <a:ext uri="{FF2B5EF4-FFF2-40B4-BE49-F238E27FC236}">
-                <a16:creationId xmlns="" xmlns:a16="http://schemas.microsoft.com/office/drawing/2014/main" id="{80BDF59C-8876-4C07-86D1-096C6CCDE453}"/>
+                <a16:creationId xmlns:a16="http://schemas.microsoft.com/office/drawing/2014/main" xmlns="" id="{80BDF59C-8876-4C07-86D1-096C6CCDE453}"/>
               </a:ext>
             </a:extLst>
           </p:cNvPr>
@@ -1209,7 +1210,7 @@
           <p:cNvPr id="7" name="文本框 6">
             <a:extLst>
               <a:ext uri="{FF2B5EF4-FFF2-40B4-BE49-F238E27FC236}">
-                <a16:creationId xmlns="" xmlns:a16="http://schemas.microsoft.com/office/drawing/2014/main" id="{9641ACBE-BC14-4FC9-81D3-2BCBC14FA20C}"/>
+                <a16:creationId xmlns:a16="http://schemas.microsoft.com/office/drawing/2014/main" xmlns="" id="{9641ACBE-BC14-4FC9-81D3-2BCBC14FA20C}"/>
               </a:ext>
             </a:extLst>
           </p:cNvPr>
@@ -1259,7 +1260,7 @@
           <p:cNvPr id="8" name="文本框 7">
             <a:extLst>
               <a:ext uri="{FF2B5EF4-FFF2-40B4-BE49-F238E27FC236}">
-                <a16:creationId xmlns="" xmlns:a16="http://schemas.microsoft.com/office/drawing/2014/main" id="{7B3317C5-8A3B-41BC-BEF9-80955951153B}"/>
+                <a16:creationId xmlns:a16="http://schemas.microsoft.com/office/drawing/2014/main" xmlns="" id="{7B3317C5-8A3B-41BC-BEF9-80955951153B}"/>
               </a:ext>
             </a:extLst>
           </p:cNvPr>
@@ -1326,7 +1327,7 @@
     </p:spTree>
     <p:extLst>
       <p:ext uri="{BB962C8B-B14F-4D97-AF65-F5344CB8AC3E}">
-        <p14:creationId xmlns:p14="http://schemas.microsoft.com/office/powerpoint/2010/main" xmlns="" val="2080158732"/>
+        <p14:creationId xmlns="" xmlns:p14="http://schemas.microsoft.com/office/powerpoint/2010/main" val="2080158732"/>
       </p:ext>
     </p:extLst>
   </p:cSld>
@@ -6407,7 +6408,7 @@
     </p:spTree>
     <p:extLst>
       <p:ext uri="{BB962C8B-B14F-4D97-AF65-F5344CB8AC3E}">
-        <p14:creationId xmlns:p14="http://schemas.microsoft.com/office/powerpoint/2010/main" xmlns="" val="1047839009"/>
+        <p14:creationId xmlns="" xmlns:p14="http://schemas.microsoft.com/office/powerpoint/2010/main" val="1047839009"/>
       </p:ext>
     </p:extLst>
   </p:cSld>
@@ -7402,7 +7403,7 @@
     </p:spTree>
     <p:extLst>
       <p:ext uri="{BB962C8B-B14F-4D97-AF65-F5344CB8AC3E}">
-        <p14:creationId xmlns="" xmlns:p14="http://schemas.microsoft.com/office/powerpoint/2010/main" val="900910706"/>
+        <p14:creationId xmlns:p14="http://schemas.microsoft.com/office/powerpoint/2010/main" xmlns="" val="900910706"/>
       </p:ext>
     </p:extLst>
   </p:cSld>
@@ -7689,7 +7690,7 @@
     </p:spTree>
     <p:extLst>
       <p:ext uri="{BB962C8B-B14F-4D97-AF65-F5344CB8AC3E}">
-        <p14:creationId xmlns="" xmlns:p14="http://schemas.microsoft.com/office/powerpoint/2010/main" val="768345762"/>
+        <p14:creationId xmlns:p14="http://schemas.microsoft.com/office/powerpoint/2010/main" xmlns="" val="768345762"/>
       </p:ext>
     </p:extLst>
   </p:cSld>
@@ -9261,7 +9262,7 @@
     </p:spTree>
     <p:extLst>
       <p:ext uri="{BB962C8B-B14F-4D97-AF65-F5344CB8AC3E}">
-        <p14:creationId xmlns="" xmlns:p14="http://schemas.microsoft.com/office/powerpoint/2010/main" val="3760972625"/>
+        <p14:creationId xmlns:p14="http://schemas.microsoft.com/office/powerpoint/2010/main" xmlns="" val="3760972625"/>
       </p:ext>
     </p:extLst>
   </p:cSld>
@@ -10154,7 +10155,7 @@
     </p:spTree>
     <p:extLst>
       <p:ext uri="{BB962C8B-B14F-4D97-AF65-F5344CB8AC3E}">
-        <p14:creationId xmlns="" xmlns:p14="http://schemas.microsoft.com/office/powerpoint/2010/main" val="1130343970"/>
+        <p14:creationId xmlns:p14="http://schemas.microsoft.com/office/powerpoint/2010/main" xmlns="" val="1130343970"/>
       </p:ext>
     </p:extLst>
   </p:cSld>
@@ -10984,7 +10985,7 @@
     </p:spTree>
     <p:extLst>
       <p:ext uri="{BB962C8B-B14F-4D97-AF65-F5344CB8AC3E}">
-        <p14:creationId xmlns="" xmlns:p14="http://schemas.microsoft.com/office/powerpoint/2010/main" val="3674534974"/>
+        <p14:creationId xmlns:p14="http://schemas.microsoft.com/office/powerpoint/2010/main" xmlns="" val="3674534974"/>
       </p:ext>
     </p:extLst>
   </p:cSld>
@@ -11180,7 +11181,7 @@
     </p:spTree>
     <p:extLst>
       <p:ext uri="{BB962C8B-B14F-4D97-AF65-F5344CB8AC3E}">
-        <p14:creationId xmlns="" xmlns:p14="http://schemas.microsoft.com/office/powerpoint/2010/main" val="1767821580"/>
+        <p14:creationId xmlns:p14="http://schemas.microsoft.com/office/powerpoint/2010/main" xmlns="" val="1767821580"/>
       </p:ext>
     </p:extLst>
   </p:cSld>
@@ -11289,7 +11290,7 @@
     </p:spTree>
     <p:extLst>
       <p:ext uri="{BB962C8B-B14F-4D97-AF65-F5344CB8AC3E}">
-        <p14:creationId xmlns="" xmlns:p14="http://schemas.microsoft.com/office/powerpoint/2010/main" val="156102797"/>
+        <p14:creationId xmlns:p14="http://schemas.microsoft.com/office/powerpoint/2010/main" xmlns="" val="156102797"/>
       </p:ext>
     </p:extLst>
   </p:cSld>
@@ -11986,7 +11987,7 @@
     </p:spTree>
     <p:extLst>
       <p:ext uri="{BB962C8B-B14F-4D97-AF65-F5344CB8AC3E}">
-        <p14:creationId xmlns="" xmlns:p14="http://schemas.microsoft.com/office/powerpoint/2010/main" val="1320338770"/>
+        <p14:creationId xmlns:p14="http://schemas.microsoft.com/office/powerpoint/2010/main" xmlns="" val="1320338770"/>
       </p:ext>
     </p:extLst>
   </p:cSld>
@@ -13661,13 +13662,8 @@
             </a:pPr>
             <a:r>
               <a:rPr lang="en-US" dirty="0" smtClean="0"/>
-              <a:t>easy to change </a:t>
-            </a:r>
-            <a:r>
-              <a:rPr lang="en-US" dirty="0" smtClean="0"/>
-              <a:t>database</a:t>
-            </a:r>
-            <a:endParaRPr lang="en-US" dirty="0" smtClean="0"/>
+              <a:t>easy to change database</a:t>
+            </a:r>
           </a:p>
           <a:p>
             <a:endParaRPr lang="zh-CN" altLang="en-US" dirty="0"/>
@@ -14011,7 +14007,7 @@
           <a:blip r:embed="rId2">
             <a:extLst>
               <a:ext uri="{28A0092B-C50C-407E-A947-70E740481C1C}">
-                <a14:useLocalDpi xmlns="" xmlns:a14="http://schemas.microsoft.com/office/drawing/2010/main" val="0"/>
+                <a14:useLocalDpi xmlns:a14="http://schemas.microsoft.com/office/drawing/2010/main" xmlns="" val="0"/>
               </a:ext>
             </a:extLst>
           </a:blip>
@@ -15511,7 +15507,7 @@
         <p:spPr bwMode="auto">
           <a:xfrm>
             <a:off x="1624099" y="1026167"/>
-            <a:ext cx="5829300" cy="1729390"/>
+            <a:ext cx="5728171" cy="1729390"/>
           </a:xfrm>
           <a:prstGeom prst="rect">
             <a:avLst/>
@@ -15544,7 +15540,7 @@
         <p:spPr bwMode="auto">
           <a:xfrm>
             <a:off x="1572518" y="3052525"/>
-            <a:ext cx="5857875" cy="1414443"/>
+            <a:ext cx="5730325" cy="1414443"/>
           </a:xfrm>
           <a:prstGeom prst="rect">
             <a:avLst/>
@@ -15575,6 +15571,111 @@
 </file>
 
 <file path=ppt/slides/slide50.xml><?xml version="1.0" encoding="utf-8"?>
+<p:sld xmlns:a="http://schemas.openxmlformats.org/drawingml/2006/main" xmlns:r="http://schemas.openxmlformats.org/officeDocument/2006/relationships" xmlns:p="http://schemas.openxmlformats.org/presentationml/2006/main">
+  <p:cSld>
+    <p:spTree>
+      <p:nvGrpSpPr>
+        <p:cNvPr id="1" name=""/>
+        <p:cNvGrpSpPr/>
+        <p:nvPr/>
+      </p:nvGrpSpPr>
+      <p:grpSpPr>
+        <a:xfrm>
+          <a:off x="0" y="0"/>
+          <a:ext cx="0" cy="0"/>
+          <a:chOff x="0" y="0"/>
+          <a:chExt cx="0" cy="0"/>
+        </a:xfrm>
+      </p:grpSpPr>
+      <p:sp>
+        <p:nvSpPr>
+          <p:cNvPr id="2" name="文本占位符 1"/>
+          <p:cNvSpPr>
+            <a:spLocks noGrp="1"/>
+          </p:cNvSpPr>
+          <p:nvPr>
+            <p:ph type="body" sz="quarter" idx="10"/>
+          </p:nvPr>
+        </p:nvSpPr>
+        <p:spPr/>
+        <p:txBody>
+          <a:bodyPr>
+            <a:normAutofit fontScale="85000" lnSpcReduction="20000"/>
+          </a:bodyPr>
+          <a:lstStyle/>
+          <a:p>
+            <a:endParaRPr lang="zh-CN" altLang="en-US"/>
+          </a:p>
+        </p:txBody>
+      </p:sp>
+      <p:sp>
+        <p:nvSpPr>
+          <p:cNvPr id="3" name="内容占位符 2"/>
+          <p:cNvSpPr>
+            <a:spLocks noGrp="1"/>
+          </p:cNvSpPr>
+          <p:nvPr>
+            <p:ph sz="quarter" idx="11"/>
+          </p:nvPr>
+        </p:nvSpPr>
+        <p:spPr/>
+        <p:txBody>
+          <a:bodyPr/>
+          <a:lstStyle/>
+          <a:p>
+            <a:endParaRPr lang="zh-CN" altLang="en-US"/>
+          </a:p>
+        </p:txBody>
+      </p:sp>
+      <p:pic>
+        <p:nvPicPr>
+          <p:cNvPr id="1026" name="Picture 2"/>
+          <p:cNvPicPr>
+            <a:picLocks noChangeAspect="1" noChangeArrowheads="1"/>
+          </p:cNvPicPr>
+          <p:nvPr/>
+        </p:nvPicPr>
+        <p:blipFill>
+          <a:blip r:embed="rId2"/>
+          <a:srcRect/>
+          <a:stretch>
+            <a:fillRect/>
+          </a:stretch>
+        </p:blipFill>
+        <p:spPr bwMode="auto">
+          <a:xfrm>
+            <a:off x="568411" y="1169951"/>
+            <a:ext cx="7582157" cy="2429084"/>
+          </a:xfrm>
+          <a:prstGeom prst="rect">
+            <a:avLst/>
+          </a:prstGeom>
+          <a:noFill/>
+          <a:ln w="9525">
+            <a:noFill/>
+            <a:miter lim="800000"/>
+            <a:headEnd/>
+            <a:tailEnd/>
+          </a:ln>
+          <a:effectLst/>
+        </p:spPr>
+      </p:pic>
+    </p:spTree>
+  </p:cSld>
+  <p:clrMapOvr>
+    <a:masterClrMapping/>
+  </p:clrMapOvr>
+  <p:timing>
+    <p:tnLst>
+      <p:par>
+        <p:cTn id="1" dur="indefinite" restart="never" nodeType="tmRoot"/>
+      </p:par>
+    </p:tnLst>
+  </p:timing>
+</p:sld>
+</file>
+
+<file path=ppt/slides/slide51.xml><?xml version="1.0" encoding="utf-8"?>
 <p:sld xmlns:a="http://schemas.openxmlformats.org/drawingml/2006/main" xmlns:r="http://schemas.openxmlformats.org/officeDocument/2006/relationships" xmlns:p="http://schemas.openxmlformats.org/presentationml/2006/main">
   <p:cSld>
     <p:spTree>
@@ -15876,7 +15977,7 @@
 </p:sld>
 </file>
 
-<file path=ppt/slides/slide51.xml><?xml version="1.0" encoding="utf-8"?>
+<file path=ppt/slides/slide52.xml><?xml version="1.0" encoding="utf-8"?>
 <p:sld xmlns:a="http://schemas.openxmlformats.org/drawingml/2006/main" xmlns:r="http://schemas.openxmlformats.org/officeDocument/2006/relationships" xmlns:p="http://schemas.openxmlformats.org/presentationml/2006/main">
   <p:cSld>
     <p:spTree>
@@ -16670,15 +16771,7 @@
                 <a:ea typeface="DejaVu Sans Mono" pitchFamily="49" charset="0"/>
                 <a:cs typeface="DejaVu Sans Mono" pitchFamily="49" charset="0"/>
               </a:rPr>
-              <a:t>auto t = split_3args(1, 2.5, "test", '1</a:t>
-            </a:r>
-            <a:r>
-              <a:rPr lang="en-US" altLang="zh-CN" sz="1400" dirty="0" smtClean="0">
-                <a:latin typeface="DejaVu Sans Mono" pitchFamily="49" charset="0"/>
-                <a:ea typeface="DejaVu Sans Mono" pitchFamily="49" charset="0"/>
-                <a:cs typeface="DejaVu Sans Mono" pitchFamily="49" charset="0"/>
-              </a:rPr>
-              <a:t>'); //</a:t>
+              <a:t>auto t = split_3args(1, 2.5, "test", '1'); //</a:t>
             </a:r>
             <a:r>
               <a:rPr lang="en-US" altLang="zh-CN" sz="1400" dirty="0" err="1" smtClean="0">
@@ -17837,7 +17930,7 @@
   <a:extraClrSchemeLst/>
   <a:extLst>
     <a:ext uri="{05A4C25C-085E-4340-85A3-A5531E510DB2}">
-      <thm15:themeFamily xmlns:thm15="http://schemas.microsoft.com/office/thememl/2012/main" xmlns="" name="Office Theme" id="{62F939B6-93AF-4DB8-9C6B-D6C7DFDC589F}" vid="{4A3C46E8-61CC-4603-A589-7422A47A8E4A}"/>
+      <thm15:themeFamily xmlns="" xmlns:thm15="http://schemas.microsoft.com/office/thememl/2012/main" name="Office Theme" id="{62F939B6-93AF-4DB8-9C6B-D6C7DFDC589F}" vid="{4A3C46E8-61CC-4603-A589-7422A47A8E4A}"/>
     </a:ext>
   </a:extLst>
 </a:theme>
